--- a/tsa/Introduction to Time Series Analysis.pptx
+++ b/tsa/Introduction to Time Series Analysis.pptx
@@ -5,13 +5,29 @@
     <p:sldMasterId id="2147483707" r:id="rId1"/>
   </p:sldMasterIdLst>
   <p:notesMasterIdLst>
-    <p:notesMasterId r:id="rId6"/>
+    <p:notesMasterId r:id="rId22"/>
   </p:notesMasterIdLst>
   <p:sldIdLst>
     <p:sldId id="266" r:id="rId2"/>
     <p:sldId id="264" r:id="rId3"/>
-    <p:sldId id="267" r:id="rId4"/>
-    <p:sldId id="268" r:id="rId5"/>
+    <p:sldId id="269" r:id="rId4"/>
+    <p:sldId id="278" r:id="rId5"/>
+    <p:sldId id="267" r:id="rId6"/>
+    <p:sldId id="270" r:id="rId7"/>
+    <p:sldId id="272" r:id="rId8"/>
+    <p:sldId id="277" r:id="rId9"/>
+    <p:sldId id="276" r:id="rId10"/>
+    <p:sldId id="273" r:id="rId11"/>
+    <p:sldId id="274" r:id="rId12"/>
+    <p:sldId id="275" r:id="rId13"/>
+    <p:sldId id="279" r:id="rId14"/>
+    <p:sldId id="280" r:id="rId15"/>
+    <p:sldId id="281" r:id="rId16"/>
+    <p:sldId id="282" r:id="rId17"/>
+    <p:sldId id="283" r:id="rId18"/>
+    <p:sldId id="284" r:id="rId19"/>
+    <p:sldId id="285" r:id="rId20"/>
+    <p:sldId id="268" r:id="rId21"/>
   </p:sldIdLst>
   <p:sldSz cx="12192000" cy="6858000"/>
   <p:notesSz cx="6858000" cy="9144000"/>
@@ -200,7 +216,7 @@
           <a:p>
             <a:fld id="{D46E3B93-8523-4DBC-8FC5-65A9B9CDE5EE}" type="datetimeFigureOut">
               <a:rPr lang="en-US" smtClean="0"/>
-              <a:t>6/22/2019</a:t>
+              <a:t>7/17/2019</a:t>
             </a:fld>
             <a:endParaRPr lang="en-US"/>
           </a:p>
@@ -596,7 +612,7 @@
           <a:p>
             <a:fld id="{CE8F6EB4-B6EF-44F6-BBD1-CD5E279CFAE2}" type="datetime4">
               <a:rPr lang="en-US" smtClean="0"/>
-              <a:t>June 22, 2019</a:t>
+              <a:t>July 17, 2019</a:t>
             </a:fld>
             <a:endParaRPr lang="en-US" dirty="0"/>
           </a:p>
@@ -768,7 +784,7 @@
           <a:p>
             <a:fld id="{8A405AA7-4C18-4A99-8AAA-8677C1976FC9}" type="datetime4">
               <a:rPr lang="en-US" smtClean="0"/>
-              <a:t>June 22, 2019</a:t>
+              <a:t>July 17, 2019</a:t>
             </a:fld>
             <a:endParaRPr lang="en-US" dirty="0"/>
           </a:p>
@@ -950,7 +966,7 @@
           <a:p>
             <a:fld id="{4EA0D668-33DD-41B9-B668-7E7FF430C345}" type="datetime4">
               <a:rPr lang="en-US" smtClean="0"/>
-              <a:t>June 22, 2019</a:t>
+              <a:t>July 17, 2019</a:t>
             </a:fld>
             <a:endParaRPr lang="en-US" dirty="0"/>
           </a:p>
@@ -1133,7 +1149,7 @@
           <a:p>
             <a:fld id="{8AAE40A0-A7D8-4DC3-BC9E-BADA32DA2004}" type="datetime4">
               <a:rPr lang="en-US" smtClean="0"/>
-              <a:t>June 22, 2019</a:t>
+              <a:t>July 17, 2019</a:t>
             </a:fld>
             <a:endParaRPr lang="en-US" dirty="0"/>
           </a:p>
@@ -1460,7 +1476,7 @@
           <a:p>
             <a:fld id="{B08FEED8-D7D4-44E9-BFBC-ED06B5996D94}" type="datetime4">
               <a:rPr lang="en-US" smtClean="0"/>
-              <a:t>June 22, 2019</a:t>
+              <a:t>July 17, 2019</a:t>
             </a:fld>
             <a:endParaRPr lang="en-US" dirty="0"/>
           </a:p>
@@ -1770,7 +1786,7 @@
           <a:p>
             <a:fld id="{A143C325-9442-4629-8CC6-5CAC69736C93}" type="datetime4">
               <a:rPr lang="en-US" smtClean="0"/>
-              <a:t>June 22, 2019</a:t>
+              <a:t>July 17, 2019</a:t>
             </a:fld>
             <a:endParaRPr lang="en-US" dirty="0"/>
           </a:p>
@@ -2138,7 +2154,7 @@
           <a:p>
             <a:fld id="{EEDAFACB-3FED-4607-9FDD-34A82581A119}" type="datetime4">
               <a:rPr lang="en-US" smtClean="0"/>
-              <a:t>June 22, 2019</a:t>
+              <a:t>July 17, 2019</a:t>
             </a:fld>
             <a:endParaRPr lang="en-US" dirty="0"/>
           </a:p>
@@ -2259,7 +2275,7 @@
           <a:p>
             <a:fld id="{EC2805D6-2E3E-42F7-ABBA-DCD51C704328}" type="datetime4">
               <a:rPr lang="en-US" smtClean="0"/>
-              <a:t>June 22, 2019</a:t>
+              <a:t>July 17, 2019</a:t>
             </a:fld>
             <a:endParaRPr lang="en-US" dirty="0"/>
           </a:p>
@@ -2358,7 +2374,7 @@
           <a:p>
             <a:fld id="{7A745AAB-8888-45FB-8C4E-B86AF9A05200}" type="datetime4">
               <a:rPr lang="en-US" smtClean="0"/>
-              <a:t>June 22, 2019</a:t>
+              <a:t>July 17, 2019</a:t>
             </a:fld>
             <a:endParaRPr lang="en-US" dirty="0"/>
           </a:p>
@@ -2637,7 +2653,7 @@
           <a:p>
             <a:fld id="{9F896CED-8AFA-412F-B61A-472E6093CDBA}" type="datetime4">
               <a:rPr lang="en-US" smtClean="0"/>
-              <a:t>June 22, 2019</a:t>
+              <a:t>July 17, 2019</a:t>
             </a:fld>
             <a:endParaRPr lang="en-US" dirty="0"/>
           </a:p>
@@ -2896,7 +2912,7 @@
           <a:p>
             <a:fld id="{61078AB2-2970-444D-B1FF-A9F37FC020F5}" type="datetime4">
               <a:rPr lang="en-US" smtClean="0"/>
-              <a:t>June 22, 2019</a:t>
+              <a:t>July 17, 2019</a:t>
             </a:fld>
             <a:endParaRPr lang="en-US" dirty="0"/>
           </a:p>
@@ -3114,7 +3130,7 @@
           <a:p>
             <a:fld id="{1148AE1E-D441-45CD-8192-49B13802301D}" type="datetime4">
               <a:rPr lang="en-US" smtClean="0"/>
-              <a:t>June 22, 2019</a:t>
+              <a:t>July 17, 2019</a:t>
             </a:fld>
             <a:endParaRPr lang="en-US" dirty="0"/>
           </a:p>
@@ -3843,6 +3859,1999 @@
 </p:sld>
 </file>
 
+<file path=ppt/slides/slide10.xml><?xml version="1.0" encoding="utf-8"?>
+<p:sld xmlns:a="http://schemas.openxmlformats.org/drawingml/2006/main" xmlns:r="http://schemas.openxmlformats.org/officeDocument/2006/relationships" xmlns:p="http://schemas.openxmlformats.org/presentationml/2006/main">
+  <p:cSld>
+    <p:spTree>
+      <p:nvGrpSpPr>
+        <p:cNvPr id="1" name=""/>
+        <p:cNvGrpSpPr/>
+        <p:nvPr/>
+      </p:nvGrpSpPr>
+      <p:grpSpPr>
+        <a:xfrm>
+          <a:off x="0" y="0"/>
+          <a:ext cx="0" cy="0"/>
+          <a:chOff x="0" y="0"/>
+          <a:chExt cx="0" cy="0"/>
+        </a:xfrm>
+      </p:grpSpPr>
+      <p:sp>
+        <p:nvSpPr>
+          <p:cNvPr id="7" name="Title 6">
+            <a:extLst>
+              <a:ext uri="{FF2B5EF4-FFF2-40B4-BE49-F238E27FC236}">
+                <a16:creationId xmlns:a16="http://schemas.microsoft.com/office/drawing/2014/main" id="{184E2338-1026-45D4-9455-B21A88F18B28}"/>
+              </a:ext>
+            </a:extLst>
+          </p:cNvPr>
+          <p:cNvSpPr>
+            <a:spLocks noGrp="1"/>
+          </p:cNvSpPr>
+          <p:nvPr>
+            <p:ph type="title"/>
+          </p:nvPr>
+        </p:nvSpPr>
+        <p:spPr/>
+        <p:txBody>
+          <a:bodyPr/>
+          <a:lstStyle/>
+          <a:p>
+            <a:r>
+              <a:rPr lang="en-US" dirty="0"/>
+              <a:t>HOW TO MAKE YOUR</a:t>
+            </a:r>
+            <a:br>
+              <a:rPr lang="en-US" dirty="0"/>
+            </a:br>
+            <a:r>
+              <a:rPr lang="en-US" dirty="0"/>
+              <a:t>DATA STATIONARY</a:t>
+            </a:r>
+          </a:p>
+        </p:txBody>
+      </p:sp>
+      <p:sp>
+        <p:nvSpPr>
+          <p:cNvPr id="8" name="Text Placeholder 7">
+            <a:extLst>
+              <a:ext uri="{FF2B5EF4-FFF2-40B4-BE49-F238E27FC236}">
+                <a16:creationId xmlns:a16="http://schemas.microsoft.com/office/drawing/2014/main" id="{DB42CCAB-C8E2-48A8-A9DF-EB0383A8B33C}"/>
+              </a:ext>
+            </a:extLst>
+          </p:cNvPr>
+          <p:cNvSpPr>
+            <a:spLocks noGrp="1"/>
+          </p:cNvSpPr>
+          <p:nvPr>
+            <p:ph type="body" idx="1"/>
+          </p:nvPr>
+        </p:nvSpPr>
+        <p:spPr/>
+        <p:txBody>
+          <a:bodyPr/>
+          <a:lstStyle/>
+          <a:p>
+            <a:r>
+              <a:rPr lang="en-US" dirty="0"/>
+              <a:t>Make your data appetizing for modeling</a:t>
+            </a:r>
+          </a:p>
+        </p:txBody>
+      </p:sp>
+      <p:sp>
+        <p:nvSpPr>
+          <p:cNvPr id="4" name="Date Placeholder 3">
+            <a:extLst>
+              <a:ext uri="{FF2B5EF4-FFF2-40B4-BE49-F238E27FC236}">
+                <a16:creationId xmlns:a16="http://schemas.microsoft.com/office/drawing/2014/main" id="{1CA94ACB-62A5-4F09-8C21-F0CE9BFB1606}"/>
+              </a:ext>
+            </a:extLst>
+          </p:cNvPr>
+          <p:cNvSpPr>
+            <a:spLocks noGrp="1"/>
+          </p:cNvSpPr>
+          <p:nvPr>
+            <p:ph type="dt" sz="half" idx="10"/>
+          </p:nvPr>
+        </p:nvSpPr>
+        <p:spPr/>
+        <p:txBody>
+          <a:bodyPr/>
+          <a:lstStyle/>
+          <a:p>
+            <a:fld id="{8AAE40A0-A7D8-4DC3-BC9E-BADA32DA2004}" type="datetime4">
+              <a:rPr lang="en-US" smtClean="0"/>
+              <a:t>July 17, 2019</a:t>
+            </a:fld>
+            <a:endParaRPr lang="en-US" dirty="0"/>
+          </a:p>
+        </p:txBody>
+      </p:sp>
+      <p:sp>
+        <p:nvSpPr>
+          <p:cNvPr id="5" name="Footer Placeholder 4">
+            <a:extLst>
+              <a:ext uri="{FF2B5EF4-FFF2-40B4-BE49-F238E27FC236}">
+                <a16:creationId xmlns:a16="http://schemas.microsoft.com/office/drawing/2014/main" id="{D20B02B0-893D-4696-B6F7-A126B8D18E99}"/>
+              </a:ext>
+            </a:extLst>
+          </p:cNvPr>
+          <p:cNvSpPr>
+            <a:spLocks noGrp="1"/>
+          </p:cNvSpPr>
+          <p:nvPr>
+            <p:ph type="ftr" sz="quarter" idx="11"/>
+          </p:nvPr>
+        </p:nvSpPr>
+        <p:spPr/>
+        <p:txBody>
+          <a:bodyPr/>
+          <a:lstStyle/>
+          <a:p>
+            <a:r>
+              <a:rPr lang="en-US"/>
+              <a:t>Digital Scholarship Services </a:t>
+            </a:r>
+            <a:r>
+              <a:rPr lang="en-US">
+                <a:solidFill>
+                  <a:schemeClr val="accent1">
+                    <a:lumMod val="50000"/>
+                  </a:schemeClr>
+                </a:solidFill>
+              </a:rPr>
+              <a:t>| Email</a:t>
+            </a:r>
+            <a:r>
+              <a:rPr lang="en-US"/>
+              <a:t> cf24@rice.edu </a:t>
+            </a:r>
+            <a:r>
+              <a:rPr lang="en-US">
+                <a:solidFill>
+                  <a:schemeClr val="accent1">
+                    <a:lumMod val="50000"/>
+                  </a:schemeClr>
+                </a:solidFill>
+              </a:rPr>
+              <a:t>|</a:t>
+            </a:r>
+            <a:r>
+              <a:rPr lang="en-US"/>
+              <a:t> library.rice.edu/dss</a:t>
+            </a:r>
+            <a:endParaRPr lang="en-US" dirty="0"/>
+          </a:p>
+        </p:txBody>
+      </p:sp>
+      <p:sp>
+        <p:nvSpPr>
+          <p:cNvPr id="6" name="Slide Number Placeholder 5">
+            <a:extLst>
+              <a:ext uri="{FF2B5EF4-FFF2-40B4-BE49-F238E27FC236}">
+                <a16:creationId xmlns:a16="http://schemas.microsoft.com/office/drawing/2014/main" id="{1CFDA495-0063-4571-8969-0DD770DB39E0}"/>
+              </a:ext>
+            </a:extLst>
+          </p:cNvPr>
+          <p:cNvSpPr>
+            <a:spLocks noGrp="1"/>
+          </p:cNvSpPr>
+          <p:nvPr>
+            <p:ph type="sldNum" sz="quarter" idx="12"/>
+          </p:nvPr>
+        </p:nvSpPr>
+        <p:spPr/>
+        <p:txBody>
+          <a:bodyPr/>
+          <a:lstStyle/>
+          <a:p>
+            <a:fld id="{D57F1E4F-1CFF-5643-939E-02111984F565}" type="slidenum">
+              <a:rPr lang="en-US" smtClean="0"/>
+              <a:t>10</a:t>
+            </a:fld>
+            <a:endParaRPr lang="en-US" dirty="0"/>
+          </a:p>
+        </p:txBody>
+      </p:sp>
+    </p:spTree>
+    <p:extLst>
+      <p:ext uri="{BB962C8B-B14F-4D97-AF65-F5344CB8AC3E}">
+        <p14:creationId xmlns:p14="http://schemas.microsoft.com/office/powerpoint/2010/main" val="3850339889"/>
+      </p:ext>
+    </p:extLst>
+  </p:cSld>
+  <p:clrMapOvr>
+    <a:masterClrMapping/>
+  </p:clrMapOvr>
+</p:sld>
+</file>
+
+<file path=ppt/slides/slide11.xml><?xml version="1.0" encoding="utf-8"?>
+<p:sld xmlns:a="http://schemas.openxmlformats.org/drawingml/2006/main" xmlns:r="http://schemas.openxmlformats.org/officeDocument/2006/relationships" xmlns:p="http://schemas.openxmlformats.org/presentationml/2006/main">
+  <p:cSld>
+    <p:spTree>
+      <p:nvGrpSpPr>
+        <p:cNvPr id="1" name=""/>
+        <p:cNvGrpSpPr/>
+        <p:nvPr/>
+      </p:nvGrpSpPr>
+      <p:grpSpPr>
+        <a:xfrm>
+          <a:off x="0" y="0"/>
+          <a:ext cx="0" cy="0"/>
+          <a:chOff x="0" y="0"/>
+          <a:chExt cx="0" cy="0"/>
+        </a:xfrm>
+      </p:grpSpPr>
+      <p:sp>
+        <p:nvSpPr>
+          <p:cNvPr id="7" name="Title 6">
+            <a:extLst>
+              <a:ext uri="{FF2B5EF4-FFF2-40B4-BE49-F238E27FC236}">
+                <a16:creationId xmlns:a16="http://schemas.microsoft.com/office/drawing/2014/main" id="{495B4BC0-844B-4414-A623-BEF78AAC1BA1}"/>
+              </a:ext>
+            </a:extLst>
+          </p:cNvPr>
+          <p:cNvSpPr>
+            <a:spLocks noGrp="1"/>
+          </p:cNvSpPr>
+          <p:nvPr>
+            <p:ph type="title"/>
+          </p:nvPr>
+        </p:nvSpPr>
+        <p:spPr/>
+        <p:txBody>
+          <a:bodyPr/>
+          <a:lstStyle/>
+          <a:p>
+            <a:r>
+              <a:rPr lang="en-US" dirty="0"/>
+              <a:t>STATIONARITY</a:t>
+            </a:r>
+          </a:p>
+        </p:txBody>
+      </p:sp>
+      <p:sp>
+        <p:nvSpPr>
+          <p:cNvPr id="8" name="Content Placeholder 7">
+            <a:extLst>
+              <a:ext uri="{FF2B5EF4-FFF2-40B4-BE49-F238E27FC236}">
+                <a16:creationId xmlns:a16="http://schemas.microsoft.com/office/drawing/2014/main" id="{2BED3EB3-7E98-4A82-8335-7321D9E37B16}"/>
+              </a:ext>
+            </a:extLst>
+          </p:cNvPr>
+          <p:cNvSpPr>
+            <a:spLocks noGrp="1"/>
+          </p:cNvSpPr>
+          <p:nvPr>
+            <p:ph idx="1"/>
+          </p:nvPr>
+        </p:nvSpPr>
+        <p:spPr/>
+        <p:txBody>
+          <a:bodyPr/>
+          <a:lstStyle/>
+          <a:p>
+            <a:endParaRPr lang="en-US" dirty="0"/>
+          </a:p>
+        </p:txBody>
+      </p:sp>
+      <p:sp>
+        <p:nvSpPr>
+          <p:cNvPr id="4" name="Date Placeholder 3">
+            <a:extLst>
+              <a:ext uri="{FF2B5EF4-FFF2-40B4-BE49-F238E27FC236}">
+                <a16:creationId xmlns:a16="http://schemas.microsoft.com/office/drawing/2014/main" id="{540F37F1-4F33-429F-A568-1A3ADC499E54}"/>
+              </a:ext>
+            </a:extLst>
+          </p:cNvPr>
+          <p:cNvSpPr>
+            <a:spLocks noGrp="1"/>
+          </p:cNvSpPr>
+          <p:nvPr>
+            <p:ph type="dt" sz="half" idx="10"/>
+          </p:nvPr>
+        </p:nvSpPr>
+        <p:spPr/>
+        <p:txBody>
+          <a:bodyPr/>
+          <a:lstStyle/>
+          <a:p>
+            <a:fld id="{B08FEED8-D7D4-44E9-BFBC-ED06B5996D94}" type="datetime4">
+              <a:rPr lang="en-US" smtClean="0"/>
+              <a:t>July 17, 2019</a:t>
+            </a:fld>
+            <a:endParaRPr lang="en-US" dirty="0"/>
+          </a:p>
+        </p:txBody>
+      </p:sp>
+      <p:sp>
+        <p:nvSpPr>
+          <p:cNvPr id="5" name="Footer Placeholder 4">
+            <a:extLst>
+              <a:ext uri="{FF2B5EF4-FFF2-40B4-BE49-F238E27FC236}">
+                <a16:creationId xmlns:a16="http://schemas.microsoft.com/office/drawing/2014/main" id="{673FFA57-C126-4795-A5F6-DD33AAC5ACBD}"/>
+              </a:ext>
+            </a:extLst>
+          </p:cNvPr>
+          <p:cNvSpPr>
+            <a:spLocks noGrp="1"/>
+          </p:cNvSpPr>
+          <p:nvPr>
+            <p:ph type="ftr" sz="quarter" idx="11"/>
+          </p:nvPr>
+        </p:nvSpPr>
+        <p:spPr/>
+        <p:txBody>
+          <a:bodyPr/>
+          <a:lstStyle/>
+          <a:p>
+            <a:r>
+              <a:rPr lang="en-US"/>
+              <a:t>Digital Scholarship Services </a:t>
+            </a:r>
+            <a:r>
+              <a:rPr lang="en-US">
+                <a:solidFill>
+                  <a:schemeClr val="accent1">
+                    <a:lumMod val="50000"/>
+                  </a:schemeClr>
+                </a:solidFill>
+              </a:rPr>
+              <a:t>| Email</a:t>
+            </a:r>
+            <a:r>
+              <a:rPr lang="en-US"/>
+              <a:t> cf24@rice.edu </a:t>
+            </a:r>
+            <a:r>
+              <a:rPr lang="en-US">
+                <a:solidFill>
+                  <a:schemeClr val="accent1">
+                    <a:lumMod val="50000"/>
+                  </a:schemeClr>
+                </a:solidFill>
+              </a:rPr>
+              <a:t>|</a:t>
+            </a:r>
+            <a:r>
+              <a:rPr lang="en-US"/>
+              <a:t> library.rice.edu/dss</a:t>
+            </a:r>
+            <a:endParaRPr lang="en-US" dirty="0"/>
+          </a:p>
+        </p:txBody>
+      </p:sp>
+      <p:sp>
+        <p:nvSpPr>
+          <p:cNvPr id="6" name="Slide Number Placeholder 5">
+            <a:extLst>
+              <a:ext uri="{FF2B5EF4-FFF2-40B4-BE49-F238E27FC236}">
+                <a16:creationId xmlns:a16="http://schemas.microsoft.com/office/drawing/2014/main" id="{2FA49567-BB70-4798-8746-D0B522CCEE20}"/>
+              </a:ext>
+            </a:extLst>
+          </p:cNvPr>
+          <p:cNvSpPr>
+            <a:spLocks noGrp="1"/>
+          </p:cNvSpPr>
+          <p:nvPr>
+            <p:ph type="sldNum" sz="quarter" idx="12"/>
+          </p:nvPr>
+        </p:nvSpPr>
+        <p:spPr/>
+        <p:txBody>
+          <a:bodyPr/>
+          <a:lstStyle/>
+          <a:p>
+            <a:fld id="{D57F1E4F-1CFF-5643-939E-02111984F565}" type="slidenum">
+              <a:rPr lang="en-US" smtClean="0"/>
+              <a:t>11</a:t>
+            </a:fld>
+            <a:endParaRPr lang="en-US" dirty="0"/>
+          </a:p>
+        </p:txBody>
+      </p:sp>
+    </p:spTree>
+    <p:extLst>
+      <p:ext uri="{BB962C8B-B14F-4D97-AF65-F5344CB8AC3E}">
+        <p14:creationId xmlns:p14="http://schemas.microsoft.com/office/powerpoint/2010/main" val="3590493067"/>
+      </p:ext>
+    </p:extLst>
+  </p:cSld>
+  <p:clrMapOvr>
+    <a:masterClrMapping/>
+  </p:clrMapOvr>
+</p:sld>
+</file>
+
+<file path=ppt/slides/slide12.xml><?xml version="1.0" encoding="utf-8"?>
+<p:sld xmlns:a="http://schemas.openxmlformats.org/drawingml/2006/main" xmlns:r="http://schemas.openxmlformats.org/officeDocument/2006/relationships" xmlns:p="http://schemas.openxmlformats.org/presentationml/2006/main">
+  <p:cSld>
+    <p:spTree>
+      <p:nvGrpSpPr>
+        <p:cNvPr id="1" name=""/>
+        <p:cNvGrpSpPr/>
+        <p:nvPr/>
+      </p:nvGrpSpPr>
+      <p:grpSpPr>
+        <a:xfrm>
+          <a:off x="0" y="0"/>
+          <a:ext cx="0" cy="0"/>
+          <a:chOff x="0" y="0"/>
+          <a:chExt cx="0" cy="0"/>
+        </a:xfrm>
+      </p:grpSpPr>
+      <p:sp>
+        <p:nvSpPr>
+          <p:cNvPr id="7" name="Title 6">
+            <a:extLst>
+              <a:ext uri="{FF2B5EF4-FFF2-40B4-BE49-F238E27FC236}">
+                <a16:creationId xmlns:a16="http://schemas.microsoft.com/office/drawing/2014/main" id="{495B4BC0-844B-4414-A623-BEF78AAC1BA1}"/>
+              </a:ext>
+            </a:extLst>
+          </p:cNvPr>
+          <p:cNvSpPr>
+            <a:spLocks noGrp="1"/>
+          </p:cNvSpPr>
+          <p:nvPr>
+            <p:ph type="title"/>
+          </p:nvPr>
+        </p:nvSpPr>
+        <p:spPr/>
+        <p:txBody>
+          <a:bodyPr/>
+          <a:lstStyle/>
+          <a:p>
+            <a:r>
+              <a:rPr lang="en-US" dirty="0"/>
+              <a:t>DETRENDING</a:t>
+            </a:r>
+          </a:p>
+        </p:txBody>
+      </p:sp>
+      <p:sp>
+        <p:nvSpPr>
+          <p:cNvPr id="8" name="Content Placeholder 7">
+            <a:extLst>
+              <a:ext uri="{FF2B5EF4-FFF2-40B4-BE49-F238E27FC236}">
+                <a16:creationId xmlns:a16="http://schemas.microsoft.com/office/drawing/2014/main" id="{2BED3EB3-7E98-4A82-8335-7321D9E37B16}"/>
+              </a:ext>
+            </a:extLst>
+          </p:cNvPr>
+          <p:cNvSpPr>
+            <a:spLocks noGrp="1"/>
+          </p:cNvSpPr>
+          <p:nvPr>
+            <p:ph idx="1"/>
+          </p:nvPr>
+        </p:nvSpPr>
+        <p:spPr/>
+        <p:txBody>
+          <a:bodyPr/>
+          <a:lstStyle/>
+          <a:p>
+            <a:endParaRPr lang="en-US" dirty="0"/>
+          </a:p>
+        </p:txBody>
+      </p:sp>
+      <p:sp>
+        <p:nvSpPr>
+          <p:cNvPr id="4" name="Date Placeholder 3">
+            <a:extLst>
+              <a:ext uri="{FF2B5EF4-FFF2-40B4-BE49-F238E27FC236}">
+                <a16:creationId xmlns:a16="http://schemas.microsoft.com/office/drawing/2014/main" id="{540F37F1-4F33-429F-A568-1A3ADC499E54}"/>
+              </a:ext>
+            </a:extLst>
+          </p:cNvPr>
+          <p:cNvSpPr>
+            <a:spLocks noGrp="1"/>
+          </p:cNvSpPr>
+          <p:nvPr>
+            <p:ph type="dt" sz="half" idx="10"/>
+          </p:nvPr>
+        </p:nvSpPr>
+        <p:spPr/>
+        <p:txBody>
+          <a:bodyPr/>
+          <a:lstStyle/>
+          <a:p>
+            <a:fld id="{B08FEED8-D7D4-44E9-BFBC-ED06B5996D94}" type="datetime4">
+              <a:rPr lang="en-US" smtClean="0"/>
+              <a:t>July 17, 2019</a:t>
+            </a:fld>
+            <a:endParaRPr lang="en-US" dirty="0"/>
+          </a:p>
+        </p:txBody>
+      </p:sp>
+      <p:sp>
+        <p:nvSpPr>
+          <p:cNvPr id="5" name="Footer Placeholder 4">
+            <a:extLst>
+              <a:ext uri="{FF2B5EF4-FFF2-40B4-BE49-F238E27FC236}">
+                <a16:creationId xmlns:a16="http://schemas.microsoft.com/office/drawing/2014/main" id="{673FFA57-C126-4795-A5F6-DD33AAC5ACBD}"/>
+              </a:ext>
+            </a:extLst>
+          </p:cNvPr>
+          <p:cNvSpPr>
+            <a:spLocks noGrp="1"/>
+          </p:cNvSpPr>
+          <p:nvPr>
+            <p:ph type="ftr" sz="quarter" idx="11"/>
+          </p:nvPr>
+        </p:nvSpPr>
+        <p:spPr/>
+        <p:txBody>
+          <a:bodyPr/>
+          <a:lstStyle/>
+          <a:p>
+            <a:r>
+              <a:rPr lang="en-US"/>
+              <a:t>Digital Scholarship Services </a:t>
+            </a:r>
+            <a:r>
+              <a:rPr lang="en-US">
+                <a:solidFill>
+                  <a:schemeClr val="accent1">
+                    <a:lumMod val="50000"/>
+                  </a:schemeClr>
+                </a:solidFill>
+              </a:rPr>
+              <a:t>| Email</a:t>
+            </a:r>
+            <a:r>
+              <a:rPr lang="en-US"/>
+              <a:t> cf24@rice.edu </a:t>
+            </a:r>
+            <a:r>
+              <a:rPr lang="en-US">
+                <a:solidFill>
+                  <a:schemeClr val="accent1">
+                    <a:lumMod val="50000"/>
+                  </a:schemeClr>
+                </a:solidFill>
+              </a:rPr>
+              <a:t>|</a:t>
+            </a:r>
+            <a:r>
+              <a:rPr lang="en-US"/>
+              <a:t> library.rice.edu/dss</a:t>
+            </a:r>
+            <a:endParaRPr lang="en-US" dirty="0"/>
+          </a:p>
+        </p:txBody>
+      </p:sp>
+      <p:sp>
+        <p:nvSpPr>
+          <p:cNvPr id="6" name="Slide Number Placeholder 5">
+            <a:extLst>
+              <a:ext uri="{FF2B5EF4-FFF2-40B4-BE49-F238E27FC236}">
+                <a16:creationId xmlns:a16="http://schemas.microsoft.com/office/drawing/2014/main" id="{2FA49567-BB70-4798-8746-D0B522CCEE20}"/>
+              </a:ext>
+            </a:extLst>
+          </p:cNvPr>
+          <p:cNvSpPr>
+            <a:spLocks noGrp="1"/>
+          </p:cNvSpPr>
+          <p:nvPr>
+            <p:ph type="sldNum" sz="quarter" idx="12"/>
+          </p:nvPr>
+        </p:nvSpPr>
+        <p:spPr/>
+        <p:txBody>
+          <a:bodyPr/>
+          <a:lstStyle/>
+          <a:p>
+            <a:fld id="{D57F1E4F-1CFF-5643-939E-02111984F565}" type="slidenum">
+              <a:rPr lang="en-US" smtClean="0"/>
+              <a:t>12</a:t>
+            </a:fld>
+            <a:endParaRPr lang="en-US" dirty="0"/>
+          </a:p>
+        </p:txBody>
+      </p:sp>
+    </p:spTree>
+    <p:extLst>
+      <p:ext uri="{BB962C8B-B14F-4D97-AF65-F5344CB8AC3E}">
+        <p14:creationId xmlns:p14="http://schemas.microsoft.com/office/powerpoint/2010/main" val="4109370477"/>
+      </p:ext>
+    </p:extLst>
+  </p:cSld>
+  <p:clrMapOvr>
+    <a:masterClrMapping/>
+  </p:clrMapOvr>
+</p:sld>
+</file>
+
+<file path=ppt/slides/slide13.xml><?xml version="1.0" encoding="utf-8"?>
+<p:sld xmlns:a="http://schemas.openxmlformats.org/drawingml/2006/main" xmlns:r="http://schemas.openxmlformats.org/officeDocument/2006/relationships" xmlns:p="http://schemas.openxmlformats.org/presentationml/2006/main">
+  <p:cSld>
+    <p:spTree>
+      <p:nvGrpSpPr>
+        <p:cNvPr id="1" name=""/>
+        <p:cNvGrpSpPr/>
+        <p:nvPr/>
+      </p:nvGrpSpPr>
+      <p:grpSpPr>
+        <a:xfrm>
+          <a:off x="0" y="0"/>
+          <a:ext cx="0" cy="0"/>
+          <a:chOff x="0" y="0"/>
+          <a:chExt cx="0" cy="0"/>
+        </a:xfrm>
+      </p:grpSpPr>
+      <p:sp>
+        <p:nvSpPr>
+          <p:cNvPr id="2" name="Title 1">
+            <a:extLst>
+              <a:ext uri="{FF2B5EF4-FFF2-40B4-BE49-F238E27FC236}">
+                <a16:creationId xmlns:a16="http://schemas.microsoft.com/office/drawing/2014/main" id="{A694862C-8B28-4EF5-9C6F-0187B05C2B03}"/>
+              </a:ext>
+            </a:extLst>
+          </p:cNvPr>
+          <p:cNvSpPr>
+            <a:spLocks noGrp="1"/>
+          </p:cNvSpPr>
+          <p:nvPr>
+            <p:ph type="title"/>
+          </p:nvPr>
+        </p:nvSpPr>
+        <p:spPr/>
+        <p:txBody>
+          <a:bodyPr/>
+          <a:lstStyle/>
+          <a:p>
+            <a:r>
+              <a:rPr lang="en-US" dirty="0"/>
+              <a:t>LAGGING</a:t>
+            </a:r>
+          </a:p>
+        </p:txBody>
+      </p:sp>
+      <p:sp>
+        <p:nvSpPr>
+          <p:cNvPr id="3" name="Content Placeholder 2">
+            <a:extLst>
+              <a:ext uri="{FF2B5EF4-FFF2-40B4-BE49-F238E27FC236}">
+                <a16:creationId xmlns:a16="http://schemas.microsoft.com/office/drawing/2014/main" id="{5DFC40A6-4344-46B7-89C4-4E16031C9B39}"/>
+              </a:ext>
+            </a:extLst>
+          </p:cNvPr>
+          <p:cNvSpPr>
+            <a:spLocks noGrp="1"/>
+          </p:cNvSpPr>
+          <p:nvPr>
+            <p:ph idx="1"/>
+          </p:nvPr>
+        </p:nvSpPr>
+        <p:spPr/>
+        <p:txBody>
+          <a:bodyPr/>
+          <a:lstStyle/>
+          <a:p>
+            <a:endParaRPr lang="en-US"/>
+          </a:p>
+        </p:txBody>
+      </p:sp>
+      <p:sp>
+        <p:nvSpPr>
+          <p:cNvPr id="4" name="Date Placeholder 3">
+            <a:extLst>
+              <a:ext uri="{FF2B5EF4-FFF2-40B4-BE49-F238E27FC236}">
+                <a16:creationId xmlns:a16="http://schemas.microsoft.com/office/drawing/2014/main" id="{ADEE79BB-4734-4439-A76F-2976CABC29C1}"/>
+              </a:ext>
+            </a:extLst>
+          </p:cNvPr>
+          <p:cNvSpPr>
+            <a:spLocks noGrp="1"/>
+          </p:cNvSpPr>
+          <p:nvPr>
+            <p:ph type="dt" sz="half" idx="10"/>
+          </p:nvPr>
+        </p:nvSpPr>
+        <p:spPr/>
+        <p:txBody>
+          <a:bodyPr/>
+          <a:lstStyle/>
+          <a:p>
+            <a:fld id="{8AAE40A0-A7D8-4DC3-BC9E-BADA32DA2004}" type="datetime4">
+              <a:rPr lang="en-US" smtClean="0"/>
+              <a:t>July 17, 2019</a:t>
+            </a:fld>
+            <a:endParaRPr lang="en-US" dirty="0"/>
+          </a:p>
+        </p:txBody>
+      </p:sp>
+      <p:sp>
+        <p:nvSpPr>
+          <p:cNvPr id="5" name="Footer Placeholder 4">
+            <a:extLst>
+              <a:ext uri="{FF2B5EF4-FFF2-40B4-BE49-F238E27FC236}">
+                <a16:creationId xmlns:a16="http://schemas.microsoft.com/office/drawing/2014/main" id="{14093F74-35B5-4B3E-BE77-B47F35290D05}"/>
+              </a:ext>
+            </a:extLst>
+          </p:cNvPr>
+          <p:cNvSpPr>
+            <a:spLocks noGrp="1"/>
+          </p:cNvSpPr>
+          <p:nvPr>
+            <p:ph type="ftr" sz="quarter" idx="11"/>
+          </p:nvPr>
+        </p:nvSpPr>
+        <p:spPr/>
+        <p:txBody>
+          <a:bodyPr/>
+          <a:lstStyle/>
+          <a:p>
+            <a:r>
+              <a:rPr lang="en-US"/>
+              <a:t>Digital Scholarship Services </a:t>
+            </a:r>
+            <a:r>
+              <a:rPr lang="en-US">
+                <a:solidFill>
+                  <a:schemeClr val="accent1">
+                    <a:lumMod val="50000"/>
+                  </a:schemeClr>
+                </a:solidFill>
+              </a:rPr>
+              <a:t>| Email</a:t>
+            </a:r>
+            <a:r>
+              <a:rPr lang="en-US"/>
+              <a:t> cf24@rice.edu </a:t>
+            </a:r>
+            <a:r>
+              <a:rPr lang="en-US">
+                <a:solidFill>
+                  <a:schemeClr val="accent1">
+                    <a:lumMod val="50000"/>
+                  </a:schemeClr>
+                </a:solidFill>
+              </a:rPr>
+              <a:t>|</a:t>
+            </a:r>
+            <a:r>
+              <a:rPr lang="en-US"/>
+              <a:t> library.rice.edu/dss</a:t>
+            </a:r>
+            <a:endParaRPr lang="en-US" dirty="0"/>
+          </a:p>
+        </p:txBody>
+      </p:sp>
+      <p:sp>
+        <p:nvSpPr>
+          <p:cNvPr id="6" name="Slide Number Placeholder 5">
+            <a:extLst>
+              <a:ext uri="{FF2B5EF4-FFF2-40B4-BE49-F238E27FC236}">
+                <a16:creationId xmlns:a16="http://schemas.microsoft.com/office/drawing/2014/main" id="{76F6E8AA-9A3E-467A-A16A-CED9E58CFA80}"/>
+              </a:ext>
+            </a:extLst>
+          </p:cNvPr>
+          <p:cNvSpPr>
+            <a:spLocks noGrp="1"/>
+          </p:cNvSpPr>
+          <p:nvPr>
+            <p:ph type="sldNum" sz="quarter" idx="12"/>
+          </p:nvPr>
+        </p:nvSpPr>
+        <p:spPr/>
+        <p:txBody>
+          <a:bodyPr/>
+          <a:lstStyle/>
+          <a:p>
+            <a:fld id="{D57F1E4F-1CFF-5643-939E-02111984F565}" type="slidenum">
+              <a:rPr lang="en-US" smtClean="0"/>
+              <a:t>13</a:t>
+            </a:fld>
+            <a:endParaRPr lang="en-US" dirty="0"/>
+          </a:p>
+        </p:txBody>
+      </p:sp>
+    </p:spTree>
+    <p:extLst>
+      <p:ext uri="{BB962C8B-B14F-4D97-AF65-F5344CB8AC3E}">
+        <p14:creationId xmlns:p14="http://schemas.microsoft.com/office/powerpoint/2010/main" val="3805551099"/>
+      </p:ext>
+    </p:extLst>
+  </p:cSld>
+  <p:clrMapOvr>
+    <a:masterClrMapping/>
+  </p:clrMapOvr>
+</p:sld>
+</file>
+
+<file path=ppt/slides/slide14.xml><?xml version="1.0" encoding="utf-8"?>
+<p:sld xmlns:a="http://schemas.openxmlformats.org/drawingml/2006/main" xmlns:r="http://schemas.openxmlformats.org/officeDocument/2006/relationships" xmlns:p="http://schemas.openxmlformats.org/presentationml/2006/main">
+  <p:cSld>
+    <p:spTree>
+      <p:nvGrpSpPr>
+        <p:cNvPr id="1" name=""/>
+        <p:cNvGrpSpPr/>
+        <p:nvPr/>
+      </p:nvGrpSpPr>
+      <p:grpSpPr>
+        <a:xfrm>
+          <a:off x="0" y="0"/>
+          <a:ext cx="0" cy="0"/>
+          <a:chOff x="0" y="0"/>
+          <a:chExt cx="0" cy="0"/>
+        </a:xfrm>
+      </p:grpSpPr>
+      <p:sp>
+        <p:nvSpPr>
+          <p:cNvPr id="2" name="Title 1">
+            <a:extLst>
+              <a:ext uri="{FF2B5EF4-FFF2-40B4-BE49-F238E27FC236}">
+                <a16:creationId xmlns:a16="http://schemas.microsoft.com/office/drawing/2014/main" id="{84FE5820-4288-4CB6-888A-5CBF5468888C}"/>
+              </a:ext>
+            </a:extLst>
+          </p:cNvPr>
+          <p:cNvSpPr>
+            <a:spLocks noGrp="1"/>
+          </p:cNvSpPr>
+          <p:nvPr>
+            <p:ph type="title"/>
+          </p:nvPr>
+        </p:nvSpPr>
+        <p:spPr/>
+        <p:txBody>
+          <a:bodyPr/>
+          <a:lstStyle/>
+          <a:p>
+            <a:r>
+              <a:rPr lang="en-US" dirty="0"/>
+              <a:t>LAGGED SCATTERPLOTS</a:t>
+            </a:r>
+          </a:p>
+        </p:txBody>
+      </p:sp>
+      <p:sp>
+        <p:nvSpPr>
+          <p:cNvPr id="3" name="Content Placeholder 2">
+            <a:extLst>
+              <a:ext uri="{FF2B5EF4-FFF2-40B4-BE49-F238E27FC236}">
+                <a16:creationId xmlns:a16="http://schemas.microsoft.com/office/drawing/2014/main" id="{2952943F-FC31-4BE3-AB00-BAB4B12957BE}"/>
+              </a:ext>
+            </a:extLst>
+          </p:cNvPr>
+          <p:cNvSpPr>
+            <a:spLocks noGrp="1"/>
+          </p:cNvSpPr>
+          <p:nvPr>
+            <p:ph idx="1"/>
+          </p:nvPr>
+        </p:nvSpPr>
+        <p:spPr/>
+        <p:txBody>
+          <a:bodyPr/>
+          <a:lstStyle/>
+          <a:p>
+            <a:endParaRPr lang="en-US" dirty="0"/>
+          </a:p>
+        </p:txBody>
+      </p:sp>
+      <p:sp>
+        <p:nvSpPr>
+          <p:cNvPr id="4" name="Date Placeholder 3">
+            <a:extLst>
+              <a:ext uri="{FF2B5EF4-FFF2-40B4-BE49-F238E27FC236}">
+                <a16:creationId xmlns:a16="http://schemas.microsoft.com/office/drawing/2014/main" id="{F716348B-D7FE-46ED-8C48-CF5A55FF31CF}"/>
+              </a:ext>
+            </a:extLst>
+          </p:cNvPr>
+          <p:cNvSpPr>
+            <a:spLocks noGrp="1"/>
+          </p:cNvSpPr>
+          <p:nvPr>
+            <p:ph type="dt" sz="half" idx="10"/>
+          </p:nvPr>
+        </p:nvSpPr>
+        <p:spPr/>
+        <p:txBody>
+          <a:bodyPr/>
+          <a:lstStyle/>
+          <a:p>
+            <a:fld id="{8AAE40A0-A7D8-4DC3-BC9E-BADA32DA2004}" type="datetime4">
+              <a:rPr lang="en-US" smtClean="0"/>
+              <a:t>July 17, 2019</a:t>
+            </a:fld>
+            <a:endParaRPr lang="en-US" dirty="0"/>
+          </a:p>
+        </p:txBody>
+      </p:sp>
+      <p:sp>
+        <p:nvSpPr>
+          <p:cNvPr id="5" name="Footer Placeholder 4">
+            <a:extLst>
+              <a:ext uri="{FF2B5EF4-FFF2-40B4-BE49-F238E27FC236}">
+                <a16:creationId xmlns:a16="http://schemas.microsoft.com/office/drawing/2014/main" id="{34059279-A1E7-4F19-B4BF-8C6B59A4CEFF}"/>
+              </a:ext>
+            </a:extLst>
+          </p:cNvPr>
+          <p:cNvSpPr>
+            <a:spLocks noGrp="1"/>
+          </p:cNvSpPr>
+          <p:nvPr>
+            <p:ph type="ftr" sz="quarter" idx="11"/>
+          </p:nvPr>
+        </p:nvSpPr>
+        <p:spPr/>
+        <p:txBody>
+          <a:bodyPr/>
+          <a:lstStyle/>
+          <a:p>
+            <a:r>
+              <a:rPr lang="en-US"/>
+              <a:t>Digital Scholarship Services </a:t>
+            </a:r>
+            <a:r>
+              <a:rPr lang="en-US">
+                <a:solidFill>
+                  <a:schemeClr val="accent1">
+                    <a:lumMod val="50000"/>
+                  </a:schemeClr>
+                </a:solidFill>
+              </a:rPr>
+              <a:t>| Email</a:t>
+            </a:r>
+            <a:r>
+              <a:rPr lang="en-US"/>
+              <a:t> cf24@rice.edu </a:t>
+            </a:r>
+            <a:r>
+              <a:rPr lang="en-US">
+                <a:solidFill>
+                  <a:schemeClr val="accent1">
+                    <a:lumMod val="50000"/>
+                  </a:schemeClr>
+                </a:solidFill>
+              </a:rPr>
+              <a:t>|</a:t>
+            </a:r>
+            <a:r>
+              <a:rPr lang="en-US"/>
+              <a:t> library.rice.edu/dss</a:t>
+            </a:r>
+            <a:endParaRPr lang="en-US" dirty="0"/>
+          </a:p>
+        </p:txBody>
+      </p:sp>
+      <p:sp>
+        <p:nvSpPr>
+          <p:cNvPr id="6" name="Slide Number Placeholder 5">
+            <a:extLst>
+              <a:ext uri="{FF2B5EF4-FFF2-40B4-BE49-F238E27FC236}">
+                <a16:creationId xmlns:a16="http://schemas.microsoft.com/office/drawing/2014/main" id="{DE722C41-7366-4DE2-9AF4-E75E189A7733}"/>
+              </a:ext>
+            </a:extLst>
+          </p:cNvPr>
+          <p:cNvSpPr>
+            <a:spLocks noGrp="1"/>
+          </p:cNvSpPr>
+          <p:nvPr>
+            <p:ph type="sldNum" sz="quarter" idx="12"/>
+          </p:nvPr>
+        </p:nvSpPr>
+        <p:spPr/>
+        <p:txBody>
+          <a:bodyPr/>
+          <a:lstStyle/>
+          <a:p>
+            <a:fld id="{D57F1E4F-1CFF-5643-939E-02111984F565}" type="slidenum">
+              <a:rPr lang="en-US" smtClean="0"/>
+              <a:t>14</a:t>
+            </a:fld>
+            <a:endParaRPr lang="en-US" dirty="0"/>
+          </a:p>
+        </p:txBody>
+      </p:sp>
+    </p:spTree>
+    <p:extLst>
+      <p:ext uri="{BB962C8B-B14F-4D97-AF65-F5344CB8AC3E}">
+        <p14:creationId xmlns:p14="http://schemas.microsoft.com/office/powerpoint/2010/main" val="2399367561"/>
+      </p:ext>
+    </p:extLst>
+  </p:cSld>
+  <p:clrMapOvr>
+    <a:masterClrMapping/>
+  </p:clrMapOvr>
+</p:sld>
+</file>
+
+<file path=ppt/slides/slide15.xml><?xml version="1.0" encoding="utf-8"?>
+<p:sld xmlns:a="http://schemas.openxmlformats.org/drawingml/2006/main" xmlns:r="http://schemas.openxmlformats.org/officeDocument/2006/relationships" xmlns:p="http://schemas.openxmlformats.org/presentationml/2006/main">
+  <p:cSld>
+    <p:spTree>
+      <p:nvGrpSpPr>
+        <p:cNvPr id="1" name=""/>
+        <p:cNvGrpSpPr/>
+        <p:nvPr/>
+      </p:nvGrpSpPr>
+      <p:grpSpPr>
+        <a:xfrm>
+          <a:off x="0" y="0"/>
+          <a:ext cx="0" cy="0"/>
+          <a:chOff x="0" y="0"/>
+          <a:chExt cx="0" cy="0"/>
+        </a:xfrm>
+      </p:grpSpPr>
+      <p:sp>
+        <p:nvSpPr>
+          <p:cNvPr id="7" name="Title 6">
+            <a:extLst>
+              <a:ext uri="{FF2B5EF4-FFF2-40B4-BE49-F238E27FC236}">
+                <a16:creationId xmlns:a16="http://schemas.microsoft.com/office/drawing/2014/main" id="{7802FB34-7510-47BC-8952-A1FE9728B0BF}"/>
+              </a:ext>
+            </a:extLst>
+          </p:cNvPr>
+          <p:cNvSpPr>
+            <a:spLocks noGrp="1"/>
+          </p:cNvSpPr>
+          <p:nvPr>
+            <p:ph type="title"/>
+          </p:nvPr>
+        </p:nvSpPr>
+        <p:spPr/>
+        <p:txBody>
+          <a:bodyPr/>
+          <a:lstStyle/>
+          <a:p>
+            <a:r>
+              <a:rPr lang="en-US" dirty="0"/>
+              <a:t>ARIMA MODELS</a:t>
+            </a:r>
+          </a:p>
+        </p:txBody>
+      </p:sp>
+      <p:sp>
+        <p:nvSpPr>
+          <p:cNvPr id="8" name="Text Placeholder 7">
+            <a:extLst>
+              <a:ext uri="{FF2B5EF4-FFF2-40B4-BE49-F238E27FC236}">
+                <a16:creationId xmlns:a16="http://schemas.microsoft.com/office/drawing/2014/main" id="{FCA70F1A-579E-4144-AE97-14FFC08FF0F5}"/>
+              </a:ext>
+            </a:extLst>
+          </p:cNvPr>
+          <p:cNvSpPr>
+            <a:spLocks noGrp="1"/>
+          </p:cNvSpPr>
+          <p:nvPr>
+            <p:ph type="body" idx="1"/>
+          </p:nvPr>
+        </p:nvSpPr>
+        <p:spPr/>
+        <p:txBody>
+          <a:bodyPr/>
+          <a:lstStyle/>
+          <a:p>
+            <a:r>
+              <a:rPr lang="en-US" dirty="0"/>
+              <a:t>Interpretable, simple and speedy time series modeling</a:t>
+            </a:r>
+          </a:p>
+        </p:txBody>
+      </p:sp>
+      <p:sp>
+        <p:nvSpPr>
+          <p:cNvPr id="4" name="Date Placeholder 3">
+            <a:extLst>
+              <a:ext uri="{FF2B5EF4-FFF2-40B4-BE49-F238E27FC236}">
+                <a16:creationId xmlns:a16="http://schemas.microsoft.com/office/drawing/2014/main" id="{3AD929EF-0967-4B34-81B8-24D9EF91892E}"/>
+              </a:ext>
+            </a:extLst>
+          </p:cNvPr>
+          <p:cNvSpPr>
+            <a:spLocks noGrp="1"/>
+          </p:cNvSpPr>
+          <p:nvPr>
+            <p:ph type="dt" sz="half" idx="10"/>
+          </p:nvPr>
+        </p:nvSpPr>
+        <p:spPr/>
+        <p:txBody>
+          <a:bodyPr/>
+          <a:lstStyle/>
+          <a:p>
+            <a:fld id="{8AAE40A0-A7D8-4DC3-BC9E-BADA32DA2004}" type="datetime4">
+              <a:rPr lang="en-US" smtClean="0"/>
+              <a:t>July 17, 2019</a:t>
+            </a:fld>
+            <a:endParaRPr lang="en-US" dirty="0"/>
+          </a:p>
+        </p:txBody>
+      </p:sp>
+      <p:sp>
+        <p:nvSpPr>
+          <p:cNvPr id="5" name="Footer Placeholder 4">
+            <a:extLst>
+              <a:ext uri="{FF2B5EF4-FFF2-40B4-BE49-F238E27FC236}">
+                <a16:creationId xmlns:a16="http://schemas.microsoft.com/office/drawing/2014/main" id="{3B5B35DD-F2EA-40D3-8039-8CD3802B2612}"/>
+              </a:ext>
+            </a:extLst>
+          </p:cNvPr>
+          <p:cNvSpPr>
+            <a:spLocks noGrp="1"/>
+          </p:cNvSpPr>
+          <p:nvPr>
+            <p:ph type="ftr" sz="quarter" idx="11"/>
+          </p:nvPr>
+        </p:nvSpPr>
+        <p:spPr/>
+        <p:txBody>
+          <a:bodyPr/>
+          <a:lstStyle/>
+          <a:p>
+            <a:r>
+              <a:rPr lang="en-US"/>
+              <a:t>Digital Scholarship Services </a:t>
+            </a:r>
+            <a:r>
+              <a:rPr lang="en-US">
+                <a:solidFill>
+                  <a:schemeClr val="accent1">
+                    <a:lumMod val="50000"/>
+                  </a:schemeClr>
+                </a:solidFill>
+              </a:rPr>
+              <a:t>| Email</a:t>
+            </a:r>
+            <a:r>
+              <a:rPr lang="en-US"/>
+              <a:t> cf24@rice.edu </a:t>
+            </a:r>
+            <a:r>
+              <a:rPr lang="en-US">
+                <a:solidFill>
+                  <a:schemeClr val="accent1">
+                    <a:lumMod val="50000"/>
+                  </a:schemeClr>
+                </a:solidFill>
+              </a:rPr>
+              <a:t>|</a:t>
+            </a:r>
+            <a:r>
+              <a:rPr lang="en-US"/>
+              <a:t> library.rice.edu/dss</a:t>
+            </a:r>
+            <a:endParaRPr lang="en-US" dirty="0"/>
+          </a:p>
+        </p:txBody>
+      </p:sp>
+      <p:sp>
+        <p:nvSpPr>
+          <p:cNvPr id="6" name="Slide Number Placeholder 5">
+            <a:extLst>
+              <a:ext uri="{FF2B5EF4-FFF2-40B4-BE49-F238E27FC236}">
+                <a16:creationId xmlns:a16="http://schemas.microsoft.com/office/drawing/2014/main" id="{C3EB9A57-323C-47F5-867F-693F95A15FA4}"/>
+              </a:ext>
+            </a:extLst>
+          </p:cNvPr>
+          <p:cNvSpPr>
+            <a:spLocks noGrp="1"/>
+          </p:cNvSpPr>
+          <p:nvPr>
+            <p:ph type="sldNum" sz="quarter" idx="12"/>
+          </p:nvPr>
+        </p:nvSpPr>
+        <p:spPr/>
+        <p:txBody>
+          <a:bodyPr/>
+          <a:lstStyle/>
+          <a:p>
+            <a:fld id="{D57F1E4F-1CFF-5643-939E-02111984F565}" type="slidenum">
+              <a:rPr lang="en-US" smtClean="0"/>
+              <a:t>15</a:t>
+            </a:fld>
+            <a:endParaRPr lang="en-US" dirty="0"/>
+          </a:p>
+        </p:txBody>
+      </p:sp>
+    </p:spTree>
+    <p:extLst>
+      <p:ext uri="{BB962C8B-B14F-4D97-AF65-F5344CB8AC3E}">
+        <p14:creationId xmlns:p14="http://schemas.microsoft.com/office/powerpoint/2010/main" val="107865345"/>
+      </p:ext>
+    </p:extLst>
+  </p:cSld>
+  <p:clrMapOvr>
+    <a:masterClrMapping/>
+  </p:clrMapOvr>
+</p:sld>
+</file>
+
+<file path=ppt/slides/slide16.xml><?xml version="1.0" encoding="utf-8"?>
+<p:sld xmlns:a="http://schemas.openxmlformats.org/drawingml/2006/main" xmlns:r="http://schemas.openxmlformats.org/officeDocument/2006/relationships" xmlns:p="http://schemas.openxmlformats.org/presentationml/2006/main">
+  <p:cSld>
+    <p:spTree>
+      <p:nvGrpSpPr>
+        <p:cNvPr id="1" name=""/>
+        <p:cNvGrpSpPr/>
+        <p:nvPr/>
+      </p:nvGrpSpPr>
+      <p:grpSpPr>
+        <a:xfrm>
+          <a:off x="0" y="0"/>
+          <a:ext cx="0" cy="0"/>
+          <a:chOff x="0" y="0"/>
+          <a:chExt cx="0" cy="0"/>
+        </a:xfrm>
+      </p:grpSpPr>
+      <p:sp>
+        <p:nvSpPr>
+          <p:cNvPr id="7" name="Title 6">
+            <a:extLst>
+              <a:ext uri="{FF2B5EF4-FFF2-40B4-BE49-F238E27FC236}">
+                <a16:creationId xmlns:a16="http://schemas.microsoft.com/office/drawing/2014/main" id="{75C0DCD3-95F8-4E1F-BF1A-5FAAB84A40A3}"/>
+              </a:ext>
+            </a:extLst>
+          </p:cNvPr>
+          <p:cNvSpPr>
+            <a:spLocks noGrp="1"/>
+          </p:cNvSpPr>
+          <p:nvPr>
+            <p:ph type="title"/>
+          </p:nvPr>
+        </p:nvSpPr>
+        <p:spPr/>
+        <p:txBody>
+          <a:bodyPr/>
+          <a:lstStyle/>
+          <a:p>
+            <a:r>
+              <a:rPr lang="en-US" dirty="0"/>
+              <a:t>ARIMA</a:t>
+            </a:r>
+          </a:p>
+        </p:txBody>
+      </p:sp>
+      <p:sp>
+        <p:nvSpPr>
+          <p:cNvPr id="8" name="Content Placeholder 7">
+            <a:extLst>
+              <a:ext uri="{FF2B5EF4-FFF2-40B4-BE49-F238E27FC236}">
+                <a16:creationId xmlns:a16="http://schemas.microsoft.com/office/drawing/2014/main" id="{52BB1FAB-BB61-4B66-A4EA-A0EABC2B3ECA}"/>
+              </a:ext>
+            </a:extLst>
+          </p:cNvPr>
+          <p:cNvSpPr>
+            <a:spLocks noGrp="1"/>
+          </p:cNvSpPr>
+          <p:nvPr>
+            <p:ph idx="1"/>
+          </p:nvPr>
+        </p:nvSpPr>
+        <p:spPr/>
+        <p:txBody>
+          <a:bodyPr/>
+          <a:lstStyle/>
+          <a:p>
+            <a:endParaRPr lang="en-US"/>
+          </a:p>
+        </p:txBody>
+      </p:sp>
+      <p:sp>
+        <p:nvSpPr>
+          <p:cNvPr id="4" name="Date Placeholder 3">
+            <a:extLst>
+              <a:ext uri="{FF2B5EF4-FFF2-40B4-BE49-F238E27FC236}">
+                <a16:creationId xmlns:a16="http://schemas.microsoft.com/office/drawing/2014/main" id="{02256D86-7CE0-416E-B2A3-402D20EE9E90}"/>
+              </a:ext>
+            </a:extLst>
+          </p:cNvPr>
+          <p:cNvSpPr>
+            <a:spLocks noGrp="1"/>
+          </p:cNvSpPr>
+          <p:nvPr>
+            <p:ph type="dt" sz="half" idx="10"/>
+          </p:nvPr>
+        </p:nvSpPr>
+        <p:spPr/>
+        <p:txBody>
+          <a:bodyPr/>
+          <a:lstStyle/>
+          <a:p>
+            <a:fld id="{B08FEED8-D7D4-44E9-BFBC-ED06B5996D94}" type="datetime4">
+              <a:rPr lang="en-US" smtClean="0"/>
+              <a:t>July 17, 2019</a:t>
+            </a:fld>
+            <a:endParaRPr lang="en-US" dirty="0"/>
+          </a:p>
+        </p:txBody>
+      </p:sp>
+      <p:sp>
+        <p:nvSpPr>
+          <p:cNvPr id="5" name="Footer Placeholder 4">
+            <a:extLst>
+              <a:ext uri="{FF2B5EF4-FFF2-40B4-BE49-F238E27FC236}">
+                <a16:creationId xmlns:a16="http://schemas.microsoft.com/office/drawing/2014/main" id="{1D4ED112-7CF4-4BB9-B46E-B366A5054A9A}"/>
+              </a:ext>
+            </a:extLst>
+          </p:cNvPr>
+          <p:cNvSpPr>
+            <a:spLocks noGrp="1"/>
+          </p:cNvSpPr>
+          <p:nvPr>
+            <p:ph type="ftr" sz="quarter" idx="11"/>
+          </p:nvPr>
+        </p:nvSpPr>
+        <p:spPr/>
+        <p:txBody>
+          <a:bodyPr/>
+          <a:lstStyle/>
+          <a:p>
+            <a:r>
+              <a:rPr lang="en-US"/>
+              <a:t>Digital Scholarship Services </a:t>
+            </a:r>
+            <a:r>
+              <a:rPr lang="en-US">
+                <a:solidFill>
+                  <a:schemeClr val="accent1">
+                    <a:lumMod val="50000"/>
+                  </a:schemeClr>
+                </a:solidFill>
+              </a:rPr>
+              <a:t>| Email</a:t>
+            </a:r>
+            <a:r>
+              <a:rPr lang="en-US"/>
+              <a:t> cf24@rice.edu </a:t>
+            </a:r>
+            <a:r>
+              <a:rPr lang="en-US">
+                <a:solidFill>
+                  <a:schemeClr val="accent1">
+                    <a:lumMod val="50000"/>
+                  </a:schemeClr>
+                </a:solidFill>
+              </a:rPr>
+              <a:t>|</a:t>
+            </a:r>
+            <a:r>
+              <a:rPr lang="en-US"/>
+              <a:t> library.rice.edu/dss</a:t>
+            </a:r>
+            <a:endParaRPr lang="en-US" dirty="0"/>
+          </a:p>
+        </p:txBody>
+      </p:sp>
+      <p:sp>
+        <p:nvSpPr>
+          <p:cNvPr id="6" name="Slide Number Placeholder 5">
+            <a:extLst>
+              <a:ext uri="{FF2B5EF4-FFF2-40B4-BE49-F238E27FC236}">
+                <a16:creationId xmlns:a16="http://schemas.microsoft.com/office/drawing/2014/main" id="{8CC75551-85BF-4C9F-8893-AA28ECA8A6B5}"/>
+              </a:ext>
+            </a:extLst>
+          </p:cNvPr>
+          <p:cNvSpPr>
+            <a:spLocks noGrp="1"/>
+          </p:cNvSpPr>
+          <p:nvPr>
+            <p:ph type="sldNum" sz="quarter" idx="12"/>
+          </p:nvPr>
+        </p:nvSpPr>
+        <p:spPr/>
+        <p:txBody>
+          <a:bodyPr/>
+          <a:lstStyle/>
+          <a:p>
+            <a:fld id="{D57F1E4F-1CFF-5643-939E-02111984F565}" type="slidenum">
+              <a:rPr lang="en-US" smtClean="0"/>
+              <a:t>16</a:t>
+            </a:fld>
+            <a:endParaRPr lang="en-US" dirty="0"/>
+          </a:p>
+        </p:txBody>
+      </p:sp>
+    </p:spTree>
+    <p:extLst>
+      <p:ext uri="{BB962C8B-B14F-4D97-AF65-F5344CB8AC3E}">
+        <p14:creationId xmlns:p14="http://schemas.microsoft.com/office/powerpoint/2010/main" val="1065550565"/>
+      </p:ext>
+    </p:extLst>
+  </p:cSld>
+  <p:clrMapOvr>
+    <a:masterClrMapping/>
+  </p:clrMapOvr>
+</p:sld>
+</file>
+
+<file path=ppt/slides/slide17.xml><?xml version="1.0" encoding="utf-8"?>
+<p:sld xmlns:a="http://schemas.openxmlformats.org/drawingml/2006/main" xmlns:r="http://schemas.openxmlformats.org/officeDocument/2006/relationships" xmlns:p="http://schemas.openxmlformats.org/presentationml/2006/main">
+  <p:cSld>
+    <p:spTree>
+      <p:nvGrpSpPr>
+        <p:cNvPr id="1" name=""/>
+        <p:cNvGrpSpPr/>
+        <p:nvPr/>
+      </p:nvGrpSpPr>
+      <p:grpSpPr>
+        <a:xfrm>
+          <a:off x="0" y="0"/>
+          <a:ext cx="0" cy="0"/>
+          <a:chOff x="0" y="0"/>
+          <a:chExt cx="0" cy="0"/>
+        </a:xfrm>
+      </p:grpSpPr>
+      <p:sp>
+        <p:nvSpPr>
+          <p:cNvPr id="7" name="Title 6">
+            <a:extLst>
+              <a:ext uri="{FF2B5EF4-FFF2-40B4-BE49-F238E27FC236}">
+                <a16:creationId xmlns:a16="http://schemas.microsoft.com/office/drawing/2014/main" id="{75C0DCD3-95F8-4E1F-BF1A-5FAAB84A40A3}"/>
+              </a:ext>
+            </a:extLst>
+          </p:cNvPr>
+          <p:cNvSpPr>
+            <a:spLocks noGrp="1"/>
+          </p:cNvSpPr>
+          <p:nvPr>
+            <p:ph type="title"/>
+          </p:nvPr>
+        </p:nvSpPr>
+        <p:spPr/>
+        <p:txBody>
+          <a:bodyPr/>
+          <a:lstStyle/>
+          <a:p>
+            <a:r>
+              <a:rPr lang="en-US" dirty="0"/>
+              <a:t>AUTOREGRESSIVE</a:t>
+            </a:r>
+          </a:p>
+        </p:txBody>
+      </p:sp>
+      <p:sp>
+        <p:nvSpPr>
+          <p:cNvPr id="8" name="Content Placeholder 7">
+            <a:extLst>
+              <a:ext uri="{FF2B5EF4-FFF2-40B4-BE49-F238E27FC236}">
+                <a16:creationId xmlns:a16="http://schemas.microsoft.com/office/drawing/2014/main" id="{52BB1FAB-BB61-4B66-A4EA-A0EABC2B3ECA}"/>
+              </a:ext>
+            </a:extLst>
+          </p:cNvPr>
+          <p:cNvSpPr>
+            <a:spLocks noGrp="1"/>
+          </p:cNvSpPr>
+          <p:nvPr>
+            <p:ph idx="1"/>
+          </p:nvPr>
+        </p:nvSpPr>
+        <p:spPr/>
+        <p:txBody>
+          <a:bodyPr/>
+          <a:lstStyle/>
+          <a:p>
+            <a:endParaRPr lang="en-US"/>
+          </a:p>
+        </p:txBody>
+      </p:sp>
+      <p:sp>
+        <p:nvSpPr>
+          <p:cNvPr id="4" name="Date Placeholder 3">
+            <a:extLst>
+              <a:ext uri="{FF2B5EF4-FFF2-40B4-BE49-F238E27FC236}">
+                <a16:creationId xmlns:a16="http://schemas.microsoft.com/office/drawing/2014/main" id="{02256D86-7CE0-416E-B2A3-402D20EE9E90}"/>
+              </a:ext>
+            </a:extLst>
+          </p:cNvPr>
+          <p:cNvSpPr>
+            <a:spLocks noGrp="1"/>
+          </p:cNvSpPr>
+          <p:nvPr>
+            <p:ph type="dt" sz="half" idx="10"/>
+          </p:nvPr>
+        </p:nvSpPr>
+        <p:spPr/>
+        <p:txBody>
+          <a:bodyPr/>
+          <a:lstStyle/>
+          <a:p>
+            <a:fld id="{B08FEED8-D7D4-44E9-BFBC-ED06B5996D94}" type="datetime4">
+              <a:rPr lang="en-US" smtClean="0"/>
+              <a:t>July 17, 2019</a:t>
+            </a:fld>
+            <a:endParaRPr lang="en-US" dirty="0"/>
+          </a:p>
+        </p:txBody>
+      </p:sp>
+      <p:sp>
+        <p:nvSpPr>
+          <p:cNvPr id="5" name="Footer Placeholder 4">
+            <a:extLst>
+              <a:ext uri="{FF2B5EF4-FFF2-40B4-BE49-F238E27FC236}">
+                <a16:creationId xmlns:a16="http://schemas.microsoft.com/office/drawing/2014/main" id="{1D4ED112-7CF4-4BB9-B46E-B366A5054A9A}"/>
+              </a:ext>
+            </a:extLst>
+          </p:cNvPr>
+          <p:cNvSpPr>
+            <a:spLocks noGrp="1"/>
+          </p:cNvSpPr>
+          <p:nvPr>
+            <p:ph type="ftr" sz="quarter" idx="11"/>
+          </p:nvPr>
+        </p:nvSpPr>
+        <p:spPr/>
+        <p:txBody>
+          <a:bodyPr/>
+          <a:lstStyle/>
+          <a:p>
+            <a:r>
+              <a:rPr lang="en-US"/>
+              <a:t>Digital Scholarship Services </a:t>
+            </a:r>
+            <a:r>
+              <a:rPr lang="en-US">
+                <a:solidFill>
+                  <a:schemeClr val="accent1">
+                    <a:lumMod val="50000"/>
+                  </a:schemeClr>
+                </a:solidFill>
+              </a:rPr>
+              <a:t>| Email</a:t>
+            </a:r>
+            <a:r>
+              <a:rPr lang="en-US"/>
+              <a:t> cf24@rice.edu </a:t>
+            </a:r>
+            <a:r>
+              <a:rPr lang="en-US">
+                <a:solidFill>
+                  <a:schemeClr val="accent1">
+                    <a:lumMod val="50000"/>
+                  </a:schemeClr>
+                </a:solidFill>
+              </a:rPr>
+              <a:t>|</a:t>
+            </a:r>
+            <a:r>
+              <a:rPr lang="en-US"/>
+              <a:t> library.rice.edu/dss</a:t>
+            </a:r>
+            <a:endParaRPr lang="en-US" dirty="0"/>
+          </a:p>
+        </p:txBody>
+      </p:sp>
+      <p:sp>
+        <p:nvSpPr>
+          <p:cNvPr id="6" name="Slide Number Placeholder 5">
+            <a:extLst>
+              <a:ext uri="{FF2B5EF4-FFF2-40B4-BE49-F238E27FC236}">
+                <a16:creationId xmlns:a16="http://schemas.microsoft.com/office/drawing/2014/main" id="{8CC75551-85BF-4C9F-8893-AA28ECA8A6B5}"/>
+              </a:ext>
+            </a:extLst>
+          </p:cNvPr>
+          <p:cNvSpPr>
+            <a:spLocks noGrp="1"/>
+          </p:cNvSpPr>
+          <p:nvPr>
+            <p:ph type="sldNum" sz="quarter" idx="12"/>
+          </p:nvPr>
+        </p:nvSpPr>
+        <p:spPr/>
+        <p:txBody>
+          <a:bodyPr/>
+          <a:lstStyle/>
+          <a:p>
+            <a:fld id="{D57F1E4F-1CFF-5643-939E-02111984F565}" type="slidenum">
+              <a:rPr lang="en-US" smtClean="0"/>
+              <a:t>17</a:t>
+            </a:fld>
+            <a:endParaRPr lang="en-US" dirty="0"/>
+          </a:p>
+        </p:txBody>
+      </p:sp>
+    </p:spTree>
+    <p:extLst>
+      <p:ext uri="{BB962C8B-B14F-4D97-AF65-F5344CB8AC3E}">
+        <p14:creationId xmlns:p14="http://schemas.microsoft.com/office/powerpoint/2010/main" val="4066560549"/>
+      </p:ext>
+    </p:extLst>
+  </p:cSld>
+  <p:clrMapOvr>
+    <a:masterClrMapping/>
+  </p:clrMapOvr>
+</p:sld>
+</file>
+
+<file path=ppt/slides/slide18.xml><?xml version="1.0" encoding="utf-8"?>
+<p:sld xmlns:a="http://schemas.openxmlformats.org/drawingml/2006/main" xmlns:r="http://schemas.openxmlformats.org/officeDocument/2006/relationships" xmlns:p="http://schemas.openxmlformats.org/presentationml/2006/main">
+  <p:cSld>
+    <p:spTree>
+      <p:nvGrpSpPr>
+        <p:cNvPr id="1" name=""/>
+        <p:cNvGrpSpPr/>
+        <p:nvPr/>
+      </p:nvGrpSpPr>
+      <p:grpSpPr>
+        <a:xfrm>
+          <a:off x="0" y="0"/>
+          <a:ext cx="0" cy="0"/>
+          <a:chOff x="0" y="0"/>
+          <a:chExt cx="0" cy="0"/>
+        </a:xfrm>
+      </p:grpSpPr>
+      <p:sp>
+        <p:nvSpPr>
+          <p:cNvPr id="2" name="Title 1">
+            <a:extLst>
+              <a:ext uri="{FF2B5EF4-FFF2-40B4-BE49-F238E27FC236}">
+                <a16:creationId xmlns:a16="http://schemas.microsoft.com/office/drawing/2014/main" id="{D7EACF90-3E7B-4978-AB0C-ED5165419D19}"/>
+              </a:ext>
+            </a:extLst>
+          </p:cNvPr>
+          <p:cNvSpPr>
+            <a:spLocks noGrp="1"/>
+          </p:cNvSpPr>
+          <p:nvPr>
+            <p:ph type="title"/>
+          </p:nvPr>
+        </p:nvSpPr>
+        <p:spPr/>
+        <p:txBody>
+          <a:bodyPr/>
+          <a:lstStyle/>
+          <a:p>
+            <a:r>
+              <a:rPr lang="en-US" dirty="0"/>
+              <a:t>MOVING AVERAGE</a:t>
+            </a:r>
+          </a:p>
+        </p:txBody>
+      </p:sp>
+      <p:sp>
+        <p:nvSpPr>
+          <p:cNvPr id="3" name="Content Placeholder 2">
+            <a:extLst>
+              <a:ext uri="{FF2B5EF4-FFF2-40B4-BE49-F238E27FC236}">
+                <a16:creationId xmlns:a16="http://schemas.microsoft.com/office/drawing/2014/main" id="{A7CEFEF5-E74A-4EFE-9368-8FD74B059E10}"/>
+              </a:ext>
+            </a:extLst>
+          </p:cNvPr>
+          <p:cNvSpPr>
+            <a:spLocks noGrp="1"/>
+          </p:cNvSpPr>
+          <p:nvPr>
+            <p:ph idx="1"/>
+          </p:nvPr>
+        </p:nvSpPr>
+        <p:spPr/>
+        <p:txBody>
+          <a:bodyPr/>
+          <a:lstStyle/>
+          <a:p>
+            <a:endParaRPr lang="en-US"/>
+          </a:p>
+        </p:txBody>
+      </p:sp>
+      <p:sp>
+        <p:nvSpPr>
+          <p:cNvPr id="4" name="Date Placeholder 3">
+            <a:extLst>
+              <a:ext uri="{FF2B5EF4-FFF2-40B4-BE49-F238E27FC236}">
+                <a16:creationId xmlns:a16="http://schemas.microsoft.com/office/drawing/2014/main" id="{64E0A09F-EC7A-4EF6-AB3A-0DC48B1B7271}"/>
+              </a:ext>
+            </a:extLst>
+          </p:cNvPr>
+          <p:cNvSpPr>
+            <a:spLocks noGrp="1"/>
+          </p:cNvSpPr>
+          <p:nvPr>
+            <p:ph type="dt" sz="half" idx="10"/>
+          </p:nvPr>
+        </p:nvSpPr>
+        <p:spPr/>
+        <p:txBody>
+          <a:bodyPr/>
+          <a:lstStyle/>
+          <a:p>
+            <a:fld id="{8AAE40A0-A7D8-4DC3-BC9E-BADA32DA2004}" type="datetime4">
+              <a:rPr lang="en-US" smtClean="0"/>
+              <a:t>July 17, 2019</a:t>
+            </a:fld>
+            <a:endParaRPr lang="en-US" dirty="0"/>
+          </a:p>
+        </p:txBody>
+      </p:sp>
+      <p:sp>
+        <p:nvSpPr>
+          <p:cNvPr id="5" name="Footer Placeholder 4">
+            <a:extLst>
+              <a:ext uri="{FF2B5EF4-FFF2-40B4-BE49-F238E27FC236}">
+                <a16:creationId xmlns:a16="http://schemas.microsoft.com/office/drawing/2014/main" id="{9D8B7F07-2C50-4473-BABC-57C52FDD38D2}"/>
+              </a:ext>
+            </a:extLst>
+          </p:cNvPr>
+          <p:cNvSpPr>
+            <a:spLocks noGrp="1"/>
+          </p:cNvSpPr>
+          <p:nvPr>
+            <p:ph type="ftr" sz="quarter" idx="11"/>
+          </p:nvPr>
+        </p:nvSpPr>
+        <p:spPr/>
+        <p:txBody>
+          <a:bodyPr/>
+          <a:lstStyle/>
+          <a:p>
+            <a:r>
+              <a:rPr lang="en-US"/>
+              <a:t>Digital Scholarship Services </a:t>
+            </a:r>
+            <a:r>
+              <a:rPr lang="en-US">
+                <a:solidFill>
+                  <a:schemeClr val="accent1">
+                    <a:lumMod val="50000"/>
+                  </a:schemeClr>
+                </a:solidFill>
+              </a:rPr>
+              <a:t>| Email</a:t>
+            </a:r>
+            <a:r>
+              <a:rPr lang="en-US"/>
+              <a:t> cf24@rice.edu </a:t>
+            </a:r>
+            <a:r>
+              <a:rPr lang="en-US">
+                <a:solidFill>
+                  <a:schemeClr val="accent1">
+                    <a:lumMod val="50000"/>
+                  </a:schemeClr>
+                </a:solidFill>
+              </a:rPr>
+              <a:t>|</a:t>
+            </a:r>
+            <a:r>
+              <a:rPr lang="en-US"/>
+              <a:t> library.rice.edu/dss</a:t>
+            </a:r>
+            <a:endParaRPr lang="en-US" dirty="0"/>
+          </a:p>
+        </p:txBody>
+      </p:sp>
+      <p:sp>
+        <p:nvSpPr>
+          <p:cNvPr id="6" name="Slide Number Placeholder 5">
+            <a:extLst>
+              <a:ext uri="{FF2B5EF4-FFF2-40B4-BE49-F238E27FC236}">
+                <a16:creationId xmlns:a16="http://schemas.microsoft.com/office/drawing/2014/main" id="{6BE5E43E-0696-4C60-A72C-BBB5B4448760}"/>
+              </a:ext>
+            </a:extLst>
+          </p:cNvPr>
+          <p:cNvSpPr>
+            <a:spLocks noGrp="1"/>
+          </p:cNvSpPr>
+          <p:nvPr>
+            <p:ph type="sldNum" sz="quarter" idx="12"/>
+          </p:nvPr>
+        </p:nvSpPr>
+        <p:spPr/>
+        <p:txBody>
+          <a:bodyPr/>
+          <a:lstStyle/>
+          <a:p>
+            <a:fld id="{D57F1E4F-1CFF-5643-939E-02111984F565}" type="slidenum">
+              <a:rPr lang="en-US" smtClean="0"/>
+              <a:t>18</a:t>
+            </a:fld>
+            <a:endParaRPr lang="en-US" dirty="0"/>
+          </a:p>
+        </p:txBody>
+      </p:sp>
+    </p:spTree>
+    <p:extLst>
+      <p:ext uri="{BB962C8B-B14F-4D97-AF65-F5344CB8AC3E}">
+        <p14:creationId xmlns:p14="http://schemas.microsoft.com/office/powerpoint/2010/main" val="3521777765"/>
+      </p:ext>
+    </p:extLst>
+  </p:cSld>
+  <p:clrMapOvr>
+    <a:masterClrMapping/>
+  </p:clrMapOvr>
+</p:sld>
+</file>
+
+<file path=ppt/slides/slide19.xml><?xml version="1.0" encoding="utf-8"?>
+<p:sld xmlns:a="http://schemas.openxmlformats.org/drawingml/2006/main" xmlns:r="http://schemas.openxmlformats.org/officeDocument/2006/relationships" xmlns:p="http://schemas.openxmlformats.org/presentationml/2006/main">
+  <p:cSld>
+    <p:spTree>
+      <p:nvGrpSpPr>
+        <p:cNvPr id="1" name=""/>
+        <p:cNvGrpSpPr/>
+        <p:nvPr/>
+      </p:nvGrpSpPr>
+      <p:grpSpPr>
+        <a:xfrm>
+          <a:off x="0" y="0"/>
+          <a:ext cx="0" cy="0"/>
+          <a:chOff x="0" y="0"/>
+          <a:chExt cx="0" cy="0"/>
+        </a:xfrm>
+      </p:grpSpPr>
+      <p:sp>
+        <p:nvSpPr>
+          <p:cNvPr id="2" name="Title 1">
+            <a:extLst>
+              <a:ext uri="{FF2B5EF4-FFF2-40B4-BE49-F238E27FC236}">
+                <a16:creationId xmlns:a16="http://schemas.microsoft.com/office/drawing/2014/main" id="{D1BF0482-6913-4A5E-A533-479864CB5349}"/>
+              </a:ext>
+            </a:extLst>
+          </p:cNvPr>
+          <p:cNvSpPr>
+            <a:spLocks noGrp="1"/>
+          </p:cNvSpPr>
+          <p:nvPr>
+            <p:ph type="title"/>
+          </p:nvPr>
+        </p:nvSpPr>
+        <p:spPr/>
+        <p:txBody>
+          <a:bodyPr/>
+          <a:lstStyle/>
+          <a:p>
+            <a:r>
+              <a:rPr lang="en-US" dirty="0"/>
+              <a:t>PLAYING AROUND WITH ARIMA</a:t>
+            </a:r>
+          </a:p>
+        </p:txBody>
+      </p:sp>
+      <p:sp>
+        <p:nvSpPr>
+          <p:cNvPr id="3" name="Content Placeholder 2">
+            <a:extLst>
+              <a:ext uri="{FF2B5EF4-FFF2-40B4-BE49-F238E27FC236}">
+                <a16:creationId xmlns:a16="http://schemas.microsoft.com/office/drawing/2014/main" id="{D48271C9-2790-46C9-B80B-52D215430CB8}"/>
+              </a:ext>
+            </a:extLst>
+          </p:cNvPr>
+          <p:cNvSpPr>
+            <a:spLocks noGrp="1"/>
+          </p:cNvSpPr>
+          <p:nvPr>
+            <p:ph idx="1"/>
+          </p:nvPr>
+        </p:nvSpPr>
+        <p:spPr/>
+        <p:txBody>
+          <a:bodyPr/>
+          <a:lstStyle/>
+          <a:p>
+            <a:endParaRPr lang="en-US"/>
+          </a:p>
+        </p:txBody>
+      </p:sp>
+      <p:sp>
+        <p:nvSpPr>
+          <p:cNvPr id="4" name="Date Placeholder 3">
+            <a:extLst>
+              <a:ext uri="{FF2B5EF4-FFF2-40B4-BE49-F238E27FC236}">
+                <a16:creationId xmlns:a16="http://schemas.microsoft.com/office/drawing/2014/main" id="{B23DAF35-209C-48FA-AAAB-F69E14183A91}"/>
+              </a:ext>
+            </a:extLst>
+          </p:cNvPr>
+          <p:cNvSpPr>
+            <a:spLocks noGrp="1"/>
+          </p:cNvSpPr>
+          <p:nvPr>
+            <p:ph type="dt" sz="half" idx="10"/>
+          </p:nvPr>
+        </p:nvSpPr>
+        <p:spPr/>
+        <p:txBody>
+          <a:bodyPr/>
+          <a:lstStyle/>
+          <a:p>
+            <a:fld id="{8AAE40A0-A7D8-4DC3-BC9E-BADA32DA2004}" type="datetime4">
+              <a:rPr lang="en-US" smtClean="0"/>
+              <a:t>July 17, 2019</a:t>
+            </a:fld>
+            <a:endParaRPr lang="en-US" dirty="0"/>
+          </a:p>
+        </p:txBody>
+      </p:sp>
+      <p:sp>
+        <p:nvSpPr>
+          <p:cNvPr id="5" name="Footer Placeholder 4">
+            <a:extLst>
+              <a:ext uri="{FF2B5EF4-FFF2-40B4-BE49-F238E27FC236}">
+                <a16:creationId xmlns:a16="http://schemas.microsoft.com/office/drawing/2014/main" id="{3D8E22A6-180D-41CF-9959-4347A11F2AD1}"/>
+              </a:ext>
+            </a:extLst>
+          </p:cNvPr>
+          <p:cNvSpPr>
+            <a:spLocks noGrp="1"/>
+          </p:cNvSpPr>
+          <p:nvPr>
+            <p:ph type="ftr" sz="quarter" idx="11"/>
+          </p:nvPr>
+        </p:nvSpPr>
+        <p:spPr/>
+        <p:txBody>
+          <a:bodyPr/>
+          <a:lstStyle/>
+          <a:p>
+            <a:r>
+              <a:rPr lang="en-US"/>
+              <a:t>Digital Scholarship Services </a:t>
+            </a:r>
+            <a:r>
+              <a:rPr lang="en-US">
+                <a:solidFill>
+                  <a:schemeClr val="accent1">
+                    <a:lumMod val="50000"/>
+                  </a:schemeClr>
+                </a:solidFill>
+              </a:rPr>
+              <a:t>| Email</a:t>
+            </a:r>
+            <a:r>
+              <a:rPr lang="en-US"/>
+              <a:t> cf24@rice.edu </a:t>
+            </a:r>
+            <a:r>
+              <a:rPr lang="en-US">
+                <a:solidFill>
+                  <a:schemeClr val="accent1">
+                    <a:lumMod val="50000"/>
+                  </a:schemeClr>
+                </a:solidFill>
+              </a:rPr>
+              <a:t>|</a:t>
+            </a:r>
+            <a:r>
+              <a:rPr lang="en-US"/>
+              <a:t> library.rice.edu/dss</a:t>
+            </a:r>
+            <a:endParaRPr lang="en-US" dirty="0"/>
+          </a:p>
+        </p:txBody>
+      </p:sp>
+      <p:sp>
+        <p:nvSpPr>
+          <p:cNvPr id="6" name="Slide Number Placeholder 5">
+            <a:extLst>
+              <a:ext uri="{FF2B5EF4-FFF2-40B4-BE49-F238E27FC236}">
+                <a16:creationId xmlns:a16="http://schemas.microsoft.com/office/drawing/2014/main" id="{CECE3146-0C2B-4CC7-BC7C-FD23AAF7ECAE}"/>
+              </a:ext>
+            </a:extLst>
+          </p:cNvPr>
+          <p:cNvSpPr>
+            <a:spLocks noGrp="1"/>
+          </p:cNvSpPr>
+          <p:nvPr>
+            <p:ph type="sldNum" sz="quarter" idx="12"/>
+          </p:nvPr>
+        </p:nvSpPr>
+        <p:spPr/>
+        <p:txBody>
+          <a:bodyPr/>
+          <a:lstStyle/>
+          <a:p>
+            <a:fld id="{D57F1E4F-1CFF-5643-939E-02111984F565}" type="slidenum">
+              <a:rPr lang="en-US" smtClean="0"/>
+              <a:t>19</a:t>
+            </a:fld>
+            <a:endParaRPr lang="en-US" dirty="0"/>
+          </a:p>
+        </p:txBody>
+      </p:sp>
+    </p:spTree>
+    <p:extLst>
+      <p:ext uri="{BB962C8B-B14F-4D97-AF65-F5344CB8AC3E}">
+        <p14:creationId xmlns:p14="http://schemas.microsoft.com/office/powerpoint/2010/main" val="3624540971"/>
+      </p:ext>
+    </p:extLst>
+  </p:cSld>
+  <p:clrMapOvr>
+    <a:masterClrMapping/>
+  </p:clrMapOvr>
+</p:sld>
+</file>
+
 <file path=ppt/slides/slide2.xml><?xml version="1.0" encoding="utf-8"?>
 <p:sld xmlns:a="http://schemas.openxmlformats.org/drawingml/2006/main" xmlns:r="http://schemas.openxmlformats.org/officeDocument/2006/relationships" xmlns:p="http://schemas.openxmlformats.org/presentationml/2006/main">
   <p:cSld>
@@ -3924,7 +5933,7 @@
           <a:p>
             <a:fld id="{3686C9ED-58DA-41A6-B894-9B830C59600E}" type="datetime4">
               <a:rPr lang="en-US" smtClean="0"/>
-              <a:t>June 22, 2019</a:t>
+              <a:t>July 17, 2019</a:t>
             </a:fld>
             <a:endParaRPr lang="en-US" dirty="0"/>
           </a:p>
@@ -3982,6 +5991,204 @@
     <p:extLst>
       <p:ext uri="{BB962C8B-B14F-4D97-AF65-F5344CB8AC3E}">
         <p14:creationId xmlns:p14="http://schemas.microsoft.com/office/powerpoint/2010/main" val="999144808"/>
+      </p:ext>
+    </p:extLst>
+  </p:cSld>
+  <p:clrMapOvr>
+    <a:masterClrMapping/>
+  </p:clrMapOvr>
+</p:sld>
+</file>
+
+<file path=ppt/slides/slide20.xml><?xml version="1.0" encoding="utf-8"?>
+<p:sld xmlns:a="http://schemas.openxmlformats.org/drawingml/2006/main" xmlns:r="http://schemas.openxmlformats.org/officeDocument/2006/relationships" xmlns:p="http://schemas.openxmlformats.org/presentationml/2006/main">
+  <p:cSld>
+    <p:spTree>
+      <p:nvGrpSpPr>
+        <p:cNvPr id="1" name=""/>
+        <p:cNvGrpSpPr/>
+        <p:nvPr/>
+      </p:nvGrpSpPr>
+      <p:grpSpPr>
+        <a:xfrm>
+          <a:off x="0" y="0"/>
+          <a:ext cx="0" cy="0"/>
+          <a:chOff x="0" y="0"/>
+          <a:chExt cx="0" cy="0"/>
+        </a:xfrm>
+      </p:grpSpPr>
+      <p:sp>
+        <p:nvSpPr>
+          <p:cNvPr id="7" name="Title 6">
+            <a:extLst>
+              <a:ext uri="{FF2B5EF4-FFF2-40B4-BE49-F238E27FC236}">
+                <a16:creationId xmlns:a16="http://schemas.microsoft.com/office/drawing/2014/main" id="{495B4BC0-844B-4414-A623-BEF78AAC1BA1}"/>
+              </a:ext>
+            </a:extLst>
+          </p:cNvPr>
+          <p:cNvSpPr>
+            <a:spLocks noGrp="1"/>
+          </p:cNvSpPr>
+          <p:nvPr>
+            <p:ph type="title"/>
+          </p:nvPr>
+        </p:nvSpPr>
+        <p:spPr/>
+        <p:txBody>
+          <a:bodyPr/>
+          <a:lstStyle/>
+          <a:p>
+            <a:r>
+              <a:rPr lang="en-US" dirty="0"/>
+              <a:t>ACKNOWLEDGMENTS</a:t>
+            </a:r>
+          </a:p>
+        </p:txBody>
+      </p:sp>
+      <p:sp>
+        <p:nvSpPr>
+          <p:cNvPr id="8" name="Content Placeholder 7">
+            <a:extLst>
+              <a:ext uri="{FF2B5EF4-FFF2-40B4-BE49-F238E27FC236}">
+                <a16:creationId xmlns:a16="http://schemas.microsoft.com/office/drawing/2014/main" id="{2BED3EB3-7E98-4A82-8335-7321D9E37B16}"/>
+              </a:ext>
+            </a:extLst>
+          </p:cNvPr>
+          <p:cNvSpPr>
+            <a:spLocks noGrp="1"/>
+          </p:cNvSpPr>
+          <p:nvPr>
+            <p:ph idx="1"/>
+          </p:nvPr>
+        </p:nvSpPr>
+        <p:spPr/>
+        <p:txBody>
+          <a:bodyPr/>
+          <a:lstStyle/>
+          <a:p>
+            <a:endParaRPr lang="en-US"/>
+          </a:p>
+        </p:txBody>
+      </p:sp>
+      <p:sp>
+        <p:nvSpPr>
+          <p:cNvPr id="4" name="Date Placeholder 3">
+            <a:extLst>
+              <a:ext uri="{FF2B5EF4-FFF2-40B4-BE49-F238E27FC236}">
+                <a16:creationId xmlns:a16="http://schemas.microsoft.com/office/drawing/2014/main" id="{540F37F1-4F33-429F-A568-1A3ADC499E54}"/>
+              </a:ext>
+            </a:extLst>
+          </p:cNvPr>
+          <p:cNvSpPr>
+            <a:spLocks noGrp="1"/>
+          </p:cNvSpPr>
+          <p:nvPr>
+            <p:ph type="dt" sz="half" idx="10"/>
+          </p:nvPr>
+        </p:nvSpPr>
+        <p:spPr/>
+        <p:txBody>
+          <a:bodyPr/>
+          <a:lstStyle/>
+          <a:p>
+            <a:fld id="{B08FEED8-D7D4-44E9-BFBC-ED06B5996D94}" type="datetime4">
+              <a:rPr lang="en-US" smtClean="0"/>
+              <a:t>July 17, 2019</a:t>
+            </a:fld>
+            <a:endParaRPr lang="en-US" dirty="0"/>
+          </a:p>
+        </p:txBody>
+      </p:sp>
+      <p:sp>
+        <p:nvSpPr>
+          <p:cNvPr id="5" name="Footer Placeholder 4">
+            <a:extLst>
+              <a:ext uri="{FF2B5EF4-FFF2-40B4-BE49-F238E27FC236}">
+                <a16:creationId xmlns:a16="http://schemas.microsoft.com/office/drawing/2014/main" id="{673FFA57-C126-4795-A5F6-DD33AAC5ACBD}"/>
+              </a:ext>
+            </a:extLst>
+          </p:cNvPr>
+          <p:cNvSpPr>
+            <a:spLocks noGrp="1"/>
+          </p:cNvSpPr>
+          <p:nvPr>
+            <p:ph type="ftr" sz="quarter" idx="11"/>
+          </p:nvPr>
+        </p:nvSpPr>
+        <p:spPr/>
+        <p:txBody>
+          <a:bodyPr/>
+          <a:lstStyle/>
+          <a:p>
+            <a:r>
+              <a:rPr lang="en-US"/>
+              <a:t>Digital Scholarship Services </a:t>
+            </a:r>
+            <a:r>
+              <a:rPr lang="en-US">
+                <a:solidFill>
+                  <a:schemeClr val="accent1">
+                    <a:lumMod val="50000"/>
+                  </a:schemeClr>
+                </a:solidFill>
+              </a:rPr>
+              <a:t>| Email</a:t>
+            </a:r>
+            <a:r>
+              <a:rPr lang="en-US"/>
+              <a:t> cf24@rice.edu </a:t>
+            </a:r>
+            <a:r>
+              <a:rPr lang="en-US">
+                <a:solidFill>
+                  <a:schemeClr val="accent1">
+                    <a:lumMod val="50000"/>
+                  </a:schemeClr>
+                </a:solidFill>
+              </a:rPr>
+              <a:t>|</a:t>
+            </a:r>
+            <a:r>
+              <a:rPr lang="en-US"/>
+              <a:t> library.rice.edu/dss</a:t>
+            </a:r>
+            <a:endParaRPr lang="en-US" dirty="0"/>
+          </a:p>
+        </p:txBody>
+      </p:sp>
+      <p:sp>
+        <p:nvSpPr>
+          <p:cNvPr id="6" name="Slide Number Placeholder 5">
+            <a:extLst>
+              <a:ext uri="{FF2B5EF4-FFF2-40B4-BE49-F238E27FC236}">
+                <a16:creationId xmlns:a16="http://schemas.microsoft.com/office/drawing/2014/main" id="{2FA49567-BB70-4798-8746-D0B522CCEE20}"/>
+              </a:ext>
+            </a:extLst>
+          </p:cNvPr>
+          <p:cNvSpPr>
+            <a:spLocks noGrp="1"/>
+          </p:cNvSpPr>
+          <p:nvPr>
+            <p:ph type="sldNum" sz="quarter" idx="12"/>
+          </p:nvPr>
+        </p:nvSpPr>
+        <p:spPr/>
+        <p:txBody>
+          <a:bodyPr/>
+          <a:lstStyle/>
+          <a:p>
+            <a:fld id="{D57F1E4F-1CFF-5643-939E-02111984F565}" type="slidenum">
+              <a:rPr lang="en-US" smtClean="0"/>
+              <a:t>20</a:t>
+            </a:fld>
+            <a:endParaRPr lang="en-US" dirty="0"/>
+          </a:p>
+        </p:txBody>
+      </p:sp>
+    </p:spTree>
+    <p:extLst>
+      <p:ext uri="{BB962C8B-B14F-4D97-AF65-F5344CB8AC3E}">
+        <p14:creationId xmlns:p14="http://schemas.microsoft.com/office/powerpoint/2010/main" val="1585568494"/>
       </p:ext>
     </p:extLst>
   </p:cSld>
@@ -4010,10 +6217,10 @@
       </p:grpSpPr>
       <p:sp>
         <p:nvSpPr>
-          <p:cNvPr id="7" name="Title 6">
-            <a:extLst>
-              <a:ext uri="{FF2B5EF4-FFF2-40B4-BE49-F238E27FC236}">
-                <a16:creationId xmlns:a16="http://schemas.microsoft.com/office/drawing/2014/main" id="{184E2338-1026-45D4-9455-B21A88F18B28}"/>
+          <p:cNvPr id="2" name="Title 1">
+            <a:extLst>
+              <a:ext uri="{FF2B5EF4-FFF2-40B4-BE49-F238E27FC236}">
+                <a16:creationId xmlns:a16="http://schemas.microsoft.com/office/drawing/2014/main" id="{BBEB1736-8933-4842-81FB-C5DCC7C07C68}"/>
               </a:ext>
             </a:extLst>
           </p:cNvPr>
@@ -4031,43 +6238,33 @@
           <a:p>
             <a:r>
               <a:rPr lang="en-US" dirty="0"/>
-              <a:t>TRENDS AND</a:t>
-            </a:r>
-            <a:br>
-              <a:rPr lang="en-US" dirty="0"/>
-            </a:br>
-            <a:r>
-              <a:rPr lang="en-US" dirty="0"/>
-              <a:t>SEASONALITY</a:t>
-            </a:r>
-          </a:p>
-        </p:txBody>
-      </p:sp>
-      <p:sp>
-        <p:nvSpPr>
-          <p:cNvPr id="8" name="Text Placeholder 7">
-            <a:extLst>
-              <a:ext uri="{FF2B5EF4-FFF2-40B4-BE49-F238E27FC236}">
-                <a16:creationId xmlns:a16="http://schemas.microsoft.com/office/drawing/2014/main" id="{DB42CCAB-C8E2-48A8-A9DF-EB0383A8B33C}"/>
-              </a:ext>
-            </a:extLst>
-          </p:cNvPr>
-          <p:cNvSpPr>
-            <a:spLocks noGrp="1"/>
-          </p:cNvSpPr>
-          <p:nvPr>
-            <p:ph type="body" idx="1"/>
-          </p:nvPr>
-        </p:nvSpPr>
-        <p:spPr/>
-        <p:txBody>
-          <a:bodyPr/>
-          <a:lstStyle/>
-          <a:p>
-            <a:r>
-              <a:rPr lang="en-US" dirty="0"/>
-              <a:t>How to filter out the noise and model what really matters</a:t>
-            </a:r>
+              <a:t>WHAT’S SO SPECIAL ABOUT TIME?</a:t>
+            </a:r>
+          </a:p>
+        </p:txBody>
+      </p:sp>
+      <p:sp>
+        <p:nvSpPr>
+          <p:cNvPr id="3" name="Content Placeholder 2">
+            <a:extLst>
+              <a:ext uri="{FF2B5EF4-FFF2-40B4-BE49-F238E27FC236}">
+                <a16:creationId xmlns:a16="http://schemas.microsoft.com/office/drawing/2014/main" id="{84C2C4E3-F71B-4C6F-8570-4ECA72D77DC3}"/>
+              </a:ext>
+            </a:extLst>
+          </p:cNvPr>
+          <p:cNvSpPr>
+            <a:spLocks noGrp="1"/>
+          </p:cNvSpPr>
+          <p:nvPr>
+            <p:ph idx="1"/>
+          </p:nvPr>
+        </p:nvSpPr>
+        <p:spPr/>
+        <p:txBody>
+          <a:bodyPr/>
+          <a:lstStyle/>
+          <a:p>
+            <a:endParaRPr lang="en-US"/>
           </a:p>
         </p:txBody>
       </p:sp>
@@ -4076,7 +6273,7 @@
           <p:cNvPr id="4" name="Date Placeholder 3">
             <a:extLst>
               <a:ext uri="{FF2B5EF4-FFF2-40B4-BE49-F238E27FC236}">
-                <a16:creationId xmlns:a16="http://schemas.microsoft.com/office/drawing/2014/main" id="{1CA94ACB-62A5-4F09-8C21-F0CE9BFB1606}"/>
+                <a16:creationId xmlns:a16="http://schemas.microsoft.com/office/drawing/2014/main" id="{C81D5B6F-54DE-49BD-B70E-94836B9B8A8B}"/>
               </a:ext>
             </a:extLst>
           </p:cNvPr>
@@ -4094,7 +6291,7 @@
           <a:p>
             <a:fld id="{8AAE40A0-A7D8-4DC3-BC9E-BADA32DA2004}" type="datetime4">
               <a:rPr lang="en-US" smtClean="0"/>
-              <a:t>June 22, 2019</a:t>
+              <a:t>July 17, 2019</a:t>
             </a:fld>
             <a:endParaRPr lang="en-US" dirty="0"/>
           </a:p>
@@ -4105,7 +6302,7 @@
           <p:cNvPr id="5" name="Footer Placeholder 4">
             <a:extLst>
               <a:ext uri="{FF2B5EF4-FFF2-40B4-BE49-F238E27FC236}">
-                <a16:creationId xmlns:a16="http://schemas.microsoft.com/office/drawing/2014/main" id="{D20B02B0-893D-4696-B6F7-A126B8D18E99}"/>
+                <a16:creationId xmlns:a16="http://schemas.microsoft.com/office/drawing/2014/main" id="{A788BEBC-3FBD-4574-BD63-2697EB2420B4}"/>
               </a:ext>
             </a:extLst>
           </p:cNvPr>
@@ -4162,7 +6359,7 @@
           <p:cNvPr id="6" name="Slide Number Placeholder 5">
             <a:extLst>
               <a:ext uri="{FF2B5EF4-FFF2-40B4-BE49-F238E27FC236}">
-                <a16:creationId xmlns:a16="http://schemas.microsoft.com/office/drawing/2014/main" id="{1CFDA495-0063-4571-8969-0DD770DB39E0}"/>
+                <a16:creationId xmlns:a16="http://schemas.microsoft.com/office/drawing/2014/main" id="{2DD21C00-87BF-4A7C-B66E-67269A15B560}"/>
               </a:ext>
             </a:extLst>
           </p:cNvPr>
@@ -4189,7 +6386,7 @@
     </p:spTree>
     <p:extLst>
       <p:ext uri="{BB962C8B-B14F-4D97-AF65-F5344CB8AC3E}">
-        <p14:creationId xmlns:p14="http://schemas.microsoft.com/office/powerpoint/2010/main" val="2581962988"/>
+        <p14:creationId xmlns:p14="http://schemas.microsoft.com/office/powerpoint/2010/main" val="3077278940"/>
       </p:ext>
     </p:extLst>
   </p:cSld>
@@ -4218,10 +6415,10 @@
       </p:grpSpPr>
       <p:sp>
         <p:nvSpPr>
-          <p:cNvPr id="7" name="Title 6">
-            <a:extLst>
-              <a:ext uri="{FF2B5EF4-FFF2-40B4-BE49-F238E27FC236}">
-                <a16:creationId xmlns:a16="http://schemas.microsoft.com/office/drawing/2014/main" id="{495B4BC0-844B-4414-A623-BEF78AAC1BA1}"/>
+          <p:cNvPr id="2" name="Title 1">
+            <a:extLst>
+              <a:ext uri="{FF2B5EF4-FFF2-40B4-BE49-F238E27FC236}">
+                <a16:creationId xmlns:a16="http://schemas.microsoft.com/office/drawing/2014/main" id="{BBEB1736-8933-4842-81FB-C5DCC7C07C68}"/>
               </a:ext>
             </a:extLst>
           </p:cNvPr>
@@ -4239,17 +6436,17 @@
           <a:p>
             <a:r>
               <a:rPr lang="en-US" dirty="0"/>
-              <a:t>ACKNOWLEDGMENTS</a:t>
-            </a:r>
-          </a:p>
-        </p:txBody>
-      </p:sp>
-      <p:sp>
-        <p:nvSpPr>
-          <p:cNvPr id="8" name="Content Placeholder 7">
-            <a:extLst>
-              <a:ext uri="{FF2B5EF4-FFF2-40B4-BE49-F238E27FC236}">
-                <a16:creationId xmlns:a16="http://schemas.microsoft.com/office/drawing/2014/main" id="{2BED3EB3-7E98-4A82-8335-7321D9E37B16}"/>
+              <a:t>WHY IS THIS IMPORTANT?</a:t>
+            </a:r>
+          </a:p>
+        </p:txBody>
+      </p:sp>
+      <p:sp>
+        <p:nvSpPr>
+          <p:cNvPr id="3" name="Content Placeholder 2">
+            <a:extLst>
+              <a:ext uri="{FF2B5EF4-FFF2-40B4-BE49-F238E27FC236}">
+                <a16:creationId xmlns:a16="http://schemas.microsoft.com/office/drawing/2014/main" id="{84C2C4E3-F71B-4C6F-8570-4ECA72D77DC3}"/>
               </a:ext>
             </a:extLst>
           </p:cNvPr>
@@ -4265,7 +6462,7 @@
           <a:bodyPr/>
           <a:lstStyle/>
           <a:p>
-            <a:endParaRPr lang="en-US"/>
+            <a:endParaRPr lang="en-US" dirty="0"/>
           </a:p>
         </p:txBody>
       </p:sp>
@@ -4274,7 +6471,7 @@
           <p:cNvPr id="4" name="Date Placeholder 3">
             <a:extLst>
               <a:ext uri="{FF2B5EF4-FFF2-40B4-BE49-F238E27FC236}">
-                <a16:creationId xmlns:a16="http://schemas.microsoft.com/office/drawing/2014/main" id="{540F37F1-4F33-429F-A568-1A3ADC499E54}"/>
+                <a16:creationId xmlns:a16="http://schemas.microsoft.com/office/drawing/2014/main" id="{C81D5B6F-54DE-49BD-B70E-94836B9B8A8B}"/>
               </a:ext>
             </a:extLst>
           </p:cNvPr>
@@ -4290,9 +6487,9 @@
           <a:bodyPr/>
           <a:lstStyle/>
           <a:p>
-            <a:fld id="{B08FEED8-D7D4-44E9-BFBC-ED06B5996D94}" type="datetime4">
+            <a:fld id="{8AAE40A0-A7D8-4DC3-BC9E-BADA32DA2004}" type="datetime4">
               <a:rPr lang="en-US" smtClean="0"/>
-              <a:t>June 22, 2019</a:t>
+              <a:t>July 17, 2019</a:t>
             </a:fld>
             <a:endParaRPr lang="en-US" dirty="0"/>
           </a:p>
@@ -4303,7 +6500,7 @@
           <p:cNvPr id="5" name="Footer Placeholder 4">
             <a:extLst>
               <a:ext uri="{FF2B5EF4-FFF2-40B4-BE49-F238E27FC236}">
-                <a16:creationId xmlns:a16="http://schemas.microsoft.com/office/drawing/2014/main" id="{673FFA57-C126-4795-A5F6-DD33AAC5ACBD}"/>
+                <a16:creationId xmlns:a16="http://schemas.microsoft.com/office/drawing/2014/main" id="{A788BEBC-3FBD-4574-BD63-2697EB2420B4}"/>
               </a:ext>
             </a:extLst>
           </p:cNvPr>
@@ -4360,7 +6557,7 @@
           <p:cNvPr id="6" name="Slide Number Placeholder 5">
             <a:extLst>
               <a:ext uri="{FF2B5EF4-FFF2-40B4-BE49-F238E27FC236}">
-                <a16:creationId xmlns:a16="http://schemas.microsoft.com/office/drawing/2014/main" id="{2FA49567-BB70-4798-8746-D0B522CCEE20}"/>
+                <a16:creationId xmlns:a16="http://schemas.microsoft.com/office/drawing/2014/main" id="{2DD21C00-87BF-4A7C-B66E-67269A15B560}"/>
               </a:ext>
             </a:extLst>
           </p:cNvPr>
@@ -4387,7 +6584,1007 @@
     </p:spTree>
     <p:extLst>
       <p:ext uri="{BB962C8B-B14F-4D97-AF65-F5344CB8AC3E}">
-        <p14:creationId xmlns:p14="http://schemas.microsoft.com/office/powerpoint/2010/main" val="1585568494"/>
+        <p14:creationId xmlns:p14="http://schemas.microsoft.com/office/powerpoint/2010/main" val="2280924979"/>
+      </p:ext>
+    </p:extLst>
+  </p:cSld>
+  <p:clrMapOvr>
+    <a:masterClrMapping/>
+  </p:clrMapOvr>
+</p:sld>
+</file>
+
+<file path=ppt/slides/slide5.xml><?xml version="1.0" encoding="utf-8"?>
+<p:sld xmlns:a="http://schemas.openxmlformats.org/drawingml/2006/main" xmlns:r="http://schemas.openxmlformats.org/officeDocument/2006/relationships" xmlns:p="http://schemas.openxmlformats.org/presentationml/2006/main">
+  <p:cSld>
+    <p:spTree>
+      <p:nvGrpSpPr>
+        <p:cNvPr id="1" name=""/>
+        <p:cNvGrpSpPr/>
+        <p:nvPr/>
+      </p:nvGrpSpPr>
+      <p:grpSpPr>
+        <a:xfrm>
+          <a:off x="0" y="0"/>
+          <a:ext cx="0" cy="0"/>
+          <a:chOff x="0" y="0"/>
+          <a:chExt cx="0" cy="0"/>
+        </a:xfrm>
+      </p:grpSpPr>
+      <p:sp>
+        <p:nvSpPr>
+          <p:cNvPr id="7" name="Title 6">
+            <a:extLst>
+              <a:ext uri="{FF2B5EF4-FFF2-40B4-BE49-F238E27FC236}">
+                <a16:creationId xmlns:a16="http://schemas.microsoft.com/office/drawing/2014/main" id="{184E2338-1026-45D4-9455-B21A88F18B28}"/>
+              </a:ext>
+            </a:extLst>
+          </p:cNvPr>
+          <p:cNvSpPr>
+            <a:spLocks noGrp="1"/>
+          </p:cNvSpPr>
+          <p:nvPr>
+            <p:ph type="title"/>
+          </p:nvPr>
+        </p:nvSpPr>
+        <p:spPr/>
+        <p:txBody>
+          <a:bodyPr/>
+          <a:lstStyle/>
+          <a:p>
+            <a:r>
+              <a:rPr lang="en-US" dirty="0"/>
+              <a:t>TRENDS AND</a:t>
+            </a:r>
+            <a:br>
+              <a:rPr lang="en-US" dirty="0"/>
+            </a:br>
+            <a:r>
+              <a:rPr lang="en-US" dirty="0"/>
+              <a:t>SEASONALITY</a:t>
+            </a:r>
+          </a:p>
+        </p:txBody>
+      </p:sp>
+      <p:sp>
+        <p:nvSpPr>
+          <p:cNvPr id="8" name="Text Placeholder 7">
+            <a:extLst>
+              <a:ext uri="{FF2B5EF4-FFF2-40B4-BE49-F238E27FC236}">
+                <a16:creationId xmlns:a16="http://schemas.microsoft.com/office/drawing/2014/main" id="{DB42CCAB-C8E2-48A8-A9DF-EB0383A8B33C}"/>
+              </a:ext>
+            </a:extLst>
+          </p:cNvPr>
+          <p:cNvSpPr>
+            <a:spLocks noGrp="1"/>
+          </p:cNvSpPr>
+          <p:nvPr>
+            <p:ph type="body" idx="1"/>
+          </p:nvPr>
+        </p:nvSpPr>
+        <p:spPr/>
+        <p:txBody>
+          <a:bodyPr/>
+          <a:lstStyle/>
+          <a:p>
+            <a:r>
+              <a:rPr lang="en-US" dirty="0"/>
+              <a:t>How to filter out the noise and model what really matters</a:t>
+            </a:r>
+          </a:p>
+        </p:txBody>
+      </p:sp>
+      <p:sp>
+        <p:nvSpPr>
+          <p:cNvPr id="4" name="Date Placeholder 3">
+            <a:extLst>
+              <a:ext uri="{FF2B5EF4-FFF2-40B4-BE49-F238E27FC236}">
+                <a16:creationId xmlns:a16="http://schemas.microsoft.com/office/drawing/2014/main" id="{1CA94ACB-62A5-4F09-8C21-F0CE9BFB1606}"/>
+              </a:ext>
+            </a:extLst>
+          </p:cNvPr>
+          <p:cNvSpPr>
+            <a:spLocks noGrp="1"/>
+          </p:cNvSpPr>
+          <p:nvPr>
+            <p:ph type="dt" sz="half" idx="10"/>
+          </p:nvPr>
+        </p:nvSpPr>
+        <p:spPr/>
+        <p:txBody>
+          <a:bodyPr/>
+          <a:lstStyle/>
+          <a:p>
+            <a:fld id="{8AAE40A0-A7D8-4DC3-BC9E-BADA32DA2004}" type="datetime4">
+              <a:rPr lang="en-US" smtClean="0"/>
+              <a:t>July 17, 2019</a:t>
+            </a:fld>
+            <a:endParaRPr lang="en-US" dirty="0"/>
+          </a:p>
+        </p:txBody>
+      </p:sp>
+      <p:sp>
+        <p:nvSpPr>
+          <p:cNvPr id="5" name="Footer Placeholder 4">
+            <a:extLst>
+              <a:ext uri="{FF2B5EF4-FFF2-40B4-BE49-F238E27FC236}">
+                <a16:creationId xmlns:a16="http://schemas.microsoft.com/office/drawing/2014/main" id="{D20B02B0-893D-4696-B6F7-A126B8D18E99}"/>
+              </a:ext>
+            </a:extLst>
+          </p:cNvPr>
+          <p:cNvSpPr>
+            <a:spLocks noGrp="1"/>
+          </p:cNvSpPr>
+          <p:nvPr>
+            <p:ph type="ftr" sz="quarter" idx="11"/>
+          </p:nvPr>
+        </p:nvSpPr>
+        <p:spPr/>
+        <p:txBody>
+          <a:bodyPr/>
+          <a:lstStyle/>
+          <a:p>
+            <a:r>
+              <a:rPr lang="en-US"/>
+              <a:t>Digital Scholarship Services </a:t>
+            </a:r>
+            <a:r>
+              <a:rPr lang="en-US">
+                <a:solidFill>
+                  <a:schemeClr val="accent1">
+                    <a:lumMod val="50000"/>
+                  </a:schemeClr>
+                </a:solidFill>
+              </a:rPr>
+              <a:t>| Email</a:t>
+            </a:r>
+            <a:r>
+              <a:rPr lang="en-US"/>
+              <a:t> cf24@rice.edu </a:t>
+            </a:r>
+            <a:r>
+              <a:rPr lang="en-US">
+                <a:solidFill>
+                  <a:schemeClr val="accent1">
+                    <a:lumMod val="50000"/>
+                  </a:schemeClr>
+                </a:solidFill>
+              </a:rPr>
+              <a:t>|</a:t>
+            </a:r>
+            <a:r>
+              <a:rPr lang="en-US"/>
+              <a:t> library.rice.edu/dss</a:t>
+            </a:r>
+            <a:endParaRPr lang="en-US" dirty="0"/>
+          </a:p>
+        </p:txBody>
+      </p:sp>
+      <p:sp>
+        <p:nvSpPr>
+          <p:cNvPr id="6" name="Slide Number Placeholder 5">
+            <a:extLst>
+              <a:ext uri="{FF2B5EF4-FFF2-40B4-BE49-F238E27FC236}">
+                <a16:creationId xmlns:a16="http://schemas.microsoft.com/office/drawing/2014/main" id="{1CFDA495-0063-4571-8969-0DD770DB39E0}"/>
+              </a:ext>
+            </a:extLst>
+          </p:cNvPr>
+          <p:cNvSpPr>
+            <a:spLocks noGrp="1"/>
+          </p:cNvSpPr>
+          <p:nvPr>
+            <p:ph type="sldNum" sz="quarter" idx="12"/>
+          </p:nvPr>
+        </p:nvSpPr>
+        <p:spPr/>
+        <p:txBody>
+          <a:bodyPr/>
+          <a:lstStyle/>
+          <a:p>
+            <a:fld id="{D57F1E4F-1CFF-5643-939E-02111984F565}" type="slidenum">
+              <a:rPr lang="en-US" smtClean="0"/>
+              <a:t>5</a:t>
+            </a:fld>
+            <a:endParaRPr lang="en-US" dirty="0"/>
+          </a:p>
+        </p:txBody>
+      </p:sp>
+    </p:spTree>
+    <p:extLst>
+      <p:ext uri="{BB962C8B-B14F-4D97-AF65-F5344CB8AC3E}">
+        <p14:creationId xmlns:p14="http://schemas.microsoft.com/office/powerpoint/2010/main" val="2581962988"/>
+      </p:ext>
+    </p:extLst>
+  </p:cSld>
+  <p:clrMapOvr>
+    <a:masterClrMapping/>
+  </p:clrMapOvr>
+</p:sld>
+</file>
+
+<file path=ppt/slides/slide6.xml><?xml version="1.0" encoding="utf-8"?>
+<p:sld xmlns:a="http://schemas.openxmlformats.org/drawingml/2006/main" xmlns:r="http://schemas.openxmlformats.org/officeDocument/2006/relationships" xmlns:p="http://schemas.openxmlformats.org/presentationml/2006/main">
+  <p:cSld>
+    <p:spTree>
+      <p:nvGrpSpPr>
+        <p:cNvPr id="1" name=""/>
+        <p:cNvGrpSpPr/>
+        <p:nvPr/>
+      </p:nvGrpSpPr>
+      <p:grpSpPr>
+        <a:xfrm>
+          <a:off x="0" y="0"/>
+          <a:ext cx="0" cy="0"/>
+          <a:chOff x="0" y="0"/>
+          <a:chExt cx="0" cy="0"/>
+        </a:xfrm>
+      </p:grpSpPr>
+      <p:sp>
+        <p:nvSpPr>
+          <p:cNvPr id="7" name="Title 6">
+            <a:extLst>
+              <a:ext uri="{FF2B5EF4-FFF2-40B4-BE49-F238E27FC236}">
+                <a16:creationId xmlns:a16="http://schemas.microsoft.com/office/drawing/2014/main" id="{495B4BC0-844B-4414-A623-BEF78AAC1BA1}"/>
+              </a:ext>
+            </a:extLst>
+          </p:cNvPr>
+          <p:cNvSpPr>
+            <a:spLocks noGrp="1"/>
+          </p:cNvSpPr>
+          <p:nvPr>
+            <p:ph type="title"/>
+          </p:nvPr>
+        </p:nvSpPr>
+        <p:spPr/>
+        <p:txBody>
+          <a:bodyPr/>
+          <a:lstStyle/>
+          <a:p>
+            <a:r>
+              <a:rPr lang="en-US" dirty="0"/>
+              <a:t>TRENDS</a:t>
+            </a:r>
+          </a:p>
+        </p:txBody>
+      </p:sp>
+      <p:sp>
+        <p:nvSpPr>
+          <p:cNvPr id="8" name="Content Placeholder 7">
+            <a:extLst>
+              <a:ext uri="{FF2B5EF4-FFF2-40B4-BE49-F238E27FC236}">
+                <a16:creationId xmlns:a16="http://schemas.microsoft.com/office/drawing/2014/main" id="{2BED3EB3-7E98-4A82-8335-7321D9E37B16}"/>
+              </a:ext>
+            </a:extLst>
+          </p:cNvPr>
+          <p:cNvSpPr>
+            <a:spLocks noGrp="1"/>
+          </p:cNvSpPr>
+          <p:nvPr>
+            <p:ph idx="1"/>
+          </p:nvPr>
+        </p:nvSpPr>
+        <p:spPr/>
+        <p:txBody>
+          <a:bodyPr/>
+          <a:lstStyle/>
+          <a:p>
+            <a:endParaRPr lang="en-US"/>
+          </a:p>
+        </p:txBody>
+      </p:sp>
+      <p:sp>
+        <p:nvSpPr>
+          <p:cNvPr id="4" name="Date Placeholder 3">
+            <a:extLst>
+              <a:ext uri="{FF2B5EF4-FFF2-40B4-BE49-F238E27FC236}">
+                <a16:creationId xmlns:a16="http://schemas.microsoft.com/office/drawing/2014/main" id="{540F37F1-4F33-429F-A568-1A3ADC499E54}"/>
+              </a:ext>
+            </a:extLst>
+          </p:cNvPr>
+          <p:cNvSpPr>
+            <a:spLocks noGrp="1"/>
+          </p:cNvSpPr>
+          <p:nvPr>
+            <p:ph type="dt" sz="half" idx="10"/>
+          </p:nvPr>
+        </p:nvSpPr>
+        <p:spPr/>
+        <p:txBody>
+          <a:bodyPr/>
+          <a:lstStyle/>
+          <a:p>
+            <a:fld id="{B08FEED8-D7D4-44E9-BFBC-ED06B5996D94}" type="datetime4">
+              <a:rPr lang="en-US" smtClean="0"/>
+              <a:t>July 17, 2019</a:t>
+            </a:fld>
+            <a:endParaRPr lang="en-US" dirty="0"/>
+          </a:p>
+        </p:txBody>
+      </p:sp>
+      <p:sp>
+        <p:nvSpPr>
+          <p:cNvPr id="5" name="Footer Placeholder 4">
+            <a:extLst>
+              <a:ext uri="{FF2B5EF4-FFF2-40B4-BE49-F238E27FC236}">
+                <a16:creationId xmlns:a16="http://schemas.microsoft.com/office/drawing/2014/main" id="{673FFA57-C126-4795-A5F6-DD33AAC5ACBD}"/>
+              </a:ext>
+            </a:extLst>
+          </p:cNvPr>
+          <p:cNvSpPr>
+            <a:spLocks noGrp="1"/>
+          </p:cNvSpPr>
+          <p:nvPr>
+            <p:ph type="ftr" sz="quarter" idx="11"/>
+          </p:nvPr>
+        </p:nvSpPr>
+        <p:spPr/>
+        <p:txBody>
+          <a:bodyPr/>
+          <a:lstStyle/>
+          <a:p>
+            <a:r>
+              <a:rPr lang="en-US"/>
+              <a:t>Digital Scholarship Services </a:t>
+            </a:r>
+            <a:r>
+              <a:rPr lang="en-US">
+                <a:solidFill>
+                  <a:schemeClr val="accent1">
+                    <a:lumMod val="50000"/>
+                  </a:schemeClr>
+                </a:solidFill>
+              </a:rPr>
+              <a:t>| Email</a:t>
+            </a:r>
+            <a:r>
+              <a:rPr lang="en-US"/>
+              <a:t> cf24@rice.edu </a:t>
+            </a:r>
+            <a:r>
+              <a:rPr lang="en-US">
+                <a:solidFill>
+                  <a:schemeClr val="accent1">
+                    <a:lumMod val="50000"/>
+                  </a:schemeClr>
+                </a:solidFill>
+              </a:rPr>
+              <a:t>|</a:t>
+            </a:r>
+            <a:r>
+              <a:rPr lang="en-US"/>
+              <a:t> library.rice.edu/dss</a:t>
+            </a:r>
+            <a:endParaRPr lang="en-US" dirty="0"/>
+          </a:p>
+        </p:txBody>
+      </p:sp>
+      <p:sp>
+        <p:nvSpPr>
+          <p:cNvPr id="6" name="Slide Number Placeholder 5">
+            <a:extLst>
+              <a:ext uri="{FF2B5EF4-FFF2-40B4-BE49-F238E27FC236}">
+                <a16:creationId xmlns:a16="http://schemas.microsoft.com/office/drawing/2014/main" id="{2FA49567-BB70-4798-8746-D0B522CCEE20}"/>
+              </a:ext>
+            </a:extLst>
+          </p:cNvPr>
+          <p:cNvSpPr>
+            <a:spLocks noGrp="1"/>
+          </p:cNvSpPr>
+          <p:nvPr>
+            <p:ph type="sldNum" sz="quarter" idx="12"/>
+          </p:nvPr>
+        </p:nvSpPr>
+        <p:spPr/>
+        <p:txBody>
+          <a:bodyPr/>
+          <a:lstStyle/>
+          <a:p>
+            <a:fld id="{D57F1E4F-1CFF-5643-939E-02111984F565}" type="slidenum">
+              <a:rPr lang="en-US" smtClean="0"/>
+              <a:t>6</a:t>
+            </a:fld>
+            <a:endParaRPr lang="en-US" dirty="0"/>
+          </a:p>
+        </p:txBody>
+      </p:sp>
+    </p:spTree>
+    <p:extLst>
+      <p:ext uri="{BB962C8B-B14F-4D97-AF65-F5344CB8AC3E}">
+        <p14:creationId xmlns:p14="http://schemas.microsoft.com/office/powerpoint/2010/main" val="528821766"/>
+      </p:ext>
+    </p:extLst>
+  </p:cSld>
+  <p:clrMapOvr>
+    <a:masterClrMapping/>
+  </p:clrMapOvr>
+</p:sld>
+</file>
+
+<file path=ppt/slides/slide7.xml><?xml version="1.0" encoding="utf-8"?>
+<p:sld xmlns:a="http://schemas.openxmlformats.org/drawingml/2006/main" xmlns:r="http://schemas.openxmlformats.org/officeDocument/2006/relationships" xmlns:p="http://schemas.openxmlformats.org/presentationml/2006/main">
+  <p:cSld>
+    <p:spTree>
+      <p:nvGrpSpPr>
+        <p:cNvPr id="1" name=""/>
+        <p:cNvGrpSpPr/>
+        <p:nvPr/>
+      </p:nvGrpSpPr>
+      <p:grpSpPr>
+        <a:xfrm>
+          <a:off x="0" y="0"/>
+          <a:ext cx="0" cy="0"/>
+          <a:chOff x="0" y="0"/>
+          <a:chExt cx="0" cy="0"/>
+        </a:xfrm>
+      </p:grpSpPr>
+      <p:sp>
+        <p:nvSpPr>
+          <p:cNvPr id="7" name="Title 6">
+            <a:extLst>
+              <a:ext uri="{FF2B5EF4-FFF2-40B4-BE49-F238E27FC236}">
+                <a16:creationId xmlns:a16="http://schemas.microsoft.com/office/drawing/2014/main" id="{495B4BC0-844B-4414-A623-BEF78AAC1BA1}"/>
+              </a:ext>
+            </a:extLst>
+          </p:cNvPr>
+          <p:cNvSpPr>
+            <a:spLocks noGrp="1"/>
+          </p:cNvSpPr>
+          <p:nvPr>
+            <p:ph type="title"/>
+          </p:nvPr>
+        </p:nvSpPr>
+        <p:spPr/>
+        <p:txBody>
+          <a:bodyPr/>
+          <a:lstStyle/>
+          <a:p>
+            <a:r>
+              <a:rPr lang="en-US" dirty="0"/>
+              <a:t>PERIODIC COMPONENTS</a:t>
+            </a:r>
+          </a:p>
+        </p:txBody>
+      </p:sp>
+      <p:sp>
+        <p:nvSpPr>
+          <p:cNvPr id="8" name="Content Placeholder 7">
+            <a:extLst>
+              <a:ext uri="{FF2B5EF4-FFF2-40B4-BE49-F238E27FC236}">
+                <a16:creationId xmlns:a16="http://schemas.microsoft.com/office/drawing/2014/main" id="{2BED3EB3-7E98-4A82-8335-7321D9E37B16}"/>
+              </a:ext>
+            </a:extLst>
+          </p:cNvPr>
+          <p:cNvSpPr>
+            <a:spLocks noGrp="1"/>
+          </p:cNvSpPr>
+          <p:nvPr>
+            <p:ph idx="1"/>
+          </p:nvPr>
+        </p:nvSpPr>
+        <p:spPr/>
+        <p:txBody>
+          <a:bodyPr/>
+          <a:lstStyle/>
+          <a:p>
+            <a:endParaRPr lang="en-US" dirty="0"/>
+          </a:p>
+        </p:txBody>
+      </p:sp>
+      <p:sp>
+        <p:nvSpPr>
+          <p:cNvPr id="4" name="Date Placeholder 3">
+            <a:extLst>
+              <a:ext uri="{FF2B5EF4-FFF2-40B4-BE49-F238E27FC236}">
+                <a16:creationId xmlns:a16="http://schemas.microsoft.com/office/drawing/2014/main" id="{540F37F1-4F33-429F-A568-1A3ADC499E54}"/>
+              </a:ext>
+            </a:extLst>
+          </p:cNvPr>
+          <p:cNvSpPr>
+            <a:spLocks noGrp="1"/>
+          </p:cNvSpPr>
+          <p:nvPr>
+            <p:ph type="dt" sz="half" idx="10"/>
+          </p:nvPr>
+        </p:nvSpPr>
+        <p:spPr/>
+        <p:txBody>
+          <a:bodyPr/>
+          <a:lstStyle/>
+          <a:p>
+            <a:fld id="{B08FEED8-D7D4-44E9-BFBC-ED06B5996D94}" type="datetime4">
+              <a:rPr lang="en-US" smtClean="0"/>
+              <a:t>July 17, 2019</a:t>
+            </a:fld>
+            <a:endParaRPr lang="en-US" dirty="0"/>
+          </a:p>
+        </p:txBody>
+      </p:sp>
+      <p:sp>
+        <p:nvSpPr>
+          <p:cNvPr id="5" name="Footer Placeholder 4">
+            <a:extLst>
+              <a:ext uri="{FF2B5EF4-FFF2-40B4-BE49-F238E27FC236}">
+                <a16:creationId xmlns:a16="http://schemas.microsoft.com/office/drawing/2014/main" id="{673FFA57-C126-4795-A5F6-DD33AAC5ACBD}"/>
+              </a:ext>
+            </a:extLst>
+          </p:cNvPr>
+          <p:cNvSpPr>
+            <a:spLocks noGrp="1"/>
+          </p:cNvSpPr>
+          <p:nvPr>
+            <p:ph type="ftr" sz="quarter" idx="11"/>
+          </p:nvPr>
+        </p:nvSpPr>
+        <p:spPr/>
+        <p:txBody>
+          <a:bodyPr/>
+          <a:lstStyle/>
+          <a:p>
+            <a:r>
+              <a:rPr lang="en-US"/>
+              <a:t>Digital Scholarship Services </a:t>
+            </a:r>
+            <a:r>
+              <a:rPr lang="en-US">
+                <a:solidFill>
+                  <a:schemeClr val="accent1">
+                    <a:lumMod val="50000"/>
+                  </a:schemeClr>
+                </a:solidFill>
+              </a:rPr>
+              <a:t>| Email</a:t>
+            </a:r>
+            <a:r>
+              <a:rPr lang="en-US"/>
+              <a:t> cf24@rice.edu </a:t>
+            </a:r>
+            <a:r>
+              <a:rPr lang="en-US">
+                <a:solidFill>
+                  <a:schemeClr val="accent1">
+                    <a:lumMod val="50000"/>
+                  </a:schemeClr>
+                </a:solidFill>
+              </a:rPr>
+              <a:t>|</a:t>
+            </a:r>
+            <a:r>
+              <a:rPr lang="en-US"/>
+              <a:t> library.rice.edu/dss</a:t>
+            </a:r>
+            <a:endParaRPr lang="en-US" dirty="0"/>
+          </a:p>
+        </p:txBody>
+      </p:sp>
+      <p:sp>
+        <p:nvSpPr>
+          <p:cNvPr id="6" name="Slide Number Placeholder 5">
+            <a:extLst>
+              <a:ext uri="{FF2B5EF4-FFF2-40B4-BE49-F238E27FC236}">
+                <a16:creationId xmlns:a16="http://schemas.microsoft.com/office/drawing/2014/main" id="{2FA49567-BB70-4798-8746-D0B522CCEE20}"/>
+              </a:ext>
+            </a:extLst>
+          </p:cNvPr>
+          <p:cNvSpPr>
+            <a:spLocks noGrp="1"/>
+          </p:cNvSpPr>
+          <p:nvPr>
+            <p:ph type="sldNum" sz="quarter" idx="12"/>
+          </p:nvPr>
+        </p:nvSpPr>
+        <p:spPr/>
+        <p:txBody>
+          <a:bodyPr/>
+          <a:lstStyle/>
+          <a:p>
+            <a:fld id="{D57F1E4F-1CFF-5643-939E-02111984F565}" type="slidenum">
+              <a:rPr lang="en-US" smtClean="0"/>
+              <a:t>7</a:t>
+            </a:fld>
+            <a:endParaRPr lang="en-US" dirty="0"/>
+          </a:p>
+        </p:txBody>
+      </p:sp>
+    </p:spTree>
+    <p:extLst>
+      <p:ext uri="{BB962C8B-B14F-4D97-AF65-F5344CB8AC3E}">
+        <p14:creationId xmlns:p14="http://schemas.microsoft.com/office/powerpoint/2010/main" val="2609791034"/>
+      </p:ext>
+    </p:extLst>
+  </p:cSld>
+  <p:clrMapOvr>
+    <a:masterClrMapping/>
+  </p:clrMapOvr>
+</p:sld>
+</file>
+
+<file path=ppt/slides/slide8.xml><?xml version="1.0" encoding="utf-8"?>
+<p:sld xmlns:a="http://schemas.openxmlformats.org/drawingml/2006/main" xmlns:r="http://schemas.openxmlformats.org/officeDocument/2006/relationships" xmlns:p="http://schemas.openxmlformats.org/presentationml/2006/main">
+  <p:cSld>
+    <p:spTree>
+      <p:nvGrpSpPr>
+        <p:cNvPr id="1" name=""/>
+        <p:cNvGrpSpPr/>
+        <p:nvPr/>
+      </p:nvGrpSpPr>
+      <p:grpSpPr>
+        <a:xfrm>
+          <a:off x="0" y="0"/>
+          <a:ext cx="0" cy="0"/>
+          <a:chOff x="0" y="0"/>
+          <a:chExt cx="0" cy="0"/>
+        </a:xfrm>
+      </p:grpSpPr>
+      <p:sp>
+        <p:nvSpPr>
+          <p:cNvPr id="7" name="Title 6">
+            <a:extLst>
+              <a:ext uri="{FF2B5EF4-FFF2-40B4-BE49-F238E27FC236}">
+                <a16:creationId xmlns:a16="http://schemas.microsoft.com/office/drawing/2014/main" id="{495B4BC0-844B-4414-A623-BEF78AAC1BA1}"/>
+              </a:ext>
+            </a:extLst>
+          </p:cNvPr>
+          <p:cNvSpPr>
+            <a:spLocks noGrp="1"/>
+          </p:cNvSpPr>
+          <p:nvPr>
+            <p:ph type="title"/>
+          </p:nvPr>
+        </p:nvSpPr>
+        <p:spPr/>
+        <p:txBody>
+          <a:bodyPr/>
+          <a:lstStyle/>
+          <a:p>
+            <a:r>
+              <a:rPr lang="en-US" dirty="0"/>
+              <a:t>HOLIDAYS</a:t>
+            </a:r>
+          </a:p>
+        </p:txBody>
+      </p:sp>
+      <p:sp>
+        <p:nvSpPr>
+          <p:cNvPr id="8" name="Content Placeholder 7">
+            <a:extLst>
+              <a:ext uri="{FF2B5EF4-FFF2-40B4-BE49-F238E27FC236}">
+                <a16:creationId xmlns:a16="http://schemas.microsoft.com/office/drawing/2014/main" id="{2BED3EB3-7E98-4A82-8335-7321D9E37B16}"/>
+              </a:ext>
+            </a:extLst>
+          </p:cNvPr>
+          <p:cNvSpPr>
+            <a:spLocks noGrp="1"/>
+          </p:cNvSpPr>
+          <p:nvPr>
+            <p:ph idx="1"/>
+          </p:nvPr>
+        </p:nvSpPr>
+        <p:spPr/>
+        <p:txBody>
+          <a:bodyPr/>
+          <a:lstStyle/>
+          <a:p>
+            <a:endParaRPr lang="en-US" dirty="0"/>
+          </a:p>
+        </p:txBody>
+      </p:sp>
+      <p:sp>
+        <p:nvSpPr>
+          <p:cNvPr id="4" name="Date Placeholder 3">
+            <a:extLst>
+              <a:ext uri="{FF2B5EF4-FFF2-40B4-BE49-F238E27FC236}">
+                <a16:creationId xmlns:a16="http://schemas.microsoft.com/office/drawing/2014/main" id="{540F37F1-4F33-429F-A568-1A3ADC499E54}"/>
+              </a:ext>
+            </a:extLst>
+          </p:cNvPr>
+          <p:cNvSpPr>
+            <a:spLocks noGrp="1"/>
+          </p:cNvSpPr>
+          <p:nvPr>
+            <p:ph type="dt" sz="half" idx="10"/>
+          </p:nvPr>
+        </p:nvSpPr>
+        <p:spPr/>
+        <p:txBody>
+          <a:bodyPr/>
+          <a:lstStyle/>
+          <a:p>
+            <a:fld id="{B08FEED8-D7D4-44E9-BFBC-ED06B5996D94}" type="datetime4">
+              <a:rPr lang="en-US" smtClean="0"/>
+              <a:t>July 17, 2019</a:t>
+            </a:fld>
+            <a:endParaRPr lang="en-US" dirty="0"/>
+          </a:p>
+        </p:txBody>
+      </p:sp>
+      <p:sp>
+        <p:nvSpPr>
+          <p:cNvPr id="5" name="Footer Placeholder 4">
+            <a:extLst>
+              <a:ext uri="{FF2B5EF4-FFF2-40B4-BE49-F238E27FC236}">
+                <a16:creationId xmlns:a16="http://schemas.microsoft.com/office/drawing/2014/main" id="{673FFA57-C126-4795-A5F6-DD33AAC5ACBD}"/>
+              </a:ext>
+            </a:extLst>
+          </p:cNvPr>
+          <p:cNvSpPr>
+            <a:spLocks noGrp="1"/>
+          </p:cNvSpPr>
+          <p:nvPr>
+            <p:ph type="ftr" sz="quarter" idx="11"/>
+          </p:nvPr>
+        </p:nvSpPr>
+        <p:spPr/>
+        <p:txBody>
+          <a:bodyPr/>
+          <a:lstStyle/>
+          <a:p>
+            <a:r>
+              <a:rPr lang="en-US"/>
+              <a:t>Digital Scholarship Services </a:t>
+            </a:r>
+            <a:r>
+              <a:rPr lang="en-US">
+                <a:solidFill>
+                  <a:schemeClr val="accent1">
+                    <a:lumMod val="50000"/>
+                  </a:schemeClr>
+                </a:solidFill>
+              </a:rPr>
+              <a:t>| Email</a:t>
+            </a:r>
+            <a:r>
+              <a:rPr lang="en-US"/>
+              <a:t> cf24@rice.edu </a:t>
+            </a:r>
+            <a:r>
+              <a:rPr lang="en-US">
+                <a:solidFill>
+                  <a:schemeClr val="accent1">
+                    <a:lumMod val="50000"/>
+                  </a:schemeClr>
+                </a:solidFill>
+              </a:rPr>
+              <a:t>|</a:t>
+            </a:r>
+            <a:r>
+              <a:rPr lang="en-US"/>
+              <a:t> library.rice.edu/dss</a:t>
+            </a:r>
+            <a:endParaRPr lang="en-US" dirty="0"/>
+          </a:p>
+        </p:txBody>
+      </p:sp>
+      <p:sp>
+        <p:nvSpPr>
+          <p:cNvPr id="6" name="Slide Number Placeholder 5">
+            <a:extLst>
+              <a:ext uri="{FF2B5EF4-FFF2-40B4-BE49-F238E27FC236}">
+                <a16:creationId xmlns:a16="http://schemas.microsoft.com/office/drawing/2014/main" id="{2FA49567-BB70-4798-8746-D0B522CCEE20}"/>
+              </a:ext>
+            </a:extLst>
+          </p:cNvPr>
+          <p:cNvSpPr>
+            <a:spLocks noGrp="1"/>
+          </p:cNvSpPr>
+          <p:nvPr>
+            <p:ph type="sldNum" sz="quarter" idx="12"/>
+          </p:nvPr>
+        </p:nvSpPr>
+        <p:spPr/>
+        <p:txBody>
+          <a:bodyPr/>
+          <a:lstStyle/>
+          <a:p>
+            <a:fld id="{D57F1E4F-1CFF-5643-939E-02111984F565}" type="slidenum">
+              <a:rPr lang="en-US" smtClean="0"/>
+              <a:t>8</a:t>
+            </a:fld>
+            <a:endParaRPr lang="en-US" dirty="0"/>
+          </a:p>
+        </p:txBody>
+      </p:sp>
+    </p:spTree>
+    <p:extLst>
+      <p:ext uri="{BB962C8B-B14F-4D97-AF65-F5344CB8AC3E}">
+        <p14:creationId xmlns:p14="http://schemas.microsoft.com/office/powerpoint/2010/main" val="391148097"/>
+      </p:ext>
+    </p:extLst>
+  </p:cSld>
+  <p:clrMapOvr>
+    <a:masterClrMapping/>
+  </p:clrMapOvr>
+</p:sld>
+</file>
+
+<file path=ppt/slides/slide9.xml><?xml version="1.0" encoding="utf-8"?>
+<p:sld xmlns:a="http://schemas.openxmlformats.org/drawingml/2006/main" xmlns:r="http://schemas.openxmlformats.org/officeDocument/2006/relationships" xmlns:p="http://schemas.openxmlformats.org/presentationml/2006/main">
+  <p:cSld>
+    <p:spTree>
+      <p:nvGrpSpPr>
+        <p:cNvPr id="1" name=""/>
+        <p:cNvGrpSpPr/>
+        <p:nvPr/>
+      </p:nvGrpSpPr>
+      <p:grpSpPr>
+        <a:xfrm>
+          <a:off x="0" y="0"/>
+          <a:ext cx="0" cy="0"/>
+          <a:chOff x="0" y="0"/>
+          <a:chExt cx="0" cy="0"/>
+        </a:xfrm>
+      </p:grpSpPr>
+      <p:sp>
+        <p:nvSpPr>
+          <p:cNvPr id="7" name="Title 6">
+            <a:extLst>
+              <a:ext uri="{FF2B5EF4-FFF2-40B4-BE49-F238E27FC236}">
+                <a16:creationId xmlns:a16="http://schemas.microsoft.com/office/drawing/2014/main" id="{495B4BC0-844B-4414-A623-BEF78AAC1BA1}"/>
+              </a:ext>
+            </a:extLst>
+          </p:cNvPr>
+          <p:cNvSpPr>
+            <a:spLocks noGrp="1"/>
+          </p:cNvSpPr>
+          <p:nvPr>
+            <p:ph type="title"/>
+          </p:nvPr>
+        </p:nvSpPr>
+        <p:spPr/>
+        <p:txBody>
+          <a:bodyPr/>
+          <a:lstStyle/>
+          <a:p>
+            <a:r>
+              <a:rPr lang="en-US" dirty="0"/>
+              <a:t>WHITE NOISE</a:t>
+            </a:r>
+          </a:p>
+        </p:txBody>
+      </p:sp>
+      <p:sp>
+        <p:nvSpPr>
+          <p:cNvPr id="8" name="Content Placeholder 7">
+            <a:extLst>
+              <a:ext uri="{FF2B5EF4-FFF2-40B4-BE49-F238E27FC236}">
+                <a16:creationId xmlns:a16="http://schemas.microsoft.com/office/drawing/2014/main" id="{2BED3EB3-7E98-4A82-8335-7321D9E37B16}"/>
+              </a:ext>
+            </a:extLst>
+          </p:cNvPr>
+          <p:cNvSpPr>
+            <a:spLocks noGrp="1"/>
+          </p:cNvSpPr>
+          <p:nvPr>
+            <p:ph idx="1"/>
+          </p:nvPr>
+        </p:nvSpPr>
+        <p:spPr/>
+        <p:txBody>
+          <a:bodyPr/>
+          <a:lstStyle/>
+          <a:p>
+            <a:endParaRPr lang="en-US" dirty="0"/>
+          </a:p>
+        </p:txBody>
+      </p:sp>
+      <p:sp>
+        <p:nvSpPr>
+          <p:cNvPr id="4" name="Date Placeholder 3">
+            <a:extLst>
+              <a:ext uri="{FF2B5EF4-FFF2-40B4-BE49-F238E27FC236}">
+                <a16:creationId xmlns:a16="http://schemas.microsoft.com/office/drawing/2014/main" id="{540F37F1-4F33-429F-A568-1A3ADC499E54}"/>
+              </a:ext>
+            </a:extLst>
+          </p:cNvPr>
+          <p:cNvSpPr>
+            <a:spLocks noGrp="1"/>
+          </p:cNvSpPr>
+          <p:nvPr>
+            <p:ph type="dt" sz="half" idx="10"/>
+          </p:nvPr>
+        </p:nvSpPr>
+        <p:spPr/>
+        <p:txBody>
+          <a:bodyPr/>
+          <a:lstStyle/>
+          <a:p>
+            <a:fld id="{B08FEED8-D7D4-44E9-BFBC-ED06B5996D94}" type="datetime4">
+              <a:rPr lang="en-US" smtClean="0"/>
+              <a:t>July 17, 2019</a:t>
+            </a:fld>
+            <a:endParaRPr lang="en-US" dirty="0"/>
+          </a:p>
+        </p:txBody>
+      </p:sp>
+      <p:sp>
+        <p:nvSpPr>
+          <p:cNvPr id="5" name="Footer Placeholder 4">
+            <a:extLst>
+              <a:ext uri="{FF2B5EF4-FFF2-40B4-BE49-F238E27FC236}">
+                <a16:creationId xmlns:a16="http://schemas.microsoft.com/office/drawing/2014/main" id="{673FFA57-C126-4795-A5F6-DD33AAC5ACBD}"/>
+              </a:ext>
+            </a:extLst>
+          </p:cNvPr>
+          <p:cNvSpPr>
+            <a:spLocks noGrp="1"/>
+          </p:cNvSpPr>
+          <p:nvPr>
+            <p:ph type="ftr" sz="quarter" idx="11"/>
+          </p:nvPr>
+        </p:nvSpPr>
+        <p:spPr/>
+        <p:txBody>
+          <a:bodyPr/>
+          <a:lstStyle/>
+          <a:p>
+            <a:r>
+              <a:rPr lang="en-US"/>
+              <a:t>Digital Scholarship Services </a:t>
+            </a:r>
+            <a:r>
+              <a:rPr lang="en-US">
+                <a:solidFill>
+                  <a:schemeClr val="accent1">
+                    <a:lumMod val="50000"/>
+                  </a:schemeClr>
+                </a:solidFill>
+              </a:rPr>
+              <a:t>| Email</a:t>
+            </a:r>
+            <a:r>
+              <a:rPr lang="en-US"/>
+              <a:t> cf24@rice.edu </a:t>
+            </a:r>
+            <a:r>
+              <a:rPr lang="en-US">
+                <a:solidFill>
+                  <a:schemeClr val="accent1">
+                    <a:lumMod val="50000"/>
+                  </a:schemeClr>
+                </a:solidFill>
+              </a:rPr>
+              <a:t>|</a:t>
+            </a:r>
+            <a:r>
+              <a:rPr lang="en-US"/>
+              <a:t> library.rice.edu/dss</a:t>
+            </a:r>
+            <a:endParaRPr lang="en-US" dirty="0"/>
+          </a:p>
+        </p:txBody>
+      </p:sp>
+      <p:sp>
+        <p:nvSpPr>
+          <p:cNvPr id="6" name="Slide Number Placeholder 5">
+            <a:extLst>
+              <a:ext uri="{FF2B5EF4-FFF2-40B4-BE49-F238E27FC236}">
+                <a16:creationId xmlns:a16="http://schemas.microsoft.com/office/drawing/2014/main" id="{2FA49567-BB70-4798-8746-D0B522CCEE20}"/>
+              </a:ext>
+            </a:extLst>
+          </p:cNvPr>
+          <p:cNvSpPr>
+            <a:spLocks noGrp="1"/>
+          </p:cNvSpPr>
+          <p:nvPr>
+            <p:ph type="sldNum" sz="quarter" idx="12"/>
+          </p:nvPr>
+        </p:nvSpPr>
+        <p:spPr/>
+        <p:txBody>
+          <a:bodyPr/>
+          <a:lstStyle/>
+          <a:p>
+            <a:fld id="{D57F1E4F-1CFF-5643-939E-02111984F565}" type="slidenum">
+              <a:rPr lang="en-US" smtClean="0"/>
+              <a:t>9</a:t>
+            </a:fld>
+            <a:endParaRPr lang="en-US" dirty="0"/>
+          </a:p>
+        </p:txBody>
+      </p:sp>
+    </p:spTree>
+    <p:extLst>
+      <p:ext uri="{BB962C8B-B14F-4D97-AF65-F5344CB8AC3E}">
+        <p14:creationId xmlns:p14="http://schemas.microsoft.com/office/powerpoint/2010/main" val="4091772932"/>
       </p:ext>
     </p:extLst>
   </p:cSld>

--- a/tsa/Introduction to Time Series Analysis.pptx
+++ b/tsa/Introduction to Time Series Analysis.pptx
@@ -5,29 +5,30 @@
     <p:sldMasterId id="2147483707" r:id="rId1"/>
   </p:sldMasterIdLst>
   <p:notesMasterIdLst>
-    <p:notesMasterId r:id="rId22"/>
+    <p:notesMasterId r:id="rId23"/>
   </p:notesMasterIdLst>
   <p:sldIdLst>
     <p:sldId id="266" r:id="rId2"/>
     <p:sldId id="264" r:id="rId3"/>
     <p:sldId id="269" r:id="rId4"/>
-    <p:sldId id="278" r:id="rId5"/>
-    <p:sldId id="267" r:id="rId6"/>
-    <p:sldId id="270" r:id="rId7"/>
-    <p:sldId id="272" r:id="rId8"/>
-    <p:sldId id="277" r:id="rId9"/>
-    <p:sldId id="276" r:id="rId10"/>
-    <p:sldId id="273" r:id="rId11"/>
-    <p:sldId id="274" r:id="rId12"/>
-    <p:sldId id="275" r:id="rId13"/>
-    <p:sldId id="279" r:id="rId14"/>
-    <p:sldId id="280" r:id="rId15"/>
-    <p:sldId id="281" r:id="rId16"/>
-    <p:sldId id="282" r:id="rId17"/>
-    <p:sldId id="283" r:id="rId18"/>
-    <p:sldId id="284" r:id="rId19"/>
-    <p:sldId id="285" r:id="rId20"/>
-    <p:sldId id="268" r:id="rId21"/>
+    <p:sldId id="286" r:id="rId5"/>
+    <p:sldId id="278" r:id="rId6"/>
+    <p:sldId id="267" r:id="rId7"/>
+    <p:sldId id="270" r:id="rId8"/>
+    <p:sldId id="272" r:id="rId9"/>
+    <p:sldId id="277" r:id="rId10"/>
+    <p:sldId id="276" r:id="rId11"/>
+    <p:sldId id="273" r:id="rId12"/>
+    <p:sldId id="274" r:id="rId13"/>
+    <p:sldId id="275" r:id="rId14"/>
+    <p:sldId id="279" r:id="rId15"/>
+    <p:sldId id="280" r:id="rId16"/>
+    <p:sldId id="281" r:id="rId17"/>
+    <p:sldId id="282" r:id="rId18"/>
+    <p:sldId id="283" r:id="rId19"/>
+    <p:sldId id="284" r:id="rId20"/>
+    <p:sldId id="285" r:id="rId21"/>
+    <p:sldId id="268" r:id="rId22"/>
   </p:sldIdLst>
   <p:sldSz cx="12192000" cy="6858000"/>
   <p:notesSz cx="6858000" cy="9144000"/>
@@ -216,7 +217,7 @@
           <a:p>
             <a:fld id="{D46E3B93-8523-4DBC-8FC5-65A9B9CDE5EE}" type="datetimeFigureOut">
               <a:rPr lang="en-US" smtClean="0"/>
-              <a:t>7/17/2019</a:t>
+              <a:t>7/27/2019</a:t>
             </a:fld>
             <a:endParaRPr lang="en-US"/>
           </a:p>
@@ -612,7 +613,7 @@
           <a:p>
             <a:fld id="{CE8F6EB4-B6EF-44F6-BBD1-CD5E279CFAE2}" type="datetime4">
               <a:rPr lang="en-US" smtClean="0"/>
-              <a:t>July 17, 2019</a:t>
+              <a:t>July 27, 2019</a:t>
             </a:fld>
             <a:endParaRPr lang="en-US" dirty="0"/>
           </a:p>
@@ -784,7 +785,7 @@
           <a:p>
             <a:fld id="{8A405AA7-4C18-4A99-8AAA-8677C1976FC9}" type="datetime4">
               <a:rPr lang="en-US" smtClean="0"/>
-              <a:t>July 17, 2019</a:t>
+              <a:t>July 27, 2019</a:t>
             </a:fld>
             <a:endParaRPr lang="en-US" dirty="0"/>
           </a:p>
@@ -966,7 +967,7 @@
           <a:p>
             <a:fld id="{4EA0D668-33DD-41B9-B668-7E7FF430C345}" type="datetime4">
               <a:rPr lang="en-US" smtClean="0"/>
-              <a:t>July 17, 2019</a:t>
+              <a:t>July 27, 2019</a:t>
             </a:fld>
             <a:endParaRPr lang="en-US" dirty="0"/>
           </a:p>
@@ -1149,7 +1150,7 @@
           <a:p>
             <a:fld id="{8AAE40A0-A7D8-4DC3-BC9E-BADA32DA2004}" type="datetime4">
               <a:rPr lang="en-US" smtClean="0"/>
-              <a:t>July 17, 2019</a:t>
+              <a:t>July 27, 2019</a:t>
             </a:fld>
             <a:endParaRPr lang="en-US" dirty="0"/>
           </a:p>
@@ -1476,7 +1477,7 @@
           <a:p>
             <a:fld id="{B08FEED8-D7D4-44E9-BFBC-ED06B5996D94}" type="datetime4">
               <a:rPr lang="en-US" smtClean="0"/>
-              <a:t>July 17, 2019</a:t>
+              <a:t>July 27, 2019</a:t>
             </a:fld>
             <a:endParaRPr lang="en-US" dirty="0"/>
           </a:p>
@@ -1786,7 +1787,7 @@
           <a:p>
             <a:fld id="{A143C325-9442-4629-8CC6-5CAC69736C93}" type="datetime4">
               <a:rPr lang="en-US" smtClean="0"/>
-              <a:t>July 17, 2019</a:t>
+              <a:t>July 27, 2019</a:t>
             </a:fld>
             <a:endParaRPr lang="en-US" dirty="0"/>
           </a:p>
@@ -2154,7 +2155,7 @@
           <a:p>
             <a:fld id="{EEDAFACB-3FED-4607-9FDD-34A82581A119}" type="datetime4">
               <a:rPr lang="en-US" smtClean="0"/>
-              <a:t>July 17, 2019</a:t>
+              <a:t>July 27, 2019</a:t>
             </a:fld>
             <a:endParaRPr lang="en-US" dirty="0"/>
           </a:p>
@@ -2275,7 +2276,7 @@
           <a:p>
             <a:fld id="{EC2805D6-2E3E-42F7-ABBA-DCD51C704328}" type="datetime4">
               <a:rPr lang="en-US" smtClean="0"/>
-              <a:t>July 17, 2019</a:t>
+              <a:t>July 27, 2019</a:t>
             </a:fld>
             <a:endParaRPr lang="en-US" dirty="0"/>
           </a:p>
@@ -2374,7 +2375,7 @@
           <a:p>
             <a:fld id="{7A745AAB-8888-45FB-8C4E-B86AF9A05200}" type="datetime4">
               <a:rPr lang="en-US" smtClean="0"/>
-              <a:t>July 17, 2019</a:t>
+              <a:t>July 27, 2019</a:t>
             </a:fld>
             <a:endParaRPr lang="en-US" dirty="0"/>
           </a:p>
@@ -2653,7 +2654,7 @@
           <a:p>
             <a:fld id="{9F896CED-8AFA-412F-B61A-472E6093CDBA}" type="datetime4">
               <a:rPr lang="en-US" smtClean="0"/>
-              <a:t>July 17, 2019</a:t>
+              <a:t>July 27, 2019</a:t>
             </a:fld>
             <a:endParaRPr lang="en-US" dirty="0"/>
           </a:p>
@@ -2912,7 +2913,7 @@
           <a:p>
             <a:fld id="{61078AB2-2970-444D-B1FF-A9F37FC020F5}" type="datetime4">
               <a:rPr lang="en-US" smtClean="0"/>
-              <a:t>July 17, 2019</a:t>
+              <a:t>July 27, 2019</a:t>
             </a:fld>
             <a:endParaRPr lang="en-US" dirty="0"/>
           </a:p>
@@ -3130,7 +3131,7 @@
           <a:p>
             <a:fld id="{1148AE1E-D441-45CD-8192-49B13802301D}" type="datetime4">
               <a:rPr lang="en-US" smtClean="0"/>
-              <a:t>July 17, 2019</a:t>
+              <a:t>July 27, 2019</a:t>
             </a:fld>
             <a:endParaRPr lang="en-US" dirty="0"/>
           </a:p>
@@ -3881,7 +3882,7 @@
           <p:cNvPr id="7" name="Title 6">
             <a:extLst>
               <a:ext uri="{FF2B5EF4-FFF2-40B4-BE49-F238E27FC236}">
-                <a16:creationId xmlns:a16="http://schemas.microsoft.com/office/drawing/2014/main" id="{184E2338-1026-45D4-9455-B21A88F18B28}"/>
+                <a16:creationId xmlns:a16="http://schemas.microsoft.com/office/drawing/2014/main" id="{495B4BC0-844B-4414-A623-BEF78AAC1BA1}"/>
               </a:ext>
             </a:extLst>
           </p:cNvPr>
@@ -3899,43 +3900,33 @@
           <a:p>
             <a:r>
               <a:rPr lang="en-US" dirty="0"/>
-              <a:t>HOW TO MAKE YOUR</a:t>
-            </a:r>
-            <a:br>
-              <a:rPr lang="en-US" dirty="0"/>
-            </a:br>
-            <a:r>
-              <a:rPr lang="en-US" dirty="0"/>
-              <a:t>DATA STATIONARY</a:t>
-            </a:r>
-          </a:p>
-        </p:txBody>
-      </p:sp>
-      <p:sp>
-        <p:nvSpPr>
-          <p:cNvPr id="8" name="Text Placeholder 7">
-            <a:extLst>
-              <a:ext uri="{FF2B5EF4-FFF2-40B4-BE49-F238E27FC236}">
-                <a16:creationId xmlns:a16="http://schemas.microsoft.com/office/drawing/2014/main" id="{DB42CCAB-C8E2-48A8-A9DF-EB0383A8B33C}"/>
-              </a:ext>
-            </a:extLst>
-          </p:cNvPr>
-          <p:cNvSpPr>
-            <a:spLocks noGrp="1"/>
-          </p:cNvSpPr>
-          <p:nvPr>
-            <p:ph type="body" idx="1"/>
-          </p:nvPr>
-        </p:nvSpPr>
-        <p:spPr/>
-        <p:txBody>
-          <a:bodyPr/>
-          <a:lstStyle/>
-          <a:p>
-            <a:r>
-              <a:rPr lang="en-US" dirty="0"/>
-              <a:t>Make your data appetizing for modeling</a:t>
-            </a:r>
+              <a:t>WHITE NOISE</a:t>
+            </a:r>
+          </a:p>
+        </p:txBody>
+      </p:sp>
+      <p:sp>
+        <p:nvSpPr>
+          <p:cNvPr id="8" name="Content Placeholder 7">
+            <a:extLst>
+              <a:ext uri="{FF2B5EF4-FFF2-40B4-BE49-F238E27FC236}">
+                <a16:creationId xmlns:a16="http://schemas.microsoft.com/office/drawing/2014/main" id="{2BED3EB3-7E98-4A82-8335-7321D9E37B16}"/>
+              </a:ext>
+            </a:extLst>
+          </p:cNvPr>
+          <p:cNvSpPr>
+            <a:spLocks noGrp="1"/>
+          </p:cNvSpPr>
+          <p:nvPr>
+            <p:ph idx="1"/>
+          </p:nvPr>
+        </p:nvSpPr>
+        <p:spPr/>
+        <p:txBody>
+          <a:bodyPr/>
+          <a:lstStyle/>
+          <a:p>
+            <a:endParaRPr lang="en-US" dirty="0"/>
           </a:p>
         </p:txBody>
       </p:sp>
@@ -3944,7 +3935,7 @@
           <p:cNvPr id="4" name="Date Placeholder 3">
             <a:extLst>
               <a:ext uri="{FF2B5EF4-FFF2-40B4-BE49-F238E27FC236}">
-                <a16:creationId xmlns:a16="http://schemas.microsoft.com/office/drawing/2014/main" id="{1CA94ACB-62A5-4F09-8C21-F0CE9BFB1606}"/>
+                <a16:creationId xmlns:a16="http://schemas.microsoft.com/office/drawing/2014/main" id="{540F37F1-4F33-429F-A568-1A3ADC499E54}"/>
               </a:ext>
             </a:extLst>
           </p:cNvPr>
@@ -3960,9 +3951,9 @@
           <a:bodyPr/>
           <a:lstStyle/>
           <a:p>
-            <a:fld id="{8AAE40A0-A7D8-4DC3-BC9E-BADA32DA2004}" type="datetime4">
+            <a:fld id="{B08FEED8-D7D4-44E9-BFBC-ED06B5996D94}" type="datetime4">
               <a:rPr lang="en-US" smtClean="0"/>
-              <a:t>July 17, 2019</a:t>
+              <a:t>July 27, 2019</a:t>
             </a:fld>
             <a:endParaRPr lang="en-US" dirty="0"/>
           </a:p>
@@ -3973,7 +3964,7 @@
           <p:cNvPr id="5" name="Footer Placeholder 4">
             <a:extLst>
               <a:ext uri="{FF2B5EF4-FFF2-40B4-BE49-F238E27FC236}">
-                <a16:creationId xmlns:a16="http://schemas.microsoft.com/office/drawing/2014/main" id="{D20B02B0-893D-4696-B6F7-A126B8D18E99}"/>
+                <a16:creationId xmlns:a16="http://schemas.microsoft.com/office/drawing/2014/main" id="{673FFA57-C126-4795-A5F6-DD33AAC5ACBD}"/>
               </a:ext>
             </a:extLst>
           </p:cNvPr>
@@ -4030,7 +4021,7 @@
           <p:cNvPr id="6" name="Slide Number Placeholder 5">
             <a:extLst>
               <a:ext uri="{FF2B5EF4-FFF2-40B4-BE49-F238E27FC236}">
-                <a16:creationId xmlns:a16="http://schemas.microsoft.com/office/drawing/2014/main" id="{1CFDA495-0063-4571-8969-0DD770DB39E0}"/>
+                <a16:creationId xmlns:a16="http://schemas.microsoft.com/office/drawing/2014/main" id="{2FA49567-BB70-4798-8746-D0B522CCEE20}"/>
               </a:ext>
             </a:extLst>
           </p:cNvPr>
@@ -4057,7 +4048,7 @@
     </p:spTree>
     <p:extLst>
       <p:ext uri="{BB962C8B-B14F-4D97-AF65-F5344CB8AC3E}">
-        <p14:creationId xmlns:p14="http://schemas.microsoft.com/office/powerpoint/2010/main" val="3850339889"/>
+        <p14:creationId xmlns:p14="http://schemas.microsoft.com/office/powerpoint/2010/main" val="4091772932"/>
       </p:ext>
     </p:extLst>
   </p:cSld>
@@ -4089,7 +4080,7 @@
           <p:cNvPr id="7" name="Title 6">
             <a:extLst>
               <a:ext uri="{FF2B5EF4-FFF2-40B4-BE49-F238E27FC236}">
-                <a16:creationId xmlns:a16="http://schemas.microsoft.com/office/drawing/2014/main" id="{495B4BC0-844B-4414-A623-BEF78AAC1BA1}"/>
+                <a16:creationId xmlns:a16="http://schemas.microsoft.com/office/drawing/2014/main" id="{184E2338-1026-45D4-9455-B21A88F18B28}"/>
               </a:ext>
             </a:extLst>
           </p:cNvPr>
@@ -4107,33 +4098,43 @@
           <a:p>
             <a:r>
               <a:rPr lang="en-US" dirty="0"/>
-              <a:t>STATIONARITY</a:t>
-            </a:r>
-          </a:p>
-        </p:txBody>
-      </p:sp>
-      <p:sp>
-        <p:nvSpPr>
-          <p:cNvPr id="8" name="Content Placeholder 7">
-            <a:extLst>
-              <a:ext uri="{FF2B5EF4-FFF2-40B4-BE49-F238E27FC236}">
-                <a16:creationId xmlns:a16="http://schemas.microsoft.com/office/drawing/2014/main" id="{2BED3EB3-7E98-4A82-8335-7321D9E37B16}"/>
-              </a:ext>
-            </a:extLst>
-          </p:cNvPr>
-          <p:cNvSpPr>
-            <a:spLocks noGrp="1"/>
-          </p:cNvSpPr>
-          <p:nvPr>
-            <p:ph idx="1"/>
-          </p:nvPr>
-        </p:nvSpPr>
-        <p:spPr/>
-        <p:txBody>
-          <a:bodyPr/>
-          <a:lstStyle/>
-          <a:p>
-            <a:endParaRPr lang="en-US" dirty="0"/>
+              <a:t>HOW TO MAKE YOUR</a:t>
+            </a:r>
+            <a:br>
+              <a:rPr lang="en-US" dirty="0"/>
+            </a:br>
+            <a:r>
+              <a:rPr lang="en-US" dirty="0"/>
+              <a:t>DATA STATIONARY</a:t>
+            </a:r>
+          </a:p>
+        </p:txBody>
+      </p:sp>
+      <p:sp>
+        <p:nvSpPr>
+          <p:cNvPr id="8" name="Text Placeholder 7">
+            <a:extLst>
+              <a:ext uri="{FF2B5EF4-FFF2-40B4-BE49-F238E27FC236}">
+                <a16:creationId xmlns:a16="http://schemas.microsoft.com/office/drawing/2014/main" id="{DB42CCAB-C8E2-48A8-A9DF-EB0383A8B33C}"/>
+              </a:ext>
+            </a:extLst>
+          </p:cNvPr>
+          <p:cNvSpPr>
+            <a:spLocks noGrp="1"/>
+          </p:cNvSpPr>
+          <p:nvPr>
+            <p:ph type="body" idx="1"/>
+          </p:nvPr>
+        </p:nvSpPr>
+        <p:spPr/>
+        <p:txBody>
+          <a:bodyPr/>
+          <a:lstStyle/>
+          <a:p>
+            <a:r>
+              <a:rPr lang="en-US" dirty="0"/>
+              <a:t>Make your data appetizing for modeling</a:t>
+            </a:r>
           </a:p>
         </p:txBody>
       </p:sp>
@@ -4142,7 +4143,7 @@
           <p:cNvPr id="4" name="Date Placeholder 3">
             <a:extLst>
               <a:ext uri="{FF2B5EF4-FFF2-40B4-BE49-F238E27FC236}">
-                <a16:creationId xmlns:a16="http://schemas.microsoft.com/office/drawing/2014/main" id="{540F37F1-4F33-429F-A568-1A3ADC499E54}"/>
+                <a16:creationId xmlns:a16="http://schemas.microsoft.com/office/drawing/2014/main" id="{1CA94ACB-62A5-4F09-8C21-F0CE9BFB1606}"/>
               </a:ext>
             </a:extLst>
           </p:cNvPr>
@@ -4158,9 +4159,9 @@
           <a:bodyPr/>
           <a:lstStyle/>
           <a:p>
-            <a:fld id="{B08FEED8-D7D4-44E9-BFBC-ED06B5996D94}" type="datetime4">
+            <a:fld id="{8AAE40A0-A7D8-4DC3-BC9E-BADA32DA2004}" type="datetime4">
               <a:rPr lang="en-US" smtClean="0"/>
-              <a:t>July 17, 2019</a:t>
+              <a:t>July 27, 2019</a:t>
             </a:fld>
             <a:endParaRPr lang="en-US" dirty="0"/>
           </a:p>
@@ -4171,7 +4172,7 @@
           <p:cNvPr id="5" name="Footer Placeholder 4">
             <a:extLst>
               <a:ext uri="{FF2B5EF4-FFF2-40B4-BE49-F238E27FC236}">
-                <a16:creationId xmlns:a16="http://schemas.microsoft.com/office/drawing/2014/main" id="{673FFA57-C126-4795-A5F6-DD33AAC5ACBD}"/>
+                <a16:creationId xmlns:a16="http://schemas.microsoft.com/office/drawing/2014/main" id="{D20B02B0-893D-4696-B6F7-A126B8D18E99}"/>
               </a:ext>
             </a:extLst>
           </p:cNvPr>
@@ -4228,7 +4229,7 @@
           <p:cNvPr id="6" name="Slide Number Placeholder 5">
             <a:extLst>
               <a:ext uri="{FF2B5EF4-FFF2-40B4-BE49-F238E27FC236}">
-                <a16:creationId xmlns:a16="http://schemas.microsoft.com/office/drawing/2014/main" id="{2FA49567-BB70-4798-8746-D0B522CCEE20}"/>
+                <a16:creationId xmlns:a16="http://schemas.microsoft.com/office/drawing/2014/main" id="{1CFDA495-0063-4571-8969-0DD770DB39E0}"/>
               </a:ext>
             </a:extLst>
           </p:cNvPr>
@@ -4255,7 +4256,7 @@
     </p:spTree>
     <p:extLst>
       <p:ext uri="{BB962C8B-B14F-4D97-AF65-F5344CB8AC3E}">
-        <p14:creationId xmlns:p14="http://schemas.microsoft.com/office/powerpoint/2010/main" val="3590493067"/>
+        <p14:creationId xmlns:p14="http://schemas.microsoft.com/office/powerpoint/2010/main" val="3850339889"/>
       </p:ext>
     </p:extLst>
   </p:cSld>
@@ -4305,7 +4306,7 @@
           <a:p>
             <a:r>
               <a:rPr lang="en-US" dirty="0"/>
-              <a:t>DETRENDING</a:t>
+              <a:t>STATIONARITY</a:t>
             </a:r>
           </a:p>
         </p:txBody>
@@ -4358,7 +4359,7 @@
           <a:p>
             <a:fld id="{B08FEED8-D7D4-44E9-BFBC-ED06B5996D94}" type="datetime4">
               <a:rPr lang="en-US" smtClean="0"/>
-              <a:t>July 17, 2019</a:t>
+              <a:t>July 27, 2019</a:t>
             </a:fld>
             <a:endParaRPr lang="en-US" dirty="0"/>
           </a:p>
@@ -4453,7 +4454,7 @@
     </p:spTree>
     <p:extLst>
       <p:ext uri="{BB962C8B-B14F-4D97-AF65-F5344CB8AC3E}">
-        <p14:creationId xmlns:p14="http://schemas.microsoft.com/office/powerpoint/2010/main" val="4109370477"/>
+        <p14:creationId xmlns:p14="http://schemas.microsoft.com/office/powerpoint/2010/main" val="3590493067"/>
       </p:ext>
     </p:extLst>
   </p:cSld>
@@ -4482,10 +4483,10 @@
       </p:grpSpPr>
       <p:sp>
         <p:nvSpPr>
-          <p:cNvPr id="2" name="Title 1">
-            <a:extLst>
-              <a:ext uri="{FF2B5EF4-FFF2-40B4-BE49-F238E27FC236}">
-                <a16:creationId xmlns:a16="http://schemas.microsoft.com/office/drawing/2014/main" id="{A694862C-8B28-4EF5-9C6F-0187B05C2B03}"/>
+          <p:cNvPr id="7" name="Title 6">
+            <a:extLst>
+              <a:ext uri="{FF2B5EF4-FFF2-40B4-BE49-F238E27FC236}">
+                <a16:creationId xmlns:a16="http://schemas.microsoft.com/office/drawing/2014/main" id="{495B4BC0-844B-4414-A623-BEF78AAC1BA1}"/>
               </a:ext>
             </a:extLst>
           </p:cNvPr>
@@ -4503,17 +4504,17 @@
           <a:p>
             <a:r>
               <a:rPr lang="en-US" dirty="0"/>
-              <a:t>LAGGING</a:t>
-            </a:r>
-          </a:p>
-        </p:txBody>
-      </p:sp>
-      <p:sp>
-        <p:nvSpPr>
-          <p:cNvPr id="3" name="Content Placeholder 2">
-            <a:extLst>
-              <a:ext uri="{FF2B5EF4-FFF2-40B4-BE49-F238E27FC236}">
-                <a16:creationId xmlns:a16="http://schemas.microsoft.com/office/drawing/2014/main" id="{5DFC40A6-4344-46B7-89C4-4E16031C9B39}"/>
+              <a:t>DETRENDING</a:t>
+            </a:r>
+          </a:p>
+        </p:txBody>
+      </p:sp>
+      <p:sp>
+        <p:nvSpPr>
+          <p:cNvPr id="8" name="Content Placeholder 7">
+            <a:extLst>
+              <a:ext uri="{FF2B5EF4-FFF2-40B4-BE49-F238E27FC236}">
+                <a16:creationId xmlns:a16="http://schemas.microsoft.com/office/drawing/2014/main" id="{2BED3EB3-7E98-4A82-8335-7321D9E37B16}"/>
               </a:ext>
             </a:extLst>
           </p:cNvPr>
@@ -4529,7 +4530,7 @@
           <a:bodyPr/>
           <a:lstStyle/>
           <a:p>
-            <a:endParaRPr lang="en-US"/>
+            <a:endParaRPr lang="en-US" dirty="0"/>
           </a:p>
         </p:txBody>
       </p:sp>
@@ -4538,7 +4539,7 @@
           <p:cNvPr id="4" name="Date Placeholder 3">
             <a:extLst>
               <a:ext uri="{FF2B5EF4-FFF2-40B4-BE49-F238E27FC236}">
-                <a16:creationId xmlns:a16="http://schemas.microsoft.com/office/drawing/2014/main" id="{ADEE79BB-4734-4439-A76F-2976CABC29C1}"/>
+                <a16:creationId xmlns:a16="http://schemas.microsoft.com/office/drawing/2014/main" id="{540F37F1-4F33-429F-A568-1A3ADC499E54}"/>
               </a:ext>
             </a:extLst>
           </p:cNvPr>
@@ -4554,9 +4555,9 @@
           <a:bodyPr/>
           <a:lstStyle/>
           <a:p>
-            <a:fld id="{8AAE40A0-A7D8-4DC3-BC9E-BADA32DA2004}" type="datetime4">
+            <a:fld id="{B08FEED8-D7D4-44E9-BFBC-ED06B5996D94}" type="datetime4">
               <a:rPr lang="en-US" smtClean="0"/>
-              <a:t>July 17, 2019</a:t>
+              <a:t>July 27, 2019</a:t>
             </a:fld>
             <a:endParaRPr lang="en-US" dirty="0"/>
           </a:p>
@@ -4567,7 +4568,7 @@
           <p:cNvPr id="5" name="Footer Placeholder 4">
             <a:extLst>
               <a:ext uri="{FF2B5EF4-FFF2-40B4-BE49-F238E27FC236}">
-                <a16:creationId xmlns:a16="http://schemas.microsoft.com/office/drawing/2014/main" id="{14093F74-35B5-4B3E-BE77-B47F35290D05}"/>
+                <a16:creationId xmlns:a16="http://schemas.microsoft.com/office/drawing/2014/main" id="{673FFA57-C126-4795-A5F6-DD33AAC5ACBD}"/>
               </a:ext>
             </a:extLst>
           </p:cNvPr>
@@ -4624,7 +4625,7 @@
           <p:cNvPr id="6" name="Slide Number Placeholder 5">
             <a:extLst>
               <a:ext uri="{FF2B5EF4-FFF2-40B4-BE49-F238E27FC236}">
-                <a16:creationId xmlns:a16="http://schemas.microsoft.com/office/drawing/2014/main" id="{76F6E8AA-9A3E-467A-A16A-CED9E58CFA80}"/>
+                <a16:creationId xmlns:a16="http://schemas.microsoft.com/office/drawing/2014/main" id="{2FA49567-BB70-4798-8746-D0B522CCEE20}"/>
               </a:ext>
             </a:extLst>
           </p:cNvPr>
@@ -4651,7 +4652,7 @@
     </p:spTree>
     <p:extLst>
       <p:ext uri="{BB962C8B-B14F-4D97-AF65-F5344CB8AC3E}">
-        <p14:creationId xmlns:p14="http://schemas.microsoft.com/office/powerpoint/2010/main" val="3805551099"/>
+        <p14:creationId xmlns:p14="http://schemas.microsoft.com/office/powerpoint/2010/main" val="4109370477"/>
       </p:ext>
     </p:extLst>
   </p:cSld>
@@ -4683,7 +4684,7 @@
           <p:cNvPr id="2" name="Title 1">
             <a:extLst>
               <a:ext uri="{FF2B5EF4-FFF2-40B4-BE49-F238E27FC236}">
-                <a16:creationId xmlns:a16="http://schemas.microsoft.com/office/drawing/2014/main" id="{84FE5820-4288-4CB6-888A-5CBF5468888C}"/>
+                <a16:creationId xmlns:a16="http://schemas.microsoft.com/office/drawing/2014/main" id="{A694862C-8B28-4EF5-9C6F-0187B05C2B03}"/>
               </a:ext>
             </a:extLst>
           </p:cNvPr>
@@ -4701,7 +4702,7 @@
           <a:p>
             <a:r>
               <a:rPr lang="en-US" dirty="0"/>
-              <a:t>LAGGED SCATTERPLOTS</a:t>
+              <a:t>LAGGING</a:t>
             </a:r>
           </a:p>
         </p:txBody>
@@ -4711,7 +4712,7 @@
           <p:cNvPr id="3" name="Content Placeholder 2">
             <a:extLst>
               <a:ext uri="{FF2B5EF4-FFF2-40B4-BE49-F238E27FC236}">
-                <a16:creationId xmlns:a16="http://schemas.microsoft.com/office/drawing/2014/main" id="{2952943F-FC31-4BE3-AB00-BAB4B12957BE}"/>
+                <a16:creationId xmlns:a16="http://schemas.microsoft.com/office/drawing/2014/main" id="{5DFC40A6-4344-46B7-89C4-4E16031C9B39}"/>
               </a:ext>
             </a:extLst>
           </p:cNvPr>
@@ -4727,7 +4728,7 @@
           <a:bodyPr/>
           <a:lstStyle/>
           <a:p>
-            <a:endParaRPr lang="en-US" dirty="0"/>
+            <a:endParaRPr lang="en-US"/>
           </a:p>
         </p:txBody>
       </p:sp>
@@ -4736,7 +4737,7 @@
           <p:cNvPr id="4" name="Date Placeholder 3">
             <a:extLst>
               <a:ext uri="{FF2B5EF4-FFF2-40B4-BE49-F238E27FC236}">
-                <a16:creationId xmlns:a16="http://schemas.microsoft.com/office/drawing/2014/main" id="{F716348B-D7FE-46ED-8C48-CF5A55FF31CF}"/>
+                <a16:creationId xmlns:a16="http://schemas.microsoft.com/office/drawing/2014/main" id="{ADEE79BB-4734-4439-A76F-2976CABC29C1}"/>
               </a:ext>
             </a:extLst>
           </p:cNvPr>
@@ -4754,7 +4755,7 @@
           <a:p>
             <a:fld id="{8AAE40A0-A7D8-4DC3-BC9E-BADA32DA2004}" type="datetime4">
               <a:rPr lang="en-US" smtClean="0"/>
-              <a:t>July 17, 2019</a:t>
+              <a:t>July 27, 2019</a:t>
             </a:fld>
             <a:endParaRPr lang="en-US" dirty="0"/>
           </a:p>
@@ -4765,7 +4766,7 @@
           <p:cNvPr id="5" name="Footer Placeholder 4">
             <a:extLst>
               <a:ext uri="{FF2B5EF4-FFF2-40B4-BE49-F238E27FC236}">
-                <a16:creationId xmlns:a16="http://schemas.microsoft.com/office/drawing/2014/main" id="{34059279-A1E7-4F19-B4BF-8C6B59A4CEFF}"/>
+                <a16:creationId xmlns:a16="http://schemas.microsoft.com/office/drawing/2014/main" id="{14093F74-35B5-4B3E-BE77-B47F35290D05}"/>
               </a:ext>
             </a:extLst>
           </p:cNvPr>
@@ -4822,7 +4823,7 @@
           <p:cNvPr id="6" name="Slide Number Placeholder 5">
             <a:extLst>
               <a:ext uri="{FF2B5EF4-FFF2-40B4-BE49-F238E27FC236}">
-                <a16:creationId xmlns:a16="http://schemas.microsoft.com/office/drawing/2014/main" id="{DE722C41-7366-4DE2-9AF4-E75E189A7733}"/>
+                <a16:creationId xmlns:a16="http://schemas.microsoft.com/office/drawing/2014/main" id="{76F6E8AA-9A3E-467A-A16A-CED9E58CFA80}"/>
               </a:ext>
             </a:extLst>
           </p:cNvPr>
@@ -4849,7 +4850,7 @@
     </p:spTree>
     <p:extLst>
       <p:ext uri="{BB962C8B-B14F-4D97-AF65-F5344CB8AC3E}">
-        <p14:creationId xmlns:p14="http://schemas.microsoft.com/office/powerpoint/2010/main" val="2399367561"/>
+        <p14:creationId xmlns:p14="http://schemas.microsoft.com/office/powerpoint/2010/main" val="3805551099"/>
       </p:ext>
     </p:extLst>
   </p:cSld>
@@ -4878,10 +4879,10 @@
       </p:grpSpPr>
       <p:sp>
         <p:nvSpPr>
-          <p:cNvPr id="7" name="Title 6">
-            <a:extLst>
-              <a:ext uri="{FF2B5EF4-FFF2-40B4-BE49-F238E27FC236}">
-                <a16:creationId xmlns:a16="http://schemas.microsoft.com/office/drawing/2014/main" id="{7802FB34-7510-47BC-8952-A1FE9728B0BF}"/>
+          <p:cNvPr id="2" name="Title 1">
+            <a:extLst>
+              <a:ext uri="{FF2B5EF4-FFF2-40B4-BE49-F238E27FC236}">
+                <a16:creationId xmlns:a16="http://schemas.microsoft.com/office/drawing/2014/main" id="{84FE5820-4288-4CB6-888A-5CBF5468888C}"/>
               </a:ext>
             </a:extLst>
           </p:cNvPr>
@@ -4899,36 +4900,33 @@
           <a:p>
             <a:r>
               <a:rPr lang="en-US" dirty="0"/>
-              <a:t>ARIMA MODELS</a:t>
-            </a:r>
-          </a:p>
-        </p:txBody>
-      </p:sp>
-      <p:sp>
-        <p:nvSpPr>
-          <p:cNvPr id="8" name="Text Placeholder 7">
-            <a:extLst>
-              <a:ext uri="{FF2B5EF4-FFF2-40B4-BE49-F238E27FC236}">
-                <a16:creationId xmlns:a16="http://schemas.microsoft.com/office/drawing/2014/main" id="{FCA70F1A-579E-4144-AE97-14FFC08FF0F5}"/>
-              </a:ext>
-            </a:extLst>
-          </p:cNvPr>
-          <p:cNvSpPr>
-            <a:spLocks noGrp="1"/>
-          </p:cNvSpPr>
-          <p:nvPr>
-            <p:ph type="body" idx="1"/>
-          </p:nvPr>
-        </p:nvSpPr>
-        <p:spPr/>
-        <p:txBody>
-          <a:bodyPr/>
-          <a:lstStyle/>
-          <a:p>
-            <a:r>
-              <a:rPr lang="en-US" dirty="0"/>
-              <a:t>Interpretable, simple and speedy time series modeling</a:t>
-            </a:r>
+              <a:t>LAGGED SCATTERPLOTS</a:t>
+            </a:r>
+          </a:p>
+        </p:txBody>
+      </p:sp>
+      <p:sp>
+        <p:nvSpPr>
+          <p:cNvPr id="3" name="Content Placeholder 2">
+            <a:extLst>
+              <a:ext uri="{FF2B5EF4-FFF2-40B4-BE49-F238E27FC236}">
+                <a16:creationId xmlns:a16="http://schemas.microsoft.com/office/drawing/2014/main" id="{2952943F-FC31-4BE3-AB00-BAB4B12957BE}"/>
+              </a:ext>
+            </a:extLst>
+          </p:cNvPr>
+          <p:cNvSpPr>
+            <a:spLocks noGrp="1"/>
+          </p:cNvSpPr>
+          <p:nvPr>
+            <p:ph idx="1"/>
+          </p:nvPr>
+        </p:nvSpPr>
+        <p:spPr/>
+        <p:txBody>
+          <a:bodyPr/>
+          <a:lstStyle/>
+          <a:p>
+            <a:endParaRPr lang="en-US" dirty="0"/>
           </a:p>
         </p:txBody>
       </p:sp>
@@ -4937,7 +4935,7 @@
           <p:cNvPr id="4" name="Date Placeholder 3">
             <a:extLst>
               <a:ext uri="{FF2B5EF4-FFF2-40B4-BE49-F238E27FC236}">
-                <a16:creationId xmlns:a16="http://schemas.microsoft.com/office/drawing/2014/main" id="{3AD929EF-0967-4B34-81B8-24D9EF91892E}"/>
+                <a16:creationId xmlns:a16="http://schemas.microsoft.com/office/drawing/2014/main" id="{F716348B-D7FE-46ED-8C48-CF5A55FF31CF}"/>
               </a:ext>
             </a:extLst>
           </p:cNvPr>
@@ -4955,7 +4953,7 @@
           <a:p>
             <a:fld id="{8AAE40A0-A7D8-4DC3-BC9E-BADA32DA2004}" type="datetime4">
               <a:rPr lang="en-US" smtClean="0"/>
-              <a:t>July 17, 2019</a:t>
+              <a:t>July 27, 2019</a:t>
             </a:fld>
             <a:endParaRPr lang="en-US" dirty="0"/>
           </a:p>
@@ -4966,7 +4964,7 @@
           <p:cNvPr id="5" name="Footer Placeholder 4">
             <a:extLst>
               <a:ext uri="{FF2B5EF4-FFF2-40B4-BE49-F238E27FC236}">
-                <a16:creationId xmlns:a16="http://schemas.microsoft.com/office/drawing/2014/main" id="{3B5B35DD-F2EA-40D3-8039-8CD3802B2612}"/>
+                <a16:creationId xmlns:a16="http://schemas.microsoft.com/office/drawing/2014/main" id="{34059279-A1E7-4F19-B4BF-8C6B59A4CEFF}"/>
               </a:ext>
             </a:extLst>
           </p:cNvPr>
@@ -5023,7 +5021,7 @@
           <p:cNvPr id="6" name="Slide Number Placeholder 5">
             <a:extLst>
               <a:ext uri="{FF2B5EF4-FFF2-40B4-BE49-F238E27FC236}">
-                <a16:creationId xmlns:a16="http://schemas.microsoft.com/office/drawing/2014/main" id="{C3EB9A57-323C-47F5-867F-693F95A15FA4}"/>
+                <a16:creationId xmlns:a16="http://schemas.microsoft.com/office/drawing/2014/main" id="{DE722C41-7366-4DE2-9AF4-E75E189A7733}"/>
               </a:ext>
             </a:extLst>
           </p:cNvPr>
@@ -5050,7 +5048,7 @@
     </p:spTree>
     <p:extLst>
       <p:ext uri="{BB962C8B-B14F-4D97-AF65-F5344CB8AC3E}">
-        <p14:creationId xmlns:p14="http://schemas.microsoft.com/office/powerpoint/2010/main" val="107865345"/>
+        <p14:creationId xmlns:p14="http://schemas.microsoft.com/office/powerpoint/2010/main" val="2399367561"/>
       </p:ext>
     </p:extLst>
   </p:cSld>
@@ -5082,7 +5080,7 @@
           <p:cNvPr id="7" name="Title 6">
             <a:extLst>
               <a:ext uri="{FF2B5EF4-FFF2-40B4-BE49-F238E27FC236}">
-                <a16:creationId xmlns:a16="http://schemas.microsoft.com/office/drawing/2014/main" id="{75C0DCD3-95F8-4E1F-BF1A-5FAAB84A40A3}"/>
+                <a16:creationId xmlns:a16="http://schemas.microsoft.com/office/drawing/2014/main" id="{7802FB34-7510-47BC-8952-A1FE9728B0BF}"/>
               </a:ext>
             </a:extLst>
           </p:cNvPr>
@@ -5100,33 +5098,36 @@
           <a:p>
             <a:r>
               <a:rPr lang="en-US" dirty="0"/>
-              <a:t>ARIMA</a:t>
-            </a:r>
-          </a:p>
-        </p:txBody>
-      </p:sp>
-      <p:sp>
-        <p:nvSpPr>
-          <p:cNvPr id="8" name="Content Placeholder 7">
-            <a:extLst>
-              <a:ext uri="{FF2B5EF4-FFF2-40B4-BE49-F238E27FC236}">
-                <a16:creationId xmlns:a16="http://schemas.microsoft.com/office/drawing/2014/main" id="{52BB1FAB-BB61-4B66-A4EA-A0EABC2B3ECA}"/>
-              </a:ext>
-            </a:extLst>
-          </p:cNvPr>
-          <p:cNvSpPr>
-            <a:spLocks noGrp="1"/>
-          </p:cNvSpPr>
-          <p:nvPr>
-            <p:ph idx="1"/>
-          </p:nvPr>
-        </p:nvSpPr>
-        <p:spPr/>
-        <p:txBody>
-          <a:bodyPr/>
-          <a:lstStyle/>
-          <a:p>
-            <a:endParaRPr lang="en-US"/>
+              <a:t>ARIMA MODELS</a:t>
+            </a:r>
+          </a:p>
+        </p:txBody>
+      </p:sp>
+      <p:sp>
+        <p:nvSpPr>
+          <p:cNvPr id="8" name="Text Placeholder 7">
+            <a:extLst>
+              <a:ext uri="{FF2B5EF4-FFF2-40B4-BE49-F238E27FC236}">
+                <a16:creationId xmlns:a16="http://schemas.microsoft.com/office/drawing/2014/main" id="{FCA70F1A-579E-4144-AE97-14FFC08FF0F5}"/>
+              </a:ext>
+            </a:extLst>
+          </p:cNvPr>
+          <p:cNvSpPr>
+            <a:spLocks noGrp="1"/>
+          </p:cNvSpPr>
+          <p:nvPr>
+            <p:ph type="body" idx="1"/>
+          </p:nvPr>
+        </p:nvSpPr>
+        <p:spPr/>
+        <p:txBody>
+          <a:bodyPr/>
+          <a:lstStyle/>
+          <a:p>
+            <a:r>
+              <a:rPr lang="en-US" dirty="0"/>
+              <a:t>Interpretable, simple and speedy time series modeling</a:t>
+            </a:r>
           </a:p>
         </p:txBody>
       </p:sp>
@@ -5135,7 +5136,7 @@
           <p:cNvPr id="4" name="Date Placeholder 3">
             <a:extLst>
               <a:ext uri="{FF2B5EF4-FFF2-40B4-BE49-F238E27FC236}">
-                <a16:creationId xmlns:a16="http://schemas.microsoft.com/office/drawing/2014/main" id="{02256D86-7CE0-416E-B2A3-402D20EE9E90}"/>
+                <a16:creationId xmlns:a16="http://schemas.microsoft.com/office/drawing/2014/main" id="{3AD929EF-0967-4B34-81B8-24D9EF91892E}"/>
               </a:ext>
             </a:extLst>
           </p:cNvPr>
@@ -5151,9 +5152,9 @@
           <a:bodyPr/>
           <a:lstStyle/>
           <a:p>
-            <a:fld id="{B08FEED8-D7D4-44E9-BFBC-ED06B5996D94}" type="datetime4">
+            <a:fld id="{8AAE40A0-A7D8-4DC3-BC9E-BADA32DA2004}" type="datetime4">
               <a:rPr lang="en-US" smtClean="0"/>
-              <a:t>July 17, 2019</a:t>
+              <a:t>July 27, 2019</a:t>
             </a:fld>
             <a:endParaRPr lang="en-US" dirty="0"/>
           </a:p>
@@ -5164,7 +5165,7 @@
           <p:cNvPr id="5" name="Footer Placeholder 4">
             <a:extLst>
               <a:ext uri="{FF2B5EF4-FFF2-40B4-BE49-F238E27FC236}">
-                <a16:creationId xmlns:a16="http://schemas.microsoft.com/office/drawing/2014/main" id="{1D4ED112-7CF4-4BB9-B46E-B366A5054A9A}"/>
+                <a16:creationId xmlns:a16="http://schemas.microsoft.com/office/drawing/2014/main" id="{3B5B35DD-F2EA-40D3-8039-8CD3802B2612}"/>
               </a:ext>
             </a:extLst>
           </p:cNvPr>
@@ -5221,7 +5222,7 @@
           <p:cNvPr id="6" name="Slide Number Placeholder 5">
             <a:extLst>
               <a:ext uri="{FF2B5EF4-FFF2-40B4-BE49-F238E27FC236}">
-                <a16:creationId xmlns:a16="http://schemas.microsoft.com/office/drawing/2014/main" id="{8CC75551-85BF-4C9F-8893-AA28ECA8A6B5}"/>
+                <a16:creationId xmlns:a16="http://schemas.microsoft.com/office/drawing/2014/main" id="{C3EB9A57-323C-47F5-867F-693F95A15FA4}"/>
               </a:ext>
             </a:extLst>
           </p:cNvPr>
@@ -5248,7 +5249,7 @@
     </p:spTree>
     <p:extLst>
       <p:ext uri="{BB962C8B-B14F-4D97-AF65-F5344CB8AC3E}">
-        <p14:creationId xmlns:p14="http://schemas.microsoft.com/office/powerpoint/2010/main" val="1065550565"/>
+        <p14:creationId xmlns:p14="http://schemas.microsoft.com/office/powerpoint/2010/main" val="107865345"/>
       </p:ext>
     </p:extLst>
   </p:cSld>
@@ -5298,7 +5299,7 @@
           <a:p>
             <a:r>
               <a:rPr lang="en-US" dirty="0"/>
-              <a:t>AUTOREGRESSIVE</a:t>
+              <a:t>ARIMA</a:t>
             </a:r>
           </a:p>
         </p:txBody>
@@ -5351,7 +5352,7 @@
           <a:p>
             <a:fld id="{B08FEED8-D7D4-44E9-BFBC-ED06B5996D94}" type="datetime4">
               <a:rPr lang="en-US" smtClean="0"/>
-              <a:t>July 17, 2019</a:t>
+              <a:t>July 27, 2019</a:t>
             </a:fld>
             <a:endParaRPr lang="en-US" dirty="0"/>
           </a:p>
@@ -5446,7 +5447,7 @@
     </p:spTree>
     <p:extLst>
       <p:ext uri="{BB962C8B-B14F-4D97-AF65-F5344CB8AC3E}">
-        <p14:creationId xmlns:p14="http://schemas.microsoft.com/office/powerpoint/2010/main" val="4066560549"/>
+        <p14:creationId xmlns:p14="http://schemas.microsoft.com/office/powerpoint/2010/main" val="1065550565"/>
       </p:ext>
     </p:extLst>
   </p:cSld>
@@ -5475,10 +5476,10 @@
       </p:grpSpPr>
       <p:sp>
         <p:nvSpPr>
-          <p:cNvPr id="2" name="Title 1">
-            <a:extLst>
-              <a:ext uri="{FF2B5EF4-FFF2-40B4-BE49-F238E27FC236}">
-                <a16:creationId xmlns:a16="http://schemas.microsoft.com/office/drawing/2014/main" id="{D7EACF90-3E7B-4978-AB0C-ED5165419D19}"/>
+          <p:cNvPr id="7" name="Title 6">
+            <a:extLst>
+              <a:ext uri="{FF2B5EF4-FFF2-40B4-BE49-F238E27FC236}">
+                <a16:creationId xmlns:a16="http://schemas.microsoft.com/office/drawing/2014/main" id="{75C0DCD3-95F8-4E1F-BF1A-5FAAB84A40A3}"/>
               </a:ext>
             </a:extLst>
           </p:cNvPr>
@@ -5496,17 +5497,17 @@
           <a:p>
             <a:r>
               <a:rPr lang="en-US" dirty="0"/>
-              <a:t>MOVING AVERAGE</a:t>
-            </a:r>
-          </a:p>
-        </p:txBody>
-      </p:sp>
-      <p:sp>
-        <p:nvSpPr>
-          <p:cNvPr id="3" name="Content Placeholder 2">
-            <a:extLst>
-              <a:ext uri="{FF2B5EF4-FFF2-40B4-BE49-F238E27FC236}">
-                <a16:creationId xmlns:a16="http://schemas.microsoft.com/office/drawing/2014/main" id="{A7CEFEF5-E74A-4EFE-9368-8FD74B059E10}"/>
+              <a:t>AUTOREGRESSIVE</a:t>
+            </a:r>
+          </a:p>
+        </p:txBody>
+      </p:sp>
+      <p:sp>
+        <p:nvSpPr>
+          <p:cNvPr id="8" name="Content Placeholder 7">
+            <a:extLst>
+              <a:ext uri="{FF2B5EF4-FFF2-40B4-BE49-F238E27FC236}">
+                <a16:creationId xmlns:a16="http://schemas.microsoft.com/office/drawing/2014/main" id="{52BB1FAB-BB61-4B66-A4EA-A0EABC2B3ECA}"/>
               </a:ext>
             </a:extLst>
           </p:cNvPr>
@@ -5531,7 +5532,7 @@
           <p:cNvPr id="4" name="Date Placeholder 3">
             <a:extLst>
               <a:ext uri="{FF2B5EF4-FFF2-40B4-BE49-F238E27FC236}">
-                <a16:creationId xmlns:a16="http://schemas.microsoft.com/office/drawing/2014/main" id="{64E0A09F-EC7A-4EF6-AB3A-0DC48B1B7271}"/>
+                <a16:creationId xmlns:a16="http://schemas.microsoft.com/office/drawing/2014/main" id="{02256D86-7CE0-416E-B2A3-402D20EE9E90}"/>
               </a:ext>
             </a:extLst>
           </p:cNvPr>
@@ -5547,9 +5548,9 @@
           <a:bodyPr/>
           <a:lstStyle/>
           <a:p>
-            <a:fld id="{8AAE40A0-A7D8-4DC3-BC9E-BADA32DA2004}" type="datetime4">
+            <a:fld id="{B08FEED8-D7D4-44E9-BFBC-ED06B5996D94}" type="datetime4">
               <a:rPr lang="en-US" smtClean="0"/>
-              <a:t>July 17, 2019</a:t>
+              <a:t>July 27, 2019</a:t>
             </a:fld>
             <a:endParaRPr lang="en-US" dirty="0"/>
           </a:p>
@@ -5560,7 +5561,7 @@
           <p:cNvPr id="5" name="Footer Placeholder 4">
             <a:extLst>
               <a:ext uri="{FF2B5EF4-FFF2-40B4-BE49-F238E27FC236}">
-                <a16:creationId xmlns:a16="http://schemas.microsoft.com/office/drawing/2014/main" id="{9D8B7F07-2C50-4473-BABC-57C52FDD38D2}"/>
+                <a16:creationId xmlns:a16="http://schemas.microsoft.com/office/drawing/2014/main" id="{1D4ED112-7CF4-4BB9-B46E-B366A5054A9A}"/>
               </a:ext>
             </a:extLst>
           </p:cNvPr>
@@ -5617,7 +5618,7 @@
           <p:cNvPr id="6" name="Slide Number Placeholder 5">
             <a:extLst>
               <a:ext uri="{FF2B5EF4-FFF2-40B4-BE49-F238E27FC236}">
-                <a16:creationId xmlns:a16="http://schemas.microsoft.com/office/drawing/2014/main" id="{6BE5E43E-0696-4C60-A72C-BBB5B4448760}"/>
+                <a16:creationId xmlns:a16="http://schemas.microsoft.com/office/drawing/2014/main" id="{8CC75551-85BF-4C9F-8893-AA28ECA8A6B5}"/>
               </a:ext>
             </a:extLst>
           </p:cNvPr>
@@ -5644,7 +5645,7 @@
     </p:spTree>
     <p:extLst>
       <p:ext uri="{BB962C8B-B14F-4D97-AF65-F5344CB8AC3E}">
-        <p14:creationId xmlns:p14="http://schemas.microsoft.com/office/powerpoint/2010/main" val="3521777765"/>
+        <p14:creationId xmlns:p14="http://schemas.microsoft.com/office/powerpoint/2010/main" val="4066560549"/>
       </p:ext>
     </p:extLst>
   </p:cSld>
@@ -5676,7 +5677,7 @@
           <p:cNvPr id="2" name="Title 1">
             <a:extLst>
               <a:ext uri="{FF2B5EF4-FFF2-40B4-BE49-F238E27FC236}">
-                <a16:creationId xmlns:a16="http://schemas.microsoft.com/office/drawing/2014/main" id="{D1BF0482-6913-4A5E-A533-479864CB5349}"/>
+                <a16:creationId xmlns:a16="http://schemas.microsoft.com/office/drawing/2014/main" id="{D7EACF90-3E7B-4978-AB0C-ED5165419D19}"/>
               </a:ext>
             </a:extLst>
           </p:cNvPr>
@@ -5694,7 +5695,7 @@
           <a:p>
             <a:r>
               <a:rPr lang="en-US" dirty="0"/>
-              <a:t>PLAYING AROUND WITH ARIMA</a:t>
+              <a:t>MOVING AVERAGE</a:t>
             </a:r>
           </a:p>
         </p:txBody>
@@ -5704,7 +5705,7 @@
           <p:cNvPr id="3" name="Content Placeholder 2">
             <a:extLst>
               <a:ext uri="{FF2B5EF4-FFF2-40B4-BE49-F238E27FC236}">
-                <a16:creationId xmlns:a16="http://schemas.microsoft.com/office/drawing/2014/main" id="{D48271C9-2790-46C9-B80B-52D215430CB8}"/>
+                <a16:creationId xmlns:a16="http://schemas.microsoft.com/office/drawing/2014/main" id="{A7CEFEF5-E74A-4EFE-9368-8FD74B059E10}"/>
               </a:ext>
             </a:extLst>
           </p:cNvPr>
@@ -5729,7 +5730,7 @@
           <p:cNvPr id="4" name="Date Placeholder 3">
             <a:extLst>
               <a:ext uri="{FF2B5EF4-FFF2-40B4-BE49-F238E27FC236}">
-                <a16:creationId xmlns:a16="http://schemas.microsoft.com/office/drawing/2014/main" id="{B23DAF35-209C-48FA-AAAB-F69E14183A91}"/>
+                <a16:creationId xmlns:a16="http://schemas.microsoft.com/office/drawing/2014/main" id="{64E0A09F-EC7A-4EF6-AB3A-0DC48B1B7271}"/>
               </a:ext>
             </a:extLst>
           </p:cNvPr>
@@ -5747,7 +5748,7 @@
           <a:p>
             <a:fld id="{8AAE40A0-A7D8-4DC3-BC9E-BADA32DA2004}" type="datetime4">
               <a:rPr lang="en-US" smtClean="0"/>
-              <a:t>July 17, 2019</a:t>
+              <a:t>July 27, 2019</a:t>
             </a:fld>
             <a:endParaRPr lang="en-US" dirty="0"/>
           </a:p>
@@ -5758,7 +5759,7 @@
           <p:cNvPr id="5" name="Footer Placeholder 4">
             <a:extLst>
               <a:ext uri="{FF2B5EF4-FFF2-40B4-BE49-F238E27FC236}">
-                <a16:creationId xmlns:a16="http://schemas.microsoft.com/office/drawing/2014/main" id="{3D8E22A6-180D-41CF-9959-4347A11F2AD1}"/>
+                <a16:creationId xmlns:a16="http://schemas.microsoft.com/office/drawing/2014/main" id="{9D8B7F07-2C50-4473-BABC-57C52FDD38D2}"/>
               </a:ext>
             </a:extLst>
           </p:cNvPr>
@@ -5815,7 +5816,7 @@
           <p:cNvPr id="6" name="Slide Number Placeholder 5">
             <a:extLst>
               <a:ext uri="{FF2B5EF4-FFF2-40B4-BE49-F238E27FC236}">
-                <a16:creationId xmlns:a16="http://schemas.microsoft.com/office/drawing/2014/main" id="{CECE3146-0C2B-4CC7-BC7C-FD23AAF7ECAE}"/>
+                <a16:creationId xmlns:a16="http://schemas.microsoft.com/office/drawing/2014/main" id="{6BE5E43E-0696-4C60-A72C-BBB5B4448760}"/>
               </a:ext>
             </a:extLst>
           </p:cNvPr>
@@ -5842,7 +5843,7 @@
     </p:spTree>
     <p:extLst>
       <p:ext uri="{BB962C8B-B14F-4D97-AF65-F5344CB8AC3E}">
-        <p14:creationId xmlns:p14="http://schemas.microsoft.com/office/powerpoint/2010/main" val="3624540971"/>
+        <p14:creationId xmlns:p14="http://schemas.microsoft.com/office/powerpoint/2010/main" val="3521777765"/>
       </p:ext>
     </p:extLst>
   </p:cSld>
@@ -5933,7 +5934,7 @@
           <a:p>
             <a:fld id="{3686C9ED-58DA-41A6-B894-9B830C59600E}" type="datetime4">
               <a:rPr lang="en-US" smtClean="0"/>
-              <a:t>July 17, 2019</a:t>
+              <a:t>July 27, 2019</a:t>
             </a:fld>
             <a:endParaRPr lang="en-US" dirty="0"/>
           </a:p>
@@ -5983,7 +5984,22 @@
           <a:bodyPr/>
           <a:lstStyle/>
           <a:p>
-            <a:endParaRPr lang="en-US"/>
+            <a:r>
+              <a:rPr lang="en-US" dirty="0"/>
+              <a:t>Simply, data that are collected in a certain order</a:t>
+            </a:r>
+          </a:p>
+          <a:p>
+            <a:r>
+              <a:rPr lang="en-US" dirty="0"/>
+              <a:t>Evenly or unevenly spaced</a:t>
+            </a:r>
+          </a:p>
+          <a:p>
+            <a:r>
+              <a:rPr lang="en-US" dirty="0"/>
+              <a:t>Any number of variables</a:t>
+            </a:r>
           </a:p>
         </p:txBody>
       </p:sp>
@@ -6019,10 +6035,10 @@
       </p:grpSpPr>
       <p:sp>
         <p:nvSpPr>
-          <p:cNvPr id="7" name="Title 6">
-            <a:extLst>
-              <a:ext uri="{FF2B5EF4-FFF2-40B4-BE49-F238E27FC236}">
-                <a16:creationId xmlns:a16="http://schemas.microsoft.com/office/drawing/2014/main" id="{495B4BC0-844B-4414-A623-BEF78AAC1BA1}"/>
+          <p:cNvPr id="2" name="Title 1">
+            <a:extLst>
+              <a:ext uri="{FF2B5EF4-FFF2-40B4-BE49-F238E27FC236}">
+                <a16:creationId xmlns:a16="http://schemas.microsoft.com/office/drawing/2014/main" id="{D1BF0482-6913-4A5E-A533-479864CB5349}"/>
               </a:ext>
             </a:extLst>
           </p:cNvPr>
@@ -6040,17 +6056,17 @@
           <a:p>
             <a:r>
               <a:rPr lang="en-US" dirty="0"/>
-              <a:t>ACKNOWLEDGMENTS</a:t>
-            </a:r>
-          </a:p>
-        </p:txBody>
-      </p:sp>
-      <p:sp>
-        <p:nvSpPr>
-          <p:cNvPr id="8" name="Content Placeholder 7">
-            <a:extLst>
-              <a:ext uri="{FF2B5EF4-FFF2-40B4-BE49-F238E27FC236}">
-                <a16:creationId xmlns:a16="http://schemas.microsoft.com/office/drawing/2014/main" id="{2BED3EB3-7E98-4A82-8335-7321D9E37B16}"/>
+              <a:t>PLAYING AROUND WITH ARIMA</a:t>
+            </a:r>
+          </a:p>
+        </p:txBody>
+      </p:sp>
+      <p:sp>
+        <p:nvSpPr>
+          <p:cNvPr id="3" name="Content Placeholder 2">
+            <a:extLst>
+              <a:ext uri="{FF2B5EF4-FFF2-40B4-BE49-F238E27FC236}">
+                <a16:creationId xmlns:a16="http://schemas.microsoft.com/office/drawing/2014/main" id="{D48271C9-2790-46C9-B80B-52D215430CB8}"/>
               </a:ext>
             </a:extLst>
           </p:cNvPr>
@@ -6075,7 +6091,7 @@
           <p:cNvPr id="4" name="Date Placeholder 3">
             <a:extLst>
               <a:ext uri="{FF2B5EF4-FFF2-40B4-BE49-F238E27FC236}">
-                <a16:creationId xmlns:a16="http://schemas.microsoft.com/office/drawing/2014/main" id="{540F37F1-4F33-429F-A568-1A3ADC499E54}"/>
+                <a16:creationId xmlns:a16="http://schemas.microsoft.com/office/drawing/2014/main" id="{B23DAF35-209C-48FA-AAAB-F69E14183A91}"/>
               </a:ext>
             </a:extLst>
           </p:cNvPr>
@@ -6091,9 +6107,9 @@
           <a:bodyPr/>
           <a:lstStyle/>
           <a:p>
-            <a:fld id="{B08FEED8-D7D4-44E9-BFBC-ED06B5996D94}" type="datetime4">
+            <a:fld id="{8AAE40A0-A7D8-4DC3-BC9E-BADA32DA2004}" type="datetime4">
               <a:rPr lang="en-US" smtClean="0"/>
-              <a:t>July 17, 2019</a:t>
+              <a:t>July 27, 2019</a:t>
             </a:fld>
             <a:endParaRPr lang="en-US" dirty="0"/>
           </a:p>
@@ -6104,7 +6120,7 @@
           <p:cNvPr id="5" name="Footer Placeholder 4">
             <a:extLst>
               <a:ext uri="{FF2B5EF4-FFF2-40B4-BE49-F238E27FC236}">
-                <a16:creationId xmlns:a16="http://schemas.microsoft.com/office/drawing/2014/main" id="{673FFA57-C126-4795-A5F6-DD33AAC5ACBD}"/>
+                <a16:creationId xmlns:a16="http://schemas.microsoft.com/office/drawing/2014/main" id="{3D8E22A6-180D-41CF-9959-4347A11F2AD1}"/>
               </a:ext>
             </a:extLst>
           </p:cNvPr>
@@ -6161,7 +6177,7 @@
           <p:cNvPr id="6" name="Slide Number Placeholder 5">
             <a:extLst>
               <a:ext uri="{FF2B5EF4-FFF2-40B4-BE49-F238E27FC236}">
-                <a16:creationId xmlns:a16="http://schemas.microsoft.com/office/drawing/2014/main" id="{2FA49567-BB70-4798-8746-D0B522CCEE20}"/>
+                <a16:creationId xmlns:a16="http://schemas.microsoft.com/office/drawing/2014/main" id="{CECE3146-0C2B-4CC7-BC7C-FD23AAF7ECAE}"/>
               </a:ext>
             </a:extLst>
           </p:cNvPr>
@@ -6180,6 +6196,204 @@
             <a:fld id="{D57F1E4F-1CFF-5643-939E-02111984F565}" type="slidenum">
               <a:rPr lang="en-US" smtClean="0"/>
               <a:t>20</a:t>
+            </a:fld>
+            <a:endParaRPr lang="en-US" dirty="0"/>
+          </a:p>
+        </p:txBody>
+      </p:sp>
+    </p:spTree>
+    <p:extLst>
+      <p:ext uri="{BB962C8B-B14F-4D97-AF65-F5344CB8AC3E}">
+        <p14:creationId xmlns:p14="http://schemas.microsoft.com/office/powerpoint/2010/main" val="3624540971"/>
+      </p:ext>
+    </p:extLst>
+  </p:cSld>
+  <p:clrMapOvr>
+    <a:masterClrMapping/>
+  </p:clrMapOvr>
+</p:sld>
+</file>
+
+<file path=ppt/slides/slide21.xml><?xml version="1.0" encoding="utf-8"?>
+<p:sld xmlns:a="http://schemas.openxmlformats.org/drawingml/2006/main" xmlns:r="http://schemas.openxmlformats.org/officeDocument/2006/relationships" xmlns:p="http://schemas.openxmlformats.org/presentationml/2006/main">
+  <p:cSld>
+    <p:spTree>
+      <p:nvGrpSpPr>
+        <p:cNvPr id="1" name=""/>
+        <p:cNvGrpSpPr/>
+        <p:nvPr/>
+      </p:nvGrpSpPr>
+      <p:grpSpPr>
+        <a:xfrm>
+          <a:off x="0" y="0"/>
+          <a:ext cx="0" cy="0"/>
+          <a:chOff x="0" y="0"/>
+          <a:chExt cx="0" cy="0"/>
+        </a:xfrm>
+      </p:grpSpPr>
+      <p:sp>
+        <p:nvSpPr>
+          <p:cNvPr id="7" name="Title 6">
+            <a:extLst>
+              <a:ext uri="{FF2B5EF4-FFF2-40B4-BE49-F238E27FC236}">
+                <a16:creationId xmlns:a16="http://schemas.microsoft.com/office/drawing/2014/main" id="{495B4BC0-844B-4414-A623-BEF78AAC1BA1}"/>
+              </a:ext>
+            </a:extLst>
+          </p:cNvPr>
+          <p:cNvSpPr>
+            <a:spLocks noGrp="1"/>
+          </p:cNvSpPr>
+          <p:nvPr>
+            <p:ph type="title"/>
+          </p:nvPr>
+        </p:nvSpPr>
+        <p:spPr/>
+        <p:txBody>
+          <a:bodyPr/>
+          <a:lstStyle/>
+          <a:p>
+            <a:r>
+              <a:rPr lang="en-US" dirty="0"/>
+              <a:t>ACKNOWLEDGMENTS</a:t>
+            </a:r>
+          </a:p>
+        </p:txBody>
+      </p:sp>
+      <p:sp>
+        <p:nvSpPr>
+          <p:cNvPr id="8" name="Content Placeholder 7">
+            <a:extLst>
+              <a:ext uri="{FF2B5EF4-FFF2-40B4-BE49-F238E27FC236}">
+                <a16:creationId xmlns:a16="http://schemas.microsoft.com/office/drawing/2014/main" id="{2BED3EB3-7E98-4A82-8335-7321D9E37B16}"/>
+              </a:ext>
+            </a:extLst>
+          </p:cNvPr>
+          <p:cNvSpPr>
+            <a:spLocks noGrp="1"/>
+          </p:cNvSpPr>
+          <p:nvPr>
+            <p:ph idx="1"/>
+          </p:nvPr>
+        </p:nvSpPr>
+        <p:spPr/>
+        <p:txBody>
+          <a:bodyPr/>
+          <a:lstStyle/>
+          <a:p>
+            <a:endParaRPr lang="en-US"/>
+          </a:p>
+        </p:txBody>
+      </p:sp>
+      <p:sp>
+        <p:nvSpPr>
+          <p:cNvPr id="4" name="Date Placeholder 3">
+            <a:extLst>
+              <a:ext uri="{FF2B5EF4-FFF2-40B4-BE49-F238E27FC236}">
+                <a16:creationId xmlns:a16="http://schemas.microsoft.com/office/drawing/2014/main" id="{540F37F1-4F33-429F-A568-1A3ADC499E54}"/>
+              </a:ext>
+            </a:extLst>
+          </p:cNvPr>
+          <p:cNvSpPr>
+            <a:spLocks noGrp="1"/>
+          </p:cNvSpPr>
+          <p:nvPr>
+            <p:ph type="dt" sz="half" idx="10"/>
+          </p:nvPr>
+        </p:nvSpPr>
+        <p:spPr/>
+        <p:txBody>
+          <a:bodyPr/>
+          <a:lstStyle/>
+          <a:p>
+            <a:fld id="{B08FEED8-D7D4-44E9-BFBC-ED06B5996D94}" type="datetime4">
+              <a:rPr lang="en-US" smtClean="0"/>
+              <a:t>July 27, 2019</a:t>
+            </a:fld>
+            <a:endParaRPr lang="en-US" dirty="0"/>
+          </a:p>
+        </p:txBody>
+      </p:sp>
+      <p:sp>
+        <p:nvSpPr>
+          <p:cNvPr id="5" name="Footer Placeholder 4">
+            <a:extLst>
+              <a:ext uri="{FF2B5EF4-FFF2-40B4-BE49-F238E27FC236}">
+                <a16:creationId xmlns:a16="http://schemas.microsoft.com/office/drawing/2014/main" id="{673FFA57-C126-4795-A5F6-DD33AAC5ACBD}"/>
+              </a:ext>
+            </a:extLst>
+          </p:cNvPr>
+          <p:cNvSpPr>
+            <a:spLocks noGrp="1"/>
+          </p:cNvSpPr>
+          <p:nvPr>
+            <p:ph type="ftr" sz="quarter" idx="11"/>
+          </p:nvPr>
+        </p:nvSpPr>
+        <p:spPr/>
+        <p:txBody>
+          <a:bodyPr/>
+          <a:lstStyle/>
+          <a:p>
+            <a:r>
+              <a:rPr lang="en-US"/>
+              <a:t>Digital Scholarship Services </a:t>
+            </a:r>
+            <a:r>
+              <a:rPr lang="en-US">
+                <a:solidFill>
+                  <a:schemeClr val="accent1">
+                    <a:lumMod val="50000"/>
+                  </a:schemeClr>
+                </a:solidFill>
+              </a:rPr>
+              <a:t>| Email</a:t>
+            </a:r>
+            <a:r>
+              <a:rPr lang="en-US"/>
+              <a:t> cf24@rice.edu </a:t>
+            </a:r>
+            <a:r>
+              <a:rPr lang="en-US">
+                <a:solidFill>
+                  <a:schemeClr val="accent1">
+                    <a:lumMod val="50000"/>
+                  </a:schemeClr>
+                </a:solidFill>
+              </a:rPr>
+              <a:t>|</a:t>
+            </a:r>
+            <a:r>
+              <a:rPr lang="en-US"/>
+              <a:t> library.rice.edu/dss</a:t>
+            </a:r>
+            <a:endParaRPr lang="en-US" dirty="0"/>
+          </a:p>
+        </p:txBody>
+      </p:sp>
+      <p:sp>
+        <p:nvSpPr>
+          <p:cNvPr id="6" name="Slide Number Placeholder 5">
+            <a:extLst>
+              <a:ext uri="{FF2B5EF4-FFF2-40B4-BE49-F238E27FC236}">
+                <a16:creationId xmlns:a16="http://schemas.microsoft.com/office/drawing/2014/main" id="{2FA49567-BB70-4798-8746-D0B522CCEE20}"/>
+              </a:ext>
+            </a:extLst>
+          </p:cNvPr>
+          <p:cNvSpPr>
+            <a:spLocks noGrp="1"/>
+          </p:cNvSpPr>
+          <p:nvPr>
+            <p:ph type="sldNum" sz="quarter" idx="12"/>
+          </p:nvPr>
+        </p:nvSpPr>
+        <p:spPr/>
+        <p:txBody>
+          <a:bodyPr/>
+          <a:lstStyle/>
+          <a:p>
+            <a:fld id="{D57F1E4F-1CFF-5643-939E-02111984F565}" type="slidenum">
+              <a:rPr lang="en-US" smtClean="0"/>
+              <a:t>21</a:t>
             </a:fld>
             <a:endParaRPr lang="en-US" dirty="0"/>
           </a:p>
@@ -6264,7 +6478,43 @@
           <a:bodyPr/>
           <a:lstStyle/>
           <a:p>
-            <a:endParaRPr lang="en-US"/>
+            <a:r>
+              <a:rPr lang="en-US" dirty="0"/>
+              <a:t>Many statistical models depend upon data points being independent</a:t>
+            </a:r>
+          </a:p>
+          <a:p>
+            <a:pPr lvl="1"/>
+            <a:r>
+              <a:rPr lang="en-US" dirty="0"/>
+              <a:t>Linear Regression</a:t>
+            </a:r>
+          </a:p>
+          <a:p>
+            <a:pPr lvl="1"/>
+            <a:r>
+              <a:rPr lang="en-US" dirty="0"/>
+              <a:t>Logistic Regression</a:t>
+            </a:r>
+          </a:p>
+          <a:p>
+            <a:pPr lvl="1"/>
+            <a:r>
+              <a:rPr lang="en-US" dirty="0"/>
+              <a:t>Many more!</a:t>
+            </a:r>
+          </a:p>
+          <a:p>
+            <a:r>
+              <a:rPr lang="en-US" dirty="0"/>
+              <a:t>With time series, this basic assumption underlying the entire model can be wrong!</a:t>
+            </a:r>
+          </a:p>
+          <a:p>
+            <a:r>
+              <a:rPr lang="en-US" dirty="0"/>
+              <a:t>Disastrous results</a:t>
+            </a:r>
           </a:p>
         </p:txBody>
       </p:sp>
@@ -6291,7 +6541,7 @@
           <a:p>
             <a:fld id="{8AAE40A0-A7D8-4DC3-BC9E-BADA32DA2004}" type="datetime4">
               <a:rPr lang="en-US" smtClean="0"/>
-              <a:t>July 17, 2019</a:t>
+              <a:t>July 27, 2019</a:t>
             </a:fld>
             <a:endParaRPr lang="en-US" dirty="0"/>
           </a:p>
@@ -6462,7 +6712,44 @@
           <a:bodyPr/>
           <a:lstStyle/>
           <a:p>
-            <a:endParaRPr lang="en-US" dirty="0"/>
+            <a:r>
+              <a:rPr lang="en-US" dirty="0"/>
+              <a:t>Time series are extremely useful for forecasting</a:t>
+            </a:r>
+          </a:p>
+          <a:p>
+            <a:pPr lvl="1"/>
+            <a:r>
+              <a:rPr lang="en-US" dirty="0"/>
+              <a:t>Weather</a:t>
+            </a:r>
+          </a:p>
+          <a:p>
+            <a:pPr lvl="1"/>
+            <a:r>
+              <a:rPr lang="en-US" dirty="0"/>
+              <a:t>Stocks (although this is very hard!)</a:t>
+            </a:r>
+          </a:p>
+          <a:p>
+            <a:pPr lvl="1"/>
+            <a:r>
+              <a:rPr lang="en-US" dirty="0"/>
+              <a:t>Sports predictions</a:t>
+            </a:r>
+          </a:p>
+          <a:p>
+            <a:pPr lvl="1"/>
+            <a:r>
+              <a:rPr lang="en-US" dirty="0"/>
+              <a:t>Election predictions</a:t>
+            </a:r>
+          </a:p>
+          <a:p>
+            <a:r>
+              <a:rPr lang="en-US" dirty="0"/>
+              <a:t>Well suited to a wide class of problems</a:t>
+            </a:r>
           </a:p>
         </p:txBody>
       </p:sp>
@@ -6489,7 +6776,7 @@
           <a:p>
             <a:fld id="{8AAE40A0-A7D8-4DC3-BC9E-BADA32DA2004}" type="datetime4">
               <a:rPr lang="en-US" smtClean="0"/>
-              <a:t>July 17, 2019</a:t>
+              <a:t>July 27, 2019</a:t>
             </a:fld>
             <a:endParaRPr lang="en-US" dirty="0"/>
           </a:p>
@@ -6584,7 +6871,7 @@
     </p:spTree>
     <p:extLst>
       <p:ext uri="{BB962C8B-B14F-4D97-AF65-F5344CB8AC3E}">
-        <p14:creationId xmlns:p14="http://schemas.microsoft.com/office/powerpoint/2010/main" val="2280924979"/>
+        <p14:creationId xmlns:p14="http://schemas.microsoft.com/office/powerpoint/2010/main" val="1017541021"/>
       </p:ext>
     </p:extLst>
   </p:cSld>
@@ -6613,10 +6900,10 @@
       </p:grpSpPr>
       <p:sp>
         <p:nvSpPr>
-          <p:cNvPr id="7" name="Title 6">
-            <a:extLst>
-              <a:ext uri="{FF2B5EF4-FFF2-40B4-BE49-F238E27FC236}">
-                <a16:creationId xmlns:a16="http://schemas.microsoft.com/office/drawing/2014/main" id="{184E2338-1026-45D4-9455-B21A88F18B28}"/>
+          <p:cNvPr id="2" name="Title 1">
+            <a:extLst>
+              <a:ext uri="{FF2B5EF4-FFF2-40B4-BE49-F238E27FC236}">
+                <a16:creationId xmlns:a16="http://schemas.microsoft.com/office/drawing/2014/main" id="{BBEB1736-8933-4842-81FB-C5DCC7C07C68}"/>
               </a:ext>
             </a:extLst>
           </p:cNvPr>
@@ -6634,42 +6921,35 @@
           <a:p>
             <a:r>
               <a:rPr lang="en-US" dirty="0"/>
-              <a:t>TRENDS AND</a:t>
-            </a:r>
-            <a:br>
+              <a:t>ONE QUICK EXAMPLE</a:t>
+            </a:r>
+          </a:p>
+        </p:txBody>
+      </p:sp>
+      <p:sp>
+        <p:nvSpPr>
+          <p:cNvPr id="3" name="Content Placeholder 2">
+            <a:extLst>
+              <a:ext uri="{FF2B5EF4-FFF2-40B4-BE49-F238E27FC236}">
+                <a16:creationId xmlns:a16="http://schemas.microsoft.com/office/drawing/2014/main" id="{84C2C4E3-F71B-4C6F-8570-4ECA72D77DC3}"/>
+              </a:ext>
+            </a:extLst>
+          </p:cNvPr>
+          <p:cNvSpPr>
+            <a:spLocks noGrp="1"/>
+          </p:cNvSpPr>
+          <p:nvPr>
+            <p:ph idx="1"/>
+          </p:nvPr>
+        </p:nvSpPr>
+        <p:spPr/>
+        <p:txBody>
+          <a:bodyPr/>
+          <a:lstStyle/>
+          <a:p>
+            <a:r>
               <a:rPr lang="en-US" dirty="0"/>
-            </a:br>
-            <a:r>
-              <a:rPr lang="en-US" dirty="0"/>
-              <a:t>SEASONALITY</a:t>
-            </a:r>
-          </a:p>
-        </p:txBody>
-      </p:sp>
-      <p:sp>
-        <p:nvSpPr>
-          <p:cNvPr id="8" name="Text Placeholder 7">
-            <a:extLst>
-              <a:ext uri="{FF2B5EF4-FFF2-40B4-BE49-F238E27FC236}">
-                <a16:creationId xmlns:a16="http://schemas.microsoft.com/office/drawing/2014/main" id="{DB42CCAB-C8E2-48A8-A9DF-EB0383A8B33C}"/>
-              </a:ext>
-            </a:extLst>
-          </p:cNvPr>
-          <p:cNvSpPr>
-            <a:spLocks noGrp="1"/>
-          </p:cNvSpPr>
-          <p:nvPr>
-            <p:ph type="body" idx="1"/>
-          </p:nvPr>
-        </p:nvSpPr>
-        <p:spPr/>
-        <p:txBody>
-          <a:bodyPr/>
-          <a:lstStyle/>
-          <a:p>
-            <a:r>
-              <a:rPr lang="en-US" dirty="0"/>
-              <a:t>How to filter out the noise and model what really matters</a:t>
+              <a:t>Simple Linear Regression vs. a Time Series Model (ARIMA)</a:t>
             </a:r>
           </a:p>
         </p:txBody>
@@ -6679,7 +6959,7 @@
           <p:cNvPr id="4" name="Date Placeholder 3">
             <a:extLst>
               <a:ext uri="{FF2B5EF4-FFF2-40B4-BE49-F238E27FC236}">
-                <a16:creationId xmlns:a16="http://schemas.microsoft.com/office/drawing/2014/main" id="{1CA94ACB-62A5-4F09-8C21-F0CE9BFB1606}"/>
+                <a16:creationId xmlns:a16="http://schemas.microsoft.com/office/drawing/2014/main" id="{C81D5B6F-54DE-49BD-B70E-94836B9B8A8B}"/>
               </a:ext>
             </a:extLst>
           </p:cNvPr>
@@ -6697,7 +6977,7 @@
           <a:p>
             <a:fld id="{8AAE40A0-A7D8-4DC3-BC9E-BADA32DA2004}" type="datetime4">
               <a:rPr lang="en-US" smtClean="0"/>
-              <a:t>July 17, 2019</a:t>
+              <a:t>July 27, 2019</a:t>
             </a:fld>
             <a:endParaRPr lang="en-US" dirty="0"/>
           </a:p>
@@ -6708,7 +6988,7 @@
           <p:cNvPr id="5" name="Footer Placeholder 4">
             <a:extLst>
               <a:ext uri="{FF2B5EF4-FFF2-40B4-BE49-F238E27FC236}">
-                <a16:creationId xmlns:a16="http://schemas.microsoft.com/office/drawing/2014/main" id="{D20B02B0-893D-4696-B6F7-A126B8D18E99}"/>
+                <a16:creationId xmlns:a16="http://schemas.microsoft.com/office/drawing/2014/main" id="{A788BEBC-3FBD-4574-BD63-2697EB2420B4}"/>
               </a:ext>
             </a:extLst>
           </p:cNvPr>
@@ -6765,7 +7045,7 @@
           <p:cNvPr id="6" name="Slide Number Placeholder 5">
             <a:extLst>
               <a:ext uri="{FF2B5EF4-FFF2-40B4-BE49-F238E27FC236}">
-                <a16:creationId xmlns:a16="http://schemas.microsoft.com/office/drawing/2014/main" id="{1CFDA495-0063-4571-8969-0DD770DB39E0}"/>
+                <a16:creationId xmlns:a16="http://schemas.microsoft.com/office/drawing/2014/main" id="{2DD21C00-87BF-4A7C-B66E-67269A15B560}"/>
               </a:ext>
             </a:extLst>
           </p:cNvPr>
@@ -6792,7 +7072,7 @@
     </p:spTree>
     <p:extLst>
       <p:ext uri="{BB962C8B-B14F-4D97-AF65-F5344CB8AC3E}">
-        <p14:creationId xmlns:p14="http://schemas.microsoft.com/office/powerpoint/2010/main" val="2581962988"/>
+        <p14:creationId xmlns:p14="http://schemas.microsoft.com/office/powerpoint/2010/main" val="2280924979"/>
       </p:ext>
     </p:extLst>
   </p:cSld>
@@ -6824,7 +7104,7 @@
           <p:cNvPr id="7" name="Title 6">
             <a:extLst>
               <a:ext uri="{FF2B5EF4-FFF2-40B4-BE49-F238E27FC236}">
-                <a16:creationId xmlns:a16="http://schemas.microsoft.com/office/drawing/2014/main" id="{495B4BC0-844B-4414-A623-BEF78AAC1BA1}"/>
+                <a16:creationId xmlns:a16="http://schemas.microsoft.com/office/drawing/2014/main" id="{184E2338-1026-45D4-9455-B21A88F18B28}"/>
               </a:ext>
             </a:extLst>
           </p:cNvPr>
@@ -6842,33 +7122,43 @@
           <a:p>
             <a:r>
               <a:rPr lang="en-US" dirty="0"/>
-              <a:t>TRENDS</a:t>
-            </a:r>
-          </a:p>
-        </p:txBody>
-      </p:sp>
-      <p:sp>
-        <p:nvSpPr>
-          <p:cNvPr id="8" name="Content Placeholder 7">
-            <a:extLst>
-              <a:ext uri="{FF2B5EF4-FFF2-40B4-BE49-F238E27FC236}">
-                <a16:creationId xmlns:a16="http://schemas.microsoft.com/office/drawing/2014/main" id="{2BED3EB3-7E98-4A82-8335-7321D9E37B16}"/>
-              </a:ext>
-            </a:extLst>
-          </p:cNvPr>
-          <p:cNvSpPr>
-            <a:spLocks noGrp="1"/>
-          </p:cNvSpPr>
-          <p:nvPr>
-            <p:ph idx="1"/>
-          </p:nvPr>
-        </p:nvSpPr>
-        <p:spPr/>
-        <p:txBody>
-          <a:bodyPr/>
-          <a:lstStyle/>
-          <a:p>
-            <a:endParaRPr lang="en-US"/>
+              <a:t>TRENDS AND</a:t>
+            </a:r>
+            <a:br>
+              <a:rPr lang="en-US" dirty="0"/>
+            </a:br>
+            <a:r>
+              <a:rPr lang="en-US" dirty="0"/>
+              <a:t>SEASONALITY</a:t>
+            </a:r>
+          </a:p>
+        </p:txBody>
+      </p:sp>
+      <p:sp>
+        <p:nvSpPr>
+          <p:cNvPr id="8" name="Text Placeholder 7">
+            <a:extLst>
+              <a:ext uri="{FF2B5EF4-FFF2-40B4-BE49-F238E27FC236}">
+                <a16:creationId xmlns:a16="http://schemas.microsoft.com/office/drawing/2014/main" id="{DB42CCAB-C8E2-48A8-A9DF-EB0383A8B33C}"/>
+              </a:ext>
+            </a:extLst>
+          </p:cNvPr>
+          <p:cNvSpPr>
+            <a:spLocks noGrp="1"/>
+          </p:cNvSpPr>
+          <p:nvPr>
+            <p:ph type="body" idx="1"/>
+          </p:nvPr>
+        </p:nvSpPr>
+        <p:spPr/>
+        <p:txBody>
+          <a:bodyPr/>
+          <a:lstStyle/>
+          <a:p>
+            <a:r>
+              <a:rPr lang="en-US" dirty="0"/>
+              <a:t>How to filter out the noise and model what really matters</a:t>
+            </a:r>
           </a:p>
         </p:txBody>
       </p:sp>
@@ -6877,7 +7167,7 @@
           <p:cNvPr id="4" name="Date Placeholder 3">
             <a:extLst>
               <a:ext uri="{FF2B5EF4-FFF2-40B4-BE49-F238E27FC236}">
-                <a16:creationId xmlns:a16="http://schemas.microsoft.com/office/drawing/2014/main" id="{540F37F1-4F33-429F-A568-1A3ADC499E54}"/>
+                <a16:creationId xmlns:a16="http://schemas.microsoft.com/office/drawing/2014/main" id="{1CA94ACB-62A5-4F09-8C21-F0CE9BFB1606}"/>
               </a:ext>
             </a:extLst>
           </p:cNvPr>
@@ -6893,9 +7183,9 @@
           <a:bodyPr/>
           <a:lstStyle/>
           <a:p>
-            <a:fld id="{B08FEED8-D7D4-44E9-BFBC-ED06B5996D94}" type="datetime4">
+            <a:fld id="{8AAE40A0-A7D8-4DC3-BC9E-BADA32DA2004}" type="datetime4">
               <a:rPr lang="en-US" smtClean="0"/>
-              <a:t>July 17, 2019</a:t>
+              <a:t>July 27, 2019</a:t>
             </a:fld>
             <a:endParaRPr lang="en-US" dirty="0"/>
           </a:p>
@@ -6906,7 +7196,7 @@
           <p:cNvPr id="5" name="Footer Placeholder 4">
             <a:extLst>
               <a:ext uri="{FF2B5EF4-FFF2-40B4-BE49-F238E27FC236}">
-                <a16:creationId xmlns:a16="http://schemas.microsoft.com/office/drawing/2014/main" id="{673FFA57-C126-4795-A5F6-DD33AAC5ACBD}"/>
+                <a16:creationId xmlns:a16="http://schemas.microsoft.com/office/drawing/2014/main" id="{D20B02B0-893D-4696-B6F7-A126B8D18E99}"/>
               </a:ext>
             </a:extLst>
           </p:cNvPr>
@@ -6963,7 +7253,7 @@
           <p:cNvPr id="6" name="Slide Number Placeholder 5">
             <a:extLst>
               <a:ext uri="{FF2B5EF4-FFF2-40B4-BE49-F238E27FC236}">
-                <a16:creationId xmlns:a16="http://schemas.microsoft.com/office/drawing/2014/main" id="{2FA49567-BB70-4798-8746-D0B522CCEE20}"/>
+                <a16:creationId xmlns:a16="http://schemas.microsoft.com/office/drawing/2014/main" id="{1CFDA495-0063-4571-8969-0DD770DB39E0}"/>
               </a:ext>
             </a:extLst>
           </p:cNvPr>
@@ -6990,7 +7280,7 @@
     </p:spTree>
     <p:extLst>
       <p:ext uri="{BB962C8B-B14F-4D97-AF65-F5344CB8AC3E}">
-        <p14:creationId xmlns:p14="http://schemas.microsoft.com/office/powerpoint/2010/main" val="528821766"/>
+        <p14:creationId xmlns:p14="http://schemas.microsoft.com/office/powerpoint/2010/main" val="2581962988"/>
       </p:ext>
     </p:extLst>
   </p:cSld>
@@ -7040,7 +7330,7 @@
           <a:p>
             <a:r>
               <a:rPr lang="en-US" dirty="0"/>
-              <a:t>PERIODIC COMPONENTS</a:t>
+              <a:t>TRENDS</a:t>
             </a:r>
           </a:p>
         </p:txBody>
@@ -7066,7 +7356,7 @@
           <a:bodyPr/>
           <a:lstStyle/>
           <a:p>
-            <a:endParaRPr lang="en-US" dirty="0"/>
+            <a:endParaRPr lang="en-US"/>
           </a:p>
         </p:txBody>
       </p:sp>
@@ -7093,7 +7383,7 @@
           <a:p>
             <a:fld id="{B08FEED8-D7D4-44E9-BFBC-ED06B5996D94}" type="datetime4">
               <a:rPr lang="en-US" smtClean="0"/>
-              <a:t>July 17, 2019</a:t>
+              <a:t>July 27, 2019</a:t>
             </a:fld>
             <a:endParaRPr lang="en-US" dirty="0"/>
           </a:p>
@@ -7188,7 +7478,7 @@
     </p:spTree>
     <p:extLst>
       <p:ext uri="{BB962C8B-B14F-4D97-AF65-F5344CB8AC3E}">
-        <p14:creationId xmlns:p14="http://schemas.microsoft.com/office/powerpoint/2010/main" val="2609791034"/>
+        <p14:creationId xmlns:p14="http://schemas.microsoft.com/office/powerpoint/2010/main" val="528821766"/>
       </p:ext>
     </p:extLst>
   </p:cSld>
@@ -7238,7 +7528,7 @@
           <a:p>
             <a:r>
               <a:rPr lang="en-US" dirty="0"/>
-              <a:t>HOLIDAYS</a:t>
+              <a:t>PERIODIC COMPONENTS</a:t>
             </a:r>
           </a:p>
         </p:txBody>
@@ -7291,7 +7581,7 @@
           <a:p>
             <a:fld id="{B08FEED8-D7D4-44E9-BFBC-ED06B5996D94}" type="datetime4">
               <a:rPr lang="en-US" smtClean="0"/>
-              <a:t>July 17, 2019</a:t>
+              <a:t>July 27, 2019</a:t>
             </a:fld>
             <a:endParaRPr lang="en-US" dirty="0"/>
           </a:p>
@@ -7386,7 +7676,7 @@
     </p:spTree>
     <p:extLst>
       <p:ext uri="{BB962C8B-B14F-4D97-AF65-F5344CB8AC3E}">
-        <p14:creationId xmlns:p14="http://schemas.microsoft.com/office/powerpoint/2010/main" val="391148097"/>
+        <p14:creationId xmlns:p14="http://schemas.microsoft.com/office/powerpoint/2010/main" val="2609791034"/>
       </p:ext>
     </p:extLst>
   </p:cSld>
@@ -7436,7 +7726,7 @@
           <a:p>
             <a:r>
               <a:rPr lang="en-US" dirty="0"/>
-              <a:t>WHITE NOISE</a:t>
+              <a:t>HOLIDAYS</a:t>
             </a:r>
           </a:p>
         </p:txBody>
@@ -7489,7 +7779,7 @@
           <a:p>
             <a:fld id="{B08FEED8-D7D4-44E9-BFBC-ED06B5996D94}" type="datetime4">
               <a:rPr lang="en-US" smtClean="0"/>
-              <a:t>July 17, 2019</a:t>
+              <a:t>July 27, 2019</a:t>
             </a:fld>
             <a:endParaRPr lang="en-US" dirty="0"/>
           </a:p>
@@ -7584,7 +7874,7 @@
     </p:spTree>
     <p:extLst>
       <p:ext uri="{BB962C8B-B14F-4D97-AF65-F5344CB8AC3E}">
-        <p14:creationId xmlns:p14="http://schemas.microsoft.com/office/powerpoint/2010/main" val="4091772932"/>
+        <p14:creationId xmlns:p14="http://schemas.microsoft.com/office/powerpoint/2010/main" val="391148097"/>
       </p:ext>
     </p:extLst>
   </p:cSld>

--- a/tsa/Introduction to Time Series Analysis.pptx
+++ b/tsa/Introduction to Time Series Analysis.pptx
@@ -5,7 +5,7 @@
     <p:sldMasterId id="2147483707" r:id="rId1"/>
   </p:sldMasterIdLst>
   <p:notesMasterIdLst>
-    <p:notesMasterId r:id="rId23"/>
+    <p:notesMasterId r:id="rId24"/>
   </p:notesMasterIdLst>
   <p:sldIdLst>
     <p:sldId id="266" r:id="rId2"/>
@@ -13,22 +13,23 @@
     <p:sldId id="269" r:id="rId4"/>
     <p:sldId id="286" r:id="rId5"/>
     <p:sldId id="278" r:id="rId6"/>
-    <p:sldId id="267" r:id="rId7"/>
-    <p:sldId id="270" r:id="rId8"/>
-    <p:sldId id="272" r:id="rId9"/>
-    <p:sldId id="277" r:id="rId10"/>
-    <p:sldId id="276" r:id="rId11"/>
-    <p:sldId id="273" r:id="rId12"/>
-    <p:sldId id="274" r:id="rId13"/>
-    <p:sldId id="275" r:id="rId14"/>
-    <p:sldId id="279" r:id="rId15"/>
-    <p:sldId id="280" r:id="rId16"/>
-    <p:sldId id="281" r:id="rId17"/>
-    <p:sldId id="282" r:id="rId18"/>
-    <p:sldId id="283" r:id="rId19"/>
-    <p:sldId id="284" r:id="rId20"/>
-    <p:sldId id="285" r:id="rId21"/>
-    <p:sldId id="268" r:id="rId22"/>
+    <p:sldId id="288" r:id="rId7"/>
+    <p:sldId id="267" r:id="rId8"/>
+    <p:sldId id="270" r:id="rId9"/>
+    <p:sldId id="272" r:id="rId10"/>
+    <p:sldId id="277" r:id="rId11"/>
+    <p:sldId id="276" r:id="rId12"/>
+    <p:sldId id="273" r:id="rId13"/>
+    <p:sldId id="274" r:id="rId14"/>
+    <p:sldId id="275" r:id="rId15"/>
+    <p:sldId id="279" r:id="rId16"/>
+    <p:sldId id="280" r:id="rId17"/>
+    <p:sldId id="281" r:id="rId18"/>
+    <p:sldId id="282" r:id="rId19"/>
+    <p:sldId id="283" r:id="rId20"/>
+    <p:sldId id="284" r:id="rId21"/>
+    <p:sldId id="285" r:id="rId22"/>
+    <p:sldId id="268" r:id="rId23"/>
   </p:sldIdLst>
   <p:sldSz cx="12192000" cy="6858000"/>
   <p:notesSz cx="6858000" cy="9144000"/>
@@ -217,7 +218,7 @@
           <a:p>
             <a:fld id="{D46E3B93-8523-4DBC-8FC5-65A9B9CDE5EE}" type="datetimeFigureOut">
               <a:rPr lang="en-US" smtClean="0"/>
-              <a:t>7/27/2019</a:t>
+              <a:t>7/29/2019</a:t>
             </a:fld>
             <a:endParaRPr lang="en-US"/>
           </a:p>
@@ -613,7 +614,7 @@
           <a:p>
             <a:fld id="{CE8F6EB4-B6EF-44F6-BBD1-CD5E279CFAE2}" type="datetime4">
               <a:rPr lang="en-US" smtClean="0"/>
-              <a:t>July 27, 2019</a:t>
+              <a:t>July 29, 2019</a:t>
             </a:fld>
             <a:endParaRPr lang="en-US" dirty="0"/>
           </a:p>
@@ -785,7 +786,7 @@
           <a:p>
             <a:fld id="{8A405AA7-4C18-4A99-8AAA-8677C1976FC9}" type="datetime4">
               <a:rPr lang="en-US" smtClean="0"/>
-              <a:t>July 27, 2019</a:t>
+              <a:t>July 29, 2019</a:t>
             </a:fld>
             <a:endParaRPr lang="en-US" dirty="0"/>
           </a:p>
@@ -967,7 +968,7 @@
           <a:p>
             <a:fld id="{4EA0D668-33DD-41B9-B668-7E7FF430C345}" type="datetime4">
               <a:rPr lang="en-US" smtClean="0"/>
-              <a:t>July 27, 2019</a:t>
+              <a:t>July 29, 2019</a:t>
             </a:fld>
             <a:endParaRPr lang="en-US" dirty="0"/>
           </a:p>
@@ -1150,7 +1151,7 @@
           <a:p>
             <a:fld id="{8AAE40A0-A7D8-4DC3-BC9E-BADA32DA2004}" type="datetime4">
               <a:rPr lang="en-US" smtClean="0"/>
-              <a:t>July 27, 2019</a:t>
+              <a:t>July 29, 2019</a:t>
             </a:fld>
             <a:endParaRPr lang="en-US" dirty="0"/>
           </a:p>
@@ -1477,7 +1478,7 @@
           <a:p>
             <a:fld id="{B08FEED8-D7D4-44E9-BFBC-ED06B5996D94}" type="datetime4">
               <a:rPr lang="en-US" smtClean="0"/>
-              <a:t>July 27, 2019</a:t>
+              <a:t>July 29, 2019</a:t>
             </a:fld>
             <a:endParaRPr lang="en-US" dirty="0"/>
           </a:p>
@@ -1787,7 +1788,7 @@
           <a:p>
             <a:fld id="{A143C325-9442-4629-8CC6-5CAC69736C93}" type="datetime4">
               <a:rPr lang="en-US" smtClean="0"/>
-              <a:t>July 27, 2019</a:t>
+              <a:t>July 29, 2019</a:t>
             </a:fld>
             <a:endParaRPr lang="en-US" dirty="0"/>
           </a:p>
@@ -2155,7 +2156,7 @@
           <a:p>
             <a:fld id="{EEDAFACB-3FED-4607-9FDD-34A82581A119}" type="datetime4">
               <a:rPr lang="en-US" smtClean="0"/>
-              <a:t>July 27, 2019</a:t>
+              <a:t>July 29, 2019</a:t>
             </a:fld>
             <a:endParaRPr lang="en-US" dirty="0"/>
           </a:p>
@@ -2276,7 +2277,7 @@
           <a:p>
             <a:fld id="{EC2805D6-2E3E-42F7-ABBA-DCD51C704328}" type="datetime4">
               <a:rPr lang="en-US" smtClean="0"/>
-              <a:t>July 27, 2019</a:t>
+              <a:t>July 29, 2019</a:t>
             </a:fld>
             <a:endParaRPr lang="en-US" dirty="0"/>
           </a:p>
@@ -2375,7 +2376,7 @@
           <a:p>
             <a:fld id="{7A745AAB-8888-45FB-8C4E-B86AF9A05200}" type="datetime4">
               <a:rPr lang="en-US" smtClean="0"/>
-              <a:t>July 27, 2019</a:t>
+              <a:t>July 29, 2019</a:t>
             </a:fld>
             <a:endParaRPr lang="en-US" dirty="0"/>
           </a:p>
@@ -2654,7 +2655,7 @@
           <a:p>
             <a:fld id="{9F896CED-8AFA-412F-B61A-472E6093CDBA}" type="datetime4">
               <a:rPr lang="en-US" smtClean="0"/>
-              <a:t>July 27, 2019</a:t>
+              <a:t>July 29, 2019</a:t>
             </a:fld>
             <a:endParaRPr lang="en-US" dirty="0"/>
           </a:p>
@@ -2913,7 +2914,7 @@
           <a:p>
             <a:fld id="{61078AB2-2970-444D-B1FF-A9F37FC020F5}" type="datetime4">
               <a:rPr lang="en-US" smtClean="0"/>
-              <a:t>July 27, 2019</a:t>
+              <a:t>July 29, 2019</a:t>
             </a:fld>
             <a:endParaRPr lang="en-US" dirty="0"/>
           </a:p>
@@ -3131,7 +3132,7 @@
           <a:p>
             <a:fld id="{1148AE1E-D441-45CD-8192-49B13802301D}" type="datetime4">
               <a:rPr lang="en-US" smtClean="0"/>
-              <a:t>July 27, 2019</a:t>
+              <a:t>July 29, 2019</a:t>
             </a:fld>
             <a:endParaRPr lang="en-US" dirty="0"/>
           </a:p>
@@ -3900,7 +3901,7 @@
           <a:p>
             <a:r>
               <a:rPr lang="en-US" dirty="0"/>
-              <a:t>WHITE NOISE</a:t>
+              <a:t>HOLIDAYS</a:t>
             </a:r>
           </a:p>
         </p:txBody>
@@ -3953,7 +3954,7 @@
           <a:p>
             <a:fld id="{B08FEED8-D7D4-44E9-BFBC-ED06B5996D94}" type="datetime4">
               <a:rPr lang="en-US" smtClean="0"/>
-              <a:t>July 27, 2019</a:t>
+              <a:t>July 29, 2019</a:t>
             </a:fld>
             <a:endParaRPr lang="en-US" dirty="0"/>
           </a:p>
@@ -4048,7 +4049,7 @@
     </p:spTree>
     <p:extLst>
       <p:ext uri="{BB962C8B-B14F-4D97-AF65-F5344CB8AC3E}">
-        <p14:creationId xmlns:p14="http://schemas.microsoft.com/office/powerpoint/2010/main" val="4091772932"/>
+        <p14:creationId xmlns:p14="http://schemas.microsoft.com/office/powerpoint/2010/main" val="391148097"/>
       </p:ext>
     </p:extLst>
   </p:cSld>
@@ -4080,7 +4081,7 @@
           <p:cNvPr id="7" name="Title 6">
             <a:extLst>
               <a:ext uri="{FF2B5EF4-FFF2-40B4-BE49-F238E27FC236}">
-                <a16:creationId xmlns:a16="http://schemas.microsoft.com/office/drawing/2014/main" id="{184E2338-1026-45D4-9455-B21A88F18B28}"/>
+                <a16:creationId xmlns:a16="http://schemas.microsoft.com/office/drawing/2014/main" id="{495B4BC0-844B-4414-A623-BEF78AAC1BA1}"/>
               </a:ext>
             </a:extLst>
           </p:cNvPr>
@@ -4098,43 +4099,33 @@
           <a:p>
             <a:r>
               <a:rPr lang="en-US" dirty="0"/>
-              <a:t>HOW TO MAKE YOUR</a:t>
-            </a:r>
-            <a:br>
-              <a:rPr lang="en-US" dirty="0"/>
-            </a:br>
-            <a:r>
-              <a:rPr lang="en-US" dirty="0"/>
-              <a:t>DATA STATIONARY</a:t>
-            </a:r>
-          </a:p>
-        </p:txBody>
-      </p:sp>
-      <p:sp>
-        <p:nvSpPr>
-          <p:cNvPr id="8" name="Text Placeholder 7">
-            <a:extLst>
-              <a:ext uri="{FF2B5EF4-FFF2-40B4-BE49-F238E27FC236}">
-                <a16:creationId xmlns:a16="http://schemas.microsoft.com/office/drawing/2014/main" id="{DB42CCAB-C8E2-48A8-A9DF-EB0383A8B33C}"/>
-              </a:ext>
-            </a:extLst>
-          </p:cNvPr>
-          <p:cNvSpPr>
-            <a:spLocks noGrp="1"/>
-          </p:cNvSpPr>
-          <p:nvPr>
-            <p:ph type="body" idx="1"/>
-          </p:nvPr>
-        </p:nvSpPr>
-        <p:spPr/>
-        <p:txBody>
-          <a:bodyPr/>
-          <a:lstStyle/>
-          <a:p>
-            <a:r>
-              <a:rPr lang="en-US" dirty="0"/>
-              <a:t>Make your data appetizing for modeling</a:t>
-            </a:r>
+              <a:t>WHITE NOISE</a:t>
+            </a:r>
+          </a:p>
+        </p:txBody>
+      </p:sp>
+      <p:sp>
+        <p:nvSpPr>
+          <p:cNvPr id="8" name="Content Placeholder 7">
+            <a:extLst>
+              <a:ext uri="{FF2B5EF4-FFF2-40B4-BE49-F238E27FC236}">
+                <a16:creationId xmlns:a16="http://schemas.microsoft.com/office/drawing/2014/main" id="{2BED3EB3-7E98-4A82-8335-7321D9E37B16}"/>
+              </a:ext>
+            </a:extLst>
+          </p:cNvPr>
+          <p:cNvSpPr>
+            <a:spLocks noGrp="1"/>
+          </p:cNvSpPr>
+          <p:nvPr>
+            <p:ph idx="1"/>
+          </p:nvPr>
+        </p:nvSpPr>
+        <p:spPr/>
+        <p:txBody>
+          <a:bodyPr/>
+          <a:lstStyle/>
+          <a:p>
+            <a:endParaRPr lang="en-US" dirty="0"/>
           </a:p>
         </p:txBody>
       </p:sp>
@@ -4143,7 +4134,7 @@
           <p:cNvPr id="4" name="Date Placeholder 3">
             <a:extLst>
               <a:ext uri="{FF2B5EF4-FFF2-40B4-BE49-F238E27FC236}">
-                <a16:creationId xmlns:a16="http://schemas.microsoft.com/office/drawing/2014/main" id="{1CA94ACB-62A5-4F09-8C21-F0CE9BFB1606}"/>
+                <a16:creationId xmlns:a16="http://schemas.microsoft.com/office/drawing/2014/main" id="{540F37F1-4F33-429F-A568-1A3ADC499E54}"/>
               </a:ext>
             </a:extLst>
           </p:cNvPr>
@@ -4159,9 +4150,9 @@
           <a:bodyPr/>
           <a:lstStyle/>
           <a:p>
-            <a:fld id="{8AAE40A0-A7D8-4DC3-BC9E-BADA32DA2004}" type="datetime4">
+            <a:fld id="{B08FEED8-D7D4-44E9-BFBC-ED06B5996D94}" type="datetime4">
               <a:rPr lang="en-US" smtClean="0"/>
-              <a:t>July 27, 2019</a:t>
+              <a:t>July 29, 2019</a:t>
             </a:fld>
             <a:endParaRPr lang="en-US" dirty="0"/>
           </a:p>
@@ -4172,7 +4163,7 @@
           <p:cNvPr id="5" name="Footer Placeholder 4">
             <a:extLst>
               <a:ext uri="{FF2B5EF4-FFF2-40B4-BE49-F238E27FC236}">
-                <a16:creationId xmlns:a16="http://schemas.microsoft.com/office/drawing/2014/main" id="{D20B02B0-893D-4696-B6F7-A126B8D18E99}"/>
+                <a16:creationId xmlns:a16="http://schemas.microsoft.com/office/drawing/2014/main" id="{673FFA57-C126-4795-A5F6-DD33AAC5ACBD}"/>
               </a:ext>
             </a:extLst>
           </p:cNvPr>
@@ -4229,7 +4220,7 @@
           <p:cNvPr id="6" name="Slide Number Placeholder 5">
             <a:extLst>
               <a:ext uri="{FF2B5EF4-FFF2-40B4-BE49-F238E27FC236}">
-                <a16:creationId xmlns:a16="http://schemas.microsoft.com/office/drawing/2014/main" id="{1CFDA495-0063-4571-8969-0DD770DB39E0}"/>
+                <a16:creationId xmlns:a16="http://schemas.microsoft.com/office/drawing/2014/main" id="{2FA49567-BB70-4798-8746-D0B522CCEE20}"/>
               </a:ext>
             </a:extLst>
           </p:cNvPr>
@@ -4256,7 +4247,7 @@
     </p:spTree>
     <p:extLst>
       <p:ext uri="{BB962C8B-B14F-4D97-AF65-F5344CB8AC3E}">
-        <p14:creationId xmlns:p14="http://schemas.microsoft.com/office/powerpoint/2010/main" val="3850339889"/>
+        <p14:creationId xmlns:p14="http://schemas.microsoft.com/office/powerpoint/2010/main" val="4091772932"/>
       </p:ext>
     </p:extLst>
   </p:cSld>
@@ -4288,7 +4279,7 @@
           <p:cNvPr id="7" name="Title 6">
             <a:extLst>
               <a:ext uri="{FF2B5EF4-FFF2-40B4-BE49-F238E27FC236}">
-                <a16:creationId xmlns:a16="http://schemas.microsoft.com/office/drawing/2014/main" id="{495B4BC0-844B-4414-A623-BEF78AAC1BA1}"/>
+                <a16:creationId xmlns:a16="http://schemas.microsoft.com/office/drawing/2014/main" id="{184E2338-1026-45D4-9455-B21A88F18B28}"/>
               </a:ext>
             </a:extLst>
           </p:cNvPr>
@@ -4306,33 +4297,43 @@
           <a:p>
             <a:r>
               <a:rPr lang="en-US" dirty="0"/>
-              <a:t>STATIONARITY</a:t>
-            </a:r>
-          </a:p>
-        </p:txBody>
-      </p:sp>
-      <p:sp>
-        <p:nvSpPr>
-          <p:cNvPr id="8" name="Content Placeholder 7">
-            <a:extLst>
-              <a:ext uri="{FF2B5EF4-FFF2-40B4-BE49-F238E27FC236}">
-                <a16:creationId xmlns:a16="http://schemas.microsoft.com/office/drawing/2014/main" id="{2BED3EB3-7E98-4A82-8335-7321D9E37B16}"/>
-              </a:ext>
-            </a:extLst>
-          </p:cNvPr>
-          <p:cNvSpPr>
-            <a:spLocks noGrp="1"/>
-          </p:cNvSpPr>
-          <p:nvPr>
-            <p:ph idx="1"/>
-          </p:nvPr>
-        </p:nvSpPr>
-        <p:spPr/>
-        <p:txBody>
-          <a:bodyPr/>
-          <a:lstStyle/>
-          <a:p>
-            <a:endParaRPr lang="en-US" dirty="0"/>
+              <a:t>HOW TO MAKE YOUR</a:t>
+            </a:r>
+            <a:br>
+              <a:rPr lang="en-US" dirty="0"/>
+            </a:br>
+            <a:r>
+              <a:rPr lang="en-US" dirty="0"/>
+              <a:t>DATA STATIONARY</a:t>
+            </a:r>
+          </a:p>
+        </p:txBody>
+      </p:sp>
+      <p:sp>
+        <p:nvSpPr>
+          <p:cNvPr id="8" name="Text Placeholder 7">
+            <a:extLst>
+              <a:ext uri="{FF2B5EF4-FFF2-40B4-BE49-F238E27FC236}">
+                <a16:creationId xmlns:a16="http://schemas.microsoft.com/office/drawing/2014/main" id="{DB42CCAB-C8E2-48A8-A9DF-EB0383A8B33C}"/>
+              </a:ext>
+            </a:extLst>
+          </p:cNvPr>
+          <p:cNvSpPr>
+            <a:spLocks noGrp="1"/>
+          </p:cNvSpPr>
+          <p:nvPr>
+            <p:ph type="body" idx="1"/>
+          </p:nvPr>
+        </p:nvSpPr>
+        <p:spPr/>
+        <p:txBody>
+          <a:bodyPr/>
+          <a:lstStyle/>
+          <a:p>
+            <a:r>
+              <a:rPr lang="en-US" dirty="0"/>
+              <a:t>Make your data appetizing for modeling</a:t>
+            </a:r>
           </a:p>
         </p:txBody>
       </p:sp>
@@ -4341,7 +4342,7 @@
           <p:cNvPr id="4" name="Date Placeholder 3">
             <a:extLst>
               <a:ext uri="{FF2B5EF4-FFF2-40B4-BE49-F238E27FC236}">
-                <a16:creationId xmlns:a16="http://schemas.microsoft.com/office/drawing/2014/main" id="{540F37F1-4F33-429F-A568-1A3ADC499E54}"/>
+                <a16:creationId xmlns:a16="http://schemas.microsoft.com/office/drawing/2014/main" id="{1CA94ACB-62A5-4F09-8C21-F0CE9BFB1606}"/>
               </a:ext>
             </a:extLst>
           </p:cNvPr>
@@ -4357,9 +4358,9 @@
           <a:bodyPr/>
           <a:lstStyle/>
           <a:p>
-            <a:fld id="{B08FEED8-D7D4-44E9-BFBC-ED06B5996D94}" type="datetime4">
+            <a:fld id="{8AAE40A0-A7D8-4DC3-BC9E-BADA32DA2004}" type="datetime4">
               <a:rPr lang="en-US" smtClean="0"/>
-              <a:t>July 27, 2019</a:t>
+              <a:t>July 29, 2019</a:t>
             </a:fld>
             <a:endParaRPr lang="en-US" dirty="0"/>
           </a:p>
@@ -4370,7 +4371,7 @@
           <p:cNvPr id="5" name="Footer Placeholder 4">
             <a:extLst>
               <a:ext uri="{FF2B5EF4-FFF2-40B4-BE49-F238E27FC236}">
-                <a16:creationId xmlns:a16="http://schemas.microsoft.com/office/drawing/2014/main" id="{673FFA57-C126-4795-A5F6-DD33AAC5ACBD}"/>
+                <a16:creationId xmlns:a16="http://schemas.microsoft.com/office/drawing/2014/main" id="{D20B02B0-893D-4696-B6F7-A126B8D18E99}"/>
               </a:ext>
             </a:extLst>
           </p:cNvPr>
@@ -4427,7 +4428,7 @@
           <p:cNvPr id="6" name="Slide Number Placeholder 5">
             <a:extLst>
               <a:ext uri="{FF2B5EF4-FFF2-40B4-BE49-F238E27FC236}">
-                <a16:creationId xmlns:a16="http://schemas.microsoft.com/office/drawing/2014/main" id="{2FA49567-BB70-4798-8746-D0B522CCEE20}"/>
+                <a16:creationId xmlns:a16="http://schemas.microsoft.com/office/drawing/2014/main" id="{1CFDA495-0063-4571-8969-0DD770DB39E0}"/>
               </a:ext>
             </a:extLst>
           </p:cNvPr>
@@ -4454,7 +4455,7 @@
     </p:spTree>
     <p:extLst>
       <p:ext uri="{BB962C8B-B14F-4D97-AF65-F5344CB8AC3E}">
-        <p14:creationId xmlns:p14="http://schemas.microsoft.com/office/powerpoint/2010/main" val="3590493067"/>
+        <p14:creationId xmlns:p14="http://schemas.microsoft.com/office/powerpoint/2010/main" val="3850339889"/>
       </p:ext>
     </p:extLst>
   </p:cSld>
@@ -4504,7 +4505,7 @@
           <a:p>
             <a:r>
               <a:rPr lang="en-US" dirty="0"/>
-              <a:t>DETRENDING</a:t>
+              <a:t>STATIONARITY</a:t>
             </a:r>
           </a:p>
         </p:txBody>
@@ -4557,7 +4558,7 @@
           <a:p>
             <a:fld id="{B08FEED8-D7D4-44E9-BFBC-ED06B5996D94}" type="datetime4">
               <a:rPr lang="en-US" smtClean="0"/>
-              <a:t>July 27, 2019</a:t>
+              <a:t>July 29, 2019</a:t>
             </a:fld>
             <a:endParaRPr lang="en-US" dirty="0"/>
           </a:p>
@@ -4652,7 +4653,7 @@
     </p:spTree>
     <p:extLst>
       <p:ext uri="{BB962C8B-B14F-4D97-AF65-F5344CB8AC3E}">
-        <p14:creationId xmlns:p14="http://schemas.microsoft.com/office/powerpoint/2010/main" val="4109370477"/>
+        <p14:creationId xmlns:p14="http://schemas.microsoft.com/office/powerpoint/2010/main" val="3590493067"/>
       </p:ext>
     </p:extLst>
   </p:cSld>
@@ -4681,10 +4682,10 @@
       </p:grpSpPr>
       <p:sp>
         <p:nvSpPr>
-          <p:cNvPr id="2" name="Title 1">
-            <a:extLst>
-              <a:ext uri="{FF2B5EF4-FFF2-40B4-BE49-F238E27FC236}">
-                <a16:creationId xmlns:a16="http://schemas.microsoft.com/office/drawing/2014/main" id="{A694862C-8B28-4EF5-9C6F-0187B05C2B03}"/>
+          <p:cNvPr id="7" name="Title 6">
+            <a:extLst>
+              <a:ext uri="{FF2B5EF4-FFF2-40B4-BE49-F238E27FC236}">
+                <a16:creationId xmlns:a16="http://schemas.microsoft.com/office/drawing/2014/main" id="{495B4BC0-844B-4414-A623-BEF78AAC1BA1}"/>
               </a:ext>
             </a:extLst>
           </p:cNvPr>
@@ -4702,17 +4703,17 @@
           <a:p>
             <a:r>
               <a:rPr lang="en-US" dirty="0"/>
-              <a:t>LAGGING</a:t>
-            </a:r>
-          </a:p>
-        </p:txBody>
-      </p:sp>
-      <p:sp>
-        <p:nvSpPr>
-          <p:cNvPr id="3" name="Content Placeholder 2">
-            <a:extLst>
-              <a:ext uri="{FF2B5EF4-FFF2-40B4-BE49-F238E27FC236}">
-                <a16:creationId xmlns:a16="http://schemas.microsoft.com/office/drawing/2014/main" id="{5DFC40A6-4344-46B7-89C4-4E16031C9B39}"/>
+              <a:t>DETRENDING</a:t>
+            </a:r>
+          </a:p>
+        </p:txBody>
+      </p:sp>
+      <p:sp>
+        <p:nvSpPr>
+          <p:cNvPr id="8" name="Content Placeholder 7">
+            <a:extLst>
+              <a:ext uri="{FF2B5EF4-FFF2-40B4-BE49-F238E27FC236}">
+                <a16:creationId xmlns:a16="http://schemas.microsoft.com/office/drawing/2014/main" id="{2BED3EB3-7E98-4A82-8335-7321D9E37B16}"/>
               </a:ext>
             </a:extLst>
           </p:cNvPr>
@@ -4728,7 +4729,7 @@
           <a:bodyPr/>
           <a:lstStyle/>
           <a:p>
-            <a:endParaRPr lang="en-US"/>
+            <a:endParaRPr lang="en-US" dirty="0"/>
           </a:p>
         </p:txBody>
       </p:sp>
@@ -4737,7 +4738,7 @@
           <p:cNvPr id="4" name="Date Placeholder 3">
             <a:extLst>
               <a:ext uri="{FF2B5EF4-FFF2-40B4-BE49-F238E27FC236}">
-                <a16:creationId xmlns:a16="http://schemas.microsoft.com/office/drawing/2014/main" id="{ADEE79BB-4734-4439-A76F-2976CABC29C1}"/>
+                <a16:creationId xmlns:a16="http://schemas.microsoft.com/office/drawing/2014/main" id="{540F37F1-4F33-429F-A568-1A3ADC499E54}"/>
               </a:ext>
             </a:extLst>
           </p:cNvPr>
@@ -4753,9 +4754,9 @@
           <a:bodyPr/>
           <a:lstStyle/>
           <a:p>
-            <a:fld id="{8AAE40A0-A7D8-4DC3-BC9E-BADA32DA2004}" type="datetime4">
+            <a:fld id="{B08FEED8-D7D4-44E9-BFBC-ED06B5996D94}" type="datetime4">
               <a:rPr lang="en-US" smtClean="0"/>
-              <a:t>July 27, 2019</a:t>
+              <a:t>July 29, 2019</a:t>
             </a:fld>
             <a:endParaRPr lang="en-US" dirty="0"/>
           </a:p>
@@ -4766,7 +4767,7 @@
           <p:cNvPr id="5" name="Footer Placeholder 4">
             <a:extLst>
               <a:ext uri="{FF2B5EF4-FFF2-40B4-BE49-F238E27FC236}">
-                <a16:creationId xmlns:a16="http://schemas.microsoft.com/office/drawing/2014/main" id="{14093F74-35B5-4B3E-BE77-B47F35290D05}"/>
+                <a16:creationId xmlns:a16="http://schemas.microsoft.com/office/drawing/2014/main" id="{673FFA57-C126-4795-A5F6-DD33AAC5ACBD}"/>
               </a:ext>
             </a:extLst>
           </p:cNvPr>
@@ -4823,7 +4824,7 @@
           <p:cNvPr id="6" name="Slide Number Placeholder 5">
             <a:extLst>
               <a:ext uri="{FF2B5EF4-FFF2-40B4-BE49-F238E27FC236}">
-                <a16:creationId xmlns:a16="http://schemas.microsoft.com/office/drawing/2014/main" id="{76F6E8AA-9A3E-467A-A16A-CED9E58CFA80}"/>
+                <a16:creationId xmlns:a16="http://schemas.microsoft.com/office/drawing/2014/main" id="{2FA49567-BB70-4798-8746-D0B522CCEE20}"/>
               </a:ext>
             </a:extLst>
           </p:cNvPr>
@@ -4850,7 +4851,7 @@
     </p:spTree>
     <p:extLst>
       <p:ext uri="{BB962C8B-B14F-4D97-AF65-F5344CB8AC3E}">
-        <p14:creationId xmlns:p14="http://schemas.microsoft.com/office/powerpoint/2010/main" val="3805551099"/>
+        <p14:creationId xmlns:p14="http://schemas.microsoft.com/office/powerpoint/2010/main" val="4109370477"/>
       </p:ext>
     </p:extLst>
   </p:cSld>
@@ -4882,7 +4883,7 @@
           <p:cNvPr id="2" name="Title 1">
             <a:extLst>
               <a:ext uri="{FF2B5EF4-FFF2-40B4-BE49-F238E27FC236}">
-                <a16:creationId xmlns:a16="http://schemas.microsoft.com/office/drawing/2014/main" id="{84FE5820-4288-4CB6-888A-5CBF5468888C}"/>
+                <a16:creationId xmlns:a16="http://schemas.microsoft.com/office/drawing/2014/main" id="{A694862C-8B28-4EF5-9C6F-0187B05C2B03}"/>
               </a:ext>
             </a:extLst>
           </p:cNvPr>
@@ -4900,7 +4901,7 @@
           <a:p>
             <a:r>
               <a:rPr lang="en-US" dirty="0"/>
-              <a:t>LAGGED SCATTERPLOTS</a:t>
+              <a:t>LAGGING</a:t>
             </a:r>
           </a:p>
         </p:txBody>
@@ -4910,7 +4911,7 @@
           <p:cNvPr id="3" name="Content Placeholder 2">
             <a:extLst>
               <a:ext uri="{FF2B5EF4-FFF2-40B4-BE49-F238E27FC236}">
-                <a16:creationId xmlns:a16="http://schemas.microsoft.com/office/drawing/2014/main" id="{2952943F-FC31-4BE3-AB00-BAB4B12957BE}"/>
+                <a16:creationId xmlns:a16="http://schemas.microsoft.com/office/drawing/2014/main" id="{5DFC40A6-4344-46B7-89C4-4E16031C9B39}"/>
               </a:ext>
             </a:extLst>
           </p:cNvPr>
@@ -4926,7 +4927,7 @@
           <a:bodyPr/>
           <a:lstStyle/>
           <a:p>
-            <a:endParaRPr lang="en-US" dirty="0"/>
+            <a:endParaRPr lang="en-US"/>
           </a:p>
         </p:txBody>
       </p:sp>
@@ -4935,7 +4936,7 @@
           <p:cNvPr id="4" name="Date Placeholder 3">
             <a:extLst>
               <a:ext uri="{FF2B5EF4-FFF2-40B4-BE49-F238E27FC236}">
-                <a16:creationId xmlns:a16="http://schemas.microsoft.com/office/drawing/2014/main" id="{F716348B-D7FE-46ED-8C48-CF5A55FF31CF}"/>
+                <a16:creationId xmlns:a16="http://schemas.microsoft.com/office/drawing/2014/main" id="{ADEE79BB-4734-4439-A76F-2976CABC29C1}"/>
               </a:ext>
             </a:extLst>
           </p:cNvPr>
@@ -4953,7 +4954,7 @@
           <a:p>
             <a:fld id="{8AAE40A0-A7D8-4DC3-BC9E-BADA32DA2004}" type="datetime4">
               <a:rPr lang="en-US" smtClean="0"/>
-              <a:t>July 27, 2019</a:t>
+              <a:t>July 29, 2019</a:t>
             </a:fld>
             <a:endParaRPr lang="en-US" dirty="0"/>
           </a:p>
@@ -4964,7 +4965,7 @@
           <p:cNvPr id="5" name="Footer Placeholder 4">
             <a:extLst>
               <a:ext uri="{FF2B5EF4-FFF2-40B4-BE49-F238E27FC236}">
-                <a16:creationId xmlns:a16="http://schemas.microsoft.com/office/drawing/2014/main" id="{34059279-A1E7-4F19-B4BF-8C6B59A4CEFF}"/>
+                <a16:creationId xmlns:a16="http://schemas.microsoft.com/office/drawing/2014/main" id="{14093F74-35B5-4B3E-BE77-B47F35290D05}"/>
               </a:ext>
             </a:extLst>
           </p:cNvPr>
@@ -5021,7 +5022,7 @@
           <p:cNvPr id="6" name="Slide Number Placeholder 5">
             <a:extLst>
               <a:ext uri="{FF2B5EF4-FFF2-40B4-BE49-F238E27FC236}">
-                <a16:creationId xmlns:a16="http://schemas.microsoft.com/office/drawing/2014/main" id="{DE722C41-7366-4DE2-9AF4-E75E189A7733}"/>
+                <a16:creationId xmlns:a16="http://schemas.microsoft.com/office/drawing/2014/main" id="{76F6E8AA-9A3E-467A-A16A-CED9E58CFA80}"/>
               </a:ext>
             </a:extLst>
           </p:cNvPr>
@@ -5048,7 +5049,7 @@
     </p:spTree>
     <p:extLst>
       <p:ext uri="{BB962C8B-B14F-4D97-AF65-F5344CB8AC3E}">
-        <p14:creationId xmlns:p14="http://schemas.microsoft.com/office/powerpoint/2010/main" val="2399367561"/>
+        <p14:creationId xmlns:p14="http://schemas.microsoft.com/office/powerpoint/2010/main" val="3805551099"/>
       </p:ext>
     </p:extLst>
   </p:cSld>
@@ -5077,10 +5078,10 @@
       </p:grpSpPr>
       <p:sp>
         <p:nvSpPr>
-          <p:cNvPr id="7" name="Title 6">
-            <a:extLst>
-              <a:ext uri="{FF2B5EF4-FFF2-40B4-BE49-F238E27FC236}">
-                <a16:creationId xmlns:a16="http://schemas.microsoft.com/office/drawing/2014/main" id="{7802FB34-7510-47BC-8952-A1FE9728B0BF}"/>
+          <p:cNvPr id="2" name="Title 1">
+            <a:extLst>
+              <a:ext uri="{FF2B5EF4-FFF2-40B4-BE49-F238E27FC236}">
+                <a16:creationId xmlns:a16="http://schemas.microsoft.com/office/drawing/2014/main" id="{84FE5820-4288-4CB6-888A-5CBF5468888C}"/>
               </a:ext>
             </a:extLst>
           </p:cNvPr>
@@ -5098,36 +5099,33 @@
           <a:p>
             <a:r>
               <a:rPr lang="en-US" dirty="0"/>
-              <a:t>ARIMA MODELS</a:t>
-            </a:r>
-          </a:p>
-        </p:txBody>
-      </p:sp>
-      <p:sp>
-        <p:nvSpPr>
-          <p:cNvPr id="8" name="Text Placeholder 7">
-            <a:extLst>
-              <a:ext uri="{FF2B5EF4-FFF2-40B4-BE49-F238E27FC236}">
-                <a16:creationId xmlns:a16="http://schemas.microsoft.com/office/drawing/2014/main" id="{FCA70F1A-579E-4144-AE97-14FFC08FF0F5}"/>
-              </a:ext>
-            </a:extLst>
-          </p:cNvPr>
-          <p:cNvSpPr>
-            <a:spLocks noGrp="1"/>
-          </p:cNvSpPr>
-          <p:nvPr>
-            <p:ph type="body" idx="1"/>
-          </p:nvPr>
-        </p:nvSpPr>
-        <p:spPr/>
-        <p:txBody>
-          <a:bodyPr/>
-          <a:lstStyle/>
-          <a:p>
-            <a:r>
-              <a:rPr lang="en-US" dirty="0"/>
-              <a:t>Interpretable, simple and speedy time series modeling</a:t>
-            </a:r>
+              <a:t>LAGGED SCATTERPLOTS</a:t>
+            </a:r>
+          </a:p>
+        </p:txBody>
+      </p:sp>
+      <p:sp>
+        <p:nvSpPr>
+          <p:cNvPr id="3" name="Content Placeholder 2">
+            <a:extLst>
+              <a:ext uri="{FF2B5EF4-FFF2-40B4-BE49-F238E27FC236}">
+                <a16:creationId xmlns:a16="http://schemas.microsoft.com/office/drawing/2014/main" id="{2952943F-FC31-4BE3-AB00-BAB4B12957BE}"/>
+              </a:ext>
+            </a:extLst>
+          </p:cNvPr>
+          <p:cNvSpPr>
+            <a:spLocks noGrp="1"/>
+          </p:cNvSpPr>
+          <p:nvPr>
+            <p:ph idx="1"/>
+          </p:nvPr>
+        </p:nvSpPr>
+        <p:spPr/>
+        <p:txBody>
+          <a:bodyPr/>
+          <a:lstStyle/>
+          <a:p>
+            <a:endParaRPr lang="en-US" dirty="0"/>
           </a:p>
         </p:txBody>
       </p:sp>
@@ -5136,7 +5134,7 @@
           <p:cNvPr id="4" name="Date Placeholder 3">
             <a:extLst>
               <a:ext uri="{FF2B5EF4-FFF2-40B4-BE49-F238E27FC236}">
-                <a16:creationId xmlns:a16="http://schemas.microsoft.com/office/drawing/2014/main" id="{3AD929EF-0967-4B34-81B8-24D9EF91892E}"/>
+                <a16:creationId xmlns:a16="http://schemas.microsoft.com/office/drawing/2014/main" id="{F716348B-D7FE-46ED-8C48-CF5A55FF31CF}"/>
               </a:ext>
             </a:extLst>
           </p:cNvPr>
@@ -5154,7 +5152,7 @@
           <a:p>
             <a:fld id="{8AAE40A0-A7D8-4DC3-BC9E-BADA32DA2004}" type="datetime4">
               <a:rPr lang="en-US" smtClean="0"/>
-              <a:t>July 27, 2019</a:t>
+              <a:t>July 29, 2019</a:t>
             </a:fld>
             <a:endParaRPr lang="en-US" dirty="0"/>
           </a:p>
@@ -5165,7 +5163,7 @@
           <p:cNvPr id="5" name="Footer Placeholder 4">
             <a:extLst>
               <a:ext uri="{FF2B5EF4-FFF2-40B4-BE49-F238E27FC236}">
-                <a16:creationId xmlns:a16="http://schemas.microsoft.com/office/drawing/2014/main" id="{3B5B35DD-F2EA-40D3-8039-8CD3802B2612}"/>
+                <a16:creationId xmlns:a16="http://schemas.microsoft.com/office/drawing/2014/main" id="{34059279-A1E7-4F19-B4BF-8C6B59A4CEFF}"/>
               </a:ext>
             </a:extLst>
           </p:cNvPr>
@@ -5222,7 +5220,7 @@
           <p:cNvPr id="6" name="Slide Number Placeholder 5">
             <a:extLst>
               <a:ext uri="{FF2B5EF4-FFF2-40B4-BE49-F238E27FC236}">
-                <a16:creationId xmlns:a16="http://schemas.microsoft.com/office/drawing/2014/main" id="{C3EB9A57-323C-47F5-867F-693F95A15FA4}"/>
+                <a16:creationId xmlns:a16="http://schemas.microsoft.com/office/drawing/2014/main" id="{DE722C41-7366-4DE2-9AF4-E75E189A7733}"/>
               </a:ext>
             </a:extLst>
           </p:cNvPr>
@@ -5249,7 +5247,7 @@
     </p:spTree>
     <p:extLst>
       <p:ext uri="{BB962C8B-B14F-4D97-AF65-F5344CB8AC3E}">
-        <p14:creationId xmlns:p14="http://schemas.microsoft.com/office/powerpoint/2010/main" val="107865345"/>
+        <p14:creationId xmlns:p14="http://schemas.microsoft.com/office/powerpoint/2010/main" val="2399367561"/>
       </p:ext>
     </p:extLst>
   </p:cSld>
@@ -5281,7 +5279,7 @@
           <p:cNvPr id="7" name="Title 6">
             <a:extLst>
               <a:ext uri="{FF2B5EF4-FFF2-40B4-BE49-F238E27FC236}">
-                <a16:creationId xmlns:a16="http://schemas.microsoft.com/office/drawing/2014/main" id="{75C0DCD3-95F8-4E1F-BF1A-5FAAB84A40A3}"/>
+                <a16:creationId xmlns:a16="http://schemas.microsoft.com/office/drawing/2014/main" id="{7802FB34-7510-47BC-8952-A1FE9728B0BF}"/>
               </a:ext>
             </a:extLst>
           </p:cNvPr>
@@ -5299,33 +5297,36 @@
           <a:p>
             <a:r>
               <a:rPr lang="en-US" dirty="0"/>
-              <a:t>ARIMA</a:t>
-            </a:r>
-          </a:p>
-        </p:txBody>
-      </p:sp>
-      <p:sp>
-        <p:nvSpPr>
-          <p:cNvPr id="8" name="Content Placeholder 7">
-            <a:extLst>
-              <a:ext uri="{FF2B5EF4-FFF2-40B4-BE49-F238E27FC236}">
-                <a16:creationId xmlns:a16="http://schemas.microsoft.com/office/drawing/2014/main" id="{52BB1FAB-BB61-4B66-A4EA-A0EABC2B3ECA}"/>
-              </a:ext>
-            </a:extLst>
-          </p:cNvPr>
-          <p:cNvSpPr>
-            <a:spLocks noGrp="1"/>
-          </p:cNvSpPr>
-          <p:nvPr>
-            <p:ph idx="1"/>
-          </p:nvPr>
-        </p:nvSpPr>
-        <p:spPr/>
-        <p:txBody>
-          <a:bodyPr/>
-          <a:lstStyle/>
-          <a:p>
-            <a:endParaRPr lang="en-US"/>
+              <a:t>ARIMA MODELS</a:t>
+            </a:r>
+          </a:p>
+        </p:txBody>
+      </p:sp>
+      <p:sp>
+        <p:nvSpPr>
+          <p:cNvPr id="8" name="Text Placeholder 7">
+            <a:extLst>
+              <a:ext uri="{FF2B5EF4-FFF2-40B4-BE49-F238E27FC236}">
+                <a16:creationId xmlns:a16="http://schemas.microsoft.com/office/drawing/2014/main" id="{FCA70F1A-579E-4144-AE97-14FFC08FF0F5}"/>
+              </a:ext>
+            </a:extLst>
+          </p:cNvPr>
+          <p:cNvSpPr>
+            <a:spLocks noGrp="1"/>
+          </p:cNvSpPr>
+          <p:nvPr>
+            <p:ph type="body" idx="1"/>
+          </p:nvPr>
+        </p:nvSpPr>
+        <p:spPr/>
+        <p:txBody>
+          <a:bodyPr/>
+          <a:lstStyle/>
+          <a:p>
+            <a:r>
+              <a:rPr lang="en-US" dirty="0"/>
+              <a:t>Interpretable, simple and speedy time series modeling</a:t>
+            </a:r>
           </a:p>
         </p:txBody>
       </p:sp>
@@ -5334,7 +5335,7 @@
           <p:cNvPr id="4" name="Date Placeholder 3">
             <a:extLst>
               <a:ext uri="{FF2B5EF4-FFF2-40B4-BE49-F238E27FC236}">
-                <a16:creationId xmlns:a16="http://schemas.microsoft.com/office/drawing/2014/main" id="{02256D86-7CE0-416E-B2A3-402D20EE9E90}"/>
+                <a16:creationId xmlns:a16="http://schemas.microsoft.com/office/drawing/2014/main" id="{3AD929EF-0967-4B34-81B8-24D9EF91892E}"/>
               </a:ext>
             </a:extLst>
           </p:cNvPr>
@@ -5350,9 +5351,9 @@
           <a:bodyPr/>
           <a:lstStyle/>
           <a:p>
-            <a:fld id="{B08FEED8-D7D4-44E9-BFBC-ED06B5996D94}" type="datetime4">
+            <a:fld id="{8AAE40A0-A7D8-4DC3-BC9E-BADA32DA2004}" type="datetime4">
               <a:rPr lang="en-US" smtClean="0"/>
-              <a:t>July 27, 2019</a:t>
+              <a:t>July 29, 2019</a:t>
             </a:fld>
             <a:endParaRPr lang="en-US" dirty="0"/>
           </a:p>
@@ -5363,7 +5364,7 @@
           <p:cNvPr id="5" name="Footer Placeholder 4">
             <a:extLst>
               <a:ext uri="{FF2B5EF4-FFF2-40B4-BE49-F238E27FC236}">
-                <a16:creationId xmlns:a16="http://schemas.microsoft.com/office/drawing/2014/main" id="{1D4ED112-7CF4-4BB9-B46E-B366A5054A9A}"/>
+                <a16:creationId xmlns:a16="http://schemas.microsoft.com/office/drawing/2014/main" id="{3B5B35DD-F2EA-40D3-8039-8CD3802B2612}"/>
               </a:ext>
             </a:extLst>
           </p:cNvPr>
@@ -5420,7 +5421,7 @@
           <p:cNvPr id="6" name="Slide Number Placeholder 5">
             <a:extLst>
               <a:ext uri="{FF2B5EF4-FFF2-40B4-BE49-F238E27FC236}">
-                <a16:creationId xmlns:a16="http://schemas.microsoft.com/office/drawing/2014/main" id="{8CC75551-85BF-4C9F-8893-AA28ECA8A6B5}"/>
+                <a16:creationId xmlns:a16="http://schemas.microsoft.com/office/drawing/2014/main" id="{C3EB9A57-323C-47F5-867F-693F95A15FA4}"/>
               </a:ext>
             </a:extLst>
           </p:cNvPr>
@@ -5447,7 +5448,7 @@
     </p:spTree>
     <p:extLst>
       <p:ext uri="{BB962C8B-B14F-4D97-AF65-F5344CB8AC3E}">
-        <p14:creationId xmlns:p14="http://schemas.microsoft.com/office/powerpoint/2010/main" val="1065550565"/>
+        <p14:creationId xmlns:p14="http://schemas.microsoft.com/office/powerpoint/2010/main" val="107865345"/>
       </p:ext>
     </p:extLst>
   </p:cSld>
@@ -5497,7 +5498,7 @@
           <a:p>
             <a:r>
               <a:rPr lang="en-US" dirty="0"/>
-              <a:t>AUTOREGRESSIVE</a:t>
+              <a:t>ARIMA</a:t>
             </a:r>
           </a:p>
         </p:txBody>
@@ -5550,7 +5551,7 @@
           <a:p>
             <a:fld id="{B08FEED8-D7D4-44E9-BFBC-ED06B5996D94}" type="datetime4">
               <a:rPr lang="en-US" smtClean="0"/>
-              <a:t>July 27, 2019</a:t>
+              <a:t>July 29, 2019</a:t>
             </a:fld>
             <a:endParaRPr lang="en-US" dirty="0"/>
           </a:p>
@@ -5645,7 +5646,7 @@
     </p:spTree>
     <p:extLst>
       <p:ext uri="{BB962C8B-B14F-4D97-AF65-F5344CB8AC3E}">
-        <p14:creationId xmlns:p14="http://schemas.microsoft.com/office/powerpoint/2010/main" val="4066560549"/>
+        <p14:creationId xmlns:p14="http://schemas.microsoft.com/office/powerpoint/2010/main" val="1065550565"/>
       </p:ext>
     </p:extLst>
   </p:cSld>
@@ -5674,10 +5675,10 @@
       </p:grpSpPr>
       <p:sp>
         <p:nvSpPr>
-          <p:cNvPr id="2" name="Title 1">
-            <a:extLst>
-              <a:ext uri="{FF2B5EF4-FFF2-40B4-BE49-F238E27FC236}">
-                <a16:creationId xmlns:a16="http://schemas.microsoft.com/office/drawing/2014/main" id="{D7EACF90-3E7B-4978-AB0C-ED5165419D19}"/>
+          <p:cNvPr id="7" name="Title 6">
+            <a:extLst>
+              <a:ext uri="{FF2B5EF4-FFF2-40B4-BE49-F238E27FC236}">
+                <a16:creationId xmlns:a16="http://schemas.microsoft.com/office/drawing/2014/main" id="{75C0DCD3-95F8-4E1F-BF1A-5FAAB84A40A3}"/>
               </a:ext>
             </a:extLst>
           </p:cNvPr>
@@ -5695,17 +5696,17 @@
           <a:p>
             <a:r>
               <a:rPr lang="en-US" dirty="0"/>
-              <a:t>MOVING AVERAGE</a:t>
-            </a:r>
-          </a:p>
-        </p:txBody>
-      </p:sp>
-      <p:sp>
-        <p:nvSpPr>
-          <p:cNvPr id="3" name="Content Placeholder 2">
-            <a:extLst>
-              <a:ext uri="{FF2B5EF4-FFF2-40B4-BE49-F238E27FC236}">
-                <a16:creationId xmlns:a16="http://schemas.microsoft.com/office/drawing/2014/main" id="{A7CEFEF5-E74A-4EFE-9368-8FD74B059E10}"/>
+              <a:t>AUTOREGRESSIVE</a:t>
+            </a:r>
+          </a:p>
+        </p:txBody>
+      </p:sp>
+      <p:sp>
+        <p:nvSpPr>
+          <p:cNvPr id="8" name="Content Placeholder 7">
+            <a:extLst>
+              <a:ext uri="{FF2B5EF4-FFF2-40B4-BE49-F238E27FC236}">
+                <a16:creationId xmlns:a16="http://schemas.microsoft.com/office/drawing/2014/main" id="{52BB1FAB-BB61-4B66-A4EA-A0EABC2B3ECA}"/>
               </a:ext>
             </a:extLst>
           </p:cNvPr>
@@ -5730,7 +5731,7 @@
           <p:cNvPr id="4" name="Date Placeholder 3">
             <a:extLst>
               <a:ext uri="{FF2B5EF4-FFF2-40B4-BE49-F238E27FC236}">
-                <a16:creationId xmlns:a16="http://schemas.microsoft.com/office/drawing/2014/main" id="{64E0A09F-EC7A-4EF6-AB3A-0DC48B1B7271}"/>
+                <a16:creationId xmlns:a16="http://schemas.microsoft.com/office/drawing/2014/main" id="{02256D86-7CE0-416E-B2A3-402D20EE9E90}"/>
               </a:ext>
             </a:extLst>
           </p:cNvPr>
@@ -5746,9 +5747,9 @@
           <a:bodyPr/>
           <a:lstStyle/>
           <a:p>
-            <a:fld id="{8AAE40A0-A7D8-4DC3-BC9E-BADA32DA2004}" type="datetime4">
+            <a:fld id="{B08FEED8-D7D4-44E9-BFBC-ED06B5996D94}" type="datetime4">
               <a:rPr lang="en-US" smtClean="0"/>
-              <a:t>July 27, 2019</a:t>
+              <a:t>July 29, 2019</a:t>
             </a:fld>
             <a:endParaRPr lang="en-US" dirty="0"/>
           </a:p>
@@ -5759,7 +5760,7 @@
           <p:cNvPr id="5" name="Footer Placeholder 4">
             <a:extLst>
               <a:ext uri="{FF2B5EF4-FFF2-40B4-BE49-F238E27FC236}">
-                <a16:creationId xmlns:a16="http://schemas.microsoft.com/office/drawing/2014/main" id="{9D8B7F07-2C50-4473-BABC-57C52FDD38D2}"/>
+                <a16:creationId xmlns:a16="http://schemas.microsoft.com/office/drawing/2014/main" id="{1D4ED112-7CF4-4BB9-B46E-B366A5054A9A}"/>
               </a:ext>
             </a:extLst>
           </p:cNvPr>
@@ -5816,7 +5817,7 @@
           <p:cNvPr id="6" name="Slide Number Placeholder 5">
             <a:extLst>
               <a:ext uri="{FF2B5EF4-FFF2-40B4-BE49-F238E27FC236}">
-                <a16:creationId xmlns:a16="http://schemas.microsoft.com/office/drawing/2014/main" id="{6BE5E43E-0696-4C60-A72C-BBB5B4448760}"/>
+                <a16:creationId xmlns:a16="http://schemas.microsoft.com/office/drawing/2014/main" id="{8CC75551-85BF-4C9F-8893-AA28ECA8A6B5}"/>
               </a:ext>
             </a:extLst>
           </p:cNvPr>
@@ -5843,7 +5844,7 @@
     </p:spTree>
     <p:extLst>
       <p:ext uri="{BB962C8B-B14F-4D97-AF65-F5344CB8AC3E}">
-        <p14:creationId xmlns:p14="http://schemas.microsoft.com/office/powerpoint/2010/main" val="3521777765"/>
+        <p14:creationId xmlns:p14="http://schemas.microsoft.com/office/powerpoint/2010/main" val="4066560549"/>
       </p:ext>
     </p:extLst>
   </p:cSld>
@@ -5934,7 +5935,7 @@
           <a:p>
             <a:fld id="{3686C9ED-58DA-41A6-B894-9B830C59600E}" type="datetime4">
               <a:rPr lang="en-US" smtClean="0"/>
-              <a:t>July 27, 2019</a:t>
+              <a:t>July 29, 2019</a:t>
             </a:fld>
             <a:endParaRPr lang="en-US" dirty="0"/>
           </a:p>
@@ -6038,7 +6039,7 @@
           <p:cNvPr id="2" name="Title 1">
             <a:extLst>
               <a:ext uri="{FF2B5EF4-FFF2-40B4-BE49-F238E27FC236}">
-                <a16:creationId xmlns:a16="http://schemas.microsoft.com/office/drawing/2014/main" id="{D1BF0482-6913-4A5E-A533-479864CB5349}"/>
+                <a16:creationId xmlns:a16="http://schemas.microsoft.com/office/drawing/2014/main" id="{D7EACF90-3E7B-4978-AB0C-ED5165419D19}"/>
               </a:ext>
             </a:extLst>
           </p:cNvPr>
@@ -6056,7 +6057,7 @@
           <a:p>
             <a:r>
               <a:rPr lang="en-US" dirty="0"/>
-              <a:t>PLAYING AROUND WITH ARIMA</a:t>
+              <a:t>MOVING AVERAGE</a:t>
             </a:r>
           </a:p>
         </p:txBody>
@@ -6066,7 +6067,7 @@
           <p:cNvPr id="3" name="Content Placeholder 2">
             <a:extLst>
               <a:ext uri="{FF2B5EF4-FFF2-40B4-BE49-F238E27FC236}">
-                <a16:creationId xmlns:a16="http://schemas.microsoft.com/office/drawing/2014/main" id="{D48271C9-2790-46C9-B80B-52D215430CB8}"/>
+                <a16:creationId xmlns:a16="http://schemas.microsoft.com/office/drawing/2014/main" id="{A7CEFEF5-E74A-4EFE-9368-8FD74B059E10}"/>
               </a:ext>
             </a:extLst>
           </p:cNvPr>
@@ -6091,7 +6092,7 @@
           <p:cNvPr id="4" name="Date Placeholder 3">
             <a:extLst>
               <a:ext uri="{FF2B5EF4-FFF2-40B4-BE49-F238E27FC236}">
-                <a16:creationId xmlns:a16="http://schemas.microsoft.com/office/drawing/2014/main" id="{B23DAF35-209C-48FA-AAAB-F69E14183A91}"/>
+                <a16:creationId xmlns:a16="http://schemas.microsoft.com/office/drawing/2014/main" id="{64E0A09F-EC7A-4EF6-AB3A-0DC48B1B7271}"/>
               </a:ext>
             </a:extLst>
           </p:cNvPr>
@@ -6109,7 +6110,7 @@
           <a:p>
             <a:fld id="{8AAE40A0-A7D8-4DC3-BC9E-BADA32DA2004}" type="datetime4">
               <a:rPr lang="en-US" smtClean="0"/>
-              <a:t>July 27, 2019</a:t>
+              <a:t>July 29, 2019</a:t>
             </a:fld>
             <a:endParaRPr lang="en-US" dirty="0"/>
           </a:p>
@@ -6120,7 +6121,7 @@
           <p:cNvPr id="5" name="Footer Placeholder 4">
             <a:extLst>
               <a:ext uri="{FF2B5EF4-FFF2-40B4-BE49-F238E27FC236}">
-                <a16:creationId xmlns:a16="http://schemas.microsoft.com/office/drawing/2014/main" id="{3D8E22A6-180D-41CF-9959-4347A11F2AD1}"/>
+                <a16:creationId xmlns:a16="http://schemas.microsoft.com/office/drawing/2014/main" id="{9D8B7F07-2C50-4473-BABC-57C52FDD38D2}"/>
               </a:ext>
             </a:extLst>
           </p:cNvPr>
@@ -6177,7 +6178,7 @@
           <p:cNvPr id="6" name="Slide Number Placeholder 5">
             <a:extLst>
               <a:ext uri="{FF2B5EF4-FFF2-40B4-BE49-F238E27FC236}">
-                <a16:creationId xmlns:a16="http://schemas.microsoft.com/office/drawing/2014/main" id="{CECE3146-0C2B-4CC7-BC7C-FD23AAF7ECAE}"/>
+                <a16:creationId xmlns:a16="http://schemas.microsoft.com/office/drawing/2014/main" id="{6BE5E43E-0696-4C60-A72C-BBB5B4448760}"/>
               </a:ext>
             </a:extLst>
           </p:cNvPr>
@@ -6204,7 +6205,7 @@
     </p:spTree>
     <p:extLst>
       <p:ext uri="{BB962C8B-B14F-4D97-AF65-F5344CB8AC3E}">
-        <p14:creationId xmlns:p14="http://schemas.microsoft.com/office/powerpoint/2010/main" val="3624540971"/>
+        <p14:creationId xmlns:p14="http://schemas.microsoft.com/office/powerpoint/2010/main" val="3521777765"/>
       </p:ext>
     </p:extLst>
   </p:cSld>
@@ -6233,10 +6234,10 @@
       </p:grpSpPr>
       <p:sp>
         <p:nvSpPr>
-          <p:cNvPr id="7" name="Title 6">
-            <a:extLst>
-              <a:ext uri="{FF2B5EF4-FFF2-40B4-BE49-F238E27FC236}">
-                <a16:creationId xmlns:a16="http://schemas.microsoft.com/office/drawing/2014/main" id="{495B4BC0-844B-4414-A623-BEF78AAC1BA1}"/>
+          <p:cNvPr id="2" name="Title 1">
+            <a:extLst>
+              <a:ext uri="{FF2B5EF4-FFF2-40B4-BE49-F238E27FC236}">
+                <a16:creationId xmlns:a16="http://schemas.microsoft.com/office/drawing/2014/main" id="{D1BF0482-6913-4A5E-A533-479864CB5349}"/>
               </a:ext>
             </a:extLst>
           </p:cNvPr>
@@ -6254,17 +6255,17 @@
           <a:p>
             <a:r>
               <a:rPr lang="en-US" dirty="0"/>
-              <a:t>ACKNOWLEDGMENTS</a:t>
-            </a:r>
-          </a:p>
-        </p:txBody>
-      </p:sp>
-      <p:sp>
-        <p:nvSpPr>
-          <p:cNvPr id="8" name="Content Placeholder 7">
-            <a:extLst>
-              <a:ext uri="{FF2B5EF4-FFF2-40B4-BE49-F238E27FC236}">
-                <a16:creationId xmlns:a16="http://schemas.microsoft.com/office/drawing/2014/main" id="{2BED3EB3-7E98-4A82-8335-7321D9E37B16}"/>
+              <a:t>PLAYING AROUND WITH ARIMA</a:t>
+            </a:r>
+          </a:p>
+        </p:txBody>
+      </p:sp>
+      <p:sp>
+        <p:nvSpPr>
+          <p:cNvPr id="3" name="Content Placeholder 2">
+            <a:extLst>
+              <a:ext uri="{FF2B5EF4-FFF2-40B4-BE49-F238E27FC236}">
+                <a16:creationId xmlns:a16="http://schemas.microsoft.com/office/drawing/2014/main" id="{D48271C9-2790-46C9-B80B-52D215430CB8}"/>
               </a:ext>
             </a:extLst>
           </p:cNvPr>
@@ -6289,7 +6290,7 @@
           <p:cNvPr id="4" name="Date Placeholder 3">
             <a:extLst>
               <a:ext uri="{FF2B5EF4-FFF2-40B4-BE49-F238E27FC236}">
-                <a16:creationId xmlns:a16="http://schemas.microsoft.com/office/drawing/2014/main" id="{540F37F1-4F33-429F-A568-1A3ADC499E54}"/>
+                <a16:creationId xmlns:a16="http://schemas.microsoft.com/office/drawing/2014/main" id="{B23DAF35-209C-48FA-AAAB-F69E14183A91}"/>
               </a:ext>
             </a:extLst>
           </p:cNvPr>
@@ -6305,9 +6306,9 @@
           <a:bodyPr/>
           <a:lstStyle/>
           <a:p>
-            <a:fld id="{B08FEED8-D7D4-44E9-BFBC-ED06B5996D94}" type="datetime4">
+            <a:fld id="{8AAE40A0-A7D8-4DC3-BC9E-BADA32DA2004}" type="datetime4">
               <a:rPr lang="en-US" smtClean="0"/>
-              <a:t>July 27, 2019</a:t>
+              <a:t>July 29, 2019</a:t>
             </a:fld>
             <a:endParaRPr lang="en-US" dirty="0"/>
           </a:p>
@@ -6318,7 +6319,7 @@
           <p:cNvPr id="5" name="Footer Placeholder 4">
             <a:extLst>
               <a:ext uri="{FF2B5EF4-FFF2-40B4-BE49-F238E27FC236}">
-                <a16:creationId xmlns:a16="http://schemas.microsoft.com/office/drawing/2014/main" id="{673FFA57-C126-4795-A5F6-DD33AAC5ACBD}"/>
+                <a16:creationId xmlns:a16="http://schemas.microsoft.com/office/drawing/2014/main" id="{3D8E22A6-180D-41CF-9959-4347A11F2AD1}"/>
               </a:ext>
             </a:extLst>
           </p:cNvPr>
@@ -6375,7 +6376,7 @@
           <p:cNvPr id="6" name="Slide Number Placeholder 5">
             <a:extLst>
               <a:ext uri="{FF2B5EF4-FFF2-40B4-BE49-F238E27FC236}">
-                <a16:creationId xmlns:a16="http://schemas.microsoft.com/office/drawing/2014/main" id="{2FA49567-BB70-4798-8746-D0B522CCEE20}"/>
+                <a16:creationId xmlns:a16="http://schemas.microsoft.com/office/drawing/2014/main" id="{CECE3146-0C2B-4CC7-BC7C-FD23AAF7ECAE}"/>
               </a:ext>
             </a:extLst>
           </p:cNvPr>
@@ -6394,6 +6395,204 @@
             <a:fld id="{D57F1E4F-1CFF-5643-939E-02111984F565}" type="slidenum">
               <a:rPr lang="en-US" smtClean="0"/>
               <a:t>21</a:t>
+            </a:fld>
+            <a:endParaRPr lang="en-US" dirty="0"/>
+          </a:p>
+        </p:txBody>
+      </p:sp>
+    </p:spTree>
+    <p:extLst>
+      <p:ext uri="{BB962C8B-B14F-4D97-AF65-F5344CB8AC3E}">
+        <p14:creationId xmlns:p14="http://schemas.microsoft.com/office/powerpoint/2010/main" val="3624540971"/>
+      </p:ext>
+    </p:extLst>
+  </p:cSld>
+  <p:clrMapOvr>
+    <a:masterClrMapping/>
+  </p:clrMapOvr>
+</p:sld>
+</file>
+
+<file path=ppt/slides/slide22.xml><?xml version="1.0" encoding="utf-8"?>
+<p:sld xmlns:a="http://schemas.openxmlformats.org/drawingml/2006/main" xmlns:r="http://schemas.openxmlformats.org/officeDocument/2006/relationships" xmlns:p="http://schemas.openxmlformats.org/presentationml/2006/main">
+  <p:cSld>
+    <p:spTree>
+      <p:nvGrpSpPr>
+        <p:cNvPr id="1" name=""/>
+        <p:cNvGrpSpPr/>
+        <p:nvPr/>
+      </p:nvGrpSpPr>
+      <p:grpSpPr>
+        <a:xfrm>
+          <a:off x="0" y="0"/>
+          <a:ext cx="0" cy="0"/>
+          <a:chOff x="0" y="0"/>
+          <a:chExt cx="0" cy="0"/>
+        </a:xfrm>
+      </p:grpSpPr>
+      <p:sp>
+        <p:nvSpPr>
+          <p:cNvPr id="7" name="Title 6">
+            <a:extLst>
+              <a:ext uri="{FF2B5EF4-FFF2-40B4-BE49-F238E27FC236}">
+                <a16:creationId xmlns:a16="http://schemas.microsoft.com/office/drawing/2014/main" id="{495B4BC0-844B-4414-A623-BEF78AAC1BA1}"/>
+              </a:ext>
+            </a:extLst>
+          </p:cNvPr>
+          <p:cNvSpPr>
+            <a:spLocks noGrp="1"/>
+          </p:cNvSpPr>
+          <p:nvPr>
+            <p:ph type="title"/>
+          </p:nvPr>
+        </p:nvSpPr>
+        <p:spPr/>
+        <p:txBody>
+          <a:bodyPr/>
+          <a:lstStyle/>
+          <a:p>
+            <a:r>
+              <a:rPr lang="en-US" dirty="0"/>
+              <a:t>ACKNOWLEDGMENTS</a:t>
+            </a:r>
+          </a:p>
+        </p:txBody>
+      </p:sp>
+      <p:sp>
+        <p:nvSpPr>
+          <p:cNvPr id="8" name="Content Placeholder 7">
+            <a:extLst>
+              <a:ext uri="{FF2B5EF4-FFF2-40B4-BE49-F238E27FC236}">
+                <a16:creationId xmlns:a16="http://schemas.microsoft.com/office/drawing/2014/main" id="{2BED3EB3-7E98-4A82-8335-7321D9E37B16}"/>
+              </a:ext>
+            </a:extLst>
+          </p:cNvPr>
+          <p:cNvSpPr>
+            <a:spLocks noGrp="1"/>
+          </p:cNvSpPr>
+          <p:nvPr>
+            <p:ph idx="1"/>
+          </p:nvPr>
+        </p:nvSpPr>
+        <p:spPr/>
+        <p:txBody>
+          <a:bodyPr/>
+          <a:lstStyle/>
+          <a:p>
+            <a:endParaRPr lang="en-US"/>
+          </a:p>
+        </p:txBody>
+      </p:sp>
+      <p:sp>
+        <p:nvSpPr>
+          <p:cNvPr id="4" name="Date Placeholder 3">
+            <a:extLst>
+              <a:ext uri="{FF2B5EF4-FFF2-40B4-BE49-F238E27FC236}">
+                <a16:creationId xmlns:a16="http://schemas.microsoft.com/office/drawing/2014/main" id="{540F37F1-4F33-429F-A568-1A3ADC499E54}"/>
+              </a:ext>
+            </a:extLst>
+          </p:cNvPr>
+          <p:cNvSpPr>
+            <a:spLocks noGrp="1"/>
+          </p:cNvSpPr>
+          <p:nvPr>
+            <p:ph type="dt" sz="half" idx="10"/>
+          </p:nvPr>
+        </p:nvSpPr>
+        <p:spPr/>
+        <p:txBody>
+          <a:bodyPr/>
+          <a:lstStyle/>
+          <a:p>
+            <a:fld id="{B08FEED8-D7D4-44E9-BFBC-ED06B5996D94}" type="datetime4">
+              <a:rPr lang="en-US" smtClean="0"/>
+              <a:t>July 29, 2019</a:t>
+            </a:fld>
+            <a:endParaRPr lang="en-US" dirty="0"/>
+          </a:p>
+        </p:txBody>
+      </p:sp>
+      <p:sp>
+        <p:nvSpPr>
+          <p:cNvPr id="5" name="Footer Placeholder 4">
+            <a:extLst>
+              <a:ext uri="{FF2B5EF4-FFF2-40B4-BE49-F238E27FC236}">
+                <a16:creationId xmlns:a16="http://schemas.microsoft.com/office/drawing/2014/main" id="{673FFA57-C126-4795-A5F6-DD33AAC5ACBD}"/>
+              </a:ext>
+            </a:extLst>
+          </p:cNvPr>
+          <p:cNvSpPr>
+            <a:spLocks noGrp="1"/>
+          </p:cNvSpPr>
+          <p:nvPr>
+            <p:ph type="ftr" sz="quarter" idx="11"/>
+          </p:nvPr>
+        </p:nvSpPr>
+        <p:spPr/>
+        <p:txBody>
+          <a:bodyPr/>
+          <a:lstStyle/>
+          <a:p>
+            <a:r>
+              <a:rPr lang="en-US"/>
+              <a:t>Digital Scholarship Services </a:t>
+            </a:r>
+            <a:r>
+              <a:rPr lang="en-US">
+                <a:solidFill>
+                  <a:schemeClr val="accent1">
+                    <a:lumMod val="50000"/>
+                  </a:schemeClr>
+                </a:solidFill>
+              </a:rPr>
+              <a:t>| Email</a:t>
+            </a:r>
+            <a:r>
+              <a:rPr lang="en-US"/>
+              <a:t> cf24@rice.edu </a:t>
+            </a:r>
+            <a:r>
+              <a:rPr lang="en-US">
+                <a:solidFill>
+                  <a:schemeClr val="accent1">
+                    <a:lumMod val="50000"/>
+                  </a:schemeClr>
+                </a:solidFill>
+              </a:rPr>
+              <a:t>|</a:t>
+            </a:r>
+            <a:r>
+              <a:rPr lang="en-US"/>
+              <a:t> library.rice.edu/dss</a:t>
+            </a:r>
+            <a:endParaRPr lang="en-US" dirty="0"/>
+          </a:p>
+        </p:txBody>
+      </p:sp>
+      <p:sp>
+        <p:nvSpPr>
+          <p:cNvPr id="6" name="Slide Number Placeholder 5">
+            <a:extLst>
+              <a:ext uri="{FF2B5EF4-FFF2-40B4-BE49-F238E27FC236}">
+                <a16:creationId xmlns:a16="http://schemas.microsoft.com/office/drawing/2014/main" id="{2FA49567-BB70-4798-8746-D0B522CCEE20}"/>
+              </a:ext>
+            </a:extLst>
+          </p:cNvPr>
+          <p:cNvSpPr>
+            <a:spLocks noGrp="1"/>
+          </p:cNvSpPr>
+          <p:nvPr>
+            <p:ph type="sldNum" sz="quarter" idx="12"/>
+          </p:nvPr>
+        </p:nvSpPr>
+        <p:spPr/>
+        <p:txBody>
+          <a:bodyPr/>
+          <a:lstStyle/>
+          <a:p>
+            <a:fld id="{D57F1E4F-1CFF-5643-939E-02111984F565}" type="slidenum">
+              <a:rPr lang="en-US" smtClean="0"/>
+              <a:t>22</a:t>
             </a:fld>
             <a:endParaRPr lang="en-US" dirty="0"/>
           </a:p>
@@ -6541,7 +6740,7 @@
           <a:p>
             <a:fld id="{8AAE40A0-A7D8-4DC3-BC9E-BADA32DA2004}" type="datetime4">
               <a:rPr lang="en-US" smtClean="0"/>
-              <a:t>July 27, 2019</a:t>
+              <a:t>July 29, 2019</a:t>
             </a:fld>
             <a:endParaRPr lang="en-US" dirty="0"/>
           </a:p>
@@ -6776,7 +6975,7 @@
           <a:p>
             <a:fld id="{8AAE40A0-A7D8-4DC3-BC9E-BADA32DA2004}" type="datetime4">
               <a:rPr lang="en-US" smtClean="0"/>
-              <a:t>July 27, 2019</a:t>
+              <a:t>July 29, 2019</a:t>
             </a:fld>
             <a:endParaRPr lang="en-US" dirty="0"/>
           </a:p>
@@ -6947,6 +7146,9 @@
           <a:bodyPr/>
           <a:lstStyle/>
           <a:p>
+            <a:pPr marL="0" indent="0" algn="ctr">
+              <a:buNone/>
+            </a:pPr>
             <a:r>
               <a:rPr lang="en-US" dirty="0"/>
               <a:t>Simple Linear Regression vs. a Time Series Model (ARIMA)</a:t>
@@ -6977,7 +7179,7 @@
           <a:p>
             <a:fld id="{8AAE40A0-A7D8-4DC3-BC9E-BADA32DA2004}" type="datetime4">
               <a:rPr lang="en-US" smtClean="0"/>
-              <a:t>July 27, 2019</a:t>
+              <a:t>July 29, 2019</a:t>
             </a:fld>
             <a:endParaRPr lang="en-US" dirty="0"/>
           </a:p>
@@ -7069,6 +7271,35 @@
           </a:p>
         </p:txBody>
       </p:sp>
+      <p:pic>
+        <p:nvPicPr>
+          <p:cNvPr id="8" name="Picture 7" descr="A picture containing sky, water, boat&#10;&#10;Description automatically generated">
+            <a:extLst>
+              <a:ext uri="{FF2B5EF4-FFF2-40B4-BE49-F238E27FC236}">
+                <a16:creationId xmlns:a16="http://schemas.microsoft.com/office/drawing/2014/main" id="{9BDB8445-603D-48AA-9FDD-1C2B83BA1074}"/>
+              </a:ext>
+            </a:extLst>
+          </p:cNvPr>
+          <p:cNvPicPr>
+            <a:picLocks noChangeAspect="1"/>
+          </p:cNvPicPr>
+          <p:nvPr/>
+        </p:nvPicPr>
+        <p:blipFill rotWithShape="1">
+          <a:blip r:embed="rId2"/>
+          <a:srcRect t="4233"/>
+          <a:stretch/>
+        </p:blipFill>
+        <p:spPr>
+          <a:xfrm>
+            <a:off x="2422966" y="2285662"/>
+            <a:ext cx="7339519" cy="4070688"/>
+          </a:xfrm>
+          <a:prstGeom prst="rect">
+            <a:avLst/>
+          </a:prstGeom>
+        </p:spPr>
+      </p:pic>
     </p:spTree>
     <p:extLst>
       <p:ext uri="{BB962C8B-B14F-4D97-AF65-F5344CB8AC3E}">
@@ -7101,10 +7332,10 @@
       </p:grpSpPr>
       <p:sp>
         <p:nvSpPr>
-          <p:cNvPr id="7" name="Title 6">
-            <a:extLst>
-              <a:ext uri="{FF2B5EF4-FFF2-40B4-BE49-F238E27FC236}">
-                <a16:creationId xmlns:a16="http://schemas.microsoft.com/office/drawing/2014/main" id="{184E2338-1026-45D4-9455-B21A88F18B28}"/>
+          <p:cNvPr id="2" name="Title 1">
+            <a:extLst>
+              <a:ext uri="{FF2B5EF4-FFF2-40B4-BE49-F238E27FC236}">
+                <a16:creationId xmlns:a16="http://schemas.microsoft.com/office/drawing/2014/main" id="{BBEB1736-8933-4842-81FB-C5DCC7C07C68}"/>
               </a:ext>
             </a:extLst>
           </p:cNvPr>
@@ -7122,42 +7353,38 @@
           <a:p>
             <a:r>
               <a:rPr lang="en-US" dirty="0"/>
-              <a:t>TRENDS AND</a:t>
-            </a:r>
-            <a:br>
+              <a:t>ONE QUICK EXAMPLE</a:t>
+            </a:r>
+          </a:p>
+        </p:txBody>
+      </p:sp>
+      <p:sp>
+        <p:nvSpPr>
+          <p:cNvPr id="3" name="Content Placeholder 2">
+            <a:extLst>
+              <a:ext uri="{FF2B5EF4-FFF2-40B4-BE49-F238E27FC236}">
+                <a16:creationId xmlns:a16="http://schemas.microsoft.com/office/drawing/2014/main" id="{84C2C4E3-F71B-4C6F-8570-4ECA72D77DC3}"/>
+              </a:ext>
+            </a:extLst>
+          </p:cNvPr>
+          <p:cNvSpPr>
+            <a:spLocks noGrp="1"/>
+          </p:cNvSpPr>
+          <p:nvPr>
+            <p:ph idx="1"/>
+          </p:nvPr>
+        </p:nvSpPr>
+        <p:spPr/>
+        <p:txBody>
+          <a:bodyPr/>
+          <a:lstStyle/>
+          <a:p>
+            <a:pPr marL="0" indent="0" algn="ctr">
+              <a:buNone/>
+            </a:pPr>
+            <a:r>
               <a:rPr lang="en-US" dirty="0"/>
-            </a:br>
-            <a:r>
-              <a:rPr lang="en-US" dirty="0"/>
-              <a:t>SEASONALITY</a:t>
-            </a:r>
-          </a:p>
-        </p:txBody>
-      </p:sp>
-      <p:sp>
-        <p:nvSpPr>
-          <p:cNvPr id="8" name="Text Placeholder 7">
-            <a:extLst>
-              <a:ext uri="{FF2B5EF4-FFF2-40B4-BE49-F238E27FC236}">
-                <a16:creationId xmlns:a16="http://schemas.microsoft.com/office/drawing/2014/main" id="{DB42CCAB-C8E2-48A8-A9DF-EB0383A8B33C}"/>
-              </a:ext>
-            </a:extLst>
-          </p:cNvPr>
-          <p:cNvSpPr>
-            <a:spLocks noGrp="1"/>
-          </p:cNvSpPr>
-          <p:nvPr>
-            <p:ph type="body" idx="1"/>
-          </p:nvPr>
-        </p:nvSpPr>
-        <p:spPr/>
-        <p:txBody>
-          <a:bodyPr/>
-          <a:lstStyle/>
-          <a:p>
-            <a:r>
-              <a:rPr lang="en-US" dirty="0"/>
-              <a:t>How to filter out the noise and model what really matters</a:t>
+              <a:t>Simple Linear Regression vs. a Time Series Model (ARIMA)</a:t>
             </a:r>
           </a:p>
         </p:txBody>
@@ -7167,7 +7394,7 @@
           <p:cNvPr id="4" name="Date Placeholder 3">
             <a:extLst>
               <a:ext uri="{FF2B5EF4-FFF2-40B4-BE49-F238E27FC236}">
-                <a16:creationId xmlns:a16="http://schemas.microsoft.com/office/drawing/2014/main" id="{1CA94ACB-62A5-4F09-8C21-F0CE9BFB1606}"/>
+                <a16:creationId xmlns:a16="http://schemas.microsoft.com/office/drawing/2014/main" id="{C81D5B6F-54DE-49BD-B70E-94836B9B8A8B}"/>
               </a:ext>
             </a:extLst>
           </p:cNvPr>
@@ -7185,7 +7412,7 @@
           <a:p>
             <a:fld id="{8AAE40A0-A7D8-4DC3-BC9E-BADA32DA2004}" type="datetime4">
               <a:rPr lang="en-US" smtClean="0"/>
-              <a:t>July 27, 2019</a:t>
+              <a:t>July 29, 2019</a:t>
             </a:fld>
             <a:endParaRPr lang="en-US" dirty="0"/>
           </a:p>
@@ -7196,7 +7423,7 @@
           <p:cNvPr id="5" name="Footer Placeholder 4">
             <a:extLst>
               <a:ext uri="{FF2B5EF4-FFF2-40B4-BE49-F238E27FC236}">
-                <a16:creationId xmlns:a16="http://schemas.microsoft.com/office/drawing/2014/main" id="{D20B02B0-893D-4696-B6F7-A126B8D18E99}"/>
+                <a16:creationId xmlns:a16="http://schemas.microsoft.com/office/drawing/2014/main" id="{A788BEBC-3FBD-4574-BD63-2697EB2420B4}"/>
               </a:ext>
             </a:extLst>
           </p:cNvPr>
@@ -7253,7 +7480,7 @@
           <p:cNvPr id="6" name="Slide Number Placeholder 5">
             <a:extLst>
               <a:ext uri="{FF2B5EF4-FFF2-40B4-BE49-F238E27FC236}">
-                <a16:creationId xmlns:a16="http://schemas.microsoft.com/office/drawing/2014/main" id="{1CFDA495-0063-4571-8969-0DD770DB39E0}"/>
+                <a16:creationId xmlns:a16="http://schemas.microsoft.com/office/drawing/2014/main" id="{2DD21C00-87BF-4A7C-B66E-67269A15B560}"/>
               </a:ext>
             </a:extLst>
           </p:cNvPr>
@@ -7277,10 +7504,39 @@
           </a:p>
         </p:txBody>
       </p:sp>
+      <p:pic>
+        <p:nvPicPr>
+          <p:cNvPr id="8" name="Picture 7">
+            <a:extLst>
+              <a:ext uri="{FF2B5EF4-FFF2-40B4-BE49-F238E27FC236}">
+                <a16:creationId xmlns:a16="http://schemas.microsoft.com/office/drawing/2014/main" id="{9BDB8445-603D-48AA-9FDD-1C2B83BA1074}"/>
+              </a:ext>
+            </a:extLst>
+          </p:cNvPr>
+          <p:cNvPicPr>
+            <a:picLocks noChangeAspect="1"/>
+          </p:cNvPicPr>
+          <p:nvPr/>
+        </p:nvPicPr>
+        <p:blipFill rotWithShape="1">
+          <a:blip r:embed="rId2"/>
+          <a:srcRect t="4436"/>
+          <a:stretch/>
+        </p:blipFill>
+        <p:spPr>
+          <a:xfrm>
+            <a:off x="2588062" y="2302043"/>
+            <a:ext cx="7015876" cy="4190832"/>
+          </a:xfrm>
+          <a:prstGeom prst="rect">
+            <a:avLst/>
+          </a:prstGeom>
+        </p:spPr>
+      </p:pic>
     </p:spTree>
     <p:extLst>
       <p:ext uri="{BB962C8B-B14F-4D97-AF65-F5344CB8AC3E}">
-        <p14:creationId xmlns:p14="http://schemas.microsoft.com/office/powerpoint/2010/main" val="2581962988"/>
+        <p14:creationId xmlns:p14="http://schemas.microsoft.com/office/powerpoint/2010/main" val="610566329"/>
       </p:ext>
     </p:extLst>
   </p:cSld>
@@ -7312,7 +7568,7 @@
           <p:cNvPr id="7" name="Title 6">
             <a:extLst>
               <a:ext uri="{FF2B5EF4-FFF2-40B4-BE49-F238E27FC236}">
-                <a16:creationId xmlns:a16="http://schemas.microsoft.com/office/drawing/2014/main" id="{495B4BC0-844B-4414-A623-BEF78AAC1BA1}"/>
+                <a16:creationId xmlns:a16="http://schemas.microsoft.com/office/drawing/2014/main" id="{184E2338-1026-45D4-9455-B21A88F18B28}"/>
               </a:ext>
             </a:extLst>
           </p:cNvPr>
@@ -7330,33 +7586,43 @@
           <a:p>
             <a:r>
               <a:rPr lang="en-US" dirty="0"/>
-              <a:t>TRENDS</a:t>
-            </a:r>
-          </a:p>
-        </p:txBody>
-      </p:sp>
-      <p:sp>
-        <p:nvSpPr>
-          <p:cNvPr id="8" name="Content Placeholder 7">
-            <a:extLst>
-              <a:ext uri="{FF2B5EF4-FFF2-40B4-BE49-F238E27FC236}">
-                <a16:creationId xmlns:a16="http://schemas.microsoft.com/office/drawing/2014/main" id="{2BED3EB3-7E98-4A82-8335-7321D9E37B16}"/>
-              </a:ext>
-            </a:extLst>
-          </p:cNvPr>
-          <p:cNvSpPr>
-            <a:spLocks noGrp="1"/>
-          </p:cNvSpPr>
-          <p:nvPr>
-            <p:ph idx="1"/>
-          </p:nvPr>
-        </p:nvSpPr>
-        <p:spPr/>
-        <p:txBody>
-          <a:bodyPr/>
-          <a:lstStyle/>
-          <a:p>
-            <a:endParaRPr lang="en-US"/>
+              <a:t>TRENDS AND</a:t>
+            </a:r>
+            <a:br>
+              <a:rPr lang="en-US" dirty="0"/>
+            </a:br>
+            <a:r>
+              <a:rPr lang="en-US" dirty="0"/>
+              <a:t>SEASONALITY</a:t>
+            </a:r>
+          </a:p>
+        </p:txBody>
+      </p:sp>
+      <p:sp>
+        <p:nvSpPr>
+          <p:cNvPr id="8" name="Text Placeholder 7">
+            <a:extLst>
+              <a:ext uri="{FF2B5EF4-FFF2-40B4-BE49-F238E27FC236}">
+                <a16:creationId xmlns:a16="http://schemas.microsoft.com/office/drawing/2014/main" id="{DB42CCAB-C8E2-48A8-A9DF-EB0383A8B33C}"/>
+              </a:ext>
+            </a:extLst>
+          </p:cNvPr>
+          <p:cNvSpPr>
+            <a:spLocks noGrp="1"/>
+          </p:cNvSpPr>
+          <p:nvPr>
+            <p:ph type="body" idx="1"/>
+          </p:nvPr>
+        </p:nvSpPr>
+        <p:spPr/>
+        <p:txBody>
+          <a:bodyPr/>
+          <a:lstStyle/>
+          <a:p>
+            <a:r>
+              <a:rPr lang="en-US" dirty="0"/>
+              <a:t>How to filter out the noise and model what really matters</a:t>
+            </a:r>
           </a:p>
         </p:txBody>
       </p:sp>
@@ -7365,7 +7631,7 @@
           <p:cNvPr id="4" name="Date Placeholder 3">
             <a:extLst>
               <a:ext uri="{FF2B5EF4-FFF2-40B4-BE49-F238E27FC236}">
-                <a16:creationId xmlns:a16="http://schemas.microsoft.com/office/drawing/2014/main" id="{540F37F1-4F33-429F-A568-1A3ADC499E54}"/>
+                <a16:creationId xmlns:a16="http://schemas.microsoft.com/office/drawing/2014/main" id="{1CA94ACB-62A5-4F09-8C21-F0CE9BFB1606}"/>
               </a:ext>
             </a:extLst>
           </p:cNvPr>
@@ -7381,9 +7647,9 @@
           <a:bodyPr/>
           <a:lstStyle/>
           <a:p>
-            <a:fld id="{B08FEED8-D7D4-44E9-BFBC-ED06B5996D94}" type="datetime4">
+            <a:fld id="{8AAE40A0-A7D8-4DC3-BC9E-BADA32DA2004}" type="datetime4">
               <a:rPr lang="en-US" smtClean="0"/>
-              <a:t>July 27, 2019</a:t>
+              <a:t>July 29, 2019</a:t>
             </a:fld>
             <a:endParaRPr lang="en-US" dirty="0"/>
           </a:p>
@@ -7394,7 +7660,7 @@
           <p:cNvPr id="5" name="Footer Placeholder 4">
             <a:extLst>
               <a:ext uri="{FF2B5EF4-FFF2-40B4-BE49-F238E27FC236}">
-                <a16:creationId xmlns:a16="http://schemas.microsoft.com/office/drawing/2014/main" id="{673FFA57-C126-4795-A5F6-DD33AAC5ACBD}"/>
+                <a16:creationId xmlns:a16="http://schemas.microsoft.com/office/drawing/2014/main" id="{D20B02B0-893D-4696-B6F7-A126B8D18E99}"/>
               </a:ext>
             </a:extLst>
           </p:cNvPr>
@@ -7451,7 +7717,7 @@
           <p:cNvPr id="6" name="Slide Number Placeholder 5">
             <a:extLst>
               <a:ext uri="{FF2B5EF4-FFF2-40B4-BE49-F238E27FC236}">
-                <a16:creationId xmlns:a16="http://schemas.microsoft.com/office/drawing/2014/main" id="{2FA49567-BB70-4798-8746-D0B522CCEE20}"/>
+                <a16:creationId xmlns:a16="http://schemas.microsoft.com/office/drawing/2014/main" id="{1CFDA495-0063-4571-8969-0DD770DB39E0}"/>
               </a:ext>
             </a:extLst>
           </p:cNvPr>
@@ -7478,7 +7744,7 @@
     </p:spTree>
     <p:extLst>
       <p:ext uri="{BB962C8B-B14F-4D97-AF65-F5344CB8AC3E}">
-        <p14:creationId xmlns:p14="http://schemas.microsoft.com/office/powerpoint/2010/main" val="528821766"/>
+        <p14:creationId xmlns:p14="http://schemas.microsoft.com/office/powerpoint/2010/main" val="2581962988"/>
       </p:ext>
     </p:extLst>
   </p:cSld>
@@ -7528,7 +7794,7 @@
           <a:p>
             <a:r>
               <a:rPr lang="en-US" dirty="0"/>
-              <a:t>PERIODIC COMPONENTS</a:t>
+              <a:t>TRENDS</a:t>
             </a:r>
           </a:p>
         </p:txBody>
@@ -7554,7 +7820,7 @@
           <a:bodyPr/>
           <a:lstStyle/>
           <a:p>
-            <a:endParaRPr lang="en-US" dirty="0"/>
+            <a:endParaRPr lang="en-US"/>
           </a:p>
         </p:txBody>
       </p:sp>
@@ -7581,7 +7847,7 @@
           <a:p>
             <a:fld id="{B08FEED8-D7D4-44E9-BFBC-ED06B5996D94}" type="datetime4">
               <a:rPr lang="en-US" smtClean="0"/>
-              <a:t>July 27, 2019</a:t>
+              <a:t>July 29, 2019</a:t>
             </a:fld>
             <a:endParaRPr lang="en-US" dirty="0"/>
           </a:p>
@@ -7676,7 +7942,7 @@
     </p:spTree>
     <p:extLst>
       <p:ext uri="{BB962C8B-B14F-4D97-AF65-F5344CB8AC3E}">
-        <p14:creationId xmlns:p14="http://schemas.microsoft.com/office/powerpoint/2010/main" val="2609791034"/>
+        <p14:creationId xmlns:p14="http://schemas.microsoft.com/office/powerpoint/2010/main" val="528821766"/>
       </p:ext>
     </p:extLst>
   </p:cSld>
@@ -7726,7 +7992,7 @@
           <a:p>
             <a:r>
               <a:rPr lang="en-US" dirty="0"/>
-              <a:t>HOLIDAYS</a:t>
+              <a:t>PERIODIC COMPONENTS</a:t>
             </a:r>
           </a:p>
         </p:txBody>
@@ -7779,7 +8045,7 @@
           <a:p>
             <a:fld id="{B08FEED8-D7D4-44E9-BFBC-ED06B5996D94}" type="datetime4">
               <a:rPr lang="en-US" smtClean="0"/>
-              <a:t>July 27, 2019</a:t>
+              <a:t>July 29, 2019</a:t>
             </a:fld>
             <a:endParaRPr lang="en-US" dirty="0"/>
           </a:p>
@@ -7874,7 +8140,7 @@
     </p:spTree>
     <p:extLst>
       <p:ext uri="{BB962C8B-B14F-4D97-AF65-F5344CB8AC3E}">
-        <p14:creationId xmlns:p14="http://schemas.microsoft.com/office/powerpoint/2010/main" val="391148097"/>
+        <p14:creationId xmlns:p14="http://schemas.microsoft.com/office/powerpoint/2010/main" val="2609791034"/>
       </p:ext>
     </p:extLst>
   </p:cSld>

--- a/tsa/Introduction to Time Series Analysis.pptx
+++ b/tsa/Introduction to Time Series Analysis.pptx
@@ -5,7 +5,7 @@
     <p:sldMasterId id="2147483707" r:id="rId1"/>
   </p:sldMasterIdLst>
   <p:notesMasterIdLst>
-    <p:notesMasterId r:id="rId24"/>
+    <p:notesMasterId r:id="rId28"/>
   </p:notesMasterIdLst>
   <p:sldIdLst>
     <p:sldId id="266" r:id="rId2"/>
@@ -15,21 +15,25 @@
     <p:sldId id="278" r:id="rId6"/>
     <p:sldId id="288" r:id="rId7"/>
     <p:sldId id="267" r:id="rId8"/>
-    <p:sldId id="270" r:id="rId9"/>
-    <p:sldId id="272" r:id="rId10"/>
-    <p:sldId id="277" r:id="rId11"/>
-    <p:sldId id="276" r:id="rId12"/>
-    <p:sldId id="273" r:id="rId13"/>
-    <p:sldId id="274" r:id="rId14"/>
-    <p:sldId id="275" r:id="rId15"/>
-    <p:sldId id="279" r:id="rId16"/>
-    <p:sldId id="280" r:id="rId17"/>
-    <p:sldId id="281" r:id="rId18"/>
-    <p:sldId id="282" r:id="rId19"/>
-    <p:sldId id="283" r:id="rId20"/>
-    <p:sldId id="284" r:id="rId21"/>
-    <p:sldId id="285" r:id="rId22"/>
-    <p:sldId id="268" r:id="rId23"/>
+    <p:sldId id="289" r:id="rId9"/>
+    <p:sldId id="270" r:id="rId10"/>
+    <p:sldId id="272" r:id="rId11"/>
+    <p:sldId id="292" r:id="rId12"/>
+    <p:sldId id="294" r:id="rId13"/>
+    <p:sldId id="295" r:id="rId14"/>
+    <p:sldId id="277" r:id="rId15"/>
+    <p:sldId id="276" r:id="rId16"/>
+    <p:sldId id="273" r:id="rId17"/>
+    <p:sldId id="274" r:id="rId18"/>
+    <p:sldId id="275" r:id="rId19"/>
+    <p:sldId id="279" r:id="rId20"/>
+    <p:sldId id="280" r:id="rId21"/>
+    <p:sldId id="281" r:id="rId22"/>
+    <p:sldId id="282" r:id="rId23"/>
+    <p:sldId id="283" r:id="rId24"/>
+    <p:sldId id="284" r:id="rId25"/>
+    <p:sldId id="285" r:id="rId26"/>
+    <p:sldId id="268" r:id="rId27"/>
   </p:sldIdLst>
   <p:sldSz cx="12192000" cy="6858000"/>
   <p:notesSz cx="6858000" cy="9144000"/>
@@ -3901,7 +3905,7 @@
           <a:p>
             <a:r>
               <a:rPr lang="en-US" dirty="0"/>
-              <a:t>HOLIDAYS</a:t>
+              <a:t>PERIODIC COMPONENTS</a:t>
             </a:r>
           </a:p>
         </p:txBody>
@@ -3927,7 +3931,16 @@
           <a:bodyPr/>
           <a:lstStyle/>
           <a:p>
-            <a:endParaRPr lang="en-US" dirty="0"/>
+            <a:r>
+              <a:rPr lang="en-US" dirty="0"/>
+              <a:t>Cycles that repeat</a:t>
+            </a:r>
+          </a:p>
+          <a:p>
+            <a:r>
+              <a:rPr lang="en-US" dirty="0"/>
+              <a:t>Commonly by month, day of week, day of year, etc.</a:t>
+            </a:r>
           </a:p>
         </p:txBody>
       </p:sp>
@@ -4049,7 +4062,7 @@
     </p:spTree>
     <p:extLst>
       <p:ext uri="{BB962C8B-B14F-4D97-AF65-F5344CB8AC3E}">
-        <p14:creationId xmlns:p14="http://schemas.microsoft.com/office/powerpoint/2010/main" val="391148097"/>
+        <p14:creationId xmlns:p14="http://schemas.microsoft.com/office/powerpoint/2010/main" val="2609791034"/>
       </p:ext>
     </p:extLst>
   </p:cSld>
@@ -4099,33 +4112,8 @@
           <a:p>
             <a:r>
               <a:rPr lang="en-US" dirty="0"/>
-              <a:t>WHITE NOISE</a:t>
-            </a:r>
-          </a:p>
-        </p:txBody>
-      </p:sp>
-      <p:sp>
-        <p:nvSpPr>
-          <p:cNvPr id="8" name="Content Placeholder 7">
-            <a:extLst>
-              <a:ext uri="{FF2B5EF4-FFF2-40B4-BE49-F238E27FC236}">
-                <a16:creationId xmlns:a16="http://schemas.microsoft.com/office/drawing/2014/main" id="{2BED3EB3-7E98-4A82-8335-7321D9E37B16}"/>
-              </a:ext>
-            </a:extLst>
-          </p:cNvPr>
-          <p:cNvSpPr>
-            <a:spLocks noGrp="1"/>
-          </p:cNvSpPr>
-          <p:nvPr>
-            <p:ph idx="1"/>
-          </p:nvPr>
-        </p:nvSpPr>
-        <p:spPr/>
-        <p:txBody>
-          <a:bodyPr/>
-          <a:lstStyle/>
-          <a:p>
-            <a:endParaRPr lang="en-US" dirty="0"/>
+              <a:t>BY HOUR OF DAY</a:t>
+            </a:r>
           </a:p>
         </p:txBody>
       </p:sp>
@@ -4244,10 +4232,40 @@
           </a:p>
         </p:txBody>
       </p:sp>
+      <p:pic>
+        <p:nvPicPr>
+          <p:cNvPr id="3" name="Picture 2" descr="A picture containing wall, photo&#10;&#10;Description automatically generated">
+            <a:extLst>
+              <a:ext uri="{FF2B5EF4-FFF2-40B4-BE49-F238E27FC236}">
+                <a16:creationId xmlns:a16="http://schemas.microsoft.com/office/drawing/2014/main" id="{EBB4BA44-0590-403D-983E-E588E89747FB}"/>
+              </a:ext>
+            </a:extLst>
+          </p:cNvPr>
+          <p:cNvPicPr>
+            <a:picLocks noChangeAspect="1"/>
+          </p:cNvPicPr>
+          <p:nvPr/>
+        </p:nvPicPr>
+        <p:blipFill>
+          <a:blip r:embed="rId2"/>
+          <a:stretch>
+            <a:fillRect/>
+          </a:stretch>
+        </p:blipFill>
+        <p:spPr>
+          <a:xfrm>
+            <a:off x="2318836" y="1605064"/>
+            <a:ext cx="6761123" cy="4507415"/>
+          </a:xfrm>
+          <a:prstGeom prst="rect">
+            <a:avLst/>
+          </a:prstGeom>
+        </p:spPr>
+      </p:pic>
     </p:spTree>
     <p:extLst>
       <p:ext uri="{BB962C8B-B14F-4D97-AF65-F5344CB8AC3E}">
-        <p14:creationId xmlns:p14="http://schemas.microsoft.com/office/powerpoint/2010/main" val="4091772932"/>
+        <p14:creationId xmlns:p14="http://schemas.microsoft.com/office/powerpoint/2010/main" val="52814363"/>
       </p:ext>
     </p:extLst>
   </p:cSld>
@@ -4279,7 +4297,7 @@
           <p:cNvPr id="7" name="Title 6">
             <a:extLst>
               <a:ext uri="{FF2B5EF4-FFF2-40B4-BE49-F238E27FC236}">
-                <a16:creationId xmlns:a16="http://schemas.microsoft.com/office/drawing/2014/main" id="{184E2338-1026-45D4-9455-B21A88F18B28}"/>
+                <a16:creationId xmlns:a16="http://schemas.microsoft.com/office/drawing/2014/main" id="{495B4BC0-844B-4414-A623-BEF78AAC1BA1}"/>
               </a:ext>
             </a:extLst>
           </p:cNvPr>
@@ -4297,42 +4315,7 @@
           <a:p>
             <a:r>
               <a:rPr lang="en-US" dirty="0"/>
-              <a:t>HOW TO MAKE YOUR</a:t>
-            </a:r>
-            <a:br>
-              <a:rPr lang="en-US" dirty="0"/>
-            </a:br>
-            <a:r>
-              <a:rPr lang="en-US" dirty="0"/>
-              <a:t>DATA STATIONARY</a:t>
-            </a:r>
-          </a:p>
-        </p:txBody>
-      </p:sp>
-      <p:sp>
-        <p:nvSpPr>
-          <p:cNvPr id="8" name="Text Placeholder 7">
-            <a:extLst>
-              <a:ext uri="{FF2B5EF4-FFF2-40B4-BE49-F238E27FC236}">
-                <a16:creationId xmlns:a16="http://schemas.microsoft.com/office/drawing/2014/main" id="{DB42CCAB-C8E2-48A8-A9DF-EB0383A8B33C}"/>
-              </a:ext>
-            </a:extLst>
-          </p:cNvPr>
-          <p:cNvSpPr>
-            <a:spLocks noGrp="1"/>
-          </p:cNvSpPr>
-          <p:nvPr>
-            <p:ph type="body" idx="1"/>
-          </p:nvPr>
-        </p:nvSpPr>
-        <p:spPr/>
-        <p:txBody>
-          <a:bodyPr/>
-          <a:lstStyle/>
-          <a:p>
-            <a:r>
-              <a:rPr lang="en-US" dirty="0"/>
-              <a:t>Make your data appetizing for modeling</a:t>
+              <a:t>BY DAY OF MONTH</a:t>
             </a:r>
           </a:p>
         </p:txBody>
@@ -4342,7 +4325,7 @@
           <p:cNvPr id="4" name="Date Placeholder 3">
             <a:extLst>
               <a:ext uri="{FF2B5EF4-FFF2-40B4-BE49-F238E27FC236}">
-                <a16:creationId xmlns:a16="http://schemas.microsoft.com/office/drawing/2014/main" id="{1CA94ACB-62A5-4F09-8C21-F0CE9BFB1606}"/>
+                <a16:creationId xmlns:a16="http://schemas.microsoft.com/office/drawing/2014/main" id="{540F37F1-4F33-429F-A568-1A3ADC499E54}"/>
               </a:ext>
             </a:extLst>
           </p:cNvPr>
@@ -4358,7 +4341,7 @@
           <a:bodyPr/>
           <a:lstStyle/>
           <a:p>
-            <a:fld id="{8AAE40A0-A7D8-4DC3-BC9E-BADA32DA2004}" type="datetime4">
+            <a:fld id="{B08FEED8-D7D4-44E9-BFBC-ED06B5996D94}" type="datetime4">
               <a:rPr lang="en-US" smtClean="0"/>
               <a:t>July 29, 2019</a:t>
             </a:fld>
@@ -4371,7 +4354,7 @@
           <p:cNvPr id="5" name="Footer Placeholder 4">
             <a:extLst>
               <a:ext uri="{FF2B5EF4-FFF2-40B4-BE49-F238E27FC236}">
-                <a16:creationId xmlns:a16="http://schemas.microsoft.com/office/drawing/2014/main" id="{D20B02B0-893D-4696-B6F7-A126B8D18E99}"/>
+                <a16:creationId xmlns:a16="http://schemas.microsoft.com/office/drawing/2014/main" id="{673FFA57-C126-4795-A5F6-DD33AAC5ACBD}"/>
               </a:ext>
             </a:extLst>
           </p:cNvPr>
@@ -4428,7 +4411,7 @@
           <p:cNvPr id="6" name="Slide Number Placeholder 5">
             <a:extLst>
               <a:ext uri="{FF2B5EF4-FFF2-40B4-BE49-F238E27FC236}">
-                <a16:creationId xmlns:a16="http://schemas.microsoft.com/office/drawing/2014/main" id="{1CFDA495-0063-4571-8969-0DD770DB39E0}"/>
+                <a16:creationId xmlns:a16="http://schemas.microsoft.com/office/drawing/2014/main" id="{2FA49567-BB70-4798-8746-D0B522CCEE20}"/>
               </a:ext>
             </a:extLst>
           </p:cNvPr>
@@ -4452,10 +4435,39 @@
           </a:p>
         </p:txBody>
       </p:sp>
+      <p:pic>
+        <p:nvPicPr>
+          <p:cNvPr id="3" name="Picture 2">
+            <a:extLst>
+              <a:ext uri="{FF2B5EF4-FFF2-40B4-BE49-F238E27FC236}">
+                <a16:creationId xmlns:a16="http://schemas.microsoft.com/office/drawing/2014/main" id="{EBB4BA44-0590-403D-983E-E588E89747FB}"/>
+              </a:ext>
+            </a:extLst>
+          </p:cNvPr>
+          <p:cNvPicPr>
+            <a:picLocks noChangeAspect="1"/>
+          </p:cNvPicPr>
+          <p:nvPr/>
+        </p:nvPicPr>
+        <p:blipFill>
+          <a:blip r:embed="rId2"/>
+          <a:srcRect/>
+          <a:stretch/>
+        </p:blipFill>
+        <p:spPr>
+          <a:xfrm>
+            <a:off x="2333427" y="1605064"/>
+            <a:ext cx="6761122" cy="4507415"/>
+          </a:xfrm>
+          <a:prstGeom prst="rect">
+            <a:avLst/>
+          </a:prstGeom>
+        </p:spPr>
+      </p:pic>
     </p:spTree>
     <p:extLst>
       <p:ext uri="{BB962C8B-B14F-4D97-AF65-F5344CB8AC3E}">
-        <p14:creationId xmlns:p14="http://schemas.microsoft.com/office/powerpoint/2010/main" val="3850339889"/>
+        <p14:creationId xmlns:p14="http://schemas.microsoft.com/office/powerpoint/2010/main" val="346064355"/>
       </p:ext>
     </p:extLst>
   </p:cSld>
@@ -4505,33 +4517,8 @@
           <a:p>
             <a:r>
               <a:rPr lang="en-US" dirty="0"/>
-              <a:t>STATIONARITY</a:t>
-            </a:r>
-          </a:p>
-        </p:txBody>
-      </p:sp>
-      <p:sp>
-        <p:nvSpPr>
-          <p:cNvPr id="8" name="Content Placeholder 7">
-            <a:extLst>
-              <a:ext uri="{FF2B5EF4-FFF2-40B4-BE49-F238E27FC236}">
-                <a16:creationId xmlns:a16="http://schemas.microsoft.com/office/drawing/2014/main" id="{2BED3EB3-7E98-4A82-8335-7321D9E37B16}"/>
-              </a:ext>
-            </a:extLst>
-          </p:cNvPr>
-          <p:cNvSpPr>
-            <a:spLocks noGrp="1"/>
-          </p:cNvSpPr>
-          <p:nvPr>
-            <p:ph idx="1"/>
-          </p:nvPr>
-        </p:nvSpPr>
-        <p:spPr/>
-        <p:txBody>
-          <a:bodyPr/>
-          <a:lstStyle/>
-          <a:p>
-            <a:endParaRPr lang="en-US" dirty="0"/>
+              <a:t>BY MONTH</a:t>
+            </a:r>
           </a:p>
         </p:txBody>
       </p:sp>
@@ -4650,10 +4637,39 @@
           </a:p>
         </p:txBody>
       </p:sp>
+      <p:pic>
+        <p:nvPicPr>
+          <p:cNvPr id="3" name="Picture 2">
+            <a:extLst>
+              <a:ext uri="{FF2B5EF4-FFF2-40B4-BE49-F238E27FC236}">
+                <a16:creationId xmlns:a16="http://schemas.microsoft.com/office/drawing/2014/main" id="{EBB4BA44-0590-403D-983E-E588E89747FB}"/>
+              </a:ext>
+            </a:extLst>
+          </p:cNvPr>
+          <p:cNvPicPr>
+            <a:picLocks noChangeAspect="1"/>
+          </p:cNvPicPr>
+          <p:nvPr/>
+        </p:nvPicPr>
+        <p:blipFill>
+          <a:blip r:embed="rId2"/>
+          <a:srcRect/>
+          <a:stretch/>
+        </p:blipFill>
+        <p:spPr>
+          <a:xfrm>
+            <a:off x="2333427" y="1605064"/>
+            <a:ext cx="6761122" cy="4507414"/>
+          </a:xfrm>
+          <a:prstGeom prst="rect">
+            <a:avLst/>
+          </a:prstGeom>
+        </p:spPr>
+      </p:pic>
     </p:spTree>
     <p:extLst>
       <p:ext uri="{BB962C8B-B14F-4D97-AF65-F5344CB8AC3E}">
-        <p14:creationId xmlns:p14="http://schemas.microsoft.com/office/powerpoint/2010/main" val="3590493067"/>
+        <p14:creationId xmlns:p14="http://schemas.microsoft.com/office/powerpoint/2010/main" val="1634378516"/>
       </p:ext>
     </p:extLst>
   </p:cSld>
@@ -4703,7 +4719,7 @@
           <a:p>
             <a:r>
               <a:rPr lang="en-US" dirty="0"/>
-              <a:t>DETRENDING</a:t>
+              <a:t>HOLIDAYS</a:t>
             </a:r>
           </a:p>
         </p:txBody>
@@ -4851,7 +4867,7 @@
     </p:spTree>
     <p:extLst>
       <p:ext uri="{BB962C8B-B14F-4D97-AF65-F5344CB8AC3E}">
-        <p14:creationId xmlns:p14="http://schemas.microsoft.com/office/powerpoint/2010/main" val="4109370477"/>
+        <p14:creationId xmlns:p14="http://schemas.microsoft.com/office/powerpoint/2010/main" val="391148097"/>
       </p:ext>
     </p:extLst>
   </p:cSld>
@@ -4880,10 +4896,10 @@
       </p:grpSpPr>
       <p:sp>
         <p:nvSpPr>
-          <p:cNvPr id="2" name="Title 1">
-            <a:extLst>
-              <a:ext uri="{FF2B5EF4-FFF2-40B4-BE49-F238E27FC236}">
-                <a16:creationId xmlns:a16="http://schemas.microsoft.com/office/drawing/2014/main" id="{A694862C-8B28-4EF5-9C6F-0187B05C2B03}"/>
+          <p:cNvPr id="7" name="Title 6">
+            <a:extLst>
+              <a:ext uri="{FF2B5EF4-FFF2-40B4-BE49-F238E27FC236}">
+                <a16:creationId xmlns:a16="http://schemas.microsoft.com/office/drawing/2014/main" id="{495B4BC0-844B-4414-A623-BEF78AAC1BA1}"/>
               </a:ext>
             </a:extLst>
           </p:cNvPr>
@@ -4901,17 +4917,17 @@
           <a:p>
             <a:r>
               <a:rPr lang="en-US" dirty="0"/>
-              <a:t>LAGGING</a:t>
-            </a:r>
-          </a:p>
-        </p:txBody>
-      </p:sp>
-      <p:sp>
-        <p:nvSpPr>
-          <p:cNvPr id="3" name="Content Placeholder 2">
-            <a:extLst>
-              <a:ext uri="{FF2B5EF4-FFF2-40B4-BE49-F238E27FC236}">
-                <a16:creationId xmlns:a16="http://schemas.microsoft.com/office/drawing/2014/main" id="{5DFC40A6-4344-46B7-89C4-4E16031C9B39}"/>
+              <a:t>WHITE NOISE</a:t>
+            </a:r>
+          </a:p>
+        </p:txBody>
+      </p:sp>
+      <p:sp>
+        <p:nvSpPr>
+          <p:cNvPr id="8" name="Content Placeholder 7">
+            <a:extLst>
+              <a:ext uri="{FF2B5EF4-FFF2-40B4-BE49-F238E27FC236}">
+                <a16:creationId xmlns:a16="http://schemas.microsoft.com/office/drawing/2014/main" id="{2BED3EB3-7E98-4A82-8335-7321D9E37B16}"/>
               </a:ext>
             </a:extLst>
           </p:cNvPr>
@@ -4927,7 +4943,7 @@
           <a:bodyPr/>
           <a:lstStyle/>
           <a:p>
-            <a:endParaRPr lang="en-US"/>
+            <a:endParaRPr lang="en-US" dirty="0"/>
           </a:p>
         </p:txBody>
       </p:sp>
@@ -4936,7 +4952,7 @@
           <p:cNvPr id="4" name="Date Placeholder 3">
             <a:extLst>
               <a:ext uri="{FF2B5EF4-FFF2-40B4-BE49-F238E27FC236}">
-                <a16:creationId xmlns:a16="http://schemas.microsoft.com/office/drawing/2014/main" id="{ADEE79BB-4734-4439-A76F-2976CABC29C1}"/>
+                <a16:creationId xmlns:a16="http://schemas.microsoft.com/office/drawing/2014/main" id="{540F37F1-4F33-429F-A568-1A3ADC499E54}"/>
               </a:ext>
             </a:extLst>
           </p:cNvPr>
@@ -4952,7 +4968,7 @@
           <a:bodyPr/>
           <a:lstStyle/>
           <a:p>
-            <a:fld id="{8AAE40A0-A7D8-4DC3-BC9E-BADA32DA2004}" type="datetime4">
+            <a:fld id="{B08FEED8-D7D4-44E9-BFBC-ED06B5996D94}" type="datetime4">
               <a:rPr lang="en-US" smtClean="0"/>
               <a:t>July 29, 2019</a:t>
             </a:fld>
@@ -4965,7 +4981,7 @@
           <p:cNvPr id="5" name="Footer Placeholder 4">
             <a:extLst>
               <a:ext uri="{FF2B5EF4-FFF2-40B4-BE49-F238E27FC236}">
-                <a16:creationId xmlns:a16="http://schemas.microsoft.com/office/drawing/2014/main" id="{14093F74-35B5-4B3E-BE77-B47F35290D05}"/>
+                <a16:creationId xmlns:a16="http://schemas.microsoft.com/office/drawing/2014/main" id="{673FFA57-C126-4795-A5F6-DD33AAC5ACBD}"/>
               </a:ext>
             </a:extLst>
           </p:cNvPr>
@@ -5022,7 +5038,7 @@
           <p:cNvPr id="6" name="Slide Number Placeholder 5">
             <a:extLst>
               <a:ext uri="{FF2B5EF4-FFF2-40B4-BE49-F238E27FC236}">
-                <a16:creationId xmlns:a16="http://schemas.microsoft.com/office/drawing/2014/main" id="{76F6E8AA-9A3E-467A-A16A-CED9E58CFA80}"/>
+                <a16:creationId xmlns:a16="http://schemas.microsoft.com/office/drawing/2014/main" id="{2FA49567-BB70-4798-8746-D0B522CCEE20}"/>
               </a:ext>
             </a:extLst>
           </p:cNvPr>
@@ -5049,7 +5065,7 @@
     </p:spTree>
     <p:extLst>
       <p:ext uri="{BB962C8B-B14F-4D97-AF65-F5344CB8AC3E}">
-        <p14:creationId xmlns:p14="http://schemas.microsoft.com/office/powerpoint/2010/main" val="3805551099"/>
+        <p14:creationId xmlns:p14="http://schemas.microsoft.com/office/powerpoint/2010/main" val="4091772932"/>
       </p:ext>
     </p:extLst>
   </p:cSld>
@@ -5078,10 +5094,10 @@
       </p:grpSpPr>
       <p:sp>
         <p:nvSpPr>
-          <p:cNvPr id="2" name="Title 1">
-            <a:extLst>
-              <a:ext uri="{FF2B5EF4-FFF2-40B4-BE49-F238E27FC236}">
-                <a16:creationId xmlns:a16="http://schemas.microsoft.com/office/drawing/2014/main" id="{84FE5820-4288-4CB6-888A-5CBF5468888C}"/>
+          <p:cNvPr id="7" name="Title 6">
+            <a:extLst>
+              <a:ext uri="{FF2B5EF4-FFF2-40B4-BE49-F238E27FC236}">
+                <a16:creationId xmlns:a16="http://schemas.microsoft.com/office/drawing/2014/main" id="{184E2338-1026-45D4-9455-B21A88F18B28}"/>
               </a:ext>
             </a:extLst>
           </p:cNvPr>
@@ -5099,33 +5115,43 @@
           <a:p>
             <a:r>
               <a:rPr lang="en-US" dirty="0"/>
-              <a:t>LAGGED SCATTERPLOTS</a:t>
-            </a:r>
-          </a:p>
-        </p:txBody>
-      </p:sp>
-      <p:sp>
-        <p:nvSpPr>
-          <p:cNvPr id="3" name="Content Placeholder 2">
-            <a:extLst>
-              <a:ext uri="{FF2B5EF4-FFF2-40B4-BE49-F238E27FC236}">
-                <a16:creationId xmlns:a16="http://schemas.microsoft.com/office/drawing/2014/main" id="{2952943F-FC31-4BE3-AB00-BAB4B12957BE}"/>
-              </a:ext>
-            </a:extLst>
-          </p:cNvPr>
-          <p:cNvSpPr>
-            <a:spLocks noGrp="1"/>
-          </p:cNvSpPr>
-          <p:nvPr>
-            <p:ph idx="1"/>
-          </p:nvPr>
-        </p:nvSpPr>
-        <p:spPr/>
-        <p:txBody>
-          <a:bodyPr/>
-          <a:lstStyle/>
-          <a:p>
-            <a:endParaRPr lang="en-US" dirty="0"/>
+              <a:t>HOW TO MAKE YOUR</a:t>
+            </a:r>
+            <a:br>
+              <a:rPr lang="en-US" dirty="0"/>
+            </a:br>
+            <a:r>
+              <a:rPr lang="en-US" dirty="0"/>
+              <a:t>DATA STATIONARY</a:t>
+            </a:r>
+          </a:p>
+        </p:txBody>
+      </p:sp>
+      <p:sp>
+        <p:nvSpPr>
+          <p:cNvPr id="8" name="Text Placeholder 7">
+            <a:extLst>
+              <a:ext uri="{FF2B5EF4-FFF2-40B4-BE49-F238E27FC236}">
+                <a16:creationId xmlns:a16="http://schemas.microsoft.com/office/drawing/2014/main" id="{DB42CCAB-C8E2-48A8-A9DF-EB0383A8B33C}"/>
+              </a:ext>
+            </a:extLst>
+          </p:cNvPr>
+          <p:cNvSpPr>
+            <a:spLocks noGrp="1"/>
+          </p:cNvSpPr>
+          <p:nvPr>
+            <p:ph type="body" idx="1"/>
+          </p:nvPr>
+        </p:nvSpPr>
+        <p:spPr/>
+        <p:txBody>
+          <a:bodyPr/>
+          <a:lstStyle/>
+          <a:p>
+            <a:r>
+              <a:rPr lang="en-US" dirty="0"/>
+              <a:t>Make your data appetizing for modeling</a:t>
+            </a:r>
           </a:p>
         </p:txBody>
       </p:sp>
@@ -5134,7 +5160,7 @@
           <p:cNvPr id="4" name="Date Placeholder 3">
             <a:extLst>
               <a:ext uri="{FF2B5EF4-FFF2-40B4-BE49-F238E27FC236}">
-                <a16:creationId xmlns:a16="http://schemas.microsoft.com/office/drawing/2014/main" id="{F716348B-D7FE-46ED-8C48-CF5A55FF31CF}"/>
+                <a16:creationId xmlns:a16="http://schemas.microsoft.com/office/drawing/2014/main" id="{1CA94ACB-62A5-4F09-8C21-F0CE9BFB1606}"/>
               </a:ext>
             </a:extLst>
           </p:cNvPr>
@@ -5163,7 +5189,7 @@
           <p:cNvPr id="5" name="Footer Placeholder 4">
             <a:extLst>
               <a:ext uri="{FF2B5EF4-FFF2-40B4-BE49-F238E27FC236}">
-                <a16:creationId xmlns:a16="http://schemas.microsoft.com/office/drawing/2014/main" id="{34059279-A1E7-4F19-B4BF-8C6B59A4CEFF}"/>
+                <a16:creationId xmlns:a16="http://schemas.microsoft.com/office/drawing/2014/main" id="{D20B02B0-893D-4696-B6F7-A126B8D18E99}"/>
               </a:ext>
             </a:extLst>
           </p:cNvPr>
@@ -5220,7 +5246,7 @@
           <p:cNvPr id="6" name="Slide Number Placeholder 5">
             <a:extLst>
               <a:ext uri="{FF2B5EF4-FFF2-40B4-BE49-F238E27FC236}">
-                <a16:creationId xmlns:a16="http://schemas.microsoft.com/office/drawing/2014/main" id="{DE722C41-7366-4DE2-9AF4-E75E189A7733}"/>
+                <a16:creationId xmlns:a16="http://schemas.microsoft.com/office/drawing/2014/main" id="{1CFDA495-0063-4571-8969-0DD770DB39E0}"/>
               </a:ext>
             </a:extLst>
           </p:cNvPr>
@@ -5247,7 +5273,7 @@
     </p:spTree>
     <p:extLst>
       <p:ext uri="{BB962C8B-B14F-4D97-AF65-F5344CB8AC3E}">
-        <p14:creationId xmlns:p14="http://schemas.microsoft.com/office/powerpoint/2010/main" val="2399367561"/>
+        <p14:creationId xmlns:p14="http://schemas.microsoft.com/office/powerpoint/2010/main" val="3850339889"/>
       </p:ext>
     </p:extLst>
   </p:cSld>
@@ -5279,7 +5305,7 @@
           <p:cNvPr id="7" name="Title 6">
             <a:extLst>
               <a:ext uri="{FF2B5EF4-FFF2-40B4-BE49-F238E27FC236}">
-                <a16:creationId xmlns:a16="http://schemas.microsoft.com/office/drawing/2014/main" id="{7802FB34-7510-47BC-8952-A1FE9728B0BF}"/>
+                <a16:creationId xmlns:a16="http://schemas.microsoft.com/office/drawing/2014/main" id="{495B4BC0-844B-4414-A623-BEF78AAC1BA1}"/>
               </a:ext>
             </a:extLst>
           </p:cNvPr>
@@ -5297,36 +5323,33 @@
           <a:p>
             <a:r>
               <a:rPr lang="en-US" dirty="0"/>
-              <a:t>ARIMA MODELS</a:t>
-            </a:r>
-          </a:p>
-        </p:txBody>
-      </p:sp>
-      <p:sp>
-        <p:nvSpPr>
-          <p:cNvPr id="8" name="Text Placeholder 7">
-            <a:extLst>
-              <a:ext uri="{FF2B5EF4-FFF2-40B4-BE49-F238E27FC236}">
-                <a16:creationId xmlns:a16="http://schemas.microsoft.com/office/drawing/2014/main" id="{FCA70F1A-579E-4144-AE97-14FFC08FF0F5}"/>
-              </a:ext>
-            </a:extLst>
-          </p:cNvPr>
-          <p:cNvSpPr>
-            <a:spLocks noGrp="1"/>
-          </p:cNvSpPr>
-          <p:nvPr>
-            <p:ph type="body" idx="1"/>
-          </p:nvPr>
-        </p:nvSpPr>
-        <p:spPr/>
-        <p:txBody>
-          <a:bodyPr/>
-          <a:lstStyle/>
-          <a:p>
-            <a:r>
-              <a:rPr lang="en-US" dirty="0"/>
-              <a:t>Interpretable, simple and speedy time series modeling</a:t>
-            </a:r>
+              <a:t>STATIONARITY</a:t>
+            </a:r>
+          </a:p>
+        </p:txBody>
+      </p:sp>
+      <p:sp>
+        <p:nvSpPr>
+          <p:cNvPr id="8" name="Content Placeholder 7">
+            <a:extLst>
+              <a:ext uri="{FF2B5EF4-FFF2-40B4-BE49-F238E27FC236}">
+                <a16:creationId xmlns:a16="http://schemas.microsoft.com/office/drawing/2014/main" id="{2BED3EB3-7E98-4A82-8335-7321D9E37B16}"/>
+              </a:ext>
+            </a:extLst>
+          </p:cNvPr>
+          <p:cNvSpPr>
+            <a:spLocks noGrp="1"/>
+          </p:cNvSpPr>
+          <p:nvPr>
+            <p:ph idx="1"/>
+          </p:nvPr>
+        </p:nvSpPr>
+        <p:spPr/>
+        <p:txBody>
+          <a:bodyPr/>
+          <a:lstStyle/>
+          <a:p>
+            <a:endParaRPr lang="en-US" dirty="0"/>
           </a:p>
         </p:txBody>
       </p:sp>
@@ -5335,7 +5358,7 @@
           <p:cNvPr id="4" name="Date Placeholder 3">
             <a:extLst>
               <a:ext uri="{FF2B5EF4-FFF2-40B4-BE49-F238E27FC236}">
-                <a16:creationId xmlns:a16="http://schemas.microsoft.com/office/drawing/2014/main" id="{3AD929EF-0967-4B34-81B8-24D9EF91892E}"/>
+                <a16:creationId xmlns:a16="http://schemas.microsoft.com/office/drawing/2014/main" id="{540F37F1-4F33-429F-A568-1A3ADC499E54}"/>
               </a:ext>
             </a:extLst>
           </p:cNvPr>
@@ -5351,7 +5374,7 @@
           <a:bodyPr/>
           <a:lstStyle/>
           <a:p>
-            <a:fld id="{8AAE40A0-A7D8-4DC3-BC9E-BADA32DA2004}" type="datetime4">
+            <a:fld id="{B08FEED8-D7D4-44E9-BFBC-ED06B5996D94}" type="datetime4">
               <a:rPr lang="en-US" smtClean="0"/>
               <a:t>July 29, 2019</a:t>
             </a:fld>
@@ -5364,7 +5387,7 @@
           <p:cNvPr id="5" name="Footer Placeholder 4">
             <a:extLst>
               <a:ext uri="{FF2B5EF4-FFF2-40B4-BE49-F238E27FC236}">
-                <a16:creationId xmlns:a16="http://schemas.microsoft.com/office/drawing/2014/main" id="{3B5B35DD-F2EA-40D3-8039-8CD3802B2612}"/>
+                <a16:creationId xmlns:a16="http://schemas.microsoft.com/office/drawing/2014/main" id="{673FFA57-C126-4795-A5F6-DD33AAC5ACBD}"/>
               </a:ext>
             </a:extLst>
           </p:cNvPr>
@@ -5421,7 +5444,7 @@
           <p:cNvPr id="6" name="Slide Number Placeholder 5">
             <a:extLst>
               <a:ext uri="{FF2B5EF4-FFF2-40B4-BE49-F238E27FC236}">
-                <a16:creationId xmlns:a16="http://schemas.microsoft.com/office/drawing/2014/main" id="{C3EB9A57-323C-47F5-867F-693F95A15FA4}"/>
+                <a16:creationId xmlns:a16="http://schemas.microsoft.com/office/drawing/2014/main" id="{2FA49567-BB70-4798-8746-D0B522CCEE20}"/>
               </a:ext>
             </a:extLst>
           </p:cNvPr>
@@ -5448,7 +5471,7 @@
     </p:spTree>
     <p:extLst>
       <p:ext uri="{BB962C8B-B14F-4D97-AF65-F5344CB8AC3E}">
-        <p14:creationId xmlns:p14="http://schemas.microsoft.com/office/powerpoint/2010/main" val="107865345"/>
+        <p14:creationId xmlns:p14="http://schemas.microsoft.com/office/powerpoint/2010/main" val="3590493067"/>
       </p:ext>
     </p:extLst>
   </p:cSld>
@@ -5480,7 +5503,7 @@
           <p:cNvPr id="7" name="Title 6">
             <a:extLst>
               <a:ext uri="{FF2B5EF4-FFF2-40B4-BE49-F238E27FC236}">
-                <a16:creationId xmlns:a16="http://schemas.microsoft.com/office/drawing/2014/main" id="{75C0DCD3-95F8-4E1F-BF1A-5FAAB84A40A3}"/>
+                <a16:creationId xmlns:a16="http://schemas.microsoft.com/office/drawing/2014/main" id="{495B4BC0-844B-4414-A623-BEF78AAC1BA1}"/>
               </a:ext>
             </a:extLst>
           </p:cNvPr>
@@ -5498,7 +5521,7 @@
           <a:p>
             <a:r>
               <a:rPr lang="en-US" dirty="0"/>
-              <a:t>ARIMA</a:t>
+              <a:t>DETRENDING</a:t>
             </a:r>
           </a:p>
         </p:txBody>
@@ -5508,7 +5531,7 @@
           <p:cNvPr id="8" name="Content Placeholder 7">
             <a:extLst>
               <a:ext uri="{FF2B5EF4-FFF2-40B4-BE49-F238E27FC236}">
-                <a16:creationId xmlns:a16="http://schemas.microsoft.com/office/drawing/2014/main" id="{52BB1FAB-BB61-4B66-A4EA-A0EABC2B3ECA}"/>
+                <a16:creationId xmlns:a16="http://schemas.microsoft.com/office/drawing/2014/main" id="{2BED3EB3-7E98-4A82-8335-7321D9E37B16}"/>
               </a:ext>
             </a:extLst>
           </p:cNvPr>
@@ -5524,7 +5547,7 @@
           <a:bodyPr/>
           <a:lstStyle/>
           <a:p>
-            <a:endParaRPr lang="en-US"/>
+            <a:endParaRPr lang="en-US" dirty="0"/>
           </a:p>
         </p:txBody>
       </p:sp>
@@ -5533,7 +5556,7 @@
           <p:cNvPr id="4" name="Date Placeholder 3">
             <a:extLst>
               <a:ext uri="{FF2B5EF4-FFF2-40B4-BE49-F238E27FC236}">
-                <a16:creationId xmlns:a16="http://schemas.microsoft.com/office/drawing/2014/main" id="{02256D86-7CE0-416E-B2A3-402D20EE9E90}"/>
+                <a16:creationId xmlns:a16="http://schemas.microsoft.com/office/drawing/2014/main" id="{540F37F1-4F33-429F-A568-1A3ADC499E54}"/>
               </a:ext>
             </a:extLst>
           </p:cNvPr>
@@ -5562,7 +5585,7 @@
           <p:cNvPr id="5" name="Footer Placeholder 4">
             <a:extLst>
               <a:ext uri="{FF2B5EF4-FFF2-40B4-BE49-F238E27FC236}">
-                <a16:creationId xmlns:a16="http://schemas.microsoft.com/office/drawing/2014/main" id="{1D4ED112-7CF4-4BB9-B46E-B366A5054A9A}"/>
+                <a16:creationId xmlns:a16="http://schemas.microsoft.com/office/drawing/2014/main" id="{673FFA57-C126-4795-A5F6-DD33AAC5ACBD}"/>
               </a:ext>
             </a:extLst>
           </p:cNvPr>
@@ -5619,7 +5642,7 @@
           <p:cNvPr id="6" name="Slide Number Placeholder 5">
             <a:extLst>
               <a:ext uri="{FF2B5EF4-FFF2-40B4-BE49-F238E27FC236}">
-                <a16:creationId xmlns:a16="http://schemas.microsoft.com/office/drawing/2014/main" id="{8CC75551-85BF-4C9F-8893-AA28ECA8A6B5}"/>
+                <a16:creationId xmlns:a16="http://schemas.microsoft.com/office/drawing/2014/main" id="{2FA49567-BB70-4798-8746-D0B522CCEE20}"/>
               </a:ext>
             </a:extLst>
           </p:cNvPr>
@@ -5646,7 +5669,7 @@
     </p:spTree>
     <p:extLst>
       <p:ext uri="{BB962C8B-B14F-4D97-AF65-F5344CB8AC3E}">
-        <p14:creationId xmlns:p14="http://schemas.microsoft.com/office/powerpoint/2010/main" val="1065550565"/>
+        <p14:creationId xmlns:p14="http://schemas.microsoft.com/office/powerpoint/2010/main" val="4109370477"/>
       </p:ext>
     </p:extLst>
   </p:cSld>
@@ -5675,10 +5698,10 @@
       </p:grpSpPr>
       <p:sp>
         <p:nvSpPr>
-          <p:cNvPr id="7" name="Title 6">
-            <a:extLst>
-              <a:ext uri="{FF2B5EF4-FFF2-40B4-BE49-F238E27FC236}">
-                <a16:creationId xmlns:a16="http://schemas.microsoft.com/office/drawing/2014/main" id="{75C0DCD3-95F8-4E1F-BF1A-5FAAB84A40A3}"/>
+          <p:cNvPr id="2" name="Title 1">
+            <a:extLst>
+              <a:ext uri="{FF2B5EF4-FFF2-40B4-BE49-F238E27FC236}">
+                <a16:creationId xmlns:a16="http://schemas.microsoft.com/office/drawing/2014/main" id="{A694862C-8B28-4EF5-9C6F-0187B05C2B03}"/>
               </a:ext>
             </a:extLst>
           </p:cNvPr>
@@ -5696,17 +5719,17 @@
           <a:p>
             <a:r>
               <a:rPr lang="en-US" dirty="0"/>
-              <a:t>AUTOREGRESSIVE</a:t>
-            </a:r>
-          </a:p>
-        </p:txBody>
-      </p:sp>
-      <p:sp>
-        <p:nvSpPr>
-          <p:cNvPr id="8" name="Content Placeholder 7">
-            <a:extLst>
-              <a:ext uri="{FF2B5EF4-FFF2-40B4-BE49-F238E27FC236}">
-                <a16:creationId xmlns:a16="http://schemas.microsoft.com/office/drawing/2014/main" id="{52BB1FAB-BB61-4B66-A4EA-A0EABC2B3ECA}"/>
+              <a:t>LAGGING</a:t>
+            </a:r>
+          </a:p>
+        </p:txBody>
+      </p:sp>
+      <p:sp>
+        <p:nvSpPr>
+          <p:cNvPr id="3" name="Content Placeholder 2">
+            <a:extLst>
+              <a:ext uri="{FF2B5EF4-FFF2-40B4-BE49-F238E27FC236}">
+                <a16:creationId xmlns:a16="http://schemas.microsoft.com/office/drawing/2014/main" id="{5DFC40A6-4344-46B7-89C4-4E16031C9B39}"/>
               </a:ext>
             </a:extLst>
           </p:cNvPr>
@@ -5731,7 +5754,7 @@
           <p:cNvPr id="4" name="Date Placeholder 3">
             <a:extLst>
               <a:ext uri="{FF2B5EF4-FFF2-40B4-BE49-F238E27FC236}">
-                <a16:creationId xmlns:a16="http://schemas.microsoft.com/office/drawing/2014/main" id="{02256D86-7CE0-416E-B2A3-402D20EE9E90}"/>
+                <a16:creationId xmlns:a16="http://schemas.microsoft.com/office/drawing/2014/main" id="{ADEE79BB-4734-4439-A76F-2976CABC29C1}"/>
               </a:ext>
             </a:extLst>
           </p:cNvPr>
@@ -5747,7 +5770,7 @@
           <a:bodyPr/>
           <a:lstStyle/>
           <a:p>
-            <a:fld id="{B08FEED8-D7D4-44E9-BFBC-ED06B5996D94}" type="datetime4">
+            <a:fld id="{8AAE40A0-A7D8-4DC3-BC9E-BADA32DA2004}" type="datetime4">
               <a:rPr lang="en-US" smtClean="0"/>
               <a:t>July 29, 2019</a:t>
             </a:fld>
@@ -5760,7 +5783,7 @@
           <p:cNvPr id="5" name="Footer Placeholder 4">
             <a:extLst>
               <a:ext uri="{FF2B5EF4-FFF2-40B4-BE49-F238E27FC236}">
-                <a16:creationId xmlns:a16="http://schemas.microsoft.com/office/drawing/2014/main" id="{1D4ED112-7CF4-4BB9-B46E-B366A5054A9A}"/>
+                <a16:creationId xmlns:a16="http://schemas.microsoft.com/office/drawing/2014/main" id="{14093F74-35B5-4B3E-BE77-B47F35290D05}"/>
               </a:ext>
             </a:extLst>
           </p:cNvPr>
@@ -5817,7 +5840,7 @@
           <p:cNvPr id="6" name="Slide Number Placeholder 5">
             <a:extLst>
               <a:ext uri="{FF2B5EF4-FFF2-40B4-BE49-F238E27FC236}">
-                <a16:creationId xmlns:a16="http://schemas.microsoft.com/office/drawing/2014/main" id="{8CC75551-85BF-4C9F-8893-AA28ECA8A6B5}"/>
+                <a16:creationId xmlns:a16="http://schemas.microsoft.com/office/drawing/2014/main" id="{76F6E8AA-9A3E-467A-A16A-CED9E58CFA80}"/>
               </a:ext>
             </a:extLst>
           </p:cNvPr>
@@ -5844,7 +5867,7 @@
     </p:spTree>
     <p:extLst>
       <p:ext uri="{BB962C8B-B14F-4D97-AF65-F5344CB8AC3E}">
-        <p14:creationId xmlns:p14="http://schemas.microsoft.com/office/powerpoint/2010/main" val="4066560549"/>
+        <p14:creationId xmlns:p14="http://schemas.microsoft.com/office/powerpoint/2010/main" val="3805551099"/>
       </p:ext>
     </p:extLst>
   </p:cSld>
@@ -6039,7 +6062,7 @@
           <p:cNvPr id="2" name="Title 1">
             <a:extLst>
               <a:ext uri="{FF2B5EF4-FFF2-40B4-BE49-F238E27FC236}">
-                <a16:creationId xmlns:a16="http://schemas.microsoft.com/office/drawing/2014/main" id="{D7EACF90-3E7B-4978-AB0C-ED5165419D19}"/>
+                <a16:creationId xmlns:a16="http://schemas.microsoft.com/office/drawing/2014/main" id="{84FE5820-4288-4CB6-888A-5CBF5468888C}"/>
               </a:ext>
             </a:extLst>
           </p:cNvPr>
@@ -6057,7 +6080,7 @@
           <a:p>
             <a:r>
               <a:rPr lang="en-US" dirty="0"/>
-              <a:t>MOVING AVERAGE</a:t>
+              <a:t>LAGGED SCATTERPLOTS</a:t>
             </a:r>
           </a:p>
         </p:txBody>
@@ -6067,7 +6090,7 @@
           <p:cNvPr id="3" name="Content Placeholder 2">
             <a:extLst>
               <a:ext uri="{FF2B5EF4-FFF2-40B4-BE49-F238E27FC236}">
-                <a16:creationId xmlns:a16="http://schemas.microsoft.com/office/drawing/2014/main" id="{A7CEFEF5-E74A-4EFE-9368-8FD74B059E10}"/>
+                <a16:creationId xmlns:a16="http://schemas.microsoft.com/office/drawing/2014/main" id="{2952943F-FC31-4BE3-AB00-BAB4B12957BE}"/>
               </a:ext>
             </a:extLst>
           </p:cNvPr>
@@ -6083,7 +6106,7 @@
           <a:bodyPr/>
           <a:lstStyle/>
           <a:p>
-            <a:endParaRPr lang="en-US"/>
+            <a:endParaRPr lang="en-US" dirty="0"/>
           </a:p>
         </p:txBody>
       </p:sp>
@@ -6092,7 +6115,7 @@
           <p:cNvPr id="4" name="Date Placeholder 3">
             <a:extLst>
               <a:ext uri="{FF2B5EF4-FFF2-40B4-BE49-F238E27FC236}">
-                <a16:creationId xmlns:a16="http://schemas.microsoft.com/office/drawing/2014/main" id="{64E0A09F-EC7A-4EF6-AB3A-0DC48B1B7271}"/>
+                <a16:creationId xmlns:a16="http://schemas.microsoft.com/office/drawing/2014/main" id="{F716348B-D7FE-46ED-8C48-CF5A55FF31CF}"/>
               </a:ext>
             </a:extLst>
           </p:cNvPr>
@@ -6121,7 +6144,7 @@
           <p:cNvPr id="5" name="Footer Placeholder 4">
             <a:extLst>
               <a:ext uri="{FF2B5EF4-FFF2-40B4-BE49-F238E27FC236}">
-                <a16:creationId xmlns:a16="http://schemas.microsoft.com/office/drawing/2014/main" id="{9D8B7F07-2C50-4473-BABC-57C52FDD38D2}"/>
+                <a16:creationId xmlns:a16="http://schemas.microsoft.com/office/drawing/2014/main" id="{34059279-A1E7-4F19-B4BF-8C6B59A4CEFF}"/>
               </a:ext>
             </a:extLst>
           </p:cNvPr>
@@ -6178,7 +6201,7 @@
           <p:cNvPr id="6" name="Slide Number Placeholder 5">
             <a:extLst>
               <a:ext uri="{FF2B5EF4-FFF2-40B4-BE49-F238E27FC236}">
-                <a16:creationId xmlns:a16="http://schemas.microsoft.com/office/drawing/2014/main" id="{6BE5E43E-0696-4C60-A72C-BBB5B4448760}"/>
+                <a16:creationId xmlns:a16="http://schemas.microsoft.com/office/drawing/2014/main" id="{DE722C41-7366-4DE2-9AF4-E75E189A7733}"/>
               </a:ext>
             </a:extLst>
           </p:cNvPr>
@@ -6205,7 +6228,7 @@
     </p:spTree>
     <p:extLst>
       <p:ext uri="{BB962C8B-B14F-4D97-AF65-F5344CB8AC3E}">
-        <p14:creationId xmlns:p14="http://schemas.microsoft.com/office/powerpoint/2010/main" val="3521777765"/>
+        <p14:creationId xmlns:p14="http://schemas.microsoft.com/office/powerpoint/2010/main" val="2399367561"/>
       </p:ext>
     </p:extLst>
   </p:cSld>
@@ -6234,10 +6257,10 @@
       </p:grpSpPr>
       <p:sp>
         <p:nvSpPr>
-          <p:cNvPr id="2" name="Title 1">
-            <a:extLst>
-              <a:ext uri="{FF2B5EF4-FFF2-40B4-BE49-F238E27FC236}">
-                <a16:creationId xmlns:a16="http://schemas.microsoft.com/office/drawing/2014/main" id="{D1BF0482-6913-4A5E-A533-479864CB5349}"/>
+          <p:cNvPr id="7" name="Title 6">
+            <a:extLst>
+              <a:ext uri="{FF2B5EF4-FFF2-40B4-BE49-F238E27FC236}">
+                <a16:creationId xmlns:a16="http://schemas.microsoft.com/office/drawing/2014/main" id="{7802FB34-7510-47BC-8952-A1FE9728B0BF}"/>
               </a:ext>
             </a:extLst>
           </p:cNvPr>
@@ -6255,33 +6278,36 @@
           <a:p>
             <a:r>
               <a:rPr lang="en-US" dirty="0"/>
-              <a:t>PLAYING AROUND WITH ARIMA</a:t>
-            </a:r>
-          </a:p>
-        </p:txBody>
-      </p:sp>
-      <p:sp>
-        <p:nvSpPr>
-          <p:cNvPr id="3" name="Content Placeholder 2">
-            <a:extLst>
-              <a:ext uri="{FF2B5EF4-FFF2-40B4-BE49-F238E27FC236}">
-                <a16:creationId xmlns:a16="http://schemas.microsoft.com/office/drawing/2014/main" id="{D48271C9-2790-46C9-B80B-52D215430CB8}"/>
-              </a:ext>
-            </a:extLst>
-          </p:cNvPr>
-          <p:cNvSpPr>
-            <a:spLocks noGrp="1"/>
-          </p:cNvSpPr>
-          <p:nvPr>
-            <p:ph idx="1"/>
-          </p:nvPr>
-        </p:nvSpPr>
-        <p:spPr/>
-        <p:txBody>
-          <a:bodyPr/>
-          <a:lstStyle/>
-          <a:p>
-            <a:endParaRPr lang="en-US"/>
+              <a:t>ARIMA MODELS</a:t>
+            </a:r>
+          </a:p>
+        </p:txBody>
+      </p:sp>
+      <p:sp>
+        <p:nvSpPr>
+          <p:cNvPr id="8" name="Text Placeholder 7">
+            <a:extLst>
+              <a:ext uri="{FF2B5EF4-FFF2-40B4-BE49-F238E27FC236}">
+                <a16:creationId xmlns:a16="http://schemas.microsoft.com/office/drawing/2014/main" id="{FCA70F1A-579E-4144-AE97-14FFC08FF0F5}"/>
+              </a:ext>
+            </a:extLst>
+          </p:cNvPr>
+          <p:cNvSpPr>
+            <a:spLocks noGrp="1"/>
+          </p:cNvSpPr>
+          <p:nvPr>
+            <p:ph type="body" idx="1"/>
+          </p:nvPr>
+        </p:nvSpPr>
+        <p:spPr/>
+        <p:txBody>
+          <a:bodyPr/>
+          <a:lstStyle/>
+          <a:p>
+            <a:r>
+              <a:rPr lang="en-US" dirty="0"/>
+              <a:t>Interpretable, simple and speedy time series modeling</a:t>
+            </a:r>
           </a:p>
         </p:txBody>
       </p:sp>
@@ -6290,7 +6316,7 @@
           <p:cNvPr id="4" name="Date Placeholder 3">
             <a:extLst>
               <a:ext uri="{FF2B5EF4-FFF2-40B4-BE49-F238E27FC236}">
-                <a16:creationId xmlns:a16="http://schemas.microsoft.com/office/drawing/2014/main" id="{B23DAF35-209C-48FA-AAAB-F69E14183A91}"/>
+                <a16:creationId xmlns:a16="http://schemas.microsoft.com/office/drawing/2014/main" id="{3AD929EF-0967-4B34-81B8-24D9EF91892E}"/>
               </a:ext>
             </a:extLst>
           </p:cNvPr>
@@ -6319,7 +6345,7 @@
           <p:cNvPr id="5" name="Footer Placeholder 4">
             <a:extLst>
               <a:ext uri="{FF2B5EF4-FFF2-40B4-BE49-F238E27FC236}">
-                <a16:creationId xmlns:a16="http://schemas.microsoft.com/office/drawing/2014/main" id="{3D8E22A6-180D-41CF-9959-4347A11F2AD1}"/>
+                <a16:creationId xmlns:a16="http://schemas.microsoft.com/office/drawing/2014/main" id="{3B5B35DD-F2EA-40D3-8039-8CD3802B2612}"/>
               </a:ext>
             </a:extLst>
           </p:cNvPr>
@@ -6376,7 +6402,7 @@
           <p:cNvPr id="6" name="Slide Number Placeholder 5">
             <a:extLst>
               <a:ext uri="{FF2B5EF4-FFF2-40B4-BE49-F238E27FC236}">
-                <a16:creationId xmlns:a16="http://schemas.microsoft.com/office/drawing/2014/main" id="{CECE3146-0C2B-4CC7-BC7C-FD23AAF7ECAE}"/>
+                <a16:creationId xmlns:a16="http://schemas.microsoft.com/office/drawing/2014/main" id="{C3EB9A57-323C-47F5-867F-693F95A15FA4}"/>
               </a:ext>
             </a:extLst>
           </p:cNvPr>
@@ -6403,7 +6429,7 @@
     </p:spTree>
     <p:extLst>
       <p:ext uri="{BB962C8B-B14F-4D97-AF65-F5344CB8AC3E}">
-        <p14:creationId xmlns:p14="http://schemas.microsoft.com/office/powerpoint/2010/main" val="3624540971"/>
+        <p14:creationId xmlns:p14="http://schemas.microsoft.com/office/powerpoint/2010/main" val="107865345"/>
       </p:ext>
     </p:extLst>
   </p:cSld>
@@ -6435,7 +6461,7 @@
           <p:cNvPr id="7" name="Title 6">
             <a:extLst>
               <a:ext uri="{FF2B5EF4-FFF2-40B4-BE49-F238E27FC236}">
-                <a16:creationId xmlns:a16="http://schemas.microsoft.com/office/drawing/2014/main" id="{495B4BC0-844B-4414-A623-BEF78AAC1BA1}"/>
+                <a16:creationId xmlns:a16="http://schemas.microsoft.com/office/drawing/2014/main" id="{75C0DCD3-95F8-4E1F-BF1A-5FAAB84A40A3}"/>
               </a:ext>
             </a:extLst>
           </p:cNvPr>
@@ -6453,7 +6479,7 @@
           <a:p>
             <a:r>
               <a:rPr lang="en-US" dirty="0"/>
-              <a:t>ACKNOWLEDGMENTS</a:t>
+              <a:t>ARIMA</a:t>
             </a:r>
           </a:p>
         </p:txBody>
@@ -6463,7 +6489,7 @@
           <p:cNvPr id="8" name="Content Placeholder 7">
             <a:extLst>
               <a:ext uri="{FF2B5EF4-FFF2-40B4-BE49-F238E27FC236}">
-                <a16:creationId xmlns:a16="http://schemas.microsoft.com/office/drawing/2014/main" id="{2BED3EB3-7E98-4A82-8335-7321D9E37B16}"/>
+                <a16:creationId xmlns:a16="http://schemas.microsoft.com/office/drawing/2014/main" id="{52BB1FAB-BB61-4B66-A4EA-A0EABC2B3ECA}"/>
               </a:ext>
             </a:extLst>
           </p:cNvPr>
@@ -6488,7 +6514,7 @@
           <p:cNvPr id="4" name="Date Placeholder 3">
             <a:extLst>
               <a:ext uri="{FF2B5EF4-FFF2-40B4-BE49-F238E27FC236}">
-                <a16:creationId xmlns:a16="http://schemas.microsoft.com/office/drawing/2014/main" id="{540F37F1-4F33-429F-A568-1A3ADC499E54}"/>
+                <a16:creationId xmlns:a16="http://schemas.microsoft.com/office/drawing/2014/main" id="{02256D86-7CE0-416E-B2A3-402D20EE9E90}"/>
               </a:ext>
             </a:extLst>
           </p:cNvPr>
@@ -6517,7 +6543,7 @@
           <p:cNvPr id="5" name="Footer Placeholder 4">
             <a:extLst>
               <a:ext uri="{FF2B5EF4-FFF2-40B4-BE49-F238E27FC236}">
-                <a16:creationId xmlns:a16="http://schemas.microsoft.com/office/drawing/2014/main" id="{673FFA57-C126-4795-A5F6-DD33AAC5ACBD}"/>
+                <a16:creationId xmlns:a16="http://schemas.microsoft.com/office/drawing/2014/main" id="{1D4ED112-7CF4-4BB9-B46E-B366A5054A9A}"/>
               </a:ext>
             </a:extLst>
           </p:cNvPr>
@@ -6574,7 +6600,7 @@
           <p:cNvPr id="6" name="Slide Number Placeholder 5">
             <a:extLst>
               <a:ext uri="{FF2B5EF4-FFF2-40B4-BE49-F238E27FC236}">
-                <a16:creationId xmlns:a16="http://schemas.microsoft.com/office/drawing/2014/main" id="{2FA49567-BB70-4798-8746-D0B522CCEE20}"/>
+                <a16:creationId xmlns:a16="http://schemas.microsoft.com/office/drawing/2014/main" id="{8CC75551-85BF-4C9F-8893-AA28ECA8A6B5}"/>
               </a:ext>
             </a:extLst>
           </p:cNvPr>
@@ -6593,6 +6619,798 @@
             <a:fld id="{D57F1E4F-1CFF-5643-939E-02111984F565}" type="slidenum">
               <a:rPr lang="en-US" smtClean="0"/>
               <a:t>22</a:t>
+            </a:fld>
+            <a:endParaRPr lang="en-US" dirty="0"/>
+          </a:p>
+        </p:txBody>
+      </p:sp>
+    </p:spTree>
+    <p:extLst>
+      <p:ext uri="{BB962C8B-B14F-4D97-AF65-F5344CB8AC3E}">
+        <p14:creationId xmlns:p14="http://schemas.microsoft.com/office/powerpoint/2010/main" val="1065550565"/>
+      </p:ext>
+    </p:extLst>
+  </p:cSld>
+  <p:clrMapOvr>
+    <a:masterClrMapping/>
+  </p:clrMapOvr>
+</p:sld>
+</file>
+
+<file path=ppt/slides/slide23.xml><?xml version="1.0" encoding="utf-8"?>
+<p:sld xmlns:a="http://schemas.openxmlformats.org/drawingml/2006/main" xmlns:r="http://schemas.openxmlformats.org/officeDocument/2006/relationships" xmlns:p="http://schemas.openxmlformats.org/presentationml/2006/main">
+  <p:cSld>
+    <p:spTree>
+      <p:nvGrpSpPr>
+        <p:cNvPr id="1" name=""/>
+        <p:cNvGrpSpPr/>
+        <p:nvPr/>
+      </p:nvGrpSpPr>
+      <p:grpSpPr>
+        <a:xfrm>
+          <a:off x="0" y="0"/>
+          <a:ext cx="0" cy="0"/>
+          <a:chOff x="0" y="0"/>
+          <a:chExt cx="0" cy="0"/>
+        </a:xfrm>
+      </p:grpSpPr>
+      <p:sp>
+        <p:nvSpPr>
+          <p:cNvPr id="7" name="Title 6">
+            <a:extLst>
+              <a:ext uri="{FF2B5EF4-FFF2-40B4-BE49-F238E27FC236}">
+                <a16:creationId xmlns:a16="http://schemas.microsoft.com/office/drawing/2014/main" id="{75C0DCD3-95F8-4E1F-BF1A-5FAAB84A40A3}"/>
+              </a:ext>
+            </a:extLst>
+          </p:cNvPr>
+          <p:cNvSpPr>
+            <a:spLocks noGrp="1"/>
+          </p:cNvSpPr>
+          <p:nvPr>
+            <p:ph type="title"/>
+          </p:nvPr>
+        </p:nvSpPr>
+        <p:spPr/>
+        <p:txBody>
+          <a:bodyPr/>
+          <a:lstStyle/>
+          <a:p>
+            <a:r>
+              <a:rPr lang="en-US" dirty="0"/>
+              <a:t>AUTOREGRESSIVE</a:t>
+            </a:r>
+          </a:p>
+        </p:txBody>
+      </p:sp>
+      <p:sp>
+        <p:nvSpPr>
+          <p:cNvPr id="8" name="Content Placeholder 7">
+            <a:extLst>
+              <a:ext uri="{FF2B5EF4-FFF2-40B4-BE49-F238E27FC236}">
+                <a16:creationId xmlns:a16="http://schemas.microsoft.com/office/drawing/2014/main" id="{52BB1FAB-BB61-4B66-A4EA-A0EABC2B3ECA}"/>
+              </a:ext>
+            </a:extLst>
+          </p:cNvPr>
+          <p:cNvSpPr>
+            <a:spLocks noGrp="1"/>
+          </p:cNvSpPr>
+          <p:nvPr>
+            <p:ph idx="1"/>
+          </p:nvPr>
+        </p:nvSpPr>
+        <p:spPr/>
+        <p:txBody>
+          <a:bodyPr/>
+          <a:lstStyle/>
+          <a:p>
+            <a:endParaRPr lang="en-US"/>
+          </a:p>
+        </p:txBody>
+      </p:sp>
+      <p:sp>
+        <p:nvSpPr>
+          <p:cNvPr id="4" name="Date Placeholder 3">
+            <a:extLst>
+              <a:ext uri="{FF2B5EF4-FFF2-40B4-BE49-F238E27FC236}">
+                <a16:creationId xmlns:a16="http://schemas.microsoft.com/office/drawing/2014/main" id="{02256D86-7CE0-416E-B2A3-402D20EE9E90}"/>
+              </a:ext>
+            </a:extLst>
+          </p:cNvPr>
+          <p:cNvSpPr>
+            <a:spLocks noGrp="1"/>
+          </p:cNvSpPr>
+          <p:nvPr>
+            <p:ph type="dt" sz="half" idx="10"/>
+          </p:nvPr>
+        </p:nvSpPr>
+        <p:spPr/>
+        <p:txBody>
+          <a:bodyPr/>
+          <a:lstStyle/>
+          <a:p>
+            <a:fld id="{B08FEED8-D7D4-44E9-BFBC-ED06B5996D94}" type="datetime4">
+              <a:rPr lang="en-US" smtClean="0"/>
+              <a:t>July 29, 2019</a:t>
+            </a:fld>
+            <a:endParaRPr lang="en-US" dirty="0"/>
+          </a:p>
+        </p:txBody>
+      </p:sp>
+      <p:sp>
+        <p:nvSpPr>
+          <p:cNvPr id="5" name="Footer Placeholder 4">
+            <a:extLst>
+              <a:ext uri="{FF2B5EF4-FFF2-40B4-BE49-F238E27FC236}">
+                <a16:creationId xmlns:a16="http://schemas.microsoft.com/office/drawing/2014/main" id="{1D4ED112-7CF4-4BB9-B46E-B366A5054A9A}"/>
+              </a:ext>
+            </a:extLst>
+          </p:cNvPr>
+          <p:cNvSpPr>
+            <a:spLocks noGrp="1"/>
+          </p:cNvSpPr>
+          <p:nvPr>
+            <p:ph type="ftr" sz="quarter" idx="11"/>
+          </p:nvPr>
+        </p:nvSpPr>
+        <p:spPr/>
+        <p:txBody>
+          <a:bodyPr/>
+          <a:lstStyle/>
+          <a:p>
+            <a:r>
+              <a:rPr lang="en-US"/>
+              <a:t>Digital Scholarship Services </a:t>
+            </a:r>
+            <a:r>
+              <a:rPr lang="en-US">
+                <a:solidFill>
+                  <a:schemeClr val="accent1">
+                    <a:lumMod val="50000"/>
+                  </a:schemeClr>
+                </a:solidFill>
+              </a:rPr>
+              <a:t>| Email</a:t>
+            </a:r>
+            <a:r>
+              <a:rPr lang="en-US"/>
+              <a:t> cf24@rice.edu </a:t>
+            </a:r>
+            <a:r>
+              <a:rPr lang="en-US">
+                <a:solidFill>
+                  <a:schemeClr val="accent1">
+                    <a:lumMod val="50000"/>
+                  </a:schemeClr>
+                </a:solidFill>
+              </a:rPr>
+              <a:t>|</a:t>
+            </a:r>
+            <a:r>
+              <a:rPr lang="en-US"/>
+              <a:t> library.rice.edu/dss</a:t>
+            </a:r>
+            <a:endParaRPr lang="en-US" dirty="0"/>
+          </a:p>
+        </p:txBody>
+      </p:sp>
+      <p:sp>
+        <p:nvSpPr>
+          <p:cNvPr id="6" name="Slide Number Placeholder 5">
+            <a:extLst>
+              <a:ext uri="{FF2B5EF4-FFF2-40B4-BE49-F238E27FC236}">
+                <a16:creationId xmlns:a16="http://schemas.microsoft.com/office/drawing/2014/main" id="{8CC75551-85BF-4C9F-8893-AA28ECA8A6B5}"/>
+              </a:ext>
+            </a:extLst>
+          </p:cNvPr>
+          <p:cNvSpPr>
+            <a:spLocks noGrp="1"/>
+          </p:cNvSpPr>
+          <p:nvPr>
+            <p:ph type="sldNum" sz="quarter" idx="12"/>
+          </p:nvPr>
+        </p:nvSpPr>
+        <p:spPr/>
+        <p:txBody>
+          <a:bodyPr/>
+          <a:lstStyle/>
+          <a:p>
+            <a:fld id="{D57F1E4F-1CFF-5643-939E-02111984F565}" type="slidenum">
+              <a:rPr lang="en-US" smtClean="0"/>
+              <a:t>23</a:t>
+            </a:fld>
+            <a:endParaRPr lang="en-US" dirty="0"/>
+          </a:p>
+        </p:txBody>
+      </p:sp>
+    </p:spTree>
+    <p:extLst>
+      <p:ext uri="{BB962C8B-B14F-4D97-AF65-F5344CB8AC3E}">
+        <p14:creationId xmlns:p14="http://schemas.microsoft.com/office/powerpoint/2010/main" val="4066560549"/>
+      </p:ext>
+    </p:extLst>
+  </p:cSld>
+  <p:clrMapOvr>
+    <a:masterClrMapping/>
+  </p:clrMapOvr>
+</p:sld>
+</file>
+
+<file path=ppt/slides/slide24.xml><?xml version="1.0" encoding="utf-8"?>
+<p:sld xmlns:a="http://schemas.openxmlformats.org/drawingml/2006/main" xmlns:r="http://schemas.openxmlformats.org/officeDocument/2006/relationships" xmlns:p="http://schemas.openxmlformats.org/presentationml/2006/main">
+  <p:cSld>
+    <p:spTree>
+      <p:nvGrpSpPr>
+        <p:cNvPr id="1" name=""/>
+        <p:cNvGrpSpPr/>
+        <p:nvPr/>
+      </p:nvGrpSpPr>
+      <p:grpSpPr>
+        <a:xfrm>
+          <a:off x="0" y="0"/>
+          <a:ext cx="0" cy="0"/>
+          <a:chOff x="0" y="0"/>
+          <a:chExt cx="0" cy="0"/>
+        </a:xfrm>
+      </p:grpSpPr>
+      <p:sp>
+        <p:nvSpPr>
+          <p:cNvPr id="2" name="Title 1">
+            <a:extLst>
+              <a:ext uri="{FF2B5EF4-FFF2-40B4-BE49-F238E27FC236}">
+                <a16:creationId xmlns:a16="http://schemas.microsoft.com/office/drawing/2014/main" id="{D7EACF90-3E7B-4978-AB0C-ED5165419D19}"/>
+              </a:ext>
+            </a:extLst>
+          </p:cNvPr>
+          <p:cNvSpPr>
+            <a:spLocks noGrp="1"/>
+          </p:cNvSpPr>
+          <p:nvPr>
+            <p:ph type="title"/>
+          </p:nvPr>
+        </p:nvSpPr>
+        <p:spPr/>
+        <p:txBody>
+          <a:bodyPr/>
+          <a:lstStyle/>
+          <a:p>
+            <a:r>
+              <a:rPr lang="en-US" dirty="0"/>
+              <a:t>MOVING AVERAGE</a:t>
+            </a:r>
+          </a:p>
+        </p:txBody>
+      </p:sp>
+      <p:sp>
+        <p:nvSpPr>
+          <p:cNvPr id="3" name="Content Placeholder 2">
+            <a:extLst>
+              <a:ext uri="{FF2B5EF4-FFF2-40B4-BE49-F238E27FC236}">
+                <a16:creationId xmlns:a16="http://schemas.microsoft.com/office/drawing/2014/main" id="{A7CEFEF5-E74A-4EFE-9368-8FD74B059E10}"/>
+              </a:ext>
+            </a:extLst>
+          </p:cNvPr>
+          <p:cNvSpPr>
+            <a:spLocks noGrp="1"/>
+          </p:cNvSpPr>
+          <p:nvPr>
+            <p:ph idx="1"/>
+          </p:nvPr>
+        </p:nvSpPr>
+        <p:spPr/>
+        <p:txBody>
+          <a:bodyPr/>
+          <a:lstStyle/>
+          <a:p>
+            <a:endParaRPr lang="en-US"/>
+          </a:p>
+        </p:txBody>
+      </p:sp>
+      <p:sp>
+        <p:nvSpPr>
+          <p:cNvPr id="4" name="Date Placeholder 3">
+            <a:extLst>
+              <a:ext uri="{FF2B5EF4-FFF2-40B4-BE49-F238E27FC236}">
+                <a16:creationId xmlns:a16="http://schemas.microsoft.com/office/drawing/2014/main" id="{64E0A09F-EC7A-4EF6-AB3A-0DC48B1B7271}"/>
+              </a:ext>
+            </a:extLst>
+          </p:cNvPr>
+          <p:cNvSpPr>
+            <a:spLocks noGrp="1"/>
+          </p:cNvSpPr>
+          <p:nvPr>
+            <p:ph type="dt" sz="half" idx="10"/>
+          </p:nvPr>
+        </p:nvSpPr>
+        <p:spPr/>
+        <p:txBody>
+          <a:bodyPr/>
+          <a:lstStyle/>
+          <a:p>
+            <a:fld id="{8AAE40A0-A7D8-4DC3-BC9E-BADA32DA2004}" type="datetime4">
+              <a:rPr lang="en-US" smtClean="0"/>
+              <a:t>July 29, 2019</a:t>
+            </a:fld>
+            <a:endParaRPr lang="en-US" dirty="0"/>
+          </a:p>
+        </p:txBody>
+      </p:sp>
+      <p:sp>
+        <p:nvSpPr>
+          <p:cNvPr id="5" name="Footer Placeholder 4">
+            <a:extLst>
+              <a:ext uri="{FF2B5EF4-FFF2-40B4-BE49-F238E27FC236}">
+                <a16:creationId xmlns:a16="http://schemas.microsoft.com/office/drawing/2014/main" id="{9D8B7F07-2C50-4473-BABC-57C52FDD38D2}"/>
+              </a:ext>
+            </a:extLst>
+          </p:cNvPr>
+          <p:cNvSpPr>
+            <a:spLocks noGrp="1"/>
+          </p:cNvSpPr>
+          <p:nvPr>
+            <p:ph type="ftr" sz="quarter" idx="11"/>
+          </p:nvPr>
+        </p:nvSpPr>
+        <p:spPr/>
+        <p:txBody>
+          <a:bodyPr/>
+          <a:lstStyle/>
+          <a:p>
+            <a:r>
+              <a:rPr lang="en-US"/>
+              <a:t>Digital Scholarship Services </a:t>
+            </a:r>
+            <a:r>
+              <a:rPr lang="en-US">
+                <a:solidFill>
+                  <a:schemeClr val="accent1">
+                    <a:lumMod val="50000"/>
+                  </a:schemeClr>
+                </a:solidFill>
+              </a:rPr>
+              <a:t>| Email</a:t>
+            </a:r>
+            <a:r>
+              <a:rPr lang="en-US"/>
+              <a:t> cf24@rice.edu </a:t>
+            </a:r>
+            <a:r>
+              <a:rPr lang="en-US">
+                <a:solidFill>
+                  <a:schemeClr val="accent1">
+                    <a:lumMod val="50000"/>
+                  </a:schemeClr>
+                </a:solidFill>
+              </a:rPr>
+              <a:t>|</a:t>
+            </a:r>
+            <a:r>
+              <a:rPr lang="en-US"/>
+              <a:t> library.rice.edu/dss</a:t>
+            </a:r>
+            <a:endParaRPr lang="en-US" dirty="0"/>
+          </a:p>
+        </p:txBody>
+      </p:sp>
+      <p:sp>
+        <p:nvSpPr>
+          <p:cNvPr id="6" name="Slide Number Placeholder 5">
+            <a:extLst>
+              <a:ext uri="{FF2B5EF4-FFF2-40B4-BE49-F238E27FC236}">
+                <a16:creationId xmlns:a16="http://schemas.microsoft.com/office/drawing/2014/main" id="{6BE5E43E-0696-4C60-A72C-BBB5B4448760}"/>
+              </a:ext>
+            </a:extLst>
+          </p:cNvPr>
+          <p:cNvSpPr>
+            <a:spLocks noGrp="1"/>
+          </p:cNvSpPr>
+          <p:nvPr>
+            <p:ph type="sldNum" sz="quarter" idx="12"/>
+          </p:nvPr>
+        </p:nvSpPr>
+        <p:spPr/>
+        <p:txBody>
+          <a:bodyPr/>
+          <a:lstStyle/>
+          <a:p>
+            <a:fld id="{D57F1E4F-1CFF-5643-939E-02111984F565}" type="slidenum">
+              <a:rPr lang="en-US" smtClean="0"/>
+              <a:t>24</a:t>
+            </a:fld>
+            <a:endParaRPr lang="en-US" dirty="0"/>
+          </a:p>
+        </p:txBody>
+      </p:sp>
+    </p:spTree>
+    <p:extLst>
+      <p:ext uri="{BB962C8B-B14F-4D97-AF65-F5344CB8AC3E}">
+        <p14:creationId xmlns:p14="http://schemas.microsoft.com/office/powerpoint/2010/main" val="3521777765"/>
+      </p:ext>
+    </p:extLst>
+  </p:cSld>
+  <p:clrMapOvr>
+    <a:masterClrMapping/>
+  </p:clrMapOvr>
+</p:sld>
+</file>
+
+<file path=ppt/slides/slide25.xml><?xml version="1.0" encoding="utf-8"?>
+<p:sld xmlns:a="http://schemas.openxmlformats.org/drawingml/2006/main" xmlns:r="http://schemas.openxmlformats.org/officeDocument/2006/relationships" xmlns:p="http://schemas.openxmlformats.org/presentationml/2006/main">
+  <p:cSld>
+    <p:spTree>
+      <p:nvGrpSpPr>
+        <p:cNvPr id="1" name=""/>
+        <p:cNvGrpSpPr/>
+        <p:nvPr/>
+      </p:nvGrpSpPr>
+      <p:grpSpPr>
+        <a:xfrm>
+          <a:off x="0" y="0"/>
+          <a:ext cx="0" cy="0"/>
+          <a:chOff x="0" y="0"/>
+          <a:chExt cx="0" cy="0"/>
+        </a:xfrm>
+      </p:grpSpPr>
+      <p:sp>
+        <p:nvSpPr>
+          <p:cNvPr id="2" name="Title 1">
+            <a:extLst>
+              <a:ext uri="{FF2B5EF4-FFF2-40B4-BE49-F238E27FC236}">
+                <a16:creationId xmlns:a16="http://schemas.microsoft.com/office/drawing/2014/main" id="{D1BF0482-6913-4A5E-A533-479864CB5349}"/>
+              </a:ext>
+            </a:extLst>
+          </p:cNvPr>
+          <p:cNvSpPr>
+            <a:spLocks noGrp="1"/>
+          </p:cNvSpPr>
+          <p:nvPr>
+            <p:ph type="title"/>
+          </p:nvPr>
+        </p:nvSpPr>
+        <p:spPr/>
+        <p:txBody>
+          <a:bodyPr/>
+          <a:lstStyle/>
+          <a:p>
+            <a:r>
+              <a:rPr lang="en-US" dirty="0"/>
+              <a:t>PLAYING AROUND WITH ARIMA</a:t>
+            </a:r>
+          </a:p>
+        </p:txBody>
+      </p:sp>
+      <p:sp>
+        <p:nvSpPr>
+          <p:cNvPr id="3" name="Content Placeholder 2">
+            <a:extLst>
+              <a:ext uri="{FF2B5EF4-FFF2-40B4-BE49-F238E27FC236}">
+                <a16:creationId xmlns:a16="http://schemas.microsoft.com/office/drawing/2014/main" id="{D48271C9-2790-46C9-B80B-52D215430CB8}"/>
+              </a:ext>
+            </a:extLst>
+          </p:cNvPr>
+          <p:cNvSpPr>
+            <a:spLocks noGrp="1"/>
+          </p:cNvSpPr>
+          <p:nvPr>
+            <p:ph idx="1"/>
+          </p:nvPr>
+        </p:nvSpPr>
+        <p:spPr/>
+        <p:txBody>
+          <a:bodyPr/>
+          <a:lstStyle/>
+          <a:p>
+            <a:endParaRPr lang="en-US"/>
+          </a:p>
+        </p:txBody>
+      </p:sp>
+      <p:sp>
+        <p:nvSpPr>
+          <p:cNvPr id="4" name="Date Placeholder 3">
+            <a:extLst>
+              <a:ext uri="{FF2B5EF4-FFF2-40B4-BE49-F238E27FC236}">
+                <a16:creationId xmlns:a16="http://schemas.microsoft.com/office/drawing/2014/main" id="{B23DAF35-209C-48FA-AAAB-F69E14183A91}"/>
+              </a:ext>
+            </a:extLst>
+          </p:cNvPr>
+          <p:cNvSpPr>
+            <a:spLocks noGrp="1"/>
+          </p:cNvSpPr>
+          <p:nvPr>
+            <p:ph type="dt" sz="half" idx="10"/>
+          </p:nvPr>
+        </p:nvSpPr>
+        <p:spPr/>
+        <p:txBody>
+          <a:bodyPr/>
+          <a:lstStyle/>
+          <a:p>
+            <a:fld id="{8AAE40A0-A7D8-4DC3-BC9E-BADA32DA2004}" type="datetime4">
+              <a:rPr lang="en-US" smtClean="0"/>
+              <a:t>July 29, 2019</a:t>
+            </a:fld>
+            <a:endParaRPr lang="en-US" dirty="0"/>
+          </a:p>
+        </p:txBody>
+      </p:sp>
+      <p:sp>
+        <p:nvSpPr>
+          <p:cNvPr id="5" name="Footer Placeholder 4">
+            <a:extLst>
+              <a:ext uri="{FF2B5EF4-FFF2-40B4-BE49-F238E27FC236}">
+                <a16:creationId xmlns:a16="http://schemas.microsoft.com/office/drawing/2014/main" id="{3D8E22A6-180D-41CF-9959-4347A11F2AD1}"/>
+              </a:ext>
+            </a:extLst>
+          </p:cNvPr>
+          <p:cNvSpPr>
+            <a:spLocks noGrp="1"/>
+          </p:cNvSpPr>
+          <p:nvPr>
+            <p:ph type="ftr" sz="quarter" idx="11"/>
+          </p:nvPr>
+        </p:nvSpPr>
+        <p:spPr/>
+        <p:txBody>
+          <a:bodyPr/>
+          <a:lstStyle/>
+          <a:p>
+            <a:r>
+              <a:rPr lang="en-US"/>
+              <a:t>Digital Scholarship Services </a:t>
+            </a:r>
+            <a:r>
+              <a:rPr lang="en-US">
+                <a:solidFill>
+                  <a:schemeClr val="accent1">
+                    <a:lumMod val="50000"/>
+                  </a:schemeClr>
+                </a:solidFill>
+              </a:rPr>
+              <a:t>| Email</a:t>
+            </a:r>
+            <a:r>
+              <a:rPr lang="en-US"/>
+              <a:t> cf24@rice.edu </a:t>
+            </a:r>
+            <a:r>
+              <a:rPr lang="en-US">
+                <a:solidFill>
+                  <a:schemeClr val="accent1">
+                    <a:lumMod val="50000"/>
+                  </a:schemeClr>
+                </a:solidFill>
+              </a:rPr>
+              <a:t>|</a:t>
+            </a:r>
+            <a:r>
+              <a:rPr lang="en-US"/>
+              <a:t> library.rice.edu/dss</a:t>
+            </a:r>
+            <a:endParaRPr lang="en-US" dirty="0"/>
+          </a:p>
+        </p:txBody>
+      </p:sp>
+      <p:sp>
+        <p:nvSpPr>
+          <p:cNvPr id="6" name="Slide Number Placeholder 5">
+            <a:extLst>
+              <a:ext uri="{FF2B5EF4-FFF2-40B4-BE49-F238E27FC236}">
+                <a16:creationId xmlns:a16="http://schemas.microsoft.com/office/drawing/2014/main" id="{CECE3146-0C2B-4CC7-BC7C-FD23AAF7ECAE}"/>
+              </a:ext>
+            </a:extLst>
+          </p:cNvPr>
+          <p:cNvSpPr>
+            <a:spLocks noGrp="1"/>
+          </p:cNvSpPr>
+          <p:nvPr>
+            <p:ph type="sldNum" sz="quarter" idx="12"/>
+          </p:nvPr>
+        </p:nvSpPr>
+        <p:spPr/>
+        <p:txBody>
+          <a:bodyPr/>
+          <a:lstStyle/>
+          <a:p>
+            <a:fld id="{D57F1E4F-1CFF-5643-939E-02111984F565}" type="slidenum">
+              <a:rPr lang="en-US" smtClean="0"/>
+              <a:t>25</a:t>
+            </a:fld>
+            <a:endParaRPr lang="en-US" dirty="0"/>
+          </a:p>
+        </p:txBody>
+      </p:sp>
+    </p:spTree>
+    <p:extLst>
+      <p:ext uri="{BB962C8B-B14F-4D97-AF65-F5344CB8AC3E}">
+        <p14:creationId xmlns:p14="http://schemas.microsoft.com/office/powerpoint/2010/main" val="3624540971"/>
+      </p:ext>
+    </p:extLst>
+  </p:cSld>
+  <p:clrMapOvr>
+    <a:masterClrMapping/>
+  </p:clrMapOvr>
+</p:sld>
+</file>
+
+<file path=ppt/slides/slide26.xml><?xml version="1.0" encoding="utf-8"?>
+<p:sld xmlns:a="http://schemas.openxmlformats.org/drawingml/2006/main" xmlns:r="http://schemas.openxmlformats.org/officeDocument/2006/relationships" xmlns:p="http://schemas.openxmlformats.org/presentationml/2006/main">
+  <p:cSld>
+    <p:spTree>
+      <p:nvGrpSpPr>
+        <p:cNvPr id="1" name=""/>
+        <p:cNvGrpSpPr/>
+        <p:nvPr/>
+      </p:nvGrpSpPr>
+      <p:grpSpPr>
+        <a:xfrm>
+          <a:off x="0" y="0"/>
+          <a:ext cx="0" cy="0"/>
+          <a:chOff x="0" y="0"/>
+          <a:chExt cx="0" cy="0"/>
+        </a:xfrm>
+      </p:grpSpPr>
+      <p:sp>
+        <p:nvSpPr>
+          <p:cNvPr id="7" name="Title 6">
+            <a:extLst>
+              <a:ext uri="{FF2B5EF4-FFF2-40B4-BE49-F238E27FC236}">
+                <a16:creationId xmlns:a16="http://schemas.microsoft.com/office/drawing/2014/main" id="{495B4BC0-844B-4414-A623-BEF78AAC1BA1}"/>
+              </a:ext>
+            </a:extLst>
+          </p:cNvPr>
+          <p:cNvSpPr>
+            <a:spLocks noGrp="1"/>
+          </p:cNvSpPr>
+          <p:nvPr>
+            <p:ph type="title"/>
+          </p:nvPr>
+        </p:nvSpPr>
+        <p:spPr/>
+        <p:txBody>
+          <a:bodyPr/>
+          <a:lstStyle/>
+          <a:p>
+            <a:r>
+              <a:rPr lang="en-US" dirty="0"/>
+              <a:t>ACKNOWLEDGMENTS</a:t>
+            </a:r>
+          </a:p>
+        </p:txBody>
+      </p:sp>
+      <p:sp>
+        <p:nvSpPr>
+          <p:cNvPr id="8" name="Content Placeholder 7">
+            <a:extLst>
+              <a:ext uri="{FF2B5EF4-FFF2-40B4-BE49-F238E27FC236}">
+                <a16:creationId xmlns:a16="http://schemas.microsoft.com/office/drawing/2014/main" id="{2BED3EB3-7E98-4A82-8335-7321D9E37B16}"/>
+              </a:ext>
+            </a:extLst>
+          </p:cNvPr>
+          <p:cNvSpPr>
+            <a:spLocks noGrp="1"/>
+          </p:cNvSpPr>
+          <p:nvPr>
+            <p:ph idx="1"/>
+          </p:nvPr>
+        </p:nvSpPr>
+        <p:spPr/>
+        <p:txBody>
+          <a:bodyPr/>
+          <a:lstStyle/>
+          <a:p>
+            <a:endParaRPr lang="en-US"/>
+          </a:p>
+        </p:txBody>
+      </p:sp>
+      <p:sp>
+        <p:nvSpPr>
+          <p:cNvPr id="4" name="Date Placeholder 3">
+            <a:extLst>
+              <a:ext uri="{FF2B5EF4-FFF2-40B4-BE49-F238E27FC236}">
+                <a16:creationId xmlns:a16="http://schemas.microsoft.com/office/drawing/2014/main" id="{540F37F1-4F33-429F-A568-1A3ADC499E54}"/>
+              </a:ext>
+            </a:extLst>
+          </p:cNvPr>
+          <p:cNvSpPr>
+            <a:spLocks noGrp="1"/>
+          </p:cNvSpPr>
+          <p:nvPr>
+            <p:ph type="dt" sz="half" idx="10"/>
+          </p:nvPr>
+        </p:nvSpPr>
+        <p:spPr/>
+        <p:txBody>
+          <a:bodyPr/>
+          <a:lstStyle/>
+          <a:p>
+            <a:fld id="{B08FEED8-D7D4-44E9-BFBC-ED06B5996D94}" type="datetime4">
+              <a:rPr lang="en-US" smtClean="0"/>
+              <a:t>July 29, 2019</a:t>
+            </a:fld>
+            <a:endParaRPr lang="en-US" dirty="0"/>
+          </a:p>
+        </p:txBody>
+      </p:sp>
+      <p:sp>
+        <p:nvSpPr>
+          <p:cNvPr id="5" name="Footer Placeholder 4">
+            <a:extLst>
+              <a:ext uri="{FF2B5EF4-FFF2-40B4-BE49-F238E27FC236}">
+                <a16:creationId xmlns:a16="http://schemas.microsoft.com/office/drawing/2014/main" id="{673FFA57-C126-4795-A5F6-DD33AAC5ACBD}"/>
+              </a:ext>
+            </a:extLst>
+          </p:cNvPr>
+          <p:cNvSpPr>
+            <a:spLocks noGrp="1"/>
+          </p:cNvSpPr>
+          <p:nvPr>
+            <p:ph type="ftr" sz="quarter" idx="11"/>
+          </p:nvPr>
+        </p:nvSpPr>
+        <p:spPr/>
+        <p:txBody>
+          <a:bodyPr/>
+          <a:lstStyle/>
+          <a:p>
+            <a:r>
+              <a:rPr lang="en-US"/>
+              <a:t>Digital Scholarship Services </a:t>
+            </a:r>
+            <a:r>
+              <a:rPr lang="en-US">
+                <a:solidFill>
+                  <a:schemeClr val="accent1">
+                    <a:lumMod val="50000"/>
+                  </a:schemeClr>
+                </a:solidFill>
+              </a:rPr>
+              <a:t>| Email</a:t>
+            </a:r>
+            <a:r>
+              <a:rPr lang="en-US"/>
+              <a:t> cf24@rice.edu </a:t>
+            </a:r>
+            <a:r>
+              <a:rPr lang="en-US">
+                <a:solidFill>
+                  <a:schemeClr val="accent1">
+                    <a:lumMod val="50000"/>
+                  </a:schemeClr>
+                </a:solidFill>
+              </a:rPr>
+              <a:t>|</a:t>
+            </a:r>
+            <a:r>
+              <a:rPr lang="en-US"/>
+              <a:t> library.rice.edu/dss</a:t>
+            </a:r>
+            <a:endParaRPr lang="en-US" dirty="0"/>
+          </a:p>
+        </p:txBody>
+      </p:sp>
+      <p:sp>
+        <p:nvSpPr>
+          <p:cNvPr id="6" name="Slide Number Placeholder 5">
+            <a:extLst>
+              <a:ext uri="{FF2B5EF4-FFF2-40B4-BE49-F238E27FC236}">
+                <a16:creationId xmlns:a16="http://schemas.microsoft.com/office/drawing/2014/main" id="{2FA49567-BB70-4798-8746-D0B522CCEE20}"/>
+              </a:ext>
+            </a:extLst>
+          </p:cNvPr>
+          <p:cNvSpPr>
+            <a:spLocks noGrp="1"/>
+          </p:cNvSpPr>
+          <p:nvPr>
+            <p:ph type="sldNum" sz="quarter" idx="12"/>
+          </p:nvPr>
+        </p:nvSpPr>
+        <p:spPr/>
+        <p:txBody>
+          <a:bodyPr/>
+          <a:lstStyle/>
+          <a:p>
+            <a:fld id="{D57F1E4F-1CFF-5643-939E-02111984F565}" type="slidenum">
+              <a:rPr lang="en-US" smtClean="0"/>
+              <a:t>26</a:t>
             </a:fld>
             <a:endParaRPr lang="en-US" dirty="0"/>
           </a:p>
@@ -7794,33 +8612,8 @@
           <a:p>
             <a:r>
               <a:rPr lang="en-US" dirty="0"/>
-              <a:t>TRENDS</a:t>
-            </a:r>
-          </a:p>
-        </p:txBody>
-      </p:sp>
-      <p:sp>
-        <p:nvSpPr>
-          <p:cNvPr id="8" name="Content Placeholder 7">
-            <a:extLst>
-              <a:ext uri="{FF2B5EF4-FFF2-40B4-BE49-F238E27FC236}">
-                <a16:creationId xmlns:a16="http://schemas.microsoft.com/office/drawing/2014/main" id="{2BED3EB3-7E98-4A82-8335-7321D9E37B16}"/>
-              </a:ext>
-            </a:extLst>
-          </p:cNvPr>
-          <p:cNvSpPr>
-            <a:spLocks noGrp="1"/>
-          </p:cNvSpPr>
-          <p:nvPr>
-            <p:ph idx="1"/>
-          </p:nvPr>
-        </p:nvSpPr>
-        <p:spPr/>
-        <p:txBody>
-          <a:bodyPr/>
-          <a:lstStyle/>
-          <a:p>
-            <a:endParaRPr lang="en-US"/>
+              <a:t>A SAMPLE TIME SERIES</a:t>
+            </a:r>
           </a:p>
         </p:txBody>
       </p:sp>
@@ -7939,10 +8732,39 @@
           </a:p>
         </p:txBody>
       </p:sp>
+      <p:pic>
+        <p:nvPicPr>
+          <p:cNvPr id="10" name="Picture 9">
+            <a:extLst>
+              <a:ext uri="{FF2B5EF4-FFF2-40B4-BE49-F238E27FC236}">
+                <a16:creationId xmlns:a16="http://schemas.microsoft.com/office/drawing/2014/main" id="{33772C99-D8A9-48D3-AA08-A12DBDE89821}"/>
+              </a:ext>
+            </a:extLst>
+          </p:cNvPr>
+          <p:cNvPicPr>
+            <a:picLocks noChangeAspect="1"/>
+          </p:cNvPicPr>
+          <p:nvPr/>
+        </p:nvPicPr>
+        <p:blipFill>
+          <a:blip r:embed="rId2"/>
+          <a:srcRect/>
+          <a:stretch/>
+        </p:blipFill>
+        <p:spPr>
+          <a:xfrm>
+            <a:off x="2766309" y="1653161"/>
+            <a:ext cx="6732750" cy="4488500"/>
+          </a:xfrm>
+          <a:prstGeom prst="rect">
+            <a:avLst/>
+          </a:prstGeom>
+        </p:spPr>
+      </p:pic>
     </p:spTree>
     <p:extLst>
       <p:ext uri="{BB962C8B-B14F-4D97-AF65-F5344CB8AC3E}">
-        <p14:creationId xmlns:p14="http://schemas.microsoft.com/office/powerpoint/2010/main" val="528821766"/>
+        <p14:creationId xmlns:p14="http://schemas.microsoft.com/office/powerpoint/2010/main" val="3350964736"/>
       </p:ext>
     </p:extLst>
   </p:cSld>
@@ -7992,33 +8814,8 @@
           <a:p>
             <a:r>
               <a:rPr lang="en-US" dirty="0"/>
-              <a:t>PERIODIC COMPONENTS</a:t>
-            </a:r>
-          </a:p>
-        </p:txBody>
-      </p:sp>
-      <p:sp>
-        <p:nvSpPr>
-          <p:cNvPr id="8" name="Content Placeholder 7">
-            <a:extLst>
-              <a:ext uri="{FF2B5EF4-FFF2-40B4-BE49-F238E27FC236}">
-                <a16:creationId xmlns:a16="http://schemas.microsoft.com/office/drawing/2014/main" id="{2BED3EB3-7E98-4A82-8335-7321D9E37B16}"/>
-              </a:ext>
-            </a:extLst>
-          </p:cNvPr>
-          <p:cNvSpPr>
-            <a:spLocks noGrp="1"/>
-          </p:cNvSpPr>
-          <p:nvPr>
-            <p:ph idx="1"/>
-          </p:nvPr>
-        </p:nvSpPr>
-        <p:spPr/>
-        <p:txBody>
-          <a:bodyPr/>
-          <a:lstStyle/>
-          <a:p>
-            <a:endParaRPr lang="en-US" dirty="0"/>
+              <a:t>TRENDS</a:t>
+            </a:r>
           </a:p>
         </p:txBody>
       </p:sp>
@@ -8137,10 +8934,40 @@
           </a:p>
         </p:txBody>
       </p:sp>
+      <p:pic>
+        <p:nvPicPr>
+          <p:cNvPr id="9" name="Picture 8" descr="A picture containing object, wall&#10;&#10;Description automatically generated">
+            <a:extLst>
+              <a:ext uri="{FF2B5EF4-FFF2-40B4-BE49-F238E27FC236}">
+                <a16:creationId xmlns:a16="http://schemas.microsoft.com/office/drawing/2014/main" id="{D1F54434-5FE9-421C-937F-45796FA60BC5}"/>
+              </a:ext>
+            </a:extLst>
+          </p:cNvPr>
+          <p:cNvPicPr>
+            <a:picLocks noChangeAspect="1"/>
+          </p:cNvPicPr>
+          <p:nvPr/>
+        </p:nvPicPr>
+        <p:blipFill>
+          <a:blip r:embed="rId2"/>
+          <a:stretch>
+            <a:fillRect/>
+          </a:stretch>
+        </p:blipFill>
+        <p:spPr>
+          <a:xfrm>
+            <a:off x="2766309" y="1653161"/>
+            <a:ext cx="6732750" cy="4488500"/>
+          </a:xfrm>
+          <a:prstGeom prst="rect">
+            <a:avLst/>
+          </a:prstGeom>
+        </p:spPr>
+      </p:pic>
     </p:spTree>
     <p:extLst>
       <p:ext uri="{BB962C8B-B14F-4D97-AF65-F5344CB8AC3E}">
-        <p14:creationId xmlns:p14="http://schemas.microsoft.com/office/powerpoint/2010/main" val="2609791034"/>
+        <p14:creationId xmlns:p14="http://schemas.microsoft.com/office/powerpoint/2010/main" val="528821766"/>
       </p:ext>
     </p:extLst>
   </p:cSld>

--- a/tsa/Introduction to Time Series Analysis.pptx
+++ b/tsa/Introduction to Time Series Analysis.pptx
@@ -5,7 +5,7 @@
     <p:sldMasterId id="2147483707" r:id="rId1"/>
   </p:sldMasterIdLst>
   <p:notesMasterIdLst>
-    <p:notesMasterId r:id="rId28"/>
+    <p:notesMasterId r:id="rId29"/>
   </p:notesMasterIdLst>
   <p:sldIdLst>
     <p:sldId id="266" r:id="rId2"/>
@@ -22,18 +22,19 @@
     <p:sldId id="294" r:id="rId13"/>
     <p:sldId id="295" r:id="rId14"/>
     <p:sldId id="277" r:id="rId15"/>
-    <p:sldId id="276" r:id="rId16"/>
-    <p:sldId id="273" r:id="rId17"/>
-    <p:sldId id="274" r:id="rId18"/>
-    <p:sldId id="275" r:id="rId19"/>
-    <p:sldId id="279" r:id="rId20"/>
-    <p:sldId id="280" r:id="rId21"/>
-    <p:sldId id="281" r:id="rId22"/>
-    <p:sldId id="282" r:id="rId23"/>
-    <p:sldId id="283" r:id="rId24"/>
-    <p:sldId id="284" r:id="rId25"/>
-    <p:sldId id="285" r:id="rId26"/>
-    <p:sldId id="268" r:id="rId27"/>
+    <p:sldId id="296" r:id="rId16"/>
+    <p:sldId id="276" r:id="rId17"/>
+    <p:sldId id="273" r:id="rId18"/>
+    <p:sldId id="274" r:id="rId19"/>
+    <p:sldId id="275" r:id="rId20"/>
+    <p:sldId id="279" r:id="rId21"/>
+    <p:sldId id="280" r:id="rId22"/>
+    <p:sldId id="281" r:id="rId23"/>
+    <p:sldId id="282" r:id="rId24"/>
+    <p:sldId id="283" r:id="rId25"/>
+    <p:sldId id="284" r:id="rId26"/>
+    <p:sldId id="285" r:id="rId27"/>
+    <p:sldId id="268" r:id="rId28"/>
   </p:sldIdLst>
   <p:sldSz cx="12192000" cy="6858000"/>
   <p:notesSz cx="6858000" cy="9144000"/>
@@ -4724,31 +4725,35 @@
           </a:p>
         </p:txBody>
       </p:sp>
-      <p:sp>
-        <p:nvSpPr>
-          <p:cNvPr id="8" name="Content Placeholder 7">
-            <a:extLst>
-              <a:ext uri="{FF2B5EF4-FFF2-40B4-BE49-F238E27FC236}">
-                <a16:creationId xmlns:a16="http://schemas.microsoft.com/office/drawing/2014/main" id="{2BED3EB3-7E98-4A82-8335-7321D9E37B16}"/>
-              </a:ext>
-            </a:extLst>
-          </p:cNvPr>
-          <p:cNvSpPr>
-            <a:spLocks noGrp="1"/>
-          </p:cNvSpPr>
+      <p:pic>
+        <p:nvPicPr>
+          <p:cNvPr id="3" name="Content Placeholder 2" descr="A screenshot of a cell phone&#10;&#10;Description automatically generated">
+            <a:extLst>
+              <a:ext uri="{FF2B5EF4-FFF2-40B4-BE49-F238E27FC236}">
+                <a16:creationId xmlns:a16="http://schemas.microsoft.com/office/drawing/2014/main" id="{E1134249-FB42-45A5-8E66-082581C5131C}"/>
+              </a:ext>
+            </a:extLst>
+          </p:cNvPr>
+          <p:cNvPicPr>
+            <a:picLocks noGrp="1" noChangeAspect="1"/>
+          </p:cNvPicPr>
           <p:nvPr>
             <p:ph idx="1"/>
           </p:nvPr>
-        </p:nvSpPr>
-        <p:spPr/>
-        <p:txBody>
-          <a:bodyPr/>
-          <a:lstStyle/>
-          <a:p>
-            <a:endParaRPr lang="en-US" dirty="0"/>
-          </a:p>
-        </p:txBody>
-      </p:sp>
+        </p:nvPicPr>
+        <p:blipFill>
+          <a:blip r:embed="rId2"/>
+          <a:stretch>
+            <a:fillRect/>
+          </a:stretch>
+        </p:blipFill>
+        <p:spPr>
+          <a:xfrm>
+            <a:off x="4355465" y="1825625"/>
+            <a:ext cx="3481070" cy="4351338"/>
+          </a:xfrm>
+        </p:spPr>
+      </p:pic>
       <p:sp>
         <p:nvSpPr>
           <p:cNvPr id="4" name="Date Placeholder 3">
@@ -4917,33 +4922,8 @@
           <a:p>
             <a:r>
               <a:rPr lang="en-US" dirty="0"/>
-              <a:t>WHITE NOISE</a:t>
-            </a:r>
-          </a:p>
-        </p:txBody>
-      </p:sp>
-      <p:sp>
-        <p:nvSpPr>
-          <p:cNvPr id="8" name="Content Placeholder 7">
-            <a:extLst>
-              <a:ext uri="{FF2B5EF4-FFF2-40B4-BE49-F238E27FC236}">
-                <a16:creationId xmlns:a16="http://schemas.microsoft.com/office/drawing/2014/main" id="{2BED3EB3-7E98-4A82-8335-7321D9E37B16}"/>
-              </a:ext>
-            </a:extLst>
-          </p:cNvPr>
-          <p:cNvSpPr>
-            <a:spLocks noGrp="1"/>
-          </p:cNvSpPr>
-          <p:nvPr>
-            <p:ph idx="1"/>
-          </p:nvPr>
-        </p:nvSpPr>
-        <p:spPr/>
-        <p:txBody>
-          <a:bodyPr/>
-          <a:lstStyle/>
-          <a:p>
-            <a:endParaRPr lang="en-US" dirty="0"/>
+              <a:t>LOOKING BACK AT IT</a:t>
+            </a:r>
           </a:p>
         </p:txBody>
       </p:sp>
@@ -5062,10 +5042,39 @@
           </a:p>
         </p:txBody>
       </p:sp>
+      <p:pic>
+        <p:nvPicPr>
+          <p:cNvPr id="10" name="Picture 9">
+            <a:extLst>
+              <a:ext uri="{FF2B5EF4-FFF2-40B4-BE49-F238E27FC236}">
+                <a16:creationId xmlns:a16="http://schemas.microsoft.com/office/drawing/2014/main" id="{33772C99-D8A9-48D3-AA08-A12DBDE89821}"/>
+              </a:ext>
+            </a:extLst>
+          </p:cNvPr>
+          <p:cNvPicPr>
+            <a:picLocks noChangeAspect="1"/>
+          </p:cNvPicPr>
+          <p:nvPr/>
+        </p:nvPicPr>
+        <p:blipFill>
+          <a:blip r:embed="rId2"/>
+          <a:srcRect/>
+          <a:stretch/>
+        </p:blipFill>
+        <p:spPr>
+          <a:xfrm>
+            <a:off x="2766309" y="1653161"/>
+            <a:ext cx="6732750" cy="4488500"/>
+          </a:xfrm>
+          <a:prstGeom prst="rect">
+            <a:avLst/>
+          </a:prstGeom>
+        </p:spPr>
+      </p:pic>
     </p:spTree>
     <p:extLst>
       <p:ext uri="{BB962C8B-B14F-4D97-AF65-F5344CB8AC3E}">
-        <p14:creationId xmlns:p14="http://schemas.microsoft.com/office/powerpoint/2010/main" val="4091772932"/>
+        <p14:creationId xmlns:p14="http://schemas.microsoft.com/office/powerpoint/2010/main" val="2868716087"/>
       </p:ext>
     </p:extLst>
   </p:cSld>
@@ -5097,7 +5106,7 @@
           <p:cNvPr id="7" name="Title 6">
             <a:extLst>
               <a:ext uri="{FF2B5EF4-FFF2-40B4-BE49-F238E27FC236}">
-                <a16:creationId xmlns:a16="http://schemas.microsoft.com/office/drawing/2014/main" id="{184E2338-1026-45D4-9455-B21A88F18B28}"/>
+                <a16:creationId xmlns:a16="http://schemas.microsoft.com/office/drawing/2014/main" id="{495B4BC0-844B-4414-A623-BEF78AAC1BA1}"/>
               </a:ext>
             </a:extLst>
           </p:cNvPr>
@@ -5115,42 +5124,41 @@
           <a:p>
             <a:r>
               <a:rPr lang="en-US" dirty="0"/>
-              <a:t>HOW TO MAKE YOUR</a:t>
-            </a:r>
-            <a:br>
+              <a:t>WHITE NOISE</a:t>
+            </a:r>
+          </a:p>
+        </p:txBody>
+      </p:sp>
+      <p:sp>
+        <p:nvSpPr>
+          <p:cNvPr id="8" name="Content Placeholder 7">
+            <a:extLst>
+              <a:ext uri="{FF2B5EF4-FFF2-40B4-BE49-F238E27FC236}">
+                <a16:creationId xmlns:a16="http://schemas.microsoft.com/office/drawing/2014/main" id="{2BED3EB3-7E98-4A82-8335-7321D9E37B16}"/>
+              </a:ext>
+            </a:extLst>
+          </p:cNvPr>
+          <p:cNvSpPr>
+            <a:spLocks noGrp="1"/>
+          </p:cNvSpPr>
+          <p:nvPr>
+            <p:ph idx="1"/>
+          </p:nvPr>
+        </p:nvSpPr>
+        <p:spPr/>
+        <p:txBody>
+          <a:bodyPr/>
+          <a:lstStyle/>
+          <a:p>
+            <a:r>
               <a:rPr lang="en-US" dirty="0"/>
-            </a:br>
+              <a:t>Not very easy to quantify, but the assumption is that there is some randomness we haven’t accounted for</a:t>
+            </a:r>
+          </a:p>
+          <a:p>
             <a:r>
               <a:rPr lang="en-US" dirty="0"/>
-              <a:t>DATA STATIONARY</a:t>
-            </a:r>
-          </a:p>
-        </p:txBody>
-      </p:sp>
-      <p:sp>
-        <p:nvSpPr>
-          <p:cNvPr id="8" name="Text Placeholder 7">
-            <a:extLst>
-              <a:ext uri="{FF2B5EF4-FFF2-40B4-BE49-F238E27FC236}">
-                <a16:creationId xmlns:a16="http://schemas.microsoft.com/office/drawing/2014/main" id="{DB42CCAB-C8E2-48A8-A9DF-EB0383A8B33C}"/>
-              </a:ext>
-            </a:extLst>
-          </p:cNvPr>
-          <p:cNvSpPr>
-            <a:spLocks noGrp="1"/>
-          </p:cNvSpPr>
-          <p:nvPr>
-            <p:ph type="body" idx="1"/>
-          </p:nvPr>
-        </p:nvSpPr>
-        <p:spPr/>
-        <p:txBody>
-          <a:bodyPr/>
-          <a:lstStyle/>
-          <a:p>
-            <a:r>
-              <a:rPr lang="en-US" dirty="0"/>
-              <a:t>Make your data appetizing for modeling</a:t>
+              <a:t>The statistician’s approach: assume this randomness behaves nicely so we can build some great models!</a:t>
             </a:r>
           </a:p>
         </p:txBody>
@@ -5160,7 +5168,7 @@
           <p:cNvPr id="4" name="Date Placeholder 3">
             <a:extLst>
               <a:ext uri="{FF2B5EF4-FFF2-40B4-BE49-F238E27FC236}">
-                <a16:creationId xmlns:a16="http://schemas.microsoft.com/office/drawing/2014/main" id="{1CA94ACB-62A5-4F09-8C21-F0CE9BFB1606}"/>
+                <a16:creationId xmlns:a16="http://schemas.microsoft.com/office/drawing/2014/main" id="{540F37F1-4F33-429F-A568-1A3ADC499E54}"/>
               </a:ext>
             </a:extLst>
           </p:cNvPr>
@@ -5176,7 +5184,7 @@
           <a:bodyPr/>
           <a:lstStyle/>
           <a:p>
-            <a:fld id="{8AAE40A0-A7D8-4DC3-BC9E-BADA32DA2004}" type="datetime4">
+            <a:fld id="{B08FEED8-D7D4-44E9-BFBC-ED06B5996D94}" type="datetime4">
               <a:rPr lang="en-US" smtClean="0"/>
               <a:t>July 29, 2019</a:t>
             </a:fld>
@@ -5189,7 +5197,7 @@
           <p:cNvPr id="5" name="Footer Placeholder 4">
             <a:extLst>
               <a:ext uri="{FF2B5EF4-FFF2-40B4-BE49-F238E27FC236}">
-                <a16:creationId xmlns:a16="http://schemas.microsoft.com/office/drawing/2014/main" id="{D20B02B0-893D-4696-B6F7-A126B8D18E99}"/>
+                <a16:creationId xmlns:a16="http://schemas.microsoft.com/office/drawing/2014/main" id="{673FFA57-C126-4795-A5F6-DD33AAC5ACBD}"/>
               </a:ext>
             </a:extLst>
           </p:cNvPr>
@@ -5246,7 +5254,7 @@
           <p:cNvPr id="6" name="Slide Number Placeholder 5">
             <a:extLst>
               <a:ext uri="{FF2B5EF4-FFF2-40B4-BE49-F238E27FC236}">
-                <a16:creationId xmlns:a16="http://schemas.microsoft.com/office/drawing/2014/main" id="{1CFDA495-0063-4571-8969-0DD770DB39E0}"/>
+                <a16:creationId xmlns:a16="http://schemas.microsoft.com/office/drawing/2014/main" id="{2FA49567-BB70-4798-8746-D0B522CCEE20}"/>
               </a:ext>
             </a:extLst>
           </p:cNvPr>
@@ -5273,7 +5281,7 @@
     </p:spTree>
     <p:extLst>
       <p:ext uri="{BB962C8B-B14F-4D97-AF65-F5344CB8AC3E}">
-        <p14:creationId xmlns:p14="http://schemas.microsoft.com/office/powerpoint/2010/main" val="3850339889"/>
+        <p14:creationId xmlns:p14="http://schemas.microsoft.com/office/powerpoint/2010/main" val="4091772932"/>
       </p:ext>
     </p:extLst>
   </p:cSld>
@@ -5305,7 +5313,7 @@
           <p:cNvPr id="7" name="Title 6">
             <a:extLst>
               <a:ext uri="{FF2B5EF4-FFF2-40B4-BE49-F238E27FC236}">
-                <a16:creationId xmlns:a16="http://schemas.microsoft.com/office/drawing/2014/main" id="{495B4BC0-844B-4414-A623-BEF78AAC1BA1}"/>
+                <a16:creationId xmlns:a16="http://schemas.microsoft.com/office/drawing/2014/main" id="{184E2338-1026-45D4-9455-B21A88F18B28}"/>
               </a:ext>
             </a:extLst>
           </p:cNvPr>
@@ -5323,33 +5331,43 @@
           <a:p>
             <a:r>
               <a:rPr lang="en-US" dirty="0"/>
-              <a:t>STATIONARITY</a:t>
-            </a:r>
-          </a:p>
-        </p:txBody>
-      </p:sp>
-      <p:sp>
-        <p:nvSpPr>
-          <p:cNvPr id="8" name="Content Placeholder 7">
-            <a:extLst>
-              <a:ext uri="{FF2B5EF4-FFF2-40B4-BE49-F238E27FC236}">
-                <a16:creationId xmlns:a16="http://schemas.microsoft.com/office/drawing/2014/main" id="{2BED3EB3-7E98-4A82-8335-7321D9E37B16}"/>
-              </a:ext>
-            </a:extLst>
-          </p:cNvPr>
-          <p:cNvSpPr>
-            <a:spLocks noGrp="1"/>
-          </p:cNvSpPr>
-          <p:nvPr>
-            <p:ph idx="1"/>
-          </p:nvPr>
-        </p:nvSpPr>
-        <p:spPr/>
-        <p:txBody>
-          <a:bodyPr/>
-          <a:lstStyle/>
-          <a:p>
-            <a:endParaRPr lang="en-US" dirty="0"/>
+              <a:t>HOW TO MAKE YOUR</a:t>
+            </a:r>
+            <a:br>
+              <a:rPr lang="en-US" dirty="0"/>
+            </a:br>
+            <a:r>
+              <a:rPr lang="en-US" dirty="0"/>
+              <a:t>DATA STATIONARY</a:t>
+            </a:r>
+          </a:p>
+        </p:txBody>
+      </p:sp>
+      <p:sp>
+        <p:nvSpPr>
+          <p:cNvPr id="8" name="Text Placeholder 7">
+            <a:extLst>
+              <a:ext uri="{FF2B5EF4-FFF2-40B4-BE49-F238E27FC236}">
+                <a16:creationId xmlns:a16="http://schemas.microsoft.com/office/drawing/2014/main" id="{DB42CCAB-C8E2-48A8-A9DF-EB0383A8B33C}"/>
+              </a:ext>
+            </a:extLst>
+          </p:cNvPr>
+          <p:cNvSpPr>
+            <a:spLocks noGrp="1"/>
+          </p:cNvSpPr>
+          <p:nvPr>
+            <p:ph type="body" idx="1"/>
+          </p:nvPr>
+        </p:nvSpPr>
+        <p:spPr/>
+        <p:txBody>
+          <a:bodyPr/>
+          <a:lstStyle/>
+          <a:p>
+            <a:r>
+              <a:rPr lang="en-US" dirty="0"/>
+              <a:t>Make your data appetizing for modeling</a:t>
+            </a:r>
           </a:p>
         </p:txBody>
       </p:sp>
@@ -5358,7 +5376,7 @@
           <p:cNvPr id="4" name="Date Placeholder 3">
             <a:extLst>
               <a:ext uri="{FF2B5EF4-FFF2-40B4-BE49-F238E27FC236}">
-                <a16:creationId xmlns:a16="http://schemas.microsoft.com/office/drawing/2014/main" id="{540F37F1-4F33-429F-A568-1A3ADC499E54}"/>
+                <a16:creationId xmlns:a16="http://schemas.microsoft.com/office/drawing/2014/main" id="{1CA94ACB-62A5-4F09-8C21-F0CE9BFB1606}"/>
               </a:ext>
             </a:extLst>
           </p:cNvPr>
@@ -5374,7 +5392,7 @@
           <a:bodyPr/>
           <a:lstStyle/>
           <a:p>
-            <a:fld id="{B08FEED8-D7D4-44E9-BFBC-ED06B5996D94}" type="datetime4">
+            <a:fld id="{8AAE40A0-A7D8-4DC3-BC9E-BADA32DA2004}" type="datetime4">
               <a:rPr lang="en-US" smtClean="0"/>
               <a:t>July 29, 2019</a:t>
             </a:fld>
@@ -5387,7 +5405,7 @@
           <p:cNvPr id="5" name="Footer Placeholder 4">
             <a:extLst>
               <a:ext uri="{FF2B5EF4-FFF2-40B4-BE49-F238E27FC236}">
-                <a16:creationId xmlns:a16="http://schemas.microsoft.com/office/drawing/2014/main" id="{673FFA57-C126-4795-A5F6-DD33AAC5ACBD}"/>
+                <a16:creationId xmlns:a16="http://schemas.microsoft.com/office/drawing/2014/main" id="{D20B02B0-893D-4696-B6F7-A126B8D18E99}"/>
               </a:ext>
             </a:extLst>
           </p:cNvPr>
@@ -5444,7 +5462,7 @@
           <p:cNvPr id="6" name="Slide Number Placeholder 5">
             <a:extLst>
               <a:ext uri="{FF2B5EF4-FFF2-40B4-BE49-F238E27FC236}">
-                <a16:creationId xmlns:a16="http://schemas.microsoft.com/office/drawing/2014/main" id="{2FA49567-BB70-4798-8746-D0B522CCEE20}"/>
+                <a16:creationId xmlns:a16="http://schemas.microsoft.com/office/drawing/2014/main" id="{1CFDA495-0063-4571-8969-0DD770DB39E0}"/>
               </a:ext>
             </a:extLst>
           </p:cNvPr>
@@ -5471,7 +5489,7 @@
     </p:spTree>
     <p:extLst>
       <p:ext uri="{BB962C8B-B14F-4D97-AF65-F5344CB8AC3E}">
-        <p14:creationId xmlns:p14="http://schemas.microsoft.com/office/powerpoint/2010/main" val="3590493067"/>
+        <p14:creationId xmlns:p14="http://schemas.microsoft.com/office/powerpoint/2010/main" val="3850339889"/>
       </p:ext>
     </p:extLst>
   </p:cSld>
@@ -5521,7 +5539,7 @@
           <a:p>
             <a:r>
               <a:rPr lang="en-US" dirty="0"/>
-              <a:t>DETRENDING</a:t>
+              <a:t>STATIONARITY</a:t>
             </a:r>
           </a:p>
         </p:txBody>
@@ -5669,7 +5687,7 @@
     </p:spTree>
     <p:extLst>
       <p:ext uri="{BB962C8B-B14F-4D97-AF65-F5344CB8AC3E}">
-        <p14:creationId xmlns:p14="http://schemas.microsoft.com/office/powerpoint/2010/main" val="4109370477"/>
+        <p14:creationId xmlns:p14="http://schemas.microsoft.com/office/powerpoint/2010/main" val="3590493067"/>
       </p:ext>
     </p:extLst>
   </p:cSld>
@@ -5698,10 +5716,10 @@
       </p:grpSpPr>
       <p:sp>
         <p:nvSpPr>
-          <p:cNvPr id="2" name="Title 1">
-            <a:extLst>
-              <a:ext uri="{FF2B5EF4-FFF2-40B4-BE49-F238E27FC236}">
-                <a16:creationId xmlns:a16="http://schemas.microsoft.com/office/drawing/2014/main" id="{A694862C-8B28-4EF5-9C6F-0187B05C2B03}"/>
+          <p:cNvPr id="7" name="Title 6">
+            <a:extLst>
+              <a:ext uri="{FF2B5EF4-FFF2-40B4-BE49-F238E27FC236}">
+                <a16:creationId xmlns:a16="http://schemas.microsoft.com/office/drawing/2014/main" id="{495B4BC0-844B-4414-A623-BEF78AAC1BA1}"/>
               </a:ext>
             </a:extLst>
           </p:cNvPr>
@@ -5719,17 +5737,17 @@
           <a:p>
             <a:r>
               <a:rPr lang="en-US" dirty="0"/>
-              <a:t>LAGGING</a:t>
-            </a:r>
-          </a:p>
-        </p:txBody>
-      </p:sp>
-      <p:sp>
-        <p:nvSpPr>
-          <p:cNvPr id="3" name="Content Placeholder 2">
-            <a:extLst>
-              <a:ext uri="{FF2B5EF4-FFF2-40B4-BE49-F238E27FC236}">
-                <a16:creationId xmlns:a16="http://schemas.microsoft.com/office/drawing/2014/main" id="{5DFC40A6-4344-46B7-89C4-4E16031C9B39}"/>
+              <a:t>DETRENDING</a:t>
+            </a:r>
+          </a:p>
+        </p:txBody>
+      </p:sp>
+      <p:sp>
+        <p:nvSpPr>
+          <p:cNvPr id="8" name="Content Placeholder 7">
+            <a:extLst>
+              <a:ext uri="{FF2B5EF4-FFF2-40B4-BE49-F238E27FC236}">
+                <a16:creationId xmlns:a16="http://schemas.microsoft.com/office/drawing/2014/main" id="{2BED3EB3-7E98-4A82-8335-7321D9E37B16}"/>
               </a:ext>
             </a:extLst>
           </p:cNvPr>
@@ -5745,7 +5763,7 @@
           <a:bodyPr/>
           <a:lstStyle/>
           <a:p>
-            <a:endParaRPr lang="en-US"/>
+            <a:endParaRPr lang="en-US" dirty="0"/>
           </a:p>
         </p:txBody>
       </p:sp>
@@ -5754,7 +5772,7 @@
           <p:cNvPr id="4" name="Date Placeholder 3">
             <a:extLst>
               <a:ext uri="{FF2B5EF4-FFF2-40B4-BE49-F238E27FC236}">
-                <a16:creationId xmlns:a16="http://schemas.microsoft.com/office/drawing/2014/main" id="{ADEE79BB-4734-4439-A76F-2976CABC29C1}"/>
+                <a16:creationId xmlns:a16="http://schemas.microsoft.com/office/drawing/2014/main" id="{540F37F1-4F33-429F-A568-1A3ADC499E54}"/>
               </a:ext>
             </a:extLst>
           </p:cNvPr>
@@ -5770,7 +5788,7 @@
           <a:bodyPr/>
           <a:lstStyle/>
           <a:p>
-            <a:fld id="{8AAE40A0-A7D8-4DC3-BC9E-BADA32DA2004}" type="datetime4">
+            <a:fld id="{B08FEED8-D7D4-44E9-BFBC-ED06B5996D94}" type="datetime4">
               <a:rPr lang="en-US" smtClean="0"/>
               <a:t>July 29, 2019</a:t>
             </a:fld>
@@ -5783,7 +5801,7 @@
           <p:cNvPr id="5" name="Footer Placeholder 4">
             <a:extLst>
               <a:ext uri="{FF2B5EF4-FFF2-40B4-BE49-F238E27FC236}">
-                <a16:creationId xmlns:a16="http://schemas.microsoft.com/office/drawing/2014/main" id="{14093F74-35B5-4B3E-BE77-B47F35290D05}"/>
+                <a16:creationId xmlns:a16="http://schemas.microsoft.com/office/drawing/2014/main" id="{673FFA57-C126-4795-A5F6-DD33AAC5ACBD}"/>
               </a:ext>
             </a:extLst>
           </p:cNvPr>
@@ -5840,7 +5858,7 @@
           <p:cNvPr id="6" name="Slide Number Placeholder 5">
             <a:extLst>
               <a:ext uri="{FF2B5EF4-FFF2-40B4-BE49-F238E27FC236}">
-                <a16:creationId xmlns:a16="http://schemas.microsoft.com/office/drawing/2014/main" id="{76F6E8AA-9A3E-467A-A16A-CED9E58CFA80}"/>
+                <a16:creationId xmlns:a16="http://schemas.microsoft.com/office/drawing/2014/main" id="{2FA49567-BB70-4798-8746-D0B522CCEE20}"/>
               </a:ext>
             </a:extLst>
           </p:cNvPr>
@@ -5867,7 +5885,7 @@
     </p:spTree>
     <p:extLst>
       <p:ext uri="{BB962C8B-B14F-4D97-AF65-F5344CB8AC3E}">
-        <p14:creationId xmlns:p14="http://schemas.microsoft.com/office/powerpoint/2010/main" val="3805551099"/>
+        <p14:creationId xmlns:p14="http://schemas.microsoft.com/office/powerpoint/2010/main" val="4109370477"/>
       </p:ext>
     </p:extLst>
   </p:cSld>
@@ -6062,7 +6080,7 @@
           <p:cNvPr id="2" name="Title 1">
             <a:extLst>
               <a:ext uri="{FF2B5EF4-FFF2-40B4-BE49-F238E27FC236}">
-                <a16:creationId xmlns:a16="http://schemas.microsoft.com/office/drawing/2014/main" id="{84FE5820-4288-4CB6-888A-5CBF5468888C}"/>
+                <a16:creationId xmlns:a16="http://schemas.microsoft.com/office/drawing/2014/main" id="{A694862C-8B28-4EF5-9C6F-0187B05C2B03}"/>
               </a:ext>
             </a:extLst>
           </p:cNvPr>
@@ -6080,7 +6098,7 @@
           <a:p>
             <a:r>
               <a:rPr lang="en-US" dirty="0"/>
-              <a:t>LAGGED SCATTERPLOTS</a:t>
+              <a:t>LAGGING</a:t>
             </a:r>
           </a:p>
         </p:txBody>
@@ -6090,7 +6108,7 @@
           <p:cNvPr id="3" name="Content Placeholder 2">
             <a:extLst>
               <a:ext uri="{FF2B5EF4-FFF2-40B4-BE49-F238E27FC236}">
-                <a16:creationId xmlns:a16="http://schemas.microsoft.com/office/drawing/2014/main" id="{2952943F-FC31-4BE3-AB00-BAB4B12957BE}"/>
+                <a16:creationId xmlns:a16="http://schemas.microsoft.com/office/drawing/2014/main" id="{5DFC40A6-4344-46B7-89C4-4E16031C9B39}"/>
               </a:ext>
             </a:extLst>
           </p:cNvPr>
@@ -6106,7 +6124,7 @@
           <a:bodyPr/>
           <a:lstStyle/>
           <a:p>
-            <a:endParaRPr lang="en-US" dirty="0"/>
+            <a:endParaRPr lang="en-US"/>
           </a:p>
         </p:txBody>
       </p:sp>
@@ -6115,7 +6133,7 @@
           <p:cNvPr id="4" name="Date Placeholder 3">
             <a:extLst>
               <a:ext uri="{FF2B5EF4-FFF2-40B4-BE49-F238E27FC236}">
-                <a16:creationId xmlns:a16="http://schemas.microsoft.com/office/drawing/2014/main" id="{F716348B-D7FE-46ED-8C48-CF5A55FF31CF}"/>
+                <a16:creationId xmlns:a16="http://schemas.microsoft.com/office/drawing/2014/main" id="{ADEE79BB-4734-4439-A76F-2976CABC29C1}"/>
               </a:ext>
             </a:extLst>
           </p:cNvPr>
@@ -6144,7 +6162,7 @@
           <p:cNvPr id="5" name="Footer Placeholder 4">
             <a:extLst>
               <a:ext uri="{FF2B5EF4-FFF2-40B4-BE49-F238E27FC236}">
-                <a16:creationId xmlns:a16="http://schemas.microsoft.com/office/drawing/2014/main" id="{34059279-A1E7-4F19-B4BF-8C6B59A4CEFF}"/>
+                <a16:creationId xmlns:a16="http://schemas.microsoft.com/office/drawing/2014/main" id="{14093F74-35B5-4B3E-BE77-B47F35290D05}"/>
               </a:ext>
             </a:extLst>
           </p:cNvPr>
@@ -6201,7 +6219,7 @@
           <p:cNvPr id="6" name="Slide Number Placeholder 5">
             <a:extLst>
               <a:ext uri="{FF2B5EF4-FFF2-40B4-BE49-F238E27FC236}">
-                <a16:creationId xmlns:a16="http://schemas.microsoft.com/office/drawing/2014/main" id="{DE722C41-7366-4DE2-9AF4-E75E189A7733}"/>
+                <a16:creationId xmlns:a16="http://schemas.microsoft.com/office/drawing/2014/main" id="{76F6E8AA-9A3E-467A-A16A-CED9E58CFA80}"/>
               </a:ext>
             </a:extLst>
           </p:cNvPr>
@@ -6228,7 +6246,7 @@
     </p:spTree>
     <p:extLst>
       <p:ext uri="{BB962C8B-B14F-4D97-AF65-F5344CB8AC3E}">
-        <p14:creationId xmlns:p14="http://schemas.microsoft.com/office/powerpoint/2010/main" val="2399367561"/>
+        <p14:creationId xmlns:p14="http://schemas.microsoft.com/office/powerpoint/2010/main" val="3805551099"/>
       </p:ext>
     </p:extLst>
   </p:cSld>
@@ -6257,10 +6275,10 @@
       </p:grpSpPr>
       <p:sp>
         <p:nvSpPr>
-          <p:cNvPr id="7" name="Title 6">
-            <a:extLst>
-              <a:ext uri="{FF2B5EF4-FFF2-40B4-BE49-F238E27FC236}">
-                <a16:creationId xmlns:a16="http://schemas.microsoft.com/office/drawing/2014/main" id="{7802FB34-7510-47BC-8952-A1FE9728B0BF}"/>
+          <p:cNvPr id="2" name="Title 1">
+            <a:extLst>
+              <a:ext uri="{FF2B5EF4-FFF2-40B4-BE49-F238E27FC236}">
+                <a16:creationId xmlns:a16="http://schemas.microsoft.com/office/drawing/2014/main" id="{84FE5820-4288-4CB6-888A-5CBF5468888C}"/>
               </a:ext>
             </a:extLst>
           </p:cNvPr>
@@ -6278,36 +6296,33 @@
           <a:p>
             <a:r>
               <a:rPr lang="en-US" dirty="0"/>
-              <a:t>ARIMA MODELS</a:t>
-            </a:r>
-          </a:p>
-        </p:txBody>
-      </p:sp>
-      <p:sp>
-        <p:nvSpPr>
-          <p:cNvPr id="8" name="Text Placeholder 7">
-            <a:extLst>
-              <a:ext uri="{FF2B5EF4-FFF2-40B4-BE49-F238E27FC236}">
-                <a16:creationId xmlns:a16="http://schemas.microsoft.com/office/drawing/2014/main" id="{FCA70F1A-579E-4144-AE97-14FFC08FF0F5}"/>
-              </a:ext>
-            </a:extLst>
-          </p:cNvPr>
-          <p:cNvSpPr>
-            <a:spLocks noGrp="1"/>
-          </p:cNvSpPr>
-          <p:nvPr>
-            <p:ph type="body" idx="1"/>
-          </p:nvPr>
-        </p:nvSpPr>
-        <p:spPr/>
-        <p:txBody>
-          <a:bodyPr/>
-          <a:lstStyle/>
-          <a:p>
-            <a:r>
-              <a:rPr lang="en-US" dirty="0"/>
-              <a:t>Interpretable, simple and speedy time series modeling</a:t>
-            </a:r>
+              <a:t>LAGGED SCATTERPLOTS</a:t>
+            </a:r>
+          </a:p>
+        </p:txBody>
+      </p:sp>
+      <p:sp>
+        <p:nvSpPr>
+          <p:cNvPr id="3" name="Content Placeholder 2">
+            <a:extLst>
+              <a:ext uri="{FF2B5EF4-FFF2-40B4-BE49-F238E27FC236}">
+                <a16:creationId xmlns:a16="http://schemas.microsoft.com/office/drawing/2014/main" id="{2952943F-FC31-4BE3-AB00-BAB4B12957BE}"/>
+              </a:ext>
+            </a:extLst>
+          </p:cNvPr>
+          <p:cNvSpPr>
+            <a:spLocks noGrp="1"/>
+          </p:cNvSpPr>
+          <p:nvPr>
+            <p:ph idx="1"/>
+          </p:nvPr>
+        </p:nvSpPr>
+        <p:spPr/>
+        <p:txBody>
+          <a:bodyPr/>
+          <a:lstStyle/>
+          <a:p>
+            <a:endParaRPr lang="en-US" dirty="0"/>
           </a:p>
         </p:txBody>
       </p:sp>
@@ -6316,7 +6331,7 @@
           <p:cNvPr id="4" name="Date Placeholder 3">
             <a:extLst>
               <a:ext uri="{FF2B5EF4-FFF2-40B4-BE49-F238E27FC236}">
-                <a16:creationId xmlns:a16="http://schemas.microsoft.com/office/drawing/2014/main" id="{3AD929EF-0967-4B34-81B8-24D9EF91892E}"/>
+                <a16:creationId xmlns:a16="http://schemas.microsoft.com/office/drawing/2014/main" id="{F716348B-D7FE-46ED-8C48-CF5A55FF31CF}"/>
               </a:ext>
             </a:extLst>
           </p:cNvPr>
@@ -6345,7 +6360,7 @@
           <p:cNvPr id="5" name="Footer Placeholder 4">
             <a:extLst>
               <a:ext uri="{FF2B5EF4-FFF2-40B4-BE49-F238E27FC236}">
-                <a16:creationId xmlns:a16="http://schemas.microsoft.com/office/drawing/2014/main" id="{3B5B35DD-F2EA-40D3-8039-8CD3802B2612}"/>
+                <a16:creationId xmlns:a16="http://schemas.microsoft.com/office/drawing/2014/main" id="{34059279-A1E7-4F19-B4BF-8C6B59A4CEFF}"/>
               </a:ext>
             </a:extLst>
           </p:cNvPr>
@@ -6402,7 +6417,7 @@
           <p:cNvPr id="6" name="Slide Number Placeholder 5">
             <a:extLst>
               <a:ext uri="{FF2B5EF4-FFF2-40B4-BE49-F238E27FC236}">
-                <a16:creationId xmlns:a16="http://schemas.microsoft.com/office/drawing/2014/main" id="{C3EB9A57-323C-47F5-867F-693F95A15FA4}"/>
+                <a16:creationId xmlns:a16="http://schemas.microsoft.com/office/drawing/2014/main" id="{DE722C41-7366-4DE2-9AF4-E75E189A7733}"/>
               </a:ext>
             </a:extLst>
           </p:cNvPr>
@@ -6429,7 +6444,7 @@
     </p:spTree>
     <p:extLst>
       <p:ext uri="{BB962C8B-B14F-4D97-AF65-F5344CB8AC3E}">
-        <p14:creationId xmlns:p14="http://schemas.microsoft.com/office/powerpoint/2010/main" val="107865345"/>
+        <p14:creationId xmlns:p14="http://schemas.microsoft.com/office/powerpoint/2010/main" val="2399367561"/>
       </p:ext>
     </p:extLst>
   </p:cSld>
@@ -6461,7 +6476,7 @@
           <p:cNvPr id="7" name="Title 6">
             <a:extLst>
               <a:ext uri="{FF2B5EF4-FFF2-40B4-BE49-F238E27FC236}">
-                <a16:creationId xmlns:a16="http://schemas.microsoft.com/office/drawing/2014/main" id="{75C0DCD3-95F8-4E1F-BF1A-5FAAB84A40A3}"/>
+                <a16:creationId xmlns:a16="http://schemas.microsoft.com/office/drawing/2014/main" id="{7802FB34-7510-47BC-8952-A1FE9728B0BF}"/>
               </a:ext>
             </a:extLst>
           </p:cNvPr>
@@ -6479,33 +6494,36 @@
           <a:p>
             <a:r>
               <a:rPr lang="en-US" dirty="0"/>
-              <a:t>ARIMA</a:t>
-            </a:r>
-          </a:p>
-        </p:txBody>
-      </p:sp>
-      <p:sp>
-        <p:nvSpPr>
-          <p:cNvPr id="8" name="Content Placeholder 7">
-            <a:extLst>
-              <a:ext uri="{FF2B5EF4-FFF2-40B4-BE49-F238E27FC236}">
-                <a16:creationId xmlns:a16="http://schemas.microsoft.com/office/drawing/2014/main" id="{52BB1FAB-BB61-4B66-A4EA-A0EABC2B3ECA}"/>
-              </a:ext>
-            </a:extLst>
-          </p:cNvPr>
-          <p:cNvSpPr>
-            <a:spLocks noGrp="1"/>
-          </p:cNvSpPr>
-          <p:nvPr>
-            <p:ph idx="1"/>
-          </p:nvPr>
-        </p:nvSpPr>
-        <p:spPr/>
-        <p:txBody>
-          <a:bodyPr/>
-          <a:lstStyle/>
-          <a:p>
-            <a:endParaRPr lang="en-US"/>
+              <a:t>ARIMA MODELS</a:t>
+            </a:r>
+          </a:p>
+        </p:txBody>
+      </p:sp>
+      <p:sp>
+        <p:nvSpPr>
+          <p:cNvPr id="8" name="Text Placeholder 7">
+            <a:extLst>
+              <a:ext uri="{FF2B5EF4-FFF2-40B4-BE49-F238E27FC236}">
+                <a16:creationId xmlns:a16="http://schemas.microsoft.com/office/drawing/2014/main" id="{FCA70F1A-579E-4144-AE97-14FFC08FF0F5}"/>
+              </a:ext>
+            </a:extLst>
+          </p:cNvPr>
+          <p:cNvSpPr>
+            <a:spLocks noGrp="1"/>
+          </p:cNvSpPr>
+          <p:nvPr>
+            <p:ph type="body" idx="1"/>
+          </p:nvPr>
+        </p:nvSpPr>
+        <p:spPr/>
+        <p:txBody>
+          <a:bodyPr/>
+          <a:lstStyle/>
+          <a:p>
+            <a:r>
+              <a:rPr lang="en-US" dirty="0"/>
+              <a:t>Interpretable, simple and speedy time series modeling</a:t>
+            </a:r>
           </a:p>
         </p:txBody>
       </p:sp>
@@ -6514,7 +6532,7 @@
           <p:cNvPr id="4" name="Date Placeholder 3">
             <a:extLst>
               <a:ext uri="{FF2B5EF4-FFF2-40B4-BE49-F238E27FC236}">
-                <a16:creationId xmlns:a16="http://schemas.microsoft.com/office/drawing/2014/main" id="{02256D86-7CE0-416E-B2A3-402D20EE9E90}"/>
+                <a16:creationId xmlns:a16="http://schemas.microsoft.com/office/drawing/2014/main" id="{3AD929EF-0967-4B34-81B8-24D9EF91892E}"/>
               </a:ext>
             </a:extLst>
           </p:cNvPr>
@@ -6530,7 +6548,7 @@
           <a:bodyPr/>
           <a:lstStyle/>
           <a:p>
-            <a:fld id="{B08FEED8-D7D4-44E9-BFBC-ED06B5996D94}" type="datetime4">
+            <a:fld id="{8AAE40A0-A7D8-4DC3-BC9E-BADA32DA2004}" type="datetime4">
               <a:rPr lang="en-US" smtClean="0"/>
               <a:t>July 29, 2019</a:t>
             </a:fld>
@@ -6543,7 +6561,7 @@
           <p:cNvPr id="5" name="Footer Placeholder 4">
             <a:extLst>
               <a:ext uri="{FF2B5EF4-FFF2-40B4-BE49-F238E27FC236}">
-                <a16:creationId xmlns:a16="http://schemas.microsoft.com/office/drawing/2014/main" id="{1D4ED112-7CF4-4BB9-B46E-B366A5054A9A}"/>
+                <a16:creationId xmlns:a16="http://schemas.microsoft.com/office/drawing/2014/main" id="{3B5B35DD-F2EA-40D3-8039-8CD3802B2612}"/>
               </a:ext>
             </a:extLst>
           </p:cNvPr>
@@ -6600,7 +6618,7 @@
           <p:cNvPr id="6" name="Slide Number Placeholder 5">
             <a:extLst>
               <a:ext uri="{FF2B5EF4-FFF2-40B4-BE49-F238E27FC236}">
-                <a16:creationId xmlns:a16="http://schemas.microsoft.com/office/drawing/2014/main" id="{8CC75551-85BF-4C9F-8893-AA28ECA8A6B5}"/>
+                <a16:creationId xmlns:a16="http://schemas.microsoft.com/office/drawing/2014/main" id="{C3EB9A57-323C-47F5-867F-693F95A15FA4}"/>
               </a:ext>
             </a:extLst>
           </p:cNvPr>
@@ -6627,7 +6645,7 @@
     </p:spTree>
     <p:extLst>
       <p:ext uri="{BB962C8B-B14F-4D97-AF65-F5344CB8AC3E}">
-        <p14:creationId xmlns:p14="http://schemas.microsoft.com/office/powerpoint/2010/main" val="1065550565"/>
+        <p14:creationId xmlns:p14="http://schemas.microsoft.com/office/powerpoint/2010/main" val="107865345"/>
       </p:ext>
     </p:extLst>
   </p:cSld>
@@ -6677,7 +6695,7 @@
           <a:p>
             <a:r>
               <a:rPr lang="en-US" dirty="0"/>
-              <a:t>AUTOREGRESSIVE</a:t>
+              <a:t>ARIMA</a:t>
             </a:r>
           </a:p>
         </p:txBody>
@@ -6825,7 +6843,7 @@
     </p:spTree>
     <p:extLst>
       <p:ext uri="{BB962C8B-B14F-4D97-AF65-F5344CB8AC3E}">
-        <p14:creationId xmlns:p14="http://schemas.microsoft.com/office/powerpoint/2010/main" val="4066560549"/>
+        <p14:creationId xmlns:p14="http://schemas.microsoft.com/office/powerpoint/2010/main" val="1065550565"/>
       </p:ext>
     </p:extLst>
   </p:cSld>
@@ -6854,10 +6872,10 @@
       </p:grpSpPr>
       <p:sp>
         <p:nvSpPr>
-          <p:cNvPr id="2" name="Title 1">
-            <a:extLst>
-              <a:ext uri="{FF2B5EF4-FFF2-40B4-BE49-F238E27FC236}">
-                <a16:creationId xmlns:a16="http://schemas.microsoft.com/office/drawing/2014/main" id="{D7EACF90-3E7B-4978-AB0C-ED5165419D19}"/>
+          <p:cNvPr id="7" name="Title 6">
+            <a:extLst>
+              <a:ext uri="{FF2B5EF4-FFF2-40B4-BE49-F238E27FC236}">
+                <a16:creationId xmlns:a16="http://schemas.microsoft.com/office/drawing/2014/main" id="{75C0DCD3-95F8-4E1F-BF1A-5FAAB84A40A3}"/>
               </a:ext>
             </a:extLst>
           </p:cNvPr>
@@ -6875,17 +6893,17 @@
           <a:p>
             <a:r>
               <a:rPr lang="en-US" dirty="0"/>
-              <a:t>MOVING AVERAGE</a:t>
-            </a:r>
-          </a:p>
-        </p:txBody>
-      </p:sp>
-      <p:sp>
-        <p:nvSpPr>
-          <p:cNvPr id="3" name="Content Placeholder 2">
-            <a:extLst>
-              <a:ext uri="{FF2B5EF4-FFF2-40B4-BE49-F238E27FC236}">
-                <a16:creationId xmlns:a16="http://schemas.microsoft.com/office/drawing/2014/main" id="{A7CEFEF5-E74A-4EFE-9368-8FD74B059E10}"/>
+              <a:t>AUTOREGRESSIVE</a:t>
+            </a:r>
+          </a:p>
+        </p:txBody>
+      </p:sp>
+      <p:sp>
+        <p:nvSpPr>
+          <p:cNvPr id="8" name="Content Placeholder 7">
+            <a:extLst>
+              <a:ext uri="{FF2B5EF4-FFF2-40B4-BE49-F238E27FC236}">
+                <a16:creationId xmlns:a16="http://schemas.microsoft.com/office/drawing/2014/main" id="{52BB1FAB-BB61-4B66-A4EA-A0EABC2B3ECA}"/>
               </a:ext>
             </a:extLst>
           </p:cNvPr>
@@ -6910,7 +6928,7 @@
           <p:cNvPr id="4" name="Date Placeholder 3">
             <a:extLst>
               <a:ext uri="{FF2B5EF4-FFF2-40B4-BE49-F238E27FC236}">
-                <a16:creationId xmlns:a16="http://schemas.microsoft.com/office/drawing/2014/main" id="{64E0A09F-EC7A-4EF6-AB3A-0DC48B1B7271}"/>
+                <a16:creationId xmlns:a16="http://schemas.microsoft.com/office/drawing/2014/main" id="{02256D86-7CE0-416E-B2A3-402D20EE9E90}"/>
               </a:ext>
             </a:extLst>
           </p:cNvPr>
@@ -6926,7 +6944,7 @@
           <a:bodyPr/>
           <a:lstStyle/>
           <a:p>
-            <a:fld id="{8AAE40A0-A7D8-4DC3-BC9E-BADA32DA2004}" type="datetime4">
+            <a:fld id="{B08FEED8-D7D4-44E9-BFBC-ED06B5996D94}" type="datetime4">
               <a:rPr lang="en-US" smtClean="0"/>
               <a:t>July 29, 2019</a:t>
             </a:fld>
@@ -6939,7 +6957,7 @@
           <p:cNvPr id="5" name="Footer Placeholder 4">
             <a:extLst>
               <a:ext uri="{FF2B5EF4-FFF2-40B4-BE49-F238E27FC236}">
-                <a16:creationId xmlns:a16="http://schemas.microsoft.com/office/drawing/2014/main" id="{9D8B7F07-2C50-4473-BABC-57C52FDD38D2}"/>
+                <a16:creationId xmlns:a16="http://schemas.microsoft.com/office/drawing/2014/main" id="{1D4ED112-7CF4-4BB9-B46E-B366A5054A9A}"/>
               </a:ext>
             </a:extLst>
           </p:cNvPr>
@@ -6996,7 +7014,7 @@
           <p:cNvPr id="6" name="Slide Number Placeholder 5">
             <a:extLst>
               <a:ext uri="{FF2B5EF4-FFF2-40B4-BE49-F238E27FC236}">
-                <a16:creationId xmlns:a16="http://schemas.microsoft.com/office/drawing/2014/main" id="{6BE5E43E-0696-4C60-A72C-BBB5B4448760}"/>
+                <a16:creationId xmlns:a16="http://schemas.microsoft.com/office/drawing/2014/main" id="{8CC75551-85BF-4C9F-8893-AA28ECA8A6B5}"/>
               </a:ext>
             </a:extLst>
           </p:cNvPr>
@@ -7023,7 +7041,7 @@
     </p:spTree>
     <p:extLst>
       <p:ext uri="{BB962C8B-B14F-4D97-AF65-F5344CB8AC3E}">
-        <p14:creationId xmlns:p14="http://schemas.microsoft.com/office/powerpoint/2010/main" val="3521777765"/>
+        <p14:creationId xmlns:p14="http://schemas.microsoft.com/office/powerpoint/2010/main" val="4066560549"/>
       </p:ext>
     </p:extLst>
   </p:cSld>
@@ -7055,7 +7073,7 @@
           <p:cNvPr id="2" name="Title 1">
             <a:extLst>
               <a:ext uri="{FF2B5EF4-FFF2-40B4-BE49-F238E27FC236}">
-                <a16:creationId xmlns:a16="http://schemas.microsoft.com/office/drawing/2014/main" id="{D1BF0482-6913-4A5E-A533-479864CB5349}"/>
+                <a16:creationId xmlns:a16="http://schemas.microsoft.com/office/drawing/2014/main" id="{D7EACF90-3E7B-4978-AB0C-ED5165419D19}"/>
               </a:ext>
             </a:extLst>
           </p:cNvPr>
@@ -7073,7 +7091,7 @@
           <a:p>
             <a:r>
               <a:rPr lang="en-US" dirty="0"/>
-              <a:t>PLAYING AROUND WITH ARIMA</a:t>
+              <a:t>MOVING AVERAGE</a:t>
             </a:r>
           </a:p>
         </p:txBody>
@@ -7083,7 +7101,7 @@
           <p:cNvPr id="3" name="Content Placeholder 2">
             <a:extLst>
               <a:ext uri="{FF2B5EF4-FFF2-40B4-BE49-F238E27FC236}">
-                <a16:creationId xmlns:a16="http://schemas.microsoft.com/office/drawing/2014/main" id="{D48271C9-2790-46C9-B80B-52D215430CB8}"/>
+                <a16:creationId xmlns:a16="http://schemas.microsoft.com/office/drawing/2014/main" id="{A7CEFEF5-E74A-4EFE-9368-8FD74B059E10}"/>
               </a:ext>
             </a:extLst>
           </p:cNvPr>
@@ -7108,7 +7126,7 @@
           <p:cNvPr id="4" name="Date Placeholder 3">
             <a:extLst>
               <a:ext uri="{FF2B5EF4-FFF2-40B4-BE49-F238E27FC236}">
-                <a16:creationId xmlns:a16="http://schemas.microsoft.com/office/drawing/2014/main" id="{B23DAF35-209C-48FA-AAAB-F69E14183A91}"/>
+                <a16:creationId xmlns:a16="http://schemas.microsoft.com/office/drawing/2014/main" id="{64E0A09F-EC7A-4EF6-AB3A-0DC48B1B7271}"/>
               </a:ext>
             </a:extLst>
           </p:cNvPr>
@@ -7137,7 +7155,7 @@
           <p:cNvPr id="5" name="Footer Placeholder 4">
             <a:extLst>
               <a:ext uri="{FF2B5EF4-FFF2-40B4-BE49-F238E27FC236}">
-                <a16:creationId xmlns:a16="http://schemas.microsoft.com/office/drawing/2014/main" id="{3D8E22A6-180D-41CF-9959-4347A11F2AD1}"/>
+                <a16:creationId xmlns:a16="http://schemas.microsoft.com/office/drawing/2014/main" id="{9D8B7F07-2C50-4473-BABC-57C52FDD38D2}"/>
               </a:ext>
             </a:extLst>
           </p:cNvPr>
@@ -7194,7 +7212,7 @@
           <p:cNvPr id="6" name="Slide Number Placeholder 5">
             <a:extLst>
               <a:ext uri="{FF2B5EF4-FFF2-40B4-BE49-F238E27FC236}">
-                <a16:creationId xmlns:a16="http://schemas.microsoft.com/office/drawing/2014/main" id="{CECE3146-0C2B-4CC7-BC7C-FD23AAF7ECAE}"/>
+                <a16:creationId xmlns:a16="http://schemas.microsoft.com/office/drawing/2014/main" id="{6BE5E43E-0696-4C60-A72C-BBB5B4448760}"/>
               </a:ext>
             </a:extLst>
           </p:cNvPr>
@@ -7221,7 +7239,7 @@
     </p:spTree>
     <p:extLst>
       <p:ext uri="{BB962C8B-B14F-4D97-AF65-F5344CB8AC3E}">
-        <p14:creationId xmlns:p14="http://schemas.microsoft.com/office/powerpoint/2010/main" val="3624540971"/>
+        <p14:creationId xmlns:p14="http://schemas.microsoft.com/office/powerpoint/2010/main" val="3521777765"/>
       </p:ext>
     </p:extLst>
   </p:cSld>
@@ -7250,10 +7268,10 @@
       </p:grpSpPr>
       <p:sp>
         <p:nvSpPr>
-          <p:cNvPr id="7" name="Title 6">
-            <a:extLst>
-              <a:ext uri="{FF2B5EF4-FFF2-40B4-BE49-F238E27FC236}">
-                <a16:creationId xmlns:a16="http://schemas.microsoft.com/office/drawing/2014/main" id="{495B4BC0-844B-4414-A623-BEF78AAC1BA1}"/>
+          <p:cNvPr id="2" name="Title 1">
+            <a:extLst>
+              <a:ext uri="{FF2B5EF4-FFF2-40B4-BE49-F238E27FC236}">
+                <a16:creationId xmlns:a16="http://schemas.microsoft.com/office/drawing/2014/main" id="{D1BF0482-6913-4A5E-A533-479864CB5349}"/>
               </a:ext>
             </a:extLst>
           </p:cNvPr>
@@ -7271,17 +7289,17 @@
           <a:p>
             <a:r>
               <a:rPr lang="en-US" dirty="0"/>
-              <a:t>ACKNOWLEDGMENTS</a:t>
-            </a:r>
-          </a:p>
-        </p:txBody>
-      </p:sp>
-      <p:sp>
-        <p:nvSpPr>
-          <p:cNvPr id="8" name="Content Placeholder 7">
-            <a:extLst>
-              <a:ext uri="{FF2B5EF4-FFF2-40B4-BE49-F238E27FC236}">
-                <a16:creationId xmlns:a16="http://schemas.microsoft.com/office/drawing/2014/main" id="{2BED3EB3-7E98-4A82-8335-7321D9E37B16}"/>
+              <a:t>PLAYING AROUND WITH ARIMA</a:t>
+            </a:r>
+          </a:p>
+        </p:txBody>
+      </p:sp>
+      <p:sp>
+        <p:nvSpPr>
+          <p:cNvPr id="3" name="Content Placeholder 2">
+            <a:extLst>
+              <a:ext uri="{FF2B5EF4-FFF2-40B4-BE49-F238E27FC236}">
+                <a16:creationId xmlns:a16="http://schemas.microsoft.com/office/drawing/2014/main" id="{D48271C9-2790-46C9-B80B-52D215430CB8}"/>
               </a:ext>
             </a:extLst>
           </p:cNvPr>
@@ -7306,7 +7324,7 @@
           <p:cNvPr id="4" name="Date Placeholder 3">
             <a:extLst>
               <a:ext uri="{FF2B5EF4-FFF2-40B4-BE49-F238E27FC236}">
-                <a16:creationId xmlns:a16="http://schemas.microsoft.com/office/drawing/2014/main" id="{540F37F1-4F33-429F-A568-1A3ADC499E54}"/>
+                <a16:creationId xmlns:a16="http://schemas.microsoft.com/office/drawing/2014/main" id="{B23DAF35-209C-48FA-AAAB-F69E14183A91}"/>
               </a:ext>
             </a:extLst>
           </p:cNvPr>
@@ -7322,7 +7340,7 @@
           <a:bodyPr/>
           <a:lstStyle/>
           <a:p>
-            <a:fld id="{B08FEED8-D7D4-44E9-BFBC-ED06B5996D94}" type="datetime4">
+            <a:fld id="{8AAE40A0-A7D8-4DC3-BC9E-BADA32DA2004}" type="datetime4">
               <a:rPr lang="en-US" smtClean="0"/>
               <a:t>July 29, 2019</a:t>
             </a:fld>
@@ -7335,7 +7353,7 @@
           <p:cNvPr id="5" name="Footer Placeholder 4">
             <a:extLst>
               <a:ext uri="{FF2B5EF4-FFF2-40B4-BE49-F238E27FC236}">
-                <a16:creationId xmlns:a16="http://schemas.microsoft.com/office/drawing/2014/main" id="{673FFA57-C126-4795-A5F6-DD33AAC5ACBD}"/>
+                <a16:creationId xmlns:a16="http://schemas.microsoft.com/office/drawing/2014/main" id="{3D8E22A6-180D-41CF-9959-4347A11F2AD1}"/>
               </a:ext>
             </a:extLst>
           </p:cNvPr>
@@ -7392,7 +7410,7 @@
           <p:cNvPr id="6" name="Slide Number Placeholder 5">
             <a:extLst>
               <a:ext uri="{FF2B5EF4-FFF2-40B4-BE49-F238E27FC236}">
-                <a16:creationId xmlns:a16="http://schemas.microsoft.com/office/drawing/2014/main" id="{2FA49567-BB70-4798-8746-D0B522CCEE20}"/>
+                <a16:creationId xmlns:a16="http://schemas.microsoft.com/office/drawing/2014/main" id="{CECE3146-0C2B-4CC7-BC7C-FD23AAF7ECAE}"/>
               </a:ext>
             </a:extLst>
           </p:cNvPr>
@@ -7411,6 +7429,204 @@
             <a:fld id="{D57F1E4F-1CFF-5643-939E-02111984F565}" type="slidenum">
               <a:rPr lang="en-US" smtClean="0"/>
               <a:t>26</a:t>
+            </a:fld>
+            <a:endParaRPr lang="en-US" dirty="0"/>
+          </a:p>
+        </p:txBody>
+      </p:sp>
+    </p:spTree>
+    <p:extLst>
+      <p:ext uri="{BB962C8B-B14F-4D97-AF65-F5344CB8AC3E}">
+        <p14:creationId xmlns:p14="http://schemas.microsoft.com/office/powerpoint/2010/main" val="3624540971"/>
+      </p:ext>
+    </p:extLst>
+  </p:cSld>
+  <p:clrMapOvr>
+    <a:masterClrMapping/>
+  </p:clrMapOvr>
+</p:sld>
+</file>
+
+<file path=ppt/slides/slide27.xml><?xml version="1.0" encoding="utf-8"?>
+<p:sld xmlns:a="http://schemas.openxmlformats.org/drawingml/2006/main" xmlns:r="http://schemas.openxmlformats.org/officeDocument/2006/relationships" xmlns:p="http://schemas.openxmlformats.org/presentationml/2006/main">
+  <p:cSld>
+    <p:spTree>
+      <p:nvGrpSpPr>
+        <p:cNvPr id="1" name=""/>
+        <p:cNvGrpSpPr/>
+        <p:nvPr/>
+      </p:nvGrpSpPr>
+      <p:grpSpPr>
+        <a:xfrm>
+          <a:off x="0" y="0"/>
+          <a:ext cx="0" cy="0"/>
+          <a:chOff x="0" y="0"/>
+          <a:chExt cx="0" cy="0"/>
+        </a:xfrm>
+      </p:grpSpPr>
+      <p:sp>
+        <p:nvSpPr>
+          <p:cNvPr id="7" name="Title 6">
+            <a:extLst>
+              <a:ext uri="{FF2B5EF4-FFF2-40B4-BE49-F238E27FC236}">
+                <a16:creationId xmlns:a16="http://schemas.microsoft.com/office/drawing/2014/main" id="{495B4BC0-844B-4414-A623-BEF78AAC1BA1}"/>
+              </a:ext>
+            </a:extLst>
+          </p:cNvPr>
+          <p:cNvSpPr>
+            <a:spLocks noGrp="1"/>
+          </p:cNvSpPr>
+          <p:nvPr>
+            <p:ph type="title"/>
+          </p:nvPr>
+        </p:nvSpPr>
+        <p:spPr/>
+        <p:txBody>
+          <a:bodyPr/>
+          <a:lstStyle/>
+          <a:p>
+            <a:r>
+              <a:rPr lang="en-US" dirty="0"/>
+              <a:t>ACKNOWLEDGMENTS</a:t>
+            </a:r>
+          </a:p>
+        </p:txBody>
+      </p:sp>
+      <p:sp>
+        <p:nvSpPr>
+          <p:cNvPr id="8" name="Content Placeholder 7">
+            <a:extLst>
+              <a:ext uri="{FF2B5EF4-FFF2-40B4-BE49-F238E27FC236}">
+                <a16:creationId xmlns:a16="http://schemas.microsoft.com/office/drawing/2014/main" id="{2BED3EB3-7E98-4A82-8335-7321D9E37B16}"/>
+              </a:ext>
+            </a:extLst>
+          </p:cNvPr>
+          <p:cNvSpPr>
+            <a:spLocks noGrp="1"/>
+          </p:cNvSpPr>
+          <p:nvPr>
+            <p:ph idx="1"/>
+          </p:nvPr>
+        </p:nvSpPr>
+        <p:spPr/>
+        <p:txBody>
+          <a:bodyPr/>
+          <a:lstStyle/>
+          <a:p>
+            <a:endParaRPr lang="en-US"/>
+          </a:p>
+        </p:txBody>
+      </p:sp>
+      <p:sp>
+        <p:nvSpPr>
+          <p:cNvPr id="4" name="Date Placeholder 3">
+            <a:extLst>
+              <a:ext uri="{FF2B5EF4-FFF2-40B4-BE49-F238E27FC236}">
+                <a16:creationId xmlns:a16="http://schemas.microsoft.com/office/drawing/2014/main" id="{540F37F1-4F33-429F-A568-1A3ADC499E54}"/>
+              </a:ext>
+            </a:extLst>
+          </p:cNvPr>
+          <p:cNvSpPr>
+            <a:spLocks noGrp="1"/>
+          </p:cNvSpPr>
+          <p:nvPr>
+            <p:ph type="dt" sz="half" idx="10"/>
+          </p:nvPr>
+        </p:nvSpPr>
+        <p:spPr/>
+        <p:txBody>
+          <a:bodyPr/>
+          <a:lstStyle/>
+          <a:p>
+            <a:fld id="{B08FEED8-D7D4-44E9-BFBC-ED06B5996D94}" type="datetime4">
+              <a:rPr lang="en-US" smtClean="0"/>
+              <a:t>July 29, 2019</a:t>
+            </a:fld>
+            <a:endParaRPr lang="en-US" dirty="0"/>
+          </a:p>
+        </p:txBody>
+      </p:sp>
+      <p:sp>
+        <p:nvSpPr>
+          <p:cNvPr id="5" name="Footer Placeholder 4">
+            <a:extLst>
+              <a:ext uri="{FF2B5EF4-FFF2-40B4-BE49-F238E27FC236}">
+                <a16:creationId xmlns:a16="http://schemas.microsoft.com/office/drawing/2014/main" id="{673FFA57-C126-4795-A5F6-DD33AAC5ACBD}"/>
+              </a:ext>
+            </a:extLst>
+          </p:cNvPr>
+          <p:cNvSpPr>
+            <a:spLocks noGrp="1"/>
+          </p:cNvSpPr>
+          <p:nvPr>
+            <p:ph type="ftr" sz="quarter" idx="11"/>
+          </p:nvPr>
+        </p:nvSpPr>
+        <p:spPr/>
+        <p:txBody>
+          <a:bodyPr/>
+          <a:lstStyle/>
+          <a:p>
+            <a:r>
+              <a:rPr lang="en-US"/>
+              <a:t>Digital Scholarship Services </a:t>
+            </a:r>
+            <a:r>
+              <a:rPr lang="en-US">
+                <a:solidFill>
+                  <a:schemeClr val="accent1">
+                    <a:lumMod val="50000"/>
+                  </a:schemeClr>
+                </a:solidFill>
+              </a:rPr>
+              <a:t>| Email</a:t>
+            </a:r>
+            <a:r>
+              <a:rPr lang="en-US"/>
+              <a:t> cf24@rice.edu </a:t>
+            </a:r>
+            <a:r>
+              <a:rPr lang="en-US">
+                <a:solidFill>
+                  <a:schemeClr val="accent1">
+                    <a:lumMod val="50000"/>
+                  </a:schemeClr>
+                </a:solidFill>
+              </a:rPr>
+              <a:t>|</a:t>
+            </a:r>
+            <a:r>
+              <a:rPr lang="en-US"/>
+              <a:t> library.rice.edu/dss</a:t>
+            </a:r>
+            <a:endParaRPr lang="en-US" dirty="0"/>
+          </a:p>
+        </p:txBody>
+      </p:sp>
+      <p:sp>
+        <p:nvSpPr>
+          <p:cNvPr id="6" name="Slide Number Placeholder 5">
+            <a:extLst>
+              <a:ext uri="{FF2B5EF4-FFF2-40B4-BE49-F238E27FC236}">
+                <a16:creationId xmlns:a16="http://schemas.microsoft.com/office/drawing/2014/main" id="{2FA49567-BB70-4798-8746-D0B522CCEE20}"/>
+              </a:ext>
+            </a:extLst>
+          </p:cNvPr>
+          <p:cNvSpPr>
+            <a:spLocks noGrp="1"/>
+          </p:cNvSpPr>
+          <p:nvPr>
+            <p:ph type="sldNum" sz="quarter" idx="12"/>
+          </p:nvPr>
+        </p:nvSpPr>
+        <p:spPr/>
+        <p:txBody>
+          <a:bodyPr/>
+          <a:lstStyle/>
+          <a:p>
+            <a:fld id="{D57F1E4F-1CFF-5643-939E-02111984F565}" type="slidenum">
+              <a:rPr lang="en-US" smtClean="0"/>
+              <a:t>27</a:t>
             </a:fld>
             <a:endParaRPr lang="en-US" dirty="0"/>
           </a:p>

--- a/tsa/Introduction to Time Series Analysis.pptx
+++ b/tsa/Introduction to Time Series Analysis.pptx
@@ -5,7 +5,7 @@
     <p:sldMasterId id="2147483707" r:id="rId1"/>
   </p:sldMasterIdLst>
   <p:notesMasterIdLst>
-    <p:notesMasterId r:id="rId29"/>
+    <p:notesMasterId r:id="rId41"/>
   </p:notesMasterIdLst>
   <p:sldIdLst>
     <p:sldId id="266" r:id="rId2"/>
@@ -27,14 +27,26 @@
     <p:sldId id="273" r:id="rId18"/>
     <p:sldId id="274" r:id="rId19"/>
     <p:sldId id="275" r:id="rId20"/>
-    <p:sldId id="279" r:id="rId21"/>
-    <p:sldId id="280" r:id="rId22"/>
-    <p:sldId id="281" r:id="rId23"/>
-    <p:sldId id="282" r:id="rId24"/>
-    <p:sldId id="283" r:id="rId25"/>
-    <p:sldId id="284" r:id="rId26"/>
-    <p:sldId id="285" r:id="rId27"/>
-    <p:sldId id="268" r:id="rId28"/>
+    <p:sldId id="297" r:id="rId21"/>
+    <p:sldId id="298" r:id="rId22"/>
+    <p:sldId id="279" r:id="rId23"/>
+    <p:sldId id="301" r:id="rId24"/>
+    <p:sldId id="302" r:id="rId25"/>
+    <p:sldId id="303" r:id="rId26"/>
+    <p:sldId id="280" r:id="rId27"/>
+    <p:sldId id="304" r:id="rId28"/>
+    <p:sldId id="281" r:id="rId29"/>
+    <p:sldId id="282" r:id="rId30"/>
+    <p:sldId id="283" r:id="rId31"/>
+    <p:sldId id="284" r:id="rId32"/>
+    <p:sldId id="299" r:id="rId33"/>
+    <p:sldId id="300" r:id="rId34"/>
+    <p:sldId id="285" r:id="rId35"/>
+    <p:sldId id="305" r:id="rId36"/>
+    <p:sldId id="307" r:id="rId37"/>
+    <p:sldId id="306" r:id="rId38"/>
+    <p:sldId id="309" r:id="rId39"/>
+    <p:sldId id="268" r:id="rId40"/>
   </p:sldIdLst>
   <p:sldSz cx="12192000" cy="6858000"/>
   <p:notesSz cx="6858000" cy="9144000"/>
@@ -5539,7 +5551,7 @@
           <a:p>
             <a:r>
               <a:rPr lang="en-US" dirty="0"/>
-              <a:t>STATIONARITY</a:t>
+              <a:t>WHAT IS STATIONARY DATA?</a:t>
             </a:r>
           </a:p>
         </p:txBody>
@@ -5564,6 +5576,19 @@
         <p:txBody>
           <a:bodyPr/>
           <a:lstStyle/>
+          <a:p>
+            <a:r>
+              <a:rPr lang="en-US" dirty="0"/>
+              <a:t>Intuitively, it doesn’t matter where you are in the series</a:t>
+            </a:r>
+          </a:p>
+          <a:p>
+            <a:pPr lvl="1"/>
+            <a:r>
+              <a:rPr lang="en-US" dirty="0"/>
+              <a:t>If it’s Monday or Friday, you can model it the same way</a:t>
+            </a:r>
+          </a:p>
           <a:p>
             <a:endParaRPr lang="en-US" dirty="0"/>
           </a:p>
@@ -5763,7 +5788,10 @@
           <a:bodyPr/>
           <a:lstStyle/>
           <a:p>
-            <a:endParaRPr lang="en-US" dirty="0"/>
+            <a:r>
+              <a:rPr lang="en-US" dirty="0"/>
+              <a:t>Subtracting our estimate of the data looking at trend only</a:t>
+            </a:r>
           </a:p>
         </p:txBody>
       </p:sp>
@@ -6077,10 +6105,10 @@
       </p:grpSpPr>
       <p:sp>
         <p:nvSpPr>
-          <p:cNvPr id="2" name="Title 1">
-            <a:extLst>
-              <a:ext uri="{FF2B5EF4-FFF2-40B4-BE49-F238E27FC236}">
-                <a16:creationId xmlns:a16="http://schemas.microsoft.com/office/drawing/2014/main" id="{A694862C-8B28-4EF5-9C6F-0187B05C2B03}"/>
+          <p:cNvPr id="7" name="Title 6">
+            <a:extLst>
+              <a:ext uri="{FF2B5EF4-FFF2-40B4-BE49-F238E27FC236}">
+                <a16:creationId xmlns:a16="http://schemas.microsoft.com/office/drawing/2014/main" id="{495B4BC0-844B-4414-A623-BEF78AAC1BA1}"/>
               </a:ext>
             </a:extLst>
           </p:cNvPr>
@@ -6098,17 +6126,17 @@
           <a:p>
             <a:r>
               <a:rPr lang="en-US" dirty="0"/>
-              <a:t>LAGGING</a:t>
-            </a:r>
-          </a:p>
-        </p:txBody>
-      </p:sp>
-      <p:sp>
-        <p:nvSpPr>
-          <p:cNvPr id="3" name="Content Placeholder 2">
-            <a:extLst>
-              <a:ext uri="{FF2B5EF4-FFF2-40B4-BE49-F238E27FC236}">
-                <a16:creationId xmlns:a16="http://schemas.microsoft.com/office/drawing/2014/main" id="{5DFC40A6-4344-46B7-89C4-4E16031C9B39}"/>
+              <a:t>DETRENDING EXAMPLE</a:t>
+            </a:r>
+          </a:p>
+        </p:txBody>
+      </p:sp>
+      <p:sp>
+        <p:nvSpPr>
+          <p:cNvPr id="8" name="Content Placeholder 7">
+            <a:extLst>
+              <a:ext uri="{FF2B5EF4-FFF2-40B4-BE49-F238E27FC236}">
+                <a16:creationId xmlns:a16="http://schemas.microsoft.com/office/drawing/2014/main" id="{2BED3EB3-7E98-4A82-8335-7321D9E37B16}"/>
               </a:ext>
             </a:extLst>
           </p:cNvPr>
@@ -6124,7 +6152,10 @@
           <a:bodyPr/>
           <a:lstStyle/>
           <a:p>
-            <a:endParaRPr lang="en-US"/>
+            <a:r>
+              <a:rPr lang="en-US" dirty="0"/>
+              <a:t>Subtracting our estimate of the data looking at trend only</a:t>
+            </a:r>
           </a:p>
         </p:txBody>
       </p:sp>
@@ -6133,7 +6164,7 @@
           <p:cNvPr id="4" name="Date Placeholder 3">
             <a:extLst>
               <a:ext uri="{FF2B5EF4-FFF2-40B4-BE49-F238E27FC236}">
-                <a16:creationId xmlns:a16="http://schemas.microsoft.com/office/drawing/2014/main" id="{ADEE79BB-4734-4439-A76F-2976CABC29C1}"/>
+                <a16:creationId xmlns:a16="http://schemas.microsoft.com/office/drawing/2014/main" id="{540F37F1-4F33-429F-A568-1A3ADC499E54}"/>
               </a:ext>
             </a:extLst>
           </p:cNvPr>
@@ -6149,7 +6180,7 @@
           <a:bodyPr/>
           <a:lstStyle/>
           <a:p>
-            <a:fld id="{8AAE40A0-A7D8-4DC3-BC9E-BADA32DA2004}" type="datetime4">
+            <a:fld id="{B08FEED8-D7D4-44E9-BFBC-ED06B5996D94}" type="datetime4">
               <a:rPr lang="en-US" smtClean="0"/>
               <a:t>July 29, 2019</a:t>
             </a:fld>
@@ -6162,7 +6193,7 @@
           <p:cNvPr id="5" name="Footer Placeholder 4">
             <a:extLst>
               <a:ext uri="{FF2B5EF4-FFF2-40B4-BE49-F238E27FC236}">
-                <a16:creationId xmlns:a16="http://schemas.microsoft.com/office/drawing/2014/main" id="{14093F74-35B5-4B3E-BE77-B47F35290D05}"/>
+                <a16:creationId xmlns:a16="http://schemas.microsoft.com/office/drawing/2014/main" id="{673FFA57-C126-4795-A5F6-DD33AAC5ACBD}"/>
               </a:ext>
             </a:extLst>
           </p:cNvPr>
@@ -6219,7 +6250,7 @@
           <p:cNvPr id="6" name="Slide Number Placeholder 5">
             <a:extLst>
               <a:ext uri="{FF2B5EF4-FFF2-40B4-BE49-F238E27FC236}">
-                <a16:creationId xmlns:a16="http://schemas.microsoft.com/office/drawing/2014/main" id="{76F6E8AA-9A3E-467A-A16A-CED9E58CFA80}"/>
+                <a16:creationId xmlns:a16="http://schemas.microsoft.com/office/drawing/2014/main" id="{2FA49567-BB70-4798-8746-D0B522CCEE20}"/>
               </a:ext>
             </a:extLst>
           </p:cNvPr>
@@ -6243,10 +6274,70 @@
           </a:p>
         </p:txBody>
       </p:sp>
+      <p:pic>
+        <p:nvPicPr>
+          <p:cNvPr id="3" name="Picture 2" descr="A picture containing object, wall&#10;&#10;Description automatically generated">
+            <a:extLst>
+              <a:ext uri="{FF2B5EF4-FFF2-40B4-BE49-F238E27FC236}">
+                <a16:creationId xmlns:a16="http://schemas.microsoft.com/office/drawing/2014/main" id="{81D79DD3-1A23-4425-93AB-C2F4AD2C0EFE}"/>
+              </a:ext>
+            </a:extLst>
+          </p:cNvPr>
+          <p:cNvPicPr>
+            <a:picLocks noChangeAspect="1"/>
+          </p:cNvPicPr>
+          <p:nvPr/>
+        </p:nvPicPr>
+        <p:blipFill>
+          <a:blip r:embed="rId2"/>
+          <a:stretch>
+            <a:fillRect/>
+          </a:stretch>
+        </p:blipFill>
+        <p:spPr>
+          <a:xfrm>
+            <a:off x="6191250" y="2366431"/>
+            <a:ext cx="5715798" cy="3810532"/>
+          </a:xfrm>
+          <a:prstGeom prst="rect">
+            <a:avLst/>
+          </a:prstGeom>
+        </p:spPr>
+      </p:pic>
+      <p:pic>
+        <p:nvPicPr>
+          <p:cNvPr id="10" name="Picture 9" descr="A picture containing object, wall&#10;&#10;Description automatically generated">
+            <a:extLst>
+              <a:ext uri="{FF2B5EF4-FFF2-40B4-BE49-F238E27FC236}">
+                <a16:creationId xmlns:a16="http://schemas.microsoft.com/office/drawing/2014/main" id="{4DB675E2-5136-47EF-A8E1-1A96E56E602A}"/>
+              </a:ext>
+            </a:extLst>
+          </p:cNvPr>
+          <p:cNvPicPr>
+            <a:picLocks noChangeAspect="1"/>
+          </p:cNvPicPr>
+          <p:nvPr/>
+        </p:nvPicPr>
+        <p:blipFill>
+          <a:blip r:embed="rId3"/>
+          <a:stretch>
+            <a:fillRect/>
+          </a:stretch>
+        </p:blipFill>
+        <p:spPr>
+          <a:xfrm>
+            <a:off x="180975" y="2366431"/>
+            <a:ext cx="5715798" cy="3810532"/>
+          </a:xfrm>
+          <a:prstGeom prst="rect">
+            <a:avLst/>
+          </a:prstGeom>
+        </p:spPr>
+      </p:pic>
     </p:spTree>
     <p:extLst>
       <p:ext uri="{BB962C8B-B14F-4D97-AF65-F5344CB8AC3E}">
-        <p14:creationId xmlns:p14="http://schemas.microsoft.com/office/powerpoint/2010/main" val="3805551099"/>
+        <p14:creationId xmlns:p14="http://schemas.microsoft.com/office/powerpoint/2010/main" val="694590929"/>
       </p:ext>
     </p:extLst>
   </p:cSld>
@@ -6275,10 +6366,10 @@
       </p:grpSpPr>
       <p:sp>
         <p:nvSpPr>
-          <p:cNvPr id="2" name="Title 1">
-            <a:extLst>
-              <a:ext uri="{FF2B5EF4-FFF2-40B4-BE49-F238E27FC236}">
-                <a16:creationId xmlns:a16="http://schemas.microsoft.com/office/drawing/2014/main" id="{84FE5820-4288-4CB6-888A-5CBF5468888C}"/>
+          <p:cNvPr id="7" name="Title 6">
+            <a:extLst>
+              <a:ext uri="{FF2B5EF4-FFF2-40B4-BE49-F238E27FC236}">
+                <a16:creationId xmlns:a16="http://schemas.microsoft.com/office/drawing/2014/main" id="{495B4BC0-844B-4414-A623-BEF78AAC1BA1}"/>
               </a:ext>
             </a:extLst>
           </p:cNvPr>
@@ -6296,17 +6387,17 @@
           <a:p>
             <a:r>
               <a:rPr lang="en-US" dirty="0"/>
-              <a:t>LAGGED SCATTERPLOTS</a:t>
-            </a:r>
-          </a:p>
-        </p:txBody>
-      </p:sp>
-      <p:sp>
-        <p:nvSpPr>
-          <p:cNvPr id="3" name="Content Placeholder 2">
-            <a:extLst>
-              <a:ext uri="{FF2B5EF4-FFF2-40B4-BE49-F238E27FC236}">
-                <a16:creationId xmlns:a16="http://schemas.microsoft.com/office/drawing/2014/main" id="{2952943F-FC31-4BE3-AB00-BAB4B12957BE}"/>
+              <a:t>DETRENDING</a:t>
+            </a:r>
+          </a:p>
+        </p:txBody>
+      </p:sp>
+      <p:sp>
+        <p:nvSpPr>
+          <p:cNvPr id="8" name="Content Placeholder 7">
+            <a:extLst>
+              <a:ext uri="{FF2B5EF4-FFF2-40B4-BE49-F238E27FC236}">
+                <a16:creationId xmlns:a16="http://schemas.microsoft.com/office/drawing/2014/main" id="{2BED3EB3-7E98-4A82-8335-7321D9E37B16}"/>
               </a:ext>
             </a:extLst>
           </p:cNvPr>
@@ -6322,7 +6413,44 @@
           <a:bodyPr/>
           <a:lstStyle/>
           <a:p>
-            <a:endParaRPr lang="en-US" dirty="0"/>
+            <a:r>
+              <a:rPr lang="en-US" dirty="0"/>
+              <a:t>Subtracting our estimate of the data looking at trend only</a:t>
+            </a:r>
+          </a:p>
+          <a:p>
+            <a:r>
+              <a:rPr lang="en-US" dirty="0"/>
+              <a:t>But where do we get the trend from?</a:t>
+            </a:r>
+          </a:p>
+          <a:p>
+            <a:pPr lvl="1"/>
+            <a:r>
+              <a:rPr lang="en-US" dirty="0"/>
+              <a:t>We have to estimate it ourselves!</a:t>
+            </a:r>
+          </a:p>
+          <a:p>
+            <a:pPr lvl="1"/>
+            <a:r>
+              <a:rPr lang="en-US" dirty="0"/>
+              <a:t>What kind of trend is it? Trends don’t have to be linear!</a:t>
+            </a:r>
+          </a:p>
+          <a:p>
+            <a:pPr lvl="1"/>
+            <a:r>
+              <a:rPr lang="en-US" dirty="0"/>
+              <a:t>Something else that could go wrong…</a:t>
+            </a:r>
+          </a:p>
+          <a:p>
+            <a:pPr lvl="1"/>
+            <a:r>
+              <a:rPr lang="en-US" dirty="0"/>
+              <a:t>Can we do better?</a:t>
+            </a:r>
           </a:p>
         </p:txBody>
       </p:sp>
@@ -6331,7 +6459,7 @@
           <p:cNvPr id="4" name="Date Placeholder 3">
             <a:extLst>
               <a:ext uri="{FF2B5EF4-FFF2-40B4-BE49-F238E27FC236}">
-                <a16:creationId xmlns:a16="http://schemas.microsoft.com/office/drawing/2014/main" id="{F716348B-D7FE-46ED-8C48-CF5A55FF31CF}"/>
+                <a16:creationId xmlns:a16="http://schemas.microsoft.com/office/drawing/2014/main" id="{540F37F1-4F33-429F-A568-1A3ADC499E54}"/>
               </a:ext>
             </a:extLst>
           </p:cNvPr>
@@ -6347,7 +6475,7 @@
           <a:bodyPr/>
           <a:lstStyle/>
           <a:p>
-            <a:fld id="{8AAE40A0-A7D8-4DC3-BC9E-BADA32DA2004}" type="datetime4">
+            <a:fld id="{B08FEED8-D7D4-44E9-BFBC-ED06B5996D94}" type="datetime4">
               <a:rPr lang="en-US" smtClean="0"/>
               <a:t>July 29, 2019</a:t>
             </a:fld>
@@ -6360,7 +6488,7 @@
           <p:cNvPr id="5" name="Footer Placeholder 4">
             <a:extLst>
               <a:ext uri="{FF2B5EF4-FFF2-40B4-BE49-F238E27FC236}">
-                <a16:creationId xmlns:a16="http://schemas.microsoft.com/office/drawing/2014/main" id="{34059279-A1E7-4F19-B4BF-8C6B59A4CEFF}"/>
+                <a16:creationId xmlns:a16="http://schemas.microsoft.com/office/drawing/2014/main" id="{673FFA57-C126-4795-A5F6-DD33AAC5ACBD}"/>
               </a:ext>
             </a:extLst>
           </p:cNvPr>
@@ -6417,7 +6545,7 @@
           <p:cNvPr id="6" name="Slide Number Placeholder 5">
             <a:extLst>
               <a:ext uri="{FF2B5EF4-FFF2-40B4-BE49-F238E27FC236}">
-                <a16:creationId xmlns:a16="http://schemas.microsoft.com/office/drawing/2014/main" id="{DE722C41-7366-4DE2-9AF4-E75E189A7733}"/>
+                <a16:creationId xmlns:a16="http://schemas.microsoft.com/office/drawing/2014/main" id="{2FA49567-BB70-4798-8746-D0B522CCEE20}"/>
               </a:ext>
             </a:extLst>
           </p:cNvPr>
@@ -6444,7 +6572,7 @@
     </p:spTree>
     <p:extLst>
       <p:ext uri="{BB962C8B-B14F-4D97-AF65-F5344CB8AC3E}">
-        <p14:creationId xmlns:p14="http://schemas.microsoft.com/office/powerpoint/2010/main" val="2399367561"/>
+        <p14:creationId xmlns:p14="http://schemas.microsoft.com/office/powerpoint/2010/main" val="2882473015"/>
       </p:ext>
     </p:extLst>
   </p:cSld>
@@ -6473,10 +6601,10 @@
       </p:grpSpPr>
       <p:sp>
         <p:nvSpPr>
-          <p:cNvPr id="7" name="Title 6">
-            <a:extLst>
-              <a:ext uri="{FF2B5EF4-FFF2-40B4-BE49-F238E27FC236}">
-                <a16:creationId xmlns:a16="http://schemas.microsoft.com/office/drawing/2014/main" id="{7802FB34-7510-47BC-8952-A1FE9728B0BF}"/>
+          <p:cNvPr id="2" name="Title 1">
+            <a:extLst>
+              <a:ext uri="{FF2B5EF4-FFF2-40B4-BE49-F238E27FC236}">
+                <a16:creationId xmlns:a16="http://schemas.microsoft.com/office/drawing/2014/main" id="{A694862C-8B28-4EF5-9C6F-0187B05C2B03}"/>
               </a:ext>
             </a:extLst>
           </p:cNvPr>
@@ -6494,35 +6622,72 @@
           <a:p>
             <a:r>
               <a:rPr lang="en-US" dirty="0"/>
-              <a:t>ARIMA MODELS</a:t>
-            </a:r>
-          </a:p>
-        </p:txBody>
-      </p:sp>
-      <p:sp>
-        <p:nvSpPr>
-          <p:cNvPr id="8" name="Text Placeholder 7">
-            <a:extLst>
-              <a:ext uri="{FF2B5EF4-FFF2-40B4-BE49-F238E27FC236}">
-                <a16:creationId xmlns:a16="http://schemas.microsoft.com/office/drawing/2014/main" id="{FCA70F1A-579E-4144-AE97-14FFC08FF0F5}"/>
-              </a:ext>
-            </a:extLst>
-          </p:cNvPr>
-          <p:cNvSpPr>
-            <a:spLocks noGrp="1"/>
-          </p:cNvSpPr>
-          <p:nvPr>
-            <p:ph type="body" idx="1"/>
-          </p:nvPr>
-        </p:nvSpPr>
-        <p:spPr/>
-        <p:txBody>
-          <a:bodyPr/>
-          <a:lstStyle/>
-          <a:p>
-            <a:r>
-              <a:rPr lang="en-US" dirty="0"/>
-              <a:t>Interpretable, simple and speedy time series modeling</a:t>
+              <a:t>DIFFERENCING</a:t>
+            </a:r>
+          </a:p>
+        </p:txBody>
+      </p:sp>
+      <p:sp>
+        <p:nvSpPr>
+          <p:cNvPr id="3" name="Content Placeholder 2">
+            <a:extLst>
+              <a:ext uri="{FF2B5EF4-FFF2-40B4-BE49-F238E27FC236}">
+                <a16:creationId xmlns:a16="http://schemas.microsoft.com/office/drawing/2014/main" id="{5DFC40A6-4344-46B7-89C4-4E16031C9B39}"/>
+              </a:ext>
+            </a:extLst>
+          </p:cNvPr>
+          <p:cNvSpPr>
+            <a:spLocks noGrp="1"/>
+          </p:cNvSpPr>
+          <p:nvPr>
+            <p:ph idx="1"/>
+          </p:nvPr>
+        </p:nvSpPr>
+        <p:spPr/>
+        <p:txBody>
+          <a:bodyPr/>
+          <a:lstStyle/>
+          <a:p>
+            <a:r>
+              <a:rPr lang="en-US" dirty="0"/>
+              <a:t>Subtracting values separated by some constant value</a:t>
+            </a:r>
+          </a:p>
+          <a:p>
+            <a:r>
+              <a:rPr lang="en-US" dirty="0"/>
+              <a:t>If there’s a linear trend, first order differencing will get rid of it!</a:t>
+            </a:r>
+          </a:p>
+          <a:p>
+            <a:pPr lvl="1"/>
+            <a:r>
+              <a:rPr lang="en-US" dirty="0"/>
+              <a:t>You can do higher orders for quadratic trends, </a:t>
+            </a:r>
+            <a:r>
+              <a:rPr lang="en-US" dirty="0" err="1"/>
+              <a:t>etc</a:t>
+            </a:r>
+            <a:endParaRPr lang="en-US" dirty="0"/>
+          </a:p>
+          <a:p>
+            <a:r>
+              <a:rPr lang="en-US" dirty="0"/>
+              <a:t>Also, used for removing some cyclic effects</a:t>
+            </a:r>
+          </a:p>
+          <a:p>
+            <a:pPr lvl="1"/>
+            <a:r>
+              <a:rPr lang="en-US" dirty="0"/>
+              <a:t>Weekly cycle? Difference by 7!</a:t>
+            </a:r>
+          </a:p>
+          <a:p>
+            <a:r>
+              <a:rPr lang="en-US" dirty="0"/>
+              <a:t>Can do many of these at once</a:t>
             </a:r>
           </a:p>
         </p:txBody>
@@ -6532,7 +6697,7 @@
           <p:cNvPr id="4" name="Date Placeholder 3">
             <a:extLst>
               <a:ext uri="{FF2B5EF4-FFF2-40B4-BE49-F238E27FC236}">
-                <a16:creationId xmlns:a16="http://schemas.microsoft.com/office/drawing/2014/main" id="{3AD929EF-0967-4B34-81B8-24D9EF91892E}"/>
+                <a16:creationId xmlns:a16="http://schemas.microsoft.com/office/drawing/2014/main" id="{ADEE79BB-4734-4439-A76F-2976CABC29C1}"/>
               </a:ext>
             </a:extLst>
           </p:cNvPr>
@@ -6561,7 +6726,7 @@
           <p:cNvPr id="5" name="Footer Placeholder 4">
             <a:extLst>
               <a:ext uri="{FF2B5EF4-FFF2-40B4-BE49-F238E27FC236}">
-                <a16:creationId xmlns:a16="http://schemas.microsoft.com/office/drawing/2014/main" id="{3B5B35DD-F2EA-40D3-8039-8CD3802B2612}"/>
+                <a16:creationId xmlns:a16="http://schemas.microsoft.com/office/drawing/2014/main" id="{14093F74-35B5-4B3E-BE77-B47F35290D05}"/>
               </a:ext>
             </a:extLst>
           </p:cNvPr>
@@ -6618,7 +6783,7 @@
           <p:cNvPr id="6" name="Slide Number Placeholder 5">
             <a:extLst>
               <a:ext uri="{FF2B5EF4-FFF2-40B4-BE49-F238E27FC236}">
-                <a16:creationId xmlns:a16="http://schemas.microsoft.com/office/drawing/2014/main" id="{C3EB9A57-323C-47F5-867F-693F95A15FA4}"/>
+                <a16:creationId xmlns:a16="http://schemas.microsoft.com/office/drawing/2014/main" id="{76F6E8AA-9A3E-467A-A16A-CED9E58CFA80}"/>
               </a:ext>
             </a:extLst>
           </p:cNvPr>
@@ -6645,7 +6810,7 @@
     </p:spTree>
     <p:extLst>
       <p:ext uri="{BB962C8B-B14F-4D97-AF65-F5344CB8AC3E}">
-        <p14:creationId xmlns:p14="http://schemas.microsoft.com/office/powerpoint/2010/main" val="107865345"/>
+        <p14:creationId xmlns:p14="http://schemas.microsoft.com/office/powerpoint/2010/main" val="3805551099"/>
       </p:ext>
     </p:extLst>
   </p:cSld>
@@ -6674,10 +6839,10 @@
       </p:grpSpPr>
       <p:sp>
         <p:nvSpPr>
-          <p:cNvPr id="7" name="Title 6">
-            <a:extLst>
-              <a:ext uri="{FF2B5EF4-FFF2-40B4-BE49-F238E27FC236}">
-                <a16:creationId xmlns:a16="http://schemas.microsoft.com/office/drawing/2014/main" id="{75C0DCD3-95F8-4E1F-BF1A-5FAAB84A40A3}"/>
+          <p:cNvPr id="2" name="Title 1">
+            <a:extLst>
+              <a:ext uri="{FF2B5EF4-FFF2-40B4-BE49-F238E27FC236}">
+                <a16:creationId xmlns:a16="http://schemas.microsoft.com/office/drawing/2014/main" id="{A694862C-8B28-4EF5-9C6F-0187B05C2B03}"/>
               </a:ext>
             </a:extLst>
           </p:cNvPr>
@@ -6695,33 +6860,16 @@
           <a:p>
             <a:r>
               <a:rPr lang="en-US" dirty="0"/>
-              <a:t>ARIMA</a:t>
-            </a:r>
-          </a:p>
-        </p:txBody>
-      </p:sp>
-      <p:sp>
-        <p:nvSpPr>
-          <p:cNvPr id="8" name="Content Placeholder 7">
-            <a:extLst>
-              <a:ext uri="{FF2B5EF4-FFF2-40B4-BE49-F238E27FC236}">
-                <a16:creationId xmlns:a16="http://schemas.microsoft.com/office/drawing/2014/main" id="{52BB1FAB-BB61-4B66-A4EA-A0EABC2B3ECA}"/>
-              </a:ext>
-            </a:extLst>
-          </p:cNvPr>
-          <p:cNvSpPr>
-            <a:spLocks noGrp="1"/>
-          </p:cNvSpPr>
-          <p:nvPr>
-            <p:ph idx="1"/>
-          </p:nvPr>
-        </p:nvSpPr>
-        <p:spPr/>
-        <p:txBody>
-          <a:bodyPr/>
-          <a:lstStyle/>
-          <a:p>
-            <a:endParaRPr lang="en-US"/>
+              <a:t>DIFFERENCING EXAMPLE: 1</a:t>
+            </a:r>
+            <a:r>
+              <a:rPr lang="en-US" baseline="30000" dirty="0"/>
+              <a:t>st</a:t>
+            </a:r>
+            <a:r>
+              <a:rPr lang="en-US" dirty="0"/>
+              <a:t> ORDER</a:t>
+            </a:r>
           </a:p>
         </p:txBody>
       </p:sp>
@@ -6730,7 +6878,7 @@
           <p:cNvPr id="4" name="Date Placeholder 3">
             <a:extLst>
               <a:ext uri="{FF2B5EF4-FFF2-40B4-BE49-F238E27FC236}">
-                <a16:creationId xmlns:a16="http://schemas.microsoft.com/office/drawing/2014/main" id="{02256D86-7CE0-416E-B2A3-402D20EE9E90}"/>
+                <a16:creationId xmlns:a16="http://schemas.microsoft.com/office/drawing/2014/main" id="{ADEE79BB-4734-4439-A76F-2976CABC29C1}"/>
               </a:ext>
             </a:extLst>
           </p:cNvPr>
@@ -6746,7 +6894,7 @@
           <a:bodyPr/>
           <a:lstStyle/>
           <a:p>
-            <a:fld id="{B08FEED8-D7D4-44E9-BFBC-ED06B5996D94}" type="datetime4">
+            <a:fld id="{8AAE40A0-A7D8-4DC3-BC9E-BADA32DA2004}" type="datetime4">
               <a:rPr lang="en-US" smtClean="0"/>
               <a:t>July 29, 2019</a:t>
             </a:fld>
@@ -6759,7 +6907,7 @@
           <p:cNvPr id="5" name="Footer Placeholder 4">
             <a:extLst>
               <a:ext uri="{FF2B5EF4-FFF2-40B4-BE49-F238E27FC236}">
-                <a16:creationId xmlns:a16="http://schemas.microsoft.com/office/drawing/2014/main" id="{1D4ED112-7CF4-4BB9-B46E-B366A5054A9A}"/>
+                <a16:creationId xmlns:a16="http://schemas.microsoft.com/office/drawing/2014/main" id="{14093F74-35B5-4B3E-BE77-B47F35290D05}"/>
               </a:ext>
             </a:extLst>
           </p:cNvPr>
@@ -6816,7 +6964,7 @@
           <p:cNvPr id="6" name="Slide Number Placeholder 5">
             <a:extLst>
               <a:ext uri="{FF2B5EF4-FFF2-40B4-BE49-F238E27FC236}">
-                <a16:creationId xmlns:a16="http://schemas.microsoft.com/office/drawing/2014/main" id="{8CC75551-85BF-4C9F-8893-AA28ECA8A6B5}"/>
+                <a16:creationId xmlns:a16="http://schemas.microsoft.com/office/drawing/2014/main" id="{76F6E8AA-9A3E-467A-A16A-CED9E58CFA80}"/>
               </a:ext>
             </a:extLst>
           </p:cNvPr>
@@ -6840,10 +6988,70 @@
           </a:p>
         </p:txBody>
       </p:sp>
+      <p:pic>
+        <p:nvPicPr>
+          <p:cNvPr id="12" name="Picture 11" descr="A close up of an object&#10;&#10;Description automatically generated">
+            <a:extLst>
+              <a:ext uri="{FF2B5EF4-FFF2-40B4-BE49-F238E27FC236}">
+                <a16:creationId xmlns:a16="http://schemas.microsoft.com/office/drawing/2014/main" id="{AABDA63B-B698-427D-8F40-BBF7EE5F5B9F}"/>
+              </a:ext>
+            </a:extLst>
+          </p:cNvPr>
+          <p:cNvPicPr>
+            <a:picLocks noChangeAspect="1"/>
+          </p:cNvPicPr>
+          <p:nvPr/>
+        </p:nvPicPr>
+        <p:blipFill>
+          <a:blip r:embed="rId2"/>
+          <a:stretch>
+            <a:fillRect/>
+          </a:stretch>
+        </p:blipFill>
+        <p:spPr>
+          <a:xfrm>
+            <a:off x="6184803" y="1954613"/>
+            <a:ext cx="5715798" cy="3810532"/>
+          </a:xfrm>
+          <a:prstGeom prst="rect">
+            <a:avLst/>
+          </a:prstGeom>
+        </p:spPr>
+      </p:pic>
+      <p:pic>
+        <p:nvPicPr>
+          <p:cNvPr id="14" name="Picture 13" descr="A picture containing object&#10;&#10;Description automatically generated">
+            <a:extLst>
+              <a:ext uri="{FF2B5EF4-FFF2-40B4-BE49-F238E27FC236}">
+                <a16:creationId xmlns:a16="http://schemas.microsoft.com/office/drawing/2014/main" id="{7137C433-1CD0-43BC-9688-AF18563F703B}"/>
+              </a:ext>
+            </a:extLst>
+          </p:cNvPr>
+          <p:cNvPicPr>
+            <a:picLocks noChangeAspect="1"/>
+          </p:cNvPicPr>
+          <p:nvPr/>
+        </p:nvPicPr>
+        <p:blipFill>
+          <a:blip r:embed="rId3"/>
+          <a:stretch>
+            <a:fillRect/>
+          </a:stretch>
+        </p:blipFill>
+        <p:spPr>
+          <a:xfrm>
+            <a:off x="159297" y="1954613"/>
+            <a:ext cx="5715798" cy="3810532"/>
+          </a:xfrm>
+          <a:prstGeom prst="rect">
+            <a:avLst/>
+          </a:prstGeom>
+        </p:spPr>
+      </p:pic>
     </p:spTree>
     <p:extLst>
       <p:ext uri="{BB962C8B-B14F-4D97-AF65-F5344CB8AC3E}">
-        <p14:creationId xmlns:p14="http://schemas.microsoft.com/office/powerpoint/2010/main" val="1065550565"/>
+        <p14:creationId xmlns:p14="http://schemas.microsoft.com/office/powerpoint/2010/main" val="1381432352"/>
       </p:ext>
     </p:extLst>
   </p:cSld>
@@ -6872,10 +7080,10 @@
       </p:grpSpPr>
       <p:sp>
         <p:nvSpPr>
-          <p:cNvPr id="7" name="Title 6">
-            <a:extLst>
-              <a:ext uri="{FF2B5EF4-FFF2-40B4-BE49-F238E27FC236}">
-                <a16:creationId xmlns:a16="http://schemas.microsoft.com/office/drawing/2014/main" id="{75C0DCD3-95F8-4E1F-BF1A-5FAAB84A40A3}"/>
+          <p:cNvPr id="2" name="Title 1">
+            <a:extLst>
+              <a:ext uri="{FF2B5EF4-FFF2-40B4-BE49-F238E27FC236}">
+                <a16:creationId xmlns:a16="http://schemas.microsoft.com/office/drawing/2014/main" id="{A694862C-8B28-4EF5-9C6F-0187B05C2B03}"/>
               </a:ext>
             </a:extLst>
           </p:cNvPr>
@@ -6893,33 +7101,16 @@
           <a:p>
             <a:r>
               <a:rPr lang="en-US" dirty="0"/>
-              <a:t>AUTOREGRESSIVE</a:t>
-            </a:r>
-          </a:p>
-        </p:txBody>
-      </p:sp>
-      <p:sp>
-        <p:nvSpPr>
-          <p:cNvPr id="8" name="Content Placeholder 7">
-            <a:extLst>
-              <a:ext uri="{FF2B5EF4-FFF2-40B4-BE49-F238E27FC236}">
-                <a16:creationId xmlns:a16="http://schemas.microsoft.com/office/drawing/2014/main" id="{52BB1FAB-BB61-4B66-A4EA-A0EABC2B3ECA}"/>
-              </a:ext>
-            </a:extLst>
-          </p:cNvPr>
-          <p:cNvSpPr>
-            <a:spLocks noGrp="1"/>
-          </p:cNvSpPr>
-          <p:nvPr>
-            <p:ph idx="1"/>
-          </p:nvPr>
-        </p:nvSpPr>
-        <p:spPr/>
-        <p:txBody>
-          <a:bodyPr/>
-          <a:lstStyle/>
-          <a:p>
-            <a:endParaRPr lang="en-US"/>
+              <a:t>DIFFERENCING EXAMPLE: 7</a:t>
+            </a:r>
+            <a:r>
+              <a:rPr lang="en-US" baseline="30000" dirty="0"/>
+              <a:t>th</a:t>
+            </a:r>
+            <a:r>
+              <a:rPr lang="en-US" dirty="0"/>
+              <a:t> ORDER</a:t>
+            </a:r>
           </a:p>
         </p:txBody>
       </p:sp>
@@ -6928,7 +7119,7 @@
           <p:cNvPr id="4" name="Date Placeholder 3">
             <a:extLst>
               <a:ext uri="{FF2B5EF4-FFF2-40B4-BE49-F238E27FC236}">
-                <a16:creationId xmlns:a16="http://schemas.microsoft.com/office/drawing/2014/main" id="{02256D86-7CE0-416E-B2A3-402D20EE9E90}"/>
+                <a16:creationId xmlns:a16="http://schemas.microsoft.com/office/drawing/2014/main" id="{ADEE79BB-4734-4439-A76F-2976CABC29C1}"/>
               </a:ext>
             </a:extLst>
           </p:cNvPr>
@@ -6944,7 +7135,7 @@
           <a:bodyPr/>
           <a:lstStyle/>
           <a:p>
-            <a:fld id="{B08FEED8-D7D4-44E9-BFBC-ED06B5996D94}" type="datetime4">
+            <a:fld id="{8AAE40A0-A7D8-4DC3-BC9E-BADA32DA2004}" type="datetime4">
               <a:rPr lang="en-US" smtClean="0"/>
               <a:t>July 29, 2019</a:t>
             </a:fld>
@@ -6957,7 +7148,7 @@
           <p:cNvPr id="5" name="Footer Placeholder 4">
             <a:extLst>
               <a:ext uri="{FF2B5EF4-FFF2-40B4-BE49-F238E27FC236}">
-                <a16:creationId xmlns:a16="http://schemas.microsoft.com/office/drawing/2014/main" id="{1D4ED112-7CF4-4BB9-B46E-B366A5054A9A}"/>
+                <a16:creationId xmlns:a16="http://schemas.microsoft.com/office/drawing/2014/main" id="{14093F74-35B5-4B3E-BE77-B47F35290D05}"/>
               </a:ext>
             </a:extLst>
           </p:cNvPr>
@@ -7014,7 +7205,7 @@
           <p:cNvPr id="6" name="Slide Number Placeholder 5">
             <a:extLst>
               <a:ext uri="{FF2B5EF4-FFF2-40B4-BE49-F238E27FC236}">
-                <a16:creationId xmlns:a16="http://schemas.microsoft.com/office/drawing/2014/main" id="{8CC75551-85BF-4C9F-8893-AA28ECA8A6B5}"/>
+                <a16:creationId xmlns:a16="http://schemas.microsoft.com/office/drawing/2014/main" id="{76F6E8AA-9A3E-467A-A16A-CED9E58CFA80}"/>
               </a:ext>
             </a:extLst>
           </p:cNvPr>
@@ -7038,10 +7229,69 @@
           </a:p>
         </p:txBody>
       </p:sp>
+      <p:pic>
+        <p:nvPicPr>
+          <p:cNvPr id="12" name="Picture 11">
+            <a:extLst>
+              <a:ext uri="{FF2B5EF4-FFF2-40B4-BE49-F238E27FC236}">
+                <a16:creationId xmlns:a16="http://schemas.microsoft.com/office/drawing/2014/main" id="{AABDA63B-B698-427D-8F40-BBF7EE5F5B9F}"/>
+              </a:ext>
+            </a:extLst>
+          </p:cNvPr>
+          <p:cNvPicPr>
+            <a:picLocks noChangeAspect="1"/>
+          </p:cNvPicPr>
+          <p:nvPr/>
+        </p:nvPicPr>
+        <p:blipFill>
+          <a:blip r:embed="rId2"/>
+          <a:srcRect/>
+          <a:stretch/>
+        </p:blipFill>
+        <p:spPr>
+          <a:xfrm>
+            <a:off x="6184803" y="1954613"/>
+            <a:ext cx="5715798" cy="3810532"/>
+          </a:xfrm>
+          <a:prstGeom prst="rect">
+            <a:avLst/>
+          </a:prstGeom>
+        </p:spPr>
+      </p:pic>
+      <p:pic>
+        <p:nvPicPr>
+          <p:cNvPr id="14" name="Picture 13" descr="A picture containing object&#10;&#10;Description automatically generated">
+            <a:extLst>
+              <a:ext uri="{FF2B5EF4-FFF2-40B4-BE49-F238E27FC236}">
+                <a16:creationId xmlns:a16="http://schemas.microsoft.com/office/drawing/2014/main" id="{7137C433-1CD0-43BC-9688-AF18563F703B}"/>
+              </a:ext>
+            </a:extLst>
+          </p:cNvPr>
+          <p:cNvPicPr>
+            <a:picLocks noChangeAspect="1"/>
+          </p:cNvPicPr>
+          <p:nvPr/>
+        </p:nvPicPr>
+        <p:blipFill>
+          <a:blip r:embed="rId3"/>
+          <a:stretch>
+            <a:fillRect/>
+          </a:stretch>
+        </p:blipFill>
+        <p:spPr>
+          <a:xfrm>
+            <a:off x="159297" y="1954613"/>
+            <a:ext cx="5715798" cy="3810532"/>
+          </a:xfrm>
+          <a:prstGeom prst="rect">
+            <a:avLst/>
+          </a:prstGeom>
+        </p:spPr>
+      </p:pic>
     </p:spTree>
     <p:extLst>
       <p:ext uri="{BB962C8B-B14F-4D97-AF65-F5344CB8AC3E}">
-        <p14:creationId xmlns:p14="http://schemas.microsoft.com/office/powerpoint/2010/main" val="4066560549"/>
+        <p14:creationId xmlns:p14="http://schemas.microsoft.com/office/powerpoint/2010/main" val="3603679591"/>
       </p:ext>
     </p:extLst>
   </p:cSld>
@@ -7073,7 +7323,7 @@
           <p:cNvPr id="2" name="Title 1">
             <a:extLst>
               <a:ext uri="{FF2B5EF4-FFF2-40B4-BE49-F238E27FC236}">
-                <a16:creationId xmlns:a16="http://schemas.microsoft.com/office/drawing/2014/main" id="{D7EACF90-3E7B-4978-AB0C-ED5165419D19}"/>
+                <a16:creationId xmlns:a16="http://schemas.microsoft.com/office/drawing/2014/main" id="{A694862C-8B28-4EF5-9C6F-0187B05C2B03}"/>
               </a:ext>
             </a:extLst>
           </p:cNvPr>
@@ -7091,33 +7341,8 @@
           <a:p>
             <a:r>
               <a:rPr lang="en-US" dirty="0"/>
-              <a:t>MOVING AVERAGE</a:t>
-            </a:r>
-          </a:p>
-        </p:txBody>
-      </p:sp>
-      <p:sp>
-        <p:nvSpPr>
-          <p:cNvPr id="3" name="Content Placeholder 2">
-            <a:extLst>
-              <a:ext uri="{FF2B5EF4-FFF2-40B4-BE49-F238E27FC236}">
-                <a16:creationId xmlns:a16="http://schemas.microsoft.com/office/drawing/2014/main" id="{A7CEFEF5-E74A-4EFE-9368-8FD74B059E10}"/>
-              </a:ext>
-            </a:extLst>
-          </p:cNvPr>
-          <p:cNvSpPr>
-            <a:spLocks noGrp="1"/>
-          </p:cNvSpPr>
-          <p:nvPr>
-            <p:ph idx="1"/>
-          </p:nvPr>
-        </p:nvSpPr>
-        <p:spPr/>
-        <p:txBody>
-          <a:bodyPr/>
-          <a:lstStyle/>
-          <a:p>
-            <a:endParaRPr lang="en-US"/>
+              <a:t>DIFFERENCING EXAMPLE: BOTH!</a:t>
+            </a:r>
           </a:p>
         </p:txBody>
       </p:sp>
@@ -7126,7 +7351,7 @@
           <p:cNvPr id="4" name="Date Placeholder 3">
             <a:extLst>
               <a:ext uri="{FF2B5EF4-FFF2-40B4-BE49-F238E27FC236}">
-                <a16:creationId xmlns:a16="http://schemas.microsoft.com/office/drawing/2014/main" id="{64E0A09F-EC7A-4EF6-AB3A-0DC48B1B7271}"/>
+                <a16:creationId xmlns:a16="http://schemas.microsoft.com/office/drawing/2014/main" id="{ADEE79BB-4734-4439-A76F-2976CABC29C1}"/>
               </a:ext>
             </a:extLst>
           </p:cNvPr>
@@ -7155,7 +7380,7 @@
           <p:cNvPr id="5" name="Footer Placeholder 4">
             <a:extLst>
               <a:ext uri="{FF2B5EF4-FFF2-40B4-BE49-F238E27FC236}">
-                <a16:creationId xmlns:a16="http://schemas.microsoft.com/office/drawing/2014/main" id="{9D8B7F07-2C50-4473-BABC-57C52FDD38D2}"/>
+                <a16:creationId xmlns:a16="http://schemas.microsoft.com/office/drawing/2014/main" id="{14093F74-35B5-4B3E-BE77-B47F35290D05}"/>
               </a:ext>
             </a:extLst>
           </p:cNvPr>
@@ -7212,7 +7437,7 @@
           <p:cNvPr id="6" name="Slide Number Placeholder 5">
             <a:extLst>
               <a:ext uri="{FF2B5EF4-FFF2-40B4-BE49-F238E27FC236}">
-                <a16:creationId xmlns:a16="http://schemas.microsoft.com/office/drawing/2014/main" id="{6BE5E43E-0696-4C60-A72C-BBB5B4448760}"/>
+                <a16:creationId xmlns:a16="http://schemas.microsoft.com/office/drawing/2014/main" id="{76F6E8AA-9A3E-467A-A16A-CED9E58CFA80}"/>
               </a:ext>
             </a:extLst>
           </p:cNvPr>
@@ -7236,10 +7461,69 @@
           </a:p>
         </p:txBody>
       </p:sp>
+      <p:pic>
+        <p:nvPicPr>
+          <p:cNvPr id="12" name="Picture 11">
+            <a:extLst>
+              <a:ext uri="{FF2B5EF4-FFF2-40B4-BE49-F238E27FC236}">
+                <a16:creationId xmlns:a16="http://schemas.microsoft.com/office/drawing/2014/main" id="{AABDA63B-B698-427D-8F40-BBF7EE5F5B9F}"/>
+              </a:ext>
+            </a:extLst>
+          </p:cNvPr>
+          <p:cNvPicPr>
+            <a:picLocks noChangeAspect="1"/>
+          </p:cNvPicPr>
+          <p:nvPr/>
+        </p:nvPicPr>
+        <p:blipFill>
+          <a:blip r:embed="rId2"/>
+          <a:srcRect/>
+          <a:stretch/>
+        </p:blipFill>
+        <p:spPr>
+          <a:xfrm>
+            <a:off x="6184803" y="1954613"/>
+            <a:ext cx="5715798" cy="3810532"/>
+          </a:xfrm>
+          <a:prstGeom prst="rect">
+            <a:avLst/>
+          </a:prstGeom>
+        </p:spPr>
+      </p:pic>
+      <p:pic>
+        <p:nvPicPr>
+          <p:cNvPr id="14" name="Picture 13" descr="A picture containing object&#10;&#10;Description automatically generated">
+            <a:extLst>
+              <a:ext uri="{FF2B5EF4-FFF2-40B4-BE49-F238E27FC236}">
+                <a16:creationId xmlns:a16="http://schemas.microsoft.com/office/drawing/2014/main" id="{7137C433-1CD0-43BC-9688-AF18563F703B}"/>
+              </a:ext>
+            </a:extLst>
+          </p:cNvPr>
+          <p:cNvPicPr>
+            <a:picLocks noChangeAspect="1"/>
+          </p:cNvPicPr>
+          <p:nvPr/>
+        </p:nvPicPr>
+        <p:blipFill>
+          <a:blip r:embed="rId3"/>
+          <a:stretch>
+            <a:fillRect/>
+          </a:stretch>
+        </p:blipFill>
+        <p:spPr>
+          <a:xfrm>
+            <a:off x="159297" y="1954613"/>
+            <a:ext cx="5715798" cy="3810532"/>
+          </a:xfrm>
+          <a:prstGeom prst="rect">
+            <a:avLst/>
+          </a:prstGeom>
+        </p:spPr>
+      </p:pic>
     </p:spTree>
     <p:extLst>
       <p:ext uri="{BB962C8B-B14F-4D97-AF65-F5344CB8AC3E}">
-        <p14:creationId xmlns:p14="http://schemas.microsoft.com/office/powerpoint/2010/main" val="3521777765"/>
+        <p14:creationId xmlns:p14="http://schemas.microsoft.com/office/powerpoint/2010/main" val="705856288"/>
       </p:ext>
     </p:extLst>
   </p:cSld>
@@ -7271,7 +7555,7 @@
           <p:cNvPr id="2" name="Title 1">
             <a:extLst>
               <a:ext uri="{FF2B5EF4-FFF2-40B4-BE49-F238E27FC236}">
-                <a16:creationId xmlns:a16="http://schemas.microsoft.com/office/drawing/2014/main" id="{D1BF0482-6913-4A5E-A533-479864CB5349}"/>
+                <a16:creationId xmlns:a16="http://schemas.microsoft.com/office/drawing/2014/main" id="{84FE5820-4288-4CB6-888A-5CBF5468888C}"/>
               </a:ext>
             </a:extLst>
           </p:cNvPr>
@@ -7289,7 +7573,7 @@
           <a:p>
             <a:r>
               <a:rPr lang="en-US" dirty="0"/>
-              <a:t>PLAYING AROUND WITH ARIMA</a:t>
+              <a:t>LAGGED SCATTERPLOTS</a:t>
             </a:r>
           </a:p>
         </p:txBody>
@@ -7299,7 +7583,7 @@
           <p:cNvPr id="3" name="Content Placeholder 2">
             <a:extLst>
               <a:ext uri="{FF2B5EF4-FFF2-40B4-BE49-F238E27FC236}">
-                <a16:creationId xmlns:a16="http://schemas.microsoft.com/office/drawing/2014/main" id="{D48271C9-2790-46C9-B80B-52D215430CB8}"/>
+                <a16:creationId xmlns:a16="http://schemas.microsoft.com/office/drawing/2014/main" id="{2952943F-FC31-4BE3-AB00-BAB4B12957BE}"/>
               </a:ext>
             </a:extLst>
           </p:cNvPr>
@@ -7315,7 +7599,29 @@
           <a:bodyPr/>
           <a:lstStyle/>
           <a:p>
-            <a:endParaRPr lang="en-US"/>
+            <a:r>
+              <a:rPr lang="en-US" dirty="0"/>
+              <a:t>How do you know what orders are likely to help?</a:t>
+            </a:r>
+          </a:p>
+          <a:p>
+            <a:r>
+              <a:rPr lang="en-US" dirty="0"/>
+              <a:t>Lagged scatterplots!</a:t>
+            </a:r>
+          </a:p>
+          <a:p>
+            <a:pPr lvl="1"/>
+            <a:r>
+              <a:rPr lang="en-US" dirty="0"/>
+              <a:t>Essentially, plotting one point versus a previous point</a:t>
+            </a:r>
+          </a:p>
+          <a:p>
+            <a:r>
+              <a:rPr lang="en-US" dirty="0"/>
+              <a:t>If there’s an obvious trend (either positive or negative) it’s probably a good idea to try differencing!</a:t>
+            </a:r>
           </a:p>
         </p:txBody>
       </p:sp>
@@ -7324,7 +7630,7 @@
           <p:cNvPr id="4" name="Date Placeholder 3">
             <a:extLst>
               <a:ext uri="{FF2B5EF4-FFF2-40B4-BE49-F238E27FC236}">
-                <a16:creationId xmlns:a16="http://schemas.microsoft.com/office/drawing/2014/main" id="{B23DAF35-209C-48FA-AAAB-F69E14183A91}"/>
+                <a16:creationId xmlns:a16="http://schemas.microsoft.com/office/drawing/2014/main" id="{F716348B-D7FE-46ED-8C48-CF5A55FF31CF}"/>
               </a:ext>
             </a:extLst>
           </p:cNvPr>
@@ -7353,7 +7659,7 @@
           <p:cNvPr id="5" name="Footer Placeholder 4">
             <a:extLst>
               <a:ext uri="{FF2B5EF4-FFF2-40B4-BE49-F238E27FC236}">
-                <a16:creationId xmlns:a16="http://schemas.microsoft.com/office/drawing/2014/main" id="{3D8E22A6-180D-41CF-9959-4347A11F2AD1}"/>
+                <a16:creationId xmlns:a16="http://schemas.microsoft.com/office/drawing/2014/main" id="{34059279-A1E7-4F19-B4BF-8C6B59A4CEFF}"/>
               </a:ext>
             </a:extLst>
           </p:cNvPr>
@@ -7410,7 +7716,7 @@
           <p:cNvPr id="6" name="Slide Number Placeholder 5">
             <a:extLst>
               <a:ext uri="{FF2B5EF4-FFF2-40B4-BE49-F238E27FC236}">
-                <a16:creationId xmlns:a16="http://schemas.microsoft.com/office/drawing/2014/main" id="{CECE3146-0C2B-4CC7-BC7C-FD23AAF7ECAE}"/>
+                <a16:creationId xmlns:a16="http://schemas.microsoft.com/office/drawing/2014/main" id="{DE722C41-7366-4DE2-9AF4-E75E189A7733}"/>
               </a:ext>
             </a:extLst>
           </p:cNvPr>
@@ -7437,7 +7743,7 @@
     </p:spTree>
     <p:extLst>
       <p:ext uri="{BB962C8B-B14F-4D97-AF65-F5344CB8AC3E}">
-        <p14:creationId xmlns:p14="http://schemas.microsoft.com/office/powerpoint/2010/main" val="3624540971"/>
+        <p14:creationId xmlns:p14="http://schemas.microsoft.com/office/powerpoint/2010/main" val="2399367561"/>
       </p:ext>
     </p:extLst>
   </p:cSld>
@@ -7466,10 +7772,10 @@
       </p:grpSpPr>
       <p:sp>
         <p:nvSpPr>
-          <p:cNvPr id="7" name="Title 6">
-            <a:extLst>
-              <a:ext uri="{FF2B5EF4-FFF2-40B4-BE49-F238E27FC236}">
-                <a16:creationId xmlns:a16="http://schemas.microsoft.com/office/drawing/2014/main" id="{495B4BC0-844B-4414-A623-BEF78AAC1BA1}"/>
+          <p:cNvPr id="2" name="Title 1">
+            <a:extLst>
+              <a:ext uri="{FF2B5EF4-FFF2-40B4-BE49-F238E27FC236}">
+                <a16:creationId xmlns:a16="http://schemas.microsoft.com/office/drawing/2014/main" id="{84FE5820-4288-4CB6-888A-5CBF5468888C}"/>
               </a:ext>
             </a:extLst>
           </p:cNvPr>
@@ -7487,33 +7793,8 @@
           <a:p>
             <a:r>
               <a:rPr lang="en-US" dirty="0"/>
-              <a:t>ACKNOWLEDGMENTS</a:t>
-            </a:r>
-          </a:p>
-        </p:txBody>
-      </p:sp>
-      <p:sp>
-        <p:nvSpPr>
-          <p:cNvPr id="8" name="Content Placeholder 7">
-            <a:extLst>
-              <a:ext uri="{FF2B5EF4-FFF2-40B4-BE49-F238E27FC236}">
-                <a16:creationId xmlns:a16="http://schemas.microsoft.com/office/drawing/2014/main" id="{2BED3EB3-7E98-4A82-8335-7321D9E37B16}"/>
-              </a:ext>
-            </a:extLst>
-          </p:cNvPr>
-          <p:cNvSpPr>
-            <a:spLocks noGrp="1"/>
-          </p:cNvSpPr>
-          <p:nvPr>
-            <p:ph idx="1"/>
-          </p:nvPr>
-        </p:nvSpPr>
-        <p:spPr/>
-        <p:txBody>
-          <a:bodyPr/>
-          <a:lstStyle/>
-          <a:p>
-            <a:endParaRPr lang="en-US"/>
+              <a:t>LAGGED SCATTERPLOTS EXAMPLE</a:t>
+            </a:r>
           </a:p>
         </p:txBody>
       </p:sp>
@@ -7522,7 +7803,7 @@
           <p:cNvPr id="4" name="Date Placeholder 3">
             <a:extLst>
               <a:ext uri="{FF2B5EF4-FFF2-40B4-BE49-F238E27FC236}">
-                <a16:creationId xmlns:a16="http://schemas.microsoft.com/office/drawing/2014/main" id="{540F37F1-4F33-429F-A568-1A3ADC499E54}"/>
+                <a16:creationId xmlns:a16="http://schemas.microsoft.com/office/drawing/2014/main" id="{F716348B-D7FE-46ED-8C48-CF5A55FF31CF}"/>
               </a:ext>
             </a:extLst>
           </p:cNvPr>
@@ -7538,7 +7819,7 @@
           <a:bodyPr/>
           <a:lstStyle/>
           <a:p>
-            <a:fld id="{B08FEED8-D7D4-44E9-BFBC-ED06B5996D94}" type="datetime4">
+            <a:fld id="{8AAE40A0-A7D8-4DC3-BC9E-BADA32DA2004}" type="datetime4">
               <a:rPr lang="en-US" smtClean="0"/>
               <a:t>July 29, 2019</a:t>
             </a:fld>
@@ -7551,7 +7832,7 @@
           <p:cNvPr id="5" name="Footer Placeholder 4">
             <a:extLst>
               <a:ext uri="{FF2B5EF4-FFF2-40B4-BE49-F238E27FC236}">
-                <a16:creationId xmlns:a16="http://schemas.microsoft.com/office/drawing/2014/main" id="{673FFA57-C126-4795-A5F6-DD33AAC5ACBD}"/>
+                <a16:creationId xmlns:a16="http://schemas.microsoft.com/office/drawing/2014/main" id="{34059279-A1E7-4F19-B4BF-8C6B59A4CEFF}"/>
               </a:ext>
             </a:extLst>
           </p:cNvPr>
@@ -7608,7 +7889,7 @@
           <p:cNvPr id="6" name="Slide Number Placeholder 5">
             <a:extLst>
               <a:ext uri="{FF2B5EF4-FFF2-40B4-BE49-F238E27FC236}">
-                <a16:creationId xmlns:a16="http://schemas.microsoft.com/office/drawing/2014/main" id="{2FA49567-BB70-4798-8746-D0B522CCEE20}"/>
+                <a16:creationId xmlns:a16="http://schemas.microsoft.com/office/drawing/2014/main" id="{DE722C41-7366-4DE2-9AF4-E75E189A7733}"/>
               </a:ext>
             </a:extLst>
           </p:cNvPr>
@@ -7632,10 +7913,494 @@
           </a:p>
         </p:txBody>
       </p:sp>
+      <p:pic>
+        <p:nvPicPr>
+          <p:cNvPr id="10" name="Picture 9" descr="A screenshot of a cell phone&#10;&#10;Description automatically generated">
+            <a:extLst>
+              <a:ext uri="{FF2B5EF4-FFF2-40B4-BE49-F238E27FC236}">
+                <a16:creationId xmlns:a16="http://schemas.microsoft.com/office/drawing/2014/main" id="{F8BC82BB-F89F-4421-9F16-389C95C23715}"/>
+              </a:ext>
+            </a:extLst>
+          </p:cNvPr>
+          <p:cNvPicPr>
+            <a:picLocks noChangeAspect="1"/>
+          </p:cNvPicPr>
+          <p:nvPr/>
+        </p:nvPicPr>
+        <p:blipFill>
+          <a:blip r:embed="rId2"/>
+          <a:stretch>
+            <a:fillRect/>
+          </a:stretch>
+        </p:blipFill>
+        <p:spPr>
+          <a:xfrm>
+            <a:off x="3479258" y="1454284"/>
+            <a:ext cx="4946515" cy="4946515"/>
+          </a:xfrm>
+          <a:prstGeom prst="rect">
+            <a:avLst/>
+          </a:prstGeom>
+        </p:spPr>
+      </p:pic>
     </p:spTree>
     <p:extLst>
       <p:ext uri="{BB962C8B-B14F-4D97-AF65-F5344CB8AC3E}">
-        <p14:creationId xmlns:p14="http://schemas.microsoft.com/office/powerpoint/2010/main" val="1585568494"/>
+        <p14:creationId xmlns:p14="http://schemas.microsoft.com/office/powerpoint/2010/main" val="2285561951"/>
+      </p:ext>
+    </p:extLst>
+  </p:cSld>
+  <p:clrMapOvr>
+    <a:masterClrMapping/>
+  </p:clrMapOvr>
+</p:sld>
+</file>
+
+<file path=ppt/slides/slide28.xml><?xml version="1.0" encoding="utf-8"?>
+<p:sld xmlns:a="http://schemas.openxmlformats.org/drawingml/2006/main" xmlns:r="http://schemas.openxmlformats.org/officeDocument/2006/relationships" xmlns:p="http://schemas.openxmlformats.org/presentationml/2006/main">
+  <p:cSld>
+    <p:spTree>
+      <p:nvGrpSpPr>
+        <p:cNvPr id="1" name=""/>
+        <p:cNvGrpSpPr/>
+        <p:nvPr/>
+      </p:nvGrpSpPr>
+      <p:grpSpPr>
+        <a:xfrm>
+          <a:off x="0" y="0"/>
+          <a:ext cx="0" cy="0"/>
+          <a:chOff x="0" y="0"/>
+          <a:chExt cx="0" cy="0"/>
+        </a:xfrm>
+      </p:grpSpPr>
+      <p:sp>
+        <p:nvSpPr>
+          <p:cNvPr id="7" name="Title 6">
+            <a:extLst>
+              <a:ext uri="{FF2B5EF4-FFF2-40B4-BE49-F238E27FC236}">
+                <a16:creationId xmlns:a16="http://schemas.microsoft.com/office/drawing/2014/main" id="{7802FB34-7510-47BC-8952-A1FE9728B0BF}"/>
+              </a:ext>
+            </a:extLst>
+          </p:cNvPr>
+          <p:cNvSpPr>
+            <a:spLocks noGrp="1"/>
+          </p:cNvSpPr>
+          <p:nvPr>
+            <p:ph type="title"/>
+          </p:nvPr>
+        </p:nvSpPr>
+        <p:spPr/>
+        <p:txBody>
+          <a:bodyPr/>
+          <a:lstStyle/>
+          <a:p>
+            <a:r>
+              <a:rPr lang="en-US" dirty="0"/>
+              <a:t>ARIMA MODELS</a:t>
+            </a:r>
+          </a:p>
+        </p:txBody>
+      </p:sp>
+      <p:sp>
+        <p:nvSpPr>
+          <p:cNvPr id="8" name="Text Placeholder 7">
+            <a:extLst>
+              <a:ext uri="{FF2B5EF4-FFF2-40B4-BE49-F238E27FC236}">
+                <a16:creationId xmlns:a16="http://schemas.microsoft.com/office/drawing/2014/main" id="{FCA70F1A-579E-4144-AE97-14FFC08FF0F5}"/>
+              </a:ext>
+            </a:extLst>
+          </p:cNvPr>
+          <p:cNvSpPr>
+            <a:spLocks noGrp="1"/>
+          </p:cNvSpPr>
+          <p:nvPr>
+            <p:ph type="body" idx="1"/>
+          </p:nvPr>
+        </p:nvSpPr>
+        <p:spPr/>
+        <p:txBody>
+          <a:bodyPr/>
+          <a:lstStyle/>
+          <a:p>
+            <a:r>
+              <a:rPr lang="en-US" dirty="0"/>
+              <a:t>Interpretable, simple and speedy time series modeling</a:t>
+            </a:r>
+          </a:p>
+        </p:txBody>
+      </p:sp>
+      <p:sp>
+        <p:nvSpPr>
+          <p:cNvPr id="4" name="Date Placeholder 3">
+            <a:extLst>
+              <a:ext uri="{FF2B5EF4-FFF2-40B4-BE49-F238E27FC236}">
+                <a16:creationId xmlns:a16="http://schemas.microsoft.com/office/drawing/2014/main" id="{3AD929EF-0967-4B34-81B8-24D9EF91892E}"/>
+              </a:ext>
+            </a:extLst>
+          </p:cNvPr>
+          <p:cNvSpPr>
+            <a:spLocks noGrp="1"/>
+          </p:cNvSpPr>
+          <p:nvPr>
+            <p:ph type="dt" sz="half" idx="10"/>
+          </p:nvPr>
+        </p:nvSpPr>
+        <p:spPr/>
+        <p:txBody>
+          <a:bodyPr/>
+          <a:lstStyle/>
+          <a:p>
+            <a:fld id="{8AAE40A0-A7D8-4DC3-BC9E-BADA32DA2004}" type="datetime4">
+              <a:rPr lang="en-US" smtClean="0"/>
+              <a:t>July 29, 2019</a:t>
+            </a:fld>
+            <a:endParaRPr lang="en-US" dirty="0"/>
+          </a:p>
+        </p:txBody>
+      </p:sp>
+      <p:sp>
+        <p:nvSpPr>
+          <p:cNvPr id="5" name="Footer Placeholder 4">
+            <a:extLst>
+              <a:ext uri="{FF2B5EF4-FFF2-40B4-BE49-F238E27FC236}">
+                <a16:creationId xmlns:a16="http://schemas.microsoft.com/office/drawing/2014/main" id="{3B5B35DD-F2EA-40D3-8039-8CD3802B2612}"/>
+              </a:ext>
+            </a:extLst>
+          </p:cNvPr>
+          <p:cNvSpPr>
+            <a:spLocks noGrp="1"/>
+          </p:cNvSpPr>
+          <p:nvPr>
+            <p:ph type="ftr" sz="quarter" idx="11"/>
+          </p:nvPr>
+        </p:nvSpPr>
+        <p:spPr/>
+        <p:txBody>
+          <a:bodyPr/>
+          <a:lstStyle/>
+          <a:p>
+            <a:r>
+              <a:rPr lang="en-US"/>
+              <a:t>Digital Scholarship Services </a:t>
+            </a:r>
+            <a:r>
+              <a:rPr lang="en-US">
+                <a:solidFill>
+                  <a:schemeClr val="accent1">
+                    <a:lumMod val="50000"/>
+                  </a:schemeClr>
+                </a:solidFill>
+              </a:rPr>
+              <a:t>| Email</a:t>
+            </a:r>
+            <a:r>
+              <a:rPr lang="en-US"/>
+              <a:t> cf24@rice.edu </a:t>
+            </a:r>
+            <a:r>
+              <a:rPr lang="en-US">
+                <a:solidFill>
+                  <a:schemeClr val="accent1">
+                    <a:lumMod val="50000"/>
+                  </a:schemeClr>
+                </a:solidFill>
+              </a:rPr>
+              <a:t>|</a:t>
+            </a:r>
+            <a:r>
+              <a:rPr lang="en-US"/>
+              <a:t> library.rice.edu/dss</a:t>
+            </a:r>
+            <a:endParaRPr lang="en-US" dirty="0"/>
+          </a:p>
+        </p:txBody>
+      </p:sp>
+      <p:sp>
+        <p:nvSpPr>
+          <p:cNvPr id="6" name="Slide Number Placeholder 5">
+            <a:extLst>
+              <a:ext uri="{FF2B5EF4-FFF2-40B4-BE49-F238E27FC236}">
+                <a16:creationId xmlns:a16="http://schemas.microsoft.com/office/drawing/2014/main" id="{C3EB9A57-323C-47F5-867F-693F95A15FA4}"/>
+              </a:ext>
+            </a:extLst>
+          </p:cNvPr>
+          <p:cNvSpPr>
+            <a:spLocks noGrp="1"/>
+          </p:cNvSpPr>
+          <p:nvPr>
+            <p:ph type="sldNum" sz="quarter" idx="12"/>
+          </p:nvPr>
+        </p:nvSpPr>
+        <p:spPr/>
+        <p:txBody>
+          <a:bodyPr/>
+          <a:lstStyle/>
+          <a:p>
+            <a:fld id="{D57F1E4F-1CFF-5643-939E-02111984F565}" type="slidenum">
+              <a:rPr lang="en-US" smtClean="0"/>
+              <a:t>28</a:t>
+            </a:fld>
+            <a:endParaRPr lang="en-US" dirty="0"/>
+          </a:p>
+        </p:txBody>
+      </p:sp>
+    </p:spTree>
+    <p:extLst>
+      <p:ext uri="{BB962C8B-B14F-4D97-AF65-F5344CB8AC3E}">
+        <p14:creationId xmlns:p14="http://schemas.microsoft.com/office/powerpoint/2010/main" val="107865345"/>
+      </p:ext>
+    </p:extLst>
+  </p:cSld>
+  <p:clrMapOvr>
+    <a:masterClrMapping/>
+  </p:clrMapOvr>
+</p:sld>
+</file>
+
+<file path=ppt/slides/slide29.xml><?xml version="1.0" encoding="utf-8"?>
+<p:sld xmlns:a="http://schemas.openxmlformats.org/drawingml/2006/main" xmlns:r="http://schemas.openxmlformats.org/officeDocument/2006/relationships" xmlns:p="http://schemas.openxmlformats.org/presentationml/2006/main">
+  <p:cSld>
+    <p:spTree>
+      <p:nvGrpSpPr>
+        <p:cNvPr id="1" name=""/>
+        <p:cNvGrpSpPr/>
+        <p:nvPr/>
+      </p:nvGrpSpPr>
+      <p:grpSpPr>
+        <a:xfrm>
+          <a:off x="0" y="0"/>
+          <a:ext cx="0" cy="0"/>
+          <a:chOff x="0" y="0"/>
+          <a:chExt cx="0" cy="0"/>
+        </a:xfrm>
+      </p:grpSpPr>
+      <p:sp>
+        <p:nvSpPr>
+          <p:cNvPr id="7" name="Title 6">
+            <a:extLst>
+              <a:ext uri="{FF2B5EF4-FFF2-40B4-BE49-F238E27FC236}">
+                <a16:creationId xmlns:a16="http://schemas.microsoft.com/office/drawing/2014/main" id="{75C0DCD3-95F8-4E1F-BF1A-5FAAB84A40A3}"/>
+              </a:ext>
+            </a:extLst>
+          </p:cNvPr>
+          <p:cNvSpPr>
+            <a:spLocks noGrp="1"/>
+          </p:cNvSpPr>
+          <p:nvPr>
+            <p:ph type="title"/>
+          </p:nvPr>
+        </p:nvSpPr>
+        <p:spPr/>
+        <p:txBody>
+          <a:bodyPr/>
+          <a:lstStyle/>
+          <a:p>
+            <a:r>
+              <a:rPr lang="en-US" dirty="0"/>
+              <a:t>ARIMA MODELS</a:t>
+            </a:r>
+          </a:p>
+        </p:txBody>
+      </p:sp>
+      <p:sp>
+        <p:nvSpPr>
+          <p:cNvPr id="8" name="Content Placeholder 7">
+            <a:extLst>
+              <a:ext uri="{FF2B5EF4-FFF2-40B4-BE49-F238E27FC236}">
+                <a16:creationId xmlns:a16="http://schemas.microsoft.com/office/drawing/2014/main" id="{52BB1FAB-BB61-4B66-A4EA-A0EABC2B3ECA}"/>
+              </a:ext>
+            </a:extLst>
+          </p:cNvPr>
+          <p:cNvSpPr>
+            <a:spLocks noGrp="1"/>
+          </p:cNvSpPr>
+          <p:nvPr>
+            <p:ph idx="1"/>
+          </p:nvPr>
+        </p:nvSpPr>
+        <p:spPr/>
+        <p:txBody>
+          <a:bodyPr/>
+          <a:lstStyle/>
+          <a:p>
+            <a:r>
+              <a:rPr lang="en-US" dirty="0"/>
+              <a:t>Auto-Regressive Integrated Moving Average models</a:t>
+            </a:r>
+          </a:p>
+          <a:p>
+            <a:r>
+              <a:rPr lang="en-US" dirty="0"/>
+              <a:t>Pros:</a:t>
+            </a:r>
+          </a:p>
+          <a:p>
+            <a:pPr lvl="1"/>
+            <a:r>
+              <a:rPr lang="en-US" dirty="0"/>
+              <a:t>Great at producing flexible models, solid support of periodic behavior and trending</a:t>
+            </a:r>
+          </a:p>
+          <a:p>
+            <a:pPr lvl="1"/>
+            <a:r>
+              <a:rPr lang="en-US" dirty="0"/>
+              <a:t>Parameters are fairly easy to interpret</a:t>
+            </a:r>
+          </a:p>
+          <a:p>
+            <a:pPr lvl="1"/>
+            <a:r>
+              <a:rPr lang="en-US" dirty="0"/>
+              <a:t>Widely used and mathematically well-understood</a:t>
+            </a:r>
+          </a:p>
+          <a:p>
+            <a:r>
+              <a:rPr lang="en-US" dirty="0"/>
+              <a:t>Cons:</a:t>
+            </a:r>
+          </a:p>
+          <a:p>
+            <a:pPr lvl="1"/>
+            <a:r>
+              <a:rPr lang="en-US" dirty="0"/>
+              <a:t>Bit of a pain to figure out the right parameters</a:t>
+            </a:r>
+          </a:p>
+          <a:p>
+            <a:pPr lvl="1"/>
+            <a:r>
+              <a:rPr lang="en-US" dirty="0"/>
+              <a:t>Not great at dealing with holidays, </a:t>
+            </a:r>
+            <a:r>
+              <a:rPr lang="en-US" dirty="0" err="1"/>
+              <a:t>etc</a:t>
+            </a:r>
+            <a:endParaRPr lang="en-US" dirty="0"/>
+          </a:p>
+        </p:txBody>
+      </p:sp>
+      <p:sp>
+        <p:nvSpPr>
+          <p:cNvPr id="4" name="Date Placeholder 3">
+            <a:extLst>
+              <a:ext uri="{FF2B5EF4-FFF2-40B4-BE49-F238E27FC236}">
+                <a16:creationId xmlns:a16="http://schemas.microsoft.com/office/drawing/2014/main" id="{02256D86-7CE0-416E-B2A3-402D20EE9E90}"/>
+              </a:ext>
+            </a:extLst>
+          </p:cNvPr>
+          <p:cNvSpPr>
+            <a:spLocks noGrp="1"/>
+          </p:cNvSpPr>
+          <p:nvPr>
+            <p:ph type="dt" sz="half" idx="10"/>
+          </p:nvPr>
+        </p:nvSpPr>
+        <p:spPr/>
+        <p:txBody>
+          <a:bodyPr/>
+          <a:lstStyle/>
+          <a:p>
+            <a:fld id="{B08FEED8-D7D4-44E9-BFBC-ED06B5996D94}" type="datetime4">
+              <a:rPr lang="en-US" smtClean="0"/>
+              <a:t>July 29, 2019</a:t>
+            </a:fld>
+            <a:endParaRPr lang="en-US" dirty="0"/>
+          </a:p>
+        </p:txBody>
+      </p:sp>
+      <p:sp>
+        <p:nvSpPr>
+          <p:cNvPr id="5" name="Footer Placeholder 4">
+            <a:extLst>
+              <a:ext uri="{FF2B5EF4-FFF2-40B4-BE49-F238E27FC236}">
+                <a16:creationId xmlns:a16="http://schemas.microsoft.com/office/drawing/2014/main" id="{1D4ED112-7CF4-4BB9-B46E-B366A5054A9A}"/>
+              </a:ext>
+            </a:extLst>
+          </p:cNvPr>
+          <p:cNvSpPr>
+            <a:spLocks noGrp="1"/>
+          </p:cNvSpPr>
+          <p:nvPr>
+            <p:ph type="ftr" sz="quarter" idx="11"/>
+          </p:nvPr>
+        </p:nvSpPr>
+        <p:spPr/>
+        <p:txBody>
+          <a:bodyPr/>
+          <a:lstStyle/>
+          <a:p>
+            <a:r>
+              <a:rPr lang="en-US"/>
+              <a:t>Digital Scholarship Services </a:t>
+            </a:r>
+            <a:r>
+              <a:rPr lang="en-US">
+                <a:solidFill>
+                  <a:schemeClr val="accent1">
+                    <a:lumMod val="50000"/>
+                  </a:schemeClr>
+                </a:solidFill>
+              </a:rPr>
+              <a:t>| Email</a:t>
+            </a:r>
+            <a:r>
+              <a:rPr lang="en-US"/>
+              <a:t> cf24@rice.edu </a:t>
+            </a:r>
+            <a:r>
+              <a:rPr lang="en-US">
+                <a:solidFill>
+                  <a:schemeClr val="accent1">
+                    <a:lumMod val="50000"/>
+                  </a:schemeClr>
+                </a:solidFill>
+              </a:rPr>
+              <a:t>|</a:t>
+            </a:r>
+            <a:r>
+              <a:rPr lang="en-US"/>
+              <a:t> library.rice.edu/dss</a:t>
+            </a:r>
+            <a:endParaRPr lang="en-US" dirty="0"/>
+          </a:p>
+        </p:txBody>
+      </p:sp>
+      <p:sp>
+        <p:nvSpPr>
+          <p:cNvPr id="6" name="Slide Number Placeholder 5">
+            <a:extLst>
+              <a:ext uri="{FF2B5EF4-FFF2-40B4-BE49-F238E27FC236}">
+                <a16:creationId xmlns:a16="http://schemas.microsoft.com/office/drawing/2014/main" id="{8CC75551-85BF-4C9F-8893-AA28ECA8A6B5}"/>
+              </a:ext>
+            </a:extLst>
+          </p:cNvPr>
+          <p:cNvSpPr>
+            <a:spLocks noGrp="1"/>
+          </p:cNvSpPr>
+          <p:nvPr>
+            <p:ph type="sldNum" sz="quarter" idx="12"/>
+          </p:nvPr>
+        </p:nvSpPr>
+        <p:spPr/>
+        <p:txBody>
+          <a:bodyPr/>
+          <a:lstStyle/>
+          <a:p>
+            <a:fld id="{D57F1E4F-1CFF-5643-939E-02111984F565}" type="slidenum">
+              <a:rPr lang="en-US" smtClean="0"/>
+              <a:t>29</a:t>
+            </a:fld>
+            <a:endParaRPr lang="en-US" dirty="0"/>
+          </a:p>
+        </p:txBody>
+      </p:sp>
+    </p:spTree>
+    <p:extLst>
+      <p:ext uri="{BB962C8B-B14F-4D97-AF65-F5344CB8AC3E}">
+        <p14:creationId xmlns:p14="http://schemas.microsoft.com/office/powerpoint/2010/main" val="1065550565"/>
       </p:ext>
     </p:extLst>
   </p:cSld>
@@ -7870,6 +8635,2169 @@
     <p:extLst>
       <p:ext uri="{BB962C8B-B14F-4D97-AF65-F5344CB8AC3E}">
         <p14:creationId xmlns:p14="http://schemas.microsoft.com/office/powerpoint/2010/main" val="3077278940"/>
+      </p:ext>
+    </p:extLst>
+  </p:cSld>
+  <p:clrMapOvr>
+    <a:masterClrMapping/>
+  </p:clrMapOvr>
+</p:sld>
+</file>
+
+<file path=ppt/slides/slide30.xml><?xml version="1.0" encoding="utf-8"?>
+<p:sld xmlns:a="http://schemas.openxmlformats.org/drawingml/2006/main" xmlns:r="http://schemas.openxmlformats.org/officeDocument/2006/relationships" xmlns:p="http://schemas.openxmlformats.org/presentationml/2006/main">
+  <p:cSld>
+    <p:spTree>
+      <p:nvGrpSpPr>
+        <p:cNvPr id="1" name=""/>
+        <p:cNvGrpSpPr/>
+        <p:nvPr/>
+      </p:nvGrpSpPr>
+      <p:grpSpPr>
+        <a:xfrm>
+          <a:off x="0" y="0"/>
+          <a:ext cx="0" cy="0"/>
+          <a:chOff x="0" y="0"/>
+          <a:chExt cx="0" cy="0"/>
+        </a:xfrm>
+      </p:grpSpPr>
+      <p:sp>
+        <p:nvSpPr>
+          <p:cNvPr id="7" name="Title 6">
+            <a:extLst>
+              <a:ext uri="{FF2B5EF4-FFF2-40B4-BE49-F238E27FC236}">
+                <a16:creationId xmlns:a16="http://schemas.microsoft.com/office/drawing/2014/main" id="{75C0DCD3-95F8-4E1F-BF1A-5FAAB84A40A3}"/>
+              </a:ext>
+            </a:extLst>
+          </p:cNvPr>
+          <p:cNvSpPr>
+            <a:spLocks noGrp="1"/>
+          </p:cNvSpPr>
+          <p:nvPr>
+            <p:ph type="title"/>
+          </p:nvPr>
+        </p:nvSpPr>
+        <p:spPr/>
+        <p:txBody>
+          <a:bodyPr/>
+          <a:lstStyle/>
+          <a:p>
+            <a:r>
+              <a:rPr lang="en-US" dirty="0"/>
+              <a:t>AUTOREGRESSIVE</a:t>
+            </a:r>
+          </a:p>
+        </p:txBody>
+      </p:sp>
+      <p:sp>
+        <p:nvSpPr>
+          <p:cNvPr id="8" name="Content Placeholder 7">
+            <a:extLst>
+              <a:ext uri="{FF2B5EF4-FFF2-40B4-BE49-F238E27FC236}">
+                <a16:creationId xmlns:a16="http://schemas.microsoft.com/office/drawing/2014/main" id="{52BB1FAB-BB61-4B66-A4EA-A0EABC2B3ECA}"/>
+              </a:ext>
+            </a:extLst>
+          </p:cNvPr>
+          <p:cNvSpPr>
+            <a:spLocks noGrp="1"/>
+          </p:cNvSpPr>
+          <p:nvPr>
+            <p:ph idx="1"/>
+          </p:nvPr>
+        </p:nvSpPr>
+        <p:spPr/>
+        <p:txBody>
+          <a:bodyPr/>
+          <a:lstStyle/>
+          <a:p>
+            <a:endParaRPr lang="en-US"/>
+          </a:p>
+        </p:txBody>
+      </p:sp>
+      <p:sp>
+        <p:nvSpPr>
+          <p:cNvPr id="4" name="Date Placeholder 3">
+            <a:extLst>
+              <a:ext uri="{FF2B5EF4-FFF2-40B4-BE49-F238E27FC236}">
+                <a16:creationId xmlns:a16="http://schemas.microsoft.com/office/drawing/2014/main" id="{02256D86-7CE0-416E-B2A3-402D20EE9E90}"/>
+              </a:ext>
+            </a:extLst>
+          </p:cNvPr>
+          <p:cNvSpPr>
+            <a:spLocks noGrp="1"/>
+          </p:cNvSpPr>
+          <p:nvPr>
+            <p:ph type="dt" sz="half" idx="10"/>
+          </p:nvPr>
+        </p:nvSpPr>
+        <p:spPr/>
+        <p:txBody>
+          <a:bodyPr/>
+          <a:lstStyle/>
+          <a:p>
+            <a:fld id="{B08FEED8-D7D4-44E9-BFBC-ED06B5996D94}" type="datetime4">
+              <a:rPr lang="en-US" smtClean="0"/>
+              <a:t>July 29, 2019</a:t>
+            </a:fld>
+            <a:endParaRPr lang="en-US" dirty="0"/>
+          </a:p>
+        </p:txBody>
+      </p:sp>
+      <p:sp>
+        <p:nvSpPr>
+          <p:cNvPr id="5" name="Footer Placeholder 4">
+            <a:extLst>
+              <a:ext uri="{FF2B5EF4-FFF2-40B4-BE49-F238E27FC236}">
+                <a16:creationId xmlns:a16="http://schemas.microsoft.com/office/drawing/2014/main" id="{1D4ED112-7CF4-4BB9-B46E-B366A5054A9A}"/>
+              </a:ext>
+            </a:extLst>
+          </p:cNvPr>
+          <p:cNvSpPr>
+            <a:spLocks noGrp="1"/>
+          </p:cNvSpPr>
+          <p:nvPr>
+            <p:ph type="ftr" sz="quarter" idx="11"/>
+          </p:nvPr>
+        </p:nvSpPr>
+        <p:spPr/>
+        <p:txBody>
+          <a:bodyPr/>
+          <a:lstStyle/>
+          <a:p>
+            <a:r>
+              <a:rPr lang="en-US"/>
+              <a:t>Digital Scholarship Services </a:t>
+            </a:r>
+            <a:r>
+              <a:rPr lang="en-US">
+                <a:solidFill>
+                  <a:schemeClr val="accent1">
+                    <a:lumMod val="50000"/>
+                  </a:schemeClr>
+                </a:solidFill>
+              </a:rPr>
+              <a:t>| Email</a:t>
+            </a:r>
+            <a:r>
+              <a:rPr lang="en-US"/>
+              <a:t> cf24@rice.edu </a:t>
+            </a:r>
+            <a:r>
+              <a:rPr lang="en-US">
+                <a:solidFill>
+                  <a:schemeClr val="accent1">
+                    <a:lumMod val="50000"/>
+                  </a:schemeClr>
+                </a:solidFill>
+              </a:rPr>
+              <a:t>|</a:t>
+            </a:r>
+            <a:r>
+              <a:rPr lang="en-US"/>
+              <a:t> library.rice.edu/dss</a:t>
+            </a:r>
+            <a:endParaRPr lang="en-US" dirty="0"/>
+          </a:p>
+        </p:txBody>
+      </p:sp>
+      <p:sp>
+        <p:nvSpPr>
+          <p:cNvPr id="6" name="Slide Number Placeholder 5">
+            <a:extLst>
+              <a:ext uri="{FF2B5EF4-FFF2-40B4-BE49-F238E27FC236}">
+                <a16:creationId xmlns:a16="http://schemas.microsoft.com/office/drawing/2014/main" id="{8CC75551-85BF-4C9F-8893-AA28ECA8A6B5}"/>
+              </a:ext>
+            </a:extLst>
+          </p:cNvPr>
+          <p:cNvSpPr>
+            <a:spLocks noGrp="1"/>
+          </p:cNvSpPr>
+          <p:nvPr>
+            <p:ph type="sldNum" sz="quarter" idx="12"/>
+          </p:nvPr>
+        </p:nvSpPr>
+        <p:spPr/>
+        <p:txBody>
+          <a:bodyPr/>
+          <a:lstStyle/>
+          <a:p>
+            <a:fld id="{D57F1E4F-1CFF-5643-939E-02111984F565}" type="slidenum">
+              <a:rPr lang="en-US" smtClean="0"/>
+              <a:t>30</a:t>
+            </a:fld>
+            <a:endParaRPr lang="en-US" dirty="0"/>
+          </a:p>
+        </p:txBody>
+      </p:sp>
+    </p:spTree>
+    <p:extLst>
+      <p:ext uri="{BB962C8B-B14F-4D97-AF65-F5344CB8AC3E}">
+        <p14:creationId xmlns:p14="http://schemas.microsoft.com/office/powerpoint/2010/main" val="4066560549"/>
+      </p:ext>
+    </p:extLst>
+  </p:cSld>
+  <p:clrMapOvr>
+    <a:masterClrMapping/>
+  </p:clrMapOvr>
+</p:sld>
+</file>
+
+<file path=ppt/slides/slide31.xml><?xml version="1.0" encoding="utf-8"?>
+<p:sld xmlns:a="http://schemas.openxmlformats.org/drawingml/2006/main" xmlns:r="http://schemas.openxmlformats.org/officeDocument/2006/relationships" xmlns:p="http://schemas.openxmlformats.org/presentationml/2006/main">
+  <p:cSld>
+    <p:spTree>
+      <p:nvGrpSpPr>
+        <p:cNvPr id="1" name=""/>
+        <p:cNvGrpSpPr/>
+        <p:nvPr/>
+      </p:nvGrpSpPr>
+      <p:grpSpPr>
+        <a:xfrm>
+          <a:off x="0" y="0"/>
+          <a:ext cx="0" cy="0"/>
+          <a:chOff x="0" y="0"/>
+          <a:chExt cx="0" cy="0"/>
+        </a:xfrm>
+      </p:grpSpPr>
+      <p:sp>
+        <p:nvSpPr>
+          <p:cNvPr id="2" name="Title 1">
+            <a:extLst>
+              <a:ext uri="{FF2B5EF4-FFF2-40B4-BE49-F238E27FC236}">
+                <a16:creationId xmlns:a16="http://schemas.microsoft.com/office/drawing/2014/main" id="{D7EACF90-3E7B-4978-AB0C-ED5165419D19}"/>
+              </a:ext>
+            </a:extLst>
+          </p:cNvPr>
+          <p:cNvSpPr>
+            <a:spLocks noGrp="1"/>
+          </p:cNvSpPr>
+          <p:nvPr>
+            <p:ph type="title"/>
+          </p:nvPr>
+        </p:nvSpPr>
+        <p:spPr/>
+        <p:txBody>
+          <a:bodyPr/>
+          <a:lstStyle/>
+          <a:p>
+            <a:r>
+              <a:rPr lang="en-US" dirty="0"/>
+              <a:t>MOVING AVERAGE</a:t>
+            </a:r>
+          </a:p>
+        </p:txBody>
+      </p:sp>
+      <p:sp>
+        <p:nvSpPr>
+          <p:cNvPr id="3" name="Content Placeholder 2">
+            <a:extLst>
+              <a:ext uri="{FF2B5EF4-FFF2-40B4-BE49-F238E27FC236}">
+                <a16:creationId xmlns:a16="http://schemas.microsoft.com/office/drawing/2014/main" id="{A7CEFEF5-E74A-4EFE-9368-8FD74B059E10}"/>
+              </a:ext>
+            </a:extLst>
+          </p:cNvPr>
+          <p:cNvSpPr>
+            <a:spLocks noGrp="1"/>
+          </p:cNvSpPr>
+          <p:nvPr>
+            <p:ph idx="1"/>
+          </p:nvPr>
+        </p:nvSpPr>
+        <p:spPr/>
+        <p:txBody>
+          <a:bodyPr/>
+          <a:lstStyle/>
+          <a:p>
+            <a:endParaRPr lang="en-US"/>
+          </a:p>
+        </p:txBody>
+      </p:sp>
+      <p:sp>
+        <p:nvSpPr>
+          <p:cNvPr id="4" name="Date Placeholder 3">
+            <a:extLst>
+              <a:ext uri="{FF2B5EF4-FFF2-40B4-BE49-F238E27FC236}">
+                <a16:creationId xmlns:a16="http://schemas.microsoft.com/office/drawing/2014/main" id="{64E0A09F-EC7A-4EF6-AB3A-0DC48B1B7271}"/>
+              </a:ext>
+            </a:extLst>
+          </p:cNvPr>
+          <p:cNvSpPr>
+            <a:spLocks noGrp="1"/>
+          </p:cNvSpPr>
+          <p:nvPr>
+            <p:ph type="dt" sz="half" idx="10"/>
+          </p:nvPr>
+        </p:nvSpPr>
+        <p:spPr/>
+        <p:txBody>
+          <a:bodyPr/>
+          <a:lstStyle/>
+          <a:p>
+            <a:fld id="{8AAE40A0-A7D8-4DC3-BC9E-BADA32DA2004}" type="datetime4">
+              <a:rPr lang="en-US" smtClean="0"/>
+              <a:t>July 29, 2019</a:t>
+            </a:fld>
+            <a:endParaRPr lang="en-US" dirty="0"/>
+          </a:p>
+        </p:txBody>
+      </p:sp>
+      <p:sp>
+        <p:nvSpPr>
+          <p:cNvPr id="5" name="Footer Placeholder 4">
+            <a:extLst>
+              <a:ext uri="{FF2B5EF4-FFF2-40B4-BE49-F238E27FC236}">
+                <a16:creationId xmlns:a16="http://schemas.microsoft.com/office/drawing/2014/main" id="{9D8B7F07-2C50-4473-BABC-57C52FDD38D2}"/>
+              </a:ext>
+            </a:extLst>
+          </p:cNvPr>
+          <p:cNvSpPr>
+            <a:spLocks noGrp="1"/>
+          </p:cNvSpPr>
+          <p:nvPr>
+            <p:ph type="ftr" sz="quarter" idx="11"/>
+          </p:nvPr>
+        </p:nvSpPr>
+        <p:spPr/>
+        <p:txBody>
+          <a:bodyPr/>
+          <a:lstStyle/>
+          <a:p>
+            <a:r>
+              <a:rPr lang="en-US"/>
+              <a:t>Digital Scholarship Services </a:t>
+            </a:r>
+            <a:r>
+              <a:rPr lang="en-US">
+                <a:solidFill>
+                  <a:schemeClr val="accent1">
+                    <a:lumMod val="50000"/>
+                  </a:schemeClr>
+                </a:solidFill>
+              </a:rPr>
+              <a:t>| Email</a:t>
+            </a:r>
+            <a:r>
+              <a:rPr lang="en-US"/>
+              <a:t> cf24@rice.edu </a:t>
+            </a:r>
+            <a:r>
+              <a:rPr lang="en-US">
+                <a:solidFill>
+                  <a:schemeClr val="accent1">
+                    <a:lumMod val="50000"/>
+                  </a:schemeClr>
+                </a:solidFill>
+              </a:rPr>
+              <a:t>|</a:t>
+            </a:r>
+            <a:r>
+              <a:rPr lang="en-US"/>
+              <a:t> library.rice.edu/dss</a:t>
+            </a:r>
+            <a:endParaRPr lang="en-US" dirty="0"/>
+          </a:p>
+        </p:txBody>
+      </p:sp>
+      <p:sp>
+        <p:nvSpPr>
+          <p:cNvPr id="6" name="Slide Number Placeholder 5">
+            <a:extLst>
+              <a:ext uri="{FF2B5EF4-FFF2-40B4-BE49-F238E27FC236}">
+                <a16:creationId xmlns:a16="http://schemas.microsoft.com/office/drawing/2014/main" id="{6BE5E43E-0696-4C60-A72C-BBB5B4448760}"/>
+              </a:ext>
+            </a:extLst>
+          </p:cNvPr>
+          <p:cNvSpPr>
+            <a:spLocks noGrp="1"/>
+          </p:cNvSpPr>
+          <p:nvPr>
+            <p:ph type="sldNum" sz="quarter" idx="12"/>
+          </p:nvPr>
+        </p:nvSpPr>
+        <p:spPr/>
+        <p:txBody>
+          <a:bodyPr/>
+          <a:lstStyle/>
+          <a:p>
+            <a:fld id="{D57F1E4F-1CFF-5643-939E-02111984F565}" type="slidenum">
+              <a:rPr lang="en-US" smtClean="0"/>
+              <a:t>31</a:t>
+            </a:fld>
+            <a:endParaRPr lang="en-US" dirty="0"/>
+          </a:p>
+        </p:txBody>
+      </p:sp>
+    </p:spTree>
+    <p:extLst>
+      <p:ext uri="{BB962C8B-B14F-4D97-AF65-F5344CB8AC3E}">
+        <p14:creationId xmlns:p14="http://schemas.microsoft.com/office/powerpoint/2010/main" val="3521777765"/>
+      </p:ext>
+    </p:extLst>
+  </p:cSld>
+  <p:clrMapOvr>
+    <a:masterClrMapping/>
+  </p:clrMapOvr>
+</p:sld>
+</file>
+
+<file path=ppt/slides/slide32.xml><?xml version="1.0" encoding="utf-8"?>
+<p:sld xmlns:a="http://schemas.openxmlformats.org/drawingml/2006/main" xmlns:r="http://schemas.openxmlformats.org/officeDocument/2006/relationships" xmlns:p="http://schemas.openxmlformats.org/presentationml/2006/main">
+  <p:cSld>
+    <p:spTree>
+      <p:nvGrpSpPr>
+        <p:cNvPr id="1" name=""/>
+        <p:cNvGrpSpPr/>
+        <p:nvPr/>
+      </p:nvGrpSpPr>
+      <p:grpSpPr>
+        <a:xfrm>
+          <a:off x="0" y="0"/>
+          <a:ext cx="0" cy="0"/>
+          <a:chOff x="0" y="0"/>
+          <a:chExt cx="0" cy="0"/>
+        </a:xfrm>
+      </p:grpSpPr>
+      <p:sp>
+        <p:nvSpPr>
+          <p:cNvPr id="2" name="Title 1">
+            <a:extLst>
+              <a:ext uri="{FF2B5EF4-FFF2-40B4-BE49-F238E27FC236}">
+                <a16:creationId xmlns:a16="http://schemas.microsoft.com/office/drawing/2014/main" id="{84FE5820-4288-4CB6-888A-5CBF5468888C}"/>
+              </a:ext>
+            </a:extLst>
+          </p:cNvPr>
+          <p:cNvSpPr>
+            <a:spLocks noGrp="1"/>
+          </p:cNvSpPr>
+          <p:nvPr>
+            <p:ph type="title"/>
+          </p:nvPr>
+        </p:nvSpPr>
+        <p:spPr/>
+        <p:txBody>
+          <a:bodyPr/>
+          <a:lstStyle/>
+          <a:p>
+            <a:r>
+              <a:rPr lang="en-US" dirty="0"/>
+              <a:t>AUTOCORRELATION PLOTS</a:t>
+            </a:r>
+          </a:p>
+        </p:txBody>
+      </p:sp>
+      <p:sp>
+        <p:nvSpPr>
+          <p:cNvPr id="3" name="Content Placeholder 2">
+            <a:extLst>
+              <a:ext uri="{FF2B5EF4-FFF2-40B4-BE49-F238E27FC236}">
+                <a16:creationId xmlns:a16="http://schemas.microsoft.com/office/drawing/2014/main" id="{2952943F-FC31-4BE3-AB00-BAB4B12957BE}"/>
+              </a:ext>
+            </a:extLst>
+          </p:cNvPr>
+          <p:cNvSpPr>
+            <a:spLocks noGrp="1"/>
+          </p:cNvSpPr>
+          <p:nvPr>
+            <p:ph idx="1"/>
+          </p:nvPr>
+        </p:nvSpPr>
+        <p:spPr/>
+        <p:txBody>
+          <a:bodyPr/>
+          <a:lstStyle/>
+          <a:p>
+            <a:endParaRPr lang="en-US" dirty="0"/>
+          </a:p>
+        </p:txBody>
+      </p:sp>
+      <p:sp>
+        <p:nvSpPr>
+          <p:cNvPr id="4" name="Date Placeholder 3">
+            <a:extLst>
+              <a:ext uri="{FF2B5EF4-FFF2-40B4-BE49-F238E27FC236}">
+                <a16:creationId xmlns:a16="http://schemas.microsoft.com/office/drawing/2014/main" id="{F716348B-D7FE-46ED-8C48-CF5A55FF31CF}"/>
+              </a:ext>
+            </a:extLst>
+          </p:cNvPr>
+          <p:cNvSpPr>
+            <a:spLocks noGrp="1"/>
+          </p:cNvSpPr>
+          <p:nvPr>
+            <p:ph type="dt" sz="half" idx="10"/>
+          </p:nvPr>
+        </p:nvSpPr>
+        <p:spPr/>
+        <p:txBody>
+          <a:bodyPr/>
+          <a:lstStyle/>
+          <a:p>
+            <a:fld id="{8AAE40A0-A7D8-4DC3-BC9E-BADA32DA2004}" type="datetime4">
+              <a:rPr lang="en-US" smtClean="0"/>
+              <a:t>July 29, 2019</a:t>
+            </a:fld>
+            <a:endParaRPr lang="en-US" dirty="0"/>
+          </a:p>
+        </p:txBody>
+      </p:sp>
+      <p:sp>
+        <p:nvSpPr>
+          <p:cNvPr id="5" name="Footer Placeholder 4">
+            <a:extLst>
+              <a:ext uri="{FF2B5EF4-FFF2-40B4-BE49-F238E27FC236}">
+                <a16:creationId xmlns:a16="http://schemas.microsoft.com/office/drawing/2014/main" id="{34059279-A1E7-4F19-B4BF-8C6B59A4CEFF}"/>
+              </a:ext>
+            </a:extLst>
+          </p:cNvPr>
+          <p:cNvSpPr>
+            <a:spLocks noGrp="1"/>
+          </p:cNvSpPr>
+          <p:nvPr>
+            <p:ph type="ftr" sz="quarter" idx="11"/>
+          </p:nvPr>
+        </p:nvSpPr>
+        <p:spPr/>
+        <p:txBody>
+          <a:bodyPr/>
+          <a:lstStyle/>
+          <a:p>
+            <a:r>
+              <a:rPr lang="en-US"/>
+              <a:t>Digital Scholarship Services </a:t>
+            </a:r>
+            <a:r>
+              <a:rPr lang="en-US">
+                <a:solidFill>
+                  <a:schemeClr val="accent1">
+                    <a:lumMod val="50000"/>
+                  </a:schemeClr>
+                </a:solidFill>
+              </a:rPr>
+              <a:t>| Email</a:t>
+            </a:r>
+            <a:r>
+              <a:rPr lang="en-US"/>
+              <a:t> cf24@rice.edu </a:t>
+            </a:r>
+            <a:r>
+              <a:rPr lang="en-US">
+                <a:solidFill>
+                  <a:schemeClr val="accent1">
+                    <a:lumMod val="50000"/>
+                  </a:schemeClr>
+                </a:solidFill>
+              </a:rPr>
+              <a:t>|</a:t>
+            </a:r>
+            <a:r>
+              <a:rPr lang="en-US"/>
+              <a:t> library.rice.edu/dss</a:t>
+            </a:r>
+            <a:endParaRPr lang="en-US" dirty="0"/>
+          </a:p>
+        </p:txBody>
+      </p:sp>
+      <p:sp>
+        <p:nvSpPr>
+          <p:cNvPr id="6" name="Slide Number Placeholder 5">
+            <a:extLst>
+              <a:ext uri="{FF2B5EF4-FFF2-40B4-BE49-F238E27FC236}">
+                <a16:creationId xmlns:a16="http://schemas.microsoft.com/office/drawing/2014/main" id="{DE722C41-7366-4DE2-9AF4-E75E189A7733}"/>
+              </a:ext>
+            </a:extLst>
+          </p:cNvPr>
+          <p:cNvSpPr>
+            <a:spLocks noGrp="1"/>
+          </p:cNvSpPr>
+          <p:nvPr>
+            <p:ph type="sldNum" sz="quarter" idx="12"/>
+          </p:nvPr>
+        </p:nvSpPr>
+        <p:spPr/>
+        <p:txBody>
+          <a:bodyPr/>
+          <a:lstStyle/>
+          <a:p>
+            <a:fld id="{D57F1E4F-1CFF-5643-939E-02111984F565}" type="slidenum">
+              <a:rPr lang="en-US" smtClean="0"/>
+              <a:t>32</a:t>
+            </a:fld>
+            <a:endParaRPr lang="en-US" dirty="0"/>
+          </a:p>
+        </p:txBody>
+      </p:sp>
+    </p:spTree>
+    <p:extLst>
+      <p:ext uri="{BB962C8B-B14F-4D97-AF65-F5344CB8AC3E}">
+        <p14:creationId xmlns:p14="http://schemas.microsoft.com/office/powerpoint/2010/main" val="2546350057"/>
+      </p:ext>
+    </p:extLst>
+  </p:cSld>
+  <p:clrMapOvr>
+    <a:masterClrMapping/>
+  </p:clrMapOvr>
+</p:sld>
+</file>
+
+<file path=ppt/slides/slide33.xml><?xml version="1.0" encoding="utf-8"?>
+<p:sld xmlns:a="http://schemas.openxmlformats.org/drawingml/2006/main" xmlns:r="http://schemas.openxmlformats.org/officeDocument/2006/relationships" xmlns:p="http://schemas.openxmlformats.org/presentationml/2006/main">
+  <p:cSld>
+    <p:spTree>
+      <p:nvGrpSpPr>
+        <p:cNvPr id="1" name=""/>
+        <p:cNvGrpSpPr/>
+        <p:nvPr/>
+      </p:nvGrpSpPr>
+      <p:grpSpPr>
+        <a:xfrm>
+          <a:off x="0" y="0"/>
+          <a:ext cx="0" cy="0"/>
+          <a:chOff x="0" y="0"/>
+          <a:chExt cx="0" cy="0"/>
+        </a:xfrm>
+      </p:grpSpPr>
+      <p:sp>
+        <p:nvSpPr>
+          <p:cNvPr id="2" name="Title 1">
+            <a:extLst>
+              <a:ext uri="{FF2B5EF4-FFF2-40B4-BE49-F238E27FC236}">
+                <a16:creationId xmlns:a16="http://schemas.microsoft.com/office/drawing/2014/main" id="{84FE5820-4288-4CB6-888A-5CBF5468888C}"/>
+              </a:ext>
+            </a:extLst>
+          </p:cNvPr>
+          <p:cNvSpPr>
+            <a:spLocks noGrp="1"/>
+          </p:cNvSpPr>
+          <p:nvPr>
+            <p:ph type="title"/>
+          </p:nvPr>
+        </p:nvSpPr>
+        <p:spPr/>
+        <p:txBody>
+          <a:bodyPr/>
+          <a:lstStyle/>
+          <a:p>
+            <a:r>
+              <a:rPr lang="en-US" dirty="0"/>
+              <a:t>PARTIAL AUTOCORRELATION PLOTS</a:t>
+            </a:r>
+          </a:p>
+        </p:txBody>
+      </p:sp>
+      <p:sp>
+        <p:nvSpPr>
+          <p:cNvPr id="3" name="Content Placeholder 2">
+            <a:extLst>
+              <a:ext uri="{FF2B5EF4-FFF2-40B4-BE49-F238E27FC236}">
+                <a16:creationId xmlns:a16="http://schemas.microsoft.com/office/drawing/2014/main" id="{2952943F-FC31-4BE3-AB00-BAB4B12957BE}"/>
+              </a:ext>
+            </a:extLst>
+          </p:cNvPr>
+          <p:cNvSpPr>
+            <a:spLocks noGrp="1"/>
+          </p:cNvSpPr>
+          <p:nvPr>
+            <p:ph idx="1"/>
+          </p:nvPr>
+        </p:nvSpPr>
+        <p:spPr/>
+        <p:txBody>
+          <a:bodyPr/>
+          <a:lstStyle/>
+          <a:p>
+            <a:endParaRPr lang="en-US" dirty="0"/>
+          </a:p>
+        </p:txBody>
+      </p:sp>
+      <p:sp>
+        <p:nvSpPr>
+          <p:cNvPr id="4" name="Date Placeholder 3">
+            <a:extLst>
+              <a:ext uri="{FF2B5EF4-FFF2-40B4-BE49-F238E27FC236}">
+                <a16:creationId xmlns:a16="http://schemas.microsoft.com/office/drawing/2014/main" id="{F716348B-D7FE-46ED-8C48-CF5A55FF31CF}"/>
+              </a:ext>
+            </a:extLst>
+          </p:cNvPr>
+          <p:cNvSpPr>
+            <a:spLocks noGrp="1"/>
+          </p:cNvSpPr>
+          <p:nvPr>
+            <p:ph type="dt" sz="half" idx="10"/>
+          </p:nvPr>
+        </p:nvSpPr>
+        <p:spPr/>
+        <p:txBody>
+          <a:bodyPr/>
+          <a:lstStyle/>
+          <a:p>
+            <a:fld id="{8AAE40A0-A7D8-4DC3-BC9E-BADA32DA2004}" type="datetime4">
+              <a:rPr lang="en-US" smtClean="0"/>
+              <a:t>July 29, 2019</a:t>
+            </a:fld>
+            <a:endParaRPr lang="en-US" dirty="0"/>
+          </a:p>
+        </p:txBody>
+      </p:sp>
+      <p:sp>
+        <p:nvSpPr>
+          <p:cNvPr id="5" name="Footer Placeholder 4">
+            <a:extLst>
+              <a:ext uri="{FF2B5EF4-FFF2-40B4-BE49-F238E27FC236}">
+                <a16:creationId xmlns:a16="http://schemas.microsoft.com/office/drawing/2014/main" id="{34059279-A1E7-4F19-B4BF-8C6B59A4CEFF}"/>
+              </a:ext>
+            </a:extLst>
+          </p:cNvPr>
+          <p:cNvSpPr>
+            <a:spLocks noGrp="1"/>
+          </p:cNvSpPr>
+          <p:nvPr>
+            <p:ph type="ftr" sz="quarter" idx="11"/>
+          </p:nvPr>
+        </p:nvSpPr>
+        <p:spPr/>
+        <p:txBody>
+          <a:bodyPr/>
+          <a:lstStyle/>
+          <a:p>
+            <a:r>
+              <a:rPr lang="en-US"/>
+              <a:t>Digital Scholarship Services </a:t>
+            </a:r>
+            <a:r>
+              <a:rPr lang="en-US">
+                <a:solidFill>
+                  <a:schemeClr val="accent1">
+                    <a:lumMod val="50000"/>
+                  </a:schemeClr>
+                </a:solidFill>
+              </a:rPr>
+              <a:t>| Email</a:t>
+            </a:r>
+            <a:r>
+              <a:rPr lang="en-US"/>
+              <a:t> cf24@rice.edu </a:t>
+            </a:r>
+            <a:r>
+              <a:rPr lang="en-US">
+                <a:solidFill>
+                  <a:schemeClr val="accent1">
+                    <a:lumMod val="50000"/>
+                  </a:schemeClr>
+                </a:solidFill>
+              </a:rPr>
+              <a:t>|</a:t>
+            </a:r>
+            <a:r>
+              <a:rPr lang="en-US"/>
+              <a:t> library.rice.edu/dss</a:t>
+            </a:r>
+            <a:endParaRPr lang="en-US" dirty="0"/>
+          </a:p>
+        </p:txBody>
+      </p:sp>
+      <p:sp>
+        <p:nvSpPr>
+          <p:cNvPr id="6" name="Slide Number Placeholder 5">
+            <a:extLst>
+              <a:ext uri="{FF2B5EF4-FFF2-40B4-BE49-F238E27FC236}">
+                <a16:creationId xmlns:a16="http://schemas.microsoft.com/office/drawing/2014/main" id="{DE722C41-7366-4DE2-9AF4-E75E189A7733}"/>
+              </a:ext>
+            </a:extLst>
+          </p:cNvPr>
+          <p:cNvSpPr>
+            <a:spLocks noGrp="1"/>
+          </p:cNvSpPr>
+          <p:nvPr>
+            <p:ph type="sldNum" sz="quarter" idx="12"/>
+          </p:nvPr>
+        </p:nvSpPr>
+        <p:spPr/>
+        <p:txBody>
+          <a:bodyPr/>
+          <a:lstStyle/>
+          <a:p>
+            <a:fld id="{D57F1E4F-1CFF-5643-939E-02111984F565}" type="slidenum">
+              <a:rPr lang="en-US" smtClean="0"/>
+              <a:t>33</a:t>
+            </a:fld>
+            <a:endParaRPr lang="en-US" dirty="0"/>
+          </a:p>
+        </p:txBody>
+      </p:sp>
+    </p:spTree>
+    <p:extLst>
+      <p:ext uri="{BB962C8B-B14F-4D97-AF65-F5344CB8AC3E}">
+        <p14:creationId xmlns:p14="http://schemas.microsoft.com/office/powerpoint/2010/main" val="1481024644"/>
+      </p:ext>
+    </p:extLst>
+  </p:cSld>
+  <p:clrMapOvr>
+    <a:masterClrMapping/>
+  </p:clrMapOvr>
+</p:sld>
+</file>
+
+<file path=ppt/slides/slide34.xml><?xml version="1.0" encoding="utf-8"?>
+<p:sld xmlns:a="http://schemas.openxmlformats.org/drawingml/2006/main" xmlns:r="http://schemas.openxmlformats.org/officeDocument/2006/relationships" xmlns:p="http://schemas.openxmlformats.org/presentationml/2006/main">
+  <p:cSld>
+    <p:spTree>
+      <p:nvGrpSpPr>
+        <p:cNvPr id="1" name=""/>
+        <p:cNvGrpSpPr/>
+        <p:nvPr/>
+      </p:nvGrpSpPr>
+      <p:grpSpPr>
+        <a:xfrm>
+          <a:off x="0" y="0"/>
+          <a:ext cx="0" cy="0"/>
+          <a:chOff x="0" y="0"/>
+          <a:chExt cx="0" cy="0"/>
+        </a:xfrm>
+      </p:grpSpPr>
+      <p:sp>
+        <p:nvSpPr>
+          <p:cNvPr id="2" name="Title 1">
+            <a:extLst>
+              <a:ext uri="{FF2B5EF4-FFF2-40B4-BE49-F238E27FC236}">
+                <a16:creationId xmlns:a16="http://schemas.microsoft.com/office/drawing/2014/main" id="{D1BF0482-6913-4A5E-A533-479864CB5349}"/>
+              </a:ext>
+            </a:extLst>
+          </p:cNvPr>
+          <p:cNvSpPr>
+            <a:spLocks noGrp="1"/>
+          </p:cNvSpPr>
+          <p:nvPr>
+            <p:ph type="title"/>
+          </p:nvPr>
+        </p:nvSpPr>
+        <p:spPr/>
+        <p:txBody>
+          <a:bodyPr/>
+          <a:lstStyle/>
+          <a:p>
+            <a:r>
+              <a:rPr lang="en-US" dirty="0"/>
+              <a:t>PLAYING AROUND WITH ARIMA</a:t>
+            </a:r>
+          </a:p>
+        </p:txBody>
+      </p:sp>
+      <p:sp>
+        <p:nvSpPr>
+          <p:cNvPr id="3" name="Content Placeholder 2">
+            <a:extLst>
+              <a:ext uri="{FF2B5EF4-FFF2-40B4-BE49-F238E27FC236}">
+                <a16:creationId xmlns:a16="http://schemas.microsoft.com/office/drawing/2014/main" id="{D48271C9-2790-46C9-B80B-52D215430CB8}"/>
+              </a:ext>
+            </a:extLst>
+          </p:cNvPr>
+          <p:cNvSpPr>
+            <a:spLocks noGrp="1"/>
+          </p:cNvSpPr>
+          <p:nvPr>
+            <p:ph idx="1"/>
+          </p:nvPr>
+        </p:nvSpPr>
+        <p:spPr/>
+        <p:txBody>
+          <a:bodyPr/>
+          <a:lstStyle/>
+          <a:p>
+            <a:endParaRPr lang="en-US" dirty="0"/>
+          </a:p>
+        </p:txBody>
+      </p:sp>
+      <p:sp>
+        <p:nvSpPr>
+          <p:cNvPr id="4" name="Date Placeholder 3">
+            <a:extLst>
+              <a:ext uri="{FF2B5EF4-FFF2-40B4-BE49-F238E27FC236}">
+                <a16:creationId xmlns:a16="http://schemas.microsoft.com/office/drawing/2014/main" id="{B23DAF35-209C-48FA-AAAB-F69E14183A91}"/>
+              </a:ext>
+            </a:extLst>
+          </p:cNvPr>
+          <p:cNvSpPr>
+            <a:spLocks noGrp="1"/>
+          </p:cNvSpPr>
+          <p:nvPr>
+            <p:ph type="dt" sz="half" idx="10"/>
+          </p:nvPr>
+        </p:nvSpPr>
+        <p:spPr/>
+        <p:txBody>
+          <a:bodyPr/>
+          <a:lstStyle/>
+          <a:p>
+            <a:fld id="{8AAE40A0-A7D8-4DC3-BC9E-BADA32DA2004}" type="datetime4">
+              <a:rPr lang="en-US" smtClean="0"/>
+              <a:t>July 29, 2019</a:t>
+            </a:fld>
+            <a:endParaRPr lang="en-US" dirty="0"/>
+          </a:p>
+        </p:txBody>
+      </p:sp>
+      <p:sp>
+        <p:nvSpPr>
+          <p:cNvPr id="5" name="Footer Placeholder 4">
+            <a:extLst>
+              <a:ext uri="{FF2B5EF4-FFF2-40B4-BE49-F238E27FC236}">
+                <a16:creationId xmlns:a16="http://schemas.microsoft.com/office/drawing/2014/main" id="{3D8E22A6-180D-41CF-9959-4347A11F2AD1}"/>
+              </a:ext>
+            </a:extLst>
+          </p:cNvPr>
+          <p:cNvSpPr>
+            <a:spLocks noGrp="1"/>
+          </p:cNvSpPr>
+          <p:nvPr>
+            <p:ph type="ftr" sz="quarter" idx="11"/>
+          </p:nvPr>
+        </p:nvSpPr>
+        <p:spPr/>
+        <p:txBody>
+          <a:bodyPr/>
+          <a:lstStyle/>
+          <a:p>
+            <a:r>
+              <a:rPr lang="en-US"/>
+              <a:t>Digital Scholarship Services </a:t>
+            </a:r>
+            <a:r>
+              <a:rPr lang="en-US">
+                <a:solidFill>
+                  <a:schemeClr val="accent1">
+                    <a:lumMod val="50000"/>
+                  </a:schemeClr>
+                </a:solidFill>
+              </a:rPr>
+              <a:t>| Email</a:t>
+            </a:r>
+            <a:r>
+              <a:rPr lang="en-US"/>
+              <a:t> cf24@rice.edu </a:t>
+            </a:r>
+            <a:r>
+              <a:rPr lang="en-US">
+                <a:solidFill>
+                  <a:schemeClr val="accent1">
+                    <a:lumMod val="50000"/>
+                  </a:schemeClr>
+                </a:solidFill>
+              </a:rPr>
+              <a:t>|</a:t>
+            </a:r>
+            <a:r>
+              <a:rPr lang="en-US"/>
+              <a:t> library.rice.edu/dss</a:t>
+            </a:r>
+            <a:endParaRPr lang="en-US" dirty="0"/>
+          </a:p>
+        </p:txBody>
+      </p:sp>
+      <p:sp>
+        <p:nvSpPr>
+          <p:cNvPr id="6" name="Slide Number Placeholder 5">
+            <a:extLst>
+              <a:ext uri="{FF2B5EF4-FFF2-40B4-BE49-F238E27FC236}">
+                <a16:creationId xmlns:a16="http://schemas.microsoft.com/office/drawing/2014/main" id="{CECE3146-0C2B-4CC7-BC7C-FD23AAF7ECAE}"/>
+              </a:ext>
+            </a:extLst>
+          </p:cNvPr>
+          <p:cNvSpPr>
+            <a:spLocks noGrp="1"/>
+          </p:cNvSpPr>
+          <p:nvPr>
+            <p:ph type="sldNum" sz="quarter" idx="12"/>
+          </p:nvPr>
+        </p:nvSpPr>
+        <p:spPr/>
+        <p:txBody>
+          <a:bodyPr/>
+          <a:lstStyle/>
+          <a:p>
+            <a:fld id="{D57F1E4F-1CFF-5643-939E-02111984F565}" type="slidenum">
+              <a:rPr lang="en-US" smtClean="0"/>
+              <a:t>34</a:t>
+            </a:fld>
+            <a:endParaRPr lang="en-US" dirty="0"/>
+          </a:p>
+        </p:txBody>
+      </p:sp>
+    </p:spTree>
+    <p:extLst>
+      <p:ext uri="{BB962C8B-B14F-4D97-AF65-F5344CB8AC3E}">
+        <p14:creationId xmlns:p14="http://schemas.microsoft.com/office/powerpoint/2010/main" val="3624540971"/>
+      </p:ext>
+    </p:extLst>
+  </p:cSld>
+  <p:clrMapOvr>
+    <a:masterClrMapping/>
+  </p:clrMapOvr>
+</p:sld>
+</file>
+
+<file path=ppt/slides/slide35.xml><?xml version="1.0" encoding="utf-8"?>
+<p:sld xmlns:a="http://schemas.openxmlformats.org/drawingml/2006/main" xmlns:r="http://schemas.openxmlformats.org/officeDocument/2006/relationships" xmlns:p="http://schemas.openxmlformats.org/presentationml/2006/main">
+  <p:cSld>
+    <p:spTree>
+      <p:nvGrpSpPr>
+        <p:cNvPr id="1" name=""/>
+        <p:cNvGrpSpPr/>
+        <p:nvPr/>
+      </p:nvGrpSpPr>
+      <p:grpSpPr>
+        <a:xfrm>
+          <a:off x="0" y="0"/>
+          <a:ext cx="0" cy="0"/>
+          <a:chOff x="0" y="0"/>
+          <a:chExt cx="0" cy="0"/>
+        </a:xfrm>
+      </p:grpSpPr>
+      <p:sp>
+        <p:nvSpPr>
+          <p:cNvPr id="7" name="Title 6">
+            <a:extLst>
+              <a:ext uri="{FF2B5EF4-FFF2-40B4-BE49-F238E27FC236}">
+                <a16:creationId xmlns:a16="http://schemas.microsoft.com/office/drawing/2014/main" id="{7802FB34-7510-47BC-8952-A1FE9728B0BF}"/>
+              </a:ext>
+            </a:extLst>
+          </p:cNvPr>
+          <p:cNvSpPr>
+            <a:spLocks noGrp="1"/>
+          </p:cNvSpPr>
+          <p:nvPr>
+            <p:ph type="title"/>
+          </p:nvPr>
+        </p:nvSpPr>
+        <p:spPr/>
+        <p:txBody>
+          <a:bodyPr/>
+          <a:lstStyle/>
+          <a:p>
+            <a:r>
+              <a:rPr lang="en-US" dirty="0"/>
+              <a:t>PROPHET MODELS</a:t>
+            </a:r>
+          </a:p>
+        </p:txBody>
+      </p:sp>
+      <p:sp>
+        <p:nvSpPr>
+          <p:cNvPr id="8" name="Text Placeholder 7">
+            <a:extLst>
+              <a:ext uri="{FF2B5EF4-FFF2-40B4-BE49-F238E27FC236}">
+                <a16:creationId xmlns:a16="http://schemas.microsoft.com/office/drawing/2014/main" id="{FCA70F1A-579E-4144-AE97-14FFC08FF0F5}"/>
+              </a:ext>
+            </a:extLst>
+          </p:cNvPr>
+          <p:cNvSpPr>
+            <a:spLocks noGrp="1"/>
+          </p:cNvSpPr>
+          <p:nvPr>
+            <p:ph type="body" idx="1"/>
+          </p:nvPr>
+        </p:nvSpPr>
+        <p:spPr/>
+        <p:txBody>
+          <a:bodyPr/>
+          <a:lstStyle/>
+          <a:p>
+            <a:r>
+              <a:rPr lang="en-US" dirty="0"/>
+              <a:t>Facebook’s in-house forecasting tool</a:t>
+            </a:r>
+          </a:p>
+        </p:txBody>
+      </p:sp>
+      <p:sp>
+        <p:nvSpPr>
+          <p:cNvPr id="4" name="Date Placeholder 3">
+            <a:extLst>
+              <a:ext uri="{FF2B5EF4-FFF2-40B4-BE49-F238E27FC236}">
+                <a16:creationId xmlns:a16="http://schemas.microsoft.com/office/drawing/2014/main" id="{3AD929EF-0967-4B34-81B8-24D9EF91892E}"/>
+              </a:ext>
+            </a:extLst>
+          </p:cNvPr>
+          <p:cNvSpPr>
+            <a:spLocks noGrp="1"/>
+          </p:cNvSpPr>
+          <p:nvPr>
+            <p:ph type="dt" sz="half" idx="10"/>
+          </p:nvPr>
+        </p:nvSpPr>
+        <p:spPr/>
+        <p:txBody>
+          <a:bodyPr/>
+          <a:lstStyle/>
+          <a:p>
+            <a:fld id="{8AAE40A0-A7D8-4DC3-BC9E-BADA32DA2004}" type="datetime4">
+              <a:rPr lang="en-US" smtClean="0"/>
+              <a:t>July 29, 2019</a:t>
+            </a:fld>
+            <a:endParaRPr lang="en-US" dirty="0"/>
+          </a:p>
+        </p:txBody>
+      </p:sp>
+      <p:sp>
+        <p:nvSpPr>
+          <p:cNvPr id="5" name="Footer Placeholder 4">
+            <a:extLst>
+              <a:ext uri="{FF2B5EF4-FFF2-40B4-BE49-F238E27FC236}">
+                <a16:creationId xmlns:a16="http://schemas.microsoft.com/office/drawing/2014/main" id="{3B5B35DD-F2EA-40D3-8039-8CD3802B2612}"/>
+              </a:ext>
+            </a:extLst>
+          </p:cNvPr>
+          <p:cNvSpPr>
+            <a:spLocks noGrp="1"/>
+          </p:cNvSpPr>
+          <p:nvPr>
+            <p:ph type="ftr" sz="quarter" idx="11"/>
+          </p:nvPr>
+        </p:nvSpPr>
+        <p:spPr/>
+        <p:txBody>
+          <a:bodyPr/>
+          <a:lstStyle/>
+          <a:p>
+            <a:r>
+              <a:rPr lang="en-US"/>
+              <a:t>Digital Scholarship Services </a:t>
+            </a:r>
+            <a:r>
+              <a:rPr lang="en-US">
+                <a:solidFill>
+                  <a:schemeClr val="accent1">
+                    <a:lumMod val="50000"/>
+                  </a:schemeClr>
+                </a:solidFill>
+              </a:rPr>
+              <a:t>| Email</a:t>
+            </a:r>
+            <a:r>
+              <a:rPr lang="en-US"/>
+              <a:t> cf24@rice.edu </a:t>
+            </a:r>
+            <a:r>
+              <a:rPr lang="en-US">
+                <a:solidFill>
+                  <a:schemeClr val="accent1">
+                    <a:lumMod val="50000"/>
+                  </a:schemeClr>
+                </a:solidFill>
+              </a:rPr>
+              <a:t>|</a:t>
+            </a:r>
+            <a:r>
+              <a:rPr lang="en-US"/>
+              <a:t> library.rice.edu/dss</a:t>
+            </a:r>
+            <a:endParaRPr lang="en-US" dirty="0"/>
+          </a:p>
+        </p:txBody>
+      </p:sp>
+      <p:sp>
+        <p:nvSpPr>
+          <p:cNvPr id="6" name="Slide Number Placeholder 5">
+            <a:extLst>
+              <a:ext uri="{FF2B5EF4-FFF2-40B4-BE49-F238E27FC236}">
+                <a16:creationId xmlns:a16="http://schemas.microsoft.com/office/drawing/2014/main" id="{C3EB9A57-323C-47F5-867F-693F95A15FA4}"/>
+              </a:ext>
+            </a:extLst>
+          </p:cNvPr>
+          <p:cNvSpPr>
+            <a:spLocks noGrp="1"/>
+          </p:cNvSpPr>
+          <p:nvPr>
+            <p:ph type="sldNum" sz="quarter" idx="12"/>
+          </p:nvPr>
+        </p:nvSpPr>
+        <p:spPr/>
+        <p:txBody>
+          <a:bodyPr/>
+          <a:lstStyle/>
+          <a:p>
+            <a:fld id="{D57F1E4F-1CFF-5643-939E-02111984F565}" type="slidenum">
+              <a:rPr lang="en-US" smtClean="0"/>
+              <a:t>35</a:t>
+            </a:fld>
+            <a:endParaRPr lang="en-US" dirty="0"/>
+          </a:p>
+        </p:txBody>
+      </p:sp>
+    </p:spTree>
+    <p:extLst>
+      <p:ext uri="{BB962C8B-B14F-4D97-AF65-F5344CB8AC3E}">
+        <p14:creationId xmlns:p14="http://schemas.microsoft.com/office/powerpoint/2010/main" val="4082739096"/>
+      </p:ext>
+    </p:extLst>
+  </p:cSld>
+  <p:clrMapOvr>
+    <a:masterClrMapping/>
+  </p:clrMapOvr>
+</p:sld>
+</file>
+
+<file path=ppt/slides/slide36.xml><?xml version="1.0" encoding="utf-8"?>
+<p:sld xmlns:a="http://schemas.openxmlformats.org/drawingml/2006/main" xmlns:r="http://schemas.openxmlformats.org/officeDocument/2006/relationships" xmlns:p="http://schemas.openxmlformats.org/presentationml/2006/main">
+  <p:cSld>
+    <p:spTree>
+      <p:nvGrpSpPr>
+        <p:cNvPr id="1" name=""/>
+        <p:cNvGrpSpPr/>
+        <p:nvPr/>
+      </p:nvGrpSpPr>
+      <p:grpSpPr>
+        <a:xfrm>
+          <a:off x="0" y="0"/>
+          <a:ext cx="0" cy="0"/>
+          <a:chOff x="0" y="0"/>
+          <a:chExt cx="0" cy="0"/>
+        </a:xfrm>
+      </p:grpSpPr>
+      <p:sp>
+        <p:nvSpPr>
+          <p:cNvPr id="7" name="Title 6">
+            <a:extLst>
+              <a:ext uri="{FF2B5EF4-FFF2-40B4-BE49-F238E27FC236}">
+                <a16:creationId xmlns:a16="http://schemas.microsoft.com/office/drawing/2014/main" id="{75C0DCD3-95F8-4E1F-BF1A-5FAAB84A40A3}"/>
+              </a:ext>
+            </a:extLst>
+          </p:cNvPr>
+          <p:cNvSpPr>
+            <a:spLocks noGrp="1"/>
+          </p:cNvSpPr>
+          <p:nvPr>
+            <p:ph type="title"/>
+          </p:nvPr>
+        </p:nvSpPr>
+        <p:spPr/>
+        <p:txBody>
+          <a:bodyPr/>
+          <a:lstStyle/>
+          <a:p>
+            <a:r>
+              <a:rPr lang="en-US" dirty="0"/>
+              <a:t>PROPHET MODELS</a:t>
+            </a:r>
+          </a:p>
+        </p:txBody>
+      </p:sp>
+      <p:sp>
+        <p:nvSpPr>
+          <p:cNvPr id="8" name="Content Placeholder 7">
+            <a:extLst>
+              <a:ext uri="{FF2B5EF4-FFF2-40B4-BE49-F238E27FC236}">
+                <a16:creationId xmlns:a16="http://schemas.microsoft.com/office/drawing/2014/main" id="{52BB1FAB-BB61-4B66-A4EA-A0EABC2B3ECA}"/>
+              </a:ext>
+            </a:extLst>
+          </p:cNvPr>
+          <p:cNvSpPr>
+            <a:spLocks noGrp="1"/>
+          </p:cNvSpPr>
+          <p:nvPr>
+            <p:ph idx="1"/>
+          </p:nvPr>
+        </p:nvSpPr>
+        <p:spPr/>
+        <p:txBody>
+          <a:bodyPr/>
+          <a:lstStyle/>
+          <a:p>
+            <a:r>
+              <a:rPr lang="en-US" dirty="0"/>
+              <a:t>Cutting up a forecast</a:t>
+            </a:r>
+          </a:p>
+          <a:p>
+            <a:r>
+              <a:rPr lang="en-US" dirty="0"/>
+              <a:t>Pros:</a:t>
+            </a:r>
+          </a:p>
+          <a:p>
+            <a:pPr lvl="1"/>
+            <a:r>
+              <a:rPr lang="en-US" dirty="0"/>
+              <a:t>Fast and scalable</a:t>
+            </a:r>
+          </a:p>
+          <a:p>
+            <a:pPr lvl="1"/>
+            <a:r>
+              <a:rPr lang="en-US" dirty="0"/>
+              <a:t>Parameters are very easy to understand</a:t>
+            </a:r>
+          </a:p>
+          <a:p>
+            <a:pPr lvl="1"/>
+            <a:r>
+              <a:rPr lang="en-US" dirty="0"/>
+              <a:t>Deals with holidays very elegantly</a:t>
+            </a:r>
+          </a:p>
+          <a:p>
+            <a:pPr lvl="1"/>
+            <a:r>
+              <a:rPr lang="en-US" dirty="0"/>
+              <a:t>Splitting models up allows even more flexibility</a:t>
+            </a:r>
+          </a:p>
+          <a:p>
+            <a:pPr lvl="1"/>
+            <a:r>
+              <a:rPr lang="en-US" dirty="0"/>
+              <a:t>Performs quite well! Results often better than ARIMA</a:t>
+            </a:r>
+          </a:p>
+          <a:p>
+            <a:r>
+              <a:rPr lang="en-US" dirty="0"/>
+              <a:t>Cons:</a:t>
+            </a:r>
+          </a:p>
+          <a:p>
+            <a:pPr lvl="1"/>
+            <a:r>
+              <a:rPr lang="en-US" dirty="0"/>
+              <a:t>Not as widely used (released in Sept. 2017)!</a:t>
+            </a:r>
+          </a:p>
+          <a:p>
+            <a:pPr lvl="1"/>
+            <a:r>
+              <a:rPr lang="en-US" dirty="0"/>
+              <a:t>The jury’s still out on this one</a:t>
+            </a:r>
+          </a:p>
+        </p:txBody>
+      </p:sp>
+      <p:sp>
+        <p:nvSpPr>
+          <p:cNvPr id="4" name="Date Placeholder 3">
+            <a:extLst>
+              <a:ext uri="{FF2B5EF4-FFF2-40B4-BE49-F238E27FC236}">
+                <a16:creationId xmlns:a16="http://schemas.microsoft.com/office/drawing/2014/main" id="{02256D86-7CE0-416E-B2A3-402D20EE9E90}"/>
+              </a:ext>
+            </a:extLst>
+          </p:cNvPr>
+          <p:cNvSpPr>
+            <a:spLocks noGrp="1"/>
+          </p:cNvSpPr>
+          <p:nvPr>
+            <p:ph type="dt" sz="half" idx="10"/>
+          </p:nvPr>
+        </p:nvSpPr>
+        <p:spPr/>
+        <p:txBody>
+          <a:bodyPr/>
+          <a:lstStyle/>
+          <a:p>
+            <a:fld id="{B08FEED8-D7D4-44E9-BFBC-ED06B5996D94}" type="datetime4">
+              <a:rPr lang="en-US" smtClean="0"/>
+              <a:t>July 29, 2019</a:t>
+            </a:fld>
+            <a:endParaRPr lang="en-US" dirty="0"/>
+          </a:p>
+        </p:txBody>
+      </p:sp>
+      <p:sp>
+        <p:nvSpPr>
+          <p:cNvPr id="5" name="Footer Placeholder 4">
+            <a:extLst>
+              <a:ext uri="{FF2B5EF4-FFF2-40B4-BE49-F238E27FC236}">
+                <a16:creationId xmlns:a16="http://schemas.microsoft.com/office/drawing/2014/main" id="{1D4ED112-7CF4-4BB9-B46E-B366A5054A9A}"/>
+              </a:ext>
+            </a:extLst>
+          </p:cNvPr>
+          <p:cNvSpPr>
+            <a:spLocks noGrp="1"/>
+          </p:cNvSpPr>
+          <p:nvPr>
+            <p:ph type="ftr" sz="quarter" idx="11"/>
+          </p:nvPr>
+        </p:nvSpPr>
+        <p:spPr/>
+        <p:txBody>
+          <a:bodyPr/>
+          <a:lstStyle/>
+          <a:p>
+            <a:r>
+              <a:rPr lang="en-US"/>
+              <a:t>Digital Scholarship Services </a:t>
+            </a:r>
+            <a:r>
+              <a:rPr lang="en-US">
+                <a:solidFill>
+                  <a:schemeClr val="accent1">
+                    <a:lumMod val="50000"/>
+                  </a:schemeClr>
+                </a:solidFill>
+              </a:rPr>
+              <a:t>| Email</a:t>
+            </a:r>
+            <a:r>
+              <a:rPr lang="en-US"/>
+              <a:t> cf24@rice.edu </a:t>
+            </a:r>
+            <a:r>
+              <a:rPr lang="en-US">
+                <a:solidFill>
+                  <a:schemeClr val="accent1">
+                    <a:lumMod val="50000"/>
+                  </a:schemeClr>
+                </a:solidFill>
+              </a:rPr>
+              <a:t>|</a:t>
+            </a:r>
+            <a:r>
+              <a:rPr lang="en-US"/>
+              <a:t> library.rice.edu/dss</a:t>
+            </a:r>
+            <a:endParaRPr lang="en-US" dirty="0"/>
+          </a:p>
+        </p:txBody>
+      </p:sp>
+      <p:sp>
+        <p:nvSpPr>
+          <p:cNvPr id="6" name="Slide Number Placeholder 5">
+            <a:extLst>
+              <a:ext uri="{FF2B5EF4-FFF2-40B4-BE49-F238E27FC236}">
+                <a16:creationId xmlns:a16="http://schemas.microsoft.com/office/drawing/2014/main" id="{8CC75551-85BF-4C9F-8893-AA28ECA8A6B5}"/>
+              </a:ext>
+            </a:extLst>
+          </p:cNvPr>
+          <p:cNvSpPr>
+            <a:spLocks noGrp="1"/>
+          </p:cNvSpPr>
+          <p:nvPr>
+            <p:ph type="sldNum" sz="quarter" idx="12"/>
+          </p:nvPr>
+        </p:nvSpPr>
+        <p:spPr/>
+        <p:txBody>
+          <a:bodyPr/>
+          <a:lstStyle/>
+          <a:p>
+            <a:fld id="{D57F1E4F-1CFF-5643-939E-02111984F565}" type="slidenum">
+              <a:rPr lang="en-US" smtClean="0"/>
+              <a:t>36</a:t>
+            </a:fld>
+            <a:endParaRPr lang="en-US" dirty="0"/>
+          </a:p>
+        </p:txBody>
+      </p:sp>
+    </p:spTree>
+    <p:extLst>
+      <p:ext uri="{BB962C8B-B14F-4D97-AF65-F5344CB8AC3E}">
+        <p14:creationId xmlns:p14="http://schemas.microsoft.com/office/powerpoint/2010/main" val="3412561793"/>
+      </p:ext>
+    </p:extLst>
+  </p:cSld>
+  <p:clrMapOvr>
+    <a:masterClrMapping/>
+  </p:clrMapOvr>
+</p:sld>
+</file>
+
+<file path=ppt/slides/slide37.xml><?xml version="1.0" encoding="utf-8"?>
+<p:sld xmlns:a="http://schemas.openxmlformats.org/drawingml/2006/main" xmlns:r="http://schemas.openxmlformats.org/officeDocument/2006/relationships" xmlns:p="http://schemas.openxmlformats.org/presentationml/2006/main">
+  <p:cSld>
+    <p:spTree>
+      <p:nvGrpSpPr>
+        <p:cNvPr id="1" name=""/>
+        <p:cNvGrpSpPr/>
+        <p:nvPr/>
+      </p:nvGrpSpPr>
+      <p:grpSpPr>
+        <a:xfrm>
+          <a:off x="0" y="0"/>
+          <a:ext cx="0" cy="0"/>
+          <a:chOff x="0" y="0"/>
+          <a:chExt cx="0" cy="0"/>
+        </a:xfrm>
+      </p:grpSpPr>
+      <p:sp>
+        <p:nvSpPr>
+          <p:cNvPr id="7" name="Title 6">
+            <a:extLst>
+              <a:ext uri="{FF2B5EF4-FFF2-40B4-BE49-F238E27FC236}">
+                <a16:creationId xmlns:a16="http://schemas.microsoft.com/office/drawing/2014/main" id="{7802FB34-7510-47BC-8952-A1FE9728B0BF}"/>
+              </a:ext>
+            </a:extLst>
+          </p:cNvPr>
+          <p:cNvSpPr>
+            <a:spLocks noGrp="1"/>
+          </p:cNvSpPr>
+          <p:nvPr>
+            <p:ph type="title"/>
+          </p:nvPr>
+        </p:nvSpPr>
+        <p:spPr/>
+        <p:txBody>
+          <a:bodyPr/>
+          <a:lstStyle/>
+          <a:p>
+            <a:r>
+              <a:rPr lang="en-US" dirty="0"/>
+              <a:t>NEURAL NETWORK</a:t>
+            </a:r>
+            <a:br>
+              <a:rPr lang="en-US" dirty="0"/>
+            </a:br>
+            <a:r>
+              <a:rPr lang="en-US" dirty="0"/>
+              <a:t>APPROACHES</a:t>
+            </a:r>
+          </a:p>
+        </p:txBody>
+      </p:sp>
+      <p:sp>
+        <p:nvSpPr>
+          <p:cNvPr id="8" name="Text Placeholder 7">
+            <a:extLst>
+              <a:ext uri="{FF2B5EF4-FFF2-40B4-BE49-F238E27FC236}">
+                <a16:creationId xmlns:a16="http://schemas.microsoft.com/office/drawing/2014/main" id="{FCA70F1A-579E-4144-AE97-14FFC08FF0F5}"/>
+              </a:ext>
+            </a:extLst>
+          </p:cNvPr>
+          <p:cNvSpPr>
+            <a:spLocks noGrp="1"/>
+          </p:cNvSpPr>
+          <p:nvPr>
+            <p:ph type="body" idx="1"/>
+          </p:nvPr>
+        </p:nvSpPr>
+        <p:spPr/>
+        <p:txBody>
+          <a:bodyPr/>
+          <a:lstStyle/>
+          <a:p>
+            <a:r>
+              <a:rPr lang="en-US" dirty="0"/>
+              <a:t>Breaking out the big guns</a:t>
+            </a:r>
+          </a:p>
+        </p:txBody>
+      </p:sp>
+      <p:sp>
+        <p:nvSpPr>
+          <p:cNvPr id="4" name="Date Placeholder 3">
+            <a:extLst>
+              <a:ext uri="{FF2B5EF4-FFF2-40B4-BE49-F238E27FC236}">
+                <a16:creationId xmlns:a16="http://schemas.microsoft.com/office/drawing/2014/main" id="{3AD929EF-0967-4B34-81B8-24D9EF91892E}"/>
+              </a:ext>
+            </a:extLst>
+          </p:cNvPr>
+          <p:cNvSpPr>
+            <a:spLocks noGrp="1"/>
+          </p:cNvSpPr>
+          <p:nvPr>
+            <p:ph type="dt" sz="half" idx="10"/>
+          </p:nvPr>
+        </p:nvSpPr>
+        <p:spPr/>
+        <p:txBody>
+          <a:bodyPr/>
+          <a:lstStyle/>
+          <a:p>
+            <a:fld id="{8AAE40A0-A7D8-4DC3-BC9E-BADA32DA2004}" type="datetime4">
+              <a:rPr lang="en-US" smtClean="0"/>
+              <a:t>July 29, 2019</a:t>
+            </a:fld>
+            <a:endParaRPr lang="en-US" dirty="0"/>
+          </a:p>
+        </p:txBody>
+      </p:sp>
+      <p:sp>
+        <p:nvSpPr>
+          <p:cNvPr id="5" name="Footer Placeholder 4">
+            <a:extLst>
+              <a:ext uri="{FF2B5EF4-FFF2-40B4-BE49-F238E27FC236}">
+                <a16:creationId xmlns:a16="http://schemas.microsoft.com/office/drawing/2014/main" id="{3B5B35DD-F2EA-40D3-8039-8CD3802B2612}"/>
+              </a:ext>
+            </a:extLst>
+          </p:cNvPr>
+          <p:cNvSpPr>
+            <a:spLocks noGrp="1"/>
+          </p:cNvSpPr>
+          <p:nvPr>
+            <p:ph type="ftr" sz="quarter" idx="11"/>
+          </p:nvPr>
+        </p:nvSpPr>
+        <p:spPr/>
+        <p:txBody>
+          <a:bodyPr/>
+          <a:lstStyle/>
+          <a:p>
+            <a:r>
+              <a:rPr lang="en-US"/>
+              <a:t>Digital Scholarship Services </a:t>
+            </a:r>
+            <a:r>
+              <a:rPr lang="en-US">
+                <a:solidFill>
+                  <a:schemeClr val="accent1">
+                    <a:lumMod val="50000"/>
+                  </a:schemeClr>
+                </a:solidFill>
+              </a:rPr>
+              <a:t>| Email</a:t>
+            </a:r>
+            <a:r>
+              <a:rPr lang="en-US"/>
+              <a:t> cf24@rice.edu </a:t>
+            </a:r>
+            <a:r>
+              <a:rPr lang="en-US">
+                <a:solidFill>
+                  <a:schemeClr val="accent1">
+                    <a:lumMod val="50000"/>
+                  </a:schemeClr>
+                </a:solidFill>
+              </a:rPr>
+              <a:t>|</a:t>
+            </a:r>
+            <a:r>
+              <a:rPr lang="en-US"/>
+              <a:t> library.rice.edu/dss</a:t>
+            </a:r>
+            <a:endParaRPr lang="en-US" dirty="0"/>
+          </a:p>
+        </p:txBody>
+      </p:sp>
+      <p:sp>
+        <p:nvSpPr>
+          <p:cNvPr id="6" name="Slide Number Placeholder 5">
+            <a:extLst>
+              <a:ext uri="{FF2B5EF4-FFF2-40B4-BE49-F238E27FC236}">
+                <a16:creationId xmlns:a16="http://schemas.microsoft.com/office/drawing/2014/main" id="{C3EB9A57-323C-47F5-867F-693F95A15FA4}"/>
+              </a:ext>
+            </a:extLst>
+          </p:cNvPr>
+          <p:cNvSpPr>
+            <a:spLocks noGrp="1"/>
+          </p:cNvSpPr>
+          <p:nvPr>
+            <p:ph type="sldNum" sz="quarter" idx="12"/>
+          </p:nvPr>
+        </p:nvSpPr>
+        <p:spPr/>
+        <p:txBody>
+          <a:bodyPr/>
+          <a:lstStyle/>
+          <a:p>
+            <a:fld id="{D57F1E4F-1CFF-5643-939E-02111984F565}" type="slidenum">
+              <a:rPr lang="en-US" smtClean="0"/>
+              <a:t>37</a:t>
+            </a:fld>
+            <a:endParaRPr lang="en-US" dirty="0"/>
+          </a:p>
+        </p:txBody>
+      </p:sp>
+    </p:spTree>
+    <p:extLst>
+      <p:ext uri="{BB962C8B-B14F-4D97-AF65-F5344CB8AC3E}">
+        <p14:creationId xmlns:p14="http://schemas.microsoft.com/office/powerpoint/2010/main" val="1442732517"/>
+      </p:ext>
+    </p:extLst>
+  </p:cSld>
+  <p:clrMapOvr>
+    <a:masterClrMapping/>
+  </p:clrMapOvr>
+</p:sld>
+</file>
+
+<file path=ppt/slides/slide38.xml><?xml version="1.0" encoding="utf-8"?>
+<p:sld xmlns:a="http://schemas.openxmlformats.org/drawingml/2006/main" xmlns:r="http://schemas.openxmlformats.org/officeDocument/2006/relationships" xmlns:p="http://schemas.openxmlformats.org/presentationml/2006/main">
+  <p:cSld>
+    <p:spTree>
+      <p:nvGrpSpPr>
+        <p:cNvPr id="1" name=""/>
+        <p:cNvGrpSpPr/>
+        <p:nvPr/>
+      </p:nvGrpSpPr>
+      <p:grpSpPr>
+        <a:xfrm>
+          <a:off x="0" y="0"/>
+          <a:ext cx="0" cy="0"/>
+          <a:chOff x="0" y="0"/>
+          <a:chExt cx="0" cy="0"/>
+        </a:xfrm>
+      </p:grpSpPr>
+      <p:sp>
+        <p:nvSpPr>
+          <p:cNvPr id="7" name="Title 6">
+            <a:extLst>
+              <a:ext uri="{FF2B5EF4-FFF2-40B4-BE49-F238E27FC236}">
+                <a16:creationId xmlns:a16="http://schemas.microsoft.com/office/drawing/2014/main" id="{75C0DCD3-95F8-4E1F-BF1A-5FAAB84A40A3}"/>
+              </a:ext>
+            </a:extLst>
+          </p:cNvPr>
+          <p:cNvSpPr>
+            <a:spLocks noGrp="1"/>
+          </p:cNvSpPr>
+          <p:nvPr>
+            <p:ph type="title"/>
+          </p:nvPr>
+        </p:nvSpPr>
+        <p:spPr/>
+        <p:txBody>
+          <a:bodyPr/>
+          <a:lstStyle/>
+          <a:p>
+            <a:r>
+              <a:rPr lang="en-US" dirty="0"/>
+              <a:t>NEURAL NETWORK MODELS</a:t>
+            </a:r>
+          </a:p>
+        </p:txBody>
+      </p:sp>
+      <p:sp>
+        <p:nvSpPr>
+          <p:cNvPr id="8" name="Content Placeholder 7">
+            <a:extLst>
+              <a:ext uri="{FF2B5EF4-FFF2-40B4-BE49-F238E27FC236}">
+                <a16:creationId xmlns:a16="http://schemas.microsoft.com/office/drawing/2014/main" id="{52BB1FAB-BB61-4B66-A4EA-A0EABC2B3ECA}"/>
+              </a:ext>
+            </a:extLst>
+          </p:cNvPr>
+          <p:cNvSpPr>
+            <a:spLocks noGrp="1"/>
+          </p:cNvSpPr>
+          <p:nvPr>
+            <p:ph idx="1"/>
+          </p:nvPr>
+        </p:nvSpPr>
+        <p:spPr/>
+        <p:txBody>
+          <a:bodyPr>
+            <a:normAutofit/>
+          </a:bodyPr>
+          <a:lstStyle/>
+          <a:p>
+            <a:r>
+              <a:rPr lang="en-US" dirty="0"/>
+              <a:t>Incomprehensible but extremely powerful</a:t>
+            </a:r>
+          </a:p>
+          <a:p>
+            <a:r>
+              <a:rPr lang="en-US" dirty="0"/>
+              <a:t>Pros:</a:t>
+            </a:r>
+          </a:p>
+          <a:p>
+            <a:pPr lvl="1"/>
+            <a:r>
+              <a:rPr lang="en-US" dirty="0"/>
+              <a:t>Often extremely accurate</a:t>
+            </a:r>
+          </a:p>
+          <a:p>
+            <a:r>
+              <a:rPr lang="en-US" dirty="0"/>
+              <a:t>Cons:</a:t>
+            </a:r>
+          </a:p>
+          <a:p>
+            <a:pPr lvl="1"/>
+            <a:r>
+              <a:rPr lang="en-US" dirty="0"/>
+              <a:t>More or less impossible to understand what any of the parameters mean</a:t>
+            </a:r>
+          </a:p>
+          <a:p>
+            <a:pPr lvl="1"/>
+            <a:r>
+              <a:rPr lang="en-US" dirty="0"/>
+              <a:t>Can take a very long time to train the model</a:t>
+            </a:r>
+          </a:p>
+          <a:p>
+            <a:pPr lvl="1"/>
+            <a:r>
+              <a:rPr lang="en-US" dirty="0"/>
+              <a:t>Lots of moving parts and things that can go wrong</a:t>
+            </a:r>
+          </a:p>
+          <a:p>
+            <a:r>
+              <a:rPr lang="en-US" dirty="0"/>
+              <a:t>But perhaps here, </a:t>
+            </a:r>
+            <a:r>
+              <a:rPr lang="en-US"/>
+              <a:t>that one pro </a:t>
+            </a:r>
+            <a:r>
+              <a:rPr lang="en-US" dirty="0"/>
+              <a:t>may outweigh all the cons</a:t>
+            </a:r>
+          </a:p>
+        </p:txBody>
+      </p:sp>
+      <p:sp>
+        <p:nvSpPr>
+          <p:cNvPr id="4" name="Date Placeholder 3">
+            <a:extLst>
+              <a:ext uri="{FF2B5EF4-FFF2-40B4-BE49-F238E27FC236}">
+                <a16:creationId xmlns:a16="http://schemas.microsoft.com/office/drawing/2014/main" id="{02256D86-7CE0-416E-B2A3-402D20EE9E90}"/>
+              </a:ext>
+            </a:extLst>
+          </p:cNvPr>
+          <p:cNvSpPr>
+            <a:spLocks noGrp="1"/>
+          </p:cNvSpPr>
+          <p:nvPr>
+            <p:ph type="dt" sz="half" idx="10"/>
+          </p:nvPr>
+        </p:nvSpPr>
+        <p:spPr/>
+        <p:txBody>
+          <a:bodyPr/>
+          <a:lstStyle/>
+          <a:p>
+            <a:fld id="{B08FEED8-D7D4-44E9-BFBC-ED06B5996D94}" type="datetime4">
+              <a:rPr lang="en-US" smtClean="0"/>
+              <a:t>July 29, 2019</a:t>
+            </a:fld>
+            <a:endParaRPr lang="en-US" dirty="0"/>
+          </a:p>
+        </p:txBody>
+      </p:sp>
+      <p:sp>
+        <p:nvSpPr>
+          <p:cNvPr id="5" name="Footer Placeholder 4">
+            <a:extLst>
+              <a:ext uri="{FF2B5EF4-FFF2-40B4-BE49-F238E27FC236}">
+                <a16:creationId xmlns:a16="http://schemas.microsoft.com/office/drawing/2014/main" id="{1D4ED112-7CF4-4BB9-B46E-B366A5054A9A}"/>
+              </a:ext>
+            </a:extLst>
+          </p:cNvPr>
+          <p:cNvSpPr>
+            <a:spLocks noGrp="1"/>
+          </p:cNvSpPr>
+          <p:nvPr>
+            <p:ph type="ftr" sz="quarter" idx="11"/>
+          </p:nvPr>
+        </p:nvSpPr>
+        <p:spPr/>
+        <p:txBody>
+          <a:bodyPr/>
+          <a:lstStyle/>
+          <a:p>
+            <a:r>
+              <a:rPr lang="en-US"/>
+              <a:t>Digital Scholarship Services </a:t>
+            </a:r>
+            <a:r>
+              <a:rPr lang="en-US">
+                <a:solidFill>
+                  <a:schemeClr val="accent1">
+                    <a:lumMod val="50000"/>
+                  </a:schemeClr>
+                </a:solidFill>
+              </a:rPr>
+              <a:t>| Email</a:t>
+            </a:r>
+            <a:r>
+              <a:rPr lang="en-US"/>
+              <a:t> cf24@rice.edu </a:t>
+            </a:r>
+            <a:r>
+              <a:rPr lang="en-US">
+                <a:solidFill>
+                  <a:schemeClr val="accent1">
+                    <a:lumMod val="50000"/>
+                  </a:schemeClr>
+                </a:solidFill>
+              </a:rPr>
+              <a:t>|</a:t>
+            </a:r>
+            <a:r>
+              <a:rPr lang="en-US"/>
+              <a:t> library.rice.edu/dss</a:t>
+            </a:r>
+            <a:endParaRPr lang="en-US" dirty="0"/>
+          </a:p>
+        </p:txBody>
+      </p:sp>
+      <p:sp>
+        <p:nvSpPr>
+          <p:cNvPr id="6" name="Slide Number Placeholder 5">
+            <a:extLst>
+              <a:ext uri="{FF2B5EF4-FFF2-40B4-BE49-F238E27FC236}">
+                <a16:creationId xmlns:a16="http://schemas.microsoft.com/office/drawing/2014/main" id="{8CC75551-85BF-4C9F-8893-AA28ECA8A6B5}"/>
+              </a:ext>
+            </a:extLst>
+          </p:cNvPr>
+          <p:cNvSpPr>
+            <a:spLocks noGrp="1"/>
+          </p:cNvSpPr>
+          <p:nvPr>
+            <p:ph type="sldNum" sz="quarter" idx="12"/>
+          </p:nvPr>
+        </p:nvSpPr>
+        <p:spPr/>
+        <p:txBody>
+          <a:bodyPr/>
+          <a:lstStyle/>
+          <a:p>
+            <a:fld id="{D57F1E4F-1CFF-5643-939E-02111984F565}" type="slidenum">
+              <a:rPr lang="en-US" smtClean="0"/>
+              <a:t>38</a:t>
+            </a:fld>
+            <a:endParaRPr lang="en-US" dirty="0"/>
+          </a:p>
+        </p:txBody>
+      </p:sp>
+    </p:spTree>
+    <p:extLst>
+      <p:ext uri="{BB962C8B-B14F-4D97-AF65-F5344CB8AC3E}">
+        <p14:creationId xmlns:p14="http://schemas.microsoft.com/office/powerpoint/2010/main" val="4213654799"/>
+      </p:ext>
+    </p:extLst>
+  </p:cSld>
+  <p:clrMapOvr>
+    <a:masterClrMapping/>
+  </p:clrMapOvr>
+</p:sld>
+</file>
+
+<file path=ppt/slides/slide39.xml><?xml version="1.0" encoding="utf-8"?>
+<p:sld xmlns:a="http://schemas.openxmlformats.org/drawingml/2006/main" xmlns:r="http://schemas.openxmlformats.org/officeDocument/2006/relationships" xmlns:p="http://schemas.openxmlformats.org/presentationml/2006/main">
+  <p:cSld>
+    <p:spTree>
+      <p:nvGrpSpPr>
+        <p:cNvPr id="1" name=""/>
+        <p:cNvGrpSpPr/>
+        <p:nvPr/>
+      </p:nvGrpSpPr>
+      <p:grpSpPr>
+        <a:xfrm>
+          <a:off x="0" y="0"/>
+          <a:ext cx="0" cy="0"/>
+          <a:chOff x="0" y="0"/>
+          <a:chExt cx="0" cy="0"/>
+        </a:xfrm>
+      </p:grpSpPr>
+      <p:sp>
+        <p:nvSpPr>
+          <p:cNvPr id="7" name="Title 6">
+            <a:extLst>
+              <a:ext uri="{FF2B5EF4-FFF2-40B4-BE49-F238E27FC236}">
+                <a16:creationId xmlns:a16="http://schemas.microsoft.com/office/drawing/2014/main" id="{495B4BC0-844B-4414-A623-BEF78AAC1BA1}"/>
+              </a:ext>
+            </a:extLst>
+          </p:cNvPr>
+          <p:cNvSpPr>
+            <a:spLocks noGrp="1"/>
+          </p:cNvSpPr>
+          <p:nvPr>
+            <p:ph type="title"/>
+          </p:nvPr>
+        </p:nvSpPr>
+        <p:spPr/>
+        <p:txBody>
+          <a:bodyPr/>
+          <a:lstStyle/>
+          <a:p>
+            <a:r>
+              <a:rPr lang="en-US" dirty="0"/>
+              <a:t>ACKNOWLEDGMENTS</a:t>
+            </a:r>
+          </a:p>
+        </p:txBody>
+      </p:sp>
+      <p:sp>
+        <p:nvSpPr>
+          <p:cNvPr id="8" name="Content Placeholder 7">
+            <a:extLst>
+              <a:ext uri="{FF2B5EF4-FFF2-40B4-BE49-F238E27FC236}">
+                <a16:creationId xmlns:a16="http://schemas.microsoft.com/office/drawing/2014/main" id="{2BED3EB3-7E98-4A82-8335-7321D9E37B16}"/>
+              </a:ext>
+            </a:extLst>
+          </p:cNvPr>
+          <p:cNvSpPr>
+            <a:spLocks noGrp="1"/>
+          </p:cNvSpPr>
+          <p:nvPr>
+            <p:ph idx="1"/>
+          </p:nvPr>
+        </p:nvSpPr>
+        <p:spPr/>
+        <p:txBody>
+          <a:bodyPr/>
+          <a:lstStyle/>
+          <a:p>
+            <a:r>
+              <a:rPr lang="en-US" dirty="0"/>
+              <a:t>Plots were created using the ggplot2 package in R</a:t>
+            </a:r>
+          </a:p>
+          <a:p>
+            <a:r>
+              <a:rPr lang="en-US" dirty="0"/>
+              <a:t>Shumway and </a:t>
+            </a:r>
+            <a:r>
+              <a:rPr lang="en-US" dirty="0" err="1"/>
+              <a:t>Stoffer’s</a:t>
+            </a:r>
+            <a:r>
+              <a:rPr lang="en-US" dirty="0"/>
+              <a:t> </a:t>
+            </a:r>
+            <a:r>
+              <a:rPr lang="en-US" i="1" dirty="0"/>
+              <a:t>Time Series Analysis and Its Applications With R Examples, Fourth Edition </a:t>
+            </a:r>
+            <a:r>
+              <a:rPr lang="en-US" dirty="0"/>
+              <a:t>published by Springer was used as the main reference for the ARIMA section</a:t>
+            </a:r>
+          </a:p>
+          <a:p>
+            <a:r>
+              <a:rPr lang="en-US" i="1" dirty="0"/>
+              <a:t>Forecasting at Scale </a:t>
+            </a:r>
+            <a:r>
+              <a:rPr lang="en-US" dirty="0"/>
+              <a:t>by Sean J. Taylor and Benjamin </a:t>
+            </a:r>
+            <a:r>
+              <a:rPr lang="en-US" dirty="0" err="1"/>
+              <a:t>Letham</a:t>
+            </a:r>
+            <a:r>
+              <a:rPr lang="en-US" dirty="0"/>
+              <a:t> at Facebook was used as the main reference for the Prophet section</a:t>
+            </a:r>
+            <a:endParaRPr lang="en-US" i="1" dirty="0"/>
+          </a:p>
+          <a:p>
+            <a:endParaRPr lang="en-US" dirty="0"/>
+          </a:p>
+        </p:txBody>
+      </p:sp>
+      <p:sp>
+        <p:nvSpPr>
+          <p:cNvPr id="4" name="Date Placeholder 3">
+            <a:extLst>
+              <a:ext uri="{FF2B5EF4-FFF2-40B4-BE49-F238E27FC236}">
+                <a16:creationId xmlns:a16="http://schemas.microsoft.com/office/drawing/2014/main" id="{540F37F1-4F33-429F-A568-1A3ADC499E54}"/>
+              </a:ext>
+            </a:extLst>
+          </p:cNvPr>
+          <p:cNvSpPr>
+            <a:spLocks noGrp="1"/>
+          </p:cNvSpPr>
+          <p:nvPr>
+            <p:ph type="dt" sz="half" idx="10"/>
+          </p:nvPr>
+        </p:nvSpPr>
+        <p:spPr/>
+        <p:txBody>
+          <a:bodyPr/>
+          <a:lstStyle/>
+          <a:p>
+            <a:fld id="{B08FEED8-D7D4-44E9-BFBC-ED06B5996D94}" type="datetime4">
+              <a:rPr lang="en-US" smtClean="0"/>
+              <a:t>July 29, 2019</a:t>
+            </a:fld>
+            <a:endParaRPr lang="en-US" dirty="0"/>
+          </a:p>
+        </p:txBody>
+      </p:sp>
+      <p:sp>
+        <p:nvSpPr>
+          <p:cNvPr id="5" name="Footer Placeholder 4">
+            <a:extLst>
+              <a:ext uri="{FF2B5EF4-FFF2-40B4-BE49-F238E27FC236}">
+                <a16:creationId xmlns:a16="http://schemas.microsoft.com/office/drawing/2014/main" id="{673FFA57-C126-4795-A5F6-DD33AAC5ACBD}"/>
+              </a:ext>
+            </a:extLst>
+          </p:cNvPr>
+          <p:cNvSpPr>
+            <a:spLocks noGrp="1"/>
+          </p:cNvSpPr>
+          <p:nvPr>
+            <p:ph type="ftr" sz="quarter" idx="11"/>
+          </p:nvPr>
+        </p:nvSpPr>
+        <p:spPr/>
+        <p:txBody>
+          <a:bodyPr/>
+          <a:lstStyle/>
+          <a:p>
+            <a:r>
+              <a:rPr lang="en-US"/>
+              <a:t>Digital Scholarship Services </a:t>
+            </a:r>
+            <a:r>
+              <a:rPr lang="en-US">
+                <a:solidFill>
+                  <a:schemeClr val="accent1">
+                    <a:lumMod val="50000"/>
+                  </a:schemeClr>
+                </a:solidFill>
+              </a:rPr>
+              <a:t>| Email</a:t>
+            </a:r>
+            <a:r>
+              <a:rPr lang="en-US"/>
+              <a:t> cf24@rice.edu </a:t>
+            </a:r>
+            <a:r>
+              <a:rPr lang="en-US">
+                <a:solidFill>
+                  <a:schemeClr val="accent1">
+                    <a:lumMod val="50000"/>
+                  </a:schemeClr>
+                </a:solidFill>
+              </a:rPr>
+              <a:t>|</a:t>
+            </a:r>
+            <a:r>
+              <a:rPr lang="en-US"/>
+              <a:t> library.rice.edu/dss</a:t>
+            </a:r>
+            <a:endParaRPr lang="en-US" dirty="0"/>
+          </a:p>
+        </p:txBody>
+      </p:sp>
+      <p:sp>
+        <p:nvSpPr>
+          <p:cNvPr id="6" name="Slide Number Placeholder 5">
+            <a:extLst>
+              <a:ext uri="{FF2B5EF4-FFF2-40B4-BE49-F238E27FC236}">
+                <a16:creationId xmlns:a16="http://schemas.microsoft.com/office/drawing/2014/main" id="{2FA49567-BB70-4798-8746-D0B522CCEE20}"/>
+              </a:ext>
+            </a:extLst>
+          </p:cNvPr>
+          <p:cNvSpPr>
+            <a:spLocks noGrp="1"/>
+          </p:cNvSpPr>
+          <p:nvPr>
+            <p:ph type="sldNum" sz="quarter" idx="12"/>
+          </p:nvPr>
+        </p:nvSpPr>
+        <p:spPr/>
+        <p:txBody>
+          <a:bodyPr/>
+          <a:lstStyle/>
+          <a:p>
+            <a:fld id="{D57F1E4F-1CFF-5643-939E-02111984F565}" type="slidenum">
+              <a:rPr lang="en-US" smtClean="0"/>
+              <a:t>39</a:t>
+            </a:fld>
+            <a:endParaRPr lang="en-US" dirty="0"/>
+          </a:p>
+        </p:txBody>
+      </p:sp>
+    </p:spTree>
+    <p:extLst>
+      <p:ext uri="{BB962C8B-B14F-4D97-AF65-F5344CB8AC3E}">
+        <p14:creationId xmlns:p14="http://schemas.microsoft.com/office/powerpoint/2010/main" val="1585568494"/>
       </p:ext>
     </p:extLst>
   </p:cSld>

--- a/tsa/Introduction to Time Series Analysis.pptx
+++ b/tsa/Introduction to Time Series Analysis.pptx
@@ -5,7 +5,7 @@
     <p:sldMasterId id="2147483707" r:id="rId1"/>
   </p:sldMasterIdLst>
   <p:notesMasterIdLst>
-    <p:notesMasterId r:id="rId41"/>
+    <p:notesMasterId r:id="rId43"/>
   </p:notesMasterIdLst>
   <p:sldIdLst>
     <p:sldId id="266" r:id="rId2"/>
@@ -35,18 +35,20 @@
     <p:sldId id="303" r:id="rId26"/>
     <p:sldId id="280" r:id="rId27"/>
     <p:sldId id="304" r:id="rId28"/>
-    <p:sldId id="281" r:id="rId29"/>
-    <p:sldId id="282" r:id="rId30"/>
-    <p:sldId id="283" r:id="rId31"/>
-    <p:sldId id="284" r:id="rId32"/>
-    <p:sldId id="299" r:id="rId33"/>
-    <p:sldId id="300" r:id="rId34"/>
-    <p:sldId id="285" r:id="rId35"/>
-    <p:sldId id="305" r:id="rId36"/>
-    <p:sldId id="307" r:id="rId37"/>
-    <p:sldId id="306" r:id="rId38"/>
-    <p:sldId id="309" r:id="rId39"/>
-    <p:sldId id="268" r:id="rId40"/>
+    <p:sldId id="310" r:id="rId29"/>
+    <p:sldId id="311" r:id="rId30"/>
+    <p:sldId id="281" r:id="rId31"/>
+    <p:sldId id="282" r:id="rId32"/>
+    <p:sldId id="283" r:id="rId33"/>
+    <p:sldId id="284" r:id="rId34"/>
+    <p:sldId id="299" r:id="rId35"/>
+    <p:sldId id="300" r:id="rId36"/>
+    <p:sldId id="285" r:id="rId37"/>
+    <p:sldId id="305" r:id="rId38"/>
+    <p:sldId id="307" r:id="rId39"/>
+    <p:sldId id="306" r:id="rId40"/>
+    <p:sldId id="309" r:id="rId41"/>
+    <p:sldId id="268" r:id="rId42"/>
   </p:sldIdLst>
   <p:sldSz cx="12192000" cy="6858000"/>
   <p:notesSz cx="6858000" cy="9144000"/>
@@ -7915,10 +7917,10 @@
       </p:sp>
       <p:pic>
         <p:nvPicPr>
-          <p:cNvPr id="10" name="Picture 9" descr="A screenshot of a cell phone&#10;&#10;Description automatically generated">
-            <a:extLst>
-              <a:ext uri="{FF2B5EF4-FFF2-40B4-BE49-F238E27FC236}">
-                <a16:creationId xmlns:a16="http://schemas.microsoft.com/office/drawing/2014/main" id="{F8BC82BB-F89F-4421-9F16-389C95C23715}"/>
+          <p:cNvPr id="36" name="Picture 35" descr="A close up of a map&#10;&#10;Description automatically generated">
+            <a:extLst>
+              <a:ext uri="{FF2B5EF4-FFF2-40B4-BE49-F238E27FC236}">
+                <a16:creationId xmlns:a16="http://schemas.microsoft.com/office/drawing/2014/main" id="{3C70D8D5-BE0B-4104-8E31-7985B77E8B77}"/>
               </a:ext>
             </a:extLst>
           </p:cNvPr>
@@ -7935,8 +7937,68 @@
         </p:blipFill>
         <p:spPr>
           <a:xfrm>
-            <a:off x="3479258" y="1454284"/>
-            <a:ext cx="4946515" cy="4946515"/>
+            <a:off x="215899" y="2194714"/>
+            <a:ext cx="3657607" cy="3657607"/>
+          </a:xfrm>
+          <a:prstGeom prst="rect">
+            <a:avLst/>
+          </a:prstGeom>
+        </p:spPr>
+      </p:pic>
+      <p:pic>
+        <p:nvPicPr>
+          <p:cNvPr id="38" name="Picture 37" descr="A close up of a map&#10;&#10;Description automatically generated">
+            <a:extLst>
+              <a:ext uri="{FF2B5EF4-FFF2-40B4-BE49-F238E27FC236}">
+                <a16:creationId xmlns:a16="http://schemas.microsoft.com/office/drawing/2014/main" id="{C19FC7B9-4121-4D6F-B103-D200D3CE939C}"/>
+              </a:ext>
+            </a:extLst>
+          </p:cNvPr>
+          <p:cNvPicPr>
+            <a:picLocks noChangeAspect="1"/>
+          </p:cNvPicPr>
+          <p:nvPr/>
+        </p:nvPicPr>
+        <p:blipFill>
+          <a:blip r:embed="rId3"/>
+          <a:stretch>
+            <a:fillRect/>
+          </a:stretch>
+        </p:blipFill>
+        <p:spPr>
+          <a:xfrm>
+            <a:off x="4267196" y="2194715"/>
+            <a:ext cx="3657607" cy="3657607"/>
+          </a:xfrm>
+          <a:prstGeom prst="rect">
+            <a:avLst/>
+          </a:prstGeom>
+        </p:spPr>
+      </p:pic>
+      <p:pic>
+        <p:nvPicPr>
+          <p:cNvPr id="40" name="Picture 39" descr="A screenshot of a cell phone&#10;&#10;Description automatically generated">
+            <a:extLst>
+              <a:ext uri="{FF2B5EF4-FFF2-40B4-BE49-F238E27FC236}">
+                <a16:creationId xmlns:a16="http://schemas.microsoft.com/office/drawing/2014/main" id="{241057DC-347E-448E-90C8-67AFC5721BB5}"/>
+              </a:ext>
+            </a:extLst>
+          </p:cNvPr>
+          <p:cNvPicPr>
+            <a:picLocks noChangeAspect="1"/>
+          </p:cNvPicPr>
+          <p:nvPr/>
+        </p:nvPicPr>
+        <p:blipFill>
+          <a:blip r:embed="rId4"/>
+          <a:stretch>
+            <a:fillRect/>
+          </a:stretch>
+        </p:blipFill>
+        <p:spPr>
+          <a:xfrm>
+            <a:off x="8318493" y="2194715"/>
+            <a:ext cx="3657607" cy="3657607"/>
           </a:xfrm>
           <a:prstGeom prst="rect">
             <a:avLst/>
@@ -7975,10 +8037,10 @@
       </p:grpSpPr>
       <p:sp>
         <p:nvSpPr>
-          <p:cNvPr id="7" name="Title 6">
-            <a:extLst>
-              <a:ext uri="{FF2B5EF4-FFF2-40B4-BE49-F238E27FC236}">
-                <a16:creationId xmlns:a16="http://schemas.microsoft.com/office/drawing/2014/main" id="{7802FB34-7510-47BC-8952-A1FE9728B0BF}"/>
+          <p:cNvPr id="2" name="Title 1">
+            <a:extLst>
+              <a:ext uri="{FF2B5EF4-FFF2-40B4-BE49-F238E27FC236}">
+                <a16:creationId xmlns:a16="http://schemas.microsoft.com/office/drawing/2014/main" id="{84FE5820-4288-4CB6-888A-5CBF5468888C}"/>
               </a:ext>
             </a:extLst>
           </p:cNvPr>
@@ -7996,35 +8058,7 @@
           <a:p>
             <a:r>
               <a:rPr lang="en-US" dirty="0"/>
-              <a:t>ARIMA MODELS</a:t>
-            </a:r>
-          </a:p>
-        </p:txBody>
-      </p:sp>
-      <p:sp>
-        <p:nvSpPr>
-          <p:cNvPr id="8" name="Text Placeholder 7">
-            <a:extLst>
-              <a:ext uri="{FF2B5EF4-FFF2-40B4-BE49-F238E27FC236}">
-                <a16:creationId xmlns:a16="http://schemas.microsoft.com/office/drawing/2014/main" id="{FCA70F1A-579E-4144-AE97-14FFC08FF0F5}"/>
-              </a:ext>
-            </a:extLst>
-          </p:cNvPr>
-          <p:cNvSpPr>
-            <a:spLocks noGrp="1"/>
-          </p:cNvSpPr>
-          <p:nvPr>
-            <p:ph type="body" idx="1"/>
-          </p:nvPr>
-        </p:nvSpPr>
-        <p:spPr/>
-        <p:txBody>
-          <a:bodyPr/>
-          <a:lstStyle/>
-          <a:p>
-            <a:r>
-              <a:rPr lang="en-US" dirty="0"/>
-              <a:t>Interpretable, simple and speedy time series modeling</a:t>
+              <a:t>LAGGED SCATTERPLOTS EXAMPLE</a:t>
             </a:r>
           </a:p>
         </p:txBody>
@@ -8034,7 +8068,7 @@
           <p:cNvPr id="4" name="Date Placeholder 3">
             <a:extLst>
               <a:ext uri="{FF2B5EF4-FFF2-40B4-BE49-F238E27FC236}">
-                <a16:creationId xmlns:a16="http://schemas.microsoft.com/office/drawing/2014/main" id="{3AD929EF-0967-4B34-81B8-24D9EF91892E}"/>
+                <a16:creationId xmlns:a16="http://schemas.microsoft.com/office/drawing/2014/main" id="{F716348B-D7FE-46ED-8C48-CF5A55FF31CF}"/>
               </a:ext>
             </a:extLst>
           </p:cNvPr>
@@ -8063,7 +8097,7 @@
           <p:cNvPr id="5" name="Footer Placeholder 4">
             <a:extLst>
               <a:ext uri="{FF2B5EF4-FFF2-40B4-BE49-F238E27FC236}">
-                <a16:creationId xmlns:a16="http://schemas.microsoft.com/office/drawing/2014/main" id="{3B5B35DD-F2EA-40D3-8039-8CD3802B2612}"/>
+                <a16:creationId xmlns:a16="http://schemas.microsoft.com/office/drawing/2014/main" id="{34059279-A1E7-4F19-B4BF-8C6B59A4CEFF}"/>
               </a:ext>
             </a:extLst>
           </p:cNvPr>
@@ -8120,7 +8154,7 @@
           <p:cNvPr id="6" name="Slide Number Placeholder 5">
             <a:extLst>
               <a:ext uri="{FF2B5EF4-FFF2-40B4-BE49-F238E27FC236}">
-                <a16:creationId xmlns:a16="http://schemas.microsoft.com/office/drawing/2014/main" id="{C3EB9A57-323C-47F5-867F-693F95A15FA4}"/>
+                <a16:creationId xmlns:a16="http://schemas.microsoft.com/office/drawing/2014/main" id="{DE722C41-7366-4DE2-9AF4-E75E189A7733}"/>
               </a:ext>
             </a:extLst>
           </p:cNvPr>
@@ -8144,10 +8178,97 @@
           </a:p>
         </p:txBody>
       </p:sp>
+      <p:pic>
+        <p:nvPicPr>
+          <p:cNvPr id="36" name="Picture 35">
+            <a:extLst>
+              <a:ext uri="{FF2B5EF4-FFF2-40B4-BE49-F238E27FC236}">
+                <a16:creationId xmlns:a16="http://schemas.microsoft.com/office/drawing/2014/main" id="{3C70D8D5-BE0B-4104-8E31-7985B77E8B77}"/>
+              </a:ext>
+            </a:extLst>
+          </p:cNvPr>
+          <p:cNvPicPr>
+            <a:picLocks noChangeAspect="1"/>
+          </p:cNvPicPr>
+          <p:nvPr/>
+        </p:nvPicPr>
+        <p:blipFill>
+          <a:blip r:embed="rId2"/>
+          <a:srcRect/>
+          <a:stretch/>
+        </p:blipFill>
+        <p:spPr>
+          <a:xfrm>
+            <a:off x="215899" y="2194714"/>
+            <a:ext cx="3657607" cy="3657607"/>
+          </a:xfrm>
+          <a:prstGeom prst="rect">
+            <a:avLst/>
+          </a:prstGeom>
+        </p:spPr>
+      </p:pic>
+      <p:pic>
+        <p:nvPicPr>
+          <p:cNvPr id="38" name="Picture 37">
+            <a:extLst>
+              <a:ext uri="{FF2B5EF4-FFF2-40B4-BE49-F238E27FC236}">
+                <a16:creationId xmlns:a16="http://schemas.microsoft.com/office/drawing/2014/main" id="{C19FC7B9-4121-4D6F-B103-D200D3CE939C}"/>
+              </a:ext>
+            </a:extLst>
+          </p:cNvPr>
+          <p:cNvPicPr>
+            <a:picLocks noChangeAspect="1"/>
+          </p:cNvPicPr>
+          <p:nvPr/>
+        </p:nvPicPr>
+        <p:blipFill>
+          <a:blip r:embed="rId3"/>
+          <a:srcRect/>
+          <a:stretch/>
+        </p:blipFill>
+        <p:spPr>
+          <a:xfrm>
+            <a:off x="4267196" y="2194715"/>
+            <a:ext cx="3657607" cy="3657607"/>
+          </a:xfrm>
+          <a:prstGeom prst="rect">
+            <a:avLst/>
+          </a:prstGeom>
+        </p:spPr>
+      </p:pic>
+      <p:pic>
+        <p:nvPicPr>
+          <p:cNvPr id="40" name="Picture 39">
+            <a:extLst>
+              <a:ext uri="{FF2B5EF4-FFF2-40B4-BE49-F238E27FC236}">
+                <a16:creationId xmlns:a16="http://schemas.microsoft.com/office/drawing/2014/main" id="{241057DC-347E-448E-90C8-67AFC5721BB5}"/>
+              </a:ext>
+            </a:extLst>
+          </p:cNvPr>
+          <p:cNvPicPr>
+            <a:picLocks noChangeAspect="1"/>
+          </p:cNvPicPr>
+          <p:nvPr/>
+        </p:nvPicPr>
+        <p:blipFill>
+          <a:blip r:embed="rId4"/>
+          <a:srcRect/>
+          <a:stretch/>
+        </p:blipFill>
+        <p:spPr>
+          <a:xfrm>
+            <a:off x="8318493" y="2194715"/>
+            <a:ext cx="3657607" cy="3657607"/>
+          </a:xfrm>
+          <a:prstGeom prst="rect">
+            <a:avLst/>
+          </a:prstGeom>
+        </p:spPr>
+      </p:pic>
     </p:spTree>
     <p:extLst>
       <p:ext uri="{BB962C8B-B14F-4D97-AF65-F5344CB8AC3E}">
-        <p14:creationId xmlns:p14="http://schemas.microsoft.com/office/powerpoint/2010/main" val="107865345"/>
+        <p14:creationId xmlns:p14="http://schemas.microsoft.com/office/powerpoint/2010/main" val="3430576475"/>
       </p:ext>
     </p:extLst>
   </p:cSld>
@@ -8176,10 +8297,10 @@
       </p:grpSpPr>
       <p:sp>
         <p:nvSpPr>
-          <p:cNvPr id="7" name="Title 6">
-            <a:extLst>
-              <a:ext uri="{FF2B5EF4-FFF2-40B4-BE49-F238E27FC236}">
-                <a16:creationId xmlns:a16="http://schemas.microsoft.com/office/drawing/2014/main" id="{75C0DCD3-95F8-4E1F-BF1A-5FAAB84A40A3}"/>
+          <p:cNvPr id="2" name="Title 1">
+            <a:extLst>
+              <a:ext uri="{FF2B5EF4-FFF2-40B4-BE49-F238E27FC236}">
+                <a16:creationId xmlns:a16="http://schemas.microsoft.com/office/drawing/2014/main" id="{84FE5820-4288-4CB6-888A-5CBF5468888C}"/>
               </a:ext>
             </a:extLst>
           </p:cNvPr>
@@ -8197,88 +8318,8 @@
           <a:p>
             <a:r>
               <a:rPr lang="en-US" dirty="0"/>
-              <a:t>ARIMA MODELS</a:t>
-            </a:r>
-          </a:p>
-        </p:txBody>
-      </p:sp>
-      <p:sp>
-        <p:nvSpPr>
-          <p:cNvPr id="8" name="Content Placeholder 7">
-            <a:extLst>
-              <a:ext uri="{FF2B5EF4-FFF2-40B4-BE49-F238E27FC236}">
-                <a16:creationId xmlns:a16="http://schemas.microsoft.com/office/drawing/2014/main" id="{52BB1FAB-BB61-4B66-A4EA-A0EABC2B3ECA}"/>
-              </a:ext>
-            </a:extLst>
-          </p:cNvPr>
-          <p:cNvSpPr>
-            <a:spLocks noGrp="1"/>
-          </p:cNvSpPr>
-          <p:nvPr>
-            <p:ph idx="1"/>
-          </p:nvPr>
-        </p:nvSpPr>
-        <p:spPr/>
-        <p:txBody>
-          <a:bodyPr/>
-          <a:lstStyle/>
-          <a:p>
-            <a:r>
-              <a:rPr lang="en-US" dirty="0"/>
-              <a:t>Auto-Regressive Integrated Moving Average models</a:t>
-            </a:r>
-          </a:p>
-          <a:p>
-            <a:r>
-              <a:rPr lang="en-US" dirty="0"/>
-              <a:t>Pros:</a:t>
-            </a:r>
-          </a:p>
-          <a:p>
-            <a:pPr lvl="1"/>
-            <a:r>
-              <a:rPr lang="en-US" dirty="0"/>
-              <a:t>Great at producing flexible models, solid support of periodic behavior and trending</a:t>
-            </a:r>
-          </a:p>
-          <a:p>
-            <a:pPr lvl="1"/>
-            <a:r>
-              <a:rPr lang="en-US" dirty="0"/>
-              <a:t>Parameters are fairly easy to interpret</a:t>
-            </a:r>
-          </a:p>
-          <a:p>
-            <a:pPr lvl="1"/>
-            <a:r>
-              <a:rPr lang="en-US" dirty="0"/>
-              <a:t>Widely used and mathematically well-understood</a:t>
-            </a:r>
-          </a:p>
-          <a:p>
-            <a:r>
-              <a:rPr lang="en-US" dirty="0"/>
-              <a:t>Cons:</a:t>
-            </a:r>
-          </a:p>
-          <a:p>
-            <a:pPr lvl="1"/>
-            <a:r>
-              <a:rPr lang="en-US" dirty="0"/>
-              <a:t>Bit of a pain to figure out the right parameters</a:t>
-            </a:r>
-          </a:p>
-          <a:p>
-            <a:pPr lvl="1"/>
-            <a:r>
-              <a:rPr lang="en-US" dirty="0"/>
-              <a:t>Not great at dealing with holidays, </a:t>
-            </a:r>
-            <a:r>
-              <a:rPr lang="en-US" dirty="0" err="1"/>
-              <a:t>etc</a:t>
-            </a:r>
-            <a:endParaRPr lang="en-US" dirty="0"/>
+              <a:t>LAGGED SCATTERPLOTS EXAMPLE</a:t>
+            </a:r>
           </a:p>
         </p:txBody>
       </p:sp>
@@ -8287,7 +8328,7 @@
           <p:cNvPr id="4" name="Date Placeholder 3">
             <a:extLst>
               <a:ext uri="{FF2B5EF4-FFF2-40B4-BE49-F238E27FC236}">
-                <a16:creationId xmlns:a16="http://schemas.microsoft.com/office/drawing/2014/main" id="{02256D86-7CE0-416E-B2A3-402D20EE9E90}"/>
+                <a16:creationId xmlns:a16="http://schemas.microsoft.com/office/drawing/2014/main" id="{F716348B-D7FE-46ED-8C48-CF5A55FF31CF}"/>
               </a:ext>
             </a:extLst>
           </p:cNvPr>
@@ -8303,7 +8344,7 @@
           <a:bodyPr/>
           <a:lstStyle/>
           <a:p>
-            <a:fld id="{B08FEED8-D7D4-44E9-BFBC-ED06B5996D94}" type="datetime4">
+            <a:fld id="{8AAE40A0-A7D8-4DC3-BC9E-BADA32DA2004}" type="datetime4">
               <a:rPr lang="en-US" smtClean="0"/>
               <a:t>July 29, 2019</a:t>
             </a:fld>
@@ -8316,7 +8357,7 @@
           <p:cNvPr id="5" name="Footer Placeholder 4">
             <a:extLst>
               <a:ext uri="{FF2B5EF4-FFF2-40B4-BE49-F238E27FC236}">
-                <a16:creationId xmlns:a16="http://schemas.microsoft.com/office/drawing/2014/main" id="{1D4ED112-7CF4-4BB9-B46E-B366A5054A9A}"/>
+                <a16:creationId xmlns:a16="http://schemas.microsoft.com/office/drawing/2014/main" id="{34059279-A1E7-4F19-B4BF-8C6B59A4CEFF}"/>
               </a:ext>
             </a:extLst>
           </p:cNvPr>
@@ -8373,7 +8414,7 @@
           <p:cNvPr id="6" name="Slide Number Placeholder 5">
             <a:extLst>
               <a:ext uri="{FF2B5EF4-FFF2-40B4-BE49-F238E27FC236}">
-                <a16:creationId xmlns:a16="http://schemas.microsoft.com/office/drawing/2014/main" id="{8CC75551-85BF-4C9F-8893-AA28ECA8A6B5}"/>
+                <a16:creationId xmlns:a16="http://schemas.microsoft.com/office/drawing/2014/main" id="{DE722C41-7366-4DE2-9AF4-E75E189A7733}"/>
               </a:ext>
             </a:extLst>
           </p:cNvPr>
@@ -8397,10 +8438,97 @@
           </a:p>
         </p:txBody>
       </p:sp>
+      <p:pic>
+        <p:nvPicPr>
+          <p:cNvPr id="36" name="Picture 35">
+            <a:extLst>
+              <a:ext uri="{FF2B5EF4-FFF2-40B4-BE49-F238E27FC236}">
+                <a16:creationId xmlns:a16="http://schemas.microsoft.com/office/drawing/2014/main" id="{3C70D8D5-BE0B-4104-8E31-7985B77E8B77}"/>
+              </a:ext>
+            </a:extLst>
+          </p:cNvPr>
+          <p:cNvPicPr>
+            <a:picLocks noChangeAspect="1"/>
+          </p:cNvPicPr>
+          <p:nvPr/>
+        </p:nvPicPr>
+        <p:blipFill>
+          <a:blip r:embed="rId2"/>
+          <a:srcRect/>
+          <a:stretch/>
+        </p:blipFill>
+        <p:spPr>
+          <a:xfrm>
+            <a:off x="215899" y="2194714"/>
+            <a:ext cx="3657607" cy="3657607"/>
+          </a:xfrm>
+          <a:prstGeom prst="rect">
+            <a:avLst/>
+          </a:prstGeom>
+        </p:spPr>
+      </p:pic>
+      <p:pic>
+        <p:nvPicPr>
+          <p:cNvPr id="38" name="Picture 37">
+            <a:extLst>
+              <a:ext uri="{FF2B5EF4-FFF2-40B4-BE49-F238E27FC236}">
+                <a16:creationId xmlns:a16="http://schemas.microsoft.com/office/drawing/2014/main" id="{C19FC7B9-4121-4D6F-B103-D200D3CE939C}"/>
+              </a:ext>
+            </a:extLst>
+          </p:cNvPr>
+          <p:cNvPicPr>
+            <a:picLocks noChangeAspect="1"/>
+          </p:cNvPicPr>
+          <p:nvPr/>
+        </p:nvPicPr>
+        <p:blipFill>
+          <a:blip r:embed="rId3"/>
+          <a:srcRect/>
+          <a:stretch/>
+        </p:blipFill>
+        <p:spPr>
+          <a:xfrm>
+            <a:off x="4267196" y="2194715"/>
+            <a:ext cx="3657607" cy="3657607"/>
+          </a:xfrm>
+          <a:prstGeom prst="rect">
+            <a:avLst/>
+          </a:prstGeom>
+        </p:spPr>
+      </p:pic>
+      <p:pic>
+        <p:nvPicPr>
+          <p:cNvPr id="40" name="Picture 39">
+            <a:extLst>
+              <a:ext uri="{FF2B5EF4-FFF2-40B4-BE49-F238E27FC236}">
+                <a16:creationId xmlns:a16="http://schemas.microsoft.com/office/drawing/2014/main" id="{241057DC-347E-448E-90C8-67AFC5721BB5}"/>
+              </a:ext>
+            </a:extLst>
+          </p:cNvPr>
+          <p:cNvPicPr>
+            <a:picLocks noChangeAspect="1"/>
+          </p:cNvPicPr>
+          <p:nvPr/>
+        </p:nvPicPr>
+        <p:blipFill>
+          <a:blip r:embed="rId4"/>
+          <a:srcRect/>
+          <a:stretch/>
+        </p:blipFill>
+        <p:spPr>
+          <a:xfrm>
+            <a:off x="8318493" y="2194715"/>
+            <a:ext cx="3657607" cy="3657607"/>
+          </a:xfrm>
+          <a:prstGeom prst="rect">
+            <a:avLst/>
+          </a:prstGeom>
+        </p:spPr>
+      </p:pic>
     </p:spTree>
     <p:extLst>
       <p:ext uri="{BB962C8B-B14F-4D97-AF65-F5344CB8AC3E}">
-        <p14:creationId xmlns:p14="http://schemas.microsoft.com/office/powerpoint/2010/main" val="1065550565"/>
+        <p14:creationId xmlns:p14="http://schemas.microsoft.com/office/powerpoint/2010/main" val="466019237"/>
       </p:ext>
     </p:extLst>
   </p:cSld>
@@ -8666,7 +8794,7 @@
           <p:cNvPr id="7" name="Title 6">
             <a:extLst>
               <a:ext uri="{FF2B5EF4-FFF2-40B4-BE49-F238E27FC236}">
-                <a16:creationId xmlns:a16="http://schemas.microsoft.com/office/drawing/2014/main" id="{75C0DCD3-95F8-4E1F-BF1A-5FAAB84A40A3}"/>
+                <a16:creationId xmlns:a16="http://schemas.microsoft.com/office/drawing/2014/main" id="{7802FB34-7510-47BC-8952-A1FE9728B0BF}"/>
               </a:ext>
             </a:extLst>
           </p:cNvPr>
@@ -8684,33 +8812,36 @@
           <a:p>
             <a:r>
               <a:rPr lang="en-US" dirty="0"/>
-              <a:t>AUTOREGRESSIVE</a:t>
-            </a:r>
-          </a:p>
-        </p:txBody>
-      </p:sp>
-      <p:sp>
-        <p:nvSpPr>
-          <p:cNvPr id="8" name="Content Placeholder 7">
-            <a:extLst>
-              <a:ext uri="{FF2B5EF4-FFF2-40B4-BE49-F238E27FC236}">
-                <a16:creationId xmlns:a16="http://schemas.microsoft.com/office/drawing/2014/main" id="{52BB1FAB-BB61-4B66-A4EA-A0EABC2B3ECA}"/>
-              </a:ext>
-            </a:extLst>
-          </p:cNvPr>
-          <p:cNvSpPr>
-            <a:spLocks noGrp="1"/>
-          </p:cNvSpPr>
-          <p:nvPr>
-            <p:ph idx="1"/>
-          </p:nvPr>
-        </p:nvSpPr>
-        <p:spPr/>
-        <p:txBody>
-          <a:bodyPr/>
-          <a:lstStyle/>
-          <a:p>
-            <a:endParaRPr lang="en-US"/>
+              <a:t>ARIMA MODELS</a:t>
+            </a:r>
+          </a:p>
+        </p:txBody>
+      </p:sp>
+      <p:sp>
+        <p:nvSpPr>
+          <p:cNvPr id="8" name="Text Placeholder 7">
+            <a:extLst>
+              <a:ext uri="{FF2B5EF4-FFF2-40B4-BE49-F238E27FC236}">
+                <a16:creationId xmlns:a16="http://schemas.microsoft.com/office/drawing/2014/main" id="{FCA70F1A-579E-4144-AE97-14FFC08FF0F5}"/>
+              </a:ext>
+            </a:extLst>
+          </p:cNvPr>
+          <p:cNvSpPr>
+            <a:spLocks noGrp="1"/>
+          </p:cNvSpPr>
+          <p:nvPr>
+            <p:ph type="body" idx="1"/>
+          </p:nvPr>
+        </p:nvSpPr>
+        <p:spPr/>
+        <p:txBody>
+          <a:bodyPr/>
+          <a:lstStyle/>
+          <a:p>
+            <a:r>
+              <a:rPr lang="en-US" dirty="0"/>
+              <a:t>Interpretable, simple and speedy time series modeling</a:t>
+            </a:r>
           </a:p>
         </p:txBody>
       </p:sp>
@@ -8719,7 +8850,7 @@
           <p:cNvPr id="4" name="Date Placeholder 3">
             <a:extLst>
               <a:ext uri="{FF2B5EF4-FFF2-40B4-BE49-F238E27FC236}">
-                <a16:creationId xmlns:a16="http://schemas.microsoft.com/office/drawing/2014/main" id="{02256D86-7CE0-416E-B2A3-402D20EE9E90}"/>
+                <a16:creationId xmlns:a16="http://schemas.microsoft.com/office/drawing/2014/main" id="{3AD929EF-0967-4B34-81B8-24D9EF91892E}"/>
               </a:ext>
             </a:extLst>
           </p:cNvPr>
@@ -8735,7 +8866,7 @@
           <a:bodyPr/>
           <a:lstStyle/>
           <a:p>
-            <a:fld id="{B08FEED8-D7D4-44E9-BFBC-ED06B5996D94}" type="datetime4">
+            <a:fld id="{8AAE40A0-A7D8-4DC3-BC9E-BADA32DA2004}" type="datetime4">
               <a:rPr lang="en-US" smtClean="0"/>
               <a:t>July 29, 2019</a:t>
             </a:fld>
@@ -8748,7 +8879,7 @@
           <p:cNvPr id="5" name="Footer Placeholder 4">
             <a:extLst>
               <a:ext uri="{FF2B5EF4-FFF2-40B4-BE49-F238E27FC236}">
-                <a16:creationId xmlns:a16="http://schemas.microsoft.com/office/drawing/2014/main" id="{1D4ED112-7CF4-4BB9-B46E-B366A5054A9A}"/>
+                <a16:creationId xmlns:a16="http://schemas.microsoft.com/office/drawing/2014/main" id="{3B5B35DD-F2EA-40D3-8039-8CD3802B2612}"/>
               </a:ext>
             </a:extLst>
           </p:cNvPr>
@@ -8805,7 +8936,7 @@
           <p:cNvPr id="6" name="Slide Number Placeholder 5">
             <a:extLst>
               <a:ext uri="{FF2B5EF4-FFF2-40B4-BE49-F238E27FC236}">
-                <a16:creationId xmlns:a16="http://schemas.microsoft.com/office/drawing/2014/main" id="{8CC75551-85BF-4C9F-8893-AA28ECA8A6B5}"/>
+                <a16:creationId xmlns:a16="http://schemas.microsoft.com/office/drawing/2014/main" id="{C3EB9A57-323C-47F5-867F-693F95A15FA4}"/>
               </a:ext>
             </a:extLst>
           </p:cNvPr>
@@ -8832,7 +8963,7 @@
     </p:spTree>
     <p:extLst>
       <p:ext uri="{BB962C8B-B14F-4D97-AF65-F5344CB8AC3E}">
-        <p14:creationId xmlns:p14="http://schemas.microsoft.com/office/powerpoint/2010/main" val="4066560549"/>
+        <p14:creationId xmlns:p14="http://schemas.microsoft.com/office/powerpoint/2010/main" val="107865345"/>
       </p:ext>
     </p:extLst>
   </p:cSld>
@@ -8861,10 +8992,10 @@
       </p:grpSpPr>
       <p:sp>
         <p:nvSpPr>
-          <p:cNvPr id="2" name="Title 1">
-            <a:extLst>
-              <a:ext uri="{FF2B5EF4-FFF2-40B4-BE49-F238E27FC236}">
-                <a16:creationId xmlns:a16="http://schemas.microsoft.com/office/drawing/2014/main" id="{D7EACF90-3E7B-4978-AB0C-ED5165419D19}"/>
+          <p:cNvPr id="7" name="Title 6">
+            <a:extLst>
+              <a:ext uri="{FF2B5EF4-FFF2-40B4-BE49-F238E27FC236}">
+                <a16:creationId xmlns:a16="http://schemas.microsoft.com/office/drawing/2014/main" id="{75C0DCD3-95F8-4E1F-BF1A-5FAAB84A40A3}"/>
               </a:ext>
             </a:extLst>
           </p:cNvPr>
@@ -8882,17 +9013,17 @@
           <a:p>
             <a:r>
               <a:rPr lang="en-US" dirty="0"/>
-              <a:t>MOVING AVERAGE</a:t>
-            </a:r>
-          </a:p>
-        </p:txBody>
-      </p:sp>
-      <p:sp>
-        <p:nvSpPr>
-          <p:cNvPr id="3" name="Content Placeholder 2">
-            <a:extLst>
-              <a:ext uri="{FF2B5EF4-FFF2-40B4-BE49-F238E27FC236}">
-                <a16:creationId xmlns:a16="http://schemas.microsoft.com/office/drawing/2014/main" id="{A7CEFEF5-E74A-4EFE-9368-8FD74B059E10}"/>
+              <a:t>ARIMA MODELS</a:t>
+            </a:r>
+          </a:p>
+        </p:txBody>
+      </p:sp>
+      <p:sp>
+        <p:nvSpPr>
+          <p:cNvPr id="8" name="Content Placeholder 7">
+            <a:extLst>
+              <a:ext uri="{FF2B5EF4-FFF2-40B4-BE49-F238E27FC236}">
+                <a16:creationId xmlns:a16="http://schemas.microsoft.com/office/drawing/2014/main" id="{52BB1FAB-BB61-4B66-A4EA-A0EABC2B3ECA}"/>
               </a:ext>
             </a:extLst>
           </p:cNvPr>
@@ -8908,7 +9039,62 @@
           <a:bodyPr/>
           <a:lstStyle/>
           <a:p>
-            <a:endParaRPr lang="en-US"/>
+            <a:r>
+              <a:rPr lang="en-US" dirty="0"/>
+              <a:t>Auto-Regressive Integrated Moving Average models</a:t>
+            </a:r>
+          </a:p>
+          <a:p>
+            <a:r>
+              <a:rPr lang="en-US" dirty="0"/>
+              <a:t>Pros:</a:t>
+            </a:r>
+          </a:p>
+          <a:p>
+            <a:pPr lvl="1"/>
+            <a:r>
+              <a:rPr lang="en-US" dirty="0"/>
+              <a:t>Great at producing flexible models, solid support of periodic behavior and trending</a:t>
+            </a:r>
+          </a:p>
+          <a:p>
+            <a:pPr lvl="1"/>
+            <a:r>
+              <a:rPr lang="en-US" dirty="0"/>
+              <a:t>Parameters are fairly easy to interpret</a:t>
+            </a:r>
+          </a:p>
+          <a:p>
+            <a:pPr lvl="1"/>
+            <a:r>
+              <a:rPr lang="en-US" dirty="0"/>
+              <a:t>Widely used and mathematically well-understood</a:t>
+            </a:r>
+          </a:p>
+          <a:p>
+            <a:r>
+              <a:rPr lang="en-US" dirty="0"/>
+              <a:t>Cons:</a:t>
+            </a:r>
+          </a:p>
+          <a:p>
+            <a:pPr lvl="1"/>
+            <a:r>
+              <a:rPr lang="en-US" dirty="0"/>
+              <a:t>Bit of a pain to figure out the right parameters</a:t>
+            </a:r>
+          </a:p>
+          <a:p>
+            <a:pPr lvl="1"/>
+            <a:r>
+              <a:rPr lang="en-US" dirty="0"/>
+              <a:t>Not great at dealing with holidays, </a:t>
+            </a:r>
+            <a:r>
+              <a:rPr lang="en-US" dirty="0" err="1"/>
+              <a:t>etc</a:t>
+            </a:r>
+            <a:endParaRPr lang="en-US" dirty="0"/>
           </a:p>
         </p:txBody>
       </p:sp>
@@ -8917,7 +9103,7 @@
           <p:cNvPr id="4" name="Date Placeholder 3">
             <a:extLst>
               <a:ext uri="{FF2B5EF4-FFF2-40B4-BE49-F238E27FC236}">
-                <a16:creationId xmlns:a16="http://schemas.microsoft.com/office/drawing/2014/main" id="{64E0A09F-EC7A-4EF6-AB3A-0DC48B1B7271}"/>
+                <a16:creationId xmlns:a16="http://schemas.microsoft.com/office/drawing/2014/main" id="{02256D86-7CE0-416E-B2A3-402D20EE9E90}"/>
               </a:ext>
             </a:extLst>
           </p:cNvPr>
@@ -8933,7 +9119,7 @@
           <a:bodyPr/>
           <a:lstStyle/>
           <a:p>
-            <a:fld id="{8AAE40A0-A7D8-4DC3-BC9E-BADA32DA2004}" type="datetime4">
+            <a:fld id="{B08FEED8-D7D4-44E9-BFBC-ED06B5996D94}" type="datetime4">
               <a:rPr lang="en-US" smtClean="0"/>
               <a:t>July 29, 2019</a:t>
             </a:fld>
@@ -8946,7 +9132,7 @@
           <p:cNvPr id="5" name="Footer Placeholder 4">
             <a:extLst>
               <a:ext uri="{FF2B5EF4-FFF2-40B4-BE49-F238E27FC236}">
-                <a16:creationId xmlns:a16="http://schemas.microsoft.com/office/drawing/2014/main" id="{9D8B7F07-2C50-4473-BABC-57C52FDD38D2}"/>
+                <a16:creationId xmlns:a16="http://schemas.microsoft.com/office/drawing/2014/main" id="{1D4ED112-7CF4-4BB9-B46E-B366A5054A9A}"/>
               </a:ext>
             </a:extLst>
           </p:cNvPr>
@@ -9003,7 +9189,7 @@
           <p:cNvPr id="6" name="Slide Number Placeholder 5">
             <a:extLst>
               <a:ext uri="{FF2B5EF4-FFF2-40B4-BE49-F238E27FC236}">
-                <a16:creationId xmlns:a16="http://schemas.microsoft.com/office/drawing/2014/main" id="{6BE5E43E-0696-4C60-A72C-BBB5B4448760}"/>
+                <a16:creationId xmlns:a16="http://schemas.microsoft.com/office/drawing/2014/main" id="{8CC75551-85BF-4C9F-8893-AA28ECA8A6B5}"/>
               </a:ext>
             </a:extLst>
           </p:cNvPr>
@@ -9030,7 +9216,7 @@
     </p:spTree>
     <p:extLst>
       <p:ext uri="{BB962C8B-B14F-4D97-AF65-F5344CB8AC3E}">
-        <p14:creationId xmlns:p14="http://schemas.microsoft.com/office/powerpoint/2010/main" val="3521777765"/>
+        <p14:creationId xmlns:p14="http://schemas.microsoft.com/office/powerpoint/2010/main" val="1065550565"/>
       </p:ext>
     </p:extLst>
   </p:cSld>
@@ -9059,10 +9245,10 @@
       </p:grpSpPr>
       <p:sp>
         <p:nvSpPr>
-          <p:cNvPr id="2" name="Title 1">
-            <a:extLst>
-              <a:ext uri="{FF2B5EF4-FFF2-40B4-BE49-F238E27FC236}">
-                <a16:creationId xmlns:a16="http://schemas.microsoft.com/office/drawing/2014/main" id="{84FE5820-4288-4CB6-888A-5CBF5468888C}"/>
+          <p:cNvPr id="7" name="Title 6">
+            <a:extLst>
+              <a:ext uri="{FF2B5EF4-FFF2-40B4-BE49-F238E27FC236}">
+                <a16:creationId xmlns:a16="http://schemas.microsoft.com/office/drawing/2014/main" id="{75C0DCD3-95F8-4E1F-BF1A-5FAAB84A40A3}"/>
               </a:ext>
             </a:extLst>
           </p:cNvPr>
@@ -9080,17 +9266,17 @@
           <a:p>
             <a:r>
               <a:rPr lang="en-US" dirty="0"/>
-              <a:t>AUTOCORRELATION PLOTS</a:t>
-            </a:r>
-          </a:p>
-        </p:txBody>
-      </p:sp>
-      <p:sp>
-        <p:nvSpPr>
-          <p:cNvPr id="3" name="Content Placeholder 2">
-            <a:extLst>
-              <a:ext uri="{FF2B5EF4-FFF2-40B4-BE49-F238E27FC236}">
-                <a16:creationId xmlns:a16="http://schemas.microsoft.com/office/drawing/2014/main" id="{2952943F-FC31-4BE3-AB00-BAB4B12957BE}"/>
+              <a:t>AUTOREGRESSIVE</a:t>
+            </a:r>
+          </a:p>
+        </p:txBody>
+      </p:sp>
+      <p:sp>
+        <p:nvSpPr>
+          <p:cNvPr id="8" name="Content Placeholder 7">
+            <a:extLst>
+              <a:ext uri="{FF2B5EF4-FFF2-40B4-BE49-F238E27FC236}">
+                <a16:creationId xmlns:a16="http://schemas.microsoft.com/office/drawing/2014/main" id="{52BB1FAB-BB61-4B66-A4EA-A0EABC2B3ECA}"/>
               </a:ext>
             </a:extLst>
           </p:cNvPr>
@@ -9106,7 +9292,7 @@
           <a:bodyPr/>
           <a:lstStyle/>
           <a:p>
-            <a:endParaRPr lang="en-US" dirty="0"/>
+            <a:endParaRPr lang="en-US"/>
           </a:p>
         </p:txBody>
       </p:sp>
@@ -9115,7 +9301,7 @@
           <p:cNvPr id="4" name="Date Placeholder 3">
             <a:extLst>
               <a:ext uri="{FF2B5EF4-FFF2-40B4-BE49-F238E27FC236}">
-                <a16:creationId xmlns:a16="http://schemas.microsoft.com/office/drawing/2014/main" id="{F716348B-D7FE-46ED-8C48-CF5A55FF31CF}"/>
+                <a16:creationId xmlns:a16="http://schemas.microsoft.com/office/drawing/2014/main" id="{02256D86-7CE0-416E-B2A3-402D20EE9E90}"/>
               </a:ext>
             </a:extLst>
           </p:cNvPr>
@@ -9131,7 +9317,7 @@
           <a:bodyPr/>
           <a:lstStyle/>
           <a:p>
-            <a:fld id="{8AAE40A0-A7D8-4DC3-BC9E-BADA32DA2004}" type="datetime4">
+            <a:fld id="{B08FEED8-D7D4-44E9-BFBC-ED06B5996D94}" type="datetime4">
               <a:rPr lang="en-US" smtClean="0"/>
               <a:t>July 29, 2019</a:t>
             </a:fld>
@@ -9144,7 +9330,7 @@
           <p:cNvPr id="5" name="Footer Placeholder 4">
             <a:extLst>
               <a:ext uri="{FF2B5EF4-FFF2-40B4-BE49-F238E27FC236}">
-                <a16:creationId xmlns:a16="http://schemas.microsoft.com/office/drawing/2014/main" id="{34059279-A1E7-4F19-B4BF-8C6B59A4CEFF}"/>
+                <a16:creationId xmlns:a16="http://schemas.microsoft.com/office/drawing/2014/main" id="{1D4ED112-7CF4-4BB9-B46E-B366A5054A9A}"/>
               </a:ext>
             </a:extLst>
           </p:cNvPr>
@@ -9201,7 +9387,7 @@
           <p:cNvPr id="6" name="Slide Number Placeholder 5">
             <a:extLst>
               <a:ext uri="{FF2B5EF4-FFF2-40B4-BE49-F238E27FC236}">
-                <a16:creationId xmlns:a16="http://schemas.microsoft.com/office/drawing/2014/main" id="{DE722C41-7366-4DE2-9AF4-E75E189A7733}"/>
+                <a16:creationId xmlns:a16="http://schemas.microsoft.com/office/drawing/2014/main" id="{8CC75551-85BF-4C9F-8893-AA28ECA8A6B5}"/>
               </a:ext>
             </a:extLst>
           </p:cNvPr>
@@ -9228,7 +9414,7 @@
     </p:spTree>
     <p:extLst>
       <p:ext uri="{BB962C8B-B14F-4D97-AF65-F5344CB8AC3E}">
-        <p14:creationId xmlns:p14="http://schemas.microsoft.com/office/powerpoint/2010/main" val="2546350057"/>
+        <p14:creationId xmlns:p14="http://schemas.microsoft.com/office/powerpoint/2010/main" val="4066560549"/>
       </p:ext>
     </p:extLst>
   </p:cSld>
@@ -9260,7 +9446,7 @@
           <p:cNvPr id="2" name="Title 1">
             <a:extLst>
               <a:ext uri="{FF2B5EF4-FFF2-40B4-BE49-F238E27FC236}">
-                <a16:creationId xmlns:a16="http://schemas.microsoft.com/office/drawing/2014/main" id="{84FE5820-4288-4CB6-888A-5CBF5468888C}"/>
+                <a16:creationId xmlns:a16="http://schemas.microsoft.com/office/drawing/2014/main" id="{D7EACF90-3E7B-4978-AB0C-ED5165419D19}"/>
               </a:ext>
             </a:extLst>
           </p:cNvPr>
@@ -9278,7 +9464,7 @@
           <a:p>
             <a:r>
               <a:rPr lang="en-US" dirty="0"/>
-              <a:t>PARTIAL AUTOCORRELATION PLOTS</a:t>
+              <a:t>MOVING AVERAGE</a:t>
             </a:r>
           </a:p>
         </p:txBody>
@@ -9288,7 +9474,7 @@
           <p:cNvPr id="3" name="Content Placeholder 2">
             <a:extLst>
               <a:ext uri="{FF2B5EF4-FFF2-40B4-BE49-F238E27FC236}">
-                <a16:creationId xmlns:a16="http://schemas.microsoft.com/office/drawing/2014/main" id="{2952943F-FC31-4BE3-AB00-BAB4B12957BE}"/>
+                <a16:creationId xmlns:a16="http://schemas.microsoft.com/office/drawing/2014/main" id="{A7CEFEF5-E74A-4EFE-9368-8FD74B059E10}"/>
               </a:ext>
             </a:extLst>
           </p:cNvPr>
@@ -9304,7 +9490,7 @@
           <a:bodyPr/>
           <a:lstStyle/>
           <a:p>
-            <a:endParaRPr lang="en-US" dirty="0"/>
+            <a:endParaRPr lang="en-US"/>
           </a:p>
         </p:txBody>
       </p:sp>
@@ -9313,7 +9499,7 @@
           <p:cNvPr id="4" name="Date Placeholder 3">
             <a:extLst>
               <a:ext uri="{FF2B5EF4-FFF2-40B4-BE49-F238E27FC236}">
-                <a16:creationId xmlns:a16="http://schemas.microsoft.com/office/drawing/2014/main" id="{F716348B-D7FE-46ED-8C48-CF5A55FF31CF}"/>
+                <a16:creationId xmlns:a16="http://schemas.microsoft.com/office/drawing/2014/main" id="{64E0A09F-EC7A-4EF6-AB3A-0DC48B1B7271}"/>
               </a:ext>
             </a:extLst>
           </p:cNvPr>
@@ -9342,7 +9528,7 @@
           <p:cNvPr id="5" name="Footer Placeholder 4">
             <a:extLst>
               <a:ext uri="{FF2B5EF4-FFF2-40B4-BE49-F238E27FC236}">
-                <a16:creationId xmlns:a16="http://schemas.microsoft.com/office/drawing/2014/main" id="{34059279-A1E7-4F19-B4BF-8C6B59A4CEFF}"/>
+                <a16:creationId xmlns:a16="http://schemas.microsoft.com/office/drawing/2014/main" id="{9D8B7F07-2C50-4473-BABC-57C52FDD38D2}"/>
               </a:ext>
             </a:extLst>
           </p:cNvPr>
@@ -9399,7 +9585,7 @@
           <p:cNvPr id="6" name="Slide Number Placeholder 5">
             <a:extLst>
               <a:ext uri="{FF2B5EF4-FFF2-40B4-BE49-F238E27FC236}">
-                <a16:creationId xmlns:a16="http://schemas.microsoft.com/office/drawing/2014/main" id="{DE722C41-7366-4DE2-9AF4-E75E189A7733}"/>
+                <a16:creationId xmlns:a16="http://schemas.microsoft.com/office/drawing/2014/main" id="{6BE5E43E-0696-4C60-A72C-BBB5B4448760}"/>
               </a:ext>
             </a:extLst>
           </p:cNvPr>
@@ -9426,7 +9612,7 @@
     </p:spTree>
     <p:extLst>
       <p:ext uri="{BB962C8B-B14F-4D97-AF65-F5344CB8AC3E}">
-        <p14:creationId xmlns:p14="http://schemas.microsoft.com/office/powerpoint/2010/main" val="1481024644"/>
+        <p14:creationId xmlns:p14="http://schemas.microsoft.com/office/powerpoint/2010/main" val="3521777765"/>
       </p:ext>
     </p:extLst>
   </p:cSld>
@@ -9458,7 +9644,7 @@
           <p:cNvPr id="2" name="Title 1">
             <a:extLst>
               <a:ext uri="{FF2B5EF4-FFF2-40B4-BE49-F238E27FC236}">
-                <a16:creationId xmlns:a16="http://schemas.microsoft.com/office/drawing/2014/main" id="{D1BF0482-6913-4A5E-A533-479864CB5349}"/>
+                <a16:creationId xmlns:a16="http://schemas.microsoft.com/office/drawing/2014/main" id="{84FE5820-4288-4CB6-888A-5CBF5468888C}"/>
               </a:ext>
             </a:extLst>
           </p:cNvPr>
@@ -9476,7 +9662,7 @@
           <a:p>
             <a:r>
               <a:rPr lang="en-US" dirty="0"/>
-              <a:t>PLAYING AROUND WITH ARIMA</a:t>
+              <a:t>AUTOCORRELATION PLOTS</a:t>
             </a:r>
           </a:p>
         </p:txBody>
@@ -9486,7 +9672,7 @@
           <p:cNvPr id="3" name="Content Placeholder 2">
             <a:extLst>
               <a:ext uri="{FF2B5EF4-FFF2-40B4-BE49-F238E27FC236}">
-                <a16:creationId xmlns:a16="http://schemas.microsoft.com/office/drawing/2014/main" id="{D48271C9-2790-46C9-B80B-52D215430CB8}"/>
+                <a16:creationId xmlns:a16="http://schemas.microsoft.com/office/drawing/2014/main" id="{2952943F-FC31-4BE3-AB00-BAB4B12957BE}"/>
               </a:ext>
             </a:extLst>
           </p:cNvPr>
@@ -9511,7 +9697,7 @@
           <p:cNvPr id="4" name="Date Placeholder 3">
             <a:extLst>
               <a:ext uri="{FF2B5EF4-FFF2-40B4-BE49-F238E27FC236}">
-                <a16:creationId xmlns:a16="http://schemas.microsoft.com/office/drawing/2014/main" id="{B23DAF35-209C-48FA-AAAB-F69E14183A91}"/>
+                <a16:creationId xmlns:a16="http://schemas.microsoft.com/office/drawing/2014/main" id="{F716348B-D7FE-46ED-8C48-CF5A55FF31CF}"/>
               </a:ext>
             </a:extLst>
           </p:cNvPr>
@@ -9540,7 +9726,7 @@
           <p:cNvPr id="5" name="Footer Placeholder 4">
             <a:extLst>
               <a:ext uri="{FF2B5EF4-FFF2-40B4-BE49-F238E27FC236}">
-                <a16:creationId xmlns:a16="http://schemas.microsoft.com/office/drawing/2014/main" id="{3D8E22A6-180D-41CF-9959-4347A11F2AD1}"/>
+                <a16:creationId xmlns:a16="http://schemas.microsoft.com/office/drawing/2014/main" id="{34059279-A1E7-4F19-B4BF-8C6B59A4CEFF}"/>
               </a:ext>
             </a:extLst>
           </p:cNvPr>
@@ -9597,7 +9783,7 @@
           <p:cNvPr id="6" name="Slide Number Placeholder 5">
             <a:extLst>
               <a:ext uri="{FF2B5EF4-FFF2-40B4-BE49-F238E27FC236}">
-                <a16:creationId xmlns:a16="http://schemas.microsoft.com/office/drawing/2014/main" id="{CECE3146-0C2B-4CC7-BC7C-FD23AAF7ECAE}"/>
+                <a16:creationId xmlns:a16="http://schemas.microsoft.com/office/drawing/2014/main" id="{DE722C41-7366-4DE2-9AF4-E75E189A7733}"/>
               </a:ext>
             </a:extLst>
           </p:cNvPr>
@@ -9624,7 +9810,7 @@
     </p:spTree>
     <p:extLst>
       <p:ext uri="{BB962C8B-B14F-4D97-AF65-F5344CB8AC3E}">
-        <p14:creationId xmlns:p14="http://schemas.microsoft.com/office/powerpoint/2010/main" val="3624540971"/>
+        <p14:creationId xmlns:p14="http://schemas.microsoft.com/office/powerpoint/2010/main" val="2546350057"/>
       </p:ext>
     </p:extLst>
   </p:cSld>
@@ -9653,10 +9839,10 @@
       </p:grpSpPr>
       <p:sp>
         <p:nvSpPr>
-          <p:cNvPr id="7" name="Title 6">
-            <a:extLst>
-              <a:ext uri="{FF2B5EF4-FFF2-40B4-BE49-F238E27FC236}">
-                <a16:creationId xmlns:a16="http://schemas.microsoft.com/office/drawing/2014/main" id="{7802FB34-7510-47BC-8952-A1FE9728B0BF}"/>
+          <p:cNvPr id="2" name="Title 1">
+            <a:extLst>
+              <a:ext uri="{FF2B5EF4-FFF2-40B4-BE49-F238E27FC236}">
+                <a16:creationId xmlns:a16="http://schemas.microsoft.com/office/drawing/2014/main" id="{84FE5820-4288-4CB6-888A-5CBF5468888C}"/>
               </a:ext>
             </a:extLst>
           </p:cNvPr>
@@ -9674,36 +9860,33 @@
           <a:p>
             <a:r>
               <a:rPr lang="en-US" dirty="0"/>
-              <a:t>PROPHET MODELS</a:t>
-            </a:r>
-          </a:p>
-        </p:txBody>
-      </p:sp>
-      <p:sp>
-        <p:nvSpPr>
-          <p:cNvPr id="8" name="Text Placeholder 7">
-            <a:extLst>
-              <a:ext uri="{FF2B5EF4-FFF2-40B4-BE49-F238E27FC236}">
-                <a16:creationId xmlns:a16="http://schemas.microsoft.com/office/drawing/2014/main" id="{FCA70F1A-579E-4144-AE97-14FFC08FF0F5}"/>
-              </a:ext>
-            </a:extLst>
-          </p:cNvPr>
-          <p:cNvSpPr>
-            <a:spLocks noGrp="1"/>
-          </p:cNvSpPr>
-          <p:nvPr>
-            <p:ph type="body" idx="1"/>
-          </p:nvPr>
-        </p:nvSpPr>
-        <p:spPr/>
-        <p:txBody>
-          <a:bodyPr/>
-          <a:lstStyle/>
-          <a:p>
-            <a:r>
-              <a:rPr lang="en-US" dirty="0"/>
-              <a:t>Facebook’s in-house forecasting tool</a:t>
-            </a:r>
+              <a:t>PARTIAL AUTOCORRELATION PLOTS</a:t>
+            </a:r>
+          </a:p>
+        </p:txBody>
+      </p:sp>
+      <p:sp>
+        <p:nvSpPr>
+          <p:cNvPr id="3" name="Content Placeholder 2">
+            <a:extLst>
+              <a:ext uri="{FF2B5EF4-FFF2-40B4-BE49-F238E27FC236}">
+                <a16:creationId xmlns:a16="http://schemas.microsoft.com/office/drawing/2014/main" id="{2952943F-FC31-4BE3-AB00-BAB4B12957BE}"/>
+              </a:ext>
+            </a:extLst>
+          </p:cNvPr>
+          <p:cNvSpPr>
+            <a:spLocks noGrp="1"/>
+          </p:cNvSpPr>
+          <p:nvPr>
+            <p:ph idx="1"/>
+          </p:nvPr>
+        </p:nvSpPr>
+        <p:spPr/>
+        <p:txBody>
+          <a:bodyPr/>
+          <a:lstStyle/>
+          <a:p>
+            <a:endParaRPr lang="en-US" dirty="0"/>
           </a:p>
         </p:txBody>
       </p:sp>
@@ -9712,7 +9895,7 @@
           <p:cNvPr id="4" name="Date Placeholder 3">
             <a:extLst>
               <a:ext uri="{FF2B5EF4-FFF2-40B4-BE49-F238E27FC236}">
-                <a16:creationId xmlns:a16="http://schemas.microsoft.com/office/drawing/2014/main" id="{3AD929EF-0967-4B34-81B8-24D9EF91892E}"/>
+                <a16:creationId xmlns:a16="http://schemas.microsoft.com/office/drawing/2014/main" id="{F716348B-D7FE-46ED-8C48-CF5A55FF31CF}"/>
               </a:ext>
             </a:extLst>
           </p:cNvPr>
@@ -9741,7 +9924,7 @@
           <p:cNvPr id="5" name="Footer Placeholder 4">
             <a:extLst>
               <a:ext uri="{FF2B5EF4-FFF2-40B4-BE49-F238E27FC236}">
-                <a16:creationId xmlns:a16="http://schemas.microsoft.com/office/drawing/2014/main" id="{3B5B35DD-F2EA-40D3-8039-8CD3802B2612}"/>
+                <a16:creationId xmlns:a16="http://schemas.microsoft.com/office/drawing/2014/main" id="{34059279-A1E7-4F19-B4BF-8C6B59A4CEFF}"/>
               </a:ext>
             </a:extLst>
           </p:cNvPr>
@@ -9798,7 +9981,7 @@
           <p:cNvPr id="6" name="Slide Number Placeholder 5">
             <a:extLst>
               <a:ext uri="{FF2B5EF4-FFF2-40B4-BE49-F238E27FC236}">
-                <a16:creationId xmlns:a16="http://schemas.microsoft.com/office/drawing/2014/main" id="{C3EB9A57-323C-47F5-867F-693F95A15FA4}"/>
+                <a16:creationId xmlns:a16="http://schemas.microsoft.com/office/drawing/2014/main" id="{DE722C41-7366-4DE2-9AF4-E75E189A7733}"/>
               </a:ext>
             </a:extLst>
           </p:cNvPr>
@@ -9825,7 +10008,7 @@
     </p:spTree>
     <p:extLst>
       <p:ext uri="{BB962C8B-B14F-4D97-AF65-F5344CB8AC3E}">
-        <p14:creationId xmlns:p14="http://schemas.microsoft.com/office/powerpoint/2010/main" val="4082739096"/>
+        <p14:creationId xmlns:p14="http://schemas.microsoft.com/office/powerpoint/2010/main" val="1481024644"/>
       </p:ext>
     </p:extLst>
   </p:cSld>
@@ -9854,10 +10037,10 @@
       </p:grpSpPr>
       <p:sp>
         <p:nvSpPr>
-          <p:cNvPr id="7" name="Title 6">
-            <a:extLst>
-              <a:ext uri="{FF2B5EF4-FFF2-40B4-BE49-F238E27FC236}">
-                <a16:creationId xmlns:a16="http://schemas.microsoft.com/office/drawing/2014/main" id="{75C0DCD3-95F8-4E1F-BF1A-5FAAB84A40A3}"/>
+          <p:cNvPr id="2" name="Title 1">
+            <a:extLst>
+              <a:ext uri="{FF2B5EF4-FFF2-40B4-BE49-F238E27FC236}">
+                <a16:creationId xmlns:a16="http://schemas.microsoft.com/office/drawing/2014/main" id="{D1BF0482-6913-4A5E-A533-479864CB5349}"/>
               </a:ext>
             </a:extLst>
           </p:cNvPr>
@@ -9875,17 +10058,17 @@
           <a:p>
             <a:r>
               <a:rPr lang="en-US" dirty="0"/>
-              <a:t>PROPHET MODELS</a:t>
-            </a:r>
-          </a:p>
-        </p:txBody>
-      </p:sp>
-      <p:sp>
-        <p:nvSpPr>
-          <p:cNvPr id="8" name="Content Placeholder 7">
-            <a:extLst>
-              <a:ext uri="{FF2B5EF4-FFF2-40B4-BE49-F238E27FC236}">
-                <a16:creationId xmlns:a16="http://schemas.microsoft.com/office/drawing/2014/main" id="{52BB1FAB-BB61-4B66-A4EA-A0EABC2B3ECA}"/>
+              <a:t>PLAYING AROUND WITH ARIMA</a:t>
+            </a:r>
+          </a:p>
+        </p:txBody>
+      </p:sp>
+      <p:sp>
+        <p:nvSpPr>
+          <p:cNvPr id="3" name="Content Placeholder 2">
+            <a:extLst>
+              <a:ext uri="{FF2B5EF4-FFF2-40B4-BE49-F238E27FC236}">
+                <a16:creationId xmlns:a16="http://schemas.microsoft.com/office/drawing/2014/main" id="{D48271C9-2790-46C9-B80B-52D215430CB8}"/>
               </a:ext>
             </a:extLst>
           </p:cNvPr>
@@ -9901,71 +10084,7 @@
           <a:bodyPr/>
           <a:lstStyle/>
           <a:p>
-            <a:r>
-              <a:rPr lang="en-US" dirty="0"/>
-              <a:t>Cutting up a forecast</a:t>
-            </a:r>
-          </a:p>
-          <a:p>
-            <a:r>
-              <a:rPr lang="en-US" dirty="0"/>
-              <a:t>Pros:</a:t>
-            </a:r>
-          </a:p>
-          <a:p>
-            <a:pPr lvl="1"/>
-            <a:r>
-              <a:rPr lang="en-US" dirty="0"/>
-              <a:t>Fast and scalable</a:t>
-            </a:r>
-          </a:p>
-          <a:p>
-            <a:pPr lvl="1"/>
-            <a:r>
-              <a:rPr lang="en-US" dirty="0"/>
-              <a:t>Parameters are very easy to understand</a:t>
-            </a:r>
-          </a:p>
-          <a:p>
-            <a:pPr lvl="1"/>
-            <a:r>
-              <a:rPr lang="en-US" dirty="0"/>
-              <a:t>Deals with holidays very elegantly</a:t>
-            </a:r>
-          </a:p>
-          <a:p>
-            <a:pPr lvl="1"/>
-            <a:r>
-              <a:rPr lang="en-US" dirty="0"/>
-              <a:t>Splitting models up allows even more flexibility</a:t>
-            </a:r>
-          </a:p>
-          <a:p>
-            <a:pPr lvl="1"/>
-            <a:r>
-              <a:rPr lang="en-US" dirty="0"/>
-              <a:t>Performs quite well! Results often better than ARIMA</a:t>
-            </a:r>
-          </a:p>
-          <a:p>
-            <a:r>
-              <a:rPr lang="en-US" dirty="0"/>
-              <a:t>Cons:</a:t>
-            </a:r>
-          </a:p>
-          <a:p>
-            <a:pPr lvl="1"/>
-            <a:r>
-              <a:rPr lang="en-US" dirty="0"/>
-              <a:t>Not as widely used (released in Sept. 2017)!</a:t>
-            </a:r>
-          </a:p>
-          <a:p>
-            <a:pPr lvl="1"/>
-            <a:r>
-              <a:rPr lang="en-US" dirty="0"/>
-              <a:t>The jury’s still out on this one</a:t>
-            </a:r>
+            <a:endParaRPr lang="en-US" dirty="0"/>
           </a:p>
         </p:txBody>
       </p:sp>
@@ -9974,7 +10093,7 @@
           <p:cNvPr id="4" name="Date Placeholder 3">
             <a:extLst>
               <a:ext uri="{FF2B5EF4-FFF2-40B4-BE49-F238E27FC236}">
-                <a16:creationId xmlns:a16="http://schemas.microsoft.com/office/drawing/2014/main" id="{02256D86-7CE0-416E-B2A3-402D20EE9E90}"/>
+                <a16:creationId xmlns:a16="http://schemas.microsoft.com/office/drawing/2014/main" id="{B23DAF35-209C-48FA-AAAB-F69E14183A91}"/>
               </a:ext>
             </a:extLst>
           </p:cNvPr>
@@ -9990,7 +10109,7 @@
           <a:bodyPr/>
           <a:lstStyle/>
           <a:p>
-            <a:fld id="{B08FEED8-D7D4-44E9-BFBC-ED06B5996D94}" type="datetime4">
+            <a:fld id="{8AAE40A0-A7D8-4DC3-BC9E-BADA32DA2004}" type="datetime4">
               <a:rPr lang="en-US" smtClean="0"/>
               <a:t>July 29, 2019</a:t>
             </a:fld>
@@ -10003,7 +10122,7 @@
           <p:cNvPr id="5" name="Footer Placeholder 4">
             <a:extLst>
               <a:ext uri="{FF2B5EF4-FFF2-40B4-BE49-F238E27FC236}">
-                <a16:creationId xmlns:a16="http://schemas.microsoft.com/office/drawing/2014/main" id="{1D4ED112-7CF4-4BB9-B46E-B366A5054A9A}"/>
+                <a16:creationId xmlns:a16="http://schemas.microsoft.com/office/drawing/2014/main" id="{3D8E22A6-180D-41CF-9959-4347A11F2AD1}"/>
               </a:ext>
             </a:extLst>
           </p:cNvPr>
@@ -10060,7 +10179,7 @@
           <p:cNvPr id="6" name="Slide Number Placeholder 5">
             <a:extLst>
               <a:ext uri="{FF2B5EF4-FFF2-40B4-BE49-F238E27FC236}">
-                <a16:creationId xmlns:a16="http://schemas.microsoft.com/office/drawing/2014/main" id="{8CC75551-85BF-4C9F-8893-AA28ECA8A6B5}"/>
+                <a16:creationId xmlns:a16="http://schemas.microsoft.com/office/drawing/2014/main" id="{CECE3146-0C2B-4CC7-BC7C-FD23AAF7ECAE}"/>
               </a:ext>
             </a:extLst>
           </p:cNvPr>
@@ -10087,7 +10206,7 @@
     </p:spTree>
     <p:extLst>
       <p:ext uri="{BB962C8B-B14F-4D97-AF65-F5344CB8AC3E}">
-        <p14:creationId xmlns:p14="http://schemas.microsoft.com/office/powerpoint/2010/main" val="3412561793"/>
+        <p14:creationId xmlns:p14="http://schemas.microsoft.com/office/powerpoint/2010/main" val="3624540971"/>
       </p:ext>
     </p:extLst>
   </p:cSld>
@@ -10137,14 +10256,7 @@
           <a:p>
             <a:r>
               <a:rPr lang="en-US" dirty="0"/>
-              <a:t>NEURAL NETWORK</a:t>
-            </a:r>
-            <a:br>
-              <a:rPr lang="en-US" dirty="0"/>
-            </a:br>
-            <a:r>
-              <a:rPr lang="en-US" dirty="0"/>
-              <a:t>APPROACHES</a:t>
+              <a:t>PROPHET MODELS</a:t>
             </a:r>
           </a:p>
         </p:txBody>
@@ -10172,7 +10284,7 @@
           <a:p>
             <a:r>
               <a:rPr lang="en-US" dirty="0"/>
-              <a:t>Breaking out the big guns</a:t>
+              <a:t>Facebook’s in-house forecasting tool</a:t>
             </a:r>
           </a:p>
         </p:txBody>
@@ -10295,7 +10407,7 @@
     </p:spTree>
     <p:extLst>
       <p:ext uri="{BB962C8B-B14F-4D97-AF65-F5344CB8AC3E}">
-        <p14:creationId xmlns:p14="http://schemas.microsoft.com/office/powerpoint/2010/main" val="1442732517"/>
+        <p14:creationId xmlns:p14="http://schemas.microsoft.com/office/powerpoint/2010/main" val="4082739096"/>
       </p:ext>
     </p:extLst>
   </p:cSld>
@@ -10345,7 +10457,7 @@
           <a:p>
             <a:r>
               <a:rPr lang="en-US" dirty="0"/>
-              <a:t>NEURAL NETWORK MODELS</a:t>
+              <a:t>PROPHET MODELS</a:t>
             </a:r>
           </a:p>
         </p:txBody>
@@ -10368,14 +10480,12 @@
         </p:nvSpPr>
         <p:spPr/>
         <p:txBody>
-          <a:bodyPr>
-            <a:normAutofit/>
-          </a:bodyPr>
-          <a:lstStyle/>
-          <a:p>
-            <a:r>
-              <a:rPr lang="en-US" dirty="0"/>
-              <a:t>Incomprehensible but extremely powerful</a:t>
+          <a:bodyPr/>
+          <a:lstStyle/>
+          <a:p>
+            <a:r>
+              <a:rPr lang="en-US" dirty="0"/>
+              <a:t>Cutting up a forecast</a:t>
             </a:r>
           </a:p>
           <a:p>
@@ -10388,7 +10498,35 @@
             <a:pPr lvl="1"/>
             <a:r>
               <a:rPr lang="en-US" dirty="0"/>
-              <a:t>Often extremely accurate</a:t>
+              <a:t>Fast and scalable</a:t>
+            </a:r>
+          </a:p>
+          <a:p>
+            <a:pPr lvl="1"/>
+            <a:r>
+              <a:rPr lang="en-US" dirty="0"/>
+              <a:t>Parameters are very easy to understand</a:t>
+            </a:r>
+          </a:p>
+          <a:p>
+            <a:pPr lvl="1"/>
+            <a:r>
+              <a:rPr lang="en-US" dirty="0"/>
+              <a:t>Deals with holidays very elegantly</a:t>
+            </a:r>
+          </a:p>
+          <a:p>
+            <a:pPr lvl="1"/>
+            <a:r>
+              <a:rPr lang="en-US" dirty="0"/>
+              <a:t>Splitting models up allows even more flexibility</a:t>
+            </a:r>
+          </a:p>
+          <a:p>
+            <a:pPr lvl="1"/>
+            <a:r>
+              <a:rPr lang="en-US" dirty="0"/>
+              <a:t>Performs quite well! Results often better than ARIMA</a:t>
             </a:r>
           </a:p>
           <a:p>
@@ -10401,35 +10539,14 @@
             <a:pPr lvl="1"/>
             <a:r>
               <a:rPr lang="en-US" dirty="0"/>
-              <a:t>More or less impossible to understand what any of the parameters mean</a:t>
+              <a:t>Not as widely used (released in Sept. 2017)!</a:t>
             </a:r>
           </a:p>
           <a:p>
             <a:pPr lvl="1"/>
             <a:r>
               <a:rPr lang="en-US" dirty="0"/>
-              <a:t>Can take a very long time to train the model</a:t>
-            </a:r>
-          </a:p>
-          <a:p>
-            <a:pPr lvl="1"/>
-            <a:r>
-              <a:rPr lang="en-US" dirty="0"/>
-              <a:t>Lots of moving parts and things that can go wrong</a:t>
-            </a:r>
-          </a:p>
-          <a:p>
-            <a:r>
-              <a:rPr lang="en-US" dirty="0"/>
-              <a:t>But perhaps here, </a:t>
-            </a:r>
-            <a:r>
-              <a:rPr lang="en-US"/>
-              <a:t>that one pro </a:t>
-            </a:r>
-            <a:r>
-              <a:rPr lang="en-US" dirty="0"/>
-              <a:t>may outweigh all the cons</a:t>
+              <a:t>The jury’s still out on this one</a:t>
             </a:r>
           </a:p>
         </p:txBody>
@@ -10552,7 +10669,7 @@
     </p:spTree>
     <p:extLst>
       <p:ext uri="{BB962C8B-B14F-4D97-AF65-F5344CB8AC3E}">
-        <p14:creationId xmlns:p14="http://schemas.microsoft.com/office/powerpoint/2010/main" val="4213654799"/>
+        <p14:creationId xmlns:p14="http://schemas.microsoft.com/office/powerpoint/2010/main" val="3412561793"/>
       </p:ext>
     </p:extLst>
   </p:cSld>
@@ -10584,7 +10701,7 @@
           <p:cNvPr id="7" name="Title 6">
             <a:extLst>
               <a:ext uri="{FF2B5EF4-FFF2-40B4-BE49-F238E27FC236}">
-                <a16:creationId xmlns:a16="http://schemas.microsoft.com/office/drawing/2014/main" id="{495B4BC0-844B-4414-A623-BEF78AAC1BA1}"/>
+                <a16:creationId xmlns:a16="http://schemas.microsoft.com/office/drawing/2014/main" id="{7802FB34-7510-47BC-8952-A1FE9728B0BF}"/>
               </a:ext>
             </a:extLst>
           </p:cNvPr>
@@ -10602,80 +10719,43 @@
           <a:p>
             <a:r>
               <a:rPr lang="en-US" dirty="0"/>
-              <a:t>ACKNOWLEDGMENTS</a:t>
-            </a:r>
-          </a:p>
-        </p:txBody>
-      </p:sp>
-      <p:sp>
-        <p:nvSpPr>
-          <p:cNvPr id="8" name="Content Placeholder 7">
-            <a:extLst>
-              <a:ext uri="{FF2B5EF4-FFF2-40B4-BE49-F238E27FC236}">
-                <a16:creationId xmlns:a16="http://schemas.microsoft.com/office/drawing/2014/main" id="{2BED3EB3-7E98-4A82-8335-7321D9E37B16}"/>
-              </a:ext>
-            </a:extLst>
-          </p:cNvPr>
-          <p:cNvSpPr>
-            <a:spLocks noGrp="1"/>
-          </p:cNvSpPr>
-          <p:nvPr>
-            <p:ph idx="1"/>
-          </p:nvPr>
-        </p:nvSpPr>
-        <p:spPr/>
-        <p:txBody>
-          <a:bodyPr/>
-          <a:lstStyle/>
-          <a:p>
-            <a:r>
-              <a:rPr lang="en-US" dirty="0"/>
-              <a:t>Plots were created using the ggplot2 package in R</a:t>
-            </a:r>
-          </a:p>
-          <a:p>
-            <a:r>
-              <a:rPr lang="en-US" dirty="0"/>
-              <a:t>Shumway and </a:t>
-            </a:r>
-            <a:r>
-              <a:rPr lang="en-US" dirty="0" err="1"/>
-              <a:t>Stoffer’s</a:t>
-            </a:r>
-            <a:r>
-              <a:rPr lang="en-US" dirty="0"/>
-              <a:t> </a:t>
-            </a:r>
-            <a:r>
-              <a:rPr lang="en-US" i="1" dirty="0"/>
-              <a:t>Time Series Analysis and Its Applications With R Examples, Fourth Edition </a:t>
-            </a:r>
-            <a:r>
-              <a:rPr lang="en-US" dirty="0"/>
-              <a:t>published by Springer was used as the main reference for the ARIMA section</a:t>
-            </a:r>
-          </a:p>
-          <a:p>
-            <a:r>
-              <a:rPr lang="en-US" i="1" dirty="0"/>
-              <a:t>Forecasting at Scale </a:t>
-            </a:r>
-            <a:r>
-              <a:rPr lang="en-US" dirty="0"/>
-              <a:t>by Sean J. Taylor and Benjamin </a:t>
-            </a:r>
-            <a:r>
-              <a:rPr lang="en-US" dirty="0" err="1"/>
-              <a:t>Letham</a:t>
-            </a:r>
-            <a:r>
-              <a:rPr lang="en-US" dirty="0"/>
-              <a:t> at Facebook was used as the main reference for the Prophet section</a:t>
-            </a:r>
-            <a:endParaRPr lang="en-US" i="1" dirty="0"/>
-          </a:p>
-          <a:p>
-            <a:endParaRPr lang="en-US" dirty="0"/>
+              <a:t>NEURAL NETWORK</a:t>
+            </a:r>
+            <a:br>
+              <a:rPr lang="en-US" dirty="0"/>
+            </a:br>
+            <a:r>
+              <a:rPr lang="en-US" dirty="0"/>
+              <a:t>APPROACHES</a:t>
+            </a:r>
+          </a:p>
+        </p:txBody>
+      </p:sp>
+      <p:sp>
+        <p:nvSpPr>
+          <p:cNvPr id="8" name="Text Placeholder 7">
+            <a:extLst>
+              <a:ext uri="{FF2B5EF4-FFF2-40B4-BE49-F238E27FC236}">
+                <a16:creationId xmlns:a16="http://schemas.microsoft.com/office/drawing/2014/main" id="{FCA70F1A-579E-4144-AE97-14FFC08FF0F5}"/>
+              </a:ext>
+            </a:extLst>
+          </p:cNvPr>
+          <p:cNvSpPr>
+            <a:spLocks noGrp="1"/>
+          </p:cNvSpPr>
+          <p:nvPr>
+            <p:ph type="body" idx="1"/>
+          </p:nvPr>
+        </p:nvSpPr>
+        <p:spPr/>
+        <p:txBody>
+          <a:bodyPr/>
+          <a:lstStyle/>
+          <a:p>
+            <a:r>
+              <a:rPr lang="en-US" dirty="0"/>
+              <a:t>Breaking out the big guns</a:t>
+            </a:r>
           </a:p>
         </p:txBody>
       </p:sp>
@@ -10684,7 +10764,7 @@
           <p:cNvPr id="4" name="Date Placeholder 3">
             <a:extLst>
               <a:ext uri="{FF2B5EF4-FFF2-40B4-BE49-F238E27FC236}">
-                <a16:creationId xmlns:a16="http://schemas.microsoft.com/office/drawing/2014/main" id="{540F37F1-4F33-429F-A568-1A3ADC499E54}"/>
+                <a16:creationId xmlns:a16="http://schemas.microsoft.com/office/drawing/2014/main" id="{3AD929EF-0967-4B34-81B8-24D9EF91892E}"/>
               </a:ext>
             </a:extLst>
           </p:cNvPr>
@@ -10700,7 +10780,7 @@
           <a:bodyPr/>
           <a:lstStyle/>
           <a:p>
-            <a:fld id="{B08FEED8-D7D4-44E9-BFBC-ED06B5996D94}" type="datetime4">
+            <a:fld id="{8AAE40A0-A7D8-4DC3-BC9E-BADA32DA2004}" type="datetime4">
               <a:rPr lang="en-US" smtClean="0"/>
               <a:t>July 29, 2019</a:t>
             </a:fld>
@@ -10713,7 +10793,7 @@
           <p:cNvPr id="5" name="Footer Placeholder 4">
             <a:extLst>
               <a:ext uri="{FF2B5EF4-FFF2-40B4-BE49-F238E27FC236}">
-                <a16:creationId xmlns:a16="http://schemas.microsoft.com/office/drawing/2014/main" id="{673FFA57-C126-4795-A5F6-DD33AAC5ACBD}"/>
+                <a16:creationId xmlns:a16="http://schemas.microsoft.com/office/drawing/2014/main" id="{3B5B35DD-F2EA-40D3-8039-8CD3802B2612}"/>
               </a:ext>
             </a:extLst>
           </p:cNvPr>
@@ -10770,7 +10850,7 @@
           <p:cNvPr id="6" name="Slide Number Placeholder 5">
             <a:extLst>
               <a:ext uri="{FF2B5EF4-FFF2-40B4-BE49-F238E27FC236}">
-                <a16:creationId xmlns:a16="http://schemas.microsoft.com/office/drawing/2014/main" id="{2FA49567-BB70-4798-8746-D0B522CCEE20}"/>
+                <a16:creationId xmlns:a16="http://schemas.microsoft.com/office/drawing/2014/main" id="{C3EB9A57-323C-47F5-867F-693F95A15FA4}"/>
               </a:ext>
             </a:extLst>
           </p:cNvPr>
@@ -10797,7 +10877,7 @@
     </p:spTree>
     <p:extLst>
       <p:ext uri="{BB962C8B-B14F-4D97-AF65-F5344CB8AC3E}">
-        <p14:creationId xmlns:p14="http://schemas.microsoft.com/office/powerpoint/2010/main" val="1585568494"/>
+        <p14:creationId xmlns:p14="http://schemas.microsoft.com/office/powerpoint/2010/main" val="1442732517"/>
       </p:ext>
     </p:extLst>
   </p:cSld>
@@ -11033,6 +11113,500 @@
     <p:extLst>
       <p:ext uri="{BB962C8B-B14F-4D97-AF65-F5344CB8AC3E}">
         <p14:creationId xmlns:p14="http://schemas.microsoft.com/office/powerpoint/2010/main" val="1017541021"/>
+      </p:ext>
+    </p:extLst>
+  </p:cSld>
+  <p:clrMapOvr>
+    <a:masterClrMapping/>
+  </p:clrMapOvr>
+</p:sld>
+</file>
+
+<file path=ppt/slides/slide40.xml><?xml version="1.0" encoding="utf-8"?>
+<p:sld xmlns:a="http://schemas.openxmlformats.org/drawingml/2006/main" xmlns:r="http://schemas.openxmlformats.org/officeDocument/2006/relationships" xmlns:p="http://schemas.openxmlformats.org/presentationml/2006/main">
+  <p:cSld>
+    <p:spTree>
+      <p:nvGrpSpPr>
+        <p:cNvPr id="1" name=""/>
+        <p:cNvGrpSpPr/>
+        <p:nvPr/>
+      </p:nvGrpSpPr>
+      <p:grpSpPr>
+        <a:xfrm>
+          <a:off x="0" y="0"/>
+          <a:ext cx="0" cy="0"/>
+          <a:chOff x="0" y="0"/>
+          <a:chExt cx="0" cy="0"/>
+        </a:xfrm>
+      </p:grpSpPr>
+      <p:sp>
+        <p:nvSpPr>
+          <p:cNvPr id="7" name="Title 6">
+            <a:extLst>
+              <a:ext uri="{FF2B5EF4-FFF2-40B4-BE49-F238E27FC236}">
+                <a16:creationId xmlns:a16="http://schemas.microsoft.com/office/drawing/2014/main" id="{75C0DCD3-95F8-4E1F-BF1A-5FAAB84A40A3}"/>
+              </a:ext>
+            </a:extLst>
+          </p:cNvPr>
+          <p:cNvSpPr>
+            <a:spLocks noGrp="1"/>
+          </p:cNvSpPr>
+          <p:nvPr>
+            <p:ph type="title"/>
+          </p:nvPr>
+        </p:nvSpPr>
+        <p:spPr/>
+        <p:txBody>
+          <a:bodyPr/>
+          <a:lstStyle/>
+          <a:p>
+            <a:r>
+              <a:rPr lang="en-US" dirty="0"/>
+              <a:t>NEURAL NETWORK MODELS</a:t>
+            </a:r>
+          </a:p>
+        </p:txBody>
+      </p:sp>
+      <p:sp>
+        <p:nvSpPr>
+          <p:cNvPr id="8" name="Content Placeholder 7">
+            <a:extLst>
+              <a:ext uri="{FF2B5EF4-FFF2-40B4-BE49-F238E27FC236}">
+                <a16:creationId xmlns:a16="http://schemas.microsoft.com/office/drawing/2014/main" id="{52BB1FAB-BB61-4B66-A4EA-A0EABC2B3ECA}"/>
+              </a:ext>
+            </a:extLst>
+          </p:cNvPr>
+          <p:cNvSpPr>
+            <a:spLocks noGrp="1"/>
+          </p:cNvSpPr>
+          <p:nvPr>
+            <p:ph idx="1"/>
+          </p:nvPr>
+        </p:nvSpPr>
+        <p:spPr/>
+        <p:txBody>
+          <a:bodyPr>
+            <a:normAutofit/>
+          </a:bodyPr>
+          <a:lstStyle/>
+          <a:p>
+            <a:r>
+              <a:rPr lang="en-US" dirty="0"/>
+              <a:t>Incomprehensible but extremely powerful</a:t>
+            </a:r>
+          </a:p>
+          <a:p>
+            <a:r>
+              <a:rPr lang="en-US" dirty="0"/>
+              <a:t>Pros:</a:t>
+            </a:r>
+          </a:p>
+          <a:p>
+            <a:pPr lvl="1"/>
+            <a:r>
+              <a:rPr lang="en-US" dirty="0"/>
+              <a:t>Often extremely accurate</a:t>
+            </a:r>
+          </a:p>
+          <a:p>
+            <a:r>
+              <a:rPr lang="en-US" dirty="0"/>
+              <a:t>Cons:</a:t>
+            </a:r>
+          </a:p>
+          <a:p>
+            <a:pPr lvl="1"/>
+            <a:r>
+              <a:rPr lang="en-US" dirty="0"/>
+              <a:t>More or less impossible to understand what any of the parameters mean</a:t>
+            </a:r>
+          </a:p>
+          <a:p>
+            <a:pPr lvl="1"/>
+            <a:r>
+              <a:rPr lang="en-US" dirty="0"/>
+              <a:t>Can take a very long time to train the model</a:t>
+            </a:r>
+          </a:p>
+          <a:p>
+            <a:pPr lvl="1"/>
+            <a:r>
+              <a:rPr lang="en-US" dirty="0"/>
+              <a:t>Lots of moving parts and things that can go wrong</a:t>
+            </a:r>
+          </a:p>
+          <a:p>
+            <a:r>
+              <a:rPr lang="en-US" dirty="0"/>
+              <a:t>But depending on the problem, that one pro may outweigh all the cons</a:t>
+            </a:r>
+          </a:p>
+        </p:txBody>
+      </p:sp>
+      <p:sp>
+        <p:nvSpPr>
+          <p:cNvPr id="4" name="Date Placeholder 3">
+            <a:extLst>
+              <a:ext uri="{FF2B5EF4-FFF2-40B4-BE49-F238E27FC236}">
+                <a16:creationId xmlns:a16="http://schemas.microsoft.com/office/drawing/2014/main" id="{02256D86-7CE0-416E-B2A3-402D20EE9E90}"/>
+              </a:ext>
+            </a:extLst>
+          </p:cNvPr>
+          <p:cNvSpPr>
+            <a:spLocks noGrp="1"/>
+          </p:cNvSpPr>
+          <p:nvPr>
+            <p:ph type="dt" sz="half" idx="10"/>
+          </p:nvPr>
+        </p:nvSpPr>
+        <p:spPr/>
+        <p:txBody>
+          <a:bodyPr/>
+          <a:lstStyle/>
+          <a:p>
+            <a:fld id="{B08FEED8-D7D4-44E9-BFBC-ED06B5996D94}" type="datetime4">
+              <a:rPr lang="en-US" smtClean="0"/>
+              <a:t>July 29, 2019</a:t>
+            </a:fld>
+            <a:endParaRPr lang="en-US" dirty="0"/>
+          </a:p>
+        </p:txBody>
+      </p:sp>
+      <p:sp>
+        <p:nvSpPr>
+          <p:cNvPr id="5" name="Footer Placeholder 4">
+            <a:extLst>
+              <a:ext uri="{FF2B5EF4-FFF2-40B4-BE49-F238E27FC236}">
+                <a16:creationId xmlns:a16="http://schemas.microsoft.com/office/drawing/2014/main" id="{1D4ED112-7CF4-4BB9-B46E-B366A5054A9A}"/>
+              </a:ext>
+            </a:extLst>
+          </p:cNvPr>
+          <p:cNvSpPr>
+            <a:spLocks noGrp="1"/>
+          </p:cNvSpPr>
+          <p:nvPr>
+            <p:ph type="ftr" sz="quarter" idx="11"/>
+          </p:nvPr>
+        </p:nvSpPr>
+        <p:spPr/>
+        <p:txBody>
+          <a:bodyPr/>
+          <a:lstStyle/>
+          <a:p>
+            <a:r>
+              <a:rPr lang="en-US"/>
+              <a:t>Digital Scholarship Services </a:t>
+            </a:r>
+            <a:r>
+              <a:rPr lang="en-US">
+                <a:solidFill>
+                  <a:schemeClr val="accent1">
+                    <a:lumMod val="50000"/>
+                  </a:schemeClr>
+                </a:solidFill>
+              </a:rPr>
+              <a:t>| Email</a:t>
+            </a:r>
+            <a:r>
+              <a:rPr lang="en-US"/>
+              <a:t> cf24@rice.edu </a:t>
+            </a:r>
+            <a:r>
+              <a:rPr lang="en-US">
+                <a:solidFill>
+                  <a:schemeClr val="accent1">
+                    <a:lumMod val="50000"/>
+                  </a:schemeClr>
+                </a:solidFill>
+              </a:rPr>
+              <a:t>|</a:t>
+            </a:r>
+            <a:r>
+              <a:rPr lang="en-US"/>
+              <a:t> library.rice.edu/dss</a:t>
+            </a:r>
+            <a:endParaRPr lang="en-US" dirty="0"/>
+          </a:p>
+        </p:txBody>
+      </p:sp>
+      <p:sp>
+        <p:nvSpPr>
+          <p:cNvPr id="6" name="Slide Number Placeholder 5">
+            <a:extLst>
+              <a:ext uri="{FF2B5EF4-FFF2-40B4-BE49-F238E27FC236}">
+                <a16:creationId xmlns:a16="http://schemas.microsoft.com/office/drawing/2014/main" id="{8CC75551-85BF-4C9F-8893-AA28ECA8A6B5}"/>
+              </a:ext>
+            </a:extLst>
+          </p:cNvPr>
+          <p:cNvSpPr>
+            <a:spLocks noGrp="1"/>
+          </p:cNvSpPr>
+          <p:nvPr>
+            <p:ph type="sldNum" sz="quarter" idx="12"/>
+          </p:nvPr>
+        </p:nvSpPr>
+        <p:spPr/>
+        <p:txBody>
+          <a:bodyPr/>
+          <a:lstStyle/>
+          <a:p>
+            <a:fld id="{D57F1E4F-1CFF-5643-939E-02111984F565}" type="slidenum">
+              <a:rPr lang="en-US" smtClean="0"/>
+              <a:t>40</a:t>
+            </a:fld>
+            <a:endParaRPr lang="en-US" dirty="0"/>
+          </a:p>
+        </p:txBody>
+      </p:sp>
+    </p:spTree>
+    <p:extLst>
+      <p:ext uri="{BB962C8B-B14F-4D97-AF65-F5344CB8AC3E}">
+        <p14:creationId xmlns:p14="http://schemas.microsoft.com/office/powerpoint/2010/main" val="4213654799"/>
+      </p:ext>
+    </p:extLst>
+  </p:cSld>
+  <p:clrMapOvr>
+    <a:masterClrMapping/>
+  </p:clrMapOvr>
+</p:sld>
+</file>
+
+<file path=ppt/slides/slide41.xml><?xml version="1.0" encoding="utf-8"?>
+<p:sld xmlns:a="http://schemas.openxmlformats.org/drawingml/2006/main" xmlns:r="http://schemas.openxmlformats.org/officeDocument/2006/relationships" xmlns:p="http://schemas.openxmlformats.org/presentationml/2006/main">
+  <p:cSld>
+    <p:spTree>
+      <p:nvGrpSpPr>
+        <p:cNvPr id="1" name=""/>
+        <p:cNvGrpSpPr/>
+        <p:nvPr/>
+      </p:nvGrpSpPr>
+      <p:grpSpPr>
+        <a:xfrm>
+          <a:off x="0" y="0"/>
+          <a:ext cx="0" cy="0"/>
+          <a:chOff x="0" y="0"/>
+          <a:chExt cx="0" cy="0"/>
+        </a:xfrm>
+      </p:grpSpPr>
+      <p:sp>
+        <p:nvSpPr>
+          <p:cNvPr id="7" name="Title 6">
+            <a:extLst>
+              <a:ext uri="{FF2B5EF4-FFF2-40B4-BE49-F238E27FC236}">
+                <a16:creationId xmlns:a16="http://schemas.microsoft.com/office/drawing/2014/main" id="{495B4BC0-844B-4414-A623-BEF78AAC1BA1}"/>
+              </a:ext>
+            </a:extLst>
+          </p:cNvPr>
+          <p:cNvSpPr>
+            <a:spLocks noGrp="1"/>
+          </p:cNvSpPr>
+          <p:nvPr>
+            <p:ph type="title"/>
+          </p:nvPr>
+        </p:nvSpPr>
+        <p:spPr/>
+        <p:txBody>
+          <a:bodyPr/>
+          <a:lstStyle/>
+          <a:p>
+            <a:r>
+              <a:rPr lang="en-US" dirty="0"/>
+              <a:t>ACKNOWLEDGMENTS</a:t>
+            </a:r>
+          </a:p>
+        </p:txBody>
+      </p:sp>
+      <p:sp>
+        <p:nvSpPr>
+          <p:cNvPr id="8" name="Content Placeholder 7">
+            <a:extLst>
+              <a:ext uri="{FF2B5EF4-FFF2-40B4-BE49-F238E27FC236}">
+                <a16:creationId xmlns:a16="http://schemas.microsoft.com/office/drawing/2014/main" id="{2BED3EB3-7E98-4A82-8335-7321D9E37B16}"/>
+              </a:ext>
+            </a:extLst>
+          </p:cNvPr>
+          <p:cNvSpPr>
+            <a:spLocks noGrp="1"/>
+          </p:cNvSpPr>
+          <p:nvPr>
+            <p:ph idx="1"/>
+          </p:nvPr>
+        </p:nvSpPr>
+        <p:spPr/>
+        <p:txBody>
+          <a:bodyPr/>
+          <a:lstStyle/>
+          <a:p>
+            <a:r>
+              <a:rPr lang="en-US" dirty="0"/>
+              <a:t>Plots were created using the ggplot2 package in R</a:t>
+            </a:r>
+          </a:p>
+          <a:p>
+            <a:r>
+              <a:rPr lang="en-US" dirty="0"/>
+              <a:t>Shumway and </a:t>
+            </a:r>
+            <a:r>
+              <a:rPr lang="en-US" dirty="0" err="1"/>
+              <a:t>Stoffer’s</a:t>
+            </a:r>
+            <a:r>
+              <a:rPr lang="en-US" dirty="0"/>
+              <a:t> </a:t>
+            </a:r>
+            <a:r>
+              <a:rPr lang="en-US" i="1" dirty="0"/>
+              <a:t>Time Series Analysis and Its Applications With R Examples, Fourth Edition </a:t>
+            </a:r>
+            <a:r>
+              <a:rPr lang="en-US" dirty="0"/>
+              <a:t>published by Springer was used as the main reference for the ARIMA section</a:t>
+            </a:r>
+          </a:p>
+          <a:p>
+            <a:r>
+              <a:rPr lang="en-US" i="1" dirty="0"/>
+              <a:t>Forecasting at Scale </a:t>
+            </a:r>
+            <a:r>
+              <a:rPr lang="en-US" dirty="0"/>
+              <a:t>by Sean J. Taylor and Benjamin </a:t>
+            </a:r>
+            <a:r>
+              <a:rPr lang="en-US" dirty="0" err="1"/>
+              <a:t>Letham</a:t>
+            </a:r>
+            <a:r>
+              <a:rPr lang="en-US" dirty="0"/>
+              <a:t> at Facebook was used as the main reference for the Prophet section</a:t>
+            </a:r>
+            <a:endParaRPr lang="en-US" i="1" dirty="0"/>
+          </a:p>
+          <a:p>
+            <a:endParaRPr lang="en-US" dirty="0"/>
+          </a:p>
+        </p:txBody>
+      </p:sp>
+      <p:sp>
+        <p:nvSpPr>
+          <p:cNvPr id="4" name="Date Placeholder 3">
+            <a:extLst>
+              <a:ext uri="{FF2B5EF4-FFF2-40B4-BE49-F238E27FC236}">
+                <a16:creationId xmlns:a16="http://schemas.microsoft.com/office/drawing/2014/main" id="{540F37F1-4F33-429F-A568-1A3ADC499E54}"/>
+              </a:ext>
+            </a:extLst>
+          </p:cNvPr>
+          <p:cNvSpPr>
+            <a:spLocks noGrp="1"/>
+          </p:cNvSpPr>
+          <p:nvPr>
+            <p:ph type="dt" sz="half" idx="10"/>
+          </p:nvPr>
+        </p:nvSpPr>
+        <p:spPr/>
+        <p:txBody>
+          <a:bodyPr/>
+          <a:lstStyle/>
+          <a:p>
+            <a:fld id="{B08FEED8-D7D4-44E9-BFBC-ED06B5996D94}" type="datetime4">
+              <a:rPr lang="en-US" smtClean="0"/>
+              <a:t>July 29, 2019</a:t>
+            </a:fld>
+            <a:endParaRPr lang="en-US" dirty="0"/>
+          </a:p>
+        </p:txBody>
+      </p:sp>
+      <p:sp>
+        <p:nvSpPr>
+          <p:cNvPr id="5" name="Footer Placeholder 4">
+            <a:extLst>
+              <a:ext uri="{FF2B5EF4-FFF2-40B4-BE49-F238E27FC236}">
+                <a16:creationId xmlns:a16="http://schemas.microsoft.com/office/drawing/2014/main" id="{673FFA57-C126-4795-A5F6-DD33AAC5ACBD}"/>
+              </a:ext>
+            </a:extLst>
+          </p:cNvPr>
+          <p:cNvSpPr>
+            <a:spLocks noGrp="1"/>
+          </p:cNvSpPr>
+          <p:nvPr>
+            <p:ph type="ftr" sz="quarter" idx="11"/>
+          </p:nvPr>
+        </p:nvSpPr>
+        <p:spPr/>
+        <p:txBody>
+          <a:bodyPr/>
+          <a:lstStyle/>
+          <a:p>
+            <a:r>
+              <a:rPr lang="en-US"/>
+              <a:t>Digital Scholarship Services </a:t>
+            </a:r>
+            <a:r>
+              <a:rPr lang="en-US">
+                <a:solidFill>
+                  <a:schemeClr val="accent1">
+                    <a:lumMod val="50000"/>
+                  </a:schemeClr>
+                </a:solidFill>
+              </a:rPr>
+              <a:t>| Email</a:t>
+            </a:r>
+            <a:r>
+              <a:rPr lang="en-US"/>
+              <a:t> cf24@rice.edu </a:t>
+            </a:r>
+            <a:r>
+              <a:rPr lang="en-US">
+                <a:solidFill>
+                  <a:schemeClr val="accent1">
+                    <a:lumMod val="50000"/>
+                  </a:schemeClr>
+                </a:solidFill>
+              </a:rPr>
+              <a:t>|</a:t>
+            </a:r>
+            <a:r>
+              <a:rPr lang="en-US"/>
+              <a:t> library.rice.edu/dss</a:t>
+            </a:r>
+            <a:endParaRPr lang="en-US" dirty="0"/>
+          </a:p>
+        </p:txBody>
+      </p:sp>
+      <p:sp>
+        <p:nvSpPr>
+          <p:cNvPr id="6" name="Slide Number Placeholder 5">
+            <a:extLst>
+              <a:ext uri="{FF2B5EF4-FFF2-40B4-BE49-F238E27FC236}">
+                <a16:creationId xmlns:a16="http://schemas.microsoft.com/office/drawing/2014/main" id="{2FA49567-BB70-4798-8746-D0B522CCEE20}"/>
+              </a:ext>
+            </a:extLst>
+          </p:cNvPr>
+          <p:cNvSpPr>
+            <a:spLocks noGrp="1"/>
+          </p:cNvSpPr>
+          <p:nvPr>
+            <p:ph type="sldNum" sz="quarter" idx="12"/>
+          </p:nvPr>
+        </p:nvSpPr>
+        <p:spPr/>
+        <p:txBody>
+          <a:bodyPr/>
+          <a:lstStyle/>
+          <a:p>
+            <a:fld id="{D57F1E4F-1CFF-5643-939E-02111984F565}" type="slidenum">
+              <a:rPr lang="en-US" smtClean="0"/>
+              <a:t>41</a:t>
+            </a:fld>
+            <a:endParaRPr lang="en-US" dirty="0"/>
+          </a:p>
+        </p:txBody>
+      </p:sp>
+    </p:spTree>
+    <p:extLst>
+      <p:ext uri="{BB962C8B-B14F-4D97-AF65-F5344CB8AC3E}">
+        <p14:creationId xmlns:p14="http://schemas.microsoft.com/office/powerpoint/2010/main" val="1585568494"/>
       </p:ext>
     </p:extLst>
   </p:cSld>

--- a/tsa/Introduction to Time Series Analysis.pptx
+++ b/tsa/Introduction to Time Series Analysis.pptx
@@ -5,7 +5,7 @@
     <p:sldMasterId id="2147483707" r:id="rId1"/>
   </p:sldMasterIdLst>
   <p:notesMasterIdLst>
-    <p:notesMasterId r:id="rId43"/>
+    <p:notesMasterId r:id="rId52"/>
   </p:notesMasterIdLst>
   <p:sldIdLst>
     <p:sldId id="266" r:id="rId2"/>
@@ -26,29 +26,38 @@
     <p:sldId id="276" r:id="rId17"/>
     <p:sldId id="273" r:id="rId18"/>
     <p:sldId id="274" r:id="rId19"/>
-    <p:sldId id="275" r:id="rId20"/>
+    <p:sldId id="298" r:id="rId20"/>
     <p:sldId id="297" r:id="rId21"/>
-    <p:sldId id="298" r:id="rId22"/>
-    <p:sldId id="279" r:id="rId23"/>
-    <p:sldId id="301" r:id="rId24"/>
-    <p:sldId id="302" r:id="rId25"/>
-    <p:sldId id="303" r:id="rId26"/>
-    <p:sldId id="280" r:id="rId27"/>
-    <p:sldId id="304" r:id="rId28"/>
-    <p:sldId id="310" r:id="rId29"/>
-    <p:sldId id="311" r:id="rId30"/>
-    <p:sldId id="281" r:id="rId31"/>
-    <p:sldId id="282" r:id="rId32"/>
-    <p:sldId id="283" r:id="rId33"/>
-    <p:sldId id="284" r:id="rId34"/>
-    <p:sldId id="299" r:id="rId35"/>
-    <p:sldId id="300" r:id="rId36"/>
-    <p:sldId id="285" r:id="rId37"/>
-    <p:sldId id="305" r:id="rId38"/>
-    <p:sldId id="307" r:id="rId39"/>
-    <p:sldId id="306" r:id="rId40"/>
-    <p:sldId id="309" r:id="rId41"/>
-    <p:sldId id="268" r:id="rId42"/>
+    <p:sldId id="279" r:id="rId22"/>
+    <p:sldId id="301" r:id="rId23"/>
+    <p:sldId id="302" r:id="rId24"/>
+    <p:sldId id="303" r:id="rId25"/>
+    <p:sldId id="280" r:id="rId26"/>
+    <p:sldId id="304" r:id="rId27"/>
+    <p:sldId id="310" r:id="rId28"/>
+    <p:sldId id="311" r:id="rId29"/>
+    <p:sldId id="316" r:id="rId30"/>
+    <p:sldId id="317" r:id="rId31"/>
+    <p:sldId id="321" r:id="rId32"/>
+    <p:sldId id="318" r:id="rId33"/>
+    <p:sldId id="319" r:id="rId34"/>
+    <p:sldId id="320" r:id="rId35"/>
+    <p:sldId id="281" r:id="rId36"/>
+    <p:sldId id="282" r:id="rId37"/>
+    <p:sldId id="283" r:id="rId38"/>
+    <p:sldId id="284" r:id="rId39"/>
+    <p:sldId id="299" r:id="rId40"/>
+    <p:sldId id="300" r:id="rId41"/>
+    <p:sldId id="314" r:id="rId42"/>
+    <p:sldId id="315" r:id="rId43"/>
+    <p:sldId id="285" r:id="rId44"/>
+    <p:sldId id="305" r:id="rId45"/>
+    <p:sldId id="307" r:id="rId46"/>
+    <p:sldId id="312" r:id="rId47"/>
+    <p:sldId id="313" r:id="rId48"/>
+    <p:sldId id="306" r:id="rId49"/>
+    <p:sldId id="309" r:id="rId50"/>
+    <p:sldId id="268" r:id="rId51"/>
   </p:sldIdLst>
   <p:sldSz cx="12192000" cy="6858000"/>
   <p:notesSz cx="6858000" cy="9144000"/>
@@ -237,7 +246,7 @@
           <a:p>
             <a:fld id="{D46E3B93-8523-4DBC-8FC5-65A9B9CDE5EE}" type="datetimeFigureOut">
               <a:rPr lang="en-US" smtClean="0"/>
-              <a:t>7/29/2019</a:t>
+              <a:t>7/30/2019</a:t>
             </a:fld>
             <a:endParaRPr lang="en-US"/>
           </a:p>
@@ -633,7 +642,7 @@
           <a:p>
             <a:fld id="{CE8F6EB4-B6EF-44F6-BBD1-CD5E279CFAE2}" type="datetime4">
               <a:rPr lang="en-US" smtClean="0"/>
-              <a:t>July 29, 2019</a:t>
+              <a:t>July 30, 2019</a:t>
             </a:fld>
             <a:endParaRPr lang="en-US" dirty="0"/>
           </a:p>
@@ -805,7 +814,7 @@
           <a:p>
             <a:fld id="{8A405AA7-4C18-4A99-8AAA-8677C1976FC9}" type="datetime4">
               <a:rPr lang="en-US" smtClean="0"/>
-              <a:t>July 29, 2019</a:t>
+              <a:t>July 30, 2019</a:t>
             </a:fld>
             <a:endParaRPr lang="en-US" dirty="0"/>
           </a:p>
@@ -987,7 +996,7 @@
           <a:p>
             <a:fld id="{4EA0D668-33DD-41B9-B668-7E7FF430C345}" type="datetime4">
               <a:rPr lang="en-US" smtClean="0"/>
-              <a:t>July 29, 2019</a:t>
+              <a:t>July 30, 2019</a:t>
             </a:fld>
             <a:endParaRPr lang="en-US" dirty="0"/>
           </a:p>
@@ -1170,7 +1179,7 @@
           <a:p>
             <a:fld id="{8AAE40A0-A7D8-4DC3-BC9E-BADA32DA2004}" type="datetime4">
               <a:rPr lang="en-US" smtClean="0"/>
-              <a:t>July 29, 2019</a:t>
+              <a:t>July 30, 2019</a:t>
             </a:fld>
             <a:endParaRPr lang="en-US" dirty="0"/>
           </a:p>
@@ -1497,7 +1506,7 @@
           <a:p>
             <a:fld id="{B08FEED8-D7D4-44E9-BFBC-ED06B5996D94}" type="datetime4">
               <a:rPr lang="en-US" smtClean="0"/>
-              <a:t>July 29, 2019</a:t>
+              <a:t>July 30, 2019</a:t>
             </a:fld>
             <a:endParaRPr lang="en-US" dirty="0"/>
           </a:p>
@@ -1807,7 +1816,7 @@
           <a:p>
             <a:fld id="{A143C325-9442-4629-8CC6-5CAC69736C93}" type="datetime4">
               <a:rPr lang="en-US" smtClean="0"/>
-              <a:t>July 29, 2019</a:t>
+              <a:t>July 30, 2019</a:t>
             </a:fld>
             <a:endParaRPr lang="en-US" dirty="0"/>
           </a:p>
@@ -2175,7 +2184,7 @@
           <a:p>
             <a:fld id="{EEDAFACB-3FED-4607-9FDD-34A82581A119}" type="datetime4">
               <a:rPr lang="en-US" smtClean="0"/>
-              <a:t>July 29, 2019</a:t>
+              <a:t>July 30, 2019</a:t>
             </a:fld>
             <a:endParaRPr lang="en-US" dirty="0"/>
           </a:p>
@@ -2296,7 +2305,7 @@
           <a:p>
             <a:fld id="{EC2805D6-2E3E-42F7-ABBA-DCD51C704328}" type="datetime4">
               <a:rPr lang="en-US" smtClean="0"/>
-              <a:t>July 29, 2019</a:t>
+              <a:t>July 30, 2019</a:t>
             </a:fld>
             <a:endParaRPr lang="en-US" dirty="0"/>
           </a:p>
@@ -2395,7 +2404,7 @@
           <a:p>
             <a:fld id="{7A745AAB-8888-45FB-8C4E-B86AF9A05200}" type="datetime4">
               <a:rPr lang="en-US" smtClean="0"/>
-              <a:t>July 29, 2019</a:t>
+              <a:t>July 30, 2019</a:t>
             </a:fld>
             <a:endParaRPr lang="en-US" dirty="0"/>
           </a:p>
@@ -2674,7 +2683,7 @@
           <a:p>
             <a:fld id="{9F896CED-8AFA-412F-B61A-472E6093CDBA}" type="datetime4">
               <a:rPr lang="en-US" smtClean="0"/>
-              <a:t>July 29, 2019</a:t>
+              <a:t>July 30, 2019</a:t>
             </a:fld>
             <a:endParaRPr lang="en-US" dirty="0"/>
           </a:p>
@@ -2933,7 +2942,7 @@
           <a:p>
             <a:fld id="{61078AB2-2970-444D-B1FF-A9F37FC020F5}" type="datetime4">
               <a:rPr lang="en-US" smtClean="0"/>
-              <a:t>July 29, 2019</a:t>
+              <a:t>July 30, 2019</a:t>
             </a:fld>
             <a:endParaRPr lang="en-US" dirty="0"/>
           </a:p>
@@ -3151,7 +3160,7 @@
           <a:p>
             <a:fld id="{1148AE1E-D441-45CD-8192-49B13802301D}" type="datetime4">
               <a:rPr lang="en-US" smtClean="0"/>
-              <a:t>July 29, 2019</a:t>
+              <a:t>July 30, 2019</a:t>
             </a:fld>
             <a:endParaRPr lang="en-US" dirty="0"/>
           </a:p>
@@ -3982,7 +3991,7 @@
           <a:p>
             <a:fld id="{B08FEED8-D7D4-44E9-BFBC-ED06B5996D94}" type="datetime4">
               <a:rPr lang="en-US" smtClean="0"/>
-              <a:t>July 29, 2019</a:t>
+              <a:t>July 30, 2019</a:t>
             </a:fld>
             <a:endParaRPr lang="en-US" dirty="0"/>
           </a:p>
@@ -4155,7 +4164,7 @@
           <a:p>
             <a:fld id="{B08FEED8-D7D4-44E9-BFBC-ED06B5996D94}" type="datetime4">
               <a:rPr lang="en-US" smtClean="0"/>
-              <a:t>July 29, 2019</a:t>
+              <a:t>July 30, 2019</a:t>
             </a:fld>
             <a:endParaRPr lang="en-US" dirty="0"/>
           </a:p>
@@ -4358,7 +4367,7 @@
           <a:p>
             <a:fld id="{B08FEED8-D7D4-44E9-BFBC-ED06B5996D94}" type="datetime4">
               <a:rPr lang="en-US" smtClean="0"/>
-              <a:t>July 29, 2019</a:t>
+              <a:t>July 30, 2019</a:t>
             </a:fld>
             <a:endParaRPr lang="en-US" dirty="0"/>
           </a:p>
@@ -4560,7 +4569,7 @@
           <a:p>
             <a:fld id="{B08FEED8-D7D4-44E9-BFBC-ED06B5996D94}" type="datetime4">
               <a:rPr lang="en-US" smtClean="0"/>
-              <a:t>July 29, 2019</a:t>
+              <a:t>July 30, 2019</a:t>
             </a:fld>
             <a:endParaRPr lang="en-US" dirty="0"/>
           </a:p>
@@ -4791,7 +4800,7 @@
           <a:p>
             <a:fld id="{B08FEED8-D7D4-44E9-BFBC-ED06B5996D94}" type="datetime4">
               <a:rPr lang="en-US" smtClean="0"/>
-              <a:t>July 29, 2019</a:t>
+              <a:t>July 30, 2019</a:t>
             </a:fld>
             <a:endParaRPr lang="en-US" dirty="0"/>
           </a:p>
@@ -4964,7 +4973,7 @@
           <a:p>
             <a:fld id="{B08FEED8-D7D4-44E9-BFBC-ED06B5996D94}" type="datetime4">
               <a:rPr lang="en-US" smtClean="0"/>
-              <a:t>July 29, 2019</a:t>
+              <a:t>July 30, 2019</a:t>
             </a:fld>
             <a:endParaRPr lang="en-US" dirty="0"/>
           </a:p>
@@ -5200,7 +5209,7 @@
           <a:p>
             <a:fld id="{B08FEED8-D7D4-44E9-BFBC-ED06B5996D94}" type="datetime4">
               <a:rPr lang="en-US" smtClean="0"/>
-              <a:t>July 29, 2019</a:t>
+              <a:t>July 30, 2019</a:t>
             </a:fld>
             <a:endParaRPr lang="en-US" dirty="0"/>
           </a:p>
@@ -5408,7 +5417,7 @@
           <a:p>
             <a:fld id="{8AAE40A0-A7D8-4DC3-BC9E-BADA32DA2004}" type="datetime4">
               <a:rPr lang="en-US" smtClean="0"/>
-              <a:t>July 29, 2019</a:t>
+              <a:t>July 30, 2019</a:t>
             </a:fld>
             <a:endParaRPr lang="en-US" dirty="0"/>
           </a:p>
@@ -5592,6 +5601,12 @@
             </a:r>
           </a:p>
           <a:p>
+            <a:r>
+              <a:rPr lang="en-US" dirty="0"/>
+              <a:t>Once we have our data stationary (or at least close), we can build amazing models!</a:t>
+            </a:r>
+          </a:p>
+          <a:p>
             <a:endParaRPr lang="en-US" dirty="0"/>
           </a:p>
         </p:txBody>
@@ -5619,7 +5634,7 @@
           <a:p>
             <a:fld id="{B08FEED8-D7D4-44E9-BFBC-ED06B5996D94}" type="datetime4">
               <a:rPr lang="en-US" smtClean="0"/>
-              <a:t>July 29, 2019</a:t>
+              <a:t>July 30, 2019</a:t>
             </a:fld>
             <a:endParaRPr lang="en-US" dirty="0"/>
           </a:p>
@@ -5795,6 +5810,40 @@
               <a:t>Subtracting our estimate of the data looking at trend only</a:t>
             </a:r>
           </a:p>
+          <a:p>
+            <a:r>
+              <a:rPr lang="en-US" dirty="0"/>
+              <a:t>But where do we get the trend from?</a:t>
+            </a:r>
+          </a:p>
+          <a:p>
+            <a:pPr lvl="1"/>
+            <a:r>
+              <a:rPr lang="en-US" dirty="0"/>
+              <a:t>We have to estimate it ourselves!</a:t>
+            </a:r>
+          </a:p>
+          <a:p>
+            <a:pPr lvl="1"/>
+            <a:r>
+              <a:rPr lang="en-US" dirty="0"/>
+              <a:t>What kind of trend is it? Trends don’t have to be linear!</a:t>
+            </a:r>
+          </a:p>
+          <a:p>
+            <a:pPr lvl="1"/>
+            <a:r>
+              <a:rPr lang="en-US" dirty="0"/>
+              <a:t>Something else that could go wrong…</a:t>
+            </a:r>
+          </a:p>
+          <a:p>
+            <a:pPr lvl="1"/>
+            <a:r>
+              <a:rPr lang="en-US" dirty="0"/>
+              <a:t>Can we do better?</a:t>
+            </a:r>
+          </a:p>
         </p:txBody>
       </p:sp>
       <p:sp>
@@ -5820,7 +5869,7 @@
           <a:p>
             <a:fld id="{B08FEED8-D7D4-44E9-BFBC-ED06B5996D94}" type="datetime4">
               <a:rPr lang="en-US" smtClean="0"/>
-              <a:t>July 29, 2019</a:t>
+              <a:t>July 30, 2019</a:t>
             </a:fld>
             <a:endParaRPr lang="en-US" dirty="0"/>
           </a:p>
@@ -5915,7 +5964,7 @@
     </p:spTree>
     <p:extLst>
       <p:ext uri="{BB962C8B-B14F-4D97-AF65-F5344CB8AC3E}">
-        <p14:creationId xmlns:p14="http://schemas.microsoft.com/office/powerpoint/2010/main" val="4109370477"/>
+        <p14:creationId xmlns:p14="http://schemas.microsoft.com/office/powerpoint/2010/main" val="2882473015"/>
       </p:ext>
     </p:extLst>
   </p:cSld>
@@ -6006,7 +6055,7 @@
           <a:p>
             <a:fld id="{3686C9ED-58DA-41A6-B894-9B830C59600E}" type="datetime4">
               <a:rPr lang="en-US" smtClean="0"/>
-              <a:t>July 29, 2019</a:t>
+              <a:t>July 30, 2019</a:t>
             </a:fld>
             <a:endParaRPr lang="en-US" dirty="0"/>
           </a:p>
@@ -6184,7 +6233,7 @@
           <a:p>
             <a:fld id="{B08FEED8-D7D4-44E9-BFBC-ED06B5996D94}" type="datetime4">
               <a:rPr lang="en-US" smtClean="0"/>
-              <a:t>July 29, 2019</a:t>
+              <a:t>July 30, 2019</a:t>
             </a:fld>
             <a:endParaRPr lang="en-US" dirty="0"/>
           </a:p>
@@ -6368,10 +6417,10 @@
       </p:grpSpPr>
       <p:sp>
         <p:nvSpPr>
-          <p:cNvPr id="7" name="Title 6">
-            <a:extLst>
-              <a:ext uri="{FF2B5EF4-FFF2-40B4-BE49-F238E27FC236}">
-                <a16:creationId xmlns:a16="http://schemas.microsoft.com/office/drawing/2014/main" id="{495B4BC0-844B-4414-A623-BEF78AAC1BA1}"/>
+          <p:cNvPr id="2" name="Title 1">
+            <a:extLst>
+              <a:ext uri="{FF2B5EF4-FFF2-40B4-BE49-F238E27FC236}">
+                <a16:creationId xmlns:a16="http://schemas.microsoft.com/office/drawing/2014/main" id="{A694862C-8B28-4EF5-9C6F-0187B05C2B03}"/>
               </a:ext>
             </a:extLst>
           </p:cNvPr>
@@ -6389,17 +6438,17 @@
           <a:p>
             <a:r>
               <a:rPr lang="en-US" dirty="0"/>
-              <a:t>DETRENDING</a:t>
-            </a:r>
-          </a:p>
-        </p:txBody>
-      </p:sp>
-      <p:sp>
-        <p:nvSpPr>
-          <p:cNvPr id="8" name="Content Placeholder 7">
-            <a:extLst>
-              <a:ext uri="{FF2B5EF4-FFF2-40B4-BE49-F238E27FC236}">
-                <a16:creationId xmlns:a16="http://schemas.microsoft.com/office/drawing/2014/main" id="{2BED3EB3-7E98-4A82-8335-7321D9E37B16}"/>
+              <a:t>DIFFERENCING</a:t>
+            </a:r>
+          </a:p>
+        </p:txBody>
+      </p:sp>
+      <p:sp>
+        <p:nvSpPr>
+          <p:cNvPr id="3" name="Content Placeholder 2">
+            <a:extLst>
+              <a:ext uri="{FF2B5EF4-FFF2-40B4-BE49-F238E27FC236}">
+                <a16:creationId xmlns:a16="http://schemas.microsoft.com/office/drawing/2014/main" id="{5DFC40A6-4344-46B7-89C4-4E16031C9B39}"/>
               </a:ext>
             </a:extLst>
           </p:cNvPr>
@@ -6417,41 +6466,44 @@
           <a:p>
             <a:r>
               <a:rPr lang="en-US" dirty="0"/>
-              <a:t>Subtracting our estimate of the data looking at trend only</a:t>
-            </a:r>
-          </a:p>
-          <a:p>
-            <a:r>
-              <a:rPr lang="en-US" dirty="0"/>
-              <a:t>But where do we get the trend from?</a:t>
+              <a:t>Subtracting values separated by some constant value</a:t>
+            </a:r>
+          </a:p>
+          <a:p>
+            <a:r>
+              <a:rPr lang="en-US" dirty="0"/>
+              <a:t>If there’s a linear trend, first order differencing will get rid of it!</a:t>
             </a:r>
           </a:p>
           <a:p>
             <a:pPr lvl="1"/>
             <a:r>
               <a:rPr lang="en-US" dirty="0"/>
-              <a:t>We have to estimate it ourselves!</a:t>
+              <a:t>You can do higher orders for quadratic trends, </a:t>
+            </a:r>
+            <a:r>
+              <a:rPr lang="en-US" dirty="0" err="1"/>
+              <a:t>etc</a:t>
+            </a:r>
+            <a:endParaRPr lang="en-US" dirty="0"/>
+          </a:p>
+          <a:p>
+            <a:r>
+              <a:rPr lang="en-US" dirty="0"/>
+              <a:t>Also, used for removing some cyclic effects</a:t>
             </a:r>
           </a:p>
           <a:p>
             <a:pPr lvl="1"/>
             <a:r>
               <a:rPr lang="en-US" dirty="0"/>
-              <a:t>What kind of trend is it? Trends don’t have to be linear!</a:t>
-            </a:r>
-          </a:p>
-          <a:p>
-            <a:pPr lvl="1"/>
-            <a:r>
-              <a:rPr lang="en-US" dirty="0"/>
-              <a:t>Something else that could go wrong…</a:t>
-            </a:r>
-          </a:p>
-          <a:p>
-            <a:pPr lvl="1"/>
-            <a:r>
-              <a:rPr lang="en-US" dirty="0"/>
-              <a:t>Can we do better?</a:t>
+              <a:t>Weekly cycle? Difference by 7!</a:t>
+            </a:r>
+          </a:p>
+          <a:p>
+            <a:r>
+              <a:rPr lang="en-US" dirty="0"/>
+              <a:t>Can do many of these at once</a:t>
             </a:r>
           </a:p>
         </p:txBody>
@@ -6461,7 +6513,7 @@
           <p:cNvPr id="4" name="Date Placeholder 3">
             <a:extLst>
               <a:ext uri="{FF2B5EF4-FFF2-40B4-BE49-F238E27FC236}">
-                <a16:creationId xmlns:a16="http://schemas.microsoft.com/office/drawing/2014/main" id="{540F37F1-4F33-429F-A568-1A3ADC499E54}"/>
+                <a16:creationId xmlns:a16="http://schemas.microsoft.com/office/drawing/2014/main" id="{ADEE79BB-4734-4439-A76F-2976CABC29C1}"/>
               </a:ext>
             </a:extLst>
           </p:cNvPr>
@@ -6477,9 +6529,9 @@
           <a:bodyPr/>
           <a:lstStyle/>
           <a:p>
-            <a:fld id="{B08FEED8-D7D4-44E9-BFBC-ED06B5996D94}" type="datetime4">
+            <a:fld id="{8AAE40A0-A7D8-4DC3-BC9E-BADA32DA2004}" type="datetime4">
               <a:rPr lang="en-US" smtClean="0"/>
-              <a:t>July 29, 2019</a:t>
+              <a:t>July 30, 2019</a:t>
             </a:fld>
             <a:endParaRPr lang="en-US" dirty="0"/>
           </a:p>
@@ -6490,7 +6542,7 @@
           <p:cNvPr id="5" name="Footer Placeholder 4">
             <a:extLst>
               <a:ext uri="{FF2B5EF4-FFF2-40B4-BE49-F238E27FC236}">
-                <a16:creationId xmlns:a16="http://schemas.microsoft.com/office/drawing/2014/main" id="{673FFA57-C126-4795-A5F6-DD33AAC5ACBD}"/>
+                <a16:creationId xmlns:a16="http://schemas.microsoft.com/office/drawing/2014/main" id="{14093F74-35B5-4B3E-BE77-B47F35290D05}"/>
               </a:ext>
             </a:extLst>
           </p:cNvPr>
@@ -6547,7 +6599,7 @@
           <p:cNvPr id="6" name="Slide Number Placeholder 5">
             <a:extLst>
               <a:ext uri="{FF2B5EF4-FFF2-40B4-BE49-F238E27FC236}">
-                <a16:creationId xmlns:a16="http://schemas.microsoft.com/office/drawing/2014/main" id="{2FA49567-BB70-4798-8746-D0B522CCEE20}"/>
+                <a16:creationId xmlns:a16="http://schemas.microsoft.com/office/drawing/2014/main" id="{76F6E8AA-9A3E-467A-A16A-CED9E58CFA80}"/>
               </a:ext>
             </a:extLst>
           </p:cNvPr>
@@ -6574,7 +6626,7 @@
     </p:spTree>
     <p:extLst>
       <p:ext uri="{BB962C8B-B14F-4D97-AF65-F5344CB8AC3E}">
-        <p14:creationId xmlns:p14="http://schemas.microsoft.com/office/powerpoint/2010/main" val="2882473015"/>
+        <p14:creationId xmlns:p14="http://schemas.microsoft.com/office/powerpoint/2010/main" val="3805551099"/>
       </p:ext>
     </p:extLst>
   </p:cSld>
@@ -6624,72 +6676,15 @@
           <a:p>
             <a:r>
               <a:rPr lang="en-US" dirty="0"/>
-              <a:t>DIFFERENCING</a:t>
-            </a:r>
-          </a:p>
-        </p:txBody>
-      </p:sp>
-      <p:sp>
-        <p:nvSpPr>
-          <p:cNvPr id="3" name="Content Placeholder 2">
-            <a:extLst>
-              <a:ext uri="{FF2B5EF4-FFF2-40B4-BE49-F238E27FC236}">
-                <a16:creationId xmlns:a16="http://schemas.microsoft.com/office/drawing/2014/main" id="{5DFC40A6-4344-46B7-89C4-4E16031C9B39}"/>
-              </a:ext>
-            </a:extLst>
-          </p:cNvPr>
-          <p:cNvSpPr>
-            <a:spLocks noGrp="1"/>
-          </p:cNvSpPr>
-          <p:nvPr>
-            <p:ph idx="1"/>
-          </p:nvPr>
-        </p:nvSpPr>
-        <p:spPr/>
-        <p:txBody>
-          <a:bodyPr/>
-          <a:lstStyle/>
-          <a:p>
-            <a:r>
-              <a:rPr lang="en-US" dirty="0"/>
-              <a:t>Subtracting values separated by some constant value</a:t>
-            </a:r>
-          </a:p>
-          <a:p>
-            <a:r>
-              <a:rPr lang="en-US" dirty="0"/>
-              <a:t>If there’s a linear trend, first order differencing will get rid of it!</a:t>
-            </a:r>
-          </a:p>
-          <a:p>
-            <a:pPr lvl="1"/>
-            <a:r>
-              <a:rPr lang="en-US" dirty="0"/>
-              <a:t>You can do higher orders for quadratic trends, </a:t>
-            </a:r>
-            <a:r>
-              <a:rPr lang="en-US" dirty="0" err="1"/>
-              <a:t>etc</a:t>
-            </a:r>
-            <a:endParaRPr lang="en-US" dirty="0"/>
-          </a:p>
-          <a:p>
-            <a:r>
-              <a:rPr lang="en-US" dirty="0"/>
-              <a:t>Also, used for removing some cyclic effects</a:t>
-            </a:r>
-          </a:p>
-          <a:p>
-            <a:pPr lvl="1"/>
-            <a:r>
-              <a:rPr lang="en-US" dirty="0"/>
-              <a:t>Weekly cycle? Difference by 7!</a:t>
-            </a:r>
-          </a:p>
-          <a:p>
-            <a:r>
-              <a:rPr lang="en-US" dirty="0"/>
-              <a:t>Can do many of these at once</a:t>
+              <a:t>DIFFERENCING EXAMPLE: 1</a:t>
+            </a:r>
+            <a:r>
+              <a:rPr lang="en-US" baseline="30000" dirty="0"/>
+              <a:t>st</a:t>
+            </a:r>
+            <a:r>
+              <a:rPr lang="en-US" dirty="0"/>
+              <a:t> ORDER</a:t>
             </a:r>
           </a:p>
         </p:txBody>
@@ -6717,7 +6712,7 @@
           <a:p>
             <a:fld id="{8AAE40A0-A7D8-4DC3-BC9E-BADA32DA2004}" type="datetime4">
               <a:rPr lang="en-US" smtClean="0"/>
-              <a:t>July 29, 2019</a:t>
+              <a:t>July 30, 2019</a:t>
             </a:fld>
             <a:endParaRPr lang="en-US" dirty="0"/>
           </a:p>
@@ -6804,187 +6799,6 @@
             <a:fld id="{D57F1E4F-1CFF-5643-939E-02111984F565}" type="slidenum">
               <a:rPr lang="en-US" smtClean="0"/>
               <a:t>22</a:t>
-            </a:fld>
-            <a:endParaRPr lang="en-US" dirty="0"/>
-          </a:p>
-        </p:txBody>
-      </p:sp>
-    </p:spTree>
-    <p:extLst>
-      <p:ext uri="{BB962C8B-B14F-4D97-AF65-F5344CB8AC3E}">
-        <p14:creationId xmlns:p14="http://schemas.microsoft.com/office/powerpoint/2010/main" val="3805551099"/>
-      </p:ext>
-    </p:extLst>
-  </p:cSld>
-  <p:clrMapOvr>
-    <a:masterClrMapping/>
-  </p:clrMapOvr>
-</p:sld>
-</file>
-
-<file path=ppt/slides/slide23.xml><?xml version="1.0" encoding="utf-8"?>
-<p:sld xmlns:a="http://schemas.openxmlformats.org/drawingml/2006/main" xmlns:r="http://schemas.openxmlformats.org/officeDocument/2006/relationships" xmlns:p="http://schemas.openxmlformats.org/presentationml/2006/main">
-  <p:cSld>
-    <p:spTree>
-      <p:nvGrpSpPr>
-        <p:cNvPr id="1" name=""/>
-        <p:cNvGrpSpPr/>
-        <p:nvPr/>
-      </p:nvGrpSpPr>
-      <p:grpSpPr>
-        <a:xfrm>
-          <a:off x="0" y="0"/>
-          <a:ext cx="0" cy="0"/>
-          <a:chOff x="0" y="0"/>
-          <a:chExt cx="0" cy="0"/>
-        </a:xfrm>
-      </p:grpSpPr>
-      <p:sp>
-        <p:nvSpPr>
-          <p:cNvPr id="2" name="Title 1">
-            <a:extLst>
-              <a:ext uri="{FF2B5EF4-FFF2-40B4-BE49-F238E27FC236}">
-                <a16:creationId xmlns:a16="http://schemas.microsoft.com/office/drawing/2014/main" id="{A694862C-8B28-4EF5-9C6F-0187B05C2B03}"/>
-              </a:ext>
-            </a:extLst>
-          </p:cNvPr>
-          <p:cNvSpPr>
-            <a:spLocks noGrp="1"/>
-          </p:cNvSpPr>
-          <p:nvPr>
-            <p:ph type="title"/>
-          </p:nvPr>
-        </p:nvSpPr>
-        <p:spPr/>
-        <p:txBody>
-          <a:bodyPr/>
-          <a:lstStyle/>
-          <a:p>
-            <a:r>
-              <a:rPr lang="en-US" dirty="0"/>
-              <a:t>DIFFERENCING EXAMPLE: 1</a:t>
-            </a:r>
-            <a:r>
-              <a:rPr lang="en-US" baseline="30000" dirty="0"/>
-              <a:t>st</a:t>
-            </a:r>
-            <a:r>
-              <a:rPr lang="en-US" dirty="0"/>
-              <a:t> ORDER</a:t>
-            </a:r>
-          </a:p>
-        </p:txBody>
-      </p:sp>
-      <p:sp>
-        <p:nvSpPr>
-          <p:cNvPr id="4" name="Date Placeholder 3">
-            <a:extLst>
-              <a:ext uri="{FF2B5EF4-FFF2-40B4-BE49-F238E27FC236}">
-                <a16:creationId xmlns:a16="http://schemas.microsoft.com/office/drawing/2014/main" id="{ADEE79BB-4734-4439-A76F-2976CABC29C1}"/>
-              </a:ext>
-            </a:extLst>
-          </p:cNvPr>
-          <p:cNvSpPr>
-            <a:spLocks noGrp="1"/>
-          </p:cNvSpPr>
-          <p:nvPr>
-            <p:ph type="dt" sz="half" idx="10"/>
-          </p:nvPr>
-        </p:nvSpPr>
-        <p:spPr/>
-        <p:txBody>
-          <a:bodyPr/>
-          <a:lstStyle/>
-          <a:p>
-            <a:fld id="{8AAE40A0-A7D8-4DC3-BC9E-BADA32DA2004}" type="datetime4">
-              <a:rPr lang="en-US" smtClean="0"/>
-              <a:t>July 29, 2019</a:t>
-            </a:fld>
-            <a:endParaRPr lang="en-US" dirty="0"/>
-          </a:p>
-        </p:txBody>
-      </p:sp>
-      <p:sp>
-        <p:nvSpPr>
-          <p:cNvPr id="5" name="Footer Placeholder 4">
-            <a:extLst>
-              <a:ext uri="{FF2B5EF4-FFF2-40B4-BE49-F238E27FC236}">
-                <a16:creationId xmlns:a16="http://schemas.microsoft.com/office/drawing/2014/main" id="{14093F74-35B5-4B3E-BE77-B47F35290D05}"/>
-              </a:ext>
-            </a:extLst>
-          </p:cNvPr>
-          <p:cNvSpPr>
-            <a:spLocks noGrp="1"/>
-          </p:cNvSpPr>
-          <p:nvPr>
-            <p:ph type="ftr" sz="quarter" idx="11"/>
-          </p:nvPr>
-        </p:nvSpPr>
-        <p:spPr/>
-        <p:txBody>
-          <a:bodyPr/>
-          <a:lstStyle/>
-          <a:p>
-            <a:r>
-              <a:rPr lang="en-US"/>
-              <a:t>Digital Scholarship Services </a:t>
-            </a:r>
-            <a:r>
-              <a:rPr lang="en-US">
-                <a:solidFill>
-                  <a:schemeClr val="accent1">
-                    <a:lumMod val="50000"/>
-                  </a:schemeClr>
-                </a:solidFill>
-              </a:rPr>
-              <a:t>| Email</a:t>
-            </a:r>
-            <a:r>
-              <a:rPr lang="en-US"/>
-              <a:t> cf24@rice.edu </a:t>
-            </a:r>
-            <a:r>
-              <a:rPr lang="en-US">
-                <a:solidFill>
-                  <a:schemeClr val="accent1">
-                    <a:lumMod val="50000"/>
-                  </a:schemeClr>
-                </a:solidFill>
-              </a:rPr>
-              <a:t>|</a:t>
-            </a:r>
-            <a:r>
-              <a:rPr lang="en-US"/>
-              <a:t> library.rice.edu/dss</a:t>
-            </a:r>
-            <a:endParaRPr lang="en-US" dirty="0"/>
-          </a:p>
-        </p:txBody>
-      </p:sp>
-      <p:sp>
-        <p:nvSpPr>
-          <p:cNvPr id="6" name="Slide Number Placeholder 5">
-            <a:extLst>
-              <a:ext uri="{FF2B5EF4-FFF2-40B4-BE49-F238E27FC236}">
-                <a16:creationId xmlns:a16="http://schemas.microsoft.com/office/drawing/2014/main" id="{76F6E8AA-9A3E-467A-A16A-CED9E58CFA80}"/>
-              </a:ext>
-            </a:extLst>
-          </p:cNvPr>
-          <p:cNvSpPr>
-            <a:spLocks noGrp="1"/>
-          </p:cNvSpPr>
-          <p:nvPr>
-            <p:ph type="sldNum" sz="quarter" idx="12"/>
-          </p:nvPr>
-        </p:nvSpPr>
-        <p:spPr/>
-        <p:txBody>
-          <a:bodyPr/>
-          <a:lstStyle/>
-          <a:p>
-            <a:fld id="{D57F1E4F-1CFF-5643-939E-02111984F565}" type="slidenum">
-              <a:rPr lang="en-US" smtClean="0"/>
-              <a:t>23</a:t>
             </a:fld>
             <a:endParaRPr lang="en-US" dirty="0"/>
           </a:p>
@@ -7063,7 +6877,7 @@
 </p:sld>
 </file>
 
-<file path=ppt/slides/slide24.xml><?xml version="1.0" encoding="utf-8"?>
+<file path=ppt/slides/slide23.xml><?xml version="1.0" encoding="utf-8"?>
 <p:sld xmlns:a="http://schemas.openxmlformats.org/drawingml/2006/main" xmlns:r="http://schemas.openxmlformats.org/officeDocument/2006/relationships" xmlns:p="http://schemas.openxmlformats.org/presentationml/2006/main">
   <p:cSld>
     <p:spTree>
@@ -7139,7 +6953,7 @@
           <a:p>
             <a:fld id="{8AAE40A0-A7D8-4DC3-BC9E-BADA32DA2004}" type="datetime4">
               <a:rPr lang="en-US" smtClean="0"/>
-              <a:t>July 29, 2019</a:t>
+              <a:t>July 30, 2019</a:t>
             </a:fld>
             <a:endParaRPr lang="en-US" dirty="0"/>
           </a:p>
@@ -7225,7 +7039,7 @@
           <a:p>
             <a:fld id="{D57F1E4F-1CFF-5643-939E-02111984F565}" type="slidenum">
               <a:rPr lang="en-US" smtClean="0"/>
-              <a:t>24</a:t>
+              <a:t>23</a:t>
             </a:fld>
             <a:endParaRPr lang="en-US" dirty="0"/>
           </a:p>
@@ -7303,7 +7117,7 @@
 </p:sld>
 </file>
 
-<file path=ppt/slides/slide25.xml><?xml version="1.0" encoding="utf-8"?>
+<file path=ppt/slides/slide24.xml><?xml version="1.0" encoding="utf-8"?>
 <p:sld xmlns:a="http://schemas.openxmlformats.org/drawingml/2006/main" xmlns:r="http://schemas.openxmlformats.org/officeDocument/2006/relationships" xmlns:p="http://schemas.openxmlformats.org/presentationml/2006/main">
   <p:cSld>
     <p:spTree>
@@ -7371,7 +7185,7 @@
           <a:p>
             <a:fld id="{8AAE40A0-A7D8-4DC3-BC9E-BADA32DA2004}" type="datetime4">
               <a:rPr lang="en-US" smtClean="0"/>
-              <a:t>July 29, 2019</a:t>
+              <a:t>July 30, 2019</a:t>
             </a:fld>
             <a:endParaRPr lang="en-US" dirty="0"/>
           </a:p>
@@ -7457,7 +7271,7 @@
           <a:p>
             <a:fld id="{D57F1E4F-1CFF-5643-939E-02111984F565}" type="slidenum">
               <a:rPr lang="en-US" smtClean="0"/>
-              <a:t>25</a:t>
+              <a:t>24</a:t>
             </a:fld>
             <a:endParaRPr lang="en-US" dirty="0"/>
           </a:p>
@@ -7535,6 +7349,226 @@
 </p:sld>
 </file>
 
+<file path=ppt/slides/slide25.xml><?xml version="1.0" encoding="utf-8"?>
+<p:sld xmlns:a="http://schemas.openxmlformats.org/drawingml/2006/main" xmlns:r="http://schemas.openxmlformats.org/officeDocument/2006/relationships" xmlns:p="http://schemas.openxmlformats.org/presentationml/2006/main">
+  <p:cSld>
+    <p:spTree>
+      <p:nvGrpSpPr>
+        <p:cNvPr id="1" name=""/>
+        <p:cNvGrpSpPr/>
+        <p:nvPr/>
+      </p:nvGrpSpPr>
+      <p:grpSpPr>
+        <a:xfrm>
+          <a:off x="0" y="0"/>
+          <a:ext cx="0" cy="0"/>
+          <a:chOff x="0" y="0"/>
+          <a:chExt cx="0" cy="0"/>
+        </a:xfrm>
+      </p:grpSpPr>
+      <p:sp>
+        <p:nvSpPr>
+          <p:cNvPr id="2" name="Title 1">
+            <a:extLst>
+              <a:ext uri="{FF2B5EF4-FFF2-40B4-BE49-F238E27FC236}">
+                <a16:creationId xmlns:a16="http://schemas.microsoft.com/office/drawing/2014/main" id="{84FE5820-4288-4CB6-888A-5CBF5468888C}"/>
+              </a:ext>
+            </a:extLst>
+          </p:cNvPr>
+          <p:cNvSpPr>
+            <a:spLocks noGrp="1"/>
+          </p:cNvSpPr>
+          <p:nvPr>
+            <p:ph type="title"/>
+          </p:nvPr>
+        </p:nvSpPr>
+        <p:spPr/>
+        <p:txBody>
+          <a:bodyPr/>
+          <a:lstStyle/>
+          <a:p>
+            <a:r>
+              <a:rPr lang="en-US" dirty="0"/>
+              <a:t>LAGGED SCATTERPLOTS</a:t>
+            </a:r>
+          </a:p>
+        </p:txBody>
+      </p:sp>
+      <p:sp>
+        <p:nvSpPr>
+          <p:cNvPr id="3" name="Content Placeholder 2">
+            <a:extLst>
+              <a:ext uri="{FF2B5EF4-FFF2-40B4-BE49-F238E27FC236}">
+                <a16:creationId xmlns:a16="http://schemas.microsoft.com/office/drawing/2014/main" id="{2952943F-FC31-4BE3-AB00-BAB4B12957BE}"/>
+              </a:ext>
+            </a:extLst>
+          </p:cNvPr>
+          <p:cNvSpPr>
+            <a:spLocks noGrp="1"/>
+          </p:cNvSpPr>
+          <p:nvPr>
+            <p:ph idx="1"/>
+          </p:nvPr>
+        </p:nvSpPr>
+        <p:spPr/>
+        <p:txBody>
+          <a:bodyPr/>
+          <a:lstStyle/>
+          <a:p>
+            <a:r>
+              <a:rPr lang="en-US" dirty="0"/>
+              <a:t>How do you know what orders are likely to help?</a:t>
+            </a:r>
+          </a:p>
+          <a:p>
+            <a:r>
+              <a:rPr lang="en-US" dirty="0"/>
+              <a:t>Lagged scatterplots!</a:t>
+            </a:r>
+          </a:p>
+          <a:p>
+            <a:pPr lvl="1"/>
+            <a:r>
+              <a:rPr lang="en-US" dirty="0"/>
+              <a:t>Essentially, plotting one point versus a previous point</a:t>
+            </a:r>
+          </a:p>
+          <a:p>
+            <a:r>
+              <a:rPr lang="en-US" dirty="0"/>
+              <a:t>If there’s an obvious trend (either positive or negative) it’s probably a good idea to try differencing!</a:t>
+            </a:r>
+          </a:p>
+        </p:txBody>
+      </p:sp>
+      <p:sp>
+        <p:nvSpPr>
+          <p:cNvPr id="4" name="Date Placeholder 3">
+            <a:extLst>
+              <a:ext uri="{FF2B5EF4-FFF2-40B4-BE49-F238E27FC236}">
+                <a16:creationId xmlns:a16="http://schemas.microsoft.com/office/drawing/2014/main" id="{F716348B-D7FE-46ED-8C48-CF5A55FF31CF}"/>
+              </a:ext>
+            </a:extLst>
+          </p:cNvPr>
+          <p:cNvSpPr>
+            <a:spLocks noGrp="1"/>
+          </p:cNvSpPr>
+          <p:nvPr>
+            <p:ph type="dt" sz="half" idx="10"/>
+          </p:nvPr>
+        </p:nvSpPr>
+        <p:spPr/>
+        <p:txBody>
+          <a:bodyPr/>
+          <a:lstStyle/>
+          <a:p>
+            <a:fld id="{8AAE40A0-A7D8-4DC3-BC9E-BADA32DA2004}" type="datetime4">
+              <a:rPr lang="en-US" smtClean="0"/>
+              <a:t>July 30, 2019</a:t>
+            </a:fld>
+            <a:endParaRPr lang="en-US" dirty="0"/>
+          </a:p>
+        </p:txBody>
+      </p:sp>
+      <p:sp>
+        <p:nvSpPr>
+          <p:cNvPr id="5" name="Footer Placeholder 4">
+            <a:extLst>
+              <a:ext uri="{FF2B5EF4-FFF2-40B4-BE49-F238E27FC236}">
+                <a16:creationId xmlns:a16="http://schemas.microsoft.com/office/drawing/2014/main" id="{34059279-A1E7-4F19-B4BF-8C6B59A4CEFF}"/>
+              </a:ext>
+            </a:extLst>
+          </p:cNvPr>
+          <p:cNvSpPr>
+            <a:spLocks noGrp="1"/>
+          </p:cNvSpPr>
+          <p:nvPr>
+            <p:ph type="ftr" sz="quarter" idx="11"/>
+          </p:nvPr>
+        </p:nvSpPr>
+        <p:spPr/>
+        <p:txBody>
+          <a:bodyPr/>
+          <a:lstStyle/>
+          <a:p>
+            <a:r>
+              <a:rPr lang="en-US"/>
+              <a:t>Digital Scholarship Services </a:t>
+            </a:r>
+            <a:r>
+              <a:rPr lang="en-US">
+                <a:solidFill>
+                  <a:schemeClr val="accent1">
+                    <a:lumMod val="50000"/>
+                  </a:schemeClr>
+                </a:solidFill>
+              </a:rPr>
+              <a:t>| Email</a:t>
+            </a:r>
+            <a:r>
+              <a:rPr lang="en-US"/>
+              <a:t> cf24@rice.edu </a:t>
+            </a:r>
+            <a:r>
+              <a:rPr lang="en-US">
+                <a:solidFill>
+                  <a:schemeClr val="accent1">
+                    <a:lumMod val="50000"/>
+                  </a:schemeClr>
+                </a:solidFill>
+              </a:rPr>
+              <a:t>|</a:t>
+            </a:r>
+            <a:r>
+              <a:rPr lang="en-US"/>
+              <a:t> library.rice.edu/dss</a:t>
+            </a:r>
+            <a:endParaRPr lang="en-US" dirty="0"/>
+          </a:p>
+        </p:txBody>
+      </p:sp>
+      <p:sp>
+        <p:nvSpPr>
+          <p:cNvPr id="6" name="Slide Number Placeholder 5">
+            <a:extLst>
+              <a:ext uri="{FF2B5EF4-FFF2-40B4-BE49-F238E27FC236}">
+                <a16:creationId xmlns:a16="http://schemas.microsoft.com/office/drawing/2014/main" id="{DE722C41-7366-4DE2-9AF4-E75E189A7733}"/>
+              </a:ext>
+            </a:extLst>
+          </p:cNvPr>
+          <p:cNvSpPr>
+            <a:spLocks noGrp="1"/>
+          </p:cNvSpPr>
+          <p:nvPr>
+            <p:ph type="sldNum" sz="quarter" idx="12"/>
+          </p:nvPr>
+        </p:nvSpPr>
+        <p:spPr/>
+        <p:txBody>
+          <a:bodyPr/>
+          <a:lstStyle/>
+          <a:p>
+            <a:fld id="{D57F1E4F-1CFF-5643-939E-02111984F565}" type="slidenum">
+              <a:rPr lang="en-US" smtClean="0"/>
+              <a:t>25</a:t>
+            </a:fld>
+            <a:endParaRPr lang="en-US" dirty="0"/>
+          </a:p>
+        </p:txBody>
+      </p:sp>
+    </p:spTree>
+    <p:extLst>
+      <p:ext uri="{BB962C8B-B14F-4D97-AF65-F5344CB8AC3E}">
+        <p14:creationId xmlns:p14="http://schemas.microsoft.com/office/powerpoint/2010/main" val="2399367561"/>
+      </p:ext>
+    </p:extLst>
+  </p:cSld>
+  <p:clrMapOvr>
+    <a:masterClrMapping/>
+  </p:clrMapOvr>
+</p:sld>
+</file>
+
 <file path=ppt/slides/slide26.xml><?xml version="1.0" encoding="utf-8"?>
 <p:sld xmlns:a="http://schemas.openxmlformats.org/drawingml/2006/main" xmlns:r="http://schemas.openxmlformats.org/officeDocument/2006/relationships" xmlns:p="http://schemas.openxmlformats.org/presentationml/2006/main">
   <p:cSld>
@@ -7575,54 +7609,7 @@
           <a:p>
             <a:r>
               <a:rPr lang="en-US" dirty="0"/>
-              <a:t>LAGGED SCATTERPLOTS</a:t>
-            </a:r>
-          </a:p>
-        </p:txBody>
-      </p:sp>
-      <p:sp>
-        <p:nvSpPr>
-          <p:cNvPr id="3" name="Content Placeholder 2">
-            <a:extLst>
-              <a:ext uri="{FF2B5EF4-FFF2-40B4-BE49-F238E27FC236}">
-                <a16:creationId xmlns:a16="http://schemas.microsoft.com/office/drawing/2014/main" id="{2952943F-FC31-4BE3-AB00-BAB4B12957BE}"/>
-              </a:ext>
-            </a:extLst>
-          </p:cNvPr>
-          <p:cNvSpPr>
-            <a:spLocks noGrp="1"/>
-          </p:cNvSpPr>
-          <p:nvPr>
-            <p:ph idx="1"/>
-          </p:nvPr>
-        </p:nvSpPr>
-        <p:spPr/>
-        <p:txBody>
-          <a:bodyPr/>
-          <a:lstStyle/>
-          <a:p>
-            <a:r>
-              <a:rPr lang="en-US" dirty="0"/>
-              <a:t>How do you know what orders are likely to help?</a:t>
-            </a:r>
-          </a:p>
-          <a:p>
-            <a:r>
-              <a:rPr lang="en-US" dirty="0"/>
-              <a:t>Lagged scatterplots!</a:t>
-            </a:r>
-          </a:p>
-          <a:p>
-            <a:pPr lvl="1"/>
-            <a:r>
-              <a:rPr lang="en-US" dirty="0"/>
-              <a:t>Essentially, plotting one point versus a previous point</a:t>
-            </a:r>
-          </a:p>
-          <a:p>
-            <a:r>
-              <a:rPr lang="en-US" dirty="0"/>
-              <a:t>If there’s an obvious trend (either positive or negative) it’s probably a good idea to try differencing!</a:t>
+              <a:t>LAGGED SCATTERPLOTS EXAMPLE</a:t>
             </a:r>
           </a:p>
         </p:txBody>
@@ -7650,7 +7637,7 @@
           <a:p>
             <a:fld id="{8AAE40A0-A7D8-4DC3-BC9E-BADA32DA2004}" type="datetime4">
               <a:rPr lang="en-US" smtClean="0"/>
-              <a:t>July 29, 2019</a:t>
+              <a:t>July 30, 2019</a:t>
             </a:fld>
             <a:endParaRPr lang="en-US" dirty="0"/>
           </a:p>
@@ -7737,179 +7724,6 @@
             <a:fld id="{D57F1E4F-1CFF-5643-939E-02111984F565}" type="slidenum">
               <a:rPr lang="en-US" smtClean="0"/>
               <a:t>26</a:t>
-            </a:fld>
-            <a:endParaRPr lang="en-US" dirty="0"/>
-          </a:p>
-        </p:txBody>
-      </p:sp>
-    </p:spTree>
-    <p:extLst>
-      <p:ext uri="{BB962C8B-B14F-4D97-AF65-F5344CB8AC3E}">
-        <p14:creationId xmlns:p14="http://schemas.microsoft.com/office/powerpoint/2010/main" val="2399367561"/>
-      </p:ext>
-    </p:extLst>
-  </p:cSld>
-  <p:clrMapOvr>
-    <a:masterClrMapping/>
-  </p:clrMapOvr>
-</p:sld>
-</file>
-
-<file path=ppt/slides/slide27.xml><?xml version="1.0" encoding="utf-8"?>
-<p:sld xmlns:a="http://schemas.openxmlformats.org/drawingml/2006/main" xmlns:r="http://schemas.openxmlformats.org/officeDocument/2006/relationships" xmlns:p="http://schemas.openxmlformats.org/presentationml/2006/main">
-  <p:cSld>
-    <p:spTree>
-      <p:nvGrpSpPr>
-        <p:cNvPr id="1" name=""/>
-        <p:cNvGrpSpPr/>
-        <p:nvPr/>
-      </p:nvGrpSpPr>
-      <p:grpSpPr>
-        <a:xfrm>
-          <a:off x="0" y="0"/>
-          <a:ext cx="0" cy="0"/>
-          <a:chOff x="0" y="0"/>
-          <a:chExt cx="0" cy="0"/>
-        </a:xfrm>
-      </p:grpSpPr>
-      <p:sp>
-        <p:nvSpPr>
-          <p:cNvPr id="2" name="Title 1">
-            <a:extLst>
-              <a:ext uri="{FF2B5EF4-FFF2-40B4-BE49-F238E27FC236}">
-                <a16:creationId xmlns:a16="http://schemas.microsoft.com/office/drawing/2014/main" id="{84FE5820-4288-4CB6-888A-5CBF5468888C}"/>
-              </a:ext>
-            </a:extLst>
-          </p:cNvPr>
-          <p:cNvSpPr>
-            <a:spLocks noGrp="1"/>
-          </p:cNvSpPr>
-          <p:nvPr>
-            <p:ph type="title"/>
-          </p:nvPr>
-        </p:nvSpPr>
-        <p:spPr/>
-        <p:txBody>
-          <a:bodyPr/>
-          <a:lstStyle/>
-          <a:p>
-            <a:r>
-              <a:rPr lang="en-US" dirty="0"/>
-              <a:t>LAGGED SCATTERPLOTS EXAMPLE</a:t>
-            </a:r>
-          </a:p>
-        </p:txBody>
-      </p:sp>
-      <p:sp>
-        <p:nvSpPr>
-          <p:cNvPr id="4" name="Date Placeholder 3">
-            <a:extLst>
-              <a:ext uri="{FF2B5EF4-FFF2-40B4-BE49-F238E27FC236}">
-                <a16:creationId xmlns:a16="http://schemas.microsoft.com/office/drawing/2014/main" id="{F716348B-D7FE-46ED-8C48-CF5A55FF31CF}"/>
-              </a:ext>
-            </a:extLst>
-          </p:cNvPr>
-          <p:cNvSpPr>
-            <a:spLocks noGrp="1"/>
-          </p:cNvSpPr>
-          <p:nvPr>
-            <p:ph type="dt" sz="half" idx="10"/>
-          </p:nvPr>
-        </p:nvSpPr>
-        <p:spPr/>
-        <p:txBody>
-          <a:bodyPr/>
-          <a:lstStyle/>
-          <a:p>
-            <a:fld id="{8AAE40A0-A7D8-4DC3-BC9E-BADA32DA2004}" type="datetime4">
-              <a:rPr lang="en-US" smtClean="0"/>
-              <a:t>July 29, 2019</a:t>
-            </a:fld>
-            <a:endParaRPr lang="en-US" dirty="0"/>
-          </a:p>
-        </p:txBody>
-      </p:sp>
-      <p:sp>
-        <p:nvSpPr>
-          <p:cNvPr id="5" name="Footer Placeholder 4">
-            <a:extLst>
-              <a:ext uri="{FF2B5EF4-FFF2-40B4-BE49-F238E27FC236}">
-                <a16:creationId xmlns:a16="http://schemas.microsoft.com/office/drawing/2014/main" id="{34059279-A1E7-4F19-B4BF-8C6B59A4CEFF}"/>
-              </a:ext>
-            </a:extLst>
-          </p:cNvPr>
-          <p:cNvSpPr>
-            <a:spLocks noGrp="1"/>
-          </p:cNvSpPr>
-          <p:nvPr>
-            <p:ph type="ftr" sz="quarter" idx="11"/>
-          </p:nvPr>
-        </p:nvSpPr>
-        <p:spPr/>
-        <p:txBody>
-          <a:bodyPr/>
-          <a:lstStyle/>
-          <a:p>
-            <a:r>
-              <a:rPr lang="en-US"/>
-              <a:t>Digital Scholarship Services </a:t>
-            </a:r>
-            <a:r>
-              <a:rPr lang="en-US">
-                <a:solidFill>
-                  <a:schemeClr val="accent1">
-                    <a:lumMod val="50000"/>
-                  </a:schemeClr>
-                </a:solidFill>
-              </a:rPr>
-              <a:t>| Email</a:t>
-            </a:r>
-            <a:r>
-              <a:rPr lang="en-US"/>
-              <a:t> cf24@rice.edu </a:t>
-            </a:r>
-            <a:r>
-              <a:rPr lang="en-US">
-                <a:solidFill>
-                  <a:schemeClr val="accent1">
-                    <a:lumMod val="50000"/>
-                  </a:schemeClr>
-                </a:solidFill>
-              </a:rPr>
-              <a:t>|</a:t>
-            </a:r>
-            <a:r>
-              <a:rPr lang="en-US"/>
-              <a:t> library.rice.edu/dss</a:t>
-            </a:r>
-            <a:endParaRPr lang="en-US" dirty="0"/>
-          </a:p>
-        </p:txBody>
-      </p:sp>
-      <p:sp>
-        <p:nvSpPr>
-          <p:cNvPr id="6" name="Slide Number Placeholder 5">
-            <a:extLst>
-              <a:ext uri="{FF2B5EF4-FFF2-40B4-BE49-F238E27FC236}">
-                <a16:creationId xmlns:a16="http://schemas.microsoft.com/office/drawing/2014/main" id="{DE722C41-7366-4DE2-9AF4-E75E189A7733}"/>
-              </a:ext>
-            </a:extLst>
-          </p:cNvPr>
-          <p:cNvSpPr>
-            <a:spLocks noGrp="1"/>
-          </p:cNvSpPr>
-          <p:nvPr>
-            <p:ph type="sldNum" sz="quarter" idx="12"/>
-          </p:nvPr>
-        </p:nvSpPr>
-        <p:spPr/>
-        <p:txBody>
-          <a:bodyPr/>
-          <a:lstStyle/>
-          <a:p>
-            <a:fld id="{D57F1E4F-1CFF-5643-939E-02111984F565}" type="slidenum">
-              <a:rPr lang="en-US" smtClean="0"/>
-              <a:t>27</a:t>
             </a:fld>
             <a:endParaRPr lang="en-US" dirty="0"/>
           </a:p>
@@ -8018,7 +7832,7 @@
 </p:sld>
 </file>
 
-<file path=ppt/slides/slide28.xml><?xml version="1.0" encoding="utf-8"?>
+<file path=ppt/slides/slide27.xml><?xml version="1.0" encoding="utf-8"?>
 <p:sld xmlns:a="http://schemas.openxmlformats.org/drawingml/2006/main" xmlns:r="http://schemas.openxmlformats.org/officeDocument/2006/relationships" xmlns:p="http://schemas.openxmlformats.org/presentationml/2006/main">
   <p:cSld>
     <p:spTree>
@@ -8086,7 +7900,7 @@
           <a:p>
             <a:fld id="{8AAE40A0-A7D8-4DC3-BC9E-BADA32DA2004}" type="datetime4">
               <a:rPr lang="en-US" smtClean="0"/>
-              <a:t>July 29, 2019</a:t>
+              <a:t>July 30, 2019</a:t>
             </a:fld>
             <a:endParaRPr lang="en-US" dirty="0"/>
           </a:p>
@@ -8172,7 +7986,7 @@
           <a:p>
             <a:fld id="{D57F1E4F-1CFF-5643-939E-02111984F565}" type="slidenum">
               <a:rPr lang="en-US" smtClean="0"/>
-              <a:t>28</a:t>
+              <a:t>27</a:t>
             </a:fld>
             <a:endParaRPr lang="en-US" dirty="0"/>
           </a:p>
@@ -8278,7 +8092,7 @@
 </p:sld>
 </file>
 
-<file path=ppt/slides/slide29.xml><?xml version="1.0" encoding="utf-8"?>
+<file path=ppt/slides/slide28.xml><?xml version="1.0" encoding="utf-8"?>
 <p:sld xmlns:a="http://schemas.openxmlformats.org/drawingml/2006/main" xmlns:r="http://schemas.openxmlformats.org/officeDocument/2006/relationships" xmlns:p="http://schemas.openxmlformats.org/presentationml/2006/main">
   <p:cSld>
     <p:spTree>
@@ -8346,7 +8160,7 @@
           <a:p>
             <a:fld id="{8AAE40A0-A7D8-4DC3-BC9E-BADA32DA2004}" type="datetime4">
               <a:rPr lang="en-US" smtClean="0"/>
-              <a:t>July 29, 2019</a:t>
+              <a:t>July 30, 2019</a:t>
             </a:fld>
             <a:endParaRPr lang="en-US" dirty="0"/>
           </a:p>
@@ -8432,7 +8246,7 @@
           <a:p>
             <a:fld id="{D57F1E4F-1CFF-5643-939E-02111984F565}" type="slidenum">
               <a:rPr lang="en-US" smtClean="0"/>
-              <a:t>29</a:t>
+              <a:t>28</a:t>
             </a:fld>
             <a:endParaRPr lang="en-US" dirty="0"/>
           </a:p>
@@ -8538,6 +8352,348 @@
 </p:sld>
 </file>
 
+<file path=ppt/slides/slide29.xml><?xml version="1.0" encoding="utf-8"?>
+<p:sld xmlns:a="http://schemas.openxmlformats.org/drawingml/2006/main" xmlns:r="http://schemas.openxmlformats.org/officeDocument/2006/relationships" xmlns:p="http://schemas.openxmlformats.org/presentationml/2006/main">
+  <p:cSld>
+    <p:spTree>
+      <p:nvGrpSpPr>
+        <p:cNvPr id="1" name=""/>
+        <p:cNvGrpSpPr/>
+        <p:nvPr/>
+      </p:nvGrpSpPr>
+      <p:grpSpPr>
+        <a:xfrm>
+          <a:off x="0" y="0"/>
+          <a:ext cx="0" cy="0"/>
+          <a:chOff x="0" y="0"/>
+          <a:chExt cx="0" cy="0"/>
+        </a:xfrm>
+      </p:grpSpPr>
+      <p:sp>
+        <p:nvSpPr>
+          <p:cNvPr id="2" name="Title 1">
+            <a:extLst>
+              <a:ext uri="{FF2B5EF4-FFF2-40B4-BE49-F238E27FC236}">
+                <a16:creationId xmlns:a16="http://schemas.microsoft.com/office/drawing/2014/main" id="{84FE5820-4288-4CB6-888A-5CBF5468888C}"/>
+              </a:ext>
+            </a:extLst>
+          </p:cNvPr>
+          <p:cNvSpPr>
+            <a:spLocks noGrp="1"/>
+          </p:cNvSpPr>
+          <p:nvPr>
+            <p:ph type="title"/>
+          </p:nvPr>
+        </p:nvSpPr>
+        <p:spPr/>
+        <p:txBody>
+          <a:bodyPr/>
+          <a:lstStyle/>
+          <a:p>
+            <a:r>
+              <a:rPr lang="en-US" dirty="0"/>
+              <a:t>HOW DO I KNOW I’M STATIONARY?</a:t>
+            </a:r>
+          </a:p>
+        </p:txBody>
+      </p:sp>
+      <p:sp>
+        <p:nvSpPr>
+          <p:cNvPr id="3" name="Content Placeholder 2">
+            <a:extLst>
+              <a:ext uri="{FF2B5EF4-FFF2-40B4-BE49-F238E27FC236}">
+                <a16:creationId xmlns:a16="http://schemas.microsoft.com/office/drawing/2014/main" id="{682266A5-720C-4201-AB4E-B30CDAF84DA4}"/>
+              </a:ext>
+            </a:extLst>
+          </p:cNvPr>
+          <p:cNvSpPr>
+            <a:spLocks noGrp="1"/>
+          </p:cNvSpPr>
+          <p:nvPr>
+            <p:ph idx="1"/>
+          </p:nvPr>
+        </p:nvSpPr>
+        <p:spPr/>
+        <p:txBody>
+          <a:bodyPr/>
+          <a:lstStyle/>
+          <a:p>
+            <a:r>
+              <a:rPr lang="en-US" dirty="0"/>
+              <a:t>The Augmented Dickey-Fuller test to the rescue!</a:t>
+            </a:r>
+          </a:p>
+          <a:p>
+            <a:pPr lvl="1"/>
+            <a:r>
+              <a:rPr lang="en-US" dirty="0"/>
+              <a:t>The p-value in the output is a measure of how stationary the series is</a:t>
+            </a:r>
+          </a:p>
+          <a:p>
+            <a:pPr lvl="1"/>
+            <a:r>
+              <a:rPr lang="en-US" dirty="0"/>
+              <a:t>If you have less than ~0.5, you’re all set to model!</a:t>
+            </a:r>
+          </a:p>
+          <a:p>
+            <a:r>
+              <a:rPr lang="en-US" dirty="0"/>
+              <a:t>Python</a:t>
+            </a:r>
+          </a:p>
+          <a:p>
+            <a:pPr marL="0" indent="0">
+              <a:buNone/>
+            </a:pPr>
+            <a:r>
+              <a:rPr lang="en-US" dirty="0">
+                <a:latin typeface="Courier New" panose="02070309020205020404" pitchFamily="49" charset="0"/>
+                <a:cs typeface="Courier New" panose="02070309020205020404" pitchFamily="49" charset="0"/>
+              </a:rPr>
+              <a:t>from </a:t>
+            </a:r>
+            <a:r>
+              <a:rPr lang="en-US" dirty="0" err="1">
+                <a:latin typeface="Courier New" panose="02070309020205020404" pitchFamily="49" charset="0"/>
+                <a:cs typeface="Courier New" panose="02070309020205020404" pitchFamily="49" charset="0"/>
+              </a:rPr>
+              <a:t>statsmodels.tsa.stattools</a:t>
+            </a:r>
+            <a:r>
+              <a:rPr lang="en-US" dirty="0">
+                <a:latin typeface="Courier New" panose="02070309020205020404" pitchFamily="49" charset="0"/>
+                <a:cs typeface="Courier New" panose="02070309020205020404" pitchFamily="49" charset="0"/>
+              </a:rPr>
+              <a:t> import </a:t>
+            </a:r>
+            <a:r>
+              <a:rPr lang="en-US" dirty="0" err="1">
+                <a:latin typeface="Courier New" panose="02070309020205020404" pitchFamily="49" charset="0"/>
+                <a:cs typeface="Courier New" panose="02070309020205020404" pitchFamily="49" charset="0"/>
+              </a:rPr>
+              <a:t>adfuller</a:t>
+            </a:r>
+            <a:endParaRPr lang="en-US" dirty="0">
+              <a:latin typeface="Courier New" panose="02070309020205020404" pitchFamily="49" charset="0"/>
+              <a:cs typeface="Courier New" panose="02070309020205020404" pitchFamily="49" charset="0"/>
+            </a:endParaRPr>
+          </a:p>
+          <a:p>
+            <a:pPr marL="0" indent="0">
+              <a:buNone/>
+            </a:pPr>
+            <a:r>
+              <a:rPr lang="en-US" dirty="0" err="1">
+                <a:latin typeface="Courier New" panose="02070309020205020404" pitchFamily="49" charset="0"/>
+                <a:cs typeface="Courier New" panose="02070309020205020404" pitchFamily="49" charset="0"/>
+              </a:rPr>
+              <a:t>adfuller</a:t>
+            </a:r>
+            <a:r>
+              <a:rPr lang="en-US" dirty="0">
+                <a:latin typeface="Courier New" panose="02070309020205020404" pitchFamily="49" charset="0"/>
+                <a:cs typeface="Courier New" panose="02070309020205020404" pitchFamily="49" charset="0"/>
+              </a:rPr>
+              <a:t>(</a:t>
+            </a:r>
+            <a:r>
+              <a:rPr lang="en-US" i="1" dirty="0">
+                <a:latin typeface="Courier New" panose="02070309020205020404" pitchFamily="49" charset="0"/>
+                <a:cs typeface="Courier New" panose="02070309020205020404" pitchFamily="49" charset="0"/>
+              </a:rPr>
+              <a:t>Your Time Series</a:t>
+            </a:r>
+            <a:r>
+              <a:rPr lang="en-US" dirty="0">
+                <a:latin typeface="Courier New" panose="02070309020205020404" pitchFamily="49" charset="0"/>
+                <a:cs typeface="Courier New" panose="02070309020205020404" pitchFamily="49" charset="0"/>
+              </a:rPr>
+              <a:t>)</a:t>
+            </a:r>
+          </a:p>
+          <a:p>
+            <a:r>
+              <a:rPr lang="en-US" dirty="0"/>
+              <a:t>R</a:t>
+            </a:r>
+          </a:p>
+          <a:p>
+            <a:pPr marL="0" indent="0">
+              <a:buNone/>
+            </a:pPr>
+            <a:r>
+              <a:rPr lang="en-US" dirty="0">
+                <a:latin typeface="Courier New" panose="02070309020205020404" pitchFamily="49" charset="0"/>
+                <a:cs typeface="Courier New" panose="02070309020205020404" pitchFamily="49" charset="0"/>
+              </a:rPr>
+              <a:t>library(</a:t>
+            </a:r>
+            <a:r>
+              <a:rPr lang="en-US" dirty="0" err="1">
+                <a:latin typeface="Courier New" panose="02070309020205020404" pitchFamily="49" charset="0"/>
+                <a:cs typeface="Courier New" panose="02070309020205020404" pitchFamily="49" charset="0"/>
+              </a:rPr>
+              <a:t>tseries</a:t>
+            </a:r>
+            <a:r>
+              <a:rPr lang="en-US" dirty="0">
+                <a:latin typeface="Courier New" panose="02070309020205020404" pitchFamily="49" charset="0"/>
+                <a:cs typeface="Courier New" panose="02070309020205020404" pitchFamily="49" charset="0"/>
+              </a:rPr>
+              <a:t>)</a:t>
+            </a:r>
+          </a:p>
+          <a:p>
+            <a:pPr marL="0" indent="0">
+              <a:buNone/>
+            </a:pPr>
+            <a:r>
+              <a:rPr lang="en-US" dirty="0" err="1">
+                <a:latin typeface="Courier New" panose="02070309020205020404" pitchFamily="49" charset="0"/>
+                <a:cs typeface="Courier New" panose="02070309020205020404" pitchFamily="49" charset="0"/>
+              </a:rPr>
+              <a:t>adf.test</a:t>
+            </a:r>
+            <a:r>
+              <a:rPr lang="en-US" i="1" dirty="0">
+                <a:latin typeface="Courier New" panose="02070309020205020404" pitchFamily="49" charset="0"/>
+                <a:cs typeface="Courier New" panose="02070309020205020404" pitchFamily="49" charset="0"/>
+              </a:rPr>
+              <a:t>(Your Time Series)</a:t>
+            </a:r>
+          </a:p>
+        </p:txBody>
+      </p:sp>
+      <p:sp>
+        <p:nvSpPr>
+          <p:cNvPr id="4" name="Date Placeholder 3">
+            <a:extLst>
+              <a:ext uri="{FF2B5EF4-FFF2-40B4-BE49-F238E27FC236}">
+                <a16:creationId xmlns:a16="http://schemas.microsoft.com/office/drawing/2014/main" id="{F716348B-D7FE-46ED-8C48-CF5A55FF31CF}"/>
+              </a:ext>
+            </a:extLst>
+          </p:cNvPr>
+          <p:cNvSpPr>
+            <a:spLocks noGrp="1"/>
+          </p:cNvSpPr>
+          <p:nvPr>
+            <p:ph type="dt" sz="half" idx="10"/>
+          </p:nvPr>
+        </p:nvSpPr>
+        <p:spPr/>
+        <p:txBody>
+          <a:bodyPr/>
+          <a:lstStyle/>
+          <a:p>
+            <a:fld id="{8AAE40A0-A7D8-4DC3-BC9E-BADA32DA2004}" type="datetime4">
+              <a:rPr lang="en-US" smtClean="0"/>
+              <a:t>July 30, 2019</a:t>
+            </a:fld>
+            <a:endParaRPr lang="en-US" dirty="0"/>
+          </a:p>
+        </p:txBody>
+      </p:sp>
+      <p:sp>
+        <p:nvSpPr>
+          <p:cNvPr id="5" name="Footer Placeholder 4">
+            <a:extLst>
+              <a:ext uri="{FF2B5EF4-FFF2-40B4-BE49-F238E27FC236}">
+                <a16:creationId xmlns:a16="http://schemas.microsoft.com/office/drawing/2014/main" id="{34059279-A1E7-4F19-B4BF-8C6B59A4CEFF}"/>
+              </a:ext>
+            </a:extLst>
+          </p:cNvPr>
+          <p:cNvSpPr>
+            <a:spLocks noGrp="1"/>
+          </p:cNvSpPr>
+          <p:nvPr>
+            <p:ph type="ftr" sz="quarter" idx="11"/>
+          </p:nvPr>
+        </p:nvSpPr>
+        <p:spPr/>
+        <p:txBody>
+          <a:bodyPr/>
+          <a:lstStyle/>
+          <a:p>
+            <a:r>
+              <a:rPr lang="en-US"/>
+              <a:t>Digital Scholarship Services </a:t>
+            </a:r>
+            <a:r>
+              <a:rPr lang="en-US">
+                <a:solidFill>
+                  <a:schemeClr val="accent1">
+                    <a:lumMod val="50000"/>
+                  </a:schemeClr>
+                </a:solidFill>
+              </a:rPr>
+              <a:t>| Email</a:t>
+            </a:r>
+            <a:r>
+              <a:rPr lang="en-US"/>
+              <a:t> cf24@rice.edu </a:t>
+            </a:r>
+            <a:r>
+              <a:rPr lang="en-US">
+                <a:solidFill>
+                  <a:schemeClr val="accent1">
+                    <a:lumMod val="50000"/>
+                  </a:schemeClr>
+                </a:solidFill>
+              </a:rPr>
+              <a:t>|</a:t>
+            </a:r>
+            <a:r>
+              <a:rPr lang="en-US"/>
+              <a:t> library.rice.edu/dss</a:t>
+            </a:r>
+            <a:endParaRPr lang="en-US" dirty="0"/>
+          </a:p>
+        </p:txBody>
+      </p:sp>
+      <p:sp>
+        <p:nvSpPr>
+          <p:cNvPr id="6" name="Slide Number Placeholder 5">
+            <a:extLst>
+              <a:ext uri="{FF2B5EF4-FFF2-40B4-BE49-F238E27FC236}">
+                <a16:creationId xmlns:a16="http://schemas.microsoft.com/office/drawing/2014/main" id="{DE722C41-7366-4DE2-9AF4-E75E189A7733}"/>
+              </a:ext>
+            </a:extLst>
+          </p:cNvPr>
+          <p:cNvSpPr>
+            <a:spLocks noGrp="1"/>
+          </p:cNvSpPr>
+          <p:nvPr>
+            <p:ph type="sldNum" sz="quarter" idx="12"/>
+          </p:nvPr>
+        </p:nvSpPr>
+        <p:spPr/>
+        <p:txBody>
+          <a:bodyPr/>
+          <a:lstStyle/>
+          <a:p>
+            <a:fld id="{D57F1E4F-1CFF-5643-939E-02111984F565}" type="slidenum">
+              <a:rPr lang="en-US" smtClean="0"/>
+              <a:t>29</a:t>
+            </a:fld>
+            <a:endParaRPr lang="en-US" dirty="0"/>
+          </a:p>
+        </p:txBody>
+      </p:sp>
+    </p:spTree>
+    <p:extLst>
+      <p:ext uri="{BB962C8B-B14F-4D97-AF65-F5344CB8AC3E}">
+        <p14:creationId xmlns:p14="http://schemas.microsoft.com/office/powerpoint/2010/main" val="370582563"/>
+      </p:ext>
+    </p:extLst>
+  </p:cSld>
+  <p:clrMapOvr>
+    <a:masterClrMapping/>
+  </p:clrMapOvr>
+</p:sld>
+</file>
+
 <file path=ppt/slides/slide3.xml><?xml version="1.0" encoding="utf-8"?>
 <p:sld xmlns:a="http://schemas.openxmlformats.org/drawingml/2006/main" xmlns:r="http://schemas.openxmlformats.org/officeDocument/2006/relationships" xmlns:p="http://schemas.openxmlformats.org/presentationml/2006/main">
   <p:cSld>
@@ -8667,7 +8823,7 @@
           <a:p>
             <a:fld id="{8AAE40A0-A7D8-4DC3-BC9E-BADA32DA2004}" type="datetime4">
               <a:rPr lang="en-US" smtClean="0"/>
-              <a:t>July 29, 2019</a:t>
+              <a:t>July 30, 2019</a:t>
             </a:fld>
             <a:endParaRPr lang="en-US" dirty="0"/>
           </a:p>
@@ -8812,7 +8968,7 @@
           <a:p>
             <a:r>
               <a:rPr lang="en-US" dirty="0"/>
-              <a:t>ARIMA MODELS</a:t>
+              <a:t>A FEW NOTES</a:t>
             </a:r>
           </a:p>
         </p:txBody>
@@ -8840,7 +8996,7 @@
           <a:p>
             <a:r>
               <a:rPr lang="en-US" dirty="0"/>
-              <a:t>Interpretable, simple and speedy time series modeling</a:t>
+              <a:t>On modeling, forecasting, evaluating, plus explaining what these plots mean</a:t>
             </a:r>
           </a:p>
         </p:txBody>
@@ -8868,7 +9024,7 @@
           <a:p>
             <a:fld id="{8AAE40A0-A7D8-4DC3-BC9E-BADA32DA2004}" type="datetime4">
               <a:rPr lang="en-US" smtClean="0"/>
-              <a:t>July 29, 2019</a:t>
+              <a:t>July 30, 2019</a:t>
             </a:fld>
             <a:endParaRPr lang="en-US" dirty="0"/>
           </a:p>
@@ -8963,7 +9119,7 @@
     </p:spTree>
     <p:extLst>
       <p:ext uri="{BB962C8B-B14F-4D97-AF65-F5344CB8AC3E}">
-        <p14:creationId xmlns:p14="http://schemas.microsoft.com/office/powerpoint/2010/main" val="107865345"/>
+        <p14:creationId xmlns:p14="http://schemas.microsoft.com/office/powerpoint/2010/main" val="2216775337"/>
       </p:ext>
     </p:extLst>
   </p:cSld>
@@ -8995,7 +9151,7 @@
           <p:cNvPr id="7" name="Title 6">
             <a:extLst>
               <a:ext uri="{FF2B5EF4-FFF2-40B4-BE49-F238E27FC236}">
-                <a16:creationId xmlns:a16="http://schemas.microsoft.com/office/drawing/2014/main" id="{75C0DCD3-95F8-4E1F-BF1A-5FAAB84A40A3}"/>
+                <a16:creationId xmlns:a16="http://schemas.microsoft.com/office/drawing/2014/main" id="{7802FB34-7510-47BC-8952-A1FE9728B0BF}"/>
               </a:ext>
             </a:extLst>
           </p:cNvPr>
@@ -9013,17 +9169,17 @@
           <a:p>
             <a:r>
               <a:rPr lang="en-US" dirty="0"/>
-              <a:t>ARIMA MODELS</a:t>
-            </a:r>
-          </a:p>
-        </p:txBody>
-      </p:sp>
-      <p:sp>
-        <p:nvSpPr>
-          <p:cNvPr id="8" name="Content Placeholder 7">
-            <a:extLst>
-              <a:ext uri="{FF2B5EF4-FFF2-40B4-BE49-F238E27FC236}">
-                <a16:creationId xmlns:a16="http://schemas.microsoft.com/office/drawing/2014/main" id="{52BB1FAB-BB61-4B66-A4EA-A0EABC2B3ECA}"/>
+              <a:t>MY MODELING PHILOSOPHY</a:t>
+            </a:r>
+          </a:p>
+        </p:txBody>
+      </p:sp>
+      <p:sp>
+        <p:nvSpPr>
+          <p:cNvPr id="8" name="Text Placeholder 7">
+            <a:extLst>
+              <a:ext uri="{FF2B5EF4-FFF2-40B4-BE49-F238E27FC236}">
+                <a16:creationId xmlns:a16="http://schemas.microsoft.com/office/drawing/2014/main" id="{FCA70F1A-579E-4144-AE97-14FFC08FF0F5}"/>
               </a:ext>
             </a:extLst>
           </p:cNvPr>
@@ -9041,60 +9197,34 @@
           <a:p>
             <a:r>
               <a:rPr lang="en-US" dirty="0"/>
-              <a:t>Auto-Regressive Integrated Moving Average models</a:t>
-            </a:r>
-          </a:p>
-          <a:p>
-            <a:r>
-              <a:rPr lang="en-US" dirty="0"/>
-              <a:t>Pros:</a:t>
+              <a:t>“All models are wrong, but some are useful” – George Box</a:t>
             </a:r>
           </a:p>
           <a:p>
             <a:pPr lvl="1"/>
             <a:r>
               <a:rPr lang="en-US" dirty="0"/>
-              <a:t>Great at producing flexible models, solid support of periodic behavior and trending</a:t>
+              <a:t>You’ll never get everything right</a:t>
+            </a:r>
+          </a:p>
+          <a:p>
+            <a:r>
+              <a:rPr lang="en-US" dirty="0"/>
+              <a:t>Try a bunch of things and see what works!</a:t>
+            </a:r>
+          </a:p>
+          <a:p>
+            <a:r>
+              <a:rPr lang="en-US" dirty="0"/>
+              <a:t>Interpretability matters</a:t>
             </a:r>
           </a:p>
           <a:p>
             <a:pPr lvl="1"/>
             <a:r>
               <a:rPr lang="en-US" dirty="0"/>
-              <a:t>Parameters are fairly easy to interpret</a:t>
-            </a:r>
-          </a:p>
-          <a:p>
-            <a:pPr lvl="1"/>
-            <a:r>
-              <a:rPr lang="en-US" dirty="0"/>
-              <a:t>Widely used and mathematically well-understood</a:t>
-            </a:r>
-          </a:p>
-          <a:p>
-            <a:r>
-              <a:rPr lang="en-US" dirty="0"/>
-              <a:t>Cons:</a:t>
-            </a:r>
-          </a:p>
-          <a:p>
-            <a:pPr lvl="1"/>
-            <a:r>
-              <a:rPr lang="en-US" dirty="0"/>
-              <a:t>Bit of a pain to figure out the right parameters</a:t>
-            </a:r>
-          </a:p>
-          <a:p>
-            <a:pPr lvl="1"/>
-            <a:r>
-              <a:rPr lang="en-US" dirty="0"/>
-              <a:t>Not great at dealing with holidays, </a:t>
-            </a:r>
-            <a:r>
-              <a:rPr lang="en-US" dirty="0" err="1"/>
-              <a:t>etc</a:t>
-            </a:r>
-            <a:endParaRPr lang="en-US" dirty="0"/>
+              <a:t>If we can predict well but we have absolutely no idea why, is the model really what we want?</a:t>
+            </a:r>
           </a:p>
         </p:txBody>
       </p:sp>
@@ -9103,7 +9233,7 @@
           <p:cNvPr id="4" name="Date Placeholder 3">
             <a:extLst>
               <a:ext uri="{FF2B5EF4-FFF2-40B4-BE49-F238E27FC236}">
-                <a16:creationId xmlns:a16="http://schemas.microsoft.com/office/drawing/2014/main" id="{02256D86-7CE0-416E-B2A3-402D20EE9E90}"/>
+                <a16:creationId xmlns:a16="http://schemas.microsoft.com/office/drawing/2014/main" id="{3AD929EF-0967-4B34-81B8-24D9EF91892E}"/>
               </a:ext>
             </a:extLst>
           </p:cNvPr>
@@ -9119,9 +9249,9 @@
           <a:bodyPr/>
           <a:lstStyle/>
           <a:p>
-            <a:fld id="{B08FEED8-D7D4-44E9-BFBC-ED06B5996D94}" type="datetime4">
+            <a:fld id="{8AAE40A0-A7D8-4DC3-BC9E-BADA32DA2004}" type="datetime4">
               <a:rPr lang="en-US" smtClean="0"/>
-              <a:t>July 29, 2019</a:t>
+              <a:t>July 30, 2019</a:t>
             </a:fld>
             <a:endParaRPr lang="en-US" dirty="0"/>
           </a:p>
@@ -9132,7 +9262,7 @@
           <p:cNvPr id="5" name="Footer Placeholder 4">
             <a:extLst>
               <a:ext uri="{FF2B5EF4-FFF2-40B4-BE49-F238E27FC236}">
-                <a16:creationId xmlns:a16="http://schemas.microsoft.com/office/drawing/2014/main" id="{1D4ED112-7CF4-4BB9-B46E-B366A5054A9A}"/>
+                <a16:creationId xmlns:a16="http://schemas.microsoft.com/office/drawing/2014/main" id="{3B5B35DD-F2EA-40D3-8039-8CD3802B2612}"/>
               </a:ext>
             </a:extLst>
           </p:cNvPr>
@@ -9189,7 +9319,7 @@
           <p:cNvPr id="6" name="Slide Number Placeholder 5">
             <a:extLst>
               <a:ext uri="{FF2B5EF4-FFF2-40B4-BE49-F238E27FC236}">
-                <a16:creationId xmlns:a16="http://schemas.microsoft.com/office/drawing/2014/main" id="{8CC75551-85BF-4C9F-8893-AA28ECA8A6B5}"/>
+                <a16:creationId xmlns:a16="http://schemas.microsoft.com/office/drawing/2014/main" id="{C3EB9A57-323C-47F5-867F-693F95A15FA4}"/>
               </a:ext>
             </a:extLst>
           </p:cNvPr>
@@ -9216,7 +9346,7 @@
     </p:spTree>
     <p:extLst>
       <p:ext uri="{BB962C8B-B14F-4D97-AF65-F5344CB8AC3E}">
-        <p14:creationId xmlns:p14="http://schemas.microsoft.com/office/powerpoint/2010/main" val="1065550565"/>
+        <p14:creationId xmlns:p14="http://schemas.microsoft.com/office/powerpoint/2010/main" val="4206747093"/>
       </p:ext>
     </p:extLst>
   </p:cSld>
@@ -9248,7 +9378,7 @@
           <p:cNvPr id="7" name="Title 6">
             <a:extLst>
               <a:ext uri="{FF2B5EF4-FFF2-40B4-BE49-F238E27FC236}">
-                <a16:creationId xmlns:a16="http://schemas.microsoft.com/office/drawing/2014/main" id="{75C0DCD3-95F8-4E1F-BF1A-5FAAB84A40A3}"/>
+                <a16:creationId xmlns:a16="http://schemas.microsoft.com/office/drawing/2014/main" id="{7802FB34-7510-47BC-8952-A1FE9728B0BF}"/>
               </a:ext>
             </a:extLst>
           </p:cNvPr>
@@ -9266,17 +9396,17 @@
           <a:p>
             <a:r>
               <a:rPr lang="en-US" dirty="0"/>
-              <a:t>AUTOREGRESSIVE</a:t>
-            </a:r>
-          </a:p>
-        </p:txBody>
-      </p:sp>
-      <p:sp>
-        <p:nvSpPr>
-          <p:cNvPr id="8" name="Content Placeholder 7">
-            <a:extLst>
-              <a:ext uri="{FF2B5EF4-FFF2-40B4-BE49-F238E27FC236}">
-                <a16:creationId xmlns:a16="http://schemas.microsoft.com/office/drawing/2014/main" id="{52BB1FAB-BB61-4B66-A4EA-A0EABC2B3ECA}"/>
+              <a:t>MODELING FOR FORECASTING</a:t>
+            </a:r>
+          </a:p>
+        </p:txBody>
+      </p:sp>
+      <p:sp>
+        <p:nvSpPr>
+          <p:cNvPr id="8" name="Text Placeholder 7">
+            <a:extLst>
+              <a:ext uri="{FF2B5EF4-FFF2-40B4-BE49-F238E27FC236}">
+                <a16:creationId xmlns:a16="http://schemas.microsoft.com/office/drawing/2014/main" id="{FCA70F1A-579E-4144-AE97-14FFC08FF0F5}"/>
               </a:ext>
             </a:extLst>
           </p:cNvPr>
@@ -9292,7 +9422,35 @@
           <a:bodyPr/>
           <a:lstStyle/>
           <a:p>
-            <a:endParaRPr lang="en-US"/>
+            <a:r>
+              <a:rPr lang="en-US" dirty="0"/>
+              <a:t>If we use all our data to model, and then “forecast” based on that, we’re cheating!</a:t>
+            </a:r>
+          </a:p>
+          <a:p>
+            <a:pPr lvl="1"/>
+            <a:r>
+              <a:rPr lang="en-US" dirty="0"/>
+              <a:t>A model could just memorize what we put in and get a perfect score</a:t>
+            </a:r>
+          </a:p>
+          <a:p>
+            <a:r>
+              <a:rPr lang="en-US" dirty="0"/>
+              <a:t>The real test of a model is its ability to forecast on unknown data</a:t>
+            </a:r>
+          </a:p>
+          <a:p>
+            <a:r>
+              <a:rPr lang="en-US" dirty="0"/>
+              <a:t>Solution: choose a point (usually ~70% of the way through the data set) and split the data into two chunks: before and after</a:t>
+            </a:r>
+          </a:p>
+          <a:p>
+            <a:r>
+              <a:rPr lang="en-US" dirty="0"/>
+              <a:t>Model with the first chunk, and check forecasting ability on the second chunk</a:t>
+            </a:r>
           </a:p>
         </p:txBody>
       </p:sp>
@@ -9301,7 +9459,7 @@
           <p:cNvPr id="4" name="Date Placeholder 3">
             <a:extLst>
               <a:ext uri="{FF2B5EF4-FFF2-40B4-BE49-F238E27FC236}">
-                <a16:creationId xmlns:a16="http://schemas.microsoft.com/office/drawing/2014/main" id="{02256D86-7CE0-416E-B2A3-402D20EE9E90}"/>
+                <a16:creationId xmlns:a16="http://schemas.microsoft.com/office/drawing/2014/main" id="{3AD929EF-0967-4B34-81B8-24D9EF91892E}"/>
               </a:ext>
             </a:extLst>
           </p:cNvPr>
@@ -9317,9 +9475,9 @@
           <a:bodyPr/>
           <a:lstStyle/>
           <a:p>
-            <a:fld id="{B08FEED8-D7D4-44E9-BFBC-ED06B5996D94}" type="datetime4">
+            <a:fld id="{8AAE40A0-A7D8-4DC3-BC9E-BADA32DA2004}" type="datetime4">
               <a:rPr lang="en-US" smtClean="0"/>
-              <a:t>July 29, 2019</a:t>
+              <a:t>July 30, 2019</a:t>
             </a:fld>
             <a:endParaRPr lang="en-US" dirty="0"/>
           </a:p>
@@ -9330,7 +9488,7 @@
           <p:cNvPr id="5" name="Footer Placeholder 4">
             <a:extLst>
               <a:ext uri="{FF2B5EF4-FFF2-40B4-BE49-F238E27FC236}">
-                <a16:creationId xmlns:a16="http://schemas.microsoft.com/office/drawing/2014/main" id="{1D4ED112-7CF4-4BB9-B46E-B366A5054A9A}"/>
+                <a16:creationId xmlns:a16="http://schemas.microsoft.com/office/drawing/2014/main" id="{3B5B35DD-F2EA-40D3-8039-8CD3802B2612}"/>
               </a:ext>
             </a:extLst>
           </p:cNvPr>
@@ -9387,7 +9545,7 @@
           <p:cNvPr id="6" name="Slide Number Placeholder 5">
             <a:extLst>
               <a:ext uri="{FF2B5EF4-FFF2-40B4-BE49-F238E27FC236}">
-                <a16:creationId xmlns:a16="http://schemas.microsoft.com/office/drawing/2014/main" id="{8CC75551-85BF-4C9F-8893-AA28ECA8A6B5}"/>
+                <a16:creationId xmlns:a16="http://schemas.microsoft.com/office/drawing/2014/main" id="{C3EB9A57-323C-47F5-867F-693F95A15FA4}"/>
               </a:ext>
             </a:extLst>
           </p:cNvPr>
@@ -9414,7 +9572,7 @@
     </p:spTree>
     <p:extLst>
       <p:ext uri="{BB962C8B-B14F-4D97-AF65-F5344CB8AC3E}">
-        <p14:creationId xmlns:p14="http://schemas.microsoft.com/office/powerpoint/2010/main" val="4066560549"/>
+        <p14:creationId xmlns:p14="http://schemas.microsoft.com/office/powerpoint/2010/main" val="4018457429"/>
       </p:ext>
     </p:extLst>
   </p:cSld>
@@ -9443,10 +9601,10 @@
       </p:grpSpPr>
       <p:sp>
         <p:nvSpPr>
-          <p:cNvPr id="2" name="Title 1">
-            <a:extLst>
-              <a:ext uri="{FF2B5EF4-FFF2-40B4-BE49-F238E27FC236}">
-                <a16:creationId xmlns:a16="http://schemas.microsoft.com/office/drawing/2014/main" id="{D7EACF90-3E7B-4978-AB0C-ED5165419D19}"/>
+          <p:cNvPr id="7" name="Title 6">
+            <a:extLst>
+              <a:ext uri="{FF2B5EF4-FFF2-40B4-BE49-F238E27FC236}">
+                <a16:creationId xmlns:a16="http://schemas.microsoft.com/office/drawing/2014/main" id="{7802FB34-7510-47BC-8952-A1FE9728B0BF}"/>
               </a:ext>
             </a:extLst>
           </p:cNvPr>
@@ -9464,17 +9622,17 @@
           <a:p>
             <a:r>
               <a:rPr lang="en-US" dirty="0"/>
-              <a:t>MOVING AVERAGE</a:t>
-            </a:r>
-          </a:p>
-        </p:txBody>
-      </p:sp>
-      <p:sp>
-        <p:nvSpPr>
-          <p:cNvPr id="3" name="Content Placeholder 2">
-            <a:extLst>
-              <a:ext uri="{FF2B5EF4-FFF2-40B4-BE49-F238E27FC236}">
-                <a16:creationId xmlns:a16="http://schemas.microsoft.com/office/drawing/2014/main" id="{A7CEFEF5-E74A-4EFE-9368-8FD74B059E10}"/>
+              <a:t>EVALUATING MODELS</a:t>
+            </a:r>
+          </a:p>
+        </p:txBody>
+      </p:sp>
+      <p:sp>
+        <p:nvSpPr>
+          <p:cNvPr id="8" name="Text Placeholder 7">
+            <a:extLst>
+              <a:ext uri="{FF2B5EF4-FFF2-40B4-BE49-F238E27FC236}">
+                <a16:creationId xmlns:a16="http://schemas.microsoft.com/office/drawing/2014/main" id="{FCA70F1A-579E-4144-AE97-14FFC08FF0F5}"/>
               </a:ext>
             </a:extLst>
           </p:cNvPr>
@@ -9490,7 +9648,16 @@
           <a:bodyPr/>
           <a:lstStyle/>
           <a:p>
-            <a:endParaRPr lang="en-US"/>
+            <a:r>
+              <a:rPr lang="en-US" dirty="0"/>
+              <a:t>Common statistical measures don’t apply well to time series</a:t>
+            </a:r>
+          </a:p>
+          <a:p>
+            <a:r>
+              <a:rPr lang="en-US" dirty="0"/>
+              <a:t>I’m going to be using mean relative error, which measures how close our predictions are on average to the true value</a:t>
+            </a:r>
           </a:p>
         </p:txBody>
       </p:sp>
@@ -9499,7 +9666,7 @@
           <p:cNvPr id="4" name="Date Placeholder 3">
             <a:extLst>
               <a:ext uri="{FF2B5EF4-FFF2-40B4-BE49-F238E27FC236}">
-                <a16:creationId xmlns:a16="http://schemas.microsoft.com/office/drawing/2014/main" id="{64E0A09F-EC7A-4EF6-AB3A-0DC48B1B7271}"/>
+                <a16:creationId xmlns:a16="http://schemas.microsoft.com/office/drawing/2014/main" id="{3AD929EF-0967-4B34-81B8-24D9EF91892E}"/>
               </a:ext>
             </a:extLst>
           </p:cNvPr>
@@ -9517,7 +9684,7 @@
           <a:p>
             <a:fld id="{8AAE40A0-A7D8-4DC3-BC9E-BADA32DA2004}" type="datetime4">
               <a:rPr lang="en-US" smtClean="0"/>
-              <a:t>July 29, 2019</a:t>
+              <a:t>July 30, 2019</a:t>
             </a:fld>
             <a:endParaRPr lang="en-US" dirty="0"/>
           </a:p>
@@ -9528,7 +9695,7 @@
           <p:cNvPr id="5" name="Footer Placeholder 4">
             <a:extLst>
               <a:ext uri="{FF2B5EF4-FFF2-40B4-BE49-F238E27FC236}">
-                <a16:creationId xmlns:a16="http://schemas.microsoft.com/office/drawing/2014/main" id="{9D8B7F07-2C50-4473-BABC-57C52FDD38D2}"/>
+                <a16:creationId xmlns:a16="http://schemas.microsoft.com/office/drawing/2014/main" id="{3B5B35DD-F2EA-40D3-8039-8CD3802B2612}"/>
               </a:ext>
             </a:extLst>
           </p:cNvPr>
@@ -9585,7 +9752,7 @@
           <p:cNvPr id="6" name="Slide Number Placeholder 5">
             <a:extLst>
               <a:ext uri="{FF2B5EF4-FFF2-40B4-BE49-F238E27FC236}">
-                <a16:creationId xmlns:a16="http://schemas.microsoft.com/office/drawing/2014/main" id="{6BE5E43E-0696-4C60-A72C-BBB5B4448760}"/>
+                <a16:creationId xmlns:a16="http://schemas.microsoft.com/office/drawing/2014/main" id="{C3EB9A57-323C-47F5-867F-693F95A15FA4}"/>
               </a:ext>
             </a:extLst>
           </p:cNvPr>
@@ -9612,7 +9779,7 @@
     </p:spTree>
     <p:extLst>
       <p:ext uri="{BB962C8B-B14F-4D97-AF65-F5344CB8AC3E}">
-        <p14:creationId xmlns:p14="http://schemas.microsoft.com/office/powerpoint/2010/main" val="3521777765"/>
+        <p14:creationId xmlns:p14="http://schemas.microsoft.com/office/powerpoint/2010/main" val="2820365063"/>
       </p:ext>
     </p:extLst>
   </p:cSld>
@@ -9641,10 +9808,10 @@
       </p:grpSpPr>
       <p:sp>
         <p:nvSpPr>
-          <p:cNvPr id="2" name="Title 1">
-            <a:extLst>
-              <a:ext uri="{FF2B5EF4-FFF2-40B4-BE49-F238E27FC236}">
-                <a16:creationId xmlns:a16="http://schemas.microsoft.com/office/drawing/2014/main" id="{84FE5820-4288-4CB6-888A-5CBF5468888C}"/>
+          <p:cNvPr id="7" name="Title 6">
+            <a:extLst>
+              <a:ext uri="{FF2B5EF4-FFF2-40B4-BE49-F238E27FC236}">
+                <a16:creationId xmlns:a16="http://schemas.microsoft.com/office/drawing/2014/main" id="{7802FB34-7510-47BC-8952-A1FE9728B0BF}"/>
               </a:ext>
             </a:extLst>
           </p:cNvPr>
@@ -9655,24 +9822,29 @@
             <p:ph type="title"/>
           </p:nvPr>
         </p:nvSpPr>
-        <p:spPr/>
-        <p:txBody>
-          <a:bodyPr/>
-          <a:lstStyle/>
-          <a:p>
-            <a:r>
-              <a:rPr lang="en-US" dirty="0"/>
-              <a:t>AUTOCORRELATION PLOTS</a:t>
-            </a:r>
-          </a:p>
-        </p:txBody>
-      </p:sp>
-      <p:sp>
-        <p:nvSpPr>
-          <p:cNvPr id="3" name="Content Placeholder 2">
-            <a:extLst>
-              <a:ext uri="{FF2B5EF4-FFF2-40B4-BE49-F238E27FC236}">
-                <a16:creationId xmlns:a16="http://schemas.microsoft.com/office/drawing/2014/main" id="{2952943F-FC31-4BE3-AB00-BAB4B12957BE}"/>
+        <p:spPr>
+          <a:xfrm>
+            <a:off x="2422966" y="365125"/>
+            <a:ext cx="8930833" cy="1325563"/>
+          </a:xfrm>
+        </p:spPr>
+        <p:txBody>
+          <a:bodyPr/>
+          <a:lstStyle/>
+          <a:p>
+            <a:r>
+              <a:rPr lang="en-US" dirty="0"/>
+              <a:t>A SAMPLE FORECAST GRAPH</a:t>
+            </a:r>
+          </a:p>
+        </p:txBody>
+      </p:sp>
+      <p:sp>
+        <p:nvSpPr>
+          <p:cNvPr id="8" name="Text Placeholder 7">
+            <a:extLst>
+              <a:ext uri="{FF2B5EF4-FFF2-40B4-BE49-F238E27FC236}">
+                <a16:creationId xmlns:a16="http://schemas.microsoft.com/office/drawing/2014/main" id="{FCA70F1A-579E-4144-AE97-14FFC08FF0F5}"/>
               </a:ext>
             </a:extLst>
           </p:cNvPr>
@@ -9683,12 +9855,39 @@
             <p:ph idx="1"/>
           </p:nvPr>
         </p:nvSpPr>
-        <p:spPr/>
-        <p:txBody>
-          <a:bodyPr/>
-          <a:lstStyle/>
-          <a:p>
-            <a:endParaRPr lang="en-US" dirty="0"/>
+        <p:spPr>
+          <a:xfrm>
+            <a:off x="838200" y="1825625"/>
+            <a:ext cx="5309681" cy="4351338"/>
+          </a:xfrm>
+        </p:spPr>
+        <p:txBody>
+          <a:bodyPr/>
+          <a:lstStyle/>
+          <a:p>
+            <a:r>
+              <a:rPr lang="en-US" dirty="0"/>
+              <a:t>Vertical blue line: switch from train to test</a:t>
+            </a:r>
+          </a:p>
+          <a:p>
+            <a:r>
+              <a:rPr lang="en-US" dirty="0"/>
+              <a:t>Red: predictions</a:t>
+            </a:r>
+          </a:p>
+          <a:p>
+            <a:r>
+              <a:rPr lang="en-US" dirty="0"/>
+              <a:t>Faint red ribbon: a prediction interval, if applicable</a:t>
+            </a:r>
+          </a:p>
+          <a:p>
+            <a:pPr lvl="1"/>
+            <a:r>
+              <a:rPr lang="en-US" dirty="0"/>
+              <a:t>Basically, “I think it’s probably in here somewhere”</a:t>
+            </a:r>
           </a:p>
         </p:txBody>
       </p:sp>
@@ -9697,7 +9896,7 @@
           <p:cNvPr id="4" name="Date Placeholder 3">
             <a:extLst>
               <a:ext uri="{FF2B5EF4-FFF2-40B4-BE49-F238E27FC236}">
-                <a16:creationId xmlns:a16="http://schemas.microsoft.com/office/drawing/2014/main" id="{F716348B-D7FE-46ED-8C48-CF5A55FF31CF}"/>
+                <a16:creationId xmlns:a16="http://schemas.microsoft.com/office/drawing/2014/main" id="{3AD929EF-0967-4B34-81B8-24D9EF91892E}"/>
               </a:ext>
             </a:extLst>
           </p:cNvPr>
@@ -9715,7 +9914,7 @@
           <a:p>
             <a:fld id="{8AAE40A0-A7D8-4DC3-BC9E-BADA32DA2004}" type="datetime4">
               <a:rPr lang="en-US" smtClean="0"/>
-              <a:t>July 29, 2019</a:t>
+              <a:t>July 30, 2019</a:t>
             </a:fld>
             <a:endParaRPr lang="en-US" dirty="0"/>
           </a:p>
@@ -9726,7 +9925,7 @@
           <p:cNvPr id="5" name="Footer Placeholder 4">
             <a:extLst>
               <a:ext uri="{FF2B5EF4-FFF2-40B4-BE49-F238E27FC236}">
-                <a16:creationId xmlns:a16="http://schemas.microsoft.com/office/drawing/2014/main" id="{34059279-A1E7-4F19-B4BF-8C6B59A4CEFF}"/>
+                <a16:creationId xmlns:a16="http://schemas.microsoft.com/office/drawing/2014/main" id="{3B5B35DD-F2EA-40D3-8039-8CD3802B2612}"/>
               </a:ext>
             </a:extLst>
           </p:cNvPr>
@@ -9783,7 +9982,7 @@
           <p:cNvPr id="6" name="Slide Number Placeholder 5">
             <a:extLst>
               <a:ext uri="{FF2B5EF4-FFF2-40B4-BE49-F238E27FC236}">
-                <a16:creationId xmlns:a16="http://schemas.microsoft.com/office/drawing/2014/main" id="{DE722C41-7366-4DE2-9AF4-E75E189A7733}"/>
+                <a16:creationId xmlns:a16="http://schemas.microsoft.com/office/drawing/2014/main" id="{C3EB9A57-323C-47F5-867F-693F95A15FA4}"/>
               </a:ext>
             </a:extLst>
           </p:cNvPr>
@@ -9810,7 +10009,7 @@
     </p:spTree>
     <p:extLst>
       <p:ext uri="{BB962C8B-B14F-4D97-AF65-F5344CB8AC3E}">
-        <p14:creationId xmlns:p14="http://schemas.microsoft.com/office/powerpoint/2010/main" val="2546350057"/>
+        <p14:creationId xmlns:p14="http://schemas.microsoft.com/office/powerpoint/2010/main" val="1648935316"/>
       </p:ext>
     </p:extLst>
   </p:cSld>
@@ -9839,10 +10038,10 @@
       </p:grpSpPr>
       <p:sp>
         <p:nvSpPr>
-          <p:cNvPr id="2" name="Title 1">
-            <a:extLst>
-              <a:ext uri="{FF2B5EF4-FFF2-40B4-BE49-F238E27FC236}">
-                <a16:creationId xmlns:a16="http://schemas.microsoft.com/office/drawing/2014/main" id="{84FE5820-4288-4CB6-888A-5CBF5468888C}"/>
+          <p:cNvPr id="7" name="Title 6">
+            <a:extLst>
+              <a:ext uri="{FF2B5EF4-FFF2-40B4-BE49-F238E27FC236}">
+                <a16:creationId xmlns:a16="http://schemas.microsoft.com/office/drawing/2014/main" id="{7802FB34-7510-47BC-8952-A1FE9728B0BF}"/>
               </a:ext>
             </a:extLst>
           </p:cNvPr>
@@ -9860,33 +10059,36 @@
           <a:p>
             <a:r>
               <a:rPr lang="en-US" dirty="0"/>
-              <a:t>PARTIAL AUTOCORRELATION PLOTS</a:t>
-            </a:r>
-          </a:p>
-        </p:txBody>
-      </p:sp>
-      <p:sp>
-        <p:nvSpPr>
-          <p:cNvPr id="3" name="Content Placeholder 2">
-            <a:extLst>
-              <a:ext uri="{FF2B5EF4-FFF2-40B4-BE49-F238E27FC236}">
-                <a16:creationId xmlns:a16="http://schemas.microsoft.com/office/drawing/2014/main" id="{2952943F-FC31-4BE3-AB00-BAB4B12957BE}"/>
-              </a:ext>
-            </a:extLst>
-          </p:cNvPr>
-          <p:cNvSpPr>
-            <a:spLocks noGrp="1"/>
-          </p:cNvSpPr>
-          <p:nvPr>
-            <p:ph idx="1"/>
-          </p:nvPr>
-        </p:nvSpPr>
-        <p:spPr/>
-        <p:txBody>
-          <a:bodyPr/>
-          <a:lstStyle/>
-          <a:p>
-            <a:endParaRPr lang="en-US" dirty="0"/>
+              <a:t>ARIMA MODELS</a:t>
+            </a:r>
+          </a:p>
+        </p:txBody>
+      </p:sp>
+      <p:sp>
+        <p:nvSpPr>
+          <p:cNvPr id="8" name="Text Placeholder 7">
+            <a:extLst>
+              <a:ext uri="{FF2B5EF4-FFF2-40B4-BE49-F238E27FC236}">
+                <a16:creationId xmlns:a16="http://schemas.microsoft.com/office/drawing/2014/main" id="{FCA70F1A-579E-4144-AE97-14FFC08FF0F5}"/>
+              </a:ext>
+            </a:extLst>
+          </p:cNvPr>
+          <p:cNvSpPr>
+            <a:spLocks noGrp="1"/>
+          </p:cNvSpPr>
+          <p:nvPr>
+            <p:ph type="body" idx="1"/>
+          </p:nvPr>
+        </p:nvSpPr>
+        <p:spPr/>
+        <p:txBody>
+          <a:bodyPr/>
+          <a:lstStyle/>
+          <a:p>
+            <a:r>
+              <a:rPr lang="en-US" dirty="0"/>
+              <a:t>Interpretable, simple and speedy time series modeling</a:t>
+            </a:r>
           </a:p>
         </p:txBody>
       </p:sp>
@@ -9895,7 +10097,7 @@
           <p:cNvPr id="4" name="Date Placeholder 3">
             <a:extLst>
               <a:ext uri="{FF2B5EF4-FFF2-40B4-BE49-F238E27FC236}">
-                <a16:creationId xmlns:a16="http://schemas.microsoft.com/office/drawing/2014/main" id="{F716348B-D7FE-46ED-8C48-CF5A55FF31CF}"/>
+                <a16:creationId xmlns:a16="http://schemas.microsoft.com/office/drawing/2014/main" id="{3AD929EF-0967-4B34-81B8-24D9EF91892E}"/>
               </a:ext>
             </a:extLst>
           </p:cNvPr>
@@ -9913,7 +10115,7 @@
           <a:p>
             <a:fld id="{8AAE40A0-A7D8-4DC3-BC9E-BADA32DA2004}" type="datetime4">
               <a:rPr lang="en-US" smtClean="0"/>
-              <a:t>July 29, 2019</a:t>
+              <a:t>July 30, 2019</a:t>
             </a:fld>
             <a:endParaRPr lang="en-US" dirty="0"/>
           </a:p>
@@ -9924,7 +10126,7 @@
           <p:cNvPr id="5" name="Footer Placeholder 4">
             <a:extLst>
               <a:ext uri="{FF2B5EF4-FFF2-40B4-BE49-F238E27FC236}">
-                <a16:creationId xmlns:a16="http://schemas.microsoft.com/office/drawing/2014/main" id="{34059279-A1E7-4F19-B4BF-8C6B59A4CEFF}"/>
+                <a16:creationId xmlns:a16="http://schemas.microsoft.com/office/drawing/2014/main" id="{3B5B35DD-F2EA-40D3-8039-8CD3802B2612}"/>
               </a:ext>
             </a:extLst>
           </p:cNvPr>
@@ -9981,7 +10183,7 @@
           <p:cNvPr id="6" name="Slide Number Placeholder 5">
             <a:extLst>
               <a:ext uri="{FF2B5EF4-FFF2-40B4-BE49-F238E27FC236}">
-                <a16:creationId xmlns:a16="http://schemas.microsoft.com/office/drawing/2014/main" id="{DE722C41-7366-4DE2-9AF4-E75E189A7733}"/>
+                <a16:creationId xmlns:a16="http://schemas.microsoft.com/office/drawing/2014/main" id="{C3EB9A57-323C-47F5-867F-693F95A15FA4}"/>
               </a:ext>
             </a:extLst>
           </p:cNvPr>
@@ -10008,7 +10210,7 @@
     </p:spTree>
     <p:extLst>
       <p:ext uri="{BB962C8B-B14F-4D97-AF65-F5344CB8AC3E}">
-        <p14:creationId xmlns:p14="http://schemas.microsoft.com/office/powerpoint/2010/main" val="1481024644"/>
+        <p14:creationId xmlns:p14="http://schemas.microsoft.com/office/powerpoint/2010/main" val="107865345"/>
       </p:ext>
     </p:extLst>
   </p:cSld>
@@ -10037,10 +10239,10 @@
       </p:grpSpPr>
       <p:sp>
         <p:nvSpPr>
-          <p:cNvPr id="2" name="Title 1">
-            <a:extLst>
-              <a:ext uri="{FF2B5EF4-FFF2-40B4-BE49-F238E27FC236}">
-                <a16:creationId xmlns:a16="http://schemas.microsoft.com/office/drawing/2014/main" id="{D1BF0482-6913-4A5E-A533-479864CB5349}"/>
+          <p:cNvPr id="7" name="Title 6">
+            <a:extLst>
+              <a:ext uri="{FF2B5EF4-FFF2-40B4-BE49-F238E27FC236}">
+                <a16:creationId xmlns:a16="http://schemas.microsoft.com/office/drawing/2014/main" id="{75C0DCD3-95F8-4E1F-BF1A-5FAAB84A40A3}"/>
               </a:ext>
             </a:extLst>
           </p:cNvPr>
@@ -10058,17 +10260,17 @@
           <a:p>
             <a:r>
               <a:rPr lang="en-US" dirty="0"/>
-              <a:t>PLAYING AROUND WITH ARIMA</a:t>
-            </a:r>
-          </a:p>
-        </p:txBody>
-      </p:sp>
-      <p:sp>
-        <p:nvSpPr>
-          <p:cNvPr id="3" name="Content Placeholder 2">
-            <a:extLst>
-              <a:ext uri="{FF2B5EF4-FFF2-40B4-BE49-F238E27FC236}">
-                <a16:creationId xmlns:a16="http://schemas.microsoft.com/office/drawing/2014/main" id="{D48271C9-2790-46C9-B80B-52D215430CB8}"/>
+              <a:t>ARIMA MODELS</a:t>
+            </a:r>
+          </a:p>
+        </p:txBody>
+      </p:sp>
+      <p:sp>
+        <p:nvSpPr>
+          <p:cNvPr id="8" name="Content Placeholder 7">
+            <a:extLst>
+              <a:ext uri="{FF2B5EF4-FFF2-40B4-BE49-F238E27FC236}">
+                <a16:creationId xmlns:a16="http://schemas.microsoft.com/office/drawing/2014/main" id="{52BB1FAB-BB61-4B66-A4EA-A0EABC2B3ECA}"/>
               </a:ext>
             </a:extLst>
           </p:cNvPr>
@@ -10084,6 +10286,61 @@
           <a:bodyPr/>
           <a:lstStyle/>
           <a:p>
+            <a:r>
+              <a:rPr lang="en-US" dirty="0"/>
+              <a:t>Auto-Regressive Integrated Moving Average models</a:t>
+            </a:r>
+          </a:p>
+          <a:p>
+            <a:r>
+              <a:rPr lang="en-US" dirty="0"/>
+              <a:t>Pros:</a:t>
+            </a:r>
+          </a:p>
+          <a:p>
+            <a:pPr lvl="1"/>
+            <a:r>
+              <a:rPr lang="en-US" dirty="0"/>
+              <a:t>Great at producing flexible models, solid support of periodic behavior and trending</a:t>
+            </a:r>
+          </a:p>
+          <a:p>
+            <a:pPr lvl="1"/>
+            <a:r>
+              <a:rPr lang="en-US" dirty="0"/>
+              <a:t>Parameters are fairly easy to interpret</a:t>
+            </a:r>
+          </a:p>
+          <a:p>
+            <a:pPr lvl="1"/>
+            <a:r>
+              <a:rPr lang="en-US" dirty="0"/>
+              <a:t>Widely used and mathematically well-understood</a:t>
+            </a:r>
+          </a:p>
+          <a:p>
+            <a:r>
+              <a:rPr lang="en-US" dirty="0"/>
+              <a:t>Cons:</a:t>
+            </a:r>
+          </a:p>
+          <a:p>
+            <a:pPr lvl="1"/>
+            <a:r>
+              <a:rPr lang="en-US" dirty="0"/>
+              <a:t>Bit of a pain to figure out the right parameters</a:t>
+            </a:r>
+          </a:p>
+          <a:p>
+            <a:pPr lvl="1"/>
+            <a:r>
+              <a:rPr lang="en-US" dirty="0"/>
+              <a:t>Not great at dealing with holidays, </a:t>
+            </a:r>
+            <a:r>
+              <a:rPr lang="en-US" dirty="0" err="1"/>
+              <a:t>etc</a:t>
+            </a:r>
             <a:endParaRPr lang="en-US" dirty="0"/>
           </a:p>
         </p:txBody>
@@ -10093,7 +10350,7 @@
           <p:cNvPr id="4" name="Date Placeholder 3">
             <a:extLst>
               <a:ext uri="{FF2B5EF4-FFF2-40B4-BE49-F238E27FC236}">
-                <a16:creationId xmlns:a16="http://schemas.microsoft.com/office/drawing/2014/main" id="{B23DAF35-209C-48FA-AAAB-F69E14183A91}"/>
+                <a16:creationId xmlns:a16="http://schemas.microsoft.com/office/drawing/2014/main" id="{02256D86-7CE0-416E-B2A3-402D20EE9E90}"/>
               </a:ext>
             </a:extLst>
           </p:cNvPr>
@@ -10109,9 +10366,9 @@
           <a:bodyPr/>
           <a:lstStyle/>
           <a:p>
-            <a:fld id="{8AAE40A0-A7D8-4DC3-BC9E-BADA32DA2004}" type="datetime4">
+            <a:fld id="{B08FEED8-D7D4-44E9-BFBC-ED06B5996D94}" type="datetime4">
               <a:rPr lang="en-US" smtClean="0"/>
-              <a:t>July 29, 2019</a:t>
+              <a:t>July 30, 2019</a:t>
             </a:fld>
             <a:endParaRPr lang="en-US" dirty="0"/>
           </a:p>
@@ -10122,7 +10379,7 @@
           <p:cNvPr id="5" name="Footer Placeholder 4">
             <a:extLst>
               <a:ext uri="{FF2B5EF4-FFF2-40B4-BE49-F238E27FC236}">
-                <a16:creationId xmlns:a16="http://schemas.microsoft.com/office/drawing/2014/main" id="{3D8E22A6-180D-41CF-9959-4347A11F2AD1}"/>
+                <a16:creationId xmlns:a16="http://schemas.microsoft.com/office/drawing/2014/main" id="{1D4ED112-7CF4-4BB9-B46E-B366A5054A9A}"/>
               </a:ext>
             </a:extLst>
           </p:cNvPr>
@@ -10179,7 +10436,7 @@
           <p:cNvPr id="6" name="Slide Number Placeholder 5">
             <a:extLst>
               <a:ext uri="{FF2B5EF4-FFF2-40B4-BE49-F238E27FC236}">
-                <a16:creationId xmlns:a16="http://schemas.microsoft.com/office/drawing/2014/main" id="{CECE3146-0C2B-4CC7-BC7C-FD23AAF7ECAE}"/>
+                <a16:creationId xmlns:a16="http://schemas.microsoft.com/office/drawing/2014/main" id="{8CC75551-85BF-4C9F-8893-AA28ECA8A6B5}"/>
               </a:ext>
             </a:extLst>
           </p:cNvPr>
@@ -10206,7 +10463,7 @@
     </p:spTree>
     <p:extLst>
       <p:ext uri="{BB962C8B-B14F-4D97-AF65-F5344CB8AC3E}">
-        <p14:creationId xmlns:p14="http://schemas.microsoft.com/office/powerpoint/2010/main" val="3624540971"/>
+        <p14:creationId xmlns:p14="http://schemas.microsoft.com/office/powerpoint/2010/main" val="1065550565"/>
       </p:ext>
     </p:extLst>
   </p:cSld>
@@ -10238,7 +10495,7 @@
           <p:cNvPr id="7" name="Title 6">
             <a:extLst>
               <a:ext uri="{FF2B5EF4-FFF2-40B4-BE49-F238E27FC236}">
-                <a16:creationId xmlns:a16="http://schemas.microsoft.com/office/drawing/2014/main" id="{7802FB34-7510-47BC-8952-A1FE9728B0BF}"/>
+                <a16:creationId xmlns:a16="http://schemas.microsoft.com/office/drawing/2014/main" id="{75C0DCD3-95F8-4E1F-BF1A-5FAAB84A40A3}"/>
               </a:ext>
             </a:extLst>
           </p:cNvPr>
@@ -10256,35 +10513,48 @@
           <a:p>
             <a:r>
               <a:rPr lang="en-US" dirty="0"/>
-              <a:t>PROPHET MODELS</a:t>
-            </a:r>
-          </a:p>
-        </p:txBody>
-      </p:sp>
-      <p:sp>
-        <p:nvSpPr>
-          <p:cNvPr id="8" name="Text Placeholder 7">
-            <a:extLst>
-              <a:ext uri="{FF2B5EF4-FFF2-40B4-BE49-F238E27FC236}">
-                <a16:creationId xmlns:a16="http://schemas.microsoft.com/office/drawing/2014/main" id="{FCA70F1A-579E-4144-AE97-14FFC08FF0F5}"/>
-              </a:ext>
-            </a:extLst>
-          </p:cNvPr>
-          <p:cNvSpPr>
-            <a:spLocks noGrp="1"/>
-          </p:cNvSpPr>
-          <p:nvPr>
-            <p:ph type="body" idx="1"/>
-          </p:nvPr>
-        </p:nvSpPr>
-        <p:spPr/>
-        <p:txBody>
-          <a:bodyPr/>
-          <a:lstStyle/>
-          <a:p>
-            <a:r>
-              <a:rPr lang="en-US" dirty="0"/>
-              <a:t>Facebook’s in-house forecasting tool</a:t>
+              <a:t>WHAT IS AUTOCORRELATION?</a:t>
+            </a:r>
+          </a:p>
+        </p:txBody>
+      </p:sp>
+      <p:sp>
+        <p:nvSpPr>
+          <p:cNvPr id="8" name="Content Placeholder 7">
+            <a:extLst>
+              <a:ext uri="{FF2B5EF4-FFF2-40B4-BE49-F238E27FC236}">
+                <a16:creationId xmlns:a16="http://schemas.microsoft.com/office/drawing/2014/main" id="{52BB1FAB-BB61-4B66-A4EA-A0EABC2B3ECA}"/>
+              </a:ext>
+            </a:extLst>
+          </p:cNvPr>
+          <p:cNvSpPr>
+            <a:spLocks noGrp="1"/>
+          </p:cNvSpPr>
+          <p:nvPr>
+            <p:ph idx="1"/>
+          </p:nvPr>
+        </p:nvSpPr>
+        <p:spPr/>
+        <p:txBody>
+          <a:bodyPr/>
+          <a:lstStyle/>
+          <a:p>
+            <a:r>
+              <a:rPr lang="en-US" dirty="0"/>
+              <a:t>A measure of how much values depend on previous values</a:t>
+            </a:r>
+          </a:p>
+          <a:p>
+            <a:r>
+              <a:rPr lang="en-US" dirty="0"/>
+              <a:t>The “autoregressive” part of ARIMA</a:t>
+            </a:r>
+          </a:p>
+          <a:p>
+            <a:pPr lvl="1"/>
+            <a:r>
+              <a:rPr lang="en-US" dirty="0"/>
+              <a:t>So we’re modeling based on the assumption that these relationships matter and aren’t just random noise</a:t>
             </a:r>
           </a:p>
         </p:txBody>
@@ -10294,7 +10564,7 @@
           <p:cNvPr id="4" name="Date Placeholder 3">
             <a:extLst>
               <a:ext uri="{FF2B5EF4-FFF2-40B4-BE49-F238E27FC236}">
-                <a16:creationId xmlns:a16="http://schemas.microsoft.com/office/drawing/2014/main" id="{3AD929EF-0967-4B34-81B8-24D9EF91892E}"/>
+                <a16:creationId xmlns:a16="http://schemas.microsoft.com/office/drawing/2014/main" id="{02256D86-7CE0-416E-B2A3-402D20EE9E90}"/>
               </a:ext>
             </a:extLst>
           </p:cNvPr>
@@ -10310,9 +10580,9 @@
           <a:bodyPr/>
           <a:lstStyle/>
           <a:p>
-            <a:fld id="{8AAE40A0-A7D8-4DC3-BC9E-BADA32DA2004}" type="datetime4">
+            <a:fld id="{B08FEED8-D7D4-44E9-BFBC-ED06B5996D94}" type="datetime4">
               <a:rPr lang="en-US" smtClean="0"/>
-              <a:t>July 29, 2019</a:t>
+              <a:t>July 30, 2019</a:t>
             </a:fld>
             <a:endParaRPr lang="en-US" dirty="0"/>
           </a:p>
@@ -10323,7 +10593,7 @@
           <p:cNvPr id="5" name="Footer Placeholder 4">
             <a:extLst>
               <a:ext uri="{FF2B5EF4-FFF2-40B4-BE49-F238E27FC236}">
-                <a16:creationId xmlns:a16="http://schemas.microsoft.com/office/drawing/2014/main" id="{3B5B35DD-F2EA-40D3-8039-8CD3802B2612}"/>
+                <a16:creationId xmlns:a16="http://schemas.microsoft.com/office/drawing/2014/main" id="{1D4ED112-7CF4-4BB9-B46E-B366A5054A9A}"/>
               </a:ext>
             </a:extLst>
           </p:cNvPr>
@@ -10380,7 +10650,7 @@
           <p:cNvPr id="6" name="Slide Number Placeholder 5">
             <a:extLst>
               <a:ext uri="{FF2B5EF4-FFF2-40B4-BE49-F238E27FC236}">
-                <a16:creationId xmlns:a16="http://schemas.microsoft.com/office/drawing/2014/main" id="{C3EB9A57-323C-47F5-867F-693F95A15FA4}"/>
+                <a16:creationId xmlns:a16="http://schemas.microsoft.com/office/drawing/2014/main" id="{8CC75551-85BF-4C9F-8893-AA28ECA8A6B5}"/>
               </a:ext>
             </a:extLst>
           </p:cNvPr>
@@ -10407,7 +10677,7 @@
     </p:spTree>
     <p:extLst>
       <p:ext uri="{BB962C8B-B14F-4D97-AF65-F5344CB8AC3E}">
-        <p14:creationId xmlns:p14="http://schemas.microsoft.com/office/powerpoint/2010/main" val="4082739096"/>
+        <p14:creationId xmlns:p14="http://schemas.microsoft.com/office/powerpoint/2010/main" val="4066560549"/>
       </p:ext>
     </p:extLst>
   </p:cSld>
@@ -10436,10 +10706,10 @@
       </p:grpSpPr>
       <p:sp>
         <p:nvSpPr>
-          <p:cNvPr id="7" name="Title 6">
-            <a:extLst>
-              <a:ext uri="{FF2B5EF4-FFF2-40B4-BE49-F238E27FC236}">
-                <a16:creationId xmlns:a16="http://schemas.microsoft.com/office/drawing/2014/main" id="{75C0DCD3-95F8-4E1F-BF1A-5FAAB84A40A3}"/>
+          <p:cNvPr id="2" name="Title 1">
+            <a:extLst>
+              <a:ext uri="{FF2B5EF4-FFF2-40B4-BE49-F238E27FC236}">
+                <a16:creationId xmlns:a16="http://schemas.microsoft.com/office/drawing/2014/main" id="{D7EACF90-3E7B-4978-AB0C-ED5165419D19}"/>
               </a:ext>
             </a:extLst>
           </p:cNvPr>
@@ -10457,17 +10727,17 @@
           <a:p>
             <a:r>
               <a:rPr lang="en-US" dirty="0"/>
-              <a:t>PROPHET MODELS</a:t>
-            </a:r>
-          </a:p>
-        </p:txBody>
-      </p:sp>
-      <p:sp>
-        <p:nvSpPr>
-          <p:cNvPr id="8" name="Content Placeholder 7">
-            <a:extLst>
-              <a:ext uri="{FF2B5EF4-FFF2-40B4-BE49-F238E27FC236}">
-                <a16:creationId xmlns:a16="http://schemas.microsoft.com/office/drawing/2014/main" id="{52BB1FAB-BB61-4B66-A4EA-A0EABC2B3ECA}"/>
+              <a:t>WHAT’S A MOVING AVERAGE?</a:t>
+            </a:r>
+          </a:p>
+        </p:txBody>
+      </p:sp>
+      <p:sp>
+        <p:nvSpPr>
+          <p:cNvPr id="3" name="Content Placeholder 2">
+            <a:extLst>
+              <a:ext uri="{FF2B5EF4-FFF2-40B4-BE49-F238E27FC236}">
+                <a16:creationId xmlns:a16="http://schemas.microsoft.com/office/drawing/2014/main" id="{A7CEFEF5-E74A-4EFE-9368-8FD74B059E10}"/>
               </a:ext>
             </a:extLst>
           </p:cNvPr>
@@ -10478,75 +10748,53 @@
             <p:ph idx="1"/>
           </p:nvPr>
         </p:nvSpPr>
-        <p:spPr/>
-        <p:txBody>
-          <a:bodyPr/>
-          <a:lstStyle/>
-          <a:p>
-            <a:r>
-              <a:rPr lang="en-US" dirty="0"/>
-              <a:t>Cutting up a forecast</a:t>
-            </a:r>
-          </a:p>
-          <a:p>
-            <a:r>
-              <a:rPr lang="en-US" dirty="0"/>
-              <a:t>Pros:</a:t>
+        <p:spPr>
+          <a:xfrm>
+            <a:off x="838200" y="1825624"/>
+            <a:ext cx="10515600" cy="4312529"/>
+          </a:xfrm>
+        </p:spPr>
+        <p:txBody>
+          <a:bodyPr>
+            <a:normAutofit/>
+          </a:bodyPr>
+          <a:lstStyle/>
+          <a:p>
+            <a:r>
+              <a:rPr lang="en-US" dirty="0"/>
+              <a:t>Essentially, a sliding window of interest upon which we take an average</a:t>
+            </a:r>
+          </a:p>
+          <a:p>
+            <a:r>
+              <a:rPr lang="en-US" dirty="0"/>
+              <a:t>Say we have a list of 1, 7, 10, 13, and 2</a:t>
+            </a:r>
+          </a:p>
+          <a:p>
+            <a:r>
+              <a:rPr lang="en-US" dirty="0"/>
+              <a:t>A moving average of order 3 would take all triples of components and average them</a:t>
             </a:r>
           </a:p>
           <a:p>
             <a:pPr lvl="1"/>
             <a:r>
               <a:rPr lang="en-US" dirty="0"/>
-              <a:t>Fast and scalable</a:t>
+              <a:t>(1 + 7 + 10)/3, (7 + 10 + 13)/3, (10 + 13 + 2)/3</a:t>
             </a:r>
           </a:p>
           <a:p>
             <a:pPr lvl="1"/>
             <a:r>
               <a:rPr lang="en-US" dirty="0"/>
-              <a:t>Parameters are very easy to understand</a:t>
-            </a:r>
-          </a:p>
-          <a:p>
-            <a:pPr lvl="1"/>
-            <a:r>
-              <a:rPr lang="en-US" dirty="0"/>
-              <a:t>Deals with holidays very elegantly</a:t>
-            </a:r>
-          </a:p>
-          <a:p>
-            <a:pPr lvl="1"/>
-            <a:r>
-              <a:rPr lang="en-US" dirty="0"/>
-              <a:t>Splitting models up allows even more flexibility</a:t>
-            </a:r>
-          </a:p>
-          <a:p>
-            <a:pPr lvl="1"/>
-            <a:r>
-              <a:rPr lang="en-US" dirty="0"/>
-              <a:t>Performs quite well! Results often better than ARIMA</a:t>
-            </a:r>
-          </a:p>
-          <a:p>
-            <a:r>
-              <a:rPr lang="en-US" dirty="0"/>
-              <a:t>Cons:</a:t>
-            </a:r>
-          </a:p>
-          <a:p>
-            <a:pPr lvl="1"/>
-            <a:r>
-              <a:rPr lang="en-US" dirty="0"/>
-              <a:t>Not as widely used (released in Sept. 2017)!</a:t>
-            </a:r>
-          </a:p>
-          <a:p>
-            <a:pPr lvl="1"/>
-            <a:r>
-              <a:rPr lang="en-US" dirty="0"/>
-              <a:t>The jury’s still out on this one</a:t>
+              <a:t>Notice we’re losing data points!</a:t>
+            </a:r>
+          </a:p>
+          <a:p>
+            <a:r>
+              <a:rPr lang="en-US" dirty="0"/>
+              <a:t>A kind of smoothing to reduce the effect of massive spikes</a:t>
             </a:r>
           </a:p>
         </p:txBody>
@@ -10556,7 +10804,7 @@
           <p:cNvPr id="4" name="Date Placeholder 3">
             <a:extLst>
               <a:ext uri="{FF2B5EF4-FFF2-40B4-BE49-F238E27FC236}">
-                <a16:creationId xmlns:a16="http://schemas.microsoft.com/office/drawing/2014/main" id="{02256D86-7CE0-416E-B2A3-402D20EE9E90}"/>
+                <a16:creationId xmlns:a16="http://schemas.microsoft.com/office/drawing/2014/main" id="{64E0A09F-EC7A-4EF6-AB3A-0DC48B1B7271}"/>
               </a:ext>
             </a:extLst>
           </p:cNvPr>
@@ -10572,9 +10820,9 @@
           <a:bodyPr/>
           <a:lstStyle/>
           <a:p>
-            <a:fld id="{B08FEED8-D7D4-44E9-BFBC-ED06B5996D94}" type="datetime4">
+            <a:fld id="{8AAE40A0-A7D8-4DC3-BC9E-BADA32DA2004}" type="datetime4">
               <a:rPr lang="en-US" smtClean="0"/>
-              <a:t>July 29, 2019</a:t>
+              <a:t>July 30, 2019</a:t>
             </a:fld>
             <a:endParaRPr lang="en-US" dirty="0"/>
           </a:p>
@@ -10585,7 +10833,7 @@
           <p:cNvPr id="5" name="Footer Placeholder 4">
             <a:extLst>
               <a:ext uri="{FF2B5EF4-FFF2-40B4-BE49-F238E27FC236}">
-                <a16:creationId xmlns:a16="http://schemas.microsoft.com/office/drawing/2014/main" id="{1D4ED112-7CF4-4BB9-B46E-B366A5054A9A}"/>
+                <a16:creationId xmlns:a16="http://schemas.microsoft.com/office/drawing/2014/main" id="{9D8B7F07-2C50-4473-BABC-57C52FDD38D2}"/>
               </a:ext>
             </a:extLst>
           </p:cNvPr>
@@ -10642,7 +10890,7 @@
           <p:cNvPr id="6" name="Slide Number Placeholder 5">
             <a:extLst>
               <a:ext uri="{FF2B5EF4-FFF2-40B4-BE49-F238E27FC236}">
-                <a16:creationId xmlns:a16="http://schemas.microsoft.com/office/drawing/2014/main" id="{8CC75551-85BF-4C9F-8893-AA28ECA8A6B5}"/>
+                <a16:creationId xmlns:a16="http://schemas.microsoft.com/office/drawing/2014/main" id="{6BE5E43E-0696-4C60-A72C-BBB5B4448760}"/>
               </a:ext>
             </a:extLst>
           </p:cNvPr>
@@ -10669,7 +10917,7 @@
     </p:spTree>
     <p:extLst>
       <p:ext uri="{BB962C8B-B14F-4D97-AF65-F5344CB8AC3E}">
-        <p14:creationId xmlns:p14="http://schemas.microsoft.com/office/powerpoint/2010/main" val="3412561793"/>
+        <p14:creationId xmlns:p14="http://schemas.microsoft.com/office/powerpoint/2010/main" val="3521777765"/>
       </p:ext>
     </p:extLst>
   </p:cSld>
@@ -10698,10 +10946,10 @@
       </p:grpSpPr>
       <p:sp>
         <p:nvSpPr>
-          <p:cNvPr id="7" name="Title 6">
-            <a:extLst>
-              <a:ext uri="{FF2B5EF4-FFF2-40B4-BE49-F238E27FC236}">
-                <a16:creationId xmlns:a16="http://schemas.microsoft.com/office/drawing/2014/main" id="{7802FB34-7510-47BC-8952-A1FE9728B0BF}"/>
+          <p:cNvPr id="2" name="Title 1">
+            <a:extLst>
+              <a:ext uri="{FF2B5EF4-FFF2-40B4-BE49-F238E27FC236}">
+                <a16:creationId xmlns:a16="http://schemas.microsoft.com/office/drawing/2014/main" id="{84FE5820-4288-4CB6-888A-5CBF5468888C}"/>
               </a:ext>
             </a:extLst>
           </p:cNvPr>
@@ -10719,42 +10967,48 @@
           <a:p>
             <a:r>
               <a:rPr lang="en-US" dirty="0"/>
-              <a:t>NEURAL NETWORK</a:t>
-            </a:r>
-            <a:br>
-              <a:rPr lang="en-US" dirty="0"/>
-            </a:br>
-            <a:r>
-              <a:rPr lang="en-US" dirty="0"/>
-              <a:t>APPROACHES</a:t>
-            </a:r>
-          </a:p>
-        </p:txBody>
-      </p:sp>
-      <p:sp>
-        <p:nvSpPr>
-          <p:cNvPr id="8" name="Text Placeholder 7">
-            <a:extLst>
-              <a:ext uri="{FF2B5EF4-FFF2-40B4-BE49-F238E27FC236}">
-                <a16:creationId xmlns:a16="http://schemas.microsoft.com/office/drawing/2014/main" id="{FCA70F1A-579E-4144-AE97-14FFC08FF0F5}"/>
-              </a:ext>
-            </a:extLst>
-          </p:cNvPr>
-          <p:cNvSpPr>
-            <a:spLocks noGrp="1"/>
-          </p:cNvSpPr>
-          <p:nvPr>
-            <p:ph type="body" idx="1"/>
-          </p:nvPr>
-        </p:nvSpPr>
-        <p:spPr/>
-        <p:txBody>
-          <a:bodyPr/>
-          <a:lstStyle/>
-          <a:p>
-            <a:r>
-              <a:rPr lang="en-US" dirty="0"/>
-              <a:t>Breaking out the big guns</a:t>
+              <a:t>AUTOCORRELATION PLOTS</a:t>
+            </a:r>
+          </a:p>
+        </p:txBody>
+      </p:sp>
+      <p:sp>
+        <p:nvSpPr>
+          <p:cNvPr id="3" name="Content Placeholder 2">
+            <a:extLst>
+              <a:ext uri="{FF2B5EF4-FFF2-40B4-BE49-F238E27FC236}">
+                <a16:creationId xmlns:a16="http://schemas.microsoft.com/office/drawing/2014/main" id="{2952943F-FC31-4BE3-AB00-BAB4B12957BE}"/>
+              </a:ext>
+            </a:extLst>
+          </p:cNvPr>
+          <p:cNvSpPr>
+            <a:spLocks noGrp="1"/>
+          </p:cNvSpPr>
+          <p:nvPr>
+            <p:ph idx="1"/>
+          </p:nvPr>
+        </p:nvSpPr>
+        <p:spPr/>
+        <p:txBody>
+          <a:bodyPr/>
+          <a:lstStyle/>
+          <a:p>
+            <a:r>
+              <a:rPr lang="en-US" dirty="0"/>
+              <a:t>A plot of a range of autocorrelations for different orders</a:t>
+            </a:r>
+          </a:p>
+          <a:p>
+            <a:pPr lvl="1"/>
+            <a:r>
+              <a:rPr lang="en-US" dirty="0"/>
+              <a:t>How far back do we look?</a:t>
+            </a:r>
+          </a:p>
+          <a:p>
+            <a:r>
+              <a:rPr lang="en-US" dirty="0"/>
+              <a:t>Find the lag to the right of which the columns are (mostly) within the blue region</a:t>
             </a:r>
           </a:p>
         </p:txBody>
@@ -10764,7 +11018,7 @@
           <p:cNvPr id="4" name="Date Placeholder 3">
             <a:extLst>
               <a:ext uri="{FF2B5EF4-FFF2-40B4-BE49-F238E27FC236}">
-                <a16:creationId xmlns:a16="http://schemas.microsoft.com/office/drawing/2014/main" id="{3AD929EF-0967-4B34-81B8-24D9EF91892E}"/>
+                <a16:creationId xmlns:a16="http://schemas.microsoft.com/office/drawing/2014/main" id="{F716348B-D7FE-46ED-8C48-CF5A55FF31CF}"/>
               </a:ext>
             </a:extLst>
           </p:cNvPr>
@@ -10782,7 +11036,7 @@
           <a:p>
             <a:fld id="{8AAE40A0-A7D8-4DC3-BC9E-BADA32DA2004}" type="datetime4">
               <a:rPr lang="en-US" smtClean="0"/>
-              <a:t>July 29, 2019</a:t>
+              <a:t>July 30, 2019</a:t>
             </a:fld>
             <a:endParaRPr lang="en-US" dirty="0"/>
           </a:p>
@@ -10793,7 +11047,7 @@
           <p:cNvPr id="5" name="Footer Placeholder 4">
             <a:extLst>
               <a:ext uri="{FF2B5EF4-FFF2-40B4-BE49-F238E27FC236}">
-                <a16:creationId xmlns:a16="http://schemas.microsoft.com/office/drawing/2014/main" id="{3B5B35DD-F2EA-40D3-8039-8CD3802B2612}"/>
+                <a16:creationId xmlns:a16="http://schemas.microsoft.com/office/drawing/2014/main" id="{34059279-A1E7-4F19-B4BF-8C6B59A4CEFF}"/>
               </a:ext>
             </a:extLst>
           </p:cNvPr>
@@ -10850,7 +11104,7 @@
           <p:cNvPr id="6" name="Slide Number Placeholder 5">
             <a:extLst>
               <a:ext uri="{FF2B5EF4-FFF2-40B4-BE49-F238E27FC236}">
-                <a16:creationId xmlns:a16="http://schemas.microsoft.com/office/drawing/2014/main" id="{C3EB9A57-323C-47F5-867F-693F95A15FA4}"/>
+                <a16:creationId xmlns:a16="http://schemas.microsoft.com/office/drawing/2014/main" id="{DE722C41-7366-4DE2-9AF4-E75E189A7733}"/>
               </a:ext>
             </a:extLst>
           </p:cNvPr>
@@ -10877,7 +11131,7 @@
     </p:spTree>
     <p:extLst>
       <p:ext uri="{BB962C8B-B14F-4D97-AF65-F5344CB8AC3E}">
-        <p14:creationId xmlns:p14="http://schemas.microsoft.com/office/powerpoint/2010/main" val="1442732517"/>
+        <p14:creationId xmlns:p14="http://schemas.microsoft.com/office/powerpoint/2010/main" val="2546350057"/>
       </p:ext>
     </p:extLst>
   </p:cSld>
@@ -11017,7 +11271,7 @@
           <a:p>
             <a:fld id="{8AAE40A0-A7D8-4DC3-BC9E-BADA32DA2004}" type="datetime4">
               <a:rPr lang="en-US" smtClean="0"/>
-              <a:t>July 29, 2019</a:t>
+              <a:t>July 30, 2019</a:t>
             </a:fld>
             <a:endParaRPr lang="en-US" dirty="0"/>
           </a:p>
@@ -11141,10 +11395,10 @@
       </p:grpSpPr>
       <p:sp>
         <p:nvSpPr>
-          <p:cNvPr id="7" name="Title 6">
-            <a:extLst>
-              <a:ext uri="{FF2B5EF4-FFF2-40B4-BE49-F238E27FC236}">
-                <a16:creationId xmlns:a16="http://schemas.microsoft.com/office/drawing/2014/main" id="{75C0DCD3-95F8-4E1F-BF1A-5FAAB84A40A3}"/>
+          <p:cNvPr id="2" name="Title 1">
+            <a:extLst>
+              <a:ext uri="{FF2B5EF4-FFF2-40B4-BE49-F238E27FC236}">
+                <a16:creationId xmlns:a16="http://schemas.microsoft.com/office/drawing/2014/main" id="{84FE5820-4288-4CB6-888A-5CBF5468888C}"/>
               </a:ext>
             </a:extLst>
           </p:cNvPr>
@@ -11162,17 +11416,17 @@
           <a:p>
             <a:r>
               <a:rPr lang="en-US" dirty="0"/>
-              <a:t>NEURAL NETWORK MODELS</a:t>
-            </a:r>
-          </a:p>
-        </p:txBody>
-      </p:sp>
-      <p:sp>
-        <p:nvSpPr>
-          <p:cNvPr id="8" name="Content Placeholder 7">
-            <a:extLst>
-              <a:ext uri="{FF2B5EF4-FFF2-40B4-BE49-F238E27FC236}">
-                <a16:creationId xmlns:a16="http://schemas.microsoft.com/office/drawing/2014/main" id="{52BB1FAB-BB61-4B66-A4EA-A0EABC2B3ECA}"/>
+              <a:t>PARTIAL AUTOCORRELATION PLOTS</a:t>
+            </a:r>
+          </a:p>
+        </p:txBody>
+      </p:sp>
+      <p:sp>
+        <p:nvSpPr>
+          <p:cNvPr id="3" name="Content Placeholder 2">
+            <a:extLst>
+              <a:ext uri="{FF2B5EF4-FFF2-40B4-BE49-F238E27FC236}">
+                <a16:creationId xmlns:a16="http://schemas.microsoft.com/office/drawing/2014/main" id="{2952943F-FC31-4BE3-AB00-BAB4B12957BE}"/>
               </a:ext>
             </a:extLst>
           </p:cNvPr>
@@ -11185,61 +11439,35 @@
         </p:nvSpPr>
         <p:spPr/>
         <p:txBody>
-          <a:bodyPr>
-            <a:normAutofit/>
-          </a:bodyPr>
-          <a:lstStyle/>
-          <a:p>
-            <a:r>
-              <a:rPr lang="en-US" dirty="0"/>
-              <a:t>Incomprehensible but extremely powerful</a:t>
-            </a:r>
-          </a:p>
-          <a:p>
-            <a:r>
-              <a:rPr lang="en-US" dirty="0"/>
-              <a:t>Pros:</a:t>
+          <a:bodyPr/>
+          <a:lstStyle/>
+          <a:p>
+            <a:r>
+              <a:rPr lang="en-US" dirty="0"/>
+              <a:t>A plot of a range of partial autocorrelations for different orders</a:t>
             </a:r>
           </a:p>
           <a:p>
             <a:pPr lvl="1"/>
             <a:r>
               <a:rPr lang="en-US" dirty="0"/>
-              <a:t>Often extremely accurate</a:t>
-            </a:r>
-          </a:p>
-          <a:p>
-            <a:r>
-              <a:rPr lang="en-US" dirty="0"/>
-              <a:t>Cons:</a:t>
-            </a:r>
-          </a:p>
-          <a:p>
-            <a:pPr lvl="1"/>
-            <a:r>
-              <a:rPr lang="en-US" dirty="0"/>
-              <a:t>More or less impossible to understand what any of the parameters mean</a:t>
-            </a:r>
-          </a:p>
-          <a:p>
-            <a:pPr lvl="1"/>
-            <a:r>
-              <a:rPr lang="en-US" dirty="0"/>
-              <a:t>Can take a very long time to train the model</a:t>
-            </a:r>
-          </a:p>
-          <a:p>
-            <a:pPr lvl="1"/>
-            <a:r>
-              <a:rPr lang="en-US" dirty="0"/>
-              <a:t>Lots of moving parts and things that can go wrong</a:t>
-            </a:r>
-          </a:p>
-          <a:p>
-            <a:r>
-              <a:rPr lang="en-US" dirty="0"/>
-              <a:t>But depending on the problem, that one pro may outweigh all the cons</a:t>
-            </a:r>
+              <a:t>How much smoothing do we apply?</a:t>
+            </a:r>
+          </a:p>
+          <a:p>
+            <a:r>
+              <a:rPr lang="en-US" dirty="0"/>
+              <a:t>Estimates the moving average component</a:t>
+            </a:r>
+          </a:p>
+          <a:p>
+            <a:r>
+              <a:rPr lang="en-US" dirty="0"/>
+              <a:t>Find the lag to the right of which the columns are (mostly) within the blue region</a:t>
+            </a:r>
+          </a:p>
+          <a:p>
+            <a:endParaRPr lang="en-US" dirty="0"/>
           </a:p>
         </p:txBody>
       </p:sp>
@@ -11248,7 +11476,7 @@
           <p:cNvPr id="4" name="Date Placeholder 3">
             <a:extLst>
               <a:ext uri="{FF2B5EF4-FFF2-40B4-BE49-F238E27FC236}">
-                <a16:creationId xmlns:a16="http://schemas.microsoft.com/office/drawing/2014/main" id="{02256D86-7CE0-416E-B2A3-402D20EE9E90}"/>
+                <a16:creationId xmlns:a16="http://schemas.microsoft.com/office/drawing/2014/main" id="{F716348B-D7FE-46ED-8C48-CF5A55FF31CF}"/>
               </a:ext>
             </a:extLst>
           </p:cNvPr>
@@ -11264,9 +11492,9 @@
           <a:bodyPr/>
           <a:lstStyle/>
           <a:p>
-            <a:fld id="{B08FEED8-D7D4-44E9-BFBC-ED06B5996D94}" type="datetime4">
+            <a:fld id="{8AAE40A0-A7D8-4DC3-BC9E-BADA32DA2004}" type="datetime4">
               <a:rPr lang="en-US" smtClean="0"/>
-              <a:t>July 29, 2019</a:t>
+              <a:t>July 30, 2019</a:t>
             </a:fld>
             <a:endParaRPr lang="en-US" dirty="0"/>
           </a:p>
@@ -11277,7 +11505,7 @@
           <p:cNvPr id="5" name="Footer Placeholder 4">
             <a:extLst>
               <a:ext uri="{FF2B5EF4-FFF2-40B4-BE49-F238E27FC236}">
-                <a16:creationId xmlns:a16="http://schemas.microsoft.com/office/drawing/2014/main" id="{1D4ED112-7CF4-4BB9-B46E-B366A5054A9A}"/>
+                <a16:creationId xmlns:a16="http://schemas.microsoft.com/office/drawing/2014/main" id="{34059279-A1E7-4F19-B4BF-8C6B59A4CEFF}"/>
               </a:ext>
             </a:extLst>
           </p:cNvPr>
@@ -11334,7 +11562,7 @@
           <p:cNvPr id="6" name="Slide Number Placeholder 5">
             <a:extLst>
               <a:ext uri="{FF2B5EF4-FFF2-40B4-BE49-F238E27FC236}">
-                <a16:creationId xmlns:a16="http://schemas.microsoft.com/office/drawing/2014/main" id="{8CC75551-85BF-4C9F-8893-AA28ECA8A6B5}"/>
+                <a16:creationId xmlns:a16="http://schemas.microsoft.com/office/drawing/2014/main" id="{DE722C41-7366-4DE2-9AF4-E75E189A7733}"/>
               </a:ext>
             </a:extLst>
           </p:cNvPr>
@@ -11361,7 +11589,7 @@
     </p:spTree>
     <p:extLst>
       <p:ext uri="{BB962C8B-B14F-4D97-AF65-F5344CB8AC3E}">
-        <p14:creationId xmlns:p14="http://schemas.microsoft.com/office/powerpoint/2010/main" val="4213654799"/>
+        <p14:creationId xmlns:p14="http://schemas.microsoft.com/office/powerpoint/2010/main" val="1481024644"/>
       </p:ext>
     </p:extLst>
   </p:cSld>
@@ -11393,7 +11621,7 @@
           <p:cNvPr id="7" name="Title 6">
             <a:extLst>
               <a:ext uri="{FF2B5EF4-FFF2-40B4-BE49-F238E27FC236}">
-                <a16:creationId xmlns:a16="http://schemas.microsoft.com/office/drawing/2014/main" id="{495B4BC0-844B-4414-A623-BEF78AAC1BA1}"/>
+                <a16:creationId xmlns:a16="http://schemas.microsoft.com/office/drawing/2014/main" id="{75C0DCD3-95F8-4E1F-BF1A-5FAAB84A40A3}"/>
               </a:ext>
             </a:extLst>
           </p:cNvPr>
@@ -11411,89 +11639,175 @@
           <a:p>
             <a:r>
               <a:rPr lang="en-US" dirty="0"/>
-              <a:t>ACKNOWLEDGMENTS</a:t>
-            </a:r>
-          </a:p>
-        </p:txBody>
-      </p:sp>
-      <p:sp>
-        <p:nvSpPr>
-          <p:cNvPr id="8" name="Content Placeholder 7">
-            <a:extLst>
-              <a:ext uri="{FF2B5EF4-FFF2-40B4-BE49-F238E27FC236}">
-                <a16:creationId xmlns:a16="http://schemas.microsoft.com/office/drawing/2014/main" id="{2BED3EB3-7E98-4A82-8335-7321D9E37B16}"/>
-              </a:ext>
-            </a:extLst>
-          </p:cNvPr>
-          <p:cNvSpPr>
-            <a:spLocks noGrp="1"/>
-          </p:cNvSpPr>
-          <p:nvPr>
-            <p:ph idx="1"/>
-          </p:nvPr>
-        </p:nvSpPr>
-        <p:spPr/>
-        <p:txBody>
-          <a:bodyPr/>
-          <a:lstStyle/>
-          <a:p>
-            <a:r>
-              <a:rPr lang="en-US" dirty="0"/>
-              <a:t>Plots were created using the ggplot2 package in R</a:t>
-            </a:r>
-          </a:p>
-          <a:p>
-            <a:r>
-              <a:rPr lang="en-US" dirty="0"/>
-              <a:t>Shumway and </a:t>
-            </a:r>
-            <a:r>
-              <a:rPr lang="en-US" dirty="0" err="1"/>
-              <a:t>Stoffer’s</a:t>
-            </a:r>
-            <a:r>
-              <a:rPr lang="en-US" dirty="0"/>
-              <a:t> </a:t>
-            </a:r>
-            <a:r>
-              <a:rPr lang="en-US" i="1" dirty="0"/>
-              <a:t>Time Series Analysis and Its Applications With R Examples, Fourth Edition </a:t>
-            </a:r>
-            <a:r>
-              <a:rPr lang="en-US" dirty="0"/>
-              <a:t>published by Springer was used as the main reference for the ARIMA section</a:t>
-            </a:r>
-          </a:p>
-          <a:p>
-            <a:r>
-              <a:rPr lang="en-US" i="1" dirty="0"/>
-              <a:t>Forecasting at Scale </a:t>
-            </a:r>
-            <a:r>
-              <a:rPr lang="en-US" dirty="0"/>
-              <a:t>by Sean J. Taylor and Benjamin </a:t>
-            </a:r>
-            <a:r>
-              <a:rPr lang="en-US" dirty="0" err="1"/>
-              <a:t>Letham</a:t>
-            </a:r>
-            <a:r>
-              <a:rPr lang="en-US" dirty="0"/>
-              <a:t> at Facebook was used as the main reference for the Prophet section</a:t>
-            </a:r>
-            <a:endParaRPr lang="en-US" i="1" dirty="0"/>
-          </a:p>
-          <a:p>
-            <a:endParaRPr lang="en-US" dirty="0"/>
-          </a:p>
-        </p:txBody>
-      </p:sp>
+              <a:t>ARIMA COMPONENTS</a:t>
+            </a:r>
+          </a:p>
+        </p:txBody>
+      </p:sp>
+      <mc:AlternateContent xmlns:mc="http://schemas.openxmlformats.org/markup-compatibility/2006" xmlns:a14="http://schemas.microsoft.com/office/drawing/2010/main">
+        <mc:Choice Requires="a14">
+          <p:sp>
+            <p:nvSpPr>
+              <p:cNvPr id="8" name="Content Placeholder 7">
+                <a:extLst>
+                  <a:ext uri="{FF2B5EF4-FFF2-40B4-BE49-F238E27FC236}">
+                    <a16:creationId xmlns:a16="http://schemas.microsoft.com/office/drawing/2014/main" id="{52BB1FAB-BB61-4B66-A4EA-A0EABC2B3ECA}"/>
+                  </a:ext>
+                </a:extLst>
+              </p:cNvPr>
+              <p:cNvSpPr>
+                <a:spLocks noGrp="1"/>
+              </p:cNvSpPr>
+              <p:nvPr>
+                <p:ph idx="1"/>
+              </p:nvPr>
+            </p:nvSpPr>
+            <p:spPr/>
+            <p:txBody>
+              <a:bodyPr/>
+              <a:lstStyle/>
+              <a:p>
+                <a:r>
+                  <a:rPr lang="en-US" dirty="0"/>
+                  <a:t>Some number of autoregressive components (</a:t>
+                </a:r>
+                <a14:m>
+                  <m:oMath xmlns:m="http://schemas.openxmlformats.org/officeDocument/2006/math">
+                    <m:r>
+                      <a:rPr lang="en-US" b="0" i="1" smtClean="0">
+                        <a:latin typeface="Cambria Math" panose="02040503050406030204" pitchFamily="18" charset="0"/>
+                      </a:rPr>
+                      <m:t>𝑝</m:t>
+                    </m:r>
+                  </m:oMath>
+                </a14:m>
+                <a:r>
+                  <a:rPr lang="en-US" dirty="0"/>
+                  <a:t>)</a:t>
+                </a:r>
+              </a:p>
+              <a:p>
+                <a:pPr lvl="1"/>
+                <a:r>
+                  <a:rPr lang="en-US" dirty="0"/>
+                  <a:t>How many? Check the autocorrelation plot!</a:t>
+                </a:r>
+              </a:p>
+              <a:p>
+                <a:r>
+                  <a:rPr lang="en-US" dirty="0"/>
+                  <a:t>A differencing order (</a:t>
+                </a:r>
+                <a14:m>
+                  <m:oMath xmlns:m="http://schemas.openxmlformats.org/officeDocument/2006/math">
+                    <m:r>
+                      <a:rPr lang="en-US" b="0" i="1" smtClean="0">
+                        <a:latin typeface="Cambria Math" panose="02040503050406030204" pitchFamily="18" charset="0"/>
+                      </a:rPr>
+                      <m:t>𝑑</m:t>
+                    </m:r>
+                  </m:oMath>
+                </a14:m>
+                <a:r>
+                  <a:rPr lang="en-US" dirty="0"/>
+                  <a:t>)</a:t>
+                </a:r>
+              </a:p>
+              <a:p>
+                <a:pPr lvl="1"/>
+                <a:r>
+                  <a:rPr lang="en-US" dirty="0"/>
+                  <a:t>What’s the order? Check the lagged scatterplots!</a:t>
+                </a:r>
+              </a:p>
+              <a:p>
+                <a:r>
+                  <a:rPr lang="en-US" dirty="0"/>
+                  <a:t>Some number of moving average components (</a:t>
+                </a:r>
+                <a14:m>
+                  <m:oMath xmlns:m="http://schemas.openxmlformats.org/officeDocument/2006/math">
+                    <m:r>
+                      <a:rPr lang="en-US" b="0" i="1" smtClean="0">
+                        <a:latin typeface="Cambria Math" panose="02040503050406030204" pitchFamily="18" charset="0"/>
+                      </a:rPr>
+                      <m:t>𝑞</m:t>
+                    </m:r>
+                  </m:oMath>
+                </a14:m>
+                <a:r>
+                  <a:rPr lang="en-US" dirty="0"/>
+                  <a:t>)</a:t>
+                </a:r>
+              </a:p>
+              <a:p>
+                <a:pPr lvl="1"/>
+                <a:r>
+                  <a:rPr lang="en-US" dirty="0"/>
+                  <a:t>How many? Check the partial autocorrelation plot!</a:t>
+                </a:r>
+              </a:p>
+              <a:p>
+                <a:r>
+                  <a:rPr lang="en-US" dirty="0"/>
+                  <a:t>Or, you can just experiment!</a:t>
+                </a:r>
+              </a:p>
+              <a:p>
+                <a:endParaRPr lang="en-US" dirty="0"/>
+              </a:p>
+              <a:p>
+                <a:endParaRPr lang="en-US" dirty="0"/>
+              </a:p>
+            </p:txBody>
+          </p:sp>
+        </mc:Choice>
+        <mc:Fallback xmlns="">
+          <p:sp>
+            <p:nvSpPr>
+              <p:cNvPr id="8" name="Content Placeholder 7">
+                <a:extLst>
+                  <a:ext uri="{FF2B5EF4-FFF2-40B4-BE49-F238E27FC236}">
+                    <a16:creationId xmlns:a16="http://schemas.microsoft.com/office/drawing/2014/main" id="{52BB1FAB-BB61-4B66-A4EA-A0EABC2B3ECA}"/>
+                  </a:ext>
+                </a:extLst>
+              </p:cNvPr>
+              <p:cNvSpPr>
+                <a:spLocks noGrp="1" noRot="1" noChangeAspect="1" noMove="1" noResize="1" noEditPoints="1" noAdjustHandles="1" noChangeArrowheads="1" noChangeShapeType="1" noTextEdit="1"/>
+              </p:cNvSpPr>
+              <p:nvPr>
+                <p:ph idx="1"/>
+              </p:nvPr>
+            </p:nvSpPr>
+            <p:spPr>
+              <a:blipFill>
+                <a:blip r:embed="rId2"/>
+                <a:stretch>
+                  <a:fillRect l="-1043" t="-2241"/>
+                </a:stretch>
+              </a:blipFill>
+            </p:spPr>
+            <p:txBody>
+              <a:bodyPr/>
+              <a:lstStyle/>
+              <a:p>
+                <a:r>
+                  <a:rPr lang="en-US">
+                    <a:noFill/>
+                  </a:rPr>
+                  <a:t> </a:t>
+                </a:r>
+              </a:p>
+            </p:txBody>
+          </p:sp>
+        </mc:Fallback>
+      </mc:AlternateContent>
       <p:sp>
         <p:nvSpPr>
           <p:cNvPr id="4" name="Date Placeholder 3">
             <a:extLst>
               <a:ext uri="{FF2B5EF4-FFF2-40B4-BE49-F238E27FC236}">
-                <a16:creationId xmlns:a16="http://schemas.microsoft.com/office/drawing/2014/main" id="{540F37F1-4F33-429F-A568-1A3ADC499E54}"/>
+                <a16:creationId xmlns:a16="http://schemas.microsoft.com/office/drawing/2014/main" id="{02256D86-7CE0-416E-B2A3-402D20EE9E90}"/>
               </a:ext>
             </a:extLst>
           </p:cNvPr>
@@ -11511,7 +11825,7 @@
           <a:p>
             <a:fld id="{B08FEED8-D7D4-44E9-BFBC-ED06B5996D94}" type="datetime4">
               <a:rPr lang="en-US" smtClean="0"/>
-              <a:t>July 29, 2019</a:t>
+              <a:t>July 30, 2019</a:t>
             </a:fld>
             <a:endParaRPr lang="en-US" dirty="0"/>
           </a:p>
@@ -11522,7 +11836,7 @@
           <p:cNvPr id="5" name="Footer Placeholder 4">
             <a:extLst>
               <a:ext uri="{FF2B5EF4-FFF2-40B4-BE49-F238E27FC236}">
-                <a16:creationId xmlns:a16="http://schemas.microsoft.com/office/drawing/2014/main" id="{673FFA57-C126-4795-A5F6-DD33AAC5ACBD}"/>
+                <a16:creationId xmlns:a16="http://schemas.microsoft.com/office/drawing/2014/main" id="{1D4ED112-7CF4-4BB9-B46E-B366A5054A9A}"/>
               </a:ext>
             </a:extLst>
           </p:cNvPr>
@@ -11579,7 +11893,7 @@
           <p:cNvPr id="6" name="Slide Number Placeholder 5">
             <a:extLst>
               <a:ext uri="{FF2B5EF4-FFF2-40B4-BE49-F238E27FC236}">
-                <a16:creationId xmlns:a16="http://schemas.microsoft.com/office/drawing/2014/main" id="{2FA49567-BB70-4798-8746-D0B522CCEE20}"/>
+                <a16:creationId xmlns:a16="http://schemas.microsoft.com/office/drawing/2014/main" id="{8CC75551-85BF-4C9F-8893-AA28ECA8A6B5}"/>
               </a:ext>
             </a:extLst>
           </p:cNvPr>
@@ -11606,7 +11920,1957 @@
     </p:spTree>
     <p:extLst>
       <p:ext uri="{BB962C8B-B14F-4D97-AF65-F5344CB8AC3E}">
-        <p14:creationId xmlns:p14="http://schemas.microsoft.com/office/powerpoint/2010/main" val="1585568494"/>
+        <p14:creationId xmlns:p14="http://schemas.microsoft.com/office/powerpoint/2010/main" val="59247345"/>
+      </p:ext>
+    </p:extLst>
+  </p:cSld>
+  <p:clrMapOvr>
+    <a:masterClrMapping/>
+  </p:clrMapOvr>
+</p:sld>
+</file>
+
+<file path=ppt/slides/slide42.xml><?xml version="1.0" encoding="utf-8"?>
+<p:sld xmlns:a="http://schemas.openxmlformats.org/drawingml/2006/main" xmlns:r="http://schemas.openxmlformats.org/officeDocument/2006/relationships" xmlns:p="http://schemas.openxmlformats.org/presentationml/2006/main">
+  <p:cSld>
+    <p:spTree>
+      <p:nvGrpSpPr>
+        <p:cNvPr id="1" name=""/>
+        <p:cNvGrpSpPr/>
+        <p:nvPr/>
+      </p:nvGrpSpPr>
+      <p:grpSpPr>
+        <a:xfrm>
+          <a:off x="0" y="0"/>
+          <a:ext cx="0" cy="0"/>
+          <a:chOff x="0" y="0"/>
+          <a:chExt cx="0" cy="0"/>
+        </a:xfrm>
+      </p:grpSpPr>
+      <p:sp>
+        <p:nvSpPr>
+          <p:cNvPr id="7" name="Title 6">
+            <a:extLst>
+              <a:ext uri="{FF2B5EF4-FFF2-40B4-BE49-F238E27FC236}">
+                <a16:creationId xmlns:a16="http://schemas.microsoft.com/office/drawing/2014/main" id="{75C0DCD3-95F8-4E1F-BF1A-5FAAB84A40A3}"/>
+              </a:ext>
+            </a:extLst>
+          </p:cNvPr>
+          <p:cNvSpPr>
+            <a:spLocks noGrp="1"/>
+          </p:cNvSpPr>
+          <p:nvPr>
+            <p:ph type="title"/>
+          </p:nvPr>
+        </p:nvSpPr>
+        <p:spPr/>
+        <p:txBody>
+          <a:bodyPr/>
+          <a:lstStyle/>
+          <a:p>
+            <a:r>
+              <a:rPr lang="en-US" dirty="0"/>
+              <a:t>BUILDING THE MODEL</a:t>
+            </a:r>
+          </a:p>
+        </p:txBody>
+      </p:sp>
+      <p:sp>
+        <p:nvSpPr>
+          <p:cNvPr id="8" name="Content Placeholder 7">
+            <a:extLst>
+              <a:ext uri="{FF2B5EF4-FFF2-40B4-BE49-F238E27FC236}">
+                <a16:creationId xmlns:a16="http://schemas.microsoft.com/office/drawing/2014/main" id="{52BB1FAB-BB61-4B66-A4EA-A0EABC2B3ECA}"/>
+              </a:ext>
+            </a:extLst>
+          </p:cNvPr>
+          <p:cNvSpPr>
+            <a:spLocks noGrp="1"/>
+          </p:cNvSpPr>
+          <p:nvPr>
+            <p:ph idx="1"/>
+          </p:nvPr>
+        </p:nvSpPr>
+        <p:spPr/>
+        <p:txBody>
+          <a:bodyPr/>
+          <a:lstStyle/>
+          <a:p>
+            <a:r>
+              <a:rPr lang="en-US" dirty="0"/>
+              <a:t>R</a:t>
+            </a:r>
+          </a:p>
+          <a:p>
+            <a:pPr marL="0" indent="0">
+              <a:buNone/>
+            </a:pPr>
+            <a:r>
+              <a:rPr lang="en-US" dirty="0">
+                <a:latin typeface="Courier New" panose="02070309020205020404" pitchFamily="49" charset="0"/>
+                <a:cs typeface="Courier New" panose="02070309020205020404" pitchFamily="49" charset="0"/>
+              </a:rPr>
+              <a:t>library(forecast)</a:t>
+            </a:r>
+          </a:p>
+          <a:p>
+            <a:pPr marL="0" indent="0">
+              <a:buNone/>
+            </a:pPr>
+            <a:r>
+              <a:rPr lang="en-US" dirty="0">
+                <a:latin typeface="Courier New" panose="02070309020205020404" pitchFamily="49" charset="0"/>
+                <a:cs typeface="Courier New" panose="02070309020205020404" pitchFamily="49" charset="0"/>
+              </a:rPr>
+              <a:t>library(</a:t>
+            </a:r>
+            <a:r>
+              <a:rPr lang="en-US" dirty="0" err="1">
+                <a:latin typeface="Courier New" panose="02070309020205020404" pitchFamily="49" charset="0"/>
+                <a:cs typeface="Courier New" panose="02070309020205020404" pitchFamily="49" charset="0"/>
+              </a:rPr>
+              <a:t>tseries</a:t>
+            </a:r>
+            <a:r>
+              <a:rPr lang="en-US" dirty="0">
+                <a:latin typeface="Courier New" panose="02070309020205020404" pitchFamily="49" charset="0"/>
+                <a:cs typeface="Courier New" panose="02070309020205020404" pitchFamily="49" charset="0"/>
+              </a:rPr>
+              <a:t>)</a:t>
+            </a:r>
+          </a:p>
+          <a:p>
+            <a:pPr marL="0" indent="0">
+              <a:buNone/>
+            </a:pPr>
+            <a:r>
+              <a:rPr lang="en-US" dirty="0" err="1">
+                <a:latin typeface="Courier New" panose="02070309020205020404" pitchFamily="49" charset="0"/>
+                <a:cs typeface="Courier New" panose="02070309020205020404" pitchFamily="49" charset="0"/>
+              </a:rPr>
+              <a:t>arima</a:t>
+            </a:r>
+            <a:r>
+              <a:rPr lang="en-US" dirty="0">
+                <a:latin typeface="Courier New" panose="02070309020205020404" pitchFamily="49" charset="0"/>
+                <a:cs typeface="Courier New" panose="02070309020205020404" pitchFamily="49" charset="0"/>
+              </a:rPr>
+              <a:t>(</a:t>
+            </a:r>
+            <a:r>
+              <a:rPr lang="en-US" dirty="0" err="1">
+                <a:latin typeface="Courier New" panose="02070309020205020404" pitchFamily="49" charset="0"/>
+                <a:cs typeface="Courier New" panose="02070309020205020404" pitchFamily="49" charset="0"/>
+              </a:rPr>
+              <a:t>datavector</a:t>
+            </a:r>
+            <a:r>
+              <a:rPr lang="en-US" dirty="0">
+                <a:latin typeface="Courier New" panose="02070309020205020404" pitchFamily="49" charset="0"/>
+                <a:cs typeface="Courier New" panose="02070309020205020404" pitchFamily="49" charset="0"/>
+              </a:rPr>
+              <a:t>, order=c(p, d, q))</a:t>
+            </a:r>
+          </a:p>
+          <a:p>
+            <a:r>
+              <a:rPr lang="en-US" dirty="0"/>
+              <a:t>Python</a:t>
+            </a:r>
+          </a:p>
+          <a:p>
+            <a:pPr marL="0" indent="0">
+              <a:buNone/>
+            </a:pPr>
+            <a:r>
+              <a:rPr lang="en-US" dirty="0">
+                <a:latin typeface="Courier New" panose="02070309020205020404" pitchFamily="49" charset="0"/>
+                <a:cs typeface="Courier New" panose="02070309020205020404" pitchFamily="49" charset="0"/>
+              </a:rPr>
+              <a:t>library(forecast)</a:t>
+            </a:r>
+          </a:p>
+          <a:p>
+            <a:pPr marL="0" indent="0">
+              <a:buNone/>
+            </a:pPr>
+            <a:r>
+              <a:rPr lang="en-US" dirty="0">
+                <a:latin typeface="Courier New" panose="02070309020205020404" pitchFamily="49" charset="0"/>
+                <a:cs typeface="Courier New" panose="02070309020205020404" pitchFamily="49" charset="0"/>
+              </a:rPr>
+              <a:t>library(</a:t>
+            </a:r>
+            <a:r>
+              <a:rPr lang="en-US" dirty="0" err="1">
+                <a:latin typeface="Courier New" panose="02070309020205020404" pitchFamily="49" charset="0"/>
+                <a:cs typeface="Courier New" panose="02070309020205020404" pitchFamily="49" charset="0"/>
+              </a:rPr>
+              <a:t>tseries</a:t>
+            </a:r>
+            <a:r>
+              <a:rPr lang="en-US" dirty="0">
+                <a:latin typeface="Courier New" panose="02070309020205020404" pitchFamily="49" charset="0"/>
+                <a:cs typeface="Courier New" panose="02070309020205020404" pitchFamily="49" charset="0"/>
+              </a:rPr>
+              <a:t>)</a:t>
+            </a:r>
+          </a:p>
+          <a:p>
+            <a:pPr marL="0" indent="0">
+              <a:buNone/>
+            </a:pPr>
+            <a:r>
+              <a:rPr lang="en-US" dirty="0" err="1">
+                <a:latin typeface="Courier New" panose="02070309020205020404" pitchFamily="49" charset="0"/>
+                <a:cs typeface="Courier New" panose="02070309020205020404" pitchFamily="49" charset="0"/>
+              </a:rPr>
+              <a:t>arima</a:t>
+            </a:r>
+            <a:r>
+              <a:rPr lang="en-US" dirty="0">
+                <a:latin typeface="Courier New" panose="02070309020205020404" pitchFamily="49" charset="0"/>
+                <a:cs typeface="Courier New" panose="02070309020205020404" pitchFamily="49" charset="0"/>
+              </a:rPr>
+              <a:t>(</a:t>
+            </a:r>
+            <a:r>
+              <a:rPr lang="en-US" dirty="0" err="1">
+                <a:latin typeface="Courier New" panose="02070309020205020404" pitchFamily="49" charset="0"/>
+                <a:cs typeface="Courier New" panose="02070309020205020404" pitchFamily="49" charset="0"/>
+              </a:rPr>
+              <a:t>datavector</a:t>
+            </a:r>
+            <a:r>
+              <a:rPr lang="en-US" dirty="0">
+                <a:latin typeface="Courier New" panose="02070309020205020404" pitchFamily="49" charset="0"/>
+                <a:cs typeface="Courier New" panose="02070309020205020404" pitchFamily="49" charset="0"/>
+              </a:rPr>
+              <a:t>, order=c(p, d, q))</a:t>
+            </a:r>
+            <a:endParaRPr lang="en-US" dirty="0"/>
+          </a:p>
+          <a:p>
+            <a:endParaRPr lang="en-US" dirty="0"/>
+          </a:p>
+          <a:p>
+            <a:endParaRPr lang="en-US" dirty="0"/>
+          </a:p>
+        </p:txBody>
+      </p:sp>
+      <p:sp>
+        <p:nvSpPr>
+          <p:cNvPr id="4" name="Date Placeholder 3">
+            <a:extLst>
+              <a:ext uri="{FF2B5EF4-FFF2-40B4-BE49-F238E27FC236}">
+                <a16:creationId xmlns:a16="http://schemas.microsoft.com/office/drawing/2014/main" id="{02256D86-7CE0-416E-B2A3-402D20EE9E90}"/>
+              </a:ext>
+            </a:extLst>
+          </p:cNvPr>
+          <p:cNvSpPr>
+            <a:spLocks noGrp="1"/>
+          </p:cNvSpPr>
+          <p:nvPr>
+            <p:ph type="dt" sz="half" idx="10"/>
+          </p:nvPr>
+        </p:nvSpPr>
+        <p:spPr/>
+        <p:txBody>
+          <a:bodyPr/>
+          <a:lstStyle/>
+          <a:p>
+            <a:fld id="{B08FEED8-D7D4-44E9-BFBC-ED06B5996D94}" type="datetime4">
+              <a:rPr lang="en-US" smtClean="0"/>
+              <a:t>July 30, 2019</a:t>
+            </a:fld>
+            <a:endParaRPr lang="en-US" dirty="0"/>
+          </a:p>
+        </p:txBody>
+      </p:sp>
+      <p:sp>
+        <p:nvSpPr>
+          <p:cNvPr id="5" name="Footer Placeholder 4">
+            <a:extLst>
+              <a:ext uri="{FF2B5EF4-FFF2-40B4-BE49-F238E27FC236}">
+                <a16:creationId xmlns:a16="http://schemas.microsoft.com/office/drawing/2014/main" id="{1D4ED112-7CF4-4BB9-B46E-B366A5054A9A}"/>
+              </a:ext>
+            </a:extLst>
+          </p:cNvPr>
+          <p:cNvSpPr>
+            <a:spLocks noGrp="1"/>
+          </p:cNvSpPr>
+          <p:nvPr>
+            <p:ph type="ftr" sz="quarter" idx="11"/>
+          </p:nvPr>
+        </p:nvSpPr>
+        <p:spPr/>
+        <p:txBody>
+          <a:bodyPr/>
+          <a:lstStyle/>
+          <a:p>
+            <a:r>
+              <a:rPr lang="en-US"/>
+              <a:t>Digital Scholarship Services </a:t>
+            </a:r>
+            <a:r>
+              <a:rPr lang="en-US">
+                <a:solidFill>
+                  <a:schemeClr val="accent1">
+                    <a:lumMod val="50000"/>
+                  </a:schemeClr>
+                </a:solidFill>
+              </a:rPr>
+              <a:t>| Email</a:t>
+            </a:r>
+            <a:r>
+              <a:rPr lang="en-US"/>
+              <a:t> cf24@rice.edu </a:t>
+            </a:r>
+            <a:r>
+              <a:rPr lang="en-US">
+                <a:solidFill>
+                  <a:schemeClr val="accent1">
+                    <a:lumMod val="50000"/>
+                  </a:schemeClr>
+                </a:solidFill>
+              </a:rPr>
+              <a:t>|</a:t>
+            </a:r>
+            <a:r>
+              <a:rPr lang="en-US"/>
+              <a:t> library.rice.edu/dss</a:t>
+            </a:r>
+            <a:endParaRPr lang="en-US" dirty="0"/>
+          </a:p>
+        </p:txBody>
+      </p:sp>
+      <p:sp>
+        <p:nvSpPr>
+          <p:cNvPr id="6" name="Slide Number Placeholder 5">
+            <a:extLst>
+              <a:ext uri="{FF2B5EF4-FFF2-40B4-BE49-F238E27FC236}">
+                <a16:creationId xmlns:a16="http://schemas.microsoft.com/office/drawing/2014/main" id="{8CC75551-85BF-4C9F-8893-AA28ECA8A6B5}"/>
+              </a:ext>
+            </a:extLst>
+          </p:cNvPr>
+          <p:cNvSpPr>
+            <a:spLocks noGrp="1"/>
+          </p:cNvSpPr>
+          <p:nvPr>
+            <p:ph type="sldNum" sz="quarter" idx="12"/>
+          </p:nvPr>
+        </p:nvSpPr>
+        <p:spPr/>
+        <p:txBody>
+          <a:bodyPr/>
+          <a:lstStyle/>
+          <a:p>
+            <a:fld id="{D57F1E4F-1CFF-5643-939E-02111984F565}" type="slidenum">
+              <a:rPr lang="en-US" smtClean="0"/>
+              <a:t>42</a:t>
+            </a:fld>
+            <a:endParaRPr lang="en-US" dirty="0"/>
+          </a:p>
+        </p:txBody>
+      </p:sp>
+    </p:spTree>
+    <p:extLst>
+      <p:ext uri="{BB962C8B-B14F-4D97-AF65-F5344CB8AC3E}">
+        <p14:creationId xmlns:p14="http://schemas.microsoft.com/office/powerpoint/2010/main" val="3970019532"/>
+      </p:ext>
+    </p:extLst>
+  </p:cSld>
+  <p:clrMapOvr>
+    <a:masterClrMapping/>
+  </p:clrMapOvr>
+</p:sld>
+</file>
+
+<file path=ppt/slides/slide43.xml><?xml version="1.0" encoding="utf-8"?>
+<p:sld xmlns:a="http://schemas.openxmlformats.org/drawingml/2006/main" xmlns:r="http://schemas.openxmlformats.org/officeDocument/2006/relationships" xmlns:p="http://schemas.openxmlformats.org/presentationml/2006/main">
+  <p:cSld>
+    <p:spTree>
+      <p:nvGrpSpPr>
+        <p:cNvPr id="1" name=""/>
+        <p:cNvGrpSpPr/>
+        <p:nvPr/>
+      </p:nvGrpSpPr>
+      <p:grpSpPr>
+        <a:xfrm>
+          <a:off x="0" y="0"/>
+          <a:ext cx="0" cy="0"/>
+          <a:chOff x="0" y="0"/>
+          <a:chExt cx="0" cy="0"/>
+        </a:xfrm>
+      </p:grpSpPr>
+      <p:sp>
+        <p:nvSpPr>
+          <p:cNvPr id="2" name="Title 1">
+            <a:extLst>
+              <a:ext uri="{FF2B5EF4-FFF2-40B4-BE49-F238E27FC236}">
+                <a16:creationId xmlns:a16="http://schemas.microsoft.com/office/drawing/2014/main" id="{D1BF0482-6913-4A5E-A533-479864CB5349}"/>
+              </a:ext>
+            </a:extLst>
+          </p:cNvPr>
+          <p:cNvSpPr>
+            <a:spLocks noGrp="1"/>
+          </p:cNvSpPr>
+          <p:nvPr>
+            <p:ph type="title"/>
+          </p:nvPr>
+        </p:nvSpPr>
+        <p:spPr/>
+        <p:txBody>
+          <a:bodyPr/>
+          <a:lstStyle/>
+          <a:p>
+            <a:r>
+              <a:rPr lang="en-US" dirty="0"/>
+              <a:t>A FEW THINGS ABOUT ARIMA</a:t>
+            </a:r>
+          </a:p>
+        </p:txBody>
+      </p:sp>
+      <p:sp>
+        <p:nvSpPr>
+          <p:cNvPr id="3" name="Content Placeholder 2">
+            <a:extLst>
+              <a:ext uri="{FF2B5EF4-FFF2-40B4-BE49-F238E27FC236}">
+                <a16:creationId xmlns:a16="http://schemas.microsoft.com/office/drawing/2014/main" id="{D48271C9-2790-46C9-B80B-52D215430CB8}"/>
+              </a:ext>
+            </a:extLst>
+          </p:cNvPr>
+          <p:cNvSpPr>
+            <a:spLocks noGrp="1"/>
+          </p:cNvSpPr>
+          <p:nvPr>
+            <p:ph idx="1"/>
+          </p:nvPr>
+        </p:nvSpPr>
+        <p:spPr/>
+        <p:txBody>
+          <a:bodyPr/>
+          <a:lstStyle/>
+          <a:p>
+            <a:r>
+              <a:rPr lang="en-US" dirty="0"/>
+              <a:t>Modeling is slow, especially when compared to our next class of models</a:t>
+            </a:r>
+          </a:p>
+          <a:p>
+            <a:r>
+              <a:rPr lang="en-US" dirty="0"/>
+              <a:t>Figuring out what values to use for the orders is not an exact science</a:t>
+            </a:r>
+          </a:p>
+          <a:p>
+            <a:pPr lvl="1"/>
+            <a:r>
+              <a:rPr lang="en-US" dirty="0"/>
+              <a:t>Our plots give us a good idea, but it’s a good idea to try a few more in the general area</a:t>
+            </a:r>
+          </a:p>
+          <a:p>
+            <a:pPr lvl="1"/>
+            <a:r>
+              <a:rPr lang="en-US" dirty="0"/>
+              <a:t>Can do a grid search, for example</a:t>
+            </a:r>
+          </a:p>
+          <a:p>
+            <a:pPr lvl="2"/>
+            <a:r>
+              <a:rPr lang="en-US"/>
+              <a:t>Automatically try </a:t>
+            </a:r>
+            <a:r>
+              <a:rPr lang="en-US" dirty="0"/>
+              <a:t>a bunch of models and see what works</a:t>
+            </a:r>
+          </a:p>
+        </p:txBody>
+      </p:sp>
+      <p:sp>
+        <p:nvSpPr>
+          <p:cNvPr id="4" name="Date Placeholder 3">
+            <a:extLst>
+              <a:ext uri="{FF2B5EF4-FFF2-40B4-BE49-F238E27FC236}">
+                <a16:creationId xmlns:a16="http://schemas.microsoft.com/office/drawing/2014/main" id="{B23DAF35-209C-48FA-AAAB-F69E14183A91}"/>
+              </a:ext>
+            </a:extLst>
+          </p:cNvPr>
+          <p:cNvSpPr>
+            <a:spLocks noGrp="1"/>
+          </p:cNvSpPr>
+          <p:nvPr>
+            <p:ph type="dt" sz="half" idx="10"/>
+          </p:nvPr>
+        </p:nvSpPr>
+        <p:spPr/>
+        <p:txBody>
+          <a:bodyPr/>
+          <a:lstStyle/>
+          <a:p>
+            <a:fld id="{8AAE40A0-A7D8-4DC3-BC9E-BADA32DA2004}" type="datetime4">
+              <a:rPr lang="en-US" smtClean="0"/>
+              <a:t>July 30, 2019</a:t>
+            </a:fld>
+            <a:endParaRPr lang="en-US" dirty="0"/>
+          </a:p>
+        </p:txBody>
+      </p:sp>
+      <p:sp>
+        <p:nvSpPr>
+          <p:cNvPr id="5" name="Footer Placeholder 4">
+            <a:extLst>
+              <a:ext uri="{FF2B5EF4-FFF2-40B4-BE49-F238E27FC236}">
+                <a16:creationId xmlns:a16="http://schemas.microsoft.com/office/drawing/2014/main" id="{3D8E22A6-180D-41CF-9959-4347A11F2AD1}"/>
+              </a:ext>
+            </a:extLst>
+          </p:cNvPr>
+          <p:cNvSpPr>
+            <a:spLocks noGrp="1"/>
+          </p:cNvSpPr>
+          <p:nvPr>
+            <p:ph type="ftr" sz="quarter" idx="11"/>
+          </p:nvPr>
+        </p:nvSpPr>
+        <p:spPr/>
+        <p:txBody>
+          <a:bodyPr/>
+          <a:lstStyle/>
+          <a:p>
+            <a:r>
+              <a:rPr lang="en-US"/>
+              <a:t>Digital Scholarship Services </a:t>
+            </a:r>
+            <a:r>
+              <a:rPr lang="en-US">
+                <a:solidFill>
+                  <a:schemeClr val="accent1">
+                    <a:lumMod val="50000"/>
+                  </a:schemeClr>
+                </a:solidFill>
+              </a:rPr>
+              <a:t>| Email</a:t>
+            </a:r>
+            <a:r>
+              <a:rPr lang="en-US"/>
+              <a:t> cf24@rice.edu </a:t>
+            </a:r>
+            <a:r>
+              <a:rPr lang="en-US">
+                <a:solidFill>
+                  <a:schemeClr val="accent1">
+                    <a:lumMod val="50000"/>
+                  </a:schemeClr>
+                </a:solidFill>
+              </a:rPr>
+              <a:t>|</a:t>
+            </a:r>
+            <a:r>
+              <a:rPr lang="en-US"/>
+              <a:t> library.rice.edu/dss</a:t>
+            </a:r>
+            <a:endParaRPr lang="en-US" dirty="0"/>
+          </a:p>
+        </p:txBody>
+      </p:sp>
+      <p:sp>
+        <p:nvSpPr>
+          <p:cNvPr id="6" name="Slide Number Placeholder 5">
+            <a:extLst>
+              <a:ext uri="{FF2B5EF4-FFF2-40B4-BE49-F238E27FC236}">
+                <a16:creationId xmlns:a16="http://schemas.microsoft.com/office/drawing/2014/main" id="{CECE3146-0C2B-4CC7-BC7C-FD23AAF7ECAE}"/>
+              </a:ext>
+            </a:extLst>
+          </p:cNvPr>
+          <p:cNvSpPr>
+            <a:spLocks noGrp="1"/>
+          </p:cNvSpPr>
+          <p:nvPr>
+            <p:ph type="sldNum" sz="quarter" idx="12"/>
+          </p:nvPr>
+        </p:nvSpPr>
+        <p:spPr/>
+        <p:txBody>
+          <a:bodyPr/>
+          <a:lstStyle/>
+          <a:p>
+            <a:fld id="{D57F1E4F-1CFF-5643-939E-02111984F565}" type="slidenum">
+              <a:rPr lang="en-US" smtClean="0"/>
+              <a:t>43</a:t>
+            </a:fld>
+            <a:endParaRPr lang="en-US" dirty="0"/>
+          </a:p>
+        </p:txBody>
+      </p:sp>
+    </p:spTree>
+    <p:extLst>
+      <p:ext uri="{BB962C8B-B14F-4D97-AF65-F5344CB8AC3E}">
+        <p14:creationId xmlns:p14="http://schemas.microsoft.com/office/powerpoint/2010/main" val="3624540971"/>
+      </p:ext>
+    </p:extLst>
+  </p:cSld>
+  <p:clrMapOvr>
+    <a:masterClrMapping/>
+  </p:clrMapOvr>
+</p:sld>
+</file>
+
+<file path=ppt/slides/slide44.xml><?xml version="1.0" encoding="utf-8"?>
+<p:sld xmlns:a="http://schemas.openxmlformats.org/drawingml/2006/main" xmlns:r="http://schemas.openxmlformats.org/officeDocument/2006/relationships" xmlns:p="http://schemas.openxmlformats.org/presentationml/2006/main">
+  <p:cSld>
+    <p:spTree>
+      <p:nvGrpSpPr>
+        <p:cNvPr id="1" name=""/>
+        <p:cNvGrpSpPr/>
+        <p:nvPr/>
+      </p:nvGrpSpPr>
+      <p:grpSpPr>
+        <a:xfrm>
+          <a:off x="0" y="0"/>
+          <a:ext cx="0" cy="0"/>
+          <a:chOff x="0" y="0"/>
+          <a:chExt cx="0" cy="0"/>
+        </a:xfrm>
+      </p:grpSpPr>
+      <p:sp>
+        <p:nvSpPr>
+          <p:cNvPr id="7" name="Title 6">
+            <a:extLst>
+              <a:ext uri="{FF2B5EF4-FFF2-40B4-BE49-F238E27FC236}">
+                <a16:creationId xmlns:a16="http://schemas.microsoft.com/office/drawing/2014/main" id="{7802FB34-7510-47BC-8952-A1FE9728B0BF}"/>
+              </a:ext>
+            </a:extLst>
+          </p:cNvPr>
+          <p:cNvSpPr>
+            <a:spLocks noGrp="1"/>
+          </p:cNvSpPr>
+          <p:nvPr>
+            <p:ph type="title"/>
+          </p:nvPr>
+        </p:nvSpPr>
+        <p:spPr/>
+        <p:txBody>
+          <a:bodyPr/>
+          <a:lstStyle/>
+          <a:p>
+            <a:r>
+              <a:rPr lang="en-US" dirty="0"/>
+              <a:t>PROPHET MODELS</a:t>
+            </a:r>
+          </a:p>
+        </p:txBody>
+      </p:sp>
+      <p:sp>
+        <p:nvSpPr>
+          <p:cNvPr id="8" name="Text Placeholder 7">
+            <a:extLst>
+              <a:ext uri="{FF2B5EF4-FFF2-40B4-BE49-F238E27FC236}">
+                <a16:creationId xmlns:a16="http://schemas.microsoft.com/office/drawing/2014/main" id="{FCA70F1A-579E-4144-AE97-14FFC08FF0F5}"/>
+              </a:ext>
+            </a:extLst>
+          </p:cNvPr>
+          <p:cNvSpPr>
+            <a:spLocks noGrp="1"/>
+          </p:cNvSpPr>
+          <p:nvPr>
+            <p:ph type="body" idx="1"/>
+          </p:nvPr>
+        </p:nvSpPr>
+        <p:spPr/>
+        <p:txBody>
+          <a:bodyPr/>
+          <a:lstStyle/>
+          <a:p>
+            <a:r>
+              <a:rPr lang="en-US" dirty="0"/>
+              <a:t>Facebook’s in-house forecasting tool</a:t>
+            </a:r>
+          </a:p>
+        </p:txBody>
+      </p:sp>
+      <p:sp>
+        <p:nvSpPr>
+          <p:cNvPr id="4" name="Date Placeholder 3">
+            <a:extLst>
+              <a:ext uri="{FF2B5EF4-FFF2-40B4-BE49-F238E27FC236}">
+                <a16:creationId xmlns:a16="http://schemas.microsoft.com/office/drawing/2014/main" id="{3AD929EF-0967-4B34-81B8-24D9EF91892E}"/>
+              </a:ext>
+            </a:extLst>
+          </p:cNvPr>
+          <p:cNvSpPr>
+            <a:spLocks noGrp="1"/>
+          </p:cNvSpPr>
+          <p:nvPr>
+            <p:ph type="dt" sz="half" idx="10"/>
+          </p:nvPr>
+        </p:nvSpPr>
+        <p:spPr/>
+        <p:txBody>
+          <a:bodyPr/>
+          <a:lstStyle/>
+          <a:p>
+            <a:fld id="{8AAE40A0-A7D8-4DC3-BC9E-BADA32DA2004}" type="datetime4">
+              <a:rPr lang="en-US" smtClean="0"/>
+              <a:t>July 30, 2019</a:t>
+            </a:fld>
+            <a:endParaRPr lang="en-US" dirty="0"/>
+          </a:p>
+        </p:txBody>
+      </p:sp>
+      <p:sp>
+        <p:nvSpPr>
+          <p:cNvPr id="5" name="Footer Placeholder 4">
+            <a:extLst>
+              <a:ext uri="{FF2B5EF4-FFF2-40B4-BE49-F238E27FC236}">
+                <a16:creationId xmlns:a16="http://schemas.microsoft.com/office/drawing/2014/main" id="{3B5B35DD-F2EA-40D3-8039-8CD3802B2612}"/>
+              </a:ext>
+            </a:extLst>
+          </p:cNvPr>
+          <p:cNvSpPr>
+            <a:spLocks noGrp="1"/>
+          </p:cNvSpPr>
+          <p:nvPr>
+            <p:ph type="ftr" sz="quarter" idx="11"/>
+          </p:nvPr>
+        </p:nvSpPr>
+        <p:spPr/>
+        <p:txBody>
+          <a:bodyPr/>
+          <a:lstStyle/>
+          <a:p>
+            <a:r>
+              <a:rPr lang="en-US"/>
+              <a:t>Digital Scholarship Services </a:t>
+            </a:r>
+            <a:r>
+              <a:rPr lang="en-US">
+                <a:solidFill>
+                  <a:schemeClr val="accent1">
+                    <a:lumMod val="50000"/>
+                  </a:schemeClr>
+                </a:solidFill>
+              </a:rPr>
+              <a:t>| Email</a:t>
+            </a:r>
+            <a:r>
+              <a:rPr lang="en-US"/>
+              <a:t> cf24@rice.edu </a:t>
+            </a:r>
+            <a:r>
+              <a:rPr lang="en-US">
+                <a:solidFill>
+                  <a:schemeClr val="accent1">
+                    <a:lumMod val="50000"/>
+                  </a:schemeClr>
+                </a:solidFill>
+              </a:rPr>
+              <a:t>|</a:t>
+            </a:r>
+            <a:r>
+              <a:rPr lang="en-US"/>
+              <a:t> library.rice.edu/dss</a:t>
+            </a:r>
+            <a:endParaRPr lang="en-US" dirty="0"/>
+          </a:p>
+        </p:txBody>
+      </p:sp>
+      <p:sp>
+        <p:nvSpPr>
+          <p:cNvPr id="6" name="Slide Number Placeholder 5">
+            <a:extLst>
+              <a:ext uri="{FF2B5EF4-FFF2-40B4-BE49-F238E27FC236}">
+                <a16:creationId xmlns:a16="http://schemas.microsoft.com/office/drawing/2014/main" id="{C3EB9A57-323C-47F5-867F-693F95A15FA4}"/>
+              </a:ext>
+            </a:extLst>
+          </p:cNvPr>
+          <p:cNvSpPr>
+            <a:spLocks noGrp="1"/>
+          </p:cNvSpPr>
+          <p:nvPr>
+            <p:ph type="sldNum" sz="quarter" idx="12"/>
+          </p:nvPr>
+        </p:nvSpPr>
+        <p:spPr/>
+        <p:txBody>
+          <a:bodyPr/>
+          <a:lstStyle/>
+          <a:p>
+            <a:fld id="{D57F1E4F-1CFF-5643-939E-02111984F565}" type="slidenum">
+              <a:rPr lang="en-US" smtClean="0"/>
+              <a:t>44</a:t>
+            </a:fld>
+            <a:endParaRPr lang="en-US" dirty="0"/>
+          </a:p>
+        </p:txBody>
+      </p:sp>
+    </p:spTree>
+    <p:extLst>
+      <p:ext uri="{BB962C8B-B14F-4D97-AF65-F5344CB8AC3E}">
+        <p14:creationId xmlns:p14="http://schemas.microsoft.com/office/powerpoint/2010/main" val="4082739096"/>
+      </p:ext>
+    </p:extLst>
+  </p:cSld>
+  <p:clrMapOvr>
+    <a:masterClrMapping/>
+  </p:clrMapOvr>
+</p:sld>
+</file>
+
+<file path=ppt/slides/slide45.xml><?xml version="1.0" encoding="utf-8"?>
+<p:sld xmlns:a="http://schemas.openxmlformats.org/drawingml/2006/main" xmlns:r="http://schemas.openxmlformats.org/officeDocument/2006/relationships" xmlns:p="http://schemas.openxmlformats.org/presentationml/2006/main">
+  <p:cSld>
+    <p:spTree>
+      <p:nvGrpSpPr>
+        <p:cNvPr id="1" name=""/>
+        <p:cNvGrpSpPr/>
+        <p:nvPr/>
+      </p:nvGrpSpPr>
+      <p:grpSpPr>
+        <a:xfrm>
+          <a:off x="0" y="0"/>
+          <a:ext cx="0" cy="0"/>
+          <a:chOff x="0" y="0"/>
+          <a:chExt cx="0" cy="0"/>
+        </a:xfrm>
+      </p:grpSpPr>
+      <p:sp>
+        <p:nvSpPr>
+          <p:cNvPr id="7" name="Title 6">
+            <a:extLst>
+              <a:ext uri="{FF2B5EF4-FFF2-40B4-BE49-F238E27FC236}">
+                <a16:creationId xmlns:a16="http://schemas.microsoft.com/office/drawing/2014/main" id="{75C0DCD3-95F8-4E1F-BF1A-5FAAB84A40A3}"/>
+              </a:ext>
+            </a:extLst>
+          </p:cNvPr>
+          <p:cNvSpPr>
+            <a:spLocks noGrp="1"/>
+          </p:cNvSpPr>
+          <p:nvPr>
+            <p:ph type="title"/>
+          </p:nvPr>
+        </p:nvSpPr>
+        <p:spPr/>
+        <p:txBody>
+          <a:bodyPr/>
+          <a:lstStyle/>
+          <a:p>
+            <a:r>
+              <a:rPr lang="en-US" dirty="0"/>
+              <a:t>PROPHET MODELS</a:t>
+            </a:r>
+          </a:p>
+        </p:txBody>
+      </p:sp>
+      <p:sp>
+        <p:nvSpPr>
+          <p:cNvPr id="8" name="Content Placeholder 7">
+            <a:extLst>
+              <a:ext uri="{FF2B5EF4-FFF2-40B4-BE49-F238E27FC236}">
+                <a16:creationId xmlns:a16="http://schemas.microsoft.com/office/drawing/2014/main" id="{52BB1FAB-BB61-4B66-A4EA-A0EABC2B3ECA}"/>
+              </a:ext>
+            </a:extLst>
+          </p:cNvPr>
+          <p:cNvSpPr>
+            <a:spLocks noGrp="1"/>
+          </p:cNvSpPr>
+          <p:nvPr>
+            <p:ph idx="1"/>
+          </p:nvPr>
+        </p:nvSpPr>
+        <p:spPr/>
+        <p:txBody>
+          <a:bodyPr/>
+          <a:lstStyle/>
+          <a:p>
+            <a:r>
+              <a:rPr lang="en-US" dirty="0"/>
+              <a:t>Cutting up a forecast</a:t>
+            </a:r>
+          </a:p>
+          <a:p>
+            <a:r>
+              <a:rPr lang="en-US" dirty="0"/>
+              <a:t>Pros:</a:t>
+            </a:r>
+          </a:p>
+          <a:p>
+            <a:pPr lvl="1"/>
+            <a:r>
+              <a:rPr lang="en-US" dirty="0"/>
+              <a:t>Fast and scalable</a:t>
+            </a:r>
+          </a:p>
+          <a:p>
+            <a:pPr lvl="1"/>
+            <a:r>
+              <a:rPr lang="en-US" dirty="0"/>
+              <a:t>Parameters are very easy to understand</a:t>
+            </a:r>
+          </a:p>
+          <a:p>
+            <a:pPr lvl="1"/>
+            <a:r>
+              <a:rPr lang="en-US" dirty="0"/>
+              <a:t>Deals with holidays very elegantly</a:t>
+            </a:r>
+          </a:p>
+          <a:p>
+            <a:pPr lvl="1"/>
+            <a:r>
+              <a:rPr lang="en-US" dirty="0"/>
+              <a:t>Splitting models up allows even more flexibility</a:t>
+            </a:r>
+          </a:p>
+          <a:p>
+            <a:pPr lvl="1"/>
+            <a:r>
+              <a:rPr lang="en-US" dirty="0"/>
+              <a:t>Performs quite well! Results often better than ARIMA</a:t>
+            </a:r>
+          </a:p>
+          <a:p>
+            <a:r>
+              <a:rPr lang="en-US" dirty="0"/>
+              <a:t>Cons:</a:t>
+            </a:r>
+          </a:p>
+          <a:p>
+            <a:pPr lvl="1"/>
+            <a:r>
+              <a:rPr lang="en-US" dirty="0"/>
+              <a:t>Not as widely used (released in Sept. 2017)!</a:t>
+            </a:r>
+          </a:p>
+          <a:p>
+            <a:pPr lvl="1"/>
+            <a:r>
+              <a:rPr lang="en-US" dirty="0"/>
+              <a:t>The jury’s still out on this one</a:t>
+            </a:r>
+          </a:p>
+        </p:txBody>
+      </p:sp>
+      <p:sp>
+        <p:nvSpPr>
+          <p:cNvPr id="4" name="Date Placeholder 3">
+            <a:extLst>
+              <a:ext uri="{FF2B5EF4-FFF2-40B4-BE49-F238E27FC236}">
+                <a16:creationId xmlns:a16="http://schemas.microsoft.com/office/drawing/2014/main" id="{02256D86-7CE0-416E-B2A3-402D20EE9E90}"/>
+              </a:ext>
+            </a:extLst>
+          </p:cNvPr>
+          <p:cNvSpPr>
+            <a:spLocks noGrp="1"/>
+          </p:cNvSpPr>
+          <p:nvPr>
+            <p:ph type="dt" sz="half" idx="10"/>
+          </p:nvPr>
+        </p:nvSpPr>
+        <p:spPr/>
+        <p:txBody>
+          <a:bodyPr/>
+          <a:lstStyle/>
+          <a:p>
+            <a:fld id="{B08FEED8-D7D4-44E9-BFBC-ED06B5996D94}" type="datetime4">
+              <a:rPr lang="en-US" smtClean="0"/>
+              <a:t>July 30, 2019</a:t>
+            </a:fld>
+            <a:endParaRPr lang="en-US" dirty="0"/>
+          </a:p>
+        </p:txBody>
+      </p:sp>
+      <p:sp>
+        <p:nvSpPr>
+          <p:cNvPr id="5" name="Footer Placeholder 4">
+            <a:extLst>
+              <a:ext uri="{FF2B5EF4-FFF2-40B4-BE49-F238E27FC236}">
+                <a16:creationId xmlns:a16="http://schemas.microsoft.com/office/drawing/2014/main" id="{1D4ED112-7CF4-4BB9-B46E-B366A5054A9A}"/>
+              </a:ext>
+            </a:extLst>
+          </p:cNvPr>
+          <p:cNvSpPr>
+            <a:spLocks noGrp="1"/>
+          </p:cNvSpPr>
+          <p:nvPr>
+            <p:ph type="ftr" sz="quarter" idx="11"/>
+          </p:nvPr>
+        </p:nvSpPr>
+        <p:spPr/>
+        <p:txBody>
+          <a:bodyPr/>
+          <a:lstStyle/>
+          <a:p>
+            <a:r>
+              <a:rPr lang="en-US"/>
+              <a:t>Digital Scholarship Services </a:t>
+            </a:r>
+            <a:r>
+              <a:rPr lang="en-US">
+                <a:solidFill>
+                  <a:schemeClr val="accent1">
+                    <a:lumMod val="50000"/>
+                  </a:schemeClr>
+                </a:solidFill>
+              </a:rPr>
+              <a:t>| Email</a:t>
+            </a:r>
+            <a:r>
+              <a:rPr lang="en-US"/>
+              <a:t> cf24@rice.edu </a:t>
+            </a:r>
+            <a:r>
+              <a:rPr lang="en-US">
+                <a:solidFill>
+                  <a:schemeClr val="accent1">
+                    <a:lumMod val="50000"/>
+                  </a:schemeClr>
+                </a:solidFill>
+              </a:rPr>
+              <a:t>|</a:t>
+            </a:r>
+            <a:r>
+              <a:rPr lang="en-US"/>
+              <a:t> library.rice.edu/dss</a:t>
+            </a:r>
+            <a:endParaRPr lang="en-US" dirty="0"/>
+          </a:p>
+        </p:txBody>
+      </p:sp>
+      <p:sp>
+        <p:nvSpPr>
+          <p:cNvPr id="6" name="Slide Number Placeholder 5">
+            <a:extLst>
+              <a:ext uri="{FF2B5EF4-FFF2-40B4-BE49-F238E27FC236}">
+                <a16:creationId xmlns:a16="http://schemas.microsoft.com/office/drawing/2014/main" id="{8CC75551-85BF-4C9F-8893-AA28ECA8A6B5}"/>
+              </a:ext>
+            </a:extLst>
+          </p:cNvPr>
+          <p:cNvSpPr>
+            <a:spLocks noGrp="1"/>
+          </p:cNvSpPr>
+          <p:nvPr>
+            <p:ph type="sldNum" sz="quarter" idx="12"/>
+          </p:nvPr>
+        </p:nvSpPr>
+        <p:spPr/>
+        <p:txBody>
+          <a:bodyPr/>
+          <a:lstStyle/>
+          <a:p>
+            <a:fld id="{D57F1E4F-1CFF-5643-939E-02111984F565}" type="slidenum">
+              <a:rPr lang="en-US" smtClean="0"/>
+              <a:t>45</a:t>
+            </a:fld>
+            <a:endParaRPr lang="en-US" dirty="0"/>
+          </a:p>
+        </p:txBody>
+      </p:sp>
+    </p:spTree>
+    <p:extLst>
+      <p:ext uri="{BB962C8B-B14F-4D97-AF65-F5344CB8AC3E}">
+        <p14:creationId xmlns:p14="http://schemas.microsoft.com/office/powerpoint/2010/main" val="3412561793"/>
+      </p:ext>
+    </p:extLst>
+  </p:cSld>
+  <p:clrMapOvr>
+    <a:masterClrMapping/>
+  </p:clrMapOvr>
+</p:sld>
+</file>
+
+<file path=ppt/slides/slide46.xml><?xml version="1.0" encoding="utf-8"?>
+<p:sld xmlns:a="http://schemas.openxmlformats.org/drawingml/2006/main" xmlns:r="http://schemas.openxmlformats.org/officeDocument/2006/relationships" xmlns:p="http://schemas.openxmlformats.org/presentationml/2006/main">
+  <p:cSld>
+    <p:spTree>
+      <p:nvGrpSpPr>
+        <p:cNvPr id="1" name=""/>
+        <p:cNvGrpSpPr/>
+        <p:nvPr/>
+      </p:nvGrpSpPr>
+      <p:grpSpPr>
+        <a:xfrm>
+          <a:off x="0" y="0"/>
+          <a:ext cx="0" cy="0"/>
+          <a:chOff x="0" y="0"/>
+          <a:chExt cx="0" cy="0"/>
+        </a:xfrm>
+      </p:grpSpPr>
+      <p:sp>
+        <p:nvSpPr>
+          <p:cNvPr id="7" name="Title 6">
+            <a:extLst>
+              <a:ext uri="{FF2B5EF4-FFF2-40B4-BE49-F238E27FC236}">
+                <a16:creationId xmlns:a16="http://schemas.microsoft.com/office/drawing/2014/main" id="{7802FB34-7510-47BC-8952-A1FE9728B0BF}"/>
+              </a:ext>
+            </a:extLst>
+          </p:cNvPr>
+          <p:cNvSpPr>
+            <a:spLocks noGrp="1"/>
+          </p:cNvSpPr>
+          <p:nvPr>
+            <p:ph type="title"/>
+          </p:nvPr>
+        </p:nvSpPr>
+        <p:spPr/>
+        <p:txBody>
+          <a:bodyPr/>
+          <a:lstStyle/>
+          <a:p>
+            <a:r>
+              <a:rPr lang="en-US" dirty="0"/>
+              <a:t>MARKOV CHAIN MODELS</a:t>
+            </a:r>
+          </a:p>
+        </p:txBody>
+      </p:sp>
+      <p:sp>
+        <p:nvSpPr>
+          <p:cNvPr id="8" name="Text Placeholder 7">
+            <a:extLst>
+              <a:ext uri="{FF2B5EF4-FFF2-40B4-BE49-F238E27FC236}">
+                <a16:creationId xmlns:a16="http://schemas.microsoft.com/office/drawing/2014/main" id="{FCA70F1A-579E-4144-AE97-14FFC08FF0F5}"/>
+              </a:ext>
+            </a:extLst>
+          </p:cNvPr>
+          <p:cNvSpPr>
+            <a:spLocks noGrp="1"/>
+          </p:cNvSpPr>
+          <p:nvPr>
+            <p:ph type="body" idx="1"/>
+          </p:nvPr>
+        </p:nvSpPr>
+        <p:spPr/>
+        <p:txBody>
+          <a:bodyPr/>
+          <a:lstStyle/>
+          <a:p>
+            <a:r>
+              <a:rPr lang="en-US" dirty="0"/>
+              <a:t>Inferring sequences of states</a:t>
+            </a:r>
+          </a:p>
+        </p:txBody>
+      </p:sp>
+      <p:sp>
+        <p:nvSpPr>
+          <p:cNvPr id="4" name="Date Placeholder 3">
+            <a:extLst>
+              <a:ext uri="{FF2B5EF4-FFF2-40B4-BE49-F238E27FC236}">
+                <a16:creationId xmlns:a16="http://schemas.microsoft.com/office/drawing/2014/main" id="{3AD929EF-0967-4B34-81B8-24D9EF91892E}"/>
+              </a:ext>
+            </a:extLst>
+          </p:cNvPr>
+          <p:cNvSpPr>
+            <a:spLocks noGrp="1"/>
+          </p:cNvSpPr>
+          <p:nvPr>
+            <p:ph type="dt" sz="half" idx="10"/>
+          </p:nvPr>
+        </p:nvSpPr>
+        <p:spPr/>
+        <p:txBody>
+          <a:bodyPr/>
+          <a:lstStyle/>
+          <a:p>
+            <a:fld id="{8AAE40A0-A7D8-4DC3-BC9E-BADA32DA2004}" type="datetime4">
+              <a:rPr lang="en-US" smtClean="0"/>
+              <a:t>July 30, 2019</a:t>
+            </a:fld>
+            <a:endParaRPr lang="en-US" dirty="0"/>
+          </a:p>
+        </p:txBody>
+      </p:sp>
+      <p:sp>
+        <p:nvSpPr>
+          <p:cNvPr id="5" name="Footer Placeholder 4">
+            <a:extLst>
+              <a:ext uri="{FF2B5EF4-FFF2-40B4-BE49-F238E27FC236}">
+                <a16:creationId xmlns:a16="http://schemas.microsoft.com/office/drawing/2014/main" id="{3B5B35DD-F2EA-40D3-8039-8CD3802B2612}"/>
+              </a:ext>
+            </a:extLst>
+          </p:cNvPr>
+          <p:cNvSpPr>
+            <a:spLocks noGrp="1"/>
+          </p:cNvSpPr>
+          <p:nvPr>
+            <p:ph type="ftr" sz="quarter" idx="11"/>
+          </p:nvPr>
+        </p:nvSpPr>
+        <p:spPr/>
+        <p:txBody>
+          <a:bodyPr/>
+          <a:lstStyle/>
+          <a:p>
+            <a:r>
+              <a:rPr lang="en-US"/>
+              <a:t>Digital Scholarship Services </a:t>
+            </a:r>
+            <a:r>
+              <a:rPr lang="en-US">
+                <a:solidFill>
+                  <a:schemeClr val="accent1">
+                    <a:lumMod val="50000"/>
+                  </a:schemeClr>
+                </a:solidFill>
+              </a:rPr>
+              <a:t>| Email</a:t>
+            </a:r>
+            <a:r>
+              <a:rPr lang="en-US"/>
+              <a:t> cf24@rice.edu </a:t>
+            </a:r>
+            <a:r>
+              <a:rPr lang="en-US">
+                <a:solidFill>
+                  <a:schemeClr val="accent1">
+                    <a:lumMod val="50000"/>
+                  </a:schemeClr>
+                </a:solidFill>
+              </a:rPr>
+              <a:t>|</a:t>
+            </a:r>
+            <a:r>
+              <a:rPr lang="en-US"/>
+              <a:t> library.rice.edu/dss</a:t>
+            </a:r>
+            <a:endParaRPr lang="en-US" dirty="0"/>
+          </a:p>
+        </p:txBody>
+      </p:sp>
+      <p:sp>
+        <p:nvSpPr>
+          <p:cNvPr id="6" name="Slide Number Placeholder 5">
+            <a:extLst>
+              <a:ext uri="{FF2B5EF4-FFF2-40B4-BE49-F238E27FC236}">
+                <a16:creationId xmlns:a16="http://schemas.microsoft.com/office/drawing/2014/main" id="{C3EB9A57-323C-47F5-867F-693F95A15FA4}"/>
+              </a:ext>
+            </a:extLst>
+          </p:cNvPr>
+          <p:cNvSpPr>
+            <a:spLocks noGrp="1"/>
+          </p:cNvSpPr>
+          <p:nvPr>
+            <p:ph type="sldNum" sz="quarter" idx="12"/>
+          </p:nvPr>
+        </p:nvSpPr>
+        <p:spPr/>
+        <p:txBody>
+          <a:bodyPr/>
+          <a:lstStyle/>
+          <a:p>
+            <a:fld id="{D57F1E4F-1CFF-5643-939E-02111984F565}" type="slidenum">
+              <a:rPr lang="en-US" smtClean="0"/>
+              <a:t>46</a:t>
+            </a:fld>
+            <a:endParaRPr lang="en-US" dirty="0"/>
+          </a:p>
+        </p:txBody>
+      </p:sp>
+    </p:spTree>
+    <p:extLst>
+      <p:ext uri="{BB962C8B-B14F-4D97-AF65-F5344CB8AC3E}">
+        <p14:creationId xmlns:p14="http://schemas.microsoft.com/office/powerpoint/2010/main" val="948205976"/>
+      </p:ext>
+    </p:extLst>
+  </p:cSld>
+  <p:clrMapOvr>
+    <a:masterClrMapping/>
+  </p:clrMapOvr>
+</p:sld>
+</file>
+
+<file path=ppt/slides/slide47.xml><?xml version="1.0" encoding="utf-8"?>
+<p:sld xmlns:a="http://schemas.openxmlformats.org/drawingml/2006/main" xmlns:r="http://schemas.openxmlformats.org/officeDocument/2006/relationships" xmlns:p="http://schemas.openxmlformats.org/presentationml/2006/main">
+  <p:cSld>
+    <p:spTree>
+      <p:nvGrpSpPr>
+        <p:cNvPr id="1" name=""/>
+        <p:cNvGrpSpPr/>
+        <p:nvPr/>
+      </p:nvGrpSpPr>
+      <p:grpSpPr>
+        <a:xfrm>
+          <a:off x="0" y="0"/>
+          <a:ext cx="0" cy="0"/>
+          <a:chOff x="0" y="0"/>
+          <a:chExt cx="0" cy="0"/>
+        </a:xfrm>
+      </p:grpSpPr>
+      <p:sp>
+        <p:nvSpPr>
+          <p:cNvPr id="7" name="Title 6">
+            <a:extLst>
+              <a:ext uri="{FF2B5EF4-FFF2-40B4-BE49-F238E27FC236}">
+                <a16:creationId xmlns:a16="http://schemas.microsoft.com/office/drawing/2014/main" id="{75C0DCD3-95F8-4E1F-BF1A-5FAAB84A40A3}"/>
+              </a:ext>
+            </a:extLst>
+          </p:cNvPr>
+          <p:cNvSpPr>
+            <a:spLocks noGrp="1"/>
+          </p:cNvSpPr>
+          <p:nvPr>
+            <p:ph type="title"/>
+          </p:nvPr>
+        </p:nvSpPr>
+        <p:spPr/>
+        <p:txBody>
+          <a:bodyPr/>
+          <a:lstStyle/>
+          <a:p>
+            <a:r>
+              <a:rPr lang="en-US" dirty="0"/>
+              <a:t>MARKOV CHAIN MODELS</a:t>
+            </a:r>
+          </a:p>
+        </p:txBody>
+      </p:sp>
+      <p:sp>
+        <p:nvSpPr>
+          <p:cNvPr id="8" name="Content Placeholder 7">
+            <a:extLst>
+              <a:ext uri="{FF2B5EF4-FFF2-40B4-BE49-F238E27FC236}">
+                <a16:creationId xmlns:a16="http://schemas.microsoft.com/office/drawing/2014/main" id="{52BB1FAB-BB61-4B66-A4EA-A0EABC2B3ECA}"/>
+              </a:ext>
+            </a:extLst>
+          </p:cNvPr>
+          <p:cNvSpPr>
+            <a:spLocks noGrp="1"/>
+          </p:cNvSpPr>
+          <p:nvPr>
+            <p:ph idx="1"/>
+          </p:nvPr>
+        </p:nvSpPr>
+        <p:spPr/>
+        <p:txBody>
+          <a:bodyPr/>
+          <a:lstStyle/>
+          <a:p>
+            <a:r>
+              <a:rPr lang="en-US" dirty="0"/>
+              <a:t>Modeling</a:t>
+            </a:r>
+          </a:p>
+          <a:p>
+            <a:r>
+              <a:rPr lang="en-US" dirty="0"/>
+              <a:t>Pros:</a:t>
+            </a:r>
+          </a:p>
+          <a:p>
+            <a:pPr lvl="1"/>
+            <a:r>
+              <a:rPr lang="en-US" dirty="0"/>
+              <a:t>Fast and scalable</a:t>
+            </a:r>
+          </a:p>
+          <a:p>
+            <a:pPr lvl="1"/>
+            <a:r>
+              <a:rPr lang="en-US" dirty="0"/>
+              <a:t>A great choice if you have some domain knowledge that lets you know that there are some ‘states’ in question</a:t>
+            </a:r>
+          </a:p>
+          <a:p>
+            <a:r>
+              <a:rPr lang="en-US" dirty="0"/>
+              <a:t>Cons:</a:t>
+            </a:r>
+          </a:p>
+          <a:p>
+            <a:pPr lvl="1"/>
+            <a:r>
+              <a:rPr lang="en-US" dirty="0"/>
+              <a:t>Not always easy to apply</a:t>
+            </a:r>
+          </a:p>
+          <a:p>
+            <a:pPr lvl="1"/>
+            <a:r>
+              <a:rPr lang="en-US" dirty="0"/>
+              <a:t>Not always easy to interpret</a:t>
+            </a:r>
+          </a:p>
+        </p:txBody>
+      </p:sp>
+      <p:sp>
+        <p:nvSpPr>
+          <p:cNvPr id="4" name="Date Placeholder 3">
+            <a:extLst>
+              <a:ext uri="{FF2B5EF4-FFF2-40B4-BE49-F238E27FC236}">
+                <a16:creationId xmlns:a16="http://schemas.microsoft.com/office/drawing/2014/main" id="{02256D86-7CE0-416E-B2A3-402D20EE9E90}"/>
+              </a:ext>
+            </a:extLst>
+          </p:cNvPr>
+          <p:cNvSpPr>
+            <a:spLocks noGrp="1"/>
+          </p:cNvSpPr>
+          <p:nvPr>
+            <p:ph type="dt" sz="half" idx="10"/>
+          </p:nvPr>
+        </p:nvSpPr>
+        <p:spPr/>
+        <p:txBody>
+          <a:bodyPr/>
+          <a:lstStyle/>
+          <a:p>
+            <a:fld id="{B08FEED8-D7D4-44E9-BFBC-ED06B5996D94}" type="datetime4">
+              <a:rPr lang="en-US" smtClean="0"/>
+              <a:t>July 30, 2019</a:t>
+            </a:fld>
+            <a:endParaRPr lang="en-US" dirty="0"/>
+          </a:p>
+        </p:txBody>
+      </p:sp>
+      <p:sp>
+        <p:nvSpPr>
+          <p:cNvPr id="5" name="Footer Placeholder 4">
+            <a:extLst>
+              <a:ext uri="{FF2B5EF4-FFF2-40B4-BE49-F238E27FC236}">
+                <a16:creationId xmlns:a16="http://schemas.microsoft.com/office/drawing/2014/main" id="{1D4ED112-7CF4-4BB9-B46E-B366A5054A9A}"/>
+              </a:ext>
+            </a:extLst>
+          </p:cNvPr>
+          <p:cNvSpPr>
+            <a:spLocks noGrp="1"/>
+          </p:cNvSpPr>
+          <p:nvPr>
+            <p:ph type="ftr" sz="quarter" idx="11"/>
+          </p:nvPr>
+        </p:nvSpPr>
+        <p:spPr/>
+        <p:txBody>
+          <a:bodyPr/>
+          <a:lstStyle/>
+          <a:p>
+            <a:r>
+              <a:rPr lang="en-US"/>
+              <a:t>Digital Scholarship Services </a:t>
+            </a:r>
+            <a:r>
+              <a:rPr lang="en-US">
+                <a:solidFill>
+                  <a:schemeClr val="accent1">
+                    <a:lumMod val="50000"/>
+                  </a:schemeClr>
+                </a:solidFill>
+              </a:rPr>
+              <a:t>| Email</a:t>
+            </a:r>
+            <a:r>
+              <a:rPr lang="en-US"/>
+              <a:t> cf24@rice.edu </a:t>
+            </a:r>
+            <a:r>
+              <a:rPr lang="en-US">
+                <a:solidFill>
+                  <a:schemeClr val="accent1">
+                    <a:lumMod val="50000"/>
+                  </a:schemeClr>
+                </a:solidFill>
+              </a:rPr>
+              <a:t>|</a:t>
+            </a:r>
+            <a:r>
+              <a:rPr lang="en-US"/>
+              <a:t> library.rice.edu/dss</a:t>
+            </a:r>
+            <a:endParaRPr lang="en-US" dirty="0"/>
+          </a:p>
+        </p:txBody>
+      </p:sp>
+      <p:sp>
+        <p:nvSpPr>
+          <p:cNvPr id="6" name="Slide Number Placeholder 5">
+            <a:extLst>
+              <a:ext uri="{FF2B5EF4-FFF2-40B4-BE49-F238E27FC236}">
+                <a16:creationId xmlns:a16="http://schemas.microsoft.com/office/drawing/2014/main" id="{8CC75551-85BF-4C9F-8893-AA28ECA8A6B5}"/>
+              </a:ext>
+            </a:extLst>
+          </p:cNvPr>
+          <p:cNvSpPr>
+            <a:spLocks noGrp="1"/>
+          </p:cNvSpPr>
+          <p:nvPr>
+            <p:ph type="sldNum" sz="quarter" idx="12"/>
+          </p:nvPr>
+        </p:nvSpPr>
+        <p:spPr/>
+        <p:txBody>
+          <a:bodyPr/>
+          <a:lstStyle/>
+          <a:p>
+            <a:fld id="{D57F1E4F-1CFF-5643-939E-02111984F565}" type="slidenum">
+              <a:rPr lang="en-US" smtClean="0"/>
+              <a:t>47</a:t>
+            </a:fld>
+            <a:endParaRPr lang="en-US" dirty="0"/>
+          </a:p>
+        </p:txBody>
+      </p:sp>
+    </p:spTree>
+    <p:extLst>
+      <p:ext uri="{BB962C8B-B14F-4D97-AF65-F5344CB8AC3E}">
+        <p14:creationId xmlns:p14="http://schemas.microsoft.com/office/powerpoint/2010/main" val="1370387550"/>
+      </p:ext>
+    </p:extLst>
+  </p:cSld>
+  <p:clrMapOvr>
+    <a:masterClrMapping/>
+  </p:clrMapOvr>
+</p:sld>
+</file>
+
+<file path=ppt/slides/slide48.xml><?xml version="1.0" encoding="utf-8"?>
+<p:sld xmlns:a="http://schemas.openxmlformats.org/drawingml/2006/main" xmlns:r="http://schemas.openxmlformats.org/officeDocument/2006/relationships" xmlns:p="http://schemas.openxmlformats.org/presentationml/2006/main">
+  <p:cSld>
+    <p:spTree>
+      <p:nvGrpSpPr>
+        <p:cNvPr id="1" name=""/>
+        <p:cNvGrpSpPr/>
+        <p:nvPr/>
+      </p:nvGrpSpPr>
+      <p:grpSpPr>
+        <a:xfrm>
+          <a:off x="0" y="0"/>
+          <a:ext cx="0" cy="0"/>
+          <a:chOff x="0" y="0"/>
+          <a:chExt cx="0" cy="0"/>
+        </a:xfrm>
+      </p:grpSpPr>
+      <p:sp>
+        <p:nvSpPr>
+          <p:cNvPr id="7" name="Title 6">
+            <a:extLst>
+              <a:ext uri="{FF2B5EF4-FFF2-40B4-BE49-F238E27FC236}">
+                <a16:creationId xmlns:a16="http://schemas.microsoft.com/office/drawing/2014/main" id="{7802FB34-7510-47BC-8952-A1FE9728B0BF}"/>
+              </a:ext>
+            </a:extLst>
+          </p:cNvPr>
+          <p:cNvSpPr>
+            <a:spLocks noGrp="1"/>
+          </p:cNvSpPr>
+          <p:nvPr>
+            <p:ph type="title"/>
+          </p:nvPr>
+        </p:nvSpPr>
+        <p:spPr/>
+        <p:txBody>
+          <a:bodyPr/>
+          <a:lstStyle/>
+          <a:p>
+            <a:r>
+              <a:rPr lang="en-US" dirty="0"/>
+              <a:t>NEURAL NETWORK</a:t>
+            </a:r>
+            <a:br>
+              <a:rPr lang="en-US" dirty="0"/>
+            </a:br>
+            <a:r>
+              <a:rPr lang="en-US" dirty="0"/>
+              <a:t>APPROACHES</a:t>
+            </a:r>
+          </a:p>
+        </p:txBody>
+      </p:sp>
+      <p:sp>
+        <p:nvSpPr>
+          <p:cNvPr id="8" name="Text Placeholder 7">
+            <a:extLst>
+              <a:ext uri="{FF2B5EF4-FFF2-40B4-BE49-F238E27FC236}">
+                <a16:creationId xmlns:a16="http://schemas.microsoft.com/office/drawing/2014/main" id="{FCA70F1A-579E-4144-AE97-14FFC08FF0F5}"/>
+              </a:ext>
+            </a:extLst>
+          </p:cNvPr>
+          <p:cNvSpPr>
+            <a:spLocks noGrp="1"/>
+          </p:cNvSpPr>
+          <p:nvPr>
+            <p:ph type="body" idx="1"/>
+          </p:nvPr>
+        </p:nvSpPr>
+        <p:spPr/>
+        <p:txBody>
+          <a:bodyPr/>
+          <a:lstStyle/>
+          <a:p>
+            <a:r>
+              <a:rPr lang="en-US" dirty="0"/>
+              <a:t>Breaking out the big guns</a:t>
+            </a:r>
+          </a:p>
+        </p:txBody>
+      </p:sp>
+      <p:sp>
+        <p:nvSpPr>
+          <p:cNvPr id="4" name="Date Placeholder 3">
+            <a:extLst>
+              <a:ext uri="{FF2B5EF4-FFF2-40B4-BE49-F238E27FC236}">
+                <a16:creationId xmlns:a16="http://schemas.microsoft.com/office/drawing/2014/main" id="{3AD929EF-0967-4B34-81B8-24D9EF91892E}"/>
+              </a:ext>
+            </a:extLst>
+          </p:cNvPr>
+          <p:cNvSpPr>
+            <a:spLocks noGrp="1"/>
+          </p:cNvSpPr>
+          <p:nvPr>
+            <p:ph type="dt" sz="half" idx="10"/>
+          </p:nvPr>
+        </p:nvSpPr>
+        <p:spPr/>
+        <p:txBody>
+          <a:bodyPr/>
+          <a:lstStyle/>
+          <a:p>
+            <a:fld id="{8AAE40A0-A7D8-4DC3-BC9E-BADA32DA2004}" type="datetime4">
+              <a:rPr lang="en-US" smtClean="0"/>
+              <a:t>July 30, 2019</a:t>
+            </a:fld>
+            <a:endParaRPr lang="en-US" dirty="0"/>
+          </a:p>
+        </p:txBody>
+      </p:sp>
+      <p:sp>
+        <p:nvSpPr>
+          <p:cNvPr id="5" name="Footer Placeholder 4">
+            <a:extLst>
+              <a:ext uri="{FF2B5EF4-FFF2-40B4-BE49-F238E27FC236}">
+                <a16:creationId xmlns:a16="http://schemas.microsoft.com/office/drawing/2014/main" id="{3B5B35DD-F2EA-40D3-8039-8CD3802B2612}"/>
+              </a:ext>
+            </a:extLst>
+          </p:cNvPr>
+          <p:cNvSpPr>
+            <a:spLocks noGrp="1"/>
+          </p:cNvSpPr>
+          <p:nvPr>
+            <p:ph type="ftr" sz="quarter" idx="11"/>
+          </p:nvPr>
+        </p:nvSpPr>
+        <p:spPr/>
+        <p:txBody>
+          <a:bodyPr/>
+          <a:lstStyle/>
+          <a:p>
+            <a:r>
+              <a:rPr lang="en-US"/>
+              <a:t>Digital Scholarship Services </a:t>
+            </a:r>
+            <a:r>
+              <a:rPr lang="en-US">
+                <a:solidFill>
+                  <a:schemeClr val="accent1">
+                    <a:lumMod val="50000"/>
+                  </a:schemeClr>
+                </a:solidFill>
+              </a:rPr>
+              <a:t>| Email</a:t>
+            </a:r>
+            <a:r>
+              <a:rPr lang="en-US"/>
+              <a:t> cf24@rice.edu </a:t>
+            </a:r>
+            <a:r>
+              <a:rPr lang="en-US">
+                <a:solidFill>
+                  <a:schemeClr val="accent1">
+                    <a:lumMod val="50000"/>
+                  </a:schemeClr>
+                </a:solidFill>
+              </a:rPr>
+              <a:t>|</a:t>
+            </a:r>
+            <a:r>
+              <a:rPr lang="en-US"/>
+              <a:t> library.rice.edu/dss</a:t>
+            </a:r>
+            <a:endParaRPr lang="en-US" dirty="0"/>
+          </a:p>
+        </p:txBody>
+      </p:sp>
+      <p:sp>
+        <p:nvSpPr>
+          <p:cNvPr id="6" name="Slide Number Placeholder 5">
+            <a:extLst>
+              <a:ext uri="{FF2B5EF4-FFF2-40B4-BE49-F238E27FC236}">
+                <a16:creationId xmlns:a16="http://schemas.microsoft.com/office/drawing/2014/main" id="{C3EB9A57-323C-47F5-867F-693F95A15FA4}"/>
+              </a:ext>
+            </a:extLst>
+          </p:cNvPr>
+          <p:cNvSpPr>
+            <a:spLocks noGrp="1"/>
+          </p:cNvSpPr>
+          <p:nvPr>
+            <p:ph type="sldNum" sz="quarter" idx="12"/>
+          </p:nvPr>
+        </p:nvSpPr>
+        <p:spPr/>
+        <p:txBody>
+          <a:bodyPr/>
+          <a:lstStyle/>
+          <a:p>
+            <a:fld id="{D57F1E4F-1CFF-5643-939E-02111984F565}" type="slidenum">
+              <a:rPr lang="en-US" smtClean="0"/>
+              <a:t>48</a:t>
+            </a:fld>
+            <a:endParaRPr lang="en-US" dirty="0"/>
+          </a:p>
+        </p:txBody>
+      </p:sp>
+    </p:spTree>
+    <p:extLst>
+      <p:ext uri="{BB962C8B-B14F-4D97-AF65-F5344CB8AC3E}">
+        <p14:creationId xmlns:p14="http://schemas.microsoft.com/office/powerpoint/2010/main" val="1442732517"/>
+      </p:ext>
+    </p:extLst>
+  </p:cSld>
+  <p:clrMapOvr>
+    <a:masterClrMapping/>
+  </p:clrMapOvr>
+</p:sld>
+</file>
+
+<file path=ppt/slides/slide49.xml><?xml version="1.0" encoding="utf-8"?>
+<p:sld xmlns:a="http://schemas.openxmlformats.org/drawingml/2006/main" xmlns:r="http://schemas.openxmlformats.org/officeDocument/2006/relationships" xmlns:p="http://schemas.openxmlformats.org/presentationml/2006/main">
+  <p:cSld>
+    <p:spTree>
+      <p:nvGrpSpPr>
+        <p:cNvPr id="1" name=""/>
+        <p:cNvGrpSpPr/>
+        <p:nvPr/>
+      </p:nvGrpSpPr>
+      <p:grpSpPr>
+        <a:xfrm>
+          <a:off x="0" y="0"/>
+          <a:ext cx="0" cy="0"/>
+          <a:chOff x="0" y="0"/>
+          <a:chExt cx="0" cy="0"/>
+        </a:xfrm>
+      </p:grpSpPr>
+      <p:sp>
+        <p:nvSpPr>
+          <p:cNvPr id="7" name="Title 6">
+            <a:extLst>
+              <a:ext uri="{FF2B5EF4-FFF2-40B4-BE49-F238E27FC236}">
+                <a16:creationId xmlns:a16="http://schemas.microsoft.com/office/drawing/2014/main" id="{75C0DCD3-95F8-4E1F-BF1A-5FAAB84A40A3}"/>
+              </a:ext>
+            </a:extLst>
+          </p:cNvPr>
+          <p:cNvSpPr>
+            <a:spLocks noGrp="1"/>
+          </p:cNvSpPr>
+          <p:nvPr>
+            <p:ph type="title"/>
+          </p:nvPr>
+        </p:nvSpPr>
+        <p:spPr/>
+        <p:txBody>
+          <a:bodyPr/>
+          <a:lstStyle/>
+          <a:p>
+            <a:r>
+              <a:rPr lang="en-US" dirty="0"/>
+              <a:t>NEURAL NETWORK MODELS</a:t>
+            </a:r>
+          </a:p>
+        </p:txBody>
+      </p:sp>
+      <p:sp>
+        <p:nvSpPr>
+          <p:cNvPr id="8" name="Content Placeholder 7">
+            <a:extLst>
+              <a:ext uri="{FF2B5EF4-FFF2-40B4-BE49-F238E27FC236}">
+                <a16:creationId xmlns:a16="http://schemas.microsoft.com/office/drawing/2014/main" id="{52BB1FAB-BB61-4B66-A4EA-A0EABC2B3ECA}"/>
+              </a:ext>
+            </a:extLst>
+          </p:cNvPr>
+          <p:cNvSpPr>
+            <a:spLocks noGrp="1"/>
+          </p:cNvSpPr>
+          <p:nvPr>
+            <p:ph idx="1"/>
+          </p:nvPr>
+        </p:nvSpPr>
+        <p:spPr/>
+        <p:txBody>
+          <a:bodyPr>
+            <a:normAutofit/>
+          </a:bodyPr>
+          <a:lstStyle/>
+          <a:p>
+            <a:r>
+              <a:rPr lang="en-US" dirty="0"/>
+              <a:t>Incomprehensible but extremely powerful</a:t>
+            </a:r>
+          </a:p>
+          <a:p>
+            <a:r>
+              <a:rPr lang="en-US" dirty="0"/>
+              <a:t>Pros:</a:t>
+            </a:r>
+          </a:p>
+          <a:p>
+            <a:pPr lvl="1"/>
+            <a:r>
+              <a:rPr lang="en-US" dirty="0"/>
+              <a:t>Often extremely accurate</a:t>
+            </a:r>
+          </a:p>
+          <a:p>
+            <a:r>
+              <a:rPr lang="en-US" dirty="0"/>
+              <a:t>Cons:</a:t>
+            </a:r>
+          </a:p>
+          <a:p>
+            <a:pPr lvl="1"/>
+            <a:r>
+              <a:rPr lang="en-US" dirty="0"/>
+              <a:t>More or less impossible to understand what any of the parameters mean</a:t>
+            </a:r>
+          </a:p>
+          <a:p>
+            <a:pPr lvl="1"/>
+            <a:r>
+              <a:rPr lang="en-US" dirty="0"/>
+              <a:t>Can take a very long time to train the model</a:t>
+            </a:r>
+          </a:p>
+          <a:p>
+            <a:pPr lvl="1"/>
+            <a:r>
+              <a:rPr lang="en-US" dirty="0"/>
+              <a:t>Lots of moving parts and things that can go wrong</a:t>
+            </a:r>
+          </a:p>
+          <a:p>
+            <a:r>
+              <a:rPr lang="en-US" dirty="0"/>
+              <a:t>But depending on the problem, that one pro may outweigh all the cons</a:t>
+            </a:r>
+          </a:p>
+        </p:txBody>
+      </p:sp>
+      <p:sp>
+        <p:nvSpPr>
+          <p:cNvPr id="4" name="Date Placeholder 3">
+            <a:extLst>
+              <a:ext uri="{FF2B5EF4-FFF2-40B4-BE49-F238E27FC236}">
+                <a16:creationId xmlns:a16="http://schemas.microsoft.com/office/drawing/2014/main" id="{02256D86-7CE0-416E-B2A3-402D20EE9E90}"/>
+              </a:ext>
+            </a:extLst>
+          </p:cNvPr>
+          <p:cNvSpPr>
+            <a:spLocks noGrp="1"/>
+          </p:cNvSpPr>
+          <p:nvPr>
+            <p:ph type="dt" sz="half" idx="10"/>
+          </p:nvPr>
+        </p:nvSpPr>
+        <p:spPr/>
+        <p:txBody>
+          <a:bodyPr/>
+          <a:lstStyle/>
+          <a:p>
+            <a:fld id="{B08FEED8-D7D4-44E9-BFBC-ED06B5996D94}" type="datetime4">
+              <a:rPr lang="en-US" smtClean="0"/>
+              <a:t>July 30, 2019</a:t>
+            </a:fld>
+            <a:endParaRPr lang="en-US" dirty="0"/>
+          </a:p>
+        </p:txBody>
+      </p:sp>
+      <p:sp>
+        <p:nvSpPr>
+          <p:cNvPr id="5" name="Footer Placeholder 4">
+            <a:extLst>
+              <a:ext uri="{FF2B5EF4-FFF2-40B4-BE49-F238E27FC236}">
+                <a16:creationId xmlns:a16="http://schemas.microsoft.com/office/drawing/2014/main" id="{1D4ED112-7CF4-4BB9-B46E-B366A5054A9A}"/>
+              </a:ext>
+            </a:extLst>
+          </p:cNvPr>
+          <p:cNvSpPr>
+            <a:spLocks noGrp="1"/>
+          </p:cNvSpPr>
+          <p:nvPr>
+            <p:ph type="ftr" sz="quarter" idx="11"/>
+          </p:nvPr>
+        </p:nvSpPr>
+        <p:spPr/>
+        <p:txBody>
+          <a:bodyPr/>
+          <a:lstStyle/>
+          <a:p>
+            <a:r>
+              <a:rPr lang="en-US"/>
+              <a:t>Digital Scholarship Services </a:t>
+            </a:r>
+            <a:r>
+              <a:rPr lang="en-US">
+                <a:solidFill>
+                  <a:schemeClr val="accent1">
+                    <a:lumMod val="50000"/>
+                  </a:schemeClr>
+                </a:solidFill>
+              </a:rPr>
+              <a:t>| Email</a:t>
+            </a:r>
+            <a:r>
+              <a:rPr lang="en-US"/>
+              <a:t> cf24@rice.edu </a:t>
+            </a:r>
+            <a:r>
+              <a:rPr lang="en-US">
+                <a:solidFill>
+                  <a:schemeClr val="accent1">
+                    <a:lumMod val="50000"/>
+                  </a:schemeClr>
+                </a:solidFill>
+              </a:rPr>
+              <a:t>|</a:t>
+            </a:r>
+            <a:r>
+              <a:rPr lang="en-US"/>
+              <a:t> library.rice.edu/dss</a:t>
+            </a:r>
+            <a:endParaRPr lang="en-US" dirty="0"/>
+          </a:p>
+        </p:txBody>
+      </p:sp>
+      <p:sp>
+        <p:nvSpPr>
+          <p:cNvPr id="6" name="Slide Number Placeholder 5">
+            <a:extLst>
+              <a:ext uri="{FF2B5EF4-FFF2-40B4-BE49-F238E27FC236}">
+                <a16:creationId xmlns:a16="http://schemas.microsoft.com/office/drawing/2014/main" id="{8CC75551-85BF-4C9F-8893-AA28ECA8A6B5}"/>
+              </a:ext>
+            </a:extLst>
+          </p:cNvPr>
+          <p:cNvSpPr>
+            <a:spLocks noGrp="1"/>
+          </p:cNvSpPr>
+          <p:nvPr>
+            <p:ph type="sldNum" sz="quarter" idx="12"/>
+          </p:nvPr>
+        </p:nvSpPr>
+        <p:spPr/>
+        <p:txBody>
+          <a:bodyPr/>
+          <a:lstStyle/>
+          <a:p>
+            <a:fld id="{D57F1E4F-1CFF-5643-939E-02111984F565}" type="slidenum">
+              <a:rPr lang="en-US" smtClean="0"/>
+              <a:t>49</a:t>
+            </a:fld>
+            <a:endParaRPr lang="en-US" dirty="0"/>
+          </a:p>
+        </p:txBody>
+      </p:sp>
+    </p:spTree>
+    <p:extLst>
+      <p:ext uri="{BB962C8B-B14F-4D97-AF65-F5344CB8AC3E}">
+        <p14:creationId xmlns:p14="http://schemas.microsoft.com/office/powerpoint/2010/main" val="4213654799"/>
       </p:ext>
     </p:extLst>
   </p:cSld>
@@ -11715,7 +13979,7 @@
           <a:p>
             <a:fld id="{8AAE40A0-A7D8-4DC3-BC9E-BADA32DA2004}" type="datetime4">
               <a:rPr lang="en-US" smtClean="0"/>
-              <a:t>July 29, 2019</a:t>
+              <a:t>July 30, 2019</a:t>
             </a:fld>
             <a:endParaRPr lang="en-US" dirty="0"/>
           </a:p>
@@ -11849,6 +14113,251 @@
 </p:sld>
 </file>
 
+<file path=ppt/slides/slide50.xml><?xml version="1.0" encoding="utf-8"?>
+<p:sld xmlns:a="http://schemas.openxmlformats.org/drawingml/2006/main" xmlns:r="http://schemas.openxmlformats.org/officeDocument/2006/relationships" xmlns:p="http://schemas.openxmlformats.org/presentationml/2006/main">
+  <p:cSld>
+    <p:spTree>
+      <p:nvGrpSpPr>
+        <p:cNvPr id="1" name=""/>
+        <p:cNvGrpSpPr/>
+        <p:nvPr/>
+      </p:nvGrpSpPr>
+      <p:grpSpPr>
+        <a:xfrm>
+          <a:off x="0" y="0"/>
+          <a:ext cx="0" cy="0"/>
+          <a:chOff x="0" y="0"/>
+          <a:chExt cx="0" cy="0"/>
+        </a:xfrm>
+      </p:grpSpPr>
+      <p:sp>
+        <p:nvSpPr>
+          <p:cNvPr id="7" name="Title 6">
+            <a:extLst>
+              <a:ext uri="{FF2B5EF4-FFF2-40B4-BE49-F238E27FC236}">
+                <a16:creationId xmlns:a16="http://schemas.microsoft.com/office/drawing/2014/main" id="{495B4BC0-844B-4414-A623-BEF78AAC1BA1}"/>
+              </a:ext>
+            </a:extLst>
+          </p:cNvPr>
+          <p:cNvSpPr>
+            <a:spLocks noGrp="1"/>
+          </p:cNvSpPr>
+          <p:nvPr>
+            <p:ph type="title"/>
+          </p:nvPr>
+        </p:nvSpPr>
+        <p:spPr/>
+        <p:txBody>
+          <a:bodyPr/>
+          <a:lstStyle/>
+          <a:p>
+            <a:r>
+              <a:rPr lang="en-US" dirty="0"/>
+              <a:t>ACKNOWLEDGMENTS</a:t>
+            </a:r>
+          </a:p>
+        </p:txBody>
+      </p:sp>
+      <p:sp>
+        <p:nvSpPr>
+          <p:cNvPr id="8" name="Content Placeholder 7">
+            <a:extLst>
+              <a:ext uri="{FF2B5EF4-FFF2-40B4-BE49-F238E27FC236}">
+                <a16:creationId xmlns:a16="http://schemas.microsoft.com/office/drawing/2014/main" id="{2BED3EB3-7E98-4A82-8335-7321D9E37B16}"/>
+              </a:ext>
+            </a:extLst>
+          </p:cNvPr>
+          <p:cNvSpPr>
+            <a:spLocks noGrp="1"/>
+          </p:cNvSpPr>
+          <p:nvPr>
+            <p:ph idx="1"/>
+          </p:nvPr>
+        </p:nvSpPr>
+        <p:spPr/>
+        <p:txBody>
+          <a:bodyPr/>
+          <a:lstStyle/>
+          <a:p>
+            <a:r>
+              <a:rPr lang="en-US" dirty="0"/>
+              <a:t>Plots were created using the ggplot2 package in R</a:t>
+            </a:r>
+          </a:p>
+          <a:p>
+            <a:r>
+              <a:rPr lang="en-US" dirty="0"/>
+              <a:t>Shumway and </a:t>
+            </a:r>
+            <a:r>
+              <a:rPr lang="en-US" dirty="0" err="1"/>
+              <a:t>Stoffer’s</a:t>
+            </a:r>
+            <a:r>
+              <a:rPr lang="en-US" dirty="0"/>
+              <a:t> </a:t>
+            </a:r>
+            <a:r>
+              <a:rPr lang="en-US" i="1" dirty="0"/>
+              <a:t>Time Series Analysis and Its Applications With R Examples, Fourth Edition </a:t>
+            </a:r>
+            <a:r>
+              <a:rPr lang="en-US" dirty="0"/>
+              <a:t>published by Springer was used as the main reference for the ARIMA section</a:t>
+            </a:r>
+          </a:p>
+          <a:p>
+            <a:r>
+              <a:rPr lang="en-US" i="1" dirty="0"/>
+              <a:t>Forecasting at Scale </a:t>
+            </a:r>
+            <a:r>
+              <a:rPr lang="en-US" dirty="0"/>
+              <a:t>by Sean J. Taylor and Benjamin </a:t>
+            </a:r>
+            <a:r>
+              <a:rPr lang="en-US" dirty="0" err="1"/>
+              <a:t>Letham</a:t>
+            </a:r>
+            <a:r>
+              <a:rPr lang="en-US" dirty="0"/>
+              <a:t> at Facebook was used as the main reference for the Prophet section</a:t>
+            </a:r>
+            <a:endParaRPr lang="en-US" i="1" dirty="0"/>
+          </a:p>
+          <a:p>
+            <a:endParaRPr lang="en-US" dirty="0"/>
+          </a:p>
+        </p:txBody>
+      </p:sp>
+      <p:sp>
+        <p:nvSpPr>
+          <p:cNvPr id="4" name="Date Placeholder 3">
+            <a:extLst>
+              <a:ext uri="{FF2B5EF4-FFF2-40B4-BE49-F238E27FC236}">
+                <a16:creationId xmlns:a16="http://schemas.microsoft.com/office/drawing/2014/main" id="{540F37F1-4F33-429F-A568-1A3ADC499E54}"/>
+              </a:ext>
+            </a:extLst>
+          </p:cNvPr>
+          <p:cNvSpPr>
+            <a:spLocks noGrp="1"/>
+          </p:cNvSpPr>
+          <p:nvPr>
+            <p:ph type="dt" sz="half" idx="10"/>
+          </p:nvPr>
+        </p:nvSpPr>
+        <p:spPr/>
+        <p:txBody>
+          <a:bodyPr/>
+          <a:lstStyle/>
+          <a:p>
+            <a:fld id="{B08FEED8-D7D4-44E9-BFBC-ED06B5996D94}" type="datetime4">
+              <a:rPr lang="en-US" smtClean="0"/>
+              <a:t>July 30, 2019</a:t>
+            </a:fld>
+            <a:endParaRPr lang="en-US" dirty="0"/>
+          </a:p>
+        </p:txBody>
+      </p:sp>
+      <p:sp>
+        <p:nvSpPr>
+          <p:cNvPr id="5" name="Footer Placeholder 4">
+            <a:extLst>
+              <a:ext uri="{FF2B5EF4-FFF2-40B4-BE49-F238E27FC236}">
+                <a16:creationId xmlns:a16="http://schemas.microsoft.com/office/drawing/2014/main" id="{673FFA57-C126-4795-A5F6-DD33AAC5ACBD}"/>
+              </a:ext>
+            </a:extLst>
+          </p:cNvPr>
+          <p:cNvSpPr>
+            <a:spLocks noGrp="1"/>
+          </p:cNvSpPr>
+          <p:nvPr>
+            <p:ph type="ftr" sz="quarter" idx="11"/>
+          </p:nvPr>
+        </p:nvSpPr>
+        <p:spPr/>
+        <p:txBody>
+          <a:bodyPr/>
+          <a:lstStyle/>
+          <a:p>
+            <a:r>
+              <a:rPr lang="en-US"/>
+              <a:t>Digital Scholarship Services </a:t>
+            </a:r>
+            <a:r>
+              <a:rPr lang="en-US">
+                <a:solidFill>
+                  <a:schemeClr val="accent1">
+                    <a:lumMod val="50000"/>
+                  </a:schemeClr>
+                </a:solidFill>
+              </a:rPr>
+              <a:t>| Email</a:t>
+            </a:r>
+            <a:r>
+              <a:rPr lang="en-US"/>
+              <a:t> cf24@rice.edu </a:t>
+            </a:r>
+            <a:r>
+              <a:rPr lang="en-US">
+                <a:solidFill>
+                  <a:schemeClr val="accent1">
+                    <a:lumMod val="50000"/>
+                  </a:schemeClr>
+                </a:solidFill>
+              </a:rPr>
+              <a:t>|</a:t>
+            </a:r>
+            <a:r>
+              <a:rPr lang="en-US"/>
+              <a:t> library.rice.edu/dss</a:t>
+            </a:r>
+            <a:endParaRPr lang="en-US" dirty="0"/>
+          </a:p>
+        </p:txBody>
+      </p:sp>
+      <p:sp>
+        <p:nvSpPr>
+          <p:cNvPr id="6" name="Slide Number Placeholder 5">
+            <a:extLst>
+              <a:ext uri="{FF2B5EF4-FFF2-40B4-BE49-F238E27FC236}">
+                <a16:creationId xmlns:a16="http://schemas.microsoft.com/office/drawing/2014/main" id="{2FA49567-BB70-4798-8746-D0B522CCEE20}"/>
+              </a:ext>
+            </a:extLst>
+          </p:cNvPr>
+          <p:cNvSpPr>
+            <a:spLocks noGrp="1"/>
+          </p:cNvSpPr>
+          <p:nvPr>
+            <p:ph type="sldNum" sz="quarter" idx="12"/>
+          </p:nvPr>
+        </p:nvSpPr>
+        <p:spPr/>
+        <p:txBody>
+          <a:bodyPr/>
+          <a:lstStyle/>
+          <a:p>
+            <a:fld id="{D57F1E4F-1CFF-5643-939E-02111984F565}" type="slidenum">
+              <a:rPr lang="en-US" smtClean="0"/>
+              <a:t>50</a:t>
+            </a:fld>
+            <a:endParaRPr lang="en-US" dirty="0"/>
+          </a:p>
+        </p:txBody>
+      </p:sp>
+    </p:spTree>
+    <p:extLst>
+      <p:ext uri="{BB962C8B-B14F-4D97-AF65-F5344CB8AC3E}">
+        <p14:creationId xmlns:p14="http://schemas.microsoft.com/office/powerpoint/2010/main" val="1585568494"/>
+      </p:ext>
+    </p:extLst>
+  </p:cSld>
+  <p:clrMapOvr>
+    <a:masterClrMapping/>
+  </p:clrMapOvr>
+</p:sld>
+</file>
+
 <file path=ppt/slides/slide6.xml><?xml version="1.0" encoding="utf-8"?>
 <p:sld xmlns:a="http://schemas.openxmlformats.org/drawingml/2006/main" xmlns:r="http://schemas.openxmlformats.org/officeDocument/2006/relationships" xmlns:p="http://schemas.openxmlformats.org/presentationml/2006/main">
   <p:cSld>
@@ -11948,7 +14457,7 @@
           <a:p>
             <a:fld id="{8AAE40A0-A7D8-4DC3-BC9E-BADA32DA2004}" type="datetime4">
               <a:rPr lang="en-US" smtClean="0"/>
-              <a:t>July 29, 2019</a:t>
+              <a:t>July 30, 2019</a:t>
             </a:fld>
             <a:endParaRPr lang="en-US" dirty="0"/>
           </a:p>
@@ -12185,7 +14694,7 @@
           <a:p>
             <a:fld id="{8AAE40A0-A7D8-4DC3-BC9E-BADA32DA2004}" type="datetime4">
               <a:rPr lang="en-US" smtClean="0"/>
-              <a:t>July 29, 2019</a:t>
+              <a:t>July 30, 2019</a:t>
             </a:fld>
             <a:endParaRPr lang="en-US" dirty="0"/>
           </a:p>
@@ -12358,7 +14867,7 @@
           <a:p>
             <a:fld id="{B08FEED8-D7D4-44E9-BFBC-ED06B5996D94}" type="datetime4">
               <a:rPr lang="en-US" smtClean="0"/>
-              <a:t>July 29, 2019</a:t>
+              <a:t>July 30, 2019</a:t>
             </a:fld>
             <a:endParaRPr lang="en-US" dirty="0"/>
           </a:p>
@@ -12560,7 +15069,7 @@
           <a:p>
             <a:fld id="{B08FEED8-D7D4-44E9-BFBC-ED06B5996D94}" type="datetime4">
               <a:rPr lang="en-US" smtClean="0"/>
-              <a:t>July 29, 2019</a:t>
+              <a:t>July 30, 2019</a:t>
             </a:fld>
             <a:endParaRPr lang="en-US" dirty="0"/>
           </a:p>

--- a/tsa/Introduction to Time Series Analysis.pptx
+++ b/tsa/Introduction to Time Series Analysis.pptx
@@ -5,7 +5,7 @@
     <p:sldMasterId id="2147483707" r:id="rId1"/>
   </p:sldMasterIdLst>
   <p:notesMasterIdLst>
-    <p:notesMasterId r:id="rId52"/>
+    <p:notesMasterId r:id="rId55"/>
   </p:notesMasterIdLst>
   <p:sldIdLst>
     <p:sldId id="266" r:id="rId2"/>
@@ -51,13 +51,16 @@
     <p:sldId id="314" r:id="rId42"/>
     <p:sldId id="315" r:id="rId43"/>
     <p:sldId id="285" r:id="rId44"/>
-    <p:sldId id="305" r:id="rId45"/>
-    <p:sldId id="307" r:id="rId46"/>
-    <p:sldId id="312" r:id="rId47"/>
-    <p:sldId id="313" r:id="rId48"/>
-    <p:sldId id="306" r:id="rId49"/>
-    <p:sldId id="309" r:id="rId50"/>
-    <p:sldId id="268" r:id="rId51"/>
+    <p:sldId id="322" r:id="rId45"/>
+    <p:sldId id="323" r:id="rId46"/>
+    <p:sldId id="324" r:id="rId47"/>
+    <p:sldId id="305" r:id="rId48"/>
+    <p:sldId id="307" r:id="rId49"/>
+    <p:sldId id="312" r:id="rId50"/>
+    <p:sldId id="313" r:id="rId51"/>
+    <p:sldId id="306" r:id="rId52"/>
+    <p:sldId id="309" r:id="rId53"/>
+    <p:sldId id="268" r:id="rId54"/>
   </p:sldIdLst>
   <p:sldSz cx="12192000" cy="6858000"/>
   <p:notesSz cx="6858000" cy="9144000"/>
@@ -4258,7 +4261,7 @@
       </p:sp>
       <p:pic>
         <p:nvPicPr>
-          <p:cNvPr id="3" name="Picture 2" descr="A picture containing wall, photo&#10;&#10;Description automatically generated">
+          <p:cNvPr id="3" name="Picture 2">
             <a:extLst>
               <a:ext uri="{FF2B5EF4-FFF2-40B4-BE49-F238E27FC236}">
                 <a16:creationId xmlns:a16="http://schemas.microsoft.com/office/drawing/2014/main" id="{EBB4BA44-0590-403D-983E-E588E89747FB}"/>
@@ -4272,14 +4275,13 @@
         </p:nvPicPr>
         <p:blipFill>
           <a:blip r:embed="rId2"/>
-          <a:stretch>
-            <a:fillRect/>
-          </a:stretch>
+          <a:srcRect/>
+          <a:stretch/>
         </p:blipFill>
         <p:spPr>
           <a:xfrm>
             <a:off x="2318836" y="1605064"/>
-            <a:ext cx="6761123" cy="4507415"/>
+            <a:ext cx="6761122" cy="4507415"/>
           </a:xfrm>
           <a:prstGeom prst="rect">
             <a:avLst/>
@@ -4481,7 +4483,7 @@
         <p:spPr>
           <a:xfrm>
             <a:off x="2333427" y="1605064"/>
-            <a:ext cx="6761122" cy="4507415"/>
+            <a:ext cx="6761122" cy="4507414"/>
           </a:xfrm>
           <a:prstGeom prst="rect">
             <a:avLst/>
@@ -4683,7 +4685,7 @@
         <p:spPr>
           <a:xfrm>
             <a:off x="2333427" y="1605064"/>
-            <a:ext cx="6761122" cy="4507414"/>
+            <a:ext cx="6761121" cy="4507414"/>
           </a:xfrm>
           <a:prstGeom prst="rect">
             <a:avLst/>
@@ -6327,7 +6329,7 @@
       </p:sp>
       <p:pic>
         <p:nvPicPr>
-          <p:cNvPr id="3" name="Picture 2" descr="A picture containing object, wall&#10;&#10;Description automatically generated">
+          <p:cNvPr id="3" name="Picture 2">
             <a:extLst>
               <a:ext uri="{FF2B5EF4-FFF2-40B4-BE49-F238E27FC236}">
                 <a16:creationId xmlns:a16="http://schemas.microsoft.com/office/drawing/2014/main" id="{81D79DD3-1A23-4425-93AB-C2F4AD2C0EFE}"/>
@@ -6341,9 +6343,8 @@
         </p:nvPicPr>
         <p:blipFill>
           <a:blip r:embed="rId2"/>
-          <a:stretch>
-            <a:fillRect/>
-          </a:stretch>
+          <a:srcRect/>
+          <a:stretch/>
         </p:blipFill>
         <p:spPr>
           <a:xfrm>
@@ -6357,7 +6358,7 @@
       </p:pic>
       <p:pic>
         <p:nvPicPr>
-          <p:cNvPr id="10" name="Picture 9" descr="A picture containing object, wall&#10;&#10;Description automatically generated">
+          <p:cNvPr id="10" name="Picture 9">
             <a:extLst>
               <a:ext uri="{FF2B5EF4-FFF2-40B4-BE49-F238E27FC236}">
                 <a16:creationId xmlns:a16="http://schemas.microsoft.com/office/drawing/2014/main" id="{4DB675E2-5136-47EF-A8E1-1A96E56E602A}"/>
@@ -6371,9 +6372,8 @@
         </p:nvPicPr>
         <p:blipFill>
           <a:blip r:embed="rId3"/>
-          <a:stretch>
-            <a:fillRect/>
-          </a:stretch>
+          <a:srcRect/>
+          <a:stretch/>
         </p:blipFill>
         <p:spPr>
           <a:xfrm>
@@ -6461,7 +6461,9 @@
         </p:nvSpPr>
         <p:spPr/>
         <p:txBody>
-          <a:bodyPr/>
+          <a:bodyPr>
+            <a:normAutofit lnSpcReduction="10000"/>
+          </a:bodyPr>
           <a:lstStyle/>
           <a:p>
             <a:r>
@@ -6472,6 +6474,33 @@
           <a:p>
             <a:r>
               <a:rPr lang="en-US" dirty="0"/>
+              <a:t>Say we have a list of 1, 7, 10, 13, and 2</a:t>
+            </a:r>
+          </a:p>
+          <a:p>
+            <a:pPr lvl="1"/>
+            <a:r>
+              <a:rPr lang="en-US" dirty="0"/>
+              <a:t>First order difference: 7-1, 10-7, 13-10, 2-13</a:t>
+            </a:r>
+          </a:p>
+          <a:p>
+            <a:pPr lvl="1"/>
+            <a:r>
+              <a:rPr lang="en-US" dirty="0"/>
+              <a:t>Third order difference: 13-1, 2-7</a:t>
+            </a:r>
+          </a:p>
+          <a:p>
+            <a:pPr lvl="1"/>
+            <a:r>
+              <a:rPr lang="en-US" dirty="0"/>
+              <a:t>Losing data at the start!</a:t>
+            </a:r>
+          </a:p>
+          <a:p>
+            <a:r>
+              <a:rPr lang="en-US" dirty="0"/>
               <a:t>If there’s a linear trend, first order differencing will get rid of it!</a:t>
             </a:r>
           </a:p>
@@ -6479,18 +6508,13 @@
             <a:pPr lvl="1"/>
             <a:r>
               <a:rPr lang="en-US" dirty="0"/>
-              <a:t>You can do higher orders for quadratic trends, </a:t>
-            </a:r>
-            <a:r>
-              <a:rPr lang="en-US" dirty="0" err="1"/>
-              <a:t>etc</a:t>
-            </a:r>
-            <a:endParaRPr lang="en-US" dirty="0"/>
-          </a:p>
-          <a:p>
-            <a:r>
-              <a:rPr lang="en-US" dirty="0"/>
-              <a:t>Also, used for removing some cyclic effects</a:t>
+              <a:t>You can do higher orders for quadratic trends, etc.</a:t>
+            </a:r>
+          </a:p>
+          <a:p>
+            <a:r>
+              <a:rPr lang="en-US" dirty="0"/>
+              <a:t>Also used for removing some cyclic effects</a:t>
             </a:r>
           </a:p>
           <a:p>
@@ -6806,7 +6830,7 @@
       </p:sp>
       <p:pic>
         <p:nvPicPr>
-          <p:cNvPr id="12" name="Picture 11" descr="A close up of an object&#10;&#10;Description automatically generated">
+          <p:cNvPr id="12" name="Picture 11">
             <a:extLst>
               <a:ext uri="{FF2B5EF4-FFF2-40B4-BE49-F238E27FC236}">
                 <a16:creationId xmlns:a16="http://schemas.microsoft.com/office/drawing/2014/main" id="{AABDA63B-B698-427D-8F40-BBF7EE5F5B9F}"/>
@@ -6820,9 +6844,8 @@
         </p:nvPicPr>
         <p:blipFill>
           <a:blip r:embed="rId2"/>
-          <a:stretch>
-            <a:fillRect/>
-          </a:stretch>
+          <a:srcRect/>
+          <a:stretch/>
         </p:blipFill>
         <p:spPr>
           <a:xfrm>
@@ -6836,7 +6859,7 @@
       </p:pic>
       <p:pic>
         <p:nvPicPr>
-          <p:cNvPr id="14" name="Picture 13" descr="A picture containing object&#10;&#10;Description automatically generated">
+          <p:cNvPr id="14" name="Picture 13">
             <a:extLst>
               <a:ext uri="{FF2B5EF4-FFF2-40B4-BE49-F238E27FC236}">
                 <a16:creationId xmlns:a16="http://schemas.microsoft.com/office/drawing/2014/main" id="{7137C433-1CD0-43BC-9688-AF18563F703B}"/>
@@ -6850,9 +6873,8 @@
         </p:nvPicPr>
         <p:blipFill>
           <a:blip r:embed="rId3"/>
-          <a:stretch>
-            <a:fillRect/>
-          </a:stretch>
+          <a:srcRect/>
+          <a:stretch/>
         </p:blipFill>
         <p:spPr>
           <a:xfrm>
@@ -7076,7 +7098,7 @@
       </p:pic>
       <p:pic>
         <p:nvPicPr>
-          <p:cNvPr id="14" name="Picture 13" descr="A picture containing object&#10;&#10;Description automatically generated">
+          <p:cNvPr id="14" name="Picture 13">
             <a:extLst>
               <a:ext uri="{FF2B5EF4-FFF2-40B4-BE49-F238E27FC236}">
                 <a16:creationId xmlns:a16="http://schemas.microsoft.com/office/drawing/2014/main" id="{7137C433-1CD0-43BC-9688-AF18563F703B}"/>
@@ -7090,9 +7112,8 @@
         </p:nvPicPr>
         <p:blipFill>
           <a:blip r:embed="rId3"/>
-          <a:stretch>
-            <a:fillRect/>
-          </a:stretch>
+          <a:srcRect/>
+          <a:stretch/>
         </p:blipFill>
         <p:spPr>
           <a:xfrm>
@@ -7308,7 +7329,7 @@
       </p:pic>
       <p:pic>
         <p:nvPicPr>
-          <p:cNvPr id="14" name="Picture 13" descr="A picture containing object&#10;&#10;Description automatically generated">
+          <p:cNvPr id="14" name="Picture 13">
             <a:extLst>
               <a:ext uri="{FF2B5EF4-FFF2-40B4-BE49-F238E27FC236}">
                 <a16:creationId xmlns:a16="http://schemas.microsoft.com/office/drawing/2014/main" id="{7137C433-1CD0-43BC-9688-AF18563F703B}"/>
@@ -7322,9 +7343,8 @@
         </p:nvPicPr>
         <p:blipFill>
           <a:blip r:embed="rId3"/>
-          <a:stretch>
-            <a:fillRect/>
-          </a:stretch>
+          <a:srcRect/>
+          <a:stretch/>
         </p:blipFill>
         <p:spPr>
           <a:xfrm>
@@ -8434,7 +8454,7 @@
             <a:pPr lvl="1"/>
             <a:r>
               <a:rPr lang="en-US" dirty="0"/>
-              <a:t>If you have less than ~0.5, you’re all set to model!</a:t>
+              <a:t>If you have less than ~0.05, you’re all set to model!</a:t>
             </a:r>
           </a:p>
           <a:p>
@@ -10006,6 +10026,36 @@
           </a:p>
         </p:txBody>
       </p:sp>
+      <p:pic>
+        <p:nvPicPr>
+          <p:cNvPr id="3" name="Picture 2" descr="A picture containing object&#10;&#10;Description automatically generated">
+            <a:extLst>
+              <a:ext uri="{FF2B5EF4-FFF2-40B4-BE49-F238E27FC236}">
+                <a16:creationId xmlns:a16="http://schemas.microsoft.com/office/drawing/2014/main" id="{31A1B247-4314-4A59-A10F-CCA14BE5A304}"/>
+              </a:ext>
+            </a:extLst>
+          </p:cNvPr>
+          <p:cNvPicPr>
+            <a:picLocks noChangeAspect="1"/>
+          </p:cNvPicPr>
+          <p:nvPr/>
+        </p:nvPicPr>
+        <p:blipFill>
+          <a:blip r:embed="rId2"/>
+          <a:stretch>
+            <a:fillRect/>
+          </a:stretch>
+        </p:blipFill>
+        <p:spPr>
+          <a:xfrm>
+            <a:off x="5952118" y="2029572"/>
+            <a:ext cx="5715798" cy="3810532"/>
+          </a:xfrm>
+          <a:prstGeom prst="rect">
+            <a:avLst/>
+          </a:prstGeom>
+        </p:spPr>
+      </p:pic>
     </p:spTree>
     <p:extLst>
       <p:ext uri="{BB962C8B-B14F-4D97-AF65-F5344CB8AC3E}">
@@ -10988,7 +11038,12 @@
             <p:ph idx="1"/>
           </p:nvPr>
         </p:nvSpPr>
-        <p:spPr/>
+        <p:spPr>
+          <a:xfrm>
+            <a:off x="838200" y="1825625"/>
+            <a:ext cx="5299953" cy="4351338"/>
+          </a:xfrm>
+        </p:spPr>
         <p:txBody>
           <a:bodyPr/>
           <a:lstStyle/>
@@ -11128,6 +11183,36 @@
           </a:p>
         </p:txBody>
       </p:sp>
+      <p:pic>
+        <p:nvPicPr>
+          <p:cNvPr id="8" name="Picture 7">
+            <a:extLst>
+              <a:ext uri="{FF2B5EF4-FFF2-40B4-BE49-F238E27FC236}">
+                <a16:creationId xmlns:a16="http://schemas.microsoft.com/office/drawing/2014/main" id="{435435D2-7683-439E-AE85-96980180FAB4}"/>
+              </a:ext>
+            </a:extLst>
+          </p:cNvPr>
+          <p:cNvPicPr>
+            <a:picLocks noChangeAspect="1"/>
+          </p:cNvPicPr>
+          <p:nvPr/>
+        </p:nvPicPr>
+        <p:blipFill>
+          <a:blip r:embed="rId2"/>
+          <a:stretch>
+            <a:fillRect/>
+          </a:stretch>
+        </p:blipFill>
+        <p:spPr>
+          <a:xfrm>
+            <a:off x="6138153" y="2096028"/>
+            <a:ext cx="5715798" cy="3810532"/>
+          </a:xfrm>
+          <a:prstGeom prst="rect">
+            <a:avLst/>
+          </a:prstGeom>
+        </p:spPr>
+      </p:pic>
     </p:spTree>
     <p:extLst>
       <p:ext uri="{BB962C8B-B14F-4D97-AF65-F5344CB8AC3E}">
@@ -11437,7 +11522,12 @@
             <p:ph idx="1"/>
           </p:nvPr>
         </p:nvSpPr>
-        <p:spPr/>
+        <p:spPr>
+          <a:xfrm>
+            <a:off x="838200" y="1825625"/>
+            <a:ext cx="5257800" cy="4351338"/>
+          </a:xfrm>
+        </p:spPr>
         <p:txBody>
           <a:bodyPr/>
           <a:lstStyle/>
@@ -11586,6 +11676,36 @@
           </a:p>
         </p:txBody>
       </p:sp>
+      <p:pic>
+        <p:nvPicPr>
+          <p:cNvPr id="8" name="Picture 7">
+            <a:extLst>
+              <a:ext uri="{FF2B5EF4-FFF2-40B4-BE49-F238E27FC236}">
+                <a16:creationId xmlns:a16="http://schemas.microsoft.com/office/drawing/2014/main" id="{6403D5D9-449B-4709-8421-C49A28D99594}"/>
+              </a:ext>
+            </a:extLst>
+          </p:cNvPr>
+          <p:cNvPicPr>
+            <a:picLocks noChangeAspect="1"/>
+          </p:cNvPicPr>
+          <p:nvPr/>
+        </p:nvPicPr>
+        <p:blipFill>
+          <a:blip r:embed="rId2"/>
+          <a:stretch>
+            <a:fillRect/>
+          </a:stretch>
+        </p:blipFill>
+        <p:spPr>
+          <a:xfrm>
+            <a:off x="6096000" y="2096028"/>
+            <a:ext cx="5715798" cy="3810532"/>
+          </a:xfrm>
+          <a:prstGeom prst="rect">
+            <a:avLst/>
+          </a:prstGeom>
+        </p:spPr>
+      </p:pic>
     </p:spTree>
     <p:extLst>
       <p:ext uri="{BB962C8B-B14F-4D97-AF65-F5344CB8AC3E}">
@@ -12537,10 +12657,10 @@
       </p:grpSpPr>
       <p:sp>
         <p:nvSpPr>
-          <p:cNvPr id="7" name="Title 6">
-            <a:extLst>
-              <a:ext uri="{FF2B5EF4-FFF2-40B4-BE49-F238E27FC236}">
-                <a16:creationId xmlns:a16="http://schemas.microsoft.com/office/drawing/2014/main" id="{7802FB34-7510-47BC-8952-A1FE9728B0BF}"/>
+          <p:cNvPr id="2" name="Title 1">
+            <a:extLst>
+              <a:ext uri="{FF2B5EF4-FFF2-40B4-BE49-F238E27FC236}">
+                <a16:creationId xmlns:a16="http://schemas.microsoft.com/office/drawing/2014/main" id="{D1BF0482-6913-4A5E-A533-479864CB5349}"/>
               </a:ext>
             </a:extLst>
           </p:cNvPr>
@@ -12558,35 +12678,7 @@
           <a:p>
             <a:r>
               <a:rPr lang="en-US" dirty="0"/>
-              <a:t>PROPHET MODELS</a:t>
-            </a:r>
-          </a:p>
-        </p:txBody>
-      </p:sp>
-      <p:sp>
-        <p:nvSpPr>
-          <p:cNvPr id="8" name="Text Placeholder 7">
-            <a:extLst>
-              <a:ext uri="{FF2B5EF4-FFF2-40B4-BE49-F238E27FC236}">
-                <a16:creationId xmlns:a16="http://schemas.microsoft.com/office/drawing/2014/main" id="{FCA70F1A-579E-4144-AE97-14FFC08FF0F5}"/>
-              </a:ext>
-            </a:extLst>
-          </p:cNvPr>
-          <p:cNvSpPr>
-            <a:spLocks noGrp="1"/>
-          </p:cNvSpPr>
-          <p:nvPr>
-            <p:ph type="body" idx="1"/>
-          </p:nvPr>
-        </p:nvSpPr>
-        <p:spPr/>
-        <p:txBody>
-          <a:bodyPr/>
-          <a:lstStyle/>
-          <a:p>
-            <a:r>
-              <a:rPr lang="en-US" dirty="0"/>
-              <a:t>Facebook’s in-house forecasting tool</a:t>
+              <a:t>AN ARIMA MODEL</a:t>
             </a:r>
           </a:p>
         </p:txBody>
@@ -12596,7 +12688,7 @@
           <p:cNvPr id="4" name="Date Placeholder 3">
             <a:extLst>
               <a:ext uri="{FF2B5EF4-FFF2-40B4-BE49-F238E27FC236}">
-                <a16:creationId xmlns:a16="http://schemas.microsoft.com/office/drawing/2014/main" id="{3AD929EF-0967-4B34-81B8-24D9EF91892E}"/>
+                <a16:creationId xmlns:a16="http://schemas.microsoft.com/office/drawing/2014/main" id="{B23DAF35-209C-48FA-AAAB-F69E14183A91}"/>
               </a:ext>
             </a:extLst>
           </p:cNvPr>
@@ -12625,7 +12717,7 @@
           <p:cNvPr id="5" name="Footer Placeholder 4">
             <a:extLst>
               <a:ext uri="{FF2B5EF4-FFF2-40B4-BE49-F238E27FC236}">
-                <a16:creationId xmlns:a16="http://schemas.microsoft.com/office/drawing/2014/main" id="{3B5B35DD-F2EA-40D3-8039-8CD3802B2612}"/>
+                <a16:creationId xmlns:a16="http://schemas.microsoft.com/office/drawing/2014/main" id="{3D8E22A6-180D-41CF-9959-4347A11F2AD1}"/>
               </a:ext>
             </a:extLst>
           </p:cNvPr>
@@ -12682,7 +12774,7 @@
           <p:cNvPr id="6" name="Slide Number Placeholder 5">
             <a:extLst>
               <a:ext uri="{FF2B5EF4-FFF2-40B4-BE49-F238E27FC236}">
-                <a16:creationId xmlns:a16="http://schemas.microsoft.com/office/drawing/2014/main" id="{C3EB9A57-323C-47F5-867F-693F95A15FA4}"/>
+                <a16:creationId xmlns:a16="http://schemas.microsoft.com/office/drawing/2014/main" id="{CECE3146-0C2B-4CC7-BC7C-FD23AAF7ECAE}"/>
               </a:ext>
             </a:extLst>
           </p:cNvPr>
@@ -12706,10 +12798,86 @@
           </a:p>
         </p:txBody>
       </p:sp>
+      <p:sp>
+        <p:nvSpPr>
+          <p:cNvPr id="8" name="Content Placeholder 7">
+            <a:extLst>
+              <a:ext uri="{FF2B5EF4-FFF2-40B4-BE49-F238E27FC236}">
+                <a16:creationId xmlns:a16="http://schemas.microsoft.com/office/drawing/2014/main" id="{30C259F3-048F-4C4B-AC8C-24699B6ABD42}"/>
+              </a:ext>
+            </a:extLst>
+          </p:cNvPr>
+          <p:cNvSpPr>
+            <a:spLocks noGrp="1"/>
+          </p:cNvSpPr>
+          <p:nvPr>
+            <p:ph idx="1"/>
+          </p:nvPr>
+        </p:nvSpPr>
+        <p:spPr>
+          <a:xfrm>
+            <a:off x="838200" y="1825625"/>
+            <a:ext cx="5257800" cy="4351338"/>
+          </a:xfrm>
+        </p:spPr>
+        <p:txBody>
+          <a:bodyPr/>
+          <a:lstStyle/>
+          <a:p>
+            <a:r>
+              <a:rPr lang="en-US" dirty="0"/>
+              <a:t>Mean Relative Error: </a:t>
+            </a:r>
+          </a:p>
+          <a:p>
+            <a:r>
+              <a:rPr lang="en-US" dirty="0"/>
+              <a:t>Follows peaks nicely!</a:t>
+            </a:r>
+          </a:p>
+          <a:p>
+            <a:pPr lvl="1"/>
+            <a:r>
+              <a:rPr lang="en-US" dirty="0"/>
+              <a:t>Only major miss is the huge spike</a:t>
+            </a:r>
+          </a:p>
+        </p:txBody>
+      </p:sp>
+      <p:pic>
+        <p:nvPicPr>
+          <p:cNvPr id="10" name="Picture 9" descr="A picture containing object&#10;&#10;Description automatically generated">
+            <a:extLst>
+              <a:ext uri="{FF2B5EF4-FFF2-40B4-BE49-F238E27FC236}">
+                <a16:creationId xmlns:a16="http://schemas.microsoft.com/office/drawing/2014/main" id="{64B67945-AF39-4BB8-86D4-3E74D0B6AE5C}"/>
+              </a:ext>
+            </a:extLst>
+          </p:cNvPr>
+          <p:cNvPicPr>
+            <a:picLocks noChangeAspect="1"/>
+          </p:cNvPicPr>
+          <p:nvPr/>
+        </p:nvPicPr>
+        <p:blipFill>
+          <a:blip r:embed="rId2"/>
+          <a:stretch>
+            <a:fillRect/>
+          </a:stretch>
+        </p:blipFill>
+        <p:spPr>
+          <a:xfrm>
+            <a:off x="6096000" y="2096028"/>
+            <a:ext cx="5715798" cy="3810532"/>
+          </a:xfrm>
+          <a:prstGeom prst="rect">
+            <a:avLst/>
+          </a:prstGeom>
+        </p:spPr>
+      </p:pic>
     </p:spTree>
     <p:extLst>
       <p:ext uri="{BB962C8B-B14F-4D97-AF65-F5344CB8AC3E}">
-        <p14:creationId xmlns:p14="http://schemas.microsoft.com/office/powerpoint/2010/main" val="4082739096"/>
+        <p14:creationId xmlns:p14="http://schemas.microsoft.com/office/powerpoint/2010/main" val="1162269647"/>
       </p:ext>
     </p:extLst>
   </p:cSld>
@@ -12738,10 +12906,10 @@
       </p:grpSpPr>
       <p:sp>
         <p:nvSpPr>
-          <p:cNvPr id="7" name="Title 6">
-            <a:extLst>
-              <a:ext uri="{FF2B5EF4-FFF2-40B4-BE49-F238E27FC236}">
-                <a16:creationId xmlns:a16="http://schemas.microsoft.com/office/drawing/2014/main" id="{75C0DCD3-95F8-4E1F-BF1A-5FAAB84A40A3}"/>
+          <p:cNvPr id="2" name="Title 1">
+            <a:extLst>
+              <a:ext uri="{FF2B5EF4-FFF2-40B4-BE49-F238E27FC236}">
+                <a16:creationId xmlns:a16="http://schemas.microsoft.com/office/drawing/2014/main" id="{D1BF0482-6913-4A5E-A533-479864CB5349}"/>
               </a:ext>
             </a:extLst>
           </p:cNvPr>
@@ -12759,96 +12927,7 @@
           <a:p>
             <a:r>
               <a:rPr lang="en-US" dirty="0"/>
-              <a:t>PROPHET MODELS</a:t>
-            </a:r>
-          </a:p>
-        </p:txBody>
-      </p:sp>
-      <p:sp>
-        <p:nvSpPr>
-          <p:cNvPr id="8" name="Content Placeholder 7">
-            <a:extLst>
-              <a:ext uri="{FF2B5EF4-FFF2-40B4-BE49-F238E27FC236}">
-                <a16:creationId xmlns:a16="http://schemas.microsoft.com/office/drawing/2014/main" id="{52BB1FAB-BB61-4B66-A4EA-A0EABC2B3ECA}"/>
-              </a:ext>
-            </a:extLst>
-          </p:cNvPr>
-          <p:cNvSpPr>
-            <a:spLocks noGrp="1"/>
-          </p:cNvSpPr>
-          <p:nvPr>
-            <p:ph idx="1"/>
-          </p:nvPr>
-        </p:nvSpPr>
-        <p:spPr/>
-        <p:txBody>
-          <a:bodyPr/>
-          <a:lstStyle/>
-          <a:p>
-            <a:r>
-              <a:rPr lang="en-US" dirty="0"/>
-              <a:t>Cutting up a forecast</a:t>
-            </a:r>
-          </a:p>
-          <a:p>
-            <a:r>
-              <a:rPr lang="en-US" dirty="0"/>
-              <a:t>Pros:</a:t>
-            </a:r>
-          </a:p>
-          <a:p>
-            <a:pPr lvl="1"/>
-            <a:r>
-              <a:rPr lang="en-US" dirty="0"/>
-              <a:t>Fast and scalable</a:t>
-            </a:r>
-          </a:p>
-          <a:p>
-            <a:pPr lvl="1"/>
-            <a:r>
-              <a:rPr lang="en-US" dirty="0"/>
-              <a:t>Parameters are very easy to understand</a:t>
-            </a:r>
-          </a:p>
-          <a:p>
-            <a:pPr lvl="1"/>
-            <a:r>
-              <a:rPr lang="en-US" dirty="0"/>
-              <a:t>Deals with holidays very elegantly</a:t>
-            </a:r>
-          </a:p>
-          <a:p>
-            <a:pPr lvl="1"/>
-            <a:r>
-              <a:rPr lang="en-US" dirty="0"/>
-              <a:t>Splitting models up allows even more flexibility</a:t>
-            </a:r>
-          </a:p>
-          <a:p>
-            <a:pPr lvl="1"/>
-            <a:r>
-              <a:rPr lang="en-US" dirty="0"/>
-              <a:t>Performs quite well! Results often better than ARIMA</a:t>
-            </a:r>
-          </a:p>
-          <a:p>
-            <a:r>
-              <a:rPr lang="en-US" dirty="0"/>
-              <a:t>Cons:</a:t>
-            </a:r>
-          </a:p>
-          <a:p>
-            <a:pPr lvl="1"/>
-            <a:r>
-              <a:rPr lang="en-US" dirty="0"/>
-              <a:t>Not as widely used (released in Sept. 2017)!</a:t>
-            </a:r>
-          </a:p>
-          <a:p>
-            <a:pPr lvl="1"/>
-            <a:r>
-              <a:rPr lang="en-US" dirty="0"/>
-              <a:t>The jury’s still out on this one</a:t>
+              <a:t>ARIMA IN SUMMARY</a:t>
             </a:r>
           </a:p>
         </p:txBody>
@@ -12858,7 +12937,7 @@
           <p:cNvPr id="4" name="Date Placeholder 3">
             <a:extLst>
               <a:ext uri="{FF2B5EF4-FFF2-40B4-BE49-F238E27FC236}">
-                <a16:creationId xmlns:a16="http://schemas.microsoft.com/office/drawing/2014/main" id="{02256D86-7CE0-416E-B2A3-402D20EE9E90}"/>
+                <a16:creationId xmlns:a16="http://schemas.microsoft.com/office/drawing/2014/main" id="{B23DAF35-209C-48FA-AAAB-F69E14183A91}"/>
               </a:ext>
             </a:extLst>
           </p:cNvPr>
@@ -12874,7 +12953,7 @@
           <a:bodyPr/>
           <a:lstStyle/>
           <a:p>
-            <a:fld id="{B08FEED8-D7D4-44E9-BFBC-ED06B5996D94}" type="datetime4">
+            <a:fld id="{8AAE40A0-A7D8-4DC3-BC9E-BADA32DA2004}" type="datetime4">
               <a:rPr lang="en-US" smtClean="0"/>
               <a:t>July 30, 2019</a:t>
             </a:fld>
@@ -12887,7 +12966,7 @@
           <p:cNvPr id="5" name="Footer Placeholder 4">
             <a:extLst>
               <a:ext uri="{FF2B5EF4-FFF2-40B4-BE49-F238E27FC236}">
-                <a16:creationId xmlns:a16="http://schemas.microsoft.com/office/drawing/2014/main" id="{1D4ED112-7CF4-4BB9-B46E-B366A5054A9A}"/>
+                <a16:creationId xmlns:a16="http://schemas.microsoft.com/office/drawing/2014/main" id="{3D8E22A6-180D-41CF-9959-4347A11F2AD1}"/>
               </a:ext>
             </a:extLst>
           </p:cNvPr>
@@ -12944,7 +13023,7 @@
           <p:cNvPr id="6" name="Slide Number Placeholder 5">
             <a:extLst>
               <a:ext uri="{FF2B5EF4-FFF2-40B4-BE49-F238E27FC236}">
-                <a16:creationId xmlns:a16="http://schemas.microsoft.com/office/drawing/2014/main" id="{8CC75551-85BF-4C9F-8893-AA28ECA8A6B5}"/>
+                <a16:creationId xmlns:a16="http://schemas.microsoft.com/office/drawing/2014/main" id="{CECE3146-0C2B-4CC7-BC7C-FD23AAF7ECAE}"/>
               </a:ext>
             </a:extLst>
           </p:cNvPr>
@@ -12968,10 +13047,97 @@
           </a:p>
         </p:txBody>
       </p:sp>
+      <p:sp>
+        <p:nvSpPr>
+          <p:cNvPr id="8" name="Content Placeholder 7">
+            <a:extLst>
+              <a:ext uri="{FF2B5EF4-FFF2-40B4-BE49-F238E27FC236}">
+                <a16:creationId xmlns:a16="http://schemas.microsoft.com/office/drawing/2014/main" id="{30C259F3-048F-4C4B-AC8C-24699B6ABD42}"/>
+              </a:ext>
+            </a:extLst>
+          </p:cNvPr>
+          <p:cNvSpPr>
+            <a:spLocks noGrp="1"/>
+          </p:cNvSpPr>
+          <p:nvPr>
+            <p:ph idx="1"/>
+          </p:nvPr>
+        </p:nvSpPr>
+        <p:spPr>
+          <a:xfrm>
+            <a:off x="838199" y="1825625"/>
+            <a:ext cx="10515599" cy="4351338"/>
+          </a:xfrm>
+        </p:spPr>
+        <p:txBody>
+          <a:bodyPr/>
+          <a:lstStyle/>
+          <a:p>
+            <a:r>
+              <a:rPr lang="en-US" dirty="0"/>
+              <a:t>Explore your data with plots</a:t>
+            </a:r>
+          </a:p>
+          <a:p>
+            <a:pPr lvl="1"/>
+            <a:r>
+              <a:rPr lang="en-US" dirty="0"/>
+              <a:t>Plot by day, day of week, day of month, month, hour, minute, etc.</a:t>
+            </a:r>
+          </a:p>
+          <a:p>
+            <a:pPr lvl="2"/>
+            <a:r>
+              <a:rPr lang="en-US" dirty="0"/>
+              <a:t>This will help you get a feel for the data</a:t>
+            </a:r>
+          </a:p>
+          <a:p>
+            <a:pPr lvl="1"/>
+            <a:r>
+              <a:rPr lang="en-US" dirty="0"/>
+              <a:t>Try out some lags, moving averages, and detrending</a:t>
+            </a:r>
+          </a:p>
+          <a:p>
+            <a:pPr lvl="1"/>
+            <a:r>
+              <a:rPr lang="en-US" dirty="0"/>
+              <a:t>If you can get a stationary data series, remember what you did to get there!</a:t>
+            </a:r>
+          </a:p>
+          <a:p>
+            <a:r>
+              <a:rPr lang="en-US" dirty="0"/>
+              <a:t>Estimate parameters</a:t>
+            </a:r>
+          </a:p>
+          <a:p>
+            <a:pPr lvl="1"/>
+            <a:r>
+              <a:rPr lang="en-US" dirty="0"/>
+              <a:t>Use (partial)autocorrelation function to figure out the order of moving average and autoregressive components</a:t>
+            </a:r>
+          </a:p>
+          <a:p>
+            <a:pPr lvl="1"/>
+            <a:r>
+              <a:rPr lang="en-US" dirty="0"/>
+              <a:t>Use lagged scatterplots to deal with </a:t>
+            </a:r>
+          </a:p>
+          <a:p>
+            <a:r>
+              <a:rPr lang="en-US" dirty="0"/>
+              <a:t>Model, forecast, and repeat!</a:t>
+            </a:r>
+          </a:p>
+        </p:txBody>
+      </p:sp>
     </p:spTree>
     <p:extLst>
       <p:ext uri="{BB962C8B-B14F-4D97-AF65-F5344CB8AC3E}">
-        <p14:creationId xmlns:p14="http://schemas.microsoft.com/office/powerpoint/2010/main" val="3412561793"/>
+        <p14:creationId xmlns:p14="http://schemas.microsoft.com/office/powerpoint/2010/main" val="3756464233"/>
       </p:ext>
     </p:extLst>
   </p:cSld>
@@ -13000,10 +13166,10 @@
       </p:grpSpPr>
       <p:sp>
         <p:nvSpPr>
-          <p:cNvPr id="7" name="Title 6">
-            <a:extLst>
-              <a:ext uri="{FF2B5EF4-FFF2-40B4-BE49-F238E27FC236}">
-                <a16:creationId xmlns:a16="http://schemas.microsoft.com/office/drawing/2014/main" id="{7802FB34-7510-47BC-8952-A1FE9728B0BF}"/>
+          <p:cNvPr id="2" name="Title 1">
+            <a:extLst>
+              <a:ext uri="{FF2B5EF4-FFF2-40B4-BE49-F238E27FC236}">
+                <a16:creationId xmlns:a16="http://schemas.microsoft.com/office/drawing/2014/main" id="{D1BF0482-6913-4A5E-A533-479864CB5349}"/>
               </a:ext>
             </a:extLst>
           </p:cNvPr>
@@ -13021,35 +13187,7 @@
           <a:p>
             <a:r>
               <a:rPr lang="en-US" dirty="0"/>
-              <a:t>MARKOV CHAIN MODELS</a:t>
-            </a:r>
-          </a:p>
-        </p:txBody>
-      </p:sp>
-      <p:sp>
-        <p:nvSpPr>
-          <p:cNvPr id="8" name="Text Placeholder 7">
-            <a:extLst>
-              <a:ext uri="{FF2B5EF4-FFF2-40B4-BE49-F238E27FC236}">
-                <a16:creationId xmlns:a16="http://schemas.microsoft.com/office/drawing/2014/main" id="{FCA70F1A-579E-4144-AE97-14FFC08FF0F5}"/>
-              </a:ext>
-            </a:extLst>
-          </p:cNvPr>
-          <p:cNvSpPr>
-            <a:spLocks noGrp="1"/>
-          </p:cNvSpPr>
-          <p:nvPr>
-            <p:ph type="body" idx="1"/>
-          </p:nvPr>
-        </p:nvSpPr>
-        <p:spPr/>
-        <p:txBody>
-          <a:bodyPr/>
-          <a:lstStyle/>
-          <a:p>
-            <a:r>
-              <a:rPr lang="en-US" dirty="0"/>
-              <a:t>Inferring sequences of states</a:t>
+              <a:t>ARIMA EXTENSIONS</a:t>
             </a:r>
           </a:p>
         </p:txBody>
@@ -13059,7 +13197,7 @@
           <p:cNvPr id="4" name="Date Placeholder 3">
             <a:extLst>
               <a:ext uri="{FF2B5EF4-FFF2-40B4-BE49-F238E27FC236}">
-                <a16:creationId xmlns:a16="http://schemas.microsoft.com/office/drawing/2014/main" id="{3AD929EF-0967-4B34-81B8-24D9EF91892E}"/>
+                <a16:creationId xmlns:a16="http://schemas.microsoft.com/office/drawing/2014/main" id="{B23DAF35-209C-48FA-AAAB-F69E14183A91}"/>
               </a:ext>
             </a:extLst>
           </p:cNvPr>
@@ -13088,7 +13226,7 @@
           <p:cNvPr id="5" name="Footer Placeholder 4">
             <a:extLst>
               <a:ext uri="{FF2B5EF4-FFF2-40B4-BE49-F238E27FC236}">
-                <a16:creationId xmlns:a16="http://schemas.microsoft.com/office/drawing/2014/main" id="{3B5B35DD-F2EA-40D3-8039-8CD3802B2612}"/>
+                <a16:creationId xmlns:a16="http://schemas.microsoft.com/office/drawing/2014/main" id="{3D8E22A6-180D-41CF-9959-4347A11F2AD1}"/>
               </a:ext>
             </a:extLst>
           </p:cNvPr>
@@ -13145,7 +13283,7 @@
           <p:cNvPr id="6" name="Slide Number Placeholder 5">
             <a:extLst>
               <a:ext uri="{FF2B5EF4-FFF2-40B4-BE49-F238E27FC236}">
-                <a16:creationId xmlns:a16="http://schemas.microsoft.com/office/drawing/2014/main" id="{C3EB9A57-323C-47F5-867F-693F95A15FA4}"/>
+                <a16:creationId xmlns:a16="http://schemas.microsoft.com/office/drawing/2014/main" id="{CECE3146-0C2B-4CC7-BC7C-FD23AAF7ECAE}"/>
               </a:ext>
             </a:extLst>
           </p:cNvPr>
@@ -13169,10 +13307,76 @@
           </a:p>
         </p:txBody>
       </p:sp>
+      <p:sp>
+        <p:nvSpPr>
+          <p:cNvPr id="8" name="Content Placeholder 7">
+            <a:extLst>
+              <a:ext uri="{FF2B5EF4-FFF2-40B4-BE49-F238E27FC236}">
+                <a16:creationId xmlns:a16="http://schemas.microsoft.com/office/drawing/2014/main" id="{30C259F3-048F-4C4B-AC8C-24699B6ABD42}"/>
+              </a:ext>
+            </a:extLst>
+          </p:cNvPr>
+          <p:cNvSpPr>
+            <a:spLocks noGrp="1"/>
+          </p:cNvSpPr>
+          <p:nvPr>
+            <p:ph idx="1"/>
+          </p:nvPr>
+        </p:nvSpPr>
+        <p:spPr>
+          <a:xfrm>
+            <a:off x="838199" y="1825625"/>
+            <a:ext cx="10515599" cy="4351338"/>
+          </a:xfrm>
+        </p:spPr>
+        <p:txBody>
+          <a:bodyPr/>
+          <a:lstStyle/>
+          <a:p>
+            <a:r>
+              <a:rPr lang="en-US" dirty="0"/>
+              <a:t>Won’t explore these here</a:t>
+            </a:r>
+          </a:p>
+          <a:p>
+            <a:r>
+              <a:rPr lang="en-US" dirty="0"/>
+              <a:t>Seasonal ARIMA: better support for seasonal cycles (longer range)</a:t>
+            </a:r>
+          </a:p>
+          <a:p>
+            <a:pPr lvl="1"/>
+            <a:r>
+              <a:rPr lang="en-US" dirty="0"/>
+              <a:t>Even more parameters to figure out</a:t>
+            </a:r>
+          </a:p>
+          <a:p>
+            <a:r>
+              <a:rPr lang="en-US" dirty="0"/>
+              <a:t>ARIMAX: use external variables to help prediction</a:t>
+            </a:r>
+          </a:p>
+          <a:p>
+            <a:pPr lvl="1"/>
+            <a:r>
+              <a:rPr lang="en-US" dirty="0"/>
+              <a:t>Maybe if we knew the unemployment rate, that would help us predict inflation</a:t>
+            </a:r>
+          </a:p>
+          <a:p>
+            <a:pPr lvl="1"/>
+            <a:r>
+              <a:rPr lang="en-US" dirty="0"/>
+              <a:t>Usually pretty simple</a:t>
+            </a:r>
+          </a:p>
+        </p:txBody>
+      </p:sp>
     </p:spTree>
     <p:extLst>
       <p:ext uri="{BB962C8B-B14F-4D97-AF65-F5344CB8AC3E}">
-        <p14:creationId xmlns:p14="http://schemas.microsoft.com/office/powerpoint/2010/main" val="948205976"/>
+        <p14:creationId xmlns:p14="http://schemas.microsoft.com/office/powerpoint/2010/main" val="2228218145"/>
       </p:ext>
     </p:extLst>
   </p:cSld>
@@ -13204,7 +13408,7 @@
           <p:cNvPr id="7" name="Title 6">
             <a:extLst>
               <a:ext uri="{FF2B5EF4-FFF2-40B4-BE49-F238E27FC236}">
-                <a16:creationId xmlns:a16="http://schemas.microsoft.com/office/drawing/2014/main" id="{75C0DCD3-95F8-4E1F-BF1A-5FAAB84A40A3}"/>
+                <a16:creationId xmlns:a16="http://schemas.microsoft.com/office/drawing/2014/main" id="{7802FB34-7510-47BC-8952-A1FE9728B0BF}"/>
               </a:ext>
             </a:extLst>
           </p:cNvPr>
@@ -13222,75 +13426,35 @@
           <a:p>
             <a:r>
               <a:rPr lang="en-US" dirty="0"/>
-              <a:t>MARKOV CHAIN MODELS</a:t>
-            </a:r>
-          </a:p>
-        </p:txBody>
-      </p:sp>
-      <p:sp>
-        <p:nvSpPr>
-          <p:cNvPr id="8" name="Content Placeholder 7">
-            <a:extLst>
-              <a:ext uri="{FF2B5EF4-FFF2-40B4-BE49-F238E27FC236}">
-                <a16:creationId xmlns:a16="http://schemas.microsoft.com/office/drawing/2014/main" id="{52BB1FAB-BB61-4B66-A4EA-A0EABC2B3ECA}"/>
-              </a:ext>
-            </a:extLst>
-          </p:cNvPr>
-          <p:cNvSpPr>
-            <a:spLocks noGrp="1"/>
-          </p:cNvSpPr>
-          <p:nvPr>
-            <p:ph idx="1"/>
-          </p:nvPr>
-        </p:nvSpPr>
-        <p:spPr/>
-        <p:txBody>
-          <a:bodyPr/>
-          <a:lstStyle/>
-          <a:p>
-            <a:r>
-              <a:rPr lang="en-US" dirty="0"/>
-              <a:t>Modeling</a:t>
-            </a:r>
-          </a:p>
-          <a:p>
-            <a:r>
-              <a:rPr lang="en-US" dirty="0"/>
-              <a:t>Pros:</a:t>
-            </a:r>
-          </a:p>
-          <a:p>
-            <a:pPr lvl="1"/>
-            <a:r>
-              <a:rPr lang="en-US" dirty="0"/>
-              <a:t>Fast and scalable</a:t>
-            </a:r>
-          </a:p>
-          <a:p>
-            <a:pPr lvl="1"/>
-            <a:r>
-              <a:rPr lang="en-US" dirty="0"/>
-              <a:t>A great choice if you have some domain knowledge that lets you know that there are some ‘states’ in question</a:t>
-            </a:r>
-          </a:p>
-          <a:p>
-            <a:r>
-              <a:rPr lang="en-US" dirty="0"/>
-              <a:t>Cons:</a:t>
-            </a:r>
-          </a:p>
-          <a:p>
-            <a:pPr lvl="1"/>
-            <a:r>
-              <a:rPr lang="en-US" dirty="0"/>
-              <a:t>Not always easy to apply</a:t>
-            </a:r>
-          </a:p>
-          <a:p>
-            <a:pPr lvl="1"/>
-            <a:r>
-              <a:rPr lang="en-US" dirty="0"/>
-              <a:t>Not always easy to interpret</a:t>
+              <a:t>PROPHET MODELS</a:t>
+            </a:r>
+          </a:p>
+        </p:txBody>
+      </p:sp>
+      <p:sp>
+        <p:nvSpPr>
+          <p:cNvPr id="8" name="Text Placeholder 7">
+            <a:extLst>
+              <a:ext uri="{FF2B5EF4-FFF2-40B4-BE49-F238E27FC236}">
+                <a16:creationId xmlns:a16="http://schemas.microsoft.com/office/drawing/2014/main" id="{FCA70F1A-579E-4144-AE97-14FFC08FF0F5}"/>
+              </a:ext>
+            </a:extLst>
+          </p:cNvPr>
+          <p:cNvSpPr>
+            <a:spLocks noGrp="1"/>
+          </p:cNvSpPr>
+          <p:nvPr>
+            <p:ph type="body" idx="1"/>
+          </p:nvPr>
+        </p:nvSpPr>
+        <p:spPr/>
+        <p:txBody>
+          <a:bodyPr/>
+          <a:lstStyle/>
+          <a:p>
+            <a:r>
+              <a:rPr lang="en-US" dirty="0"/>
+              <a:t>Facebook’s in-house forecasting tool</a:t>
             </a:r>
           </a:p>
         </p:txBody>
@@ -13300,7 +13464,7 @@
           <p:cNvPr id="4" name="Date Placeholder 3">
             <a:extLst>
               <a:ext uri="{FF2B5EF4-FFF2-40B4-BE49-F238E27FC236}">
-                <a16:creationId xmlns:a16="http://schemas.microsoft.com/office/drawing/2014/main" id="{02256D86-7CE0-416E-B2A3-402D20EE9E90}"/>
+                <a16:creationId xmlns:a16="http://schemas.microsoft.com/office/drawing/2014/main" id="{3AD929EF-0967-4B34-81B8-24D9EF91892E}"/>
               </a:ext>
             </a:extLst>
           </p:cNvPr>
@@ -13316,7 +13480,7 @@
           <a:bodyPr/>
           <a:lstStyle/>
           <a:p>
-            <a:fld id="{B08FEED8-D7D4-44E9-BFBC-ED06B5996D94}" type="datetime4">
+            <a:fld id="{8AAE40A0-A7D8-4DC3-BC9E-BADA32DA2004}" type="datetime4">
               <a:rPr lang="en-US" smtClean="0"/>
               <a:t>July 30, 2019</a:t>
             </a:fld>
@@ -13329,7 +13493,7 @@
           <p:cNvPr id="5" name="Footer Placeholder 4">
             <a:extLst>
               <a:ext uri="{FF2B5EF4-FFF2-40B4-BE49-F238E27FC236}">
-                <a16:creationId xmlns:a16="http://schemas.microsoft.com/office/drawing/2014/main" id="{1D4ED112-7CF4-4BB9-B46E-B366A5054A9A}"/>
+                <a16:creationId xmlns:a16="http://schemas.microsoft.com/office/drawing/2014/main" id="{3B5B35DD-F2EA-40D3-8039-8CD3802B2612}"/>
               </a:ext>
             </a:extLst>
           </p:cNvPr>
@@ -13386,7 +13550,7 @@
           <p:cNvPr id="6" name="Slide Number Placeholder 5">
             <a:extLst>
               <a:ext uri="{FF2B5EF4-FFF2-40B4-BE49-F238E27FC236}">
-                <a16:creationId xmlns:a16="http://schemas.microsoft.com/office/drawing/2014/main" id="{8CC75551-85BF-4C9F-8893-AA28ECA8A6B5}"/>
+                <a16:creationId xmlns:a16="http://schemas.microsoft.com/office/drawing/2014/main" id="{C3EB9A57-323C-47F5-867F-693F95A15FA4}"/>
               </a:ext>
             </a:extLst>
           </p:cNvPr>
@@ -13413,7 +13577,7 @@
     </p:spTree>
     <p:extLst>
       <p:ext uri="{BB962C8B-B14F-4D97-AF65-F5344CB8AC3E}">
-        <p14:creationId xmlns:p14="http://schemas.microsoft.com/office/powerpoint/2010/main" val="1370387550"/>
+        <p14:creationId xmlns:p14="http://schemas.microsoft.com/office/powerpoint/2010/main" val="4082739096"/>
       </p:ext>
     </p:extLst>
   </p:cSld>
@@ -13445,7 +13609,7 @@
           <p:cNvPr id="7" name="Title 6">
             <a:extLst>
               <a:ext uri="{FF2B5EF4-FFF2-40B4-BE49-F238E27FC236}">
-                <a16:creationId xmlns:a16="http://schemas.microsoft.com/office/drawing/2014/main" id="{7802FB34-7510-47BC-8952-A1FE9728B0BF}"/>
+                <a16:creationId xmlns:a16="http://schemas.microsoft.com/office/drawing/2014/main" id="{75C0DCD3-95F8-4E1F-BF1A-5FAAB84A40A3}"/>
               </a:ext>
             </a:extLst>
           </p:cNvPr>
@@ -13463,42 +13627,96 @@
           <a:p>
             <a:r>
               <a:rPr lang="en-US" dirty="0"/>
-              <a:t>NEURAL NETWORK</a:t>
-            </a:r>
-            <a:br>
-              <a:rPr lang="en-US" dirty="0"/>
-            </a:br>
-            <a:r>
-              <a:rPr lang="en-US" dirty="0"/>
-              <a:t>APPROACHES</a:t>
-            </a:r>
-          </a:p>
-        </p:txBody>
-      </p:sp>
-      <p:sp>
-        <p:nvSpPr>
-          <p:cNvPr id="8" name="Text Placeholder 7">
-            <a:extLst>
-              <a:ext uri="{FF2B5EF4-FFF2-40B4-BE49-F238E27FC236}">
-                <a16:creationId xmlns:a16="http://schemas.microsoft.com/office/drawing/2014/main" id="{FCA70F1A-579E-4144-AE97-14FFC08FF0F5}"/>
-              </a:ext>
-            </a:extLst>
-          </p:cNvPr>
-          <p:cNvSpPr>
-            <a:spLocks noGrp="1"/>
-          </p:cNvSpPr>
-          <p:nvPr>
-            <p:ph type="body" idx="1"/>
-          </p:nvPr>
-        </p:nvSpPr>
-        <p:spPr/>
-        <p:txBody>
-          <a:bodyPr/>
-          <a:lstStyle/>
-          <a:p>
-            <a:r>
-              <a:rPr lang="en-US" dirty="0"/>
-              <a:t>Breaking out the big guns</a:t>
+              <a:t>PROPHET MODELS</a:t>
+            </a:r>
+          </a:p>
+        </p:txBody>
+      </p:sp>
+      <p:sp>
+        <p:nvSpPr>
+          <p:cNvPr id="8" name="Content Placeholder 7">
+            <a:extLst>
+              <a:ext uri="{FF2B5EF4-FFF2-40B4-BE49-F238E27FC236}">
+                <a16:creationId xmlns:a16="http://schemas.microsoft.com/office/drawing/2014/main" id="{52BB1FAB-BB61-4B66-A4EA-A0EABC2B3ECA}"/>
+              </a:ext>
+            </a:extLst>
+          </p:cNvPr>
+          <p:cNvSpPr>
+            <a:spLocks noGrp="1"/>
+          </p:cNvSpPr>
+          <p:nvPr>
+            <p:ph idx="1"/>
+          </p:nvPr>
+        </p:nvSpPr>
+        <p:spPr/>
+        <p:txBody>
+          <a:bodyPr/>
+          <a:lstStyle/>
+          <a:p>
+            <a:r>
+              <a:rPr lang="en-US" dirty="0"/>
+              <a:t>Cutting up a forecast</a:t>
+            </a:r>
+          </a:p>
+          <a:p>
+            <a:r>
+              <a:rPr lang="en-US" dirty="0"/>
+              <a:t>Pros:</a:t>
+            </a:r>
+          </a:p>
+          <a:p>
+            <a:pPr lvl="1"/>
+            <a:r>
+              <a:rPr lang="en-US" dirty="0"/>
+              <a:t>Fast and scalable</a:t>
+            </a:r>
+          </a:p>
+          <a:p>
+            <a:pPr lvl="1"/>
+            <a:r>
+              <a:rPr lang="en-US" dirty="0"/>
+              <a:t>Parameters are very easy to understand</a:t>
+            </a:r>
+          </a:p>
+          <a:p>
+            <a:pPr lvl="1"/>
+            <a:r>
+              <a:rPr lang="en-US" dirty="0"/>
+              <a:t>Deals with holidays very elegantly</a:t>
+            </a:r>
+          </a:p>
+          <a:p>
+            <a:pPr lvl="1"/>
+            <a:r>
+              <a:rPr lang="en-US" dirty="0"/>
+              <a:t>Splitting models up allows even more flexibility</a:t>
+            </a:r>
+          </a:p>
+          <a:p>
+            <a:pPr lvl="1"/>
+            <a:r>
+              <a:rPr lang="en-US" dirty="0"/>
+              <a:t>Performs quite well! Results often better than ARIMA</a:t>
+            </a:r>
+          </a:p>
+          <a:p>
+            <a:r>
+              <a:rPr lang="en-US" dirty="0"/>
+              <a:t>Cons:</a:t>
+            </a:r>
+          </a:p>
+          <a:p>
+            <a:pPr lvl="1"/>
+            <a:r>
+              <a:rPr lang="en-US" dirty="0"/>
+              <a:t>Not as widely used (released in Sept. 2017)!</a:t>
+            </a:r>
+          </a:p>
+          <a:p>
+            <a:pPr lvl="1"/>
+            <a:r>
+              <a:rPr lang="en-US" dirty="0"/>
+              <a:t>The jury’s still out on this one</a:t>
             </a:r>
           </a:p>
         </p:txBody>
@@ -13508,7 +13726,7 @@
           <p:cNvPr id="4" name="Date Placeholder 3">
             <a:extLst>
               <a:ext uri="{FF2B5EF4-FFF2-40B4-BE49-F238E27FC236}">
-                <a16:creationId xmlns:a16="http://schemas.microsoft.com/office/drawing/2014/main" id="{3AD929EF-0967-4B34-81B8-24D9EF91892E}"/>
+                <a16:creationId xmlns:a16="http://schemas.microsoft.com/office/drawing/2014/main" id="{02256D86-7CE0-416E-B2A3-402D20EE9E90}"/>
               </a:ext>
             </a:extLst>
           </p:cNvPr>
@@ -13524,7 +13742,7 @@
           <a:bodyPr/>
           <a:lstStyle/>
           <a:p>
-            <a:fld id="{8AAE40A0-A7D8-4DC3-BC9E-BADA32DA2004}" type="datetime4">
+            <a:fld id="{B08FEED8-D7D4-44E9-BFBC-ED06B5996D94}" type="datetime4">
               <a:rPr lang="en-US" smtClean="0"/>
               <a:t>July 30, 2019</a:t>
             </a:fld>
@@ -13537,7 +13755,7 @@
           <p:cNvPr id="5" name="Footer Placeholder 4">
             <a:extLst>
               <a:ext uri="{FF2B5EF4-FFF2-40B4-BE49-F238E27FC236}">
-                <a16:creationId xmlns:a16="http://schemas.microsoft.com/office/drawing/2014/main" id="{3B5B35DD-F2EA-40D3-8039-8CD3802B2612}"/>
+                <a16:creationId xmlns:a16="http://schemas.microsoft.com/office/drawing/2014/main" id="{1D4ED112-7CF4-4BB9-B46E-B366A5054A9A}"/>
               </a:ext>
             </a:extLst>
           </p:cNvPr>
@@ -13594,7 +13812,7 @@
           <p:cNvPr id="6" name="Slide Number Placeholder 5">
             <a:extLst>
               <a:ext uri="{FF2B5EF4-FFF2-40B4-BE49-F238E27FC236}">
-                <a16:creationId xmlns:a16="http://schemas.microsoft.com/office/drawing/2014/main" id="{C3EB9A57-323C-47F5-867F-693F95A15FA4}"/>
+                <a16:creationId xmlns:a16="http://schemas.microsoft.com/office/drawing/2014/main" id="{8CC75551-85BF-4C9F-8893-AA28ECA8A6B5}"/>
               </a:ext>
             </a:extLst>
           </p:cNvPr>
@@ -13621,7 +13839,7 @@
     </p:spTree>
     <p:extLst>
       <p:ext uri="{BB962C8B-B14F-4D97-AF65-F5344CB8AC3E}">
-        <p14:creationId xmlns:p14="http://schemas.microsoft.com/office/powerpoint/2010/main" val="1442732517"/>
+        <p14:creationId xmlns:p14="http://schemas.microsoft.com/office/powerpoint/2010/main" val="3412561793"/>
       </p:ext>
     </p:extLst>
   </p:cSld>
@@ -13653,7 +13871,7 @@
           <p:cNvPr id="7" name="Title 6">
             <a:extLst>
               <a:ext uri="{FF2B5EF4-FFF2-40B4-BE49-F238E27FC236}">
-                <a16:creationId xmlns:a16="http://schemas.microsoft.com/office/drawing/2014/main" id="{75C0DCD3-95F8-4E1F-BF1A-5FAAB84A40A3}"/>
+                <a16:creationId xmlns:a16="http://schemas.microsoft.com/office/drawing/2014/main" id="{7802FB34-7510-47BC-8952-A1FE9728B0BF}"/>
               </a:ext>
             </a:extLst>
           </p:cNvPr>
@@ -13671,83 +13889,35 @@
           <a:p>
             <a:r>
               <a:rPr lang="en-US" dirty="0"/>
-              <a:t>NEURAL NETWORK MODELS</a:t>
-            </a:r>
-          </a:p>
-        </p:txBody>
-      </p:sp>
-      <p:sp>
-        <p:nvSpPr>
-          <p:cNvPr id="8" name="Content Placeholder 7">
-            <a:extLst>
-              <a:ext uri="{FF2B5EF4-FFF2-40B4-BE49-F238E27FC236}">
-                <a16:creationId xmlns:a16="http://schemas.microsoft.com/office/drawing/2014/main" id="{52BB1FAB-BB61-4B66-A4EA-A0EABC2B3ECA}"/>
-              </a:ext>
-            </a:extLst>
-          </p:cNvPr>
-          <p:cNvSpPr>
-            <a:spLocks noGrp="1"/>
-          </p:cNvSpPr>
-          <p:nvPr>
-            <p:ph idx="1"/>
-          </p:nvPr>
-        </p:nvSpPr>
-        <p:spPr/>
-        <p:txBody>
-          <a:bodyPr>
-            <a:normAutofit/>
-          </a:bodyPr>
-          <a:lstStyle/>
-          <a:p>
-            <a:r>
-              <a:rPr lang="en-US" dirty="0"/>
-              <a:t>Incomprehensible but extremely powerful</a:t>
-            </a:r>
-          </a:p>
-          <a:p>
-            <a:r>
-              <a:rPr lang="en-US" dirty="0"/>
-              <a:t>Pros:</a:t>
-            </a:r>
-          </a:p>
-          <a:p>
-            <a:pPr lvl="1"/>
-            <a:r>
-              <a:rPr lang="en-US" dirty="0"/>
-              <a:t>Often extremely accurate</a:t>
-            </a:r>
-          </a:p>
-          <a:p>
-            <a:r>
-              <a:rPr lang="en-US" dirty="0"/>
-              <a:t>Cons:</a:t>
-            </a:r>
-          </a:p>
-          <a:p>
-            <a:pPr lvl="1"/>
-            <a:r>
-              <a:rPr lang="en-US" dirty="0"/>
-              <a:t>More or less impossible to understand what any of the parameters mean</a:t>
-            </a:r>
-          </a:p>
-          <a:p>
-            <a:pPr lvl="1"/>
-            <a:r>
-              <a:rPr lang="en-US" dirty="0"/>
-              <a:t>Can take a very long time to train the model</a:t>
-            </a:r>
-          </a:p>
-          <a:p>
-            <a:pPr lvl="1"/>
-            <a:r>
-              <a:rPr lang="en-US" dirty="0"/>
-              <a:t>Lots of moving parts and things that can go wrong</a:t>
-            </a:r>
-          </a:p>
-          <a:p>
-            <a:r>
-              <a:rPr lang="en-US" dirty="0"/>
-              <a:t>But depending on the problem, that one pro may outweigh all the cons</a:t>
+              <a:t>MARKOV CHAIN MODELS</a:t>
+            </a:r>
+          </a:p>
+        </p:txBody>
+      </p:sp>
+      <p:sp>
+        <p:nvSpPr>
+          <p:cNvPr id="8" name="Text Placeholder 7">
+            <a:extLst>
+              <a:ext uri="{FF2B5EF4-FFF2-40B4-BE49-F238E27FC236}">
+                <a16:creationId xmlns:a16="http://schemas.microsoft.com/office/drawing/2014/main" id="{FCA70F1A-579E-4144-AE97-14FFC08FF0F5}"/>
+              </a:ext>
+            </a:extLst>
+          </p:cNvPr>
+          <p:cNvSpPr>
+            <a:spLocks noGrp="1"/>
+          </p:cNvSpPr>
+          <p:nvPr>
+            <p:ph type="body" idx="1"/>
+          </p:nvPr>
+        </p:nvSpPr>
+        <p:spPr/>
+        <p:txBody>
+          <a:bodyPr/>
+          <a:lstStyle/>
+          <a:p>
+            <a:r>
+              <a:rPr lang="en-US" dirty="0"/>
+              <a:t>Inferring sequences of states</a:t>
             </a:r>
           </a:p>
         </p:txBody>
@@ -13757,7 +13927,7 @@
           <p:cNvPr id="4" name="Date Placeholder 3">
             <a:extLst>
               <a:ext uri="{FF2B5EF4-FFF2-40B4-BE49-F238E27FC236}">
-                <a16:creationId xmlns:a16="http://schemas.microsoft.com/office/drawing/2014/main" id="{02256D86-7CE0-416E-B2A3-402D20EE9E90}"/>
+                <a16:creationId xmlns:a16="http://schemas.microsoft.com/office/drawing/2014/main" id="{3AD929EF-0967-4B34-81B8-24D9EF91892E}"/>
               </a:ext>
             </a:extLst>
           </p:cNvPr>
@@ -13773,7 +13943,7 @@
           <a:bodyPr/>
           <a:lstStyle/>
           <a:p>
-            <a:fld id="{B08FEED8-D7D4-44E9-BFBC-ED06B5996D94}" type="datetime4">
+            <a:fld id="{8AAE40A0-A7D8-4DC3-BC9E-BADA32DA2004}" type="datetime4">
               <a:rPr lang="en-US" smtClean="0"/>
               <a:t>July 30, 2019</a:t>
             </a:fld>
@@ -13786,7 +13956,7 @@
           <p:cNvPr id="5" name="Footer Placeholder 4">
             <a:extLst>
               <a:ext uri="{FF2B5EF4-FFF2-40B4-BE49-F238E27FC236}">
-                <a16:creationId xmlns:a16="http://schemas.microsoft.com/office/drawing/2014/main" id="{1D4ED112-7CF4-4BB9-B46E-B366A5054A9A}"/>
+                <a16:creationId xmlns:a16="http://schemas.microsoft.com/office/drawing/2014/main" id="{3B5B35DD-F2EA-40D3-8039-8CD3802B2612}"/>
               </a:ext>
             </a:extLst>
           </p:cNvPr>
@@ -13843,7 +14013,7 @@
           <p:cNvPr id="6" name="Slide Number Placeholder 5">
             <a:extLst>
               <a:ext uri="{FF2B5EF4-FFF2-40B4-BE49-F238E27FC236}">
-                <a16:creationId xmlns:a16="http://schemas.microsoft.com/office/drawing/2014/main" id="{8CC75551-85BF-4C9F-8893-AA28ECA8A6B5}"/>
+                <a16:creationId xmlns:a16="http://schemas.microsoft.com/office/drawing/2014/main" id="{C3EB9A57-323C-47F5-867F-693F95A15FA4}"/>
               </a:ext>
             </a:extLst>
           </p:cNvPr>
@@ -13870,7 +14040,7 @@
     </p:spTree>
     <p:extLst>
       <p:ext uri="{BB962C8B-B14F-4D97-AF65-F5344CB8AC3E}">
-        <p14:creationId xmlns:p14="http://schemas.microsoft.com/office/powerpoint/2010/main" val="4213654799"/>
+        <p14:creationId xmlns:p14="http://schemas.microsoft.com/office/powerpoint/2010/main" val="948205976"/>
       </p:ext>
     </p:extLst>
   </p:cSld>
@@ -14135,7 +14305,7 @@
           <p:cNvPr id="7" name="Title 6">
             <a:extLst>
               <a:ext uri="{FF2B5EF4-FFF2-40B4-BE49-F238E27FC236}">
-                <a16:creationId xmlns:a16="http://schemas.microsoft.com/office/drawing/2014/main" id="{495B4BC0-844B-4414-A623-BEF78AAC1BA1}"/>
+                <a16:creationId xmlns:a16="http://schemas.microsoft.com/office/drawing/2014/main" id="{75C0DCD3-95F8-4E1F-BF1A-5FAAB84A40A3}"/>
               </a:ext>
             </a:extLst>
           </p:cNvPr>
@@ -14153,7 +14323,7 @@
           <a:p>
             <a:r>
               <a:rPr lang="en-US" dirty="0"/>
-              <a:t>ACKNOWLEDGMENTS</a:t>
+              <a:t>MARKOV CHAIN MODELS</a:t>
             </a:r>
           </a:p>
         </p:txBody>
@@ -14163,7 +14333,7 @@
           <p:cNvPr id="8" name="Content Placeholder 7">
             <a:extLst>
               <a:ext uri="{FF2B5EF4-FFF2-40B4-BE49-F238E27FC236}">
-                <a16:creationId xmlns:a16="http://schemas.microsoft.com/office/drawing/2014/main" id="{2BED3EB3-7E98-4A82-8335-7321D9E37B16}"/>
+                <a16:creationId xmlns:a16="http://schemas.microsoft.com/office/drawing/2014/main" id="{52BB1FAB-BB61-4B66-A4EA-A0EABC2B3ECA}"/>
               </a:ext>
             </a:extLst>
           </p:cNvPr>
@@ -14181,52 +14351,48 @@
           <a:p>
             <a:r>
               <a:rPr lang="en-US" dirty="0"/>
-              <a:t>Plots were created using the ggplot2 package in R</a:t>
-            </a:r>
-          </a:p>
-          <a:p>
-            <a:r>
-              <a:rPr lang="en-US" dirty="0"/>
-              <a:t>Shumway and </a:t>
-            </a:r>
-            <a:r>
-              <a:rPr lang="en-US" dirty="0" err="1"/>
-              <a:t>Stoffer’s</a:t>
-            </a:r>
-            <a:r>
-              <a:rPr lang="en-US" dirty="0"/>
-              <a:t> </a:t>
-            </a:r>
-            <a:r>
-              <a:rPr lang="en-US" i="1" dirty="0"/>
-              <a:t>Time Series Analysis and Its Applications With R Examples, Fourth Edition </a:t>
-            </a:r>
-            <a:r>
-              <a:rPr lang="en-US" dirty="0"/>
-              <a:t>published by Springer was used as the main reference for the ARIMA section</a:t>
-            </a:r>
-          </a:p>
-          <a:p>
-            <a:r>
-              <a:rPr lang="en-US" i="1" dirty="0"/>
-              <a:t>Forecasting at Scale </a:t>
-            </a:r>
-            <a:r>
-              <a:rPr lang="en-US" dirty="0"/>
-              <a:t>by Sean J. Taylor and Benjamin </a:t>
-            </a:r>
-            <a:r>
-              <a:rPr lang="en-US" dirty="0" err="1"/>
-              <a:t>Letham</a:t>
-            </a:r>
-            <a:r>
-              <a:rPr lang="en-US" dirty="0"/>
-              <a:t> at Facebook was used as the main reference for the Prophet section</a:t>
-            </a:r>
-            <a:endParaRPr lang="en-US" i="1" dirty="0"/>
-          </a:p>
-          <a:p>
-            <a:endParaRPr lang="en-US" dirty="0"/>
+              <a:t>Modeling</a:t>
+            </a:r>
+          </a:p>
+          <a:p>
+            <a:r>
+              <a:rPr lang="en-US" dirty="0"/>
+              <a:t>Pros:</a:t>
+            </a:r>
+          </a:p>
+          <a:p>
+            <a:pPr lvl="1"/>
+            <a:r>
+              <a:rPr lang="en-US" dirty="0"/>
+              <a:t>Fast and scalable</a:t>
+            </a:r>
+          </a:p>
+          <a:p>
+            <a:pPr lvl="1"/>
+            <a:r>
+              <a:rPr lang="en-US" dirty="0"/>
+              <a:t>A great choice if you have some domain knowledge that lets you know that there are some ‘states’ in question</a:t>
+            </a:r>
+          </a:p>
+          <a:p>
+            <a:r>
+              <a:rPr lang="en-US" dirty="0"/>
+              <a:t>Cons:</a:t>
+            </a:r>
+          </a:p>
+          <a:p>
+            <a:pPr lvl="1"/>
+            <a:r>
+              <a:rPr lang="en-US" dirty="0"/>
+              <a:t>Not always easy to apply</a:t>
+            </a:r>
+          </a:p>
+          <a:p>
+            <a:pPr lvl="1"/>
+            <a:r>
+              <a:rPr lang="en-US" dirty="0"/>
+              <a:t>Not always easy to interpret</a:t>
+            </a:r>
           </a:p>
         </p:txBody>
       </p:sp>
@@ -14235,7 +14401,7 @@
           <p:cNvPr id="4" name="Date Placeholder 3">
             <a:extLst>
               <a:ext uri="{FF2B5EF4-FFF2-40B4-BE49-F238E27FC236}">
-                <a16:creationId xmlns:a16="http://schemas.microsoft.com/office/drawing/2014/main" id="{540F37F1-4F33-429F-A568-1A3ADC499E54}"/>
+                <a16:creationId xmlns:a16="http://schemas.microsoft.com/office/drawing/2014/main" id="{02256D86-7CE0-416E-B2A3-402D20EE9E90}"/>
               </a:ext>
             </a:extLst>
           </p:cNvPr>
@@ -14264,7 +14430,7 @@
           <p:cNvPr id="5" name="Footer Placeholder 4">
             <a:extLst>
               <a:ext uri="{FF2B5EF4-FFF2-40B4-BE49-F238E27FC236}">
-                <a16:creationId xmlns:a16="http://schemas.microsoft.com/office/drawing/2014/main" id="{673FFA57-C126-4795-A5F6-DD33AAC5ACBD}"/>
+                <a16:creationId xmlns:a16="http://schemas.microsoft.com/office/drawing/2014/main" id="{1D4ED112-7CF4-4BB9-B46E-B366A5054A9A}"/>
               </a:ext>
             </a:extLst>
           </p:cNvPr>
@@ -14321,7 +14487,7 @@
           <p:cNvPr id="6" name="Slide Number Placeholder 5">
             <a:extLst>
               <a:ext uri="{FF2B5EF4-FFF2-40B4-BE49-F238E27FC236}">
-                <a16:creationId xmlns:a16="http://schemas.microsoft.com/office/drawing/2014/main" id="{2FA49567-BB70-4798-8746-D0B522CCEE20}"/>
+                <a16:creationId xmlns:a16="http://schemas.microsoft.com/office/drawing/2014/main" id="{8CC75551-85BF-4C9F-8893-AA28ECA8A6B5}"/>
               </a:ext>
             </a:extLst>
           </p:cNvPr>
@@ -14340,6 +14506,708 @@
             <a:fld id="{D57F1E4F-1CFF-5643-939E-02111984F565}" type="slidenum">
               <a:rPr lang="en-US" smtClean="0"/>
               <a:t>50</a:t>
+            </a:fld>
+            <a:endParaRPr lang="en-US" dirty="0"/>
+          </a:p>
+        </p:txBody>
+      </p:sp>
+    </p:spTree>
+    <p:extLst>
+      <p:ext uri="{BB962C8B-B14F-4D97-AF65-F5344CB8AC3E}">
+        <p14:creationId xmlns:p14="http://schemas.microsoft.com/office/powerpoint/2010/main" val="1370387550"/>
+      </p:ext>
+    </p:extLst>
+  </p:cSld>
+  <p:clrMapOvr>
+    <a:masterClrMapping/>
+  </p:clrMapOvr>
+</p:sld>
+</file>
+
+<file path=ppt/slides/slide51.xml><?xml version="1.0" encoding="utf-8"?>
+<p:sld xmlns:a="http://schemas.openxmlformats.org/drawingml/2006/main" xmlns:r="http://schemas.openxmlformats.org/officeDocument/2006/relationships" xmlns:p="http://schemas.openxmlformats.org/presentationml/2006/main">
+  <p:cSld>
+    <p:spTree>
+      <p:nvGrpSpPr>
+        <p:cNvPr id="1" name=""/>
+        <p:cNvGrpSpPr/>
+        <p:nvPr/>
+      </p:nvGrpSpPr>
+      <p:grpSpPr>
+        <a:xfrm>
+          <a:off x="0" y="0"/>
+          <a:ext cx="0" cy="0"/>
+          <a:chOff x="0" y="0"/>
+          <a:chExt cx="0" cy="0"/>
+        </a:xfrm>
+      </p:grpSpPr>
+      <p:sp>
+        <p:nvSpPr>
+          <p:cNvPr id="7" name="Title 6">
+            <a:extLst>
+              <a:ext uri="{FF2B5EF4-FFF2-40B4-BE49-F238E27FC236}">
+                <a16:creationId xmlns:a16="http://schemas.microsoft.com/office/drawing/2014/main" id="{7802FB34-7510-47BC-8952-A1FE9728B0BF}"/>
+              </a:ext>
+            </a:extLst>
+          </p:cNvPr>
+          <p:cNvSpPr>
+            <a:spLocks noGrp="1"/>
+          </p:cNvSpPr>
+          <p:nvPr>
+            <p:ph type="title"/>
+          </p:nvPr>
+        </p:nvSpPr>
+        <p:spPr/>
+        <p:txBody>
+          <a:bodyPr/>
+          <a:lstStyle/>
+          <a:p>
+            <a:r>
+              <a:rPr lang="en-US" dirty="0"/>
+              <a:t>NEURAL NETWORK</a:t>
+            </a:r>
+            <a:br>
+              <a:rPr lang="en-US" dirty="0"/>
+            </a:br>
+            <a:r>
+              <a:rPr lang="en-US" dirty="0"/>
+              <a:t>APPROACHES</a:t>
+            </a:r>
+          </a:p>
+        </p:txBody>
+      </p:sp>
+      <p:sp>
+        <p:nvSpPr>
+          <p:cNvPr id="8" name="Text Placeholder 7">
+            <a:extLst>
+              <a:ext uri="{FF2B5EF4-FFF2-40B4-BE49-F238E27FC236}">
+                <a16:creationId xmlns:a16="http://schemas.microsoft.com/office/drawing/2014/main" id="{FCA70F1A-579E-4144-AE97-14FFC08FF0F5}"/>
+              </a:ext>
+            </a:extLst>
+          </p:cNvPr>
+          <p:cNvSpPr>
+            <a:spLocks noGrp="1"/>
+          </p:cNvSpPr>
+          <p:nvPr>
+            <p:ph type="body" idx="1"/>
+          </p:nvPr>
+        </p:nvSpPr>
+        <p:spPr/>
+        <p:txBody>
+          <a:bodyPr/>
+          <a:lstStyle/>
+          <a:p>
+            <a:r>
+              <a:rPr lang="en-US" dirty="0"/>
+              <a:t>Breaking out the big guns</a:t>
+            </a:r>
+          </a:p>
+        </p:txBody>
+      </p:sp>
+      <p:sp>
+        <p:nvSpPr>
+          <p:cNvPr id="4" name="Date Placeholder 3">
+            <a:extLst>
+              <a:ext uri="{FF2B5EF4-FFF2-40B4-BE49-F238E27FC236}">
+                <a16:creationId xmlns:a16="http://schemas.microsoft.com/office/drawing/2014/main" id="{3AD929EF-0967-4B34-81B8-24D9EF91892E}"/>
+              </a:ext>
+            </a:extLst>
+          </p:cNvPr>
+          <p:cNvSpPr>
+            <a:spLocks noGrp="1"/>
+          </p:cNvSpPr>
+          <p:nvPr>
+            <p:ph type="dt" sz="half" idx="10"/>
+          </p:nvPr>
+        </p:nvSpPr>
+        <p:spPr/>
+        <p:txBody>
+          <a:bodyPr/>
+          <a:lstStyle/>
+          <a:p>
+            <a:fld id="{8AAE40A0-A7D8-4DC3-BC9E-BADA32DA2004}" type="datetime4">
+              <a:rPr lang="en-US" smtClean="0"/>
+              <a:t>July 30, 2019</a:t>
+            </a:fld>
+            <a:endParaRPr lang="en-US" dirty="0"/>
+          </a:p>
+        </p:txBody>
+      </p:sp>
+      <p:sp>
+        <p:nvSpPr>
+          <p:cNvPr id="5" name="Footer Placeholder 4">
+            <a:extLst>
+              <a:ext uri="{FF2B5EF4-FFF2-40B4-BE49-F238E27FC236}">
+                <a16:creationId xmlns:a16="http://schemas.microsoft.com/office/drawing/2014/main" id="{3B5B35DD-F2EA-40D3-8039-8CD3802B2612}"/>
+              </a:ext>
+            </a:extLst>
+          </p:cNvPr>
+          <p:cNvSpPr>
+            <a:spLocks noGrp="1"/>
+          </p:cNvSpPr>
+          <p:nvPr>
+            <p:ph type="ftr" sz="quarter" idx="11"/>
+          </p:nvPr>
+        </p:nvSpPr>
+        <p:spPr/>
+        <p:txBody>
+          <a:bodyPr/>
+          <a:lstStyle/>
+          <a:p>
+            <a:r>
+              <a:rPr lang="en-US"/>
+              <a:t>Digital Scholarship Services </a:t>
+            </a:r>
+            <a:r>
+              <a:rPr lang="en-US">
+                <a:solidFill>
+                  <a:schemeClr val="accent1">
+                    <a:lumMod val="50000"/>
+                  </a:schemeClr>
+                </a:solidFill>
+              </a:rPr>
+              <a:t>| Email</a:t>
+            </a:r>
+            <a:r>
+              <a:rPr lang="en-US"/>
+              <a:t> cf24@rice.edu </a:t>
+            </a:r>
+            <a:r>
+              <a:rPr lang="en-US">
+                <a:solidFill>
+                  <a:schemeClr val="accent1">
+                    <a:lumMod val="50000"/>
+                  </a:schemeClr>
+                </a:solidFill>
+              </a:rPr>
+              <a:t>|</a:t>
+            </a:r>
+            <a:r>
+              <a:rPr lang="en-US"/>
+              <a:t> library.rice.edu/dss</a:t>
+            </a:r>
+            <a:endParaRPr lang="en-US" dirty="0"/>
+          </a:p>
+        </p:txBody>
+      </p:sp>
+      <p:sp>
+        <p:nvSpPr>
+          <p:cNvPr id="6" name="Slide Number Placeholder 5">
+            <a:extLst>
+              <a:ext uri="{FF2B5EF4-FFF2-40B4-BE49-F238E27FC236}">
+                <a16:creationId xmlns:a16="http://schemas.microsoft.com/office/drawing/2014/main" id="{C3EB9A57-323C-47F5-867F-693F95A15FA4}"/>
+              </a:ext>
+            </a:extLst>
+          </p:cNvPr>
+          <p:cNvSpPr>
+            <a:spLocks noGrp="1"/>
+          </p:cNvSpPr>
+          <p:nvPr>
+            <p:ph type="sldNum" sz="quarter" idx="12"/>
+          </p:nvPr>
+        </p:nvSpPr>
+        <p:spPr/>
+        <p:txBody>
+          <a:bodyPr/>
+          <a:lstStyle/>
+          <a:p>
+            <a:fld id="{D57F1E4F-1CFF-5643-939E-02111984F565}" type="slidenum">
+              <a:rPr lang="en-US" smtClean="0"/>
+              <a:t>51</a:t>
+            </a:fld>
+            <a:endParaRPr lang="en-US" dirty="0"/>
+          </a:p>
+        </p:txBody>
+      </p:sp>
+    </p:spTree>
+    <p:extLst>
+      <p:ext uri="{BB962C8B-B14F-4D97-AF65-F5344CB8AC3E}">
+        <p14:creationId xmlns:p14="http://schemas.microsoft.com/office/powerpoint/2010/main" val="1442732517"/>
+      </p:ext>
+    </p:extLst>
+  </p:cSld>
+  <p:clrMapOvr>
+    <a:masterClrMapping/>
+  </p:clrMapOvr>
+</p:sld>
+</file>
+
+<file path=ppt/slides/slide52.xml><?xml version="1.0" encoding="utf-8"?>
+<p:sld xmlns:a="http://schemas.openxmlformats.org/drawingml/2006/main" xmlns:r="http://schemas.openxmlformats.org/officeDocument/2006/relationships" xmlns:p="http://schemas.openxmlformats.org/presentationml/2006/main">
+  <p:cSld>
+    <p:spTree>
+      <p:nvGrpSpPr>
+        <p:cNvPr id="1" name=""/>
+        <p:cNvGrpSpPr/>
+        <p:nvPr/>
+      </p:nvGrpSpPr>
+      <p:grpSpPr>
+        <a:xfrm>
+          <a:off x="0" y="0"/>
+          <a:ext cx="0" cy="0"/>
+          <a:chOff x="0" y="0"/>
+          <a:chExt cx="0" cy="0"/>
+        </a:xfrm>
+      </p:grpSpPr>
+      <p:sp>
+        <p:nvSpPr>
+          <p:cNvPr id="7" name="Title 6">
+            <a:extLst>
+              <a:ext uri="{FF2B5EF4-FFF2-40B4-BE49-F238E27FC236}">
+                <a16:creationId xmlns:a16="http://schemas.microsoft.com/office/drawing/2014/main" id="{75C0DCD3-95F8-4E1F-BF1A-5FAAB84A40A3}"/>
+              </a:ext>
+            </a:extLst>
+          </p:cNvPr>
+          <p:cNvSpPr>
+            <a:spLocks noGrp="1"/>
+          </p:cNvSpPr>
+          <p:nvPr>
+            <p:ph type="title"/>
+          </p:nvPr>
+        </p:nvSpPr>
+        <p:spPr/>
+        <p:txBody>
+          <a:bodyPr/>
+          <a:lstStyle/>
+          <a:p>
+            <a:r>
+              <a:rPr lang="en-US" dirty="0"/>
+              <a:t>NEURAL NETWORK MODELS</a:t>
+            </a:r>
+          </a:p>
+        </p:txBody>
+      </p:sp>
+      <p:sp>
+        <p:nvSpPr>
+          <p:cNvPr id="8" name="Content Placeholder 7">
+            <a:extLst>
+              <a:ext uri="{FF2B5EF4-FFF2-40B4-BE49-F238E27FC236}">
+                <a16:creationId xmlns:a16="http://schemas.microsoft.com/office/drawing/2014/main" id="{52BB1FAB-BB61-4B66-A4EA-A0EABC2B3ECA}"/>
+              </a:ext>
+            </a:extLst>
+          </p:cNvPr>
+          <p:cNvSpPr>
+            <a:spLocks noGrp="1"/>
+          </p:cNvSpPr>
+          <p:nvPr>
+            <p:ph idx="1"/>
+          </p:nvPr>
+        </p:nvSpPr>
+        <p:spPr/>
+        <p:txBody>
+          <a:bodyPr>
+            <a:normAutofit/>
+          </a:bodyPr>
+          <a:lstStyle/>
+          <a:p>
+            <a:r>
+              <a:rPr lang="en-US" dirty="0"/>
+              <a:t>Incomprehensible but extremely powerful</a:t>
+            </a:r>
+          </a:p>
+          <a:p>
+            <a:r>
+              <a:rPr lang="en-US" dirty="0"/>
+              <a:t>Pros:</a:t>
+            </a:r>
+          </a:p>
+          <a:p>
+            <a:pPr lvl="1"/>
+            <a:r>
+              <a:rPr lang="en-US" dirty="0"/>
+              <a:t>Often extremely accurate</a:t>
+            </a:r>
+          </a:p>
+          <a:p>
+            <a:r>
+              <a:rPr lang="en-US" dirty="0"/>
+              <a:t>Cons:</a:t>
+            </a:r>
+          </a:p>
+          <a:p>
+            <a:pPr lvl="1"/>
+            <a:r>
+              <a:rPr lang="en-US" dirty="0"/>
+              <a:t>More or less impossible to understand what any of the parameters mean</a:t>
+            </a:r>
+          </a:p>
+          <a:p>
+            <a:pPr lvl="1"/>
+            <a:r>
+              <a:rPr lang="en-US" dirty="0"/>
+              <a:t>Can take a very long time to train the model</a:t>
+            </a:r>
+          </a:p>
+          <a:p>
+            <a:pPr lvl="1"/>
+            <a:r>
+              <a:rPr lang="en-US" dirty="0"/>
+              <a:t>Lots of moving parts and things that can go wrong</a:t>
+            </a:r>
+          </a:p>
+          <a:p>
+            <a:r>
+              <a:rPr lang="en-US" dirty="0"/>
+              <a:t>But depending on the problem, that one pro may outweigh all the cons</a:t>
+            </a:r>
+          </a:p>
+        </p:txBody>
+      </p:sp>
+      <p:sp>
+        <p:nvSpPr>
+          <p:cNvPr id="4" name="Date Placeholder 3">
+            <a:extLst>
+              <a:ext uri="{FF2B5EF4-FFF2-40B4-BE49-F238E27FC236}">
+                <a16:creationId xmlns:a16="http://schemas.microsoft.com/office/drawing/2014/main" id="{02256D86-7CE0-416E-B2A3-402D20EE9E90}"/>
+              </a:ext>
+            </a:extLst>
+          </p:cNvPr>
+          <p:cNvSpPr>
+            <a:spLocks noGrp="1"/>
+          </p:cNvSpPr>
+          <p:nvPr>
+            <p:ph type="dt" sz="half" idx="10"/>
+          </p:nvPr>
+        </p:nvSpPr>
+        <p:spPr/>
+        <p:txBody>
+          <a:bodyPr/>
+          <a:lstStyle/>
+          <a:p>
+            <a:fld id="{B08FEED8-D7D4-44E9-BFBC-ED06B5996D94}" type="datetime4">
+              <a:rPr lang="en-US" smtClean="0"/>
+              <a:t>July 30, 2019</a:t>
+            </a:fld>
+            <a:endParaRPr lang="en-US" dirty="0"/>
+          </a:p>
+        </p:txBody>
+      </p:sp>
+      <p:sp>
+        <p:nvSpPr>
+          <p:cNvPr id="5" name="Footer Placeholder 4">
+            <a:extLst>
+              <a:ext uri="{FF2B5EF4-FFF2-40B4-BE49-F238E27FC236}">
+                <a16:creationId xmlns:a16="http://schemas.microsoft.com/office/drawing/2014/main" id="{1D4ED112-7CF4-4BB9-B46E-B366A5054A9A}"/>
+              </a:ext>
+            </a:extLst>
+          </p:cNvPr>
+          <p:cNvSpPr>
+            <a:spLocks noGrp="1"/>
+          </p:cNvSpPr>
+          <p:nvPr>
+            <p:ph type="ftr" sz="quarter" idx="11"/>
+          </p:nvPr>
+        </p:nvSpPr>
+        <p:spPr/>
+        <p:txBody>
+          <a:bodyPr/>
+          <a:lstStyle/>
+          <a:p>
+            <a:r>
+              <a:rPr lang="en-US"/>
+              <a:t>Digital Scholarship Services </a:t>
+            </a:r>
+            <a:r>
+              <a:rPr lang="en-US">
+                <a:solidFill>
+                  <a:schemeClr val="accent1">
+                    <a:lumMod val="50000"/>
+                  </a:schemeClr>
+                </a:solidFill>
+              </a:rPr>
+              <a:t>| Email</a:t>
+            </a:r>
+            <a:r>
+              <a:rPr lang="en-US"/>
+              <a:t> cf24@rice.edu </a:t>
+            </a:r>
+            <a:r>
+              <a:rPr lang="en-US">
+                <a:solidFill>
+                  <a:schemeClr val="accent1">
+                    <a:lumMod val="50000"/>
+                  </a:schemeClr>
+                </a:solidFill>
+              </a:rPr>
+              <a:t>|</a:t>
+            </a:r>
+            <a:r>
+              <a:rPr lang="en-US"/>
+              <a:t> library.rice.edu/dss</a:t>
+            </a:r>
+            <a:endParaRPr lang="en-US" dirty="0"/>
+          </a:p>
+        </p:txBody>
+      </p:sp>
+      <p:sp>
+        <p:nvSpPr>
+          <p:cNvPr id="6" name="Slide Number Placeholder 5">
+            <a:extLst>
+              <a:ext uri="{FF2B5EF4-FFF2-40B4-BE49-F238E27FC236}">
+                <a16:creationId xmlns:a16="http://schemas.microsoft.com/office/drawing/2014/main" id="{8CC75551-85BF-4C9F-8893-AA28ECA8A6B5}"/>
+              </a:ext>
+            </a:extLst>
+          </p:cNvPr>
+          <p:cNvSpPr>
+            <a:spLocks noGrp="1"/>
+          </p:cNvSpPr>
+          <p:nvPr>
+            <p:ph type="sldNum" sz="quarter" idx="12"/>
+          </p:nvPr>
+        </p:nvSpPr>
+        <p:spPr/>
+        <p:txBody>
+          <a:bodyPr/>
+          <a:lstStyle/>
+          <a:p>
+            <a:fld id="{D57F1E4F-1CFF-5643-939E-02111984F565}" type="slidenum">
+              <a:rPr lang="en-US" smtClean="0"/>
+              <a:t>52</a:t>
+            </a:fld>
+            <a:endParaRPr lang="en-US" dirty="0"/>
+          </a:p>
+        </p:txBody>
+      </p:sp>
+    </p:spTree>
+    <p:extLst>
+      <p:ext uri="{BB962C8B-B14F-4D97-AF65-F5344CB8AC3E}">
+        <p14:creationId xmlns:p14="http://schemas.microsoft.com/office/powerpoint/2010/main" val="4213654799"/>
+      </p:ext>
+    </p:extLst>
+  </p:cSld>
+  <p:clrMapOvr>
+    <a:masterClrMapping/>
+  </p:clrMapOvr>
+</p:sld>
+</file>
+
+<file path=ppt/slides/slide53.xml><?xml version="1.0" encoding="utf-8"?>
+<p:sld xmlns:a="http://schemas.openxmlformats.org/drawingml/2006/main" xmlns:r="http://schemas.openxmlformats.org/officeDocument/2006/relationships" xmlns:p="http://schemas.openxmlformats.org/presentationml/2006/main">
+  <p:cSld>
+    <p:spTree>
+      <p:nvGrpSpPr>
+        <p:cNvPr id="1" name=""/>
+        <p:cNvGrpSpPr/>
+        <p:nvPr/>
+      </p:nvGrpSpPr>
+      <p:grpSpPr>
+        <a:xfrm>
+          <a:off x="0" y="0"/>
+          <a:ext cx="0" cy="0"/>
+          <a:chOff x="0" y="0"/>
+          <a:chExt cx="0" cy="0"/>
+        </a:xfrm>
+      </p:grpSpPr>
+      <p:sp>
+        <p:nvSpPr>
+          <p:cNvPr id="7" name="Title 6">
+            <a:extLst>
+              <a:ext uri="{FF2B5EF4-FFF2-40B4-BE49-F238E27FC236}">
+                <a16:creationId xmlns:a16="http://schemas.microsoft.com/office/drawing/2014/main" id="{495B4BC0-844B-4414-A623-BEF78AAC1BA1}"/>
+              </a:ext>
+            </a:extLst>
+          </p:cNvPr>
+          <p:cNvSpPr>
+            <a:spLocks noGrp="1"/>
+          </p:cNvSpPr>
+          <p:nvPr>
+            <p:ph type="title"/>
+          </p:nvPr>
+        </p:nvSpPr>
+        <p:spPr/>
+        <p:txBody>
+          <a:bodyPr/>
+          <a:lstStyle/>
+          <a:p>
+            <a:r>
+              <a:rPr lang="en-US" dirty="0"/>
+              <a:t>ACKNOWLEDGMENTS</a:t>
+            </a:r>
+          </a:p>
+        </p:txBody>
+      </p:sp>
+      <p:sp>
+        <p:nvSpPr>
+          <p:cNvPr id="8" name="Content Placeholder 7">
+            <a:extLst>
+              <a:ext uri="{FF2B5EF4-FFF2-40B4-BE49-F238E27FC236}">
+                <a16:creationId xmlns:a16="http://schemas.microsoft.com/office/drawing/2014/main" id="{2BED3EB3-7E98-4A82-8335-7321D9E37B16}"/>
+              </a:ext>
+            </a:extLst>
+          </p:cNvPr>
+          <p:cNvSpPr>
+            <a:spLocks noGrp="1"/>
+          </p:cNvSpPr>
+          <p:nvPr>
+            <p:ph idx="1"/>
+          </p:nvPr>
+        </p:nvSpPr>
+        <p:spPr/>
+        <p:txBody>
+          <a:bodyPr/>
+          <a:lstStyle/>
+          <a:p>
+            <a:r>
+              <a:rPr lang="en-US" dirty="0"/>
+              <a:t>Plots were created using the ggplot2 package in R</a:t>
+            </a:r>
+          </a:p>
+          <a:p>
+            <a:r>
+              <a:rPr lang="en-US" dirty="0"/>
+              <a:t>Shumway and </a:t>
+            </a:r>
+            <a:r>
+              <a:rPr lang="en-US" dirty="0" err="1"/>
+              <a:t>Stoffer’s</a:t>
+            </a:r>
+            <a:r>
+              <a:rPr lang="en-US" dirty="0"/>
+              <a:t> </a:t>
+            </a:r>
+            <a:r>
+              <a:rPr lang="en-US" i="1" dirty="0"/>
+              <a:t>Time Series Analysis and Its Applications With R Examples, Fourth Edition </a:t>
+            </a:r>
+            <a:r>
+              <a:rPr lang="en-US" dirty="0"/>
+              <a:t>published by Springer was used as the main reference for the ARIMA section</a:t>
+            </a:r>
+          </a:p>
+          <a:p>
+            <a:r>
+              <a:rPr lang="en-US" i="1" dirty="0"/>
+              <a:t>Forecasting at Scale </a:t>
+            </a:r>
+            <a:r>
+              <a:rPr lang="en-US" dirty="0"/>
+              <a:t>by Sean J. Taylor and Benjamin </a:t>
+            </a:r>
+            <a:r>
+              <a:rPr lang="en-US" dirty="0" err="1"/>
+              <a:t>Letham</a:t>
+            </a:r>
+            <a:r>
+              <a:rPr lang="en-US" dirty="0"/>
+              <a:t> at Facebook was used as the main reference for the Prophet section</a:t>
+            </a:r>
+            <a:endParaRPr lang="en-US" i="1" dirty="0"/>
+          </a:p>
+          <a:p>
+            <a:endParaRPr lang="en-US" dirty="0"/>
+          </a:p>
+        </p:txBody>
+      </p:sp>
+      <p:sp>
+        <p:nvSpPr>
+          <p:cNvPr id="4" name="Date Placeholder 3">
+            <a:extLst>
+              <a:ext uri="{FF2B5EF4-FFF2-40B4-BE49-F238E27FC236}">
+                <a16:creationId xmlns:a16="http://schemas.microsoft.com/office/drawing/2014/main" id="{540F37F1-4F33-429F-A568-1A3ADC499E54}"/>
+              </a:ext>
+            </a:extLst>
+          </p:cNvPr>
+          <p:cNvSpPr>
+            <a:spLocks noGrp="1"/>
+          </p:cNvSpPr>
+          <p:nvPr>
+            <p:ph type="dt" sz="half" idx="10"/>
+          </p:nvPr>
+        </p:nvSpPr>
+        <p:spPr/>
+        <p:txBody>
+          <a:bodyPr/>
+          <a:lstStyle/>
+          <a:p>
+            <a:fld id="{B08FEED8-D7D4-44E9-BFBC-ED06B5996D94}" type="datetime4">
+              <a:rPr lang="en-US" smtClean="0"/>
+              <a:t>July 30, 2019</a:t>
+            </a:fld>
+            <a:endParaRPr lang="en-US" dirty="0"/>
+          </a:p>
+        </p:txBody>
+      </p:sp>
+      <p:sp>
+        <p:nvSpPr>
+          <p:cNvPr id="5" name="Footer Placeholder 4">
+            <a:extLst>
+              <a:ext uri="{FF2B5EF4-FFF2-40B4-BE49-F238E27FC236}">
+                <a16:creationId xmlns:a16="http://schemas.microsoft.com/office/drawing/2014/main" id="{673FFA57-C126-4795-A5F6-DD33AAC5ACBD}"/>
+              </a:ext>
+            </a:extLst>
+          </p:cNvPr>
+          <p:cNvSpPr>
+            <a:spLocks noGrp="1"/>
+          </p:cNvSpPr>
+          <p:nvPr>
+            <p:ph type="ftr" sz="quarter" idx="11"/>
+          </p:nvPr>
+        </p:nvSpPr>
+        <p:spPr/>
+        <p:txBody>
+          <a:bodyPr/>
+          <a:lstStyle/>
+          <a:p>
+            <a:r>
+              <a:rPr lang="en-US"/>
+              <a:t>Digital Scholarship Services </a:t>
+            </a:r>
+            <a:r>
+              <a:rPr lang="en-US">
+                <a:solidFill>
+                  <a:schemeClr val="accent1">
+                    <a:lumMod val="50000"/>
+                  </a:schemeClr>
+                </a:solidFill>
+              </a:rPr>
+              <a:t>| Email</a:t>
+            </a:r>
+            <a:r>
+              <a:rPr lang="en-US"/>
+              <a:t> cf24@rice.edu </a:t>
+            </a:r>
+            <a:r>
+              <a:rPr lang="en-US">
+                <a:solidFill>
+                  <a:schemeClr val="accent1">
+                    <a:lumMod val="50000"/>
+                  </a:schemeClr>
+                </a:solidFill>
+              </a:rPr>
+              <a:t>|</a:t>
+            </a:r>
+            <a:r>
+              <a:rPr lang="en-US"/>
+              <a:t> library.rice.edu/dss</a:t>
+            </a:r>
+            <a:endParaRPr lang="en-US" dirty="0"/>
+          </a:p>
+        </p:txBody>
+      </p:sp>
+      <p:sp>
+        <p:nvSpPr>
+          <p:cNvPr id="6" name="Slide Number Placeholder 5">
+            <a:extLst>
+              <a:ext uri="{FF2B5EF4-FFF2-40B4-BE49-F238E27FC236}">
+                <a16:creationId xmlns:a16="http://schemas.microsoft.com/office/drawing/2014/main" id="{2FA49567-BB70-4798-8746-D0B522CCEE20}"/>
+              </a:ext>
+            </a:extLst>
+          </p:cNvPr>
+          <p:cNvSpPr>
+            <a:spLocks noGrp="1"/>
+          </p:cNvSpPr>
+          <p:nvPr>
+            <p:ph type="sldNum" sz="quarter" idx="12"/>
+          </p:nvPr>
+        </p:nvSpPr>
+        <p:spPr/>
+        <p:txBody>
+          <a:bodyPr/>
+          <a:lstStyle/>
+          <a:p>
+            <a:fld id="{D57F1E4F-1CFF-5643-939E-02111984F565}" type="slidenum">
+              <a:rPr lang="en-US" smtClean="0"/>
+              <a:t>53</a:t>
             </a:fld>
             <a:endParaRPr lang="en-US" dirty="0"/>
           </a:p>

--- a/tsa/Introduction to Time Series Analysis.pptx
+++ b/tsa/Introduction to Time Series Analysis.pptx
@@ -5,7 +5,7 @@
     <p:sldMasterId id="2147483707" r:id="rId1"/>
   </p:sldMasterIdLst>
   <p:notesMasterIdLst>
-    <p:notesMasterId r:id="rId55"/>
+    <p:notesMasterId r:id="rId54"/>
   </p:notesMasterIdLst>
   <p:sldIdLst>
     <p:sldId id="266" r:id="rId2"/>
@@ -56,11 +56,10 @@
     <p:sldId id="324" r:id="rId47"/>
     <p:sldId id="305" r:id="rId48"/>
     <p:sldId id="307" r:id="rId49"/>
-    <p:sldId id="312" r:id="rId50"/>
-    <p:sldId id="313" r:id="rId51"/>
-    <p:sldId id="306" r:id="rId52"/>
-    <p:sldId id="309" r:id="rId53"/>
-    <p:sldId id="268" r:id="rId54"/>
+    <p:sldId id="325" r:id="rId50"/>
+    <p:sldId id="306" r:id="rId51"/>
+    <p:sldId id="309" r:id="rId52"/>
+    <p:sldId id="268" r:id="rId53"/>
   </p:sldIdLst>
   <p:sldSz cx="12192000" cy="6858000"/>
   <p:notesSz cx="6858000" cy="9144000"/>
@@ -13868,10 +13867,10 @@
       </p:grpSpPr>
       <p:sp>
         <p:nvSpPr>
-          <p:cNvPr id="7" name="Title 6">
-            <a:extLst>
-              <a:ext uri="{FF2B5EF4-FFF2-40B4-BE49-F238E27FC236}">
-                <a16:creationId xmlns:a16="http://schemas.microsoft.com/office/drawing/2014/main" id="{7802FB34-7510-47BC-8952-A1FE9728B0BF}"/>
+          <p:cNvPr id="2" name="Title 1">
+            <a:extLst>
+              <a:ext uri="{FF2B5EF4-FFF2-40B4-BE49-F238E27FC236}">
+                <a16:creationId xmlns:a16="http://schemas.microsoft.com/office/drawing/2014/main" id="{D1BF0482-6913-4A5E-A533-479864CB5349}"/>
               </a:ext>
             </a:extLst>
           </p:cNvPr>
@@ -13889,35 +13888,7 @@
           <a:p>
             <a:r>
               <a:rPr lang="en-US" dirty="0"/>
-              <a:t>MARKOV CHAIN MODELS</a:t>
-            </a:r>
-          </a:p>
-        </p:txBody>
-      </p:sp>
-      <p:sp>
-        <p:nvSpPr>
-          <p:cNvPr id="8" name="Text Placeholder 7">
-            <a:extLst>
-              <a:ext uri="{FF2B5EF4-FFF2-40B4-BE49-F238E27FC236}">
-                <a16:creationId xmlns:a16="http://schemas.microsoft.com/office/drawing/2014/main" id="{FCA70F1A-579E-4144-AE97-14FFC08FF0F5}"/>
-              </a:ext>
-            </a:extLst>
-          </p:cNvPr>
-          <p:cNvSpPr>
-            <a:spLocks noGrp="1"/>
-          </p:cNvSpPr>
-          <p:nvPr>
-            <p:ph type="body" idx="1"/>
-          </p:nvPr>
-        </p:nvSpPr>
-        <p:spPr/>
-        <p:txBody>
-          <a:bodyPr/>
-          <a:lstStyle/>
-          <a:p>
-            <a:r>
-              <a:rPr lang="en-US" dirty="0"/>
-              <a:t>Inferring sequences of states</a:t>
+              <a:t>A PROPHET MODEL</a:t>
             </a:r>
           </a:p>
         </p:txBody>
@@ -13927,7 +13898,7 @@
           <p:cNvPr id="4" name="Date Placeholder 3">
             <a:extLst>
               <a:ext uri="{FF2B5EF4-FFF2-40B4-BE49-F238E27FC236}">
-                <a16:creationId xmlns:a16="http://schemas.microsoft.com/office/drawing/2014/main" id="{3AD929EF-0967-4B34-81B8-24D9EF91892E}"/>
+                <a16:creationId xmlns:a16="http://schemas.microsoft.com/office/drawing/2014/main" id="{B23DAF35-209C-48FA-AAAB-F69E14183A91}"/>
               </a:ext>
             </a:extLst>
           </p:cNvPr>
@@ -13956,7 +13927,7 @@
           <p:cNvPr id="5" name="Footer Placeholder 4">
             <a:extLst>
               <a:ext uri="{FF2B5EF4-FFF2-40B4-BE49-F238E27FC236}">
-                <a16:creationId xmlns:a16="http://schemas.microsoft.com/office/drawing/2014/main" id="{3B5B35DD-F2EA-40D3-8039-8CD3802B2612}"/>
+                <a16:creationId xmlns:a16="http://schemas.microsoft.com/office/drawing/2014/main" id="{3D8E22A6-180D-41CF-9959-4347A11F2AD1}"/>
               </a:ext>
             </a:extLst>
           </p:cNvPr>
@@ -14013,7 +13984,7 @@
           <p:cNvPr id="6" name="Slide Number Placeholder 5">
             <a:extLst>
               <a:ext uri="{FF2B5EF4-FFF2-40B4-BE49-F238E27FC236}">
-                <a16:creationId xmlns:a16="http://schemas.microsoft.com/office/drawing/2014/main" id="{C3EB9A57-323C-47F5-867F-693F95A15FA4}"/>
+                <a16:creationId xmlns:a16="http://schemas.microsoft.com/office/drawing/2014/main" id="{CECE3146-0C2B-4CC7-BC7C-FD23AAF7ECAE}"/>
               </a:ext>
             </a:extLst>
           </p:cNvPr>
@@ -14037,10 +14008,91 @@
           </a:p>
         </p:txBody>
       </p:sp>
+      <p:sp>
+        <p:nvSpPr>
+          <p:cNvPr id="8" name="Content Placeholder 7">
+            <a:extLst>
+              <a:ext uri="{FF2B5EF4-FFF2-40B4-BE49-F238E27FC236}">
+                <a16:creationId xmlns:a16="http://schemas.microsoft.com/office/drawing/2014/main" id="{30C259F3-048F-4C4B-AC8C-24699B6ABD42}"/>
+              </a:ext>
+            </a:extLst>
+          </p:cNvPr>
+          <p:cNvSpPr>
+            <a:spLocks noGrp="1"/>
+          </p:cNvSpPr>
+          <p:nvPr>
+            <p:ph idx="1"/>
+          </p:nvPr>
+        </p:nvSpPr>
+        <p:spPr>
+          <a:xfrm>
+            <a:off x="838200" y="1825625"/>
+            <a:ext cx="5257800" cy="4351338"/>
+          </a:xfrm>
+        </p:spPr>
+        <p:txBody>
+          <a:bodyPr/>
+          <a:lstStyle/>
+          <a:p>
+            <a:r>
+              <a:rPr lang="en-US" dirty="0"/>
+              <a:t>Mean Relative Error: </a:t>
+            </a:r>
+          </a:p>
+          <a:p>
+            <a:r>
+              <a:rPr lang="en-US" dirty="0"/>
+              <a:t>Very interested in cycles</a:t>
+            </a:r>
+          </a:p>
+          <a:p>
+            <a:r>
+              <a:rPr lang="en-US" dirty="0"/>
+              <a:t>Not bad, but slightly worse than ARIMA</a:t>
+            </a:r>
+          </a:p>
+          <a:p>
+            <a:pPr lvl="1"/>
+            <a:r>
+              <a:rPr lang="en-US" dirty="0"/>
+              <a:t>Much faster, though</a:t>
+            </a:r>
+          </a:p>
+        </p:txBody>
+      </p:sp>
+      <p:pic>
+        <p:nvPicPr>
+          <p:cNvPr id="10" name="Picture 9">
+            <a:extLst>
+              <a:ext uri="{FF2B5EF4-FFF2-40B4-BE49-F238E27FC236}">
+                <a16:creationId xmlns:a16="http://schemas.microsoft.com/office/drawing/2014/main" id="{64B67945-AF39-4BB8-86D4-3E74D0B6AE5C}"/>
+              </a:ext>
+            </a:extLst>
+          </p:cNvPr>
+          <p:cNvPicPr>
+            <a:picLocks noChangeAspect="1"/>
+          </p:cNvPicPr>
+          <p:nvPr/>
+        </p:nvPicPr>
+        <p:blipFill>
+          <a:blip r:embed="rId2"/>
+          <a:srcRect/>
+          <a:stretch/>
+        </p:blipFill>
+        <p:spPr>
+          <a:xfrm>
+            <a:off x="6096000" y="2096028"/>
+            <a:ext cx="5715798" cy="3810532"/>
+          </a:xfrm>
+          <a:prstGeom prst="rect">
+            <a:avLst/>
+          </a:prstGeom>
+        </p:spPr>
+      </p:pic>
     </p:spTree>
     <p:extLst>
       <p:ext uri="{BB962C8B-B14F-4D97-AF65-F5344CB8AC3E}">
-        <p14:creationId xmlns:p14="http://schemas.microsoft.com/office/powerpoint/2010/main" val="948205976"/>
+        <p14:creationId xmlns:p14="http://schemas.microsoft.com/office/powerpoint/2010/main" val="334077836"/>
       </p:ext>
     </p:extLst>
   </p:cSld>
@@ -14305,7 +14357,7 @@
           <p:cNvPr id="7" name="Title 6">
             <a:extLst>
               <a:ext uri="{FF2B5EF4-FFF2-40B4-BE49-F238E27FC236}">
-                <a16:creationId xmlns:a16="http://schemas.microsoft.com/office/drawing/2014/main" id="{75C0DCD3-95F8-4E1F-BF1A-5FAAB84A40A3}"/>
+                <a16:creationId xmlns:a16="http://schemas.microsoft.com/office/drawing/2014/main" id="{7802FB34-7510-47BC-8952-A1FE9728B0BF}"/>
               </a:ext>
             </a:extLst>
           </p:cNvPr>
@@ -14323,75 +14375,42 @@
           <a:p>
             <a:r>
               <a:rPr lang="en-US" dirty="0"/>
-              <a:t>MARKOV CHAIN MODELS</a:t>
-            </a:r>
-          </a:p>
-        </p:txBody>
-      </p:sp>
-      <p:sp>
-        <p:nvSpPr>
-          <p:cNvPr id="8" name="Content Placeholder 7">
-            <a:extLst>
-              <a:ext uri="{FF2B5EF4-FFF2-40B4-BE49-F238E27FC236}">
-                <a16:creationId xmlns:a16="http://schemas.microsoft.com/office/drawing/2014/main" id="{52BB1FAB-BB61-4B66-A4EA-A0EABC2B3ECA}"/>
-              </a:ext>
-            </a:extLst>
-          </p:cNvPr>
-          <p:cNvSpPr>
-            <a:spLocks noGrp="1"/>
-          </p:cNvSpPr>
-          <p:nvPr>
-            <p:ph idx="1"/>
-          </p:nvPr>
-        </p:nvSpPr>
-        <p:spPr/>
-        <p:txBody>
-          <a:bodyPr/>
-          <a:lstStyle/>
-          <a:p>
-            <a:r>
-              <a:rPr lang="en-US" dirty="0"/>
-              <a:t>Modeling</a:t>
-            </a:r>
-          </a:p>
-          <a:p>
-            <a:r>
-              <a:rPr lang="en-US" dirty="0"/>
-              <a:t>Pros:</a:t>
-            </a:r>
-          </a:p>
-          <a:p>
-            <a:pPr lvl="1"/>
-            <a:r>
-              <a:rPr lang="en-US" dirty="0"/>
-              <a:t>Fast and scalable</a:t>
-            </a:r>
-          </a:p>
-          <a:p>
-            <a:pPr lvl="1"/>
-            <a:r>
-              <a:rPr lang="en-US" dirty="0"/>
-              <a:t>A great choice if you have some domain knowledge that lets you know that there are some ‘states’ in question</a:t>
-            </a:r>
-          </a:p>
-          <a:p>
-            <a:r>
-              <a:rPr lang="en-US" dirty="0"/>
-              <a:t>Cons:</a:t>
-            </a:r>
-          </a:p>
-          <a:p>
-            <a:pPr lvl="1"/>
-            <a:r>
-              <a:rPr lang="en-US" dirty="0"/>
-              <a:t>Not always easy to apply</a:t>
-            </a:r>
-          </a:p>
-          <a:p>
-            <a:pPr lvl="1"/>
-            <a:r>
-              <a:rPr lang="en-US" dirty="0"/>
-              <a:t>Not always easy to interpret</a:t>
+              <a:t>NEURAL NETWORK</a:t>
+            </a:r>
+            <a:br>
+              <a:rPr lang="en-US" dirty="0"/>
+            </a:br>
+            <a:r>
+              <a:rPr lang="en-US" dirty="0"/>
+              <a:t>APPROACHES</a:t>
+            </a:r>
+          </a:p>
+        </p:txBody>
+      </p:sp>
+      <p:sp>
+        <p:nvSpPr>
+          <p:cNvPr id="8" name="Text Placeholder 7">
+            <a:extLst>
+              <a:ext uri="{FF2B5EF4-FFF2-40B4-BE49-F238E27FC236}">
+                <a16:creationId xmlns:a16="http://schemas.microsoft.com/office/drawing/2014/main" id="{FCA70F1A-579E-4144-AE97-14FFC08FF0F5}"/>
+              </a:ext>
+            </a:extLst>
+          </p:cNvPr>
+          <p:cNvSpPr>
+            <a:spLocks noGrp="1"/>
+          </p:cNvSpPr>
+          <p:nvPr>
+            <p:ph type="body" idx="1"/>
+          </p:nvPr>
+        </p:nvSpPr>
+        <p:spPr/>
+        <p:txBody>
+          <a:bodyPr/>
+          <a:lstStyle/>
+          <a:p>
+            <a:r>
+              <a:rPr lang="en-US" dirty="0"/>
+              <a:t>Breaking out the big guns</a:t>
             </a:r>
           </a:p>
         </p:txBody>
@@ -14401,7 +14420,7 @@
           <p:cNvPr id="4" name="Date Placeholder 3">
             <a:extLst>
               <a:ext uri="{FF2B5EF4-FFF2-40B4-BE49-F238E27FC236}">
-                <a16:creationId xmlns:a16="http://schemas.microsoft.com/office/drawing/2014/main" id="{02256D86-7CE0-416E-B2A3-402D20EE9E90}"/>
+                <a16:creationId xmlns:a16="http://schemas.microsoft.com/office/drawing/2014/main" id="{3AD929EF-0967-4B34-81B8-24D9EF91892E}"/>
               </a:ext>
             </a:extLst>
           </p:cNvPr>
@@ -14417,7 +14436,7 @@
           <a:bodyPr/>
           <a:lstStyle/>
           <a:p>
-            <a:fld id="{B08FEED8-D7D4-44E9-BFBC-ED06B5996D94}" type="datetime4">
+            <a:fld id="{8AAE40A0-A7D8-4DC3-BC9E-BADA32DA2004}" type="datetime4">
               <a:rPr lang="en-US" smtClean="0"/>
               <a:t>July 30, 2019</a:t>
             </a:fld>
@@ -14430,7 +14449,7 @@
           <p:cNvPr id="5" name="Footer Placeholder 4">
             <a:extLst>
               <a:ext uri="{FF2B5EF4-FFF2-40B4-BE49-F238E27FC236}">
-                <a16:creationId xmlns:a16="http://schemas.microsoft.com/office/drawing/2014/main" id="{1D4ED112-7CF4-4BB9-B46E-B366A5054A9A}"/>
+                <a16:creationId xmlns:a16="http://schemas.microsoft.com/office/drawing/2014/main" id="{3B5B35DD-F2EA-40D3-8039-8CD3802B2612}"/>
               </a:ext>
             </a:extLst>
           </p:cNvPr>
@@ -14487,7 +14506,7 @@
           <p:cNvPr id="6" name="Slide Number Placeholder 5">
             <a:extLst>
               <a:ext uri="{FF2B5EF4-FFF2-40B4-BE49-F238E27FC236}">
-                <a16:creationId xmlns:a16="http://schemas.microsoft.com/office/drawing/2014/main" id="{8CC75551-85BF-4C9F-8893-AA28ECA8A6B5}"/>
+                <a16:creationId xmlns:a16="http://schemas.microsoft.com/office/drawing/2014/main" id="{C3EB9A57-323C-47F5-867F-693F95A15FA4}"/>
               </a:ext>
             </a:extLst>
           </p:cNvPr>
@@ -14514,7 +14533,7 @@
     </p:spTree>
     <p:extLst>
       <p:ext uri="{BB962C8B-B14F-4D97-AF65-F5344CB8AC3E}">
-        <p14:creationId xmlns:p14="http://schemas.microsoft.com/office/powerpoint/2010/main" val="1370387550"/>
+        <p14:creationId xmlns:p14="http://schemas.microsoft.com/office/powerpoint/2010/main" val="1442732517"/>
       </p:ext>
     </p:extLst>
   </p:cSld>
@@ -14546,7 +14565,7 @@
           <p:cNvPr id="7" name="Title 6">
             <a:extLst>
               <a:ext uri="{FF2B5EF4-FFF2-40B4-BE49-F238E27FC236}">
-                <a16:creationId xmlns:a16="http://schemas.microsoft.com/office/drawing/2014/main" id="{7802FB34-7510-47BC-8952-A1FE9728B0BF}"/>
+                <a16:creationId xmlns:a16="http://schemas.microsoft.com/office/drawing/2014/main" id="{75C0DCD3-95F8-4E1F-BF1A-5FAAB84A40A3}"/>
               </a:ext>
             </a:extLst>
           </p:cNvPr>
@@ -14564,42 +14583,83 @@
           <a:p>
             <a:r>
               <a:rPr lang="en-US" dirty="0"/>
-              <a:t>NEURAL NETWORK</a:t>
-            </a:r>
-            <a:br>
-              <a:rPr lang="en-US" dirty="0"/>
-            </a:br>
-            <a:r>
-              <a:rPr lang="en-US" dirty="0"/>
-              <a:t>APPROACHES</a:t>
-            </a:r>
-          </a:p>
-        </p:txBody>
-      </p:sp>
-      <p:sp>
-        <p:nvSpPr>
-          <p:cNvPr id="8" name="Text Placeholder 7">
-            <a:extLst>
-              <a:ext uri="{FF2B5EF4-FFF2-40B4-BE49-F238E27FC236}">
-                <a16:creationId xmlns:a16="http://schemas.microsoft.com/office/drawing/2014/main" id="{FCA70F1A-579E-4144-AE97-14FFC08FF0F5}"/>
-              </a:ext>
-            </a:extLst>
-          </p:cNvPr>
-          <p:cNvSpPr>
-            <a:spLocks noGrp="1"/>
-          </p:cNvSpPr>
-          <p:nvPr>
-            <p:ph type="body" idx="1"/>
-          </p:nvPr>
-        </p:nvSpPr>
-        <p:spPr/>
-        <p:txBody>
-          <a:bodyPr/>
-          <a:lstStyle/>
-          <a:p>
-            <a:r>
-              <a:rPr lang="en-US" dirty="0"/>
-              <a:t>Breaking out the big guns</a:t>
+              <a:t>NEURAL NETWORK MODELS</a:t>
+            </a:r>
+          </a:p>
+        </p:txBody>
+      </p:sp>
+      <p:sp>
+        <p:nvSpPr>
+          <p:cNvPr id="8" name="Content Placeholder 7">
+            <a:extLst>
+              <a:ext uri="{FF2B5EF4-FFF2-40B4-BE49-F238E27FC236}">
+                <a16:creationId xmlns:a16="http://schemas.microsoft.com/office/drawing/2014/main" id="{52BB1FAB-BB61-4B66-A4EA-A0EABC2B3ECA}"/>
+              </a:ext>
+            </a:extLst>
+          </p:cNvPr>
+          <p:cNvSpPr>
+            <a:spLocks noGrp="1"/>
+          </p:cNvSpPr>
+          <p:nvPr>
+            <p:ph idx="1"/>
+          </p:nvPr>
+        </p:nvSpPr>
+        <p:spPr/>
+        <p:txBody>
+          <a:bodyPr>
+            <a:normAutofit/>
+          </a:bodyPr>
+          <a:lstStyle/>
+          <a:p>
+            <a:r>
+              <a:rPr lang="en-US" dirty="0"/>
+              <a:t>Incomprehensible but extremely powerful</a:t>
+            </a:r>
+          </a:p>
+          <a:p>
+            <a:r>
+              <a:rPr lang="en-US" dirty="0"/>
+              <a:t>Pros:</a:t>
+            </a:r>
+          </a:p>
+          <a:p>
+            <a:pPr lvl="1"/>
+            <a:r>
+              <a:rPr lang="en-US" dirty="0"/>
+              <a:t>Often extremely accurate</a:t>
+            </a:r>
+          </a:p>
+          <a:p>
+            <a:r>
+              <a:rPr lang="en-US" dirty="0"/>
+              <a:t>Cons:</a:t>
+            </a:r>
+          </a:p>
+          <a:p>
+            <a:pPr lvl="1"/>
+            <a:r>
+              <a:rPr lang="en-US" dirty="0"/>
+              <a:t>More or less impossible to understand what any of the parameters mean</a:t>
+            </a:r>
+          </a:p>
+          <a:p>
+            <a:pPr lvl="1"/>
+            <a:r>
+              <a:rPr lang="en-US" dirty="0"/>
+              <a:t>Can take a very long time to train the model</a:t>
+            </a:r>
+          </a:p>
+          <a:p>
+            <a:pPr lvl="1"/>
+            <a:r>
+              <a:rPr lang="en-US" dirty="0"/>
+              <a:t>Lots of moving parts and things that can go wrong</a:t>
+            </a:r>
+          </a:p>
+          <a:p>
+            <a:r>
+              <a:rPr lang="en-US" dirty="0"/>
+              <a:t>But depending on the problem, that one pro may outweigh all the cons</a:t>
             </a:r>
           </a:p>
         </p:txBody>
@@ -14609,7 +14669,7 @@
           <p:cNvPr id="4" name="Date Placeholder 3">
             <a:extLst>
               <a:ext uri="{FF2B5EF4-FFF2-40B4-BE49-F238E27FC236}">
-                <a16:creationId xmlns:a16="http://schemas.microsoft.com/office/drawing/2014/main" id="{3AD929EF-0967-4B34-81B8-24D9EF91892E}"/>
+                <a16:creationId xmlns:a16="http://schemas.microsoft.com/office/drawing/2014/main" id="{02256D86-7CE0-416E-B2A3-402D20EE9E90}"/>
               </a:ext>
             </a:extLst>
           </p:cNvPr>
@@ -14625,7 +14685,7 @@
           <a:bodyPr/>
           <a:lstStyle/>
           <a:p>
-            <a:fld id="{8AAE40A0-A7D8-4DC3-BC9E-BADA32DA2004}" type="datetime4">
+            <a:fld id="{B08FEED8-D7D4-44E9-BFBC-ED06B5996D94}" type="datetime4">
               <a:rPr lang="en-US" smtClean="0"/>
               <a:t>July 30, 2019</a:t>
             </a:fld>
@@ -14638,7 +14698,7 @@
           <p:cNvPr id="5" name="Footer Placeholder 4">
             <a:extLst>
               <a:ext uri="{FF2B5EF4-FFF2-40B4-BE49-F238E27FC236}">
-                <a16:creationId xmlns:a16="http://schemas.microsoft.com/office/drawing/2014/main" id="{3B5B35DD-F2EA-40D3-8039-8CD3802B2612}"/>
+                <a16:creationId xmlns:a16="http://schemas.microsoft.com/office/drawing/2014/main" id="{1D4ED112-7CF4-4BB9-B46E-B366A5054A9A}"/>
               </a:ext>
             </a:extLst>
           </p:cNvPr>
@@ -14695,7 +14755,7 @@
           <p:cNvPr id="6" name="Slide Number Placeholder 5">
             <a:extLst>
               <a:ext uri="{FF2B5EF4-FFF2-40B4-BE49-F238E27FC236}">
-                <a16:creationId xmlns:a16="http://schemas.microsoft.com/office/drawing/2014/main" id="{C3EB9A57-323C-47F5-867F-693F95A15FA4}"/>
+                <a16:creationId xmlns:a16="http://schemas.microsoft.com/office/drawing/2014/main" id="{8CC75551-85BF-4C9F-8893-AA28ECA8A6B5}"/>
               </a:ext>
             </a:extLst>
           </p:cNvPr>
@@ -14722,7 +14782,7 @@
     </p:spTree>
     <p:extLst>
       <p:ext uri="{BB962C8B-B14F-4D97-AF65-F5344CB8AC3E}">
-        <p14:creationId xmlns:p14="http://schemas.microsoft.com/office/powerpoint/2010/main" val="1442732517"/>
+        <p14:creationId xmlns:p14="http://schemas.microsoft.com/office/powerpoint/2010/main" val="4213654799"/>
       </p:ext>
     </p:extLst>
   </p:cSld>
@@ -14754,7 +14814,7 @@
           <p:cNvPr id="7" name="Title 6">
             <a:extLst>
               <a:ext uri="{FF2B5EF4-FFF2-40B4-BE49-F238E27FC236}">
-                <a16:creationId xmlns:a16="http://schemas.microsoft.com/office/drawing/2014/main" id="{75C0DCD3-95F8-4E1F-BF1A-5FAAB84A40A3}"/>
+                <a16:creationId xmlns:a16="http://schemas.microsoft.com/office/drawing/2014/main" id="{495B4BC0-844B-4414-A623-BEF78AAC1BA1}"/>
               </a:ext>
             </a:extLst>
           </p:cNvPr>
@@ -14772,7 +14832,7 @@
           <a:p>
             <a:r>
               <a:rPr lang="en-US" dirty="0"/>
-              <a:t>NEURAL NETWORK MODELS</a:t>
+              <a:t>ACKNOWLEDGMENTS</a:t>
             </a:r>
           </a:p>
         </p:txBody>
@@ -14782,7 +14842,7 @@
           <p:cNvPr id="8" name="Content Placeholder 7">
             <a:extLst>
               <a:ext uri="{FF2B5EF4-FFF2-40B4-BE49-F238E27FC236}">
-                <a16:creationId xmlns:a16="http://schemas.microsoft.com/office/drawing/2014/main" id="{52BB1FAB-BB61-4B66-A4EA-A0EABC2B3ECA}"/>
+                <a16:creationId xmlns:a16="http://schemas.microsoft.com/office/drawing/2014/main" id="{2BED3EB3-7E98-4A82-8335-7321D9E37B16}"/>
               </a:ext>
             </a:extLst>
           </p:cNvPr>
@@ -14795,61 +14855,57 @@
         </p:nvSpPr>
         <p:spPr/>
         <p:txBody>
-          <a:bodyPr>
-            <a:normAutofit/>
-          </a:bodyPr>
-          <a:lstStyle/>
-          <a:p>
-            <a:r>
-              <a:rPr lang="en-US" dirty="0"/>
-              <a:t>Incomprehensible but extremely powerful</a:t>
-            </a:r>
-          </a:p>
-          <a:p>
-            <a:r>
-              <a:rPr lang="en-US" dirty="0"/>
-              <a:t>Pros:</a:t>
-            </a:r>
-          </a:p>
-          <a:p>
-            <a:pPr lvl="1"/>
-            <a:r>
-              <a:rPr lang="en-US" dirty="0"/>
-              <a:t>Often extremely accurate</a:t>
-            </a:r>
-          </a:p>
-          <a:p>
-            <a:r>
-              <a:rPr lang="en-US" dirty="0"/>
-              <a:t>Cons:</a:t>
-            </a:r>
-          </a:p>
-          <a:p>
-            <a:pPr lvl="1"/>
-            <a:r>
-              <a:rPr lang="en-US" dirty="0"/>
-              <a:t>More or less impossible to understand what any of the parameters mean</a:t>
-            </a:r>
-          </a:p>
-          <a:p>
-            <a:pPr lvl="1"/>
-            <a:r>
-              <a:rPr lang="en-US" dirty="0"/>
-              <a:t>Can take a very long time to train the model</a:t>
-            </a:r>
-          </a:p>
-          <a:p>
-            <a:pPr lvl="1"/>
-            <a:r>
-              <a:rPr lang="en-US" dirty="0"/>
-              <a:t>Lots of moving parts and things that can go wrong</a:t>
-            </a:r>
-          </a:p>
-          <a:p>
-            <a:r>
-              <a:rPr lang="en-US" dirty="0"/>
-              <a:t>But depending on the problem, that one pro may outweigh all the cons</a:t>
-            </a:r>
+          <a:bodyPr/>
+          <a:lstStyle/>
+          <a:p>
+            <a:r>
+              <a:rPr lang="en-US" dirty="0"/>
+              <a:t>Plots were created using the ggplot2 package in R</a:t>
+            </a:r>
+          </a:p>
+          <a:p>
+            <a:r>
+              <a:rPr lang="en-US" dirty="0"/>
+              <a:t>Shumway and </a:t>
+            </a:r>
+            <a:r>
+              <a:rPr lang="en-US" dirty="0" err="1"/>
+              <a:t>Stoffer’s</a:t>
+            </a:r>
+            <a:r>
+              <a:rPr lang="en-US" dirty="0"/>
+              <a:t> </a:t>
+            </a:r>
+            <a:r>
+              <a:rPr lang="en-US" i="1" dirty="0"/>
+              <a:t>Time Series Analysis and Its Applications With R Examples, Fourth Edition </a:t>
+            </a:r>
+            <a:r>
+              <a:rPr lang="en-US" dirty="0"/>
+              <a:t>published by Springer was used as the main reference for the ARIMA section</a:t>
+            </a:r>
+          </a:p>
+          <a:p>
+            <a:r>
+              <a:rPr lang="en-US" i="1" dirty="0"/>
+              <a:t>Forecasting at Scale </a:t>
+            </a:r>
+            <a:r>
+              <a:rPr lang="en-US" dirty="0"/>
+              <a:t>by Sean J. Taylor and Benjamin </a:t>
+            </a:r>
+            <a:r>
+              <a:rPr lang="en-US" dirty="0" err="1"/>
+              <a:t>Letham</a:t>
+            </a:r>
+            <a:r>
+              <a:rPr lang="en-US" dirty="0"/>
+              <a:t> at Facebook was used as the main reference for the Prophet section</a:t>
+            </a:r>
+            <a:endParaRPr lang="en-US" i="1" dirty="0"/>
+          </a:p>
+          <a:p>
+            <a:endParaRPr lang="en-US" dirty="0"/>
           </a:p>
         </p:txBody>
       </p:sp>
@@ -14858,7 +14914,7 @@
           <p:cNvPr id="4" name="Date Placeholder 3">
             <a:extLst>
               <a:ext uri="{FF2B5EF4-FFF2-40B4-BE49-F238E27FC236}">
-                <a16:creationId xmlns:a16="http://schemas.microsoft.com/office/drawing/2014/main" id="{02256D86-7CE0-416E-B2A3-402D20EE9E90}"/>
+                <a16:creationId xmlns:a16="http://schemas.microsoft.com/office/drawing/2014/main" id="{540F37F1-4F33-429F-A568-1A3ADC499E54}"/>
               </a:ext>
             </a:extLst>
           </p:cNvPr>
@@ -14887,7 +14943,7 @@
           <p:cNvPr id="5" name="Footer Placeholder 4">
             <a:extLst>
               <a:ext uri="{FF2B5EF4-FFF2-40B4-BE49-F238E27FC236}">
-                <a16:creationId xmlns:a16="http://schemas.microsoft.com/office/drawing/2014/main" id="{1D4ED112-7CF4-4BB9-B46E-B366A5054A9A}"/>
+                <a16:creationId xmlns:a16="http://schemas.microsoft.com/office/drawing/2014/main" id="{673FFA57-C126-4795-A5F6-DD33AAC5ACBD}"/>
               </a:ext>
             </a:extLst>
           </p:cNvPr>
@@ -14944,7 +15000,7 @@
           <p:cNvPr id="6" name="Slide Number Placeholder 5">
             <a:extLst>
               <a:ext uri="{FF2B5EF4-FFF2-40B4-BE49-F238E27FC236}">
-                <a16:creationId xmlns:a16="http://schemas.microsoft.com/office/drawing/2014/main" id="{8CC75551-85BF-4C9F-8893-AA28ECA8A6B5}"/>
+                <a16:creationId xmlns:a16="http://schemas.microsoft.com/office/drawing/2014/main" id="{2FA49567-BB70-4798-8746-D0B522CCEE20}"/>
               </a:ext>
             </a:extLst>
           </p:cNvPr>
@@ -14963,251 +15019,6 @@
             <a:fld id="{D57F1E4F-1CFF-5643-939E-02111984F565}" type="slidenum">
               <a:rPr lang="en-US" smtClean="0"/>
               <a:t>52</a:t>
-            </a:fld>
-            <a:endParaRPr lang="en-US" dirty="0"/>
-          </a:p>
-        </p:txBody>
-      </p:sp>
-    </p:spTree>
-    <p:extLst>
-      <p:ext uri="{BB962C8B-B14F-4D97-AF65-F5344CB8AC3E}">
-        <p14:creationId xmlns:p14="http://schemas.microsoft.com/office/powerpoint/2010/main" val="4213654799"/>
-      </p:ext>
-    </p:extLst>
-  </p:cSld>
-  <p:clrMapOvr>
-    <a:masterClrMapping/>
-  </p:clrMapOvr>
-</p:sld>
-</file>
-
-<file path=ppt/slides/slide53.xml><?xml version="1.0" encoding="utf-8"?>
-<p:sld xmlns:a="http://schemas.openxmlformats.org/drawingml/2006/main" xmlns:r="http://schemas.openxmlformats.org/officeDocument/2006/relationships" xmlns:p="http://schemas.openxmlformats.org/presentationml/2006/main">
-  <p:cSld>
-    <p:spTree>
-      <p:nvGrpSpPr>
-        <p:cNvPr id="1" name=""/>
-        <p:cNvGrpSpPr/>
-        <p:nvPr/>
-      </p:nvGrpSpPr>
-      <p:grpSpPr>
-        <a:xfrm>
-          <a:off x="0" y="0"/>
-          <a:ext cx="0" cy="0"/>
-          <a:chOff x="0" y="0"/>
-          <a:chExt cx="0" cy="0"/>
-        </a:xfrm>
-      </p:grpSpPr>
-      <p:sp>
-        <p:nvSpPr>
-          <p:cNvPr id="7" name="Title 6">
-            <a:extLst>
-              <a:ext uri="{FF2B5EF4-FFF2-40B4-BE49-F238E27FC236}">
-                <a16:creationId xmlns:a16="http://schemas.microsoft.com/office/drawing/2014/main" id="{495B4BC0-844B-4414-A623-BEF78AAC1BA1}"/>
-              </a:ext>
-            </a:extLst>
-          </p:cNvPr>
-          <p:cNvSpPr>
-            <a:spLocks noGrp="1"/>
-          </p:cNvSpPr>
-          <p:nvPr>
-            <p:ph type="title"/>
-          </p:nvPr>
-        </p:nvSpPr>
-        <p:spPr/>
-        <p:txBody>
-          <a:bodyPr/>
-          <a:lstStyle/>
-          <a:p>
-            <a:r>
-              <a:rPr lang="en-US" dirty="0"/>
-              <a:t>ACKNOWLEDGMENTS</a:t>
-            </a:r>
-          </a:p>
-        </p:txBody>
-      </p:sp>
-      <p:sp>
-        <p:nvSpPr>
-          <p:cNvPr id="8" name="Content Placeholder 7">
-            <a:extLst>
-              <a:ext uri="{FF2B5EF4-FFF2-40B4-BE49-F238E27FC236}">
-                <a16:creationId xmlns:a16="http://schemas.microsoft.com/office/drawing/2014/main" id="{2BED3EB3-7E98-4A82-8335-7321D9E37B16}"/>
-              </a:ext>
-            </a:extLst>
-          </p:cNvPr>
-          <p:cNvSpPr>
-            <a:spLocks noGrp="1"/>
-          </p:cNvSpPr>
-          <p:nvPr>
-            <p:ph idx="1"/>
-          </p:nvPr>
-        </p:nvSpPr>
-        <p:spPr/>
-        <p:txBody>
-          <a:bodyPr/>
-          <a:lstStyle/>
-          <a:p>
-            <a:r>
-              <a:rPr lang="en-US" dirty="0"/>
-              <a:t>Plots were created using the ggplot2 package in R</a:t>
-            </a:r>
-          </a:p>
-          <a:p>
-            <a:r>
-              <a:rPr lang="en-US" dirty="0"/>
-              <a:t>Shumway and </a:t>
-            </a:r>
-            <a:r>
-              <a:rPr lang="en-US" dirty="0" err="1"/>
-              <a:t>Stoffer’s</a:t>
-            </a:r>
-            <a:r>
-              <a:rPr lang="en-US" dirty="0"/>
-              <a:t> </a:t>
-            </a:r>
-            <a:r>
-              <a:rPr lang="en-US" i="1" dirty="0"/>
-              <a:t>Time Series Analysis and Its Applications With R Examples, Fourth Edition </a:t>
-            </a:r>
-            <a:r>
-              <a:rPr lang="en-US" dirty="0"/>
-              <a:t>published by Springer was used as the main reference for the ARIMA section</a:t>
-            </a:r>
-          </a:p>
-          <a:p>
-            <a:r>
-              <a:rPr lang="en-US" i="1" dirty="0"/>
-              <a:t>Forecasting at Scale </a:t>
-            </a:r>
-            <a:r>
-              <a:rPr lang="en-US" dirty="0"/>
-              <a:t>by Sean J. Taylor and Benjamin </a:t>
-            </a:r>
-            <a:r>
-              <a:rPr lang="en-US" dirty="0" err="1"/>
-              <a:t>Letham</a:t>
-            </a:r>
-            <a:r>
-              <a:rPr lang="en-US" dirty="0"/>
-              <a:t> at Facebook was used as the main reference for the Prophet section</a:t>
-            </a:r>
-            <a:endParaRPr lang="en-US" i="1" dirty="0"/>
-          </a:p>
-          <a:p>
-            <a:endParaRPr lang="en-US" dirty="0"/>
-          </a:p>
-        </p:txBody>
-      </p:sp>
-      <p:sp>
-        <p:nvSpPr>
-          <p:cNvPr id="4" name="Date Placeholder 3">
-            <a:extLst>
-              <a:ext uri="{FF2B5EF4-FFF2-40B4-BE49-F238E27FC236}">
-                <a16:creationId xmlns:a16="http://schemas.microsoft.com/office/drawing/2014/main" id="{540F37F1-4F33-429F-A568-1A3ADC499E54}"/>
-              </a:ext>
-            </a:extLst>
-          </p:cNvPr>
-          <p:cNvSpPr>
-            <a:spLocks noGrp="1"/>
-          </p:cNvSpPr>
-          <p:nvPr>
-            <p:ph type="dt" sz="half" idx="10"/>
-          </p:nvPr>
-        </p:nvSpPr>
-        <p:spPr/>
-        <p:txBody>
-          <a:bodyPr/>
-          <a:lstStyle/>
-          <a:p>
-            <a:fld id="{B08FEED8-D7D4-44E9-BFBC-ED06B5996D94}" type="datetime4">
-              <a:rPr lang="en-US" smtClean="0"/>
-              <a:t>July 30, 2019</a:t>
-            </a:fld>
-            <a:endParaRPr lang="en-US" dirty="0"/>
-          </a:p>
-        </p:txBody>
-      </p:sp>
-      <p:sp>
-        <p:nvSpPr>
-          <p:cNvPr id="5" name="Footer Placeholder 4">
-            <a:extLst>
-              <a:ext uri="{FF2B5EF4-FFF2-40B4-BE49-F238E27FC236}">
-                <a16:creationId xmlns:a16="http://schemas.microsoft.com/office/drawing/2014/main" id="{673FFA57-C126-4795-A5F6-DD33AAC5ACBD}"/>
-              </a:ext>
-            </a:extLst>
-          </p:cNvPr>
-          <p:cNvSpPr>
-            <a:spLocks noGrp="1"/>
-          </p:cNvSpPr>
-          <p:nvPr>
-            <p:ph type="ftr" sz="quarter" idx="11"/>
-          </p:nvPr>
-        </p:nvSpPr>
-        <p:spPr/>
-        <p:txBody>
-          <a:bodyPr/>
-          <a:lstStyle/>
-          <a:p>
-            <a:r>
-              <a:rPr lang="en-US"/>
-              <a:t>Digital Scholarship Services </a:t>
-            </a:r>
-            <a:r>
-              <a:rPr lang="en-US">
-                <a:solidFill>
-                  <a:schemeClr val="accent1">
-                    <a:lumMod val="50000"/>
-                  </a:schemeClr>
-                </a:solidFill>
-              </a:rPr>
-              <a:t>| Email</a:t>
-            </a:r>
-            <a:r>
-              <a:rPr lang="en-US"/>
-              <a:t> cf24@rice.edu </a:t>
-            </a:r>
-            <a:r>
-              <a:rPr lang="en-US">
-                <a:solidFill>
-                  <a:schemeClr val="accent1">
-                    <a:lumMod val="50000"/>
-                  </a:schemeClr>
-                </a:solidFill>
-              </a:rPr>
-              <a:t>|</a:t>
-            </a:r>
-            <a:r>
-              <a:rPr lang="en-US"/>
-              <a:t> library.rice.edu/dss</a:t>
-            </a:r>
-            <a:endParaRPr lang="en-US" dirty="0"/>
-          </a:p>
-        </p:txBody>
-      </p:sp>
-      <p:sp>
-        <p:nvSpPr>
-          <p:cNvPr id="6" name="Slide Number Placeholder 5">
-            <a:extLst>
-              <a:ext uri="{FF2B5EF4-FFF2-40B4-BE49-F238E27FC236}">
-                <a16:creationId xmlns:a16="http://schemas.microsoft.com/office/drawing/2014/main" id="{2FA49567-BB70-4798-8746-D0B522CCEE20}"/>
-              </a:ext>
-            </a:extLst>
-          </p:cNvPr>
-          <p:cNvSpPr>
-            <a:spLocks noGrp="1"/>
-          </p:cNvSpPr>
-          <p:nvPr>
-            <p:ph type="sldNum" sz="quarter" idx="12"/>
-          </p:nvPr>
-        </p:nvSpPr>
-        <p:spPr/>
-        <p:txBody>
-          <a:bodyPr/>
-          <a:lstStyle/>
-          <a:p>
-            <a:fld id="{D57F1E4F-1CFF-5643-939E-02111984F565}" type="slidenum">
-              <a:rPr lang="en-US" smtClean="0"/>
-              <a:t>53</a:t>
             </a:fld>
             <a:endParaRPr lang="en-US" dirty="0"/>
           </a:p>

--- a/tsa/Introduction to Time Series Analysis.pptx
+++ b/tsa/Introduction to Time Series Analysis.pptx
@@ -5,7 +5,7 @@
     <p:sldMasterId id="2147483707" r:id="rId1"/>
   </p:sldMasterIdLst>
   <p:notesMasterIdLst>
-    <p:notesMasterId r:id="rId54"/>
+    <p:notesMasterId r:id="rId60"/>
   </p:notesMasterIdLst>
   <p:sldIdLst>
     <p:sldId id="266" r:id="rId2"/>
@@ -56,10 +56,16 @@
     <p:sldId id="324" r:id="rId47"/>
     <p:sldId id="305" r:id="rId48"/>
     <p:sldId id="307" r:id="rId49"/>
-    <p:sldId id="325" r:id="rId50"/>
-    <p:sldId id="306" r:id="rId51"/>
-    <p:sldId id="309" r:id="rId52"/>
-    <p:sldId id="268" r:id="rId53"/>
+    <p:sldId id="326" r:id="rId50"/>
+    <p:sldId id="327" r:id="rId51"/>
+    <p:sldId id="328" r:id="rId52"/>
+    <p:sldId id="330" r:id="rId53"/>
+    <p:sldId id="329" r:id="rId54"/>
+    <p:sldId id="325" r:id="rId55"/>
+    <p:sldId id="331" r:id="rId56"/>
+    <p:sldId id="306" r:id="rId57"/>
+    <p:sldId id="309" r:id="rId58"/>
+    <p:sldId id="268" r:id="rId59"/>
   </p:sldIdLst>
   <p:sldSz cx="12192000" cy="6858000"/>
   <p:notesSz cx="6858000" cy="9144000"/>
@@ -12110,7 +12116,12 @@
             <p:ph idx="1"/>
           </p:nvPr>
         </p:nvSpPr>
-        <p:spPr/>
+        <p:spPr>
+          <a:xfrm>
+            <a:off x="838200" y="1825625"/>
+            <a:ext cx="11014953" cy="4351338"/>
+          </a:xfrm>
+        </p:spPr>
         <p:txBody>
           <a:bodyPr/>
           <a:lstStyle/>
@@ -12118,44 +12129,6 @@
             <a:r>
               <a:rPr lang="en-US" dirty="0"/>
               <a:t>R</a:t>
-            </a:r>
-          </a:p>
-          <a:p>
-            <a:pPr marL="0" indent="0">
-              <a:buNone/>
-            </a:pPr>
-            <a:r>
-              <a:rPr lang="en-US" dirty="0">
-                <a:latin typeface="Courier New" panose="02070309020205020404" pitchFamily="49" charset="0"/>
-                <a:cs typeface="Courier New" panose="02070309020205020404" pitchFamily="49" charset="0"/>
-              </a:rPr>
-              <a:t>library(forecast)</a:t>
-            </a:r>
-          </a:p>
-          <a:p>
-            <a:pPr marL="0" indent="0">
-              <a:buNone/>
-            </a:pPr>
-            <a:r>
-              <a:rPr lang="en-US" dirty="0">
-                <a:latin typeface="Courier New" panose="02070309020205020404" pitchFamily="49" charset="0"/>
-                <a:cs typeface="Courier New" panose="02070309020205020404" pitchFamily="49" charset="0"/>
-              </a:rPr>
-              <a:t>library(</a:t>
-            </a:r>
-            <a:r>
-              <a:rPr lang="en-US" dirty="0" err="1">
-                <a:latin typeface="Courier New" panose="02070309020205020404" pitchFamily="49" charset="0"/>
-                <a:cs typeface="Courier New" panose="02070309020205020404" pitchFamily="49" charset="0"/>
-              </a:rPr>
-              <a:t>tseries</a:t>
-            </a:r>
-            <a:r>
-              <a:rPr lang="en-US" dirty="0">
-                <a:latin typeface="Courier New" panose="02070309020205020404" pitchFamily="49" charset="0"/>
-                <a:cs typeface="Courier New" panose="02070309020205020404" pitchFamily="49" charset="0"/>
-              </a:rPr>
-              <a:t>)</a:t>
             </a:r>
           </a:p>
           <a:p>
@@ -12177,11 +12150,11 @@
               <a:t>(</a:t>
             </a:r>
             <a:r>
-              <a:rPr lang="en-US" dirty="0" err="1">
+              <a:rPr lang="en-US" i="1" dirty="0">
                 <a:latin typeface="Courier New" panose="02070309020205020404" pitchFamily="49" charset="0"/>
                 <a:cs typeface="Courier New" panose="02070309020205020404" pitchFamily="49" charset="0"/>
               </a:rPr>
-              <a:t>datavector</a:t>
+              <a:t>Your Time Series</a:t>
             </a:r>
             <a:r>
               <a:rPr lang="en-US" dirty="0">
@@ -12206,34 +12179,33 @@
                 <a:latin typeface="Courier New" panose="02070309020205020404" pitchFamily="49" charset="0"/>
                 <a:cs typeface="Courier New" panose="02070309020205020404" pitchFamily="49" charset="0"/>
               </a:rPr>
-              <a:t>library(forecast)</a:t>
-            </a:r>
-          </a:p>
-          <a:p>
-            <a:pPr marL="0" indent="0">
-              <a:buNone/>
-            </a:pPr>
+              <a:t>from </a:t>
+            </a:r>
+            <a:r>
+              <a:rPr lang="en-US" dirty="0" err="1">
+                <a:latin typeface="Courier New" panose="02070309020205020404" pitchFamily="49" charset="0"/>
+                <a:cs typeface="Courier New" panose="02070309020205020404" pitchFamily="49" charset="0"/>
+              </a:rPr>
+              <a:t>statsmodels.tsa.statespace</a:t>
+            </a:r>
             <a:r>
               <a:rPr lang="en-US" dirty="0">
                 <a:latin typeface="Courier New" panose="02070309020205020404" pitchFamily="49" charset="0"/>
                 <a:cs typeface="Courier New" panose="02070309020205020404" pitchFamily="49" charset="0"/>
               </a:rPr>
-              <a:t>library(</a:t>
+              <a:t> import </a:t>
             </a:r>
             <a:r>
               <a:rPr lang="en-US" dirty="0" err="1">
                 <a:latin typeface="Courier New" panose="02070309020205020404" pitchFamily="49" charset="0"/>
                 <a:cs typeface="Courier New" panose="02070309020205020404" pitchFamily="49" charset="0"/>
               </a:rPr>
-              <a:t>tseries</a:t>
-            </a:r>
-            <a:r>
-              <a:rPr lang="en-US" dirty="0">
-                <a:latin typeface="Courier New" panose="02070309020205020404" pitchFamily="49" charset="0"/>
-                <a:cs typeface="Courier New" panose="02070309020205020404" pitchFamily="49" charset="0"/>
-              </a:rPr>
-              <a:t>)</a:t>
-            </a:r>
+              <a:t>sarimax</a:t>
+            </a:r>
+            <a:endParaRPr lang="en-US" dirty="0">
+              <a:latin typeface="Courier New" panose="02070309020205020404" pitchFamily="49" charset="0"/>
+              <a:cs typeface="Courier New" panose="02070309020205020404" pitchFamily="49" charset="0"/>
+            </a:endParaRPr>
           </a:p>
           <a:p>
             <a:pPr marL="0" indent="0">
@@ -12244,7 +12216,7 @@
                 <a:latin typeface="Courier New" panose="02070309020205020404" pitchFamily="49" charset="0"/>
                 <a:cs typeface="Courier New" panose="02070309020205020404" pitchFamily="49" charset="0"/>
               </a:rPr>
-              <a:t>arima</a:t>
+              <a:t>sarimax.SARIMAX</a:t>
             </a:r>
             <a:r>
               <a:rPr lang="en-US" dirty="0">
@@ -12254,22 +12226,19 @@
               <a:t>(</a:t>
             </a:r>
             <a:r>
-              <a:rPr lang="en-US" dirty="0" err="1">
+              <a:rPr lang="en-US" i="1" dirty="0">
                 <a:latin typeface="Courier New" panose="02070309020205020404" pitchFamily="49" charset="0"/>
                 <a:cs typeface="Courier New" panose="02070309020205020404" pitchFamily="49" charset="0"/>
               </a:rPr>
-              <a:t>datavector</a:t>
+              <a:t>Your Time Series</a:t>
             </a:r>
             <a:r>
               <a:rPr lang="en-US" dirty="0">
                 <a:latin typeface="Courier New" panose="02070309020205020404" pitchFamily="49" charset="0"/>
                 <a:cs typeface="Courier New" panose="02070309020205020404" pitchFamily="49" charset="0"/>
               </a:rPr>
-              <a:t>, order=c(p, d, q))</a:t>
-            </a:r>
-            <a:endParaRPr lang="en-US" dirty="0"/>
-          </a:p>
-          <a:p>
+              <a:t>, order=(p, d, q))</a:t>
+            </a:r>
             <a:endParaRPr lang="en-US" dirty="0"/>
           </a:p>
           <a:p>
@@ -12825,7 +12794,7 @@
           <a:p>
             <a:r>
               <a:rPr lang="en-US" dirty="0"/>
-              <a:t>Mean Relative Error: </a:t>
+              <a:t>Mean Relative Error: 5.6%</a:t>
             </a:r>
           </a:p>
           <a:p>
@@ -13370,6 +13339,12 @@
               <a:t>Usually pretty simple</a:t>
             </a:r>
           </a:p>
+          <a:p>
+            <a:r>
+              <a:rPr lang="en-US" dirty="0"/>
+              <a:t>SARIMAX: both!</a:t>
+            </a:r>
+          </a:p>
         </p:txBody>
       </p:sp>
     </p:spTree>
@@ -13867,10 +13842,10 @@
       </p:grpSpPr>
       <p:sp>
         <p:nvSpPr>
-          <p:cNvPr id="2" name="Title 1">
-            <a:extLst>
-              <a:ext uri="{FF2B5EF4-FFF2-40B4-BE49-F238E27FC236}">
-                <a16:creationId xmlns:a16="http://schemas.microsoft.com/office/drawing/2014/main" id="{D1BF0482-6913-4A5E-A533-479864CB5349}"/>
+          <p:cNvPr id="7" name="Title 6">
+            <a:extLst>
+              <a:ext uri="{FF2B5EF4-FFF2-40B4-BE49-F238E27FC236}">
+                <a16:creationId xmlns:a16="http://schemas.microsoft.com/office/drawing/2014/main" id="{75C0DCD3-95F8-4E1F-BF1A-5FAAB84A40A3}"/>
               </a:ext>
             </a:extLst>
           </p:cNvPr>
@@ -13888,7 +13863,61 @@
           <a:p>
             <a:r>
               <a:rPr lang="en-US" dirty="0"/>
-              <a:t>A PROPHET MODEL</a:t>
+              <a:t>CHANGEPOINTS</a:t>
+            </a:r>
+          </a:p>
+        </p:txBody>
+      </p:sp>
+      <p:sp>
+        <p:nvSpPr>
+          <p:cNvPr id="8" name="Content Placeholder 7">
+            <a:extLst>
+              <a:ext uri="{FF2B5EF4-FFF2-40B4-BE49-F238E27FC236}">
+                <a16:creationId xmlns:a16="http://schemas.microsoft.com/office/drawing/2014/main" id="{52BB1FAB-BB61-4B66-A4EA-A0EABC2B3ECA}"/>
+              </a:ext>
+            </a:extLst>
+          </p:cNvPr>
+          <p:cNvSpPr>
+            <a:spLocks noGrp="1"/>
+          </p:cNvSpPr>
+          <p:nvPr>
+            <p:ph idx="1"/>
+          </p:nvPr>
+        </p:nvSpPr>
+        <p:spPr/>
+        <p:txBody>
+          <a:bodyPr/>
+          <a:lstStyle/>
+          <a:p>
+            <a:r>
+              <a:rPr lang="en-US" dirty="0"/>
+              <a:t>Segment data into various sections and model them differently</a:t>
+            </a:r>
+          </a:p>
+          <a:p>
+            <a:r>
+              <a:rPr lang="en-US" dirty="0"/>
+              <a:t>Why? Maybe things actually have changed</a:t>
+            </a:r>
+          </a:p>
+          <a:p>
+            <a:pPr lvl="1"/>
+            <a:r>
+              <a:rPr lang="en-US" dirty="0"/>
+              <a:t>In business, there can be some major shakeups</a:t>
+            </a:r>
+          </a:p>
+          <a:p>
+            <a:pPr lvl="1"/>
+            <a:r>
+              <a:rPr lang="en-US" dirty="0"/>
+              <a:t>It doesn’t always make sense to predict based on what happened twenty years ago. Is that data even still applicable?</a:t>
+            </a:r>
+          </a:p>
+          <a:p>
+            <a:r>
+              <a:rPr lang="en-US" dirty="0"/>
+              <a:t>Automatically detected by prophet</a:t>
             </a:r>
           </a:p>
         </p:txBody>
@@ -13898,7 +13927,7 @@
           <p:cNvPr id="4" name="Date Placeholder 3">
             <a:extLst>
               <a:ext uri="{FF2B5EF4-FFF2-40B4-BE49-F238E27FC236}">
-                <a16:creationId xmlns:a16="http://schemas.microsoft.com/office/drawing/2014/main" id="{B23DAF35-209C-48FA-AAAB-F69E14183A91}"/>
+                <a16:creationId xmlns:a16="http://schemas.microsoft.com/office/drawing/2014/main" id="{02256D86-7CE0-416E-B2A3-402D20EE9E90}"/>
               </a:ext>
             </a:extLst>
           </p:cNvPr>
@@ -13914,7 +13943,7 @@
           <a:bodyPr/>
           <a:lstStyle/>
           <a:p>
-            <a:fld id="{8AAE40A0-A7D8-4DC3-BC9E-BADA32DA2004}" type="datetime4">
+            <a:fld id="{B08FEED8-D7D4-44E9-BFBC-ED06B5996D94}" type="datetime4">
               <a:rPr lang="en-US" smtClean="0"/>
               <a:t>July 30, 2019</a:t>
             </a:fld>
@@ -13927,7 +13956,7 @@
           <p:cNvPr id="5" name="Footer Placeholder 4">
             <a:extLst>
               <a:ext uri="{FF2B5EF4-FFF2-40B4-BE49-F238E27FC236}">
-                <a16:creationId xmlns:a16="http://schemas.microsoft.com/office/drawing/2014/main" id="{3D8E22A6-180D-41CF-9959-4347A11F2AD1}"/>
+                <a16:creationId xmlns:a16="http://schemas.microsoft.com/office/drawing/2014/main" id="{1D4ED112-7CF4-4BB9-B46E-B366A5054A9A}"/>
               </a:ext>
             </a:extLst>
           </p:cNvPr>
@@ -13984,7 +14013,7 @@
           <p:cNvPr id="6" name="Slide Number Placeholder 5">
             <a:extLst>
               <a:ext uri="{FF2B5EF4-FFF2-40B4-BE49-F238E27FC236}">
-                <a16:creationId xmlns:a16="http://schemas.microsoft.com/office/drawing/2014/main" id="{CECE3146-0C2B-4CC7-BC7C-FD23AAF7ECAE}"/>
+                <a16:creationId xmlns:a16="http://schemas.microsoft.com/office/drawing/2014/main" id="{8CC75551-85BF-4C9F-8893-AA28ECA8A6B5}"/>
               </a:ext>
             </a:extLst>
           </p:cNvPr>
@@ -14008,91 +14037,10 @@
           </a:p>
         </p:txBody>
       </p:sp>
-      <p:sp>
-        <p:nvSpPr>
-          <p:cNvPr id="8" name="Content Placeholder 7">
-            <a:extLst>
-              <a:ext uri="{FF2B5EF4-FFF2-40B4-BE49-F238E27FC236}">
-                <a16:creationId xmlns:a16="http://schemas.microsoft.com/office/drawing/2014/main" id="{30C259F3-048F-4C4B-AC8C-24699B6ABD42}"/>
-              </a:ext>
-            </a:extLst>
-          </p:cNvPr>
-          <p:cNvSpPr>
-            <a:spLocks noGrp="1"/>
-          </p:cNvSpPr>
-          <p:nvPr>
-            <p:ph idx="1"/>
-          </p:nvPr>
-        </p:nvSpPr>
-        <p:spPr>
-          <a:xfrm>
-            <a:off x="838200" y="1825625"/>
-            <a:ext cx="5257800" cy="4351338"/>
-          </a:xfrm>
-        </p:spPr>
-        <p:txBody>
-          <a:bodyPr/>
-          <a:lstStyle/>
-          <a:p>
-            <a:r>
-              <a:rPr lang="en-US" dirty="0"/>
-              <a:t>Mean Relative Error: </a:t>
-            </a:r>
-          </a:p>
-          <a:p>
-            <a:r>
-              <a:rPr lang="en-US" dirty="0"/>
-              <a:t>Very interested in cycles</a:t>
-            </a:r>
-          </a:p>
-          <a:p>
-            <a:r>
-              <a:rPr lang="en-US" dirty="0"/>
-              <a:t>Not bad, but slightly worse than ARIMA</a:t>
-            </a:r>
-          </a:p>
-          <a:p>
-            <a:pPr lvl="1"/>
-            <a:r>
-              <a:rPr lang="en-US" dirty="0"/>
-              <a:t>Much faster, though</a:t>
-            </a:r>
-          </a:p>
-        </p:txBody>
-      </p:sp>
-      <p:pic>
-        <p:nvPicPr>
-          <p:cNvPr id="10" name="Picture 9">
-            <a:extLst>
-              <a:ext uri="{FF2B5EF4-FFF2-40B4-BE49-F238E27FC236}">
-                <a16:creationId xmlns:a16="http://schemas.microsoft.com/office/drawing/2014/main" id="{64B67945-AF39-4BB8-86D4-3E74D0B6AE5C}"/>
-              </a:ext>
-            </a:extLst>
-          </p:cNvPr>
-          <p:cNvPicPr>
-            <a:picLocks noChangeAspect="1"/>
-          </p:cNvPicPr>
-          <p:nvPr/>
-        </p:nvPicPr>
-        <p:blipFill>
-          <a:blip r:embed="rId2"/>
-          <a:srcRect/>
-          <a:stretch/>
-        </p:blipFill>
-        <p:spPr>
-          <a:xfrm>
-            <a:off x="6096000" y="2096028"/>
-            <a:ext cx="5715798" cy="3810532"/>
-          </a:xfrm>
-          <a:prstGeom prst="rect">
-            <a:avLst/>
-          </a:prstGeom>
-        </p:spPr>
-      </p:pic>
     </p:spTree>
     <p:extLst>
       <p:ext uri="{BB962C8B-B14F-4D97-AF65-F5344CB8AC3E}">
-        <p14:creationId xmlns:p14="http://schemas.microsoft.com/office/powerpoint/2010/main" val="334077836"/>
+        <p14:creationId xmlns:p14="http://schemas.microsoft.com/office/powerpoint/2010/main" val="2141293105"/>
       </p:ext>
     </p:extLst>
   </p:cSld>
@@ -14357,7 +14305,7 @@
           <p:cNvPr id="7" name="Title 6">
             <a:extLst>
               <a:ext uri="{FF2B5EF4-FFF2-40B4-BE49-F238E27FC236}">
-                <a16:creationId xmlns:a16="http://schemas.microsoft.com/office/drawing/2014/main" id="{7802FB34-7510-47BC-8952-A1FE9728B0BF}"/>
+                <a16:creationId xmlns:a16="http://schemas.microsoft.com/office/drawing/2014/main" id="{75C0DCD3-95F8-4E1F-BF1A-5FAAB84A40A3}"/>
               </a:ext>
             </a:extLst>
           </p:cNvPr>
@@ -14375,42 +14323,48 @@
           <a:p>
             <a:r>
               <a:rPr lang="en-US" dirty="0"/>
-              <a:t>NEURAL NETWORK</a:t>
-            </a:r>
-            <a:br>
-              <a:rPr lang="en-US" dirty="0"/>
-            </a:br>
-            <a:r>
-              <a:rPr lang="en-US" dirty="0"/>
-              <a:t>APPROACHES</a:t>
-            </a:r>
-          </a:p>
-        </p:txBody>
-      </p:sp>
-      <p:sp>
-        <p:nvSpPr>
-          <p:cNvPr id="8" name="Text Placeholder 7">
-            <a:extLst>
-              <a:ext uri="{FF2B5EF4-FFF2-40B4-BE49-F238E27FC236}">
-                <a16:creationId xmlns:a16="http://schemas.microsoft.com/office/drawing/2014/main" id="{FCA70F1A-579E-4144-AE97-14FFC08FF0F5}"/>
-              </a:ext>
-            </a:extLst>
-          </p:cNvPr>
-          <p:cNvSpPr>
-            <a:spLocks noGrp="1"/>
-          </p:cNvSpPr>
-          <p:nvPr>
-            <p:ph type="body" idx="1"/>
-          </p:nvPr>
-        </p:nvSpPr>
-        <p:spPr/>
-        <p:txBody>
-          <a:bodyPr/>
-          <a:lstStyle/>
-          <a:p>
-            <a:r>
-              <a:rPr lang="en-US" dirty="0"/>
-              <a:t>Breaking out the big guns</a:t>
+              <a:t>HOLIDAYS</a:t>
+            </a:r>
+          </a:p>
+        </p:txBody>
+      </p:sp>
+      <p:sp>
+        <p:nvSpPr>
+          <p:cNvPr id="8" name="Content Placeholder 7">
+            <a:extLst>
+              <a:ext uri="{FF2B5EF4-FFF2-40B4-BE49-F238E27FC236}">
+                <a16:creationId xmlns:a16="http://schemas.microsoft.com/office/drawing/2014/main" id="{52BB1FAB-BB61-4B66-A4EA-A0EABC2B3ECA}"/>
+              </a:ext>
+            </a:extLst>
+          </p:cNvPr>
+          <p:cNvSpPr>
+            <a:spLocks noGrp="1"/>
+          </p:cNvSpPr>
+          <p:nvPr>
+            <p:ph idx="1"/>
+          </p:nvPr>
+        </p:nvSpPr>
+        <p:spPr/>
+        <p:txBody>
+          <a:bodyPr/>
+          <a:lstStyle/>
+          <a:p>
+            <a:r>
+              <a:rPr lang="en-US" dirty="0"/>
+              <a:t>Large list of holidays</a:t>
+            </a:r>
+          </a:p>
+          <a:p>
+            <a:r>
+              <a:rPr lang="en-US" dirty="0"/>
+              <a:t>Maybe things do change on a New Year’s Day</a:t>
+            </a:r>
+          </a:p>
+          <a:p>
+            <a:pPr lvl="1"/>
+            <a:r>
+              <a:rPr lang="en-US" dirty="0"/>
+              <a:t>People are going to want to be picked up after partying, but are drivers going to be working?</a:t>
             </a:r>
           </a:p>
         </p:txBody>
@@ -14420,7 +14374,7 @@
           <p:cNvPr id="4" name="Date Placeholder 3">
             <a:extLst>
               <a:ext uri="{FF2B5EF4-FFF2-40B4-BE49-F238E27FC236}">
-                <a16:creationId xmlns:a16="http://schemas.microsoft.com/office/drawing/2014/main" id="{3AD929EF-0967-4B34-81B8-24D9EF91892E}"/>
+                <a16:creationId xmlns:a16="http://schemas.microsoft.com/office/drawing/2014/main" id="{02256D86-7CE0-416E-B2A3-402D20EE9E90}"/>
               </a:ext>
             </a:extLst>
           </p:cNvPr>
@@ -14436,7 +14390,7 @@
           <a:bodyPr/>
           <a:lstStyle/>
           <a:p>
-            <a:fld id="{8AAE40A0-A7D8-4DC3-BC9E-BADA32DA2004}" type="datetime4">
+            <a:fld id="{B08FEED8-D7D4-44E9-BFBC-ED06B5996D94}" type="datetime4">
               <a:rPr lang="en-US" smtClean="0"/>
               <a:t>July 30, 2019</a:t>
             </a:fld>
@@ -14449,7 +14403,7 @@
           <p:cNvPr id="5" name="Footer Placeholder 4">
             <a:extLst>
               <a:ext uri="{FF2B5EF4-FFF2-40B4-BE49-F238E27FC236}">
-                <a16:creationId xmlns:a16="http://schemas.microsoft.com/office/drawing/2014/main" id="{3B5B35DD-F2EA-40D3-8039-8CD3802B2612}"/>
+                <a16:creationId xmlns:a16="http://schemas.microsoft.com/office/drawing/2014/main" id="{1D4ED112-7CF4-4BB9-B46E-B366A5054A9A}"/>
               </a:ext>
             </a:extLst>
           </p:cNvPr>
@@ -14506,7 +14460,7 @@
           <p:cNvPr id="6" name="Slide Number Placeholder 5">
             <a:extLst>
               <a:ext uri="{FF2B5EF4-FFF2-40B4-BE49-F238E27FC236}">
-                <a16:creationId xmlns:a16="http://schemas.microsoft.com/office/drawing/2014/main" id="{C3EB9A57-323C-47F5-867F-693F95A15FA4}"/>
+                <a16:creationId xmlns:a16="http://schemas.microsoft.com/office/drawing/2014/main" id="{8CC75551-85BF-4C9F-8893-AA28ECA8A6B5}"/>
               </a:ext>
             </a:extLst>
           </p:cNvPr>
@@ -14533,7 +14487,7 @@
     </p:spTree>
     <p:extLst>
       <p:ext uri="{BB962C8B-B14F-4D97-AF65-F5344CB8AC3E}">
-        <p14:creationId xmlns:p14="http://schemas.microsoft.com/office/powerpoint/2010/main" val="1442732517"/>
+        <p14:creationId xmlns:p14="http://schemas.microsoft.com/office/powerpoint/2010/main" val="2968595762"/>
       </p:ext>
     </p:extLst>
   </p:cSld>
@@ -14583,7 +14537,7 @@
           <a:p>
             <a:r>
               <a:rPr lang="en-US" dirty="0"/>
-              <a:t>NEURAL NETWORK MODELS</a:t>
+              <a:t>SEASONALITY</a:t>
             </a:r>
           </a:p>
         </p:txBody>
@@ -14606,60 +14560,39 @@
         </p:nvSpPr>
         <p:spPr/>
         <p:txBody>
-          <a:bodyPr>
-            <a:normAutofit/>
-          </a:bodyPr>
-          <a:lstStyle/>
-          <a:p>
-            <a:r>
-              <a:rPr lang="en-US" dirty="0"/>
-              <a:t>Incomprehensible but extremely powerful</a:t>
-            </a:r>
-          </a:p>
-          <a:p>
-            <a:r>
-              <a:rPr lang="en-US" dirty="0"/>
-              <a:t>Pros:</a:t>
+          <a:bodyPr/>
+          <a:lstStyle/>
+          <a:p>
+            <a:r>
+              <a:rPr lang="en-US" dirty="0"/>
+              <a:t>The cyclic components we noted earlier</a:t>
             </a:r>
           </a:p>
           <a:p>
             <a:pPr lvl="1"/>
             <a:r>
               <a:rPr lang="en-US" dirty="0"/>
-              <a:t>Often extremely accurate</a:t>
-            </a:r>
-          </a:p>
-          <a:p>
-            <a:r>
-              <a:rPr lang="en-US" dirty="0"/>
-              <a:t>Cons:</a:t>
-            </a:r>
-          </a:p>
-          <a:p>
-            <a:pPr lvl="1"/>
-            <a:r>
-              <a:rPr lang="en-US" dirty="0"/>
-              <a:t>More or less impossible to understand what any of the parameters mean</a:t>
-            </a:r>
-          </a:p>
-          <a:p>
-            <a:pPr lvl="1"/>
-            <a:r>
-              <a:rPr lang="en-US" dirty="0"/>
-              <a:t>Can take a very long time to train the model</a:t>
-            </a:r>
-          </a:p>
-          <a:p>
-            <a:pPr lvl="1"/>
-            <a:r>
-              <a:rPr lang="en-US" dirty="0"/>
-              <a:t>Lots of moving parts and things that can go wrong</a:t>
-            </a:r>
-          </a:p>
-          <a:p>
-            <a:r>
-              <a:rPr lang="en-US" dirty="0"/>
-              <a:t>But depending on the problem, that one pro may outweigh all the cons</a:t>
+              <a:t>Do things repeat every day? week? hour?</a:t>
+            </a:r>
+          </a:p>
+          <a:p>
+            <a:r>
+              <a:rPr lang="en-US" dirty="0"/>
+              <a:t>Extremely easy to deal with in prophet</a:t>
+            </a:r>
+          </a:p>
+          <a:p>
+            <a:r>
+              <a:rPr lang="en-US" dirty="0"/>
+              <a:t>Just enable the </a:t>
+            </a:r>
+            <a:r>
+              <a:rPr lang="en-US" dirty="0" err="1"/>
+              <a:t>seasonalities</a:t>
+            </a:r>
+            <a:r>
+              <a:rPr lang="en-US" dirty="0"/>
+              <a:t> in the modeling call</a:t>
             </a:r>
           </a:p>
         </p:txBody>
@@ -14782,7 +14715,7 @@
     </p:spTree>
     <p:extLst>
       <p:ext uri="{BB962C8B-B14F-4D97-AF65-F5344CB8AC3E}">
-        <p14:creationId xmlns:p14="http://schemas.microsoft.com/office/powerpoint/2010/main" val="4213654799"/>
+        <p14:creationId xmlns:p14="http://schemas.microsoft.com/office/powerpoint/2010/main" val="2100874092"/>
       </p:ext>
     </p:extLst>
   </p:cSld>
@@ -14814,7 +14747,7 @@
           <p:cNvPr id="7" name="Title 6">
             <a:extLst>
               <a:ext uri="{FF2B5EF4-FFF2-40B4-BE49-F238E27FC236}">
-                <a16:creationId xmlns:a16="http://schemas.microsoft.com/office/drawing/2014/main" id="{495B4BC0-844B-4414-A623-BEF78AAC1BA1}"/>
+                <a16:creationId xmlns:a16="http://schemas.microsoft.com/office/drawing/2014/main" id="{75C0DCD3-95F8-4E1F-BF1A-5FAAB84A40A3}"/>
               </a:ext>
             </a:extLst>
           </p:cNvPr>
@@ -14832,7 +14765,7 @@
           <a:p>
             <a:r>
               <a:rPr lang="en-US" dirty="0"/>
-              <a:t>ACKNOWLEDGMENTS</a:t>
+              <a:t>SOME ANNOYING CONVENTIONS</a:t>
             </a:r>
           </a:p>
         </p:txBody>
@@ -14842,7 +14775,7 @@
           <p:cNvPr id="8" name="Content Placeholder 7">
             <a:extLst>
               <a:ext uri="{FF2B5EF4-FFF2-40B4-BE49-F238E27FC236}">
-                <a16:creationId xmlns:a16="http://schemas.microsoft.com/office/drawing/2014/main" id="{2BED3EB3-7E98-4A82-8335-7321D9E37B16}"/>
+                <a16:creationId xmlns:a16="http://schemas.microsoft.com/office/drawing/2014/main" id="{52BB1FAB-BB61-4B66-A4EA-A0EABC2B3ECA}"/>
               </a:ext>
             </a:extLst>
           </p:cNvPr>
@@ -14860,49 +14793,30 @@
           <a:p>
             <a:r>
               <a:rPr lang="en-US" dirty="0"/>
-              <a:t>Plots were created using the ggplot2 package in R</a:t>
-            </a:r>
-          </a:p>
-          <a:p>
-            <a:r>
-              <a:rPr lang="en-US" dirty="0"/>
-              <a:t>Shumway and </a:t>
-            </a:r>
-            <a:r>
-              <a:rPr lang="en-US" dirty="0" err="1"/>
-              <a:t>Stoffer’s</a:t>
-            </a:r>
-            <a:r>
-              <a:rPr lang="en-US" dirty="0"/>
-              <a:t> </a:t>
-            </a:r>
-            <a:r>
-              <a:rPr lang="en-US" i="1" dirty="0"/>
-              <a:t>Time Series Analysis and Its Applications With R Examples, Fourth Edition </a:t>
-            </a:r>
-            <a:r>
-              <a:rPr lang="en-US" dirty="0"/>
-              <a:t>published by Springer was used as the main reference for the ARIMA section</a:t>
-            </a:r>
-          </a:p>
-          <a:p>
-            <a:r>
-              <a:rPr lang="en-US" i="1" dirty="0"/>
-              <a:t>Forecasting at Scale </a:t>
-            </a:r>
-            <a:r>
-              <a:rPr lang="en-US" dirty="0"/>
-              <a:t>by Sean J. Taylor and Benjamin </a:t>
-            </a:r>
-            <a:r>
-              <a:rPr lang="en-US" dirty="0" err="1"/>
-              <a:t>Letham</a:t>
-            </a:r>
-            <a:r>
-              <a:rPr lang="en-US" dirty="0"/>
-              <a:t> at Facebook was used as the main reference for the Prophet section</a:t>
-            </a:r>
-            <a:endParaRPr lang="en-US" i="1" dirty="0"/>
+              <a:t>Prophet requires that your data be arranged in a very specific way</a:t>
+            </a:r>
+          </a:p>
+          <a:p>
+            <a:pPr lvl="1"/>
+            <a:r>
+              <a:rPr lang="en-US" dirty="0"/>
+              <a:t>ARIMA doesn’t</a:t>
+            </a:r>
+          </a:p>
+          <a:p>
+            <a:r>
+              <a:rPr lang="en-US" dirty="0"/>
+              <a:t>Rename your date column to ‘ds’ and convert it to a datetime format</a:t>
+            </a:r>
+          </a:p>
+          <a:p>
+            <a:r>
+              <a:rPr lang="en-US" dirty="0"/>
+              <a:t>Rename the variable you want to model to ‘y’</a:t>
+            </a:r>
+          </a:p>
+          <a:p>
+            <a:endParaRPr lang="en-US" dirty="0"/>
           </a:p>
           <a:p>
             <a:endParaRPr lang="en-US" dirty="0"/>
@@ -14914,7 +14828,7 @@
           <p:cNvPr id="4" name="Date Placeholder 3">
             <a:extLst>
               <a:ext uri="{FF2B5EF4-FFF2-40B4-BE49-F238E27FC236}">
-                <a16:creationId xmlns:a16="http://schemas.microsoft.com/office/drawing/2014/main" id="{540F37F1-4F33-429F-A568-1A3ADC499E54}"/>
+                <a16:creationId xmlns:a16="http://schemas.microsoft.com/office/drawing/2014/main" id="{02256D86-7CE0-416E-B2A3-402D20EE9E90}"/>
               </a:ext>
             </a:extLst>
           </p:cNvPr>
@@ -14943,7 +14857,7 @@
           <p:cNvPr id="5" name="Footer Placeholder 4">
             <a:extLst>
               <a:ext uri="{FF2B5EF4-FFF2-40B4-BE49-F238E27FC236}">
-                <a16:creationId xmlns:a16="http://schemas.microsoft.com/office/drawing/2014/main" id="{673FFA57-C126-4795-A5F6-DD33AAC5ACBD}"/>
+                <a16:creationId xmlns:a16="http://schemas.microsoft.com/office/drawing/2014/main" id="{1D4ED112-7CF4-4BB9-B46E-B366A5054A9A}"/>
               </a:ext>
             </a:extLst>
           </p:cNvPr>
@@ -15000,7 +14914,7 @@
           <p:cNvPr id="6" name="Slide Number Placeholder 5">
             <a:extLst>
               <a:ext uri="{FF2B5EF4-FFF2-40B4-BE49-F238E27FC236}">
-                <a16:creationId xmlns:a16="http://schemas.microsoft.com/office/drawing/2014/main" id="{2FA49567-BB70-4798-8746-D0B522CCEE20}"/>
+                <a16:creationId xmlns:a16="http://schemas.microsoft.com/office/drawing/2014/main" id="{8CC75551-85BF-4C9F-8893-AA28ECA8A6B5}"/>
               </a:ext>
             </a:extLst>
           </p:cNvPr>
@@ -15019,6 +14933,1612 @@
             <a:fld id="{D57F1E4F-1CFF-5643-939E-02111984F565}" type="slidenum">
               <a:rPr lang="en-US" smtClean="0"/>
               <a:t>52</a:t>
+            </a:fld>
+            <a:endParaRPr lang="en-US" dirty="0"/>
+          </a:p>
+        </p:txBody>
+      </p:sp>
+    </p:spTree>
+    <p:extLst>
+      <p:ext uri="{BB962C8B-B14F-4D97-AF65-F5344CB8AC3E}">
+        <p14:creationId xmlns:p14="http://schemas.microsoft.com/office/powerpoint/2010/main" val="3830686391"/>
+      </p:ext>
+    </p:extLst>
+  </p:cSld>
+  <p:clrMapOvr>
+    <a:masterClrMapping/>
+  </p:clrMapOvr>
+</p:sld>
+</file>
+
+<file path=ppt/slides/slide53.xml><?xml version="1.0" encoding="utf-8"?>
+<p:sld xmlns:a="http://schemas.openxmlformats.org/drawingml/2006/main" xmlns:r="http://schemas.openxmlformats.org/officeDocument/2006/relationships" xmlns:p="http://schemas.openxmlformats.org/presentationml/2006/main">
+  <p:cSld>
+    <p:spTree>
+      <p:nvGrpSpPr>
+        <p:cNvPr id="1" name=""/>
+        <p:cNvGrpSpPr/>
+        <p:nvPr/>
+      </p:nvGrpSpPr>
+      <p:grpSpPr>
+        <a:xfrm>
+          <a:off x="0" y="0"/>
+          <a:ext cx="0" cy="0"/>
+          <a:chOff x="0" y="0"/>
+          <a:chExt cx="0" cy="0"/>
+        </a:xfrm>
+      </p:grpSpPr>
+      <p:sp>
+        <p:nvSpPr>
+          <p:cNvPr id="7" name="Title 6">
+            <a:extLst>
+              <a:ext uri="{FF2B5EF4-FFF2-40B4-BE49-F238E27FC236}">
+                <a16:creationId xmlns:a16="http://schemas.microsoft.com/office/drawing/2014/main" id="{75C0DCD3-95F8-4E1F-BF1A-5FAAB84A40A3}"/>
+              </a:ext>
+            </a:extLst>
+          </p:cNvPr>
+          <p:cNvSpPr>
+            <a:spLocks noGrp="1"/>
+          </p:cNvSpPr>
+          <p:nvPr>
+            <p:ph type="title"/>
+          </p:nvPr>
+        </p:nvSpPr>
+        <p:spPr/>
+        <p:txBody>
+          <a:bodyPr/>
+          <a:lstStyle/>
+          <a:p>
+            <a:r>
+              <a:rPr lang="en-US" dirty="0"/>
+              <a:t>BUILDING THE MODEL</a:t>
+            </a:r>
+          </a:p>
+        </p:txBody>
+      </p:sp>
+      <p:sp>
+        <p:nvSpPr>
+          <p:cNvPr id="8" name="Content Placeholder 7">
+            <a:extLst>
+              <a:ext uri="{FF2B5EF4-FFF2-40B4-BE49-F238E27FC236}">
+                <a16:creationId xmlns:a16="http://schemas.microsoft.com/office/drawing/2014/main" id="{52BB1FAB-BB61-4B66-A4EA-A0EABC2B3ECA}"/>
+              </a:ext>
+            </a:extLst>
+          </p:cNvPr>
+          <p:cNvSpPr>
+            <a:spLocks noGrp="1"/>
+          </p:cNvSpPr>
+          <p:nvPr>
+            <p:ph idx="1"/>
+          </p:nvPr>
+        </p:nvSpPr>
+        <p:spPr/>
+        <p:txBody>
+          <a:bodyPr/>
+          <a:lstStyle/>
+          <a:p>
+            <a:r>
+              <a:rPr lang="en-US" dirty="0"/>
+              <a:t>R</a:t>
+            </a:r>
+          </a:p>
+          <a:p>
+            <a:pPr marL="0" indent="0">
+              <a:buNone/>
+            </a:pPr>
+            <a:r>
+              <a:rPr lang="en-US" dirty="0">
+                <a:latin typeface="Courier New" panose="02070309020205020404" pitchFamily="49" charset="0"/>
+                <a:cs typeface="Courier New" panose="02070309020205020404" pitchFamily="49" charset="0"/>
+              </a:rPr>
+              <a:t>library(prophet)</a:t>
+            </a:r>
+          </a:p>
+          <a:p>
+            <a:pPr marL="0" indent="0">
+              <a:buNone/>
+            </a:pPr>
+            <a:r>
+              <a:rPr lang="en-US" dirty="0">
+                <a:latin typeface="Courier New" panose="02070309020205020404" pitchFamily="49" charset="0"/>
+                <a:cs typeface="Courier New" panose="02070309020205020404" pitchFamily="49" charset="0"/>
+              </a:rPr>
+              <a:t>prophet(</a:t>
+            </a:r>
+            <a:r>
+              <a:rPr lang="en-US" dirty="0" err="1">
+                <a:latin typeface="Courier New" panose="02070309020205020404" pitchFamily="49" charset="0"/>
+                <a:cs typeface="Courier New" panose="02070309020205020404" pitchFamily="49" charset="0"/>
+              </a:rPr>
+              <a:t>dataframe</a:t>
+            </a:r>
+            <a:r>
+              <a:rPr lang="en-US" dirty="0">
+                <a:latin typeface="Courier New" panose="02070309020205020404" pitchFamily="49" charset="0"/>
+                <a:cs typeface="Courier New" panose="02070309020205020404" pitchFamily="49" charset="0"/>
+              </a:rPr>
+              <a:t>, </a:t>
+            </a:r>
+            <a:r>
+              <a:rPr lang="en-US" dirty="0" err="1">
+                <a:latin typeface="Courier New" panose="02070309020205020404" pitchFamily="49" charset="0"/>
+                <a:cs typeface="Courier New" panose="02070309020205020404" pitchFamily="49" charset="0"/>
+              </a:rPr>
+              <a:t>yearly.seasonality</a:t>
+            </a:r>
+            <a:r>
+              <a:rPr lang="en-US" dirty="0">
+                <a:latin typeface="Courier New" panose="02070309020205020404" pitchFamily="49" charset="0"/>
+                <a:cs typeface="Courier New" panose="02070309020205020404" pitchFamily="49" charset="0"/>
+              </a:rPr>
+              <a:t>=TRUE, …)</a:t>
+            </a:r>
+          </a:p>
+          <a:p>
+            <a:r>
+              <a:rPr lang="en-US" dirty="0"/>
+              <a:t>Python</a:t>
+            </a:r>
+          </a:p>
+          <a:p>
+            <a:pPr marL="0" indent="0">
+              <a:buNone/>
+            </a:pPr>
+            <a:r>
+              <a:rPr lang="en-US" dirty="0">
+                <a:latin typeface="Courier New" panose="02070309020205020404" pitchFamily="49" charset="0"/>
+                <a:cs typeface="Courier New" panose="02070309020205020404" pitchFamily="49" charset="0"/>
+              </a:rPr>
+              <a:t>import </a:t>
+            </a:r>
+            <a:r>
+              <a:rPr lang="en-US" dirty="0" err="1">
+                <a:latin typeface="Courier New" panose="02070309020205020404" pitchFamily="49" charset="0"/>
+                <a:cs typeface="Courier New" panose="02070309020205020404" pitchFamily="49" charset="0"/>
+              </a:rPr>
+              <a:t>fbprophet</a:t>
+            </a:r>
+            <a:endParaRPr lang="en-US" dirty="0">
+              <a:latin typeface="Courier New" panose="02070309020205020404" pitchFamily="49" charset="0"/>
+              <a:cs typeface="Courier New" panose="02070309020205020404" pitchFamily="49" charset="0"/>
+            </a:endParaRPr>
+          </a:p>
+          <a:p>
+            <a:pPr marL="0" indent="0">
+              <a:buNone/>
+            </a:pPr>
+            <a:r>
+              <a:rPr lang="en-US" dirty="0" err="1">
+                <a:latin typeface="Courier New" panose="02070309020205020404" pitchFamily="49" charset="0"/>
+                <a:cs typeface="Courier New" panose="02070309020205020404" pitchFamily="49" charset="0"/>
+              </a:rPr>
+              <a:t>fbprophet.Prophet</a:t>
+            </a:r>
+            <a:r>
+              <a:rPr lang="en-US" dirty="0">
+                <a:latin typeface="Courier New" panose="02070309020205020404" pitchFamily="49" charset="0"/>
+                <a:cs typeface="Courier New" panose="02070309020205020404" pitchFamily="49" charset="0"/>
+              </a:rPr>
+              <a:t>(</a:t>
+            </a:r>
+            <a:r>
+              <a:rPr lang="en-US" dirty="0" err="1">
+                <a:latin typeface="Courier New" panose="02070309020205020404" pitchFamily="49" charset="0"/>
+                <a:cs typeface="Courier New" panose="02070309020205020404" pitchFamily="49" charset="0"/>
+              </a:rPr>
+              <a:t>dataframe</a:t>
+            </a:r>
+            <a:r>
+              <a:rPr lang="en-US" dirty="0">
+                <a:latin typeface="Courier New" panose="02070309020205020404" pitchFamily="49" charset="0"/>
+                <a:cs typeface="Courier New" panose="02070309020205020404" pitchFamily="49" charset="0"/>
+              </a:rPr>
+              <a:t>,</a:t>
+            </a:r>
+          </a:p>
+          <a:p>
+            <a:pPr marL="0" indent="0">
+              <a:buNone/>
+            </a:pPr>
+            <a:r>
+              <a:rPr lang="en-US" dirty="0">
+                <a:latin typeface="Courier New" panose="02070309020205020404" pitchFamily="49" charset="0"/>
+                <a:cs typeface="Courier New" panose="02070309020205020404" pitchFamily="49" charset="0"/>
+              </a:rPr>
+              <a:t>    </a:t>
+            </a:r>
+            <a:r>
+              <a:rPr lang="en-US" dirty="0" err="1">
+                <a:latin typeface="Courier New" panose="02070309020205020404" pitchFamily="49" charset="0"/>
+                <a:cs typeface="Courier New" panose="02070309020205020404" pitchFamily="49" charset="0"/>
+              </a:rPr>
+              <a:t>yearly_seasonality</a:t>
+            </a:r>
+            <a:r>
+              <a:rPr lang="en-US" dirty="0">
+                <a:latin typeface="Courier New" panose="02070309020205020404" pitchFamily="49" charset="0"/>
+                <a:cs typeface="Courier New" panose="02070309020205020404" pitchFamily="49" charset="0"/>
+              </a:rPr>
+              <a:t>=TRUE, …)</a:t>
+            </a:r>
+            <a:endParaRPr lang="en-US" dirty="0"/>
+          </a:p>
+          <a:p>
+            <a:endParaRPr lang="en-US" dirty="0"/>
+          </a:p>
+          <a:p>
+            <a:endParaRPr lang="en-US" dirty="0"/>
+          </a:p>
+        </p:txBody>
+      </p:sp>
+      <p:sp>
+        <p:nvSpPr>
+          <p:cNvPr id="4" name="Date Placeholder 3">
+            <a:extLst>
+              <a:ext uri="{FF2B5EF4-FFF2-40B4-BE49-F238E27FC236}">
+                <a16:creationId xmlns:a16="http://schemas.microsoft.com/office/drawing/2014/main" id="{02256D86-7CE0-416E-B2A3-402D20EE9E90}"/>
+              </a:ext>
+            </a:extLst>
+          </p:cNvPr>
+          <p:cNvSpPr>
+            <a:spLocks noGrp="1"/>
+          </p:cNvSpPr>
+          <p:nvPr>
+            <p:ph type="dt" sz="half" idx="10"/>
+          </p:nvPr>
+        </p:nvSpPr>
+        <p:spPr/>
+        <p:txBody>
+          <a:bodyPr/>
+          <a:lstStyle/>
+          <a:p>
+            <a:fld id="{B08FEED8-D7D4-44E9-BFBC-ED06B5996D94}" type="datetime4">
+              <a:rPr lang="en-US" smtClean="0"/>
+              <a:t>July 30, 2019</a:t>
+            </a:fld>
+            <a:endParaRPr lang="en-US" dirty="0"/>
+          </a:p>
+        </p:txBody>
+      </p:sp>
+      <p:sp>
+        <p:nvSpPr>
+          <p:cNvPr id="5" name="Footer Placeholder 4">
+            <a:extLst>
+              <a:ext uri="{FF2B5EF4-FFF2-40B4-BE49-F238E27FC236}">
+                <a16:creationId xmlns:a16="http://schemas.microsoft.com/office/drawing/2014/main" id="{1D4ED112-7CF4-4BB9-B46E-B366A5054A9A}"/>
+              </a:ext>
+            </a:extLst>
+          </p:cNvPr>
+          <p:cNvSpPr>
+            <a:spLocks noGrp="1"/>
+          </p:cNvSpPr>
+          <p:nvPr>
+            <p:ph type="ftr" sz="quarter" idx="11"/>
+          </p:nvPr>
+        </p:nvSpPr>
+        <p:spPr/>
+        <p:txBody>
+          <a:bodyPr/>
+          <a:lstStyle/>
+          <a:p>
+            <a:r>
+              <a:rPr lang="en-US"/>
+              <a:t>Digital Scholarship Services </a:t>
+            </a:r>
+            <a:r>
+              <a:rPr lang="en-US">
+                <a:solidFill>
+                  <a:schemeClr val="accent1">
+                    <a:lumMod val="50000"/>
+                  </a:schemeClr>
+                </a:solidFill>
+              </a:rPr>
+              <a:t>| Email</a:t>
+            </a:r>
+            <a:r>
+              <a:rPr lang="en-US"/>
+              <a:t> cf24@rice.edu </a:t>
+            </a:r>
+            <a:r>
+              <a:rPr lang="en-US">
+                <a:solidFill>
+                  <a:schemeClr val="accent1">
+                    <a:lumMod val="50000"/>
+                  </a:schemeClr>
+                </a:solidFill>
+              </a:rPr>
+              <a:t>|</a:t>
+            </a:r>
+            <a:r>
+              <a:rPr lang="en-US"/>
+              <a:t> library.rice.edu/dss</a:t>
+            </a:r>
+            <a:endParaRPr lang="en-US" dirty="0"/>
+          </a:p>
+        </p:txBody>
+      </p:sp>
+      <p:sp>
+        <p:nvSpPr>
+          <p:cNvPr id="6" name="Slide Number Placeholder 5">
+            <a:extLst>
+              <a:ext uri="{FF2B5EF4-FFF2-40B4-BE49-F238E27FC236}">
+                <a16:creationId xmlns:a16="http://schemas.microsoft.com/office/drawing/2014/main" id="{8CC75551-85BF-4C9F-8893-AA28ECA8A6B5}"/>
+              </a:ext>
+            </a:extLst>
+          </p:cNvPr>
+          <p:cNvSpPr>
+            <a:spLocks noGrp="1"/>
+          </p:cNvSpPr>
+          <p:nvPr>
+            <p:ph type="sldNum" sz="quarter" idx="12"/>
+          </p:nvPr>
+        </p:nvSpPr>
+        <p:spPr/>
+        <p:txBody>
+          <a:bodyPr/>
+          <a:lstStyle/>
+          <a:p>
+            <a:fld id="{D57F1E4F-1CFF-5643-939E-02111984F565}" type="slidenum">
+              <a:rPr lang="en-US" smtClean="0"/>
+              <a:t>53</a:t>
+            </a:fld>
+            <a:endParaRPr lang="en-US" dirty="0"/>
+          </a:p>
+        </p:txBody>
+      </p:sp>
+    </p:spTree>
+    <p:extLst>
+      <p:ext uri="{BB962C8B-B14F-4D97-AF65-F5344CB8AC3E}">
+        <p14:creationId xmlns:p14="http://schemas.microsoft.com/office/powerpoint/2010/main" val="2826592526"/>
+      </p:ext>
+    </p:extLst>
+  </p:cSld>
+  <p:clrMapOvr>
+    <a:masterClrMapping/>
+  </p:clrMapOvr>
+</p:sld>
+</file>
+
+<file path=ppt/slides/slide54.xml><?xml version="1.0" encoding="utf-8"?>
+<p:sld xmlns:a="http://schemas.openxmlformats.org/drawingml/2006/main" xmlns:r="http://schemas.openxmlformats.org/officeDocument/2006/relationships" xmlns:p="http://schemas.openxmlformats.org/presentationml/2006/main">
+  <p:cSld>
+    <p:spTree>
+      <p:nvGrpSpPr>
+        <p:cNvPr id="1" name=""/>
+        <p:cNvGrpSpPr/>
+        <p:nvPr/>
+      </p:nvGrpSpPr>
+      <p:grpSpPr>
+        <a:xfrm>
+          <a:off x="0" y="0"/>
+          <a:ext cx="0" cy="0"/>
+          <a:chOff x="0" y="0"/>
+          <a:chExt cx="0" cy="0"/>
+        </a:xfrm>
+      </p:grpSpPr>
+      <p:sp>
+        <p:nvSpPr>
+          <p:cNvPr id="2" name="Title 1">
+            <a:extLst>
+              <a:ext uri="{FF2B5EF4-FFF2-40B4-BE49-F238E27FC236}">
+                <a16:creationId xmlns:a16="http://schemas.microsoft.com/office/drawing/2014/main" id="{D1BF0482-6913-4A5E-A533-479864CB5349}"/>
+              </a:ext>
+            </a:extLst>
+          </p:cNvPr>
+          <p:cNvSpPr>
+            <a:spLocks noGrp="1"/>
+          </p:cNvSpPr>
+          <p:nvPr>
+            <p:ph type="title"/>
+          </p:nvPr>
+        </p:nvSpPr>
+        <p:spPr/>
+        <p:txBody>
+          <a:bodyPr/>
+          <a:lstStyle/>
+          <a:p>
+            <a:r>
+              <a:rPr lang="en-US" dirty="0"/>
+              <a:t>A PROPHET MODEL</a:t>
+            </a:r>
+          </a:p>
+        </p:txBody>
+      </p:sp>
+      <p:sp>
+        <p:nvSpPr>
+          <p:cNvPr id="4" name="Date Placeholder 3">
+            <a:extLst>
+              <a:ext uri="{FF2B5EF4-FFF2-40B4-BE49-F238E27FC236}">
+                <a16:creationId xmlns:a16="http://schemas.microsoft.com/office/drawing/2014/main" id="{B23DAF35-209C-48FA-AAAB-F69E14183A91}"/>
+              </a:ext>
+            </a:extLst>
+          </p:cNvPr>
+          <p:cNvSpPr>
+            <a:spLocks noGrp="1"/>
+          </p:cNvSpPr>
+          <p:nvPr>
+            <p:ph type="dt" sz="half" idx="10"/>
+          </p:nvPr>
+        </p:nvSpPr>
+        <p:spPr/>
+        <p:txBody>
+          <a:bodyPr/>
+          <a:lstStyle/>
+          <a:p>
+            <a:fld id="{8AAE40A0-A7D8-4DC3-BC9E-BADA32DA2004}" type="datetime4">
+              <a:rPr lang="en-US" smtClean="0"/>
+              <a:t>July 30, 2019</a:t>
+            </a:fld>
+            <a:endParaRPr lang="en-US" dirty="0"/>
+          </a:p>
+        </p:txBody>
+      </p:sp>
+      <p:sp>
+        <p:nvSpPr>
+          <p:cNvPr id="5" name="Footer Placeholder 4">
+            <a:extLst>
+              <a:ext uri="{FF2B5EF4-FFF2-40B4-BE49-F238E27FC236}">
+                <a16:creationId xmlns:a16="http://schemas.microsoft.com/office/drawing/2014/main" id="{3D8E22A6-180D-41CF-9959-4347A11F2AD1}"/>
+              </a:ext>
+            </a:extLst>
+          </p:cNvPr>
+          <p:cNvSpPr>
+            <a:spLocks noGrp="1"/>
+          </p:cNvSpPr>
+          <p:nvPr>
+            <p:ph type="ftr" sz="quarter" idx="11"/>
+          </p:nvPr>
+        </p:nvSpPr>
+        <p:spPr/>
+        <p:txBody>
+          <a:bodyPr/>
+          <a:lstStyle/>
+          <a:p>
+            <a:r>
+              <a:rPr lang="en-US"/>
+              <a:t>Digital Scholarship Services </a:t>
+            </a:r>
+            <a:r>
+              <a:rPr lang="en-US">
+                <a:solidFill>
+                  <a:schemeClr val="accent1">
+                    <a:lumMod val="50000"/>
+                  </a:schemeClr>
+                </a:solidFill>
+              </a:rPr>
+              <a:t>| Email</a:t>
+            </a:r>
+            <a:r>
+              <a:rPr lang="en-US"/>
+              <a:t> cf24@rice.edu </a:t>
+            </a:r>
+            <a:r>
+              <a:rPr lang="en-US">
+                <a:solidFill>
+                  <a:schemeClr val="accent1">
+                    <a:lumMod val="50000"/>
+                  </a:schemeClr>
+                </a:solidFill>
+              </a:rPr>
+              <a:t>|</a:t>
+            </a:r>
+            <a:r>
+              <a:rPr lang="en-US"/>
+              <a:t> library.rice.edu/dss</a:t>
+            </a:r>
+            <a:endParaRPr lang="en-US" dirty="0"/>
+          </a:p>
+        </p:txBody>
+      </p:sp>
+      <p:sp>
+        <p:nvSpPr>
+          <p:cNvPr id="6" name="Slide Number Placeholder 5">
+            <a:extLst>
+              <a:ext uri="{FF2B5EF4-FFF2-40B4-BE49-F238E27FC236}">
+                <a16:creationId xmlns:a16="http://schemas.microsoft.com/office/drawing/2014/main" id="{CECE3146-0C2B-4CC7-BC7C-FD23AAF7ECAE}"/>
+              </a:ext>
+            </a:extLst>
+          </p:cNvPr>
+          <p:cNvSpPr>
+            <a:spLocks noGrp="1"/>
+          </p:cNvSpPr>
+          <p:nvPr>
+            <p:ph type="sldNum" sz="quarter" idx="12"/>
+          </p:nvPr>
+        </p:nvSpPr>
+        <p:spPr/>
+        <p:txBody>
+          <a:bodyPr/>
+          <a:lstStyle/>
+          <a:p>
+            <a:fld id="{D57F1E4F-1CFF-5643-939E-02111984F565}" type="slidenum">
+              <a:rPr lang="en-US" smtClean="0"/>
+              <a:t>54</a:t>
+            </a:fld>
+            <a:endParaRPr lang="en-US" dirty="0"/>
+          </a:p>
+        </p:txBody>
+      </p:sp>
+      <p:sp>
+        <p:nvSpPr>
+          <p:cNvPr id="8" name="Content Placeholder 7">
+            <a:extLst>
+              <a:ext uri="{FF2B5EF4-FFF2-40B4-BE49-F238E27FC236}">
+                <a16:creationId xmlns:a16="http://schemas.microsoft.com/office/drawing/2014/main" id="{30C259F3-048F-4C4B-AC8C-24699B6ABD42}"/>
+              </a:ext>
+            </a:extLst>
+          </p:cNvPr>
+          <p:cNvSpPr>
+            <a:spLocks noGrp="1"/>
+          </p:cNvSpPr>
+          <p:nvPr>
+            <p:ph idx="1"/>
+          </p:nvPr>
+        </p:nvSpPr>
+        <p:spPr>
+          <a:xfrm>
+            <a:off x="838200" y="1825625"/>
+            <a:ext cx="5257800" cy="4351338"/>
+          </a:xfrm>
+        </p:spPr>
+        <p:txBody>
+          <a:bodyPr/>
+          <a:lstStyle/>
+          <a:p>
+            <a:r>
+              <a:rPr lang="en-US" dirty="0"/>
+              <a:t>Mean Relative Error: 7.4%</a:t>
+            </a:r>
+          </a:p>
+          <a:p>
+            <a:r>
+              <a:rPr lang="en-US" dirty="0"/>
+              <a:t>Very interested in cycles</a:t>
+            </a:r>
+          </a:p>
+          <a:p>
+            <a:r>
+              <a:rPr lang="en-US" dirty="0"/>
+              <a:t>Not bad, but slightly worse than ARIMA</a:t>
+            </a:r>
+          </a:p>
+          <a:p>
+            <a:pPr lvl="1"/>
+            <a:r>
+              <a:rPr lang="en-US" dirty="0"/>
+              <a:t>Much faster, though</a:t>
+            </a:r>
+          </a:p>
+        </p:txBody>
+      </p:sp>
+      <p:pic>
+        <p:nvPicPr>
+          <p:cNvPr id="10" name="Picture 9">
+            <a:extLst>
+              <a:ext uri="{FF2B5EF4-FFF2-40B4-BE49-F238E27FC236}">
+                <a16:creationId xmlns:a16="http://schemas.microsoft.com/office/drawing/2014/main" id="{64B67945-AF39-4BB8-86D4-3E74D0B6AE5C}"/>
+              </a:ext>
+            </a:extLst>
+          </p:cNvPr>
+          <p:cNvPicPr>
+            <a:picLocks noChangeAspect="1"/>
+          </p:cNvPicPr>
+          <p:nvPr/>
+        </p:nvPicPr>
+        <p:blipFill>
+          <a:blip r:embed="rId2"/>
+          <a:srcRect/>
+          <a:stretch/>
+        </p:blipFill>
+        <p:spPr>
+          <a:xfrm>
+            <a:off x="6096000" y="2096028"/>
+            <a:ext cx="5715798" cy="3810532"/>
+          </a:xfrm>
+          <a:prstGeom prst="rect">
+            <a:avLst/>
+          </a:prstGeom>
+        </p:spPr>
+      </p:pic>
+    </p:spTree>
+    <p:extLst>
+      <p:ext uri="{BB962C8B-B14F-4D97-AF65-F5344CB8AC3E}">
+        <p14:creationId xmlns:p14="http://schemas.microsoft.com/office/powerpoint/2010/main" val="334077836"/>
+      </p:ext>
+    </p:extLst>
+  </p:cSld>
+  <p:clrMapOvr>
+    <a:masterClrMapping/>
+  </p:clrMapOvr>
+</p:sld>
+</file>
+
+<file path=ppt/slides/slide55.xml><?xml version="1.0" encoding="utf-8"?>
+<p:sld xmlns:a="http://schemas.openxmlformats.org/drawingml/2006/main" xmlns:r="http://schemas.openxmlformats.org/officeDocument/2006/relationships" xmlns:p="http://schemas.openxmlformats.org/presentationml/2006/main">
+  <p:cSld>
+    <p:spTree>
+      <p:nvGrpSpPr>
+        <p:cNvPr id="1" name=""/>
+        <p:cNvGrpSpPr/>
+        <p:nvPr/>
+      </p:nvGrpSpPr>
+      <p:grpSpPr>
+        <a:xfrm>
+          <a:off x="0" y="0"/>
+          <a:ext cx="0" cy="0"/>
+          <a:chOff x="0" y="0"/>
+          <a:chExt cx="0" cy="0"/>
+        </a:xfrm>
+      </p:grpSpPr>
+      <p:sp>
+        <p:nvSpPr>
+          <p:cNvPr id="2" name="Title 1">
+            <a:extLst>
+              <a:ext uri="{FF2B5EF4-FFF2-40B4-BE49-F238E27FC236}">
+                <a16:creationId xmlns:a16="http://schemas.microsoft.com/office/drawing/2014/main" id="{D1BF0482-6913-4A5E-A533-479864CB5349}"/>
+              </a:ext>
+            </a:extLst>
+          </p:cNvPr>
+          <p:cNvSpPr>
+            <a:spLocks noGrp="1"/>
+          </p:cNvSpPr>
+          <p:nvPr>
+            <p:ph type="title"/>
+          </p:nvPr>
+        </p:nvSpPr>
+        <p:spPr/>
+        <p:txBody>
+          <a:bodyPr/>
+          <a:lstStyle/>
+          <a:p>
+            <a:r>
+              <a:rPr lang="en-US" dirty="0"/>
+              <a:t>DECOMPOSING</a:t>
+            </a:r>
+          </a:p>
+        </p:txBody>
+      </p:sp>
+      <p:sp>
+        <p:nvSpPr>
+          <p:cNvPr id="4" name="Date Placeholder 3">
+            <a:extLst>
+              <a:ext uri="{FF2B5EF4-FFF2-40B4-BE49-F238E27FC236}">
+                <a16:creationId xmlns:a16="http://schemas.microsoft.com/office/drawing/2014/main" id="{B23DAF35-209C-48FA-AAAB-F69E14183A91}"/>
+              </a:ext>
+            </a:extLst>
+          </p:cNvPr>
+          <p:cNvSpPr>
+            <a:spLocks noGrp="1"/>
+          </p:cNvSpPr>
+          <p:nvPr>
+            <p:ph type="dt" sz="half" idx="10"/>
+          </p:nvPr>
+        </p:nvSpPr>
+        <p:spPr/>
+        <p:txBody>
+          <a:bodyPr/>
+          <a:lstStyle/>
+          <a:p>
+            <a:fld id="{8AAE40A0-A7D8-4DC3-BC9E-BADA32DA2004}" type="datetime4">
+              <a:rPr lang="en-US" smtClean="0"/>
+              <a:t>July 30, 2019</a:t>
+            </a:fld>
+            <a:endParaRPr lang="en-US" dirty="0"/>
+          </a:p>
+        </p:txBody>
+      </p:sp>
+      <p:sp>
+        <p:nvSpPr>
+          <p:cNvPr id="5" name="Footer Placeholder 4">
+            <a:extLst>
+              <a:ext uri="{FF2B5EF4-FFF2-40B4-BE49-F238E27FC236}">
+                <a16:creationId xmlns:a16="http://schemas.microsoft.com/office/drawing/2014/main" id="{3D8E22A6-180D-41CF-9959-4347A11F2AD1}"/>
+              </a:ext>
+            </a:extLst>
+          </p:cNvPr>
+          <p:cNvSpPr>
+            <a:spLocks noGrp="1"/>
+          </p:cNvSpPr>
+          <p:nvPr>
+            <p:ph type="ftr" sz="quarter" idx="11"/>
+          </p:nvPr>
+        </p:nvSpPr>
+        <p:spPr/>
+        <p:txBody>
+          <a:bodyPr/>
+          <a:lstStyle/>
+          <a:p>
+            <a:r>
+              <a:rPr lang="en-US"/>
+              <a:t>Digital Scholarship Services </a:t>
+            </a:r>
+            <a:r>
+              <a:rPr lang="en-US">
+                <a:solidFill>
+                  <a:schemeClr val="accent1">
+                    <a:lumMod val="50000"/>
+                  </a:schemeClr>
+                </a:solidFill>
+              </a:rPr>
+              <a:t>| Email</a:t>
+            </a:r>
+            <a:r>
+              <a:rPr lang="en-US"/>
+              <a:t> cf24@rice.edu </a:t>
+            </a:r>
+            <a:r>
+              <a:rPr lang="en-US">
+                <a:solidFill>
+                  <a:schemeClr val="accent1">
+                    <a:lumMod val="50000"/>
+                  </a:schemeClr>
+                </a:solidFill>
+              </a:rPr>
+              <a:t>|</a:t>
+            </a:r>
+            <a:r>
+              <a:rPr lang="en-US"/>
+              <a:t> library.rice.edu/dss</a:t>
+            </a:r>
+            <a:endParaRPr lang="en-US" dirty="0"/>
+          </a:p>
+        </p:txBody>
+      </p:sp>
+      <p:sp>
+        <p:nvSpPr>
+          <p:cNvPr id="6" name="Slide Number Placeholder 5">
+            <a:extLst>
+              <a:ext uri="{FF2B5EF4-FFF2-40B4-BE49-F238E27FC236}">
+                <a16:creationId xmlns:a16="http://schemas.microsoft.com/office/drawing/2014/main" id="{CECE3146-0C2B-4CC7-BC7C-FD23AAF7ECAE}"/>
+              </a:ext>
+            </a:extLst>
+          </p:cNvPr>
+          <p:cNvSpPr>
+            <a:spLocks noGrp="1"/>
+          </p:cNvSpPr>
+          <p:nvPr>
+            <p:ph type="sldNum" sz="quarter" idx="12"/>
+          </p:nvPr>
+        </p:nvSpPr>
+        <p:spPr/>
+        <p:txBody>
+          <a:bodyPr/>
+          <a:lstStyle/>
+          <a:p>
+            <a:fld id="{D57F1E4F-1CFF-5643-939E-02111984F565}" type="slidenum">
+              <a:rPr lang="en-US" smtClean="0"/>
+              <a:t>55</a:t>
+            </a:fld>
+            <a:endParaRPr lang="en-US" dirty="0"/>
+          </a:p>
+        </p:txBody>
+      </p:sp>
+      <p:sp>
+        <p:nvSpPr>
+          <p:cNvPr id="8" name="Content Placeholder 7">
+            <a:extLst>
+              <a:ext uri="{FF2B5EF4-FFF2-40B4-BE49-F238E27FC236}">
+                <a16:creationId xmlns:a16="http://schemas.microsoft.com/office/drawing/2014/main" id="{30C259F3-048F-4C4B-AC8C-24699B6ABD42}"/>
+              </a:ext>
+            </a:extLst>
+          </p:cNvPr>
+          <p:cNvSpPr>
+            <a:spLocks noGrp="1"/>
+          </p:cNvSpPr>
+          <p:nvPr>
+            <p:ph idx="1"/>
+          </p:nvPr>
+        </p:nvSpPr>
+        <p:spPr>
+          <a:xfrm>
+            <a:off x="838200" y="1825625"/>
+            <a:ext cx="5257800" cy="4351338"/>
+          </a:xfrm>
+        </p:spPr>
+        <p:txBody>
+          <a:bodyPr/>
+          <a:lstStyle/>
+          <a:p>
+            <a:r>
+              <a:rPr lang="en-US" dirty="0"/>
+              <a:t>Look at individual components of the model</a:t>
+            </a:r>
+          </a:p>
+          <a:p>
+            <a:pPr lvl="1"/>
+            <a:r>
+              <a:rPr lang="en-US" dirty="0"/>
+              <a:t>trend, weekly and daily seasonality</a:t>
+            </a:r>
+          </a:p>
+          <a:p>
+            <a:r>
+              <a:rPr lang="en-US" dirty="0"/>
+              <a:t>R</a:t>
+            </a:r>
+          </a:p>
+          <a:p>
+            <a:pPr marL="0" indent="0">
+              <a:buNone/>
+            </a:pPr>
+            <a:r>
+              <a:rPr lang="en-US" dirty="0" err="1">
+                <a:latin typeface="Courier New" panose="02070309020205020404" pitchFamily="49" charset="0"/>
+                <a:cs typeface="Courier New" panose="02070309020205020404" pitchFamily="49" charset="0"/>
+              </a:rPr>
+              <a:t>prophet_plot_components</a:t>
+            </a:r>
+            <a:endParaRPr lang="en-US" dirty="0">
+              <a:latin typeface="Courier New" panose="02070309020205020404" pitchFamily="49" charset="0"/>
+              <a:cs typeface="Courier New" panose="02070309020205020404" pitchFamily="49" charset="0"/>
+            </a:endParaRPr>
+          </a:p>
+          <a:p>
+            <a:r>
+              <a:rPr lang="en-US" dirty="0"/>
+              <a:t>Python</a:t>
+            </a:r>
+          </a:p>
+          <a:p>
+            <a:pPr marL="0" indent="0">
+              <a:buNone/>
+            </a:pPr>
+            <a:r>
+              <a:rPr lang="en-US" i="1" dirty="0" err="1">
+                <a:latin typeface="Courier New" panose="02070309020205020404" pitchFamily="49" charset="0"/>
+                <a:cs typeface="Courier New" panose="02070309020205020404" pitchFamily="49" charset="0"/>
+              </a:rPr>
+              <a:t>model</a:t>
+            </a:r>
+            <a:r>
+              <a:rPr lang="en-US" dirty="0" err="1">
+                <a:latin typeface="Courier New" panose="02070309020205020404" pitchFamily="49" charset="0"/>
+                <a:cs typeface="Courier New" panose="02070309020205020404" pitchFamily="49" charset="0"/>
+              </a:rPr>
+              <a:t>.plot_components</a:t>
+            </a:r>
+            <a:endParaRPr lang="en-US" dirty="0">
+              <a:latin typeface="Courier New" panose="02070309020205020404" pitchFamily="49" charset="0"/>
+              <a:cs typeface="Courier New" panose="02070309020205020404" pitchFamily="49" charset="0"/>
+            </a:endParaRPr>
+          </a:p>
+          <a:p>
+            <a:pPr marL="0" indent="0">
+              <a:buNone/>
+            </a:pPr>
+            <a:endParaRPr lang="en-US" dirty="0">
+              <a:latin typeface="Courier New" panose="02070309020205020404" pitchFamily="49" charset="0"/>
+              <a:cs typeface="Courier New" panose="02070309020205020404" pitchFamily="49" charset="0"/>
+            </a:endParaRPr>
+          </a:p>
+        </p:txBody>
+      </p:sp>
+      <p:pic>
+        <p:nvPicPr>
+          <p:cNvPr id="10" name="Picture 9">
+            <a:extLst>
+              <a:ext uri="{FF2B5EF4-FFF2-40B4-BE49-F238E27FC236}">
+                <a16:creationId xmlns:a16="http://schemas.microsoft.com/office/drawing/2014/main" id="{64B67945-AF39-4BB8-86D4-3E74D0B6AE5C}"/>
+              </a:ext>
+            </a:extLst>
+          </p:cNvPr>
+          <p:cNvPicPr>
+            <a:picLocks noChangeAspect="1"/>
+          </p:cNvPicPr>
+          <p:nvPr/>
+        </p:nvPicPr>
+        <p:blipFill>
+          <a:blip r:embed="rId2"/>
+          <a:srcRect/>
+          <a:stretch/>
+        </p:blipFill>
+        <p:spPr>
+          <a:xfrm>
+            <a:off x="7854885" y="365125"/>
+            <a:ext cx="2937346" cy="5874691"/>
+          </a:xfrm>
+          <a:prstGeom prst="rect">
+            <a:avLst/>
+          </a:prstGeom>
+        </p:spPr>
+      </p:pic>
+    </p:spTree>
+    <p:extLst>
+      <p:ext uri="{BB962C8B-B14F-4D97-AF65-F5344CB8AC3E}">
+        <p14:creationId xmlns:p14="http://schemas.microsoft.com/office/powerpoint/2010/main" val="9681567"/>
+      </p:ext>
+    </p:extLst>
+  </p:cSld>
+  <p:clrMapOvr>
+    <a:masterClrMapping/>
+  </p:clrMapOvr>
+</p:sld>
+</file>
+
+<file path=ppt/slides/slide56.xml><?xml version="1.0" encoding="utf-8"?>
+<p:sld xmlns:a="http://schemas.openxmlformats.org/drawingml/2006/main" xmlns:r="http://schemas.openxmlformats.org/officeDocument/2006/relationships" xmlns:p="http://schemas.openxmlformats.org/presentationml/2006/main">
+  <p:cSld>
+    <p:spTree>
+      <p:nvGrpSpPr>
+        <p:cNvPr id="1" name=""/>
+        <p:cNvGrpSpPr/>
+        <p:nvPr/>
+      </p:nvGrpSpPr>
+      <p:grpSpPr>
+        <a:xfrm>
+          <a:off x="0" y="0"/>
+          <a:ext cx="0" cy="0"/>
+          <a:chOff x="0" y="0"/>
+          <a:chExt cx="0" cy="0"/>
+        </a:xfrm>
+      </p:grpSpPr>
+      <p:sp>
+        <p:nvSpPr>
+          <p:cNvPr id="7" name="Title 6">
+            <a:extLst>
+              <a:ext uri="{FF2B5EF4-FFF2-40B4-BE49-F238E27FC236}">
+                <a16:creationId xmlns:a16="http://schemas.microsoft.com/office/drawing/2014/main" id="{7802FB34-7510-47BC-8952-A1FE9728B0BF}"/>
+              </a:ext>
+            </a:extLst>
+          </p:cNvPr>
+          <p:cNvSpPr>
+            <a:spLocks noGrp="1"/>
+          </p:cNvSpPr>
+          <p:nvPr>
+            <p:ph type="title"/>
+          </p:nvPr>
+        </p:nvSpPr>
+        <p:spPr/>
+        <p:txBody>
+          <a:bodyPr/>
+          <a:lstStyle/>
+          <a:p>
+            <a:r>
+              <a:rPr lang="en-US" dirty="0"/>
+              <a:t>NEURAL NETWORK</a:t>
+            </a:r>
+            <a:br>
+              <a:rPr lang="en-US" dirty="0"/>
+            </a:br>
+            <a:r>
+              <a:rPr lang="en-US" dirty="0"/>
+              <a:t>APPROACHES</a:t>
+            </a:r>
+          </a:p>
+        </p:txBody>
+      </p:sp>
+      <p:sp>
+        <p:nvSpPr>
+          <p:cNvPr id="8" name="Text Placeholder 7">
+            <a:extLst>
+              <a:ext uri="{FF2B5EF4-FFF2-40B4-BE49-F238E27FC236}">
+                <a16:creationId xmlns:a16="http://schemas.microsoft.com/office/drawing/2014/main" id="{FCA70F1A-579E-4144-AE97-14FFC08FF0F5}"/>
+              </a:ext>
+            </a:extLst>
+          </p:cNvPr>
+          <p:cNvSpPr>
+            <a:spLocks noGrp="1"/>
+          </p:cNvSpPr>
+          <p:nvPr>
+            <p:ph type="body" idx="1"/>
+          </p:nvPr>
+        </p:nvSpPr>
+        <p:spPr/>
+        <p:txBody>
+          <a:bodyPr/>
+          <a:lstStyle/>
+          <a:p>
+            <a:r>
+              <a:rPr lang="en-US" dirty="0"/>
+              <a:t>Breaking out the big guns</a:t>
+            </a:r>
+          </a:p>
+        </p:txBody>
+      </p:sp>
+      <p:sp>
+        <p:nvSpPr>
+          <p:cNvPr id="4" name="Date Placeholder 3">
+            <a:extLst>
+              <a:ext uri="{FF2B5EF4-FFF2-40B4-BE49-F238E27FC236}">
+                <a16:creationId xmlns:a16="http://schemas.microsoft.com/office/drawing/2014/main" id="{3AD929EF-0967-4B34-81B8-24D9EF91892E}"/>
+              </a:ext>
+            </a:extLst>
+          </p:cNvPr>
+          <p:cNvSpPr>
+            <a:spLocks noGrp="1"/>
+          </p:cNvSpPr>
+          <p:nvPr>
+            <p:ph type="dt" sz="half" idx="10"/>
+          </p:nvPr>
+        </p:nvSpPr>
+        <p:spPr/>
+        <p:txBody>
+          <a:bodyPr/>
+          <a:lstStyle/>
+          <a:p>
+            <a:fld id="{8AAE40A0-A7D8-4DC3-BC9E-BADA32DA2004}" type="datetime4">
+              <a:rPr lang="en-US" smtClean="0"/>
+              <a:t>July 30, 2019</a:t>
+            </a:fld>
+            <a:endParaRPr lang="en-US" dirty="0"/>
+          </a:p>
+        </p:txBody>
+      </p:sp>
+      <p:sp>
+        <p:nvSpPr>
+          <p:cNvPr id="5" name="Footer Placeholder 4">
+            <a:extLst>
+              <a:ext uri="{FF2B5EF4-FFF2-40B4-BE49-F238E27FC236}">
+                <a16:creationId xmlns:a16="http://schemas.microsoft.com/office/drawing/2014/main" id="{3B5B35DD-F2EA-40D3-8039-8CD3802B2612}"/>
+              </a:ext>
+            </a:extLst>
+          </p:cNvPr>
+          <p:cNvSpPr>
+            <a:spLocks noGrp="1"/>
+          </p:cNvSpPr>
+          <p:nvPr>
+            <p:ph type="ftr" sz="quarter" idx="11"/>
+          </p:nvPr>
+        </p:nvSpPr>
+        <p:spPr/>
+        <p:txBody>
+          <a:bodyPr/>
+          <a:lstStyle/>
+          <a:p>
+            <a:r>
+              <a:rPr lang="en-US"/>
+              <a:t>Digital Scholarship Services </a:t>
+            </a:r>
+            <a:r>
+              <a:rPr lang="en-US">
+                <a:solidFill>
+                  <a:schemeClr val="accent1">
+                    <a:lumMod val="50000"/>
+                  </a:schemeClr>
+                </a:solidFill>
+              </a:rPr>
+              <a:t>| Email</a:t>
+            </a:r>
+            <a:r>
+              <a:rPr lang="en-US"/>
+              <a:t> cf24@rice.edu </a:t>
+            </a:r>
+            <a:r>
+              <a:rPr lang="en-US">
+                <a:solidFill>
+                  <a:schemeClr val="accent1">
+                    <a:lumMod val="50000"/>
+                  </a:schemeClr>
+                </a:solidFill>
+              </a:rPr>
+              <a:t>|</a:t>
+            </a:r>
+            <a:r>
+              <a:rPr lang="en-US"/>
+              <a:t> library.rice.edu/dss</a:t>
+            </a:r>
+            <a:endParaRPr lang="en-US" dirty="0"/>
+          </a:p>
+        </p:txBody>
+      </p:sp>
+      <p:sp>
+        <p:nvSpPr>
+          <p:cNvPr id="6" name="Slide Number Placeholder 5">
+            <a:extLst>
+              <a:ext uri="{FF2B5EF4-FFF2-40B4-BE49-F238E27FC236}">
+                <a16:creationId xmlns:a16="http://schemas.microsoft.com/office/drawing/2014/main" id="{C3EB9A57-323C-47F5-867F-693F95A15FA4}"/>
+              </a:ext>
+            </a:extLst>
+          </p:cNvPr>
+          <p:cNvSpPr>
+            <a:spLocks noGrp="1"/>
+          </p:cNvSpPr>
+          <p:nvPr>
+            <p:ph type="sldNum" sz="quarter" idx="12"/>
+          </p:nvPr>
+        </p:nvSpPr>
+        <p:spPr/>
+        <p:txBody>
+          <a:bodyPr/>
+          <a:lstStyle/>
+          <a:p>
+            <a:fld id="{D57F1E4F-1CFF-5643-939E-02111984F565}" type="slidenum">
+              <a:rPr lang="en-US" smtClean="0"/>
+              <a:t>56</a:t>
+            </a:fld>
+            <a:endParaRPr lang="en-US" dirty="0"/>
+          </a:p>
+        </p:txBody>
+      </p:sp>
+    </p:spTree>
+    <p:extLst>
+      <p:ext uri="{BB962C8B-B14F-4D97-AF65-F5344CB8AC3E}">
+        <p14:creationId xmlns:p14="http://schemas.microsoft.com/office/powerpoint/2010/main" val="1442732517"/>
+      </p:ext>
+    </p:extLst>
+  </p:cSld>
+  <p:clrMapOvr>
+    <a:masterClrMapping/>
+  </p:clrMapOvr>
+</p:sld>
+</file>
+
+<file path=ppt/slides/slide57.xml><?xml version="1.0" encoding="utf-8"?>
+<p:sld xmlns:a="http://schemas.openxmlformats.org/drawingml/2006/main" xmlns:r="http://schemas.openxmlformats.org/officeDocument/2006/relationships" xmlns:p="http://schemas.openxmlformats.org/presentationml/2006/main">
+  <p:cSld>
+    <p:spTree>
+      <p:nvGrpSpPr>
+        <p:cNvPr id="1" name=""/>
+        <p:cNvGrpSpPr/>
+        <p:nvPr/>
+      </p:nvGrpSpPr>
+      <p:grpSpPr>
+        <a:xfrm>
+          <a:off x="0" y="0"/>
+          <a:ext cx="0" cy="0"/>
+          <a:chOff x="0" y="0"/>
+          <a:chExt cx="0" cy="0"/>
+        </a:xfrm>
+      </p:grpSpPr>
+      <p:sp>
+        <p:nvSpPr>
+          <p:cNvPr id="7" name="Title 6">
+            <a:extLst>
+              <a:ext uri="{FF2B5EF4-FFF2-40B4-BE49-F238E27FC236}">
+                <a16:creationId xmlns:a16="http://schemas.microsoft.com/office/drawing/2014/main" id="{75C0DCD3-95F8-4E1F-BF1A-5FAAB84A40A3}"/>
+              </a:ext>
+            </a:extLst>
+          </p:cNvPr>
+          <p:cNvSpPr>
+            <a:spLocks noGrp="1"/>
+          </p:cNvSpPr>
+          <p:nvPr>
+            <p:ph type="title"/>
+          </p:nvPr>
+        </p:nvSpPr>
+        <p:spPr/>
+        <p:txBody>
+          <a:bodyPr/>
+          <a:lstStyle/>
+          <a:p>
+            <a:r>
+              <a:rPr lang="en-US" dirty="0"/>
+              <a:t>NEURAL NETWORK MODELS</a:t>
+            </a:r>
+          </a:p>
+        </p:txBody>
+      </p:sp>
+      <p:sp>
+        <p:nvSpPr>
+          <p:cNvPr id="8" name="Content Placeholder 7">
+            <a:extLst>
+              <a:ext uri="{FF2B5EF4-FFF2-40B4-BE49-F238E27FC236}">
+                <a16:creationId xmlns:a16="http://schemas.microsoft.com/office/drawing/2014/main" id="{52BB1FAB-BB61-4B66-A4EA-A0EABC2B3ECA}"/>
+              </a:ext>
+            </a:extLst>
+          </p:cNvPr>
+          <p:cNvSpPr>
+            <a:spLocks noGrp="1"/>
+          </p:cNvSpPr>
+          <p:nvPr>
+            <p:ph idx="1"/>
+          </p:nvPr>
+        </p:nvSpPr>
+        <p:spPr/>
+        <p:txBody>
+          <a:bodyPr>
+            <a:normAutofit/>
+          </a:bodyPr>
+          <a:lstStyle/>
+          <a:p>
+            <a:r>
+              <a:rPr lang="en-US" dirty="0"/>
+              <a:t>Incomprehensible but extremely powerful</a:t>
+            </a:r>
+          </a:p>
+          <a:p>
+            <a:r>
+              <a:rPr lang="en-US" dirty="0"/>
+              <a:t>Pros:</a:t>
+            </a:r>
+          </a:p>
+          <a:p>
+            <a:pPr lvl="1"/>
+            <a:r>
+              <a:rPr lang="en-US" dirty="0"/>
+              <a:t>Often extremely accurate</a:t>
+            </a:r>
+          </a:p>
+          <a:p>
+            <a:r>
+              <a:rPr lang="en-US" dirty="0"/>
+              <a:t>Cons:</a:t>
+            </a:r>
+          </a:p>
+          <a:p>
+            <a:pPr lvl="1"/>
+            <a:r>
+              <a:rPr lang="en-US" dirty="0"/>
+              <a:t>More or less impossible to understand what any of the parameters mean</a:t>
+            </a:r>
+          </a:p>
+          <a:p>
+            <a:pPr lvl="1"/>
+            <a:r>
+              <a:rPr lang="en-US" dirty="0"/>
+              <a:t>Can take a very long time to train the model</a:t>
+            </a:r>
+          </a:p>
+          <a:p>
+            <a:pPr lvl="1"/>
+            <a:r>
+              <a:rPr lang="en-US" dirty="0"/>
+              <a:t>Lots of moving parts and things that can go wrong</a:t>
+            </a:r>
+          </a:p>
+          <a:p>
+            <a:r>
+              <a:rPr lang="en-US" dirty="0"/>
+              <a:t>But depending on the problem, that one pro may outweigh all the cons</a:t>
+            </a:r>
+          </a:p>
+        </p:txBody>
+      </p:sp>
+      <p:sp>
+        <p:nvSpPr>
+          <p:cNvPr id="4" name="Date Placeholder 3">
+            <a:extLst>
+              <a:ext uri="{FF2B5EF4-FFF2-40B4-BE49-F238E27FC236}">
+                <a16:creationId xmlns:a16="http://schemas.microsoft.com/office/drawing/2014/main" id="{02256D86-7CE0-416E-B2A3-402D20EE9E90}"/>
+              </a:ext>
+            </a:extLst>
+          </p:cNvPr>
+          <p:cNvSpPr>
+            <a:spLocks noGrp="1"/>
+          </p:cNvSpPr>
+          <p:nvPr>
+            <p:ph type="dt" sz="half" idx="10"/>
+          </p:nvPr>
+        </p:nvSpPr>
+        <p:spPr/>
+        <p:txBody>
+          <a:bodyPr/>
+          <a:lstStyle/>
+          <a:p>
+            <a:fld id="{B08FEED8-D7D4-44E9-BFBC-ED06B5996D94}" type="datetime4">
+              <a:rPr lang="en-US" smtClean="0"/>
+              <a:t>July 30, 2019</a:t>
+            </a:fld>
+            <a:endParaRPr lang="en-US" dirty="0"/>
+          </a:p>
+        </p:txBody>
+      </p:sp>
+      <p:sp>
+        <p:nvSpPr>
+          <p:cNvPr id="5" name="Footer Placeholder 4">
+            <a:extLst>
+              <a:ext uri="{FF2B5EF4-FFF2-40B4-BE49-F238E27FC236}">
+                <a16:creationId xmlns:a16="http://schemas.microsoft.com/office/drawing/2014/main" id="{1D4ED112-7CF4-4BB9-B46E-B366A5054A9A}"/>
+              </a:ext>
+            </a:extLst>
+          </p:cNvPr>
+          <p:cNvSpPr>
+            <a:spLocks noGrp="1"/>
+          </p:cNvSpPr>
+          <p:nvPr>
+            <p:ph type="ftr" sz="quarter" idx="11"/>
+          </p:nvPr>
+        </p:nvSpPr>
+        <p:spPr/>
+        <p:txBody>
+          <a:bodyPr/>
+          <a:lstStyle/>
+          <a:p>
+            <a:r>
+              <a:rPr lang="en-US"/>
+              <a:t>Digital Scholarship Services </a:t>
+            </a:r>
+            <a:r>
+              <a:rPr lang="en-US">
+                <a:solidFill>
+                  <a:schemeClr val="accent1">
+                    <a:lumMod val="50000"/>
+                  </a:schemeClr>
+                </a:solidFill>
+              </a:rPr>
+              <a:t>| Email</a:t>
+            </a:r>
+            <a:r>
+              <a:rPr lang="en-US"/>
+              <a:t> cf24@rice.edu </a:t>
+            </a:r>
+            <a:r>
+              <a:rPr lang="en-US">
+                <a:solidFill>
+                  <a:schemeClr val="accent1">
+                    <a:lumMod val="50000"/>
+                  </a:schemeClr>
+                </a:solidFill>
+              </a:rPr>
+              <a:t>|</a:t>
+            </a:r>
+            <a:r>
+              <a:rPr lang="en-US"/>
+              <a:t> library.rice.edu/dss</a:t>
+            </a:r>
+            <a:endParaRPr lang="en-US" dirty="0"/>
+          </a:p>
+        </p:txBody>
+      </p:sp>
+      <p:sp>
+        <p:nvSpPr>
+          <p:cNvPr id="6" name="Slide Number Placeholder 5">
+            <a:extLst>
+              <a:ext uri="{FF2B5EF4-FFF2-40B4-BE49-F238E27FC236}">
+                <a16:creationId xmlns:a16="http://schemas.microsoft.com/office/drawing/2014/main" id="{8CC75551-85BF-4C9F-8893-AA28ECA8A6B5}"/>
+              </a:ext>
+            </a:extLst>
+          </p:cNvPr>
+          <p:cNvSpPr>
+            <a:spLocks noGrp="1"/>
+          </p:cNvSpPr>
+          <p:nvPr>
+            <p:ph type="sldNum" sz="quarter" idx="12"/>
+          </p:nvPr>
+        </p:nvSpPr>
+        <p:spPr/>
+        <p:txBody>
+          <a:bodyPr/>
+          <a:lstStyle/>
+          <a:p>
+            <a:fld id="{D57F1E4F-1CFF-5643-939E-02111984F565}" type="slidenum">
+              <a:rPr lang="en-US" smtClean="0"/>
+              <a:t>57</a:t>
+            </a:fld>
+            <a:endParaRPr lang="en-US" dirty="0"/>
+          </a:p>
+        </p:txBody>
+      </p:sp>
+    </p:spTree>
+    <p:extLst>
+      <p:ext uri="{BB962C8B-B14F-4D97-AF65-F5344CB8AC3E}">
+        <p14:creationId xmlns:p14="http://schemas.microsoft.com/office/powerpoint/2010/main" val="4213654799"/>
+      </p:ext>
+    </p:extLst>
+  </p:cSld>
+  <p:clrMapOvr>
+    <a:masterClrMapping/>
+  </p:clrMapOvr>
+</p:sld>
+</file>
+
+<file path=ppt/slides/slide58.xml><?xml version="1.0" encoding="utf-8"?>
+<p:sld xmlns:a="http://schemas.openxmlformats.org/drawingml/2006/main" xmlns:r="http://schemas.openxmlformats.org/officeDocument/2006/relationships" xmlns:p="http://schemas.openxmlformats.org/presentationml/2006/main">
+  <p:cSld>
+    <p:spTree>
+      <p:nvGrpSpPr>
+        <p:cNvPr id="1" name=""/>
+        <p:cNvGrpSpPr/>
+        <p:nvPr/>
+      </p:nvGrpSpPr>
+      <p:grpSpPr>
+        <a:xfrm>
+          <a:off x="0" y="0"/>
+          <a:ext cx="0" cy="0"/>
+          <a:chOff x="0" y="0"/>
+          <a:chExt cx="0" cy="0"/>
+        </a:xfrm>
+      </p:grpSpPr>
+      <p:sp>
+        <p:nvSpPr>
+          <p:cNvPr id="7" name="Title 6">
+            <a:extLst>
+              <a:ext uri="{FF2B5EF4-FFF2-40B4-BE49-F238E27FC236}">
+                <a16:creationId xmlns:a16="http://schemas.microsoft.com/office/drawing/2014/main" id="{495B4BC0-844B-4414-A623-BEF78AAC1BA1}"/>
+              </a:ext>
+            </a:extLst>
+          </p:cNvPr>
+          <p:cNvSpPr>
+            <a:spLocks noGrp="1"/>
+          </p:cNvSpPr>
+          <p:nvPr>
+            <p:ph type="title"/>
+          </p:nvPr>
+        </p:nvSpPr>
+        <p:spPr/>
+        <p:txBody>
+          <a:bodyPr/>
+          <a:lstStyle/>
+          <a:p>
+            <a:r>
+              <a:rPr lang="en-US" dirty="0"/>
+              <a:t>ACKNOWLEDGMENTS</a:t>
+            </a:r>
+          </a:p>
+        </p:txBody>
+      </p:sp>
+      <p:sp>
+        <p:nvSpPr>
+          <p:cNvPr id="8" name="Content Placeholder 7">
+            <a:extLst>
+              <a:ext uri="{FF2B5EF4-FFF2-40B4-BE49-F238E27FC236}">
+                <a16:creationId xmlns:a16="http://schemas.microsoft.com/office/drawing/2014/main" id="{2BED3EB3-7E98-4A82-8335-7321D9E37B16}"/>
+              </a:ext>
+            </a:extLst>
+          </p:cNvPr>
+          <p:cNvSpPr>
+            <a:spLocks noGrp="1"/>
+          </p:cNvSpPr>
+          <p:nvPr>
+            <p:ph idx="1"/>
+          </p:nvPr>
+        </p:nvSpPr>
+        <p:spPr/>
+        <p:txBody>
+          <a:bodyPr/>
+          <a:lstStyle/>
+          <a:p>
+            <a:r>
+              <a:rPr lang="en-US" dirty="0"/>
+              <a:t>Plots were created using the ggplot2 package in R</a:t>
+            </a:r>
+          </a:p>
+          <a:p>
+            <a:r>
+              <a:rPr lang="en-US" dirty="0"/>
+              <a:t>Shumway and </a:t>
+            </a:r>
+            <a:r>
+              <a:rPr lang="en-US" dirty="0" err="1"/>
+              <a:t>Stoffer’s</a:t>
+            </a:r>
+            <a:r>
+              <a:rPr lang="en-US" dirty="0"/>
+              <a:t> </a:t>
+            </a:r>
+            <a:r>
+              <a:rPr lang="en-US" i="1" dirty="0"/>
+              <a:t>Time Series Analysis and Its Applications With R Examples, Fourth Edition </a:t>
+            </a:r>
+            <a:r>
+              <a:rPr lang="en-US" dirty="0"/>
+              <a:t>published by Springer was used as the main reference for the ARIMA section</a:t>
+            </a:r>
+          </a:p>
+          <a:p>
+            <a:r>
+              <a:rPr lang="en-US" i="1" dirty="0"/>
+              <a:t>Forecasting at Scale </a:t>
+            </a:r>
+            <a:r>
+              <a:rPr lang="en-US" dirty="0"/>
+              <a:t>by Sean J. Taylor and Benjamin </a:t>
+            </a:r>
+            <a:r>
+              <a:rPr lang="en-US" dirty="0" err="1"/>
+              <a:t>Letham</a:t>
+            </a:r>
+            <a:r>
+              <a:rPr lang="en-US" dirty="0"/>
+              <a:t> at Facebook was used as the main reference for the Prophet section</a:t>
+            </a:r>
+            <a:endParaRPr lang="en-US" i="1" dirty="0"/>
+          </a:p>
+          <a:p>
+            <a:endParaRPr lang="en-US" dirty="0"/>
+          </a:p>
+        </p:txBody>
+      </p:sp>
+      <p:sp>
+        <p:nvSpPr>
+          <p:cNvPr id="4" name="Date Placeholder 3">
+            <a:extLst>
+              <a:ext uri="{FF2B5EF4-FFF2-40B4-BE49-F238E27FC236}">
+                <a16:creationId xmlns:a16="http://schemas.microsoft.com/office/drawing/2014/main" id="{540F37F1-4F33-429F-A568-1A3ADC499E54}"/>
+              </a:ext>
+            </a:extLst>
+          </p:cNvPr>
+          <p:cNvSpPr>
+            <a:spLocks noGrp="1"/>
+          </p:cNvSpPr>
+          <p:nvPr>
+            <p:ph type="dt" sz="half" idx="10"/>
+          </p:nvPr>
+        </p:nvSpPr>
+        <p:spPr/>
+        <p:txBody>
+          <a:bodyPr/>
+          <a:lstStyle/>
+          <a:p>
+            <a:fld id="{B08FEED8-D7D4-44E9-BFBC-ED06B5996D94}" type="datetime4">
+              <a:rPr lang="en-US" smtClean="0"/>
+              <a:t>July 30, 2019</a:t>
+            </a:fld>
+            <a:endParaRPr lang="en-US" dirty="0"/>
+          </a:p>
+        </p:txBody>
+      </p:sp>
+      <p:sp>
+        <p:nvSpPr>
+          <p:cNvPr id="5" name="Footer Placeholder 4">
+            <a:extLst>
+              <a:ext uri="{FF2B5EF4-FFF2-40B4-BE49-F238E27FC236}">
+                <a16:creationId xmlns:a16="http://schemas.microsoft.com/office/drawing/2014/main" id="{673FFA57-C126-4795-A5F6-DD33AAC5ACBD}"/>
+              </a:ext>
+            </a:extLst>
+          </p:cNvPr>
+          <p:cNvSpPr>
+            <a:spLocks noGrp="1"/>
+          </p:cNvSpPr>
+          <p:nvPr>
+            <p:ph type="ftr" sz="quarter" idx="11"/>
+          </p:nvPr>
+        </p:nvSpPr>
+        <p:spPr/>
+        <p:txBody>
+          <a:bodyPr/>
+          <a:lstStyle/>
+          <a:p>
+            <a:r>
+              <a:rPr lang="en-US"/>
+              <a:t>Digital Scholarship Services </a:t>
+            </a:r>
+            <a:r>
+              <a:rPr lang="en-US">
+                <a:solidFill>
+                  <a:schemeClr val="accent1">
+                    <a:lumMod val="50000"/>
+                  </a:schemeClr>
+                </a:solidFill>
+              </a:rPr>
+              <a:t>| Email</a:t>
+            </a:r>
+            <a:r>
+              <a:rPr lang="en-US"/>
+              <a:t> cf24@rice.edu </a:t>
+            </a:r>
+            <a:r>
+              <a:rPr lang="en-US">
+                <a:solidFill>
+                  <a:schemeClr val="accent1">
+                    <a:lumMod val="50000"/>
+                  </a:schemeClr>
+                </a:solidFill>
+              </a:rPr>
+              <a:t>|</a:t>
+            </a:r>
+            <a:r>
+              <a:rPr lang="en-US"/>
+              <a:t> library.rice.edu/dss</a:t>
+            </a:r>
+            <a:endParaRPr lang="en-US" dirty="0"/>
+          </a:p>
+        </p:txBody>
+      </p:sp>
+      <p:sp>
+        <p:nvSpPr>
+          <p:cNvPr id="6" name="Slide Number Placeholder 5">
+            <a:extLst>
+              <a:ext uri="{FF2B5EF4-FFF2-40B4-BE49-F238E27FC236}">
+                <a16:creationId xmlns:a16="http://schemas.microsoft.com/office/drawing/2014/main" id="{2FA49567-BB70-4798-8746-D0B522CCEE20}"/>
+              </a:ext>
+            </a:extLst>
+          </p:cNvPr>
+          <p:cNvSpPr>
+            <a:spLocks noGrp="1"/>
+          </p:cNvSpPr>
+          <p:nvPr>
+            <p:ph type="sldNum" sz="quarter" idx="12"/>
+          </p:nvPr>
+        </p:nvSpPr>
+        <p:spPr/>
+        <p:txBody>
+          <a:bodyPr/>
+          <a:lstStyle/>
+          <a:p>
+            <a:fld id="{D57F1E4F-1CFF-5643-939E-02111984F565}" type="slidenum">
+              <a:rPr lang="en-US" smtClean="0"/>
+              <a:t>58</a:t>
             </a:fld>
             <a:endParaRPr lang="en-US" dirty="0"/>
           </a:p>

--- a/tsa/Introduction to Time Series Analysis.pptx
+++ b/tsa/Introduction to Time Series Analysis.pptx
@@ -5,7 +5,7 @@
     <p:sldMasterId id="2147483707" r:id="rId1"/>
   </p:sldMasterIdLst>
   <p:notesMasterIdLst>
-    <p:notesMasterId r:id="rId60"/>
+    <p:notesMasterId r:id="rId67"/>
   </p:notesMasterIdLst>
   <p:sldIdLst>
     <p:sldId id="266" r:id="rId2"/>
@@ -65,7 +65,14 @@
     <p:sldId id="331" r:id="rId56"/>
     <p:sldId id="306" r:id="rId57"/>
     <p:sldId id="309" r:id="rId58"/>
-    <p:sldId id="268" r:id="rId59"/>
+    <p:sldId id="332" r:id="rId59"/>
+    <p:sldId id="333" r:id="rId60"/>
+    <p:sldId id="335" r:id="rId61"/>
+    <p:sldId id="336" r:id="rId62"/>
+    <p:sldId id="337" r:id="rId63"/>
+    <p:sldId id="338" r:id="rId64"/>
+    <p:sldId id="339" r:id="rId65"/>
+    <p:sldId id="268" r:id="rId66"/>
   </p:sldIdLst>
   <p:sldSz cx="12192000" cy="6858000"/>
   <p:notesSz cx="6858000" cy="9144000"/>
@@ -16334,7 +16341,7 @@
           <p:cNvPr id="7" name="Title 6">
             <a:extLst>
               <a:ext uri="{FF2B5EF4-FFF2-40B4-BE49-F238E27FC236}">
-                <a16:creationId xmlns:a16="http://schemas.microsoft.com/office/drawing/2014/main" id="{495B4BC0-844B-4414-A623-BEF78AAC1BA1}"/>
+                <a16:creationId xmlns:a16="http://schemas.microsoft.com/office/drawing/2014/main" id="{75C0DCD3-95F8-4E1F-BF1A-5FAAB84A40A3}"/>
               </a:ext>
             </a:extLst>
           </p:cNvPr>
@@ -16352,7 +16359,7 @@
           <a:p>
             <a:r>
               <a:rPr lang="en-US" dirty="0"/>
-              <a:t>ACKNOWLEDGMENTS</a:t>
+              <a:t>RECURRENT NEURAL NETWORKS</a:t>
             </a:r>
           </a:p>
         </p:txBody>
@@ -16362,7 +16369,7 @@
           <p:cNvPr id="8" name="Content Placeholder 7">
             <a:extLst>
               <a:ext uri="{FF2B5EF4-FFF2-40B4-BE49-F238E27FC236}">
-                <a16:creationId xmlns:a16="http://schemas.microsoft.com/office/drawing/2014/main" id="{2BED3EB3-7E98-4A82-8335-7321D9E37B16}"/>
+                <a16:creationId xmlns:a16="http://schemas.microsoft.com/office/drawing/2014/main" id="{52BB1FAB-BB61-4B66-A4EA-A0EABC2B3ECA}"/>
               </a:ext>
             </a:extLst>
           </p:cNvPr>
@@ -16375,55 +16382,10 @@
         </p:nvSpPr>
         <p:spPr/>
         <p:txBody>
-          <a:bodyPr/>
-          <a:lstStyle/>
-          <a:p>
-            <a:r>
-              <a:rPr lang="en-US" dirty="0"/>
-              <a:t>Plots were created using the ggplot2 package in R</a:t>
-            </a:r>
-          </a:p>
-          <a:p>
-            <a:r>
-              <a:rPr lang="en-US" dirty="0"/>
-              <a:t>Shumway and </a:t>
-            </a:r>
-            <a:r>
-              <a:rPr lang="en-US" dirty="0" err="1"/>
-              <a:t>Stoffer’s</a:t>
-            </a:r>
-            <a:r>
-              <a:rPr lang="en-US" dirty="0"/>
-              <a:t> </a:t>
-            </a:r>
-            <a:r>
-              <a:rPr lang="en-US" i="1" dirty="0"/>
-              <a:t>Time Series Analysis and Its Applications With R Examples, Fourth Edition </a:t>
-            </a:r>
-            <a:r>
-              <a:rPr lang="en-US" dirty="0"/>
-              <a:t>published by Springer was used as the main reference for the ARIMA section</a:t>
-            </a:r>
-          </a:p>
-          <a:p>
-            <a:r>
-              <a:rPr lang="en-US" i="1" dirty="0"/>
-              <a:t>Forecasting at Scale </a:t>
-            </a:r>
-            <a:r>
-              <a:rPr lang="en-US" dirty="0"/>
-              <a:t>by Sean J. Taylor and Benjamin </a:t>
-            </a:r>
-            <a:r>
-              <a:rPr lang="en-US" dirty="0" err="1"/>
-              <a:t>Letham</a:t>
-            </a:r>
-            <a:r>
-              <a:rPr lang="en-US" dirty="0"/>
-              <a:t> at Facebook was used as the main reference for the Prophet section</a:t>
-            </a:r>
-            <a:endParaRPr lang="en-US" i="1" dirty="0"/>
-          </a:p>
+          <a:bodyPr>
+            <a:normAutofit/>
+          </a:bodyPr>
+          <a:lstStyle/>
           <a:p>
             <a:endParaRPr lang="en-US" dirty="0"/>
           </a:p>
@@ -16434,7 +16396,7 @@
           <p:cNvPr id="4" name="Date Placeholder 3">
             <a:extLst>
               <a:ext uri="{FF2B5EF4-FFF2-40B4-BE49-F238E27FC236}">
-                <a16:creationId xmlns:a16="http://schemas.microsoft.com/office/drawing/2014/main" id="{540F37F1-4F33-429F-A568-1A3ADC499E54}"/>
+                <a16:creationId xmlns:a16="http://schemas.microsoft.com/office/drawing/2014/main" id="{02256D86-7CE0-416E-B2A3-402D20EE9E90}"/>
               </a:ext>
             </a:extLst>
           </p:cNvPr>
@@ -16463,7 +16425,7 @@
           <p:cNvPr id="5" name="Footer Placeholder 4">
             <a:extLst>
               <a:ext uri="{FF2B5EF4-FFF2-40B4-BE49-F238E27FC236}">
-                <a16:creationId xmlns:a16="http://schemas.microsoft.com/office/drawing/2014/main" id="{673FFA57-C126-4795-A5F6-DD33AAC5ACBD}"/>
+                <a16:creationId xmlns:a16="http://schemas.microsoft.com/office/drawing/2014/main" id="{1D4ED112-7CF4-4BB9-B46E-B366A5054A9A}"/>
               </a:ext>
             </a:extLst>
           </p:cNvPr>
@@ -16520,7 +16482,7 @@
           <p:cNvPr id="6" name="Slide Number Placeholder 5">
             <a:extLst>
               <a:ext uri="{FF2B5EF4-FFF2-40B4-BE49-F238E27FC236}">
-                <a16:creationId xmlns:a16="http://schemas.microsoft.com/office/drawing/2014/main" id="{2FA49567-BB70-4798-8746-D0B522CCEE20}"/>
+                <a16:creationId xmlns:a16="http://schemas.microsoft.com/office/drawing/2014/main" id="{8CC75551-85BF-4C9F-8893-AA28ECA8A6B5}"/>
               </a:ext>
             </a:extLst>
           </p:cNvPr>
@@ -16547,7 +16509,207 @@
     </p:spTree>
     <p:extLst>
       <p:ext uri="{BB962C8B-B14F-4D97-AF65-F5344CB8AC3E}">
-        <p14:creationId xmlns:p14="http://schemas.microsoft.com/office/powerpoint/2010/main" val="1585568494"/>
+        <p14:creationId xmlns:p14="http://schemas.microsoft.com/office/powerpoint/2010/main" val="3928184137"/>
+      </p:ext>
+    </p:extLst>
+  </p:cSld>
+  <p:clrMapOvr>
+    <a:masterClrMapping/>
+  </p:clrMapOvr>
+</p:sld>
+</file>
+
+<file path=ppt/slides/slide59.xml><?xml version="1.0" encoding="utf-8"?>
+<p:sld xmlns:a="http://schemas.openxmlformats.org/drawingml/2006/main" xmlns:r="http://schemas.openxmlformats.org/officeDocument/2006/relationships" xmlns:p="http://schemas.openxmlformats.org/presentationml/2006/main">
+  <p:cSld>
+    <p:spTree>
+      <p:nvGrpSpPr>
+        <p:cNvPr id="1" name=""/>
+        <p:cNvGrpSpPr/>
+        <p:nvPr/>
+      </p:nvGrpSpPr>
+      <p:grpSpPr>
+        <a:xfrm>
+          <a:off x="0" y="0"/>
+          <a:ext cx="0" cy="0"/>
+          <a:chOff x="0" y="0"/>
+          <a:chExt cx="0" cy="0"/>
+        </a:xfrm>
+      </p:grpSpPr>
+      <p:sp>
+        <p:nvSpPr>
+          <p:cNvPr id="7" name="Title 6">
+            <a:extLst>
+              <a:ext uri="{FF2B5EF4-FFF2-40B4-BE49-F238E27FC236}">
+                <a16:creationId xmlns:a16="http://schemas.microsoft.com/office/drawing/2014/main" id="{75C0DCD3-95F8-4E1F-BF1A-5FAAB84A40A3}"/>
+              </a:ext>
+            </a:extLst>
+          </p:cNvPr>
+          <p:cNvSpPr>
+            <a:spLocks noGrp="1"/>
+          </p:cNvSpPr>
+          <p:nvPr>
+            <p:ph type="title"/>
+          </p:nvPr>
+        </p:nvSpPr>
+        <p:spPr/>
+        <p:txBody>
+          <a:bodyPr/>
+          <a:lstStyle/>
+          <a:p>
+            <a:r>
+              <a:rPr lang="en-US" dirty="0"/>
+              <a:t>LONG SHORT-TERM MEMORY</a:t>
+            </a:r>
+          </a:p>
+        </p:txBody>
+      </p:sp>
+      <p:sp>
+        <p:nvSpPr>
+          <p:cNvPr id="8" name="Content Placeholder 7">
+            <a:extLst>
+              <a:ext uri="{FF2B5EF4-FFF2-40B4-BE49-F238E27FC236}">
+                <a16:creationId xmlns:a16="http://schemas.microsoft.com/office/drawing/2014/main" id="{52BB1FAB-BB61-4B66-A4EA-A0EABC2B3ECA}"/>
+              </a:ext>
+            </a:extLst>
+          </p:cNvPr>
+          <p:cNvSpPr>
+            <a:spLocks noGrp="1"/>
+          </p:cNvSpPr>
+          <p:nvPr>
+            <p:ph idx="1"/>
+          </p:nvPr>
+        </p:nvSpPr>
+        <p:spPr/>
+        <p:txBody>
+          <a:bodyPr>
+            <a:normAutofit/>
+          </a:bodyPr>
+          <a:lstStyle/>
+          <a:p>
+            <a:endParaRPr lang="en-US" dirty="0"/>
+          </a:p>
+        </p:txBody>
+      </p:sp>
+      <p:sp>
+        <p:nvSpPr>
+          <p:cNvPr id="4" name="Date Placeholder 3">
+            <a:extLst>
+              <a:ext uri="{FF2B5EF4-FFF2-40B4-BE49-F238E27FC236}">
+                <a16:creationId xmlns:a16="http://schemas.microsoft.com/office/drawing/2014/main" id="{02256D86-7CE0-416E-B2A3-402D20EE9E90}"/>
+              </a:ext>
+            </a:extLst>
+          </p:cNvPr>
+          <p:cNvSpPr>
+            <a:spLocks noGrp="1"/>
+          </p:cNvSpPr>
+          <p:nvPr>
+            <p:ph type="dt" sz="half" idx="10"/>
+          </p:nvPr>
+        </p:nvSpPr>
+        <p:spPr/>
+        <p:txBody>
+          <a:bodyPr/>
+          <a:lstStyle/>
+          <a:p>
+            <a:fld id="{B08FEED8-D7D4-44E9-BFBC-ED06B5996D94}" type="datetime4">
+              <a:rPr lang="en-US" smtClean="0"/>
+              <a:t>July 30, 2019</a:t>
+            </a:fld>
+            <a:endParaRPr lang="en-US" dirty="0"/>
+          </a:p>
+        </p:txBody>
+      </p:sp>
+      <p:sp>
+        <p:nvSpPr>
+          <p:cNvPr id="5" name="Footer Placeholder 4">
+            <a:extLst>
+              <a:ext uri="{FF2B5EF4-FFF2-40B4-BE49-F238E27FC236}">
+                <a16:creationId xmlns:a16="http://schemas.microsoft.com/office/drawing/2014/main" id="{1D4ED112-7CF4-4BB9-B46E-B366A5054A9A}"/>
+              </a:ext>
+            </a:extLst>
+          </p:cNvPr>
+          <p:cNvSpPr>
+            <a:spLocks noGrp="1"/>
+          </p:cNvSpPr>
+          <p:nvPr>
+            <p:ph type="ftr" sz="quarter" idx="11"/>
+          </p:nvPr>
+        </p:nvSpPr>
+        <p:spPr/>
+        <p:txBody>
+          <a:bodyPr/>
+          <a:lstStyle/>
+          <a:p>
+            <a:r>
+              <a:rPr lang="en-US"/>
+              <a:t>Digital Scholarship Services </a:t>
+            </a:r>
+            <a:r>
+              <a:rPr lang="en-US">
+                <a:solidFill>
+                  <a:schemeClr val="accent1">
+                    <a:lumMod val="50000"/>
+                  </a:schemeClr>
+                </a:solidFill>
+              </a:rPr>
+              <a:t>| Email</a:t>
+            </a:r>
+            <a:r>
+              <a:rPr lang="en-US"/>
+              <a:t> cf24@rice.edu </a:t>
+            </a:r>
+            <a:r>
+              <a:rPr lang="en-US">
+                <a:solidFill>
+                  <a:schemeClr val="accent1">
+                    <a:lumMod val="50000"/>
+                  </a:schemeClr>
+                </a:solidFill>
+              </a:rPr>
+              <a:t>|</a:t>
+            </a:r>
+            <a:r>
+              <a:rPr lang="en-US"/>
+              <a:t> library.rice.edu/dss</a:t>
+            </a:r>
+            <a:endParaRPr lang="en-US" dirty="0"/>
+          </a:p>
+        </p:txBody>
+      </p:sp>
+      <p:sp>
+        <p:nvSpPr>
+          <p:cNvPr id="6" name="Slide Number Placeholder 5">
+            <a:extLst>
+              <a:ext uri="{FF2B5EF4-FFF2-40B4-BE49-F238E27FC236}">
+                <a16:creationId xmlns:a16="http://schemas.microsoft.com/office/drawing/2014/main" id="{8CC75551-85BF-4C9F-8893-AA28ECA8A6B5}"/>
+              </a:ext>
+            </a:extLst>
+          </p:cNvPr>
+          <p:cNvSpPr>
+            <a:spLocks noGrp="1"/>
+          </p:cNvSpPr>
+          <p:nvPr>
+            <p:ph type="sldNum" sz="quarter" idx="12"/>
+          </p:nvPr>
+        </p:nvSpPr>
+        <p:spPr/>
+        <p:txBody>
+          <a:bodyPr/>
+          <a:lstStyle/>
+          <a:p>
+            <a:fld id="{D57F1E4F-1CFF-5643-939E-02111984F565}" type="slidenum">
+              <a:rPr lang="en-US" smtClean="0"/>
+              <a:t>59</a:t>
+            </a:fld>
+            <a:endParaRPr lang="en-US" dirty="0"/>
+          </a:p>
+        </p:txBody>
+      </p:sp>
+    </p:spTree>
+    <p:extLst>
+      <p:ext uri="{BB962C8B-B14F-4D97-AF65-F5344CB8AC3E}">
+        <p14:creationId xmlns:p14="http://schemas.microsoft.com/office/powerpoint/2010/main" val="669531222"/>
       </p:ext>
     </p:extLst>
   </p:cSld>
@@ -16781,6 +16943,1479 @@
     <p:extLst>
       <p:ext uri="{BB962C8B-B14F-4D97-AF65-F5344CB8AC3E}">
         <p14:creationId xmlns:p14="http://schemas.microsoft.com/office/powerpoint/2010/main" val="610566329"/>
+      </p:ext>
+    </p:extLst>
+  </p:cSld>
+  <p:clrMapOvr>
+    <a:masterClrMapping/>
+  </p:clrMapOvr>
+</p:sld>
+</file>
+
+<file path=ppt/slides/slide60.xml><?xml version="1.0" encoding="utf-8"?>
+<p:sld xmlns:a="http://schemas.openxmlformats.org/drawingml/2006/main" xmlns:r="http://schemas.openxmlformats.org/officeDocument/2006/relationships" xmlns:p="http://schemas.openxmlformats.org/presentationml/2006/main">
+  <p:cSld>
+    <p:spTree>
+      <p:nvGrpSpPr>
+        <p:cNvPr id="1" name=""/>
+        <p:cNvGrpSpPr/>
+        <p:nvPr/>
+      </p:nvGrpSpPr>
+      <p:grpSpPr>
+        <a:xfrm>
+          <a:off x="0" y="0"/>
+          <a:ext cx="0" cy="0"/>
+          <a:chOff x="0" y="0"/>
+          <a:chExt cx="0" cy="0"/>
+        </a:xfrm>
+      </p:grpSpPr>
+      <p:sp>
+        <p:nvSpPr>
+          <p:cNvPr id="7" name="Title 6">
+            <a:extLst>
+              <a:ext uri="{FF2B5EF4-FFF2-40B4-BE49-F238E27FC236}">
+                <a16:creationId xmlns:a16="http://schemas.microsoft.com/office/drawing/2014/main" id="{75C0DCD3-95F8-4E1F-BF1A-5FAAB84A40A3}"/>
+              </a:ext>
+            </a:extLst>
+          </p:cNvPr>
+          <p:cNvSpPr>
+            <a:spLocks noGrp="1"/>
+          </p:cNvSpPr>
+          <p:nvPr>
+            <p:ph type="title"/>
+          </p:nvPr>
+        </p:nvSpPr>
+        <p:spPr/>
+        <p:txBody>
+          <a:bodyPr/>
+          <a:lstStyle/>
+          <a:p>
+            <a:r>
+              <a:rPr lang="en-US" dirty="0"/>
+              <a:t>BUILDING AN RNN MODEL</a:t>
+            </a:r>
+          </a:p>
+        </p:txBody>
+      </p:sp>
+      <p:sp>
+        <p:nvSpPr>
+          <p:cNvPr id="8" name="Content Placeholder 7">
+            <a:extLst>
+              <a:ext uri="{FF2B5EF4-FFF2-40B4-BE49-F238E27FC236}">
+                <a16:creationId xmlns:a16="http://schemas.microsoft.com/office/drawing/2014/main" id="{52BB1FAB-BB61-4B66-A4EA-A0EABC2B3ECA}"/>
+              </a:ext>
+            </a:extLst>
+          </p:cNvPr>
+          <p:cNvSpPr>
+            <a:spLocks noGrp="1"/>
+          </p:cNvSpPr>
+          <p:nvPr>
+            <p:ph idx="1"/>
+          </p:nvPr>
+        </p:nvSpPr>
+        <p:spPr/>
+        <p:txBody>
+          <a:bodyPr/>
+          <a:lstStyle/>
+          <a:p>
+            <a:r>
+              <a:rPr lang="en-US" dirty="0"/>
+              <a:t>R</a:t>
+            </a:r>
+          </a:p>
+          <a:p>
+            <a:pPr marL="0" indent="0">
+              <a:buNone/>
+            </a:pPr>
+            <a:r>
+              <a:rPr lang="en-US" dirty="0">
+                <a:latin typeface="Courier New" panose="02070309020205020404" pitchFamily="49" charset="0"/>
+                <a:cs typeface="Courier New" panose="02070309020205020404" pitchFamily="49" charset="0"/>
+              </a:rPr>
+              <a:t>library(</a:t>
+            </a:r>
+            <a:r>
+              <a:rPr lang="en-US" dirty="0" err="1">
+                <a:latin typeface="Courier New" panose="02070309020205020404" pitchFamily="49" charset="0"/>
+                <a:cs typeface="Courier New" panose="02070309020205020404" pitchFamily="49" charset="0"/>
+              </a:rPr>
+              <a:t>keras</a:t>
+            </a:r>
+            <a:r>
+              <a:rPr lang="en-US" dirty="0">
+                <a:latin typeface="Courier New" panose="02070309020205020404" pitchFamily="49" charset="0"/>
+                <a:cs typeface="Courier New" panose="02070309020205020404" pitchFamily="49" charset="0"/>
+              </a:rPr>
+              <a:t>)</a:t>
+            </a:r>
+          </a:p>
+          <a:p>
+            <a:r>
+              <a:rPr lang="en-US" dirty="0"/>
+              <a:t>Python</a:t>
+            </a:r>
+          </a:p>
+          <a:p>
+            <a:pPr marL="0" indent="0">
+              <a:buNone/>
+            </a:pPr>
+            <a:r>
+              <a:rPr lang="en-US" dirty="0">
+                <a:latin typeface="Courier New" panose="02070309020205020404" pitchFamily="49" charset="0"/>
+                <a:cs typeface="Courier New" panose="02070309020205020404" pitchFamily="49" charset="0"/>
+              </a:rPr>
+              <a:t>import </a:t>
+            </a:r>
+            <a:r>
+              <a:rPr lang="en-US" dirty="0" err="1">
+                <a:latin typeface="Courier New" panose="02070309020205020404" pitchFamily="49" charset="0"/>
+                <a:cs typeface="Courier New" panose="02070309020205020404" pitchFamily="49" charset="0"/>
+              </a:rPr>
+              <a:t>keras</a:t>
+            </a:r>
+            <a:endParaRPr lang="en-US" dirty="0"/>
+          </a:p>
+          <a:p>
+            <a:endParaRPr lang="en-US" dirty="0"/>
+          </a:p>
+        </p:txBody>
+      </p:sp>
+      <p:sp>
+        <p:nvSpPr>
+          <p:cNvPr id="4" name="Date Placeholder 3">
+            <a:extLst>
+              <a:ext uri="{FF2B5EF4-FFF2-40B4-BE49-F238E27FC236}">
+                <a16:creationId xmlns:a16="http://schemas.microsoft.com/office/drawing/2014/main" id="{02256D86-7CE0-416E-B2A3-402D20EE9E90}"/>
+              </a:ext>
+            </a:extLst>
+          </p:cNvPr>
+          <p:cNvSpPr>
+            <a:spLocks noGrp="1"/>
+          </p:cNvSpPr>
+          <p:nvPr>
+            <p:ph type="dt" sz="half" idx="10"/>
+          </p:nvPr>
+        </p:nvSpPr>
+        <p:spPr/>
+        <p:txBody>
+          <a:bodyPr/>
+          <a:lstStyle/>
+          <a:p>
+            <a:fld id="{B08FEED8-D7D4-44E9-BFBC-ED06B5996D94}" type="datetime4">
+              <a:rPr lang="en-US" smtClean="0"/>
+              <a:t>July 30, 2019</a:t>
+            </a:fld>
+            <a:endParaRPr lang="en-US" dirty="0"/>
+          </a:p>
+        </p:txBody>
+      </p:sp>
+      <p:sp>
+        <p:nvSpPr>
+          <p:cNvPr id="5" name="Footer Placeholder 4">
+            <a:extLst>
+              <a:ext uri="{FF2B5EF4-FFF2-40B4-BE49-F238E27FC236}">
+                <a16:creationId xmlns:a16="http://schemas.microsoft.com/office/drawing/2014/main" id="{1D4ED112-7CF4-4BB9-B46E-B366A5054A9A}"/>
+              </a:ext>
+            </a:extLst>
+          </p:cNvPr>
+          <p:cNvSpPr>
+            <a:spLocks noGrp="1"/>
+          </p:cNvSpPr>
+          <p:nvPr>
+            <p:ph type="ftr" sz="quarter" idx="11"/>
+          </p:nvPr>
+        </p:nvSpPr>
+        <p:spPr/>
+        <p:txBody>
+          <a:bodyPr/>
+          <a:lstStyle/>
+          <a:p>
+            <a:r>
+              <a:rPr lang="en-US"/>
+              <a:t>Digital Scholarship Services </a:t>
+            </a:r>
+            <a:r>
+              <a:rPr lang="en-US">
+                <a:solidFill>
+                  <a:schemeClr val="accent1">
+                    <a:lumMod val="50000"/>
+                  </a:schemeClr>
+                </a:solidFill>
+              </a:rPr>
+              <a:t>| Email</a:t>
+            </a:r>
+            <a:r>
+              <a:rPr lang="en-US"/>
+              <a:t> cf24@rice.edu </a:t>
+            </a:r>
+            <a:r>
+              <a:rPr lang="en-US">
+                <a:solidFill>
+                  <a:schemeClr val="accent1">
+                    <a:lumMod val="50000"/>
+                  </a:schemeClr>
+                </a:solidFill>
+              </a:rPr>
+              <a:t>|</a:t>
+            </a:r>
+            <a:r>
+              <a:rPr lang="en-US"/>
+              <a:t> library.rice.edu/dss</a:t>
+            </a:r>
+            <a:endParaRPr lang="en-US" dirty="0"/>
+          </a:p>
+        </p:txBody>
+      </p:sp>
+      <p:sp>
+        <p:nvSpPr>
+          <p:cNvPr id="6" name="Slide Number Placeholder 5">
+            <a:extLst>
+              <a:ext uri="{FF2B5EF4-FFF2-40B4-BE49-F238E27FC236}">
+                <a16:creationId xmlns:a16="http://schemas.microsoft.com/office/drawing/2014/main" id="{8CC75551-85BF-4C9F-8893-AA28ECA8A6B5}"/>
+              </a:ext>
+            </a:extLst>
+          </p:cNvPr>
+          <p:cNvSpPr>
+            <a:spLocks noGrp="1"/>
+          </p:cNvSpPr>
+          <p:nvPr>
+            <p:ph type="sldNum" sz="quarter" idx="12"/>
+          </p:nvPr>
+        </p:nvSpPr>
+        <p:spPr/>
+        <p:txBody>
+          <a:bodyPr/>
+          <a:lstStyle/>
+          <a:p>
+            <a:fld id="{D57F1E4F-1CFF-5643-939E-02111984F565}" type="slidenum">
+              <a:rPr lang="en-US" smtClean="0"/>
+              <a:t>60</a:t>
+            </a:fld>
+            <a:endParaRPr lang="en-US" dirty="0"/>
+          </a:p>
+        </p:txBody>
+      </p:sp>
+    </p:spTree>
+    <p:extLst>
+      <p:ext uri="{BB962C8B-B14F-4D97-AF65-F5344CB8AC3E}">
+        <p14:creationId xmlns:p14="http://schemas.microsoft.com/office/powerpoint/2010/main" val="2723958197"/>
+      </p:ext>
+    </p:extLst>
+  </p:cSld>
+  <p:clrMapOvr>
+    <a:masterClrMapping/>
+  </p:clrMapOvr>
+</p:sld>
+</file>
+
+<file path=ppt/slides/slide61.xml><?xml version="1.0" encoding="utf-8"?>
+<p:sld xmlns:a="http://schemas.openxmlformats.org/drawingml/2006/main" xmlns:r="http://schemas.openxmlformats.org/officeDocument/2006/relationships" xmlns:p="http://schemas.openxmlformats.org/presentationml/2006/main">
+  <p:cSld>
+    <p:spTree>
+      <p:nvGrpSpPr>
+        <p:cNvPr id="1" name=""/>
+        <p:cNvGrpSpPr/>
+        <p:nvPr/>
+      </p:nvGrpSpPr>
+      <p:grpSpPr>
+        <a:xfrm>
+          <a:off x="0" y="0"/>
+          <a:ext cx="0" cy="0"/>
+          <a:chOff x="0" y="0"/>
+          <a:chExt cx="0" cy="0"/>
+        </a:xfrm>
+      </p:grpSpPr>
+      <p:sp>
+        <p:nvSpPr>
+          <p:cNvPr id="2" name="Title 1">
+            <a:extLst>
+              <a:ext uri="{FF2B5EF4-FFF2-40B4-BE49-F238E27FC236}">
+                <a16:creationId xmlns:a16="http://schemas.microsoft.com/office/drawing/2014/main" id="{D1BF0482-6913-4A5E-A533-479864CB5349}"/>
+              </a:ext>
+            </a:extLst>
+          </p:cNvPr>
+          <p:cNvSpPr>
+            <a:spLocks noGrp="1"/>
+          </p:cNvSpPr>
+          <p:nvPr>
+            <p:ph type="title"/>
+          </p:nvPr>
+        </p:nvSpPr>
+        <p:spPr/>
+        <p:txBody>
+          <a:bodyPr/>
+          <a:lstStyle/>
+          <a:p>
+            <a:r>
+              <a:rPr lang="en-US" dirty="0"/>
+              <a:t>AN RNN MODEL</a:t>
+            </a:r>
+          </a:p>
+        </p:txBody>
+      </p:sp>
+      <p:sp>
+        <p:nvSpPr>
+          <p:cNvPr id="4" name="Date Placeholder 3">
+            <a:extLst>
+              <a:ext uri="{FF2B5EF4-FFF2-40B4-BE49-F238E27FC236}">
+                <a16:creationId xmlns:a16="http://schemas.microsoft.com/office/drawing/2014/main" id="{B23DAF35-209C-48FA-AAAB-F69E14183A91}"/>
+              </a:ext>
+            </a:extLst>
+          </p:cNvPr>
+          <p:cNvSpPr>
+            <a:spLocks noGrp="1"/>
+          </p:cNvSpPr>
+          <p:nvPr>
+            <p:ph type="dt" sz="half" idx="10"/>
+          </p:nvPr>
+        </p:nvSpPr>
+        <p:spPr/>
+        <p:txBody>
+          <a:bodyPr/>
+          <a:lstStyle/>
+          <a:p>
+            <a:fld id="{8AAE40A0-A7D8-4DC3-BC9E-BADA32DA2004}" type="datetime4">
+              <a:rPr lang="en-US" smtClean="0"/>
+              <a:t>July 30, 2019</a:t>
+            </a:fld>
+            <a:endParaRPr lang="en-US" dirty="0"/>
+          </a:p>
+        </p:txBody>
+      </p:sp>
+      <p:sp>
+        <p:nvSpPr>
+          <p:cNvPr id="5" name="Footer Placeholder 4">
+            <a:extLst>
+              <a:ext uri="{FF2B5EF4-FFF2-40B4-BE49-F238E27FC236}">
+                <a16:creationId xmlns:a16="http://schemas.microsoft.com/office/drawing/2014/main" id="{3D8E22A6-180D-41CF-9959-4347A11F2AD1}"/>
+              </a:ext>
+            </a:extLst>
+          </p:cNvPr>
+          <p:cNvSpPr>
+            <a:spLocks noGrp="1"/>
+          </p:cNvSpPr>
+          <p:nvPr>
+            <p:ph type="ftr" sz="quarter" idx="11"/>
+          </p:nvPr>
+        </p:nvSpPr>
+        <p:spPr/>
+        <p:txBody>
+          <a:bodyPr/>
+          <a:lstStyle/>
+          <a:p>
+            <a:r>
+              <a:rPr lang="en-US"/>
+              <a:t>Digital Scholarship Services </a:t>
+            </a:r>
+            <a:r>
+              <a:rPr lang="en-US">
+                <a:solidFill>
+                  <a:schemeClr val="accent1">
+                    <a:lumMod val="50000"/>
+                  </a:schemeClr>
+                </a:solidFill>
+              </a:rPr>
+              <a:t>| Email</a:t>
+            </a:r>
+            <a:r>
+              <a:rPr lang="en-US"/>
+              <a:t> cf24@rice.edu </a:t>
+            </a:r>
+            <a:r>
+              <a:rPr lang="en-US">
+                <a:solidFill>
+                  <a:schemeClr val="accent1">
+                    <a:lumMod val="50000"/>
+                  </a:schemeClr>
+                </a:solidFill>
+              </a:rPr>
+              <a:t>|</a:t>
+            </a:r>
+            <a:r>
+              <a:rPr lang="en-US"/>
+              <a:t> library.rice.edu/dss</a:t>
+            </a:r>
+            <a:endParaRPr lang="en-US" dirty="0"/>
+          </a:p>
+        </p:txBody>
+      </p:sp>
+      <p:sp>
+        <p:nvSpPr>
+          <p:cNvPr id="6" name="Slide Number Placeholder 5">
+            <a:extLst>
+              <a:ext uri="{FF2B5EF4-FFF2-40B4-BE49-F238E27FC236}">
+                <a16:creationId xmlns:a16="http://schemas.microsoft.com/office/drawing/2014/main" id="{CECE3146-0C2B-4CC7-BC7C-FD23AAF7ECAE}"/>
+              </a:ext>
+            </a:extLst>
+          </p:cNvPr>
+          <p:cNvSpPr>
+            <a:spLocks noGrp="1"/>
+          </p:cNvSpPr>
+          <p:nvPr>
+            <p:ph type="sldNum" sz="quarter" idx="12"/>
+          </p:nvPr>
+        </p:nvSpPr>
+        <p:spPr/>
+        <p:txBody>
+          <a:bodyPr/>
+          <a:lstStyle/>
+          <a:p>
+            <a:fld id="{D57F1E4F-1CFF-5643-939E-02111984F565}" type="slidenum">
+              <a:rPr lang="en-US" smtClean="0"/>
+              <a:t>61</a:t>
+            </a:fld>
+            <a:endParaRPr lang="en-US" dirty="0"/>
+          </a:p>
+        </p:txBody>
+      </p:sp>
+      <p:sp>
+        <p:nvSpPr>
+          <p:cNvPr id="8" name="Content Placeholder 7">
+            <a:extLst>
+              <a:ext uri="{FF2B5EF4-FFF2-40B4-BE49-F238E27FC236}">
+                <a16:creationId xmlns:a16="http://schemas.microsoft.com/office/drawing/2014/main" id="{30C259F3-048F-4C4B-AC8C-24699B6ABD42}"/>
+              </a:ext>
+            </a:extLst>
+          </p:cNvPr>
+          <p:cNvSpPr>
+            <a:spLocks noGrp="1"/>
+          </p:cNvSpPr>
+          <p:nvPr>
+            <p:ph idx="1"/>
+          </p:nvPr>
+        </p:nvSpPr>
+        <p:spPr>
+          <a:xfrm>
+            <a:off x="838200" y="1825625"/>
+            <a:ext cx="5257800" cy="4351338"/>
+          </a:xfrm>
+        </p:spPr>
+        <p:txBody>
+          <a:bodyPr/>
+          <a:lstStyle/>
+          <a:p>
+            <a:r>
+              <a:rPr lang="en-US" dirty="0"/>
+              <a:t>Mean Relative Error: 7.4%</a:t>
+            </a:r>
+          </a:p>
+          <a:p>
+            <a:r>
+              <a:rPr lang="en-US" dirty="0"/>
+              <a:t>Very interested in cycles</a:t>
+            </a:r>
+          </a:p>
+          <a:p>
+            <a:r>
+              <a:rPr lang="en-US" dirty="0"/>
+              <a:t>Not bad, but slightly worse than ARIMA</a:t>
+            </a:r>
+          </a:p>
+          <a:p>
+            <a:pPr lvl="1"/>
+            <a:r>
+              <a:rPr lang="en-US" dirty="0"/>
+              <a:t>Much faster, though</a:t>
+            </a:r>
+          </a:p>
+        </p:txBody>
+      </p:sp>
+      <p:pic>
+        <p:nvPicPr>
+          <p:cNvPr id="10" name="Picture 9">
+            <a:extLst>
+              <a:ext uri="{FF2B5EF4-FFF2-40B4-BE49-F238E27FC236}">
+                <a16:creationId xmlns:a16="http://schemas.microsoft.com/office/drawing/2014/main" id="{64B67945-AF39-4BB8-86D4-3E74D0B6AE5C}"/>
+              </a:ext>
+            </a:extLst>
+          </p:cNvPr>
+          <p:cNvPicPr>
+            <a:picLocks noChangeAspect="1"/>
+          </p:cNvPicPr>
+          <p:nvPr/>
+        </p:nvPicPr>
+        <p:blipFill>
+          <a:blip r:embed="rId2"/>
+          <a:srcRect/>
+          <a:stretch/>
+        </p:blipFill>
+        <p:spPr>
+          <a:xfrm>
+            <a:off x="6096000" y="2096028"/>
+            <a:ext cx="5715798" cy="3810532"/>
+          </a:xfrm>
+          <a:prstGeom prst="rect">
+            <a:avLst/>
+          </a:prstGeom>
+        </p:spPr>
+      </p:pic>
+    </p:spTree>
+    <p:extLst>
+      <p:ext uri="{BB962C8B-B14F-4D97-AF65-F5344CB8AC3E}">
+        <p14:creationId xmlns:p14="http://schemas.microsoft.com/office/powerpoint/2010/main" val="126566451"/>
+      </p:ext>
+    </p:extLst>
+  </p:cSld>
+  <p:clrMapOvr>
+    <a:masterClrMapping/>
+  </p:clrMapOvr>
+</p:sld>
+</file>
+
+<file path=ppt/slides/slide62.xml><?xml version="1.0" encoding="utf-8"?>
+<p:sld xmlns:a="http://schemas.openxmlformats.org/drawingml/2006/main" xmlns:r="http://schemas.openxmlformats.org/officeDocument/2006/relationships" xmlns:p="http://schemas.openxmlformats.org/presentationml/2006/main">
+  <p:cSld>
+    <p:spTree>
+      <p:nvGrpSpPr>
+        <p:cNvPr id="1" name=""/>
+        <p:cNvGrpSpPr/>
+        <p:nvPr/>
+      </p:nvGrpSpPr>
+      <p:grpSpPr>
+        <a:xfrm>
+          <a:off x="0" y="0"/>
+          <a:ext cx="0" cy="0"/>
+          <a:chOff x="0" y="0"/>
+          <a:chExt cx="0" cy="0"/>
+        </a:xfrm>
+      </p:grpSpPr>
+      <p:sp>
+        <p:nvSpPr>
+          <p:cNvPr id="7" name="Title 6">
+            <a:extLst>
+              <a:ext uri="{FF2B5EF4-FFF2-40B4-BE49-F238E27FC236}">
+                <a16:creationId xmlns:a16="http://schemas.microsoft.com/office/drawing/2014/main" id="{75C0DCD3-95F8-4E1F-BF1A-5FAAB84A40A3}"/>
+              </a:ext>
+            </a:extLst>
+          </p:cNvPr>
+          <p:cNvSpPr>
+            <a:spLocks noGrp="1"/>
+          </p:cNvSpPr>
+          <p:nvPr>
+            <p:ph type="title"/>
+          </p:nvPr>
+        </p:nvSpPr>
+        <p:spPr/>
+        <p:txBody>
+          <a:bodyPr/>
+          <a:lstStyle/>
+          <a:p>
+            <a:r>
+              <a:rPr lang="en-US" dirty="0"/>
+              <a:t>BUILDING AN LSTM MODEL</a:t>
+            </a:r>
+          </a:p>
+        </p:txBody>
+      </p:sp>
+      <p:sp>
+        <p:nvSpPr>
+          <p:cNvPr id="8" name="Content Placeholder 7">
+            <a:extLst>
+              <a:ext uri="{FF2B5EF4-FFF2-40B4-BE49-F238E27FC236}">
+                <a16:creationId xmlns:a16="http://schemas.microsoft.com/office/drawing/2014/main" id="{52BB1FAB-BB61-4B66-A4EA-A0EABC2B3ECA}"/>
+              </a:ext>
+            </a:extLst>
+          </p:cNvPr>
+          <p:cNvSpPr>
+            <a:spLocks noGrp="1"/>
+          </p:cNvSpPr>
+          <p:nvPr>
+            <p:ph idx="1"/>
+          </p:nvPr>
+        </p:nvSpPr>
+        <p:spPr/>
+        <p:txBody>
+          <a:bodyPr/>
+          <a:lstStyle/>
+          <a:p>
+            <a:r>
+              <a:rPr lang="en-US" dirty="0"/>
+              <a:t>R</a:t>
+            </a:r>
+          </a:p>
+          <a:p>
+            <a:pPr marL="0" indent="0">
+              <a:buNone/>
+            </a:pPr>
+            <a:r>
+              <a:rPr lang="en-US" dirty="0">
+                <a:latin typeface="Courier New" panose="02070309020205020404" pitchFamily="49" charset="0"/>
+                <a:cs typeface="Courier New" panose="02070309020205020404" pitchFamily="49" charset="0"/>
+              </a:rPr>
+              <a:t>library(</a:t>
+            </a:r>
+            <a:r>
+              <a:rPr lang="en-US" dirty="0" err="1">
+                <a:latin typeface="Courier New" panose="02070309020205020404" pitchFamily="49" charset="0"/>
+                <a:cs typeface="Courier New" panose="02070309020205020404" pitchFamily="49" charset="0"/>
+              </a:rPr>
+              <a:t>keras</a:t>
+            </a:r>
+            <a:r>
+              <a:rPr lang="en-US" dirty="0">
+                <a:latin typeface="Courier New" panose="02070309020205020404" pitchFamily="49" charset="0"/>
+                <a:cs typeface="Courier New" panose="02070309020205020404" pitchFamily="49" charset="0"/>
+              </a:rPr>
+              <a:t>)</a:t>
+            </a:r>
+          </a:p>
+          <a:p>
+            <a:r>
+              <a:rPr lang="en-US" dirty="0"/>
+              <a:t>Python</a:t>
+            </a:r>
+          </a:p>
+          <a:p>
+            <a:pPr marL="0" indent="0">
+              <a:buNone/>
+            </a:pPr>
+            <a:r>
+              <a:rPr lang="en-US" dirty="0">
+                <a:latin typeface="Courier New" panose="02070309020205020404" pitchFamily="49" charset="0"/>
+                <a:cs typeface="Courier New" panose="02070309020205020404" pitchFamily="49" charset="0"/>
+              </a:rPr>
+              <a:t>import </a:t>
+            </a:r>
+            <a:r>
+              <a:rPr lang="en-US">
+                <a:latin typeface="Courier New" panose="02070309020205020404" pitchFamily="49" charset="0"/>
+                <a:cs typeface="Courier New" panose="02070309020205020404" pitchFamily="49" charset="0"/>
+              </a:rPr>
+              <a:t>keras</a:t>
+            </a:r>
+            <a:endParaRPr lang="en-US" dirty="0">
+              <a:latin typeface="Courier New" panose="02070309020205020404" pitchFamily="49" charset="0"/>
+              <a:cs typeface="Courier New" panose="02070309020205020404" pitchFamily="49" charset="0"/>
+            </a:endParaRPr>
+          </a:p>
+        </p:txBody>
+      </p:sp>
+      <p:sp>
+        <p:nvSpPr>
+          <p:cNvPr id="4" name="Date Placeholder 3">
+            <a:extLst>
+              <a:ext uri="{FF2B5EF4-FFF2-40B4-BE49-F238E27FC236}">
+                <a16:creationId xmlns:a16="http://schemas.microsoft.com/office/drawing/2014/main" id="{02256D86-7CE0-416E-B2A3-402D20EE9E90}"/>
+              </a:ext>
+            </a:extLst>
+          </p:cNvPr>
+          <p:cNvSpPr>
+            <a:spLocks noGrp="1"/>
+          </p:cNvSpPr>
+          <p:nvPr>
+            <p:ph type="dt" sz="half" idx="10"/>
+          </p:nvPr>
+        </p:nvSpPr>
+        <p:spPr/>
+        <p:txBody>
+          <a:bodyPr/>
+          <a:lstStyle/>
+          <a:p>
+            <a:fld id="{B08FEED8-D7D4-44E9-BFBC-ED06B5996D94}" type="datetime4">
+              <a:rPr lang="en-US" smtClean="0"/>
+              <a:t>July 30, 2019</a:t>
+            </a:fld>
+            <a:endParaRPr lang="en-US" dirty="0"/>
+          </a:p>
+        </p:txBody>
+      </p:sp>
+      <p:sp>
+        <p:nvSpPr>
+          <p:cNvPr id="5" name="Footer Placeholder 4">
+            <a:extLst>
+              <a:ext uri="{FF2B5EF4-FFF2-40B4-BE49-F238E27FC236}">
+                <a16:creationId xmlns:a16="http://schemas.microsoft.com/office/drawing/2014/main" id="{1D4ED112-7CF4-4BB9-B46E-B366A5054A9A}"/>
+              </a:ext>
+            </a:extLst>
+          </p:cNvPr>
+          <p:cNvSpPr>
+            <a:spLocks noGrp="1"/>
+          </p:cNvSpPr>
+          <p:nvPr>
+            <p:ph type="ftr" sz="quarter" idx="11"/>
+          </p:nvPr>
+        </p:nvSpPr>
+        <p:spPr/>
+        <p:txBody>
+          <a:bodyPr/>
+          <a:lstStyle/>
+          <a:p>
+            <a:r>
+              <a:rPr lang="en-US"/>
+              <a:t>Digital Scholarship Services </a:t>
+            </a:r>
+            <a:r>
+              <a:rPr lang="en-US">
+                <a:solidFill>
+                  <a:schemeClr val="accent1">
+                    <a:lumMod val="50000"/>
+                  </a:schemeClr>
+                </a:solidFill>
+              </a:rPr>
+              <a:t>| Email</a:t>
+            </a:r>
+            <a:r>
+              <a:rPr lang="en-US"/>
+              <a:t> cf24@rice.edu </a:t>
+            </a:r>
+            <a:r>
+              <a:rPr lang="en-US">
+                <a:solidFill>
+                  <a:schemeClr val="accent1">
+                    <a:lumMod val="50000"/>
+                  </a:schemeClr>
+                </a:solidFill>
+              </a:rPr>
+              <a:t>|</a:t>
+            </a:r>
+            <a:r>
+              <a:rPr lang="en-US"/>
+              <a:t> library.rice.edu/dss</a:t>
+            </a:r>
+            <a:endParaRPr lang="en-US" dirty="0"/>
+          </a:p>
+        </p:txBody>
+      </p:sp>
+      <p:sp>
+        <p:nvSpPr>
+          <p:cNvPr id="6" name="Slide Number Placeholder 5">
+            <a:extLst>
+              <a:ext uri="{FF2B5EF4-FFF2-40B4-BE49-F238E27FC236}">
+                <a16:creationId xmlns:a16="http://schemas.microsoft.com/office/drawing/2014/main" id="{8CC75551-85BF-4C9F-8893-AA28ECA8A6B5}"/>
+              </a:ext>
+            </a:extLst>
+          </p:cNvPr>
+          <p:cNvSpPr>
+            <a:spLocks noGrp="1"/>
+          </p:cNvSpPr>
+          <p:nvPr>
+            <p:ph type="sldNum" sz="quarter" idx="12"/>
+          </p:nvPr>
+        </p:nvSpPr>
+        <p:spPr/>
+        <p:txBody>
+          <a:bodyPr/>
+          <a:lstStyle/>
+          <a:p>
+            <a:fld id="{D57F1E4F-1CFF-5643-939E-02111984F565}" type="slidenum">
+              <a:rPr lang="en-US" smtClean="0"/>
+              <a:t>62</a:t>
+            </a:fld>
+            <a:endParaRPr lang="en-US" dirty="0"/>
+          </a:p>
+        </p:txBody>
+      </p:sp>
+    </p:spTree>
+    <p:extLst>
+      <p:ext uri="{BB962C8B-B14F-4D97-AF65-F5344CB8AC3E}">
+        <p14:creationId xmlns:p14="http://schemas.microsoft.com/office/powerpoint/2010/main" val="3436625262"/>
+      </p:ext>
+    </p:extLst>
+  </p:cSld>
+  <p:clrMapOvr>
+    <a:masterClrMapping/>
+  </p:clrMapOvr>
+</p:sld>
+</file>
+
+<file path=ppt/slides/slide63.xml><?xml version="1.0" encoding="utf-8"?>
+<p:sld xmlns:a="http://schemas.openxmlformats.org/drawingml/2006/main" xmlns:r="http://schemas.openxmlformats.org/officeDocument/2006/relationships" xmlns:p="http://schemas.openxmlformats.org/presentationml/2006/main">
+  <p:cSld>
+    <p:spTree>
+      <p:nvGrpSpPr>
+        <p:cNvPr id="1" name=""/>
+        <p:cNvGrpSpPr/>
+        <p:nvPr/>
+      </p:nvGrpSpPr>
+      <p:grpSpPr>
+        <a:xfrm>
+          <a:off x="0" y="0"/>
+          <a:ext cx="0" cy="0"/>
+          <a:chOff x="0" y="0"/>
+          <a:chExt cx="0" cy="0"/>
+        </a:xfrm>
+      </p:grpSpPr>
+      <p:sp>
+        <p:nvSpPr>
+          <p:cNvPr id="2" name="Title 1">
+            <a:extLst>
+              <a:ext uri="{FF2B5EF4-FFF2-40B4-BE49-F238E27FC236}">
+                <a16:creationId xmlns:a16="http://schemas.microsoft.com/office/drawing/2014/main" id="{D1BF0482-6913-4A5E-A533-479864CB5349}"/>
+              </a:ext>
+            </a:extLst>
+          </p:cNvPr>
+          <p:cNvSpPr>
+            <a:spLocks noGrp="1"/>
+          </p:cNvSpPr>
+          <p:nvPr>
+            <p:ph type="title"/>
+          </p:nvPr>
+        </p:nvSpPr>
+        <p:spPr/>
+        <p:txBody>
+          <a:bodyPr/>
+          <a:lstStyle/>
+          <a:p>
+            <a:r>
+              <a:rPr lang="en-US" dirty="0"/>
+              <a:t>AN LSTM MODEL</a:t>
+            </a:r>
+          </a:p>
+        </p:txBody>
+      </p:sp>
+      <p:sp>
+        <p:nvSpPr>
+          <p:cNvPr id="4" name="Date Placeholder 3">
+            <a:extLst>
+              <a:ext uri="{FF2B5EF4-FFF2-40B4-BE49-F238E27FC236}">
+                <a16:creationId xmlns:a16="http://schemas.microsoft.com/office/drawing/2014/main" id="{B23DAF35-209C-48FA-AAAB-F69E14183A91}"/>
+              </a:ext>
+            </a:extLst>
+          </p:cNvPr>
+          <p:cNvSpPr>
+            <a:spLocks noGrp="1"/>
+          </p:cNvSpPr>
+          <p:nvPr>
+            <p:ph type="dt" sz="half" idx="10"/>
+          </p:nvPr>
+        </p:nvSpPr>
+        <p:spPr/>
+        <p:txBody>
+          <a:bodyPr/>
+          <a:lstStyle/>
+          <a:p>
+            <a:fld id="{8AAE40A0-A7D8-4DC3-BC9E-BADA32DA2004}" type="datetime4">
+              <a:rPr lang="en-US" smtClean="0"/>
+              <a:t>July 30, 2019</a:t>
+            </a:fld>
+            <a:endParaRPr lang="en-US" dirty="0"/>
+          </a:p>
+        </p:txBody>
+      </p:sp>
+      <p:sp>
+        <p:nvSpPr>
+          <p:cNvPr id="5" name="Footer Placeholder 4">
+            <a:extLst>
+              <a:ext uri="{FF2B5EF4-FFF2-40B4-BE49-F238E27FC236}">
+                <a16:creationId xmlns:a16="http://schemas.microsoft.com/office/drawing/2014/main" id="{3D8E22A6-180D-41CF-9959-4347A11F2AD1}"/>
+              </a:ext>
+            </a:extLst>
+          </p:cNvPr>
+          <p:cNvSpPr>
+            <a:spLocks noGrp="1"/>
+          </p:cNvSpPr>
+          <p:nvPr>
+            <p:ph type="ftr" sz="quarter" idx="11"/>
+          </p:nvPr>
+        </p:nvSpPr>
+        <p:spPr/>
+        <p:txBody>
+          <a:bodyPr/>
+          <a:lstStyle/>
+          <a:p>
+            <a:r>
+              <a:rPr lang="en-US"/>
+              <a:t>Digital Scholarship Services </a:t>
+            </a:r>
+            <a:r>
+              <a:rPr lang="en-US">
+                <a:solidFill>
+                  <a:schemeClr val="accent1">
+                    <a:lumMod val="50000"/>
+                  </a:schemeClr>
+                </a:solidFill>
+              </a:rPr>
+              <a:t>| Email</a:t>
+            </a:r>
+            <a:r>
+              <a:rPr lang="en-US"/>
+              <a:t> cf24@rice.edu </a:t>
+            </a:r>
+            <a:r>
+              <a:rPr lang="en-US">
+                <a:solidFill>
+                  <a:schemeClr val="accent1">
+                    <a:lumMod val="50000"/>
+                  </a:schemeClr>
+                </a:solidFill>
+              </a:rPr>
+              <a:t>|</a:t>
+            </a:r>
+            <a:r>
+              <a:rPr lang="en-US"/>
+              <a:t> library.rice.edu/dss</a:t>
+            </a:r>
+            <a:endParaRPr lang="en-US" dirty="0"/>
+          </a:p>
+        </p:txBody>
+      </p:sp>
+      <p:sp>
+        <p:nvSpPr>
+          <p:cNvPr id="6" name="Slide Number Placeholder 5">
+            <a:extLst>
+              <a:ext uri="{FF2B5EF4-FFF2-40B4-BE49-F238E27FC236}">
+                <a16:creationId xmlns:a16="http://schemas.microsoft.com/office/drawing/2014/main" id="{CECE3146-0C2B-4CC7-BC7C-FD23AAF7ECAE}"/>
+              </a:ext>
+            </a:extLst>
+          </p:cNvPr>
+          <p:cNvSpPr>
+            <a:spLocks noGrp="1"/>
+          </p:cNvSpPr>
+          <p:nvPr>
+            <p:ph type="sldNum" sz="quarter" idx="12"/>
+          </p:nvPr>
+        </p:nvSpPr>
+        <p:spPr/>
+        <p:txBody>
+          <a:bodyPr/>
+          <a:lstStyle/>
+          <a:p>
+            <a:fld id="{D57F1E4F-1CFF-5643-939E-02111984F565}" type="slidenum">
+              <a:rPr lang="en-US" smtClean="0"/>
+              <a:t>63</a:t>
+            </a:fld>
+            <a:endParaRPr lang="en-US" dirty="0"/>
+          </a:p>
+        </p:txBody>
+      </p:sp>
+      <p:sp>
+        <p:nvSpPr>
+          <p:cNvPr id="8" name="Content Placeholder 7">
+            <a:extLst>
+              <a:ext uri="{FF2B5EF4-FFF2-40B4-BE49-F238E27FC236}">
+                <a16:creationId xmlns:a16="http://schemas.microsoft.com/office/drawing/2014/main" id="{30C259F3-048F-4C4B-AC8C-24699B6ABD42}"/>
+              </a:ext>
+            </a:extLst>
+          </p:cNvPr>
+          <p:cNvSpPr>
+            <a:spLocks noGrp="1"/>
+          </p:cNvSpPr>
+          <p:nvPr>
+            <p:ph idx="1"/>
+          </p:nvPr>
+        </p:nvSpPr>
+        <p:spPr>
+          <a:xfrm>
+            <a:off x="838200" y="1825625"/>
+            <a:ext cx="5257800" cy="4351338"/>
+          </a:xfrm>
+        </p:spPr>
+        <p:txBody>
+          <a:bodyPr/>
+          <a:lstStyle/>
+          <a:p>
+            <a:r>
+              <a:rPr lang="en-US" dirty="0"/>
+              <a:t>Mean Relative Error: 7.4%</a:t>
+            </a:r>
+          </a:p>
+          <a:p>
+            <a:r>
+              <a:rPr lang="en-US" dirty="0"/>
+              <a:t>Very interested in cycles</a:t>
+            </a:r>
+          </a:p>
+          <a:p>
+            <a:r>
+              <a:rPr lang="en-US" dirty="0"/>
+              <a:t>Not bad, but slightly worse than ARIMA</a:t>
+            </a:r>
+          </a:p>
+          <a:p>
+            <a:pPr lvl="1"/>
+            <a:r>
+              <a:rPr lang="en-US" dirty="0"/>
+              <a:t>Much faster, though</a:t>
+            </a:r>
+          </a:p>
+        </p:txBody>
+      </p:sp>
+      <p:pic>
+        <p:nvPicPr>
+          <p:cNvPr id="10" name="Picture 9">
+            <a:extLst>
+              <a:ext uri="{FF2B5EF4-FFF2-40B4-BE49-F238E27FC236}">
+                <a16:creationId xmlns:a16="http://schemas.microsoft.com/office/drawing/2014/main" id="{64B67945-AF39-4BB8-86D4-3E74D0B6AE5C}"/>
+              </a:ext>
+            </a:extLst>
+          </p:cNvPr>
+          <p:cNvPicPr>
+            <a:picLocks noChangeAspect="1"/>
+          </p:cNvPicPr>
+          <p:nvPr/>
+        </p:nvPicPr>
+        <p:blipFill>
+          <a:blip r:embed="rId2"/>
+          <a:srcRect/>
+          <a:stretch/>
+        </p:blipFill>
+        <p:spPr>
+          <a:xfrm>
+            <a:off x="6096000" y="2096028"/>
+            <a:ext cx="5715798" cy="3810532"/>
+          </a:xfrm>
+          <a:prstGeom prst="rect">
+            <a:avLst/>
+          </a:prstGeom>
+        </p:spPr>
+      </p:pic>
+    </p:spTree>
+    <p:extLst>
+      <p:ext uri="{BB962C8B-B14F-4D97-AF65-F5344CB8AC3E}">
+        <p14:creationId xmlns:p14="http://schemas.microsoft.com/office/powerpoint/2010/main" val="3102886213"/>
+      </p:ext>
+    </p:extLst>
+  </p:cSld>
+  <p:clrMapOvr>
+    <a:masterClrMapping/>
+  </p:clrMapOvr>
+</p:sld>
+</file>
+
+<file path=ppt/slides/slide64.xml><?xml version="1.0" encoding="utf-8"?>
+<p:sld xmlns:a="http://schemas.openxmlformats.org/drawingml/2006/main" xmlns:r="http://schemas.openxmlformats.org/officeDocument/2006/relationships" xmlns:p="http://schemas.openxmlformats.org/presentationml/2006/main">
+  <p:cSld>
+    <p:spTree>
+      <p:nvGrpSpPr>
+        <p:cNvPr id="1" name=""/>
+        <p:cNvGrpSpPr/>
+        <p:nvPr/>
+      </p:nvGrpSpPr>
+      <p:grpSpPr>
+        <a:xfrm>
+          <a:off x="0" y="0"/>
+          <a:ext cx="0" cy="0"/>
+          <a:chOff x="0" y="0"/>
+          <a:chExt cx="0" cy="0"/>
+        </a:xfrm>
+      </p:grpSpPr>
+      <p:sp>
+        <p:nvSpPr>
+          <p:cNvPr id="7" name="Title 6">
+            <a:extLst>
+              <a:ext uri="{FF2B5EF4-FFF2-40B4-BE49-F238E27FC236}">
+                <a16:creationId xmlns:a16="http://schemas.microsoft.com/office/drawing/2014/main" id="{104472AF-9F8F-4DDB-87F2-C7E7CE4538C8}"/>
+              </a:ext>
+            </a:extLst>
+          </p:cNvPr>
+          <p:cNvSpPr>
+            <a:spLocks noGrp="1"/>
+          </p:cNvSpPr>
+          <p:nvPr>
+            <p:ph type="title"/>
+          </p:nvPr>
+        </p:nvSpPr>
+        <p:spPr/>
+        <p:txBody>
+          <a:bodyPr/>
+          <a:lstStyle/>
+          <a:p>
+            <a:r>
+              <a:rPr lang="en-US" dirty="0"/>
+              <a:t>COMPARISON AND</a:t>
+            </a:r>
+            <a:br>
+              <a:rPr lang="en-US" dirty="0"/>
+            </a:br>
+            <a:r>
+              <a:rPr lang="en-US" dirty="0"/>
+              <a:t>SUMMARY</a:t>
+            </a:r>
+          </a:p>
+        </p:txBody>
+      </p:sp>
+      <p:sp>
+        <p:nvSpPr>
+          <p:cNvPr id="8" name="Text Placeholder 7">
+            <a:extLst>
+              <a:ext uri="{FF2B5EF4-FFF2-40B4-BE49-F238E27FC236}">
+                <a16:creationId xmlns:a16="http://schemas.microsoft.com/office/drawing/2014/main" id="{DD688F21-A860-408B-AB59-DE6ECA0510A7}"/>
+              </a:ext>
+            </a:extLst>
+          </p:cNvPr>
+          <p:cNvSpPr>
+            <a:spLocks noGrp="1"/>
+          </p:cNvSpPr>
+          <p:nvPr>
+            <p:ph type="body" idx="1"/>
+          </p:nvPr>
+        </p:nvSpPr>
+        <p:spPr/>
+        <p:txBody>
+          <a:bodyPr/>
+          <a:lstStyle/>
+          <a:p>
+            <a:r>
+              <a:rPr lang="en-US" dirty="0"/>
+              <a:t>A look back at our models</a:t>
+            </a:r>
+          </a:p>
+        </p:txBody>
+      </p:sp>
+      <p:sp>
+        <p:nvSpPr>
+          <p:cNvPr id="4" name="Date Placeholder 3">
+            <a:extLst>
+              <a:ext uri="{FF2B5EF4-FFF2-40B4-BE49-F238E27FC236}">
+                <a16:creationId xmlns:a16="http://schemas.microsoft.com/office/drawing/2014/main" id="{2BDFDE93-390C-49C9-82C5-E17C875CFB35}"/>
+              </a:ext>
+            </a:extLst>
+          </p:cNvPr>
+          <p:cNvSpPr>
+            <a:spLocks noGrp="1"/>
+          </p:cNvSpPr>
+          <p:nvPr>
+            <p:ph type="dt" sz="half" idx="10"/>
+          </p:nvPr>
+        </p:nvSpPr>
+        <p:spPr/>
+        <p:txBody>
+          <a:bodyPr/>
+          <a:lstStyle/>
+          <a:p>
+            <a:fld id="{8AAE40A0-A7D8-4DC3-BC9E-BADA32DA2004}" type="datetime4">
+              <a:rPr lang="en-US" smtClean="0"/>
+              <a:t>July 30, 2019</a:t>
+            </a:fld>
+            <a:endParaRPr lang="en-US" dirty="0"/>
+          </a:p>
+        </p:txBody>
+      </p:sp>
+      <p:sp>
+        <p:nvSpPr>
+          <p:cNvPr id="5" name="Footer Placeholder 4">
+            <a:extLst>
+              <a:ext uri="{FF2B5EF4-FFF2-40B4-BE49-F238E27FC236}">
+                <a16:creationId xmlns:a16="http://schemas.microsoft.com/office/drawing/2014/main" id="{112AF0ED-0352-4AB1-9F1D-E1A89A11AE24}"/>
+              </a:ext>
+            </a:extLst>
+          </p:cNvPr>
+          <p:cNvSpPr>
+            <a:spLocks noGrp="1"/>
+          </p:cNvSpPr>
+          <p:nvPr>
+            <p:ph type="ftr" sz="quarter" idx="11"/>
+          </p:nvPr>
+        </p:nvSpPr>
+        <p:spPr/>
+        <p:txBody>
+          <a:bodyPr/>
+          <a:lstStyle/>
+          <a:p>
+            <a:r>
+              <a:rPr lang="en-US"/>
+              <a:t>Digital Scholarship Services </a:t>
+            </a:r>
+            <a:r>
+              <a:rPr lang="en-US">
+                <a:solidFill>
+                  <a:schemeClr val="accent1">
+                    <a:lumMod val="50000"/>
+                  </a:schemeClr>
+                </a:solidFill>
+              </a:rPr>
+              <a:t>| Email</a:t>
+            </a:r>
+            <a:r>
+              <a:rPr lang="en-US"/>
+              <a:t> cf24@rice.edu </a:t>
+            </a:r>
+            <a:r>
+              <a:rPr lang="en-US">
+                <a:solidFill>
+                  <a:schemeClr val="accent1">
+                    <a:lumMod val="50000"/>
+                  </a:schemeClr>
+                </a:solidFill>
+              </a:rPr>
+              <a:t>|</a:t>
+            </a:r>
+            <a:r>
+              <a:rPr lang="en-US"/>
+              <a:t> library.rice.edu/dss</a:t>
+            </a:r>
+            <a:endParaRPr lang="en-US" dirty="0"/>
+          </a:p>
+        </p:txBody>
+      </p:sp>
+      <p:sp>
+        <p:nvSpPr>
+          <p:cNvPr id="6" name="Slide Number Placeholder 5">
+            <a:extLst>
+              <a:ext uri="{FF2B5EF4-FFF2-40B4-BE49-F238E27FC236}">
+                <a16:creationId xmlns:a16="http://schemas.microsoft.com/office/drawing/2014/main" id="{6089B17D-061B-423C-94B0-38D32F83111F}"/>
+              </a:ext>
+            </a:extLst>
+          </p:cNvPr>
+          <p:cNvSpPr>
+            <a:spLocks noGrp="1"/>
+          </p:cNvSpPr>
+          <p:nvPr>
+            <p:ph type="sldNum" sz="quarter" idx="12"/>
+          </p:nvPr>
+        </p:nvSpPr>
+        <p:spPr/>
+        <p:txBody>
+          <a:bodyPr/>
+          <a:lstStyle/>
+          <a:p>
+            <a:fld id="{D57F1E4F-1CFF-5643-939E-02111984F565}" type="slidenum">
+              <a:rPr lang="en-US" smtClean="0"/>
+              <a:t>64</a:t>
+            </a:fld>
+            <a:endParaRPr lang="en-US" dirty="0"/>
+          </a:p>
+        </p:txBody>
+      </p:sp>
+    </p:spTree>
+    <p:extLst>
+      <p:ext uri="{BB962C8B-B14F-4D97-AF65-F5344CB8AC3E}">
+        <p14:creationId xmlns:p14="http://schemas.microsoft.com/office/powerpoint/2010/main" val="3177806857"/>
+      </p:ext>
+    </p:extLst>
+  </p:cSld>
+  <p:clrMapOvr>
+    <a:masterClrMapping/>
+  </p:clrMapOvr>
+</p:sld>
+</file>
+
+<file path=ppt/slides/slide65.xml><?xml version="1.0" encoding="utf-8"?>
+<p:sld xmlns:a="http://schemas.openxmlformats.org/drawingml/2006/main" xmlns:r="http://schemas.openxmlformats.org/officeDocument/2006/relationships" xmlns:p="http://schemas.openxmlformats.org/presentationml/2006/main">
+  <p:cSld>
+    <p:spTree>
+      <p:nvGrpSpPr>
+        <p:cNvPr id="1" name=""/>
+        <p:cNvGrpSpPr/>
+        <p:nvPr/>
+      </p:nvGrpSpPr>
+      <p:grpSpPr>
+        <a:xfrm>
+          <a:off x="0" y="0"/>
+          <a:ext cx="0" cy="0"/>
+          <a:chOff x="0" y="0"/>
+          <a:chExt cx="0" cy="0"/>
+        </a:xfrm>
+      </p:grpSpPr>
+      <p:sp>
+        <p:nvSpPr>
+          <p:cNvPr id="7" name="Title 6">
+            <a:extLst>
+              <a:ext uri="{FF2B5EF4-FFF2-40B4-BE49-F238E27FC236}">
+                <a16:creationId xmlns:a16="http://schemas.microsoft.com/office/drawing/2014/main" id="{495B4BC0-844B-4414-A623-BEF78AAC1BA1}"/>
+              </a:ext>
+            </a:extLst>
+          </p:cNvPr>
+          <p:cNvSpPr>
+            <a:spLocks noGrp="1"/>
+          </p:cNvSpPr>
+          <p:nvPr>
+            <p:ph type="title"/>
+          </p:nvPr>
+        </p:nvSpPr>
+        <p:spPr/>
+        <p:txBody>
+          <a:bodyPr/>
+          <a:lstStyle/>
+          <a:p>
+            <a:r>
+              <a:rPr lang="en-US" dirty="0"/>
+              <a:t>ACKNOWLEDGMENTS</a:t>
+            </a:r>
+          </a:p>
+        </p:txBody>
+      </p:sp>
+      <p:sp>
+        <p:nvSpPr>
+          <p:cNvPr id="8" name="Content Placeholder 7">
+            <a:extLst>
+              <a:ext uri="{FF2B5EF4-FFF2-40B4-BE49-F238E27FC236}">
+                <a16:creationId xmlns:a16="http://schemas.microsoft.com/office/drawing/2014/main" id="{2BED3EB3-7E98-4A82-8335-7321D9E37B16}"/>
+              </a:ext>
+            </a:extLst>
+          </p:cNvPr>
+          <p:cNvSpPr>
+            <a:spLocks noGrp="1"/>
+          </p:cNvSpPr>
+          <p:nvPr>
+            <p:ph idx="1"/>
+          </p:nvPr>
+        </p:nvSpPr>
+        <p:spPr/>
+        <p:txBody>
+          <a:bodyPr/>
+          <a:lstStyle/>
+          <a:p>
+            <a:r>
+              <a:rPr lang="en-US" dirty="0"/>
+              <a:t>Plots were created using the ggplot2 package in R</a:t>
+            </a:r>
+          </a:p>
+          <a:p>
+            <a:r>
+              <a:rPr lang="en-US" dirty="0"/>
+              <a:t>Shumway and </a:t>
+            </a:r>
+            <a:r>
+              <a:rPr lang="en-US" dirty="0" err="1"/>
+              <a:t>Stoffer’s</a:t>
+            </a:r>
+            <a:r>
+              <a:rPr lang="en-US" dirty="0"/>
+              <a:t> </a:t>
+            </a:r>
+            <a:r>
+              <a:rPr lang="en-US" i="1" dirty="0"/>
+              <a:t>Time Series Analysis and Its Applications With R Examples, Fourth Edition </a:t>
+            </a:r>
+            <a:r>
+              <a:rPr lang="en-US" dirty="0"/>
+              <a:t>published by Springer was used as the main reference for the ARIMA section</a:t>
+            </a:r>
+          </a:p>
+          <a:p>
+            <a:r>
+              <a:rPr lang="en-US" i="1" dirty="0"/>
+              <a:t>Forecasting at Scale </a:t>
+            </a:r>
+            <a:r>
+              <a:rPr lang="en-US" dirty="0"/>
+              <a:t>by Sean J. Taylor and Benjamin </a:t>
+            </a:r>
+            <a:r>
+              <a:rPr lang="en-US" dirty="0" err="1"/>
+              <a:t>Letham</a:t>
+            </a:r>
+            <a:r>
+              <a:rPr lang="en-US" dirty="0"/>
+              <a:t> at Facebook was used as the main reference for the Prophet section</a:t>
+            </a:r>
+            <a:endParaRPr lang="en-US" i="1" dirty="0"/>
+          </a:p>
+          <a:p>
+            <a:endParaRPr lang="en-US" dirty="0"/>
+          </a:p>
+        </p:txBody>
+      </p:sp>
+      <p:sp>
+        <p:nvSpPr>
+          <p:cNvPr id="4" name="Date Placeholder 3">
+            <a:extLst>
+              <a:ext uri="{FF2B5EF4-FFF2-40B4-BE49-F238E27FC236}">
+                <a16:creationId xmlns:a16="http://schemas.microsoft.com/office/drawing/2014/main" id="{540F37F1-4F33-429F-A568-1A3ADC499E54}"/>
+              </a:ext>
+            </a:extLst>
+          </p:cNvPr>
+          <p:cNvSpPr>
+            <a:spLocks noGrp="1"/>
+          </p:cNvSpPr>
+          <p:nvPr>
+            <p:ph type="dt" sz="half" idx="10"/>
+          </p:nvPr>
+        </p:nvSpPr>
+        <p:spPr/>
+        <p:txBody>
+          <a:bodyPr/>
+          <a:lstStyle/>
+          <a:p>
+            <a:fld id="{B08FEED8-D7D4-44E9-BFBC-ED06B5996D94}" type="datetime4">
+              <a:rPr lang="en-US" smtClean="0"/>
+              <a:t>July 30, 2019</a:t>
+            </a:fld>
+            <a:endParaRPr lang="en-US" dirty="0"/>
+          </a:p>
+        </p:txBody>
+      </p:sp>
+      <p:sp>
+        <p:nvSpPr>
+          <p:cNvPr id="5" name="Footer Placeholder 4">
+            <a:extLst>
+              <a:ext uri="{FF2B5EF4-FFF2-40B4-BE49-F238E27FC236}">
+                <a16:creationId xmlns:a16="http://schemas.microsoft.com/office/drawing/2014/main" id="{673FFA57-C126-4795-A5F6-DD33AAC5ACBD}"/>
+              </a:ext>
+            </a:extLst>
+          </p:cNvPr>
+          <p:cNvSpPr>
+            <a:spLocks noGrp="1"/>
+          </p:cNvSpPr>
+          <p:nvPr>
+            <p:ph type="ftr" sz="quarter" idx="11"/>
+          </p:nvPr>
+        </p:nvSpPr>
+        <p:spPr/>
+        <p:txBody>
+          <a:bodyPr/>
+          <a:lstStyle/>
+          <a:p>
+            <a:r>
+              <a:rPr lang="en-US"/>
+              <a:t>Digital Scholarship Services </a:t>
+            </a:r>
+            <a:r>
+              <a:rPr lang="en-US">
+                <a:solidFill>
+                  <a:schemeClr val="accent1">
+                    <a:lumMod val="50000"/>
+                  </a:schemeClr>
+                </a:solidFill>
+              </a:rPr>
+              <a:t>| Email</a:t>
+            </a:r>
+            <a:r>
+              <a:rPr lang="en-US"/>
+              <a:t> cf24@rice.edu </a:t>
+            </a:r>
+            <a:r>
+              <a:rPr lang="en-US">
+                <a:solidFill>
+                  <a:schemeClr val="accent1">
+                    <a:lumMod val="50000"/>
+                  </a:schemeClr>
+                </a:solidFill>
+              </a:rPr>
+              <a:t>|</a:t>
+            </a:r>
+            <a:r>
+              <a:rPr lang="en-US"/>
+              <a:t> library.rice.edu/dss</a:t>
+            </a:r>
+            <a:endParaRPr lang="en-US" dirty="0"/>
+          </a:p>
+        </p:txBody>
+      </p:sp>
+      <p:sp>
+        <p:nvSpPr>
+          <p:cNvPr id="6" name="Slide Number Placeholder 5">
+            <a:extLst>
+              <a:ext uri="{FF2B5EF4-FFF2-40B4-BE49-F238E27FC236}">
+                <a16:creationId xmlns:a16="http://schemas.microsoft.com/office/drawing/2014/main" id="{2FA49567-BB70-4798-8746-D0B522CCEE20}"/>
+              </a:ext>
+            </a:extLst>
+          </p:cNvPr>
+          <p:cNvSpPr>
+            <a:spLocks noGrp="1"/>
+          </p:cNvSpPr>
+          <p:nvPr>
+            <p:ph type="sldNum" sz="quarter" idx="12"/>
+          </p:nvPr>
+        </p:nvSpPr>
+        <p:spPr/>
+        <p:txBody>
+          <a:bodyPr/>
+          <a:lstStyle/>
+          <a:p>
+            <a:fld id="{D57F1E4F-1CFF-5643-939E-02111984F565}" type="slidenum">
+              <a:rPr lang="en-US" smtClean="0"/>
+              <a:t>65</a:t>
+            </a:fld>
+            <a:endParaRPr lang="en-US" dirty="0"/>
+          </a:p>
+        </p:txBody>
+      </p:sp>
+    </p:spTree>
+    <p:extLst>
+      <p:ext uri="{BB962C8B-B14F-4D97-AF65-F5344CB8AC3E}">
+        <p14:creationId xmlns:p14="http://schemas.microsoft.com/office/powerpoint/2010/main" val="1585568494"/>
       </p:ext>
     </p:extLst>
   </p:cSld>

--- a/tsa/Introduction to Time Series Analysis.pptx
+++ b/tsa/Introduction to Time Series Analysis.pptx
@@ -16387,7 +16387,16 @@
           </a:bodyPr>
           <a:lstStyle/>
           <a:p>
-            <a:endParaRPr lang="en-US" dirty="0"/>
+            <a:r>
+              <a:rPr lang="en-US" dirty="0"/>
+              <a:t>Simplest time series applicable neural network model</a:t>
+            </a:r>
+          </a:p>
+          <a:p>
+            <a:r>
+              <a:rPr lang="en-US" dirty="0"/>
+              <a:t>Neural net that feeds back into itself</a:t>
+            </a:r>
           </a:p>
         </p:txBody>
       </p:sp>
@@ -16506,6 +16515,36 @@
           </a:p>
         </p:txBody>
       </p:sp>
+      <p:pic>
+        <p:nvPicPr>
+          <p:cNvPr id="3" name="Picture 2" descr="A screen shot of a clock&#10;&#10;Description automatically generated">
+            <a:extLst>
+              <a:ext uri="{FF2B5EF4-FFF2-40B4-BE49-F238E27FC236}">
+                <a16:creationId xmlns:a16="http://schemas.microsoft.com/office/drawing/2014/main" id="{46F705B0-A535-470D-A5E2-A0308894DFEC}"/>
+              </a:ext>
+            </a:extLst>
+          </p:cNvPr>
+          <p:cNvPicPr>
+            <a:picLocks noChangeAspect="1"/>
+          </p:cNvPicPr>
+          <p:nvPr/>
+        </p:nvPicPr>
+        <p:blipFill>
+          <a:blip r:embed="rId2"/>
+          <a:stretch>
+            <a:fillRect/>
+          </a:stretch>
+        </p:blipFill>
+        <p:spPr>
+          <a:xfrm>
+            <a:off x="552854" y="2753222"/>
+            <a:ext cx="10800945" cy="3603128"/>
+          </a:xfrm>
+          <a:prstGeom prst="rect">
+            <a:avLst/>
+          </a:prstGeom>
+        </p:spPr>
+      </p:pic>
     </p:spTree>
     <p:extLst>
       <p:ext uri="{BB962C8B-B14F-4D97-AF65-F5344CB8AC3E}">
@@ -16580,13 +16619,59 @@
             <p:ph idx="1"/>
           </p:nvPr>
         </p:nvSpPr>
-        <p:spPr/>
+        <p:spPr>
+          <a:xfrm>
+            <a:off x="838200" y="1825625"/>
+            <a:ext cx="5257800" cy="4351338"/>
+          </a:xfrm>
+        </p:spPr>
         <p:txBody>
           <a:bodyPr>
             <a:normAutofit/>
           </a:bodyPr>
           <a:lstStyle/>
           <a:p>
+            <a:r>
+              <a:rPr lang="en-US" dirty="0"/>
+              <a:t>Cells and gates</a:t>
+            </a:r>
+          </a:p>
+          <a:p>
+            <a:pPr lvl="1"/>
+            <a:r>
+              <a:rPr lang="en-US" dirty="0"/>
+              <a:t>Forget gate</a:t>
+            </a:r>
+          </a:p>
+          <a:p>
+            <a:pPr lvl="1"/>
+            <a:r>
+              <a:rPr lang="en-US" dirty="0"/>
+              <a:t>Input gate</a:t>
+            </a:r>
+          </a:p>
+          <a:p>
+            <a:pPr lvl="1"/>
+            <a:r>
+              <a:rPr lang="en-US" dirty="0"/>
+              <a:t>Output gate</a:t>
+            </a:r>
+          </a:p>
+          <a:p>
+            <a:r>
+              <a:rPr lang="en-US" dirty="0"/>
+              <a:t>Basically, LSTM models ‘learn’ how long they need to pay attention</a:t>
+            </a:r>
+          </a:p>
+          <a:p>
+            <a:r>
+              <a:rPr lang="en-US" dirty="0"/>
+              <a:t>Don’t </a:t>
+            </a:r>
+            <a:r>
+              <a:rPr lang="en-US"/>
+              <a:t>worry about the details!</a:t>
+            </a:r>
             <a:endParaRPr lang="en-US" dirty="0"/>
           </a:p>
         </p:txBody>
@@ -16706,6 +16791,36 @@
           </a:p>
         </p:txBody>
       </p:sp>
+      <p:pic>
+        <p:nvPicPr>
+          <p:cNvPr id="3" name="Picture 2" descr="A screen shot of a computer&#10;&#10;Description automatically generated">
+            <a:extLst>
+              <a:ext uri="{FF2B5EF4-FFF2-40B4-BE49-F238E27FC236}">
+                <a16:creationId xmlns:a16="http://schemas.microsoft.com/office/drawing/2014/main" id="{6F1CCF5F-655F-4E5A-BA70-B8FBB983950B}"/>
+              </a:ext>
+            </a:extLst>
+          </p:cNvPr>
+          <p:cNvPicPr>
+            <a:picLocks noChangeAspect="1"/>
+          </p:cNvPicPr>
+          <p:nvPr/>
+        </p:nvPicPr>
+        <p:blipFill>
+          <a:blip r:embed="rId2"/>
+          <a:stretch>
+            <a:fillRect/>
+          </a:stretch>
+        </p:blipFill>
+        <p:spPr>
+          <a:xfrm>
+            <a:off x="5719864" y="2057542"/>
+            <a:ext cx="6272718" cy="3447817"/>
+          </a:xfrm>
+          <a:prstGeom prst="rect">
+            <a:avLst/>
+          </a:prstGeom>
+        </p:spPr>
+      </p:pic>
     </p:spTree>
     <p:extLst>
       <p:ext uri="{BB962C8B-B14F-4D97-AF65-F5344CB8AC3E}">
@@ -17577,7 +17692,7 @@
               <a:t>import </a:t>
             </a:r>
             <a:r>
-              <a:rPr lang="en-US">
+              <a:rPr lang="en-US" dirty="0" err="1">
                 <a:latin typeface="Courier New" panose="02070309020205020404" pitchFamily="49" charset="0"/>
                 <a:cs typeface="Courier New" panose="02070309020205020404" pitchFamily="49" charset="0"/>
               </a:rPr>
@@ -18290,7 +18405,12 @@
               <a:rPr lang="en-US" dirty="0"/>
               <a:t> at Facebook was used as the main reference for the Prophet section</a:t>
             </a:r>
-            <a:endParaRPr lang="en-US" i="1" dirty="0"/>
+          </a:p>
+          <a:p>
+            <a:r>
+              <a:rPr lang="en-US" dirty="0"/>
+              <a:t>The pictures under Neural Networks are licensed for free use under Wikimedia Commons.</a:t>
+            </a:r>
           </a:p>
           <a:p>
             <a:endParaRPr lang="en-US" dirty="0"/>

--- a/tsa/Introduction to Time Series Analysis.pptx
+++ b/tsa/Introduction to Time Series Analysis.pptx
@@ -5,7 +5,7 @@
     <p:sldMasterId id="2147483707" r:id="rId1"/>
   </p:sldMasterIdLst>
   <p:notesMasterIdLst>
-    <p:notesMasterId r:id="rId67"/>
+    <p:notesMasterId r:id="rId76"/>
   </p:notesMasterIdLst>
   <p:sldIdLst>
     <p:sldId id="266" r:id="rId2"/>
@@ -69,10 +69,19 @@
     <p:sldId id="333" r:id="rId60"/>
     <p:sldId id="335" r:id="rId61"/>
     <p:sldId id="336" r:id="rId62"/>
-    <p:sldId id="337" r:id="rId63"/>
-    <p:sldId id="338" r:id="rId64"/>
-    <p:sldId id="339" r:id="rId65"/>
-    <p:sldId id="268" r:id="rId66"/>
+    <p:sldId id="340" r:id="rId63"/>
+    <p:sldId id="337" r:id="rId64"/>
+    <p:sldId id="341" r:id="rId65"/>
+    <p:sldId id="342" r:id="rId66"/>
+    <p:sldId id="339" r:id="rId67"/>
+    <p:sldId id="344" r:id="rId68"/>
+    <p:sldId id="346" r:id="rId69"/>
+    <p:sldId id="348" r:id="rId70"/>
+    <p:sldId id="347" r:id="rId71"/>
+    <p:sldId id="349" r:id="rId72"/>
+    <p:sldId id="351" r:id="rId73"/>
+    <p:sldId id="352" r:id="rId74"/>
+    <p:sldId id="268" r:id="rId75"/>
   </p:sldIdLst>
   <p:sldSz cx="12192000" cy="6858000"/>
   <p:notesSz cx="6858000" cy="9144000"/>
@@ -3981,6 +3990,12 @@
               <a:t>Commonly by month, day of week, day of year, etc.</a:t>
             </a:r>
           </a:p>
+          <a:p>
+            <a:r>
+              <a:rPr lang="en-US" dirty="0"/>
+              <a:t>Also called seasonality</a:t>
+            </a:r>
+          </a:p>
         </p:txBody>
       </p:sp>
       <p:sp>
@@ -5618,6 +5633,25 @@
             <a:r>
               <a:rPr lang="en-US" dirty="0"/>
               <a:t>Once we have our data stationary (or at least close), we can build amazing models!</a:t>
+            </a:r>
+          </a:p>
+          <a:p>
+            <a:r>
+              <a:rPr lang="en-US" dirty="0"/>
+              <a:t>Can’t have a trend</a:t>
+            </a:r>
+          </a:p>
+          <a:p>
+            <a:pPr lvl="1"/>
+            <a:r>
+              <a:rPr lang="en-US" dirty="0"/>
+              <a:t>If we do, we need to know when we are</a:t>
+            </a:r>
+          </a:p>
+          <a:p>
+            <a:r>
+              <a:rPr lang="en-US" dirty="0"/>
+              <a:t>Should minimize interaction between data points</a:t>
             </a:r>
           </a:p>
           <a:p>
@@ -9691,6 +9725,13 @@
               <a:t>I’m going to be using mean relative error, which measures how close our predictions are on average to the true value</a:t>
             </a:r>
           </a:p>
+          <a:p>
+            <a:pPr lvl="1"/>
+            <a:r>
+              <a:rPr lang="en-US" dirty="0"/>
+              <a:t>Another common metric: Mean Root Squared Error</a:t>
+            </a:r>
+          </a:p>
         </p:txBody>
       </p:sp>
       <p:sp>
@@ -11211,9 +11252,8 @@
         </p:nvPicPr>
         <p:blipFill>
           <a:blip r:embed="rId2"/>
-          <a:stretch>
-            <a:fillRect/>
-          </a:stretch>
+          <a:srcRect/>
+          <a:stretch/>
         </p:blipFill>
         <p:spPr>
           <a:xfrm>
@@ -16173,7 +16213,7 @@
             <a:pPr lvl="1"/>
             <a:r>
               <a:rPr lang="en-US" dirty="0"/>
-              <a:t>Can take a very long time to train the model</a:t>
+              <a:t>Can take a very long time to train the model (can be days)</a:t>
             </a:r>
           </a:p>
           <a:p>
@@ -16666,13 +16706,8 @@
           <a:p>
             <a:r>
               <a:rPr lang="en-US" dirty="0"/>
-              <a:t>Don’t </a:t>
-            </a:r>
-            <a:r>
-              <a:rPr lang="en-US"/>
-              <a:t>worry about the details!</a:t>
-            </a:r>
-            <a:endParaRPr lang="en-US" dirty="0"/>
+              <a:t>Don’t worry about the details!</a:t>
+            </a:r>
           </a:p>
         </p:txBody>
       </p:sp>
@@ -17130,7 +17165,9 @@
         </p:nvSpPr>
         <p:spPr/>
         <p:txBody>
-          <a:bodyPr/>
+          <a:bodyPr>
+            <a:normAutofit lnSpcReduction="10000"/>
+          </a:bodyPr>
           <a:lstStyle/>
           <a:p>
             <a:r>
@@ -17165,33 +17202,142 @@
             </a:r>
           </a:p>
           <a:p>
-            <a:r>
-              <a:rPr lang="en-US" dirty="0"/>
-              <a:t>Python</a:t>
-            </a:r>
-          </a:p>
-          <a:p>
             <a:pPr marL="0" indent="0">
               <a:buNone/>
             </a:pPr>
             <a:r>
+              <a:rPr lang="en-US" dirty="0" err="1">
+                <a:latin typeface="Courier New" panose="02070309020205020404" pitchFamily="49" charset="0"/>
+                <a:cs typeface="Courier New" panose="02070309020205020404" pitchFamily="49" charset="0"/>
+              </a:rPr>
+              <a:t>keras_model_sequential</a:t>
+            </a:r>
+            <a:r>
               <a:rPr lang="en-US" dirty="0">
                 <a:latin typeface="Courier New" panose="02070309020205020404" pitchFamily="49" charset="0"/>
                 <a:cs typeface="Courier New" panose="02070309020205020404" pitchFamily="49" charset="0"/>
               </a:rPr>
-              <a:t>import </a:t>
+              <a:t>() %&gt;%</a:t>
+            </a:r>
+          </a:p>
+          <a:p>
+            <a:pPr marL="0" indent="0">
+              <a:buNone/>
+            </a:pPr>
+            <a:r>
+              <a:rPr lang="en-US" dirty="0">
+                <a:latin typeface="Courier New" panose="02070309020205020404" pitchFamily="49" charset="0"/>
+                <a:cs typeface="Courier New" panose="02070309020205020404" pitchFamily="49" charset="0"/>
+              </a:rPr>
+              <a:t>    </a:t>
             </a:r>
             <a:r>
               <a:rPr lang="en-US" dirty="0" err="1">
                 <a:latin typeface="Courier New" panose="02070309020205020404" pitchFamily="49" charset="0"/>
                 <a:cs typeface="Courier New" panose="02070309020205020404" pitchFamily="49" charset="0"/>
               </a:rPr>
-              <a:t>keras</a:t>
-            </a:r>
-            <a:endParaRPr lang="en-US" dirty="0"/>
-          </a:p>
-          <a:p>
-            <a:endParaRPr lang="en-US" dirty="0"/>
+              <a:t>layer_simple_rnn</a:t>
+            </a:r>
+            <a:r>
+              <a:rPr lang="en-US" dirty="0">
+                <a:latin typeface="Courier New" panose="02070309020205020404" pitchFamily="49" charset="0"/>
+                <a:cs typeface="Courier New" panose="02070309020205020404" pitchFamily="49" charset="0"/>
+              </a:rPr>
+              <a:t>(units) …</a:t>
+            </a:r>
+          </a:p>
+          <a:p>
+            <a:r>
+              <a:rPr lang="en-US" dirty="0"/>
+              <a:t>Python</a:t>
+            </a:r>
+          </a:p>
+          <a:p>
+            <a:pPr marL="0" indent="0">
+              <a:buNone/>
+            </a:pPr>
+            <a:r>
+              <a:rPr lang="en-US" dirty="0">
+                <a:latin typeface="Courier New" panose="02070309020205020404" pitchFamily="49" charset="0"/>
+                <a:cs typeface="Courier New" panose="02070309020205020404" pitchFamily="49" charset="0"/>
+              </a:rPr>
+              <a:t>import </a:t>
+            </a:r>
+            <a:r>
+              <a:rPr lang="en-US" dirty="0" err="1">
+                <a:latin typeface="Courier New" panose="02070309020205020404" pitchFamily="49" charset="0"/>
+                <a:cs typeface="Courier New" panose="02070309020205020404" pitchFamily="49" charset="0"/>
+              </a:rPr>
+              <a:t>keras.models</a:t>
+            </a:r>
+            <a:endParaRPr lang="en-US" dirty="0">
+              <a:latin typeface="Courier New" panose="02070309020205020404" pitchFamily="49" charset="0"/>
+              <a:cs typeface="Courier New" panose="02070309020205020404" pitchFamily="49" charset="0"/>
+            </a:endParaRPr>
+          </a:p>
+          <a:p>
+            <a:pPr marL="0" indent="0">
+              <a:buNone/>
+            </a:pPr>
+            <a:r>
+              <a:rPr lang="en-US" dirty="0">
+                <a:latin typeface="Courier New" panose="02070309020205020404" pitchFamily="49" charset="0"/>
+                <a:cs typeface="Courier New" panose="02070309020205020404" pitchFamily="49" charset="0"/>
+              </a:rPr>
+              <a:t>model = </a:t>
+            </a:r>
+            <a:r>
+              <a:rPr lang="en-US" dirty="0" err="1">
+                <a:latin typeface="Courier New" panose="02070309020205020404" pitchFamily="49" charset="0"/>
+                <a:cs typeface="Courier New" panose="02070309020205020404" pitchFamily="49" charset="0"/>
+              </a:rPr>
+              <a:t>models.Sequential</a:t>
+            </a:r>
+            <a:r>
+              <a:rPr lang="en-US" dirty="0">
+                <a:latin typeface="Courier New" panose="02070309020205020404" pitchFamily="49" charset="0"/>
+                <a:cs typeface="Courier New" panose="02070309020205020404" pitchFamily="49" charset="0"/>
+              </a:rPr>
+              <a:t>([</a:t>
+            </a:r>
+          </a:p>
+          <a:p>
+            <a:pPr marL="0" indent="0">
+              <a:buNone/>
+            </a:pPr>
+            <a:r>
+              <a:rPr lang="en-US" dirty="0">
+                <a:latin typeface="Courier New" panose="02070309020205020404" pitchFamily="49" charset="0"/>
+                <a:cs typeface="Courier New" panose="02070309020205020404" pitchFamily="49" charset="0"/>
+              </a:rPr>
+              <a:t>    </a:t>
+            </a:r>
+            <a:r>
+              <a:rPr lang="en-US" dirty="0" err="1">
+                <a:latin typeface="Courier New" panose="02070309020205020404" pitchFamily="49" charset="0"/>
+                <a:cs typeface="Courier New" panose="02070309020205020404" pitchFamily="49" charset="0"/>
+              </a:rPr>
+              <a:t>SimpleRNN</a:t>
+            </a:r>
+            <a:r>
+              <a:rPr lang="en-US" dirty="0">
+                <a:latin typeface="Courier New" panose="02070309020205020404" pitchFamily="49" charset="0"/>
+                <a:cs typeface="Courier New" panose="02070309020205020404" pitchFamily="49" charset="0"/>
+              </a:rPr>
+              <a:t>(units) …</a:t>
+            </a:r>
+          </a:p>
+          <a:p>
+            <a:pPr marL="0" indent="0">
+              <a:buNone/>
+            </a:pPr>
+            <a:r>
+              <a:rPr lang="en-US" dirty="0">
+                <a:latin typeface="Courier New" panose="02070309020205020404" pitchFamily="49" charset="0"/>
+                <a:cs typeface="Courier New" panose="02070309020205020404" pitchFamily="49" charset="0"/>
+              </a:rPr>
+              <a:t>])</a:t>
+            </a:r>
           </a:p>
         </p:txBody>
       </p:sp>
@@ -17363,7 +17509,7 @@
           <a:p>
             <a:r>
               <a:rPr lang="en-US" dirty="0"/>
-              <a:t>AN RNN MODEL</a:t>
+              <a:t>AN RNN MODEL: SAME DATA</a:t>
             </a:r>
           </a:p>
         </p:txBody>
@@ -17511,26 +17657,7 @@
           <a:p>
             <a:r>
               <a:rPr lang="en-US" dirty="0"/>
-              <a:t>Mean Relative Error: 7.4%</a:t>
-            </a:r>
-          </a:p>
-          <a:p>
-            <a:r>
-              <a:rPr lang="en-US" dirty="0"/>
-              <a:t>Very interested in cycles</a:t>
-            </a:r>
-          </a:p>
-          <a:p>
-            <a:r>
-              <a:rPr lang="en-US" dirty="0"/>
-              <a:t>Not bad, but slightly worse than ARIMA</a:t>
-            </a:r>
-          </a:p>
-          <a:p>
-            <a:pPr lvl="1"/>
-            <a:r>
-              <a:rPr lang="en-US" dirty="0"/>
-              <a:t>Much faster, though</a:t>
+              <a:t>Just not enough data!</a:t>
             </a:r>
           </a:p>
         </p:txBody>
@@ -17596,10 +17723,10 @@
       </p:grpSpPr>
       <p:sp>
         <p:nvSpPr>
-          <p:cNvPr id="7" name="Title 6">
-            <a:extLst>
-              <a:ext uri="{FF2B5EF4-FFF2-40B4-BE49-F238E27FC236}">
-                <a16:creationId xmlns:a16="http://schemas.microsoft.com/office/drawing/2014/main" id="{75C0DCD3-95F8-4E1F-BF1A-5FAAB84A40A3}"/>
+          <p:cNvPr id="2" name="Title 1">
+            <a:extLst>
+              <a:ext uri="{FF2B5EF4-FFF2-40B4-BE49-F238E27FC236}">
+                <a16:creationId xmlns:a16="http://schemas.microsoft.com/office/drawing/2014/main" id="{D1BF0482-6913-4A5E-A533-479864CB5349}"/>
               </a:ext>
             </a:extLst>
           </p:cNvPr>
@@ -17617,91 +17744,8 @@
           <a:p>
             <a:r>
               <a:rPr lang="en-US" dirty="0"/>
-              <a:t>BUILDING AN LSTM MODEL</a:t>
-            </a:r>
-          </a:p>
-        </p:txBody>
-      </p:sp>
-      <p:sp>
-        <p:nvSpPr>
-          <p:cNvPr id="8" name="Content Placeholder 7">
-            <a:extLst>
-              <a:ext uri="{FF2B5EF4-FFF2-40B4-BE49-F238E27FC236}">
-                <a16:creationId xmlns:a16="http://schemas.microsoft.com/office/drawing/2014/main" id="{52BB1FAB-BB61-4B66-A4EA-A0EABC2B3ECA}"/>
-              </a:ext>
-            </a:extLst>
-          </p:cNvPr>
-          <p:cNvSpPr>
-            <a:spLocks noGrp="1"/>
-          </p:cNvSpPr>
-          <p:nvPr>
-            <p:ph idx="1"/>
-          </p:nvPr>
-        </p:nvSpPr>
-        <p:spPr/>
-        <p:txBody>
-          <a:bodyPr/>
-          <a:lstStyle/>
-          <a:p>
-            <a:r>
-              <a:rPr lang="en-US" dirty="0"/>
-              <a:t>R</a:t>
-            </a:r>
-          </a:p>
-          <a:p>
-            <a:pPr marL="0" indent="0">
-              <a:buNone/>
-            </a:pPr>
-            <a:r>
-              <a:rPr lang="en-US" dirty="0">
-                <a:latin typeface="Courier New" panose="02070309020205020404" pitchFamily="49" charset="0"/>
-                <a:cs typeface="Courier New" panose="02070309020205020404" pitchFamily="49" charset="0"/>
-              </a:rPr>
-              <a:t>library(</a:t>
-            </a:r>
-            <a:r>
-              <a:rPr lang="en-US" dirty="0" err="1">
-                <a:latin typeface="Courier New" panose="02070309020205020404" pitchFamily="49" charset="0"/>
-                <a:cs typeface="Courier New" panose="02070309020205020404" pitchFamily="49" charset="0"/>
-              </a:rPr>
-              <a:t>keras</a:t>
-            </a:r>
-            <a:r>
-              <a:rPr lang="en-US" dirty="0">
-                <a:latin typeface="Courier New" panose="02070309020205020404" pitchFamily="49" charset="0"/>
-                <a:cs typeface="Courier New" panose="02070309020205020404" pitchFamily="49" charset="0"/>
-              </a:rPr>
-              <a:t>)</a:t>
-            </a:r>
-          </a:p>
-          <a:p>
-            <a:r>
-              <a:rPr lang="en-US" dirty="0"/>
-              <a:t>Python</a:t>
-            </a:r>
-          </a:p>
-          <a:p>
-            <a:pPr marL="0" indent="0">
-              <a:buNone/>
-            </a:pPr>
-            <a:r>
-              <a:rPr lang="en-US" dirty="0">
-                <a:latin typeface="Courier New" panose="02070309020205020404" pitchFamily="49" charset="0"/>
-                <a:cs typeface="Courier New" panose="02070309020205020404" pitchFamily="49" charset="0"/>
-              </a:rPr>
-              <a:t>import </a:t>
-            </a:r>
-            <a:r>
-              <a:rPr lang="en-US" dirty="0" err="1">
-                <a:latin typeface="Courier New" panose="02070309020205020404" pitchFamily="49" charset="0"/>
-                <a:cs typeface="Courier New" panose="02070309020205020404" pitchFamily="49" charset="0"/>
-              </a:rPr>
-              <a:t>keras</a:t>
-            </a:r>
-            <a:endParaRPr lang="en-US" dirty="0">
-              <a:latin typeface="Courier New" panose="02070309020205020404" pitchFamily="49" charset="0"/>
-              <a:cs typeface="Courier New" panose="02070309020205020404" pitchFamily="49" charset="0"/>
-            </a:endParaRPr>
+              <a:t>AN RNN MODEL: USING ALL DATA</a:t>
+            </a:r>
           </a:p>
         </p:txBody>
       </p:sp>
@@ -17710,7 +17754,7 @@
           <p:cNvPr id="4" name="Date Placeholder 3">
             <a:extLst>
               <a:ext uri="{FF2B5EF4-FFF2-40B4-BE49-F238E27FC236}">
-                <a16:creationId xmlns:a16="http://schemas.microsoft.com/office/drawing/2014/main" id="{02256D86-7CE0-416E-B2A3-402D20EE9E90}"/>
+                <a16:creationId xmlns:a16="http://schemas.microsoft.com/office/drawing/2014/main" id="{B23DAF35-209C-48FA-AAAB-F69E14183A91}"/>
               </a:ext>
             </a:extLst>
           </p:cNvPr>
@@ -17726,7 +17770,7 @@
           <a:bodyPr/>
           <a:lstStyle/>
           <a:p>
-            <a:fld id="{B08FEED8-D7D4-44E9-BFBC-ED06B5996D94}" type="datetime4">
+            <a:fld id="{8AAE40A0-A7D8-4DC3-BC9E-BADA32DA2004}" type="datetime4">
               <a:rPr lang="en-US" smtClean="0"/>
               <a:t>July 30, 2019</a:t>
             </a:fld>
@@ -17739,7 +17783,7 @@
           <p:cNvPr id="5" name="Footer Placeholder 4">
             <a:extLst>
               <a:ext uri="{FF2B5EF4-FFF2-40B4-BE49-F238E27FC236}">
-                <a16:creationId xmlns:a16="http://schemas.microsoft.com/office/drawing/2014/main" id="{1D4ED112-7CF4-4BB9-B46E-B366A5054A9A}"/>
+                <a16:creationId xmlns:a16="http://schemas.microsoft.com/office/drawing/2014/main" id="{3D8E22A6-180D-41CF-9959-4347A11F2AD1}"/>
               </a:ext>
             </a:extLst>
           </p:cNvPr>
@@ -17796,7 +17840,7 @@
           <p:cNvPr id="6" name="Slide Number Placeholder 5">
             <a:extLst>
               <a:ext uri="{FF2B5EF4-FFF2-40B4-BE49-F238E27FC236}">
-                <a16:creationId xmlns:a16="http://schemas.microsoft.com/office/drawing/2014/main" id="{8CC75551-85BF-4C9F-8893-AA28ECA8A6B5}"/>
+                <a16:creationId xmlns:a16="http://schemas.microsoft.com/office/drawing/2014/main" id="{CECE3146-0C2B-4CC7-BC7C-FD23AAF7ECAE}"/>
               </a:ext>
             </a:extLst>
           </p:cNvPr>
@@ -17820,10 +17864,93 @@
           </a:p>
         </p:txBody>
       </p:sp>
+      <p:sp>
+        <p:nvSpPr>
+          <p:cNvPr id="8" name="Content Placeholder 7">
+            <a:extLst>
+              <a:ext uri="{FF2B5EF4-FFF2-40B4-BE49-F238E27FC236}">
+                <a16:creationId xmlns:a16="http://schemas.microsoft.com/office/drawing/2014/main" id="{30C259F3-048F-4C4B-AC8C-24699B6ABD42}"/>
+              </a:ext>
+            </a:extLst>
+          </p:cNvPr>
+          <p:cNvSpPr>
+            <a:spLocks noGrp="1"/>
+          </p:cNvSpPr>
+          <p:nvPr>
+            <p:ph idx="1"/>
+          </p:nvPr>
+        </p:nvSpPr>
+        <p:spPr>
+          <a:xfrm>
+            <a:off x="838200" y="1825625"/>
+            <a:ext cx="5257800" cy="4351338"/>
+          </a:xfrm>
+        </p:spPr>
+        <p:txBody>
+          <a:bodyPr/>
+          <a:lstStyle/>
+          <a:p>
+            <a:r>
+              <a:rPr lang="en-US" dirty="0"/>
+              <a:t>Each minute from January 1</a:t>
+            </a:r>
+            <a:r>
+              <a:rPr lang="en-US" baseline="30000" dirty="0"/>
+              <a:t>st</a:t>
+            </a:r>
+            <a:r>
+              <a:rPr lang="en-US" dirty="0"/>
+              <a:t> to May 31</a:t>
+            </a:r>
+            <a:r>
+              <a:rPr lang="en-US" baseline="30000" dirty="0"/>
+              <a:t>st</a:t>
+            </a:r>
+          </a:p>
+          <a:p>
+            <a:r>
+              <a:rPr lang="en-US" dirty="0"/>
+              <a:t>Mean Relative Error:</a:t>
+            </a:r>
+          </a:p>
+          <a:p>
+            <a:endParaRPr lang="en-US" dirty="0"/>
+          </a:p>
+        </p:txBody>
+      </p:sp>
+      <p:pic>
+        <p:nvPicPr>
+          <p:cNvPr id="10" name="Picture 9">
+            <a:extLst>
+              <a:ext uri="{FF2B5EF4-FFF2-40B4-BE49-F238E27FC236}">
+                <a16:creationId xmlns:a16="http://schemas.microsoft.com/office/drawing/2014/main" id="{64B67945-AF39-4BB8-86D4-3E74D0B6AE5C}"/>
+              </a:ext>
+            </a:extLst>
+          </p:cNvPr>
+          <p:cNvPicPr>
+            <a:picLocks noChangeAspect="1"/>
+          </p:cNvPicPr>
+          <p:nvPr/>
+        </p:nvPicPr>
+        <p:blipFill>
+          <a:blip r:embed="rId2"/>
+          <a:srcRect/>
+          <a:stretch/>
+        </p:blipFill>
+        <p:spPr>
+          <a:xfrm>
+            <a:off x="6096000" y="2096028"/>
+            <a:ext cx="5715798" cy="3810532"/>
+          </a:xfrm>
+          <a:prstGeom prst="rect">
+            <a:avLst/>
+          </a:prstGeom>
+        </p:spPr>
+      </p:pic>
     </p:spTree>
     <p:extLst>
       <p:ext uri="{BB962C8B-B14F-4D97-AF65-F5344CB8AC3E}">
-        <p14:creationId xmlns:p14="http://schemas.microsoft.com/office/powerpoint/2010/main" val="3436625262"/>
+        <p14:creationId xmlns:p14="http://schemas.microsoft.com/office/powerpoint/2010/main" val="219047416"/>
       </p:ext>
     </p:extLst>
   </p:cSld>
@@ -17852,10 +17979,10 @@
       </p:grpSpPr>
       <p:sp>
         <p:nvSpPr>
-          <p:cNvPr id="2" name="Title 1">
-            <a:extLst>
-              <a:ext uri="{FF2B5EF4-FFF2-40B4-BE49-F238E27FC236}">
-                <a16:creationId xmlns:a16="http://schemas.microsoft.com/office/drawing/2014/main" id="{D1BF0482-6913-4A5E-A533-479864CB5349}"/>
+          <p:cNvPr id="7" name="Title 6">
+            <a:extLst>
+              <a:ext uri="{FF2B5EF4-FFF2-40B4-BE49-F238E27FC236}">
+                <a16:creationId xmlns:a16="http://schemas.microsoft.com/office/drawing/2014/main" id="{75C0DCD3-95F8-4E1F-BF1A-5FAAB84A40A3}"/>
               </a:ext>
             </a:extLst>
           </p:cNvPr>
@@ -17873,7 +18000,187 @@
           <a:p>
             <a:r>
               <a:rPr lang="en-US" dirty="0"/>
-              <a:t>AN LSTM MODEL</a:t>
+              <a:t>BUILDING AN LSTM MODEL</a:t>
+            </a:r>
+          </a:p>
+        </p:txBody>
+      </p:sp>
+      <p:sp>
+        <p:nvSpPr>
+          <p:cNvPr id="8" name="Content Placeholder 7">
+            <a:extLst>
+              <a:ext uri="{FF2B5EF4-FFF2-40B4-BE49-F238E27FC236}">
+                <a16:creationId xmlns:a16="http://schemas.microsoft.com/office/drawing/2014/main" id="{52BB1FAB-BB61-4B66-A4EA-A0EABC2B3ECA}"/>
+              </a:ext>
+            </a:extLst>
+          </p:cNvPr>
+          <p:cNvSpPr>
+            <a:spLocks noGrp="1"/>
+          </p:cNvSpPr>
+          <p:nvPr>
+            <p:ph idx="1"/>
+          </p:nvPr>
+        </p:nvSpPr>
+        <p:spPr/>
+        <p:txBody>
+          <a:bodyPr>
+            <a:normAutofit lnSpcReduction="10000"/>
+          </a:bodyPr>
+          <a:lstStyle/>
+          <a:p>
+            <a:r>
+              <a:rPr lang="en-US" dirty="0"/>
+              <a:t>R</a:t>
+            </a:r>
+          </a:p>
+          <a:p>
+            <a:pPr marL="0" indent="0">
+              <a:buNone/>
+            </a:pPr>
+            <a:r>
+              <a:rPr lang="en-US" dirty="0">
+                <a:latin typeface="Courier New" panose="02070309020205020404" pitchFamily="49" charset="0"/>
+                <a:cs typeface="Courier New" panose="02070309020205020404" pitchFamily="49" charset="0"/>
+              </a:rPr>
+              <a:t>library(</a:t>
+            </a:r>
+            <a:r>
+              <a:rPr lang="en-US" dirty="0" err="1">
+                <a:latin typeface="Courier New" panose="02070309020205020404" pitchFamily="49" charset="0"/>
+                <a:cs typeface="Courier New" panose="02070309020205020404" pitchFamily="49" charset="0"/>
+              </a:rPr>
+              <a:t>keras</a:t>
+            </a:r>
+            <a:r>
+              <a:rPr lang="en-US" dirty="0">
+                <a:latin typeface="Courier New" panose="02070309020205020404" pitchFamily="49" charset="0"/>
+                <a:cs typeface="Courier New" panose="02070309020205020404" pitchFamily="49" charset="0"/>
+              </a:rPr>
+              <a:t>)</a:t>
+            </a:r>
+          </a:p>
+          <a:p>
+            <a:pPr marL="0" indent="0">
+              <a:buNone/>
+            </a:pPr>
+            <a:r>
+              <a:rPr lang="en-US" dirty="0" err="1">
+                <a:latin typeface="Courier New" panose="02070309020205020404" pitchFamily="49" charset="0"/>
+                <a:cs typeface="Courier New" panose="02070309020205020404" pitchFamily="49" charset="0"/>
+              </a:rPr>
+              <a:t>keras_model_sequential</a:t>
+            </a:r>
+            <a:r>
+              <a:rPr lang="en-US" dirty="0">
+                <a:latin typeface="Courier New" panose="02070309020205020404" pitchFamily="49" charset="0"/>
+                <a:cs typeface="Courier New" panose="02070309020205020404" pitchFamily="49" charset="0"/>
+              </a:rPr>
+              <a:t>() %&gt;%</a:t>
+            </a:r>
+          </a:p>
+          <a:p>
+            <a:pPr marL="0" indent="0">
+              <a:buNone/>
+            </a:pPr>
+            <a:r>
+              <a:rPr lang="en-US" dirty="0">
+                <a:latin typeface="Courier New" panose="02070309020205020404" pitchFamily="49" charset="0"/>
+                <a:cs typeface="Courier New" panose="02070309020205020404" pitchFamily="49" charset="0"/>
+              </a:rPr>
+              <a:t>    </a:t>
+            </a:r>
+            <a:r>
+              <a:rPr lang="en-US" dirty="0" err="1">
+                <a:latin typeface="Courier New" panose="02070309020205020404" pitchFamily="49" charset="0"/>
+                <a:cs typeface="Courier New" panose="02070309020205020404" pitchFamily="49" charset="0"/>
+              </a:rPr>
+              <a:t>layer_lstm</a:t>
+            </a:r>
+            <a:r>
+              <a:rPr lang="en-US" dirty="0">
+                <a:latin typeface="Courier New" panose="02070309020205020404" pitchFamily="49" charset="0"/>
+                <a:cs typeface="Courier New" panose="02070309020205020404" pitchFamily="49" charset="0"/>
+              </a:rPr>
+              <a:t>(units) …</a:t>
+            </a:r>
+          </a:p>
+          <a:p>
+            <a:r>
+              <a:rPr lang="en-US" dirty="0"/>
+              <a:t>Python</a:t>
+            </a:r>
+          </a:p>
+          <a:p>
+            <a:pPr marL="0" indent="0">
+              <a:buNone/>
+            </a:pPr>
+            <a:r>
+              <a:rPr lang="en-US" dirty="0">
+                <a:latin typeface="Courier New" panose="02070309020205020404" pitchFamily="49" charset="0"/>
+                <a:cs typeface="Courier New" panose="02070309020205020404" pitchFamily="49" charset="0"/>
+              </a:rPr>
+              <a:t>import </a:t>
+            </a:r>
+            <a:r>
+              <a:rPr lang="en-US" dirty="0" err="1">
+                <a:latin typeface="Courier New" panose="02070309020205020404" pitchFamily="49" charset="0"/>
+                <a:cs typeface="Courier New" panose="02070309020205020404" pitchFamily="49" charset="0"/>
+              </a:rPr>
+              <a:t>keras.models</a:t>
+            </a:r>
+            <a:endParaRPr lang="en-US" dirty="0">
+              <a:latin typeface="Courier New" panose="02070309020205020404" pitchFamily="49" charset="0"/>
+              <a:cs typeface="Courier New" panose="02070309020205020404" pitchFamily="49" charset="0"/>
+            </a:endParaRPr>
+          </a:p>
+          <a:p>
+            <a:pPr marL="0" indent="0">
+              <a:buNone/>
+            </a:pPr>
+            <a:r>
+              <a:rPr lang="en-US" dirty="0">
+                <a:latin typeface="Courier New" panose="02070309020205020404" pitchFamily="49" charset="0"/>
+                <a:cs typeface="Courier New" panose="02070309020205020404" pitchFamily="49" charset="0"/>
+              </a:rPr>
+              <a:t>model = </a:t>
+            </a:r>
+            <a:r>
+              <a:rPr lang="en-US" dirty="0" err="1">
+                <a:latin typeface="Courier New" panose="02070309020205020404" pitchFamily="49" charset="0"/>
+                <a:cs typeface="Courier New" panose="02070309020205020404" pitchFamily="49" charset="0"/>
+              </a:rPr>
+              <a:t>models.Sequential</a:t>
+            </a:r>
+            <a:r>
+              <a:rPr lang="en-US" dirty="0">
+                <a:latin typeface="Courier New" panose="02070309020205020404" pitchFamily="49" charset="0"/>
+                <a:cs typeface="Courier New" panose="02070309020205020404" pitchFamily="49" charset="0"/>
+              </a:rPr>
+              <a:t>([</a:t>
+            </a:r>
+          </a:p>
+          <a:p>
+            <a:pPr marL="0" indent="0">
+              <a:buNone/>
+            </a:pPr>
+            <a:r>
+              <a:rPr lang="en-US" dirty="0">
+                <a:latin typeface="Courier New" panose="02070309020205020404" pitchFamily="49" charset="0"/>
+                <a:cs typeface="Courier New" panose="02070309020205020404" pitchFamily="49" charset="0"/>
+              </a:rPr>
+              <a:t>    LSTM(units) …</a:t>
+            </a:r>
+          </a:p>
+          <a:p>
+            <a:pPr marL="0" indent="0">
+              <a:buNone/>
+            </a:pPr>
+            <a:r>
+              <a:rPr lang="en-US" dirty="0">
+                <a:latin typeface="Courier New" panose="02070309020205020404" pitchFamily="49" charset="0"/>
+                <a:cs typeface="Courier New" panose="02070309020205020404" pitchFamily="49" charset="0"/>
+              </a:rPr>
+              <a:t>])</a:t>
             </a:r>
           </a:p>
         </p:txBody>
@@ -17883,7 +18190,7 @@
           <p:cNvPr id="4" name="Date Placeholder 3">
             <a:extLst>
               <a:ext uri="{FF2B5EF4-FFF2-40B4-BE49-F238E27FC236}">
-                <a16:creationId xmlns:a16="http://schemas.microsoft.com/office/drawing/2014/main" id="{B23DAF35-209C-48FA-AAAB-F69E14183A91}"/>
+                <a16:creationId xmlns:a16="http://schemas.microsoft.com/office/drawing/2014/main" id="{02256D86-7CE0-416E-B2A3-402D20EE9E90}"/>
               </a:ext>
             </a:extLst>
           </p:cNvPr>
@@ -17899,7 +18206,7 @@
           <a:bodyPr/>
           <a:lstStyle/>
           <a:p>
-            <a:fld id="{8AAE40A0-A7D8-4DC3-BC9E-BADA32DA2004}" type="datetime4">
+            <a:fld id="{B08FEED8-D7D4-44E9-BFBC-ED06B5996D94}" type="datetime4">
               <a:rPr lang="en-US" smtClean="0"/>
               <a:t>July 30, 2019</a:t>
             </a:fld>
@@ -17912,7 +18219,7 @@
           <p:cNvPr id="5" name="Footer Placeholder 4">
             <a:extLst>
               <a:ext uri="{FF2B5EF4-FFF2-40B4-BE49-F238E27FC236}">
-                <a16:creationId xmlns:a16="http://schemas.microsoft.com/office/drawing/2014/main" id="{3D8E22A6-180D-41CF-9959-4347A11F2AD1}"/>
+                <a16:creationId xmlns:a16="http://schemas.microsoft.com/office/drawing/2014/main" id="{1D4ED112-7CF4-4BB9-B46E-B366A5054A9A}"/>
               </a:ext>
             </a:extLst>
           </p:cNvPr>
@@ -17969,7 +18276,7 @@
           <p:cNvPr id="6" name="Slide Number Placeholder 5">
             <a:extLst>
               <a:ext uri="{FF2B5EF4-FFF2-40B4-BE49-F238E27FC236}">
-                <a16:creationId xmlns:a16="http://schemas.microsoft.com/office/drawing/2014/main" id="{CECE3146-0C2B-4CC7-BC7C-FD23AAF7ECAE}"/>
+                <a16:creationId xmlns:a16="http://schemas.microsoft.com/office/drawing/2014/main" id="{8CC75551-85BF-4C9F-8893-AA28ECA8A6B5}"/>
               </a:ext>
             </a:extLst>
           </p:cNvPr>
@@ -17993,91 +18300,10 @@
           </a:p>
         </p:txBody>
       </p:sp>
-      <p:sp>
-        <p:nvSpPr>
-          <p:cNvPr id="8" name="Content Placeholder 7">
-            <a:extLst>
-              <a:ext uri="{FF2B5EF4-FFF2-40B4-BE49-F238E27FC236}">
-                <a16:creationId xmlns:a16="http://schemas.microsoft.com/office/drawing/2014/main" id="{30C259F3-048F-4C4B-AC8C-24699B6ABD42}"/>
-              </a:ext>
-            </a:extLst>
-          </p:cNvPr>
-          <p:cNvSpPr>
-            <a:spLocks noGrp="1"/>
-          </p:cNvSpPr>
-          <p:nvPr>
-            <p:ph idx="1"/>
-          </p:nvPr>
-        </p:nvSpPr>
-        <p:spPr>
-          <a:xfrm>
-            <a:off x="838200" y="1825625"/>
-            <a:ext cx="5257800" cy="4351338"/>
-          </a:xfrm>
-        </p:spPr>
-        <p:txBody>
-          <a:bodyPr/>
-          <a:lstStyle/>
-          <a:p>
-            <a:r>
-              <a:rPr lang="en-US" dirty="0"/>
-              <a:t>Mean Relative Error: 7.4%</a:t>
-            </a:r>
-          </a:p>
-          <a:p>
-            <a:r>
-              <a:rPr lang="en-US" dirty="0"/>
-              <a:t>Very interested in cycles</a:t>
-            </a:r>
-          </a:p>
-          <a:p>
-            <a:r>
-              <a:rPr lang="en-US" dirty="0"/>
-              <a:t>Not bad, but slightly worse than ARIMA</a:t>
-            </a:r>
-          </a:p>
-          <a:p>
-            <a:pPr lvl="1"/>
-            <a:r>
-              <a:rPr lang="en-US" dirty="0"/>
-              <a:t>Much faster, though</a:t>
-            </a:r>
-          </a:p>
-        </p:txBody>
-      </p:sp>
-      <p:pic>
-        <p:nvPicPr>
-          <p:cNvPr id="10" name="Picture 9">
-            <a:extLst>
-              <a:ext uri="{FF2B5EF4-FFF2-40B4-BE49-F238E27FC236}">
-                <a16:creationId xmlns:a16="http://schemas.microsoft.com/office/drawing/2014/main" id="{64B67945-AF39-4BB8-86D4-3E74D0B6AE5C}"/>
-              </a:ext>
-            </a:extLst>
-          </p:cNvPr>
-          <p:cNvPicPr>
-            <a:picLocks noChangeAspect="1"/>
-          </p:cNvPicPr>
-          <p:nvPr/>
-        </p:nvPicPr>
-        <p:blipFill>
-          <a:blip r:embed="rId2"/>
-          <a:srcRect/>
-          <a:stretch/>
-        </p:blipFill>
-        <p:spPr>
-          <a:xfrm>
-            <a:off x="6096000" y="2096028"/>
-            <a:ext cx="5715798" cy="3810532"/>
-          </a:xfrm>
-          <a:prstGeom prst="rect">
-            <a:avLst/>
-          </a:prstGeom>
-        </p:spPr>
-      </p:pic>
     </p:spTree>
     <p:extLst>
       <p:ext uri="{BB962C8B-B14F-4D97-AF65-F5344CB8AC3E}">
-        <p14:creationId xmlns:p14="http://schemas.microsoft.com/office/powerpoint/2010/main" val="3102886213"/>
+        <p14:creationId xmlns:p14="http://schemas.microsoft.com/office/powerpoint/2010/main" val="3436625262"/>
       </p:ext>
     </p:extLst>
   </p:cSld>
@@ -18106,10 +18332,10 @@
       </p:grpSpPr>
       <p:sp>
         <p:nvSpPr>
-          <p:cNvPr id="7" name="Title 6">
-            <a:extLst>
-              <a:ext uri="{FF2B5EF4-FFF2-40B4-BE49-F238E27FC236}">
-                <a16:creationId xmlns:a16="http://schemas.microsoft.com/office/drawing/2014/main" id="{104472AF-9F8F-4DDB-87F2-C7E7CE4538C8}"/>
+          <p:cNvPr id="2" name="Title 1">
+            <a:extLst>
+              <a:ext uri="{FF2B5EF4-FFF2-40B4-BE49-F238E27FC236}">
+                <a16:creationId xmlns:a16="http://schemas.microsoft.com/office/drawing/2014/main" id="{D1BF0482-6913-4A5E-A533-479864CB5349}"/>
               </a:ext>
             </a:extLst>
           </p:cNvPr>
@@ -18127,42 +18353,7 @@
           <a:p>
             <a:r>
               <a:rPr lang="en-US" dirty="0"/>
-              <a:t>COMPARISON AND</a:t>
-            </a:r>
-            <a:br>
-              <a:rPr lang="en-US" dirty="0"/>
-            </a:br>
-            <a:r>
-              <a:rPr lang="en-US" dirty="0"/>
-              <a:t>SUMMARY</a:t>
-            </a:r>
-          </a:p>
-        </p:txBody>
-      </p:sp>
-      <p:sp>
-        <p:nvSpPr>
-          <p:cNvPr id="8" name="Text Placeholder 7">
-            <a:extLst>
-              <a:ext uri="{FF2B5EF4-FFF2-40B4-BE49-F238E27FC236}">
-                <a16:creationId xmlns:a16="http://schemas.microsoft.com/office/drawing/2014/main" id="{DD688F21-A860-408B-AB59-DE6ECA0510A7}"/>
-              </a:ext>
-            </a:extLst>
-          </p:cNvPr>
-          <p:cNvSpPr>
-            <a:spLocks noGrp="1"/>
-          </p:cNvSpPr>
-          <p:nvPr>
-            <p:ph type="body" idx="1"/>
-          </p:nvPr>
-        </p:nvSpPr>
-        <p:spPr/>
-        <p:txBody>
-          <a:bodyPr/>
-          <a:lstStyle/>
-          <a:p>
-            <a:r>
-              <a:rPr lang="en-US" dirty="0"/>
-              <a:t>A look back at our models</a:t>
+              <a:t>AN LSTM MODEL: SAME DATA</a:t>
             </a:r>
           </a:p>
         </p:txBody>
@@ -18172,7 +18363,7 @@
           <p:cNvPr id="4" name="Date Placeholder 3">
             <a:extLst>
               <a:ext uri="{FF2B5EF4-FFF2-40B4-BE49-F238E27FC236}">
-                <a16:creationId xmlns:a16="http://schemas.microsoft.com/office/drawing/2014/main" id="{2BDFDE93-390C-49C9-82C5-E17C875CFB35}"/>
+                <a16:creationId xmlns:a16="http://schemas.microsoft.com/office/drawing/2014/main" id="{B23DAF35-209C-48FA-AAAB-F69E14183A91}"/>
               </a:ext>
             </a:extLst>
           </p:cNvPr>
@@ -18201,7 +18392,7 @@
           <p:cNvPr id="5" name="Footer Placeholder 4">
             <a:extLst>
               <a:ext uri="{FF2B5EF4-FFF2-40B4-BE49-F238E27FC236}">
-                <a16:creationId xmlns:a16="http://schemas.microsoft.com/office/drawing/2014/main" id="{112AF0ED-0352-4AB1-9F1D-E1A89A11AE24}"/>
+                <a16:creationId xmlns:a16="http://schemas.microsoft.com/office/drawing/2014/main" id="{3D8E22A6-180D-41CF-9959-4347A11F2AD1}"/>
               </a:ext>
             </a:extLst>
           </p:cNvPr>
@@ -18258,7 +18449,7 @@
           <p:cNvPr id="6" name="Slide Number Placeholder 5">
             <a:extLst>
               <a:ext uri="{FF2B5EF4-FFF2-40B4-BE49-F238E27FC236}">
-                <a16:creationId xmlns:a16="http://schemas.microsoft.com/office/drawing/2014/main" id="{6089B17D-061B-423C-94B0-38D32F83111F}"/>
+                <a16:creationId xmlns:a16="http://schemas.microsoft.com/office/drawing/2014/main" id="{CECE3146-0C2B-4CC7-BC7C-FD23AAF7ECAE}"/>
               </a:ext>
             </a:extLst>
           </p:cNvPr>
@@ -18282,10 +18473,72 @@
           </a:p>
         </p:txBody>
       </p:sp>
+      <p:sp>
+        <p:nvSpPr>
+          <p:cNvPr id="8" name="Content Placeholder 7">
+            <a:extLst>
+              <a:ext uri="{FF2B5EF4-FFF2-40B4-BE49-F238E27FC236}">
+                <a16:creationId xmlns:a16="http://schemas.microsoft.com/office/drawing/2014/main" id="{30C259F3-048F-4C4B-AC8C-24699B6ABD42}"/>
+              </a:ext>
+            </a:extLst>
+          </p:cNvPr>
+          <p:cNvSpPr>
+            <a:spLocks noGrp="1"/>
+          </p:cNvSpPr>
+          <p:nvPr>
+            <p:ph idx="1"/>
+          </p:nvPr>
+        </p:nvSpPr>
+        <p:spPr>
+          <a:xfrm>
+            <a:off x="838200" y="1825625"/>
+            <a:ext cx="5257800" cy="4351338"/>
+          </a:xfrm>
+        </p:spPr>
+        <p:txBody>
+          <a:bodyPr/>
+          <a:lstStyle/>
+          <a:p>
+            <a:r>
+              <a:rPr lang="en-US" dirty="0"/>
+              <a:t>Just not enough data!</a:t>
+            </a:r>
+          </a:p>
+        </p:txBody>
+      </p:sp>
+      <p:pic>
+        <p:nvPicPr>
+          <p:cNvPr id="10" name="Picture 9">
+            <a:extLst>
+              <a:ext uri="{FF2B5EF4-FFF2-40B4-BE49-F238E27FC236}">
+                <a16:creationId xmlns:a16="http://schemas.microsoft.com/office/drawing/2014/main" id="{64B67945-AF39-4BB8-86D4-3E74D0B6AE5C}"/>
+              </a:ext>
+            </a:extLst>
+          </p:cNvPr>
+          <p:cNvPicPr>
+            <a:picLocks noChangeAspect="1"/>
+          </p:cNvPicPr>
+          <p:nvPr/>
+        </p:nvPicPr>
+        <p:blipFill>
+          <a:blip r:embed="rId2"/>
+          <a:srcRect/>
+          <a:stretch/>
+        </p:blipFill>
+        <p:spPr>
+          <a:xfrm>
+            <a:off x="6096000" y="2096028"/>
+            <a:ext cx="5715798" cy="3810532"/>
+          </a:xfrm>
+          <a:prstGeom prst="rect">
+            <a:avLst/>
+          </a:prstGeom>
+        </p:spPr>
+      </p:pic>
     </p:spTree>
     <p:extLst>
       <p:ext uri="{BB962C8B-B14F-4D97-AF65-F5344CB8AC3E}">
-        <p14:creationId xmlns:p14="http://schemas.microsoft.com/office/powerpoint/2010/main" val="3177806857"/>
+        <p14:creationId xmlns:p14="http://schemas.microsoft.com/office/powerpoint/2010/main" val="1928417119"/>
       </p:ext>
     </p:extLst>
   </p:cSld>
@@ -18314,10 +18567,10 @@
       </p:grpSpPr>
       <p:sp>
         <p:nvSpPr>
-          <p:cNvPr id="7" name="Title 6">
-            <a:extLst>
-              <a:ext uri="{FF2B5EF4-FFF2-40B4-BE49-F238E27FC236}">
-                <a16:creationId xmlns:a16="http://schemas.microsoft.com/office/drawing/2014/main" id="{495B4BC0-844B-4414-A623-BEF78AAC1BA1}"/>
+          <p:cNvPr id="2" name="Title 1">
+            <a:extLst>
+              <a:ext uri="{FF2B5EF4-FFF2-40B4-BE49-F238E27FC236}">
+                <a16:creationId xmlns:a16="http://schemas.microsoft.com/office/drawing/2014/main" id="{D1BF0482-6913-4A5E-A533-479864CB5349}"/>
               </a:ext>
             </a:extLst>
           </p:cNvPr>
@@ -18335,85 +18588,8 @@
           <a:p>
             <a:r>
               <a:rPr lang="en-US" dirty="0"/>
-              <a:t>ACKNOWLEDGMENTS</a:t>
-            </a:r>
-          </a:p>
-        </p:txBody>
-      </p:sp>
-      <p:sp>
-        <p:nvSpPr>
-          <p:cNvPr id="8" name="Content Placeholder 7">
-            <a:extLst>
-              <a:ext uri="{FF2B5EF4-FFF2-40B4-BE49-F238E27FC236}">
-                <a16:creationId xmlns:a16="http://schemas.microsoft.com/office/drawing/2014/main" id="{2BED3EB3-7E98-4A82-8335-7321D9E37B16}"/>
-              </a:ext>
-            </a:extLst>
-          </p:cNvPr>
-          <p:cNvSpPr>
-            <a:spLocks noGrp="1"/>
-          </p:cNvSpPr>
-          <p:nvPr>
-            <p:ph idx="1"/>
-          </p:nvPr>
-        </p:nvSpPr>
-        <p:spPr/>
-        <p:txBody>
-          <a:bodyPr/>
-          <a:lstStyle/>
-          <a:p>
-            <a:r>
-              <a:rPr lang="en-US" dirty="0"/>
-              <a:t>Plots were created using the ggplot2 package in R</a:t>
-            </a:r>
-          </a:p>
-          <a:p>
-            <a:r>
-              <a:rPr lang="en-US" dirty="0"/>
-              <a:t>Shumway and </a:t>
-            </a:r>
-            <a:r>
-              <a:rPr lang="en-US" dirty="0" err="1"/>
-              <a:t>Stoffer’s</a:t>
-            </a:r>
-            <a:r>
-              <a:rPr lang="en-US" dirty="0"/>
-              <a:t> </a:t>
-            </a:r>
-            <a:r>
-              <a:rPr lang="en-US" i="1" dirty="0"/>
-              <a:t>Time Series Analysis and Its Applications With R Examples, Fourth Edition </a:t>
-            </a:r>
-            <a:r>
-              <a:rPr lang="en-US" dirty="0"/>
-              <a:t>published by Springer was used as the main reference for the ARIMA section</a:t>
-            </a:r>
-          </a:p>
-          <a:p>
-            <a:r>
-              <a:rPr lang="en-US" i="1" dirty="0"/>
-              <a:t>Forecasting at Scale </a:t>
-            </a:r>
-            <a:r>
-              <a:rPr lang="en-US" dirty="0"/>
-              <a:t>by Sean J. Taylor and Benjamin </a:t>
-            </a:r>
-            <a:r>
-              <a:rPr lang="en-US" dirty="0" err="1"/>
-              <a:t>Letham</a:t>
-            </a:r>
-            <a:r>
-              <a:rPr lang="en-US" dirty="0"/>
-              <a:t> at Facebook was used as the main reference for the Prophet section</a:t>
-            </a:r>
-          </a:p>
-          <a:p>
-            <a:r>
-              <a:rPr lang="en-US" dirty="0"/>
-              <a:t>The pictures under Neural Networks are licensed for free use under Wikimedia Commons.</a:t>
-            </a:r>
-          </a:p>
-          <a:p>
-            <a:endParaRPr lang="en-US" dirty="0"/>
+              <a:t>AN LSTM MODEL: USING ALL DATA</a:t>
+            </a:r>
           </a:p>
         </p:txBody>
       </p:sp>
@@ -18422,7 +18598,7 @@
           <p:cNvPr id="4" name="Date Placeholder 3">
             <a:extLst>
               <a:ext uri="{FF2B5EF4-FFF2-40B4-BE49-F238E27FC236}">
-                <a16:creationId xmlns:a16="http://schemas.microsoft.com/office/drawing/2014/main" id="{540F37F1-4F33-429F-A568-1A3ADC499E54}"/>
+                <a16:creationId xmlns:a16="http://schemas.microsoft.com/office/drawing/2014/main" id="{B23DAF35-209C-48FA-AAAB-F69E14183A91}"/>
               </a:ext>
             </a:extLst>
           </p:cNvPr>
@@ -18438,7 +18614,7 @@
           <a:bodyPr/>
           <a:lstStyle/>
           <a:p>
-            <a:fld id="{B08FEED8-D7D4-44E9-BFBC-ED06B5996D94}" type="datetime4">
+            <a:fld id="{8AAE40A0-A7D8-4DC3-BC9E-BADA32DA2004}" type="datetime4">
               <a:rPr lang="en-US" smtClean="0"/>
               <a:t>July 30, 2019</a:t>
             </a:fld>
@@ -18451,7 +18627,7 @@
           <p:cNvPr id="5" name="Footer Placeholder 4">
             <a:extLst>
               <a:ext uri="{FF2B5EF4-FFF2-40B4-BE49-F238E27FC236}">
-                <a16:creationId xmlns:a16="http://schemas.microsoft.com/office/drawing/2014/main" id="{673FFA57-C126-4795-A5F6-DD33AAC5ACBD}"/>
+                <a16:creationId xmlns:a16="http://schemas.microsoft.com/office/drawing/2014/main" id="{3D8E22A6-180D-41CF-9959-4347A11F2AD1}"/>
               </a:ext>
             </a:extLst>
           </p:cNvPr>
@@ -18508,7 +18684,7 @@
           <p:cNvPr id="6" name="Slide Number Placeholder 5">
             <a:extLst>
               <a:ext uri="{FF2B5EF4-FFF2-40B4-BE49-F238E27FC236}">
-                <a16:creationId xmlns:a16="http://schemas.microsoft.com/office/drawing/2014/main" id="{2FA49567-BB70-4798-8746-D0B522CCEE20}"/>
+                <a16:creationId xmlns:a16="http://schemas.microsoft.com/office/drawing/2014/main" id="{CECE3146-0C2B-4CC7-BC7C-FD23AAF7ECAE}"/>
               </a:ext>
             </a:extLst>
           </p:cNvPr>
@@ -18532,10 +18708,1058 @@
           </a:p>
         </p:txBody>
       </p:sp>
+      <p:sp>
+        <p:nvSpPr>
+          <p:cNvPr id="8" name="Content Placeholder 7">
+            <a:extLst>
+              <a:ext uri="{FF2B5EF4-FFF2-40B4-BE49-F238E27FC236}">
+                <a16:creationId xmlns:a16="http://schemas.microsoft.com/office/drawing/2014/main" id="{30C259F3-048F-4C4B-AC8C-24699B6ABD42}"/>
+              </a:ext>
+            </a:extLst>
+          </p:cNvPr>
+          <p:cNvSpPr>
+            <a:spLocks noGrp="1"/>
+          </p:cNvSpPr>
+          <p:nvPr>
+            <p:ph idx="1"/>
+          </p:nvPr>
+        </p:nvSpPr>
+        <p:spPr>
+          <a:xfrm>
+            <a:off x="838200" y="1825625"/>
+            <a:ext cx="5257800" cy="4351338"/>
+          </a:xfrm>
+        </p:spPr>
+        <p:txBody>
+          <a:bodyPr/>
+          <a:lstStyle/>
+          <a:p>
+            <a:r>
+              <a:rPr lang="en-US" dirty="0"/>
+              <a:t>Each minute from January 1</a:t>
+            </a:r>
+            <a:r>
+              <a:rPr lang="en-US" baseline="30000" dirty="0"/>
+              <a:t>st</a:t>
+            </a:r>
+            <a:r>
+              <a:rPr lang="en-US" dirty="0"/>
+              <a:t> to May 31</a:t>
+            </a:r>
+            <a:r>
+              <a:rPr lang="en-US" baseline="30000" dirty="0"/>
+              <a:t>st</a:t>
+            </a:r>
+          </a:p>
+          <a:p>
+            <a:r>
+              <a:rPr lang="en-US" dirty="0"/>
+              <a:t>Mean Relative Error:</a:t>
+            </a:r>
+          </a:p>
+          <a:p>
+            <a:endParaRPr lang="en-US" dirty="0"/>
+          </a:p>
+        </p:txBody>
+      </p:sp>
+      <p:pic>
+        <p:nvPicPr>
+          <p:cNvPr id="10" name="Picture 9">
+            <a:extLst>
+              <a:ext uri="{FF2B5EF4-FFF2-40B4-BE49-F238E27FC236}">
+                <a16:creationId xmlns:a16="http://schemas.microsoft.com/office/drawing/2014/main" id="{64B67945-AF39-4BB8-86D4-3E74D0B6AE5C}"/>
+              </a:ext>
+            </a:extLst>
+          </p:cNvPr>
+          <p:cNvPicPr>
+            <a:picLocks noChangeAspect="1"/>
+          </p:cNvPicPr>
+          <p:nvPr/>
+        </p:nvPicPr>
+        <p:blipFill>
+          <a:blip r:embed="rId2"/>
+          <a:srcRect/>
+          <a:stretch/>
+        </p:blipFill>
+        <p:spPr>
+          <a:xfrm>
+            <a:off x="6096000" y="2096028"/>
+            <a:ext cx="5715798" cy="3810532"/>
+          </a:xfrm>
+          <a:prstGeom prst="rect">
+            <a:avLst/>
+          </a:prstGeom>
+        </p:spPr>
+      </p:pic>
     </p:spTree>
     <p:extLst>
       <p:ext uri="{BB962C8B-B14F-4D97-AF65-F5344CB8AC3E}">
-        <p14:creationId xmlns:p14="http://schemas.microsoft.com/office/powerpoint/2010/main" val="1585568494"/>
+        <p14:creationId xmlns:p14="http://schemas.microsoft.com/office/powerpoint/2010/main" val="3021477682"/>
+      </p:ext>
+    </p:extLst>
+  </p:cSld>
+  <p:clrMapOvr>
+    <a:masterClrMapping/>
+  </p:clrMapOvr>
+</p:sld>
+</file>
+
+<file path=ppt/slides/slide66.xml><?xml version="1.0" encoding="utf-8"?>
+<p:sld xmlns:a="http://schemas.openxmlformats.org/drawingml/2006/main" xmlns:r="http://schemas.openxmlformats.org/officeDocument/2006/relationships" xmlns:p="http://schemas.openxmlformats.org/presentationml/2006/main">
+  <p:cSld>
+    <p:spTree>
+      <p:nvGrpSpPr>
+        <p:cNvPr id="1" name=""/>
+        <p:cNvGrpSpPr/>
+        <p:nvPr/>
+      </p:nvGrpSpPr>
+      <p:grpSpPr>
+        <a:xfrm>
+          <a:off x="0" y="0"/>
+          <a:ext cx="0" cy="0"/>
+          <a:chOff x="0" y="0"/>
+          <a:chExt cx="0" cy="0"/>
+        </a:xfrm>
+      </p:grpSpPr>
+      <p:sp>
+        <p:nvSpPr>
+          <p:cNvPr id="7" name="Title 6">
+            <a:extLst>
+              <a:ext uri="{FF2B5EF4-FFF2-40B4-BE49-F238E27FC236}">
+                <a16:creationId xmlns:a16="http://schemas.microsoft.com/office/drawing/2014/main" id="{104472AF-9F8F-4DDB-87F2-C7E7CE4538C8}"/>
+              </a:ext>
+            </a:extLst>
+          </p:cNvPr>
+          <p:cNvSpPr>
+            <a:spLocks noGrp="1"/>
+          </p:cNvSpPr>
+          <p:nvPr>
+            <p:ph type="title"/>
+          </p:nvPr>
+        </p:nvSpPr>
+        <p:spPr/>
+        <p:txBody>
+          <a:bodyPr/>
+          <a:lstStyle/>
+          <a:p>
+            <a:r>
+              <a:rPr lang="en-US" dirty="0"/>
+              <a:t>COMPARISON AND</a:t>
+            </a:r>
+            <a:br>
+              <a:rPr lang="en-US" dirty="0"/>
+            </a:br>
+            <a:r>
+              <a:rPr lang="en-US" dirty="0"/>
+              <a:t>SUMMARY</a:t>
+            </a:r>
+          </a:p>
+        </p:txBody>
+      </p:sp>
+      <p:sp>
+        <p:nvSpPr>
+          <p:cNvPr id="8" name="Text Placeholder 7">
+            <a:extLst>
+              <a:ext uri="{FF2B5EF4-FFF2-40B4-BE49-F238E27FC236}">
+                <a16:creationId xmlns:a16="http://schemas.microsoft.com/office/drawing/2014/main" id="{DD688F21-A860-408B-AB59-DE6ECA0510A7}"/>
+              </a:ext>
+            </a:extLst>
+          </p:cNvPr>
+          <p:cNvSpPr>
+            <a:spLocks noGrp="1"/>
+          </p:cNvSpPr>
+          <p:nvPr>
+            <p:ph type="body" idx="1"/>
+          </p:nvPr>
+        </p:nvSpPr>
+        <p:spPr/>
+        <p:txBody>
+          <a:bodyPr/>
+          <a:lstStyle/>
+          <a:p>
+            <a:r>
+              <a:rPr lang="en-US" dirty="0"/>
+              <a:t>A look back at our models</a:t>
+            </a:r>
+          </a:p>
+        </p:txBody>
+      </p:sp>
+      <p:sp>
+        <p:nvSpPr>
+          <p:cNvPr id="4" name="Date Placeholder 3">
+            <a:extLst>
+              <a:ext uri="{FF2B5EF4-FFF2-40B4-BE49-F238E27FC236}">
+                <a16:creationId xmlns:a16="http://schemas.microsoft.com/office/drawing/2014/main" id="{2BDFDE93-390C-49C9-82C5-E17C875CFB35}"/>
+              </a:ext>
+            </a:extLst>
+          </p:cNvPr>
+          <p:cNvSpPr>
+            <a:spLocks noGrp="1"/>
+          </p:cNvSpPr>
+          <p:nvPr>
+            <p:ph type="dt" sz="half" idx="10"/>
+          </p:nvPr>
+        </p:nvSpPr>
+        <p:spPr/>
+        <p:txBody>
+          <a:bodyPr/>
+          <a:lstStyle/>
+          <a:p>
+            <a:fld id="{8AAE40A0-A7D8-4DC3-BC9E-BADA32DA2004}" type="datetime4">
+              <a:rPr lang="en-US" smtClean="0"/>
+              <a:t>July 30, 2019</a:t>
+            </a:fld>
+            <a:endParaRPr lang="en-US" dirty="0"/>
+          </a:p>
+        </p:txBody>
+      </p:sp>
+      <p:sp>
+        <p:nvSpPr>
+          <p:cNvPr id="5" name="Footer Placeholder 4">
+            <a:extLst>
+              <a:ext uri="{FF2B5EF4-FFF2-40B4-BE49-F238E27FC236}">
+                <a16:creationId xmlns:a16="http://schemas.microsoft.com/office/drawing/2014/main" id="{112AF0ED-0352-4AB1-9F1D-E1A89A11AE24}"/>
+              </a:ext>
+            </a:extLst>
+          </p:cNvPr>
+          <p:cNvSpPr>
+            <a:spLocks noGrp="1"/>
+          </p:cNvSpPr>
+          <p:nvPr>
+            <p:ph type="ftr" sz="quarter" idx="11"/>
+          </p:nvPr>
+        </p:nvSpPr>
+        <p:spPr/>
+        <p:txBody>
+          <a:bodyPr/>
+          <a:lstStyle/>
+          <a:p>
+            <a:r>
+              <a:rPr lang="en-US"/>
+              <a:t>Digital Scholarship Services </a:t>
+            </a:r>
+            <a:r>
+              <a:rPr lang="en-US">
+                <a:solidFill>
+                  <a:schemeClr val="accent1">
+                    <a:lumMod val="50000"/>
+                  </a:schemeClr>
+                </a:solidFill>
+              </a:rPr>
+              <a:t>| Email</a:t>
+            </a:r>
+            <a:r>
+              <a:rPr lang="en-US"/>
+              <a:t> cf24@rice.edu </a:t>
+            </a:r>
+            <a:r>
+              <a:rPr lang="en-US">
+                <a:solidFill>
+                  <a:schemeClr val="accent1">
+                    <a:lumMod val="50000"/>
+                  </a:schemeClr>
+                </a:solidFill>
+              </a:rPr>
+              <a:t>|</a:t>
+            </a:r>
+            <a:r>
+              <a:rPr lang="en-US"/>
+              <a:t> library.rice.edu/dss</a:t>
+            </a:r>
+            <a:endParaRPr lang="en-US" dirty="0"/>
+          </a:p>
+        </p:txBody>
+      </p:sp>
+      <p:sp>
+        <p:nvSpPr>
+          <p:cNvPr id="6" name="Slide Number Placeholder 5">
+            <a:extLst>
+              <a:ext uri="{FF2B5EF4-FFF2-40B4-BE49-F238E27FC236}">
+                <a16:creationId xmlns:a16="http://schemas.microsoft.com/office/drawing/2014/main" id="{6089B17D-061B-423C-94B0-38D32F83111F}"/>
+              </a:ext>
+            </a:extLst>
+          </p:cNvPr>
+          <p:cNvSpPr>
+            <a:spLocks noGrp="1"/>
+          </p:cNvSpPr>
+          <p:nvPr>
+            <p:ph type="sldNum" sz="quarter" idx="12"/>
+          </p:nvPr>
+        </p:nvSpPr>
+        <p:spPr/>
+        <p:txBody>
+          <a:bodyPr/>
+          <a:lstStyle/>
+          <a:p>
+            <a:fld id="{D57F1E4F-1CFF-5643-939E-02111984F565}" type="slidenum">
+              <a:rPr lang="en-US" smtClean="0"/>
+              <a:t>66</a:t>
+            </a:fld>
+            <a:endParaRPr lang="en-US" dirty="0"/>
+          </a:p>
+        </p:txBody>
+      </p:sp>
+    </p:spTree>
+    <p:extLst>
+      <p:ext uri="{BB962C8B-B14F-4D97-AF65-F5344CB8AC3E}">
+        <p14:creationId xmlns:p14="http://schemas.microsoft.com/office/powerpoint/2010/main" val="3177806857"/>
+      </p:ext>
+    </p:extLst>
+  </p:cSld>
+  <p:clrMapOvr>
+    <a:masterClrMapping/>
+  </p:clrMapOvr>
+</p:sld>
+</file>
+
+<file path=ppt/slides/slide67.xml><?xml version="1.0" encoding="utf-8"?>
+<p:sld xmlns:a="http://schemas.openxmlformats.org/drawingml/2006/main" xmlns:r="http://schemas.openxmlformats.org/officeDocument/2006/relationships" xmlns:p="http://schemas.openxmlformats.org/presentationml/2006/main">
+  <p:cSld>
+    <p:spTree>
+      <p:nvGrpSpPr>
+        <p:cNvPr id="1" name=""/>
+        <p:cNvGrpSpPr/>
+        <p:nvPr/>
+      </p:nvGrpSpPr>
+      <p:grpSpPr>
+        <a:xfrm>
+          <a:off x="0" y="0"/>
+          <a:ext cx="0" cy="0"/>
+          <a:chOff x="0" y="0"/>
+          <a:chExt cx="0" cy="0"/>
+        </a:xfrm>
+      </p:grpSpPr>
+      <p:sp>
+        <p:nvSpPr>
+          <p:cNvPr id="2" name="Title 1">
+            <a:extLst>
+              <a:ext uri="{FF2B5EF4-FFF2-40B4-BE49-F238E27FC236}">
+                <a16:creationId xmlns:a16="http://schemas.microsoft.com/office/drawing/2014/main" id="{D1BF0482-6913-4A5E-A533-479864CB5349}"/>
+              </a:ext>
+            </a:extLst>
+          </p:cNvPr>
+          <p:cNvSpPr>
+            <a:spLocks noGrp="1"/>
+          </p:cNvSpPr>
+          <p:nvPr>
+            <p:ph type="title"/>
+          </p:nvPr>
+        </p:nvSpPr>
+        <p:spPr/>
+        <p:txBody>
+          <a:bodyPr/>
+          <a:lstStyle/>
+          <a:p>
+            <a:r>
+              <a:rPr lang="en-US" dirty="0"/>
+              <a:t>MODEL COMPARISON: ARIMA</a:t>
+            </a:r>
+          </a:p>
+        </p:txBody>
+      </p:sp>
+      <p:sp>
+        <p:nvSpPr>
+          <p:cNvPr id="4" name="Date Placeholder 3">
+            <a:extLst>
+              <a:ext uri="{FF2B5EF4-FFF2-40B4-BE49-F238E27FC236}">
+                <a16:creationId xmlns:a16="http://schemas.microsoft.com/office/drawing/2014/main" id="{B23DAF35-209C-48FA-AAAB-F69E14183A91}"/>
+              </a:ext>
+            </a:extLst>
+          </p:cNvPr>
+          <p:cNvSpPr>
+            <a:spLocks noGrp="1"/>
+          </p:cNvSpPr>
+          <p:nvPr>
+            <p:ph type="dt" sz="half" idx="10"/>
+          </p:nvPr>
+        </p:nvSpPr>
+        <p:spPr/>
+        <p:txBody>
+          <a:bodyPr/>
+          <a:lstStyle/>
+          <a:p>
+            <a:fld id="{8AAE40A0-A7D8-4DC3-BC9E-BADA32DA2004}" type="datetime4">
+              <a:rPr lang="en-US" smtClean="0"/>
+              <a:t>July 30, 2019</a:t>
+            </a:fld>
+            <a:endParaRPr lang="en-US" dirty="0"/>
+          </a:p>
+        </p:txBody>
+      </p:sp>
+      <p:sp>
+        <p:nvSpPr>
+          <p:cNvPr id="5" name="Footer Placeholder 4">
+            <a:extLst>
+              <a:ext uri="{FF2B5EF4-FFF2-40B4-BE49-F238E27FC236}">
+                <a16:creationId xmlns:a16="http://schemas.microsoft.com/office/drawing/2014/main" id="{3D8E22A6-180D-41CF-9959-4347A11F2AD1}"/>
+              </a:ext>
+            </a:extLst>
+          </p:cNvPr>
+          <p:cNvSpPr>
+            <a:spLocks noGrp="1"/>
+          </p:cNvSpPr>
+          <p:nvPr>
+            <p:ph type="ftr" sz="quarter" idx="11"/>
+          </p:nvPr>
+        </p:nvSpPr>
+        <p:spPr/>
+        <p:txBody>
+          <a:bodyPr/>
+          <a:lstStyle/>
+          <a:p>
+            <a:r>
+              <a:rPr lang="en-US"/>
+              <a:t>Digital Scholarship Services </a:t>
+            </a:r>
+            <a:r>
+              <a:rPr lang="en-US">
+                <a:solidFill>
+                  <a:schemeClr val="accent1">
+                    <a:lumMod val="50000"/>
+                  </a:schemeClr>
+                </a:solidFill>
+              </a:rPr>
+              <a:t>| Email</a:t>
+            </a:r>
+            <a:r>
+              <a:rPr lang="en-US"/>
+              <a:t> cf24@rice.edu </a:t>
+            </a:r>
+            <a:r>
+              <a:rPr lang="en-US">
+                <a:solidFill>
+                  <a:schemeClr val="accent1">
+                    <a:lumMod val="50000"/>
+                  </a:schemeClr>
+                </a:solidFill>
+              </a:rPr>
+              <a:t>|</a:t>
+            </a:r>
+            <a:r>
+              <a:rPr lang="en-US"/>
+              <a:t> library.rice.edu/dss</a:t>
+            </a:r>
+            <a:endParaRPr lang="en-US" dirty="0"/>
+          </a:p>
+        </p:txBody>
+      </p:sp>
+      <p:sp>
+        <p:nvSpPr>
+          <p:cNvPr id="6" name="Slide Number Placeholder 5">
+            <a:extLst>
+              <a:ext uri="{FF2B5EF4-FFF2-40B4-BE49-F238E27FC236}">
+                <a16:creationId xmlns:a16="http://schemas.microsoft.com/office/drawing/2014/main" id="{CECE3146-0C2B-4CC7-BC7C-FD23AAF7ECAE}"/>
+              </a:ext>
+            </a:extLst>
+          </p:cNvPr>
+          <p:cNvSpPr>
+            <a:spLocks noGrp="1"/>
+          </p:cNvSpPr>
+          <p:nvPr>
+            <p:ph type="sldNum" sz="quarter" idx="12"/>
+          </p:nvPr>
+        </p:nvSpPr>
+        <p:spPr/>
+        <p:txBody>
+          <a:bodyPr/>
+          <a:lstStyle/>
+          <a:p>
+            <a:fld id="{D57F1E4F-1CFF-5643-939E-02111984F565}" type="slidenum">
+              <a:rPr lang="en-US" smtClean="0"/>
+              <a:t>67</a:t>
+            </a:fld>
+            <a:endParaRPr lang="en-US" dirty="0"/>
+          </a:p>
+        </p:txBody>
+      </p:sp>
+      <p:sp>
+        <p:nvSpPr>
+          <p:cNvPr id="8" name="Content Placeholder 7">
+            <a:extLst>
+              <a:ext uri="{FF2B5EF4-FFF2-40B4-BE49-F238E27FC236}">
+                <a16:creationId xmlns:a16="http://schemas.microsoft.com/office/drawing/2014/main" id="{30C259F3-048F-4C4B-AC8C-24699B6ABD42}"/>
+              </a:ext>
+            </a:extLst>
+          </p:cNvPr>
+          <p:cNvSpPr>
+            <a:spLocks noGrp="1"/>
+          </p:cNvSpPr>
+          <p:nvPr>
+            <p:ph idx="1"/>
+          </p:nvPr>
+        </p:nvSpPr>
+        <p:spPr>
+          <a:xfrm>
+            <a:off x="838200" y="1825625"/>
+            <a:ext cx="5257800" cy="4351338"/>
+          </a:xfrm>
+        </p:spPr>
+        <p:txBody>
+          <a:bodyPr/>
+          <a:lstStyle/>
+          <a:p>
+            <a:r>
+              <a:rPr lang="en-US" dirty="0"/>
+              <a:t>Mean Relative Error: 5.6%</a:t>
+            </a:r>
+          </a:p>
+          <a:p>
+            <a:r>
+              <a:rPr lang="en-US" dirty="0"/>
+              <a:t>Follows peaks nicely!</a:t>
+            </a:r>
+          </a:p>
+          <a:p>
+            <a:pPr lvl="1"/>
+            <a:r>
+              <a:rPr lang="en-US" dirty="0"/>
+              <a:t>Only major miss is the huge spike</a:t>
+            </a:r>
+          </a:p>
+        </p:txBody>
+      </p:sp>
+      <p:pic>
+        <p:nvPicPr>
+          <p:cNvPr id="10" name="Picture 9" descr="A picture containing object&#10;&#10;Description automatically generated">
+            <a:extLst>
+              <a:ext uri="{FF2B5EF4-FFF2-40B4-BE49-F238E27FC236}">
+                <a16:creationId xmlns:a16="http://schemas.microsoft.com/office/drawing/2014/main" id="{64B67945-AF39-4BB8-86D4-3E74D0B6AE5C}"/>
+              </a:ext>
+            </a:extLst>
+          </p:cNvPr>
+          <p:cNvPicPr>
+            <a:picLocks noChangeAspect="1"/>
+          </p:cNvPicPr>
+          <p:nvPr/>
+        </p:nvPicPr>
+        <p:blipFill>
+          <a:blip r:embed="rId2"/>
+          <a:stretch>
+            <a:fillRect/>
+          </a:stretch>
+        </p:blipFill>
+        <p:spPr>
+          <a:xfrm>
+            <a:off x="6096000" y="2096028"/>
+            <a:ext cx="5715798" cy="3810532"/>
+          </a:xfrm>
+          <a:prstGeom prst="rect">
+            <a:avLst/>
+          </a:prstGeom>
+        </p:spPr>
+      </p:pic>
+    </p:spTree>
+    <p:extLst>
+      <p:ext uri="{BB962C8B-B14F-4D97-AF65-F5344CB8AC3E}">
+        <p14:creationId xmlns:p14="http://schemas.microsoft.com/office/powerpoint/2010/main" val="939056684"/>
+      </p:ext>
+    </p:extLst>
+  </p:cSld>
+  <p:clrMapOvr>
+    <a:masterClrMapping/>
+  </p:clrMapOvr>
+</p:sld>
+</file>
+
+<file path=ppt/slides/slide68.xml><?xml version="1.0" encoding="utf-8"?>
+<p:sld xmlns:a="http://schemas.openxmlformats.org/drawingml/2006/main" xmlns:r="http://schemas.openxmlformats.org/officeDocument/2006/relationships" xmlns:p="http://schemas.openxmlformats.org/presentationml/2006/main">
+  <p:cSld>
+    <p:spTree>
+      <p:nvGrpSpPr>
+        <p:cNvPr id="1" name=""/>
+        <p:cNvGrpSpPr/>
+        <p:nvPr/>
+      </p:nvGrpSpPr>
+      <p:grpSpPr>
+        <a:xfrm>
+          <a:off x="0" y="0"/>
+          <a:ext cx="0" cy="0"/>
+          <a:chOff x="0" y="0"/>
+          <a:chExt cx="0" cy="0"/>
+        </a:xfrm>
+      </p:grpSpPr>
+      <p:sp>
+        <p:nvSpPr>
+          <p:cNvPr id="2" name="Title 1">
+            <a:extLst>
+              <a:ext uri="{FF2B5EF4-FFF2-40B4-BE49-F238E27FC236}">
+                <a16:creationId xmlns:a16="http://schemas.microsoft.com/office/drawing/2014/main" id="{D1BF0482-6913-4A5E-A533-479864CB5349}"/>
+              </a:ext>
+            </a:extLst>
+          </p:cNvPr>
+          <p:cNvSpPr>
+            <a:spLocks noGrp="1"/>
+          </p:cNvSpPr>
+          <p:nvPr>
+            <p:ph type="title"/>
+          </p:nvPr>
+        </p:nvSpPr>
+        <p:spPr/>
+        <p:txBody>
+          <a:bodyPr/>
+          <a:lstStyle/>
+          <a:p>
+            <a:r>
+              <a:rPr lang="en-US" dirty="0"/>
+              <a:t>MODEL COMPARISON: PROPHET</a:t>
+            </a:r>
+          </a:p>
+        </p:txBody>
+      </p:sp>
+      <p:sp>
+        <p:nvSpPr>
+          <p:cNvPr id="4" name="Date Placeholder 3">
+            <a:extLst>
+              <a:ext uri="{FF2B5EF4-FFF2-40B4-BE49-F238E27FC236}">
+                <a16:creationId xmlns:a16="http://schemas.microsoft.com/office/drawing/2014/main" id="{B23DAF35-209C-48FA-AAAB-F69E14183A91}"/>
+              </a:ext>
+            </a:extLst>
+          </p:cNvPr>
+          <p:cNvSpPr>
+            <a:spLocks noGrp="1"/>
+          </p:cNvSpPr>
+          <p:nvPr>
+            <p:ph type="dt" sz="half" idx="10"/>
+          </p:nvPr>
+        </p:nvSpPr>
+        <p:spPr/>
+        <p:txBody>
+          <a:bodyPr/>
+          <a:lstStyle/>
+          <a:p>
+            <a:fld id="{8AAE40A0-A7D8-4DC3-BC9E-BADA32DA2004}" type="datetime4">
+              <a:rPr lang="en-US" smtClean="0"/>
+              <a:t>July 30, 2019</a:t>
+            </a:fld>
+            <a:endParaRPr lang="en-US" dirty="0"/>
+          </a:p>
+        </p:txBody>
+      </p:sp>
+      <p:sp>
+        <p:nvSpPr>
+          <p:cNvPr id="5" name="Footer Placeholder 4">
+            <a:extLst>
+              <a:ext uri="{FF2B5EF4-FFF2-40B4-BE49-F238E27FC236}">
+                <a16:creationId xmlns:a16="http://schemas.microsoft.com/office/drawing/2014/main" id="{3D8E22A6-180D-41CF-9959-4347A11F2AD1}"/>
+              </a:ext>
+            </a:extLst>
+          </p:cNvPr>
+          <p:cNvSpPr>
+            <a:spLocks noGrp="1"/>
+          </p:cNvSpPr>
+          <p:nvPr>
+            <p:ph type="ftr" sz="quarter" idx="11"/>
+          </p:nvPr>
+        </p:nvSpPr>
+        <p:spPr/>
+        <p:txBody>
+          <a:bodyPr/>
+          <a:lstStyle/>
+          <a:p>
+            <a:r>
+              <a:rPr lang="en-US"/>
+              <a:t>Digital Scholarship Services </a:t>
+            </a:r>
+            <a:r>
+              <a:rPr lang="en-US">
+                <a:solidFill>
+                  <a:schemeClr val="accent1">
+                    <a:lumMod val="50000"/>
+                  </a:schemeClr>
+                </a:solidFill>
+              </a:rPr>
+              <a:t>| Email</a:t>
+            </a:r>
+            <a:r>
+              <a:rPr lang="en-US"/>
+              <a:t> cf24@rice.edu </a:t>
+            </a:r>
+            <a:r>
+              <a:rPr lang="en-US">
+                <a:solidFill>
+                  <a:schemeClr val="accent1">
+                    <a:lumMod val="50000"/>
+                  </a:schemeClr>
+                </a:solidFill>
+              </a:rPr>
+              <a:t>|</a:t>
+            </a:r>
+            <a:r>
+              <a:rPr lang="en-US"/>
+              <a:t> library.rice.edu/dss</a:t>
+            </a:r>
+            <a:endParaRPr lang="en-US" dirty="0"/>
+          </a:p>
+        </p:txBody>
+      </p:sp>
+      <p:sp>
+        <p:nvSpPr>
+          <p:cNvPr id="6" name="Slide Number Placeholder 5">
+            <a:extLst>
+              <a:ext uri="{FF2B5EF4-FFF2-40B4-BE49-F238E27FC236}">
+                <a16:creationId xmlns:a16="http://schemas.microsoft.com/office/drawing/2014/main" id="{CECE3146-0C2B-4CC7-BC7C-FD23AAF7ECAE}"/>
+              </a:ext>
+            </a:extLst>
+          </p:cNvPr>
+          <p:cNvSpPr>
+            <a:spLocks noGrp="1"/>
+          </p:cNvSpPr>
+          <p:nvPr>
+            <p:ph type="sldNum" sz="quarter" idx="12"/>
+          </p:nvPr>
+        </p:nvSpPr>
+        <p:spPr/>
+        <p:txBody>
+          <a:bodyPr/>
+          <a:lstStyle/>
+          <a:p>
+            <a:fld id="{D57F1E4F-1CFF-5643-939E-02111984F565}" type="slidenum">
+              <a:rPr lang="en-US" smtClean="0"/>
+              <a:t>68</a:t>
+            </a:fld>
+            <a:endParaRPr lang="en-US" dirty="0"/>
+          </a:p>
+        </p:txBody>
+      </p:sp>
+      <p:sp>
+        <p:nvSpPr>
+          <p:cNvPr id="8" name="Content Placeholder 7">
+            <a:extLst>
+              <a:ext uri="{FF2B5EF4-FFF2-40B4-BE49-F238E27FC236}">
+                <a16:creationId xmlns:a16="http://schemas.microsoft.com/office/drawing/2014/main" id="{30C259F3-048F-4C4B-AC8C-24699B6ABD42}"/>
+              </a:ext>
+            </a:extLst>
+          </p:cNvPr>
+          <p:cNvSpPr>
+            <a:spLocks noGrp="1"/>
+          </p:cNvSpPr>
+          <p:nvPr>
+            <p:ph idx="1"/>
+          </p:nvPr>
+        </p:nvSpPr>
+        <p:spPr>
+          <a:xfrm>
+            <a:off x="838200" y="1825625"/>
+            <a:ext cx="5257800" cy="4351338"/>
+          </a:xfrm>
+        </p:spPr>
+        <p:txBody>
+          <a:bodyPr/>
+          <a:lstStyle/>
+          <a:p>
+            <a:r>
+              <a:rPr lang="en-US" dirty="0"/>
+              <a:t>Mean Relative Error: 7.4%</a:t>
+            </a:r>
+          </a:p>
+          <a:p>
+            <a:r>
+              <a:rPr lang="en-US" dirty="0"/>
+              <a:t>Very interested in cycles</a:t>
+            </a:r>
+          </a:p>
+          <a:p>
+            <a:r>
+              <a:rPr lang="en-US" dirty="0"/>
+              <a:t>Not bad, but slightly worse than ARIMA</a:t>
+            </a:r>
+          </a:p>
+          <a:p>
+            <a:pPr lvl="1"/>
+            <a:r>
+              <a:rPr lang="en-US" dirty="0"/>
+              <a:t>Much faster, though</a:t>
+            </a:r>
+          </a:p>
+        </p:txBody>
+      </p:sp>
+      <p:pic>
+        <p:nvPicPr>
+          <p:cNvPr id="10" name="Picture 9">
+            <a:extLst>
+              <a:ext uri="{FF2B5EF4-FFF2-40B4-BE49-F238E27FC236}">
+                <a16:creationId xmlns:a16="http://schemas.microsoft.com/office/drawing/2014/main" id="{64B67945-AF39-4BB8-86D4-3E74D0B6AE5C}"/>
+              </a:ext>
+            </a:extLst>
+          </p:cNvPr>
+          <p:cNvPicPr>
+            <a:picLocks noChangeAspect="1"/>
+          </p:cNvPicPr>
+          <p:nvPr/>
+        </p:nvPicPr>
+        <p:blipFill>
+          <a:blip r:embed="rId2"/>
+          <a:srcRect/>
+          <a:stretch/>
+        </p:blipFill>
+        <p:spPr>
+          <a:xfrm>
+            <a:off x="6096000" y="2096028"/>
+            <a:ext cx="5715798" cy="3810532"/>
+          </a:xfrm>
+          <a:prstGeom prst="rect">
+            <a:avLst/>
+          </a:prstGeom>
+        </p:spPr>
+      </p:pic>
+    </p:spTree>
+    <p:extLst>
+      <p:ext uri="{BB962C8B-B14F-4D97-AF65-F5344CB8AC3E}">
+        <p14:creationId xmlns:p14="http://schemas.microsoft.com/office/powerpoint/2010/main" val="362039217"/>
+      </p:ext>
+    </p:extLst>
+  </p:cSld>
+  <p:clrMapOvr>
+    <a:masterClrMapping/>
+  </p:clrMapOvr>
+</p:sld>
+</file>
+
+<file path=ppt/slides/slide69.xml><?xml version="1.0" encoding="utf-8"?>
+<p:sld xmlns:a="http://schemas.openxmlformats.org/drawingml/2006/main" xmlns:r="http://schemas.openxmlformats.org/officeDocument/2006/relationships" xmlns:p="http://schemas.openxmlformats.org/presentationml/2006/main">
+  <p:cSld>
+    <p:spTree>
+      <p:nvGrpSpPr>
+        <p:cNvPr id="1" name=""/>
+        <p:cNvGrpSpPr/>
+        <p:nvPr/>
+      </p:nvGrpSpPr>
+      <p:grpSpPr>
+        <a:xfrm>
+          <a:off x="0" y="0"/>
+          <a:ext cx="0" cy="0"/>
+          <a:chOff x="0" y="0"/>
+          <a:chExt cx="0" cy="0"/>
+        </a:xfrm>
+      </p:grpSpPr>
+      <p:sp>
+        <p:nvSpPr>
+          <p:cNvPr id="2" name="Title 1">
+            <a:extLst>
+              <a:ext uri="{FF2B5EF4-FFF2-40B4-BE49-F238E27FC236}">
+                <a16:creationId xmlns:a16="http://schemas.microsoft.com/office/drawing/2014/main" id="{D1BF0482-6913-4A5E-A533-479864CB5349}"/>
+              </a:ext>
+            </a:extLst>
+          </p:cNvPr>
+          <p:cNvSpPr>
+            <a:spLocks noGrp="1"/>
+          </p:cNvSpPr>
+          <p:nvPr>
+            <p:ph type="title"/>
+          </p:nvPr>
+        </p:nvSpPr>
+        <p:spPr/>
+        <p:txBody>
+          <a:bodyPr/>
+          <a:lstStyle/>
+          <a:p>
+            <a:r>
+              <a:rPr lang="en-US" dirty="0"/>
+              <a:t>MODEL COMPARISON: RNN</a:t>
+            </a:r>
+          </a:p>
+        </p:txBody>
+      </p:sp>
+      <p:sp>
+        <p:nvSpPr>
+          <p:cNvPr id="4" name="Date Placeholder 3">
+            <a:extLst>
+              <a:ext uri="{FF2B5EF4-FFF2-40B4-BE49-F238E27FC236}">
+                <a16:creationId xmlns:a16="http://schemas.microsoft.com/office/drawing/2014/main" id="{B23DAF35-209C-48FA-AAAB-F69E14183A91}"/>
+              </a:ext>
+            </a:extLst>
+          </p:cNvPr>
+          <p:cNvSpPr>
+            <a:spLocks noGrp="1"/>
+          </p:cNvSpPr>
+          <p:nvPr>
+            <p:ph type="dt" sz="half" idx="10"/>
+          </p:nvPr>
+        </p:nvSpPr>
+        <p:spPr/>
+        <p:txBody>
+          <a:bodyPr/>
+          <a:lstStyle/>
+          <a:p>
+            <a:fld id="{8AAE40A0-A7D8-4DC3-BC9E-BADA32DA2004}" type="datetime4">
+              <a:rPr lang="en-US" smtClean="0"/>
+              <a:t>July 30, 2019</a:t>
+            </a:fld>
+            <a:endParaRPr lang="en-US" dirty="0"/>
+          </a:p>
+        </p:txBody>
+      </p:sp>
+      <p:sp>
+        <p:nvSpPr>
+          <p:cNvPr id="5" name="Footer Placeholder 4">
+            <a:extLst>
+              <a:ext uri="{FF2B5EF4-FFF2-40B4-BE49-F238E27FC236}">
+                <a16:creationId xmlns:a16="http://schemas.microsoft.com/office/drawing/2014/main" id="{3D8E22A6-180D-41CF-9959-4347A11F2AD1}"/>
+              </a:ext>
+            </a:extLst>
+          </p:cNvPr>
+          <p:cNvSpPr>
+            <a:spLocks noGrp="1"/>
+          </p:cNvSpPr>
+          <p:nvPr>
+            <p:ph type="ftr" sz="quarter" idx="11"/>
+          </p:nvPr>
+        </p:nvSpPr>
+        <p:spPr/>
+        <p:txBody>
+          <a:bodyPr/>
+          <a:lstStyle/>
+          <a:p>
+            <a:r>
+              <a:rPr lang="en-US"/>
+              <a:t>Digital Scholarship Services </a:t>
+            </a:r>
+            <a:r>
+              <a:rPr lang="en-US">
+                <a:solidFill>
+                  <a:schemeClr val="accent1">
+                    <a:lumMod val="50000"/>
+                  </a:schemeClr>
+                </a:solidFill>
+              </a:rPr>
+              <a:t>| Email</a:t>
+            </a:r>
+            <a:r>
+              <a:rPr lang="en-US"/>
+              <a:t> cf24@rice.edu </a:t>
+            </a:r>
+            <a:r>
+              <a:rPr lang="en-US">
+                <a:solidFill>
+                  <a:schemeClr val="accent1">
+                    <a:lumMod val="50000"/>
+                  </a:schemeClr>
+                </a:solidFill>
+              </a:rPr>
+              <a:t>|</a:t>
+            </a:r>
+            <a:r>
+              <a:rPr lang="en-US"/>
+              <a:t> library.rice.edu/dss</a:t>
+            </a:r>
+            <a:endParaRPr lang="en-US" dirty="0"/>
+          </a:p>
+        </p:txBody>
+      </p:sp>
+      <p:sp>
+        <p:nvSpPr>
+          <p:cNvPr id="6" name="Slide Number Placeholder 5">
+            <a:extLst>
+              <a:ext uri="{FF2B5EF4-FFF2-40B4-BE49-F238E27FC236}">
+                <a16:creationId xmlns:a16="http://schemas.microsoft.com/office/drawing/2014/main" id="{CECE3146-0C2B-4CC7-BC7C-FD23AAF7ECAE}"/>
+              </a:ext>
+            </a:extLst>
+          </p:cNvPr>
+          <p:cNvSpPr>
+            <a:spLocks noGrp="1"/>
+          </p:cNvSpPr>
+          <p:nvPr>
+            <p:ph type="sldNum" sz="quarter" idx="12"/>
+          </p:nvPr>
+        </p:nvSpPr>
+        <p:spPr/>
+        <p:txBody>
+          <a:bodyPr/>
+          <a:lstStyle/>
+          <a:p>
+            <a:fld id="{D57F1E4F-1CFF-5643-939E-02111984F565}" type="slidenum">
+              <a:rPr lang="en-US" smtClean="0"/>
+              <a:t>69</a:t>
+            </a:fld>
+            <a:endParaRPr lang="en-US" dirty="0"/>
+          </a:p>
+        </p:txBody>
+      </p:sp>
+      <p:sp>
+        <p:nvSpPr>
+          <p:cNvPr id="8" name="Content Placeholder 7">
+            <a:extLst>
+              <a:ext uri="{FF2B5EF4-FFF2-40B4-BE49-F238E27FC236}">
+                <a16:creationId xmlns:a16="http://schemas.microsoft.com/office/drawing/2014/main" id="{30C259F3-048F-4C4B-AC8C-24699B6ABD42}"/>
+              </a:ext>
+            </a:extLst>
+          </p:cNvPr>
+          <p:cNvSpPr>
+            <a:spLocks noGrp="1"/>
+          </p:cNvSpPr>
+          <p:nvPr>
+            <p:ph idx="1"/>
+          </p:nvPr>
+        </p:nvSpPr>
+        <p:spPr>
+          <a:xfrm>
+            <a:off x="838200" y="1825625"/>
+            <a:ext cx="5257800" cy="4351338"/>
+          </a:xfrm>
+        </p:spPr>
+        <p:txBody>
+          <a:bodyPr/>
+          <a:lstStyle/>
+          <a:p>
+            <a:r>
+              <a:rPr lang="en-US" dirty="0"/>
+              <a:t>Mean Relative Error: 7.4%</a:t>
+            </a:r>
+          </a:p>
+          <a:p>
+            <a:r>
+              <a:rPr lang="en-US" dirty="0"/>
+              <a:t>Very interested in cycles</a:t>
+            </a:r>
+          </a:p>
+          <a:p>
+            <a:r>
+              <a:rPr lang="en-US" dirty="0"/>
+              <a:t>Not bad, but slightly worse than ARIMA</a:t>
+            </a:r>
+          </a:p>
+          <a:p>
+            <a:pPr lvl="1"/>
+            <a:r>
+              <a:rPr lang="en-US" dirty="0"/>
+              <a:t>Much faster, though</a:t>
+            </a:r>
+          </a:p>
+        </p:txBody>
+      </p:sp>
+      <p:pic>
+        <p:nvPicPr>
+          <p:cNvPr id="10" name="Picture 9">
+            <a:extLst>
+              <a:ext uri="{FF2B5EF4-FFF2-40B4-BE49-F238E27FC236}">
+                <a16:creationId xmlns:a16="http://schemas.microsoft.com/office/drawing/2014/main" id="{64B67945-AF39-4BB8-86D4-3E74D0B6AE5C}"/>
+              </a:ext>
+            </a:extLst>
+          </p:cNvPr>
+          <p:cNvPicPr>
+            <a:picLocks noChangeAspect="1"/>
+          </p:cNvPicPr>
+          <p:nvPr/>
+        </p:nvPicPr>
+        <p:blipFill>
+          <a:blip r:embed="rId2"/>
+          <a:srcRect/>
+          <a:stretch/>
+        </p:blipFill>
+        <p:spPr>
+          <a:xfrm>
+            <a:off x="6096000" y="2096028"/>
+            <a:ext cx="5715798" cy="3810532"/>
+          </a:xfrm>
+          <a:prstGeom prst="rect">
+            <a:avLst/>
+          </a:prstGeom>
+        </p:spPr>
+      </p:pic>
+    </p:spTree>
+    <p:extLst>
+      <p:ext uri="{BB962C8B-B14F-4D97-AF65-F5344CB8AC3E}">
+        <p14:creationId xmlns:p14="http://schemas.microsoft.com/office/powerpoint/2010/main" val="2278730989"/>
       </p:ext>
     </p:extLst>
   </p:cSld>
@@ -18744,6 +19968,1289 @@
     <p:extLst>
       <p:ext uri="{BB962C8B-B14F-4D97-AF65-F5344CB8AC3E}">
         <p14:creationId xmlns:p14="http://schemas.microsoft.com/office/powerpoint/2010/main" val="2581962988"/>
+      </p:ext>
+    </p:extLst>
+  </p:cSld>
+  <p:clrMapOvr>
+    <a:masterClrMapping/>
+  </p:clrMapOvr>
+</p:sld>
+</file>
+
+<file path=ppt/slides/slide70.xml><?xml version="1.0" encoding="utf-8"?>
+<p:sld xmlns:a="http://schemas.openxmlformats.org/drawingml/2006/main" xmlns:r="http://schemas.openxmlformats.org/officeDocument/2006/relationships" xmlns:p="http://schemas.openxmlformats.org/presentationml/2006/main">
+  <p:cSld>
+    <p:spTree>
+      <p:nvGrpSpPr>
+        <p:cNvPr id="1" name=""/>
+        <p:cNvGrpSpPr/>
+        <p:nvPr/>
+      </p:nvGrpSpPr>
+      <p:grpSpPr>
+        <a:xfrm>
+          <a:off x="0" y="0"/>
+          <a:ext cx="0" cy="0"/>
+          <a:chOff x="0" y="0"/>
+          <a:chExt cx="0" cy="0"/>
+        </a:xfrm>
+      </p:grpSpPr>
+      <p:sp>
+        <p:nvSpPr>
+          <p:cNvPr id="2" name="Title 1">
+            <a:extLst>
+              <a:ext uri="{FF2B5EF4-FFF2-40B4-BE49-F238E27FC236}">
+                <a16:creationId xmlns:a16="http://schemas.microsoft.com/office/drawing/2014/main" id="{D1BF0482-6913-4A5E-A533-479864CB5349}"/>
+              </a:ext>
+            </a:extLst>
+          </p:cNvPr>
+          <p:cNvSpPr>
+            <a:spLocks noGrp="1"/>
+          </p:cNvSpPr>
+          <p:nvPr>
+            <p:ph type="title"/>
+          </p:nvPr>
+        </p:nvSpPr>
+        <p:spPr/>
+        <p:txBody>
+          <a:bodyPr/>
+          <a:lstStyle/>
+          <a:p>
+            <a:r>
+              <a:rPr lang="en-US" dirty="0"/>
+              <a:t>MODEL COMPARISON: LSTM</a:t>
+            </a:r>
+          </a:p>
+        </p:txBody>
+      </p:sp>
+      <p:sp>
+        <p:nvSpPr>
+          <p:cNvPr id="4" name="Date Placeholder 3">
+            <a:extLst>
+              <a:ext uri="{FF2B5EF4-FFF2-40B4-BE49-F238E27FC236}">
+                <a16:creationId xmlns:a16="http://schemas.microsoft.com/office/drawing/2014/main" id="{B23DAF35-209C-48FA-AAAB-F69E14183A91}"/>
+              </a:ext>
+            </a:extLst>
+          </p:cNvPr>
+          <p:cNvSpPr>
+            <a:spLocks noGrp="1"/>
+          </p:cNvSpPr>
+          <p:nvPr>
+            <p:ph type="dt" sz="half" idx="10"/>
+          </p:nvPr>
+        </p:nvSpPr>
+        <p:spPr/>
+        <p:txBody>
+          <a:bodyPr/>
+          <a:lstStyle/>
+          <a:p>
+            <a:fld id="{8AAE40A0-A7D8-4DC3-BC9E-BADA32DA2004}" type="datetime4">
+              <a:rPr lang="en-US" smtClean="0"/>
+              <a:t>July 30, 2019</a:t>
+            </a:fld>
+            <a:endParaRPr lang="en-US" dirty="0"/>
+          </a:p>
+        </p:txBody>
+      </p:sp>
+      <p:sp>
+        <p:nvSpPr>
+          <p:cNvPr id="5" name="Footer Placeholder 4">
+            <a:extLst>
+              <a:ext uri="{FF2B5EF4-FFF2-40B4-BE49-F238E27FC236}">
+                <a16:creationId xmlns:a16="http://schemas.microsoft.com/office/drawing/2014/main" id="{3D8E22A6-180D-41CF-9959-4347A11F2AD1}"/>
+              </a:ext>
+            </a:extLst>
+          </p:cNvPr>
+          <p:cNvSpPr>
+            <a:spLocks noGrp="1"/>
+          </p:cNvSpPr>
+          <p:nvPr>
+            <p:ph type="ftr" sz="quarter" idx="11"/>
+          </p:nvPr>
+        </p:nvSpPr>
+        <p:spPr/>
+        <p:txBody>
+          <a:bodyPr/>
+          <a:lstStyle/>
+          <a:p>
+            <a:r>
+              <a:rPr lang="en-US"/>
+              <a:t>Digital Scholarship Services </a:t>
+            </a:r>
+            <a:r>
+              <a:rPr lang="en-US">
+                <a:solidFill>
+                  <a:schemeClr val="accent1">
+                    <a:lumMod val="50000"/>
+                  </a:schemeClr>
+                </a:solidFill>
+              </a:rPr>
+              <a:t>| Email</a:t>
+            </a:r>
+            <a:r>
+              <a:rPr lang="en-US"/>
+              <a:t> cf24@rice.edu </a:t>
+            </a:r>
+            <a:r>
+              <a:rPr lang="en-US">
+                <a:solidFill>
+                  <a:schemeClr val="accent1">
+                    <a:lumMod val="50000"/>
+                  </a:schemeClr>
+                </a:solidFill>
+              </a:rPr>
+              <a:t>|</a:t>
+            </a:r>
+            <a:r>
+              <a:rPr lang="en-US"/>
+              <a:t> library.rice.edu/dss</a:t>
+            </a:r>
+            <a:endParaRPr lang="en-US" dirty="0"/>
+          </a:p>
+        </p:txBody>
+      </p:sp>
+      <p:sp>
+        <p:nvSpPr>
+          <p:cNvPr id="6" name="Slide Number Placeholder 5">
+            <a:extLst>
+              <a:ext uri="{FF2B5EF4-FFF2-40B4-BE49-F238E27FC236}">
+                <a16:creationId xmlns:a16="http://schemas.microsoft.com/office/drawing/2014/main" id="{CECE3146-0C2B-4CC7-BC7C-FD23AAF7ECAE}"/>
+              </a:ext>
+            </a:extLst>
+          </p:cNvPr>
+          <p:cNvSpPr>
+            <a:spLocks noGrp="1"/>
+          </p:cNvSpPr>
+          <p:nvPr>
+            <p:ph type="sldNum" sz="quarter" idx="12"/>
+          </p:nvPr>
+        </p:nvSpPr>
+        <p:spPr/>
+        <p:txBody>
+          <a:bodyPr/>
+          <a:lstStyle/>
+          <a:p>
+            <a:fld id="{D57F1E4F-1CFF-5643-939E-02111984F565}" type="slidenum">
+              <a:rPr lang="en-US" smtClean="0"/>
+              <a:t>70</a:t>
+            </a:fld>
+            <a:endParaRPr lang="en-US" dirty="0"/>
+          </a:p>
+        </p:txBody>
+      </p:sp>
+      <p:sp>
+        <p:nvSpPr>
+          <p:cNvPr id="8" name="Content Placeholder 7">
+            <a:extLst>
+              <a:ext uri="{FF2B5EF4-FFF2-40B4-BE49-F238E27FC236}">
+                <a16:creationId xmlns:a16="http://schemas.microsoft.com/office/drawing/2014/main" id="{30C259F3-048F-4C4B-AC8C-24699B6ABD42}"/>
+              </a:ext>
+            </a:extLst>
+          </p:cNvPr>
+          <p:cNvSpPr>
+            <a:spLocks noGrp="1"/>
+          </p:cNvSpPr>
+          <p:nvPr>
+            <p:ph idx="1"/>
+          </p:nvPr>
+        </p:nvSpPr>
+        <p:spPr>
+          <a:xfrm>
+            <a:off x="838200" y="1825625"/>
+            <a:ext cx="5257800" cy="4351338"/>
+          </a:xfrm>
+        </p:spPr>
+        <p:txBody>
+          <a:bodyPr/>
+          <a:lstStyle/>
+          <a:p>
+            <a:r>
+              <a:rPr lang="en-US" dirty="0"/>
+              <a:t>Mean Relative Error: 7.4%</a:t>
+            </a:r>
+          </a:p>
+          <a:p>
+            <a:r>
+              <a:rPr lang="en-US" dirty="0"/>
+              <a:t>Very interested in cycles</a:t>
+            </a:r>
+          </a:p>
+          <a:p>
+            <a:r>
+              <a:rPr lang="en-US" dirty="0"/>
+              <a:t>Not bad, but slightly worse than ARIMA</a:t>
+            </a:r>
+          </a:p>
+          <a:p>
+            <a:pPr lvl="1"/>
+            <a:r>
+              <a:rPr lang="en-US" dirty="0"/>
+              <a:t>Much faster, though</a:t>
+            </a:r>
+          </a:p>
+        </p:txBody>
+      </p:sp>
+      <p:pic>
+        <p:nvPicPr>
+          <p:cNvPr id="10" name="Picture 9">
+            <a:extLst>
+              <a:ext uri="{FF2B5EF4-FFF2-40B4-BE49-F238E27FC236}">
+                <a16:creationId xmlns:a16="http://schemas.microsoft.com/office/drawing/2014/main" id="{64B67945-AF39-4BB8-86D4-3E74D0B6AE5C}"/>
+              </a:ext>
+            </a:extLst>
+          </p:cNvPr>
+          <p:cNvPicPr>
+            <a:picLocks noChangeAspect="1"/>
+          </p:cNvPicPr>
+          <p:nvPr/>
+        </p:nvPicPr>
+        <p:blipFill>
+          <a:blip r:embed="rId2"/>
+          <a:srcRect/>
+          <a:stretch/>
+        </p:blipFill>
+        <p:spPr>
+          <a:xfrm>
+            <a:off x="6096000" y="2096028"/>
+            <a:ext cx="5715798" cy="3810532"/>
+          </a:xfrm>
+          <a:prstGeom prst="rect">
+            <a:avLst/>
+          </a:prstGeom>
+        </p:spPr>
+      </p:pic>
+    </p:spTree>
+    <p:extLst>
+      <p:ext uri="{BB962C8B-B14F-4D97-AF65-F5344CB8AC3E}">
+        <p14:creationId xmlns:p14="http://schemas.microsoft.com/office/powerpoint/2010/main" val="2453879310"/>
+      </p:ext>
+    </p:extLst>
+  </p:cSld>
+  <p:clrMapOvr>
+    <a:masterClrMapping/>
+  </p:clrMapOvr>
+</p:sld>
+</file>
+
+<file path=ppt/slides/slide71.xml><?xml version="1.0" encoding="utf-8"?>
+<p:sld xmlns:a="http://schemas.openxmlformats.org/drawingml/2006/main" xmlns:r="http://schemas.openxmlformats.org/officeDocument/2006/relationships" xmlns:p="http://schemas.openxmlformats.org/presentationml/2006/main">
+  <p:cSld>
+    <p:spTree>
+      <p:nvGrpSpPr>
+        <p:cNvPr id="1" name=""/>
+        <p:cNvGrpSpPr/>
+        <p:nvPr/>
+      </p:nvGrpSpPr>
+      <p:grpSpPr>
+        <a:xfrm>
+          <a:off x="0" y="0"/>
+          <a:ext cx="0" cy="0"/>
+          <a:chOff x="0" y="0"/>
+          <a:chExt cx="0" cy="0"/>
+        </a:xfrm>
+      </p:grpSpPr>
+      <p:sp>
+        <p:nvSpPr>
+          <p:cNvPr id="2" name="Title 1">
+            <a:extLst>
+              <a:ext uri="{FF2B5EF4-FFF2-40B4-BE49-F238E27FC236}">
+                <a16:creationId xmlns:a16="http://schemas.microsoft.com/office/drawing/2014/main" id="{0A17E1CB-6C3C-4BC7-8386-7D3C4C842418}"/>
+              </a:ext>
+            </a:extLst>
+          </p:cNvPr>
+          <p:cNvSpPr>
+            <a:spLocks noGrp="1"/>
+          </p:cNvSpPr>
+          <p:nvPr>
+            <p:ph type="title"/>
+          </p:nvPr>
+        </p:nvSpPr>
+        <p:spPr/>
+        <p:txBody>
+          <a:bodyPr/>
+          <a:lstStyle/>
+          <a:p>
+            <a:r>
+              <a:rPr lang="en-US" dirty="0"/>
+              <a:t>MODEL STRENGTHS</a:t>
+            </a:r>
+          </a:p>
+        </p:txBody>
+      </p:sp>
+      <p:sp>
+        <p:nvSpPr>
+          <p:cNvPr id="3" name="Content Placeholder 2">
+            <a:extLst>
+              <a:ext uri="{FF2B5EF4-FFF2-40B4-BE49-F238E27FC236}">
+                <a16:creationId xmlns:a16="http://schemas.microsoft.com/office/drawing/2014/main" id="{FAB0179F-E1A1-4EC1-ADBD-FF50D7EA5440}"/>
+              </a:ext>
+            </a:extLst>
+          </p:cNvPr>
+          <p:cNvSpPr>
+            <a:spLocks noGrp="1"/>
+          </p:cNvSpPr>
+          <p:nvPr>
+            <p:ph idx="1"/>
+          </p:nvPr>
+        </p:nvSpPr>
+        <p:spPr>
+          <a:xfrm>
+            <a:off x="838200" y="1811034"/>
+            <a:ext cx="10515600" cy="4351338"/>
+          </a:xfrm>
+        </p:spPr>
+        <p:txBody>
+          <a:bodyPr/>
+          <a:lstStyle/>
+          <a:p>
+            <a:r>
+              <a:rPr lang="en-US" dirty="0"/>
+              <a:t>ARIMA</a:t>
+            </a:r>
+          </a:p>
+          <a:p>
+            <a:pPr lvl="1"/>
+            <a:r>
+              <a:rPr lang="en-US" dirty="0"/>
+              <a:t>Flexible, interpretable, not too complicated to estimate parameters, easy to tweak</a:t>
+            </a:r>
+          </a:p>
+          <a:p>
+            <a:r>
+              <a:rPr lang="en-US" dirty="0"/>
+              <a:t>Prophet</a:t>
+            </a:r>
+          </a:p>
+          <a:p>
+            <a:pPr lvl="1"/>
+            <a:r>
+              <a:rPr lang="en-US" dirty="0"/>
+              <a:t>Great for business-style forecasting (Facebook’s interest), fast, interpretable, holidays, longer seasonality</a:t>
+            </a:r>
+          </a:p>
+          <a:p>
+            <a:r>
+              <a:rPr lang="en-US" dirty="0"/>
+              <a:t>Simple RNN</a:t>
+            </a:r>
+          </a:p>
+          <a:p>
+            <a:pPr lvl="1"/>
+            <a:r>
+              <a:rPr lang="en-US" dirty="0"/>
+              <a:t>Somewhat less complicated than LSTM</a:t>
+            </a:r>
+          </a:p>
+          <a:p>
+            <a:r>
+              <a:rPr lang="en-US" dirty="0"/>
+              <a:t>LSTM</a:t>
+            </a:r>
+          </a:p>
+          <a:p>
+            <a:pPr lvl="1"/>
+            <a:r>
+              <a:rPr lang="en-US" dirty="0"/>
+              <a:t>Highest ceiling, extreme flexibility</a:t>
+            </a:r>
+          </a:p>
+        </p:txBody>
+      </p:sp>
+      <p:sp>
+        <p:nvSpPr>
+          <p:cNvPr id="4" name="Date Placeholder 3">
+            <a:extLst>
+              <a:ext uri="{FF2B5EF4-FFF2-40B4-BE49-F238E27FC236}">
+                <a16:creationId xmlns:a16="http://schemas.microsoft.com/office/drawing/2014/main" id="{8A58F40E-A27B-49B2-B497-6F5BD5CEE0FD}"/>
+              </a:ext>
+            </a:extLst>
+          </p:cNvPr>
+          <p:cNvSpPr>
+            <a:spLocks noGrp="1"/>
+          </p:cNvSpPr>
+          <p:nvPr>
+            <p:ph type="dt" sz="half" idx="10"/>
+          </p:nvPr>
+        </p:nvSpPr>
+        <p:spPr/>
+        <p:txBody>
+          <a:bodyPr/>
+          <a:lstStyle/>
+          <a:p>
+            <a:fld id="{8AAE40A0-A7D8-4DC3-BC9E-BADA32DA2004}" type="datetime4">
+              <a:rPr lang="en-US" smtClean="0"/>
+              <a:t>July 30, 2019</a:t>
+            </a:fld>
+            <a:endParaRPr lang="en-US" dirty="0"/>
+          </a:p>
+        </p:txBody>
+      </p:sp>
+      <p:sp>
+        <p:nvSpPr>
+          <p:cNvPr id="5" name="Footer Placeholder 4">
+            <a:extLst>
+              <a:ext uri="{FF2B5EF4-FFF2-40B4-BE49-F238E27FC236}">
+                <a16:creationId xmlns:a16="http://schemas.microsoft.com/office/drawing/2014/main" id="{4CD04C65-71CE-41A8-A0E2-02185BFF3E8E}"/>
+              </a:ext>
+            </a:extLst>
+          </p:cNvPr>
+          <p:cNvSpPr>
+            <a:spLocks noGrp="1"/>
+          </p:cNvSpPr>
+          <p:nvPr>
+            <p:ph type="ftr" sz="quarter" idx="11"/>
+          </p:nvPr>
+        </p:nvSpPr>
+        <p:spPr/>
+        <p:txBody>
+          <a:bodyPr/>
+          <a:lstStyle/>
+          <a:p>
+            <a:r>
+              <a:rPr lang="en-US"/>
+              <a:t>Digital Scholarship Services </a:t>
+            </a:r>
+            <a:r>
+              <a:rPr lang="en-US">
+                <a:solidFill>
+                  <a:schemeClr val="accent1">
+                    <a:lumMod val="50000"/>
+                  </a:schemeClr>
+                </a:solidFill>
+              </a:rPr>
+              <a:t>| Email</a:t>
+            </a:r>
+            <a:r>
+              <a:rPr lang="en-US"/>
+              <a:t> cf24@rice.edu </a:t>
+            </a:r>
+            <a:r>
+              <a:rPr lang="en-US">
+                <a:solidFill>
+                  <a:schemeClr val="accent1">
+                    <a:lumMod val="50000"/>
+                  </a:schemeClr>
+                </a:solidFill>
+              </a:rPr>
+              <a:t>|</a:t>
+            </a:r>
+            <a:r>
+              <a:rPr lang="en-US"/>
+              <a:t> library.rice.edu/dss</a:t>
+            </a:r>
+            <a:endParaRPr lang="en-US" dirty="0"/>
+          </a:p>
+        </p:txBody>
+      </p:sp>
+      <p:sp>
+        <p:nvSpPr>
+          <p:cNvPr id="6" name="Slide Number Placeholder 5">
+            <a:extLst>
+              <a:ext uri="{FF2B5EF4-FFF2-40B4-BE49-F238E27FC236}">
+                <a16:creationId xmlns:a16="http://schemas.microsoft.com/office/drawing/2014/main" id="{65AF10BF-F78F-40C0-B461-213D5763B751}"/>
+              </a:ext>
+            </a:extLst>
+          </p:cNvPr>
+          <p:cNvSpPr>
+            <a:spLocks noGrp="1"/>
+          </p:cNvSpPr>
+          <p:nvPr>
+            <p:ph type="sldNum" sz="quarter" idx="12"/>
+          </p:nvPr>
+        </p:nvSpPr>
+        <p:spPr/>
+        <p:txBody>
+          <a:bodyPr/>
+          <a:lstStyle/>
+          <a:p>
+            <a:fld id="{D57F1E4F-1CFF-5643-939E-02111984F565}" type="slidenum">
+              <a:rPr lang="en-US" smtClean="0"/>
+              <a:t>71</a:t>
+            </a:fld>
+            <a:endParaRPr lang="en-US" dirty="0"/>
+          </a:p>
+        </p:txBody>
+      </p:sp>
+    </p:spTree>
+    <p:extLst>
+      <p:ext uri="{BB962C8B-B14F-4D97-AF65-F5344CB8AC3E}">
+        <p14:creationId xmlns:p14="http://schemas.microsoft.com/office/powerpoint/2010/main" val="1759267313"/>
+      </p:ext>
+    </p:extLst>
+  </p:cSld>
+  <p:clrMapOvr>
+    <a:masterClrMapping/>
+  </p:clrMapOvr>
+</p:sld>
+</file>
+
+<file path=ppt/slides/slide72.xml><?xml version="1.0" encoding="utf-8"?>
+<p:sld xmlns:a="http://schemas.openxmlformats.org/drawingml/2006/main" xmlns:r="http://schemas.openxmlformats.org/officeDocument/2006/relationships" xmlns:p="http://schemas.openxmlformats.org/presentationml/2006/main">
+  <p:cSld>
+    <p:spTree>
+      <p:nvGrpSpPr>
+        <p:cNvPr id="1" name=""/>
+        <p:cNvGrpSpPr/>
+        <p:nvPr/>
+      </p:nvGrpSpPr>
+      <p:grpSpPr>
+        <a:xfrm>
+          <a:off x="0" y="0"/>
+          <a:ext cx="0" cy="0"/>
+          <a:chOff x="0" y="0"/>
+          <a:chExt cx="0" cy="0"/>
+        </a:xfrm>
+      </p:grpSpPr>
+      <p:sp>
+        <p:nvSpPr>
+          <p:cNvPr id="2" name="Title 1">
+            <a:extLst>
+              <a:ext uri="{FF2B5EF4-FFF2-40B4-BE49-F238E27FC236}">
+                <a16:creationId xmlns:a16="http://schemas.microsoft.com/office/drawing/2014/main" id="{0A17E1CB-6C3C-4BC7-8386-7D3C4C842418}"/>
+              </a:ext>
+            </a:extLst>
+          </p:cNvPr>
+          <p:cNvSpPr>
+            <a:spLocks noGrp="1"/>
+          </p:cNvSpPr>
+          <p:nvPr>
+            <p:ph type="title"/>
+          </p:nvPr>
+        </p:nvSpPr>
+        <p:spPr/>
+        <p:txBody>
+          <a:bodyPr/>
+          <a:lstStyle/>
+          <a:p>
+            <a:r>
+              <a:rPr lang="en-US" dirty="0"/>
+              <a:t>MODEL WEAKNESSES</a:t>
+            </a:r>
+          </a:p>
+        </p:txBody>
+      </p:sp>
+      <p:sp>
+        <p:nvSpPr>
+          <p:cNvPr id="3" name="Content Placeholder 2">
+            <a:extLst>
+              <a:ext uri="{FF2B5EF4-FFF2-40B4-BE49-F238E27FC236}">
+                <a16:creationId xmlns:a16="http://schemas.microsoft.com/office/drawing/2014/main" id="{FAB0179F-E1A1-4EC1-ADBD-FF50D7EA5440}"/>
+              </a:ext>
+            </a:extLst>
+          </p:cNvPr>
+          <p:cNvSpPr>
+            <a:spLocks noGrp="1"/>
+          </p:cNvSpPr>
+          <p:nvPr>
+            <p:ph idx="1"/>
+          </p:nvPr>
+        </p:nvSpPr>
+        <p:spPr>
+          <a:xfrm>
+            <a:off x="838200" y="1811034"/>
+            <a:ext cx="10515600" cy="4351338"/>
+          </a:xfrm>
+        </p:spPr>
+        <p:txBody>
+          <a:bodyPr/>
+          <a:lstStyle/>
+          <a:p>
+            <a:r>
+              <a:rPr lang="en-US" dirty="0"/>
+              <a:t>ARIMA</a:t>
+            </a:r>
+          </a:p>
+          <a:p>
+            <a:pPr lvl="1"/>
+            <a:r>
+              <a:rPr lang="en-US" dirty="0"/>
+              <a:t>Not great at longer seasonal trends, never forgets</a:t>
+            </a:r>
+          </a:p>
+          <a:p>
+            <a:r>
+              <a:rPr lang="en-US" dirty="0"/>
+              <a:t>Prophet</a:t>
+            </a:r>
+          </a:p>
+          <a:p>
+            <a:pPr lvl="1"/>
+            <a:r>
+              <a:rPr lang="en-US" dirty="0"/>
+              <a:t>Annoying interface, </a:t>
+            </a:r>
+          </a:p>
+          <a:p>
+            <a:r>
+              <a:rPr lang="en-US" dirty="0"/>
+              <a:t>Simple RNN</a:t>
+            </a:r>
+          </a:p>
+          <a:p>
+            <a:pPr lvl="1"/>
+            <a:r>
+              <a:rPr lang="en-US" dirty="0"/>
+              <a:t>All the drawbacks of LSTM, but also less flexibility</a:t>
+            </a:r>
+          </a:p>
+          <a:p>
+            <a:r>
+              <a:rPr lang="en-US" dirty="0"/>
+              <a:t>LSTM</a:t>
+            </a:r>
+          </a:p>
+          <a:p>
+            <a:pPr lvl="1"/>
+            <a:r>
+              <a:rPr lang="en-US" dirty="0"/>
+              <a:t>Can be very finicky to train, uninterpretable, extremely slow and resource-intensive</a:t>
+            </a:r>
+          </a:p>
+        </p:txBody>
+      </p:sp>
+      <p:sp>
+        <p:nvSpPr>
+          <p:cNvPr id="4" name="Date Placeholder 3">
+            <a:extLst>
+              <a:ext uri="{FF2B5EF4-FFF2-40B4-BE49-F238E27FC236}">
+                <a16:creationId xmlns:a16="http://schemas.microsoft.com/office/drawing/2014/main" id="{8A58F40E-A27B-49B2-B497-6F5BD5CEE0FD}"/>
+              </a:ext>
+            </a:extLst>
+          </p:cNvPr>
+          <p:cNvSpPr>
+            <a:spLocks noGrp="1"/>
+          </p:cNvSpPr>
+          <p:nvPr>
+            <p:ph type="dt" sz="half" idx="10"/>
+          </p:nvPr>
+        </p:nvSpPr>
+        <p:spPr/>
+        <p:txBody>
+          <a:bodyPr/>
+          <a:lstStyle/>
+          <a:p>
+            <a:fld id="{8AAE40A0-A7D8-4DC3-BC9E-BADA32DA2004}" type="datetime4">
+              <a:rPr lang="en-US" smtClean="0"/>
+              <a:t>July 30, 2019</a:t>
+            </a:fld>
+            <a:endParaRPr lang="en-US" dirty="0"/>
+          </a:p>
+        </p:txBody>
+      </p:sp>
+      <p:sp>
+        <p:nvSpPr>
+          <p:cNvPr id="5" name="Footer Placeholder 4">
+            <a:extLst>
+              <a:ext uri="{FF2B5EF4-FFF2-40B4-BE49-F238E27FC236}">
+                <a16:creationId xmlns:a16="http://schemas.microsoft.com/office/drawing/2014/main" id="{4CD04C65-71CE-41A8-A0E2-02185BFF3E8E}"/>
+              </a:ext>
+            </a:extLst>
+          </p:cNvPr>
+          <p:cNvSpPr>
+            <a:spLocks noGrp="1"/>
+          </p:cNvSpPr>
+          <p:nvPr>
+            <p:ph type="ftr" sz="quarter" idx="11"/>
+          </p:nvPr>
+        </p:nvSpPr>
+        <p:spPr/>
+        <p:txBody>
+          <a:bodyPr/>
+          <a:lstStyle/>
+          <a:p>
+            <a:r>
+              <a:rPr lang="en-US"/>
+              <a:t>Digital Scholarship Services </a:t>
+            </a:r>
+            <a:r>
+              <a:rPr lang="en-US">
+                <a:solidFill>
+                  <a:schemeClr val="accent1">
+                    <a:lumMod val="50000"/>
+                  </a:schemeClr>
+                </a:solidFill>
+              </a:rPr>
+              <a:t>| Email</a:t>
+            </a:r>
+            <a:r>
+              <a:rPr lang="en-US"/>
+              <a:t> cf24@rice.edu </a:t>
+            </a:r>
+            <a:r>
+              <a:rPr lang="en-US">
+                <a:solidFill>
+                  <a:schemeClr val="accent1">
+                    <a:lumMod val="50000"/>
+                  </a:schemeClr>
+                </a:solidFill>
+              </a:rPr>
+              <a:t>|</a:t>
+            </a:r>
+            <a:r>
+              <a:rPr lang="en-US"/>
+              <a:t> library.rice.edu/dss</a:t>
+            </a:r>
+            <a:endParaRPr lang="en-US" dirty="0"/>
+          </a:p>
+        </p:txBody>
+      </p:sp>
+      <p:sp>
+        <p:nvSpPr>
+          <p:cNvPr id="6" name="Slide Number Placeholder 5">
+            <a:extLst>
+              <a:ext uri="{FF2B5EF4-FFF2-40B4-BE49-F238E27FC236}">
+                <a16:creationId xmlns:a16="http://schemas.microsoft.com/office/drawing/2014/main" id="{65AF10BF-F78F-40C0-B461-213D5763B751}"/>
+              </a:ext>
+            </a:extLst>
+          </p:cNvPr>
+          <p:cNvSpPr>
+            <a:spLocks noGrp="1"/>
+          </p:cNvSpPr>
+          <p:nvPr>
+            <p:ph type="sldNum" sz="quarter" idx="12"/>
+          </p:nvPr>
+        </p:nvSpPr>
+        <p:spPr/>
+        <p:txBody>
+          <a:bodyPr/>
+          <a:lstStyle/>
+          <a:p>
+            <a:fld id="{D57F1E4F-1CFF-5643-939E-02111984F565}" type="slidenum">
+              <a:rPr lang="en-US" smtClean="0"/>
+              <a:t>72</a:t>
+            </a:fld>
+            <a:endParaRPr lang="en-US" dirty="0"/>
+          </a:p>
+        </p:txBody>
+      </p:sp>
+    </p:spTree>
+    <p:extLst>
+      <p:ext uri="{BB962C8B-B14F-4D97-AF65-F5344CB8AC3E}">
+        <p14:creationId xmlns:p14="http://schemas.microsoft.com/office/powerpoint/2010/main" val="2589269930"/>
+      </p:ext>
+    </p:extLst>
+  </p:cSld>
+  <p:clrMapOvr>
+    <a:masterClrMapping/>
+  </p:clrMapOvr>
+</p:sld>
+</file>
+
+<file path=ppt/slides/slide73.xml><?xml version="1.0" encoding="utf-8"?>
+<p:sld xmlns:a="http://schemas.openxmlformats.org/drawingml/2006/main" xmlns:r="http://schemas.openxmlformats.org/officeDocument/2006/relationships" xmlns:p="http://schemas.openxmlformats.org/presentationml/2006/main">
+  <p:cSld>
+    <p:spTree>
+      <p:nvGrpSpPr>
+        <p:cNvPr id="1" name=""/>
+        <p:cNvGrpSpPr/>
+        <p:nvPr/>
+      </p:nvGrpSpPr>
+      <p:grpSpPr>
+        <a:xfrm>
+          <a:off x="0" y="0"/>
+          <a:ext cx="0" cy="0"/>
+          <a:chOff x="0" y="0"/>
+          <a:chExt cx="0" cy="0"/>
+        </a:xfrm>
+      </p:grpSpPr>
+      <p:sp>
+        <p:nvSpPr>
+          <p:cNvPr id="2" name="Title 1">
+            <a:extLst>
+              <a:ext uri="{FF2B5EF4-FFF2-40B4-BE49-F238E27FC236}">
+                <a16:creationId xmlns:a16="http://schemas.microsoft.com/office/drawing/2014/main" id="{0A17E1CB-6C3C-4BC7-8386-7D3C4C842418}"/>
+              </a:ext>
+            </a:extLst>
+          </p:cNvPr>
+          <p:cNvSpPr>
+            <a:spLocks noGrp="1"/>
+          </p:cNvSpPr>
+          <p:nvPr>
+            <p:ph type="title"/>
+          </p:nvPr>
+        </p:nvSpPr>
+        <p:spPr/>
+        <p:txBody>
+          <a:bodyPr/>
+          <a:lstStyle/>
+          <a:p>
+            <a:r>
+              <a:rPr lang="en-US" dirty="0"/>
+              <a:t>MY PERSONAL ADVICE</a:t>
+            </a:r>
+          </a:p>
+        </p:txBody>
+      </p:sp>
+      <p:sp>
+        <p:nvSpPr>
+          <p:cNvPr id="3" name="Content Placeholder 2">
+            <a:extLst>
+              <a:ext uri="{FF2B5EF4-FFF2-40B4-BE49-F238E27FC236}">
+                <a16:creationId xmlns:a16="http://schemas.microsoft.com/office/drawing/2014/main" id="{FAB0179F-E1A1-4EC1-ADBD-FF50D7EA5440}"/>
+              </a:ext>
+            </a:extLst>
+          </p:cNvPr>
+          <p:cNvSpPr>
+            <a:spLocks noGrp="1"/>
+          </p:cNvSpPr>
+          <p:nvPr>
+            <p:ph idx="1"/>
+          </p:nvPr>
+        </p:nvSpPr>
+        <p:spPr>
+          <a:xfrm>
+            <a:off x="838200" y="1811034"/>
+            <a:ext cx="10515600" cy="4351338"/>
+          </a:xfrm>
+        </p:spPr>
+        <p:txBody>
+          <a:bodyPr>
+            <a:normAutofit fontScale="92500"/>
+          </a:bodyPr>
+          <a:lstStyle/>
+          <a:p>
+            <a:r>
+              <a:rPr lang="en-US" dirty="0"/>
+              <a:t>Visualize your data extensively</a:t>
+            </a:r>
+          </a:p>
+          <a:p>
+            <a:pPr lvl="1"/>
+            <a:r>
+              <a:rPr lang="en-US" dirty="0"/>
+              <a:t>Lots of great insights can be found</a:t>
+            </a:r>
+          </a:p>
+          <a:p>
+            <a:pPr lvl="1"/>
+            <a:r>
+              <a:rPr lang="en-US" dirty="0"/>
+              <a:t>Lagged scatterplots, plots by day/week/hour of day</a:t>
+            </a:r>
+            <a:r>
+              <a:rPr lang="en-US"/>
+              <a:t>, (partial</a:t>
+            </a:r>
+            <a:r>
+              <a:rPr lang="en-US" dirty="0"/>
+              <a:t>)-autocorrelation plots</a:t>
+            </a:r>
+          </a:p>
+          <a:p>
+            <a:r>
+              <a:rPr lang="en-US" dirty="0"/>
+              <a:t>Make it stationary</a:t>
+            </a:r>
+          </a:p>
+          <a:p>
+            <a:pPr lvl="1"/>
+            <a:r>
+              <a:rPr lang="en-US" dirty="0"/>
+              <a:t>This will help you understand the data more</a:t>
+            </a:r>
+          </a:p>
+          <a:p>
+            <a:r>
+              <a:rPr lang="en-US" dirty="0"/>
+              <a:t>Start with a Prophet model</a:t>
+            </a:r>
+          </a:p>
+          <a:p>
+            <a:pPr lvl="1"/>
+            <a:r>
+              <a:rPr lang="en-US" dirty="0"/>
+              <a:t>Quick and fast</a:t>
+            </a:r>
+          </a:p>
+          <a:p>
+            <a:r>
+              <a:rPr lang="en-US" dirty="0"/>
+              <a:t>Try out a few ARIMA models</a:t>
+            </a:r>
+          </a:p>
+          <a:p>
+            <a:pPr lvl="1"/>
+            <a:r>
+              <a:rPr lang="en-US" dirty="0"/>
+              <a:t>Tweak the parameters a little bit</a:t>
+            </a:r>
+          </a:p>
+          <a:p>
+            <a:r>
+              <a:rPr lang="en-US" dirty="0"/>
+              <a:t>If, and only if, these models don’t meet your needs, build and tune an LSTM</a:t>
+            </a:r>
+          </a:p>
+        </p:txBody>
+      </p:sp>
+      <p:sp>
+        <p:nvSpPr>
+          <p:cNvPr id="4" name="Date Placeholder 3">
+            <a:extLst>
+              <a:ext uri="{FF2B5EF4-FFF2-40B4-BE49-F238E27FC236}">
+                <a16:creationId xmlns:a16="http://schemas.microsoft.com/office/drawing/2014/main" id="{8A58F40E-A27B-49B2-B497-6F5BD5CEE0FD}"/>
+              </a:ext>
+            </a:extLst>
+          </p:cNvPr>
+          <p:cNvSpPr>
+            <a:spLocks noGrp="1"/>
+          </p:cNvSpPr>
+          <p:nvPr>
+            <p:ph type="dt" sz="half" idx="10"/>
+          </p:nvPr>
+        </p:nvSpPr>
+        <p:spPr/>
+        <p:txBody>
+          <a:bodyPr/>
+          <a:lstStyle/>
+          <a:p>
+            <a:fld id="{8AAE40A0-A7D8-4DC3-BC9E-BADA32DA2004}" type="datetime4">
+              <a:rPr lang="en-US" smtClean="0"/>
+              <a:t>July 30, 2019</a:t>
+            </a:fld>
+            <a:endParaRPr lang="en-US" dirty="0"/>
+          </a:p>
+        </p:txBody>
+      </p:sp>
+      <p:sp>
+        <p:nvSpPr>
+          <p:cNvPr id="5" name="Footer Placeholder 4">
+            <a:extLst>
+              <a:ext uri="{FF2B5EF4-FFF2-40B4-BE49-F238E27FC236}">
+                <a16:creationId xmlns:a16="http://schemas.microsoft.com/office/drawing/2014/main" id="{4CD04C65-71CE-41A8-A0E2-02185BFF3E8E}"/>
+              </a:ext>
+            </a:extLst>
+          </p:cNvPr>
+          <p:cNvSpPr>
+            <a:spLocks noGrp="1"/>
+          </p:cNvSpPr>
+          <p:nvPr>
+            <p:ph type="ftr" sz="quarter" idx="11"/>
+          </p:nvPr>
+        </p:nvSpPr>
+        <p:spPr/>
+        <p:txBody>
+          <a:bodyPr/>
+          <a:lstStyle/>
+          <a:p>
+            <a:r>
+              <a:rPr lang="en-US"/>
+              <a:t>Digital Scholarship Services </a:t>
+            </a:r>
+            <a:r>
+              <a:rPr lang="en-US">
+                <a:solidFill>
+                  <a:schemeClr val="accent1">
+                    <a:lumMod val="50000"/>
+                  </a:schemeClr>
+                </a:solidFill>
+              </a:rPr>
+              <a:t>| Email</a:t>
+            </a:r>
+            <a:r>
+              <a:rPr lang="en-US"/>
+              <a:t> cf24@rice.edu </a:t>
+            </a:r>
+            <a:r>
+              <a:rPr lang="en-US">
+                <a:solidFill>
+                  <a:schemeClr val="accent1">
+                    <a:lumMod val="50000"/>
+                  </a:schemeClr>
+                </a:solidFill>
+              </a:rPr>
+              <a:t>|</a:t>
+            </a:r>
+            <a:r>
+              <a:rPr lang="en-US"/>
+              <a:t> library.rice.edu/dss</a:t>
+            </a:r>
+            <a:endParaRPr lang="en-US" dirty="0"/>
+          </a:p>
+        </p:txBody>
+      </p:sp>
+      <p:sp>
+        <p:nvSpPr>
+          <p:cNvPr id="6" name="Slide Number Placeholder 5">
+            <a:extLst>
+              <a:ext uri="{FF2B5EF4-FFF2-40B4-BE49-F238E27FC236}">
+                <a16:creationId xmlns:a16="http://schemas.microsoft.com/office/drawing/2014/main" id="{65AF10BF-F78F-40C0-B461-213D5763B751}"/>
+              </a:ext>
+            </a:extLst>
+          </p:cNvPr>
+          <p:cNvSpPr>
+            <a:spLocks noGrp="1"/>
+          </p:cNvSpPr>
+          <p:nvPr>
+            <p:ph type="sldNum" sz="quarter" idx="12"/>
+          </p:nvPr>
+        </p:nvSpPr>
+        <p:spPr/>
+        <p:txBody>
+          <a:bodyPr/>
+          <a:lstStyle/>
+          <a:p>
+            <a:fld id="{D57F1E4F-1CFF-5643-939E-02111984F565}" type="slidenum">
+              <a:rPr lang="en-US" smtClean="0"/>
+              <a:t>73</a:t>
+            </a:fld>
+            <a:endParaRPr lang="en-US" dirty="0"/>
+          </a:p>
+        </p:txBody>
+      </p:sp>
+    </p:spTree>
+    <p:extLst>
+      <p:ext uri="{BB962C8B-B14F-4D97-AF65-F5344CB8AC3E}">
+        <p14:creationId xmlns:p14="http://schemas.microsoft.com/office/powerpoint/2010/main" val="2224208961"/>
+      </p:ext>
+    </p:extLst>
+  </p:cSld>
+  <p:clrMapOvr>
+    <a:masterClrMapping/>
+  </p:clrMapOvr>
+</p:sld>
+</file>
+
+<file path=ppt/slides/slide74.xml><?xml version="1.0" encoding="utf-8"?>
+<p:sld xmlns:a="http://schemas.openxmlformats.org/drawingml/2006/main" xmlns:r="http://schemas.openxmlformats.org/officeDocument/2006/relationships" xmlns:p="http://schemas.openxmlformats.org/presentationml/2006/main">
+  <p:cSld>
+    <p:spTree>
+      <p:nvGrpSpPr>
+        <p:cNvPr id="1" name=""/>
+        <p:cNvGrpSpPr/>
+        <p:nvPr/>
+      </p:nvGrpSpPr>
+      <p:grpSpPr>
+        <a:xfrm>
+          <a:off x="0" y="0"/>
+          <a:ext cx="0" cy="0"/>
+          <a:chOff x="0" y="0"/>
+          <a:chExt cx="0" cy="0"/>
+        </a:xfrm>
+      </p:grpSpPr>
+      <p:sp>
+        <p:nvSpPr>
+          <p:cNvPr id="7" name="Title 6">
+            <a:extLst>
+              <a:ext uri="{FF2B5EF4-FFF2-40B4-BE49-F238E27FC236}">
+                <a16:creationId xmlns:a16="http://schemas.microsoft.com/office/drawing/2014/main" id="{495B4BC0-844B-4414-A623-BEF78AAC1BA1}"/>
+              </a:ext>
+            </a:extLst>
+          </p:cNvPr>
+          <p:cNvSpPr>
+            <a:spLocks noGrp="1"/>
+          </p:cNvSpPr>
+          <p:nvPr>
+            <p:ph type="title"/>
+          </p:nvPr>
+        </p:nvSpPr>
+        <p:spPr/>
+        <p:txBody>
+          <a:bodyPr/>
+          <a:lstStyle/>
+          <a:p>
+            <a:r>
+              <a:rPr lang="en-US" dirty="0"/>
+              <a:t>ACKNOWLEDGMENTS</a:t>
+            </a:r>
+          </a:p>
+        </p:txBody>
+      </p:sp>
+      <p:sp>
+        <p:nvSpPr>
+          <p:cNvPr id="8" name="Content Placeholder 7">
+            <a:extLst>
+              <a:ext uri="{FF2B5EF4-FFF2-40B4-BE49-F238E27FC236}">
+                <a16:creationId xmlns:a16="http://schemas.microsoft.com/office/drawing/2014/main" id="{2BED3EB3-7E98-4A82-8335-7321D9E37B16}"/>
+              </a:ext>
+            </a:extLst>
+          </p:cNvPr>
+          <p:cNvSpPr>
+            <a:spLocks noGrp="1"/>
+          </p:cNvSpPr>
+          <p:nvPr>
+            <p:ph idx="1"/>
+          </p:nvPr>
+        </p:nvSpPr>
+        <p:spPr/>
+        <p:txBody>
+          <a:bodyPr/>
+          <a:lstStyle/>
+          <a:p>
+            <a:r>
+              <a:rPr lang="en-US" dirty="0"/>
+              <a:t>Plots were created using the ggplot2 package in R</a:t>
+            </a:r>
+          </a:p>
+          <a:p>
+            <a:r>
+              <a:rPr lang="en-US" dirty="0"/>
+              <a:t>Shumway and </a:t>
+            </a:r>
+            <a:r>
+              <a:rPr lang="en-US" dirty="0" err="1"/>
+              <a:t>Stoffer’s</a:t>
+            </a:r>
+            <a:r>
+              <a:rPr lang="en-US" dirty="0"/>
+              <a:t> </a:t>
+            </a:r>
+            <a:r>
+              <a:rPr lang="en-US" i="1" dirty="0"/>
+              <a:t>Time Series Analysis and Its Applications With R Examples, Fourth Edition </a:t>
+            </a:r>
+            <a:r>
+              <a:rPr lang="en-US" dirty="0"/>
+              <a:t>published by Springer was used as the main reference for the ARIMA section</a:t>
+            </a:r>
+          </a:p>
+          <a:p>
+            <a:r>
+              <a:rPr lang="en-US" i="1" dirty="0"/>
+              <a:t>Forecasting at Scale </a:t>
+            </a:r>
+            <a:r>
+              <a:rPr lang="en-US" dirty="0"/>
+              <a:t>by Sean J. Taylor and Benjamin </a:t>
+            </a:r>
+            <a:r>
+              <a:rPr lang="en-US" dirty="0" err="1"/>
+              <a:t>Letham</a:t>
+            </a:r>
+            <a:r>
+              <a:rPr lang="en-US" dirty="0"/>
+              <a:t> at Facebook was used as the main reference for the Prophet section</a:t>
+            </a:r>
+          </a:p>
+          <a:p>
+            <a:r>
+              <a:rPr lang="en-US" dirty="0"/>
+              <a:t>The pictures under Neural Networks are licensed for free use under Wikimedia Commons.</a:t>
+            </a:r>
+          </a:p>
+          <a:p>
+            <a:endParaRPr lang="en-US" dirty="0"/>
+          </a:p>
+        </p:txBody>
+      </p:sp>
+      <p:sp>
+        <p:nvSpPr>
+          <p:cNvPr id="4" name="Date Placeholder 3">
+            <a:extLst>
+              <a:ext uri="{FF2B5EF4-FFF2-40B4-BE49-F238E27FC236}">
+                <a16:creationId xmlns:a16="http://schemas.microsoft.com/office/drawing/2014/main" id="{540F37F1-4F33-429F-A568-1A3ADC499E54}"/>
+              </a:ext>
+            </a:extLst>
+          </p:cNvPr>
+          <p:cNvSpPr>
+            <a:spLocks noGrp="1"/>
+          </p:cNvSpPr>
+          <p:nvPr>
+            <p:ph type="dt" sz="half" idx="10"/>
+          </p:nvPr>
+        </p:nvSpPr>
+        <p:spPr/>
+        <p:txBody>
+          <a:bodyPr/>
+          <a:lstStyle/>
+          <a:p>
+            <a:fld id="{B08FEED8-D7D4-44E9-BFBC-ED06B5996D94}" type="datetime4">
+              <a:rPr lang="en-US" smtClean="0"/>
+              <a:t>July 30, 2019</a:t>
+            </a:fld>
+            <a:endParaRPr lang="en-US" dirty="0"/>
+          </a:p>
+        </p:txBody>
+      </p:sp>
+      <p:sp>
+        <p:nvSpPr>
+          <p:cNvPr id="5" name="Footer Placeholder 4">
+            <a:extLst>
+              <a:ext uri="{FF2B5EF4-FFF2-40B4-BE49-F238E27FC236}">
+                <a16:creationId xmlns:a16="http://schemas.microsoft.com/office/drawing/2014/main" id="{673FFA57-C126-4795-A5F6-DD33AAC5ACBD}"/>
+              </a:ext>
+            </a:extLst>
+          </p:cNvPr>
+          <p:cNvSpPr>
+            <a:spLocks noGrp="1"/>
+          </p:cNvSpPr>
+          <p:nvPr>
+            <p:ph type="ftr" sz="quarter" idx="11"/>
+          </p:nvPr>
+        </p:nvSpPr>
+        <p:spPr/>
+        <p:txBody>
+          <a:bodyPr/>
+          <a:lstStyle/>
+          <a:p>
+            <a:r>
+              <a:rPr lang="en-US"/>
+              <a:t>Digital Scholarship Services </a:t>
+            </a:r>
+            <a:r>
+              <a:rPr lang="en-US">
+                <a:solidFill>
+                  <a:schemeClr val="accent1">
+                    <a:lumMod val="50000"/>
+                  </a:schemeClr>
+                </a:solidFill>
+              </a:rPr>
+              <a:t>| Email</a:t>
+            </a:r>
+            <a:r>
+              <a:rPr lang="en-US"/>
+              <a:t> cf24@rice.edu </a:t>
+            </a:r>
+            <a:r>
+              <a:rPr lang="en-US">
+                <a:solidFill>
+                  <a:schemeClr val="accent1">
+                    <a:lumMod val="50000"/>
+                  </a:schemeClr>
+                </a:solidFill>
+              </a:rPr>
+              <a:t>|</a:t>
+            </a:r>
+            <a:r>
+              <a:rPr lang="en-US"/>
+              <a:t> library.rice.edu/dss</a:t>
+            </a:r>
+            <a:endParaRPr lang="en-US" dirty="0"/>
+          </a:p>
+        </p:txBody>
+      </p:sp>
+      <p:sp>
+        <p:nvSpPr>
+          <p:cNvPr id="6" name="Slide Number Placeholder 5">
+            <a:extLst>
+              <a:ext uri="{FF2B5EF4-FFF2-40B4-BE49-F238E27FC236}">
+                <a16:creationId xmlns:a16="http://schemas.microsoft.com/office/drawing/2014/main" id="{2FA49567-BB70-4798-8746-D0B522CCEE20}"/>
+              </a:ext>
+            </a:extLst>
+          </p:cNvPr>
+          <p:cNvSpPr>
+            <a:spLocks noGrp="1"/>
+          </p:cNvSpPr>
+          <p:nvPr>
+            <p:ph type="sldNum" sz="quarter" idx="12"/>
+          </p:nvPr>
+        </p:nvSpPr>
+        <p:spPr/>
+        <p:txBody>
+          <a:bodyPr/>
+          <a:lstStyle/>
+          <a:p>
+            <a:fld id="{D57F1E4F-1CFF-5643-939E-02111984F565}" type="slidenum">
+              <a:rPr lang="en-US" smtClean="0"/>
+              <a:t>74</a:t>
+            </a:fld>
+            <a:endParaRPr lang="en-US" dirty="0"/>
+          </a:p>
+        </p:txBody>
+      </p:sp>
+    </p:spTree>
+    <p:extLst>
+      <p:ext uri="{BB962C8B-B14F-4D97-AF65-F5344CB8AC3E}">
+        <p14:creationId xmlns:p14="http://schemas.microsoft.com/office/powerpoint/2010/main" val="1585568494"/>
       </p:ext>
     </p:extLst>
   </p:cSld>

--- a/tsa/Introduction to Time Series Analysis.pptx
+++ b/tsa/Introduction to Time Series Analysis.pptx
@@ -5,7 +5,7 @@
     <p:sldMasterId id="2147483707" r:id="rId1"/>
   </p:sldMasterIdLst>
   <p:notesMasterIdLst>
-    <p:notesMasterId r:id="rId76"/>
+    <p:notesMasterId r:id="rId73"/>
   </p:notesMasterIdLst>
   <p:sldIdLst>
     <p:sldId id="266" r:id="rId2"/>
@@ -46,42 +46,39 @@
     <p:sldId id="282" r:id="rId37"/>
     <p:sldId id="283" r:id="rId38"/>
     <p:sldId id="284" r:id="rId39"/>
-    <p:sldId id="299" r:id="rId40"/>
-    <p:sldId id="300" r:id="rId41"/>
-    <p:sldId id="314" r:id="rId42"/>
-    <p:sldId id="315" r:id="rId43"/>
-    <p:sldId id="285" r:id="rId44"/>
-    <p:sldId id="322" r:id="rId45"/>
-    <p:sldId id="323" r:id="rId46"/>
-    <p:sldId id="324" r:id="rId47"/>
-    <p:sldId id="305" r:id="rId48"/>
-    <p:sldId id="307" r:id="rId49"/>
-    <p:sldId id="326" r:id="rId50"/>
-    <p:sldId id="327" r:id="rId51"/>
-    <p:sldId id="328" r:id="rId52"/>
-    <p:sldId id="330" r:id="rId53"/>
-    <p:sldId id="329" r:id="rId54"/>
-    <p:sldId id="325" r:id="rId55"/>
-    <p:sldId id="331" r:id="rId56"/>
-    <p:sldId id="306" r:id="rId57"/>
-    <p:sldId id="309" r:id="rId58"/>
-    <p:sldId id="332" r:id="rId59"/>
-    <p:sldId id="333" r:id="rId60"/>
-    <p:sldId id="335" r:id="rId61"/>
-    <p:sldId id="336" r:id="rId62"/>
-    <p:sldId id="340" r:id="rId63"/>
+    <p:sldId id="353" r:id="rId40"/>
+    <p:sldId id="354" r:id="rId41"/>
+    <p:sldId id="299" r:id="rId42"/>
+    <p:sldId id="300" r:id="rId43"/>
+    <p:sldId id="314" r:id="rId44"/>
+    <p:sldId id="315" r:id="rId45"/>
+    <p:sldId id="285" r:id="rId46"/>
+    <p:sldId id="322" r:id="rId47"/>
+    <p:sldId id="323" r:id="rId48"/>
+    <p:sldId id="324" r:id="rId49"/>
+    <p:sldId id="305" r:id="rId50"/>
+    <p:sldId id="307" r:id="rId51"/>
+    <p:sldId id="326" r:id="rId52"/>
+    <p:sldId id="327" r:id="rId53"/>
+    <p:sldId id="328" r:id="rId54"/>
+    <p:sldId id="330" r:id="rId55"/>
+    <p:sldId id="329" r:id="rId56"/>
+    <p:sldId id="325" r:id="rId57"/>
+    <p:sldId id="331" r:id="rId58"/>
+    <p:sldId id="306" r:id="rId59"/>
+    <p:sldId id="309" r:id="rId60"/>
+    <p:sldId id="332" r:id="rId61"/>
+    <p:sldId id="333" r:id="rId62"/>
+    <p:sldId id="335" r:id="rId63"/>
     <p:sldId id="337" r:id="rId64"/>
-    <p:sldId id="341" r:id="rId65"/>
-    <p:sldId id="342" r:id="rId66"/>
-    <p:sldId id="339" r:id="rId67"/>
-    <p:sldId id="344" r:id="rId68"/>
-    <p:sldId id="346" r:id="rId69"/>
-    <p:sldId id="348" r:id="rId70"/>
-    <p:sldId id="347" r:id="rId71"/>
-    <p:sldId id="349" r:id="rId72"/>
-    <p:sldId id="351" r:id="rId73"/>
-    <p:sldId id="352" r:id="rId74"/>
-    <p:sldId id="268" r:id="rId75"/>
+    <p:sldId id="355" r:id="rId65"/>
+    <p:sldId id="339" r:id="rId66"/>
+    <p:sldId id="344" r:id="rId67"/>
+    <p:sldId id="346" r:id="rId68"/>
+    <p:sldId id="349" r:id="rId69"/>
+    <p:sldId id="351" r:id="rId70"/>
+    <p:sldId id="352" r:id="rId71"/>
+    <p:sldId id="268" r:id="rId72"/>
   </p:sldIdLst>
   <p:sldSz cx="12192000" cy="6858000"/>
   <p:notesSz cx="6858000" cy="9144000"/>
@@ -11052,6 +11049,707 @@
           <p:cNvPr id="2" name="Title 1">
             <a:extLst>
               <a:ext uri="{FF2B5EF4-FFF2-40B4-BE49-F238E27FC236}">
+                <a16:creationId xmlns:a16="http://schemas.microsoft.com/office/drawing/2014/main" id="{D7EACF90-3E7B-4978-AB0C-ED5165419D19}"/>
+              </a:ext>
+            </a:extLst>
+          </p:cNvPr>
+          <p:cNvSpPr>
+            <a:spLocks noGrp="1"/>
+          </p:cNvSpPr>
+          <p:nvPr>
+            <p:ph type="title"/>
+          </p:nvPr>
+        </p:nvSpPr>
+        <p:spPr/>
+        <p:txBody>
+          <a:bodyPr/>
+          <a:lstStyle/>
+          <a:p>
+            <a:r>
+              <a:rPr lang="en-US" dirty="0"/>
+              <a:t>MOVING AVERAGES IN ACTION: 1 &amp; 3</a:t>
+            </a:r>
+          </a:p>
+        </p:txBody>
+      </p:sp>
+      <p:sp>
+        <p:nvSpPr>
+          <p:cNvPr id="4" name="Date Placeholder 3">
+            <a:extLst>
+              <a:ext uri="{FF2B5EF4-FFF2-40B4-BE49-F238E27FC236}">
+                <a16:creationId xmlns:a16="http://schemas.microsoft.com/office/drawing/2014/main" id="{64E0A09F-EC7A-4EF6-AB3A-0DC48B1B7271}"/>
+              </a:ext>
+            </a:extLst>
+          </p:cNvPr>
+          <p:cNvSpPr>
+            <a:spLocks noGrp="1"/>
+          </p:cNvSpPr>
+          <p:nvPr>
+            <p:ph type="dt" sz="half" idx="10"/>
+          </p:nvPr>
+        </p:nvSpPr>
+        <p:spPr/>
+        <p:txBody>
+          <a:bodyPr/>
+          <a:lstStyle/>
+          <a:p>
+            <a:fld id="{8AAE40A0-A7D8-4DC3-BC9E-BADA32DA2004}" type="datetime4">
+              <a:rPr lang="en-US" smtClean="0"/>
+              <a:t>July 31, 2019</a:t>
+            </a:fld>
+            <a:endParaRPr lang="en-US" dirty="0"/>
+          </a:p>
+        </p:txBody>
+      </p:sp>
+      <p:sp>
+        <p:nvSpPr>
+          <p:cNvPr id="5" name="Footer Placeholder 4">
+            <a:extLst>
+              <a:ext uri="{FF2B5EF4-FFF2-40B4-BE49-F238E27FC236}">
+                <a16:creationId xmlns:a16="http://schemas.microsoft.com/office/drawing/2014/main" id="{9D8B7F07-2C50-4473-BABC-57C52FDD38D2}"/>
+              </a:ext>
+            </a:extLst>
+          </p:cNvPr>
+          <p:cNvSpPr>
+            <a:spLocks noGrp="1"/>
+          </p:cNvSpPr>
+          <p:nvPr>
+            <p:ph type="ftr" sz="quarter" idx="11"/>
+          </p:nvPr>
+        </p:nvSpPr>
+        <p:spPr/>
+        <p:txBody>
+          <a:bodyPr/>
+          <a:lstStyle/>
+          <a:p>
+            <a:r>
+              <a:rPr lang="en-US"/>
+              <a:t>Digital Scholarship Services </a:t>
+            </a:r>
+            <a:r>
+              <a:rPr lang="en-US">
+                <a:solidFill>
+                  <a:schemeClr val="accent1">
+                    <a:lumMod val="50000"/>
+                  </a:schemeClr>
+                </a:solidFill>
+              </a:rPr>
+              <a:t>| Email</a:t>
+            </a:r>
+            <a:r>
+              <a:rPr lang="en-US"/>
+              <a:t> cf24@rice.edu </a:t>
+            </a:r>
+            <a:r>
+              <a:rPr lang="en-US">
+                <a:solidFill>
+                  <a:schemeClr val="accent1">
+                    <a:lumMod val="50000"/>
+                  </a:schemeClr>
+                </a:solidFill>
+              </a:rPr>
+              <a:t>|</a:t>
+            </a:r>
+            <a:r>
+              <a:rPr lang="en-US"/>
+              <a:t> library.rice.edu/dss</a:t>
+            </a:r>
+            <a:endParaRPr lang="en-US" dirty="0"/>
+          </a:p>
+        </p:txBody>
+      </p:sp>
+      <p:sp>
+        <p:nvSpPr>
+          <p:cNvPr id="6" name="Slide Number Placeholder 5">
+            <a:extLst>
+              <a:ext uri="{FF2B5EF4-FFF2-40B4-BE49-F238E27FC236}">
+                <a16:creationId xmlns:a16="http://schemas.microsoft.com/office/drawing/2014/main" id="{6BE5E43E-0696-4C60-A72C-BBB5B4448760}"/>
+              </a:ext>
+            </a:extLst>
+          </p:cNvPr>
+          <p:cNvSpPr>
+            <a:spLocks noGrp="1"/>
+          </p:cNvSpPr>
+          <p:nvPr>
+            <p:ph type="sldNum" sz="quarter" idx="12"/>
+          </p:nvPr>
+        </p:nvSpPr>
+        <p:spPr/>
+        <p:txBody>
+          <a:bodyPr/>
+          <a:lstStyle/>
+          <a:p>
+            <a:fld id="{D57F1E4F-1CFF-5643-939E-02111984F565}" type="slidenum">
+              <a:rPr lang="en-US" smtClean="0"/>
+              <a:t>39</a:t>
+            </a:fld>
+            <a:endParaRPr lang="en-US" dirty="0"/>
+          </a:p>
+        </p:txBody>
+      </p:sp>
+      <p:pic>
+        <p:nvPicPr>
+          <p:cNvPr id="10" name="Picture 9" descr="A picture containing photo&#10;&#10;Description automatically generated">
+            <a:extLst>
+              <a:ext uri="{FF2B5EF4-FFF2-40B4-BE49-F238E27FC236}">
+                <a16:creationId xmlns:a16="http://schemas.microsoft.com/office/drawing/2014/main" id="{9A508332-029E-4E91-8AF5-4F30F3EF7AD1}"/>
+              </a:ext>
+            </a:extLst>
+          </p:cNvPr>
+          <p:cNvPicPr>
+            <a:picLocks noChangeAspect="1"/>
+          </p:cNvPicPr>
+          <p:nvPr/>
+        </p:nvPicPr>
+        <p:blipFill>
+          <a:blip r:embed="rId2"/>
+          <a:stretch>
+            <a:fillRect/>
+          </a:stretch>
+        </p:blipFill>
+        <p:spPr>
+          <a:xfrm>
+            <a:off x="406142" y="2118253"/>
+            <a:ext cx="5715798" cy="3810532"/>
+          </a:xfrm>
+          <a:prstGeom prst="rect">
+            <a:avLst/>
+          </a:prstGeom>
+        </p:spPr>
+      </p:pic>
+      <p:pic>
+        <p:nvPicPr>
+          <p:cNvPr id="12" name="Picture 11" descr="A picture containing photo&#10;&#10;Description automatically generated">
+            <a:extLst>
+              <a:ext uri="{FF2B5EF4-FFF2-40B4-BE49-F238E27FC236}">
+                <a16:creationId xmlns:a16="http://schemas.microsoft.com/office/drawing/2014/main" id="{F4148663-0F47-45B8-9009-61D82E2DF995}"/>
+              </a:ext>
+            </a:extLst>
+          </p:cNvPr>
+          <p:cNvPicPr>
+            <a:picLocks noChangeAspect="1"/>
+          </p:cNvPicPr>
+          <p:nvPr/>
+        </p:nvPicPr>
+        <p:blipFill>
+          <a:blip r:embed="rId3"/>
+          <a:stretch>
+            <a:fillRect/>
+          </a:stretch>
+        </p:blipFill>
+        <p:spPr>
+          <a:xfrm>
+            <a:off x="6121940" y="2118253"/>
+            <a:ext cx="5715798" cy="3810532"/>
+          </a:xfrm>
+          <a:prstGeom prst="rect">
+            <a:avLst/>
+          </a:prstGeom>
+        </p:spPr>
+      </p:pic>
+    </p:spTree>
+    <p:extLst>
+      <p:ext uri="{BB962C8B-B14F-4D97-AF65-F5344CB8AC3E}">
+        <p14:creationId xmlns:p14="http://schemas.microsoft.com/office/powerpoint/2010/main" val="1002784303"/>
+      </p:ext>
+    </p:extLst>
+  </p:cSld>
+  <p:clrMapOvr>
+    <a:masterClrMapping/>
+  </p:clrMapOvr>
+</p:sld>
+</file>
+
+<file path=ppt/slides/slide4.xml><?xml version="1.0" encoding="utf-8"?>
+<p:sld xmlns:a="http://schemas.openxmlformats.org/drawingml/2006/main" xmlns:r="http://schemas.openxmlformats.org/officeDocument/2006/relationships" xmlns:p="http://schemas.openxmlformats.org/presentationml/2006/main">
+  <p:cSld>
+    <p:spTree>
+      <p:nvGrpSpPr>
+        <p:cNvPr id="1" name=""/>
+        <p:cNvGrpSpPr/>
+        <p:nvPr/>
+      </p:nvGrpSpPr>
+      <p:grpSpPr>
+        <a:xfrm>
+          <a:off x="0" y="0"/>
+          <a:ext cx="0" cy="0"/>
+          <a:chOff x="0" y="0"/>
+          <a:chExt cx="0" cy="0"/>
+        </a:xfrm>
+      </p:grpSpPr>
+      <p:sp>
+        <p:nvSpPr>
+          <p:cNvPr id="2" name="Title 1">
+            <a:extLst>
+              <a:ext uri="{FF2B5EF4-FFF2-40B4-BE49-F238E27FC236}">
+                <a16:creationId xmlns:a16="http://schemas.microsoft.com/office/drawing/2014/main" id="{BBEB1736-8933-4842-81FB-C5DCC7C07C68}"/>
+              </a:ext>
+            </a:extLst>
+          </p:cNvPr>
+          <p:cNvSpPr>
+            <a:spLocks noGrp="1"/>
+          </p:cNvSpPr>
+          <p:nvPr>
+            <p:ph type="title"/>
+          </p:nvPr>
+        </p:nvSpPr>
+        <p:spPr/>
+        <p:txBody>
+          <a:bodyPr/>
+          <a:lstStyle/>
+          <a:p>
+            <a:r>
+              <a:rPr lang="en-US" dirty="0"/>
+              <a:t>WHY IS THIS IMPORTANT?</a:t>
+            </a:r>
+          </a:p>
+        </p:txBody>
+      </p:sp>
+      <p:sp>
+        <p:nvSpPr>
+          <p:cNvPr id="3" name="Content Placeholder 2">
+            <a:extLst>
+              <a:ext uri="{FF2B5EF4-FFF2-40B4-BE49-F238E27FC236}">
+                <a16:creationId xmlns:a16="http://schemas.microsoft.com/office/drawing/2014/main" id="{84C2C4E3-F71B-4C6F-8570-4ECA72D77DC3}"/>
+              </a:ext>
+            </a:extLst>
+          </p:cNvPr>
+          <p:cNvSpPr>
+            <a:spLocks noGrp="1"/>
+          </p:cNvSpPr>
+          <p:nvPr>
+            <p:ph idx="1"/>
+          </p:nvPr>
+        </p:nvSpPr>
+        <p:spPr/>
+        <p:txBody>
+          <a:bodyPr/>
+          <a:lstStyle/>
+          <a:p>
+            <a:r>
+              <a:rPr lang="en-US" dirty="0"/>
+              <a:t>Time series are extremely useful for forecasting</a:t>
+            </a:r>
+          </a:p>
+          <a:p>
+            <a:pPr lvl="1"/>
+            <a:r>
+              <a:rPr lang="en-US" dirty="0"/>
+              <a:t>Weather</a:t>
+            </a:r>
+          </a:p>
+          <a:p>
+            <a:pPr lvl="1"/>
+            <a:r>
+              <a:rPr lang="en-US" dirty="0"/>
+              <a:t>Stocks (although this is very hard!)</a:t>
+            </a:r>
+          </a:p>
+          <a:p>
+            <a:pPr lvl="1"/>
+            <a:r>
+              <a:rPr lang="en-US" dirty="0"/>
+              <a:t>Sports predictions</a:t>
+            </a:r>
+          </a:p>
+          <a:p>
+            <a:pPr lvl="1"/>
+            <a:r>
+              <a:rPr lang="en-US" dirty="0"/>
+              <a:t>Election predictions</a:t>
+            </a:r>
+          </a:p>
+          <a:p>
+            <a:r>
+              <a:rPr lang="en-US" dirty="0"/>
+              <a:t>Well suited to a wide class of problems</a:t>
+            </a:r>
+          </a:p>
+        </p:txBody>
+      </p:sp>
+      <p:sp>
+        <p:nvSpPr>
+          <p:cNvPr id="4" name="Date Placeholder 3">
+            <a:extLst>
+              <a:ext uri="{FF2B5EF4-FFF2-40B4-BE49-F238E27FC236}">
+                <a16:creationId xmlns:a16="http://schemas.microsoft.com/office/drawing/2014/main" id="{C81D5B6F-54DE-49BD-B70E-94836B9B8A8B}"/>
+              </a:ext>
+            </a:extLst>
+          </p:cNvPr>
+          <p:cNvSpPr>
+            <a:spLocks noGrp="1"/>
+          </p:cNvSpPr>
+          <p:nvPr>
+            <p:ph type="dt" sz="half" idx="10"/>
+          </p:nvPr>
+        </p:nvSpPr>
+        <p:spPr/>
+        <p:txBody>
+          <a:bodyPr/>
+          <a:lstStyle/>
+          <a:p>
+            <a:fld id="{8AAE40A0-A7D8-4DC3-BC9E-BADA32DA2004}" type="datetime4">
+              <a:rPr lang="en-US" smtClean="0"/>
+              <a:t>July 30, 2019</a:t>
+            </a:fld>
+            <a:endParaRPr lang="en-US" dirty="0"/>
+          </a:p>
+        </p:txBody>
+      </p:sp>
+      <p:sp>
+        <p:nvSpPr>
+          <p:cNvPr id="5" name="Footer Placeholder 4">
+            <a:extLst>
+              <a:ext uri="{FF2B5EF4-FFF2-40B4-BE49-F238E27FC236}">
+                <a16:creationId xmlns:a16="http://schemas.microsoft.com/office/drawing/2014/main" id="{A788BEBC-3FBD-4574-BD63-2697EB2420B4}"/>
+              </a:ext>
+            </a:extLst>
+          </p:cNvPr>
+          <p:cNvSpPr>
+            <a:spLocks noGrp="1"/>
+          </p:cNvSpPr>
+          <p:nvPr>
+            <p:ph type="ftr" sz="quarter" idx="11"/>
+          </p:nvPr>
+        </p:nvSpPr>
+        <p:spPr/>
+        <p:txBody>
+          <a:bodyPr/>
+          <a:lstStyle/>
+          <a:p>
+            <a:r>
+              <a:rPr lang="en-US"/>
+              <a:t>Digital Scholarship Services </a:t>
+            </a:r>
+            <a:r>
+              <a:rPr lang="en-US">
+                <a:solidFill>
+                  <a:schemeClr val="accent1">
+                    <a:lumMod val="50000"/>
+                  </a:schemeClr>
+                </a:solidFill>
+              </a:rPr>
+              <a:t>| Email</a:t>
+            </a:r>
+            <a:r>
+              <a:rPr lang="en-US"/>
+              <a:t> cf24@rice.edu </a:t>
+            </a:r>
+            <a:r>
+              <a:rPr lang="en-US">
+                <a:solidFill>
+                  <a:schemeClr val="accent1">
+                    <a:lumMod val="50000"/>
+                  </a:schemeClr>
+                </a:solidFill>
+              </a:rPr>
+              <a:t>|</a:t>
+            </a:r>
+            <a:r>
+              <a:rPr lang="en-US"/>
+              <a:t> library.rice.edu/dss</a:t>
+            </a:r>
+            <a:endParaRPr lang="en-US" dirty="0"/>
+          </a:p>
+        </p:txBody>
+      </p:sp>
+      <p:sp>
+        <p:nvSpPr>
+          <p:cNvPr id="6" name="Slide Number Placeholder 5">
+            <a:extLst>
+              <a:ext uri="{FF2B5EF4-FFF2-40B4-BE49-F238E27FC236}">
+                <a16:creationId xmlns:a16="http://schemas.microsoft.com/office/drawing/2014/main" id="{2DD21C00-87BF-4A7C-B66E-67269A15B560}"/>
+              </a:ext>
+            </a:extLst>
+          </p:cNvPr>
+          <p:cNvSpPr>
+            <a:spLocks noGrp="1"/>
+          </p:cNvSpPr>
+          <p:nvPr>
+            <p:ph type="sldNum" sz="quarter" idx="12"/>
+          </p:nvPr>
+        </p:nvSpPr>
+        <p:spPr/>
+        <p:txBody>
+          <a:bodyPr/>
+          <a:lstStyle/>
+          <a:p>
+            <a:fld id="{D57F1E4F-1CFF-5643-939E-02111984F565}" type="slidenum">
+              <a:rPr lang="en-US" smtClean="0"/>
+              <a:t>4</a:t>
+            </a:fld>
+            <a:endParaRPr lang="en-US" dirty="0"/>
+          </a:p>
+        </p:txBody>
+      </p:sp>
+    </p:spTree>
+    <p:extLst>
+      <p:ext uri="{BB962C8B-B14F-4D97-AF65-F5344CB8AC3E}">
+        <p14:creationId xmlns:p14="http://schemas.microsoft.com/office/powerpoint/2010/main" val="1017541021"/>
+      </p:ext>
+    </p:extLst>
+  </p:cSld>
+  <p:clrMapOvr>
+    <a:masterClrMapping/>
+  </p:clrMapOvr>
+</p:sld>
+</file>
+
+<file path=ppt/slides/slide40.xml><?xml version="1.0" encoding="utf-8"?>
+<p:sld xmlns:a="http://schemas.openxmlformats.org/drawingml/2006/main" xmlns:r="http://schemas.openxmlformats.org/officeDocument/2006/relationships" xmlns:p="http://schemas.openxmlformats.org/presentationml/2006/main">
+  <p:cSld>
+    <p:spTree>
+      <p:nvGrpSpPr>
+        <p:cNvPr id="1" name=""/>
+        <p:cNvGrpSpPr/>
+        <p:nvPr/>
+      </p:nvGrpSpPr>
+      <p:grpSpPr>
+        <a:xfrm>
+          <a:off x="0" y="0"/>
+          <a:ext cx="0" cy="0"/>
+          <a:chOff x="0" y="0"/>
+          <a:chExt cx="0" cy="0"/>
+        </a:xfrm>
+      </p:grpSpPr>
+      <p:sp>
+        <p:nvSpPr>
+          <p:cNvPr id="2" name="Title 1">
+            <a:extLst>
+              <a:ext uri="{FF2B5EF4-FFF2-40B4-BE49-F238E27FC236}">
+                <a16:creationId xmlns:a16="http://schemas.microsoft.com/office/drawing/2014/main" id="{D7EACF90-3E7B-4978-AB0C-ED5165419D19}"/>
+              </a:ext>
+            </a:extLst>
+          </p:cNvPr>
+          <p:cNvSpPr>
+            <a:spLocks noGrp="1"/>
+          </p:cNvSpPr>
+          <p:nvPr>
+            <p:ph type="title"/>
+          </p:nvPr>
+        </p:nvSpPr>
+        <p:spPr/>
+        <p:txBody>
+          <a:bodyPr/>
+          <a:lstStyle/>
+          <a:p>
+            <a:r>
+              <a:rPr lang="en-US" dirty="0"/>
+              <a:t>MOVING AVERAGES IN ACTION: 5 &amp; 7</a:t>
+            </a:r>
+          </a:p>
+        </p:txBody>
+      </p:sp>
+      <p:sp>
+        <p:nvSpPr>
+          <p:cNvPr id="4" name="Date Placeholder 3">
+            <a:extLst>
+              <a:ext uri="{FF2B5EF4-FFF2-40B4-BE49-F238E27FC236}">
+                <a16:creationId xmlns:a16="http://schemas.microsoft.com/office/drawing/2014/main" id="{64E0A09F-EC7A-4EF6-AB3A-0DC48B1B7271}"/>
+              </a:ext>
+            </a:extLst>
+          </p:cNvPr>
+          <p:cNvSpPr>
+            <a:spLocks noGrp="1"/>
+          </p:cNvSpPr>
+          <p:nvPr>
+            <p:ph type="dt" sz="half" idx="10"/>
+          </p:nvPr>
+        </p:nvSpPr>
+        <p:spPr/>
+        <p:txBody>
+          <a:bodyPr/>
+          <a:lstStyle/>
+          <a:p>
+            <a:fld id="{8AAE40A0-A7D8-4DC3-BC9E-BADA32DA2004}" type="datetime4">
+              <a:rPr lang="en-US" smtClean="0"/>
+              <a:t>July 31, 2019</a:t>
+            </a:fld>
+            <a:endParaRPr lang="en-US" dirty="0"/>
+          </a:p>
+        </p:txBody>
+      </p:sp>
+      <p:sp>
+        <p:nvSpPr>
+          <p:cNvPr id="5" name="Footer Placeholder 4">
+            <a:extLst>
+              <a:ext uri="{FF2B5EF4-FFF2-40B4-BE49-F238E27FC236}">
+                <a16:creationId xmlns:a16="http://schemas.microsoft.com/office/drawing/2014/main" id="{9D8B7F07-2C50-4473-BABC-57C52FDD38D2}"/>
+              </a:ext>
+            </a:extLst>
+          </p:cNvPr>
+          <p:cNvSpPr>
+            <a:spLocks noGrp="1"/>
+          </p:cNvSpPr>
+          <p:nvPr>
+            <p:ph type="ftr" sz="quarter" idx="11"/>
+          </p:nvPr>
+        </p:nvSpPr>
+        <p:spPr/>
+        <p:txBody>
+          <a:bodyPr/>
+          <a:lstStyle/>
+          <a:p>
+            <a:r>
+              <a:rPr lang="en-US"/>
+              <a:t>Digital Scholarship Services </a:t>
+            </a:r>
+            <a:r>
+              <a:rPr lang="en-US">
+                <a:solidFill>
+                  <a:schemeClr val="accent1">
+                    <a:lumMod val="50000"/>
+                  </a:schemeClr>
+                </a:solidFill>
+              </a:rPr>
+              <a:t>| Email</a:t>
+            </a:r>
+            <a:r>
+              <a:rPr lang="en-US"/>
+              <a:t> cf24@rice.edu </a:t>
+            </a:r>
+            <a:r>
+              <a:rPr lang="en-US">
+                <a:solidFill>
+                  <a:schemeClr val="accent1">
+                    <a:lumMod val="50000"/>
+                  </a:schemeClr>
+                </a:solidFill>
+              </a:rPr>
+              <a:t>|</a:t>
+            </a:r>
+            <a:r>
+              <a:rPr lang="en-US"/>
+              <a:t> library.rice.edu/dss</a:t>
+            </a:r>
+            <a:endParaRPr lang="en-US" dirty="0"/>
+          </a:p>
+        </p:txBody>
+      </p:sp>
+      <p:sp>
+        <p:nvSpPr>
+          <p:cNvPr id="6" name="Slide Number Placeholder 5">
+            <a:extLst>
+              <a:ext uri="{FF2B5EF4-FFF2-40B4-BE49-F238E27FC236}">
+                <a16:creationId xmlns:a16="http://schemas.microsoft.com/office/drawing/2014/main" id="{6BE5E43E-0696-4C60-A72C-BBB5B4448760}"/>
+              </a:ext>
+            </a:extLst>
+          </p:cNvPr>
+          <p:cNvSpPr>
+            <a:spLocks noGrp="1"/>
+          </p:cNvSpPr>
+          <p:nvPr>
+            <p:ph type="sldNum" sz="quarter" idx="12"/>
+          </p:nvPr>
+        </p:nvSpPr>
+        <p:spPr/>
+        <p:txBody>
+          <a:bodyPr/>
+          <a:lstStyle/>
+          <a:p>
+            <a:fld id="{D57F1E4F-1CFF-5643-939E-02111984F565}" type="slidenum">
+              <a:rPr lang="en-US" smtClean="0"/>
+              <a:t>40</a:t>
+            </a:fld>
+            <a:endParaRPr lang="en-US" dirty="0"/>
+          </a:p>
+        </p:txBody>
+      </p:sp>
+      <p:pic>
+        <p:nvPicPr>
+          <p:cNvPr id="7" name="Picture 6" descr="A close up of a map&#10;&#10;Description automatically generated">
+            <a:extLst>
+              <a:ext uri="{FF2B5EF4-FFF2-40B4-BE49-F238E27FC236}">
+                <a16:creationId xmlns:a16="http://schemas.microsoft.com/office/drawing/2014/main" id="{71B94398-72C2-45DF-9BB6-EB01A0720452}"/>
+              </a:ext>
+            </a:extLst>
+          </p:cNvPr>
+          <p:cNvPicPr>
+            <a:picLocks noChangeAspect="1"/>
+          </p:cNvPicPr>
+          <p:nvPr/>
+        </p:nvPicPr>
+        <p:blipFill>
+          <a:blip r:embed="rId2"/>
+          <a:stretch>
+            <a:fillRect/>
+          </a:stretch>
+        </p:blipFill>
+        <p:spPr>
+          <a:xfrm>
+            <a:off x="406142" y="2118253"/>
+            <a:ext cx="5715798" cy="3810532"/>
+          </a:xfrm>
+          <a:prstGeom prst="rect">
+            <a:avLst/>
+          </a:prstGeom>
+        </p:spPr>
+      </p:pic>
+      <p:pic>
+        <p:nvPicPr>
+          <p:cNvPr id="9" name="Picture 8" descr="A close up of a map&#10;&#10;Description automatically generated">
+            <a:extLst>
+              <a:ext uri="{FF2B5EF4-FFF2-40B4-BE49-F238E27FC236}">
+                <a16:creationId xmlns:a16="http://schemas.microsoft.com/office/drawing/2014/main" id="{D229A4C5-FEBF-4EA4-A4A0-9C5CAE147D3A}"/>
+              </a:ext>
+            </a:extLst>
+          </p:cNvPr>
+          <p:cNvPicPr>
+            <a:picLocks noChangeAspect="1"/>
+          </p:cNvPicPr>
+          <p:nvPr/>
+        </p:nvPicPr>
+        <p:blipFill>
+          <a:blip r:embed="rId3"/>
+          <a:stretch>
+            <a:fillRect/>
+          </a:stretch>
+        </p:blipFill>
+        <p:spPr>
+          <a:xfrm>
+            <a:off x="6121940" y="2118253"/>
+            <a:ext cx="5715798" cy="3810532"/>
+          </a:xfrm>
+          <a:prstGeom prst="rect">
+            <a:avLst/>
+          </a:prstGeom>
+        </p:spPr>
+      </p:pic>
+    </p:spTree>
+    <p:extLst>
+      <p:ext uri="{BB962C8B-B14F-4D97-AF65-F5344CB8AC3E}">
+        <p14:creationId xmlns:p14="http://schemas.microsoft.com/office/powerpoint/2010/main" val="1015281038"/>
+      </p:ext>
+    </p:extLst>
+  </p:cSld>
+  <p:clrMapOvr>
+    <a:masterClrMapping/>
+  </p:clrMapOvr>
+</p:sld>
+</file>
+
+<file path=ppt/slides/slide41.xml><?xml version="1.0" encoding="utf-8"?>
+<p:sld xmlns:a="http://schemas.openxmlformats.org/drawingml/2006/main" xmlns:r="http://schemas.openxmlformats.org/officeDocument/2006/relationships" xmlns:p="http://schemas.openxmlformats.org/presentationml/2006/main">
+  <p:cSld>
+    <p:spTree>
+      <p:nvGrpSpPr>
+        <p:cNvPr id="1" name=""/>
+        <p:cNvGrpSpPr/>
+        <p:nvPr/>
+      </p:nvGrpSpPr>
+      <p:grpSpPr>
+        <a:xfrm>
+          <a:off x="0" y="0"/>
+          <a:ext cx="0" cy="0"/>
+          <a:chOff x="0" y="0"/>
+          <a:chExt cx="0" cy="0"/>
+        </a:xfrm>
+      </p:grpSpPr>
+      <p:sp>
+        <p:nvSpPr>
+          <p:cNvPr id="2" name="Title 1">
+            <a:extLst>
+              <a:ext uri="{FF2B5EF4-FFF2-40B4-BE49-F238E27FC236}">
                 <a16:creationId xmlns:a16="http://schemas.microsoft.com/office/drawing/2014/main" id="{84FE5820-4288-4CB6-888A-5CBF5468888C}"/>
               </a:ext>
             </a:extLst>
@@ -11230,7 +11928,7 @@
           <a:p>
             <a:fld id="{D57F1E4F-1CFF-5643-939E-02111984F565}" type="slidenum">
               <a:rPr lang="en-US" smtClean="0"/>
-              <a:t>39</a:t>
+              <a:t>41</a:t>
             </a:fld>
             <a:endParaRPr lang="en-US" dirty="0"/>
           </a:p>
@@ -11278,7 +11976,7 @@
 </p:sld>
 </file>
 
-<file path=ppt/slides/slide4.xml><?xml version="1.0" encoding="utf-8"?>
+<file path=ppt/slides/slide42.xml><?xml version="1.0" encoding="utf-8"?>
 <p:sld xmlns:a="http://schemas.openxmlformats.org/drawingml/2006/main" xmlns:r="http://schemas.openxmlformats.org/officeDocument/2006/relationships" xmlns:p="http://schemas.openxmlformats.org/presentationml/2006/main">
   <p:cSld>
     <p:spTree>
@@ -11300,7 +11998,7 @@
           <p:cNvPr id="2" name="Title 1">
             <a:extLst>
               <a:ext uri="{FF2B5EF4-FFF2-40B4-BE49-F238E27FC236}">
-                <a16:creationId xmlns:a16="http://schemas.microsoft.com/office/drawing/2014/main" id="{BBEB1736-8933-4842-81FB-C5DCC7C07C68}"/>
+                <a16:creationId xmlns:a16="http://schemas.microsoft.com/office/drawing/2014/main" id="{84FE5820-4288-4CB6-888A-5CBF5468888C}"/>
               </a:ext>
             </a:extLst>
           </p:cNvPr>
@@ -11318,7 +12016,7 @@
           <a:p>
             <a:r>
               <a:rPr lang="en-US" dirty="0"/>
-              <a:t>WHY IS THIS IMPORTANT?</a:t>
+              <a:t>PARTIAL AUTOCORRELATION PLOTS</a:t>
             </a:r>
           </a:p>
         </p:txBody>
@@ -11328,7 +12026,7 @@
           <p:cNvPr id="3" name="Content Placeholder 2">
             <a:extLst>
               <a:ext uri="{FF2B5EF4-FFF2-40B4-BE49-F238E27FC236}">
-                <a16:creationId xmlns:a16="http://schemas.microsoft.com/office/drawing/2014/main" id="{84C2C4E3-F71B-4C6F-8570-4ECA72D77DC3}"/>
+                <a16:creationId xmlns:a16="http://schemas.microsoft.com/office/drawing/2014/main" id="{2952943F-FC31-4BE3-AB00-BAB4B12957BE}"/>
               </a:ext>
             </a:extLst>
           </p:cNvPr>
@@ -11339,49 +12037,42 @@
             <p:ph idx="1"/>
           </p:nvPr>
         </p:nvSpPr>
-        <p:spPr/>
-        <p:txBody>
-          <a:bodyPr/>
-          <a:lstStyle/>
-          <a:p>
-            <a:r>
-              <a:rPr lang="en-US" dirty="0"/>
-              <a:t>Time series are extremely useful for forecasting</a:t>
+        <p:spPr>
+          <a:xfrm>
+            <a:off x="838200" y="1825625"/>
+            <a:ext cx="5257800" cy="4351338"/>
+          </a:xfrm>
+        </p:spPr>
+        <p:txBody>
+          <a:bodyPr/>
+          <a:lstStyle/>
+          <a:p>
+            <a:r>
+              <a:rPr lang="en-US" dirty="0"/>
+              <a:t>A plot of a range of partial autocorrelations for different orders</a:t>
             </a:r>
           </a:p>
           <a:p>
             <a:pPr lvl="1"/>
             <a:r>
               <a:rPr lang="en-US" dirty="0"/>
-              <a:t>Weather</a:t>
-            </a:r>
-          </a:p>
-          <a:p>
-            <a:pPr lvl="1"/>
-            <a:r>
-              <a:rPr lang="en-US" dirty="0"/>
-              <a:t>Stocks (although this is very hard!)</a:t>
-            </a:r>
-          </a:p>
-          <a:p>
-            <a:pPr lvl="1"/>
-            <a:r>
-              <a:rPr lang="en-US" dirty="0"/>
-              <a:t>Sports predictions</a:t>
-            </a:r>
-          </a:p>
-          <a:p>
-            <a:pPr lvl="1"/>
-            <a:r>
-              <a:rPr lang="en-US" dirty="0"/>
-              <a:t>Election predictions</a:t>
-            </a:r>
-          </a:p>
-          <a:p>
-            <a:r>
-              <a:rPr lang="en-US" dirty="0"/>
-              <a:t>Well suited to a wide class of problems</a:t>
-            </a:r>
+              <a:t>How much smoothing do we apply?</a:t>
+            </a:r>
+          </a:p>
+          <a:p>
+            <a:r>
+              <a:rPr lang="en-US" dirty="0"/>
+              <a:t>Estimates the moving average component</a:t>
+            </a:r>
+          </a:p>
+          <a:p>
+            <a:r>
+              <a:rPr lang="en-US" dirty="0"/>
+              <a:t>Find the lag to the right of which the columns are (mostly) within the blue region</a:t>
+            </a:r>
+          </a:p>
+          <a:p>
+            <a:endParaRPr lang="en-US" dirty="0"/>
           </a:p>
         </p:txBody>
       </p:sp>
@@ -11390,7 +12081,7 @@
           <p:cNvPr id="4" name="Date Placeholder 3">
             <a:extLst>
               <a:ext uri="{FF2B5EF4-FFF2-40B4-BE49-F238E27FC236}">
-                <a16:creationId xmlns:a16="http://schemas.microsoft.com/office/drawing/2014/main" id="{C81D5B6F-54DE-49BD-B70E-94836B9B8A8B}"/>
+                <a16:creationId xmlns:a16="http://schemas.microsoft.com/office/drawing/2014/main" id="{F716348B-D7FE-46ED-8C48-CF5A55FF31CF}"/>
               </a:ext>
             </a:extLst>
           </p:cNvPr>
@@ -11419,7 +12110,7 @@
           <p:cNvPr id="5" name="Footer Placeholder 4">
             <a:extLst>
               <a:ext uri="{FF2B5EF4-FFF2-40B4-BE49-F238E27FC236}">
-                <a16:creationId xmlns:a16="http://schemas.microsoft.com/office/drawing/2014/main" id="{A788BEBC-3FBD-4574-BD63-2697EB2420B4}"/>
+                <a16:creationId xmlns:a16="http://schemas.microsoft.com/office/drawing/2014/main" id="{34059279-A1E7-4F19-B4BF-8C6B59A4CEFF}"/>
               </a:ext>
             </a:extLst>
           </p:cNvPr>
@@ -11476,7 +12167,7 @@
           <p:cNvPr id="6" name="Slide Number Placeholder 5">
             <a:extLst>
               <a:ext uri="{FF2B5EF4-FFF2-40B4-BE49-F238E27FC236}">
-                <a16:creationId xmlns:a16="http://schemas.microsoft.com/office/drawing/2014/main" id="{2DD21C00-87BF-4A7C-B66E-67269A15B560}"/>
+                <a16:creationId xmlns:a16="http://schemas.microsoft.com/office/drawing/2014/main" id="{DE722C41-7366-4DE2-9AF4-E75E189A7733}"/>
               </a:ext>
             </a:extLst>
           </p:cNvPr>
@@ -11494,235 +12185,7 @@
           <a:p>
             <a:fld id="{D57F1E4F-1CFF-5643-939E-02111984F565}" type="slidenum">
               <a:rPr lang="en-US" smtClean="0"/>
-              <a:t>4</a:t>
-            </a:fld>
-            <a:endParaRPr lang="en-US" dirty="0"/>
-          </a:p>
-        </p:txBody>
-      </p:sp>
-    </p:spTree>
-    <p:extLst>
-      <p:ext uri="{BB962C8B-B14F-4D97-AF65-F5344CB8AC3E}">
-        <p14:creationId xmlns:p14="http://schemas.microsoft.com/office/powerpoint/2010/main" val="1017541021"/>
-      </p:ext>
-    </p:extLst>
-  </p:cSld>
-  <p:clrMapOvr>
-    <a:masterClrMapping/>
-  </p:clrMapOvr>
-</p:sld>
-</file>
-
-<file path=ppt/slides/slide40.xml><?xml version="1.0" encoding="utf-8"?>
-<p:sld xmlns:a="http://schemas.openxmlformats.org/drawingml/2006/main" xmlns:r="http://schemas.openxmlformats.org/officeDocument/2006/relationships" xmlns:p="http://schemas.openxmlformats.org/presentationml/2006/main">
-  <p:cSld>
-    <p:spTree>
-      <p:nvGrpSpPr>
-        <p:cNvPr id="1" name=""/>
-        <p:cNvGrpSpPr/>
-        <p:nvPr/>
-      </p:nvGrpSpPr>
-      <p:grpSpPr>
-        <a:xfrm>
-          <a:off x="0" y="0"/>
-          <a:ext cx="0" cy="0"/>
-          <a:chOff x="0" y="0"/>
-          <a:chExt cx="0" cy="0"/>
-        </a:xfrm>
-      </p:grpSpPr>
-      <p:sp>
-        <p:nvSpPr>
-          <p:cNvPr id="2" name="Title 1">
-            <a:extLst>
-              <a:ext uri="{FF2B5EF4-FFF2-40B4-BE49-F238E27FC236}">
-                <a16:creationId xmlns:a16="http://schemas.microsoft.com/office/drawing/2014/main" id="{84FE5820-4288-4CB6-888A-5CBF5468888C}"/>
-              </a:ext>
-            </a:extLst>
-          </p:cNvPr>
-          <p:cNvSpPr>
-            <a:spLocks noGrp="1"/>
-          </p:cNvSpPr>
-          <p:nvPr>
-            <p:ph type="title"/>
-          </p:nvPr>
-        </p:nvSpPr>
-        <p:spPr/>
-        <p:txBody>
-          <a:bodyPr/>
-          <a:lstStyle/>
-          <a:p>
-            <a:r>
-              <a:rPr lang="en-US" dirty="0"/>
-              <a:t>PARTIAL AUTOCORRELATION PLOTS</a:t>
-            </a:r>
-          </a:p>
-        </p:txBody>
-      </p:sp>
-      <p:sp>
-        <p:nvSpPr>
-          <p:cNvPr id="3" name="Content Placeholder 2">
-            <a:extLst>
-              <a:ext uri="{FF2B5EF4-FFF2-40B4-BE49-F238E27FC236}">
-                <a16:creationId xmlns:a16="http://schemas.microsoft.com/office/drawing/2014/main" id="{2952943F-FC31-4BE3-AB00-BAB4B12957BE}"/>
-              </a:ext>
-            </a:extLst>
-          </p:cNvPr>
-          <p:cNvSpPr>
-            <a:spLocks noGrp="1"/>
-          </p:cNvSpPr>
-          <p:nvPr>
-            <p:ph idx="1"/>
-          </p:nvPr>
-        </p:nvSpPr>
-        <p:spPr>
-          <a:xfrm>
-            <a:off x="838200" y="1825625"/>
-            <a:ext cx="5257800" cy="4351338"/>
-          </a:xfrm>
-        </p:spPr>
-        <p:txBody>
-          <a:bodyPr/>
-          <a:lstStyle/>
-          <a:p>
-            <a:r>
-              <a:rPr lang="en-US" dirty="0"/>
-              <a:t>A plot of a range of partial autocorrelations for different orders</a:t>
-            </a:r>
-          </a:p>
-          <a:p>
-            <a:pPr lvl="1"/>
-            <a:r>
-              <a:rPr lang="en-US" dirty="0"/>
-              <a:t>How much smoothing do we apply?</a:t>
-            </a:r>
-          </a:p>
-          <a:p>
-            <a:r>
-              <a:rPr lang="en-US" dirty="0"/>
-              <a:t>Estimates the moving average component</a:t>
-            </a:r>
-          </a:p>
-          <a:p>
-            <a:r>
-              <a:rPr lang="en-US" dirty="0"/>
-              <a:t>Find the lag to the right of which the columns are (mostly) within the blue region</a:t>
-            </a:r>
-          </a:p>
-          <a:p>
-            <a:endParaRPr lang="en-US" dirty="0"/>
-          </a:p>
-        </p:txBody>
-      </p:sp>
-      <p:sp>
-        <p:nvSpPr>
-          <p:cNvPr id="4" name="Date Placeholder 3">
-            <a:extLst>
-              <a:ext uri="{FF2B5EF4-FFF2-40B4-BE49-F238E27FC236}">
-                <a16:creationId xmlns:a16="http://schemas.microsoft.com/office/drawing/2014/main" id="{F716348B-D7FE-46ED-8C48-CF5A55FF31CF}"/>
-              </a:ext>
-            </a:extLst>
-          </p:cNvPr>
-          <p:cNvSpPr>
-            <a:spLocks noGrp="1"/>
-          </p:cNvSpPr>
-          <p:nvPr>
-            <p:ph type="dt" sz="half" idx="10"/>
-          </p:nvPr>
-        </p:nvSpPr>
-        <p:spPr/>
-        <p:txBody>
-          <a:bodyPr/>
-          <a:lstStyle/>
-          <a:p>
-            <a:fld id="{8AAE40A0-A7D8-4DC3-BC9E-BADA32DA2004}" type="datetime4">
-              <a:rPr lang="en-US" smtClean="0"/>
-              <a:t>July 30, 2019</a:t>
-            </a:fld>
-            <a:endParaRPr lang="en-US" dirty="0"/>
-          </a:p>
-        </p:txBody>
-      </p:sp>
-      <p:sp>
-        <p:nvSpPr>
-          <p:cNvPr id="5" name="Footer Placeholder 4">
-            <a:extLst>
-              <a:ext uri="{FF2B5EF4-FFF2-40B4-BE49-F238E27FC236}">
-                <a16:creationId xmlns:a16="http://schemas.microsoft.com/office/drawing/2014/main" id="{34059279-A1E7-4F19-B4BF-8C6B59A4CEFF}"/>
-              </a:ext>
-            </a:extLst>
-          </p:cNvPr>
-          <p:cNvSpPr>
-            <a:spLocks noGrp="1"/>
-          </p:cNvSpPr>
-          <p:nvPr>
-            <p:ph type="ftr" sz="quarter" idx="11"/>
-          </p:nvPr>
-        </p:nvSpPr>
-        <p:spPr/>
-        <p:txBody>
-          <a:bodyPr/>
-          <a:lstStyle/>
-          <a:p>
-            <a:r>
-              <a:rPr lang="en-US"/>
-              <a:t>Digital Scholarship Services </a:t>
-            </a:r>
-            <a:r>
-              <a:rPr lang="en-US">
-                <a:solidFill>
-                  <a:schemeClr val="accent1">
-                    <a:lumMod val="50000"/>
-                  </a:schemeClr>
-                </a:solidFill>
-              </a:rPr>
-              <a:t>| Email</a:t>
-            </a:r>
-            <a:r>
-              <a:rPr lang="en-US"/>
-              <a:t> cf24@rice.edu </a:t>
-            </a:r>
-            <a:r>
-              <a:rPr lang="en-US">
-                <a:solidFill>
-                  <a:schemeClr val="accent1">
-                    <a:lumMod val="50000"/>
-                  </a:schemeClr>
-                </a:solidFill>
-              </a:rPr>
-              <a:t>|</a:t>
-            </a:r>
-            <a:r>
-              <a:rPr lang="en-US"/>
-              <a:t> library.rice.edu/dss</a:t>
-            </a:r>
-            <a:endParaRPr lang="en-US" dirty="0"/>
-          </a:p>
-        </p:txBody>
-      </p:sp>
-      <p:sp>
-        <p:nvSpPr>
-          <p:cNvPr id="6" name="Slide Number Placeholder 5">
-            <a:extLst>
-              <a:ext uri="{FF2B5EF4-FFF2-40B4-BE49-F238E27FC236}">
-                <a16:creationId xmlns:a16="http://schemas.microsoft.com/office/drawing/2014/main" id="{DE722C41-7366-4DE2-9AF4-E75E189A7733}"/>
-              </a:ext>
-            </a:extLst>
-          </p:cNvPr>
-          <p:cNvSpPr>
-            <a:spLocks noGrp="1"/>
-          </p:cNvSpPr>
-          <p:nvPr>
-            <p:ph type="sldNum" sz="quarter" idx="12"/>
-          </p:nvPr>
-        </p:nvSpPr>
-        <p:spPr/>
-        <p:txBody>
-          <a:bodyPr/>
-          <a:lstStyle/>
-          <a:p>
-            <a:fld id="{D57F1E4F-1CFF-5643-939E-02111984F565}" type="slidenum">
-              <a:rPr lang="en-US" smtClean="0"/>
-              <a:t>40</a:t>
+              <a:t>42</a:t>
             </a:fld>
             <a:endParaRPr lang="en-US" dirty="0"/>
           </a:p>
@@ -11771,7 +12234,7 @@
 </p:sld>
 </file>
 
-<file path=ppt/slides/slide41.xml><?xml version="1.0" encoding="utf-8"?>
+<file path=ppt/slides/slide43.xml><?xml version="1.0" encoding="utf-8"?>
 <p:sld xmlns:a="http://schemas.openxmlformats.org/drawingml/2006/main" xmlns:r="http://schemas.openxmlformats.org/officeDocument/2006/relationships" xmlns:p="http://schemas.openxmlformats.org/presentationml/2006/main">
   <p:cSld>
     <p:spTree>
@@ -12083,7 +12546,7 @@
           <a:p>
             <a:fld id="{D57F1E4F-1CFF-5643-939E-02111984F565}" type="slidenum">
               <a:rPr lang="en-US" smtClean="0"/>
-              <a:t>41</a:t>
+              <a:t>43</a:t>
             </a:fld>
             <a:endParaRPr lang="en-US" dirty="0"/>
           </a:p>
@@ -12093,557 +12556,6 @@
     <p:extLst>
       <p:ext uri="{BB962C8B-B14F-4D97-AF65-F5344CB8AC3E}">
         <p14:creationId xmlns:p14="http://schemas.microsoft.com/office/powerpoint/2010/main" val="59247345"/>
-      </p:ext>
-    </p:extLst>
-  </p:cSld>
-  <p:clrMapOvr>
-    <a:masterClrMapping/>
-  </p:clrMapOvr>
-</p:sld>
-</file>
-
-<file path=ppt/slides/slide42.xml><?xml version="1.0" encoding="utf-8"?>
-<p:sld xmlns:a="http://schemas.openxmlformats.org/drawingml/2006/main" xmlns:r="http://schemas.openxmlformats.org/officeDocument/2006/relationships" xmlns:p="http://schemas.openxmlformats.org/presentationml/2006/main">
-  <p:cSld>
-    <p:spTree>
-      <p:nvGrpSpPr>
-        <p:cNvPr id="1" name=""/>
-        <p:cNvGrpSpPr/>
-        <p:nvPr/>
-      </p:nvGrpSpPr>
-      <p:grpSpPr>
-        <a:xfrm>
-          <a:off x="0" y="0"/>
-          <a:ext cx="0" cy="0"/>
-          <a:chOff x="0" y="0"/>
-          <a:chExt cx="0" cy="0"/>
-        </a:xfrm>
-      </p:grpSpPr>
-      <p:sp>
-        <p:nvSpPr>
-          <p:cNvPr id="7" name="Title 6">
-            <a:extLst>
-              <a:ext uri="{FF2B5EF4-FFF2-40B4-BE49-F238E27FC236}">
-                <a16:creationId xmlns:a16="http://schemas.microsoft.com/office/drawing/2014/main" id="{75C0DCD3-95F8-4E1F-BF1A-5FAAB84A40A3}"/>
-              </a:ext>
-            </a:extLst>
-          </p:cNvPr>
-          <p:cNvSpPr>
-            <a:spLocks noGrp="1"/>
-          </p:cNvSpPr>
-          <p:nvPr>
-            <p:ph type="title"/>
-          </p:nvPr>
-        </p:nvSpPr>
-        <p:spPr/>
-        <p:txBody>
-          <a:bodyPr/>
-          <a:lstStyle/>
-          <a:p>
-            <a:r>
-              <a:rPr lang="en-US" dirty="0"/>
-              <a:t>BUILDING THE MODEL</a:t>
-            </a:r>
-          </a:p>
-        </p:txBody>
-      </p:sp>
-      <p:sp>
-        <p:nvSpPr>
-          <p:cNvPr id="8" name="Content Placeholder 7">
-            <a:extLst>
-              <a:ext uri="{FF2B5EF4-FFF2-40B4-BE49-F238E27FC236}">
-                <a16:creationId xmlns:a16="http://schemas.microsoft.com/office/drawing/2014/main" id="{52BB1FAB-BB61-4B66-A4EA-A0EABC2B3ECA}"/>
-              </a:ext>
-            </a:extLst>
-          </p:cNvPr>
-          <p:cNvSpPr>
-            <a:spLocks noGrp="1"/>
-          </p:cNvSpPr>
-          <p:nvPr>
-            <p:ph idx="1"/>
-          </p:nvPr>
-        </p:nvSpPr>
-        <p:spPr>
-          <a:xfrm>
-            <a:off x="838200" y="1825625"/>
-            <a:ext cx="11014953" cy="4351338"/>
-          </a:xfrm>
-        </p:spPr>
-        <p:txBody>
-          <a:bodyPr/>
-          <a:lstStyle/>
-          <a:p>
-            <a:r>
-              <a:rPr lang="en-US" dirty="0"/>
-              <a:t>R</a:t>
-            </a:r>
-          </a:p>
-          <a:p>
-            <a:pPr marL="0" indent="0">
-              <a:buNone/>
-            </a:pPr>
-            <a:r>
-              <a:rPr lang="en-US" dirty="0" err="1">
-                <a:latin typeface="Courier New" panose="02070309020205020404" pitchFamily="49" charset="0"/>
-                <a:cs typeface="Courier New" panose="02070309020205020404" pitchFamily="49" charset="0"/>
-              </a:rPr>
-              <a:t>arima</a:t>
-            </a:r>
-            <a:r>
-              <a:rPr lang="en-US" dirty="0">
-                <a:latin typeface="Courier New" panose="02070309020205020404" pitchFamily="49" charset="0"/>
-                <a:cs typeface="Courier New" panose="02070309020205020404" pitchFamily="49" charset="0"/>
-              </a:rPr>
-              <a:t>(</a:t>
-            </a:r>
-            <a:r>
-              <a:rPr lang="en-US" i="1" dirty="0">
-                <a:latin typeface="Courier New" panose="02070309020205020404" pitchFamily="49" charset="0"/>
-                <a:cs typeface="Courier New" panose="02070309020205020404" pitchFamily="49" charset="0"/>
-              </a:rPr>
-              <a:t>Your Time Series</a:t>
-            </a:r>
-            <a:r>
-              <a:rPr lang="en-US" dirty="0">
-                <a:latin typeface="Courier New" panose="02070309020205020404" pitchFamily="49" charset="0"/>
-                <a:cs typeface="Courier New" panose="02070309020205020404" pitchFamily="49" charset="0"/>
-              </a:rPr>
-              <a:t>, order=c(p, d, q))</a:t>
-            </a:r>
-          </a:p>
-          <a:p>
-            <a:r>
-              <a:rPr lang="en-US" dirty="0"/>
-              <a:t>Python</a:t>
-            </a:r>
-          </a:p>
-          <a:p>
-            <a:pPr marL="0" indent="0">
-              <a:buNone/>
-            </a:pPr>
-            <a:r>
-              <a:rPr lang="en-US" dirty="0">
-                <a:latin typeface="Courier New" panose="02070309020205020404" pitchFamily="49" charset="0"/>
-                <a:cs typeface="Courier New" panose="02070309020205020404" pitchFamily="49" charset="0"/>
-              </a:rPr>
-              <a:t>from </a:t>
-            </a:r>
-            <a:r>
-              <a:rPr lang="en-US" dirty="0" err="1">
-                <a:latin typeface="Courier New" panose="02070309020205020404" pitchFamily="49" charset="0"/>
-                <a:cs typeface="Courier New" panose="02070309020205020404" pitchFamily="49" charset="0"/>
-              </a:rPr>
-              <a:t>statsmodels.tsa.statespace</a:t>
-            </a:r>
-            <a:r>
-              <a:rPr lang="en-US" dirty="0">
-                <a:latin typeface="Courier New" panose="02070309020205020404" pitchFamily="49" charset="0"/>
-                <a:cs typeface="Courier New" panose="02070309020205020404" pitchFamily="49" charset="0"/>
-              </a:rPr>
-              <a:t> import </a:t>
-            </a:r>
-            <a:r>
-              <a:rPr lang="en-US" dirty="0" err="1">
-                <a:latin typeface="Courier New" panose="02070309020205020404" pitchFamily="49" charset="0"/>
-                <a:cs typeface="Courier New" panose="02070309020205020404" pitchFamily="49" charset="0"/>
-              </a:rPr>
-              <a:t>sarimax</a:t>
-            </a:r>
-            <a:endParaRPr lang="en-US" dirty="0">
-              <a:latin typeface="Courier New" panose="02070309020205020404" pitchFamily="49" charset="0"/>
-              <a:cs typeface="Courier New" panose="02070309020205020404" pitchFamily="49" charset="0"/>
-            </a:endParaRPr>
-          </a:p>
-          <a:p>
-            <a:pPr marL="0" indent="0">
-              <a:buNone/>
-            </a:pPr>
-            <a:r>
-              <a:rPr lang="en-US" dirty="0" err="1">
-                <a:latin typeface="Courier New" panose="02070309020205020404" pitchFamily="49" charset="0"/>
-                <a:cs typeface="Courier New" panose="02070309020205020404" pitchFamily="49" charset="0"/>
-              </a:rPr>
-              <a:t>sarimax.SARIMAX</a:t>
-            </a:r>
-            <a:r>
-              <a:rPr lang="en-US" dirty="0">
-                <a:latin typeface="Courier New" panose="02070309020205020404" pitchFamily="49" charset="0"/>
-                <a:cs typeface="Courier New" panose="02070309020205020404" pitchFamily="49" charset="0"/>
-              </a:rPr>
-              <a:t>(</a:t>
-            </a:r>
-            <a:r>
-              <a:rPr lang="en-US" i="1" dirty="0">
-                <a:latin typeface="Courier New" panose="02070309020205020404" pitchFamily="49" charset="0"/>
-                <a:cs typeface="Courier New" panose="02070309020205020404" pitchFamily="49" charset="0"/>
-              </a:rPr>
-              <a:t>Your Time Series</a:t>
-            </a:r>
-            <a:r>
-              <a:rPr lang="en-US" dirty="0">
-                <a:latin typeface="Courier New" panose="02070309020205020404" pitchFamily="49" charset="0"/>
-                <a:cs typeface="Courier New" panose="02070309020205020404" pitchFamily="49" charset="0"/>
-              </a:rPr>
-              <a:t>, order=(p, d, q))</a:t>
-            </a:r>
-            <a:endParaRPr lang="en-US" dirty="0"/>
-          </a:p>
-          <a:p>
-            <a:endParaRPr lang="en-US" dirty="0"/>
-          </a:p>
-        </p:txBody>
-      </p:sp>
-      <p:sp>
-        <p:nvSpPr>
-          <p:cNvPr id="4" name="Date Placeholder 3">
-            <a:extLst>
-              <a:ext uri="{FF2B5EF4-FFF2-40B4-BE49-F238E27FC236}">
-                <a16:creationId xmlns:a16="http://schemas.microsoft.com/office/drawing/2014/main" id="{02256D86-7CE0-416E-B2A3-402D20EE9E90}"/>
-              </a:ext>
-            </a:extLst>
-          </p:cNvPr>
-          <p:cNvSpPr>
-            <a:spLocks noGrp="1"/>
-          </p:cNvSpPr>
-          <p:nvPr>
-            <p:ph type="dt" sz="half" idx="10"/>
-          </p:nvPr>
-        </p:nvSpPr>
-        <p:spPr/>
-        <p:txBody>
-          <a:bodyPr/>
-          <a:lstStyle/>
-          <a:p>
-            <a:fld id="{B08FEED8-D7D4-44E9-BFBC-ED06B5996D94}" type="datetime4">
-              <a:rPr lang="en-US" smtClean="0"/>
-              <a:t>July 30, 2019</a:t>
-            </a:fld>
-            <a:endParaRPr lang="en-US" dirty="0"/>
-          </a:p>
-        </p:txBody>
-      </p:sp>
-      <p:sp>
-        <p:nvSpPr>
-          <p:cNvPr id="5" name="Footer Placeholder 4">
-            <a:extLst>
-              <a:ext uri="{FF2B5EF4-FFF2-40B4-BE49-F238E27FC236}">
-                <a16:creationId xmlns:a16="http://schemas.microsoft.com/office/drawing/2014/main" id="{1D4ED112-7CF4-4BB9-B46E-B366A5054A9A}"/>
-              </a:ext>
-            </a:extLst>
-          </p:cNvPr>
-          <p:cNvSpPr>
-            <a:spLocks noGrp="1"/>
-          </p:cNvSpPr>
-          <p:nvPr>
-            <p:ph type="ftr" sz="quarter" idx="11"/>
-          </p:nvPr>
-        </p:nvSpPr>
-        <p:spPr/>
-        <p:txBody>
-          <a:bodyPr/>
-          <a:lstStyle/>
-          <a:p>
-            <a:r>
-              <a:rPr lang="en-US"/>
-              <a:t>Digital Scholarship Services </a:t>
-            </a:r>
-            <a:r>
-              <a:rPr lang="en-US">
-                <a:solidFill>
-                  <a:schemeClr val="accent1">
-                    <a:lumMod val="50000"/>
-                  </a:schemeClr>
-                </a:solidFill>
-              </a:rPr>
-              <a:t>| Email</a:t>
-            </a:r>
-            <a:r>
-              <a:rPr lang="en-US"/>
-              <a:t> cf24@rice.edu </a:t>
-            </a:r>
-            <a:r>
-              <a:rPr lang="en-US">
-                <a:solidFill>
-                  <a:schemeClr val="accent1">
-                    <a:lumMod val="50000"/>
-                  </a:schemeClr>
-                </a:solidFill>
-              </a:rPr>
-              <a:t>|</a:t>
-            </a:r>
-            <a:r>
-              <a:rPr lang="en-US"/>
-              <a:t> library.rice.edu/dss</a:t>
-            </a:r>
-            <a:endParaRPr lang="en-US" dirty="0"/>
-          </a:p>
-        </p:txBody>
-      </p:sp>
-      <p:sp>
-        <p:nvSpPr>
-          <p:cNvPr id="6" name="Slide Number Placeholder 5">
-            <a:extLst>
-              <a:ext uri="{FF2B5EF4-FFF2-40B4-BE49-F238E27FC236}">
-                <a16:creationId xmlns:a16="http://schemas.microsoft.com/office/drawing/2014/main" id="{8CC75551-85BF-4C9F-8893-AA28ECA8A6B5}"/>
-              </a:ext>
-            </a:extLst>
-          </p:cNvPr>
-          <p:cNvSpPr>
-            <a:spLocks noGrp="1"/>
-          </p:cNvSpPr>
-          <p:nvPr>
-            <p:ph type="sldNum" sz="quarter" idx="12"/>
-          </p:nvPr>
-        </p:nvSpPr>
-        <p:spPr/>
-        <p:txBody>
-          <a:bodyPr/>
-          <a:lstStyle/>
-          <a:p>
-            <a:fld id="{D57F1E4F-1CFF-5643-939E-02111984F565}" type="slidenum">
-              <a:rPr lang="en-US" smtClean="0"/>
-              <a:t>42</a:t>
-            </a:fld>
-            <a:endParaRPr lang="en-US" dirty="0"/>
-          </a:p>
-        </p:txBody>
-      </p:sp>
-    </p:spTree>
-    <p:extLst>
-      <p:ext uri="{BB962C8B-B14F-4D97-AF65-F5344CB8AC3E}">
-        <p14:creationId xmlns:p14="http://schemas.microsoft.com/office/powerpoint/2010/main" val="3970019532"/>
-      </p:ext>
-    </p:extLst>
-  </p:cSld>
-  <p:clrMapOvr>
-    <a:masterClrMapping/>
-  </p:clrMapOvr>
-</p:sld>
-</file>
-
-<file path=ppt/slides/slide43.xml><?xml version="1.0" encoding="utf-8"?>
-<p:sld xmlns:a="http://schemas.openxmlformats.org/drawingml/2006/main" xmlns:r="http://schemas.openxmlformats.org/officeDocument/2006/relationships" xmlns:p="http://schemas.openxmlformats.org/presentationml/2006/main">
-  <p:cSld>
-    <p:spTree>
-      <p:nvGrpSpPr>
-        <p:cNvPr id="1" name=""/>
-        <p:cNvGrpSpPr/>
-        <p:nvPr/>
-      </p:nvGrpSpPr>
-      <p:grpSpPr>
-        <a:xfrm>
-          <a:off x="0" y="0"/>
-          <a:ext cx="0" cy="0"/>
-          <a:chOff x="0" y="0"/>
-          <a:chExt cx="0" cy="0"/>
-        </a:xfrm>
-      </p:grpSpPr>
-      <p:sp>
-        <p:nvSpPr>
-          <p:cNvPr id="2" name="Title 1">
-            <a:extLst>
-              <a:ext uri="{FF2B5EF4-FFF2-40B4-BE49-F238E27FC236}">
-                <a16:creationId xmlns:a16="http://schemas.microsoft.com/office/drawing/2014/main" id="{D1BF0482-6913-4A5E-A533-479864CB5349}"/>
-              </a:ext>
-            </a:extLst>
-          </p:cNvPr>
-          <p:cNvSpPr>
-            <a:spLocks noGrp="1"/>
-          </p:cNvSpPr>
-          <p:nvPr>
-            <p:ph type="title"/>
-          </p:nvPr>
-        </p:nvSpPr>
-        <p:spPr/>
-        <p:txBody>
-          <a:bodyPr/>
-          <a:lstStyle/>
-          <a:p>
-            <a:r>
-              <a:rPr lang="en-US" dirty="0"/>
-              <a:t>A FEW THINGS ABOUT ARIMA</a:t>
-            </a:r>
-          </a:p>
-        </p:txBody>
-      </p:sp>
-      <p:sp>
-        <p:nvSpPr>
-          <p:cNvPr id="3" name="Content Placeholder 2">
-            <a:extLst>
-              <a:ext uri="{FF2B5EF4-FFF2-40B4-BE49-F238E27FC236}">
-                <a16:creationId xmlns:a16="http://schemas.microsoft.com/office/drawing/2014/main" id="{D48271C9-2790-46C9-B80B-52D215430CB8}"/>
-              </a:ext>
-            </a:extLst>
-          </p:cNvPr>
-          <p:cNvSpPr>
-            <a:spLocks noGrp="1"/>
-          </p:cNvSpPr>
-          <p:nvPr>
-            <p:ph idx="1"/>
-          </p:nvPr>
-        </p:nvSpPr>
-        <p:spPr/>
-        <p:txBody>
-          <a:bodyPr/>
-          <a:lstStyle/>
-          <a:p>
-            <a:r>
-              <a:rPr lang="en-US" dirty="0"/>
-              <a:t>Modeling is slow, especially when compared to our next class of models</a:t>
-            </a:r>
-          </a:p>
-          <a:p>
-            <a:r>
-              <a:rPr lang="en-US" dirty="0"/>
-              <a:t>Figuring out what values to use for the orders is not an exact science</a:t>
-            </a:r>
-          </a:p>
-          <a:p>
-            <a:pPr lvl="1"/>
-            <a:r>
-              <a:rPr lang="en-US" dirty="0"/>
-              <a:t>Our plots give us a good idea, but it’s a good idea to try a few more in the general area</a:t>
-            </a:r>
-          </a:p>
-          <a:p>
-            <a:pPr lvl="1"/>
-            <a:r>
-              <a:rPr lang="en-US" dirty="0"/>
-              <a:t>Can do a grid search, for example</a:t>
-            </a:r>
-          </a:p>
-          <a:p>
-            <a:pPr lvl="2"/>
-            <a:r>
-              <a:rPr lang="en-US"/>
-              <a:t>Automatically try </a:t>
-            </a:r>
-            <a:r>
-              <a:rPr lang="en-US" dirty="0"/>
-              <a:t>a bunch of models and see what works</a:t>
-            </a:r>
-          </a:p>
-        </p:txBody>
-      </p:sp>
-      <p:sp>
-        <p:nvSpPr>
-          <p:cNvPr id="4" name="Date Placeholder 3">
-            <a:extLst>
-              <a:ext uri="{FF2B5EF4-FFF2-40B4-BE49-F238E27FC236}">
-                <a16:creationId xmlns:a16="http://schemas.microsoft.com/office/drawing/2014/main" id="{B23DAF35-209C-48FA-AAAB-F69E14183A91}"/>
-              </a:ext>
-            </a:extLst>
-          </p:cNvPr>
-          <p:cNvSpPr>
-            <a:spLocks noGrp="1"/>
-          </p:cNvSpPr>
-          <p:nvPr>
-            <p:ph type="dt" sz="half" idx="10"/>
-          </p:nvPr>
-        </p:nvSpPr>
-        <p:spPr/>
-        <p:txBody>
-          <a:bodyPr/>
-          <a:lstStyle/>
-          <a:p>
-            <a:fld id="{8AAE40A0-A7D8-4DC3-BC9E-BADA32DA2004}" type="datetime4">
-              <a:rPr lang="en-US" smtClean="0"/>
-              <a:t>July 30, 2019</a:t>
-            </a:fld>
-            <a:endParaRPr lang="en-US" dirty="0"/>
-          </a:p>
-        </p:txBody>
-      </p:sp>
-      <p:sp>
-        <p:nvSpPr>
-          <p:cNvPr id="5" name="Footer Placeholder 4">
-            <a:extLst>
-              <a:ext uri="{FF2B5EF4-FFF2-40B4-BE49-F238E27FC236}">
-                <a16:creationId xmlns:a16="http://schemas.microsoft.com/office/drawing/2014/main" id="{3D8E22A6-180D-41CF-9959-4347A11F2AD1}"/>
-              </a:ext>
-            </a:extLst>
-          </p:cNvPr>
-          <p:cNvSpPr>
-            <a:spLocks noGrp="1"/>
-          </p:cNvSpPr>
-          <p:nvPr>
-            <p:ph type="ftr" sz="quarter" idx="11"/>
-          </p:nvPr>
-        </p:nvSpPr>
-        <p:spPr/>
-        <p:txBody>
-          <a:bodyPr/>
-          <a:lstStyle/>
-          <a:p>
-            <a:r>
-              <a:rPr lang="en-US"/>
-              <a:t>Digital Scholarship Services </a:t>
-            </a:r>
-            <a:r>
-              <a:rPr lang="en-US">
-                <a:solidFill>
-                  <a:schemeClr val="accent1">
-                    <a:lumMod val="50000"/>
-                  </a:schemeClr>
-                </a:solidFill>
-              </a:rPr>
-              <a:t>| Email</a:t>
-            </a:r>
-            <a:r>
-              <a:rPr lang="en-US"/>
-              <a:t> cf24@rice.edu </a:t>
-            </a:r>
-            <a:r>
-              <a:rPr lang="en-US">
-                <a:solidFill>
-                  <a:schemeClr val="accent1">
-                    <a:lumMod val="50000"/>
-                  </a:schemeClr>
-                </a:solidFill>
-              </a:rPr>
-              <a:t>|</a:t>
-            </a:r>
-            <a:r>
-              <a:rPr lang="en-US"/>
-              <a:t> library.rice.edu/dss</a:t>
-            </a:r>
-            <a:endParaRPr lang="en-US" dirty="0"/>
-          </a:p>
-        </p:txBody>
-      </p:sp>
-      <p:sp>
-        <p:nvSpPr>
-          <p:cNvPr id="6" name="Slide Number Placeholder 5">
-            <a:extLst>
-              <a:ext uri="{FF2B5EF4-FFF2-40B4-BE49-F238E27FC236}">
-                <a16:creationId xmlns:a16="http://schemas.microsoft.com/office/drawing/2014/main" id="{CECE3146-0C2B-4CC7-BC7C-FD23AAF7ECAE}"/>
-              </a:ext>
-            </a:extLst>
-          </p:cNvPr>
-          <p:cNvSpPr>
-            <a:spLocks noGrp="1"/>
-          </p:cNvSpPr>
-          <p:nvPr>
-            <p:ph type="sldNum" sz="quarter" idx="12"/>
-          </p:nvPr>
-        </p:nvSpPr>
-        <p:spPr/>
-        <p:txBody>
-          <a:bodyPr/>
-          <a:lstStyle/>
-          <a:p>
-            <a:fld id="{D57F1E4F-1CFF-5643-939E-02111984F565}" type="slidenum">
-              <a:rPr lang="en-US" smtClean="0"/>
-              <a:t>43</a:t>
-            </a:fld>
-            <a:endParaRPr lang="en-US" dirty="0"/>
-          </a:p>
-        </p:txBody>
-      </p:sp>
-    </p:spTree>
-    <p:extLst>
-      <p:ext uri="{BB962C8B-B14F-4D97-AF65-F5344CB8AC3E}">
-        <p14:creationId xmlns:p14="http://schemas.microsoft.com/office/powerpoint/2010/main" val="3624540971"/>
       </p:ext>
     </p:extLst>
   </p:cSld>
@@ -12672,10 +12584,10 @@
       </p:grpSpPr>
       <p:sp>
         <p:nvSpPr>
-          <p:cNvPr id="2" name="Title 1">
-            <a:extLst>
-              <a:ext uri="{FF2B5EF4-FFF2-40B4-BE49-F238E27FC236}">
-                <a16:creationId xmlns:a16="http://schemas.microsoft.com/office/drawing/2014/main" id="{D1BF0482-6913-4A5E-A533-479864CB5349}"/>
+          <p:cNvPr id="7" name="Title 6">
+            <a:extLst>
+              <a:ext uri="{FF2B5EF4-FFF2-40B4-BE49-F238E27FC236}">
+                <a16:creationId xmlns:a16="http://schemas.microsoft.com/office/drawing/2014/main" id="{75C0DCD3-95F8-4E1F-BF1A-5FAAB84A40A3}"/>
               </a:ext>
             </a:extLst>
           </p:cNvPr>
@@ -12693,8 +12605,154 @@
           <a:p>
             <a:r>
               <a:rPr lang="en-US" dirty="0"/>
-              <a:t>AN ARIMA MODEL</a:t>
-            </a:r>
+              <a:t>BUILDING THE MODEL</a:t>
+            </a:r>
+          </a:p>
+        </p:txBody>
+      </p:sp>
+      <p:sp>
+        <p:nvSpPr>
+          <p:cNvPr id="8" name="Content Placeholder 7">
+            <a:extLst>
+              <a:ext uri="{FF2B5EF4-FFF2-40B4-BE49-F238E27FC236}">
+                <a16:creationId xmlns:a16="http://schemas.microsoft.com/office/drawing/2014/main" id="{52BB1FAB-BB61-4B66-A4EA-A0EABC2B3ECA}"/>
+              </a:ext>
+            </a:extLst>
+          </p:cNvPr>
+          <p:cNvSpPr>
+            <a:spLocks noGrp="1"/>
+          </p:cNvSpPr>
+          <p:nvPr>
+            <p:ph idx="1"/>
+          </p:nvPr>
+        </p:nvSpPr>
+        <p:spPr>
+          <a:xfrm>
+            <a:off x="838200" y="1825625"/>
+            <a:ext cx="11014953" cy="4351338"/>
+          </a:xfrm>
+        </p:spPr>
+        <p:txBody>
+          <a:bodyPr/>
+          <a:lstStyle/>
+          <a:p>
+            <a:r>
+              <a:rPr lang="en-US" dirty="0"/>
+              <a:t>R</a:t>
+            </a:r>
+          </a:p>
+          <a:p>
+            <a:pPr marL="0" indent="0">
+              <a:buNone/>
+            </a:pPr>
+            <a:r>
+              <a:rPr lang="en-US" dirty="0" err="1">
+                <a:latin typeface="Courier New" panose="02070309020205020404" pitchFamily="49" charset="0"/>
+                <a:cs typeface="Courier New" panose="02070309020205020404" pitchFamily="49" charset="0"/>
+              </a:rPr>
+              <a:t>arima</a:t>
+            </a:r>
+            <a:r>
+              <a:rPr lang="en-US" dirty="0">
+                <a:latin typeface="Courier New" panose="02070309020205020404" pitchFamily="49" charset="0"/>
+                <a:cs typeface="Courier New" panose="02070309020205020404" pitchFamily="49" charset="0"/>
+              </a:rPr>
+              <a:t>(</a:t>
+            </a:r>
+            <a:r>
+              <a:rPr lang="en-US" i="1" dirty="0">
+                <a:latin typeface="Courier New" panose="02070309020205020404" pitchFamily="49" charset="0"/>
+                <a:cs typeface="Courier New" panose="02070309020205020404" pitchFamily="49" charset="0"/>
+              </a:rPr>
+              <a:t>Your Time Series</a:t>
+            </a:r>
+            <a:r>
+              <a:rPr lang="en-US" dirty="0">
+                <a:latin typeface="Courier New" panose="02070309020205020404" pitchFamily="49" charset="0"/>
+                <a:cs typeface="Courier New" panose="02070309020205020404" pitchFamily="49" charset="0"/>
+              </a:rPr>
+              <a:t>, order=c(p, d, q))</a:t>
+            </a:r>
+          </a:p>
+          <a:p>
+            <a:r>
+              <a:rPr lang="en-US" dirty="0"/>
+              <a:t>Python</a:t>
+            </a:r>
+          </a:p>
+          <a:p>
+            <a:pPr marL="0" indent="0">
+              <a:buNone/>
+            </a:pPr>
+            <a:r>
+              <a:rPr lang="en-US" dirty="0">
+                <a:latin typeface="Courier New" panose="02070309020205020404" pitchFamily="49" charset="0"/>
+                <a:cs typeface="Courier New" panose="02070309020205020404" pitchFamily="49" charset="0"/>
+              </a:rPr>
+              <a:t>from </a:t>
+            </a:r>
+            <a:r>
+              <a:rPr lang="en-US" dirty="0" err="1">
+                <a:latin typeface="Courier New" panose="02070309020205020404" pitchFamily="49" charset="0"/>
+                <a:cs typeface="Courier New" panose="02070309020205020404" pitchFamily="49" charset="0"/>
+              </a:rPr>
+              <a:t>statsmodels.tsa.statespace</a:t>
+            </a:r>
+            <a:r>
+              <a:rPr lang="en-US" dirty="0">
+                <a:latin typeface="Courier New" panose="02070309020205020404" pitchFamily="49" charset="0"/>
+                <a:cs typeface="Courier New" panose="02070309020205020404" pitchFamily="49" charset="0"/>
+              </a:rPr>
+              <a:t> import </a:t>
+            </a:r>
+            <a:r>
+              <a:rPr lang="en-US" dirty="0" err="1">
+                <a:latin typeface="Courier New" panose="02070309020205020404" pitchFamily="49" charset="0"/>
+                <a:cs typeface="Courier New" panose="02070309020205020404" pitchFamily="49" charset="0"/>
+              </a:rPr>
+              <a:t>sarimax</a:t>
+            </a:r>
+            <a:endParaRPr lang="en-US" dirty="0">
+              <a:latin typeface="Courier New" panose="02070309020205020404" pitchFamily="49" charset="0"/>
+              <a:cs typeface="Courier New" panose="02070309020205020404" pitchFamily="49" charset="0"/>
+            </a:endParaRPr>
+          </a:p>
+          <a:p>
+            <a:pPr marL="0" indent="0">
+              <a:buNone/>
+            </a:pPr>
+            <a:r>
+              <a:rPr lang="en-US" dirty="0" err="1">
+                <a:latin typeface="Courier New" panose="02070309020205020404" pitchFamily="49" charset="0"/>
+                <a:cs typeface="Courier New" panose="02070309020205020404" pitchFamily="49" charset="0"/>
+              </a:rPr>
+              <a:t>sarimax.SARIMAX</a:t>
+            </a:r>
+            <a:r>
+              <a:rPr lang="en-US" dirty="0">
+                <a:latin typeface="Courier New" panose="02070309020205020404" pitchFamily="49" charset="0"/>
+                <a:cs typeface="Courier New" panose="02070309020205020404" pitchFamily="49" charset="0"/>
+              </a:rPr>
+              <a:t>(</a:t>
+            </a:r>
+            <a:r>
+              <a:rPr lang="en-US" i="1" dirty="0">
+                <a:latin typeface="Courier New" panose="02070309020205020404" pitchFamily="49" charset="0"/>
+                <a:cs typeface="Courier New" panose="02070309020205020404" pitchFamily="49" charset="0"/>
+              </a:rPr>
+              <a:t>Your Time Series</a:t>
+            </a:r>
+            <a:r>
+              <a:rPr lang="en-US" dirty="0">
+                <a:latin typeface="Courier New" panose="02070309020205020404" pitchFamily="49" charset="0"/>
+                <a:cs typeface="Courier New" panose="02070309020205020404" pitchFamily="49" charset="0"/>
+              </a:rPr>
+              <a:t>, order=(p, d, q))</a:t>
+            </a:r>
+            <a:endParaRPr lang="en-US" dirty="0"/>
+          </a:p>
+          <a:p>
+            <a:endParaRPr lang="en-US" dirty="0"/>
           </a:p>
         </p:txBody>
       </p:sp>
@@ -12703,7 +12761,7 @@
           <p:cNvPr id="4" name="Date Placeholder 3">
             <a:extLst>
               <a:ext uri="{FF2B5EF4-FFF2-40B4-BE49-F238E27FC236}">
-                <a16:creationId xmlns:a16="http://schemas.microsoft.com/office/drawing/2014/main" id="{B23DAF35-209C-48FA-AAAB-F69E14183A91}"/>
+                <a16:creationId xmlns:a16="http://schemas.microsoft.com/office/drawing/2014/main" id="{02256D86-7CE0-416E-B2A3-402D20EE9E90}"/>
               </a:ext>
             </a:extLst>
           </p:cNvPr>
@@ -12719,7 +12777,7 @@
           <a:bodyPr/>
           <a:lstStyle/>
           <a:p>
-            <a:fld id="{8AAE40A0-A7D8-4DC3-BC9E-BADA32DA2004}" type="datetime4">
+            <a:fld id="{B08FEED8-D7D4-44E9-BFBC-ED06B5996D94}" type="datetime4">
               <a:rPr lang="en-US" smtClean="0"/>
               <a:t>July 30, 2019</a:t>
             </a:fld>
@@ -12732,7 +12790,7 @@
           <p:cNvPr id="5" name="Footer Placeholder 4">
             <a:extLst>
               <a:ext uri="{FF2B5EF4-FFF2-40B4-BE49-F238E27FC236}">
-                <a16:creationId xmlns:a16="http://schemas.microsoft.com/office/drawing/2014/main" id="{3D8E22A6-180D-41CF-9959-4347A11F2AD1}"/>
+                <a16:creationId xmlns:a16="http://schemas.microsoft.com/office/drawing/2014/main" id="{1D4ED112-7CF4-4BB9-B46E-B366A5054A9A}"/>
               </a:ext>
             </a:extLst>
           </p:cNvPr>
@@ -12789,7 +12847,7 @@
           <p:cNvPr id="6" name="Slide Number Placeholder 5">
             <a:extLst>
               <a:ext uri="{FF2B5EF4-FFF2-40B4-BE49-F238E27FC236}">
-                <a16:creationId xmlns:a16="http://schemas.microsoft.com/office/drawing/2014/main" id="{CECE3146-0C2B-4CC7-BC7C-FD23AAF7ECAE}"/>
+                <a16:creationId xmlns:a16="http://schemas.microsoft.com/office/drawing/2014/main" id="{8CC75551-85BF-4C9F-8893-AA28ECA8A6B5}"/>
               </a:ext>
             </a:extLst>
           </p:cNvPr>
@@ -12808,6 +12866,411 @@
             <a:fld id="{D57F1E4F-1CFF-5643-939E-02111984F565}" type="slidenum">
               <a:rPr lang="en-US" smtClean="0"/>
               <a:t>44</a:t>
+            </a:fld>
+            <a:endParaRPr lang="en-US" dirty="0"/>
+          </a:p>
+        </p:txBody>
+      </p:sp>
+    </p:spTree>
+    <p:extLst>
+      <p:ext uri="{BB962C8B-B14F-4D97-AF65-F5344CB8AC3E}">
+        <p14:creationId xmlns:p14="http://schemas.microsoft.com/office/powerpoint/2010/main" val="3970019532"/>
+      </p:ext>
+    </p:extLst>
+  </p:cSld>
+  <p:clrMapOvr>
+    <a:masterClrMapping/>
+  </p:clrMapOvr>
+</p:sld>
+</file>
+
+<file path=ppt/slides/slide45.xml><?xml version="1.0" encoding="utf-8"?>
+<p:sld xmlns:a="http://schemas.openxmlformats.org/drawingml/2006/main" xmlns:r="http://schemas.openxmlformats.org/officeDocument/2006/relationships" xmlns:p="http://schemas.openxmlformats.org/presentationml/2006/main">
+  <p:cSld>
+    <p:spTree>
+      <p:nvGrpSpPr>
+        <p:cNvPr id="1" name=""/>
+        <p:cNvGrpSpPr/>
+        <p:nvPr/>
+      </p:nvGrpSpPr>
+      <p:grpSpPr>
+        <a:xfrm>
+          <a:off x="0" y="0"/>
+          <a:ext cx="0" cy="0"/>
+          <a:chOff x="0" y="0"/>
+          <a:chExt cx="0" cy="0"/>
+        </a:xfrm>
+      </p:grpSpPr>
+      <p:sp>
+        <p:nvSpPr>
+          <p:cNvPr id="2" name="Title 1">
+            <a:extLst>
+              <a:ext uri="{FF2B5EF4-FFF2-40B4-BE49-F238E27FC236}">
+                <a16:creationId xmlns:a16="http://schemas.microsoft.com/office/drawing/2014/main" id="{D1BF0482-6913-4A5E-A533-479864CB5349}"/>
+              </a:ext>
+            </a:extLst>
+          </p:cNvPr>
+          <p:cNvSpPr>
+            <a:spLocks noGrp="1"/>
+          </p:cNvSpPr>
+          <p:nvPr>
+            <p:ph type="title"/>
+          </p:nvPr>
+        </p:nvSpPr>
+        <p:spPr/>
+        <p:txBody>
+          <a:bodyPr/>
+          <a:lstStyle/>
+          <a:p>
+            <a:r>
+              <a:rPr lang="en-US" dirty="0"/>
+              <a:t>A FEW THINGS ABOUT ARIMA</a:t>
+            </a:r>
+          </a:p>
+        </p:txBody>
+      </p:sp>
+      <p:sp>
+        <p:nvSpPr>
+          <p:cNvPr id="3" name="Content Placeholder 2">
+            <a:extLst>
+              <a:ext uri="{FF2B5EF4-FFF2-40B4-BE49-F238E27FC236}">
+                <a16:creationId xmlns:a16="http://schemas.microsoft.com/office/drawing/2014/main" id="{D48271C9-2790-46C9-B80B-52D215430CB8}"/>
+              </a:ext>
+            </a:extLst>
+          </p:cNvPr>
+          <p:cNvSpPr>
+            <a:spLocks noGrp="1"/>
+          </p:cNvSpPr>
+          <p:nvPr>
+            <p:ph idx="1"/>
+          </p:nvPr>
+        </p:nvSpPr>
+        <p:spPr/>
+        <p:txBody>
+          <a:bodyPr/>
+          <a:lstStyle/>
+          <a:p>
+            <a:r>
+              <a:rPr lang="en-US" dirty="0"/>
+              <a:t>Modeling is slow, especially when compared to our next class of models</a:t>
+            </a:r>
+          </a:p>
+          <a:p>
+            <a:r>
+              <a:rPr lang="en-US" dirty="0"/>
+              <a:t>Figuring out what values to use for the orders is not an exact science</a:t>
+            </a:r>
+          </a:p>
+          <a:p>
+            <a:pPr lvl="1"/>
+            <a:r>
+              <a:rPr lang="en-US" dirty="0"/>
+              <a:t>Our plots give us a good idea, but it’s a good idea to try a few more in the general area</a:t>
+            </a:r>
+          </a:p>
+          <a:p>
+            <a:pPr lvl="1"/>
+            <a:r>
+              <a:rPr lang="en-US" dirty="0"/>
+              <a:t>Can do a grid search, for example</a:t>
+            </a:r>
+          </a:p>
+          <a:p>
+            <a:pPr lvl="2"/>
+            <a:r>
+              <a:rPr lang="en-US"/>
+              <a:t>Automatically try </a:t>
+            </a:r>
+            <a:r>
+              <a:rPr lang="en-US" dirty="0"/>
+              <a:t>a bunch of models and see what works</a:t>
+            </a:r>
+          </a:p>
+        </p:txBody>
+      </p:sp>
+      <p:sp>
+        <p:nvSpPr>
+          <p:cNvPr id="4" name="Date Placeholder 3">
+            <a:extLst>
+              <a:ext uri="{FF2B5EF4-FFF2-40B4-BE49-F238E27FC236}">
+                <a16:creationId xmlns:a16="http://schemas.microsoft.com/office/drawing/2014/main" id="{B23DAF35-209C-48FA-AAAB-F69E14183A91}"/>
+              </a:ext>
+            </a:extLst>
+          </p:cNvPr>
+          <p:cNvSpPr>
+            <a:spLocks noGrp="1"/>
+          </p:cNvSpPr>
+          <p:nvPr>
+            <p:ph type="dt" sz="half" idx="10"/>
+          </p:nvPr>
+        </p:nvSpPr>
+        <p:spPr/>
+        <p:txBody>
+          <a:bodyPr/>
+          <a:lstStyle/>
+          <a:p>
+            <a:fld id="{8AAE40A0-A7D8-4DC3-BC9E-BADA32DA2004}" type="datetime4">
+              <a:rPr lang="en-US" smtClean="0"/>
+              <a:t>July 30, 2019</a:t>
+            </a:fld>
+            <a:endParaRPr lang="en-US" dirty="0"/>
+          </a:p>
+        </p:txBody>
+      </p:sp>
+      <p:sp>
+        <p:nvSpPr>
+          <p:cNvPr id="5" name="Footer Placeholder 4">
+            <a:extLst>
+              <a:ext uri="{FF2B5EF4-FFF2-40B4-BE49-F238E27FC236}">
+                <a16:creationId xmlns:a16="http://schemas.microsoft.com/office/drawing/2014/main" id="{3D8E22A6-180D-41CF-9959-4347A11F2AD1}"/>
+              </a:ext>
+            </a:extLst>
+          </p:cNvPr>
+          <p:cNvSpPr>
+            <a:spLocks noGrp="1"/>
+          </p:cNvSpPr>
+          <p:nvPr>
+            <p:ph type="ftr" sz="quarter" idx="11"/>
+          </p:nvPr>
+        </p:nvSpPr>
+        <p:spPr/>
+        <p:txBody>
+          <a:bodyPr/>
+          <a:lstStyle/>
+          <a:p>
+            <a:r>
+              <a:rPr lang="en-US"/>
+              <a:t>Digital Scholarship Services </a:t>
+            </a:r>
+            <a:r>
+              <a:rPr lang="en-US">
+                <a:solidFill>
+                  <a:schemeClr val="accent1">
+                    <a:lumMod val="50000"/>
+                  </a:schemeClr>
+                </a:solidFill>
+              </a:rPr>
+              <a:t>| Email</a:t>
+            </a:r>
+            <a:r>
+              <a:rPr lang="en-US"/>
+              <a:t> cf24@rice.edu </a:t>
+            </a:r>
+            <a:r>
+              <a:rPr lang="en-US">
+                <a:solidFill>
+                  <a:schemeClr val="accent1">
+                    <a:lumMod val="50000"/>
+                  </a:schemeClr>
+                </a:solidFill>
+              </a:rPr>
+              <a:t>|</a:t>
+            </a:r>
+            <a:r>
+              <a:rPr lang="en-US"/>
+              <a:t> library.rice.edu/dss</a:t>
+            </a:r>
+            <a:endParaRPr lang="en-US" dirty="0"/>
+          </a:p>
+        </p:txBody>
+      </p:sp>
+      <p:sp>
+        <p:nvSpPr>
+          <p:cNvPr id="6" name="Slide Number Placeholder 5">
+            <a:extLst>
+              <a:ext uri="{FF2B5EF4-FFF2-40B4-BE49-F238E27FC236}">
+                <a16:creationId xmlns:a16="http://schemas.microsoft.com/office/drawing/2014/main" id="{CECE3146-0C2B-4CC7-BC7C-FD23AAF7ECAE}"/>
+              </a:ext>
+            </a:extLst>
+          </p:cNvPr>
+          <p:cNvSpPr>
+            <a:spLocks noGrp="1"/>
+          </p:cNvSpPr>
+          <p:nvPr>
+            <p:ph type="sldNum" sz="quarter" idx="12"/>
+          </p:nvPr>
+        </p:nvSpPr>
+        <p:spPr/>
+        <p:txBody>
+          <a:bodyPr/>
+          <a:lstStyle/>
+          <a:p>
+            <a:fld id="{D57F1E4F-1CFF-5643-939E-02111984F565}" type="slidenum">
+              <a:rPr lang="en-US" smtClean="0"/>
+              <a:t>45</a:t>
+            </a:fld>
+            <a:endParaRPr lang="en-US" dirty="0"/>
+          </a:p>
+        </p:txBody>
+      </p:sp>
+    </p:spTree>
+    <p:extLst>
+      <p:ext uri="{BB962C8B-B14F-4D97-AF65-F5344CB8AC3E}">
+        <p14:creationId xmlns:p14="http://schemas.microsoft.com/office/powerpoint/2010/main" val="3624540971"/>
+      </p:ext>
+    </p:extLst>
+  </p:cSld>
+  <p:clrMapOvr>
+    <a:masterClrMapping/>
+  </p:clrMapOvr>
+</p:sld>
+</file>
+
+<file path=ppt/slides/slide46.xml><?xml version="1.0" encoding="utf-8"?>
+<p:sld xmlns:a="http://schemas.openxmlformats.org/drawingml/2006/main" xmlns:r="http://schemas.openxmlformats.org/officeDocument/2006/relationships" xmlns:p="http://schemas.openxmlformats.org/presentationml/2006/main">
+  <p:cSld>
+    <p:spTree>
+      <p:nvGrpSpPr>
+        <p:cNvPr id="1" name=""/>
+        <p:cNvGrpSpPr/>
+        <p:nvPr/>
+      </p:nvGrpSpPr>
+      <p:grpSpPr>
+        <a:xfrm>
+          <a:off x="0" y="0"/>
+          <a:ext cx="0" cy="0"/>
+          <a:chOff x="0" y="0"/>
+          <a:chExt cx="0" cy="0"/>
+        </a:xfrm>
+      </p:grpSpPr>
+      <p:sp>
+        <p:nvSpPr>
+          <p:cNvPr id="2" name="Title 1">
+            <a:extLst>
+              <a:ext uri="{FF2B5EF4-FFF2-40B4-BE49-F238E27FC236}">
+                <a16:creationId xmlns:a16="http://schemas.microsoft.com/office/drawing/2014/main" id="{D1BF0482-6913-4A5E-A533-479864CB5349}"/>
+              </a:ext>
+            </a:extLst>
+          </p:cNvPr>
+          <p:cNvSpPr>
+            <a:spLocks noGrp="1"/>
+          </p:cNvSpPr>
+          <p:nvPr>
+            <p:ph type="title"/>
+          </p:nvPr>
+        </p:nvSpPr>
+        <p:spPr/>
+        <p:txBody>
+          <a:bodyPr/>
+          <a:lstStyle/>
+          <a:p>
+            <a:r>
+              <a:rPr lang="en-US" dirty="0"/>
+              <a:t>AN ARIMA MODEL</a:t>
+            </a:r>
+          </a:p>
+        </p:txBody>
+      </p:sp>
+      <p:sp>
+        <p:nvSpPr>
+          <p:cNvPr id="4" name="Date Placeholder 3">
+            <a:extLst>
+              <a:ext uri="{FF2B5EF4-FFF2-40B4-BE49-F238E27FC236}">
+                <a16:creationId xmlns:a16="http://schemas.microsoft.com/office/drawing/2014/main" id="{B23DAF35-209C-48FA-AAAB-F69E14183A91}"/>
+              </a:ext>
+            </a:extLst>
+          </p:cNvPr>
+          <p:cNvSpPr>
+            <a:spLocks noGrp="1"/>
+          </p:cNvSpPr>
+          <p:nvPr>
+            <p:ph type="dt" sz="half" idx="10"/>
+          </p:nvPr>
+        </p:nvSpPr>
+        <p:spPr/>
+        <p:txBody>
+          <a:bodyPr/>
+          <a:lstStyle/>
+          <a:p>
+            <a:fld id="{8AAE40A0-A7D8-4DC3-BC9E-BADA32DA2004}" type="datetime4">
+              <a:rPr lang="en-US" smtClean="0"/>
+              <a:t>July 30, 2019</a:t>
+            </a:fld>
+            <a:endParaRPr lang="en-US" dirty="0"/>
+          </a:p>
+        </p:txBody>
+      </p:sp>
+      <p:sp>
+        <p:nvSpPr>
+          <p:cNvPr id="5" name="Footer Placeholder 4">
+            <a:extLst>
+              <a:ext uri="{FF2B5EF4-FFF2-40B4-BE49-F238E27FC236}">
+                <a16:creationId xmlns:a16="http://schemas.microsoft.com/office/drawing/2014/main" id="{3D8E22A6-180D-41CF-9959-4347A11F2AD1}"/>
+              </a:ext>
+            </a:extLst>
+          </p:cNvPr>
+          <p:cNvSpPr>
+            <a:spLocks noGrp="1"/>
+          </p:cNvSpPr>
+          <p:nvPr>
+            <p:ph type="ftr" sz="quarter" idx="11"/>
+          </p:nvPr>
+        </p:nvSpPr>
+        <p:spPr/>
+        <p:txBody>
+          <a:bodyPr/>
+          <a:lstStyle/>
+          <a:p>
+            <a:r>
+              <a:rPr lang="en-US"/>
+              <a:t>Digital Scholarship Services </a:t>
+            </a:r>
+            <a:r>
+              <a:rPr lang="en-US">
+                <a:solidFill>
+                  <a:schemeClr val="accent1">
+                    <a:lumMod val="50000"/>
+                  </a:schemeClr>
+                </a:solidFill>
+              </a:rPr>
+              <a:t>| Email</a:t>
+            </a:r>
+            <a:r>
+              <a:rPr lang="en-US"/>
+              <a:t> cf24@rice.edu </a:t>
+            </a:r>
+            <a:r>
+              <a:rPr lang="en-US">
+                <a:solidFill>
+                  <a:schemeClr val="accent1">
+                    <a:lumMod val="50000"/>
+                  </a:schemeClr>
+                </a:solidFill>
+              </a:rPr>
+              <a:t>|</a:t>
+            </a:r>
+            <a:r>
+              <a:rPr lang="en-US"/>
+              <a:t> library.rice.edu/dss</a:t>
+            </a:r>
+            <a:endParaRPr lang="en-US" dirty="0"/>
+          </a:p>
+        </p:txBody>
+      </p:sp>
+      <p:sp>
+        <p:nvSpPr>
+          <p:cNvPr id="6" name="Slide Number Placeholder 5">
+            <a:extLst>
+              <a:ext uri="{FF2B5EF4-FFF2-40B4-BE49-F238E27FC236}">
+                <a16:creationId xmlns:a16="http://schemas.microsoft.com/office/drawing/2014/main" id="{CECE3146-0C2B-4CC7-BC7C-FD23AAF7ECAE}"/>
+              </a:ext>
+            </a:extLst>
+          </p:cNvPr>
+          <p:cNvSpPr>
+            <a:spLocks noGrp="1"/>
+          </p:cNvSpPr>
+          <p:nvPr>
+            <p:ph type="sldNum" sz="quarter" idx="12"/>
+          </p:nvPr>
+        </p:nvSpPr>
+        <p:spPr/>
+        <p:txBody>
+          <a:bodyPr/>
+          <a:lstStyle/>
+          <a:p>
+            <a:fld id="{D57F1E4F-1CFF-5643-939E-02111984F565}" type="slidenum">
+              <a:rPr lang="en-US" smtClean="0"/>
+              <a:t>46</a:t>
             </a:fld>
             <a:endParaRPr lang="en-US" dirty="0"/>
           </a:p>
@@ -12902,511 +13365,6 @@
 </p:sld>
 </file>
 
-<file path=ppt/slides/slide45.xml><?xml version="1.0" encoding="utf-8"?>
-<p:sld xmlns:a="http://schemas.openxmlformats.org/drawingml/2006/main" xmlns:r="http://schemas.openxmlformats.org/officeDocument/2006/relationships" xmlns:p="http://schemas.openxmlformats.org/presentationml/2006/main">
-  <p:cSld>
-    <p:spTree>
-      <p:nvGrpSpPr>
-        <p:cNvPr id="1" name=""/>
-        <p:cNvGrpSpPr/>
-        <p:nvPr/>
-      </p:nvGrpSpPr>
-      <p:grpSpPr>
-        <a:xfrm>
-          <a:off x="0" y="0"/>
-          <a:ext cx="0" cy="0"/>
-          <a:chOff x="0" y="0"/>
-          <a:chExt cx="0" cy="0"/>
-        </a:xfrm>
-      </p:grpSpPr>
-      <p:sp>
-        <p:nvSpPr>
-          <p:cNvPr id="2" name="Title 1">
-            <a:extLst>
-              <a:ext uri="{FF2B5EF4-FFF2-40B4-BE49-F238E27FC236}">
-                <a16:creationId xmlns:a16="http://schemas.microsoft.com/office/drawing/2014/main" id="{D1BF0482-6913-4A5E-A533-479864CB5349}"/>
-              </a:ext>
-            </a:extLst>
-          </p:cNvPr>
-          <p:cNvSpPr>
-            <a:spLocks noGrp="1"/>
-          </p:cNvSpPr>
-          <p:nvPr>
-            <p:ph type="title"/>
-          </p:nvPr>
-        </p:nvSpPr>
-        <p:spPr/>
-        <p:txBody>
-          <a:bodyPr/>
-          <a:lstStyle/>
-          <a:p>
-            <a:r>
-              <a:rPr lang="en-US" dirty="0"/>
-              <a:t>ARIMA IN SUMMARY</a:t>
-            </a:r>
-          </a:p>
-        </p:txBody>
-      </p:sp>
-      <p:sp>
-        <p:nvSpPr>
-          <p:cNvPr id="4" name="Date Placeholder 3">
-            <a:extLst>
-              <a:ext uri="{FF2B5EF4-FFF2-40B4-BE49-F238E27FC236}">
-                <a16:creationId xmlns:a16="http://schemas.microsoft.com/office/drawing/2014/main" id="{B23DAF35-209C-48FA-AAAB-F69E14183A91}"/>
-              </a:ext>
-            </a:extLst>
-          </p:cNvPr>
-          <p:cNvSpPr>
-            <a:spLocks noGrp="1"/>
-          </p:cNvSpPr>
-          <p:nvPr>
-            <p:ph type="dt" sz="half" idx="10"/>
-          </p:nvPr>
-        </p:nvSpPr>
-        <p:spPr/>
-        <p:txBody>
-          <a:bodyPr/>
-          <a:lstStyle/>
-          <a:p>
-            <a:fld id="{8AAE40A0-A7D8-4DC3-BC9E-BADA32DA2004}" type="datetime4">
-              <a:rPr lang="en-US" smtClean="0"/>
-              <a:t>July 30, 2019</a:t>
-            </a:fld>
-            <a:endParaRPr lang="en-US" dirty="0"/>
-          </a:p>
-        </p:txBody>
-      </p:sp>
-      <p:sp>
-        <p:nvSpPr>
-          <p:cNvPr id="5" name="Footer Placeholder 4">
-            <a:extLst>
-              <a:ext uri="{FF2B5EF4-FFF2-40B4-BE49-F238E27FC236}">
-                <a16:creationId xmlns:a16="http://schemas.microsoft.com/office/drawing/2014/main" id="{3D8E22A6-180D-41CF-9959-4347A11F2AD1}"/>
-              </a:ext>
-            </a:extLst>
-          </p:cNvPr>
-          <p:cNvSpPr>
-            <a:spLocks noGrp="1"/>
-          </p:cNvSpPr>
-          <p:nvPr>
-            <p:ph type="ftr" sz="quarter" idx="11"/>
-          </p:nvPr>
-        </p:nvSpPr>
-        <p:spPr/>
-        <p:txBody>
-          <a:bodyPr/>
-          <a:lstStyle/>
-          <a:p>
-            <a:r>
-              <a:rPr lang="en-US"/>
-              <a:t>Digital Scholarship Services </a:t>
-            </a:r>
-            <a:r>
-              <a:rPr lang="en-US">
-                <a:solidFill>
-                  <a:schemeClr val="accent1">
-                    <a:lumMod val="50000"/>
-                  </a:schemeClr>
-                </a:solidFill>
-              </a:rPr>
-              <a:t>| Email</a:t>
-            </a:r>
-            <a:r>
-              <a:rPr lang="en-US"/>
-              <a:t> cf24@rice.edu </a:t>
-            </a:r>
-            <a:r>
-              <a:rPr lang="en-US">
-                <a:solidFill>
-                  <a:schemeClr val="accent1">
-                    <a:lumMod val="50000"/>
-                  </a:schemeClr>
-                </a:solidFill>
-              </a:rPr>
-              <a:t>|</a:t>
-            </a:r>
-            <a:r>
-              <a:rPr lang="en-US"/>
-              <a:t> library.rice.edu/dss</a:t>
-            </a:r>
-            <a:endParaRPr lang="en-US" dirty="0"/>
-          </a:p>
-        </p:txBody>
-      </p:sp>
-      <p:sp>
-        <p:nvSpPr>
-          <p:cNvPr id="6" name="Slide Number Placeholder 5">
-            <a:extLst>
-              <a:ext uri="{FF2B5EF4-FFF2-40B4-BE49-F238E27FC236}">
-                <a16:creationId xmlns:a16="http://schemas.microsoft.com/office/drawing/2014/main" id="{CECE3146-0C2B-4CC7-BC7C-FD23AAF7ECAE}"/>
-              </a:ext>
-            </a:extLst>
-          </p:cNvPr>
-          <p:cNvSpPr>
-            <a:spLocks noGrp="1"/>
-          </p:cNvSpPr>
-          <p:nvPr>
-            <p:ph type="sldNum" sz="quarter" idx="12"/>
-          </p:nvPr>
-        </p:nvSpPr>
-        <p:spPr/>
-        <p:txBody>
-          <a:bodyPr/>
-          <a:lstStyle/>
-          <a:p>
-            <a:fld id="{D57F1E4F-1CFF-5643-939E-02111984F565}" type="slidenum">
-              <a:rPr lang="en-US" smtClean="0"/>
-              <a:t>45</a:t>
-            </a:fld>
-            <a:endParaRPr lang="en-US" dirty="0"/>
-          </a:p>
-        </p:txBody>
-      </p:sp>
-      <p:sp>
-        <p:nvSpPr>
-          <p:cNvPr id="8" name="Content Placeholder 7">
-            <a:extLst>
-              <a:ext uri="{FF2B5EF4-FFF2-40B4-BE49-F238E27FC236}">
-                <a16:creationId xmlns:a16="http://schemas.microsoft.com/office/drawing/2014/main" id="{30C259F3-048F-4C4B-AC8C-24699B6ABD42}"/>
-              </a:ext>
-            </a:extLst>
-          </p:cNvPr>
-          <p:cNvSpPr>
-            <a:spLocks noGrp="1"/>
-          </p:cNvSpPr>
-          <p:nvPr>
-            <p:ph idx="1"/>
-          </p:nvPr>
-        </p:nvSpPr>
-        <p:spPr>
-          <a:xfrm>
-            <a:off x="838199" y="1825625"/>
-            <a:ext cx="10515599" cy="4351338"/>
-          </a:xfrm>
-        </p:spPr>
-        <p:txBody>
-          <a:bodyPr/>
-          <a:lstStyle/>
-          <a:p>
-            <a:r>
-              <a:rPr lang="en-US" dirty="0"/>
-              <a:t>Explore your data with plots</a:t>
-            </a:r>
-          </a:p>
-          <a:p>
-            <a:pPr lvl="1"/>
-            <a:r>
-              <a:rPr lang="en-US" dirty="0"/>
-              <a:t>Plot by day, day of week, day of month, month, hour, minute, etc.</a:t>
-            </a:r>
-          </a:p>
-          <a:p>
-            <a:pPr lvl="2"/>
-            <a:r>
-              <a:rPr lang="en-US" dirty="0"/>
-              <a:t>This will help you get a feel for the data</a:t>
-            </a:r>
-          </a:p>
-          <a:p>
-            <a:pPr lvl="1"/>
-            <a:r>
-              <a:rPr lang="en-US" dirty="0"/>
-              <a:t>Try out some lags, moving averages, and detrending</a:t>
-            </a:r>
-          </a:p>
-          <a:p>
-            <a:pPr lvl="1"/>
-            <a:r>
-              <a:rPr lang="en-US" dirty="0"/>
-              <a:t>If you can get a stationary data series, remember what you did to get there!</a:t>
-            </a:r>
-          </a:p>
-          <a:p>
-            <a:r>
-              <a:rPr lang="en-US" dirty="0"/>
-              <a:t>Estimate parameters</a:t>
-            </a:r>
-          </a:p>
-          <a:p>
-            <a:pPr lvl="1"/>
-            <a:r>
-              <a:rPr lang="en-US" dirty="0"/>
-              <a:t>Use (partial)autocorrelation function to figure out the order of moving average and autoregressive components</a:t>
-            </a:r>
-          </a:p>
-          <a:p>
-            <a:pPr lvl="1"/>
-            <a:r>
-              <a:rPr lang="en-US" dirty="0"/>
-              <a:t>Use lagged scatterplots to deal with </a:t>
-            </a:r>
-          </a:p>
-          <a:p>
-            <a:r>
-              <a:rPr lang="en-US" dirty="0"/>
-              <a:t>Model, forecast, and repeat!</a:t>
-            </a:r>
-          </a:p>
-        </p:txBody>
-      </p:sp>
-    </p:spTree>
-    <p:extLst>
-      <p:ext uri="{BB962C8B-B14F-4D97-AF65-F5344CB8AC3E}">
-        <p14:creationId xmlns:p14="http://schemas.microsoft.com/office/powerpoint/2010/main" val="3756464233"/>
-      </p:ext>
-    </p:extLst>
-  </p:cSld>
-  <p:clrMapOvr>
-    <a:masterClrMapping/>
-  </p:clrMapOvr>
-</p:sld>
-</file>
-
-<file path=ppt/slides/slide46.xml><?xml version="1.0" encoding="utf-8"?>
-<p:sld xmlns:a="http://schemas.openxmlformats.org/drawingml/2006/main" xmlns:r="http://schemas.openxmlformats.org/officeDocument/2006/relationships" xmlns:p="http://schemas.openxmlformats.org/presentationml/2006/main">
-  <p:cSld>
-    <p:spTree>
-      <p:nvGrpSpPr>
-        <p:cNvPr id="1" name=""/>
-        <p:cNvGrpSpPr/>
-        <p:nvPr/>
-      </p:nvGrpSpPr>
-      <p:grpSpPr>
-        <a:xfrm>
-          <a:off x="0" y="0"/>
-          <a:ext cx="0" cy="0"/>
-          <a:chOff x="0" y="0"/>
-          <a:chExt cx="0" cy="0"/>
-        </a:xfrm>
-      </p:grpSpPr>
-      <p:sp>
-        <p:nvSpPr>
-          <p:cNvPr id="2" name="Title 1">
-            <a:extLst>
-              <a:ext uri="{FF2B5EF4-FFF2-40B4-BE49-F238E27FC236}">
-                <a16:creationId xmlns:a16="http://schemas.microsoft.com/office/drawing/2014/main" id="{D1BF0482-6913-4A5E-A533-479864CB5349}"/>
-              </a:ext>
-            </a:extLst>
-          </p:cNvPr>
-          <p:cNvSpPr>
-            <a:spLocks noGrp="1"/>
-          </p:cNvSpPr>
-          <p:nvPr>
-            <p:ph type="title"/>
-          </p:nvPr>
-        </p:nvSpPr>
-        <p:spPr/>
-        <p:txBody>
-          <a:bodyPr/>
-          <a:lstStyle/>
-          <a:p>
-            <a:r>
-              <a:rPr lang="en-US" dirty="0"/>
-              <a:t>ARIMA EXTENSIONS</a:t>
-            </a:r>
-          </a:p>
-        </p:txBody>
-      </p:sp>
-      <p:sp>
-        <p:nvSpPr>
-          <p:cNvPr id="4" name="Date Placeholder 3">
-            <a:extLst>
-              <a:ext uri="{FF2B5EF4-FFF2-40B4-BE49-F238E27FC236}">
-                <a16:creationId xmlns:a16="http://schemas.microsoft.com/office/drawing/2014/main" id="{B23DAF35-209C-48FA-AAAB-F69E14183A91}"/>
-              </a:ext>
-            </a:extLst>
-          </p:cNvPr>
-          <p:cNvSpPr>
-            <a:spLocks noGrp="1"/>
-          </p:cNvSpPr>
-          <p:nvPr>
-            <p:ph type="dt" sz="half" idx="10"/>
-          </p:nvPr>
-        </p:nvSpPr>
-        <p:spPr/>
-        <p:txBody>
-          <a:bodyPr/>
-          <a:lstStyle/>
-          <a:p>
-            <a:fld id="{8AAE40A0-A7D8-4DC3-BC9E-BADA32DA2004}" type="datetime4">
-              <a:rPr lang="en-US" smtClean="0"/>
-              <a:t>July 30, 2019</a:t>
-            </a:fld>
-            <a:endParaRPr lang="en-US" dirty="0"/>
-          </a:p>
-        </p:txBody>
-      </p:sp>
-      <p:sp>
-        <p:nvSpPr>
-          <p:cNvPr id="5" name="Footer Placeholder 4">
-            <a:extLst>
-              <a:ext uri="{FF2B5EF4-FFF2-40B4-BE49-F238E27FC236}">
-                <a16:creationId xmlns:a16="http://schemas.microsoft.com/office/drawing/2014/main" id="{3D8E22A6-180D-41CF-9959-4347A11F2AD1}"/>
-              </a:ext>
-            </a:extLst>
-          </p:cNvPr>
-          <p:cNvSpPr>
-            <a:spLocks noGrp="1"/>
-          </p:cNvSpPr>
-          <p:nvPr>
-            <p:ph type="ftr" sz="quarter" idx="11"/>
-          </p:nvPr>
-        </p:nvSpPr>
-        <p:spPr/>
-        <p:txBody>
-          <a:bodyPr/>
-          <a:lstStyle/>
-          <a:p>
-            <a:r>
-              <a:rPr lang="en-US"/>
-              <a:t>Digital Scholarship Services </a:t>
-            </a:r>
-            <a:r>
-              <a:rPr lang="en-US">
-                <a:solidFill>
-                  <a:schemeClr val="accent1">
-                    <a:lumMod val="50000"/>
-                  </a:schemeClr>
-                </a:solidFill>
-              </a:rPr>
-              <a:t>| Email</a:t>
-            </a:r>
-            <a:r>
-              <a:rPr lang="en-US"/>
-              <a:t> cf24@rice.edu </a:t>
-            </a:r>
-            <a:r>
-              <a:rPr lang="en-US">
-                <a:solidFill>
-                  <a:schemeClr val="accent1">
-                    <a:lumMod val="50000"/>
-                  </a:schemeClr>
-                </a:solidFill>
-              </a:rPr>
-              <a:t>|</a:t>
-            </a:r>
-            <a:r>
-              <a:rPr lang="en-US"/>
-              <a:t> library.rice.edu/dss</a:t>
-            </a:r>
-            <a:endParaRPr lang="en-US" dirty="0"/>
-          </a:p>
-        </p:txBody>
-      </p:sp>
-      <p:sp>
-        <p:nvSpPr>
-          <p:cNvPr id="6" name="Slide Number Placeholder 5">
-            <a:extLst>
-              <a:ext uri="{FF2B5EF4-FFF2-40B4-BE49-F238E27FC236}">
-                <a16:creationId xmlns:a16="http://schemas.microsoft.com/office/drawing/2014/main" id="{CECE3146-0C2B-4CC7-BC7C-FD23AAF7ECAE}"/>
-              </a:ext>
-            </a:extLst>
-          </p:cNvPr>
-          <p:cNvSpPr>
-            <a:spLocks noGrp="1"/>
-          </p:cNvSpPr>
-          <p:nvPr>
-            <p:ph type="sldNum" sz="quarter" idx="12"/>
-          </p:nvPr>
-        </p:nvSpPr>
-        <p:spPr/>
-        <p:txBody>
-          <a:bodyPr/>
-          <a:lstStyle/>
-          <a:p>
-            <a:fld id="{D57F1E4F-1CFF-5643-939E-02111984F565}" type="slidenum">
-              <a:rPr lang="en-US" smtClean="0"/>
-              <a:t>46</a:t>
-            </a:fld>
-            <a:endParaRPr lang="en-US" dirty="0"/>
-          </a:p>
-        </p:txBody>
-      </p:sp>
-      <p:sp>
-        <p:nvSpPr>
-          <p:cNvPr id="8" name="Content Placeholder 7">
-            <a:extLst>
-              <a:ext uri="{FF2B5EF4-FFF2-40B4-BE49-F238E27FC236}">
-                <a16:creationId xmlns:a16="http://schemas.microsoft.com/office/drawing/2014/main" id="{30C259F3-048F-4C4B-AC8C-24699B6ABD42}"/>
-              </a:ext>
-            </a:extLst>
-          </p:cNvPr>
-          <p:cNvSpPr>
-            <a:spLocks noGrp="1"/>
-          </p:cNvSpPr>
-          <p:nvPr>
-            <p:ph idx="1"/>
-          </p:nvPr>
-        </p:nvSpPr>
-        <p:spPr>
-          <a:xfrm>
-            <a:off x="838199" y="1825625"/>
-            <a:ext cx="10515599" cy="4351338"/>
-          </a:xfrm>
-        </p:spPr>
-        <p:txBody>
-          <a:bodyPr/>
-          <a:lstStyle/>
-          <a:p>
-            <a:r>
-              <a:rPr lang="en-US" dirty="0"/>
-              <a:t>Won’t explore these here</a:t>
-            </a:r>
-          </a:p>
-          <a:p>
-            <a:r>
-              <a:rPr lang="en-US" dirty="0"/>
-              <a:t>Seasonal ARIMA: better support for seasonal cycles (longer range)</a:t>
-            </a:r>
-          </a:p>
-          <a:p>
-            <a:pPr lvl="1"/>
-            <a:r>
-              <a:rPr lang="en-US" dirty="0"/>
-              <a:t>Even more parameters to figure out</a:t>
-            </a:r>
-          </a:p>
-          <a:p>
-            <a:r>
-              <a:rPr lang="en-US" dirty="0"/>
-              <a:t>ARIMAX: use external variables to help prediction</a:t>
-            </a:r>
-          </a:p>
-          <a:p>
-            <a:pPr lvl="1"/>
-            <a:r>
-              <a:rPr lang="en-US" dirty="0"/>
-              <a:t>Maybe if we knew the unemployment rate, that would help us predict inflation</a:t>
-            </a:r>
-          </a:p>
-          <a:p>
-            <a:pPr lvl="1"/>
-            <a:r>
-              <a:rPr lang="en-US" dirty="0"/>
-              <a:t>Usually pretty simple</a:t>
-            </a:r>
-          </a:p>
-          <a:p>
-            <a:r>
-              <a:rPr lang="en-US" dirty="0"/>
-              <a:t>SARIMAX: both!</a:t>
-            </a:r>
-          </a:p>
-        </p:txBody>
-      </p:sp>
-    </p:spTree>
-    <p:extLst>
-      <p:ext uri="{BB962C8B-B14F-4D97-AF65-F5344CB8AC3E}">
-        <p14:creationId xmlns:p14="http://schemas.microsoft.com/office/powerpoint/2010/main" val="2228218145"/>
-      </p:ext>
-    </p:extLst>
-  </p:cSld>
-  <p:clrMapOvr>
-    <a:masterClrMapping/>
-  </p:clrMapOvr>
-</p:sld>
-</file>
-
 <file path=ppt/slides/slide47.xml><?xml version="1.0" encoding="utf-8"?>
 <p:sld xmlns:a="http://schemas.openxmlformats.org/drawingml/2006/main" xmlns:r="http://schemas.openxmlformats.org/officeDocument/2006/relationships" xmlns:p="http://schemas.openxmlformats.org/presentationml/2006/main">
   <p:cSld>
@@ -13426,10 +13384,10 @@
       </p:grpSpPr>
       <p:sp>
         <p:nvSpPr>
-          <p:cNvPr id="7" name="Title 6">
-            <a:extLst>
-              <a:ext uri="{FF2B5EF4-FFF2-40B4-BE49-F238E27FC236}">
-                <a16:creationId xmlns:a16="http://schemas.microsoft.com/office/drawing/2014/main" id="{7802FB34-7510-47BC-8952-A1FE9728B0BF}"/>
+          <p:cNvPr id="2" name="Title 1">
+            <a:extLst>
+              <a:ext uri="{FF2B5EF4-FFF2-40B4-BE49-F238E27FC236}">
+                <a16:creationId xmlns:a16="http://schemas.microsoft.com/office/drawing/2014/main" id="{D1BF0482-6913-4A5E-A533-479864CB5349}"/>
               </a:ext>
             </a:extLst>
           </p:cNvPr>
@@ -13447,35 +13405,7 @@
           <a:p>
             <a:r>
               <a:rPr lang="en-US" dirty="0"/>
-              <a:t>PROPHET MODELS</a:t>
-            </a:r>
-          </a:p>
-        </p:txBody>
-      </p:sp>
-      <p:sp>
-        <p:nvSpPr>
-          <p:cNvPr id="8" name="Text Placeholder 7">
-            <a:extLst>
-              <a:ext uri="{FF2B5EF4-FFF2-40B4-BE49-F238E27FC236}">
-                <a16:creationId xmlns:a16="http://schemas.microsoft.com/office/drawing/2014/main" id="{FCA70F1A-579E-4144-AE97-14FFC08FF0F5}"/>
-              </a:ext>
-            </a:extLst>
-          </p:cNvPr>
-          <p:cNvSpPr>
-            <a:spLocks noGrp="1"/>
-          </p:cNvSpPr>
-          <p:nvPr>
-            <p:ph type="body" idx="1"/>
-          </p:nvPr>
-        </p:nvSpPr>
-        <p:spPr/>
-        <p:txBody>
-          <a:bodyPr/>
-          <a:lstStyle/>
-          <a:p>
-            <a:r>
-              <a:rPr lang="en-US" dirty="0"/>
-              <a:t>Facebook’s in-house forecasting tool</a:t>
+              <a:t>ARIMA IN SUMMARY</a:t>
             </a:r>
           </a:p>
         </p:txBody>
@@ -13485,7 +13415,7 @@
           <p:cNvPr id="4" name="Date Placeholder 3">
             <a:extLst>
               <a:ext uri="{FF2B5EF4-FFF2-40B4-BE49-F238E27FC236}">
-                <a16:creationId xmlns:a16="http://schemas.microsoft.com/office/drawing/2014/main" id="{3AD929EF-0967-4B34-81B8-24D9EF91892E}"/>
+                <a16:creationId xmlns:a16="http://schemas.microsoft.com/office/drawing/2014/main" id="{B23DAF35-209C-48FA-AAAB-F69E14183A91}"/>
               </a:ext>
             </a:extLst>
           </p:cNvPr>
@@ -13514,7 +13444,7 @@
           <p:cNvPr id="5" name="Footer Placeholder 4">
             <a:extLst>
               <a:ext uri="{FF2B5EF4-FFF2-40B4-BE49-F238E27FC236}">
-                <a16:creationId xmlns:a16="http://schemas.microsoft.com/office/drawing/2014/main" id="{3B5B35DD-F2EA-40D3-8039-8CD3802B2612}"/>
+                <a16:creationId xmlns:a16="http://schemas.microsoft.com/office/drawing/2014/main" id="{3D8E22A6-180D-41CF-9959-4347A11F2AD1}"/>
               </a:ext>
             </a:extLst>
           </p:cNvPr>
@@ -13571,7 +13501,7 @@
           <p:cNvPr id="6" name="Slide Number Placeholder 5">
             <a:extLst>
               <a:ext uri="{FF2B5EF4-FFF2-40B4-BE49-F238E27FC236}">
-                <a16:creationId xmlns:a16="http://schemas.microsoft.com/office/drawing/2014/main" id="{C3EB9A57-323C-47F5-867F-693F95A15FA4}"/>
+                <a16:creationId xmlns:a16="http://schemas.microsoft.com/office/drawing/2014/main" id="{CECE3146-0C2B-4CC7-BC7C-FD23AAF7ECAE}"/>
               </a:ext>
             </a:extLst>
           </p:cNvPr>
@@ -13595,10 +13525,97 @@
           </a:p>
         </p:txBody>
       </p:sp>
+      <p:sp>
+        <p:nvSpPr>
+          <p:cNvPr id="8" name="Content Placeholder 7">
+            <a:extLst>
+              <a:ext uri="{FF2B5EF4-FFF2-40B4-BE49-F238E27FC236}">
+                <a16:creationId xmlns:a16="http://schemas.microsoft.com/office/drawing/2014/main" id="{30C259F3-048F-4C4B-AC8C-24699B6ABD42}"/>
+              </a:ext>
+            </a:extLst>
+          </p:cNvPr>
+          <p:cNvSpPr>
+            <a:spLocks noGrp="1"/>
+          </p:cNvSpPr>
+          <p:nvPr>
+            <p:ph idx="1"/>
+          </p:nvPr>
+        </p:nvSpPr>
+        <p:spPr>
+          <a:xfrm>
+            <a:off x="838199" y="1825625"/>
+            <a:ext cx="10515599" cy="4351338"/>
+          </a:xfrm>
+        </p:spPr>
+        <p:txBody>
+          <a:bodyPr/>
+          <a:lstStyle/>
+          <a:p>
+            <a:r>
+              <a:rPr lang="en-US" dirty="0"/>
+              <a:t>Explore your data with plots</a:t>
+            </a:r>
+          </a:p>
+          <a:p>
+            <a:pPr lvl="1"/>
+            <a:r>
+              <a:rPr lang="en-US" dirty="0"/>
+              <a:t>Plot by day, day of week, day of month, month, hour, minute, etc.</a:t>
+            </a:r>
+          </a:p>
+          <a:p>
+            <a:pPr lvl="2"/>
+            <a:r>
+              <a:rPr lang="en-US" dirty="0"/>
+              <a:t>This will help you get a feel for the data</a:t>
+            </a:r>
+          </a:p>
+          <a:p>
+            <a:pPr lvl="1"/>
+            <a:r>
+              <a:rPr lang="en-US" dirty="0"/>
+              <a:t>Try out some lags, moving averages, and detrending</a:t>
+            </a:r>
+          </a:p>
+          <a:p>
+            <a:pPr lvl="1"/>
+            <a:r>
+              <a:rPr lang="en-US" dirty="0"/>
+              <a:t>If you can get a stationary data series, remember what you did to get there!</a:t>
+            </a:r>
+          </a:p>
+          <a:p>
+            <a:r>
+              <a:rPr lang="en-US" dirty="0"/>
+              <a:t>Estimate parameters</a:t>
+            </a:r>
+          </a:p>
+          <a:p>
+            <a:pPr lvl="1"/>
+            <a:r>
+              <a:rPr lang="en-US" dirty="0"/>
+              <a:t>Use (partial)autocorrelation function to figure out the order of moving average and autoregressive components</a:t>
+            </a:r>
+          </a:p>
+          <a:p>
+            <a:pPr lvl="1"/>
+            <a:r>
+              <a:rPr lang="en-US" dirty="0"/>
+              <a:t>Use lagged scatterplots to deal with </a:t>
+            </a:r>
+          </a:p>
+          <a:p>
+            <a:r>
+              <a:rPr lang="en-US" dirty="0"/>
+              <a:t>Model, forecast, and repeat!</a:t>
+            </a:r>
+          </a:p>
+        </p:txBody>
+      </p:sp>
     </p:spTree>
     <p:extLst>
       <p:ext uri="{BB962C8B-B14F-4D97-AF65-F5344CB8AC3E}">
-        <p14:creationId xmlns:p14="http://schemas.microsoft.com/office/powerpoint/2010/main" val="4082739096"/>
+        <p14:creationId xmlns:p14="http://schemas.microsoft.com/office/powerpoint/2010/main" val="3756464233"/>
       </p:ext>
     </p:extLst>
   </p:cSld>
@@ -13627,10 +13644,10 @@
       </p:grpSpPr>
       <p:sp>
         <p:nvSpPr>
-          <p:cNvPr id="7" name="Title 6">
-            <a:extLst>
-              <a:ext uri="{FF2B5EF4-FFF2-40B4-BE49-F238E27FC236}">
-                <a16:creationId xmlns:a16="http://schemas.microsoft.com/office/drawing/2014/main" id="{75C0DCD3-95F8-4E1F-BF1A-5FAAB84A40A3}"/>
+          <p:cNvPr id="2" name="Title 1">
+            <a:extLst>
+              <a:ext uri="{FF2B5EF4-FFF2-40B4-BE49-F238E27FC236}">
+                <a16:creationId xmlns:a16="http://schemas.microsoft.com/office/drawing/2014/main" id="{D1BF0482-6913-4A5E-A533-479864CB5349}"/>
               </a:ext>
             </a:extLst>
           </p:cNvPr>
@@ -13648,96 +13665,7 @@
           <a:p>
             <a:r>
               <a:rPr lang="en-US" dirty="0"/>
-              <a:t>PROPHET MODELS</a:t>
-            </a:r>
-          </a:p>
-        </p:txBody>
-      </p:sp>
-      <p:sp>
-        <p:nvSpPr>
-          <p:cNvPr id="8" name="Content Placeholder 7">
-            <a:extLst>
-              <a:ext uri="{FF2B5EF4-FFF2-40B4-BE49-F238E27FC236}">
-                <a16:creationId xmlns:a16="http://schemas.microsoft.com/office/drawing/2014/main" id="{52BB1FAB-BB61-4B66-A4EA-A0EABC2B3ECA}"/>
-              </a:ext>
-            </a:extLst>
-          </p:cNvPr>
-          <p:cNvSpPr>
-            <a:spLocks noGrp="1"/>
-          </p:cNvSpPr>
-          <p:nvPr>
-            <p:ph idx="1"/>
-          </p:nvPr>
-        </p:nvSpPr>
-        <p:spPr/>
-        <p:txBody>
-          <a:bodyPr/>
-          <a:lstStyle/>
-          <a:p>
-            <a:r>
-              <a:rPr lang="en-US" dirty="0"/>
-              <a:t>Cutting up a forecast</a:t>
-            </a:r>
-          </a:p>
-          <a:p>
-            <a:r>
-              <a:rPr lang="en-US" dirty="0"/>
-              <a:t>Pros:</a:t>
-            </a:r>
-          </a:p>
-          <a:p>
-            <a:pPr lvl="1"/>
-            <a:r>
-              <a:rPr lang="en-US" dirty="0"/>
-              <a:t>Fast and scalable</a:t>
-            </a:r>
-          </a:p>
-          <a:p>
-            <a:pPr lvl="1"/>
-            <a:r>
-              <a:rPr lang="en-US" dirty="0"/>
-              <a:t>Parameters are very easy to understand</a:t>
-            </a:r>
-          </a:p>
-          <a:p>
-            <a:pPr lvl="1"/>
-            <a:r>
-              <a:rPr lang="en-US" dirty="0"/>
-              <a:t>Deals with holidays very elegantly</a:t>
-            </a:r>
-          </a:p>
-          <a:p>
-            <a:pPr lvl="1"/>
-            <a:r>
-              <a:rPr lang="en-US" dirty="0"/>
-              <a:t>Splitting models up allows even more flexibility</a:t>
-            </a:r>
-          </a:p>
-          <a:p>
-            <a:pPr lvl="1"/>
-            <a:r>
-              <a:rPr lang="en-US" dirty="0"/>
-              <a:t>Performs quite well! Results often better than ARIMA</a:t>
-            </a:r>
-          </a:p>
-          <a:p>
-            <a:r>
-              <a:rPr lang="en-US" dirty="0"/>
-              <a:t>Cons:</a:t>
-            </a:r>
-          </a:p>
-          <a:p>
-            <a:pPr lvl="1"/>
-            <a:r>
-              <a:rPr lang="en-US" dirty="0"/>
-              <a:t>Not as widely used (released in Sept. 2017)!</a:t>
-            </a:r>
-          </a:p>
-          <a:p>
-            <a:pPr lvl="1"/>
-            <a:r>
-              <a:rPr lang="en-US" dirty="0"/>
-              <a:t>The jury’s still out on this one</a:t>
+              <a:t>ARIMA EXTENSIONS</a:t>
             </a:r>
           </a:p>
         </p:txBody>
@@ -13747,7 +13675,7 @@
           <p:cNvPr id="4" name="Date Placeholder 3">
             <a:extLst>
               <a:ext uri="{FF2B5EF4-FFF2-40B4-BE49-F238E27FC236}">
-                <a16:creationId xmlns:a16="http://schemas.microsoft.com/office/drawing/2014/main" id="{02256D86-7CE0-416E-B2A3-402D20EE9E90}"/>
+                <a16:creationId xmlns:a16="http://schemas.microsoft.com/office/drawing/2014/main" id="{B23DAF35-209C-48FA-AAAB-F69E14183A91}"/>
               </a:ext>
             </a:extLst>
           </p:cNvPr>
@@ -13763,7 +13691,7 @@
           <a:bodyPr/>
           <a:lstStyle/>
           <a:p>
-            <a:fld id="{B08FEED8-D7D4-44E9-BFBC-ED06B5996D94}" type="datetime4">
+            <a:fld id="{8AAE40A0-A7D8-4DC3-BC9E-BADA32DA2004}" type="datetime4">
               <a:rPr lang="en-US" smtClean="0"/>
               <a:t>July 30, 2019</a:t>
             </a:fld>
@@ -13776,7 +13704,7 @@
           <p:cNvPr id="5" name="Footer Placeholder 4">
             <a:extLst>
               <a:ext uri="{FF2B5EF4-FFF2-40B4-BE49-F238E27FC236}">
-                <a16:creationId xmlns:a16="http://schemas.microsoft.com/office/drawing/2014/main" id="{1D4ED112-7CF4-4BB9-B46E-B366A5054A9A}"/>
+                <a16:creationId xmlns:a16="http://schemas.microsoft.com/office/drawing/2014/main" id="{3D8E22A6-180D-41CF-9959-4347A11F2AD1}"/>
               </a:ext>
             </a:extLst>
           </p:cNvPr>
@@ -13833,7 +13761,7 @@
           <p:cNvPr id="6" name="Slide Number Placeholder 5">
             <a:extLst>
               <a:ext uri="{FF2B5EF4-FFF2-40B4-BE49-F238E27FC236}">
-                <a16:creationId xmlns:a16="http://schemas.microsoft.com/office/drawing/2014/main" id="{8CC75551-85BF-4C9F-8893-AA28ECA8A6B5}"/>
+                <a16:creationId xmlns:a16="http://schemas.microsoft.com/office/drawing/2014/main" id="{CECE3146-0C2B-4CC7-BC7C-FD23AAF7ECAE}"/>
               </a:ext>
             </a:extLst>
           </p:cNvPr>
@@ -13857,10 +13785,82 @@
           </a:p>
         </p:txBody>
       </p:sp>
+      <p:sp>
+        <p:nvSpPr>
+          <p:cNvPr id="8" name="Content Placeholder 7">
+            <a:extLst>
+              <a:ext uri="{FF2B5EF4-FFF2-40B4-BE49-F238E27FC236}">
+                <a16:creationId xmlns:a16="http://schemas.microsoft.com/office/drawing/2014/main" id="{30C259F3-048F-4C4B-AC8C-24699B6ABD42}"/>
+              </a:ext>
+            </a:extLst>
+          </p:cNvPr>
+          <p:cNvSpPr>
+            <a:spLocks noGrp="1"/>
+          </p:cNvSpPr>
+          <p:nvPr>
+            <p:ph idx="1"/>
+          </p:nvPr>
+        </p:nvSpPr>
+        <p:spPr>
+          <a:xfrm>
+            <a:off x="838199" y="1825625"/>
+            <a:ext cx="10515599" cy="4351338"/>
+          </a:xfrm>
+        </p:spPr>
+        <p:txBody>
+          <a:bodyPr/>
+          <a:lstStyle/>
+          <a:p>
+            <a:r>
+              <a:rPr lang="en-US" dirty="0"/>
+              <a:t>Won’t explore these here</a:t>
+            </a:r>
+          </a:p>
+          <a:p>
+            <a:r>
+              <a:rPr lang="en-US" dirty="0"/>
+              <a:t>Seasonal ARIMA: better support for seasonal cycles (longer range)</a:t>
+            </a:r>
+          </a:p>
+          <a:p>
+            <a:pPr lvl="1"/>
+            <a:r>
+              <a:rPr lang="en-US" dirty="0"/>
+              <a:t>Even more parameters to figure out</a:t>
+            </a:r>
+          </a:p>
+          <a:p>
+            <a:r>
+              <a:rPr lang="en-US" dirty="0"/>
+              <a:t>ARIMAX: use external variables to help prediction</a:t>
+            </a:r>
+          </a:p>
+          <a:p>
+            <a:pPr lvl="1"/>
+            <a:r>
+              <a:rPr lang="en-US" dirty="0"/>
+              <a:t>Maybe if we knew the unemployment rate, that would help us predict inflation</a:t>
+            </a:r>
+          </a:p>
+          <a:p>
+            <a:pPr lvl="1"/>
+            <a:r>
+              <a:rPr lang="en-US" dirty="0"/>
+              <a:t>Usually pretty simple</a:t>
+            </a:r>
+          </a:p>
+          <a:p>
+            <a:r>
+              <a:rPr lang="en-US" dirty="0"/>
+              <a:t>SARIMAX: both!</a:t>
+            </a:r>
+          </a:p>
+        </p:txBody>
+      </p:sp>
     </p:spTree>
     <p:extLst>
       <p:ext uri="{BB962C8B-B14F-4D97-AF65-F5344CB8AC3E}">
-        <p14:creationId xmlns:p14="http://schemas.microsoft.com/office/powerpoint/2010/main" val="3412561793"/>
+        <p14:creationId xmlns:p14="http://schemas.microsoft.com/office/powerpoint/2010/main" val="2228218145"/>
       </p:ext>
     </p:extLst>
   </p:cSld>
@@ -13892,7 +13892,7 @@
           <p:cNvPr id="7" name="Title 6">
             <a:extLst>
               <a:ext uri="{FF2B5EF4-FFF2-40B4-BE49-F238E27FC236}">
-                <a16:creationId xmlns:a16="http://schemas.microsoft.com/office/drawing/2014/main" id="{75C0DCD3-95F8-4E1F-BF1A-5FAAB84A40A3}"/>
+                <a16:creationId xmlns:a16="http://schemas.microsoft.com/office/drawing/2014/main" id="{7802FB34-7510-47BC-8952-A1FE9728B0BF}"/>
               </a:ext>
             </a:extLst>
           </p:cNvPr>
@@ -13910,61 +13910,35 @@
           <a:p>
             <a:r>
               <a:rPr lang="en-US" dirty="0"/>
-              <a:t>CHANGEPOINTS</a:t>
-            </a:r>
-          </a:p>
-        </p:txBody>
-      </p:sp>
-      <p:sp>
-        <p:nvSpPr>
-          <p:cNvPr id="8" name="Content Placeholder 7">
-            <a:extLst>
-              <a:ext uri="{FF2B5EF4-FFF2-40B4-BE49-F238E27FC236}">
-                <a16:creationId xmlns:a16="http://schemas.microsoft.com/office/drawing/2014/main" id="{52BB1FAB-BB61-4B66-A4EA-A0EABC2B3ECA}"/>
-              </a:ext>
-            </a:extLst>
-          </p:cNvPr>
-          <p:cNvSpPr>
-            <a:spLocks noGrp="1"/>
-          </p:cNvSpPr>
-          <p:nvPr>
-            <p:ph idx="1"/>
-          </p:nvPr>
-        </p:nvSpPr>
-        <p:spPr/>
-        <p:txBody>
-          <a:bodyPr/>
-          <a:lstStyle/>
-          <a:p>
-            <a:r>
-              <a:rPr lang="en-US" dirty="0"/>
-              <a:t>Segment data into various sections and model them differently</a:t>
-            </a:r>
-          </a:p>
-          <a:p>
-            <a:r>
-              <a:rPr lang="en-US" dirty="0"/>
-              <a:t>Why? Maybe things actually have changed</a:t>
-            </a:r>
-          </a:p>
-          <a:p>
-            <a:pPr lvl="1"/>
-            <a:r>
-              <a:rPr lang="en-US" dirty="0"/>
-              <a:t>In business, there can be some major shakeups</a:t>
-            </a:r>
-          </a:p>
-          <a:p>
-            <a:pPr lvl="1"/>
-            <a:r>
-              <a:rPr lang="en-US" dirty="0"/>
-              <a:t>It doesn’t always make sense to predict based on what happened twenty years ago. Is that data even still applicable?</a:t>
-            </a:r>
-          </a:p>
-          <a:p>
-            <a:r>
-              <a:rPr lang="en-US" dirty="0"/>
-              <a:t>Automatically detected by prophet</a:t>
+              <a:t>PROPHET MODELS</a:t>
+            </a:r>
+          </a:p>
+        </p:txBody>
+      </p:sp>
+      <p:sp>
+        <p:nvSpPr>
+          <p:cNvPr id="8" name="Text Placeholder 7">
+            <a:extLst>
+              <a:ext uri="{FF2B5EF4-FFF2-40B4-BE49-F238E27FC236}">
+                <a16:creationId xmlns:a16="http://schemas.microsoft.com/office/drawing/2014/main" id="{FCA70F1A-579E-4144-AE97-14FFC08FF0F5}"/>
+              </a:ext>
+            </a:extLst>
+          </p:cNvPr>
+          <p:cNvSpPr>
+            <a:spLocks noGrp="1"/>
+          </p:cNvSpPr>
+          <p:nvPr>
+            <p:ph type="body" idx="1"/>
+          </p:nvPr>
+        </p:nvSpPr>
+        <p:spPr/>
+        <p:txBody>
+          <a:bodyPr/>
+          <a:lstStyle/>
+          <a:p>
+            <a:r>
+              <a:rPr lang="en-US" dirty="0"/>
+              <a:t>Facebook’s in-house forecasting tool</a:t>
             </a:r>
           </a:p>
         </p:txBody>
@@ -13974,7 +13948,7 @@
           <p:cNvPr id="4" name="Date Placeholder 3">
             <a:extLst>
               <a:ext uri="{FF2B5EF4-FFF2-40B4-BE49-F238E27FC236}">
-                <a16:creationId xmlns:a16="http://schemas.microsoft.com/office/drawing/2014/main" id="{02256D86-7CE0-416E-B2A3-402D20EE9E90}"/>
+                <a16:creationId xmlns:a16="http://schemas.microsoft.com/office/drawing/2014/main" id="{3AD929EF-0967-4B34-81B8-24D9EF91892E}"/>
               </a:ext>
             </a:extLst>
           </p:cNvPr>
@@ -13990,7 +13964,7 @@
           <a:bodyPr/>
           <a:lstStyle/>
           <a:p>
-            <a:fld id="{B08FEED8-D7D4-44E9-BFBC-ED06B5996D94}" type="datetime4">
+            <a:fld id="{8AAE40A0-A7D8-4DC3-BC9E-BADA32DA2004}" type="datetime4">
               <a:rPr lang="en-US" smtClean="0"/>
               <a:t>July 30, 2019</a:t>
             </a:fld>
@@ -14003,7 +13977,7 @@
           <p:cNvPr id="5" name="Footer Placeholder 4">
             <a:extLst>
               <a:ext uri="{FF2B5EF4-FFF2-40B4-BE49-F238E27FC236}">
-                <a16:creationId xmlns:a16="http://schemas.microsoft.com/office/drawing/2014/main" id="{1D4ED112-7CF4-4BB9-B46E-B366A5054A9A}"/>
+                <a16:creationId xmlns:a16="http://schemas.microsoft.com/office/drawing/2014/main" id="{3B5B35DD-F2EA-40D3-8039-8CD3802B2612}"/>
               </a:ext>
             </a:extLst>
           </p:cNvPr>
@@ -14060,7 +14034,7 @@
           <p:cNvPr id="6" name="Slide Number Placeholder 5">
             <a:extLst>
               <a:ext uri="{FF2B5EF4-FFF2-40B4-BE49-F238E27FC236}">
-                <a16:creationId xmlns:a16="http://schemas.microsoft.com/office/drawing/2014/main" id="{8CC75551-85BF-4C9F-8893-AA28ECA8A6B5}"/>
+                <a16:creationId xmlns:a16="http://schemas.microsoft.com/office/drawing/2014/main" id="{C3EB9A57-323C-47F5-867F-693F95A15FA4}"/>
               </a:ext>
             </a:extLst>
           </p:cNvPr>
@@ -14087,7 +14061,7 @@
     </p:spTree>
     <p:extLst>
       <p:ext uri="{BB962C8B-B14F-4D97-AF65-F5344CB8AC3E}">
-        <p14:creationId xmlns:p14="http://schemas.microsoft.com/office/powerpoint/2010/main" val="2141293105"/>
+        <p14:creationId xmlns:p14="http://schemas.microsoft.com/office/powerpoint/2010/main" val="4082739096"/>
       </p:ext>
     </p:extLst>
   </p:cSld>
@@ -14370,7 +14344,7 @@
           <a:p>
             <a:r>
               <a:rPr lang="en-US" dirty="0"/>
-              <a:t>HOLIDAYS</a:t>
+              <a:t>PROPHET MODELS</a:t>
             </a:r>
           </a:p>
         </p:txBody>
@@ -14398,20 +14372,68 @@
           <a:p>
             <a:r>
               <a:rPr lang="en-US" dirty="0"/>
-              <a:t>Large list of holidays</a:t>
-            </a:r>
-          </a:p>
-          <a:p>
-            <a:r>
-              <a:rPr lang="en-US" dirty="0"/>
-              <a:t>Maybe things do change on a New Year’s Day</a:t>
+              <a:t>Cutting up a forecast</a:t>
+            </a:r>
+          </a:p>
+          <a:p>
+            <a:r>
+              <a:rPr lang="en-US" dirty="0"/>
+              <a:t>Pros:</a:t>
             </a:r>
           </a:p>
           <a:p>
             <a:pPr lvl="1"/>
             <a:r>
               <a:rPr lang="en-US" dirty="0"/>
-              <a:t>People are going to want to be picked up after partying, but are drivers going to be working?</a:t>
+              <a:t>Fast and scalable</a:t>
+            </a:r>
+          </a:p>
+          <a:p>
+            <a:pPr lvl="1"/>
+            <a:r>
+              <a:rPr lang="en-US" dirty="0"/>
+              <a:t>Parameters are very easy to understand</a:t>
+            </a:r>
+          </a:p>
+          <a:p>
+            <a:pPr lvl="1"/>
+            <a:r>
+              <a:rPr lang="en-US" dirty="0"/>
+              <a:t>Deals with holidays very elegantly</a:t>
+            </a:r>
+          </a:p>
+          <a:p>
+            <a:pPr lvl="1"/>
+            <a:r>
+              <a:rPr lang="en-US" dirty="0"/>
+              <a:t>Splitting models up allows even more flexibility</a:t>
+            </a:r>
+          </a:p>
+          <a:p>
+            <a:pPr lvl="1"/>
+            <a:r>
+              <a:rPr lang="en-US" dirty="0"/>
+              <a:t>Performs quite well! Results often better than ARIMA</a:t>
+            </a:r>
+          </a:p>
+          <a:p>
+            <a:r>
+              <a:rPr lang="en-US" dirty="0"/>
+              <a:t>Cons:</a:t>
+            </a:r>
+          </a:p>
+          <a:p>
+            <a:pPr lvl="1"/>
+            <a:r>
+              <a:rPr lang="en-US" dirty="0"/>
+              <a:t>Not as widely used (released in Sept. 2017)!</a:t>
+            </a:r>
+          </a:p>
+          <a:p>
+            <a:pPr lvl="1"/>
+            <a:r>
+              <a:rPr lang="en-US" dirty="0"/>
+              <a:t>The jury’s still out on this one</a:t>
             </a:r>
           </a:p>
         </p:txBody>
@@ -14534,7 +14556,7 @@
     </p:spTree>
     <p:extLst>
       <p:ext uri="{BB962C8B-B14F-4D97-AF65-F5344CB8AC3E}">
-        <p14:creationId xmlns:p14="http://schemas.microsoft.com/office/powerpoint/2010/main" val="2968595762"/>
+        <p14:creationId xmlns:p14="http://schemas.microsoft.com/office/powerpoint/2010/main" val="3412561793"/>
       </p:ext>
     </p:extLst>
   </p:cSld>
@@ -14584,7 +14606,7 @@
           <a:p>
             <a:r>
               <a:rPr lang="en-US" dirty="0"/>
-              <a:t>SEASONALITY</a:t>
+              <a:t>CHANGEPOINTS</a:t>
             </a:r>
           </a:p>
         </p:txBody>
@@ -14612,34 +14634,33 @@
           <a:p>
             <a:r>
               <a:rPr lang="en-US" dirty="0"/>
-              <a:t>The cyclic components we noted earlier</a:t>
+              <a:t>Segment data into various sections and model them differently</a:t>
+            </a:r>
+          </a:p>
+          <a:p>
+            <a:r>
+              <a:rPr lang="en-US" dirty="0"/>
+              <a:t>Why? Maybe things actually have changed</a:t>
             </a:r>
           </a:p>
           <a:p>
             <a:pPr lvl="1"/>
             <a:r>
               <a:rPr lang="en-US" dirty="0"/>
-              <a:t>Do things repeat every day? week? hour?</a:t>
-            </a:r>
-          </a:p>
-          <a:p>
-            <a:r>
-              <a:rPr lang="en-US" dirty="0"/>
-              <a:t>Extremely easy to deal with in prophet</a:t>
-            </a:r>
-          </a:p>
-          <a:p>
-            <a:r>
-              <a:rPr lang="en-US" dirty="0"/>
-              <a:t>Just enable the </a:t>
-            </a:r>
-            <a:r>
-              <a:rPr lang="en-US" dirty="0" err="1"/>
-              <a:t>seasonalities</a:t>
-            </a:r>
-            <a:r>
-              <a:rPr lang="en-US" dirty="0"/>
-              <a:t> in the modeling call</a:t>
+              <a:t>In business, there can be some major shakeups</a:t>
+            </a:r>
+          </a:p>
+          <a:p>
+            <a:pPr lvl="1"/>
+            <a:r>
+              <a:rPr lang="en-US" dirty="0"/>
+              <a:t>It doesn’t always make sense to predict based on what happened twenty years ago. Is that data even still applicable?</a:t>
+            </a:r>
+          </a:p>
+          <a:p>
+            <a:r>
+              <a:rPr lang="en-US" dirty="0"/>
+              <a:t>Automatically detected by prophet</a:t>
             </a:r>
           </a:p>
         </p:txBody>
@@ -14762,7 +14783,7 @@
     </p:spTree>
     <p:extLst>
       <p:ext uri="{BB962C8B-B14F-4D97-AF65-F5344CB8AC3E}">
-        <p14:creationId xmlns:p14="http://schemas.microsoft.com/office/powerpoint/2010/main" val="2100874092"/>
+        <p14:creationId xmlns:p14="http://schemas.microsoft.com/office/powerpoint/2010/main" val="2141293105"/>
       </p:ext>
     </p:extLst>
   </p:cSld>
@@ -14812,7 +14833,7 @@
           <a:p>
             <a:r>
               <a:rPr lang="en-US" dirty="0"/>
-              <a:t>SOME ANNOYING CONVENTIONS</a:t>
+              <a:t>HOLIDAYS</a:t>
             </a:r>
           </a:p>
         </p:txBody>
@@ -14840,33 +14861,21 @@
           <a:p>
             <a:r>
               <a:rPr lang="en-US" dirty="0"/>
-              <a:t>Prophet requires that your data be arranged in a very specific way</a:t>
+              <a:t>Large list of holidays</a:t>
+            </a:r>
+          </a:p>
+          <a:p>
+            <a:r>
+              <a:rPr lang="en-US" dirty="0"/>
+              <a:t>Maybe things do change on a New Year’s Day</a:t>
             </a:r>
           </a:p>
           <a:p>
             <a:pPr lvl="1"/>
             <a:r>
               <a:rPr lang="en-US" dirty="0"/>
-              <a:t>ARIMA doesn’t</a:t>
-            </a:r>
-          </a:p>
-          <a:p>
-            <a:r>
-              <a:rPr lang="en-US" dirty="0"/>
-              <a:t>Rename your date column to ‘ds’ and convert it to a datetime format</a:t>
-            </a:r>
-          </a:p>
-          <a:p>
-            <a:r>
-              <a:rPr lang="en-US" dirty="0"/>
-              <a:t>Rename the variable you want to model to ‘y’</a:t>
-            </a:r>
-          </a:p>
-          <a:p>
-            <a:endParaRPr lang="en-US" dirty="0"/>
-          </a:p>
-          <a:p>
-            <a:endParaRPr lang="en-US" dirty="0"/>
+              <a:t>People are going to want to be picked up after partying, but are drivers going to be working?</a:t>
+            </a:r>
           </a:p>
         </p:txBody>
       </p:sp>
@@ -14988,7 +14997,7 @@
     </p:spTree>
     <p:extLst>
       <p:ext uri="{BB962C8B-B14F-4D97-AF65-F5344CB8AC3E}">
-        <p14:creationId xmlns:p14="http://schemas.microsoft.com/office/powerpoint/2010/main" val="3830686391"/>
+        <p14:creationId xmlns:p14="http://schemas.microsoft.com/office/powerpoint/2010/main" val="2968595762"/>
       </p:ext>
     </p:extLst>
   </p:cSld>
@@ -15038,7 +15047,7 @@
           <a:p>
             <a:r>
               <a:rPr lang="en-US" dirty="0"/>
-              <a:t>BUILDING THE MODEL</a:t>
+              <a:t>SEASONALITY</a:t>
             </a:r>
           </a:p>
         </p:txBody>
@@ -15066,155 +15075,35 @@
           <a:p>
             <a:r>
               <a:rPr lang="en-US" dirty="0"/>
-              <a:t>R</a:t>
-            </a:r>
-          </a:p>
-          <a:p>
-            <a:pPr marL="0" indent="0">
-              <a:buNone/>
-            </a:pPr>
-            <a:r>
-              <a:rPr lang="en-US" dirty="0">
-                <a:latin typeface="Courier New" panose="02070309020205020404" pitchFamily="49" charset="0"/>
-                <a:cs typeface="Courier New" panose="02070309020205020404" pitchFamily="49" charset="0"/>
-              </a:rPr>
-              <a:t>library(prophet)</a:t>
-            </a:r>
-          </a:p>
-          <a:p>
-            <a:pPr marL="0" indent="0">
-              <a:buNone/>
-            </a:pPr>
-            <a:r>
-              <a:rPr lang="en-US" dirty="0">
-                <a:latin typeface="Courier New" panose="02070309020205020404" pitchFamily="49" charset="0"/>
-                <a:cs typeface="Courier New" panose="02070309020205020404" pitchFamily="49" charset="0"/>
-              </a:rPr>
-              <a:t>prophet(</a:t>
-            </a:r>
-            <a:r>
-              <a:rPr lang="en-US" dirty="0" err="1">
-                <a:latin typeface="Courier New" panose="02070309020205020404" pitchFamily="49" charset="0"/>
-                <a:cs typeface="Courier New" panose="02070309020205020404" pitchFamily="49" charset="0"/>
-              </a:rPr>
-              <a:t>dataframe</a:t>
-            </a:r>
-            <a:r>
-              <a:rPr lang="en-US" dirty="0">
-                <a:latin typeface="Courier New" panose="02070309020205020404" pitchFamily="49" charset="0"/>
-                <a:cs typeface="Courier New" panose="02070309020205020404" pitchFamily="49" charset="0"/>
-              </a:rPr>
-              <a:t>, </a:t>
-            </a:r>
-            <a:r>
-              <a:rPr lang="en-US" dirty="0" err="1">
-                <a:latin typeface="Courier New" panose="02070309020205020404" pitchFamily="49" charset="0"/>
-                <a:cs typeface="Courier New" panose="02070309020205020404" pitchFamily="49" charset="0"/>
-              </a:rPr>
-              <a:t>yearly.seasonality</a:t>
-            </a:r>
-            <a:r>
-              <a:rPr lang="en-US" dirty="0">
-                <a:latin typeface="Courier New" panose="02070309020205020404" pitchFamily="49" charset="0"/>
-                <a:cs typeface="Courier New" panose="02070309020205020404" pitchFamily="49" charset="0"/>
-              </a:rPr>
-              <a:t>=TRUE, …)</a:t>
-            </a:r>
-          </a:p>
-          <a:p>
-            <a:r>
-              <a:rPr lang="en-US" dirty="0"/>
-              <a:t>Python</a:t>
-            </a:r>
-          </a:p>
-          <a:p>
-            <a:pPr marL="0" indent="0">
-              <a:buNone/>
-            </a:pPr>
-            <a:r>
-              <a:rPr lang="en-US" dirty="0">
-                <a:latin typeface="Courier New" panose="02070309020205020404" pitchFamily="49" charset="0"/>
-                <a:cs typeface="Courier New" panose="02070309020205020404" pitchFamily="49" charset="0"/>
-              </a:rPr>
-              <a:t>import </a:t>
-            </a:r>
-            <a:r>
-              <a:rPr lang="en-US" dirty="0" err="1">
-                <a:latin typeface="Courier New" panose="02070309020205020404" pitchFamily="49" charset="0"/>
-                <a:cs typeface="Courier New" panose="02070309020205020404" pitchFamily="49" charset="0"/>
-              </a:rPr>
-              <a:t>fbprophet</a:t>
-            </a:r>
-            <a:endParaRPr lang="en-US" dirty="0">
-              <a:latin typeface="Courier New" panose="02070309020205020404" pitchFamily="49" charset="0"/>
-              <a:cs typeface="Courier New" panose="02070309020205020404" pitchFamily="49" charset="0"/>
-            </a:endParaRPr>
-          </a:p>
-          <a:p>
-            <a:pPr marL="0" indent="0">
-              <a:buNone/>
-            </a:pPr>
-            <a:r>
-              <a:rPr lang="en-US" dirty="0" err="1">
-                <a:latin typeface="Courier New" panose="02070309020205020404" pitchFamily="49" charset="0"/>
-                <a:cs typeface="Courier New" panose="02070309020205020404" pitchFamily="49" charset="0"/>
-              </a:rPr>
-              <a:t>fbprophet.Prophet</a:t>
-            </a:r>
-            <a:r>
-              <a:rPr lang="en-US" dirty="0">
-                <a:latin typeface="Courier New" panose="02070309020205020404" pitchFamily="49" charset="0"/>
-                <a:cs typeface="Courier New" panose="02070309020205020404" pitchFamily="49" charset="0"/>
-              </a:rPr>
-              <a:t>(</a:t>
-            </a:r>
-            <a:r>
-              <a:rPr lang="en-US" dirty="0" err="1">
-                <a:latin typeface="Courier New" panose="02070309020205020404" pitchFamily="49" charset="0"/>
-                <a:cs typeface="Courier New" panose="02070309020205020404" pitchFamily="49" charset="0"/>
-              </a:rPr>
-              <a:t>dataframe</a:t>
-            </a:r>
-            <a:r>
-              <a:rPr lang="en-US" dirty="0">
-                <a:latin typeface="Courier New" panose="02070309020205020404" pitchFamily="49" charset="0"/>
-                <a:cs typeface="Courier New" panose="02070309020205020404" pitchFamily="49" charset="0"/>
-              </a:rPr>
-              <a:t>,</a:t>
-            </a:r>
-          </a:p>
-          <a:p>
-            <a:pPr marL="0" indent="0">
-              <a:buNone/>
-            </a:pPr>
-            <a:r>
-              <a:rPr lang="en-US" dirty="0">
-                <a:latin typeface="Courier New" panose="02070309020205020404" pitchFamily="49" charset="0"/>
-                <a:cs typeface="Courier New" panose="02070309020205020404" pitchFamily="49" charset="0"/>
-              </a:rPr>
-              <a:t>    </a:t>
-            </a:r>
-            <a:r>
-              <a:rPr lang="en-US" dirty="0" err="1">
-                <a:latin typeface="Courier New" panose="02070309020205020404" pitchFamily="49" charset="0"/>
-                <a:cs typeface="Courier New" panose="02070309020205020404" pitchFamily="49" charset="0"/>
-              </a:rPr>
-              <a:t>yearly_seasonality</a:t>
-            </a:r>
-            <a:r>
-              <a:rPr lang="en-US" dirty="0">
-                <a:latin typeface="Courier New" panose="02070309020205020404" pitchFamily="49" charset="0"/>
-                <a:cs typeface="Courier New" panose="02070309020205020404" pitchFamily="49" charset="0"/>
-              </a:rPr>
-              <a:t>=TRUE, …)</a:t>
-            </a:r>
-            <a:endParaRPr lang="en-US" dirty="0"/>
-          </a:p>
-          <a:p>
-            <a:endParaRPr lang="en-US" dirty="0"/>
-          </a:p>
-          <a:p>
-            <a:endParaRPr lang="en-US" dirty="0"/>
+              <a:t>The cyclic components we noted earlier</a:t>
+            </a:r>
+          </a:p>
+          <a:p>
+            <a:pPr lvl="1"/>
+            <a:r>
+              <a:rPr lang="en-US" dirty="0"/>
+              <a:t>Do things repeat every day? week? hour?</a:t>
+            </a:r>
+          </a:p>
+          <a:p>
+            <a:r>
+              <a:rPr lang="en-US" dirty="0"/>
+              <a:t>Extremely easy to deal with in prophet</a:t>
+            </a:r>
+          </a:p>
+          <a:p>
+            <a:r>
+              <a:rPr lang="en-US" dirty="0"/>
+              <a:t>Just enable the </a:t>
+            </a:r>
+            <a:r>
+              <a:rPr lang="en-US" dirty="0" err="1"/>
+              <a:t>seasonalities</a:t>
+            </a:r>
+            <a:r>
+              <a:rPr lang="en-US" dirty="0"/>
+              <a:t> in the modeling call</a:t>
+            </a:r>
           </a:p>
         </p:txBody>
       </p:sp>
@@ -15336,7 +15225,7 @@
     </p:spTree>
     <p:extLst>
       <p:ext uri="{BB962C8B-B14F-4D97-AF65-F5344CB8AC3E}">
-        <p14:creationId xmlns:p14="http://schemas.microsoft.com/office/powerpoint/2010/main" val="2826592526"/>
+        <p14:creationId xmlns:p14="http://schemas.microsoft.com/office/powerpoint/2010/main" val="2100874092"/>
       </p:ext>
     </p:extLst>
   </p:cSld>
@@ -15365,10 +15254,10 @@
       </p:grpSpPr>
       <p:sp>
         <p:nvSpPr>
-          <p:cNvPr id="2" name="Title 1">
-            <a:extLst>
-              <a:ext uri="{FF2B5EF4-FFF2-40B4-BE49-F238E27FC236}">
-                <a16:creationId xmlns:a16="http://schemas.microsoft.com/office/drawing/2014/main" id="{D1BF0482-6913-4A5E-A533-479864CB5349}"/>
+          <p:cNvPr id="7" name="Title 6">
+            <a:extLst>
+              <a:ext uri="{FF2B5EF4-FFF2-40B4-BE49-F238E27FC236}">
+                <a16:creationId xmlns:a16="http://schemas.microsoft.com/office/drawing/2014/main" id="{75C0DCD3-95F8-4E1F-BF1A-5FAAB84A40A3}"/>
               </a:ext>
             </a:extLst>
           </p:cNvPr>
@@ -15386,8 +15275,61 @@
           <a:p>
             <a:r>
               <a:rPr lang="en-US" dirty="0"/>
-              <a:t>A PROPHET MODEL</a:t>
-            </a:r>
+              <a:t>SOME ANNOYING CONVENTIONS</a:t>
+            </a:r>
+          </a:p>
+        </p:txBody>
+      </p:sp>
+      <p:sp>
+        <p:nvSpPr>
+          <p:cNvPr id="8" name="Content Placeholder 7">
+            <a:extLst>
+              <a:ext uri="{FF2B5EF4-FFF2-40B4-BE49-F238E27FC236}">
+                <a16:creationId xmlns:a16="http://schemas.microsoft.com/office/drawing/2014/main" id="{52BB1FAB-BB61-4B66-A4EA-A0EABC2B3ECA}"/>
+              </a:ext>
+            </a:extLst>
+          </p:cNvPr>
+          <p:cNvSpPr>
+            <a:spLocks noGrp="1"/>
+          </p:cNvSpPr>
+          <p:nvPr>
+            <p:ph idx="1"/>
+          </p:nvPr>
+        </p:nvSpPr>
+        <p:spPr/>
+        <p:txBody>
+          <a:bodyPr/>
+          <a:lstStyle/>
+          <a:p>
+            <a:r>
+              <a:rPr lang="en-US" dirty="0"/>
+              <a:t>Prophet requires that your data be arranged in a very specific way</a:t>
+            </a:r>
+          </a:p>
+          <a:p>
+            <a:pPr lvl="1"/>
+            <a:r>
+              <a:rPr lang="en-US" dirty="0"/>
+              <a:t>ARIMA doesn’t</a:t>
+            </a:r>
+          </a:p>
+          <a:p>
+            <a:r>
+              <a:rPr lang="en-US" dirty="0"/>
+              <a:t>Rename your date column to ‘ds’ and convert it to a datetime format</a:t>
+            </a:r>
+          </a:p>
+          <a:p>
+            <a:r>
+              <a:rPr lang="en-US" dirty="0"/>
+              <a:t>Rename the variable you want to model to ‘y’</a:t>
+            </a:r>
+          </a:p>
+          <a:p>
+            <a:endParaRPr lang="en-US" dirty="0"/>
+          </a:p>
+          <a:p>
+            <a:endParaRPr lang="en-US" dirty="0"/>
           </a:p>
         </p:txBody>
       </p:sp>
@@ -15396,7 +15338,7 @@
           <p:cNvPr id="4" name="Date Placeholder 3">
             <a:extLst>
               <a:ext uri="{FF2B5EF4-FFF2-40B4-BE49-F238E27FC236}">
-                <a16:creationId xmlns:a16="http://schemas.microsoft.com/office/drawing/2014/main" id="{B23DAF35-209C-48FA-AAAB-F69E14183A91}"/>
+                <a16:creationId xmlns:a16="http://schemas.microsoft.com/office/drawing/2014/main" id="{02256D86-7CE0-416E-B2A3-402D20EE9E90}"/>
               </a:ext>
             </a:extLst>
           </p:cNvPr>
@@ -15412,7 +15354,7 @@
           <a:bodyPr/>
           <a:lstStyle/>
           <a:p>
-            <a:fld id="{8AAE40A0-A7D8-4DC3-BC9E-BADA32DA2004}" type="datetime4">
+            <a:fld id="{B08FEED8-D7D4-44E9-BFBC-ED06B5996D94}" type="datetime4">
               <a:rPr lang="en-US" smtClean="0"/>
               <a:t>July 30, 2019</a:t>
             </a:fld>
@@ -15425,7 +15367,7 @@
           <p:cNvPr id="5" name="Footer Placeholder 4">
             <a:extLst>
               <a:ext uri="{FF2B5EF4-FFF2-40B4-BE49-F238E27FC236}">
-                <a16:creationId xmlns:a16="http://schemas.microsoft.com/office/drawing/2014/main" id="{3D8E22A6-180D-41CF-9959-4347A11F2AD1}"/>
+                <a16:creationId xmlns:a16="http://schemas.microsoft.com/office/drawing/2014/main" id="{1D4ED112-7CF4-4BB9-B46E-B366A5054A9A}"/>
               </a:ext>
             </a:extLst>
           </p:cNvPr>
@@ -15482,7 +15424,7 @@
           <p:cNvPr id="6" name="Slide Number Placeholder 5">
             <a:extLst>
               <a:ext uri="{FF2B5EF4-FFF2-40B4-BE49-F238E27FC236}">
-                <a16:creationId xmlns:a16="http://schemas.microsoft.com/office/drawing/2014/main" id="{CECE3146-0C2B-4CC7-BC7C-FD23AAF7ECAE}"/>
+                <a16:creationId xmlns:a16="http://schemas.microsoft.com/office/drawing/2014/main" id="{8CC75551-85BF-4C9F-8893-AA28ECA8A6B5}"/>
               </a:ext>
             </a:extLst>
           </p:cNvPr>
@@ -15501,6 +15443,527 @@
             <a:fld id="{D57F1E4F-1CFF-5643-939E-02111984F565}" type="slidenum">
               <a:rPr lang="en-US" smtClean="0"/>
               <a:t>54</a:t>
+            </a:fld>
+            <a:endParaRPr lang="en-US" dirty="0"/>
+          </a:p>
+        </p:txBody>
+      </p:sp>
+    </p:spTree>
+    <p:extLst>
+      <p:ext uri="{BB962C8B-B14F-4D97-AF65-F5344CB8AC3E}">
+        <p14:creationId xmlns:p14="http://schemas.microsoft.com/office/powerpoint/2010/main" val="3830686391"/>
+      </p:ext>
+    </p:extLst>
+  </p:cSld>
+  <p:clrMapOvr>
+    <a:masterClrMapping/>
+  </p:clrMapOvr>
+</p:sld>
+</file>
+
+<file path=ppt/slides/slide55.xml><?xml version="1.0" encoding="utf-8"?>
+<p:sld xmlns:a="http://schemas.openxmlformats.org/drawingml/2006/main" xmlns:r="http://schemas.openxmlformats.org/officeDocument/2006/relationships" xmlns:p="http://schemas.openxmlformats.org/presentationml/2006/main">
+  <p:cSld>
+    <p:spTree>
+      <p:nvGrpSpPr>
+        <p:cNvPr id="1" name=""/>
+        <p:cNvGrpSpPr/>
+        <p:nvPr/>
+      </p:nvGrpSpPr>
+      <p:grpSpPr>
+        <a:xfrm>
+          <a:off x="0" y="0"/>
+          <a:ext cx="0" cy="0"/>
+          <a:chOff x="0" y="0"/>
+          <a:chExt cx="0" cy="0"/>
+        </a:xfrm>
+      </p:grpSpPr>
+      <p:sp>
+        <p:nvSpPr>
+          <p:cNvPr id="7" name="Title 6">
+            <a:extLst>
+              <a:ext uri="{FF2B5EF4-FFF2-40B4-BE49-F238E27FC236}">
+                <a16:creationId xmlns:a16="http://schemas.microsoft.com/office/drawing/2014/main" id="{75C0DCD3-95F8-4E1F-BF1A-5FAAB84A40A3}"/>
+              </a:ext>
+            </a:extLst>
+          </p:cNvPr>
+          <p:cNvSpPr>
+            <a:spLocks noGrp="1"/>
+          </p:cNvSpPr>
+          <p:nvPr>
+            <p:ph type="title"/>
+          </p:nvPr>
+        </p:nvSpPr>
+        <p:spPr/>
+        <p:txBody>
+          <a:bodyPr/>
+          <a:lstStyle/>
+          <a:p>
+            <a:r>
+              <a:rPr lang="en-US" dirty="0"/>
+              <a:t>BUILDING THE MODEL</a:t>
+            </a:r>
+          </a:p>
+        </p:txBody>
+      </p:sp>
+      <p:sp>
+        <p:nvSpPr>
+          <p:cNvPr id="8" name="Content Placeholder 7">
+            <a:extLst>
+              <a:ext uri="{FF2B5EF4-FFF2-40B4-BE49-F238E27FC236}">
+                <a16:creationId xmlns:a16="http://schemas.microsoft.com/office/drawing/2014/main" id="{52BB1FAB-BB61-4B66-A4EA-A0EABC2B3ECA}"/>
+              </a:ext>
+            </a:extLst>
+          </p:cNvPr>
+          <p:cNvSpPr>
+            <a:spLocks noGrp="1"/>
+          </p:cNvSpPr>
+          <p:nvPr>
+            <p:ph idx="1"/>
+          </p:nvPr>
+        </p:nvSpPr>
+        <p:spPr/>
+        <p:txBody>
+          <a:bodyPr/>
+          <a:lstStyle/>
+          <a:p>
+            <a:r>
+              <a:rPr lang="en-US" dirty="0"/>
+              <a:t>R</a:t>
+            </a:r>
+          </a:p>
+          <a:p>
+            <a:pPr marL="0" indent="0">
+              <a:buNone/>
+            </a:pPr>
+            <a:r>
+              <a:rPr lang="en-US" dirty="0">
+                <a:latin typeface="Courier New" panose="02070309020205020404" pitchFamily="49" charset="0"/>
+                <a:cs typeface="Courier New" panose="02070309020205020404" pitchFamily="49" charset="0"/>
+              </a:rPr>
+              <a:t>library(prophet)</a:t>
+            </a:r>
+          </a:p>
+          <a:p>
+            <a:pPr marL="0" indent="0">
+              <a:buNone/>
+            </a:pPr>
+            <a:r>
+              <a:rPr lang="en-US" dirty="0">
+                <a:latin typeface="Courier New" panose="02070309020205020404" pitchFamily="49" charset="0"/>
+                <a:cs typeface="Courier New" panose="02070309020205020404" pitchFamily="49" charset="0"/>
+              </a:rPr>
+              <a:t>prophet(</a:t>
+            </a:r>
+            <a:r>
+              <a:rPr lang="en-US" dirty="0" err="1">
+                <a:latin typeface="Courier New" panose="02070309020205020404" pitchFamily="49" charset="0"/>
+                <a:cs typeface="Courier New" panose="02070309020205020404" pitchFamily="49" charset="0"/>
+              </a:rPr>
+              <a:t>dataframe</a:t>
+            </a:r>
+            <a:r>
+              <a:rPr lang="en-US" dirty="0">
+                <a:latin typeface="Courier New" panose="02070309020205020404" pitchFamily="49" charset="0"/>
+                <a:cs typeface="Courier New" panose="02070309020205020404" pitchFamily="49" charset="0"/>
+              </a:rPr>
+              <a:t>, </a:t>
+            </a:r>
+            <a:r>
+              <a:rPr lang="en-US" dirty="0" err="1">
+                <a:latin typeface="Courier New" panose="02070309020205020404" pitchFamily="49" charset="0"/>
+                <a:cs typeface="Courier New" panose="02070309020205020404" pitchFamily="49" charset="0"/>
+              </a:rPr>
+              <a:t>yearly.seasonality</a:t>
+            </a:r>
+            <a:r>
+              <a:rPr lang="en-US" dirty="0">
+                <a:latin typeface="Courier New" panose="02070309020205020404" pitchFamily="49" charset="0"/>
+                <a:cs typeface="Courier New" panose="02070309020205020404" pitchFamily="49" charset="0"/>
+              </a:rPr>
+              <a:t>=TRUE, …)</a:t>
+            </a:r>
+          </a:p>
+          <a:p>
+            <a:r>
+              <a:rPr lang="en-US" dirty="0"/>
+              <a:t>Python</a:t>
+            </a:r>
+          </a:p>
+          <a:p>
+            <a:pPr marL="0" indent="0">
+              <a:buNone/>
+            </a:pPr>
+            <a:r>
+              <a:rPr lang="en-US" dirty="0">
+                <a:latin typeface="Courier New" panose="02070309020205020404" pitchFamily="49" charset="0"/>
+                <a:cs typeface="Courier New" panose="02070309020205020404" pitchFamily="49" charset="0"/>
+              </a:rPr>
+              <a:t>import </a:t>
+            </a:r>
+            <a:r>
+              <a:rPr lang="en-US" dirty="0" err="1">
+                <a:latin typeface="Courier New" panose="02070309020205020404" pitchFamily="49" charset="0"/>
+                <a:cs typeface="Courier New" panose="02070309020205020404" pitchFamily="49" charset="0"/>
+              </a:rPr>
+              <a:t>fbprophet</a:t>
+            </a:r>
+            <a:endParaRPr lang="en-US" dirty="0">
+              <a:latin typeface="Courier New" panose="02070309020205020404" pitchFamily="49" charset="0"/>
+              <a:cs typeface="Courier New" panose="02070309020205020404" pitchFamily="49" charset="0"/>
+            </a:endParaRPr>
+          </a:p>
+          <a:p>
+            <a:pPr marL="0" indent="0">
+              <a:buNone/>
+            </a:pPr>
+            <a:r>
+              <a:rPr lang="en-US" dirty="0" err="1">
+                <a:latin typeface="Courier New" panose="02070309020205020404" pitchFamily="49" charset="0"/>
+                <a:cs typeface="Courier New" panose="02070309020205020404" pitchFamily="49" charset="0"/>
+              </a:rPr>
+              <a:t>fbprophet.Prophet</a:t>
+            </a:r>
+            <a:r>
+              <a:rPr lang="en-US" dirty="0">
+                <a:latin typeface="Courier New" panose="02070309020205020404" pitchFamily="49" charset="0"/>
+                <a:cs typeface="Courier New" panose="02070309020205020404" pitchFamily="49" charset="0"/>
+              </a:rPr>
+              <a:t>(</a:t>
+            </a:r>
+            <a:r>
+              <a:rPr lang="en-US" dirty="0" err="1">
+                <a:latin typeface="Courier New" panose="02070309020205020404" pitchFamily="49" charset="0"/>
+                <a:cs typeface="Courier New" panose="02070309020205020404" pitchFamily="49" charset="0"/>
+              </a:rPr>
+              <a:t>dataframe</a:t>
+            </a:r>
+            <a:r>
+              <a:rPr lang="en-US" dirty="0">
+                <a:latin typeface="Courier New" panose="02070309020205020404" pitchFamily="49" charset="0"/>
+                <a:cs typeface="Courier New" panose="02070309020205020404" pitchFamily="49" charset="0"/>
+              </a:rPr>
+              <a:t>,</a:t>
+            </a:r>
+          </a:p>
+          <a:p>
+            <a:pPr marL="0" indent="0">
+              <a:buNone/>
+            </a:pPr>
+            <a:r>
+              <a:rPr lang="en-US" dirty="0">
+                <a:latin typeface="Courier New" panose="02070309020205020404" pitchFamily="49" charset="0"/>
+                <a:cs typeface="Courier New" panose="02070309020205020404" pitchFamily="49" charset="0"/>
+              </a:rPr>
+              <a:t>    </a:t>
+            </a:r>
+            <a:r>
+              <a:rPr lang="en-US" dirty="0" err="1">
+                <a:latin typeface="Courier New" panose="02070309020205020404" pitchFamily="49" charset="0"/>
+                <a:cs typeface="Courier New" panose="02070309020205020404" pitchFamily="49" charset="0"/>
+              </a:rPr>
+              <a:t>yearly_seasonality</a:t>
+            </a:r>
+            <a:r>
+              <a:rPr lang="en-US" dirty="0">
+                <a:latin typeface="Courier New" panose="02070309020205020404" pitchFamily="49" charset="0"/>
+                <a:cs typeface="Courier New" panose="02070309020205020404" pitchFamily="49" charset="0"/>
+              </a:rPr>
+              <a:t>=TRUE, …)</a:t>
+            </a:r>
+            <a:endParaRPr lang="en-US" dirty="0"/>
+          </a:p>
+          <a:p>
+            <a:endParaRPr lang="en-US" dirty="0"/>
+          </a:p>
+          <a:p>
+            <a:endParaRPr lang="en-US" dirty="0"/>
+          </a:p>
+        </p:txBody>
+      </p:sp>
+      <p:sp>
+        <p:nvSpPr>
+          <p:cNvPr id="4" name="Date Placeholder 3">
+            <a:extLst>
+              <a:ext uri="{FF2B5EF4-FFF2-40B4-BE49-F238E27FC236}">
+                <a16:creationId xmlns:a16="http://schemas.microsoft.com/office/drawing/2014/main" id="{02256D86-7CE0-416E-B2A3-402D20EE9E90}"/>
+              </a:ext>
+            </a:extLst>
+          </p:cNvPr>
+          <p:cNvSpPr>
+            <a:spLocks noGrp="1"/>
+          </p:cNvSpPr>
+          <p:nvPr>
+            <p:ph type="dt" sz="half" idx="10"/>
+          </p:nvPr>
+        </p:nvSpPr>
+        <p:spPr/>
+        <p:txBody>
+          <a:bodyPr/>
+          <a:lstStyle/>
+          <a:p>
+            <a:fld id="{B08FEED8-D7D4-44E9-BFBC-ED06B5996D94}" type="datetime4">
+              <a:rPr lang="en-US" smtClean="0"/>
+              <a:t>July 30, 2019</a:t>
+            </a:fld>
+            <a:endParaRPr lang="en-US" dirty="0"/>
+          </a:p>
+        </p:txBody>
+      </p:sp>
+      <p:sp>
+        <p:nvSpPr>
+          <p:cNvPr id="5" name="Footer Placeholder 4">
+            <a:extLst>
+              <a:ext uri="{FF2B5EF4-FFF2-40B4-BE49-F238E27FC236}">
+                <a16:creationId xmlns:a16="http://schemas.microsoft.com/office/drawing/2014/main" id="{1D4ED112-7CF4-4BB9-B46E-B366A5054A9A}"/>
+              </a:ext>
+            </a:extLst>
+          </p:cNvPr>
+          <p:cNvSpPr>
+            <a:spLocks noGrp="1"/>
+          </p:cNvSpPr>
+          <p:nvPr>
+            <p:ph type="ftr" sz="quarter" idx="11"/>
+          </p:nvPr>
+        </p:nvSpPr>
+        <p:spPr/>
+        <p:txBody>
+          <a:bodyPr/>
+          <a:lstStyle/>
+          <a:p>
+            <a:r>
+              <a:rPr lang="en-US"/>
+              <a:t>Digital Scholarship Services </a:t>
+            </a:r>
+            <a:r>
+              <a:rPr lang="en-US">
+                <a:solidFill>
+                  <a:schemeClr val="accent1">
+                    <a:lumMod val="50000"/>
+                  </a:schemeClr>
+                </a:solidFill>
+              </a:rPr>
+              <a:t>| Email</a:t>
+            </a:r>
+            <a:r>
+              <a:rPr lang="en-US"/>
+              <a:t> cf24@rice.edu </a:t>
+            </a:r>
+            <a:r>
+              <a:rPr lang="en-US">
+                <a:solidFill>
+                  <a:schemeClr val="accent1">
+                    <a:lumMod val="50000"/>
+                  </a:schemeClr>
+                </a:solidFill>
+              </a:rPr>
+              <a:t>|</a:t>
+            </a:r>
+            <a:r>
+              <a:rPr lang="en-US"/>
+              <a:t> library.rice.edu/dss</a:t>
+            </a:r>
+            <a:endParaRPr lang="en-US" dirty="0"/>
+          </a:p>
+        </p:txBody>
+      </p:sp>
+      <p:sp>
+        <p:nvSpPr>
+          <p:cNvPr id="6" name="Slide Number Placeholder 5">
+            <a:extLst>
+              <a:ext uri="{FF2B5EF4-FFF2-40B4-BE49-F238E27FC236}">
+                <a16:creationId xmlns:a16="http://schemas.microsoft.com/office/drawing/2014/main" id="{8CC75551-85BF-4C9F-8893-AA28ECA8A6B5}"/>
+              </a:ext>
+            </a:extLst>
+          </p:cNvPr>
+          <p:cNvSpPr>
+            <a:spLocks noGrp="1"/>
+          </p:cNvSpPr>
+          <p:nvPr>
+            <p:ph type="sldNum" sz="quarter" idx="12"/>
+          </p:nvPr>
+        </p:nvSpPr>
+        <p:spPr/>
+        <p:txBody>
+          <a:bodyPr/>
+          <a:lstStyle/>
+          <a:p>
+            <a:fld id="{D57F1E4F-1CFF-5643-939E-02111984F565}" type="slidenum">
+              <a:rPr lang="en-US" smtClean="0"/>
+              <a:t>55</a:t>
+            </a:fld>
+            <a:endParaRPr lang="en-US" dirty="0"/>
+          </a:p>
+        </p:txBody>
+      </p:sp>
+    </p:spTree>
+    <p:extLst>
+      <p:ext uri="{BB962C8B-B14F-4D97-AF65-F5344CB8AC3E}">
+        <p14:creationId xmlns:p14="http://schemas.microsoft.com/office/powerpoint/2010/main" val="2826592526"/>
+      </p:ext>
+    </p:extLst>
+  </p:cSld>
+  <p:clrMapOvr>
+    <a:masterClrMapping/>
+  </p:clrMapOvr>
+</p:sld>
+</file>
+
+<file path=ppt/slides/slide56.xml><?xml version="1.0" encoding="utf-8"?>
+<p:sld xmlns:a="http://schemas.openxmlformats.org/drawingml/2006/main" xmlns:r="http://schemas.openxmlformats.org/officeDocument/2006/relationships" xmlns:p="http://schemas.openxmlformats.org/presentationml/2006/main">
+  <p:cSld>
+    <p:spTree>
+      <p:nvGrpSpPr>
+        <p:cNvPr id="1" name=""/>
+        <p:cNvGrpSpPr/>
+        <p:nvPr/>
+      </p:nvGrpSpPr>
+      <p:grpSpPr>
+        <a:xfrm>
+          <a:off x="0" y="0"/>
+          <a:ext cx="0" cy="0"/>
+          <a:chOff x="0" y="0"/>
+          <a:chExt cx="0" cy="0"/>
+        </a:xfrm>
+      </p:grpSpPr>
+      <p:sp>
+        <p:nvSpPr>
+          <p:cNvPr id="2" name="Title 1">
+            <a:extLst>
+              <a:ext uri="{FF2B5EF4-FFF2-40B4-BE49-F238E27FC236}">
+                <a16:creationId xmlns:a16="http://schemas.microsoft.com/office/drawing/2014/main" id="{D1BF0482-6913-4A5E-A533-479864CB5349}"/>
+              </a:ext>
+            </a:extLst>
+          </p:cNvPr>
+          <p:cNvSpPr>
+            <a:spLocks noGrp="1"/>
+          </p:cNvSpPr>
+          <p:nvPr>
+            <p:ph type="title"/>
+          </p:nvPr>
+        </p:nvSpPr>
+        <p:spPr/>
+        <p:txBody>
+          <a:bodyPr/>
+          <a:lstStyle/>
+          <a:p>
+            <a:r>
+              <a:rPr lang="en-US" dirty="0"/>
+              <a:t>A PROPHET MODEL</a:t>
+            </a:r>
+          </a:p>
+        </p:txBody>
+      </p:sp>
+      <p:sp>
+        <p:nvSpPr>
+          <p:cNvPr id="4" name="Date Placeholder 3">
+            <a:extLst>
+              <a:ext uri="{FF2B5EF4-FFF2-40B4-BE49-F238E27FC236}">
+                <a16:creationId xmlns:a16="http://schemas.microsoft.com/office/drawing/2014/main" id="{B23DAF35-209C-48FA-AAAB-F69E14183A91}"/>
+              </a:ext>
+            </a:extLst>
+          </p:cNvPr>
+          <p:cNvSpPr>
+            <a:spLocks noGrp="1"/>
+          </p:cNvSpPr>
+          <p:nvPr>
+            <p:ph type="dt" sz="half" idx="10"/>
+          </p:nvPr>
+        </p:nvSpPr>
+        <p:spPr/>
+        <p:txBody>
+          <a:bodyPr/>
+          <a:lstStyle/>
+          <a:p>
+            <a:fld id="{8AAE40A0-A7D8-4DC3-BC9E-BADA32DA2004}" type="datetime4">
+              <a:rPr lang="en-US" smtClean="0"/>
+              <a:t>July 30, 2019</a:t>
+            </a:fld>
+            <a:endParaRPr lang="en-US" dirty="0"/>
+          </a:p>
+        </p:txBody>
+      </p:sp>
+      <p:sp>
+        <p:nvSpPr>
+          <p:cNvPr id="5" name="Footer Placeholder 4">
+            <a:extLst>
+              <a:ext uri="{FF2B5EF4-FFF2-40B4-BE49-F238E27FC236}">
+                <a16:creationId xmlns:a16="http://schemas.microsoft.com/office/drawing/2014/main" id="{3D8E22A6-180D-41CF-9959-4347A11F2AD1}"/>
+              </a:ext>
+            </a:extLst>
+          </p:cNvPr>
+          <p:cNvSpPr>
+            <a:spLocks noGrp="1"/>
+          </p:cNvSpPr>
+          <p:nvPr>
+            <p:ph type="ftr" sz="quarter" idx="11"/>
+          </p:nvPr>
+        </p:nvSpPr>
+        <p:spPr/>
+        <p:txBody>
+          <a:bodyPr/>
+          <a:lstStyle/>
+          <a:p>
+            <a:r>
+              <a:rPr lang="en-US"/>
+              <a:t>Digital Scholarship Services </a:t>
+            </a:r>
+            <a:r>
+              <a:rPr lang="en-US">
+                <a:solidFill>
+                  <a:schemeClr val="accent1">
+                    <a:lumMod val="50000"/>
+                  </a:schemeClr>
+                </a:solidFill>
+              </a:rPr>
+              <a:t>| Email</a:t>
+            </a:r>
+            <a:r>
+              <a:rPr lang="en-US"/>
+              <a:t> cf24@rice.edu </a:t>
+            </a:r>
+            <a:r>
+              <a:rPr lang="en-US">
+                <a:solidFill>
+                  <a:schemeClr val="accent1">
+                    <a:lumMod val="50000"/>
+                  </a:schemeClr>
+                </a:solidFill>
+              </a:rPr>
+              <a:t>|</a:t>
+            </a:r>
+            <a:r>
+              <a:rPr lang="en-US"/>
+              <a:t> library.rice.edu/dss</a:t>
+            </a:r>
+            <a:endParaRPr lang="en-US" dirty="0"/>
+          </a:p>
+        </p:txBody>
+      </p:sp>
+      <p:sp>
+        <p:nvSpPr>
+          <p:cNvPr id="6" name="Slide Number Placeholder 5">
+            <a:extLst>
+              <a:ext uri="{FF2B5EF4-FFF2-40B4-BE49-F238E27FC236}">
+                <a16:creationId xmlns:a16="http://schemas.microsoft.com/office/drawing/2014/main" id="{CECE3146-0C2B-4CC7-BC7C-FD23AAF7ECAE}"/>
+              </a:ext>
+            </a:extLst>
+          </p:cNvPr>
+          <p:cNvSpPr>
+            <a:spLocks noGrp="1"/>
+          </p:cNvSpPr>
+          <p:nvPr>
+            <p:ph type="sldNum" sz="quarter" idx="12"/>
+          </p:nvPr>
+        </p:nvSpPr>
+        <p:spPr/>
+        <p:txBody>
+          <a:bodyPr/>
+          <a:lstStyle/>
+          <a:p>
+            <a:fld id="{D57F1E4F-1CFF-5643-939E-02111984F565}" type="slidenum">
+              <a:rPr lang="en-US" smtClean="0"/>
+              <a:t>56</a:t>
             </a:fld>
             <a:endParaRPr lang="en-US" dirty="0"/>
           </a:p>
@@ -15600,7 +16063,7 @@
 </p:sld>
 </file>
 
-<file path=ppt/slides/slide55.xml><?xml version="1.0" encoding="utf-8"?>
+<file path=ppt/slides/slide57.xml><?xml version="1.0" encoding="utf-8"?>
 <p:sld xmlns:a="http://schemas.openxmlformats.org/drawingml/2006/main" xmlns:r="http://schemas.openxmlformats.org/officeDocument/2006/relationships" xmlns:p="http://schemas.openxmlformats.org/presentationml/2006/main">
   <p:cSld>
     <p:spTree>
@@ -15754,7 +16217,7 @@
           <a:p>
             <a:fld id="{D57F1E4F-1CFF-5643-939E-02111984F565}" type="slidenum">
               <a:rPr lang="en-US" smtClean="0"/>
-              <a:t>55</a:t>
+              <a:t>57</a:t>
             </a:fld>
             <a:endParaRPr lang="en-US" dirty="0"/>
           </a:p>
@@ -15902,463 +16365,6 @@
 </p:sld>
 </file>
 
-<file path=ppt/slides/slide56.xml><?xml version="1.0" encoding="utf-8"?>
-<p:sld xmlns:a="http://schemas.openxmlformats.org/drawingml/2006/main" xmlns:r="http://schemas.openxmlformats.org/officeDocument/2006/relationships" xmlns:p="http://schemas.openxmlformats.org/presentationml/2006/main">
-  <p:cSld>
-    <p:spTree>
-      <p:nvGrpSpPr>
-        <p:cNvPr id="1" name=""/>
-        <p:cNvGrpSpPr/>
-        <p:nvPr/>
-      </p:nvGrpSpPr>
-      <p:grpSpPr>
-        <a:xfrm>
-          <a:off x="0" y="0"/>
-          <a:ext cx="0" cy="0"/>
-          <a:chOff x="0" y="0"/>
-          <a:chExt cx="0" cy="0"/>
-        </a:xfrm>
-      </p:grpSpPr>
-      <p:sp>
-        <p:nvSpPr>
-          <p:cNvPr id="7" name="Title 6">
-            <a:extLst>
-              <a:ext uri="{FF2B5EF4-FFF2-40B4-BE49-F238E27FC236}">
-                <a16:creationId xmlns:a16="http://schemas.microsoft.com/office/drawing/2014/main" id="{7802FB34-7510-47BC-8952-A1FE9728B0BF}"/>
-              </a:ext>
-            </a:extLst>
-          </p:cNvPr>
-          <p:cNvSpPr>
-            <a:spLocks noGrp="1"/>
-          </p:cNvSpPr>
-          <p:nvPr>
-            <p:ph type="title"/>
-          </p:nvPr>
-        </p:nvSpPr>
-        <p:spPr/>
-        <p:txBody>
-          <a:bodyPr/>
-          <a:lstStyle/>
-          <a:p>
-            <a:r>
-              <a:rPr lang="en-US" dirty="0"/>
-              <a:t>NEURAL NETWORK</a:t>
-            </a:r>
-            <a:br>
-              <a:rPr lang="en-US" dirty="0"/>
-            </a:br>
-            <a:r>
-              <a:rPr lang="en-US" dirty="0"/>
-              <a:t>APPROACHES</a:t>
-            </a:r>
-          </a:p>
-        </p:txBody>
-      </p:sp>
-      <p:sp>
-        <p:nvSpPr>
-          <p:cNvPr id="8" name="Text Placeholder 7">
-            <a:extLst>
-              <a:ext uri="{FF2B5EF4-FFF2-40B4-BE49-F238E27FC236}">
-                <a16:creationId xmlns:a16="http://schemas.microsoft.com/office/drawing/2014/main" id="{FCA70F1A-579E-4144-AE97-14FFC08FF0F5}"/>
-              </a:ext>
-            </a:extLst>
-          </p:cNvPr>
-          <p:cNvSpPr>
-            <a:spLocks noGrp="1"/>
-          </p:cNvSpPr>
-          <p:nvPr>
-            <p:ph type="body" idx="1"/>
-          </p:nvPr>
-        </p:nvSpPr>
-        <p:spPr/>
-        <p:txBody>
-          <a:bodyPr/>
-          <a:lstStyle/>
-          <a:p>
-            <a:r>
-              <a:rPr lang="en-US" dirty="0"/>
-              <a:t>Breaking out the big guns</a:t>
-            </a:r>
-          </a:p>
-        </p:txBody>
-      </p:sp>
-      <p:sp>
-        <p:nvSpPr>
-          <p:cNvPr id="4" name="Date Placeholder 3">
-            <a:extLst>
-              <a:ext uri="{FF2B5EF4-FFF2-40B4-BE49-F238E27FC236}">
-                <a16:creationId xmlns:a16="http://schemas.microsoft.com/office/drawing/2014/main" id="{3AD929EF-0967-4B34-81B8-24D9EF91892E}"/>
-              </a:ext>
-            </a:extLst>
-          </p:cNvPr>
-          <p:cNvSpPr>
-            <a:spLocks noGrp="1"/>
-          </p:cNvSpPr>
-          <p:nvPr>
-            <p:ph type="dt" sz="half" idx="10"/>
-          </p:nvPr>
-        </p:nvSpPr>
-        <p:spPr/>
-        <p:txBody>
-          <a:bodyPr/>
-          <a:lstStyle/>
-          <a:p>
-            <a:fld id="{8AAE40A0-A7D8-4DC3-BC9E-BADA32DA2004}" type="datetime4">
-              <a:rPr lang="en-US" smtClean="0"/>
-              <a:t>July 30, 2019</a:t>
-            </a:fld>
-            <a:endParaRPr lang="en-US" dirty="0"/>
-          </a:p>
-        </p:txBody>
-      </p:sp>
-      <p:sp>
-        <p:nvSpPr>
-          <p:cNvPr id="5" name="Footer Placeholder 4">
-            <a:extLst>
-              <a:ext uri="{FF2B5EF4-FFF2-40B4-BE49-F238E27FC236}">
-                <a16:creationId xmlns:a16="http://schemas.microsoft.com/office/drawing/2014/main" id="{3B5B35DD-F2EA-40D3-8039-8CD3802B2612}"/>
-              </a:ext>
-            </a:extLst>
-          </p:cNvPr>
-          <p:cNvSpPr>
-            <a:spLocks noGrp="1"/>
-          </p:cNvSpPr>
-          <p:nvPr>
-            <p:ph type="ftr" sz="quarter" idx="11"/>
-          </p:nvPr>
-        </p:nvSpPr>
-        <p:spPr/>
-        <p:txBody>
-          <a:bodyPr/>
-          <a:lstStyle/>
-          <a:p>
-            <a:r>
-              <a:rPr lang="en-US"/>
-              <a:t>Digital Scholarship Services </a:t>
-            </a:r>
-            <a:r>
-              <a:rPr lang="en-US">
-                <a:solidFill>
-                  <a:schemeClr val="accent1">
-                    <a:lumMod val="50000"/>
-                  </a:schemeClr>
-                </a:solidFill>
-              </a:rPr>
-              <a:t>| Email</a:t>
-            </a:r>
-            <a:r>
-              <a:rPr lang="en-US"/>
-              <a:t> cf24@rice.edu </a:t>
-            </a:r>
-            <a:r>
-              <a:rPr lang="en-US">
-                <a:solidFill>
-                  <a:schemeClr val="accent1">
-                    <a:lumMod val="50000"/>
-                  </a:schemeClr>
-                </a:solidFill>
-              </a:rPr>
-              <a:t>|</a:t>
-            </a:r>
-            <a:r>
-              <a:rPr lang="en-US"/>
-              <a:t> library.rice.edu/dss</a:t>
-            </a:r>
-            <a:endParaRPr lang="en-US" dirty="0"/>
-          </a:p>
-        </p:txBody>
-      </p:sp>
-      <p:sp>
-        <p:nvSpPr>
-          <p:cNvPr id="6" name="Slide Number Placeholder 5">
-            <a:extLst>
-              <a:ext uri="{FF2B5EF4-FFF2-40B4-BE49-F238E27FC236}">
-                <a16:creationId xmlns:a16="http://schemas.microsoft.com/office/drawing/2014/main" id="{C3EB9A57-323C-47F5-867F-693F95A15FA4}"/>
-              </a:ext>
-            </a:extLst>
-          </p:cNvPr>
-          <p:cNvSpPr>
-            <a:spLocks noGrp="1"/>
-          </p:cNvSpPr>
-          <p:nvPr>
-            <p:ph type="sldNum" sz="quarter" idx="12"/>
-          </p:nvPr>
-        </p:nvSpPr>
-        <p:spPr/>
-        <p:txBody>
-          <a:bodyPr/>
-          <a:lstStyle/>
-          <a:p>
-            <a:fld id="{D57F1E4F-1CFF-5643-939E-02111984F565}" type="slidenum">
-              <a:rPr lang="en-US" smtClean="0"/>
-              <a:t>56</a:t>
-            </a:fld>
-            <a:endParaRPr lang="en-US" dirty="0"/>
-          </a:p>
-        </p:txBody>
-      </p:sp>
-    </p:spTree>
-    <p:extLst>
-      <p:ext uri="{BB962C8B-B14F-4D97-AF65-F5344CB8AC3E}">
-        <p14:creationId xmlns:p14="http://schemas.microsoft.com/office/powerpoint/2010/main" val="1442732517"/>
-      </p:ext>
-    </p:extLst>
-  </p:cSld>
-  <p:clrMapOvr>
-    <a:masterClrMapping/>
-  </p:clrMapOvr>
-</p:sld>
-</file>
-
-<file path=ppt/slides/slide57.xml><?xml version="1.0" encoding="utf-8"?>
-<p:sld xmlns:a="http://schemas.openxmlformats.org/drawingml/2006/main" xmlns:r="http://schemas.openxmlformats.org/officeDocument/2006/relationships" xmlns:p="http://schemas.openxmlformats.org/presentationml/2006/main">
-  <p:cSld>
-    <p:spTree>
-      <p:nvGrpSpPr>
-        <p:cNvPr id="1" name=""/>
-        <p:cNvGrpSpPr/>
-        <p:nvPr/>
-      </p:nvGrpSpPr>
-      <p:grpSpPr>
-        <a:xfrm>
-          <a:off x="0" y="0"/>
-          <a:ext cx="0" cy="0"/>
-          <a:chOff x="0" y="0"/>
-          <a:chExt cx="0" cy="0"/>
-        </a:xfrm>
-      </p:grpSpPr>
-      <p:sp>
-        <p:nvSpPr>
-          <p:cNvPr id="7" name="Title 6">
-            <a:extLst>
-              <a:ext uri="{FF2B5EF4-FFF2-40B4-BE49-F238E27FC236}">
-                <a16:creationId xmlns:a16="http://schemas.microsoft.com/office/drawing/2014/main" id="{75C0DCD3-95F8-4E1F-BF1A-5FAAB84A40A3}"/>
-              </a:ext>
-            </a:extLst>
-          </p:cNvPr>
-          <p:cNvSpPr>
-            <a:spLocks noGrp="1"/>
-          </p:cNvSpPr>
-          <p:nvPr>
-            <p:ph type="title"/>
-          </p:nvPr>
-        </p:nvSpPr>
-        <p:spPr/>
-        <p:txBody>
-          <a:bodyPr/>
-          <a:lstStyle/>
-          <a:p>
-            <a:r>
-              <a:rPr lang="en-US" dirty="0"/>
-              <a:t>NEURAL NETWORK MODELS</a:t>
-            </a:r>
-          </a:p>
-        </p:txBody>
-      </p:sp>
-      <p:sp>
-        <p:nvSpPr>
-          <p:cNvPr id="8" name="Content Placeholder 7">
-            <a:extLst>
-              <a:ext uri="{FF2B5EF4-FFF2-40B4-BE49-F238E27FC236}">
-                <a16:creationId xmlns:a16="http://schemas.microsoft.com/office/drawing/2014/main" id="{52BB1FAB-BB61-4B66-A4EA-A0EABC2B3ECA}"/>
-              </a:ext>
-            </a:extLst>
-          </p:cNvPr>
-          <p:cNvSpPr>
-            <a:spLocks noGrp="1"/>
-          </p:cNvSpPr>
-          <p:nvPr>
-            <p:ph idx="1"/>
-          </p:nvPr>
-        </p:nvSpPr>
-        <p:spPr/>
-        <p:txBody>
-          <a:bodyPr>
-            <a:normAutofit/>
-          </a:bodyPr>
-          <a:lstStyle/>
-          <a:p>
-            <a:r>
-              <a:rPr lang="en-US" dirty="0"/>
-              <a:t>Incomprehensible but extremely powerful</a:t>
-            </a:r>
-          </a:p>
-          <a:p>
-            <a:r>
-              <a:rPr lang="en-US" dirty="0"/>
-              <a:t>Pros:</a:t>
-            </a:r>
-          </a:p>
-          <a:p>
-            <a:pPr lvl="1"/>
-            <a:r>
-              <a:rPr lang="en-US" dirty="0"/>
-              <a:t>Often extremely accurate</a:t>
-            </a:r>
-          </a:p>
-          <a:p>
-            <a:r>
-              <a:rPr lang="en-US" dirty="0"/>
-              <a:t>Cons:</a:t>
-            </a:r>
-          </a:p>
-          <a:p>
-            <a:pPr lvl="1"/>
-            <a:r>
-              <a:rPr lang="en-US" dirty="0"/>
-              <a:t>More or less impossible to understand what any of the parameters mean</a:t>
-            </a:r>
-          </a:p>
-          <a:p>
-            <a:pPr lvl="1"/>
-            <a:r>
-              <a:rPr lang="en-US" dirty="0"/>
-              <a:t>Can take a very long time to train the model (can be days)</a:t>
-            </a:r>
-          </a:p>
-          <a:p>
-            <a:pPr lvl="1"/>
-            <a:r>
-              <a:rPr lang="en-US" dirty="0"/>
-              <a:t>Lots of moving parts and things that can go wrong</a:t>
-            </a:r>
-          </a:p>
-          <a:p>
-            <a:r>
-              <a:rPr lang="en-US" dirty="0"/>
-              <a:t>But depending on the problem, that one pro may outweigh all the cons</a:t>
-            </a:r>
-          </a:p>
-        </p:txBody>
-      </p:sp>
-      <p:sp>
-        <p:nvSpPr>
-          <p:cNvPr id="4" name="Date Placeholder 3">
-            <a:extLst>
-              <a:ext uri="{FF2B5EF4-FFF2-40B4-BE49-F238E27FC236}">
-                <a16:creationId xmlns:a16="http://schemas.microsoft.com/office/drawing/2014/main" id="{02256D86-7CE0-416E-B2A3-402D20EE9E90}"/>
-              </a:ext>
-            </a:extLst>
-          </p:cNvPr>
-          <p:cNvSpPr>
-            <a:spLocks noGrp="1"/>
-          </p:cNvSpPr>
-          <p:nvPr>
-            <p:ph type="dt" sz="half" idx="10"/>
-          </p:nvPr>
-        </p:nvSpPr>
-        <p:spPr/>
-        <p:txBody>
-          <a:bodyPr/>
-          <a:lstStyle/>
-          <a:p>
-            <a:fld id="{B08FEED8-D7D4-44E9-BFBC-ED06B5996D94}" type="datetime4">
-              <a:rPr lang="en-US" smtClean="0"/>
-              <a:t>July 30, 2019</a:t>
-            </a:fld>
-            <a:endParaRPr lang="en-US" dirty="0"/>
-          </a:p>
-        </p:txBody>
-      </p:sp>
-      <p:sp>
-        <p:nvSpPr>
-          <p:cNvPr id="5" name="Footer Placeholder 4">
-            <a:extLst>
-              <a:ext uri="{FF2B5EF4-FFF2-40B4-BE49-F238E27FC236}">
-                <a16:creationId xmlns:a16="http://schemas.microsoft.com/office/drawing/2014/main" id="{1D4ED112-7CF4-4BB9-B46E-B366A5054A9A}"/>
-              </a:ext>
-            </a:extLst>
-          </p:cNvPr>
-          <p:cNvSpPr>
-            <a:spLocks noGrp="1"/>
-          </p:cNvSpPr>
-          <p:nvPr>
-            <p:ph type="ftr" sz="quarter" idx="11"/>
-          </p:nvPr>
-        </p:nvSpPr>
-        <p:spPr/>
-        <p:txBody>
-          <a:bodyPr/>
-          <a:lstStyle/>
-          <a:p>
-            <a:r>
-              <a:rPr lang="en-US"/>
-              <a:t>Digital Scholarship Services </a:t>
-            </a:r>
-            <a:r>
-              <a:rPr lang="en-US">
-                <a:solidFill>
-                  <a:schemeClr val="accent1">
-                    <a:lumMod val="50000"/>
-                  </a:schemeClr>
-                </a:solidFill>
-              </a:rPr>
-              <a:t>| Email</a:t>
-            </a:r>
-            <a:r>
-              <a:rPr lang="en-US"/>
-              <a:t> cf24@rice.edu </a:t>
-            </a:r>
-            <a:r>
-              <a:rPr lang="en-US">
-                <a:solidFill>
-                  <a:schemeClr val="accent1">
-                    <a:lumMod val="50000"/>
-                  </a:schemeClr>
-                </a:solidFill>
-              </a:rPr>
-              <a:t>|</a:t>
-            </a:r>
-            <a:r>
-              <a:rPr lang="en-US"/>
-              <a:t> library.rice.edu/dss</a:t>
-            </a:r>
-            <a:endParaRPr lang="en-US" dirty="0"/>
-          </a:p>
-        </p:txBody>
-      </p:sp>
-      <p:sp>
-        <p:nvSpPr>
-          <p:cNvPr id="6" name="Slide Number Placeholder 5">
-            <a:extLst>
-              <a:ext uri="{FF2B5EF4-FFF2-40B4-BE49-F238E27FC236}">
-                <a16:creationId xmlns:a16="http://schemas.microsoft.com/office/drawing/2014/main" id="{8CC75551-85BF-4C9F-8893-AA28ECA8A6B5}"/>
-              </a:ext>
-            </a:extLst>
-          </p:cNvPr>
-          <p:cNvSpPr>
-            <a:spLocks noGrp="1"/>
-          </p:cNvSpPr>
-          <p:nvPr>
-            <p:ph type="sldNum" sz="quarter" idx="12"/>
-          </p:nvPr>
-        </p:nvSpPr>
-        <p:spPr/>
-        <p:txBody>
-          <a:bodyPr/>
-          <a:lstStyle/>
-          <a:p>
-            <a:fld id="{D57F1E4F-1CFF-5643-939E-02111984F565}" type="slidenum">
-              <a:rPr lang="en-US" smtClean="0"/>
-              <a:t>57</a:t>
-            </a:fld>
-            <a:endParaRPr lang="en-US" dirty="0"/>
-          </a:p>
-        </p:txBody>
-      </p:sp>
-    </p:spTree>
-    <p:extLst>
-      <p:ext uri="{BB962C8B-B14F-4D97-AF65-F5344CB8AC3E}">
-        <p14:creationId xmlns:p14="http://schemas.microsoft.com/office/powerpoint/2010/main" val="4213654799"/>
-      </p:ext>
-    </p:extLst>
-  </p:cSld>
-  <p:clrMapOvr>
-    <a:masterClrMapping/>
-  </p:clrMapOvr>
-</p:sld>
-</file>
-
 <file path=ppt/slides/slide58.xml><?xml version="1.0" encoding="utf-8"?>
 <p:sld xmlns:a="http://schemas.openxmlformats.org/drawingml/2006/main" xmlns:r="http://schemas.openxmlformats.org/officeDocument/2006/relationships" xmlns:p="http://schemas.openxmlformats.org/presentationml/2006/main">
   <p:cSld>
@@ -16381,7 +16387,7 @@
           <p:cNvPr id="7" name="Title 6">
             <a:extLst>
               <a:ext uri="{FF2B5EF4-FFF2-40B4-BE49-F238E27FC236}">
-                <a16:creationId xmlns:a16="http://schemas.microsoft.com/office/drawing/2014/main" id="{75C0DCD3-95F8-4E1F-BF1A-5FAAB84A40A3}"/>
+                <a16:creationId xmlns:a16="http://schemas.microsoft.com/office/drawing/2014/main" id="{7802FB34-7510-47BC-8952-A1FE9728B0BF}"/>
               </a:ext>
             </a:extLst>
           </p:cNvPr>
@@ -16399,43 +16405,42 @@
           <a:p>
             <a:r>
               <a:rPr lang="en-US" dirty="0"/>
-              <a:t>RECURRENT NEURAL NETWORKS</a:t>
-            </a:r>
-          </a:p>
-        </p:txBody>
-      </p:sp>
-      <p:sp>
-        <p:nvSpPr>
-          <p:cNvPr id="8" name="Content Placeholder 7">
-            <a:extLst>
-              <a:ext uri="{FF2B5EF4-FFF2-40B4-BE49-F238E27FC236}">
-                <a16:creationId xmlns:a16="http://schemas.microsoft.com/office/drawing/2014/main" id="{52BB1FAB-BB61-4B66-A4EA-A0EABC2B3ECA}"/>
-              </a:ext>
-            </a:extLst>
-          </p:cNvPr>
-          <p:cNvSpPr>
-            <a:spLocks noGrp="1"/>
-          </p:cNvSpPr>
-          <p:nvPr>
-            <p:ph idx="1"/>
-          </p:nvPr>
-        </p:nvSpPr>
-        <p:spPr/>
-        <p:txBody>
-          <a:bodyPr>
-            <a:normAutofit/>
-          </a:bodyPr>
-          <a:lstStyle/>
-          <a:p>
-            <a:r>
-              <a:rPr lang="en-US" dirty="0"/>
-              <a:t>Simplest time series applicable neural network model</a:t>
-            </a:r>
-          </a:p>
-          <a:p>
-            <a:r>
-              <a:rPr lang="en-US" dirty="0"/>
-              <a:t>Neural net that feeds back into itself</a:t>
+              <a:t>NEURAL NETWORK</a:t>
+            </a:r>
+            <a:br>
+              <a:rPr lang="en-US" dirty="0"/>
+            </a:br>
+            <a:r>
+              <a:rPr lang="en-US" dirty="0"/>
+              <a:t>APPROACHES</a:t>
+            </a:r>
+          </a:p>
+        </p:txBody>
+      </p:sp>
+      <p:sp>
+        <p:nvSpPr>
+          <p:cNvPr id="8" name="Text Placeholder 7">
+            <a:extLst>
+              <a:ext uri="{FF2B5EF4-FFF2-40B4-BE49-F238E27FC236}">
+                <a16:creationId xmlns:a16="http://schemas.microsoft.com/office/drawing/2014/main" id="{FCA70F1A-579E-4144-AE97-14FFC08FF0F5}"/>
+              </a:ext>
+            </a:extLst>
+          </p:cNvPr>
+          <p:cNvSpPr>
+            <a:spLocks noGrp="1"/>
+          </p:cNvSpPr>
+          <p:nvPr>
+            <p:ph type="body" idx="1"/>
+          </p:nvPr>
+        </p:nvSpPr>
+        <p:spPr/>
+        <p:txBody>
+          <a:bodyPr/>
+          <a:lstStyle/>
+          <a:p>
+            <a:r>
+              <a:rPr lang="en-US" dirty="0"/>
+              <a:t>Breaking out the big guns</a:t>
             </a:r>
           </a:p>
         </p:txBody>
@@ -16445,7 +16450,7 @@
           <p:cNvPr id="4" name="Date Placeholder 3">
             <a:extLst>
               <a:ext uri="{FF2B5EF4-FFF2-40B4-BE49-F238E27FC236}">
-                <a16:creationId xmlns:a16="http://schemas.microsoft.com/office/drawing/2014/main" id="{02256D86-7CE0-416E-B2A3-402D20EE9E90}"/>
+                <a16:creationId xmlns:a16="http://schemas.microsoft.com/office/drawing/2014/main" id="{3AD929EF-0967-4B34-81B8-24D9EF91892E}"/>
               </a:ext>
             </a:extLst>
           </p:cNvPr>
@@ -16461,7 +16466,7 @@
           <a:bodyPr/>
           <a:lstStyle/>
           <a:p>
-            <a:fld id="{B08FEED8-D7D4-44E9-BFBC-ED06B5996D94}" type="datetime4">
+            <a:fld id="{8AAE40A0-A7D8-4DC3-BC9E-BADA32DA2004}" type="datetime4">
               <a:rPr lang="en-US" smtClean="0"/>
               <a:t>July 30, 2019</a:t>
             </a:fld>
@@ -16474,7 +16479,7 @@
           <p:cNvPr id="5" name="Footer Placeholder 4">
             <a:extLst>
               <a:ext uri="{FF2B5EF4-FFF2-40B4-BE49-F238E27FC236}">
-                <a16:creationId xmlns:a16="http://schemas.microsoft.com/office/drawing/2014/main" id="{1D4ED112-7CF4-4BB9-B46E-B366A5054A9A}"/>
+                <a16:creationId xmlns:a16="http://schemas.microsoft.com/office/drawing/2014/main" id="{3B5B35DD-F2EA-40D3-8039-8CD3802B2612}"/>
               </a:ext>
             </a:extLst>
           </p:cNvPr>
@@ -16531,7 +16536,7 @@
           <p:cNvPr id="6" name="Slide Number Placeholder 5">
             <a:extLst>
               <a:ext uri="{FF2B5EF4-FFF2-40B4-BE49-F238E27FC236}">
-                <a16:creationId xmlns:a16="http://schemas.microsoft.com/office/drawing/2014/main" id="{8CC75551-85BF-4C9F-8893-AA28ECA8A6B5}"/>
+                <a16:creationId xmlns:a16="http://schemas.microsoft.com/office/drawing/2014/main" id="{C3EB9A57-323C-47F5-867F-693F95A15FA4}"/>
               </a:ext>
             </a:extLst>
           </p:cNvPr>
@@ -16555,40 +16560,10 @@
           </a:p>
         </p:txBody>
       </p:sp>
-      <p:pic>
-        <p:nvPicPr>
-          <p:cNvPr id="3" name="Picture 2" descr="A screen shot of a clock&#10;&#10;Description automatically generated">
-            <a:extLst>
-              <a:ext uri="{FF2B5EF4-FFF2-40B4-BE49-F238E27FC236}">
-                <a16:creationId xmlns:a16="http://schemas.microsoft.com/office/drawing/2014/main" id="{46F705B0-A535-470D-A5E2-A0308894DFEC}"/>
-              </a:ext>
-            </a:extLst>
-          </p:cNvPr>
-          <p:cNvPicPr>
-            <a:picLocks noChangeAspect="1"/>
-          </p:cNvPicPr>
-          <p:nvPr/>
-        </p:nvPicPr>
-        <p:blipFill>
-          <a:blip r:embed="rId2"/>
-          <a:stretch>
-            <a:fillRect/>
-          </a:stretch>
-        </p:blipFill>
-        <p:spPr>
-          <a:xfrm>
-            <a:off x="552854" y="2753222"/>
-            <a:ext cx="10800945" cy="3603128"/>
-          </a:xfrm>
-          <a:prstGeom prst="rect">
-            <a:avLst/>
-          </a:prstGeom>
-        </p:spPr>
-      </p:pic>
     </p:spTree>
     <p:extLst>
       <p:ext uri="{BB962C8B-B14F-4D97-AF65-F5344CB8AC3E}">
-        <p14:creationId xmlns:p14="http://schemas.microsoft.com/office/powerpoint/2010/main" val="3928184137"/>
+        <p14:creationId xmlns:p14="http://schemas.microsoft.com/office/powerpoint/2010/main" val="1442732517"/>
       </p:ext>
     </p:extLst>
   </p:cSld>
@@ -16638,7 +16613,7 @@
           <a:p>
             <a:r>
               <a:rPr lang="en-US" dirty="0"/>
-              <a:t>LONG SHORT-TERM MEMORY</a:t>
+              <a:t>NEURAL NETWORK MODELS</a:t>
             </a:r>
           </a:p>
         </p:txBody>
@@ -16659,12 +16634,7 @@
             <p:ph idx="1"/>
           </p:nvPr>
         </p:nvSpPr>
-        <p:spPr>
-          <a:xfrm>
-            <a:off x="838200" y="1825625"/>
-            <a:ext cx="5257800" cy="4351338"/>
-          </a:xfrm>
-        </p:spPr>
+        <p:spPr/>
         <p:txBody>
           <a:bodyPr>
             <a:normAutofit/>
@@ -16673,40 +16643,53 @@
           <a:p>
             <a:r>
               <a:rPr lang="en-US" dirty="0"/>
-              <a:t>Cells and gates</a:t>
+              <a:t>Incomprehensible but extremely powerful</a:t>
+            </a:r>
+          </a:p>
+          <a:p>
+            <a:r>
+              <a:rPr lang="en-US" dirty="0"/>
+              <a:t>Pros:</a:t>
             </a:r>
           </a:p>
           <a:p>
             <a:pPr lvl="1"/>
             <a:r>
               <a:rPr lang="en-US" dirty="0"/>
-              <a:t>Forget gate</a:t>
+              <a:t>Often extremely accurate</a:t>
+            </a:r>
+          </a:p>
+          <a:p>
+            <a:r>
+              <a:rPr lang="en-US" dirty="0"/>
+              <a:t>Cons:</a:t>
             </a:r>
           </a:p>
           <a:p>
             <a:pPr lvl="1"/>
             <a:r>
               <a:rPr lang="en-US" dirty="0"/>
-              <a:t>Input gate</a:t>
+              <a:t>More or less impossible to understand what any of the parameters mean</a:t>
             </a:r>
           </a:p>
           <a:p>
             <a:pPr lvl="1"/>
             <a:r>
               <a:rPr lang="en-US" dirty="0"/>
-              <a:t>Output gate</a:t>
-            </a:r>
-          </a:p>
-          <a:p>
-            <a:r>
-              <a:rPr lang="en-US" dirty="0"/>
-              <a:t>Basically, LSTM models ‘learn’ how long they need to pay attention</a:t>
-            </a:r>
-          </a:p>
-          <a:p>
-            <a:r>
-              <a:rPr lang="en-US" dirty="0"/>
-              <a:t>Don’t worry about the details!</a:t>
+              <a:t>Can take a very long time to train the model (can be days)</a:t>
+            </a:r>
+          </a:p>
+          <a:p>
+            <a:pPr lvl="1"/>
+            <a:r>
+              <a:rPr lang="en-US" dirty="0"/>
+              <a:t>Lots of moving parts and things that can go wrong</a:t>
+            </a:r>
+          </a:p>
+          <a:p>
+            <a:r>
+              <a:rPr lang="en-US" dirty="0"/>
+              <a:t>But depending on the problem, that one pro may outweigh all the cons</a:t>
             </a:r>
           </a:p>
         </p:txBody>
@@ -16826,40 +16809,10 @@
           </a:p>
         </p:txBody>
       </p:sp>
-      <p:pic>
-        <p:nvPicPr>
-          <p:cNvPr id="3" name="Picture 2" descr="A screen shot of a computer&#10;&#10;Description automatically generated">
-            <a:extLst>
-              <a:ext uri="{FF2B5EF4-FFF2-40B4-BE49-F238E27FC236}">
-                <a16:creationId xmlns:a16="http://schemas.microsoft.com/office/drawing/2014/main" id="{6F1CCF5F-655F-4E5A-BA70-B8FBB983950B}"/>
-              </a:ext>
-            </a:extLst>
-          </p:cNvPr>
-          <p:cNvPicPr>
-            <a:picLocks noChangeAspect="1"/>
-          </p:cNvPicPr>
-          <p:nvPr/>
-        </p:nvPicPr>
-        <p:blipFill>
-          <a:blip r:embed="rId2"/>
-          <a:stretch>
-            <a:fillRect/>
-          </a:stretch>
-        </p:blipFill>
-        <p:spPr>
-          <a:xfrm>
-            <a:off x="5719864" y="2057542"/>
-            <a:ext cx="6272718" cy="3447817"/>
-          </a:xfrm>
-          <a:prstGeom prst="rect">
-            <a:avLst/>
-          </a:prstGeom>
-        </p:spPr>
-      </p:pic>
     </p:spTree>
     <p:extLst>
       <p:ext uri="{BB962C8B-B14F-4D97-AF65-F5344CB8AC3E}">
-        <p14:creationId xmlns:p14="http://schemas.microsoft.com/office/powerpoint/2010/main" val="669531222"/>
+        <p14:creationId xmlns:p14="http://schemas.microsoft.com/office/powerpoint/2010/main" val="4213654799"/>
       </p:ext>
     </p:extLst>
   </p:cSld>
@@ -17142,7 +17095,7 @@
           <a:p>
             <a:r>
               <a:rPr lang="en-US" dirty="0"/>
-              <a:t>BUILDING AN RNN MODEL</a:t>
+              <a:t>RECURRENT NEURAL NETWORKS</a:t>
             </a:r>
           </a:p>
         </p:txBody>
@@ -17166,177 +17119,19 @@
         <p:spPr/>
         <p:txBody>
           <a:bodyPr>
-            <a:normAutofit lnSpcReduction="10000"/>
+            <a:normAutofit/>
           </a:bodyPr>
           <a:lstStyle/>
           <a:p>
             <a:r>
               <a:rPr lang="en-US" dirty="0"/>
-              <a:t>R</a:t>
-            </a:r>
-          </a:p>
-          <a:p>
-            <a:pPr marL="0" indent="0">
-              <a:buNone/>
-            </a:pPr>
-            <a:r>
-              <a:rPr lang="en-US" dirty="0">
-                <a:latin typeface="Courier New" panose="02070309020205020404" pitchFamily="49" charset="0"/>
-                <a:cs typeface="Courier New" panose="02070309020205020404" pitchFamily="49" charset="0"/>
-              </a:rPr>
-              <a:t>library(</a:t>
-            </a:r>
-            <a:r>
-              <a:rPr lang="en-US" dirty="0" err="1">
-                <a:latin typeface="Courier New" panose="02070309020205020404" pitchFamily="49" charset="0"/>
-                <a:cs typeface="Courier New" panose="02070309020205020404" pitchFamily="49" charset="0"/>
-              </a:rPr>
-              <a:t>keras</a:t>
-            </a:r>
-            <a:r>
-              <a:rPr lang="en-US" dirty="0">
-                <a:latin typeface="Courier New" panose="02070309020205020404" pitchFamily="49" charset="0"/>
-                <a:cs typeface="Courier New" panose="02070309020205020404" pitchFamily="49" charset="0"/>
-              </a:rPr>
-              <a:t>)</a:t>
-            </a:r>
-          </a:p>
-          <a:p>
-            <a:pPr marL="0" indent="0">
-              <a:buNone/>
-            </a:pPr>
-            <a:r>
-              <a:rPr lang="en-US" dirty="0" err="1">
-                <a:latin typeface="Courier New" panose="02070309020205020404" pitchFamily="49" charset="0"/>
-                <a:cs typeface="Courier New" panose="02070309020205020404" pitchFamily="49" charset="0"/>
-              </a:rPr>
-              <a:t>keras_model_sequential</a:t>
-            </a:r>
-            <a:r>
-              <a:rPr lang="en-US" dirty="0">
-                <a:latin typeface="Courier New" panose="02070309020205020404" pitchFamily="49" charset="0"/>
-                <a:cs typeface="Courier New" panose="02070309020205020404" pitchFamily="49" charset="0"/>
-              </a:rPr>
-              <a:t>() %&gt;%</a:t>
-            </a:r>
-          </a:p>
-          <a:p>
-            <a:pPr marL="0" indent="0">
-              <a:buNone/>
-            </a:pPr>
-            <a:r>
-              <a:rPr lang="en-US" dirty="0">
-                <a:latin typeface="Courier New" panose="02070309020205020404" pitchFamily="49" charset="0"/>
-                <a:cs typeface="Courier New" panose="02070309020205020404" pitchFamily="49" charset="0"/>
-              </a:rPr>
-              <a:t>    </a:t>
-            </a:r>
-            <a:r>
-              <a:rPr lang="en-US" dirty="0" err="1">
-                <a:latin typeface="Courier New" panose="02070309020205020404" pitchFamily="49" charset="0"/>
-                <a:cs typeface="Courier New" panose="02070309020205020404" pitchFamily="49" charset="0"/>
-              </a:rPr>
-              <a:t>layer_simple_rnn</a:t>
-            </a:r>
-            <a:r>
-              <a:rPr lang="en-US" dirty="0">
-                <a:latin typeface="Courier New" panose="02070309020205020404" pitchFamily="49" charset="0"/>
-                <a:cs typeface="Courier New" panose="02070309020205020404" pitchFamily="49" charset="0"/>
-              </a:rPr>
-              <a:t>(units) …</a:t>
-            </a:r>
-          </a:p>
-          <a:p>
-            <a:r>
-              <a:rPr lang="en-US" dirty="0"/>
-              <a:t>Python</a:t>
-            </a:r>
-          </a:p>
-          <a:p>
-            <a:pPr marL="0" indent="0">
-              <a:buNone/>
-            </a:pPr>
-            <a:r>
-              <a:rPr lang="en-US" dirty="0">
-                <a:latin typeface="Courier New" panose="02070309020205020404" pitchFamily="49" charset="0"/>
-                <a:cs typeface="Courier New" panose="02070309020205020404" pitchFamily="49" charset="0"/>
-              </a:rPr>
-              <a:t>import </a:t>
-            </a:r>
-            <a:r>
-              <a:rPr lang="en-US" dirty="0" err="1">
-                <a:latin typeface="Courier New" panose="02070309020205020404" pitchFamily="49" charset="0"/>
-                <a:cs typeface="Courier New" panose="02070309020205020404" pitchFamily="49" charset="0"/>
-              </a:rPr>
-              <a:t>keras.models</a:t>
-            </a:r>
-            <a:endParaRPr lang="en-US" dirty="0">
-              <a:latin typeface="Courier New" panose="02070309020205020404" pitchFamily="49" charset="0"/>
-              <a:cs typeface="Courier New" panose="02070309020205020404" pitchFamily="49" charset="0"/>
-            </a:endParaRPr>
-          </a:p>
-          <a:p>
-            <a:pPr marL="0" indent="0">
-              <a:buNone/>
-            </a:pPr>
-            <a:r>
-              <a:rPr lang="en-US" dirty="0">
-                <a:latin typeface="Courier New" panose="02070309020205020404" pitchFamily="49" charset="0"/>
-                <a:cs typeface="Courier New" panose="02070309020205020404" pitchFamily="49" charset="0"/>
-              </a:rPr>
-              <a:t>model = </a:t>
-            </a:r>
-            <a:r>
-              <a:rPr lang="en-US" dirty="0" err="1">
-                <a:latin typeface="Courier New" panose="02070309020205020404" pitchFamily="49" charset="0"/>
-                <a:cs typeface="Courier New" panose="02070309020205020404" pitchFamily="49" charset="0"/>
-              </a:rPr>
-              <a:t>models.Sequential</a:t>
-            </a:r>
-            <a:r>
-              <a:rPr lang="en-US" dirty="0">
-                <a:latin typeface="Courier New" panose="02070309020205020404" pitchFamily="49" charset="0"/>
-                <a:cs typeface="Courier New" panose="02070309020205020404" pitchFamily="49" charset="0"/>
-              </a:rPr>
-              <a:t>([</a:t>
-            </a:r>
-          </a:p>
-          <a:p>
-            <a:pPr marL="0" indent="0">
-              <a:buNone/>
-            </a:pPr>
-            <a:r>
-              <a:rPr lang="en-US" dirty="0">
-                <a:latin typeface="Courier New" panose="02070309020205020404" pitchFamily="49" charset="0"/>
-                <a:cs typeface="Courier New" panose="02070309020205020404" pitchFamily="49" charset="0"/>
-              </a:rPr>
-              <a:t>    </a:t>
-            </a:r>
-            <a:r>
-              <a:rPr lang="en-US" dirty="0" err="1">
-                <a:latin typeface="Courier New" panose="02070309020205020404" pitchFamily="49" charset="0"/>
-                <a:cs typeface="Courier New" panose="02070309020205020404" pitchFamily="49" charset="0"/>
-              </a:rPr>
-              <a:t>SimpleRNN</a:t>
-            </a:r>
-            <a:r>
-              <a:rPr lang="en-US" dirty="0">
-                <a:latin typeface="Courier New" panose="02070309020205020404" pitchFamily="49" charset="0"/>
-                <a:cs typeface="Courier New" panose="02070309020205020404" pitchFamily="49" charset="0"/>
-              </a:rPr>
-              <a:t>(units) …</a:t>
-            </a:r>
-          </a:p>
-          <a:p>
-            <a:pPr marL="0" indent="0">
-              <a:buNone/>
-            </a:pPr>
-            <a:r>
-              <a:rPr lang="en-US" dirty="0">
-                <a:latin typeface="Courier New" panose="02070309020205020404" pitchFamily="49" charset="0"/>
-                <a:cs typeface="Courier New" panose="02070309020205020404" pitchFamily="49" charset="0"/>
-              </a:rPr>
-              <a:t>])</a:t>
+              <a:t>Simplest time series applicable neural network model</a:t>
+            </a:r>
+          </a:p>
+          <a:p>
+            <a:r>
+              <a:rPr lang="en-US" dirty="0"/>
+              <a:t>Neural net that feeds back into itself</a:t>
             </a:r>
           </a:p>
         </p:txBody>
@@ -17456,10 +17251,40 @@
           </a:p>
         </p:txBody>
       </p:sp>
+      <p:pic>
+        <p:nvPicPr>
+          <p:cNvPr id="3" name="Picture 2" descr="A screen shot of a clock&#10;&#10;Description automatically generated">
+            <a:extLst>
+              <a:ext uri="{FF2B5EF4-FFF2-40B4-BE49-F238E27FC236}">
+                <a16:creationId xmlns:a16="http://schemas.microsoft.com/office/drawing/2014/main" id="{46F705B0-A535-470D-A5E2-A0308894DFEC}"/>
+              </a:ext>
+            </a:extLst>
+          </p:cNvPr>
+          <p:cNvPicPr>
+            <a:picLocks noChangeAspect="1"/>
+          </p:cNvPicPr>
+          <p:nvPr/>
+        </p:nvPicPr>
+        <p:blipFill>
+          <a:blip r:embed="rId2"/>
+          <a:stretch>
+            <a:fillRect/>
+          </a:stretch>
+        </p:blipFill>
+        <p:spPr>
+          <a:xfrm>
+            <a:off x="552854" y="2753222"/>
+            <a:ext cx="10800945" cy="3603128"/>
+          </a:xfrm>
+          <a:prstGeom prst="rect">
+            <a:avLst/>
+          </a:prstGeom>
+        </p:spPr>
+      </p:pic>
     </p:spTree>
     <p:extLst>
       <p:ext uri="{BB962C8B-B14F-4D97-AF65-F5344CB8AC3E}">
-        <p14:creationId xmlns:p14="http://schemas.microsoft.com/office/powerpoint/2010/main" val="2723958197"/>
+        <p14:creationId xmlns:p14="http://schemas.microsoft.com/office/powerpoint/2010/main" val="3928184137"/>
       </p:ext>
     </p:extLst>
   </p:cSld>
@@ -17488,10 +17313,10 @@
       </p:grpSpPr>
       <p:sp>
         <p:nvSpPr>
-          <p:cNvPr id="2" name="Title 1">
-            <a:extLst>
-              <a:ext uri="{FF2B5EF4-FFF2-40B4-BE49-F238E27FC236}">
-                <a16:creationId xmlns:a16="http://schemas.microsoft.com/office/drawing/2014/main" id="{D1BF0482-6913-4A5E-A533-479864CB5349}"/>
+          <p:cNvPr id="7" name="Title 6">
+            <a:extLst>
+              <a:ext uri="{FF2B5EF4-FFF2-40B4-BE49-F238E27FC236}">
+                <a16:creationId xmlns:a16="http://schemas.microsoft.com/office/drawing/2014/main" id="{75C0DCD3-95F8-4E1F-BF1A-5FAAB84A40A3}"/>
               </a:ext>
             </a:extLst>
           </p:cNvPr>
@@ -17509,7 +17334,75 @@
           <a:p>
             <a:r>
               <a:rPr lang="en-US" dirty="0"/>
-              <a:t>AN RNN MODEL: SAME DATA</a:t>
+              <a:t>LONG SHORT-TERM MEMORY</a:t>
+            </a:r>
+          </a:p>
+        </p:txBody>
+      </p:sp>
+      <p:sp>
+        <p:nvSpPr>
+          <p:cNvPr id="8" name="Content Placeholder 7">
+            <a:extLst>
+              <a:ext uri="{FF2B5EF4-FFF2-40B4-BE49-F238E27FC236}">
+                <a16:creationId xmlns:a16="http://schemas.microsoft.com/office/drawing/2014/main" id="{52BB1FAB-BB61-4B66-A4EA-A0EABC2B3ECA}"/>
+              </a:ext>
+            </a:extLst>
+          </p:cNvPr>
+          <p:cNvSpPr>
+            <a:spLocks noGrp="1"/>
+          </p:cNvSpPr>
+          <p:nvPr>
+            <p:ph idx="1"/>
+          </p:nvPr>
+        </p:nvSpPr>
+        <p:spPr>
+          <a:xfrm>
+            <a:off x="838200" y="1825625"/>
+            <a:ext cx="5257800" cy="4351338"/>
+          </a:xfrm>
+        </p:spPr>
+        <p:txBody>
+          <a:bodyPr>
+            <a:normAutofit/>
+          </a:bodyPr>
+          <a:lstStyle/>
+          <a:p>
+            <a:r>
+              <a:rPr lang="en-US" dirty="0"/>
+              <a:t>Cells and gates</a:t>
+            </a:r>
+          </a:p>
+          <a:p>
+            <a:pPr lvl="1"/>
+            <a:r>
+              <a:rPr lang="en-US" dirty="0"/>
+              <a:t>Forget gate</a:t>
+            </a:r>
+          </a:p>
+          <a:p>
+            <a:pPr lvl="1"/>
+            <a:r>
+              <a:rPr lang="en-US" dirty="0"/>
+              <a:t>Input gate</a:t>
+            </a:r>
+          </a:p>
+          <a:p>
+            <a:pPr lvl="1"/>
+            <a:r>
+              <a:rPr lang="en-US" dirty="0"/>
+              <a:t>Output gate</a:t>
+            </a:r>
+          </a:p>
+          <a:p>
+            <a:r>
+              <a:rPr lang="en-US" dirty="0"/>
+              <a:t>Basically, LSTM models ‘learn’ how long they need to pay attention</a:t>
+            </a:r>
+          </a:p>
+          <a:p>
+            <a:r>
+              <a:rPr lang="en-US" dirty="0"/>
+              <a:t>Don’t worry about the details!</a:t>
             </a:r>
           </a:p>
         </p:txBody>
@@ -17519,7 +17412,7 @@
           <p:cNvPr id="4" name="Date Placeholder 3">
             <a:extLst>
               <a:ext uri="{FF2B5EF4-FFF2-40B4-BE49-F238E27FC236}">
-                <a16:creationId xmlns:a16="http://schemas.microsoft.com/office/drawing/2014/main" id="{B23DAF35-209C-48FA-AAAB-F69E14183A91}"/>
+                <a16:creationId xmlns:a16="http://schemas.microsoft.com/office/drawing/2014/main" id="{02256D86-7CE0-416E-B2A3-402D20EE9E90}"/>
               </a:ext>
             </a:extLst>
           </p:cNvPr>
@@ -17535,7 +17428,7 @@
           <a:bodyPr/>
           <a:lstStyle/>
           <a:p>
-            <a:fld id="{8AAE40A0-A7D8-4DC3-BC9E-BADA32DA2004}" type="datetime4">
+            <a:fld id="{B08FEED8-D7D4-44E9-BFBC-ED06B5996D94}" type="datetime4">
               <a:rPr lang="en-US" smtClean="0"/>
               <a:t>July 30, 2019</a:t>
             </a:fld>
@@ -17548,7 +17441,7 @@
           <p:cNvPr id="5" name="Footer Placeholder 4">
             <a:extLst>
               <a:ext uri="{FF2B5EF4-FFF2-40B4-BE49-F238E27FC236}">
-                <a16:creationId xmlns:a16="http://schemas.microsoft.com/office/drawing/2014/main" id="{3D8E22A6-180D-41CF-9959-4347A11F2AD1}"/>
+                <a16:creationId xmlns:a16="http://schemas.microsoft.com/office/drawing/2014/main" id="{1D4ED112-7CF4-4BB9-B46E-B366A5054A9A}"/>
               </a:ext>
             </a:extLst>
           </p:cNvPr>
@@ -17605,7 +17498,7 @@
           <p:cNvPr id="6" name="Slide Number Placeholder 5">
             <a:extLst>
               <a:ext uri="{FF2B5EF4-FFF2-40B4-BE49-F238E27FC236}">
-                <a16:creationId xmlns:a16="http://schemas.microsoft.com/office/drawing/2014/main" id="{CECE3146-0C2B-4CC7-BC7C-FD23AAF7ECAE}"/>
+                <a16:creationId xmlns:a16="http://schemas.microsoft.com/office/drawing/2014/main" id="{8CC75551-85BF-4C9F-8893-AA28ECA8A6B5}"/>
               </a:ext>
             </a:extLst>
           </p:cNvPr>
@@ -17629,45 +17522,12 @@
           </a:p>
         </p:txBody>
       </p:sp>
-      <p:sp>
-        <p:nvSpPr>
-          <p:cNvPr id="8" name="Content Placeholder 7">
-            <a:extLst>
-              <a:ext uri="{FF2B5EF4-FFF2-40B4-BE49-F238E27FC236}">
-                <a16:creationId xmlns:a16="http://schemas.microsoft.com/office/drawing/2014/main" id="{30C259F3-048F-4C4B-AC8C-24699B6ABD42}"/>
-              </a:ext>
-            </a:extLst>
-          </p:cNvPr>
-          <p:cNvSpPr>
-            <a:spLocks noGrp="1"/>
-          </p:cNvSpPr>
-          <p:nvPr>
-            <p:ph idx="1"/>
-          </p:nvPr>
-        </p:nvSpPr>
-        <p:spPr>
-          <a:xfrm>
-            <a:off x="838200" y="1825625"/>
-            <a:ext cx="5257800" cy="4351338"/>
-          </a:xfrm>
-        </p:spPr>
-        <p:txBody>
-          <a:bodyPr/>
-          <a:lstStyle/>
-          <a:p>
-            <a:r>
-              <a:rPr lang="en-US" dirty="0"/>
-              <a:t>Just not enough data!</a:t>
-            </a:r>
-          </a:p>
-        </p:txBody>
-      </p:sp>
       <p:pic>
         <p:nvPicPr>
-          <p:cNvPr id="10" name="Picture 9">
-            <a:extLst>
-              <a:ext uri="{FF2B5EF4-FFF2-40B4-BE49-F238E27FC236}">
-                <a16:creationId xmlns:a16="http://schemas.microsoft.com/office/drawing/2014/main" id="{64B67945-AF39-4BB8-86D4-3E74D0B6AE5C}"/>
+          <p:cNvPr id="3" name="Picture 2" descr="A screen shot of a computer&#10;&#10;Description automatically generated">
+            <a:extLst>
+              <a:ext uri="{FF2B5EF4-FFF2-40B4-BE49-F238E27FC236}">
+                <a16:creationId xmlns:a16="http://schemas.microsoft.com/office/drawing/2014/main" id="{6F1CCF5F-655F-4E5A-BA70-B8FBB983950B}"/>
               </a:ext>
             </a:extLst>
           </p:cNvPr>
@@ -17678,13 +17538,14 @@
         </p:nvPicPr>
         <p:blipFill>
           <a:blip r:embed="rId2"/>
-          <a:srcRect/>
-          <a:stretch/>
+          <a:stretch>
+            <a:fillRect/>
+          </a:stretch>
         </p:blipFill>
         <p:spPr>
           <a:xfrm>
-            <a:off x="6096000" y="2096028"/>
-            <a:ext cx="5715798" cy="3810532"/>
+            <a:off x="5719864" y="2057542"/>
+            <a:ext cx="6272718" cy="3447817"/>
           </a:xfrm>
           <a:prstGeom prst="rect">
             <a:avLst/>
@@ -17694,7 +17555,7 @@
     </p:spTree>
     <p:extLst>
       <p:ext uri="{BB962C8B-B14F-4D97-AF65-F5344CB8AC3E}">
-        <p14:creationId xmlns:p14="http://schemas.microsoft.com/office/powerpoint/2010/main" val="126566451"/>
+        <p14:creationId xmlns:p14="http://schemas.microsoft.com/office/powerpoint/2010/main" val="669531222"/>
       </p:ext>
     </p:extLst>
   </p:cSld>
@@ -17723,10 +17584,10 @@
       </p:grpSpPr>
       <p:sp>
         <p:nvSpPr>
-          <p:cNvPr id="2" name="Title 1">
-            <a:extLst>
-              <a:ext uri="{FF2B5EF4-FFF2-40B4-BE49-F238E27FC236}">
-                <a16:creationId xmlns:a16="http://schemas.microsoft.com/office/drawing/2014/main" id="{D1BF0482-6913-4A5E-A533-479864CB5349}"/>
+          <p:cNvPr id="7" name="Title 6">
+            <a:extLst>
+              <a:ext uri="{FF2B5EF4-FFF2-40B4-BE49-F238E27FC236}">
+                <a16:creationId xmlns:a16="http://schemas.microsoft.com/office/drawing/2014/main" id="{75C0DCD3-95F8-4E1F-BF1A-5FAAB84A40A3}"/>
               </a:ext>
             </a:extLst>
           </p:cNvPr>
@@ -17744,7 +17605,201 @@
           <a:p>
             <a:r>
               <a:rPr lang="en-US" dirty="0"/>
-              <a:t>AN RNN MODEL: USING ALL DATA</a:t>
+              <a:t>BUILDING AN RNN MODEL</a:t>
+            </a:r>
+          </a:p>
+        </p:txBody>
+      </p:sp>
+      <p:sp>
+        <p:nvSpPr>
+          <p:cNvPr id="8" name="Content Placeholder 7">
+            <a:extLst>
+              <a:ext uri="{FF2B5EF4-FFF2-40B4-BE49-F238E27FC236}">
+                <a16:creationId xmlns:a16="http://schemas.microsoft.com/office/drawing/2014/main" id="{52BB1FAB-BB61-4B66-A4EA-A0EABC2B3ECA}"/>
+              </a:ext>
+            </a:extLst>
+          </p:cNvPr>
+          <p:cNvSpPr>
+            <a:spLocks noGrp="1"/>
+          </p:cNvSpPr>
+          <p:nvPr>
+            <p:ph idx="1"/>
+          </p:nvPr>
+        </p:nvSpPr>
+        <p:spPr/>
+        <p:txBody>
+          <a:bodyPr>
+            <a:normAutofit lnSpcReduction="10000"/>
+          </a:bodyPr>
+          <a:lstStyle/>
+          <a:p>
+            <a:r>
+              <a:rPr lang="en-US" dirty="0"/>
+              <a:t>R</a:t>
+            </a:r>
+          </a:p>
+          <a:p>
+            <a:pPr marL="0" indent="0">
+              <a:buNone/>
+            </a:pPr>
+            <a:r>
+              <a:rPr lang="en-US" dirty="0">
+                <a:latin typeface="Courier New" panose="02070309020205020404" pitchFamily="49" charset="0"/>
+                <a:cs typeface="Courier New" panose="02070309020205020404" pitchFamily="49" charset="0"/>
+              </a:rPr>
+              <a:t>library(</a:t>
+            </a:r>
+            <a:r>
+              <a:rPr lang="en-US" dirty="0" err="1">
+                <a:latin typeface="Courier New" panose="02070309020205020404" pitchFamily="49" charset="0"/>
+                <a:cs typeface="Courier New" panose="02070309020205020404" pitchFamily="49" charset="0"/>
+              </a:rPr>
+              <a:t>keras</a:t>
+            </a:r>
+            <a:r>
+              <a:rPr lang="en-US" dirty="0">
+                <a:latin typeface="Courier New" panose="02070309020205020404" pitchFamily="49" charset="0"/>
+                <a:cs typeface="Courier New" panose="02070309020205020404" pitchFamily="49" charset="0"/>
+              </a:rPr>
+              <a:t>)</a:t>
+            </a:r>
+          </a:p>
+          <a:p>
+            <a:pPr marL="0" indent="0">
+              <a:buNone/>
+            </a:pPr>
+            <a:r>
+              <a:rPr lang="en-US" dirty="0" err="1">
+                <a:latin typeface="Courier New" panose="02070309020205020404" pitchFamily="49" charset="0"/>
+                <a:cs typeface="Courier New" panose="02070309020205020404" pitchFamily="49" charset="0"/>
+              </a:rPr>
+              <a:t>keras_model_sequential</a:t>
+            </a:r>
+            <a:r>
+              <a:rPr lang="en-US" dirty="0">
+                <a:latin typeface="Courier New" panose="02070309020205020404" pitchFamily="49" charset="0"/>
+                <a:cs typeface="Courier New" panose="02070309020205020404" pitchFamily="49" charset="0"/>
+              </a:rPr>
+              <a:t>() %&gt;%</a:t>
+            </a:r>
+          </a:p>
+          <a:p>
+            <a:pPr marL="0" indent="0">
+              <a:buNone/>
+            </a:pPr>
+            <a:r>
+              <a:rPr lang="en-US" dirty="0">
+                <a:latin typeface="Courier New" panose="02070309020205020404" pitchFamily="49" charset="0"/>
+                <a:cs typeface="Courier New" panose="02070309020205020404" pitchFamily="49" charset="0"/>
+              </a:rPr>
+              <a:t>    </a:t>
+            </a:r>
+            <a:r>
+              <a:rPr lang="en-US" dirty="0" err="1">
+                <a:latin typeface="Courier New" panose="02070309020205020404" pitchFamily="49" charset="0"/>
+                <a:cs typeface="Courier New" panose="02070309020205020404" pitchFamily="49" charset="0"/>
+              </a:rPr>
+              <a:t>layer_simple_rnn</a:t>
+            </a:r>
+            <a:r>
+              <a:rPr lang="en-US" dirty="0">
+                <a:latin typeface="Courier New" panose="02070309020205020404" pitchFamily="49" charset="0"/>
+                <a:cs typeface="Courier New" panose="02070309020205020404" pitchFamily="49" charset="0"/>
+              </a:rPr>
+              <a:t>(units) …</a:t>
+            </a:r>
+          </a:p>
+          <a:p>
+            <a:r>
+              <a:rPr lang="en-US" dirty="0"/>
+              <a:t>Python</a:t>
+            </a:r>
+          </a:p>
+          <a:p>
+            <a:pPr marL="0" indent="0">
+              <a:buNone/>
+            </a:pPr>
+            <a:r>
+              <a:rPr lang="en-US" dirty="0">
+                <a:latin typeface="Courier New" panose="02070309020205020404" pitchFamily="49" charset="0"/>
+                <a:cs typeface="Courier New" panose="02070309020205020404" pitchFamily="49" charset="0"/>
+              </a:rPr>
+              <a:t>import </a:t>
+            </a:r>
+            <a:r>
+              <a:rPr lang="en-US" dirty="0" err="1">
+                <a:latin typeface="Courier New" panose="02070309020205020404" pitchFamily="49" charset="0"/>
+                <a:cs typeface="Courier New" panose="02070309020205020404" pitchFamily="49" charset="0"/>
+              </a:rPr>
+              <a:t>keras.models</a:t>
+            </a:r>
+            <a:endParaRPr lang="en-US" dirty="0">
+              <a:latin typeface="Courier New" panose="02070309020205020404" pitchFamily="49" charset="0"/>
+              <a:cs typeface="Courier New" panose="02070309020205020404" pitchFamily="49" charset="0"/>
+            </a:endParaRPr>
+          </a:p>
+          <a:p>
+            <a:pPr marL="0" indent="0">
+              <a:buNone/>
+            </a:pPr>
+            <a:r>
+              <a:rPr lang="en-US" dirty="0">
+                <a:latin typeface="Courier New" panose="02070309020205020404" pitchFamily="49" charset="0"/>
+                <a:cs typeface="Courier New" panose="02070309020205020404" pitchFamily="49" charset="0"/>
+              </a:rPr>
+              <a:t>model = </a:t>
+            </a:r>
+            <a:r>
+              <a:rPr lang="en-US" dirty="0" err="1">
+                <a:latin typeface="Courier New" panose="02070309020205020404" pitchFamily="49" charset="0"/>
+                <a:cs typeface="Courier New" panose="02070309020205020404" pitchFamily="49" charset="0"/>
+              </a:rPr>
+              <a:t>models.Sequential</a:t>
+            </a:r>
+            <a:r>
+              <a:rPr lang="en-US" dirty="0">
+                <a:latin typeface="Courier New" panose="02070309020205020404" pitchFamily="49" charset="0"/>
+                <a:cs typeface="Courier New" panose="02070309020205020404" pitchFamily="49" charset="0"/>
+              </a:rPr>
+              <a:t>([</a:t>
+            </a:r>
+          </a:p>
+          <a:p>
+            <a:pPr marL="0" indent="0">
+              <a:buNone/>
+            </a:pPr>
+            <a:r>
+              <a:rPr lang="en-US" dirty="0">
+                <a:latin typeface="Courier New" panose="02070309020205020404" pitchFamily="49" charset="0"/>
+                <a:cs typeface="Courier New" panose="02070309020205020404" pitchFamily="49" charset="0"/>
+              </a:rPr>
+              <a:t>    </a:t>
+            </a:r>
+            <a:r>
+              <a:rPr lang="en-US" dirty="0" err="1">
+                <a:latin typeface="Courier New" panose="02070309020205020404" pitchFamily="49" charset="0"/>
+                <a:cs typeface="Courier New" panose="02070309020205020404" pitchFamily="49" charset="0"/>
+              </a:rPr>
+              <a:t>SimpleRNN</a:t>
+            </a:r>
+            <a:r>
+              <a:rPr lang="en-US" dirty="0">
+                <a:latin typeface="Courier New" panose="02070309020205020404" pitchFamily="49" charset="0"/>
+                <a:cs typeface="Courier New" panose="02070309020205020404" pitchFamily="49" charset="0"/>
+              </a:rPr>
+              <a:t>(units) …</a:t>
+            </a:r>
+          </a:p>
+          <a:p>
+            <a:pPr marL="0" indent="0">
+              <a:buNone/>
+            </a:pPr>
+            <a:r>
+              <a:rPr lang="en-US" dirty="0">
+                <a:latin typeface="Courier New" panose="02070309020205020404" pitchFamily="49" charset="0"/>
+                <a:cs typeface="Courier New" panose="02070309020205020404" pitchFamily="49" charset="0"/>
+              </a:rPr>
+              <a:t>])</a:t>
             </a:r>
           </a:p>
         </p:txBody>
@@ -17754,7 +17809,7 @@
           <p:cNvPr id="4" name="Date Placeholder 3">
             <a:extLst>
               <a:ext uri="{FF2B5EF4-FFF2-40B4-BE49-F238E27FC236}">
-                <a16:creationId xmlns:a16="http://schemas.microsoft.com/office/drawing/2014/main" id="{B23DAF35-209C-48FA-AAAB-F69E14183A91}"/>
+                <a16:creationId xmlns:a16="http://schemas.microsoft.com/office/drawing/2014/main" id="{02256D86-7CE0-416E-B2A3-402D20EE9E90}"/>
               </a:ext>
             </a:extLst>
           </p:cNvPr>
@@ -17770,7 +17825,7 @@
           <a:bodyPr/>
           <a:lstStyle/>
           <a:p>
-            <a:fld id="{8AAE40A0-A7D8-4DC3-BC9E-BADA32DA2004}" type="datetime4">
+            <a:fld id="{B08FEED8-D7D4-44E9-BFBC-ED06B5996D94}" type="datetime4">
               <a:rPr lang="en-US" smtClean="0"/>
               <a:t>July 30, 2019</a:t>
             </a:fld>
@@ -17783,7 +17838,7 @@
           <p:cNvPr id="5" name="Footer Placeholder 4">
             <a:extLst>
               <a:ext uri="{FF2B5EF4-FFF2-40B4-BE49-F238E27FC236}">
-                <a16:creationId xmlns:a16="http://schemas.microsoft.com/office/drawing/2014/main" id="{3D8E22A6-180D-41CF-9959-4347A11F2AD1}"/>
+                <a16:creationId xmlns:a16="http://schemas.microsoft.com/office/drawing/2014/main" id="{1D4ED112-7CF4-4BB9-B46E-B366A5054A9A}"/>
               </a:ext>
             </a:extLst>
           </p:cNvPr>
@@ -17840,7 +17895,7 @@
           <p:cNvPr id="6" name="Slide Number Placeholder 5">
             <a:extLst>
               <a:ext uri="{FF2B5EF4-FFF2-40B4-BE49-F238E27FC236}">
-                <a16:creationId xmlns:a16="http://schemas.microsoft.com/office/drawing/2014/main" id="{CECE3146-0C2B-4CC7-BC7C-FD23AAF7ECAE}"/>
+                <a16:creationId xmlns:a16="http://schemas.microsoft.com/office/drawing/2014/main" id="{8CC75551-85BF-4C9F-8893-AA28ECA8A6B5}"/>
               </a:ext>
             </a:extLst>
           </p:cNvPr>
@@ -17864,93 +17919,10 @@
           </a:p>
         </p:txBody>
       </p:sp>
-      <p:sp>
-        <p:nvSpPr>
-          <p:cNvPr id="8" name="Content Placeholder 7">
-            <a:extLst>
-              <a:ext uri="{FF2B5EF4-FFF2-40B4-BE49-F238E27FC236}">
-                <a16:creationId xmlns:a16="http://schemas.microsoft.com/office/drawing/2014/main" id="{30C259F3-048F-4C4B-AC8C-24699B6ABD42}"/>
-              </a:ext>
-            </a:extLst>
-          </p:cNvPr>
-          <p:cNvSpPr>
-            <a:spLocks noGrp="1"/>
-          </p:cNvSpPr>
-          <p:nvPr>
-            <p:ph idx="1"/>
-          </p:nvPr>
-        </p:nvSpPr>
-        <p:spPr>
-          <a:xfrm>
-            <a:off x="838200" y="1825625"/>
-            <a:ext cx="5257800" cy="4351338"/>
-          </a:xfrm>
-        </p:spPr>
-        <p:txBody>
-          <a:bodyPr/>
-          <a:lstStyle/>
-          <a:p>
-            <a:r>
-              <a:rPr lang="en-US" dirty="0"/>
-              <a:t>Each minute from January 1</a:t>
-            </a:r>
-            <a:r>
-              <a:rPr lang="en-US" baseline="30000" dirty="0"/>
-              <a:t>st</a:t>
-            </a:r>
-            <a:r>
-              <a:rPr lang="en-US" dirty="0"/>
-              <a:t> to May 31</a:t>
-            </a:r>
-            <a:r>
-              <a:rPr lang="en-US" baseline="30000" dirty="0"/>
-              <a:t>st</a:t>
-            </a:r>
-          </a:p>
-          <a:p>
-            <a:r>
-              <a:rPr lang="en-US" dirty="0"/>
-              <a:t>Mean Relative Error:</a:t>
-            </a:r>
-          </a:p>
-          <a:p>
-            <a:endParaRPr lang="en-US" dirty="0"/>
-          </a:p>
-        </p:txBody>
-      </p:sp>
-      <p:pic>
-        <p:nvPicPr>
-          <p:cNvPr id="10" name="Picture 9">
-            <a:extLst>
-              <a:ext uri="{FF2B5EF4-FFF2-40B4-BE49-F238E27FC236}">
-                <a16:creationId xmlns:a16="http://schemas.microsoft.com/office/drawing/2014/main" id="{64B67945-AF39-4BB8-86D4-3E74D0B6AE5C}"/>
-              </a:ext>
-            </a:extLst>
-          </p:cNvPr>
-          <p:cNvPicPr>
-            <a:picLocks noChangeAspect="1"/>
-          </p:cNvPicPr>
-          <p:nvPr/>
-        </p:nvPicPr>
-        <p:blipFill>
-          <a:blip r:embed="rId2"/>
-          <a:srcRect/>
-          <a:stretch/>
-        </p:blipFill>
-        <p:spPr>
-          <a:xfrm>
-            <a:off x="6096000" y="2096028"/>
-            <a:ext cx="5715798" cy="3810532"/>
-          </a:xfrm>
-          <a:prstGeom prst="rect">
-            <a:avLst/>
-          </a:prstGeom>
-        </p:spPr>
-      </p:pic>
     </p:spTree>
     <p:extLst>
       <p:ext uri="{BB962C8B-B14F-4D97-AF65-F5344CB8AC3E}">
-        <p14:creationId xmlns:p14="http://schemas.microsoft.com/office/powerpoint/2010/main" val="219047416"/>
+        <p14:creationId xmlns:p14="http://schemas.microsoft.com/office/powerpoint/2010/main" val="2723958197"/>
       </p:ext>
     </p:extLst>
   </p:cSld>
@@ -18332,10 +18304,10 @@
       </p:grpSpPr>
       <p:sp>
         <p:nvSpPr>
-          <p:cNvPr id="2" name="Title 1">
-            <a:extLst>
-              <a:ext uri="{FF2B5EF4-FFF2-40B4-BE49-F238E27FC236}">
-                <a16:creationId xmlns:a16="http://schemas.microsoft.com/office/drawing/2014/main" id="{D1BF0482-6913-4A5E-A533-479864CB5349}"/>
+          <p:cNvPr id="7" name="Title 6">
+            <a:extLst>
+              <a:ext uri="{FF2B5EF4-FFF2-40B4-BE49-F238E27FC236}">
+                <a16:creationId xmlns:a16="http://schemas.microsoft.com/office/drawing/2014/main" id="{75C0DCD3-95F8-4E1F-BF1A-5FAAB84A40A3}"/>
               </a:ext>
             </a:extLst>
           </p:cNvPr>
@@ -18353,7 +18325,43 @@
           <a:p>
             <a:r>
               <a:rPr lang="en-US" dirty="0"/>
-              <a:t>AN LSTM MODEL: SAME DATA</a:t>
+              <a:t>LSTM HIGHLIGHT</a:t>
+            </a:r>
+          </a:p>
+        </p:txBody>
+      </p:sp>
+      <p:sp>
+        <p:nvSpPr>
+          <p:cNvPr id="8" name="Content Placeholder 7">
+            <a:extLst>
+              <a:ext uri="{FF2B5EF4-FFF2-40B4-BE49-F238E27FC236}">
+                <a16:creationId xmlns:a16="http://schemas.microsoft.com/office/drawing/2014/main" id="{52BB1FAB-BB61-4B66-A4EA-A0EABC2B3ECA}"/>
+              </a:ext>
+            </a:extLst>
+          </p:cNvPr>
+          <p:cNvSpPr>
+            <a:spLocks noGrp="1"/>
+          </p:cNvSpPr>
+          <p:nvPr>
+            <p:ph idx="1"/>
+          </p:nvPr>
+        </p:nvSpPr>
+        <p:spPr/>
+        <p:txBody>
+          <a:bodyPr>
+            <a:normAutofit/>
+          </a:bodyPr>
+          <a:lstStyle/>
+          <a:p>
+            <a:r>
+              <a:rPr lang="en-US" dirty="0"/>
+              <a:t>If given enough data, an LSTM can produce ridiculously good results.</a:t>
+            </a:r>
+          </a:p>
+          <a:p>
+            <a:r>
+              <a:rPr lang="en-US" dirty="0"/>
+              <a:t>Here’s the best model I made on the Dow Jones data:</a:t>
             </a:r>
           </a:p>
         </p:txBody>
@@ -18363,7 +18371,7 @@
           <p:cNvPr id="4" name="Date Placeholder 3">
             <a:extLst>
               <a:ext uri="{FF2B5EF4-FFF2-40B4-BE49-F238E27FC236}">
-                <a16:creationId xmlns:a16="http://schemas.microsoft.com/office/drawing/2014/main" id="{B23DAF35-209C-48FA-AAAB-F69E14183A91}"/>
+                <a16:creationId xmlns:a16="http://schemas.microsoft.com/office/drawing/2014/main" id="{02256D86-7CE0-416E-B2A3-402D20EE9E90}"/>
               </a:ext>
             </a:extLst>
           </p:cNvPr>
@@ -18379,9 +18387,9 @@
           <a:bodyPr/>
           <a:lstStyle/>
           <a:p>
-            <a:fld id="{8AAE40A0-A7D8-4DC3-BC9E-BADA32DA2004}" type="datetime4">
+            <a:fld id="{B08FEED8-D7D4-44E9-BFBC-ED06B5996D94}" type="datetime4">
               <a:rPr lang="en-US" smtClean="0"/>
-              <a:t>July 30, 2019</a:t>
+              <a:t>July 31, 2019</a:t>
             </a:fld>
             <a:endParaRPr lang="en-US" dirty="0"/>
           </a:p>
@@ -18392,7 +18400,7 @@
           <p:cNvPr id="5" name="Footer Placeholder 4">
             <a:extLst>
               <a:ext uri="{FF2B5EF4-FFF2-40B4-BE49-F238E27FC236}">
-                <a16:creationId xmlns:a16="http://schemas.microsoft.com/office/drawing/2014/main" id="{3D8E22A6-180D-41CF-9959-4347A11F2AD1}"/>
+                <a16:creationId xmlns:a16="http://schemas.microsoft.com/office/drawing/2014/main" id="{1D4ED112-7CF4-4BB9-B46E-B366A5054A9A}"/>
               </a:ext>
             </a:extLst>
           </p:cNvPr>
@@ -18449,7 +18457,7 @@
           <p:cNvPr id="6" name="Slide Number Placeholder 5">
             <a:extLst>
               <a:ext uri="{FF2B5EF4-FFF2-40B4-BE49-F238E27FC236}">
-                <a16:creationId xmlns:a16="http://schemas.microsoft.com/office/drawing/2014/main" id="{CECE3146-0C2B-4CC7-BC7C-FD23AAF7ECAE}"/>
+                <a16:creationId xmlns:a16="http://schemas.microsoft.com/office/drawing/2014/main" id="{8CC75551-85BF-4C9F-8893-AA28ECA8A6B5}"/>
               </a:ext>
             </a:extLst>
           </p:cNvPr>
@@ -18473,45 +18481,12 @@
           </a:p>
         </p:txBody>
       </p:sp>
-      <p:sp>
-        <p:nvSpPr>
-          <p:cNvPr id="8" name="Content Placeholder 7">
-            <a:extLst>
-              <a:ext uri="{FF2B5EF4-FFF2-40B4-BE49-F238E27FC236}">
-                <a16:creationId xmlns:a16="http://schemas.microsoft.com/office/drawing/2014/main" id="{30C259F3-048F-4C4B-AC8C-24699B6ABD42}"/>
-              </a:ext>
-            </a:extLst>
-          </p:cNvPr>
-          <p:cNvSpPr>
-            <a:spLocks noGrp="1"/>
-          </p:cNvSpPr>
-          <p:nvPr>
-            <p:ph idx="1"/>
-          </p:nvPr>
-        </p:nvSpPr>
-        <p:spPr>
-          <a:xfrm>
-            <a:off x="838200" y="1825625"/>
-            <a:ext cx="5257800" cy="4351338"/>
-          </a:xfrm>
-        </p:spPr>
-        <p:txBody>
-          <a:bodyPr/>
-          <a:lstStyle/>
-          <a:p>
-            <a:r>
-              <a:rPr lang="en-US" dirty="0"/>
-              <a:t>Just not enough data!</a:t>
-            </a:r>
-          </a:p>
-        </p:txBody>
-      </p:sp>
       <p:pic>
         <p:nvPicPr>
-          <p:cNvPr id="10" name="Picture 9">
-            <a:extLst>
-              <a:ext uri="{FF2B5EF4-FFF2-40B4-BE49-F238E27FC236}">
-                <a16:creationId xmlns:a16="http://schemas.microsoft.com/office/drawing/2014/main" id="{64B67945-AF39-4BB8-86D4-3E74D0B6AE5C}"/>
+          <p:cNvPr id="3" name="Picture 2" descr="A screenshot of a cell phone&#10;&#10;Description automatically generated">
+            <a:extLst>
+              <a:ext uri="{FF2B5EF4-FFF2-40B4-BE49-F238E27FC236}">
+                <a16:creationId xmlns:a16="http://schemas.microsoft.com/office/drawing/2014/main" id="{62C52896-DFC9-4769-8A21-2899D7035115}"/>
               </a:ext>
             </a:extLst>
           </p:cNvPr>
@@ -18522,13 +18497,14 @@
         </p:nvPicPr>
         <p:blipFill>
           <a:blip r:embed="rId2"/>
-          <a:srcRect/>
-          <a:stretch/>
+          <a:stretch>
+            <a:fillRect/>
+          </a:stretch>
         </p:blipFill>
         <p:spPr>
           <a:xfrm>
-            <a:off x="6096000" y="2096028"/>
-            <a:ext cx="5715798" cy="3810532"/>
+            <a:off x="3613492" y="3020438"/>
+            <a:ext cx="4974533" cy="3389414"/>
           </a:xfrm>
           <a:prstGeom prst="rect">
             <a:avLst/>
@@ -18538,7 +18514,7 @@
     </p:spTree>
     <p:extLst>
       <p:ext uri="{BB962C8B-B14F-4D97-AF65-F5344CB8AC3E}">
-        <p14:creationId xmlns:p14="http://schemas.microsoft.com/office/powerpoint/2010/main" val="1928417119"/>
+        <p14:creationId xmlns:p14="http://schemas.microsoft.com/office/powerpoint/2010/main" val="2644103294"/>
       </p:ext>
     </p:extLst>
   </p:cSld>
@@ -18567,10 +18543,10 @@
       </p:grpSpPr>
       <p:sp>
         <p:nvSpPr>
-          <p:cNvPr id="2" name="Title 1">
-            <a:extLst>
-              <a:ext uri="{FF2B5EF4-FFF2-40B4-BE49-F238E27FC236}">
-                <a16:creationId xmlns:a16="http://schemas.microsoft.com/office/drawing/2014/main" id="{D1BF0482-6913-4A5E-A533-479864CB5349}"/>
+          <p:cNvPr id="7" name="Title 6">
+            <a:extLst>
+              <a:ext uri="{FF2B5EF4-FFF2-40B4-BE49-F238E27FC236}">
+                <a16:creationId xmlns:a16="http://schemas.microsoft.com/office/drawing/2014/main" id="{104472AF-9F8F-4DDB-87F2-C7E7CE4538C8}"/>
               </a:ext>
             </a:extLst>
           </p:cNvPr>
@@ -18588,7 +18564,42 @@
           <a:p>
             <a:r>
               <a:rPr lang="en-US" dirty="0"/>
-              <a:t>AN LSTM MODEL: USING ALL DATA</a:t>
+              <a:t>COMPARISON AND</a:t>
+            </a:r>
+            <a:br>
+              <a:rPr lang="en-US" dirty="0"/>
+            </a:br>
+            <a:r>
+              <a:rPr lang="en-US" dirty="0"/>
+              <a:t>SUMMARY</a:t>
+            </a:r>
+          </a:p>
+        </p:txBody>
+      </p:sp>
+      <p:sp>
+        <p:nvSpPr>
+          <p:cNvPr id="8" name="Text Placeholder 7">
+            <a:extLst>
+              <a:ext uri="{FF2B5EF4-FFF2-40B4-BE49-F238E27FC236}">
+                <a16:creationId xmlns:a16="http://schemas.microsoft.com/office/drawing/2014/main" id="{DD688F21-A860-408B-AB59-DE6ECA0510A7}"/>
+              </a:ext>
+            </a:extLst>
+          </p:cNvPr>
+          <p:cNvSpPr>
+            <a:spLocks noGrp="1"/>
+          </p:cNvSpPr>
+          <p:nvPr>
+            <p:ph type="body" idx="1"/>
+          </p:nvPr>
+        </p:nvSpPr>
+        <p:spPr/>
+        <p:txBody>
+          <a:bodyPr/>
+          <a:lstStyle/>
+          <a:p>
+            <a:r>
+              <a:rPr lang="en-US" dirty="0"/>
+              <a:t>A look back at our models</a:t>
             </a:r>
           </a:p>
         </p:txBody>
@@ -18598,7 +18609,7 @@
           <p:cNvPr id="4" name="Date Placeholder 3">
             <a:extLst>
               <a:ext uri="{FF2B5EF4-FFF2-40B4-BE49-F238E27FC236}">
-                <a16:creationId xmlns:a16="http://schemas.microsoft.com/office/drawing/2014/main" id="{B23DAF35-209C-48FA-AAAB-F69E14183A91}"/>
+                <a16:creationId xmlns:a16="http://schemas.microsoft.com/office/drawing/2014/main" id="{2BDFDE93-390C-49C9-82C5-E17C875CFB35}"/>
               </a:ext>
             </a:extLst>
           </p:cNvPr>
@@ -18627,7 +18638,7 @@
           <p:cNvPr id="5" name="Footer Placeholder 4">
             <a:extLst>
               <a:ext uri="{FF2B5EF4-FFF2-40B4-BE49-F238E27FC236}">
-                <a16:creationId xmlns:a16="http://schemas.microsoft.com/office/drawing/2014/main" id="{3D8E22A6-180D-41CF-9959-4347A11F2AD1}"/>
+                <a16:creationId xmlns:a16="http://schemas.microsoft.com/office/drawing/2014/main" id="{112AF0ED-0352-4AB1-9F1D-E1A89A11AE24}"/>
               </a:ext>
             </a:extLst>
           </p:cNvPr>
@@ -18684,7 +18695,7 @@
           <p:cNvPr id="6" name="Slide Number Placeholder 5">
             <a:extLst>
               <a:ext uri="{FF2B5EF4-FFF2-40B4-BE49-F238E27FC236}">
-                <a16:creationId xmlns:a16="http://schemas.microsoft.com/office/drawing/2014/main" id="{CECE3146-0C2B-4CC7-BC7C-FD23AAF7ECAE}"/>
+                <a16:creationId xmlns:a16="http://schemas.microsoft.com/office/drawing/2014/main" id="{6089B17D-061B-423C-94B0-38D32F83111F}"/>
               </a:ext>
             </a:extLst>
           </p:cNvPr>
@@ -18708,93 +18719,10 @@
           </a:p>
         </p:txBody>
       </p:sp>
-      <p:sp>
-        <p:nvSpPr>
-          <p:cNvPr id="8" name="Content Placeholder 7">
-            <a:extLst>
-              <a:ext uri="{FF2B5EF4-FFF2-40B4-BE49-F238E27FC236}">
-                <a16:creationId xmlns:a16="http://schemas.microsoft.com/office/drawing/2014/main" id="{30C259F3-048F-4C4B-AC8C-24699B6ABD42}"/>
-              </a:ext>
-            </a:extLst>
-          </p:cNvPr>
-          <p:cNvSpPr>
-            <a:spLocks noGrp="1"/>
-          </p:cNvSpPr>
-          <p:nvPr>
-            <p:ph idx="1"/>
-          </p:nvPr>
-        </p:nvSpPr>
-        <p:spPr>
-          <a:xfrm>
-            <a:off x="838200" y="1825625"/>
-            <a:ext cx="5257800" cy="4351338"/>
-          </a:xfrm>
-        </p:spPr>
-        <p:txBody>
-          <a:bodyPr/>
-          <a:lstStyle/>
-          <a:p>
-            <a:r>
-              <a:rPr lang="en-US" dirty="0"/>
-              <a:t>Each minute from January 1</a:t>
-            </a:r>
-            <a:r>
-              <a:rPr lang="en-US" baseline="30000" dirty="0"/>
-              <a:t>st</a:t>
-            </a:r>
-            <a:r>
-              <a:rPr lang="en-US" dirty="0"/>
-              <a:t> to May 31</a:t>
-            </a:r>
-            <a:r>
-              <a:rPr lang="en-US" baseline="30000" dirty="0"/>
-              <a:t>st</a:t>
-            </a:r>
-          </a:p>
-          <a:p>
-            <a:r>
-              <a:rPr lang="en-US" dirty="0"/>
-              <a:t>Mean Relative Error:</a:t>
-            </a:r>
-          </a:p>
-          <a:p>
-            <a:endParaRPr lang="en-US" dirty="0"/>
-          </a:p>
-        </p:txBody>
-      </p:sp>
-      <p:pic>
-        <p:nvPicPr>
-          <p:cNvPr id="10" name="Picture 9">
-            <a:extLst>
-              <a:ext uri="{FF2B5EF4-FFF2-40B4-BE49-F238E27FC236}">
-                <a16:creationId xmlns:a16="http://schemas.microsoft.com/office/drawing/2014/main" id="{64B67945-AF39-4BB8-86D4-3E74D0B6AE5C}"/>
-              </a:ext>
-            </a:extLst>
-          </p:cNvPr>
-          <p:cNvPicPr>
-            <a:picLocks noChangeAspect="1"/>
-          </p:cNvPicPr>
-          <p:nvPr/>
-        </p:nvPicPr>
-        <p:blipFill>
-          <a:blip r:embed="rId2"/>
-          <a:srcRect/>
-          <a:stretch/>
-        </p:blipFill>
-        <p:spPr>
-          <a:xfrm>
-            <a:off x="6096000" y="2096028"/>
-            <a:ext cx="5715798" cy="3810532"/>
-          </a:xfrm>
-          <a:prstGeom prst="rect">
-            <a:avLst/>
-          </a:prstGeom>
-        </p:spPr>
-      </p:pic>
     </p:spTree>
     <p:extLst>
       <p:ext uri="{BB962C8B-B14F-4D97-AF65-F5344CB8AC3E}">
-        <p14:creationId xmlns:p14="http://schemas.microsoft.com/office/powerpoint/2010/main" val="3021477682"/>
+        <p14:creationId xmlns:p14="http://schemas.microsoft.com/office/powerpoint/2010/main" val="3177806857"/>
       </p:ext>
     </p:extLst>
   </p:cSld>
@@ -18823,10 +18751,10 @@
       </p:grpSpPr>
       <p:sp>
         <p:nvSpPr>
-          <p:cNvPr id="7" name="Title 6">
-            <a:extLst>
-              <a:ext uri="{FF2B5EF4-FFF2-40B4-BE49-F238E27FC236}">
-                <a16:creationId xmlns:a16="http://schemas.microsoft.com/office/drawing/2014/main" id="{104472AF-9F8F-4DDB-87F2-C7E7CE4538C8}"/>
+          <p:cNvPr id="2" name="Title 1">
+            <a:extLst>
+              <a:ext uri="{FF2B5EF4-FFF2-40B4-BE49-F238E27FC236}">
+                <a16:creationId xmlns:a16="http://schemas.microsoft.com/office/drawing/2014/main" id="{D1BF0482-6913-4A5E-A533-479864CB5349}"/>
               </a:ext>
             </a:extLst>
           </p:cNvPr>
@@ -18844,42 +18772,7 @@
           <a:p>
             <a:r>
               <a:rPr lang="en-US" dirty="0"/>
-              <a:t>COMPARISON AND</a:t>
-            </a:r>
-            <a:br>
-              <a:rPr lang="en-US" dirty="0"/>
-            </a:br>
-            <a:r>
-              <a:rPr lang="en-US" dirty="0"/>
-              <a:t>SUMMARY</a:t>
-            </a:r>
-          </a:p>
-        </p:txBody>
-      </p:sp>
-      <p:sp>
-        <p:nvSpPr>
-          <p:cNvPr id="8" name="Text Placeholder 7">
-            <a:extLst>
-              <a:ext uri="{FF2B5EF4-FFF2-40B4-BE49-F238E27FC236}">
-                <a16:creationId xmlns:a16="http://schemas.microsoft.com/office/drawing/2014/main" id="{DD688F21-A860-408B-AB59-DE6ECA0510A7}"/>
-              </a:ext>
-            </a:extLst>
-          </p:cNvPr>
-          <p:cNvSpPr>
-            <a:spLocks noGrp="1"/>
-          </p:cNvSpPr>
-          <p:nvPr>
-            <p:ph type="body" idx="1"/>
-          </p:nvPr>
-        </p:nvSpPr>
-        <p:spPr/>
-        <p:txBody>
-          <a:bodyPr/>
-          <a:lstStyle/>
-          <a:p>
-            <a:r>
-              <a:rPr lang="en-US" dirty="0"/>
-              <a:t>A look back at our models</a:t>
+              <a:t>MODEL COMPARISON: ARIMA</a:t>
             </a:r>
           </a:p>
         </p:txBody>
@@ -18889,7 +18782,7 @@
           <p:cNvPr id="4" name="Date Placeholder 3">
             <a:extLst>
               <a:ext uri="{FF2B5EF4-FFF2-40B4-BE49-F238E27FC236}">
-                <a16:creationId xmlns:a16="http://schemas.microsoft.com/office/drawing/2014/main" id="{2BDFDE93-390C-49C9-82C5-E17C875CFB35}"/>
+                <a16:creationId xmlns:a16="http://schemas.microsoft.com/office/drawing/2014/main" id="{B23DAF35-209C-48FA-AAAB-F69E14183A91}"/>
               </a:ext>
             </a:extLst>
           </p:cNvPr>
@@ -18918,7 +18811,7 @@
           <p:cNvPr id="5" name="Footer Placeholder 4">
             <a:extLst>
               <a:ext uri="{FF2B5EF4-FFF2-40B4-BE49-F238E27FC236}">
-                <a16:creationId xmlns:a16="http://schemas.microsoft.com/office/drawing/2014/main" id="{112AF0ED-0352-4AB1-9F1D-E1A89A11AE24}"/>
+                <a16:creationId xmlns:a16="http://schemas.microsoft.com/office/drawing/2014/main" id="{3D8E22A6-180D-41CF-9959-4347A11F2AD1}"/>
               </a:ext>
             </a:extLst>
           </p:cNvPr>
@@ -18975,7 +18868,7 @@
           <p:cNvPr id="6" name="Slide Number Placeholder 5">
             <a:extLst>
               <a:ext uri="{FF2B5EF4-FFF2-40B4-BE49-F238E27FC236}">
-                <a16:creationId xmlns:a16="http://schemas.microsoft.com/office/drawing/2014/main" id="{6089B17D-061B-423C-94B0-38D32F83111F}"/>
+                <a16:creationId xmlns:a16="http://schemas.microsoft.com/office/drawing/2014/main" id="{CECE3146-0C2B-4CC7-BC7C-FD23AAF7ECAE}"/>
               </a:ext>
             </a:extLst>
           </p:cNvPr>
@@ -18994,179 +18887,6 @@
             <a:fld id="{D57F1E4F-1CFF-5643-939E-02111984F565}" type="slidenum">
               <a:rPr lang="en-US" smtClean="0"/>
               <a:t>66</a:t>
-            </a:fld>
-            <a:endParaRPr lang="en-US" dirty="0"/>
-          </a:p>
-        </p:txBody>
-      </p:sp>
-    </p:spTree>
-    <p:extLst>
-      <p:ext uri="{BB962C8B-B14F-4D97-AF65-F5344CB8AC3E}">
-        <p14:creationId xmlns:p14="http://schemas.microsoft.com/office/powerpoint/2010/main" val="3177806857"/>
-      </p:ext>
-    </p:extLst>
-  </p:cSld>
-  <p:clrMapOvr>
-    <a:masterClrMapping/>
-  </p:clrMapOvr>
-</p:sld>
-</file>
-
-<file path=ppt/slides/slide67.xml><?xml version="1.0" encoding="utf-8"?>
-<p:sld xmlns:a="http://schemas.openxmlformats.org/drawingml/2006/main" xmlns:r="http://schemas.openxmlformats.org/officeDocument/2006/relationships" xmlns:p="http://schemas.openxmlformats.org/presentationml/2006/main">
-  <p:cSld>
-    <p:spTree>
-      <p:nvGrpSpPr>
-        <p:cNvPr id="1" name=""/>
-        <p:cNvGrpSpPr/>
-        <p:nvPr/>
-      </p:nvGrpSpPr>
-      <p:grpSpPr>
-        <a:xfrm>
-          <a:off x="0" y="0"/>
-          <a:ext cx="0" cy="0"/>
-          <a:chOff x="0" y="0"/>
-          <a:chExt cx="0" cy="0"/>
-        </a:xfrm>
-      </p:grpSpPr>
-      <p:sp>
-        <p:nvSpPr>
-          <p:cNvPr id="2" name="Title 1">
-            <a:extLst>
-              <a:ext uri="{FF2B5EF4-FFF2-40B4-BE49-F238E27FC236}">
-                <a16:creationId xmlns:a16="http://schemas.microsoft.com/office/drawing/2014/main" id="{D1BF0482-6913-4A5E-A533-479864CB5349}"/>
-              </a:ext>
-            </a:extLst>
-          </p:cNvPr>
-          <p:cNvSpPr>
-            <a:spLocks noGrp="1"/>
-          </p:cNvSpPr>
-          <p:nvPr>
-            <p:ph type="title"/>
-          </p:nvPr>
-        </p:nvSpPr>
-        <p:spPr/>
-        <p:txBody>
-          <a:bodyPr/>
-          <a:lstStyle/>
-          <a:p>
-            <a:r>
-              <a:rPr lang="en-US" dirty="0"/>
-              <a:t>MODEL COMPARISON: ARIMA</a:t>
-            </a:r>
-          </a:p>
-        </p:txBody>
-      </p:sp>
-      <p:sp>
-        <p:nvSpPr>
-          <p:cNvPr id="4" name="Date Placeholder 3">
-            <a:extLst>
-              <a:ext uri="{FF2B5EF4-FFF2-40B4-BE49-F238E27FC236}">
-                <a16:creationId xmlns:a16="http://schemas.microsoft.com/office/drawing/2014/main" id="{B23DAF35-209C-48FA-AAAB-F69E14183A91}"/>
-              </a:ext>
-            </a:extLst>
-          </p:cNvPr>
-          <p:cNvSpPr>
-            <a:spLocks noGrp="1"/>
-          </p:cNvSpPr>
-          <p:nvPr>
-            <p:ph type="dt" sz="half" idx="10"/>
-          </p:nvPr>
-        </p:nvSpPr>
-        <p:spPr/>
-        <p:txBody>
-          <a:bodyPr/>
-          <a:lstStyle/>
-          <a:p>
-            <a:fld id="{8AAE40A0-A7D8-4DC3-BC9E-BADA32DA2004}" type="datetime4">
-              <a:rPr lang="en-US" smtClean="0"/>
-              <a:t>July 30, 2019</a:t>
-            </a:fld>
-            <a:endParaRPr lang="en-US" dirty="0"/>
-          </a:p>
-        </p:txBody>
-      </p:sp>
-      <p:sp>
-        <p:nvSpPr>
-          <p:cNvPr id="5" name="Footer Placeholder 4">
-            <a:extLst>
-              <a:ext uri="{FF2B5EF4-FFF2-40B4-BE49-F238E27FC236}">
-                <a16:creationId xmlns:a16="http://schemas.microsoft.com/office/drawing/2014/main" id="{3D8E22A6-180D-41CF-9959-4347A11F2AD1}"/>
-              </a:ext>
-            </a:extLst>
-          </p:cNvPr>
-          <p:cNvSpPr>
-            <a:spLocks noGrp="1"/>
-          </p:cNvSpPr>
-          <p:nvPr>
-            <p:ph type="ftr" sz="quarter" idx="11"/>
-          </p:nvPr>
-        </p:nvSpPr>
-        <p:spPr/>
-        <p:txBody>
-          <a:bodyPr/>
-          <a:lstStyle/>
-          <a:p>
-            <a:r>
-              <a:rPr lang="en-US"/>
-              <a:t>Digital Scholarship Services </a:t>
-            </a:r>
-            <a:r>
-              <a:rPr lang="en-US">
-                <a:solidFill>
-                  <a:schemeClr val="accent1">
-                    <a:lumMod val="50000"/>
-                  </a:schemeClr>
-                </a:solidFill>
-              </a:rPr>
-              <a:t>| Email</a:t>
-            </a:r>
-            <a:r>
-              <a:rPr lang="en-US"/>
-              <a:t> cf24@rice.edu </a:t>
-            </a:r>
-            <a:r>
-              <a:rPr lang="en-US">
-                <a:solidFill>
-                  <a:schemeClr val="accent1">
-                    <a:lumMod val="50000"/>
-                  </a:schemeClr>
-                </a:solidFill>
-              </a:rPr>
-              <a:t>|</a:t>
-            </a:r>
-            <a:r>
-              <a:rPr lang="en-US"/>
-              <a:t> library.rice.edu/dss</a:t>
-            </a:r>
-            <a:endParaRPr lang="en-US" dirty="0"/>
-          </a:p>
-        </p:txBody>
-      </p:sp>
-      <p:sp>
-        <p:nvSpPr>
-          <p:cNvPr id="6" name="Slide Number Placeholder 5">
-            <a:extLst>
-              <a:ext uri="{FF2B5EF4-FFF2-40B4-BE49-F238E27FC236}">
-                <a16:creationId xmlns:a16="http://schemas.microsoft.com/office/drawing/2014/main" id="{CECE3146-0C2B-4CC7-BC7C-FD23AAF7ECAE}"/>
-              </a:ext>
-            </a:extLst>
-          </p:cNvPr>
-          <p:cNvSpPr>
-            <a:spLocks noGrp="1"/>
-          </p:cNvSpPr>
-          <p:nvPr>
-            <p:ph type="sldNum" sz="quarter" idx="12"/>
-          </p:nvPr>
-        </p:nvSpPr>
-        <p:spPr/>
-        <p:txBody>
-          <a:bodyPr/>
-          <a:lstStyle/>
-          <a:p>
-            <a:fld id="{D57F1E4F-1CFF-5643-939E-02111984F565}" type="slidenum">
-              <a:rPr lang="en-US" smtClean="0"/>
-              <a:t>67</a:t>
             </a:fld>
             <a:endParaRPr lang="en-US" dirty="0"/>
           </a:p>
@@ -19261,7 +18981,7 @@
 </p:sld>
 </file>
 
-<file path=ppt/slides/slide68.xml><?xml version="1.0" encoding="utf-8"?>
+<file path=ppt/slides/slide67.xml><?xml version="1.0" encoding="utf-8"?>
 <p:sld xmlns:a="http://schemas.openxmlformats.org/drawingml/2006/main" xmlns:r="http://schemas.openxmlformats.org/officeDocument/2006/relationships" xmlns:p="http://schemas.openxmlformats.org/presentationml/2006/main">
   <p:cSld>
     <p:spTree>
@@ -19415,7 +19135,7 @@
           <a:p>
             <a:fld id="{D57F1E4F-1CFF-5643-939E-02111984F565}" type="slidenum">
               <a:rPr lang="en-US" smtClean="0"/>
-              <a:t>68</a:t>
+              <a:t>67</a:t>
             </a:fld>
             <a:endParaRPr lang="en-US" dirty="0"/>
           </a:p>
@@ -19515,6 +19235,258 @@
 </p:sld>
 </file>
 
+<file path=ppt/slides/slide68.xml><?xml version="1.0" encoding="utf-8"?>
+<p:sld xmlns:a="http://schemas.openxmlformats.org/drawingml/2006/main" xmlns:r="http://schemas.openxmlformats.org/officeDocument/2006/relationships" xmlns:p="http://schemas.openxmlformats.org/presentationml/2006/main">
+  <p:cSld>
+    <p:spTree>
+      <p:nvGrpSpPr>
+        <p:cNvPr id="1" name=""/>
+        <p:cNvGrpSpPr/>
+        <p:nvPr/>
+      </p:nvGrpSpPr>
+      <p:grpSpPr>
+        <a:xfrm>
+          <a:off x="0" y="0"/>
+          <a:ext cx="0" cy="0"/>
+          <a:chOff x="0" y="0"/>
+          <a:chExt cx="0" cy="0"/>
+        </a:xfrm>
+      </p:grpSpPr>
+      <p:sp>
+        <p:nvSpPr>
+          <p:cNvPr id="2" name="Title 1">
+            <a:extLst>
+              <a:ext uri="{FF2B5EF4-FFF2-40B4-BE49-F238E27FC236}">
+                <a16:creationId xmlns:a16="http://schemas.microsoft.com/office/drawing/2014/main" id="{0A17E1CB-6C3C-4BC7-8386-7D3C4C842418}"/>
+              </a:ext>
+            </a:extLst>
+          </p:cNvPr>
+          <p:cNvSpPr>
+            <a:spLocks noGrp="1"/>
+          </p:cNvSpPr>
+          <p:nvPr>
+            <p:ph type="title"/>
+          </p:nvPr>
+        </p:nvSpPr>
+        <p:spPr/>
+        <p:txBody>
+          <a:bodyPr/>
+          <a:lstStyle/>
+          <a:p>
+            <a:r>
+              <a:rPr lang="en-US" dirty="0"/>
+              <a:t>MODEL STRENGTHS</a:t>
+            </a:r>
+          </a:p>
+        </p:txBody>
+      </p:sp>
+      <p:sp>
+        <p:nvSpPr>
+          <p:cNvPr id="3" name="Content Placeholder 2">
+            <a:extLst>
+              <a:ext uri="{FF2B5EF4-FFF2-40B4-BE49-F238E27FC236}">
+                <a16:creationId xmlns:a16="http://schemas.microsoft.com/office/drawing/2014/main" id="{FAB0179F-E1A1-4EC1-ADBD-FF50D7EA5440}"/>
+              </a:ext>
+            </a:extLst>
+          </p:cNvPr>
+          <p:cNvSpPr>
+            <a:spLocks noGrp="1"/>
+          </p:cNvSpPr>
+          <p:nvPr>
+            <p:ph idx="1"/>
+          </p:nvPr>
+        </p:nvSpPr>
+        <p:spPr>
+          <a:xfrm>
+            <a:off x="838200" y="1811034"/>
+            <a:ext cx="10515600" cy="4351338"/>
+          </a:xfrm>
+        </p:spPr>
+        <p:txBody>
+          <a:bodyPr/>
+          <a:lstStyle/>
+          <a:p>
+            <a:r>
+              <a:rPr lang="en-US" dirty="0"/>
+              <a:t>ARIMA</a:t>
+            </a:r>
+          </a:p>
+          <a:p>
+            <a:pPr lvl="1"/>
+            <a:r>
+              <a:rPr lang="en-US" dirty="0"/>
+              <a:t>Flexible, interpretable, not too complicated to estimate parameters, easy to tweak</a:t>
+            </a:r>
+          </a:p>
+          <a:p>
+            <a:r>
+              <a:rPr lang="en-US" dirty="0"/>
+              <a:t>Prophet</a:t>
+            </a:r>
+          </a:p>
+          <a:p>
+            <a:pPr lvl="1"/>
+            <a:r>
+              <a:rPr lang="en-US" dirty="0"/>
+              <a:t>Great for business-style forecasting (Facebook’s interest), fast, interpretable, holidays, longer seasonality</a:t>
+            </a:r>
+          </a:p>
+          <a:p>
+            <a:r>
+              <a:rPr lang="en-US" dirty="0"/>
+              <a:t>Simple RNN</a:t>
+            </a:r>
+          </a:p>
+          <a:p>
+            <a:pPr lvl="1"/>
+            <a:r>
+              <a:rPr lang="en-US" dirty="0"/>
+              <a:t>Somewhat less complicated than LSTM</a:t>
+            </a:r>
+          </a:p>
+          <a:p>
+            <a:r>
+              <a:rPr lang="en-US" dirty="0"/>
+              <a:t>LSTM</a:t>
+            </a:r>
+          </a:p>
+          <a:p>
+            <a:pPr lvl="1"/>
+            <a:r>
+              <a:rPr lang="en-US" dirty="0"/>
+              <a:t>Highest ceiling, extreme flexibility</a:t>
+            </a:r>
+          </a:p>
+        </p:txBody>
+      </p:sp>
+      <p:sp>
+        <p:nvSpPr>
+          <p:cNvPr id="4" name="Date Placeholder 3">
+            <a:extLst>
+              <a:ext uri="{FF2B5EF4-FFF2-40B4-BE49-F238E27FC236}">
+                <a16:creationId xmlns:a16="http://schemas.microsoft.com/office/drawing/2014/main" id="{8A58F40E-A27B-49B2-B497-6F5BD5CEE0FD}"/>
+              </a:ext>
+            </a:extLst>
+          </p:cNvPr>
+          <p:cNvSpPr>
+            <a:spLocks noGrp="1"/>
+          </p:cNvSpPr>
+          <p:nvPr>
+            <p:ph type="dt" sz="half" idx="10"/>
+          </p:nvPr>
+        </p:nvSpPr>
+        <p:spPr/>
+        <p:txBody>
+          <a:bodyPr/>
+          <a:lstStyle/>
+          <a:p>
+            <a:fld id="{8AAE40A0-A7D8-4DC3-BC9E-BADA32DA2004}" type="datetime4">
+              <a:rPr lang="en-US" smtClean="0"/>
+              <a:t>July 30, 2019</a:t>
+            </a:fld>
+            <a:endParaRPr lang="en-US" dirty="0"/>
+          </a:p>
+        </p:txBody>
+      </p:sp>
+      <p:sp>
+        <p:nvSpPr>
+          <p:cNvPr id="5" name="Footer Placeholder 4">
+            <a:extLst>
+              <a:ext uri="{FF2B5EF4-FFF2-40B4-BE49-F238E27FC236}">
+                <a16:creationId xmlns:a16="http://schemas.microsoft.com/office/drawing/2014/main" id="{4CD04C65-71CE-41A8-A0E2-02185BFF3E8E}"/>
+              </a:ext>
+            </a:extLst>
+          </p:cNvPr>
+          <p:cNvSpPr>
+            <a:spLocks noGrp="1"/>
+          </p:cNvSpPr>
+          <p:nvPr>
+            <p:ph type="ftr" sz="quarter" idx="11"/>
+          </p:nvPr>
+        </p:nvSpPr>
+        <p:spPr/>
+        <p:txBody>
+          <a:bodyPr/>
+          <a:lstStyle/>
+          <a:p>
+            <a:r>
+              <a:rPr lang="en-US"/>
+              <a:t>Digital Scholarship Services </a:t>
+            </a:r>
+            <a:r>
+              <a:rPr lang="en-US">
+                <a:solidFill>
+                  <a:schemeClr val="accent1">
+                    <a:lumMod val="50000"/>
+                  </a:schemeClr>
+                </a:solidFill>
+              </a:rPr>
+              <a:t>| Email</a:t>
+            </a:r>
+            <a:r>
+              <a:rPr lang="en-US"/>
+              <a:t> cf24@rice.edu </a:t>
+            </a:r>
+            <a:r>
+              <a:rPr lang="en-US">
+                <a:solidFill>
+                  <a:schemeClr val="accent1">
+                    <a:lumMod val="50000"/>
+                  </a:schemeClr>
+                </a:solidFill>
+              </a:rPr>
+              <a:t>|</a:t>
+            </a:r>
+            <a:r>
+              <a:rPr lang="en-US"/>
+              <a:t> library.rice.edu/dss</a:t>
+            </a:r>
+            <a:endParaRPr lang="en-US" dirty="0"/>
+          </a:p>
+        </p:txBody>
+      </p:sp>
+      <p:sp>
+        <p:nvSpPr>
+          <p:cNvPr id="6" name="Slide Number Placeholder 5">
+            <a:extLst>
+              <a:ext uri="{FF2B5EF4-FFF2-40B4-BE49-F238E27FC236}">
+                <a16:creationId xmlns:a16="http://schemas.microsoft.com/office/drawing/2014/main" id="{65AF10BF-F78F-40C0-B461-213D5763B751}"/>
+              </a:ext>
+            </a:extLst>
+          </p:cNvPr>
+          <p:cNvSpPr>
+            <a:spLocks noGrp="1"/>
+          </p:cNvSpPr>
+          <p:nvPr>
+            <p:ph type="sldNum" sz="quarter" idx="12"/>
+          </p:nvPr>
+        </p:nvSpPr>
+        <p:spPr/>
+        <p:txBody>
+          <a:bodyPr/>
+          <a:lstStyle/>
+          <a:p>
+            <a:fld id="{D57F1E4F-1CFF-5643-939E-02111984F565}" type="slidenum">
+              <a:rPr lang="en-US" smtClean="0"/>
+              <a:t>68</a:t>
+            </a:fld>
+            <a:endParaRPr lang="en-US" dirty="0"/>
+          </a:p>
+        </p:txBody>
+      </p:sp>
+    </p:spTree>
+    <p:extLst>
+      <p:ext uri="{BB962C8B-B14F-4D97-AF65-F5344CB8AC3E}">
+        <p14:creationId xmlns:p14="http://schemas.microsoft.com/office/powerpoint/2010/main" val="1759267313"/>
+      </p:ext>
+    </p:extLst>
+  </p:cSld>
+  <p:clrMapOvr>
+    <a:masterClrMapping/>
+  </p:clrMapOvr>
+</p:sld>
+</file>
+
 <file path=ppt/slides/slide69.xml><?xml version="1.0" encoding="utf-8"?>
 <p:sld xmlns:a="http://schemas.openxmlformats.org/drawingml/2006/main" xmlns:r="http://schemas.openxmlformats.org/officeDocument/2006/relationships" xmlns:p="http://schemas.openxmlformats.org/presentationml/2006/main">
   <p:cSld>
@@ -19537,7 +19509,7 @@
           <p:cNvPr id="2" name="Title 1">
             <a:extLst>
               <a:ext uri="{FF2B5EF4-FFF2-40B4-BE49-F238E27FC236}">
-                <a16:creationId xmlns:a16="http://schemas.microsoft.com/office/drawing/2014/main" id="{D1BF0482-6913-4A5E-A533-479864CB5349}"/>
+                <a16:creationId xmlns:a16="http://schemas.microsoft.com/office/drawing/2014/main" id="{0A17E1CB-6C3C-4BC7-8386-7D3C4C842418}"/>
               </a:ext>
             </a:extLst>
           </p:cNvPr>
@@ -19555,7 +19527,86 @@
           <a:p>
             <a:r>
               <a:rPr lang="en-US" dirty="0"/>
-              <a:t>MODEL COMPARISON: RNN</a:t>
+              <a:t>MODEL WEAKNESSES</a:t>
+            </a:r>
+          </a:p>
+        </p:txBody>
+      </p:sp>
+      <p:sp>
+        <p:nvSpPr>
+          <p:cNvPr id="3" name="Content Placeholder 2">
+            <a:extLst>
+              <a:ext uri="{FF2B5EF4-FFF2-40B4-BE49-F238E27FC236}">
+                <a16:creationId xmlns:a16="http://schemas.microsoft.com/office/drawing/2014/main" id="{FAB0179F-E1A1-4EC1-ADBD-FF50D7EA5440}"/>
+              </a:ext>
+            </a:extLst>
+          </p:cNvPr>
+          <p:cNvSpPr>
+            <a:spLocks noGrp="1"/>
+          </p:cNvSpPr>
+          <p:nvPr>
+            <p:ph idx="1"/>
+          </p:nvPr>
+        </p:nvSpPr>
+        <p:spPr>
+          <a:xfrm>
+            <a:off x="838200" y="1811034"/>
+            <a:ext cx="10515600" cy="4351338"/>
+          </a:xfrm>
+        </p:spPr>
+        <p:txBody>
+          <a:bodyPr/>
+          <a:lstStyle/>
+          <a:p>
+            <a:r>
+              <a:rPr lang="en-US" dirty="0"/>
+              <a:t>ARIMA</a:t>
+            </a:r>
+          </a:p>
+          <a:p>
+            <a:pPr lvl="1"/>
+            <a:r>
+              <a:rPr lang="en-US" dirty="0"/>
+              <a:t>Bad at longer seasonal trends, never forgets</a:t>
+            </a:r>
+          </a:p>
+          <a:p>
+            <a:r>
+              <a:rPr lang="en-US" dirty="0"/>
+              <a:t>Prophet</a:t>
+            </a:r>
+          </a:p>
+          <a:p>
+            <a:pPr lvl="1"/>
+            <a:r>
+              <a:rPr lang="en-US" dirty="0"/>
+              <a:t>Annoying interface, not a mature package</a:t>
+            </a:r>
+          </a:p>
+          <a:p>
+            <a:r>
+              <a:rPr lang="en-US" dirty="0"/>
+              <a:t>Simple RNN</a:t>
+            </a:r>
+          </a:p>
+          <a:p>
+            <a:pPr lvl="1"/>
+            <a:r>
+              <a:rPr lang="en-US" dirty="0"/>
+              <a:t>All the drawbacks of LSTM, but also less flexibility</a:t>
+            </a:r>
+          </a:p>
+          <a:p>
+            <a:r>
+              <a:rPr lang="en-US" dirty="0"/>
+              <a:t>LSTM</a:t>
+            </a:r>
+          </a:p>
+          <a:p>
+            <a:pPr lvl="1"/>
+            <a:r>
+              <a:rPr lang="en-US" dirty="0"/>
+              <a:t>Can be very finicky to train, uninterpretable, extremely slow and resource-intensive, requires tons of data</a:t>
             </a:r>
           </a:p>
         </p:txBody>
@@ -19565,7 +19616,7 @@
           <p:cNvPr id="4" name="Date Placeholder 3">
             <a:extLst>
               <a:ext uri="{FF2B5EF4-FFF2-40B4-BE49-F238E27FC236}">
-                <a16:creationId xmlns:a16="http://schemas.microsoft.com/office/drawing/2014/main" id="{B23DAF35-209C-48FA-AAAB-F69E14183A91}"/>
+                <a16:creationId xmlns:a16="http://schemas.microsoft.com/office/drawing/2014/main" id="{8A58F40E-A27B-49B2-B497-6F5BD5CEE0FD}"/>
               </a:ext>
             </a:extLst>
           </p:cNvPr>
@@ -19594,7 +19645,7 @@
           <p:cNvPr id="5" name="Footer Placeholder 4">
             <a:extLst>
               <a:ext uri="{FF2B5EF4-FFF2-40B4-BE49-F238E27FC236}">
-                <a16:creationId xmlns:a16="http://schemas.microsoft.com/office/drawing/2014/main" id="{3D8E22A6-180D-41CF-9959-4347A11F2AD1}"/>
+                <a16:creationId xmlns:a16="http://schemas.microsoft.com/office/drawing/2014/main" id="{4CD04C65-71CE-41A8-A0E2-02185BFF3E8E}"/>
               </a:ext>
             </a:extLst>
           </p:cNvPr>
@@ -19651,7 +19702,7 @@
           <p:cNvPr id="6" name="Slide Number Placeholder 5">
             <a:extLst>
               <a:ext uri="{FF2B5EF4-FFF2-40B4-BE49-F238E27FC236}">
-                <a16:creationId xmlns:a16="http://schemas.microsoft.com/office/drawing/2014/main" id="{CECE3146-0C2B-4CC7-BC7C-FD23AAF7ECAE}"/>
+                <a16:creationId xmlns:a16="http://schemas.microsoft.com/office/drawing/2014/main" id="{65AF10BF-F78F-40C0-B461-213D5763B751}"/>
               </a:ext>
             </a:extLst>
           </p:cNvPr>
@@ -19675,91 +19726,10 @@
           </a:p>
         </p:txBody>
       </p:sp>
-      <p:sp>
-        <p:nvSpPr>
-          <p:cNvPr id="8" name="Content Placeholder 7">
-            <a:extLst>
-              <a:ext uri="{FF2B5EF4-FFF2-40B4-BE49-F238E27FC236}">
-                <a16:creationId xmlns:a16="http://schemas.microsoft.com/office/drawing/2014/main" id="{30C259F3-048F-4C4B-AC8C-24699B6ABD42}"/>
-              </a:ext>
-            </a:extLst>
-          </p:cNvPr>
-          <p:cNvSpPr>
-            <a:spLocks noGrp="1"/>
-          </p:cNvSpPr>
-          <p:nvPr>
-            <p:ph idx="1"/>
-          </p:nvPr>
-        </p:nvSpPr>
-        <p:spPr>
-          <a:xfrm>
-            <a:off x="838200" y="1825625"/>
-            <a:ext cx="5257800" cy="4351338"/>
-          </a:xfrm>
-        </p:spPr>
-        <p:txBody>
-          <a:bodyPr/>
-          <a:lstStyle/>
-          <a:p>
-            <a:r>
-              <a:rPr lang="en-US" dirty="0"/>
-              <a:t>Mean Relative Error: 7.4%</a:t>
-            </a:r>
-          </a:p>
-          <a:p>
-            <a:r>
-              <a:rPr lang="en-US" dirty="0"/>
-              <a:t>Very interested in cycles</a:t>
-            </a:r>
-          </a:p>
-          <a:p>
-            <a:r>
-              <a:rPr lang="en-US" dirty="0"/>
-              <a:t>Not bad, but slightly worse than ARIMA</a:t>
-            </a:r>
-          </a:p>
-          <a:p>
-            <a:pPr lvl="1"/>
-            <a:r>
-              <a:rPr lang="en-US" dirty="0"/>
-              <a:t>Much faster, though</a:t>
-            </a:r>
-          </a:p>
-        </p:txBody>
-      </p:sp>
-      <p:pic>
-        <p:nvPicPr>
-          <p:cNvPr id="10" name="Picture 9">
-            <a:extLst>
-              <a:ext uri="{FF2B5EF4-FFF2-40B4-BE49-F238E27FC236}">
-                <a16:creationId xmlns:a16="http://schemas.microsoft.com/office/drawing/2014/main" id="{64B67945-AF39-4BB8-86D4-3E74D0B6AE5C}"/>
-              </a:ext>
-            </a:extLst>
-          </p:cNvPr>
-          <p:cNvPicPr>
-            <a:picLocks noChangeAspect="1"/>
-          </p:cNvPicPr>
-          <p:nvPr/>
-        </p:nvPicPr>
-        <p:blipFill>
-          <a:blip r:embed="rId2"/>
-          <a:srcRect/>
-          <a:stretch/>
-        </p:blipFill>
-        <p:spPr>
-          <a:xfrm>
-            <a:off x="6096000" y="2096028"/>
-            <a:ext cx="5715798" cy="3810532"/>
-          </a:xfrm>
-          <a:prstGeom prst="rect">
-            <a:avLst/>
-          </a:prstGeom>
-        </p:spPr>
-      </p:pic>
     </p:spTree>
     <p:extLst>
       <p:ext uri="{BB962C8B-B14F-4D97-AF65-F5344CB8AC3E}">
-        <p14:creationId xmlns:p14="http://schemas.microsoft.com/office/powerpoint/2010/main" val="2278730989"/>
+        <p14:creationId xmlns:p14="http://schemas.microsoft.com/office/powerpoint/2010/main" val="2589269930"/>
       </p:ext>
     </p:extLst>
   </p:cSld>
@@ -19999,7 +19969,7 @@
           <p:cNvPr id="2" name="Title 1">
             <a:extLst>
               <a:ext uri="{FF2B5EF4-FFF2-40B4-BE49-F238E27FC236}">
-                <a16:creationId xmlns:a16="http://schemas.microsoft.com/office/drawing/2014/main" id="{D1BF0482-6913-4A5E-A533-479864CB5349}"/>
+                <a16:creationId xmlns:a16="http://schemas.microsoft.com/office/drawing/2014/main" id="{0A17E1CB-6C3C-4BC7-8386-7D3C4C842418}"/>
               </a:ext>
             </a:extLst>
           </p:cNvPr>
@@ -20017,7 +19987,101 @@
           <a:p>
             <a:r>
               <a:rPr lang="en-US" dirty="0"/>
-              <a:t>MODEL COMPARISON: LSTM</a:t>
+              <a:t>MY PERSONAL ADVICE</a:t>
+            </a:r>
+          </a:p>
+        </p:txBody>
+      </p:sp>
+      <p:sp>
+        <p:nvSpPr>
+          <p:cNvPr id="3" name="Content Placeholder 2">
+            <a:extLst>
+              <a:ext uri="{FF2B5EF4-FFF2-40B4-BE49-F238E27FC236}">
+                <a16:creationId xmlns:a16="http://schemas.microsoft.com/office/drawing/2014/main" id="{FAB0179F-E1A1-4EC1-ADBD-FF50D7EA5440}"/>
+              </a:ext>
+            </a:extLst>
+          </p:cNvPr>
+          <p:cNvSpPr>
+            <a:spLocks noGrp="1"/>
+          </p:cNvSpPr>
+          <p:nvPr>
+            <p:ph idx="1"/>
+          </p:nvPr>
+        </p:nvSpPr>
+        <p:spPr>
+          <a:xfrm>
+            <a:off x="838200" y="1811034"/>
+            <a:ext cx="10515600" cy="4351338"/>
+          </a:xfrm>
+        </p:spPr>
+        <p:txBody>
+          <a:bodyPr>
+            <a:normAutofit fontScale="92500"/>
+          </a:bodyPr>
+          <a:lstStyle/>
+          <a:p>
+            <a:r>
+              <a:rPr lang="en-US" dirty="0"/>
+              <a:t>Visualize your data extensively</a:t>
+            </a:r>
+          </a:p>
+          <a:p>
+            <a:pPr lvl="1"/>
+            <a:r>
+              <a:rPr lang="en-US" dirty="0"/>
+              <a:t>Lots of great insights can be found</a:t>
+            </a:r>
+          </a:p>
+          <a:p>
+            <a:pPr lvl="1"/>
+            <a:r>
+              <a:rPr lang="en-US" dirty="0"/>
+              <a:t>Lagged scatterplots, plots by day/week/hour of day, (partial)-autocorrelation plots</a:t>
+            </a:r>
+          </a:p>
+          <a:p>
+            <a:r>
+              <a:rPr lang="en-US" dirty="0"/>
+              <a:t>Make it stationary</a:t>
+            </a:r>
+          </a:p>
+          <a:p>
+            <a:pPr lvl="1"/>
+            <a:r>
+              <a:rPr lang="en-US" dirty="0"/>
+              <a:t>This will help you understand the data more</a:t>
+            </a:r>
+          </a:p>
+          <a:p>
+            <a:r>
+              <a:rPr lang="en-US" dirty="0"/>
+              <a:t>Start with a Prophet model</a:t>
+            </a:r>
+          </a:p>
+          <a:p>
+            <a:pPr lvl="1"/>
+            <a:r>
+              <a:rPr lang="en-US" dirty="0"/>
+              <a:t>Quick and fast</a:t>
+            </a:r>
+          </a:p>
+          <a:p>
+            <a:r>
+              <a:rPr lang="en-US" dirty="0"/>
+              <a:t>Try out a few ARIMA models</a:t>
+            </a:r>
+          </a:p>
+          <a:p>
+            <a:pPr lvl="1"/>
+            <a:r>
+              <a:rPr lang="en-US" dirty="0"/>
+              <a:t>Tweak the parameters a little bit</a:t>
+            </a:r>
+          </a:p>
+          <a:p>
+            <a:r>
+              <a:rPr lang="en-US" dirty="0"/>
+              <a:t>If, and only if, these models don’t meet your needs, build and tune an LSTM</a:t>
             </a:r>
           </a:p>
         </p:txBody>
@@ -20027,7 +20091,7 @@
           <p:cNvPr id="4" name="Date Placeholder 3">
             <a:extLst>
               <a:ext uri="{FF2B5EF4-FFF2-40B4-BE49-F238E27FC236}">
-                <a16:creationId xmlns:a16="http://schemas.microsoft.com/office/drawing/2014/main" id="{B23DAF35-209C-48FA-AAAB-F69E14183A91}"/>
+                <a16:creationId xmlns:a16="http://schemas.microsoft.com/office/drawing/2014/main" id="{8A58F40E-A27B-49B2-B497-6F5BD5CEE0FD}"/>
               </a:ext>
             </a:extLst>
           </p:cNvPr>
@@ -20056,7 +20120,7 @@
           <p:cNvPr id="5" name="Footer Placeholder 4">
             <a:extLst>
               <a:ext uri="{FF2B5EF4-FFF2-40B4-BE49-F238E27FC236}">
-                <a16:creationId xmlns:a16="http://schemas.microsoft.com/office/drawing/2014/main" id="{3D8E22A6-180D-41CF-9959-4347A11F2AD1}"/>
+                <a16:creationId xmlns:a16="http://schemas.microsoft.com/office/drawing/2014/main" id="{4CD04C65-71CE-41A8-A0E2-02185BFF3E8E}"/>
               </a:ext>
             </a:extLst>
           </p:cNvPr>
@@ -20113,7 +20177,7 @@
           <p:cNvPr id="6" name="Slide Number Placeholder 5">
             <a:extLst>
               <a:ext uri="{FF2B5EF4-FFF2-40B4-BE49-F238E27FC236}">
-                <a16:creationId xmlns:a16="http://schemas.microsoft.com/office/drawing/2014/main" id="{CECE3146-0C2B-4CC7-BC7C-FD23AAF7ECAE}"/>
+                <a16:creationId xmlns:a16="http://schemas.microsoft.com/office/drawing/2014/main" id="{65AF10BF-F78F-40C0-B461-213D5763B751}"/>
               </a:ext>
             </a:extLst>
           </p:cNvPr>
@@ -20137,91 +20201,10 @@
           </a:p>
         </p:txBody>
       </p:sp>
-      <p:sp>
-        <p:nvSpPr>
-          <p:cNvPr id="8" name="Content Placeholder 7">
-            <a:extLst>
-              <a:ext uri="{FF2B5EF4-FFF2-40B4-BE49-F238E27FC236}">
-                <a16:creationId xmlns:a16="http://schemas.microsoft.com/office/drawing/2014/main" id="{30C259F3-048F-4C4B-AC8C-24699B6ABD42}"/>
-              </a:ext>
-            </a:extLst>
-          </p:cNvPr>
-          <p:cNvSpPr>
-            <a:spLocks noGrp="1"/>
-          </p:cNvSpPr>
-          <p:nvPr>
-            <p:ph idx="1"/>
-          </p:nvPr>
-        </p:nvSpPr>
-        <p:spPr>
-          <a:xfrm>
-            <a:off x="838200" y="1825625"/>
-            <a:ext cx="5257800" cy="4351338"/>
-          </a:xfrm>
-        </p:spPr>
-        <p:txBody>
-          <a:bodyPr/>
-          <a:lstStyle/>
-          <a:p>
-            <a:r>
-              <a:rPr lang="en-US" dirty="0"/>
-              <a:t>Mean Relative Error: 7.4%</a:t>
-            </a:r>
-          </a:p>
-          <a:p>
-            <a:r>
-              <a:rPr lang="en-US" dirty="0"/>
-              <a:t>Very interested in cycles</a:t>
-            </a:r>
-          </a:p>
-          <a:p>
-            <a:r>
-              <a:rPr lang="en-US" dirty="0"/>
-              <a:t>Not bad, but slightly worse than ARIMA</a:t>
-            </a:r>
-          </a:p>
-          <a:p>
-            <a:pPr lvl="1"/>
-            <a:r>
-              <a:rPr lang="en-US" dirty="0"/>
-              <a:t>Much faster, though</a:t>
-            </a:r>
-          </a:p>
-        </p:txBody>
-      </p:sp>
-      <p:pic>
-        <p:nvPicPr>
-          <p:cNvPr id="10" name="Picture 9">
-            <a:extLst>
-              <a:ext uri="{FF2B5EF4-FFF2-40B4-BE49-F238E27FC236}">
-                <a16:creationId xmlns:a16="http://schemas.microsoft.com/office/drawing/2014/main" id="{64B67945-AF39-4BB8-86D4-3E74D0B6AE5C}"/>
-              </a:ext>
-            </a:extLst>
-          </p:cNvPr>
-          <p:cNvPicPr>
-            <a:picLocks noChangeAspect="1"/>
-          </p:cNvPicPr>
-          <p:nvPr/>
-        </p:nvPicPr>
-        <p:blipFill>
-          <a:blip r:embed="rId2"/>
-          <a:srcRect/>
-          <a:stretch/>
-        </p:blipFill>
-        <p:spPr>
-          <a:xfrm>
-            <a:off x="6096000" y="2096028"/>
-            <a:ext cx="5715798" cy="3810532"/>
-          </a:xfrm>
-          <a:prstGeom prst="rect">
-            <a:avLst/>
-          </a:prstGeom>
-        </p:spPr>
-      </p:pic>
     </p:spTree>
     <p:extLst>
       <p:ext uri="{BB962C8B-B14F-4D97-AF65-F5344CB8AC3E}">
-        <p14:creationId xmlns:p14="http://schemas.microsoft.com/office/powerpoint/2010/main" val="2453879310"/>
+        <p14:creationId xmlns:p14="http://schemas.microsoft.com/office/powerpoint/2010/main" val="2224208961"/>
       </p:ext>
     </p:extLst>
   </p:cSld>
@@ -20250,10 +20233,10 @@
       </p:grpSpPr>
       <p:sp>
         <p:nvSpPr>
-          <p:cNvPr id="2" name="Title 1">
-            <a:extLst>
-              <a:ext uri="{FF2B5EF4-FFF2-40B4-BE49-F238E27FC236}">
-                <a16:creationId xmlns:a16="http://schemas.microsoft.com/office/drawing/2014/main" id="{0A17E1CB-6C3C-4BC7-8386-7D3C4C842418}"/>
+          <p:cNvPr id="7" name="Title 6">
+            <a:extLst>
+              <a:ext uri="{FF2B5EF4-FFF2-40B4-BE49-F238E27FC236}">
+                <a16:creationId xmlns:a16="http://schemas.microsoft.com/office/drawing/2014/main" id="{495B4BC0-844B-4414-A623-BEF78AAC1BA1}"/>
               </a:ext>
             </a:extLst>
           </p:cNvPr>
@@ -20271,17 +20254,17 @@
           <a:p>
             <a:r>
               <a:rPr lang="en-US" dirty="0"/>
-              <a:t>MODEL STRENGTHS</a:t>
-            </a:r>
-          </a:p>
-        </p:txBody>
-      </p:sp>
-      <p:sp>
-        <p:nvSpPr>
-          <p:cNvPr id="3" name="Content Placeholder 2">
-            <a:extLst>
-              <a:ext uri="{FF2B5EF4-FFF2-40B4-BE49-F238E27FC236}">
-                <a16:creationId xmlns:a16="http://schemas.microsoft.com/office/drawing/2014/main" id="{FAB0179F-E1A1-4EC1-ADBD-FF50D7EA5440}"/>
+              <a:t>ACKNOWLEDGMENTS</a:t>
+            </a:r>
+          </a:p>
+        </p:txBody>
+      </p:sp>
+      <p:sp>
+        <p:nvSpPr>
+          <p:cNvPr id="8" name="Content Placeholder 7">
+            <a:extLst>
+              <a:ext uri="{FF2B5EF4-FFF2-40B4-BE49-F238E27FC236}">
+                <a16:creationId xmlns:a16="http://schemas.microsoft.com/office/drawing/2014/main" id="{2BED3EB3-7E98-4A82-8335-7321D9E37B16}"/>
               </a:ext>
             </a:extLst>
           </p:cNvPr>
@@ -20292,66 +20275,78 @@
             <p:ph idx="1"/>
           </p:nvPr>
         </p:nvSpPr>
-        <p:spPr>
-          <a:xfrm>
-            <a:off x="838200" y="1811034"/>
-            <a:ext cx="10515600" cy="4351338"/>
-          </a:xfrm>
-        </p:spPr>
-        <p:txBody>
-          <a:bodyPr/>
-          <a:lstStyle/>
-          <a:p>
-            <a:r>
-              <a:rPr lang="en-US" dirty="0"/>
-              <a:t>ARIMA</a:t>
-            </a:r>
-          </a:p>
-          <a:p>
-            <a:pPr lvl="1"/>
-            <a:r>
-              <a:rPr lang="en-US" dirty="0"/>
-              <a:t>Flexible, interpretable, not too complicated to estimate parameters, easy to tweak</a:t>
-            </a:r>
-          </a:p>
-          <a:p>
-            <a:r>
-              <a:rPr lang="en-US" dirty="0"/>
-              <a:t>Prophet</a:t>
-            </a:r>
-          </a:p>
-          <a:p>
-            <a:pPr lvl="1"/>
-            <a:r>
-              <a:rPr lang="en-US" dirty="0"/>
-              <a:t>Great for business-style forecasting (Facebook’s interest), fast, interpretable, holidays, longer seasonality</a:t>
-            </a:r>
-          </a:p>
-          <a:p>
-            <a:r>
-              <a:rPr lang="en-US" dirty="0"/>
-              <a:t>Simple RNN</a:t>
-            </a:r>
-          </a:p>
-          <a:p>
-            <a:pPr lvl="1"/>
-            <a:r>
-              <a:rPr lang="en-US" dirty="0"/>
-              <a:t>Somewhat less complicated than LSTM</a:t>
-            </a:r>
-          </a:p>
-          <a:p>
-            <a:r>
-              <a:rPr lang="en-US" dirty="0"/>
-              <a:t>LSTM</a:t>
-            </a:r>
-          </a:p>
-          <a:p>
-            <a:pPr lvl="1"/>
-            <a:r>
-              <a:rPr lang="en-US" dirty="0"/>
-              <a:t>Highest ceiling, extreme flexibility</a:t>
-            </a:r>
+        <p:spPr/>
+        <p:txBody>
+          <a:bodyPr>
+            <a:normAutofit fontScale="92500"/>
+          </a:bodyPr>
+          <a:lstStyle/>
+          <a:p>
+            <a:r>
+              <a:rPr lang="en-US" dirty="0"/>
+              <a:t>Plots were created using the ggplot2 package in R</a:t>
+            </a:r>
+          </a:p>
+          <a:p>
+            <a:r>
+              <a:rPr lang="en-US" dirty="0"/>
+              <a:t>Shumway and </a:t>
+            </a:r>
+            <a:r>
+              <a:rPr lang="en-US" dirty="0" err="1"/>
+              <a:t>Stoffer’s</a:t>
+            </a:r>
+            <a:r>
+              <a:rPr lang="en-US" dirty="0"/>
+              <a:t> </a:t>
+            </a:r>
+            <a:r>
+              <a:rPr lang="en-US" i="1" dirty="0"/>
+              <a:t>Time Series Analysis and Its Applications With R Examples, Fourth Edition </a:t>
+            </a:r>
+            <a:r>
+              <a:rPr lang="en-US" dirty="0"/>
+              <a:t>published by Springer was used as the main reference for the ARIMA section</a:t>
+            </a:r>
+          </a:p>
+          <a:p>
+            <a:r>
+              <a:rPr lang="en-US" i="1" dirty="0"/>
+              <a:t>Forecasting at Scale </a:t>
+            </a:r>
+            <a:r>
+              <a:rPr lang="en-US" dirty="0"/>
+              <a:t>by Sean J. Taylor and Benjamin </a:t>
+            </a:r>
+            <a:r>
+              <a:rPr lang="en-US" dirty="0" err="1"/>
+              <a:t>Letham</a:t>
+            </a:r>
+            <a:r>
+              <a:rPr lang="en-US" dirty="0"/>
+              <a:t> was used as the main reference for the Prophet section</a:t>
+            </a:r>
+          </a:p>
+          <a:p>
+            <a:r>
+              <a:rPr lang="en-US" dirty="0"/>
+              <a:t>The pictures under Neural Networks are licensed for free use under Wikimedia Commons</a:t>
+            </a:r>
+          </a:p>
+          <a:p>
+            <a:r>
+              <a:rPr lang="en-US" dirty="0"/>
+              <a:t>Uber data provided by a Rice faculty member, not made public here</a:t>
+            </a:r>
+          </a:p>
+          <a:p>
+            <a:r>
+              <a:rPr lang="en-US" dirty="0"/>
+              <a:t>Dow Jones data (used in the exercises) downloaded from Yahoo! Finance</a:t>
+            </a:r>
+          </a:p>
+          <a:p>
+            <a:endParaRPr lang="en-US" dirty="0"/>
           </a:p>
         </p:txBody>
       </p:sp>
@@ -20360,7 +20355,7 @@
           <p:cNvPr id="4" name="Date Placeholder 3">
             <a:extLst>
               <a:ext uri="{FF2B5EF4-FFF2-40B4-BE49-F238E27FC236}">
-                <a16:creationId xmlns:a16="http://schemas.microsoft.com/office/drawing/2014/main" id="{8A58F40E-A27B-49B2-B497-6F5BD5CEE0FD}"/>
+                <a16:creationId xmlns:a16="http://schemas.microsoft.com/office/drawing/2014/main" id="{540F37F1-4F33-429F-A568-1A3ADC499E54}"/>
               </a:ext>
             </a:extLst>
           </p:cNvPr>
@@ -20376,7 +20371,7 @@
           <a:bodyPr/>
           <a:lstStyle/>
           <a:p>
-            <a:fld id="{8AAE40A0-A7D8-4DC3-BC9E-BADA32DA2004}" type="datetime4">
+            <a:fld id="{B08FEED8-D7D4-44E9-BFBC-ED06B5996D94}" type="datetime4">
               <a:rPr lang="en-US" smtClean="0"/>
               <a:t>July 30, 2019</a:t>
             </a:fld>
@@ -20389,7 +20384,7 @@
           <p:cNvPr id="5" name="Footer Placeholder 4">
             <a:extLst>
               <a:ext uri="{FF2B5EF4-FFF2-40B4-BE49-F238E27FC236}">
-                <a16:creationId xmlns:a16="http://schemas.microsoft.com/office/drawing/2014/main" id="{4CD04C65-71CE-41A8-A0E2-02185BFF3E8E}"/>
+                <a16:creationId xmlns:a16="http://schemas.microsoft.com/office/drawing/2014/main" id="{673FFA57-C126-4795-A5F6-DD33AAC5ACBD}"/>
               </a:ext>
             </a:extLst>
           </p:cNvPr>
@@ -20446,7 +20441,7 @@
           <p:cNvPr id="6" name="Slide Number Placeholder 5">
             <a:extLst>
               <a:ext uri="{FF2B5EF4-FFF2-40B4-BE49-F238E27FC236}">
-                <a16:creationId xmlns:a16="http://schemas.microsoft.com/office/drawing/2014/main" id="{65AF10BF-F78F-40C0-B461-213D5763B751}"/>
+                <a16:creationId xmlns:a16="http://schemas.microsoft.com/office/drawing/2014/main" id="{2FA49567-BB70-4798-8746-D0B522CCEE20}"/>
               </a:ext>
             </a:extLst>
           </p:cNvPr>
@@ -20465,783 +20460,6 @@
             <a:fld id="{D57F1E4F-1CFF-5643-939E-02111984F565}" type="slidenum">
               <a:rPr lang="en-US" smtClean="0"/>
               <a:t>71</a:t>
-            </a:fld>
-            <a:endParaRPr lang="en-US" dirty="0"/>
-          </a:p>
-        </p:txBody>
-      </p:sp>
-    </p:spTree>
-    <p:extLst>
-      <p:ext uri="{BB962C8B-B14F-4D97-AF65-F5344CB8AC3E}">
-        <p14:creationId xmlns:p14="http://schemas.microsoft.com/office/powerpoint/2010/main" val="1759267313"/>
-      </p:ext>
-    </p:extLst>
-  </p:cSld>
-  <p:clrMapOvr>
-    <a:masterClrMapping/>
-  </p:clrMapOvr>
-</p:sld>
-</file>
-
-<file path=ppt/slides/slide72.xml><?xml version="1.0" encoding="utf-8"?>
-<p:sld xmlns:a="http://schemas.openxmlformats.org/drawingml/2006/main" xmlns:r="http://schemas.openxmlformats.org/officeDocument/2006/relationships" xmlns:p="http://schemas.openxmlformats.org/presentationml/2006/main">
-  <p:cSld>
-    <p:spTree>
-      <p:nvGrpSpPr>
-        <p:cNvPr id="1" name=""/>
-        <p:cNvGrpSpPr/>
-        <p:nvPr/>
-      </p:nvGrpSpPr>
-      <p:grpSpPr>
-        <a:xfrm>
-          <a:off x="0" y="0"/>
-          <a:ext cx="0" cy="0"/>
-          <a:chOff x="0" y="0"/>
-          <a:chExt cx="0" cy="0"/>
-        </a:xfrm>
-      </p:grpSpPr>
-      <p:sp>
-        <p:nvSpPr>
-          <p:cNvPr id="2" name="Title 1">
-            <a:extLst>
-              <a:ext uri="{FF2B5EF4-FFF2-40B4-BE49-F238E27FC236}">
-                <a16:creationId xmlns:a16="http://schemas.microsoft.com/office/drawing/2014/main" id="{0A17E1CB-6C3C-4BC7-8386-7D3C4C842418}"/>
-              </a:ext>
-            </a:extLst>
-          </p:cNvPr>
-          <p:cNvSpPr>
-            <a:spLocks noGrp="1"/>
-          </p:cNvSpPr>
-          <p:nvPr>
-            <p:ph type="title"/>
-          </p:nvPr>
-        </p:nvSpPr>
-        <p:spPr/>
-        <p:txBody>
-          <a:bodyPr/>
-          <a:lstStyle/>
-          <a:p>
-            <a:r>
-              <a:rPr lang="en-US" dirty="0"/>
-              <a:t>MODEL WEAKNESSES</a:t>
-            </a:r>
-          </a:p>
-        </p:txBody>
-      </p:sp>
-      <p:sp>
-        <p:nvSpPr>
-          <p:cNvPr id="3" name="Content Placeholder 2">
-            <a:extLst>
-              <a:ext uri="{FF2B5EF4-FFF2-40B4-BE49-F238E27FC236}">
-                <a16:creationId xmlns:a16="http://schemas.microsoft.com/office/drawing/2014/main" id="{FAB0179F-E1A1-4EC1-ADBD-FF50D7EA5440}"/>
-              </a:ext>
-            </a:extLst>
-          </p:cNvPr>
-          <p:cNvSpPr>
-            <a:spLocks noGrp="1"/>
-          </p:cNvSpPr>
-          <p:nvPr>
-            <p:ph idx="1"/>
-          </p:nvPr>
-        </p:nvSpPr>
-        <p:spPr>
-          <a:xfrm>
-            <a:off x="838200" y="1811034"/>
-            <a:ext cx="10515600" cy="4351338"/>
-          </a:xfrm>
-        </p:spPr>
-        <p:txBody>
-          <a:bodyPr/>
-          <a:lstStyle/>
-          <a:p>
-            <a:r>
-              <a:rPr lang="en-US" dirty="0"/>
-              <a:t>ARIMA</a:t>
-            </a:r>
-          </a:p>
-          <a:p>
-            <a:pPr lvl="1"/>
-            <a:r>
-              <a:rPr lang="en-US" dirty="0"/>
-              <a:t>Not great at longer seasonal trends, never forgets</a:t>
-            </a:r>
-          </a:p>
-          <a:p>
-            <a:r>
-              <a:rPr lang="en-US" dirty="0"/>
-              <a:t>Prophet</a:t>
-            </a:r>
-          </a:p>
-          <a:p>
-            <a:pPr lvl="1"/>
-            <a:r>
-              <a:rPr lang="en-US" dirty="0"/>
-              <a:t>Annoying interface, </a:t>
-            </a:r>
-          </a:p>
-          <a:p>
-            <a:r>
-              <a:rPr lang="en-US" dirty="0"/>
-              <a:t>Simple RNN</a:t>
-            </a:r>
-          </a:p>
-          <a:p>
-            <a:pPr lvl="1"/>
-            <a:r>
-              <a:rPr lang="en-US" dirty="0"/>
-              <a:t>All the drawbacks of LSTM, but also less flexibility</a:t>
-            </a:r>
-          </a:p>
-          <a:p>
-            <a:r>
-              <a:rPr lang="en-US" dirty="0"/>
-              <a:t>LSTM</a:t>
-            </a:r>
-          </a:p>
-          <a:p>
-            <a:pPr lvl="1"/>
-            <a:r>
-              <a:rPr lang="en-US" dirty="0"/>
-              <a:t>Can be very finicky to train, uninterpretable, extremely slow and resource-intensive</a:t>
-            </a:r>
-          </a:p>
-        </p:txBody>
-      </p:sp>
-      <p:sp>
-        <p:nvSpPr>
-          <p:cNvPr id="4" name="Date Placeholder 3">
-            <a:extLst>
-              <a:ext uri="{FF2B5EF4-FFF2-40B4-BE49-F238E27FC236}">
-                <a16:creationId xmlns:a16="http://schemas.microsoft.com/office/drawing/2014/main" id="{8A58F40E-A27B-49B2-B497-6F5BD5CEE0FD}"/>
-              </a:ext>
-            </a:extLst>
-          </p:cNvPr>
-          <p:cNvSpPr>
-            <a:spLocks noGrp="1"/>
-          </p:cNvSpPr>
-          <p:nvPr>
-            <p:ph type="dt" sz="half" idx="10"/>
-          </p:nvPr>
-        </p:nvSpPr>
-        <p:spPr/>
-        <p:txBody>
-          <a:bodyPr/>
-          <a:lstStyle/>
-          <a:p>
-            <a:fld id="{8AAE40A0-A7D8-4DC3-BC9E-BADA32DA2004}" type="datetime4">
-              <a:rPr lang="en-US" smtClean="0"/>
-              <a:t>July 30, 2019</a:t>
-            </a:fld>
-            <a:endParaRPr lang="en-US" dirty="0"/>
-          </a:p>
-        </p:txBody>
-      </p:sp>
-      <p:sp>
-        <p:nvSpPr>
-          <p:cNvPr id="5" name="Footer Placeholder 4">
-            <a:extLst>
-              <a:ext uri="{FF2B5EF4-FFF2-40B4-BE49-F238E27FC236}">
-                <a16:creationId xmlns:a16="http://schemas.microsoft.com/office/drawing/2014/main" id="{4CD04C65-71CE-41A8-A0E2-02185BFF3E8E}"/>
-              </a:ext>
-            </a:extLst>
-          </p:cNvPr>
-          <p:cNvSpPr>
-            <a:spLocks noGrp="1"/>
-          </p:cNvSpPr>
-          <p:nvPr>
-            <p:ph type="ftr" sz="quarter" idx="11"/>
-          </p:nvPr>
-        </p:nvSpPr>
-        <p:spPr/>
-        <p:txBody>
-          <a:bodyPr/>
-          <a:lstStyle/>
-          <a:p>
-            <a:r>
-              <a:rPr lang="en-US"/>
-              <a:t>Digital Scholarship Services </a:t>
-            </a:r>
-            <a:r>
-              <a:rPr lang="en-US">
-                <a:solidFill>
-                  <a:schemeClr val="accent1">
-                    <a:lumMod val="50000"/>
-                  </a:schemeClr>
-                </a:solidFill>
-              </a:rPr>
-              <a:t>| Email</a:t>
-            </a:r>
-            <a:r>
-              <a:rPr lang="en-US"/>
-              <a:t> cf24@rice.edu </a:t>
-            </a:r>
-            <a:r>
-              <a:rPr lang="en-US">
-                <a:solidFill>
-                  <a:schemeClr val="accent1">
-                    <a:lumMod val="50000"/>
-                  </a:schemeClr>
-                </a:solidFill>
-              </a:rPr>
-              <a:t>|</a:t>
-            </a:r>
-            <a:r>
-              <a:rPr lang="en-US"/>
-              <a:t> library.rice.edu/dss</a:t>
-            </a:r>
-            <a:endParaRPr lang="en-US" dirty="0"/>
-          </a:p>
-        </p:txBody>
-      </p:sp>
-      <p:sp>
-        <p:nvSpPr>
-          <p:cNvPr id="6" name="Slide Number Placeholder 5">
-            <a:extLst>
-              <a:ext uri="{FF2B5EF4-FFF2-40B4-BE49-F238E27FC236}">
-                <a16:creationId xmlns:a16="http://schemas.microsoft.com/office/drawing/2014/main" id="{65AF10BF-F78F-40C0-B461-213D5763B751}"/>
-              </a:ext>
-            </a:extLst>
-          </p:cNvPr>
-          <p:cNvSpPr>
-            <a:spLocks noGrp="1"/>
-          </p:cNvSpPr>
-          <p:nvPr>
-            <p:ph type="sldNum" sz="quarter" idx="12"/>
-          </p:nvPr>
-        </p:nvSpPr>
-        <p:spPr/>
-        <p:txBody>
-          <a:bodyPr/>
-          <a:lstStyle/>
-          <a:p>
-            <a:fld id="{D57F1E4F-1CFF-5643-939E-02111984F565}" type="slidenum">
-              <a:rPr lang="en-US" smtClean="0"/>
-              <a:t>72</a:t>
-            </a:fld>
-            <a:endParaRPr lang="en-US" dirty="0"/>
-          </a:p>
-        </p:txBody>
-      </p:sp>
-    </p:spTree>
-    <p:extLst>
-      <p:ext uri="{BB962C8B-B14F-4D97-AF65-F5344CB8AC3E}">
-        <p14:creationId xmlns:p14="http://schemas.microsoft.com/office/powerpoint/2010/main" val="2589269930"/>
-      </p:ext>
-    </p:extLst>
-  </p:cSld>
-  <p:clrMapOvr>
-    <a:masterClrMapping/>
-  </p:clrMapOvr>
-</p:sld>
-</file>
-
-<file path=ppt/slides/slide73.xml><?xml version="1.0" encoding="utf-8"?>
-<p:sld xmlns:a="http://schemas.openxmlformats.org/drawingml/2006/main" xmlns:r="http://schemas.openxmlformats.org/officeDocument/2006/relationships" xmlns:p="http://schemas.openxmlformats.org/presentationml/2006/main">
-  <p:cSld>
-    <p:spTree>
-      <p:nvGrpSpPr>
-        <p:cNvPr id="1" name=""/>
-        <p:cNvGrpSpPr/>
-        <p:nvPr/>
-      </p:nvGrpSpPr>
-      <p:grpSpPr>
-        <a:xfrm>
-          <a:off x="0" y="0"/>
-          <a:ext cx="0" cy="0"/>
-          <a:chOff x="0" y="0"/>
-          <a:chExt cx="0" cy="0"/>
-        </a:xfrm>
-      </p:grpSpPr>
-      <p:sp>
-        <p:nvSpPr>
-          <p:cNvPr id="2" name="Title 1">
-            <a:extLst>
-              <a:ext uri="{FF2B5EF4-FFF2-40B4-BE49-F238E27FC236}">
-                <a16:creationId xmlns:a16="http://schemas.microsoft.com/office/drawing/2014/main" id="{0A17E1CB-6C3C-4BC7-8386-7D3C4C842418}"/>
-              </a:ext>
-            </a:extLst>
-          </p:cNvPr>
-          <p:cNvSpPr>
-            <a:spLocks noGrp="1"/>
-          </p:cNvSpPr>
-          <p:nvPr>
-            <p:ph type="title"/>
-          </p:nvPr>
-        </p:nvSpPr>
-        <p:spPr/>
-        <p:txBody>
-          <a:bodyPr/>
-          <a:lstStyle/>
-          <a:p>
-            <a:r>
-              <a:rPr lang="en-US" dirty="0"/>
-              <a:t>MY PERSONAL ADVICE</a:t>
-            </a:r>
-          </a:p>
-        </p:txBody>
-      </p:sp>
-      <p:sp>
-        <p:nvSpPr>
-          <p:cNvPr id="3" name="Content Placeholder 2">
-            <a:extLst>
-              <a:ext uri="{FF2B5EF4-FFF2-40B4-BE49-F238E27FC236}">
-                <a16:creationId xmlns:a16="http://schemas.microsoft.com/office/drawing/2014/main" id="{FAB0179F-E1A1-4EC1-ADBD-FF50D7EA5440}"/>
-              </a:ext>
-            </a:extLst>
-          </p:cNvPr>
-          <p:cNvSpPr>
-            <a:spLocks noGrp="1"/>
-          </p:cNvSpPr>
-          <p:nvPr>
-            <p:ph idx="1"/>
-          </p:nvPr>
-        </p:nvSpPr>
-        <p:spPr>
-          <a:xfrm>
-            <a:off x="838200" y="1811034"/>
-            <a:ext cx="10515600" cy="4351338"/>
-          </a:xfrm>
-        </p:spPr>
-        <p:txBody>
-          <a:bodyPr>
-            <a:normAutofit fontScale="92500"/>
-          </a:bodyPr>
-          <a:lstStyle/>
-          <a:p>
-            <a:r>
-              <a:rPr lang="en-US" dirty="0"/>
-              <a:t>Visualize your data extensively</a:t>
-            </a:r>
-          </a:p>
-          <a:p>
-            <a:pPr lvl="1"/>
-            <a:r>
-              <a:rPr lang="en-US" dirty="0"/>
-              <a:t>Lots of great insights can be found</a:t>
-            </a:r>
-          </a:p>
-          <a:p>
-            <a:pPr lvl="1"/>
-            <a:r>
-              <a:rPr lang="en-US" dirty="0"/>
-              <a:t>Lagged scatterplots, plots by day/week/hour of day</a:t>
-            </a:r>
-            <a:r>
-              <a:rPr lang="en-US"/>
-              <a:t>, (partial</a:t>
-            </a:r>
-            <a:r>
-              <a:rPr lang="en-US" dirty="0"/>
-              <a:t>)-autocorrelation plots</a:t>
-            </a:r>
-          </a:p>
-          <a:p>
-            <a:r>
-              <a:rPr lang="en-US" dirty="0"/>
-              <a:t>Make it stationary</a:t>
-            </a:r>
-          </a:p>
-          <a:p>
-            <a:pPr lvl="1"/>
-            <a:r>
-              <a:rPr lang="en-US" dirty="0"/>
-              <a:t>This will help you understand the data more</a:t>
-            </a:r>
-          </a:p>
-          <a:p>
-            <a:r>
-              <a:rPr lang="en-US" dirty="0"/>
-              <a:t>Start with a Prophet model</a:t>
-            </a:r>
-          </a:p>
-          <a:p>
-            <a:pPr lvl="1"/>
-            <a:r>
-              <a:rPr lang="en-US" dirty="0"/>
-              <a:t>Quick and fast</a:t>
-            </a:r>
-          </a:p>
-          <a:p>
-            <a:r>
-              <a:rPr lang="en-US" dirty="0"/>
-              <a:t>Try out a few ARIMA models</a:t>
-            </a:r>
-          </a:p>
-          <a:p>
-            <a:pPr lvl="1"/>
-            <a:r>
-              <a:rPr lang="en-US" dirty="0"/>
-              <a:t>Tweak the parameters a little bit</a:t>
-            </a:r>
-          </a:p>
-          <a:p>
-            <a:r>
-              <a:rPr lang="en-US" dirty="0"/>
-              <a:t>If, and only if, these models don’t meet your needs, build and tune an LSTM</a:t>
-            </a:r>
-          </a:p>
-        </p:txBody>
-      </p:sp>
-      <p:sp>
-        <p:nvSpPr>
-          <p:cNvPr id="4" name="Date Placeholder 3">
-            <a:extLst>
-              <a:ext uri="{FF2B5EF4-FFF2-40B4-BE49-F238E27FC236}">
-                <a16:creationId xmlns:a16="http://schemas.microsoft.com/office/drawing/2014/main" id="{8A58F40E-A27B-49B2-B497-6F5BD5CEE0FD}"/>
-              </a:ext>
-            </a:extLst>
-          </p:cNvPr>
-          <p:cNvSpPr>
-            <a:spLocks noGrp="1"/>
-          </p:cNvSpPr>
-          <p:nvPr>
-            <p:ph type="dt" sz="half" idx="10"/>
-          </p:nvPr>
-        </p:nvSpPr>
-        <p:spPr/>
-        <p:txBody>
-          <a:bodyPr/>
-          <a:lstStyle/>
-          <a:p>
-            <a:fld id="{8AAE40A0-A7D8-4DC3-BC9E-BADA32DA2004}" type="datetime4">
-              <a:rPr lang="en-US" smtClean="0"/>
-              <a:t>July 30, 2019</a:t>
-            </a:fld>
-            <a:endParaRPr lang="en-US" dirty="0"/>
-          </a:p>
-        </p:txBody>
-      </p:sp>
-      <p:sp>
-        <p:nvSpPr>
-          <p:cNvPr id="5" name="Footer Placeholder 4">
-            <a:extLst>
-              <a:ext uri="{FF2B5EF4-FFF2-40B4-BE49-F238E27FC236}">
-                <a16:creationId xmlns:a16="http://schemas.microsoft.com/office/drawing/2014/main" id="{4CD04C65-71CE-41A8-A0E2-02185BFF3E8E}"/>
-              </a:ext>
-            </a:extLst>
-          </p:cNvPr>
-          <p:cNvSpPr>
-            <a:spLocks noGrp="1"/>
-          </p:cNvSpPr>
-          <p:nvPr>
-            <p:ph type="ftr" sz="quarter" idx="11"/>
-          </p:nvPr>
-        </p:nvSpPr>
-        <p:spPr/>
-        <p:txBody>
-          <a:bodyPr/>
-          <a:lstStyle/>
-          <a:p>
-            <a:r>
-              <a:rPr lang="en-US"/>
-              <a:t>Digital Scholarship Services </a:t>
-            </a:r>
-            <a:r>
-              <a:rPr lang="en-US">
-                <a:solidFill>
-                  <a:schemeClr val="accent1">
-                    <a:lumMod val="50000"/>
-                  </a:schemeClr>
-                </a:solidFill>
-              </a:rPr>
-              <a:t>| Email</a:t>
-            </a:r>
-            <a:r>
-              <a:rPr lang="en-US"/>
-              <a:t> cf24@rice.edu </a:t>
-            </a:r>
-            <a:r>
-              <a:rPr lang="en-US">
-                <a:solidFill>
-                  <a:schemeClr val="accent1">
-                    <a:lumMod val="50000"/>
-                  </a:schemeClr>
-                </a:solidFill>
-              </a:rPr>
-              <a:t>|</a:t>
-            </a:r>
-            <a:r>
-              <a:rPr lang="en-US"/>
-              <a:t> library.rice.edu/dss</a:t>
-            </a:r>
-            <a:endParaRPr lang="en-US" dirty="0"/>
-          </a:p>
-        </p:txBody>
-      </p:sp>
-      <p:sp>
-        <p:nvSpPr>
-          <p:cNvPr id="6" name="Slide Number Placeholder 5">
-            <a:extLst>
-              <a:ext uri="{FF2B5EF4-FFF2-40B4-BE49-F238E27FC236}">
-                <a16:creationId xmlns:a16="http://schemas.microsoft.com/office/drawing/2014/main" id="{65AF10BF-F78F-40C0-B461-213D5763B751}"/>
-              </a:ext>
-            </a:extLst>
-          </p:cNvPr>
-          <p:cNvSpPr>
-            <a:spLocks noGrp="1"/>
-          </p:cNvSpPr>
-          <p:nvPr>
-            <p:ph type="sldNum" sz="quarter" idx="12"/>
-          </p:nvPr>
-        </p:nvSpPr>
-        <p:spPr/>
-        <p:txBody>
-          <a:bodyPr/>
-          <a:lstStyle/>
-          <a:p>
-            <a:fld id="{D57F1E4F-1CFF-5643-939E-02111984F565}" type="slidenum">
-              <a:rPr lang="en-US" smtClean="0"/>
-              <a:t>73</a:t>
-            </a:fld>
-            <a:endParaRPr lang="en-US" dirty="0"/>
-          </a:p>
-        </p:txBody>
-      </p:sp>
-    </p:spTree>
-    <p:extLst>
-      <p:ext uri="{BB962C8B-B14F-4D97-AF65-F5344CB8AC3E}">
-        <p14:creationId xmlns:p14="http://schemas.microsoft.com/office/powerpoint/2010/main" val="2224208961"/>
-      </p:ext>
-    </p:extLst>
-  </p:cSld>
-  <p:clrMapOvr>
-    <a:masterClrMapping/>
-  </p:clrMapOvr>
-</p:sld>
-</file>
-
-<file path=ppt/slides/slide74.xml><?xml version="1.0" encoding="utf-8"?>
-<p:sld xmlns:a="http://schemas.openxmlformats.org/drawingml/2006/main" xmlns:r="http://schemas.openxmlformats.org/officeDocument/2006/relationships" xmlns:p="http://schemas.openxmlformats.org/presentationml/2006/main">
-  <p:cSld>
-    <p:spTree>
-      <p:nvGrpSpPr>
-        <p:cNvPr id="1" name=""/>
-        <p:cNvGrpSpPr/>
-        <p:nvPr/>
-      </p:nvGrpSpPr>
-      <p:grpSpPr>
-        <a:xfrm>
-          <a:off x="0" y="0"/>
-          <a:ext cx="0" cy="0"/>
-          <a:chOff x="0" y="0"/>
-          <a:chExt cx="0" cy="0"/>
-        </a:xfrm>
-      </p:grpSpPr>
-      <p:sp>
-        <p:nvSpPr>
-          <p:cNvPr id="7" name="Title 6">
-            <a:extLst>
-              <a:ext uri="{FF2B5EF4-FFF2-40B4-BE49-F238E27FC236}">
-                <a16:creationId xmlns:a16="http://schemas.microsoft.com/office/drawing/2014/main" id="{495B4BC0-844B-4414-A623-BEF78AAC1BA1}"/>
-              </a:ext>
-            </a:extLst>
-          </p:cNvPr>
-          <p:cNvSpPr>
-            <a:spLocks noGrp="1"/>
-          </p:cNvSpPr>
-          <p:nvPr>
-            <p:ph type="title"/>
-          </p:nvPr>
-        </p:nvSpPr>
-        <p:spPr/>
-        <p:txBody>
-          <a:bodyPr/>
-          <a:lstStyle/>
-          <a:p>
-            <a:r>
-              <a:rPr lang="en-US" dirty="0"/>
-              <a:t>ACKNOWLEDGMENTS</a:t>
-            </a:r>
-          </a:p>
-        </p:txBody>
-      </p:sp>
-      <p:sp>
-        <p:nvSpPr>
-          <p:cNvPr id="8" name="Content Placeholder 7">
-            <a:extLst>
-              <a:ext uri="{FF2B5EF4-FFF2-40B4-BE49-F238E27FC236}">
-                <a16:creationId xmlns:a16="http://schemas.microsoft.com/office/drawing/2014/main" id="{2BED3EB3-7E98-4A82-8335-7321D9E37B16}"/>
-              </a:ext>
-            </a:extLst>
-          </p:cNvPr>
-          <p:cNvSpPr>
-            <a:spLocks noGrp="1"/>
-          </p:cNvSpPr>
-          <p:nvPr>
-            <p:ph idx="1"/>
-          </p:nvPr>
-        </p:nvSpPr>
-        <p:spPr/>
-        <p:txBody>
-          <a:bodyPr/>
-          <a:lstStyle/>
-          <a:p>
-            <a:r>
-              <a:rPr lang="en-US" dirty="0"/>
-              <a:t>Plots were created using the ggplot2 package in R</a:t>
-            </a:r>
-          </a:p>
-          <a:p>
-            <a:r>
-              <a:rPr lang="en-US" dirty="0"/>
-              <a:t>Shumway and </a:t>
-            </a:r>
-            <a:r>
-              <a:rPr lang="en-US" dirty="0" err="1"/>
-              <a:t>Stoffer’s</a:t>
-            </a:r>
-            <a:r>
-              <a:rPr lang="en-US" dirty="0"/>
-              <a:t> </a:t>
-            </a:r>
-            <a:r>
-              <a:rPr lang="en-US" i="1" dirty="0"/>
-              <a:t>Time Series Analysis and Its Applications With R Examples, Fourth Edition </a:t>
-            </a:r>
-            <a:r>
-              <a:rPr lang="en-US" dirty="0"/>
-              <a:t>published by Springer was used as the main reference for the ARIMA section</a:t>
-            </a:r>
-          </a:p>
-          <a:p>
-            <a:r>
-              <a:rPr lang="en-US" i="1" dirty="0"/>
-              <a:t>Forecasting at Scale </a:t>
-            </a:r>
-            <a:r>
-              <a:rPr lang="en-US" dirty="0"/>
-              <a:t>by Sean J. Taylor and Benjamin </a:t>
-            </a:r>
-            <a:r>
-              <a:rPr lang="en-US" dirty="0" err="1"/>
-              <a:t>Letham</a:t>
-            </a:r>
-            <a:r>
-              <a:rPr lang="en-US" dirty="0"/>
-              <a:t> at Facebook was used as the main reference for the Prophet section</a:t>
-            </a:r>
-          </a:p>
-          <a:p>
-            <a:r>
-              <a:rPr lang="en-US" dirty="0"/>
-              <a:t>The pictures under Neural Networks are licensed for free use under Wikimedia Commons.</a:t>
-            </a:r>
-          </a:p>
-          <a:p>
-            <a:endParaRPr lang="en-US" dirty="0"/>
-          </a:p>
-        </p:txBody>
-      </p:sp>
-      <p:sp>
-        <p:nvSpPr>
-          <p:cNvPr id="4" name="Date Placeholder 3">
-            <a:extLst>
-              <a:ext uri="{FF2B5EF4-FFF2-40B4-BE49-F238E27FC236}">
-                <a16:creationId xmlns:a16="http://schemas.microsoft.com/office/drawing/2014/main" id="{540F37F1-4F33-429F-A568-1A3ADC499E54}"/>
-              </a:ext>
-            </a:extLst>
-          </p:cNvPr>
-          <p:cNvSpPr>
-            <a:spLocks noGrp="1"/>
-          </p:cNvSpPr>
-          <p:nvPr>
-            <p:ph type="dt" sz="half" idx="10"/>
-          </p:nvPr>
-        </p:nvSpPr>
-        <p:spPr/>
-        <p:txBody>
-          <a:bodyPr/>
-          <a:lstStyle/>
-          <a:p>
-            <a:fld id="{B08FEED8-D7D4-44E9-BFBC-ED06B5996D94}" type="datetime4">
-              <a:rPr lang="en-US" smtClean="0"/>
-              <a:t>July 30, 2019</a:t>
-            </a:fld>
-            <a:endParaRPr lang="en-US" dirty="0"/>
-          </a:p>
-        </p:txBody>
-      </p:sp>
-      <p:sp>
-        <p:nvSpPr>
-          <p:cNvPr id="5" name="Footer Placeholder 4">
-            <a:extLst>
-              <a:ext uri="{FF2B5EF4-FFF2-40B4-BE49-F238E27FC236}">
-                <a16:creationId xmlns:a16="http://schemas.microsoft.com/office/drawing/2014/main" id="{673FFA57-C126-4795-A5F6-DD33AAC5ACBD}"/>
-              </a:ext>
-            </a:extLst>
-          </p:cNvPr>
-          <p:cNvSpPr>
-            <a:spLocks noGrp="1"/>
-          </p:cNvSpPr>
-          <p:nvPr>
-            <p:ph type="ftr" sz="quarter" idx="11"/>
-          </p:nvPr>
-        </p:nvSpPr>
-        <p:spPr/>
-        <p:txBody>
-          <a:bodyPr/>
-          <a:lstStyle/>
-          <a:p>
-            <a:r>
-              <a:rPr lang="en-US"/>
-              <a:t>Digital Scholarship Services </a:t>
-            </a:r>
-            <a:r>
-              <a:rPr lang="en-US">
-                <a:solidFill>
-                  <a:schemeClr val="accent1">
-                    <a:lumMod val="50000"/>
-                  </a:schemeClr>
-                </a:solidFill>
-              </a:rPr>
-              <a:t>| Email</a:t>
-            </a:r>
-            <a:r>
-              <a:rPr lang="en-US"/>
-              <a:t> cf24@rice.edu </a:t>
-            </a:r>
-            <a:r>
-              <a:rPr lang="en-US">
-                <a:solidFill>
-                  <a:schemeClr val="accent1">
-                    <a:lumMod val="50000"/>
-                  </a:schemeClr>
-                </a:solidFill>
-              </a:rPr>
-              <a:t>|</a:t>
-            </a:r>
-            <a:r>
-              <a:rPr lang="en-US"/>
-              <a:t> library.rice.edu/dss</a:t>
-            </a:r>
-            <a:endParaRPr lang="en-US" dirty="0"/>
-          </a:p>
-        </p:txBody>
-      </p:sp>
-      <p:sp>
-        <p:nvSpPr>
-          <p:cNvPr id="6" name="Slide Number Placeholder 5">
-            <a:extLst>
-              <a:ext uri="{FF2B5EF4-FFF2-40B4-BE49-F238E27FC236}">
-                <a16:creationId xmlns:a16="http://schemas.microsoft.com/office/drawing/2014/main" id="{2FA49567-BB70-4798-8746-D0B522CCEE20}"/>
-              </a:ext>
-            </a:extLst>
-          </p:cNvPr>
-          <p:cNvSpPr>
-            <a:spLocks noGrp="1"/>
-          </p:cNvSpPr>
-          <p:nvPr>
-            <p:ph type="sldNum" sz="quarter" idx="12"/>
-          </p:nvPr>
-        </p:nvSpPr>
-        <p:spPr/>
-        <p:txBody>
-          <a:bodyPr/>
-          <a:lstStyle/>
-          <a:p>
-            <a:fld id="{D57F1E4F-1CFF-5643-939E-02111984F565}" type="slidenum">
-              <a:rPr lang="en-US" smtClean="0"/>
-              <a:t>74</a:t>
             </a:fld>
             <a:endParaRPr lang="en-US" dirty="0"/>
           </a:p>
